--- a/JavaLecture/LectureFile/샘플.pptx
+++ b/JavaLecture/LectureFile/샘플.pptx
@@ -322,7 +322,7 @@
           <a:p>
             <a:fld id="{F8166F1F-CE9B-4651-A6AA-CD717754106B}" type="datetimeFigureOut">
               <a:rPr lang="en-US" smtClean="0"/>
-              <a:t>12/18/2022</a:t>
+              <a:t>1/13/2023</a:t>
             </a:fld>
             <a:endParaRPr lang="en-US"/>
           </a:p>
@@ -485,7 +485,7 @@
           <a:p>
             <a:fld id="{A76116CE-C4A3-4A05-B2D7-7C2E9A889C0F}" type="datetimeFigureOut">
               <a:rPr lang="en-US" smtClean="0"/>
-              <a:t>12/18/2022</a:t>
+              <a:t>1/13/2023</a:t>
             </a:fld>
             <a:endParaRPr lang="en-US"/>
           </a:p>
@@ -658,7 +658,7 @@
           <a:p>
             <a:fld id="{A76116CE-C4A3-4A05-B2D7-7C2E9A889C0F}" type="datetimeFigureOut">
               <a:rPr lang="en-US" smtClean="0"/>
-              <a:t>12/18/2022</a:t>
+              <a:t>1/13/2023</a:t>
             </a:fld>
             <a:endParaRPr lang="en-US"/>
           </a:p>
@@ -823,7 +823,7 @@
           <a:p>
             <a:fld id="{A76116CE-C4A3-4A05-B2D7-7C2E9A889C0F}" type="datetimeFigureOut">
               <a:rPr lang="en-US" smtClean="0"/>
-              <a:t>12/18/2022</a:t>
+              <a:t>1/13/2023</a:t>
             </a:fld>
             <a:endParaRPr lang="en-US"/>
           </a:p>
@@ -1063,7 +1063,7 @@
           <a:p>
             <a:fld id="{A76116CE-C4A3-4A05-B2D7-7C2E9A889C0F}" type="datetimeFigureOut">
               <a:rPr lang="en-US" smtClean="0"/>
-              <a:t>12/18/2022</a:t>
+              <a:t>1/13/2023</a:t>
             </a:fld>
             <a:endParaRPr lang="en-US"/>
           </a:p>
@@ -1343,7 +1343,7 @@
           <a:p>
             <a:fld id="{A76116CE-C4A3-4A05-B2D7-7C2E9A889C0F}" type="datetimeFigureOut">
               <a:rPr lang="en-US" smtClean="0"/>
-              <a:t>12/18/2022</a:t>
+              <a:t>1/13/2023</a:t>
             </a:fld>
             <a:endParaRPr lang="en-US"/>
           </a:p>
@@ -1757,7 +1757,7 @@
           <a:p>
             <a:fld id="{A76116CE-C4A3-4A05-B2D7-7C2E9A889C0F}" type="datetimeFigureOut">
               <a:rPr lang="en-US" smtClean="0"/>
-              <a:t>12/18/2022</a:t>
+              <a:t>1/13/2023</a:t>
             </a:fld>
             <a:endParaRPr lang="en-US"/>
           </a:p>
@@ -1869,7 +1869,7 @@
           <a:p>
             <a:fld id="{A76116CE-C4A3-4A05-B2D7-7C2E9A889C0F}" type="datetimeFigureOut">
               <a:rPr lang="en-US" smtClean="0"/>
-              <a:t>12/18/2022</a:t>
+              <a:t>1/13/2023</a:t>
             </a:fld>
             <a:endParaRPr lang="en-US"/>
           </a:p>
@@ -1959,7 +1959,7 @@
           <a:p>
             <a:fld id="{A76116CE-C4A3-4A05-B2D7-7C2E9A889C0F}" type="datetimeFigureOut">
               <a:rPr lang="en-US" smtClean="0"/>
-              <a:t>12/18/2022</a:t>
+              <a:t>1/13/2023</a:t>
             </a:fld>
             <a:endParaRPr lang="en-US"/>
           </a:p>
@@ -2229,7 +2229,7 @@
           <a:p>
             <a:fld id="{A76116CE-C4A3-4A05-B2D7-7C2E9A889C0F}" type="datetimeFigureOut">
               <a:rPr lang="en-US" smtClean="0"/>
-              <a:t>12/18/2022</a:t>
+              <a:t>1/13/2023</a:t>
             </a:fld>
             <a:endParaRPr lang="en-US"/>
           </a:p>
@@ -2476,7 +2476,7 @@
           <a:p>
             <a:fld id="{A76116CE-C4A3-4A05-B2D7-7C2E9A889C0F}" type="datetimeFigureOut">
               <a:rPr lang="en-US" smtClean="0"/>
-              <a:t>12/18/2022</a:t>
+              <a:t>1/13/2023</a:t>
             </a:fld>
             <a:endParaRPr lang="en-US"/>
           </a:p>
@@ -2682,7 +2682,7 @@
           <a:p>
             <a:fld id="{F8166F1F-CE9B-4651-A6AA-CD717754106B}" type="datetimeFigureOut">
               <a:rPr lang="en-US" smtClean="0"/>
-              <a:t>12/18/2022</a:t>
+              <a:t>1/13/2023</a:t>
             </a:fld>
             <a:endParaRPr lang="en-US"/>
           </a:p>
@@ -6862,6 +6862,73 @@
           </p:pic>
         </p:grpSp>
       </p:grpSp>
+      <p:sp>
+        <p:nvSpPr>
+          <p:cNvPr id="30" name="TextBox 29">
+            <a:extLst>
+              <a:ext uri="{FF2B5EF4-FFF2-40B4-BE49-F238E27FC236}">
+                <a16:creationId xmlns:a16="http://schemas.microsoft.com/office/drawing/2014/main" id="{EDC0CEAC-03B0-6CA0-B904-A9724C34AA11}"/>
+              </a:ext>
+            </a:extLst>
+          </p:cNvPr>
+          <p:cNvSpPr txBox="1"/>
+          <p:nvPr/>
+        </p:nvSpPr>
+        <p:spPr>
+          <a:xfrm>
+            <a:off x="6553200" y="6057900"/>
+            <a:ext cx="6400800" cy="830997"/>
+          </a:xfrm>
+          <a:prstGeom prst="rect">
+            <a:avLst/>
+          </a:prstGeom>
+          <a:noFill/>
+        </p:spPr>
+        <p:txBody>
+          <a:bodyPr wrap="square" rtlCol="0">
+            <a:spAutoFit/>
+          </a:bodyPr>
+          <a:lstStyle/>
+          <a:p>
+            <a:r>
+              <a:rPr lang="en-US" altLang="ko-KR" sz="4800" dirty="0" err="1">
+                <a:solidFill>
+                  <a:schemeClr val="tx1">
+                    <a:lumMod val="50000"/>
+                    <a:lumOff val="50000"/>
+                  </a:schemeClr>
+                </a:solidFill>
+                <a:latin typeface="G마켓 산스 Medium" panose="02000000000000000000" pitchFamily="50" charset="-127"/>
+                <a:ea typeface="G마켓 산스 Medium" panose="02000000000000000000" pitchFamily="50" charset="-127"/>
+              </a:rPr>
+              <a:t>Cout</a:t>
+            </a:r>
+            <a:r>
+              <a:rPr lang="ko-KR" altLang="en-US" sz="4800" dirty="0">
+                <a:solidFill>
+                  <a:schemeClr val="tx1">
+                    <a:lumMod val="50000"/>
+                    <a:lumOff val="50000"/>
+                  </a:schemeClr>
+                </a:solidFill>
+                <a:latin typeface="G마켓 산스 Medium" panose="02000000000000000000" pitchFamily="50" charset="-127"/>
+                <a:ea typeface="G마켓 산스 Medium" panose="02000000000000000000" pitchFamily="50" charset="-127"/>
+              </a:rPr>
+              <a:t>을 다시 살펴보자</a:t>
+            </a:r>
+            <a:endParaRPr lang="en-US" altLang="ko-KR" sz="4800" dirty="0">
+              <a:solidFill>
+                <a:schemeClr val="tx1">
+                  <a:lumMod val="50000"/>
+                  <a:lumOff val="50000"/>
+                </a:schemeClr>
+              </a:solidFill>
+              <a:latin typeface="G마켓 산스 Medium" panose="02000000000000000000" pitchFamily="50" charset="-127"/>
+              <a:ea typeface="G마켓 산스 Medium" panose="02000000000000000000" pitchFamily="50" charset="-127"/>
+            </a:endParaRPr>
+          </a:p>
+        </p:txBody>
+      </p:sp>
     </p:spTree>
     <p:extLst>
       <p:ext uri="{BB962C8B-B14F-4D97-AF65-F5344CB8AC3E}">

--- a/JavaLecture/LectureFile/샘플.pptx
+++ b/JavaLecture/LectureFile/샘플.pptx
@@ -322,7 +322,7 @@
           <a:p>
             <a:fld id="{F8166F1F-CE9B-4651-A6AA-CD717754106B}" type="datetimeFigureOut">
               <a:rPr lang="en-US" smtClean="0"/>
-              <a:t>1/13/2023</a:t>
+              <a:t>1/14/2023</a:t>
             </a:fld>
             <a:endParaRPr lang="en-US"/>
           </a:p>
@@ -485,7 +485,7 @@
           <a:p>
             <a:fld id="{A76116CE-C4A3-4A05-B2D7-7C2E9A889C0F}" type="datetimeFigureOut">
               <a:rPr lang="en-US" smtClean="0"/>
-              <a:t>1/13/2023</a:t>
+              <a:t>1/14/2023</a:t>
             </a:fld>
             <a:endParaRPr lang="en-US"/>
           </a:p>
@@ -658,7 +658,7 @@
           <a:p>
             <a:fld id="{A76116CE-C4A3-4A05-B2D7-7C2E9A889C0F}" type="datetimeFigureOut">
               <a:rPr lang="en-US" smtClean="0"/>
-              <a:t>1/13/2023</a:t>
+              <a:t>1/14/2023</a:t>
             </a:fld>
             <a:endParaRPr lang="en-US"/>
           </a:p>
@@ -823,7 +823,7 @@
           <a:p>
             <a:fld id="{A76116CE-C4A3-4A05-B2D7-7C2E9A889C0F}" type="datetimeFigureOut">
               <a:rPr lang="en-US" smtClean="0"/>
-              <a:t>1/13/2023</a:t>
+              <a:t>1/14/2023</a:t>
             </a:fld>
             <a:endParaRPr lang="en-US"/>
           </a:p>
@@ -1063,7 +1063,7 @@
           <a:p>
             <a:fld id="{A76116CE-C4A3-4A05-B2D7-7C2E9A889C0F}" type="datetimeFigureOut">
               <a:rPr lang="en-US" smtClean="0"/>
-              <a:t>1/13/2023</a:t>
+              <a:t>1/14/2023</a:t>
             </a:fld>
             <a:endParaRPr lang="en-US"/>
           </a:p>
@@ -1343,7 +1343,7 @@
           <a:p>
             <a:fld id="{A76116CE-C4A3-4A05-B2D7-7C2E9A889C0F}" type="datetimeFigureOut">
               <a:rPr lang="en-US" smtClean="0"/>
-              <a:t>1/13/2023</a:t>
+              <a:t>1/14/2023</a:t>
             </a:fld>
             <a:endParaRPr lang="en-US"/>
           </a:p>
@@ -1757,7 +1757,7 @@
           <a:p>
             <a:fld id="{A76116CE-C4A3-4A05-B2D7-7C2E9A889C0F}" type="datetimeFigureOut">
               <a:rPr lang="en-US" smtClean="0"/>
-              <a:t>1/13/2023</a:t>
+              <a:t>1/14/2023</a:t>
             </a:fld>
             <a:endParaRPr lang="en-US"/>
           </a:p>
@@ -1869,7 +1869,7 @@
           <a:p>
             <a:fld id="{A76116CE-C4A3-4A05-B2D7-7C2E9A889C0F}" type="datetimeFigureOut">
               <a:rPr lang="en-US" smtClean="0"/>
-              <a:t>1/13/2023</a:t>
+              <a:t>1/14/2023</a:t>
             </a:fld>
             <a:endParaRPr lang="en-US"/>
           </a:p>
@@ -1959,7 +1959,7 @@
           <a:p>
             <a:fld id="{A76116CE-C4A3-4A05-B2D7-7C2E9A889C0F}" type="datetimeFigureOut">
               <a:rPr lang="en-US" smtClean="0"/>
-              <a:t>1/13/2023</a:t>
+              <a:t>1/14/2023</a:t>
             </a:fld>
             <a:endParaRPr lang="en-US"/>
           </a:p>
@@ -2229,7 +2229,7 @@
           <a:p>
             <a:fld id="{A76116CE-C4A3-4A05-B2D7-7C2E9A889C0F}" type="datetimeFigureOut">
               <a:rPr lang="en-US" smtClean="0"/>
-              <a:t>1/13/2023</a:t>
+              <a:t>1/14/2023</a:t>
             </a:fld>
             <a:endParaRPr lang="en-US"/>
           </a:p>
@@ -2476,7 +2476,7 @@
           <a:p>
             <a:fld id="{A76116CE-C4A3-4A05-B2D7-7C2E9A889C0F}" type="datetimeFigureOut">
               <a:rPr lang="en-US" smtClean="0"/>
-              <a:t>1/13/2023</a:t>
+              <a:t>1/14/2023</a:t>
             </a:fld>
             <a:endParaRPr lang="en-US"/>
           </a:p>
@@ -2682,7 +2682,7 @@
           <a:p>
             <a:fld id="{F8166F1F-CE9B-4651-A6AA-CD717754106B}" type="datetimeFigureOut">
               <a:rPr lang="en-US" smtClean="0"/>
-              <a:t>1/13/2023</a:t>
+              <a:t>1/14/2023</a:t>
             </a:fld>
             <a:endParaRPr lang="en-US"/>
           </a:p>
@@ -3242,8 +3242,8 @@
         </p:nvCxnSpPr>
         <p:spPr>
           <a:xfrm>
-            <a:off x="2286000" y="941203"/>
-            <a:ext cx="3886200" cy="0"/>
+            <a:off x="4876800" y="952500"/>
+            <a:ext cx="1219200" cy="0"/>
           </a:xfrm>
           <a:prstGeom prst="straightConnector1">
             <a:avLst/>
@@ -3281,7 +3281,7 @@
         </p:nvSpPr>
         <p:spPr>
           <a:xfrm>
-            <a:off x="6885752" y="712603"/>
+            <a:off x="2286000" y="712603"/>
             <a:ext cx="2590800" cy="457200"/>
           </a:xfrm>
           <a:prstGeom prst="rect">
@@ -6876,7 +6876,7 @@
         </p:nvSpPr>
         <p:spPr>
           <a:xfrm>
-            <a:off x="6553200" y="6057900"/>
+            <a:off x="6172200" y="502503"/>
             <a:ext cx="6400800" cy="830997"/>
           </a:xfrm>
           <a:prstGeom prst="rect">
@@ -6929,6 +6929,47 @@
           </a:p>
         </p:txBody>
       </p:sp>
+      <p:cxnSp>
+        <p:nvCxnSpPr>
+          <p:cNvPr id="33" name="직선 연결선 32">
+            <a:extLst>
+              <a:ext uri="{FF2B5EF4-FFF2-40B4-BE49-F238E27FC236}">
+                <a16:creationId xmlns:a16="http://schemas.microsoft.com/office/drawing/2014/main" id="{6A1A37E4-F933-DE44-2EEA-F3A5BBF35584}"/>
+              </a:ext>
+            </a:extLst>
+          </p:cNvPr>
+          <p:cNvCxnSpPr/>
+          <p:nvPr/>
+        </p:nvCxnSpPr>
+        <p:spPr>
+          <a:xfrm>
+            <a:off x="1554713" y="2095500"/>
+            <a:ext cx="1981200" cy="0"/>
+          </a:xfrm>
+          <a:prstGeom prst="line">
+            <a:avLst/>
+          </a:prstGeom>
+          <a:ln>
+            <a:solidFill>
+              <a:srgbClr val="FF0000"/>
+            </a:solidFill>
+          </a:ln>
+        </p:spPr>
+        <p:style>
+          <a:lnRef idx="3">
+            <a:schemeClr val="accent2"/>
+          </a:lnRef>
+          <a:fillRef idx="0">
+            <a:schemeClr val="accent2"/>
+          </a:fillRef>
+          <a:effectRef idx="2">
+            <a:schemeClr val="accent2"/>
+          </a:effectRef>
+          <a:fontRef idx="minor">
+            <a:schemeClr val="tx1"/>
+          </a:fontRef>
+        </p:style>
+      </p:cxnSp>
     </p:spTree>
     <p:extLst>
       <p:ext uri="{BB962C8B-B14F-4D97-AF65-F5344CB8AC3E}">

--- a/JavaLecture/LectureFile/샘플.pptx
+++ b/JavaLecture/LectureFile/샘플.pptx
@@ -322,7 +322,7 @@
           <a:p>
             <a:fld id="{F8166F1F-CE9B-4651-A6AA-CD717754106B}" type="datetimeFigureOut">
               <a:rPr lang="en-US" smtClean="0"/>
-              <a:t>1/14/2023</a:t>
+              <a:t>1/15/2023</a:t>
             </a:fld>
             <a:endParaRPr lang="en-US"/>
           </a:p>
@@ -485,7 +485,7 @@
           <a:p>
             <a:fld id="{A76116CE-C4A3-4A05-B2D7-7C2E9A889C0F}" type="datetimeFigureOut">
               <a:rPr lang="en-US" smtClean="0"/>
-              <a:t>1/14/2023</a:t>
+              <a:t>1/15/2023</a:t>
             </a:fld>
             <a:endParaRPr lang="en-US"/>
           </a:p>
@@ -658,7 +658,7 @@
           <a:p>
             <a:fld id="{A76116CE-C4A3-4A05-B2D7-7C2E9A889C0F}" type="datetimeFigureOut">
               <a:rPr lang="en-US" smtClean="0"/>
-              <a:t>1/14/2023</a:t>
+              <a:t>1/15/2023</a:t>
             </a:fld>
             <a:endParaRPr lang="en-US"/>
           </a:p>
@@ -823,7 +823,7 @@
           <a:p>
             <a:fld id="{A76116CE-C4A3-4A05-B2D7-7C2E9A889C0F}" type="datetimeFigureOut">
               <a:rPr lang="en-US" smtClean="0"/>
-              <a:t>1/14/2023</a:t>
+              <a:t>1/15/2023</a:t>
             </a:fld>
             <a:endParaRPr lang="en-US"/>
           </a:p>
@@ -1063,7 +1063,7 @@
           <a:p>
             <a:fld id="{A76116CE-C4A3-4A05-B2D7-7C2E9A889C0F}" type="datetimeFigureOut">
               <a:rPr lang="en-US" smtClean="0"/>
-              <a:t>1/14/2023</a:t>
+              <a:t>1/15/2023</a:t>
             </a:fld>
             <a:endParaRPr lang="en-US"/>
           </a:p>
@@ -1343,7 +1343,7 @@
           <a:p>
             <a:fld id="{A76116CE-C4A3-4A05-B2D7-7C2E9A889C0F}" type="datetimeFigureOut">
               <a:rPr lang="en-US" smtClean="0"/>
-              <a:t>1/14/2023</a:t>
+              <a:t>1/15/2023</a:t>
             </a:fld>
             <a:endParaRPr lang="en-US"/>
           </a:p>
@@ -1757,7 +1757,7 @@
           <a:p>
             <a:fld id="{A76116CE-C4A3-4A05-B2D7-7C2E9A889C0F}" type="datetimeFigureOut">
               <a:rPr lang="en-US" smtClean="0"/>
-              <a:t>1/14/2023</a:t>
+              <a:t>1/15/2023</a:t>
             </a:fld>
             <a:endParaRPr lang="en-US"/>
           </a:p>
@@ -1869,7 +1869,7 @@
           <a:p>
             <a:fld id="{A76116CE-C4A3-4A05-B2D7-7C2E9A889C0F}" type="datetimeFigureOut">
               <a:rPr lang="en-US" smtClean="0"/>
-              <a:t>1/14/2023</a:t>
+              <a:t>1/15/2023</a:t>
             </a:fld>
             <a:endParaRPr lang="en-US"/>
           </a:p>
@@ -1959,7 +1959,7 @@
           <a:p>
             <a:fld id="{A76116CE-C4A3-4A05-B2D7-7C2E9A889C0F}" type="datetimeFigureOut">
               <a:rPr lang="en-US" smtClean="0"/>
-              <a:t>1/14/2023</a:t>
+              <a:t>1/15/2023</a:t>
             </a:fld>
             <a:endParaRPr lang="en-US"/>
           </a:p>
@@ -2229,7 +2229,7 @@
           <a:p>
             <a:fld id="{A76116CE-C4A3-4A05-B2D7-7C2E9A889C0F}" type="datetimeFigureOut">
               <a:rPr lang="en-US" smtClean="0"/>
-              <a:t>1/14/2023</a:t>
+              <a:t>1/15/2023</a:t>
             </a:fld>
             <a:endParaRPr lang="en-US"/>
           </a:p>
@@ -2476,7 +2476,7 @@
           <a:p>
             <a:fld id="{A76116CE-C4A3-4A05-B2D7-7C2E9A889C0F}" type="datetimeFigureOut">
               <a:rPr lang="en-US" smtClean="0"/>
-              <a:t>1/14/2023</a:t>
+              <a:t>1/15/2023</a:t>
             </a:fld>
             <a:endParaRPr lang="en-US"/>
           </a:p>
@@ -2682,7 +2682,7 @@
           <a:p>
             <a:fld id="{F8166F1F-CE9B-4651-A6AA-CD717754106B}" type="datetimeFigureOut">
               <a:rPr lang="en-US" smtClean="0"/>
-              <a:t>1/14/2023</a:t>
+              <a:t>1/15/2023</a:t>
             </a:fld>
             <a:endParaRPr lang="en-US"/>
           </a:p>
@@ -3057,7 +3057,7 @@
           <p:cNvPr id="4" name="그룹 1008">
             <a:extLst>
               <a:ext uri="{FF2B5EF4-FFF2-40B4-BE49-F238E27FC236}">
-                <a16:creationId xmlns:a16="http://schemas.microsoft.com/office/drawing/2014/main" id="{54FFE8A6-6CB8-DCBA-07F7-749FA78BF4A4}"/>
+                <a16:creationId xmlns:a16="http://schemas.microsoft.com/office/drawing/2014/main" xmlns="" id="{54FFE8A6-6CB8-DCBA-07F7-749FA78BF4A4}"/>
               </a:ext>
             </a:extLst>
           </p:cNvPr>
@@ -3077,7 +3077,7 @@
             <p:cNvPr id="5" name="그룹 1009">
               <a:extLst>
                 <a:ext uri="{FF2B5EF4-FFF2-40B4-BE49-F238E27FC236}">
-                  <a16:creationId xmlns:a16="http://schemas.microsoft.com/office/drawing/2014/main" id="{AFC4D322-4969-89C3-C972-D8E8E418CA73}"/>
+                  <a16:creationId xmlns:a16="http://schemas.microsoft.com/office/drawing/2014/main" xmlns="" id="{AFC4D322-4969-89C3-C972-D8E8E418CA73}"/>
                 </a:ext>
               </a:extLst>
             </p:cNvPr>
@@ -3097,7 +3097,7 @@
               <p:cNvPr id="10" name="Object 29">
                 <a:extLst>
                   <a:ext uri="{FF2B5EF4-FFF2-40B4-BE49-F238E27FC236}">
-                    <a16:creationId xmlns:a16="http://schemas.microsoft.com/office/drawing/2014/main" id="{696B190E-C178-4E07-7621-24C3B48A9BCF}"/>
+                    <a16:creationId xmlns:a16="http://schemas.microsoft.com/office/drawing/2014/main" xmlns="" id="{696B190E-C178-4E07-7621-24C3B48A9BCF}"/>
                   </a:ext>
                 </a:extLst>
               </p:cNvPr>
@@ -3128,7 +3128,7 @@
             <p:cNvPr id="6" name="그룹 1010">
               <a:extLst>
                 <a:ext uri="{FF2B5EF4-FFF2-40B4-BE49-F238E27FC236}">
-                  <a16:creationId xmlns:a16="http://schemas.microsoft.com/office/drawing/2014/main" id="{88F3509F-17A2-2BE7-261F-3BA022FF91BA}"/>
+                  <a16:creationId xmlns:a16="http://schemas.microsoft.com/office/drawing/2014/main" xmlns="" id="{88F3509F-17A2-2BE7-261F-3BA022FF91BA}"/>
                 </a:ext>
               </a:extLst>
             </p:cNvPr>
@@ -3148,7 +3148,7 @@
               <p:cNvPr id="9" name="Object 32">
                 <a:extLst>
                   <a:ext uri="{FF2B5EF4-FFF2-40B4-BE49-F238E27FC236}">
-                    <a16:creationId xmlns:a16="http://schemas.microsoft.com/office/drawing/2014/main" id="{6183A7B0-D571-9788-43CE-90A93A934096}"/>
+                    <a16:creationId xmlns:a16="http://schemas.microsoft.com/office/drawing/2014/main" xmlns="" id="{6183A7B0-D571-9788-43CE-90A93A934096}"/>
                   </a:ext>
                 </a:extLst>
               </p:cNvPr>
@@ -3179,7 +3179,7 @@
             <p:cNvPr id="7" name="그룹 1011">
               <a:extLst>
                 <a:ext uri="{FF2B5EF4-FFF2-40B4-BE49-F238E27FC236}">
-                  <a16:creationId xmlns:a16="http://schemas.microsoft.com/office/drawing/2014/main" id="{3DB0BB1F-6A07-787C-7717-F712317AF8C3}"/>
+                  <a16:creationId xmlns:a16="http://schemas.microsoft.com/office/drawing/2014/main" xmlns="" id="{3DB0BB1F-6A07-787C-7717-F712317AF8C3}"/>
                 </a:ext>
               </a:extLst>
             </p:cNvPr>
@@ -3199,7 +3199,7 @@
               <p:cNvPr id="8" name="Object 35">
                 <a:extLst>
                   <a:ext uri="{FF2B5EF4-FFF2-40B4-BE49-F238E27FC236}">
-                    <a16:creationId xmlns:a16="http://schemas.microsoft.com/office/drawing/2014/main" id="{A003AF1A-29EE-2DC2-0E03-479F705DFFB6}"/>
+                    <a16:creationId xmlns:a16="http://schemas.microsoft.com/office/drawing/2014/main" xmlns="" id="{A003AF1A-29EE-2DC2-0E03-479F705DFFB6}"/>
                   </a:ext>
                 </a:extLst>
               </p:cNvPr>
@@ -3231,7 +3231,7 @@
           <p:cNvPr id="11" name="직선 화살표 연결선 10">
             <a:extLst>
               <a:ext uri="{FF2B5EF4-FFF2-40B4-BE49-F238E27FC236}">
-                <a16:creationId xmlns:a16="http://schemas.microsoft.com/office/drawing/2014/main" id="{299DF5EC-9DF4-5255-06AC-0A7CE4FF58C3}"/>
+                <a16:creationId xmlns:a16="http://schemas.microsoft.com/office/drawing/2014/main" xmlns="" id="{299DF5EC-9DF4-5255-06AC-0A7CE4FF58C3}"/>
               </a:ext>
             </a:extLst>
           </p:cNvPr>
@@ -3272,7 +3272,7 @@
           <p:cNvPr id="14" name="직사각형 13">
             <a:extLst>
               <a:ext uri="{FF2B5EF4-FFF2-40B4-BE49-F238E27FC236}">
-                <a16:creationId xmlns:a16="http://schemas.microsoft.com/office/drawing/2014/main" id="{FFF506F9-840A-0508-4CAF-3AC711D8D5CE}"/>
+                <a16:creationId xmlns:a16="http://schemas.microsoft.com/office/drawing/2014/main" xmlns="" id="{FFF506F9-840A-0508-4CAF-3AC711D8D5CE}"/>
               </a:ext>
             </a:extLst>
           </p:cNvPr>
@@ -3324,7 +3324,7 @@
           <p:cNvPr id="15" name="표 16">
             <a:extLst>
               <a:ext uri="{FF2B5EF4-FFF2-40B4-BE49-F238E27FC236}">
-                <a16:creationId xmlns:a16="http://schemas.microsoft.com/office/drawing/2014/main" id="{F03C45C7-6EB1-7871-F0F7-945F667135C4}"/>
+                <a16:creationId xmlns:a16="http://schemas.microsoft.com/office/drawing/2014/main" xmlns="" id="{F03C45C7-6EB1-7871-F0F7-945F667135C4}"/>
               </a:ext>
             </a:extLst>
           </p:cNvPr>
@@ -3341,7 +3341,7 @@
         </p:nvGraphicFramePr>
         <p:xfrm>
           <a:off x="14554200" y="0"/>
-          <a:ext cx="3429000" cy="10361031"/>
+          <a:ext cx="3429000" cy="10232580"/>
         </p:xfrm>
         <a:graphic>
           <a:graphicData uri="http://schemas.openxmlformats.org/drawingml/2006/table">
@@ -3353,14 +3353,14 @@
                 <a:gridCol w="1295400">
                   <a:extLst>
                     <a:ext uri="{9D8B030D-6E8A-4147-A177-3AD203B41FA5}">
-                      <a16:colId xmlns:a16="http://schemas.microsoft.com/office/drawing/2014/main" val="2433761377"/>
+                      <a16:colId xmlns:a16="http://schemas.microsoft.com/office/drawing/2014/main" xmlns="" val="2433761377"/>
                     </a:ext>
                   </a:extLst>
                 </a:gridCol>
                 <a:gridCol w="2133600">
                   <a:extLst>
                     <a:ext uri="{9D8B030D-6E8A-4147-A177-3AD203B41FA5}">
-                      <a16:colId xmlns:a16="http://schemas.microsoft.com/office/drawing/2014/main" val="926389809"/>
+                      <a16:colId xmlns:a16="http://schemas.microsoft.com/office/drawing/2014/main" xmlns="" val="926389809"/>
                     </a:ext>
                   </a:extLst>
                 </a:gridCol>
@@ -3486,7 +3486,7 @@
                 </a:tc>
                 <a:extLst>
                   <a:ext uri="{0D108BD9-81ED-4DB2-BD59-A6C34878D82A}">
-                    <a16:rowId xmlns:a16="http://schemas.microsoft.com/office/drawing/2014/main" val="2504948727"/>
+                    <a16:rowId xmlns:a16="http://schemas.microsoft.com/office/drawing/2014/main" xmlns="" val="2504948727"/>
                   </a:ext>
                 </a:extLst>
               </a:tr>
@@ -3615,7 +3615,7 @@
                 </a:tc>
                 <a:extLst>
                   <a:ext uri="{0D108BD9-81ED-4DB2-BD59-A6C34878D82A}">
-                    <a16:rowId xmlns:a16="http://schemas.microsoft.com/office/drawing/2014/main" val="3647525178"/>
+                    <a16:rowId xmlns:a16="http://schemas.microsoft.com/office/drawing/2014/main" xmlns="" val="3647525178"/>
                   </a:ext>
                 </a:extLst>
               </a:tr>
@@ -3728,7 +3728,7 @@
                 </a:tc>
                 <a:extLst>
                   <a:ext uri="{0D108BD9-81ED-4DB2-BD59-A6C34878D82A}">
-                    <a16:rowId xmlns:a16="http://schemas.microsoft.com/office/drawing/2014/main" val="2672623231"/>
+                    <a16:rowId xmlns:a16="http://schemas.microsoft.com/office/drawing/2014/main" xmlns="" val="2672623231"/>
                   </a:ext>
                 </a:extLst>
               </a:tr>
@@ -3837,7 +3837,7 @@
                 </a:tc>
                 <a:extLst>
                   <a:ext uri="{0D108BD9-81ED-4DB2-BD59-A6C34878D82A}">
-                    <a16:rowId xmlns:a16="http://schemas.microsoft.com/office/drawing/2014/main" val="2996999142"/>
+                    <a16:rowId xmlns:a16="http://schemas.microsoft.com/office/drawing/2014/main" xmlns="" val="2996999142"/>
                   </a:ext>
                 </a:extLst>
               </a:tr>
@@ -3946,7 +3946,7 @@
                 </a:tc>
                 <a:extLst>
                   <a:ext uri="{0D108BD9-81ED-4DB2-BD59-A6C34878D82A}">
-                    <a16:rowId xmlns:a16="http://schemas.microsoft.com/office/drawing/2014/main" val="2275222586"/>
+                    <a16:rowId xmlns:a16="http://schemas.microsoft.com/office/drawing/2014/main" xmlns="" val="2275222586"/>
                   </a:ext>
                 </a:extLst>
               </a:tr>
@@ -4059,7 +4059,7 @@
                 </a:tc>
                 <a:extLst>
                   <a:ext uri="{0D108BD9-81ED-4DB2-BD59-A6C34878D82A}">
-                    <a16:rowId xmlns:a16="http://schemas.microsoft.com/office/drawing/2014/main" val="1918467740"/>
+                    <a16:rowId xmlns:a16="http://schemas.microsoft.com/office/drawing/2014/main" xmlns="" val="1918467740"/>
                   </a:ext>
                 </a:extLst>
               </a:tr>
@@ -4172,7 +4172,7 @@
                 </a:tc>
                 <a:extLst>
                   <a:ext uri="{0D108BD9-81ED-4DB2-BD59-A6C34878D82A}">
-                    <a16:rowId xmlns:a16="http://schemas.microsoft.com/office/drawing/2014/main" val="168351104"/>
+                    <a16:rowId xmlns:a16="http://schemas.microsoft.com/office/drawing/2014/main" xmlns="" val="168351104"/>
                   </a:ext>
                 </a:extLst>
               </a:tr>
@@ -4301,7 +4301,7 @@
                 </a:tc>
                 <a:extLst>
                   <a:ext uri="{0D108BD9-81ED-4DB2-BD59-A6C34878D82A}">
-                    <a16:rowId xmlns:a16="http://schemas.microsoft.com/office/drawing/2014/main" val="1446898692"/>
+                    <a16:rowId xmlns:a16="http://schemas.microsoft.com/office/drawing/2014/main" xmlns="" val="1446898692"/>
                   </a:ext>
                 </a:extLst>
               </a:tr>
@@ -4426,7 +4426,7 @@
                 </a:tc>
                 <a:extLst>
                   <a:ext uri="{0D108BD9-81ED-4DB2-BD59-A6C34878D82A}">
-                    <a16:rowId xmlns:a16="http://schemas.microsoft.com/office/drawing/2014/main" val="2069871938"/>
+                    <a16:rowId xmlns:a16="http://schemas.microsoft.com/office/drawing/2014/main" xmlns="" val="2069871938"/>
                   </a:ext>
                 </a:extLst>
               </a:tr>
@@ -4551,7 +4551,7 @@
                 </a:tc>
                 <a:extLst>
                   <a:ext uri="{0D108BD9-81ED-4DB2-BD59-A6C34878D82A}">
-                    <a16:rowId xmlns:a16="http://schemas.microsoft.com/office/drawing/2014/main" val="3466599706"/>
+                    <a16:rowId xmlns:a16="http://schemas.microsoft.com/office/drawing/2014/main" xmlns="" val="3466599706"/>
                   </a:ext>
                 </a:extLst>
               </a:tr>
@@ -4676,7 +4676,7 @@
                 </a:tc>
                 <a:extLst>
                   <a:ext uri="{0D108BD9-81ED-4DB2-BD59-A6C34878D82A}">
-                    <a16:rowId xmlns:a16="http://schemas.microsoft.com/office/drawing/2014/main" val="3270764344"/>
+                    <a16:rowId xmlns:a16="http://schemas.microsoft.com/office/drawing/2014/main" xmlns="" val="3270764344"/>
                   </a:ext>
                 </a:extLst>
               </a:tr>
@@ -4804,7 +4804,7 @@
                 </a:tc>
                 <a:extLst>
                   <a:ext uri="{0D108BD9-81ED-4DB2-BD59-A6C34878D82A}">
-                    <a16:rowId xmlns:a16="http://schemas.microsoft.com/office/drawing/2014/main" val="1601752940"/>
+                    <a16:rowId xmlns:a16="http://schemas.microsoft.com/office/drawing/2014/main" xmlns="" val="1601752940"/>
                   </a:ext>
                 </a:extLst>
               </a:tr>
@@ -4933,7 +4933,7 @@
                 </a:tc>
                 <a:extLst>
                   <a:ext uri="{0D108BD9-81ED-4DB2-BD59-A6C34878D82A}">
-                    <a16:rowId xmlns:a16="http://schemas.microsoft.com/office/drawing/2014/main" val="3454728477"/>
+                    <a16:rowId xmlns:a16="http://schemas.microsoft.com/office/drawing/2014/main" xmlns="" val="3454728477"/>
                   </a:ext>
                 </a:extLst>
               </a:tr>
@@ -5062,7 +5062,7 @@
                 </a:tc>
                 <a:extLst>
                   <a:ext uri="{0D108BD9-81ED-4DB2-BD59-A6C34878D82A}">
-                    <a16:rowId xmlns:a16="http://schemas.microsoft.com/office/drawing/2014/main" val="3866400999"/>
+                    <a16:rowId xmlns:a16="http://schemas.microsoft.com/office/drawing/2014/main" xmlns="" val="3866400999"/>
                   </a:ext>
                 </a:extLst>
               </a:tr>
@@ -5187,7 +5187,7 @@
                 </a:tc>
                 <a:extLst>
                   <a:ext uri="{0D108BD9-81ED-4DB2-BD59-A6C34878D82A}">
-                    <a16:rowId xmlns:a16="http://schemas.microsoft.com/office/drawing/2014/main" val="1558806300"/>
+                    <a16:rowId xmlns:a16="http://schemas.microsoft.com/office/drawing/2014/main" xmlns="" val="1558806300"/>
                   </a:ext>
                 </a:extLst>
               </a:tr>
@@ -5312,7 +5312,7 @@
                 </a:tc>
                 <a:extLst>
                   <a:ext uri="{0D108BD9-81ED-4DB2-BD59-A6C34878D82A}">
-                    <a16:rowId xmlns:a16="http://schemas.microsoft.com/office/drawing/2014/main" val="702070055"/>
+                    <a16:rowId xmlns:a16="http://schemas.microsoft.com/office/drawing/2014/main" xmlns="" val="702070055"/>
                   </a:ext>
                 </a:extLst>
               </a:tr>
@@ -5437,7 +5437,7 @@
                 </a:tc>
                 <a:extLst>
                   <a:ext uri="{0D108BD9-81ED-4DB2-BD59-A6C34878D82A}">
-                    <a16:rowId xmlns:a16="http://schemas.microsoft.com/office/drawing/2014/main" val="496493748"/>
+                    <a16:rowId xmlns:a16="http://schemas.microsoft.com/office/drawing/2014/main" xmlns="" val="496493748"/>
                   </a:ext>
                 </a:extLst>
               </a:tr>
@@ -5562,7 +5562,7 @@
                 </a:tc>
                 <a:extLst>
                   <a:ext uri="{0D108BD9-81ED-4DB2-BD59-A6C34878D82A}">
-                    <a16:rowId xmlns:a16="http://schemas.microsoft.com/office/drawing/2014/main" val="3240652297"/>
+                    <a16:rowId xmlns:a16="http://schemas.microsoft.com/office/drawing/2014/main" xmlns="" val="3240652297"/>
                   </a:ext>
                 </a:extLst>
               </a:tr>
@@ -5687,7 +5687,7 @@
                 </a:tc>
                 <a:extLst>
                   <a:ext uri="{0D108BD9-81ED-4DB2-BD59-A6C34878D82A}">
-                    <a16:rowId xmlns:a16="http://schemas.microsoft.com/office/drawing/2014/main" val="2637422434"/>
+                    <a16:rowId xmlns:a16="http://schemas.microsoft.com/office/drawing/2014/main" xmlns="" val="2637422434"/>
                   </a:ext>
                 </a:extLst>
               </a:tr>
@@ -5812,7 +5812,7 @@
                 </a:tc>
                 <a:extLst>
                   <a:ext uri="{0D108BD9-81ED-4DB2-BD59-A6C34878D82A}">
-                    <a16:rowId xmlns:a16="http://schemas.microsoft.com/office/drawing/2014/main" val="3987370490"/>
+                    <a16:rowId xmlns:a16="http://schemas.microsoft.com/office/drawing/2014/main" xmlns="" val="3987370490"/>
                   </a:ext>
                 </a:extLst>
               </a:tr>
@@ -5825,7 +5825,7 @@
           <p:cNvPr id="16" name="그룹 1008">
             <a:extLst>
               <a:ext uri="{FF2B5EF4-FFF2-40B4-BE49-F238E27FC236}">
-                <a16:creationId xmlns:a16="http://schemas.microsoft.com/office/drawing/2014/main" id="{E395BDE3-2EDE-065D-70E8-56E348228ACF}"/>
+                <a16:creationId xmlns:a16="http://schemas.microsoft.com/office/drawing/2014/main" xmlns="" id="{E395BDE3-2EDE-065D-70E8-56E348228ACF}"/>
               </a:ext>
             </a:extLst>
           </p:cNvPr>
@@ -5845,7 +5845,7 @@
             <p:cNvPr id="17" name="그룹 1009">
               <a:extLst>
                 <a:ext uri="{FF2B5EF4-FFF2-40B4-BE49-F238E27FC236}">
-                  <a16:creationId xmlns:a16="http://schemas.microsoft.com/office/drawing/2014/main" id="{852F4DEB-DB33-DB3F-9E9F-52A46CD0B10A}"/>
+                  <a16:creationId xmlns:a16="http://schemas.microsoft.com/office/drawing/2014/main" xmlns="" id="{852F4DEB-DB33-DB3F-9E9F-52A46CD0B10A}"/>
                 </a:ext>
               </a:extLst>
             </p:cNvPr>
@@ -5865,7 +5865,7 @@
               <p:cNvPr id="22" name="Object 29">
                 <a:extLst>
                   <a:ext uri="{FF2B5EF4-FFF2-40B4-BE49-F238E27FC236}">
-                    <a16:creationId xmlns:a16="http://schemas.microsoft.com/office/drawing/2014/main" id="{7E353D3B-14D4-8A64-5888-3F0C062C2CDD}"/>
+                    <a16:creationId xmlns:a16="http://schemas.microsoft.com/office/drawing/2014/main" xmlns="" id="{7E353D3B-14D4-8A64-5888-3F0C062C2CDD}"/>
                   </a:ext>
                 </a:extLst>
               </p:cNvPr>
@@ -5896,7 +5896,7 @@
             <p:cNvPr id="18" name="그룹 1010">
               <a:extLst>
                 <a:ext uri="{FF2B5EF4-FFF2-40B4-BE49-F238E27FC236}">
-                  <a16:creationId xmlns:a16="http://schemas.microsoft.com/office/drawing/2014/main" id="{001E38AB-1390-ABD0-BE01-9727136FEAEE}"/>
+                  <a16:creationId xmlns:a16="http://schemas.microsoft.com/office/drawing/2014/main" xmlns="" id="{001E38AB-1390-ABD0-BE01-9727136FEAEE}"/>
                 </a:ext>
               </a:extLst>
             </p:cNvPr>
@@ -5916,7 +5916,7 @@
               <p:cNvPr id="21" name="Object 32">
                 <a:extLst>
                   <a:ext uri="{FF2B5EF4-FFF2-40B4-BE49-F238E27FC236}">
-                    <a16:creationId xmlns:a16="http://schemas.microsoft.com/office/drawing/2014/main" id="{2ED1C30F-0D0B-F86C-8215-2598D332B5A3}"/>
+                    <a16:creationId xmlns:a16="http://schemas.microsoft.com/office/drawing/2014/main" xmlns="" id="{2ED1C30F-0D0B-F86C-8215-2598D332B5A3}"/>
                   </a:ext>
                 </a:extLst>
               </p:cNvPr>
@@ -5947,7 +5947,7 @@
             <p:cNvPr id="19" name="그룹 1011">
               <a:extLst>
                 <a:ext uri="{FF2B5EF4-FFF2-40B4-BE49-F238E27FC236}">
-                  <a16:creationId xmlns:a16="http://schemas.microsoft.com/office/drawing/2014/main" id="{1BCB8DE5-ABAF-4198-BC16-85BB76F2DB24}"/>
+                  <a16:creationId xmlns:a16="http://schemas.microsoft.com/office/drawing/2014/main" xmlns="" id="{1BCB8DE5-ABAF-4198-BC16-85BB76F2DB24}"/>
                 </a:ext>
               </a:extLst>
             </p:cNvPr>
@@ -5967,7 +5967,7 @@
               <p:cNvPr id="20" name="Object 35">
                 <a:extLst>
                   <a:ext uri="{FF2B5EF4-FFF2-40B4-BE49-F238E27FC236}">
-                    <a16:creationId xmlns:a16="http://schemas.microsoft.com/office/drawing/2014/main" id="{86E7BA23-0A1E-B581-CADC-06AB269DB2BD}"/>
+                    <a16:creationId xmlns:a16="http://schemas.microsoft.com/office/drawing/2014/main" xmlns="" id="{86E7BA23-0A1E-B581-CADC-06AB269DB2BD}"/>
                   </a:ext>
                 </a:extLst>
               </p:cNvPr>
@@ -5999,7 +5999,7 @@
           <p:cNvPr id="23" name="TextBox 22">
             <a:extLst>
               <a:ext uri="{FF2B5EF4-FFF2-40B4-BE49-F238E27FC236}">
-                <a16:creationId xmlns:a16="http://schemas.microsoft.com/office/drawing/2014/main" id="{7229BEA6-121E-9056-D07F-2B3BB1795F76}"/>
+                <a16:creationId xmlns:a16="http://schemas.microsoft.com/office/drawing/2014/main" xmlns="" id="{7229BEA6-121E-9056-D07F-2B3BB1795F76}"/>
               </a:ext>
             </a:extLst>
           </p:cNvPr>
@@ -6047,7 +6047,7 @@
           <p:cNvPr id="24" name="TextBox 23">
             <a:extLst>
               <a:ext uri="{FF2B5EF4-FFF2-40B4-BE49-F238E27FC236}">
-                <a16:creationId xmlns:a16="http://schemas.microsoft.com/office/drawing/2014/main" id="{5ADC00B6-990A-40DC-3CEA-505258F5E8DA}"/>
+                <a16:creationId xmlns:a16="http://schemas.microsoft.com/office/drawing/2014/main" xmlns="" id="{5ADC00B6-990A-40DC-3CEA-505258F5E8DA}"/>
               </a:ext>
             </a:extLst>
           </p:cNvPr>
@@ -6105,7 +6105,7 @@
           <p:cNvPr id="2" name="표 2">
             <a:extLst>
               <a:ext uri="{FF2B5EF4-FFF2-40B4-BE49-F238E27FC236}">
-                <a16:creationId xmlns:a16="http://schemas.microsoft.com/office/drawing/2014/main" id="{809219FD-62A9-5E27-ACCD-E1227D05FBC9}"/>
+                <a16:creationId xmlns:a16="http://schemas.microsoft.com/office/drawing/2014/main" xmlns="" id="{809219FD-62A9-5E27-ACCD-E1227D05FBC9}"/>
               </a:ext>
             </a:extLst>
           </p:cNvPr>
@@ -6134,14 +6134,14 @@
                 <a:gridCol w="1911408">
                   <a:extLst>
                     <a:ext uri="{9D8B030D-6E8A-4147-A177-3AD203B41FA5}">
-                      <a16:colId xmlns:a16="http://schemas.microsoft.com/office/drawing/2014/main" val="1960770391"/>
+                      <a16:colId xmlns:a16="http://schemas.microsoft.com/office/drawing/2014/main" xmlns="" val="1960770391"/>
                     </a:ext>
                   </a:extLst>
                 </a:gridCol>
                 <a:gridCol w="3429000">
                   <a:extLst>
                     <a:ext uri="{9D8B030D-6E8A-4147-A177-3AD203B41FA5}">
-                      <a16:colId xmlns:a16="http://schemas.microsoft.com/office/drawing/2014/main" val="733308553"/>
+                      <a16:colId xmlns:a16="http://schemas.microsoft.com/office/drawing/2014/main" xmlns="" val="733308553"/>
                     </a:ext>
                   </a:extLst>
                 </a:gridCol>
@@ -6262,7 +6262,7 @@
                 </a:tc>
                 <a:extLst>
                   <a:ext uri="{0D108BD9-81ED-4DB2-BD59-A6C34878D82A}">
-                    <a16:rowId xmlns:a16="http://schemas.microsoft.com/office/drawing/2014/main" val="2452905565"/>
+                    <a16:rowId xmlns:a16="http://schemas.microsoft.com/office/drawing/2014/main" xmlns="" val="2452905565"/>
                   </a:ext>
                 </a:extLst>
               </a:tr>
@@ -6384,7 +6384,7 @@
                 </a:tc>
                 <a:extLst>
                   <a:ext uri="{0D108BD9-81ED-4DB2-BD59-A6C34878D82A}">
-                    <a16:rowId xmlns:a16="http://schemas.microsoft.com/office/drawing/2014/main" val="3551452526"/>
+                    <a16:rowId xmlns:a16="http://schemas.microsoft.com/office/drawing/2014/main" xmlns="" val="3551452526"/>
                   </a:ext>
                 </a:extLst>
               </a:tr>
@@ -6503,7 +6503,7 @@
                 </a:tc>
                 <a:extLst>
                   <a:ext uri="{0D108BD9-81ED-4DB2-BD59-A6C34878D82A}">
-                    <a16:rowId xmlns:a16="http://schemas.microsoft.com/office/drawing/2014/main" val="2488866604"/>
+                    <a16:rowId xmlns:a16="http://schemas.microsoft.com/office/drawing/2014/main" xmlns="" val="2488866604"/>
                   </a:ext>
                 </a:extLst>
               </a:tr>
@@ -6622,7 +6622,7 @@
                 </a:tc>
                 <a:extLst>
                   <a:ext uri="{0D108BD9-81ED-4DB2-BD59-A6C34878D82A}">
-                    <a16:rowId xmlns:a16="http://schemas.microsoft.com/office/drawing/2014/main" val="2632365449"/>
+                    <a16:rowId xmlns:a16="http://schemas.microsoft.com/office/drawing/2014/main" xmlns="" val="2632365449"/>
                   </a:ext>
                 </a:extLst>
               </a:tr>
@@ -6635,7 +6635,7 @@
           <p:cNvPr id="3" name="TextBox 2">
             <a:extLst>
               <a:ext uri="{FF2B5EF4-FFF2-40B4-BE49-F238E27FC236}">
-                <a16:creationId xmlns:a16="http://schemas.microsoft.com/office/drawing/2014/main" id="{C6D113C6-EA5C-788F-0C77-E7CE6EBB865F}"/>
+                <a16:creationId xmlns:a16="http://schemas.microsoft.com/office/drawing/2014/main" xmlns="" id="{C6D113C6-EA5C-788F-0C77-E7CE6EBB865F}"/>
               </a:ext>
             </a:extLst>
           </p:cNvPr>
@@ -6644,8 +6644,8 @@
         </p:nvSpPr>
         <p:spPr>
           <a:xfrm>
-            <a:off x="6705600" y="2402615"/>
-            <a:ext cx="6400800" cy="830997"/>
+            <a:off x="6019800" y="625614"/>
+            <a:ext cx="6400800" cy="707886"/>
           </a:xfrm>
           <a:prstGeom prst="rect">
             <a:avLst/>
@@ -6659,7 +6659,7 @@
           <a:lstStyle/>
           <a:p>
             <a:r>
-              <a:rPr lang="en-US" altLang="ko-KR" sz="4800" dirty="0" err="1">
+              <a:rPr lang="en-US" altLang="ko-KR" sz="4000" dirty="0" err="1">
                 <a:solidFill>
                   <a:srgbClr val="FF0000"/>
                 </a:solidFill>
@@ -6669,7 +6669,7 @@
               <a:t>Cout</a:t>
             </a:r>
             <a:r>
-              <a:rPr lang="ko-KR" altLang="en-US" sz="4800" dirty="0">
+              <a:rPr lang="ko-KR" altLang="en-US" sz="4000" dirty="0">
                 <a:solidFill>
                   <a:srgbClr val="FF0000"/>
                 </a:solidFill>
@@ -6678,7 +6678,7 @@
               </a:rPr>
               <a:t>을 다시 살펴보자</a:t>
             </a:r>
-            <a:endParaRPr lang="en-US" altLang="ko-KR" sz="4800" dirty="0">
+            <a:endParaRPr lang="en-US" altLang="ko-KR" sz="4000" dirty="0">
               <a:solidFill>
                 <a:srgbClr val="FF0000"/>
               </a:solidFill>
@@ -6693,7 +6693,7 @@
           <p:cNvPr id="12" name="그룹 1008">
             <a:extLst>
               <a:ext uri="{FF2B5EF4-FFF2-40B4-BE49-F238E27FC236}">
-                <a16:creationId xmlns:a16="http://schemas.microsoft.com/office/drawing/2014/main" id="{678F6342-C505-E8AD-ADA4-022CB2C2088E}"/>
+                <a16:creationId xmlns:a16="http://schemas.microsoft.com/office/drawing/2014/main" xmlns="" id="{678F6342-C505-E8AD-ADA4-022CB2C2088E}"/>
               </a:ext>
             </a:extLst>
           </p:cNvPr>
@@ -6713,7 +6713,7 @@
             <p:cNvPr id="13" name="그룹 1009">
               <a:extLst>
                 <a:ext uri="{FF2B5EF4-FFF2-40B4-BE49-F238E27FC236}">
-                  <a16:creationId xmlns:a16="http://schemas.microsoft.com/office/drawing/2014/main" id="{4E1F1FED-812B-9BBB-925A-84B54A077414}"/>
+                  <a16:creationId xmlns:a16="http://schemas.microsoft.com/office/drawing/2014/main" xmlns="" id="{4E1F1FED-812B-9BBB-925A-84B54A077414}"/>
                 </a:ext>
               </a:extLst>
             </p:cNvPr>
@@ -6733,7 +6733,7 @@
               <p:cNvPr id="29" name="Object 29">
                 <a:extLst>
                   <a:ext uri="{FF2B5EF4-FFF2-40B4-BE49-F238E27FC236}">
-                    <a16:creationId xmlns:a16="http://schemas.microsoft.com/office/drawing/2014/main" id="{7B078609-4286-7B00-51EB-809C8E2DE289}"/>
+                    <a16:creationId xmlns:a16="http://schemas.microsoft.com/office/drawing/2014/main" xmlns="" id="{7B078609-4286-7B00-51EB-809C8E2DE289}"/>
                   </a:ext>
                 </a:extLst>
               </p:cNvPr>
@@ -6764,7 +6764,7 @@
             <p:cNvPr id="25" name="그룹 1010">
               <a:extLst>
                 <a:ext uri="{FF2B5EF4-FFF2-40B4-BE49-F238E27FC236}">
-                  <a16:creationId xmlns:a16="http://schemas.microsoft.com/office/drawing/2014/main" id="{02A649BF-B5B5-FBAF-7DFD-E118A4DF8907}"/>
+                  <a16:creationId xmlns:a16="http://schemas.microsoft.com/office/drawing/2014/main" xmlns="" id="{02A649BF-B5B5-FBAF-7DFD-E118A4DF8907}"/>
                 </a:ext>
               </a:extLst>
             </p:cNvPr>
@@ -6784,7 +6784,7 @@
               <p:cNvPr id="28" name="Object 32">
                 <a:extLst>
                   <a:ext uri="{FF2B5EF4-FFF2-40B4-BE49-F238E27FC236}">
-                    <a16:creationId xmlns:a16="http://schemas.microsoft.com/office/drawing/2014/main" id="{2A0FFF23-B3C9-3EA0-1C1B-A87D4FF098AE}"/>
+                    <a16:creationId xmlns:a16="http://schemas.microsoft.com/office/drawing/2014/main" xmlns="" id="{2A0FFF23-B3C9-3EA0-1C1B-A87D4FF098AE}"/>
                   </a:ext>
                 </a:extLst>
               </p:cNvPr>
@@ -6815,7 +6815,7 @@
             <p:cNvPr id="26" name="그룹 1011">
               <a:extLst>
                 <a:ext uri="{FF2B5EF4-FFF2-40B4-BE49-F238E27FC236}">
-                  <a16:creationId xmlns:a16="http://schemas.microsoft.com/office/drawing/2014/main" id="{881F5410-F7FB-F261-A584-707359BAC593}"/>
+                  <a16:creationId xmlns:a16="http://schemas.microsoft.com/office/drawing/2014/main" xmlns="" id="{881F5410-F7FB-F261-A584-707359BAC593}"/>
                 </a:ext>
               </a:extLst>
             </p:cNvPr>
@@ -6835,7 +6835,7 @@
               <p:cNvPr id="27" name="Object 35">
                 <a:extLst>
                   <a:ext uri="{FF2B5EF4-FFF2-40B4-BE49-F238E27FC236}">
-                    <a16:creationId xmlns:a16="http://schemas.microsoft.com/office/drawing/2014/main" id="{4E99E669-73EB-F9F4-EFE8-DC107035C265}"/>
+                    <a16:creationId xmlns:a16="http://schemas.microsoft.com/office/drawing/2014/main" xmlns="" id="{4E99E669-73EB-F9F4-EFE8-DC107035C265}"/>
                   </a:ext>
                 </a:extLst>
               </p:cNvPr>
@@ -6867,7 +6867,7 @@
           <p:cNvPr id="30" name="TextBox 29">
             <a:extLst>
               <a:ext uri="{FF2B5EF4-FFF2-40B4-BE49-F238E27FC236}">
-                <a16:creationId xmlns:a16="http://schemas.microsoft.com/office/drawing/2014/main" id="{EDC0CEAC-03B0-6CA0-B904-A9724C34AA11}"/>
+                <a16:creationId xmlns:a16="http://schemas.microsoft.com/office/drawing/2014/main" xmlns="" id="{EDC0CEAC-03B0-6CA0-B904-A9724C34AA11}"/>
               </a:ext>
             </a:extLst>
           </p:cNvPr>
@@ -6876,7 +6876,7 @@
         </p:nvSpPr>
         <p:spPr>
           <a:xfrm>
-            <a:off x="6172200" y="502503"/>
+            <a:off x="1554713" y="5371259"/>
             <a:ext cx="6400800" cy="830997"/>
           </a:xfrm>
           <a:prstGeom prst="rect">
@@ -6934,7 +6934,7 @@
           <p:cNvPr id="33" name="직선 연결선 32">
             <a:extLst>
               <a:ext uri="{FF2B5EF4-FFF2-40B4-BE49-F238E27FC236}">
-                <a16:creationId xmlns:a16="http://schemas.microsoft.com/office/drawing/2014/main" id="{6A1A37E4-F933-DE44-2EEA-F3A5BBF35584}"/>
+                <a16:creationId xmlns:a16="http://schemas.microsoft.com/office/drawing/2014/main" xmlns="" id="{6A1A37E4-F933-DE44-2EEA-F3A5BBF35584}"/>
               </a:ext>
             </a:extLst>
           </p:cNvPr>
@@ -6970,6 +6970,56 @@
           </a:fontRef>
         </p:style>
       </p:cxnSp>
+      <p:sp>
+        <p:nvSpPr>
+          <p:cNvPr id="32" name="곱셈 기호 31"/>
+          <p:cNvSpPr/>
+          <p:nvPr/>
+        </p:nvSpPr>
+        <p:spPr>
+          <a:xfrm>
+            <a:off x="7895233" y="6278695"/>
+            <a:ext cx="2057400" cy="1698846"/>
+          </a:xfrm>
+          <a:prstGeom prst="mathMultiply">
+            <a:avLst>
+              <a:gd name="adj1" fmla="val 10595"/>
+            </a:avLst>
+          </a:prstGeom>
+          <a:solidFill>
+            <a:srgbClr val="FF0000"/>
+          </a:solidFill>
+          <a:ln>
+            <a:solidFill>
+              <a:srgbClr val="FF0000"/>
+            </a:solidFill>
+          </a:ln>
+        </p:spPr>
+        <p:style>
+          <a:lnRef idx="2">
+            <a:schemeClr val="accent1">
+              <a:shade val="50000"/>
+            </a:schemeClr>
+          </a:lnRef>
+          <a:fillRef idx="1">
+            <a:schemeClr val="accent1"/>
+          </a:fillRef>
+          <a:effectRef idx="0">
+            <a:schemeClr val="accent1"/>
+          </a:effectRef>
+          <a:fontRef idx="minor">
+            <a:schemeClr val="lt1"/>
+          </a:fontRef>
+        </p:style>
+        <p:txBody>
+          <a:bodyPr rtlCol="0" anchor="ctr"/>
+          <a:lstStyle/>
+          <a:p>
+            <a:pPr algn="ctr"/>
+            <a:endParaRPr lang="ko-KR" altLang="en-US"/>
+          </a:p>
+        </p:txBody>
+      </p:sp>
     </p:spTree>
     <p:extLst>
       <p:ext uri="{BB962C8B-B14F-4D97-AF65-F5344CB8AC3E}">
@@ -6980,6 +7030,84 @@
   <p:clrMapOvr>
     <a:masterClrMapping/>
   </p:clrMapOvr>
+  <p:timing>
+    <p:tnLst>
+      <p:par>
+        <p:cTn id="1" dur="indefinite" restart="never" nodeType="tmRoot">
+          <p:childTnLst>
+            <p:seq concurrent="1" nextAc="seek">
+              <p:cTn id="2" dur="indefinite" nodeType="mainSeq">
+                <p:childTnLst>
+                  <p:par>
+                    <p:cTn id="3" fill="hold">
+                      <p:stCondLst>
+                        <p:cond delay="indefinite"/>
+                      </p:stCondLst>
+                      <p:childTnLst>
+                        <p:par>
+                          <p:cTn id="4" fill="hold">
+                            <p:stCondLst>
+                              <p:cond delay="0"/>
+                            </p:stCondLst>
+                            <p:childTnLst>
+                              <p:par>
+                                <p:cTn id="5" presetID="1" presetClass="entr" presetSubtype="0" fill="hold" grpId="0" nodeType="clickEffect">
+                                  <p:stCondLst>
+                                    <p:cond delay="0"/>
+                                  </p:stCondLst>
+                                  <p:childTnLst>
+                                    <p:set>
+                                      <p:cBhvr>
+                                        <p:cTn id="6" dur="1" fill="hold">
+                                          <p:stCondLst>
+                                            <p:cond delay="0"/>
+                                          </p:stCondLst>
+                                        </p:cTn>
+                                        <p:tgtEl>
+                                          <p:spTgt spid="32"/>
+                                        </p:tgtEl>
+                                        <p:attrNameLst>
+                                          <p:attrName>style.visibility</p:attrName>
+                                        </p:attrNameLst>
+                                      </p:cBhvr>
+                                      <p:to>
+                                        <p:strVal val="visible"/>
+                                      </p:to>
+                                    </p:set>
+                                  </p:childTnLst>
+                                </p:cTn>
+                              </p:par>
+                            </p:childTnLst>
+                          </p:cTn>
+                        </p:par>
+                      </p:childTnLst>
+                    </p:cTn>
+                  </p:par>
+                </p:childTnLst>
+              </p:cTn>
+              <p:prevCondLst>
+                <p:cond evt="onPrev" delay="0">
+                  <p:tgtEl>
+                    <p:sldTgt/>
+                  </p:tgtEl>
+                </p:cond>
+              </p:prevCondLst>
+              <p:nextCondLst>
+                <p:cond evt="onNext" delay="0">
+                  <p:tgtEl>
+                    <p:sldTgt/>
+                  </p:tgtEl>
+                </p:cond>
+              </p:nextCondLst>
+            </p:seq>
+          </p:childTnLst>
+        </p:cTn>
+      </p:par>
+    </p:tnLst>
+    <p:bldLst>
+      <p:bldP spid="32" grpId="0" animBg="1"/>
+    </p:bldLst>
+  </p:timing>
 </p:sld>
 </file>
 

--- a/JavaLecture/LectureFile/샘플.pptx
+++ b/JavaLecture/LectureFile/샘플.pptx
@@ -322,7 +322,7 @@
           <a:p>
             <a:fld id="{F8166F1F-CE9B-4651-A6AA-CD717754106B}" type="datetimeFigureOut">
               <a:rPr lang="en-US" smtClean="0"/>
-              <a:t>1/15/2023</a:t>
+              <a:t>1/20/2023</a:t>
             </a:fld>
             <a:endParaRPr lang="en-US"/>
           </a:p>
@@ -485,7 +485,7 @@
           <a:p>
             <a:fld id="{A76116CE-C4A3-4A05-B2D7-7C2E9A889C0F}" type="datetimeFigureOut">
               <a:rPr lang="en-US" smtClean="0"/>
-              <a:t>1/15/2023</a:t>
+              <a:t>1/20/2023</a:t>
             </a:fld>
             <a:endParaRPr lang="en-US"/>
           </a:p>
@@ -658,7 +658,7 @@
           <a:p>
             <a:fld id="{A76116CE-C4A3-4A05-B2D7-7C2E9A889C0F}" type="datetimeFigureOut">
               <a:rPr lang="en-US" smtClean="0"/>
-              <a:t>1/15/2023</a:t>
+              <a:t>1/20/2023</a:t>
             </a:fld>
             <a:endParaRPr lang="en-US"/>
           </a:p>
@@ -823,7 +823,7 @@
           <a:p>
             <a:fld id="{A76116CE-C4A3-4A05-B2D7-7C2E9A889C0F}" type="datetimeFigureOut">
               <a:rPr lang="en-US" smtClean="0"/>
-              <a:t>1/15/2023</a:t>
+              <a:t>1/20/2023</a:t>
             </a:fld>
             <a:endParaRPr lang="en-US"/>
           </a:p>
@@ -1063,7 +1063,7 @@
           <a:p>
             <a:fld id="{A76116CE-C4A3-4A05-B2D7-7C2E9A889C0F}" type="datetimeFigureOut">
               <a:rPr lang="en-US" smtClean="0"/>
-              <a:t>1/15/2023</a:t>
+              <a:t>1/20/2023</a:t>
             </a:fld>
             <a:endParaRPr lang="en-US"/>
           </a:p>
@@ -1343,7 +1343,7 @@
           <a:p>
             <a:fld id="{A76116CE-C4A3-4A05-B2D7-7C2E9A889C0F}" type="datetimeFigureOut">
               <a:rPr lang="en-US" smtClean="0"/>
-              <a:t>1/15/2023</a:t>
+              <a:t>1/20/2023</a:t>
             </a:fld>
             <a:endParaRPr lang="en-US"/>
           </a:p>
@@ -1757,7 +1757,7 @@
           <a:p>
             <a:fld id="{A76116CE-C4A3-4A05-B2D7-7C2E9A889C0F}" type="datetimeFigureOut">
               <a:rPr lang="en-US" smtClean="0"/>
-              <a:t>1/15/2023</a:t>
+              <a:t>1/20/2023</a:t>
             </a:fld>
             <a:endParaRPr lang="en-US"/>
           </a:p>
@@ -1869,7 +1869,7 @@
           <a:p>
             <a:fld id="{A76116CE-C4A3-4A05-B2D7-7C2E9A889C0F}" type="datetimeFigureOut">
               <a:rPr lang="en-US" smtClean="0"/>
-              <a:t>1/15/2023</a:t>
+              <a:t>1/20/2023</a:t>
             </a:fld>
             <a:endParaRPr lang="en-US"/>
           </a:p>
@@ -1959,7 +1959,7 @@
           <a:p>
             <a:fld id="{A76116CE-C4A3-4A05-B2D7-7C2E9A889C0F}" type="datetimeFigureOut">
               <a:rPr lang="en-US" smtClean="0"/>
-              <a:t>1/15/2023</a:t>
+              <a:t>1/20/2023</a:t>
             </a:fld>
             <a:endParaRPr lang="en-US"/>
           </a:p>
@@ -2229,7 +2229,7 @@
           <a:p>
             <a:fld id="{A76116CE-C4A3-4A05-B2D7-7C2E9A889C0F}" type="datetimeFigureOut">
               <a:rPr lang="en-US" smtClean="0"/>
-              <a:t>1/15/2023</a:t>
+              <a:t>1/20/2023</a:t>
             </a:fld>
             <a:endParaRPr lang="en-US"/>
           </a:p>
@@ -2476,7 +2476,7 @@
           <a:p>
             <a:fld id="{A76116CE-C4A3-4A05-B2D7-7C2E9A889C0F}" type="datetimeFigureOut">
               <a:rPr lang="en-US" smtClean="0"/>
-              <a:t>1/15/2023</a:t>
+              <a:t>1/20/2023</a:t>
             </a:fld>
             <a:endParaRPr lang="en-US"/>
           </a:p>
@@ -2682,7 +2682,7 @@
           <a:p>
             <a:fld id="{F8166F1F-CE9B-4651-A6AA-CD717754106B}" type="datetimeFigureOut">
               <a:rPr lang="en-US" smtClean="0"/>
-              <a:t>1/15/2023</a:t>
+              <a:t>1/20/2023</a:t>
             </a:fld>
             <a:endParaRPr lang="en-US"/>
           </a:p>
@@ -3057,7 +3057,7 @@
           <p:cNvPr id="4" name="그룹 1008">
             <a:extLst>
               <a:ext uri="{FF2B5EF4-FFF2-40B4-BE49-F238E27FC236}">
-                <a16:creationId xmlns:a16="http://schemas.microsoft.com/office/drawing/2014/main" xmlns="" id="{54FFE8A6-6CB8-DCBA-07F7-749FA78BF4A4}"/>
+                <a16:creationId xmlns:a16="http://schemas.microsoft.com/office/drawing/2014/main" id="{54FFE8A6-6CB8-DCBA-07F7-749FA78BF4A4}"/>
               </a:ext>
             </a:extLst>
           </p:cNvPr>
@@ -3077,7 +3077,7 @@
             <p:cNvPr id="5" name="그룹 1009">
               <a:extLst>
                 <a:ext uri="{FF2B5EF4-FFF2-40B4-BE49-F238E27FC236}">
-                  <a16:creationId xmlns:a16="http://schemas.microsoft.com/office/drawing/2014/main" xmlns="" id="{AFC4D322-4969-89C3-C972-D8E8E418CA73}"/>
+                  <a16:creationId xmlns:a16="http://schemas.microsoft.com/office/drawing/2014/main" id="{AFC4D322-4969-89C3-C972-D8E8E418CA73}"/>
                 </a:ext>
               </a:extLst>
             </p:cNvPr>
@@ -3097,7 +3097,7 @@
               <p:cNvPr id="10" name="Object 29">
                 <a:extLst>
                   <a:ext uri="{FF2B5EF4-FFF2-40B4-BE49-F238E27FC236}">
-                    <a16:creationId xmlns:a16="http://schemas.microsoft.com/office/drawing/2014/main" xmlns="" id="{696B190E-C178-4E07-7621-24C3B48A9BCF}"/>
+                    <a16:creationId xmlns:a16="http://schemas.microsoft.com/office/drawing/2014/main" id="{696B190E-C178-4E07-7621-24C3B48A9BCF}"/>
                   </a:ext>
                 </a:extLst>
               </p:cNvPr>
@@ -3128,7 +3128,7 @@
             <p:cNvPr id="6" name="그룹 1010">
               <a:extLst>
                 <a:ext uri="{FF2B5EF4-FFF2-40B4-BE49-F238E27FC236}">
-                  <a16:creationId xmlns:a16="http://schemas.microsoft.com/office/drawing/2014/main" xmlns="" id="{88F3509F-17A2-2BE7-261F-3BA022FF91BA}"/>
+                  <a16:creationId xmlns:a16="http://schemas.microsoft.com/office/drawing/2014/main" id="{88F3509F-17A2-2BE7-261F-3BA022FF91BA}"/>
                 </a:ext>
               </a:extLst>
             </p:cNvPr>
@@ -3148,7 +3148,7 @@
               <p:cNvPr id="9" name="Object 32">
                 <a:extLst>
                   <a:ext uri="{FF2B5EF4-FFF2-40B4-BE49-F238E27FC236}">
-                    <a16:creationId xmlns:a16="http://schemas.microsoft.com/office/drawing/2014/main" xmlns="" id="{6183A7B0-D571-9788-43CE-90A93A934096}"/>
+                    <a16:creationId xmlns:a16="http://schemas.microsoft.com/office/drawing/2014/main" id="{6183A7B0-D571-9788-43CE-90A93A934096}"/>
                   </a:ext>
                 </a:extLst>
               </p:cNvPr>
@@ -3179,7 +3179,7 @@
             <p:cNvPr id="7" name="그룹 1011">
               <a:extLst>
                 <a:ext uri="{FF2B5EF4-FFF2-40B4-BE49-F238E27FC236}">
-                  <a16:creationId xmlns:a16="http://schemas.microsoft.com/office/drawing/2014/main" xmlns="" id="{3DB0BB1F-6A07-787C-7717-F712317AF8C3}"/>
+                  <a16:creationId xmlns:a16="http://schemas.microsoft.com/office/drawing/2014/main" id="{3DB0BB1F-6A07-787C-7717-F712317AF8C3}"/>
                 </a:ext>
               </a:extLst>
             </p:cNvPr>
@@ -3199,7 +3199,7 @@
               <p:cNvPr id="8" name="Object 35">
                 <a:extLst>
                   <a:ext uri="{FF2B5EF4-FFF2-40B4-BE49-F238E27FC236}">
-                    <a16:creationId xmlns:a16="http://schemas.microsoft.com/office/drawing/2014/main" xmlns="" id="{A003AF1A-29EE-2DC2-0E03-479F705DFFB6}"/>
+                    <a16:creationId xmlns:a16="http://schemas.microsoft.com/office/drawing/2014/main" id="{A003AF1A-29EE-2DC2-0E03-479F705DFFB6}"/>
                   </a:ext>
                 </a:extLst>
               </p:cNvPr>
@@ -3231,7 +3231,7 @@
           <p:cNvPr id="11" name="직선 화살표 연결선 10">
             <a:extLst>
               <a:ext uri="{FF2B5EF4-FFF2-40B4-BE49-F238E27FC236}">
-                <a16:creationId xmlns:a16="http://schemas.microsoft.com/office/drawing/2014/main" xmlns="" id="{299DF5EC-9DF4-5255-06AC-0A7CE4FF58C3}"/>
+                <a16:creationId xmlns:a16="http://schemas.microsoft.com/office/drawing/2014/main" id="{299DF5EC-9DF4-5255-06AC-0A7CE4FF58C3}"/>
               </a:ext>
             </a:extLst>
           </p:cNvPr>
@@ -3272,7 +3272,7 @@
           <p:cNvPr id="14" name="직사각형 13">
             <a:extLst>
               <a:ext uri="{FF2B5EF4-FFF2-40B4-BE49-F238E27FC236}">
-                <a16:creationId xmlns:a16="http://schemas.microsoft.com/office/drawing/2014/main" xmlns="" id="{FFF506F9-840A-0508-4CAF-3AC711D8D5CE}"/>
+                <a16:creationId xmlns:a16="http://schemas.microsoft.com/office/drawing/2014/main" id="{FFF506F9-840A-0508-4CAF-3AC711D8D5CE}"/>
               </a:ext>
             </a:extLst>
           </p:cNvPr>
@@ -3324,7 +3324,7 @@
           <p:cNvPr id="15" name="표 16">
             <a:extLst>
               <a:ext uri="{FF2B5EF4-FFF2-40B4-BE49-F238E27FC236}">
-                <a16:creationId xmlns:a16="http://schemas.microsoft.com/office/drawing/2014/main" xmlns="" id="{F03C45C7-6EB1-7871-F0F7-945F667135C4}"/>
+                <a16:creationId xmlns:a16="http://schemas.microsoft.com/office/drawing/2014/main" id="{F03C45C7-6EB1-7871-F0F7-945F667135C4}"/>
               </a:ext>
             </a:extLst>
           </p:cNvPr>
@@ -3341,7 +3341,7 @@
         </p:nvGraphicFramePr>
         <p:xfrm>
           <a:off x="14554200" y="0"/>
-          <a:ext cx="3429000" cy="10232580"/>
+          <a:ext cx="3429000" cy="10361031"/>
         </p:xfrm>
         <a:graphic>
           <a:graphicData uri="http://schemas.openxmlformats.org/drawingml/2006/table">
@@ -3353,14 +3353,14 @@
                 <a:gridCol w="1295400">
                   <a:extLst>
                     <a:ext uri="{9D8B030D-6E8A-4147-A177-3AD203B41FA5}">
-                      <a16:colId xmlns:a16="http://schemas.microsoft.com/office/drawing/2014/main" xmlns="" val="2433761377"/>
+                      <a16:colId xmlns:a16="http://schemas.microsoft.com/office/drawing/2014/main" val="2433761377"/>
                     </a:ext>
                   </a:extLst>
                 </a:gridCol>
                 <a:gridCol w="2133600">
                   <a:extLst>
                     <a:ext uri="{9D8B030D-6E8A-4147-A177-3AD203B41FA5}">
-                      <a16:colId xmlns:a16="http://schemas.microsoft.com/office/drawing/2014/main" xmlns="" val="926389809"/>
+                      <a16:colId xmlns:a16="http://schemas.microsoft.com/office/drawing/2014/main" val="926389809"/>
                     </a:ext>
                   </a:extLst>
                 </a:gridCol>
@@ -3486,7 +3486,7 @@
                 </a:tc>
                 <a:extLst>
                   <a:ext uri="{0D108BD9-81ED-4DB2-BD59-A6C34878D82A}">
-                    <a16:rowId xmlns:a16="http://schemas.microsoft.com/office/drawing/2014/main" xmlns="" val="2504948727"/>
+                    <a16:rowId xmlns:a16="http://schemas.microsoft.com/office/drawing/2014/main" val="2504948727"/>
                   </a:ext>
                 </a:extLst>
               </a:tr>
@@ -3615,7 +3615,7 @@
                 </a:tc>
                 <a:extLst>
                   <a:ext uri="{0D108BD9-81ED-4DB2-BD59-A6C34878D82A}">
-                    <a16:rowId xmlns:a16="http://schemas.microsoft.com/office/drawing/2014/main" xmlns="" val="3647525178"/>
+                    <a16:rowId xmlns:a16="http://schemas.microsoft.com/office/drawing/2014/main" val="3647525178"/>
                   </a:ext>
                 </a:extLst>
               </a:tr>
@@ -3728,7 +3728,7 @@
                 </a:tc>
                 <a:extLst>
                   <a:ext uri="{0D108BD9-81ED-4DB2-BD59-A6C34878D82A}">
-                    <a16:rowId xmlns:a16="http://schemas.microsoft.com/office/drawing/2014/main" xmlns="" val="2672623231"/>
+                    <a16:rowId xmlns:a16="http://schemas.microsoft.com/office/drawing/2014/main" val="2672623231"/>
                   </a:ext>
                 </a:extLst>
               </a:tr>
@@ -3837,7 +3837,7 @@
                 </a:tc>
                 <a:extLst>
                   <a:ext uri="{0D108BD9-81ED-4DB2-BD59-A6C34878D82A}">
-                    <a16:rowId xmlns:a16="http://schemas.microsoft.com/office/drawing/2014/main" xmlns="" val="2996999142"/>
+                    <a16:rowId xmlns:a16="http://schemas.microsoft.com/office/drawing/2014/main" val="2996999142"/>
                   </a:ext>
                 </a:extLst>
               </a:tr>
@@ -3946,7 +3946,7 @@
                 </a:tc>
                 <a:extLst>
                   <a:ext uri="{0D108BD9-81ED-4DB2-BD59-A6C34878D82A}">
-                    <a16:rowId xmlns:a16="http://schemas.microsoft.com/office/drawing/2014/main" xmlns="" val="2275222586"/>
+                    <a16:rowId xmlns:a16="http://schemas.microsoft.com/office/drawing/2014/main" val="2275222586"/>
                   </a:ext>
                 </a:extLst>
               </a:tr>
@@ -4059,7 +4059,7 @@
                 </a:tc>
                 <a:extLst>
                   <a:ext uri="{0D108BD9-81ED-4DB2-BD59-A6C34878D82A}">
-                    <a16:rowId xmlns:a16="http://schemas.microsoft.com/office/drawing/2014/main" xmlns="" val="1918467740"/>
+                    <a16:rowId xmlns:a16="http://schemas.microsoft.com/office/drawing/2014/main" val="1918467740"/>
                   </a:ext>
                 </a:extLst>
               </a:tr>
@@ -4172,7 +4172,7 @@
                 </a:tc>
                 <a:extLst>
                   <a:ext uri="{0D108BD9-81ED-4DB2-BD59-A6C34878D82A}">
-                    <a16:rowId xmlns:a16="http://schemas.microsoft.com/office/drawing/2014/main" xmlns="" val="168351104"/>
+                    <a16:rowId xmlns:a16="http://schemas.microsoft.com/office/drawing/2014/main" val="168351104"/>
                   </a:ext>
                 </a:extLst>
               </a:tr>
@@ -4301,7 +4301,7 @@
                 </a:tc>
                 <a:extLst>
                   <a:ext uri="{0D108BD9-81ED-4DB2-BD59-A6C34878D82A}">
-                    <a16:rowId xmlns:a16="http://schemas.microsoft.com/office/drawing/2014/main" xmlns="" val="1446898692"/>
+                    <a16:rowId xmlns:a16="http://schemas.microsoft.com/office/drawing/2014/main" val="1446898692"/>
                   </a:ext>
                 </a:extLst>
               </a:tr>
@@ -4426,7 +4426,7 @@
                 </a:tc>
                 <a:extLst>
                   <a:ext uri="{0D108BD9-81ED-4DB2-BD59-A6C34878D82A}">
-                    <a16:rowId xmlns:a16="http://schemas.microsoft.com/office/drawing/2014/main" xmlns="" val="2069871938"/>
+                    <a16:rowId xmlns:a16="http://schemas.microsoft.com/office/drawing/2014/main" val="2069871938"/>
                   </a:ext>
                 </a:extLst>
               </a:tr>
@@ -4551,7 +4551,7 @@
                 </a:tc>
                 <a:extLst>
                   <a:ext uri="{0D108BD9-81ED-4DB2-BD59-A6C34878D82A}">
-                    <a16:rowId xmlns:a16="http://schemas.microsoft.com/office/drawing/2014/main" xmlns="" val="3466599706"/>
+                    <a16:rowId xmlns:a16="http://schemas.microsoft.com/office/drawing/2014/main" val="3466599706"/>
                   </a:ext>
                 </a:extLst>
               </a:tr>
@@ -4676,7 +4676,7 @@
                 </a:tc>
                 <a:extLst>
                   <a:ext uri="{0D108BD9-81ED-4DB2-BD59-A6C34878D82A}">
-                    <a16:rowId xmlns:a16="http://schemas.microsoft.com/office/drawing/2014/main" xmlns="" val="3270764344"/>
+                    <a16:rowId xmlns:a16="http://schemas.microsoft.com/office/drawing/2014/main" val="3270764344"/>
                   </a:ext>
                 </a:extLst>
               </a:tr>
@@ -4804,7 +4804,7 @@
                 </a:tc>
                 <a:extLst>
                   <a:ext uri="{0D108BD9-81ED-4DB2-BD59-A6C34878D82A}">
-                    <a16:rowId xmlns:a16="http://schemas.microsoft.com/office/drawing/2014/main" xmlns="" val="1601752940"/>
+                    <a16:rowId xmlns:a16="http://schemas.microsoft.com/office/drawing/2014/main" val="1601752940"/>
                   </a:ext>
                 </a:extLst>
               </a:tr>
@@ -4933,7 +4933,7 @@
                 </a:tc>
                 <a:extLst>
                   <a:ext uri="{0D108BD9-81ED-4DB2-BD59-A6C34878D82A}">
-                    <a16:rowId xmlns:a16="http://schemas.microsoft.com/office/drawing/2014/main" xmlns="" val="3454728477"/>
+                    <a16:rowId xmlns:a16="http://schemas.microsoft.com/office/drawing/2014/main" val="3454728477"/>
                   </a:ext>
                 </a:extLst>
               </a:tr>
@@ -5062,7 +5062,7 @@
                 </a:tc>
                 <a:extLst>
                   <a:ext uri="{0D108BD9-81ED-4DB2-BD59-A6C34878D82A}">
-                    <a16:rowId xmlns:a16="http://schemas.microsoft.com/office/drawing/2014/main" xmlns="" val="3866400999"/>
+                    <a16:rowId xmlns:a16="http://schemas.microsoft.com/office/drawing/2014/main" val="3866400999"/>
                   </a:ext>
                 </a:extLst>
               </a:tr>
@@ -5187,7 +5187,7 @@
                 </a:tc>
                 <a:extLst>
                   <a:ext uri="{0D108BD9-81ED-4DB2-BD59-A6C34878D82A}">
-                    <a16:rowId xmlns:a16="http://schemas.microsoft.com/office/drawing/2014/main" xmlns="" val="1558806300"/>
+                    <a16:rowId xmlns:a16="http://schemas.microsoft.com/office/drawing/2014/main" val="1558806300"/>
                   </a:ext>
                 </a:extLst>
               </a:tr>
@@ -5312,7 +5312,7 @@
                 </a:tc>
                 <a:extLst>
                   <a:ext uri="{0D108BD9-81ED-4DB2-BD59-A6C34878D82A}">
-                    <a16:rowId xmlns:a16="http://schemas.microsoft.com/office/drawing/2014/main" xmlns="" val="702070055"/>
+                    <a16:rowId xmlns:a16="http://schemas.microsoft.com/office/drawing/2014/main" val="702070055"/>
                   </a:ext>
                 </a:extLst>
               </a:tr>
@@ -5437,7 +5437,7 @@
                 </a:tc>
                 <a:extLst>
                   <a:ext uri="{0D108BD9-81ED-4DB2-BD59-A6C34878D82A}">
-                    <a16:rowId xmlns:a16="http://schemas.microsoft.com/office/drawing/2014/main" xmlns="" val="496493748"/>
+                    <a16:rowId xmlns:a16="http://schemas.microsoft.com/office/drawing/2014/main" val="496493748"/>
                   </a:ext>
                 </a:extLst>
               </a:tr>
@@ -5562,7 +5562,7 @@
                 </a:tc>
                 <a:extLst>
                   <a:ext uri="{0D108BD9-81ED-4DB2-BD59-A6C34878D82A}">
-                    <a16:rowId xmlns:a16="http://schemas.microsoft.com/office/drawing/2014/main" xmlns="" val="3240652297"/>
+                    <a16:rowId xmlns:a16="http://schemas.microsoft.com/office/drawing/2014/main" val="3240652297"/>
                   </a:ext>
                 </a:extLst>
               </a:tr>
@@ -5687,7 +5687,7 @@
                 </a:tc>
                 <a:extLst>
                   <a:ext uri="{0D108BD9-81ED-4DB2-BD59-A6C34878D82A}">
-                    <a16:rowId xmlns:a16="http://schemas.microsoft.com/office/drawing/2014/main" xmlns="" val="2637422434"/>
+                    <a16:rowId xmlns:a16="http://schemas.microsoft.com/office/drawing/2014/main" val="2637422434"/>
                   </a:ext>
                 </a:extLst>
               </a:tr>
@@ -5812,7 +5812,7 @@
                 </a:tc>
                 <a:extLst>
                   <a:ext uri="{0D108BD9-81ED-4DB2-BD59-A6C34878D82A}">
-                    <a16:rowId xmlns:a16="http://schemas.microsoft.com/office/drawing/2014/main" xmlns="" val="3987370490"/>
+                    <a16:rowId xmlns:a16="http://schemas.microsoft.com/office/drawing/2014/main" val="3987370490"/>
                   </a:ext>
                 </a:extLst>
               </a:tr>
@@ -5825,7 +5825,7 @@
           <p:cNvPr id="16" name="그룹 1008">
             <a:extLst>
               <a:ext uri="{FF2B5EF4-FFF2-40B4-BE49-F238E27FC236}">
-                <a16:creationId xmlns:a16="http://schemas.microsoft.com/office/drawing/2014/main" xmlns="" id="{E395BDE3-2EDE-065D-70E8-56E348228ACF}"/>
+                <a16:creationId xmlns:a16="http://schemas.microsoft.com/office/drawing/2014/main" id="{E395BDE3-2EDE-065D-70E8-56E348228ACF}"/>
               </a:ext>
             </a:extLst>
           </p:cNvPr>
@@ -5845,7 +5845,7 @@
             <p:cNvPr id="17" name="그룹 1009">
               <a:extLst>
                 <a:ext uri="{FF2B5EF4-FFF2-40B4-BE49-F238E27FC236}">
-                  <a16:creationId xmlns:a16="http://schemas.microsoft.com/office/drawing/2014/main" xmlns="" id="{852F4DEB-DB33-DB3F-9E9F-52A46CD0B10A}"/>
+                  <a16:creationId xmlns:a16="http://schemas.microsoft.com/office/drawing/2014/main" id="{852F4DEB-DB33-DB3F-9E9F-52A46CD0B10A}"/>
                 </a:ext>
               </a:extLst>
             </p:cNvPr>
@@ -5865,7 +5865,7 @@
               <p:cNvPr id="22" name="Object 29">
                 <a:extLst>
                   <a:ext uri="{FF2B5EF4-FFF2-40B4-BE49-F238E27FC236}">
-                    <a16:creationId xmlns:a16="http://schemas.microsoft.com/office/drawing/2014/main" xmlns="" id="{7E353D3B-14D4-8A64-5888-3F0C062C2CDD}"/>
+                    <a16:creationId xmlns:a16="http://schemas.microsoft.com/office/drawing/2014/main" id="{7E353D3B-14D4-8A64-5888-3F0C062C2CDD}"/>
                   </a:ext>
                 </a:extLst>
               </p:cNvPr>
@@ -5896,7 +5896,7 @@
             <p:cNvPr id="18" name="그룹 1010">
               <a:extLst>
                 <a:ext uri="{FF2B5EF4-FFF2-40B4-BE49-F238E27FC236}">
-                  <a16:creationId xmlns:a16="http://schemas.microsoft.com/office/drawing/2014/main" xmlns="" id="{001E38AB-1390-ABD0-BE01-9727136FEAEE}"/>
+                  <a16:creationId xmlns:a16="http://schemas.microsoft.com/office/drawing/2014/main" id="{001E38AB-1390-ABD0-BE01-9727136FEAEE}"/>
                 </a:ext>
               </a:extLst>
             </p:cNvPr>
@@ -5916,7 +5916,7 @@
               <p:cNvPr id="21" name="Object 32">
                 <a:extLst>
                   <a:ext uri="{FF2B5EF4-FFF2-40B4-BE49-F238E27FC236}">
-                    <a16:creationId xmlns:a16="http://schemas.microsoft.com/office/drawing/2014/main" xmlns="" id="{2ED1C30F-0D0B-F86C-8215-2598D332B5A3}"/>
+                    <a16:creationId xmlns:a16="http://schemas.microsoft.com/office/drawing/2014/main" id="{2ED1C30F-0D0B-F86C-8215-2598D332B5A3}"/>
                   </a:ext>
                 </a:extLst>
               </p:cNvPr>
@@ -5947,7 +5947,7 @@
             <p:cNvPr id="19" name="그룹 1011">
               <a:extLst>
                 <a:ext uri="{FF2B5EF4-FFF2-40B4-BE49-F238E27FC236}">
-                  <a16:creationId xmlns:a16="http://schemas.microsoft.com/office/drawing/2014/main" xmlns="" id="{1BCB8DE5-ABAF-4198-BC16-85BB76F2DB24}"/>
+                  <a16:creationId xmlns:a16="http://schemas.microsoft.com/office/drawing/2014/main" id="{1BCB8DE5-ABAF-4198-BC16-85BB76F2DB24}"/>
                 </a:ext>
               </a:extLst>
             </p:cNvPr>
@@ -5967,7 +5967,7 @@
               <p:cNvPr id="20" name="Object 35">
                 <a:extLst>
                   <a:ext uri="{FF2B5EF4-FFF2-40B4-BE49-F238E27FC236}">
-                    <a16:creationId xmlns:a16="http://schemas.microsoft.com/office/drawing/2014/main" xmlns="" id="{86E7BA23-0A1E-B581-CADC-06AB269DB2BD}"/>
+                    <a16:creationId xmlns:a16="http://schemas.microsoft.com/office/drawing/2014/main" id="{86E7BA23-0A1E-B581-CADC-06AB269DB2BD}"/>
                   </a:ext>
                 </a:extLst>
               </p:cNvPr>
@@ -5999,7 +5999,7 @@
           <p:cNvPr id="23" name="TextBox 22">
             <a:extLst>
               <a:ext uri="{FF2B5EF4-FFF2-40B4-BE49-F238E27FC236}">
-                <a16:creationId xmlns:a16="http://schemas.microsoft.com/office/drawing/2014/main" xmlns="" id="{7229BEA6-121E-9056-D07F-2B3BB1795F76}"/>
+                <a16:creationId xmlns:a16="http://schemas.microsoft.com/office/drawing/2014/main" id="{7229BEA6-121E-9056-D07F-2B3BB1795F76}"/>
               </a:ext>
             </a:extLst>
           </p:cNvPr>
@@ -6047,7 +6047,7 @@
           <p:cNvPr id="24" name="TextBox 23">
             <a:extLst>
               <a:ext uri="{FF2B5EF4-FFF2-40B4-BE49-F238E27FC236}">
-                <a16:creationId xmlns:a16="http://schemas.microsoft.com/office/drawing/2014/main" xmlns="" id="{5ADC00B6-990A-40DC-3CEA-505258F5E8DA}"/>
+                <a16:creationId xmlns:a16="http://schemas.microsoft.com/office/drawing/2014/main" id="{5ADC00B6-990A-40DC-3CEA-505258F5E8DA}"/>
               </a:ext>
             </a:extLst>
           </p:cNvPr>
@@ -6105,7 +6105,7 @@
           <p:cNvPr id="2" name="표 2">
             <a:extLst>
               <a:ext uri="{FF2B5EF4-FFF2-40B4-BE49-F238E27FC236}">
-                <a16:creationId xmlns:a16="http://schemas.microsoft.com/office/drawing/2014/main" xmlns="" id="{809219FD-62A9-5E27-ACCD-E1227D05FBC9}"/>
+                <a16:creationId xmlns:a16="http://schemas.microsoft.com/office/drawing/2014/main" id="{809219FD-62A9-5E27-ACCD-E1227D05FBC9}"/>
               </a:ext>
             </a:extLst>
           </p:cNvPr>
@@ -6134,14 +6134,14 @@
                 <a:gridCol w="1911408">
                   <a:extLst>
                     <a:ext uri="{9D8B030D-6E8A-4147-A177-3AD203B41FA5}">
-                      <a16:colId xmlns:a16="http://schemas.microsoft.com/office/drawing/2014/main" xmlns="" val="1960770391"/>
+                      <a16:colId xmlns:a16="http://schemas.microsoft.com/office/drawing/2014/main" val="1960770391"/>
                     </a:ext>
                   </a:extLst>
                 </a:gridCol>
                 <a:gridCol w="3429000">
                   <a:extLst>
                     <a:ext uri="{9D8B030D-6E8A-4147-A177-3AD203B41FA5}">
-                      <a16:colId xmlns:a16="http://schemas.microsoft.com/office/drawing/2014/main" xmlns="" val="733308553"/>
+                      <a16:colId xmlns:a16="http://schemas.microsoft.com/office/drawing/2014/main" val="733308553"/>
                     </a:ext>
                   </a:extLst>
                 </a:gridCol>
@@ -6262,7 +6262,7 @@
                 </a:tc>
                 <a:extLst>
                   <a:ext uri="{0D108BD9-81ED-4DB2-BD59-A6C34878D82A}">
-                    <a16:rowId xmlns:a16="http://schemas.microsoft.com/office/drawing/2014/main" xmlns="" val="2452905565"/>
+                    <a16:rowId xmlns:a16="http://schemas.microsoft.com/office/drawing/2014/main" val="2452905565"/>
                   </a:ext>
                 </a:extLst>
               </a:tr>
@@ -6384,7 +6384,7 @@
                 </a:tc>
                 <a:extLst>
                   <a:ext uri="{0D108BD9-81ED-4DB2-BD59-A6C34878D82A}">
-                    <a16:rowId xmlns:a16="http://schemas.microsoft.com/office/drawing/2014/main" xmlns="" val="3551452526"/>
+                    <a16:rowId xmlns:a16="http://schemas.microsoft.com/office/drawing/2014/main" val="3551452526"/>
                   </a:ext>
                 </a:extLst>
               </a:tr>
@@ -6503,7 +6503,7 @@
                 </a:tc>
                 <a:extLst>
                   <a:ext uri="{0D108BD9-81ED-4DB2-BD59-A6C34878D82A}">
-                    <a16:rowId xmlns:a16="http://schemas.microsoft.com/office/drawing/2014/main" xmlns="" val="2488866604"/>
+                    <a16:rowId xmlns:a16="http://schemas.microsoft.com/office/drawing/2014/main" val="2488866604"/>
                   </a:ext>
                 </a:extLst>
               </a:tr>
@@ -6622,7 +6622,7 @@
                 </a:tc>
                 <a:extLst>
                   <a:ext uri="{0D108BD9-81ED-4DB2-BD59-A6C34878D82A}">
-                    <a16:rowId xmlns:a16="http://schemas.microsoft.com/office/drawing/2014/main" xmlns="" val="2632365449"/>
+                    <a16:rowId xmlns:a16="http://schemas.microsoft.com/office/drawing/2014/main" val="2632365449"/>
                   </a:ext>
                 </a:extLst>
               </a:tr>
@@ -6635,7 +6635,7 @@
           <p:cNvPr id="3" name="TextBox 2">
             <a:extLst>
               <a:ext uri="{FF2B5EF4-FFF2-40B4-BE49-F238E27FC236}">
-                <a16:creationId xmlns:a16="http://schemas.microsoft.com/office/drawing/2014/main" xmlns="" id="{C6D113C6-EA5C-788F-0C77-E7CE6EBB865F}"/>
+                <a16:creationId xmlns:a16="http://schemas.microsoft.com/office/drawing/2014/main" id="{C6D113C6-EA5C-788F-0C77-E7CE6EBB865F}"/>
               </a:ext>
             </a:extLst>
           </p:cNvPr>
@@ -6693,7 +6693,7 @@
           <p:cNvPr id="12" name="그룹 1008">
             <a:extLst>
               <a:ext uri="{FF2B5EF4-FFF2-40B4-BE49-F238E27FC236}">
-                <a16:creationId xmlns:a16="http://schemas.microsoft.com/office/drawing/2014/main" xmlns="" id="{678F6342-C505-E8AD-ADA4-022CB2C2088E}"/>
+                <a16:creationId xmlns:a16="http://schemas.microsoft.com/office/drawing/2014/main" id="{678F6342-C505-E8AD-ADA4-022CB2C2088E}"/>
               </a:ext>
             </a:extLst>
           </p:cNvPr>
@@ -6713,7 +6713,7 @@
             <p:cNvPr id="13" name="그룹 1009">
               <a:extLst>
                 <a:ext uri="{FF2B5EF4-FFF2-40B4-BE49-F238E27FC236}">
-                  <a16:creationId xmlns:a16="http://schemas.microsoft.com/office/drawing/2014/main" xmlns="" id="{4E1F1FED-812B-9BBB-925A-84B54A077414}"/>
+                  <a16:creationId xmlns:a16="http://schemas.microsoft.com/office/drawing/2014/main" id="{4E1F1FED-812B-9BBB-925A-84B54A077414}"/>
                 </a:ext>
               </a:extLst>
             </p:cNvPr>
@@ -6733,7 +6733,7 @@
               <p:cNvPr id="29" name="Object 29">
                 <a:extLst>
                   <a:ext uri="{FF2B5EF4-FFF2-40B4-BE49-F238E27FC236}">
-                    <a16:creationId xmlns:a16="http://schemas.microsoft.com/office/drawing/2014/main" xmlns="" id="{7B078609-4286-7B00-51EB-809C8E2DE289}"/>
+                    <a16:creationId xmlns:a16="http://schemas.microsoft.com/office/drawing/2014/main" id="{7B078609-4286-7B00-51EB-809C8E2DE289}"/>
                   </a:ext>
                 </a:extLst>
               </p:cNvPr>
@@ -6764,7 +6764,7 @@
             <p:cNvPr id="25" name="그룹 1010">
               <a:extLst>
                 <a:ext uri="{FF2B5EF4-FFF2-40B4-BE49-F238E27FC236}">
-                  <a16:creationId xmlns:a16="http://schemas.microsoft.com/office/drawing/2014/main" xmlns="" id="{02A649BF-B5B5-FBAF-7DFD-E118A4DF8907}"/>
+                  <a16:creationId xmlns:a16="http://schemas.microsoft.com/office/drawing/2014/main" id="{02A649BF-B5B5-FBAF-7DFD-E118A4DF8907}"/>
                 </a:ext>
               </a:extLst>
             </p:cNvPr>
@@ -6784,7 +6784,7 @@
               <p:cNvPr id="28" name="Object 32">
                 <a:extLst>
                   <a:ext uri="{FF2B5EF4-FFF2-40B4-BE49-F238E27FC236}">
-                    <a16:creationId xmlns:a16="http://schemas.microsoft.com/office/drawing/2014/main" xmlns="" id="{2A0FFF23-B3C9-3EA0-1C1B-A87D4FF098AE}"/>
+                    <a16:creationId xmlns:a16="http://schemas.microsoft.com/office/drawing/2014/main" id="{2A0FFF23-B3C9-3EA0-1C1B-A87D4FF098AE}"/>
                   </a:ext>
                 </a:extLst>
               </p:cNvPr>
@@ -6815,7 +6815,7 @@
             <p:cNvPr id="26" name="그룹 1011">
               <a:extLst>
                 <a:ext uri="{FF2B5EF4-FFF2-40B4-BE49-F238E27FC236}">
-                  <a16:creationId xmlns:a16="http://schemas.microsoft.com/office/drawing/2014/main" xmlns="" id="{881F5410-F7FB-F261-A584-707359BAC593}"/>
+                  <a16:creationId xmlns:a16="http://schemas.microsoft.com/office/drawing/2014/main" id="{881F5410-F7FB-F261-A584-707359BAC593}"/>
                 </a:ext>
               </a:extLst>
             </p:cNvPr>
@@ -6835,7 +6835,7 @@
               <p:cNvPr id="27" name="Object 35">
                 <a:extLst>
                   <a:ext uri="{FF2B5EF4-FFF2-40B4-BE49-F238E27FC236}">
-                    <a16:creationId xmlns:a16="http://schemas.microsoft.com/office/drawing/2014/main" xmlns="" id="{4E99E669-73EB-F9F4-EFE8-DC107035C265}"/>
+                    <a16:creationId xmlns:a16="http://schemas.microsoft.com/office/drawing/2014/main" id="{4E99E669-73EB-F9F4-EFE8-DC107035C265}"/>
                   </a:ext>
                 </a:extLst>
               </p:cNvPr>
@@ -6867,7 +6867,7 @@
           <p:cNvPr id="30" name="TextBox 29">
             <a:extLst>
               <a:ext uri="{FF2B5EF4-FFF2-40B4-BE49-F238E27FC236}">
-                <a16:creationId xmlns:a16="http://schemas.microsoft.com/office/drawing/2014/main" xmlns="" id="{EDC0CEAC-03B0-6CA0-B904-A9724C34AA11}"/>
+                <a16:creationId xmlns:a16="http://schemas.microsoft.com/office/drawing/2014/main" id="{EDC0CEAC-03B0-6CA0-B904-A9724C34AA11}"/>
               </a:ext>
             </a:extLst>
           </p:cNvPr>
@@ -6934,7 +6934,7 @@
           <p:cNvPr id="33" name="직선 연결선 32">
             <a:extLst>
               <a:ext uri="{FF2B5EF4-FFF2-40B4-BE49-F238E27FC236}">
-                <a16:creationId xmlns:a16="http://schemas.microsoft.com/office/drawing/2014/main" xmlns="" id="{6A1A37E4-F933-DE44-2EEA-F3A5BBF35584}"/>
+                <a16:creationId xmlns:a16="http://schemas.microsoft.com/office/drawing/2014/main" id="{6A1A37E4-F933-DE44-2EEA-F3A5BBF35584}"/>
               </a:ext>
             </a:extLst>
           </p:cNvPr>
@@ -7017,6 +7017,145 @@
           <a:p>
             <a:pPr algn="ctr"/>
             <a:endParaRPr lang="ko-KR" altLang="en-US"/>
+          </a:p>
+        </p:txBody>
+      </p:sp>
+      <p:grpSp>
+        <p:nvGrpSpPr>
+          <p:cNvPr id="35" name="그룹 1018">
+            <a:extLst>
+              <a:ext uri="{FF2B5EF4-FFF2-40B4-BE49-F238E27FC236}">
+                <a16:creationId xmlns:a16="http://schemas.microsoft.com/office/drawing/2014/main" id="{0804D430-F42E-AE32-A065-FFA8C471F092}"/>
+              </a:ext>
+            </a:extLst>
+          </p:cNvPr>
+          <p:cNvGrpSpPr/>
+          <p:nvPr/>
+        </p:nvGrpSpPr>
+        <p:grpSpPr>
+          <a:xfrm>
+            <a:off x="8661687" y="2259722"/>
+            <a:ext cx="3393622" cy="1114286"/>
+            <a:chOff x="2803727" y="4828571"/>
+            <a:chExt cx="3393622" cy="1114286"/>
+          </a:xfrm>
+        </p:grpSpPr>
+        <p:pic>
+          <p:nvPicPr>
+            <p:cNvPr id="36" name="Object 61">
+              <a:extLst>
+                <a:ext uri="{FF2B5EF4-FFF2-40B4-BE49-F238E27FC236}">
+                  <a16:creationId xmlns:a16="http://schemas.microsoft.com/office/drawing/2014/main" id="{334A4C3A-641C-7CD9-8FEE-5EC92B28D640}"/>
+                </a:ext>
+              </a:extLst>
+            </p:cNvPr>
+            <p:cNvPicPr>
+              <a:picLocks noChangeAspect="1"/>
+            </p:cNvPicPr>
+            <p:nvPr/>
+          </p:nvPicPr>
+          <p:blipFill>
+            <a:blip r:embed="rId5" cstate="print"/>
+            <a:stretch>
+              <a:fillRect/>
+            </a:stretch>
+          </p:blipFill>
+          <p:spPr>
+            <a:xfrm>
+              <a:off x="2803727" y="4828571"/>
+              <a:ext cx="3393622" cy="1114286"/>
+            </a:xfrm>
+            <a:prstGeom prst="rect">
+              <a:avLst/>
+            </a:prstGeom>
+          </p:spPr>
+        </p:pic>
+      </p:grpSp>
+      <p:sp>
+        <p:nvSpPr>
+          <p:cNvPr id="38" name="TextBox 37">
+            <a:extLst>
+              <a:ext uri="{FF2B5EF4-FFF2-40B4-BE49-F238E27FC236}">
+                <a16:creationId xmlns:a16="http://schemas.microsoft.com/office/drawing/2014/main" id="{A2AD056B-97A4-5BCC-4460-250160F3E171}"/>
+              </a:ext>
+            </a:extLst>
+          </p:cNvPr>
+          <p:cNvSpPr txBox="1"/>
+          <p:nvPr/>
+        </p:nvSpPr>
+        <p:spPr>
+          <a:xfrm>
+            <a:off x="9296400" y="1540014"/>
+            <a:ext cx="2138441" cy="707886"/>
+          </a:xfrm>
+          <a:prstGeom prst="rect">
+            <a:avLst/>
+          </a:prstGeom>
+          <a:noFill/>
+        </p:spPr>
+        <p:txBody>
+          <a:bodyPr wrap="square" rtlCol="0">
+            <a:spAutoFit/>
+          </a:bodyPr>
+          <a:lstStyle/>
+          <a:p>
+            <a:r>
+              <a:rPr lang="en-US" altLang="ko-KR" sz="4000" dirty="0">
+                <a:solidFill>
+                  <a:schemeClr val="tx1">
+                    <a:lumMod val="50000"/>
+                    <a:lumOff val="50000"/>
+                  </a:schemeClr>
+                </a:solidFill>
+                <a:latin typeface="G마켓 산스 Medium" panose="02000000000000000000" pitchFamily="50" charset="-127"/>
+                <a:ea typeface="G마켓 산스 Medium" panose="02000000000000000000" pitchFamily="50" charset="-127"/>
+              </a:rPr>
+              <a:t>student</a:t>
+            </a:r>
+          </a:p>
+        </p:txBody>
+      </p:sp>
+      <p:sp>
+        <p:nvSpPr>
+          <p:cNvPr id="39" name="TextBox 38">
+            <a:extLst>
+              <a:ext uri="{FF2B5EF4-FFF2-40B4-BE49-F238E27FC236}">
+                <a16:creationId xmlns:a16="http://schemas.microsoft.com/office/drawing/2014/main" id="{52176D31-35F7-8916-46FA-6095EFEC1E49}"/>
+              </a:ext>
+            </a:extLst>
+          </p:cNvPr>
+          <p:cNvSpPr txBox="1"/>
+          <p:nvPr/>
+        </p:nvSpPr>
+        <p:spPr>
+          <a:xfrm>
+            <a:off x="9372600" y="2454414"/>
+            <a:ext cx="2138441" cy="707886"/>
+          </a:xfrm>
+          <a:prstGeom prst="rect">
+            <a:avLst/>
+          </a:prstGeom>
+          <a:noFill/>
+        </p:spPr>
+        <p:txBody>
+          <a:bodyPr wrap="square" rtlCol="0">
+            <a:spAutoFit/>
+          </a:bodyPr>
+          <a:lstStyle/>
+          <a:p>
+            <a:r>
+              <a:rPr lang="en-US" altLang="ko-KR" sz="4000" dirty="0">
+                <a:solidFill>
+                  <a:schemeClr val="tx1">
+                    <a:lumMod val="50000"/>
+                    <a:lumOff val="50000"/>
+                  </a:schemeClr>
+                </a:solidFill>
+                <a:latin typeface="G마켓 산스 Medium" panose="02000000000000000000" pitchFamily="50" charset="-127"/>
+                <a:ea typeface="G마켓 산스 Medium" panose="02000000000000000000" pitchFamily="50" charset="-127"/>
+              </a:rPr>
+              <a:t>0x000A</a:t>
+            </a:r>
           </a:p>
         </p:txBody>
       </p:sp>

--- a/JavaLecture/LectureFile/샘플.pptx
+++ b/JavaLecture/LectureFile/샘플.pptx
@@ -322,7 +322,7 @@
           <a:p>
             <a:fld id="{F8166F1F-CE9B-4651-A6AA-CD717754106B}" type="datetimeFigureOut">
               <a:rPr lang="en-US" smtClean="0"/>
-              <a:t>1/20/2023</a:t>
+              <a:t>1/24/2023</a:t>
             </a:fld>
             <a:endParaRPr lang="en-US"/>
           </a:p>
@@ -485,7 +485,7 @@
           <a:p>
             <a:fld id="{A76116CE-C4A3-4A05-B2D7-7C2E9A889C0F}" type="datetimeFigureOut">
               <a:rPr lang="en-US" smtClean="0"/>
-              <a:t>1/20/2023</a:t>
+              <a:t>1/24/2023</a:t>
             </a:fld>
             <a:endParaRPr lang="en-US"/>
           </a:p>
@@ -658,7 +658,7 @@
           <a:p>
             <a:fld id="{A76116CE-C4A3-4A05-B2D7-7C2E9A889C0F}" type="datetimeFigureOut">
               <a:rPr lang="en-US" smtClean="0"/>
-              <a:t>1/20/2023</a:t>
+              <a:t>1/24/2023</a:t>
             </a:fld>
             <a:endParaRPr lang="en-US"/>
           </a:p>
@@ -823,7 +823,7 @@
           <a:p>
             <a:fld id="{A76116CE-C4A3-4A05-B2D7-7C2E9A889C0F}" type="datetimeFigureOut">
               <a:rPr lang="en-US" smtClean="0"/>
-              <a:t>1/20/2023</a:t>
+              <a:t>1/24/2023</a:t>
             </a:fld>
             <a:endParaRPr lang="en-US"/>
           </a:p>
@@ -1063,7 +1063,7 @@
           <a:p>
             <a:fld id="{A76116CE-C4A3-4A05-B2D7-7C2E9A889C0F}" type="datetimeFigureOut">
               <a:rPr lang="en-US" smtClean="0"/>
-              <a:t>1/20/2023</a:t>
+              <a:t>1/24/2023</a:t>
             </a:fld>
             <a:endParaRPr lang="en-US"/>
           </a:p>
@@ -1343,7 +1343,7 @@
           <a:p>
             <a:fld id="{A76116CE-C4A3-4A05-B2D7-7C2E9A889C0F}" type="datetimeFigureOut">
               <a:rPr lang="en-US" smtClean="0"/>
-              <a:t>1/20/2023</a:t>
+              <a:t>1/24/2023</a:t>
             </a:fld>
             <a:endParaRPr lang="en-US"/>
           </a:p>
@@ -1757,7 +1757,7 @@
           <a:p>
             <a:fld id="{A76116CE-C4A3-4A05-B2D7-7C2E9A889C0F}" type="datetimeFigureOut">
               <a:rPr lang="en-US" smtClean="0"/>
-              <a:t>1/20/2023</a:t>
+              <a:t>1/24/2023</a:t>
             </a:fld>
             <a:endParaRPr lang="en-US"/>
           </a:p>
@@ -1869,7 +1869,7 @@
           <a:p>
             <a:fld id="{A76116CE-C4A3-4A05-B2D7-7C2E9A889C0F}" type="datetimeFigureOut">
               <a:rPr lang="en-US" smtClean="0"/>
-              <a:t>1/20/2023</a:t>
+              <a:t>1/24/2023</a:t>
             </a:fld>
             <a:endParaRPr lang="en-US"/>
           </a:p>
@@ -1959,7 +1959,7 @@
           <a:p>
             <a:fld id="{A76116CE-C4A3-4A05-B2D7-7C2E9A889C0F}" type="datetimeFigureOut">
               <a:rPr lang="en-US" smtClean="0"/>
-              <a:t>1/20/2023</a:t>
+              <a:t>1/24/2023</a:t>
             </a:fld>
             <a:endParaRPr lang="en-US"/>
           </a:p>
@@ -2229,7 +2229,7 @@
           <a:p>
             <a:fld id="{A76116CE-C4A3-4A05-B2D7-7C2E9A889C0F}" type="datetimeFigureOut">
               <a:rPr lang="en-US" smtClean="0"/>
-              <a:t>1/20/2023</a:t>
+              <a:t>1/24/2023</a:t>
             </a:fld>
             <a:endParaRPr lang="en-US"/>
           </a:p>
@@ -2476,7 +2476,7 @@
           <a:p>
             <a:fld id="{A76116CE-C4A3-4A05-B2D7-7C2E9A889C0F}" type="datetimeFigureOut">
               <a:rPr lang="en-US" smtClean="0"/>
-              <a:t>1/20/2023</a:t>
+              <a:t>1/24/2023</a:t>
             </a:fld>
             <a:endParaRPr lang="en-US"/>
           </a:p>
@@ -2682,7 +2682,7 @@
           <a:p>
             <a:fld id="{F8166F1F-CE9B-4651-A6AA-CD717754106B}" type="datetimeFigureOut">
               <a:rPr lang="en-US" smtClean="0"/>
-              <a:t>1/20/2023</a:t>
+              <a:t>1/24/2023</a:t>
             </a:fld>
             <a:endParaRPr lang="en-US"/>
           </a:p>
@@ -6644,7 +6644,7 @@
         </p:nvSpPr>
         <p:spPr>
           <a:xfrm>
-            <a:off x="6019800" y="625614"/>
+            <a:off x="6565046" y="243588"/>
             <a:ext cx="6400800" cy="707886"/>
           </a:xfrm>
           <a:prstGeom prst="rect">

--- a/JavaLecture/LectureFile/샘플.pptx
+++ b/JavaLecture/LectureFile/샘플.pptx
@@ -322,7 +322,7 @@
           <a:p>
             <a:fld id="{F8166F1F-CE9B-4651-A6AA-CD717754106B}" type="datetimeFigureOut">
               <a:rPr lang="en-US" smtClean="0"/>
-              <a:t>1/24/2023</a:t>
+              <a:t>1/27/2023</a:t>
             </a:fld>
             <a:endParaRPr lang="en-US"/>
           </a:p>
@@ -485,7 +485,7 @@
           <a:p>
             <a:fld id="{A76116CE-C4A3-4A05-B2D7-7C2E9A889C0F}" type="datetimeFigureOut">
               <a:rPr lang="en-US" smtClean="0"/>
-              <a:t>1/24/2023</a:t>
+              <a:t>1/27/2023</a:t>
             </a:fld>
             <a:endParaRPr lang="en-US"/>
           </a:p>
@@ -658,7 +658,7 @@
           <a:p>
             <a:fld id="{A76116CE-C4A3-4A05-B2D7-7C2E9A889C0F}" type="datetimeFigureOut">
               <a:rPr lang="en-US" smtClean="0"/>
-              <a:t>1/24/2023</a:t>
+              <a:t>1/27/2023</a:t>
             </a:fld>
             <a:endParaRPr lang="en-US"/>
           </a:p>
@@ -823,7 +823,7 @@
           <a:p>
             <a:fld id="{A76116CE-C4A3-4A05-B2D7-7C2E9A889C0F}" type="datetimeFigureOut">
               <a:rPr lang="en-US" smtClean="0"/>
-              <a:t>1/24/2023</a:t>
+              <a:t>1/27/2023</a:t>
             </a:fld>
             <a:endParaRPr lang="en-US"/>
           </a:p>
@@ -1063,7 +1063,7 @@
           <a:p>
             <a:fld id="{A76116CE-C4A3-4A05-B2D7-7C2E9A889C0F}" type="datetimeFigureOut">
               <a:rPr lang="en-US" smtClean="0"/>
-              <a:t>1/24/2023</a:t>
+              <a:t>1/27/2023</a:t>
             </a:fld>
             <a:endParaRPr lang="en-US"/>
           </a:p>
@@ -1343,7 +1343,7 @@
           <a:p>
             <a:fld id="{A76116CE-C4A3-4A05-B2D7-7C2E9A889C0F}" type="datetimeFigureOut">
               <a:rPr lang="en-US" smtClean="0"/>
-              <a:t>1/24/2023</a:t>
+              <a:t>1/27/2023</a:t>
             </a:fld>
             <a:endParaRPr lang="en-US"/>
           </a:p>
@@ -1757,7 +1757,7 @@
           <a:p>
             <a:fld id="{A76116CE-C4A3-4A05-B2D7-7C2E9A889C0F}" type="datetimeFigureOut">
               <a:rPr lang="en-US" smtClean="0"/>
-              <a:t>1/24/2023</a:t>
+              <a:t>1/27/2023</a:t>
             </a:fld>
             <a:endParaRPr lang="en-US"/>
           </a:p>
@@ -1869,7 +1869,7 @@
           <a:p>
             <a:fld id="{A76116CE-C4A3-4A05-B2D7-7C2E9A889C0F}" type="datetimeFigureOut">
               <a:rPr lang="en-US" smtClean="0"/>
-              <a:t>1/24/2023</a:t>
+              <a:t>1/27/2023</a:t>
             </a:fld>
             <a:endParaRPr lang="en-US"/>
           </a:p>
@@ -1959,7 +1959,7 @@
           <a:p>
             <a:fld id="{A76116CE-C4A3-4A05-B2D7-7C2E9A889C0F}" type="datetimeFigureOut">
               <a:rPr lang="en-US" smtClean="0"/>
-              <a:t>1/24/2023</a:t>
+              <a:t>1/27/2023</a:t>
             </a:fld>
             <a:endParaRPr lang="en-US"/>
           </a:p>
@@ -2229,7 +2229,7 @@
           <a:p>
             <a:fld id="{A76116CE-C4A3-4A05-B2D7-7C2E9A889C0F}" type="datetimeFigureOut">
               <a:rPr lang="en-US" smtClean="0"/>
-              <a:t>1/24/2023</a:t>
+              <a:t>1/27/2023</a:t>
             </a:fld>
             <a:endParaRPr lang="en-US"/>
           </a:p>
@@ -2476,7 +2476,7 @@
           <a:p>
             <a:fld id="{A76116CE-C4A3-4A05-B2D7-7C2E9A889C0F}" type="datetimeFigureOut">
               <a:rPr lang="en-US" smtClean="0"/>
-              <a:t>1/24/2023</a:t>
+              <a:t>1/27/2023</a:t>
             </a:fld>
             <a:endParaRPr lang="en-US"/>
           </a:p>
@@ -2682,7 +2682,7 @@
           <a:p>
             <a:fld id="{F8166F1F-CE9B-4651-A6AA-CD717754106B}" type="datetimeFigureOut">
               <a:rPr lang="en-US" smtClean="0"/>
-              <a:t>1/24/2023</a:t>
+              <a:t>1/27/2023</a:t>
             </a:fld>
             <a:endParaRPr lang="en-US"/>
           </a:p>
@@ -3057,7 +3057,7 @@
           <p:cNvPr id="4" name="그룹 1008">
             <a:extLst>
               <a:ext uri="{FF2B5EF4-FFF2-40B4-BE49-F238E27FC236}">
-                <a16:creationId xmlns:a16="http://schemas.microsoft.com/office/drawing/2014/main" id="{54FFE8A6-6CB8-DCBA-07F7-749FA78BF4A4}"/>
+                <a16:creationId xmlns:a16="http://schemas.microsoft.com/office/drawing/2014/main" xmlns="" id="{54FFE8A6-6CB8-DCBA-07F7-749FA78BF4A4}"/>
               </a:ext>
             </a:extLst>
           </p:cNvPr>
@@ -3077,7 +3077,7 @@
             <p:cNvPr id="5" name="그룹 1009">
               <a:extLst>
                 <a:ext uri="{FF2B5EF4-FFF2-40B4-BE49-F238E27FC236}">
-                  <a16:creationId xmlns:a16="http://schemas.microsoft.com/office/drawing/2014/main" id="{AFC4D322-4969-89C3-C972-D8E8E418CA73}"/>
+                  <a16:creationId xmlns:a16="http://schemas.microsoft.com/office/drawing/2014/main" xmlns="" id="{AFC4D322-4969-89C3-C972-D8E8E418CA73}"/>
                 </a:ext>
               </a:extLst>
             </p:cNvPr>
@@ -3097,7 +3097,7 @@
               <p:cNvPr id="10" name="Object 29">
                 <a:extLst>
                   <a:ext uri="{FF2B5EF4-FFF2-40B4-BE49-F238E27FC236}">
-                    <a16:creationId xmlns:a16="http://schemas.microsoft.com/office/drawing/2014/main" id="{696B190E-C178-4E07-7621-24C3B48A9BCF}"/>
+                    <a16:creationId xmlns:a16="http://schemas.microsoft.com/office/drawing/2014/main" xmlns="" id="{696B190E-C178-4E07-7621-24C3B48A9BCF}"/>
                   </a:ext>
                 </a:extLst>
               </p:cNvPr>
@@ -3128,7 +3128,7 @@
             <p:cNvPr id="6" name="그룹 1010">
               <a:extLst>
                 <a:ext uri="{FF2B5EF4-FFF2-40B4-BE49-F238E27FC236}">
-                  <a16:creationId xmlns:a16="http://schemas.microsoft.com/office/drawing/2014/main" id="{88F3509F-17A2-2BE7-261F-3BA022FF91BA}"/>
+                  <a16:creationId xmlns:a16="http://schemas.microsoft.com/office/drawing/2014/main" xmlns="" id="{88F3509F-17A2-2BE7-261F-3BA022FF91BA}"/>
                 </a:ext>
               </a:extLst>
             </p:cNvPr>
@@ -3148,7 +3148,7 @@
               <p:cNvPr id="9" name="Object 32">
                 <a:extLst>
                   <a:ext uri="{FF2B5EF4-FFF2-40B4-BE49-F238E27FC236}">
-                    <a16:creationId xmlns:a16="http://schemas.microsoft.com/office/drawing/2014/main" id="{6183A7B0-D571-9788-43CE-90A93A934096}"/>
+                    <a16:creationId xmlns:a16="http://schemas.microsoft.com/office/drawing/2014/main" xmlns="" id="{6183A7B0-D571-9788-43CE-90A93A934096}"/>
                   </a:ext>
                 </a:extLst>
               </p:cNvPr>
@@ -3179,7 +3179,7 @@
             <p:cNvPr id="7" name="그룹 1011">
               <a:extLst>
                 <a:ext uri="{FF2B5EF4-FFF2-40B4-BE49-F238E27FC236}">
-                  <a16:creationId xmlns:a16="http://schemas.microsoft.com/office/drawing/2014/main" id="{3DB0BB1F-6A07-787C-7717-F712317AF8C3}"/>
+                  <a16:creationId xmlns:a16="http://schemas.microsoft.com/office/drawing/2014/main" xmlns="" id="{3DB0BB1F-6A07-787C-7717-F712317AF8C3}"/>
                 </a:ext>
               </a:extLst>
             </p:cNvPr>
@@ -3199,7 +3199,7 @@
               <p:cNvPr id="8" name="Object 35">
                 <a:extLst>
                   <a:ext uri="{FF2B5EF4-FFF2-40B4-BE49-F238E27FC236}">
-                    <a16:creationId xmlns:a16="http://schemas.microsoft.com/office/drawing/2014/main" id="{A003AF1A-29EE-2DC2-0E03-479F705DFFB6}"/>
+                    <a16:creationId xmlns:a16="http://schemas.microsoft.com/office/drawing/2014/main" xmlns="" id="{A003AF1A-29EE-2DC2-0E03-479F705DFFB6}"/>
                   </a:ext>
                 </a:extLst>
               </p:cNvPr>
@@ -3231,7 +3231,7 @@
           <p:cNvPr id="11" name="직선 화살표 연결선 10">
             <a:extLst>
               <a:ext uri="{FF2B5EF4-FFF2-40B4-BE49-F238E27FC236}">
-                <a16:creationId xmlns:a16="http://schemas.microsoft.com/office/drawing/2014/main" id="{299DF5EC-9DF4-5255-06AC-0A7CE4FF58C3}"/>
+                <a16:creationId xmlns:a16="http://schemas.microsoft.com/office/drawing/2014/main" xmlns="" id="{299DF5EC-9DF4-5255-06AC-0A7CE4FF58C3}"/>
               </a:ext>
             </a:extLst>
           </p:cNvPr>
@@ -3272,7 +3272,7 @@
           <p:cNvPr id="14" name="직사각형 13">
             <a:extLst>
               <a:ext uri="{FF2B5EF4-FFF2-40B4-BE49-F238E27FC236}">
-                <a16:creationId xmlns:a16="http://schemas.microsoft.com/office/drawing/2014/main" id="{FFF506F9-840A-0508-4CAF-3AC711D8D5CE}"/>
+                <a16:creationId xmlns:a16="http://schemas.microsoft.com/office/drawing/2014/main" xmlns="" id="{FFF506F9-840A-0508-4CAF-3AC711D8D5CE}"/>
               </a:ext>
             </a:extLst>
           </p:cNvPr>
@@ -3324,7 +3324,7 @@
           <p:cNvPr id="15" name="표 16">
             <a:extLst>
               <a:ext uri="{FF2B5EF4-FFF2-40B4-BE49-F238E27FC236}">
-                <a16:creationId xmlns:a16="http://schemas.microsoft.com/office/drawing/2014/main" id="{F03C45C7-6EB1-7871-F0F7-945F667135C4}"/>
+                <a16:creationId xmlns:a16="http://schemas.microsoft.com/office/drawing/2014/main" xmlns="" id="{F03C45C7-6EB1-7871-F0F7-945F667135C4}"/>
               </a:ext>
             </a:extLst>
           </p:cNvPr>
@@ -3353,14 +3353,14 @@
                 <a:gridCol w="1295400">
                   <a:extLst>
                     <a:ext uri="{9D8B030D-6E8A-4147-A177-3AD203B41FA5}">
-                      <a16:colId xmlns:a16="http://schemas.microsoft.com/office/drawing/2014/main" val="2433761377"/>
+                      <a16:colId xmlns:a16="http://schemas.microsoft.com/office/drawing/2014/main" xmlns="" val="2433761377"/>
                     </a:ext>
                   </a:extLst>
                 </a:gridCol>
                 <a:gridCol w="2133600">
                   <a:extLst>
                     <a:ext uri="{9D8B030D-6E8A-4147-A177-3AD203B41FA5}">
-                      <a16:colId xmlns:a16="http://schemas.microsoft.com/office/drawing/2014/main" val="926389809"/>
+                      <a16:colId xmlns:a16="http://schemas.microsoft.com/office/drawing/2014/main" xmlns="" val="926389809"/>
                     </a:ext>
                   </a:extLst>
                 </a:gridCol>
@@ -3486,7 +3486,7 @@
                 </a:tc>
                 <a:extLst>
                   <a:ext uri="{0D108BD9-81ED-4DB2-BD59-A6C34878D82A}">
-                    <a16:rowId xmlns:a16="http://schemas.microsoft.com/office/drawing/2014/main" val="2504948727"/>
+                    <a16:rowId xmlns:a16="http://schemas.microsoft.com/office/drawing/2014/main" xmlns="" val="2504948727"/>
                   </a:ext>
                 </a:extLst>
               </a:tr>
@@ -3615,7 +3615,7 @@
                 </a:tc>
                 <a:extLst>
                   <a:ext uri="{0D108BD9-81ED-4DB2-BD59-A6C34878D82A}">
-                    <a16:rowId xmlns:a16="http://schemas.microsoft.com/office/drawing/2014/main" val="3647525178"/>
+                    <a16:rowId xmlns:a16="http://schemas.microsoft.com/office/drawing/2014/main" xmlns="" val="3647525178"/>
                   </a:ext>
                 </a:extLst>
               </a:tr>
@@ -3728,7 +3728,7 @@
                 </a:tc>
                 <a:extLst>
                   <a:ext uri="{0D108BD9-81ED-4DB2-BD59-A6C34878D82A}">
-                    <a16:rowId xmlns:a16="http://schemas.microsoft.com/office/drawing/2014/main" val="2672623231"/>
+                    <a16:rowId xmlns:a16="http://schemas.microsoft.com/office/drawing/2014/main" xmlns="" val="2672623231"/>
                   </a:ext>
                 </a:extLst>
               </a:tr>
@@ -3837,7 +3837,7 @@
                 </a:tc>
                 <a:extLst>
                   <a:ext uri="{0D108BD9-81ED-4DB2-BD59-A6C34878D82A}">
-                    <a16:rowId xmlns:a16="http://schemas.microsoft.com/office/drawing/2014/main" val="2996999142"/>
+                    <a16:rowId xmlns:a16="http://schemas.microsoft.com/office/drawing/2014/main" xmlns="" val="2996999142"/>
                   </a:ext>
                 </a:extLst>
               </a:tr>
@@ -3946,7 +3946,7 @@
                 </a:tc>
                 <a:extLst>
                   <a:ext uri="{0D108BD9-81ED-4DB2-BD59-A6C34878D82A}">
-                    <a16:rowId xmlns:a16="http://schemas.microsoft.com/office/drawing/2014/main" val="2275222586"/>
+                    <a16:rowId xmlns:a16="http://schemas.microsoft.com/office/drawing/2014/main" xmlns="" val="2275222586"/>
                   </a:ext>
                 </a:extLst>
               </a:tr>
@@ -4059,7 +4059,7 @@
                 </a:tc>
                 <a:extLst>
                   <a:ext uri="{0D108BD9-81ED-4DB2-BD59-A6C34878D82A}">
-                    <a16:rowId xmlns:a16="http://schemas.microsoft.com/office/drawing/2014/main" val="1918467740"/>
+                    <a16:rowId xmlns:a16="http://schemas.microsoft.com/office/drawing/2014/main" xmlns="" val="1918467740"/>
                   </a:ext>
                 </a:extLst>
               </a:tr>
@@ -4172,7 +4172,7 @@
                 </a:tc>
                 <a:extLst>
                   <a:ext uri="{0D108BD9-81ED-4DB2-BD59-A6C34878D82A}">
-                    <a16:rowId xmlns:a16="http://schemas.microsoft.com/office/drawing/2014/main" val="168351104"/>
+                    <a16:rowId xmlns:a16="http://schemas.microsoft.com/office/drawing/2014/main" xmlns="" val="168351104"/>
                   </a:ext>
                 </a:extLst>
               </a:tr>
@@ -4301,7 +4301,7 @@
                 </a:tc>
                 <a:extLst>
                   <a:ext uri="{0D108BD9-81ED-4DB2-BD59-A6C34878D82A}">
-                    <a16:rowId xmlns:a16="http://schemas.microsoft.com/office/drawing/2014/main" val="1446898692"/>
+                    <a16:rowId xmlns:a16="http://schemas.microsoft.com/office/drawing/2014/main" xmlns="" val="1446898692"/>
                   </a:ext>
                 </a:extLst>
               </a:tr>
@@ -4426,7 +4426,7 @@
                 </a:tc>
                 <a:extLst>
                   <a:ext uri="{0D108BD9-81ED-4DB2-BD59-A6C34878D82A}">
-                    <a16:rowId xmlns:a16="http://schemas.microsoft.com/office/drawing/2014/main" val="2069871938"/>
+                    <a16:rowId xmlns:a16="http://schemas.microsoft.com/office/drawing/2014/main" xmlns="" val="2069871938"/>
                   </a:ext>
                 </a:extLst>
               </a:tr>
@@ -4551,7 +4551,7 @@
                 </a:tc>
                 <a:extLst>
                   <a:ext uri="{0D108BD9-81ED-4DB2-BD59-A6C34878D82A}">
-                    <a16:rowId xmlns:a16="http://schemas.microsoft.com/office/drawing/2014/main" val="3466599706"/>
+                    <a16:rowId xmlns:a16="http://schemas.microsoft.com/office/drawing/2014/main" xmlns="" val="3466599706"/>
                   </a:ext>
                 </a:extLst>
               </a:tr>
@@ -4676,7 +4676,7 @@
                 </a:tc>
                 <a:extLst>
                   <a:ext uri="{0D108BD9-81ED-4DB2-BD59-A6C34878D82A}">
-                    <a16:rowId xmlns:a16="http://schemas.microsoft.com/office/drawing/2014/main" val="3270764344"/>
+                    <a16:rowId xmlns:a16="http://schemas.microsoft.com/office/drawing/2014/main" xmlns="" val="3270764344"/>
                   </a:ext>
                 </a:extLst>
               </a:tr>
@@ -4804,7 +4804,7 @@
                 </a:tc>
                 <a:extLst>
                   <a:ext uri="{0D108BD9-81ED-4DB2-BD59-A6C34878D82A}">
-                    <a16:rowId xmlns:a16="http://schemas.microsoft.com/office/drawing/2014/main" val="1601752940"/>
+                    <a16:rowId xmlns:a16="http://schemas.microsoft.com/office/drawing/2014/main" xmlns="" val="1601752940"/>
                   </a:ext>
                 </a:extLst>
               </a:tr>
@@ -4933,7 +4933,7 @@
                 </a:tc>
                 <a:extLst>
                   <a:ext uri="{0D108BD9-81ED-4DB2-BD59-A6C34878D82A}">
-                    <a16:rowId xmlns:a16="http://schemas.microsoft.com/office/drawing/2014/main" val="3454728477"/>
+                    <a16:rowId xmlns:a16="http://schemas.microsoft.com/office/drawing/2014/main" xmlns="" val="3454728477"/>
                   </a:ext>
                 </a:extLst>
               </a:tr>
@@ -5062,7 +5062,7 @@
                 </a:tc>
                 <a:extLst>
                   <a:ext uri="{0D108BD9-81ED-4DB2-BD59-A6C34878D82A}">
-                    <a16:rowId xmlns:a16="http://schemas.microsoft.com/office/drawing/2014/main" val="3866400999"/>
+                    <a16:rowId xmlns:a16="http://schemas.microsoft.com/office/drawing/2014/main" xmlns="" val="3866400999"/>
                   </a:ext>
                 </a:extLst>
               </a:tr>
@@ -5187,7 +5187,7 @@
                 </a:tc>
                 <a:extLst>
                   <a:ext uri="{0D108BD9-81ED-4DB2-BD59-A6C34878D82A}">
-                    <a16:rowId xmlns:a16="http://schemas.microsoft.com/office/drawing/2014/main" val="1558806300"/>
+                    <a16:rowId xmlns:a16="http://schemas.microsoft.com/office/drawing/2014/main" xmlns="" val="1558806300"/>
                   </a:ext>
                 </a:extLst>
               </a:tr>
@@ -5312,7 +5312,7 @@
                 </a:tc>
                 <a:extLst>
                   <a:ext uri="{0D108BD9-81ED-4DB2-BD59-A6C34878D82A}">
-                    <a16:rowId xmlns:a16="http://schemas.microsoft.com/office/drawing/2014/main" val="702070055"/>
+                    <a16:rowId xmlns:a16="http://schemas.microsoft.com/office/drawing/2014/main" xmlns="" val="702070055"/>
                   </a:ext>
                 </a:extLst>
               </a:tr>
@@ -5437,7 +5437,7 @@
                 </a:tc>
                 <a:extLst>
                   <a:ext uri="{0D108BD9-81ED-4DB2-BD59-A6C34878D82A}">
-                    <a16:rowId xmlns:a16="http://schemas.microsoft.com/office/drawing/2014/main" val="496493748"/>
+                    <a16:rowId xmlns:a16="http://schemas.microsoft.com/office/drawing/2014/main" xmlns="" val="496493748"/>
                   </a:ext>
                 </a:extLst>
               </a:tr>
@@ -5562,7 +5562,7 @@
                 </a:tc>
                 <a:extLst>
                   <a:ext uri="{0D108BD9-81ED-4DB2-BD59-A6C34878D82A}">
-                    <a16:rowId xmlns:a16="http://schemas.microsoft.com/office/drawing/2014/main" val="3240652297"/>
+                    <a16:rowId xmlns:a16="http://schemas.microsoft.com/office/drawing/2014/main" xmlns="" val="3240652297"/>
                   </a:ext>
                 </a:extLst>
               </a:tr>
@@ -5687,7 +5687,7 @@
                 </a:tc>
                 <a:extLst>
                   <a:ext uri="{0D108BD9-81ED-4DB2-BD59-A6C34878D82A}">
-                    <a16:rowId xmlns:a16="http://schemas.microsoft.com/office/drawing/2014/main" val="2637422434"/>
+                    <a16:rowId xmlns:a16="http://schemas.microsoft.com/office/drawing/2014/main" xmlns="" val="2637422434"/>
                   </a:ext>
                 </a:extLst>
               </a:tr>
@@ -5812,7 +5812,7 @@
                 </a:tc>
                 <a:extLst>
                   <a:ext uri="{0D108BD9-81ED-4DB2-BD59-A6C34878D82A}">
-                    <a16:rowId xmlns:a16="http://schemas.microsoft.com/office/drawing/2014/main" val="3987370490"/>
+                    <a16:rowId xmlns:a16="http://schemas.microsoft.com/office/drawing/2014/main" xmlns="" val="3987370490"/>
                   </a:ext>
                 </a:extLst>
               </a:tr>
@@ -5825,7 +5825,7 @@
           <p:cNvPr id="16" name="그룹 1008">
             <a:extLst>
               <a:ext uri="{FF2B5EF4-FFF2-40B4-BE49-F238E27FC236}">
-                <a16:creationId xmlns:a16="http://schemas.microsoft.com/office/drawing/2014/main" id="{E395BDE3-2EDE-065D-70E8-56E348228ACF}"/>
+                <a16:creationId xmlns:a16="http://schemas.microsoft.com/office/drawing/2014/main" xmlns="" id="{E395BDE3-2EDE-065D-70E8-56E348228ACF}"/>
               </a:ext>
             </a:extLst>
           </p:cNvPr>
@@ -5845,7 +5845,7 @@
             <p:cNvPr id="17" name="그룹 1009">
               <a:extLst>
                 <a:ext uri="{FF2B5EF4-FFF2-40B4-BE49-F238E27FC236}">
-                  <a16:creationId xmlns:a16="http://schemas.microsoft.com/office/drawing/2014/main" id="{852F4DEB-DB33-DB3F-9E9F-52A46CD0B10A}"/>
+                  <a16:creationId xmlns:a16="http://schemas.microsoft.com/office/drawing/2014/main" xmlns="" id="{852F4DEB-DB33-DB3F-9E9F-52A46CD0B10A}"/>
                 </a:ext>
               </a:extLst>
             </p:cNvPr>
@@ -5865,7 +5865,7 @@
               <p:cNvPr id="22" name="Object 29">
                 <a:extLst>
                   <a:ext uri="{FF2B5EF4-FFF2-40B4-BE49-F238E27FC236}">
-                    <a16:creationId xmlns:a16="http://schemas.microsoft.com/office/drawing/2014/main" id="{7E353D3B-14D4-8A64-5888-3F0C062C2CDD}"/>
+                    <a16:creationId xmlns:a16="http://schemas.microsoft.com/office/drawing/2014/main" xmlns="" id="{7E353D3B-14D4-8A64-5888-3F0C062C2CDD}"/>
                   </a:ext>
                 </a:extLst>
               </p:cNvPr>
@@ -5896,7 +5896,7 @@
             <p:cNvPr id="18" name="그룹 1010">
               <a:extLst>
                 <a:ext uri="{FF2B5EF4-FFF2-40B4-BE49-F238E27FC236}">
-                  <a16:creationId xmlns:a16="http://schemas.microsoft.com/office/drawing/2014/main" id="{001E38AB-1390-ABD0-BE01-9727136FEAEE}"/>
+                  <a16:creationId xmlns:a16="http://schemas.microsoft.com/office/drawing/2014/main" xmlns="" id="{001E38AB-1390-ABD0-BE01-9727136FEAEE}"/>
                 </a:ext>
               </a:extLst>
             </p:cNvPr>
@@ -5916,7 +5916,7 @@
               <p:cNvPr id="21" name="Object 32">
                 <a:extLst>
                   <a:ext uri="{FF2B5EF4-FFF2-40B4-BE49-F238E27FC236}">
-                    <a16:creationId xmlns:a16="http://schemas.microsoft.com/office/drawing/2014/main" id="{2ED1C30F-0D0B-F86C-8215-2598D332B5A3}"/>
+                    <a16:creationId xmlns:a16="http://schemas.microsoft.com/office/drawing/2014/main" xmlns="" id="{2ED1C30F-0D0B-F86C-8215-2598D332B5A3}"/>
                   </a:ext>
                 </a:extLst>
               </p:cNvPr>
@@ -5947,7 +5947,7 @@
             <p:cNvPr id="19" name="그룹 1011">
               <a:extLst>
                 <a:ext uri="{FF2B5EF4-FFF2-40B4-BE49-F238E27FC236}">
-                  <a16:creationId xmlns:a16="http://schemas.microsoft.com/office/drawing/2014/main" id="{1BCB8DE5-ABAF-4198-BC16-85BB76F2DB24}"/>
+                  <a16:creationId xmlns:a16="http://schemas.microsoft.com/office/drawing/2014/main" xmlns="" id="{1BCB8DE5-ABAF-4198-BC16-85BB76F2DB24}"/>
                 </a:ext>
               </a:extLst>
             </p:cNvPr>
@@ -5967,7 +5967,7 @@
               <p:cNvPr id="20" name="Object 35">
                 <a:extLst>
                   <a:ext uri="{FF2B5EF4-FFF2-40B4-BE49-F238E27FC236}">
-                    <a16:creationId xmlns:a16="http://schemas.microsoft.com/office/drawing/2014/main" id="{86E7BA23-0A1E-B581-CADC-06AB269DB2BD}"/>
+                    <a16:creationId xmlns:a16="http://schemas.microsoft.com/office/drawing/2014/main" xmlns="" id="{86E7BA23-0A1E-B581-CADC-06AB269DB2BD}"/>
                   </a:ext>
                 </a:extLst>
               </p:cNvPr>
@@ -5999,7 +5999,7 @@
           <p:cNvPr id="23" name="TextBox 22">
             <a:extLst>
               <a:ext uri="{FF2B5EF4-FFF2-40B4-BE49-F238E27FC236}">
-                <a16:creationId xmlns:a16="http://schemas.microsoft.com/office/drawing/2014/main" id="{7229BEA6-121E-9056-D07F-2B3BB1795F76}"/>
+                <a16:creationId xmlns:a16="http://schemas.microsoft.com/office/drawing/2014/main" xmlns="" id="{7229BEA6-121E-9056-D07F-2B3BB1795F76}"/>
               </a:ext>
             </a:extLst>
           </p:cNvPr>
@@ -6047,7 +6047,7 @@
           <p:cNvPr id="24" name="TextBox 23">
             <a:extLst>
               <a:ext uri="{FF2B5EF4-FFF2-40B4-BE49-F238E27FC236}">
-                <a16:creationId xmlns:a16="http://schemas.microsoft.com/office/drawing/2014/main" id="{5ADC00B6-990A-40DC-3CEA-505258F5E8DA}"/>
+                <a16:creationId xmlns:a16="http://schemas.microsoft.com/office/drawing/2014/main" xmlns="" id="{5ADC00B6-990A-40DC-3CEA-505258F5E8DA}"/>
               </a:ext>
             </a:extLst>
           </p:cNvPr>
@@ -6105,7 +6105,7 @@
           <p:cNvPr id="2" name="표 2">
             <a:extLst>
               <a:ext uri="{FF2B5EF4-FFF2-40B4-BE49-F238E27FC236}">
-                <a16:creationId xmlns:a16="http://schemas.microsoft.com/office/drawing/2014/main" id="{809219FD-62A9-5E27-ACCD-E1227D05FBC9}"/>
+                <a16:creationId xmlns:a16="http://schemas.microsoft.com/office/drawing/2014/main" xmlns="" id="{809219FD-62A9-5E27-ACCD-E1227D05FBC9}"/>
               </a:ext>
             </a:extLst>
           </p:cNvPr>
@@ -6134,14 +6134,14 @@
                 <a:gridCol w="1911408">
                   <a:extLst>
                     <a:ext uri="{9D8B030D-6E8A-4147-A177-3AD203B41FA5}">
-                      <a16:colId xmlns:a16="http://schemas.microsoft.com/office/drawing/2014/main" val="1960770391"/>
+                      <a16:colId xmlns:a16="http://schemas.microsoft.com/office/drawing/2014/main" xmlns="" val="1960770391"/>
                     </a:ext>
                   </a:extLst>
                 </a:gridCol>
                 <a:gridCol w="3429000">
                   <a:extLst>
                     <a:ext uri="{9D8B030D-6E8A-4147-A177-3AD203B41FA5}">
-                      <a16:colId xmlns:a16="http://schemas.microsoft.com/office/drawing/2014/main" val="733308553"/>
+                      <a16:colId xmlns:a16="http://schemas.microsoft.com/office/drawing/2014/main" xmlns="" val="733308553"/>
                     </a:ext>
                   </a:extLst>
                 </a:gridCol>
@@ -6262,7 +6262,7 @@
                 </a:tc>
                 <a:extLst>
                   <a:ext uri="{0D108BD9-81ED-4DB2-BD59-A6C34878D82A}">
-                    <a16:rowId xmlns:a16="http://schemas.microsoft.com/office/drawing/2014/main" val="2452905565"/>
+                    <a16:rowId xmlns:a16="http://schemas.microsoft.com/office/drawing/2014/main" xmlns="" val="2452905565"/>
                   </a:ext>
                 </a:extLst>
               </a:tr>
@@ -6384,7 +6384,7 @@
                 </a:tc>
                 <a:extLst>
                   <a:ext uri="{0D108BD9-81ED-4DB2-BD59-A6C34878D82A}">
-                    <a16:rowId xmlns:a16="http://schemas.microsoft.com/office/drawing/2014/main" val="3551452526"/>
+                    <a16:rowId xmlns:a16="http://schemas.microsoft.com/office/drawing/2014/main" xmlns="" val="3551452526"/>
                   </a:ext>
                 </a:extLst>
               </a:tr>
@@ -6503,7 +6503,7 @@
                 </a:tc>
                 <a:extLst>
                   <a:ext uri="{0D108BD9-81ED-4DB2-BD59-A6C34878D82A}">
-                    <a16:rowId xmlns:a16="http://schemas.microsoft.com/office/drawing/2014/main" val="2488866604"/>
+                    <a16:rowId xmlns:a16="http://schemas.microsoft.com/office/drawing/2014/main" xmlns="" val="2488866604"/>
                   </a:ext>
                 </a:extLst>
               </a:tr>
@@ -6622,7 +6622,7 @@
                 </a:tc>
                 <a:extLst>
                   <a:ext uri="{0D108BD9-81ED-4DB2-BD59-A6C34878D82A}">
-                    <a16:rowId xmlns:a16="http://schemas.microsoft.com/office/drawing/2014/main" val="2632365449"/>
+                    <a16:rowId xmlns:a16="http://schemas.microsoft.com/office/drawing/2014/main" xmlns="" val="2632365449"/>
                   </a:ext>
                 </a:extLst>
               </a:tr>
@@ -6635,7 +6635,7 @@
           <p:cNvPr id="3" name="TextBox 2">
             <a:extLst>
               <a:ext uri="{FF2B5EF4-FFF2-40B4-BE49-F238E27FC236}">
-                <a16:creationId xmlns:a16="http://schemas.microsoft.com/office/drawing/2014/main" id="{C6D113C6-EA5C-788F-0C77-E7CE6EBB865F}"/>
+                <a16:creationId xmlns:a16="http://schemas.microsoft.com/office/drawing/2014/main" xmlns="" id="{C6D113C6-EA5C-788F-0C77-E7CE6EBB865F}"/>
               </a:ext>
             </a:extLst>
           </p:cNvPr>
@@ -6693,7 +6693,7 @@
           <p:cNvPr id="12" name="그룹 1008">
             <a:extLst>
               <a:ext uri="{FF2B5EF4-FFF2-40B4-BE49-F238E27FC236}">
-                <a16:creationId xmlns:a16="http://schemas.microsoft.com/office/drawing/2014/main" id="{678F6342-C505-E8AD-ADA4-022CB2C2088E}"/>
+                <a16:creationId xmlns:a16="http://schemas.microsoft.com/office/drawing/2014/main" xmlns="" id="{678F6342-C505-E8AD-ADA4-022CB2C2088E}"/>
               </a:ext>
             </a:extLst>
           </p:cNvPr>
@@ -6713,7 +6713,7 @@
             <p:cNvPr id="13" name="그룹 1009">
               <a:extLst>
                 <a:ext uri="{FF2B5EF4-FFF2-40B4-BE49-F238E27FC236}">
-                  <a16:creationId xmlns:a16="http://schemas.microsoft.com/office/drawing/2014/main" id="{4E1F1FED-812B-9BBB-925A-84B54A077414}"/>
+                  <a16:creationId xmlns:a16="http://schemas.microsoft.com/office/drawing/2014/main" xmlns="" id="{4E1F1FED-812B-9BBB-925A-84B54A077414}"/>
                 </a:ext>
               </a:extLst>
             </p:cNvPr>
@@ -6733,7 +6733,7 @@
               <p:cNvPr id="29" name="Object 29">
                 <a:extLst>
                   <a:ext uri="{FF2B5EF4-FFF2-40B4-BE49-F238E27FC236}">
-                    <a16:creationId xmlns:a16="http://schemas.microsoft.com/office/drawing/2014/main" id="{7B078609-4286-7B00-51EB-809C8E2DE289}"/>
+                    <a16:creationId xmlns:a16="http://schemas.microsoft.com/office/drawing/2014/main" xmlns="" id="{7B078609-4286-7B00-51EB-809C8E2DE289}"/>
                   </a:ext>
                 </a:extLst>
               </p:cNvPr>
@@ -6764,7 +6764,7 @@
             <p:cNvPr id="25" name="그룹 1010">
               <a:extLst>
                 <a:ext uri="{FF2B5EF4-FFF2-40B4-BE49-F238E27FC236}">
-                  <a16:creationId xmlns:a16="http://schemas.microsoft.com/office/drawing/2014/main" id="{02A649BF-B5B5-FBAF-7DFD-E118A4DF8907}"/>
+                  <a16:creationId xmlns:a16="http://schemas.microsoft.com/office/drawing/2014/main" xmlns="" id="{02A649BF-B5B5-FBAF-7DFD-E118A4DF8907}"/>
                 </a:ext>
               </a:extLst>
             </p:cNvPr>
@@ -6784,7 +6784,7 @@
               <p:cNvPr id="28" name="Object 32">
                 <a:extLst>
                   <a:ext uri="{FF2B5EF4-FFF2-40B4-BE49-F238E27FC236}">
-                    <a16:creationId xmlns:a16="http://schemas.microsoft.com/office/drawing/2014/main" id="{2A0FFF23-B3C9-3EA0-1C1B-A87D4FF098AE}"/>
+                    <a16:creationId xmlns:a16="http://schemas.microsoft.com/office/drawing/2014/main" xmlns="" id="{2A0FFF23-B3C9-3EA0-1C1B-A87D4FF098AE}"/>
                   </a:ext>
                 </a:extLst>
               </p:cNvPr>
@@ -6815,7 +6815,7 @@
             <p:cNvPr id="26" name="그룹 1011">
               <a:extLst>
                 <a:ext uri="{FF2B5EF4-FFF2-40B4-BE49-F238E27FC236}">
-                  <a16:creationId xmlns:a16="http://schemas.microsoft.com/office/drawing/2014/main" id="{881F5410-F7FB-F261-A584-707359BAC593}"/>
+                  <a16:creationId xmlns:a16="http://schemas.microsoft.com/office/drawing/2014/main" xmlns="" id="{881F5410-F7FB-F261-A584-707359BAC593}"/>
                 </a:ext>
               </a:extLst>
             </p:cNvPr>
@@ -6835,7 +6835,7 @@
               <p:cNvPr id="27" name="Object 35">
                 <a:extLst>
                   <a:ext uri="{FF2B5EF4-FFF2-40B4-BE49-F238E27FC236}">
-                    <a16:creationId xmlns:a16="http://schemas.microsoft.com/office/drawing/2014/main" id="{4E99E669-73EB-F9F4-EFE8-DC107035C265}"/>
+                    <a16:creationId xmlns:a16="http://schemas.microsoft.com/office/drawing/2014/main" xmlns="" id="{4E99E669-73EB-F9F4-EFE8-DC107035C265}"/>
                   </a:ext>
                 </a:extLst>
               </p:cNvPr>
@@ -6867,7 +6867,7 @@
           <p:cNvPr id="30" name="TextBox 29">
             <a:extLst>
               <a:ext uri="{FF2B5EF4-FFF2-40B4-BE49-F238E27FC236}">
-                <a16:creationId xmlns:a16="http://schemas.microsoft.com/office/drawing/2014/main" id="{EDC0CEAC-03B0-6CA0-B904-A9724C34AA11}"/>
+                <a16:creationId xmlns:a16="http://schemas.microsoft.com/office/drawing/2014/main" xmlns="" id="{EDC0CEAC-03B0-6CA0-B904-A9724C34AA11}"/>
               </a:ext>
             </a:extLst>
           </p:cNvPr>
@@ -6934,7 +6934,7 @@
           <p:cNvPr id="33" name="직선 연결선 32">
             <a:extLst>
               <a:ext uri="{FF2B5EF4-FFF2-40B4-BE49-F238E27FC236}">
-                <a16:creationId xmlns:a16="http://schemas.microsoft.com/office/drawing/2014/main" id="{6A1A37E4-F933-DE44-2EEA-F3A5BBF35584}"/>
+                <a16:creationId xmlns:a16="http://schemas.microsoft.com/office/drawing/2014/main" xmlns="" id="{6A1A37E4-F933-DE44-2EEA-F3A5BBF35584}"/>
               </a:ext>
             </a:extLst>
           </p:cNvPr>
@@ -7025,7 +7025,7 @@
           <p:cNvPr id="35" name="그룹 1018">
             <a:extLst>
               <a:ext uri="{FF2B5EF4-FFF2-40B4-BE49-F238E27FC236}">
-                <a16:creationId xmlns:a16="http://schemas.microsoft.com/office/drawing/2014/main" id="{0804D430-F42E-AE32-A065-FFA8C471F092}"/>
+                <a16:creationId xmlns:a16="http://schemas.microsoft.com/office/drawing/2014/main" xmlns="" id="{0804D430-F42E-AE32-A065-FFA8C471F092}"/>
               </a:ext>
             </a:extLst>
           </p:cNvPr>
@@ -7045,7 +7045,7 @@
             <p:cNvPr id="36" name="Object 61">
               <a:extLst>
                 <a:ext uri="{FF2B5EF4-FFF2-40B4-BE49-F238E27FC236}">
-                  <a16:creationId xmlns:a16="http://schemas.microsoft.com/office/drawing/2014/main" id="{334A4C3A-641C-7CD9-8FEE-5EC92B28D640}"/>
+                  <a16:creationId xmlns:a16="http://schemas.microsoft.com/office/drawing/2014/main" xmlns="" id="{334A4C3A-641C-7CD9-8FEE-5EC92B28D640}"/>
                 </a:ext>
               </a:extLst>
             </p:cNvPr>
@@ -7076,7 +7076,7 @@
           <p:cNvPr id="38" name="TextBox 37">
             <a:extLst>
               <a:ext uri="{FF2B5EF4-FFF2-40B4-BE49-F238E27FC236}">
-                <a16:creationId xmlns:a16="http://schemas.microsoft.com/office/drawing/2014/main" id="{A2AD056B-97A4-5BCC-4460-250160F3E171}"/>
+                <a16:creationId xmlns:a16="http://schemas.microsoft.com/office/drawing/2014/main" xmlns="" id="{A2AD056B-97A4-5BCC-4460-250160F3E171}"/>
               </a:ext>
             </a:extLst>
           </p:cNvPr>
@@ -7085,8 +7085,8 @@
         </p:nvSpPr>
         <p:spPr>
           <a:xfrm>
-            <a:off x="9296400" y="1540014"/>
-            <a:ext cx="2138441" cy="707886"/>
+            <a:off x="9067800" y="1540014"/>
+            <a:ext cx="2469113" cy="707886"/>
           </a:xfrm>
           <a:prstGeom prst="rect">
             <a:avLst/>
@@ -7120,7 +7120,7 @@
           <p:cNvPr id="39" name="TextBox 38">
             <a:extLst>
               <a:ext uri="{FF2B5EF4-FFF2-40B4-BE49-F238E27FC236}">
-                <a16:creationId xmlns:a16="http://schemas.microsoft.com/office/drawing/2014/main" id="{52176D31-35F7-8916-46FA-6095EFEC1E49}"/>
+                <a16:creationId xmlns:a16="http://schemas.microsoft.com/office/drawing/2014/main" xmlns="" id="{52176D31-35F7-8916-46FA-6095EFEC1E49}"/>
               </a:ext>
             </a:extLst>
           </p:cNvPr>
@@ -7129,8 +7129,8 @@
         </p:nvSpPr>
         <p:spPr>
           <a:xfrm>
-            <a:off x="9372600" y="2454414"/>
-            <a:ext cx="2138441" cy="707886"/>
+            <a:off x="9067800" y="2454414"/>
+            <a:ext cx="2556531" cy="707886"/>
           </a:xfrm>
           <a:prstGeom prst="rect">
             <a:avLst/>

--- a/JavaLecture/LectureFile/샘플.pptx
+++ b/JavaLecture/LectureFile/샘플.pptx
@@ -322,7 +322,7 @@
           <a:p>
             <a:fld id="{F8166F1F-CE9B-4651-A6AA-CD717754106B}" type="datetimeFigureOut">
               <a:rPr lang="en-US" smtClean="0"/>
-              <a:t>1/27/2023</a:t>
+              <a:t>1/30/2023</a:t>
             </a:fld>
             <a:endParaRPr lang="en-US"/>
           </a:p>
@@ -485,7 +485,7 @@
           <a:p>
             <a:fld id="{A76116CE-C4A3-4A05-B2D7-7C2E9A889C0F}" type="datetimeFigureOut">
               <a:rPr lang="en-US" smtClean="0"/>
-              <a:t>1/27/2023</a:t>
+              <a:t>1/30/2023</a:t>
             </a:fld>
             <a:endParaRPr lang="en-US"/>
           </a:p>
@@ -658,7 +658,7 @@
           <a:p>
             <a:fld id="{A76116CE-C4A3-4A05-B2D7-7C2E9A889C0F}" type="datetimeFigureOut">
               <a:rPr lang="en-US" smtClean="0"/>
-              <a:t>1/27/2023</a:t>
+              <a:t>1/30/2023</a:t>
             </a:fld>
             <a:endParaRPr lang="en-US"/>
           </a:p>
@@ -823,7 +823,7 @@
           <a:p>
             <a:fld id="{A76116CE-C4A3-4A05-B2D7-7C2E9A889C0F}" type="datetimeFigureOut">
               <a:rPr lang="en-US" smtClean="0"/>
-              <a:t>1/27/2023</a:t>
+              <a:t>1/30/2023</a:t>
             </a:fld>
             <a:endParaRPr lang="en-US"/>
           </a:p>
@@ -1063,7 +1063,7 @@
           <a:p>
             <a:fld id="{A76116CE-C4A3-4A05-B2D7-7C2E9A889C0F}" type="datetimeFigureOut">
               <a:rPr lang="en-US" smtClean="0"/>
-              <a:t>1/27/2023</a:t>
+              <a:t>1/30/2023</a:t>
             </a:fld>
             <a:endParaRPr lang="en-US"/>
           </a:p>
@@ -1343,7 +1343,7 @@
           <a:p>
             <a:fld id="{A76116CE-C4A3-4A05-B2D7-7C2E9A889C0F}" type="datetimeFigureOut">
               <a:rPr lang="en-US" smtClean="0"/>
-              <a:t>1/27/2023</a:t>
+              <a:t>1/30/2023</a:t>
             </a:fld>
             <a:endParaRPr lang="en-US"/>
           </a:p>
@@ -1757,7 +1757,7 @@
           <a:p>
             <a:fld id="{A76116CE-C4A3-4A05-B2D7-7C2E9A889C0F}" type="datetimeFigureOut">
               <a:rPr lang="en-US" smtClean="0"/>
-              <a:t>1/27/2023</a:t>
+              <a:t>1/30/2023</a:t>
             </a:fld>
             <a:endParaRPr lang="en-US"/>
           </a:p>
@@ -1869,7 +1869,7 @@
           <a:p>
             <a:fld id="{A76116CE-C4A3-4A05-B2D7-7C2E9A889C0F}" type="datetimeFigureOut">
               <a:rPr lang="en-US" smtClean="0"/>
-              <a:t>1/27/2023</a:t>
+              <a:t>1/30/2023</a:t>
             </a:fld>
             <a:endParaRPr lang="en-US"/>
           </a:p>
@@ -1959,7 +1959,7 @@
           <a:p>
             <a:fld id="{A76116CE-C4A3-4A05-B2D7-7C2E9A889C0F}" type="datetimeFigureOut">
               <a:rPr lang="en-US" smtClean="0"/>
-              <a:t>1/27/2023</a:t>
+              <a:t>1/30/2023</a:t>
             </a:fld>
             <a:endParaRPr lang="en-US"/>
           </a:p>
@@ -2229,7 +2229,7 @@
           <a:p>
             <a:fld id="{A76116CE-C4A3-4A05-B2D7-7C2E9A889C0F}" type="datetimeFigureOut">
               <a:rPr lang="en-US" smtClean="0"/>
-              <a:t>1/27/2023</a:t>
+              <a:t>1/30/2023</a:t>
             </a:fld>
             <a:endParaRPr lang="en-US"/>
           </a:p>
@@ -2476,7 +2476,7 @@
           <a:p>
             <a:fld id="{A76116CE-C4A3-4A05-B2D7-7C2E9A889C0F}" type="datetimeFigureOut">
               <a:rPr lang="en-US" smtClean="0"/>
-              <a:t>1/27/2023</a:t>
+              <a:t>1/30/2023</a:t>
             </a:fld>
             <a:endParaRPr lang="en-US"/>
           </a:p>
@@ -2682,7 +2682,7 @@
           <a:p>
             <a:fld id="{F8166F1F-CE9B-4651-A6AA-CD717754106B}" type="datetimeFigureOut">
               <a:rPr lang="en-US" smtClean="0"/>
-              <a:t>1/27/2023</a:t>
+              <a:t>1/30/2023</a:t>
             </a:fld>
             <a:endParaRPr lang="en-US"/>
           </a:p>
@@ -3057,7 +3057,7 @@
           <p:cNvPr id="4" name="그룹 1008">
             <a:extLst>
               <a:ext uri="{FF2B5EF4-FFF2-40B4-BE49-F238E27FC236}">
-                <a16:creationId xmlns:a16="http://schemas.microsoft.com/office/drawing/2014/main" xmlns="" id="{54FFE8A6-6CB8-DCBA-07F7-749FA78BF4A4}"/>
+                <a16:creationId xmlns:a16="http://schemas.microsoft.com/office/drawing/2014/main" id="{54FFE8A6-6CB8-DCBA-07F7-749FA78BF4A4}"/>
               </a:ext>
             </a:extLst>
           </p:cNvPr>
@@ -3077,7 +3077,7 @@
             <p:cNvPr id="5" name="그룹 1009">
               <a:extLst>
                 <a:ext uri="{FF2B5EF4-FFF2-40B4-BE49-F238E27FC236}">
-                  <a16:creationId xmlns:a16="http://schemas.microsoft.com/office/drawing/2014/main" xmlns="" id="{AFC4D322-4969-89C3-C972-D8E8E418CA73}"/>
+                  <a16:creationId xmlns:a16="http://schemas.microsoft.com/office/drawing/2014/main" id="{AFC4D322-4969-89C3-C972-D8E8E418CA73}"/>
                 </a:ext>
               </a:extLst>
             </p:cNvPr>
@@ -3097,7 +3097,7 @@
               <p:cNvPr id="10" name="Object 29">
                 <a:extLst>
                   <a:ext uri="{FF2B5EF4-FFF2-40B4-BE49-F238E27FC236}">
-                    <a16:creationId xmlns:a16="http://schemas.microsoft.com/office/drawing/2014/main" xmlns="" id="{696B190E-C178-4E07-7621-24C3B48A9BCF}"/>
+                    <a16:creationId xmlns:a16="http://schemas.microsoft.com/office/drawing/2014/main" id="{696B190E-C178-4E07-7621-24C3B48A9BCF}"/>
                   </a:ext>
                 </a:extLst>
               </p:cNvPr>
@@ -3128,7 +3128,7 @@
             <p:cNvPr id="6" name="그룹 1010">
               <a:extLst>
                 <a:ext uri="{FF2B5EF4-FFF2-40B4-BE49-F238E27FC236}">
-                  <a16:creationId xmlns:a16="http://schemas.microsoft.com/office/drawing/2014/main" xmlns="" id="{88F3509F-17A2-2BE7-261F-3BA022FF91BA}"/>
+                  <a16:creationId xmlns:a16="http://schemas.microsoft.com/office/drawing/2014/main" id="{88F3509F-17A2-2BE7-261F-3BA022FF91BA}"/>
                 </a:ext>
               </a:extLst>
             </p:cNvPr>
@@ -3148,7 +3148,7 @@
               <p:cNvPr id="9" name="Object 32">
                 <a:extLst>
                   <a:ext uri="{FF2B5EF4-FFF2-40B4-BE49-F238E27FC236}">
-                    <a16:creationId xmlns:a16="http://schemas.microsoft.com/office/drawing/2014/main" xmlns="" id="{6183A7B0-D571-9788-43CE-90A93A934096}"/>
+                    <a16:creationId xmlns:a16="http://schemas.microsoft.com/office/drawing/2014/main" id="{6183A7B0-D571-9788-43CE-90A93A934096}"/>
                   </a:ext>
                 </a:extLst>
               </p:cNvPr>
@@ -3179,7 +3179,7 @@
             <p:cNvPr id="7" name="그룹 1011">
               <a:extLst>
                 <a:ext uri="{FF2B5EF4-FFF2-40B4-BE49-F238E27FC236}">
-                  <a16:creationId xmlns:a16="http://schemas.microsoft.com/office/drawing/2014/main" xmlns="" id="{3DB0BB1F-6A07-787C-7717-F712317AF8C3}"/>
+                  <a16:creationId xmlns:a16="http://schemas.microsoft.com/office/drawing/2014/main" id="{3DB0BB1F-6A07-787C-7717-F712317AF8C3}"/>
                 </a:ext>
               </a:extLst>
             </p:cNvPr>
@@ -3199,7 +3199,7 @@
               <p:cNvPr id="8" name="Object 35">
                 <a:extLst>
                   <a:ext uri="{FF2B5EF4-FFF2-40B4-BE49-F238E27FC236}">
-                    <a16:creationId xmlns:a16="http://schemas.microsoft.com/office/drawing/2014/main" xmlns="" id="{A003AF1A-29EE-2DC2-0E03-479F705DFFB6}"/>
+                    <a16:creationId xmlns:a16="http://schemas.microsoft.com/office/drawing/2014/main" id="{A003AF1A-29EE-2DC2-0E03-479F705DFFB6}"/>
                   </a:ext>
                 </a:extLst>
               </p:cNvPr>
@@ -3231,7 +3231,7 @@
           <p:cNvPr id="11" name="직선 화살표 연결선 10">
             <a:extLst>
               <a:ext uri="{FF2B5EF4-FFF2-40B4-BE49-F238E27FC236}">
-                <a16:creationId xmlns:a16="http://schemas.microsoft.com/office/drawing/2014/main" xmlns="" id="{299DF5EC-9DF4-5255-06AC-0A7CE4FF58C3}"/>
+                <a16:creationId xmlns:a16="http://schemas.microsoft.com/office/drawing/2014/main" id="{299DF5EC-9DF4-5255-06AC-0A7CE4FF58C3}"/>
               </a:ext>
             </a:extLst>
           </p:cNvPr>
@@ -3272,7 +3272,7 @@
           <p:cNvPr id="14" name="직사각형 13">
             <a:extLst>
               <a:ext uri="{FF2B5EF4-FFF2-40B4-BE49-F238E27FC236}">
-                <a16:creationId xmlns:a16="http://schemas.microsoft.com/office/drawing/2014/main" xmlns="" id="{FFF506F9-840A-0508-4CAF-3AC711D8D5CE}"/>
+                <a16:creationId xmlns:a16="http://schemas.microsoft.com/office/drawing/2014/main" id="{FFF506F9-840A-0508-4CAF-3AC711D8D5CE}"/>
               </a:ext>
             </a:extLst>
           </p:cNvPr>
@@ -3324,7 +3324,7 @@
           <p:cNvPr id="15" name="표 16">
             <a:extLst>
               <a:ext uri="{FF2B5EF4-FFF2-40B4-BE49-F238E27FC236}">
-                <a16:creationId xmlns:a16="http://schemas.microsoft.com/office/drawing/2014/main" xmlns="" id="{F03C45C7-6EB1-7871-F0F7-945F667135C4}"/>
+                <a16:creationId xmlns:a16="http://schemas.microsoft.com/office/drawing/2014/main" id="{F03C45C7-6EB1-7871-F0F7-945F667135C4}"/>
               </a:ext>
             </a:extLst>
           </p:cNvPr>
@@ -3353,14 +3353,14 @@
                 <a:gridCol w="1295400">
                   <a:extLst>
                     <a:ext uri="{9D8B030D-6E8A-4147-A177-3AD203B41FA5}">
-                      <a16:colId xmlns:a16="http://schemas.microsoft.com/office/drawing/2014/main" xmlns="" val="2433761377"/>
+                      <a16:colId xmlns:a16="http://schemas.microsoft.com/office/drawing/2014/main" val="2433761377"/>
                     </a:ext>
                   </a:extLst>
                 </a:gridCol>
                 <a:gridCol w="2133600">
                   <a:extLst>
                     <a:ext uri="{9D8B030D-6E8A-4147-A177-3AD203B41FA5}">
-                      <a16:colId xmlns:a16="http://schemas.microsoft.com/office/drawing/2014/main" xmlns="" val="926389809"/>
+                      <a16:colId xmlns:a16="http://schemas.microsoft.com/office/drawing/2014/main" val="926389809"/>
                     </a:ext>
                   </a:extLst>
                 </a:gridCol>
@@ -3486,7 +3486,7 @@
                 </a:tc>
                 <a:extLst>
                   <a:ext uri="{0D108BD9-81ED-4DB2-BD59-A6C34878D82A}">
-                    <a16:rowId xmlns:a16="http://schemas.microsoft.com/office/drawing/2014/main" xmlns="" val="2504948727"/>
+                    <a16:rowId xmlns:a16="http://schemas.microsoft.com/office/drawing/2014/main" val="2504948727"/>
                   </a:ext>
                 </a:extLst>
               </a:tr>
@@ -3615,7 +3615,7 @@
                 </a:tc>
                 <a:extLst>
                   <a:ext uri="{0D108BD9-81ED-4DB2-BD59-A6C34878D82A}">
-                    <a16:rowId xmlns:a16="http://schemas.microsoft.com/office/drawing/2014/main" xmlns="" val="3647525178"/>
+                    <a16:rowId xmlns:a16="http://schemas.microsoft.com/office/drawing/2014/main" val="3647525178"/>
                   </a:ext>
                 </a:extLst>
               </a:tr>
@@ -3728,7 +3728,7 @@
                 </a:tc>
                 <a:extLst>
                   <a:ext uri="{0D108BD9-81ED-4DB2-BD59-A6C34878D82A}">
-                    <a16:rowId xmlns:a16="http://schemas.microsoft.com/office/drawing/2014/main" xmlns="" val="2672623231"/>
+                    <a16:rowId xmlns:a16="http://schemas.microsoft.com/office/drawing/2014/main" val="2672623231"/>
                   </a:ext>
                 </a:extLst>
               </a:tr>
@@ -3837,7 +3837,7 @@
                 </a:tc>
                 <a:extLst>
                   <a:ext uri="{0D108BD9-81ED-4DB2-BD59-A6C34878D82A}">
-                    <a16:rowId xmlns:a16="http://schemas.microsoft.com/office/drawing/2014/main" xmlns="" val="2996999142"/>
+                    <a16:rowId xmlns:a16="http://schemas.microsoft.com/office/drawing/2014/main" val="2996999142"/>
                   </a:ext>
                 </a:extLst>
               </a:tr>
@@ -3946,7 +3946,7 @@
                 </a:tc>
                 <a:extLst>
                   <a:ext uri="{0D108BD9-81ED-4DB2-BD59-A6C34878D82A}">
-                    <a16:rowId xmlns:a16="http://schemas.microsoft.com/office/drawing/2014/main" xmlns="" val="2275222586"/>
+                    <a16:rowId xmlns:a16="http://schemas.microsoft.com/office/drawing/2014/main" val="2275222586"/>
                   </a:ext>
                 </a:extLst>
               </a:tr>
@@ -4059,7 +4059,7 @@
                 </a:tc>
                 <a:extLst>
                   <a:ext uri="{0D108BD9-81ED-4DB2-BD59-A6C34878D82A}">
-                    <a16:rowId xmlns:a16="http://schemas.microsoft.com/office/drawing/2014/main" xmlns="" val="1918467740"/>
+                    <a16:rowId xmlns:a16="http://schemas.microsoft.com/office/drawing/2014/main" val="1918467740"/>
                   </a:ext>
                 </a:extLst>
               </a:tr>
@@ -4172,7 +4172,7 @@
                 </a:tc>
                 <a:extLst>
                   <a:ext uri="{0D108BD9-81ED-4DB2-BD59-A6C34878D82A}">
-                    <a16:rowId xmlns:a16="http://schemas.microsoft.com/office/drawing/2014/main" xmlns="" val="168351104"/>
+                    <a16:rowId xmlns:a16="http://schemas.microsoft.com/office/drawing/2014/main" val="168351104"/>
                   </a:ext>
                 </a:extLst>
               </a:tr>
@@ -4301,7 +4301,7 @@
                 </a:tc>
                 <a:extLst>
                   <a:ext uri="{0D108BD9-81ED-4DB2-BD59-A6C34878D82A}">
-                    <a16:rowId xmlns:a16="http://schemas.microsoft.com/office/drawing/2014/main" xmlns="" val="1446898692"/>
+                    <a16:rowId xmlns:a16="http://schemas.microsoft.com/office/drawing/2014/main" val="1446898692"/>
                   </a:ext>
                 </a:extLst>
               </a:tr>
@@ -4426,7 +4426,7 @@
                 </a:tc>
                 <a:extLst>
                   <a:ext uri="{0D108BD9-81ED-4DB2-BD59-A6C34878D82A}">
-                    <a16:rowId xmlns:a16="http://schemas.microsoft.com/office/drawing/2014/main" xmlns="" val="2069871938"/>
+                    <a16:rowId xmlns:a16="http://schemas.microsoft.com/office/drawing/2014/main" val="2069871938"/>
                   </a:ext>
                 </a:extLst>
               </a:tr>
@@ -4551,7 +4551,7 @@
                 </a:tc>
                 <a:extLst>
                   <a:ext uri="{0D108BD9-81ED-4DB2-BD59-A6C34878D82A}">
-                    <a16:rowId xmlns:a16="http://schemas.microsoft.com/office/drawing/2014/main" xmlns="" val="3466599706"/>
+                    <a16:rowId xmlns:a16="http://schemas.microsoft.com/office/drawing/2014/main" val="3466599706"/>
                   </a:ext>
                 </a:extLst>
               </a:tr>
@@ -4676,7 +4676,7 @@
                 </a:tc>
                 <a:extLst>
                   <a:ext uri="{0D108BD9-81ED-4DB2-BD59-A6C34878D82A}">
-                    <a16:rowId xmlns:a16="http://schemas.microsoft.com/office/drawing/2014/main" xmlns="" val="3270764344"/>
+                    <a16:rowId xmlns:a16="http://schemas.microsoft.com/office/drawing/2014/main" val="3270764344"/>
                   </a:ext>
                 </a:extLst>
               </a:tr>
@@ -4804,7 +4804,7 @@
                 </a:tc>
                 <a:extLst>
                   <a:ext uri="{0D108BD9-81ED-4DB2-BD59-A6C34878D82A}">
-                    <a16:rowId xmlns:a16="http://schemas.microsoft.com/office/drawing/2014/main" xmlns="" val="1601752940"/>
+                    <a16:rowId xmlns:a16="http://schemas.microsoft.com/office/drawing/2014/main" val="1601752940"/>
                   </a:ext>
                 </a:extLst>
               </a:tr>
@@ -4933,7 +4933,7 @@
                 </a:tc>
                 <a:extLst>
                   <a:ext uri="{0D108BD9-81ED-4DB2-BD59-A6C34878D82A}">
-                    <a16:rowId xmlns:a16="http://schemas.microsoft.com/office/drawing/2014/main" xmlns="" val="3454728477"/>
+                    <a16:rowId xmlns:a16="http://schemas.microsoft.com/office/drawing/2014/main" val="3454728477"/>
                   </a:ext>
                 </a:extLst>
               </a:tr>
@@ -5062,7 +5062,7 @@
                 </a:tc>
                 <a:extLst>
                   <a:ext uri="{0D108BD9-81ED-4DB2-BD59-A6C34878D82A}">
-                    <a16:rowId xmlns:a16="http://schemas.microsoft.com/office/drawing/2014/main" xmlns="" val="3866400999"/>
+                    <a16:rowId xmlns:a16="http://schemas.microsoft.com/office/drawing/2014/main" val="3866400999"/>
                   </a:ext>
                 </a:extLst>
               </a:tr>
@@ -5187,7 +5187,7 @@
                 </a:tc>
                 <a:extLst>
                   <a:ext uri="{0D108BD9-81ED-4DB2-BD59-A6C34878D82A}">
-                    <a16:rowId xmlns:a16="http://schemas.microsoft.com/office/drawing/2014/main" xmlns="" val="1558806300"/>
+                    <a16:rowId xmlns:a16="http://schemas.microsoft.com/office/drawing/2014/main" val="1558806300"/>
                   </a:ext>
                 </a:extLst>
               </a:tr>
@@ -5312,7 +5312,7 @@
                 </a:tc>
                 <a:extLst>
                   <a:ext uri="{0D108BD9-81ED-4DB2-BD59-A6C34878D82A}">
-                    <a16:rowId xmlns:a16="http://schemas.microsoft.com/office/drawing/2014/main" xmlns="" val="702070055"/>
+                    <a16:rowId xmlns:a16="http://schemas.microsoft.com/office/drawing/2014/main" val="702070055"/>
                   </a:ext>
                 </a:extLst>
               </a:tr>
@@ -5437,7 +5437,7 @@
                 </a:tc>
                 <a:extLst>
                   <a:ext uri="{0D108BD9-81ED-4DB2-BD59-A6C34878D82A}">
-                    <a16:rowId xmlns:a16="http://schemas.microsoft.com/office/drawing/2014/main" xmlns="" val="496493748"/>
+                    <a16:rowId xmlns:a16="http://schemas.microsoft.com/office/drawing/2014/main" val="496493748"/>
                   </a:ext>
                 </a:extLst>
               </a:tr>
@@ -5562,7 +5562,7 @@
                 </a:tc>
                 <a:extLst>
                   <a:ext uri="{0D108BD9-81ED-4DB2-BD59-A6C34878D82A}">
-                    <a16:rowId xmlns:a16="http://schemas.microsoft.com/office/drawing/2014/main" xmlns="" val="3240652297"/>
+                    <a16:rowId xmlns:a16="http://schemas.microsoft.com/office/drawing/2014/main" val="3240652297"/>
                   </a:ext>
                 </a:extLst>
               </a:tr>
@@ -5687,7 +5687,7 @@
                 </a:tc>
                 <a:extLst>
                   <a:ext uri="{0D108BD9-81ED-4DB2-BD59-A6C34878D82A}">
-                    <a16:rowId xmlns:a16="http://schemas.microsoft.com/office/drawing/2014/main" xmlns="" val="2637422434"/>
+                    <a16:rowId xmlns:a16="http://schemas.microsoft.com/office/drawing/2014/main" val="2637422434"/>
                   </a:ext>
                 </a:extLst>
               </a:tr>
@@ -5812,7 +5812,7 @@
                 </a:tc>
                 <a:extLst>
                   <a:ext uri="{0D108BD9-81ED-4DB2-BD59-A6C34878D82A}">
-                    <a16:rowId xmlns:a16="http://schemas.microsoft.com/office/drawing/2014/main" xmlns="" val="3987370490"/>
+                    <a16:rowId xmlns:a16="http://schemas.microsoft.com/office/drawing/2014/main" val="3987370490"/>
                   </a:ext>
                 </a:extLst>
               </a:tr>
@@ -5825,7 +5825,7 @@
           <p:cNvPr id="16" name="그룹 1008">
             <a:extLst>
               <a:ext uri="{FF2B5EF4-FFF2-40B4-BE49-F238E27FC236}">
-                <a16:creationId xmlns:a16="http://schemas.microsoft.com/office/drawing/2014/main" xmlns="" id="{E395BDE3-2EDE-065D-70E8-56E348228ACF}"/>
+                <a16:creationId xmlns:a16="http://schemas.microsoft.com/office/drawing/2014/main" id="{E395BDE3-2EDE-065D-70E8-56E348228ACF}"/>
               </a:ext>
             </a:extLst>
           </p:cNvPr>
@@ -5845,7 +5845,7 @@
             <p:cNvPr id="17" name="그룹 1009">
               <a:extLst>
                 <a:ext uri="{FF2B5EF4-FFF2-40B4-BE49-F238E27FC236}">
-                  <a16:creationId xmlns:a16="http://schemas.microsoft.com/office/drawing/2014/main" xmlns="" id="{852F4DEB-DB33-DB3F-9E9F-52A46CD0B10A}"/>
+                  <a16:creationId xmlns:a16="http://schemas.microsoft.com/office/drawing/2014/main" id="{852F4DEB-DB33-DB3F-9E9F-52A46CD0B10A}"/>
                 </a:ext>
               </a:extLst>
             </p:cNvPr>
@@ -5865,7 +5865,7 @@
               <p:cNvPr id="22" name="Object 29">
                 <a:extLst>
                   <a:ext uri="{FF2B5EF4-FFF2-40B4-BE49-F238E27FC236}">
-                    <a16:creationId xmlns:a16="http://schemas.microsoft.com/office/drawing/2014/main" xmlns="" id="{7E353D3B-14D4-8A64-5888-3F0C062C2CDD}"/>
+                    <a16:creationId xmlns:a16="http://schemas.microsoft.com/office/drawing/2014/main" id="{7E353D3B-14D4-8A64-5888-3F0C062C2CDD}"/>
                   </a:ext>
                 </a:extLst>
               </p:cNvPr>
@@ -5896,7 +5896,7 @@
             <p:cNvPr id="18" name="그룹 1010">
               <a:extLst>
                 <a:ext uri="{FF2B5EF4-FFF2-40B4-BE49-F238E27FC236}">
-                  <a16:creationId xmlns:a16="http://schemas.microsoft.com/office/drawing/2014/main" xmlns="" id="{001E38AB-1390-ABD0-BE01-9727136FEAEE}"/>
+                  <a16:creationId xmlns:a16="http://schemas.microsoft.com/office/drawing/2014/main" id="{001E38AB-1390-ABD0-BE01-9727136FEAEE}"/>
                 </a:ext>
               </a:extLst>
             </p:cNvPr>
@@ -5916,7 +5916,7 @@
               <p:cNvPr id="21" name="Object 32">
                 <a:extLst>
                   <a:ext uri="{FF2B5EF4-FFF2-40B4-BE49-F238E27FC236}">
-                    <a16:creationId xmlns:a16="http://schemas.microsoft.com/office/drawing/2014/main" xmlns="" id="{2ED1C30F-0D0B-F86C-8215-2598D332B5A3}"/>
+                    <a16:creationId xmlns:a16="http://schemas.microsoft.com/office/drawing/2014/main" id="{2ED1C30F-0D0B-F86C-8215-2598D332B5A3}"/>
                   </a:ext>
                 </a:extLst>
               </p:cNvPr>
@@ -5947,7 +5947,7 @@
             <p:cNvPr id="19" name="그룹 1011">
               <a:extLst>
                 <a:ext uri="{FF2B5EF4-FFF2-40B4-BE49-F238E27FC236}">
-                  <a16:creationId xmlns:a16="http://schemas.microsoft.com/office/drawing/2014/main" xmlns="" id="{1BCB8DE5-ABAF-4198-BC16-85BB76F2DB24}"/>
+                  <a16:creationId xmlns:a16="http://schemas.microsoft.com/office/drawing/2014/main" id="{1BCB8DE5-ABAF-4198-BC16-85BB76F2DB24}"/>
                 </a:ext>
               </a:extLst>
             </p:cNvPr>
@@ -5967,7 +5967,7 @@
               <p:cNvPr id="20" name="Object 35">
                 <a:extLst>
                   <a:ext uri="{FF2B5EF4-FFF2-40B4-BE49-F238E27FC236}">
-                    <a16:creationId xmlns:a16="http://schemas.microsoft.com/office/drawing/2014/main" xmlns="" id="{86E7BA23-0A1E-B581-CADC-06AB269DB2BD}"/>
+                    <a16:creationId xmlns:a16="http://schemas.microsoft.com/office/drawing/2014/main" id="{86E7BA23-0A1E-B581-CADC-06AB269DB2BD}"/>
                   </a:ext>
                 </a:extLst>
               </p:cNvPr>
@@ -5999,7 +5999,7 @@
           <p:cNvPr id="23" name="TextBox 22">
             <a:extLst>
               <a:ext uri="{FF2B5EF4-FFF2-40B4-BE49-F238E27FC236}">
-                <a16:creationId xmlns:a16="http://schemas.microsoft.com/office/drawing/2014/main" xmlns="" id="{7229BEA6-121E-9056-D07F-2B3BB1795F76}"/>
+                <a16:creationId xmlns:a16="http://schemas.microsoft.com/office/drawing/2014/main" id="{7229BEA6-121E-9056-D07F-2B3BB1795F76}"/>
               </a:ext>
             </a:extLst>
           </p:cNvPr>
@@ -6047,7 +6047,7 @@
           <p:cNvPr id="24" name="TextBox 23">
             <a:extLst>
               <a:ext uri="{FF2B5EF4-FFF2-40B4-BE49-F238E27FC236}">
-                <a16:creationId xmlns:a16="http://schemas.microsoft.com/office/drawing/2014/main" xmlns="" id="{5ADC00B6-990A-40DC-3CEA-505258F5E8DA}"/>
+                <a16:creationId xmlns:a16="http://schemas.microsoft.com/office/drawing/2014/main" id="{5ADC00B6-990A-40DC-3CEA-505258F5E8DA}"/>
               </a:ext>
             </a:extLst>
           </p:cNvPr>
@@ -6056,7 +6056,7 @@
         </p:nvSpPr>
         <p:spPr>
           <a:xfrm>
-            <a:off x="3965663" y="4294281"/>
+            <a:off x="5453021" y="3897004"/>
             <a:ext cx="6400800" cy="830997"/>
           </a:xfrm>
           <a:prstGeom prst="rect">
@@ -6100,542 +6100,12 @@
           </a:p>
         </p:txBody>
       </p:sp>
-      <p:graphicFrame>
-        <p:nvGraphicFramePr>
-          <p:cNvPr id="2" name="표 2">
-            <a:extLst>
-              <a:ext uri="{FF2B5EF4-FFF2-40B4-BE49-F238E27FC236}">
-                <a16:creationId xmlns:a16="http://schemas.microsoft.com/office/drawing/2014/main" xmlns="" id="{809219FD-62A9-5E27-ACCD-E1227D05FBC9}"/>
-              </a:ext>
-            </a:extLst>
-          </p:cNvPr>
-          <p:cNvGraphicFramePr>
-            <a:graphicFrameLocks noGrp="1"/>
-          </p:cNvGraphicFramePr>
-          <p:nvPr>
-            <p:extLst>
-              <p:ext uri="{D42A27DB-BD31-4B8C-83A1-F6EECF244321}">
-                <p14:modId xmlns:p14="http://schemas.microsoft.com/office/powerpoint/2010/main" val="659003447"/>
-              </p:ext>
-            </p:extLst>
-          </p:nvPr>
-        </p:nvGraphicFramePr>
-        <p:xfrm>
-          <a:off x="984192" y="6278695"/>
-          <a:ext cx="5340408" cy="1483360"/>
-        </p:xfrm>
-        <a:graphic>
-          <a:graphicData uri="http://schemas.openxmlformats.org/drawingml/2006/table">
-            <a:tbl>
-              <a:tblPr firstRow="1" bandRow="1">
-                <a:tableStyleId>{5C22544A-7EE6-4342-B048-85BDC9FD1C3A}</a:tableStyleId>
-              </a:tblPr>
-              <a:tblGrid>
-                <a:gridCol w="1911408">
-                  <a:extLst>
-                    <a:ext uri="{9D8B030D-6E8A-4147-A177-3AD203B41FA5}">
-                      <a16:colId xmlns:a16="http://schemas.microsoft.com/office/drawing/2014/main" xmlns="" val="1960770391"/>
-                    </a:ext>
-                  </a:extLst>
-                </a:gridCol>
-                <a:gridCol w="3429000">
-                  <a:extLst>
-                    <a:ext uri="{9D8B030D-6E8A-4147-A177-3AD203B41FA5}">
-                      <a16:colId xmlns:a16="http://schemas.microsoft.com/office/drawing/2014/main" xmlns="" val="733308553"/>
-                    </a:ext>
-                  </a:extLst>
-                </a:gridCol>
-              </a:tblGrid>
-              <a:tr h="370840">
-                <a:tc>
-                  <a:txBody>
-                    <a:bodyPr/>
-                    <a:lstStyle/>
-                    <a:p>
-                      <a:pPr latinLnBrk="1"/>
-                      <a:r>
-                        <a:rPr lang="ko-KR" altLang="en-US">
-                          <a:solidFill>
-                            <a:schemeClr val="bg1"/>
-                          </a:solidFill>
-                        </a:rPr>
-                        <a:t>ㄹㅇㄴㅁ</a:t>
-                      </a:r>
-                    </a:p>
-                  </a:txBody>
-                  <a:tcPr>
-                    <a:lnL w="12700" cap="flat" cmpd="sng" algn="ctr">
-                      <a:solidFill>
-                        <a:schemeClr val="tx1"/>
-                      </a:solidFill>
-                      <a:prstDash val="solid"/>
-                      <a:round/>
-                      <a:headEnd type="none" w="med" len="med"/>
-                      <a:tailEnd type="none" w="med" len="med"/>
-                    </a:lnL>
-                    <a:lnR w="12700" cap="flat" cmpd="sng" algn="ctr">
-                      <a:solidFill>
-                        <a:schemeClr val="tx1"/>
-                      </a:solidFill>
-                      <a:prstDash val="solid"/>
-                      <a:round/>
-                      <a:headEnd type="none" w="med" len="med"/>
-                      <a:tailEnd type="none" w="med" len="med"/>
-                    </a:lnR>
-                    <a:lnT w="12700" cap="flat" cmpd="sng" algn="ctr">
-                      <a:solidFill>
-                        <a:schemeClr val="tx1"/>
-                      </a:solidFill>
-                      <a:prstDash val="solid"/>
-                      <a:round/>
-                      <a:headEnd type="none" w="med" len="med"/>
-                      <a:tailEnd type="none" w="med" len="med"/>
-                    </a:lnT>
-                    <a:lnB w="12700" cap="flat" cmpd="sng" algn="ctr">
-                      <a:solidFill>
-                        <a:schemeClr val="tx1"/>
-                      </a:solidFill>
-                      <a:prstDash val="solid"/>
-                      <a:round/>
-                      <a:headEnd type="none" w="med" len="med"/>
-                      <a:tailEnd type="none" w="med" len="med"/>
-                    </a:lnB>
-                    <a:solidFill>
-                      <a:srgbClr val="4C50BC"/>
-                    </a:solidFill>
-                  </a:tcPr>
-                </a:tc>
-                <a:tc>
-                  <a:txBody>
-                    <a:bodyPr/>
-                    <a:lstStyle/>
-                    <a:p>
-                      <a:pPr latinLnBrk="1"/>
-                      <a:endParaRPr lang="ko-KR" altLang="en-US">
-                        <a:solidFill>
-                          <a:schemeClr val="bg1"/>
-                        </a:solidFill>
-                      </a:endParaRPr>
-                    </a:p>
-                  </a:txBody>
-                  <a:tcPr>
-                    <a:lnL w="12700" cap="flat" cmpd="sng" algn="ctr">
-                      <a:solidFill>
-                        <a:schemeClr val="tx1"/>
-                      </a:solidFill>
-                      <a:prstDash val="solid"/>
-                      <a:round/>
-                      <a:headEnd type="none" w="med" len="med"/>
-                      <a:tailEnd type="none" w="med" len="med"/>
-                    </a:lnL>
-                    <a:lnR w="12700" cap="flat" cmpd="sng" algn="ctr">
-                      <a:solidFill>
-                        <a:schemeClr val="tx1"/>
-                      </a:solidFill>
-                      <a:prstDash val="solid"/>
-                      <a:round/>
-                      <a:headEnd type="none" w="med" len="med"/>
-                      <a:tailEnd type="none" w="med" len="med"/>
-                    </a:lnR>
-                    <a:lnT w="12700" cap="flat" cmpd="sng" algn="ctr">
-                      <a:solidFill>
-                        <a:schemeClr val="tx1"/>
-                      </a:solidFill>
-                      <a:prstDash val="solid"/>
-                      <a:round/>
-                      <a:headEnd type="none" w="med" len="med"/>
-                      <a:tailEnd type="none" w="med" len="med"/>
-                    </a:lnT>
-                    <a:lnB w="12700" cap="flat" cmpd="sng" algn="ctr">
-                      <a:solidFill>
-                        <a:schemeClr val="tx1"/>
-                      </a:solidFill>
-                      <a:prstDash val="solid"/>
-                      <a:round/>
-                      <a:headEnd type="none" w="med" len="med"/>
-                      <a:tailEnd type="none" w="med" len="med"/>
-                    </a:lnB>
-                    <a:solidFill>
-                      <a:srgbClr val="4C50BC"/>
-                    </a:solidFill>
-                  </a:tcPr>
-                </a:tc>
-                <a:extLst>
-                  <a:ext uri="{0D108BD9-81ED-4DB2-BD59-A6C34878D82A}">
-                    <a16:rowId xmlns:a16="http://schemas.microsoft.com/office/drawing/2014/main" xmlns="" val="2452905565"/>
-                  </a:ext>
-                </a:extLst>
-              </a:tr>
-              <a:tr h="370840">
-                <a:tc>
-                  <a:txBody>
-                    <a:bodyPr/>
-                    <a:lstStyle/>
-                    <a:p>
-                      <a:pPr latinLnBrk="1"/>
-                      <a:r>
-                        <a:rPr lang="ko-KR" altLang="en-US">
-                          <a:solidFill>
-                            <a:schemeClr val="tx1">
-                              <a:lumMod val="50000"/>
-                              <a:lumOff val="50000"/>
-                            </a:schemeClr>
-                          </a:solidFill>
-                        </a:rPr>
-                        <a:t>ㄹㅇㄴㅁ</a:t>
-                      </a:r>
-                    </a:p>
-                  </a:txBody>
-                  <a:tcPr>
-                    <a:lnL w="12700" cap="flat" cmpd="sng" algn="ctr">
-                      <a:solidFill>
-                        <a:schemeClr val="tx1"/>
-                      </a:solidFill>
-                      <a:prstDash val="solid"/>
-                      <a:round/>
-                      <a:headEnd type="none" w="med" len="med"/>
-                      <a:tailEnd type="none" w="med" len="med"/>
-                    </a:lnL>
-                    <a:lnR w="12700" cap="flat" cmpd="sng" algn="ctr">
-                      <a:solidFill>
-                        <a:schemeClr val="tx1"/>
-                      </a:solidFill>
-                      <a:prstDash val="solid"/>
-                      <a:round/>
-                      <a:headEnd type="none" w="med" len="med"/>
-                      <a:tailEnd type="none" w="med" len="med"/>
-                    </a:lnR>
-                    <a:lnT w="12700" cap="flat" cmpd="sng" algn="ctr">
-                      <a:solidFill>
-                        <a:schemeClr val="tx1"/>
-                      </a:solidFill>
-                      <a:prstDash val="solid"/>
-                      <a:round/>
-                      <a:headEnd type="none" w="med" len="med"/>
-                      <a:tailEnd type="none" w="med" len="med"/>
-                    </a:lnT>
-                    <a:lnB w="12700" cap="flat" cmpd="sng" algn="ctr">
-                      <a:solidFill>
-                        <a:schemeClr val="tx1"/>
-                      </a:solidFill>
-                      <a:prstDash val="solid"/>
-                      <a:round/>
-                      <a:headEnd type="none" w="med" len="med"/>
-                      <a:tailEnd type="none" w="med" len="med"/>
-                    </a:lnB>
-                    <a:noFill/>
-                  </a:tcPr>
-                </a:tc>
-                <a:tc>
-                  <a:txBody>
-                    <a:bodyPr/>
-                    <a:lstStyle/>
-                    <a:p>
-                      <a:pPr latinLnBrk="1"/>
-                      <a:endParaRPr lang="ko-KR" altLang="en-US">
-                        <a:solidFill>
-                          <a:schemeClr val="tx1">
-                            <a:lumMod val="50000"/>
-                            <a:lumOff val="50000"/>
-                          </a:schemeClr>
-                        </a:solidFill>
-                      </a:endParaRPr>
-                    </a:p>
-                  </a:txBody>
-                  <a:tcPr>
-                    <a:lnL w="12700" cap="flat" cmpd="sng" algn="ctr">
-                      <a:solidFill>
-                        <a:schemeClr val="tx1"/>
-                      </a:solidFill>
-                      <a:prstDash val="solid"/>
-                      <a:round/>
-                      <a:headEnd type="none" w="med" len="med"/>
-                      <a:tailEnd type="none" w="med" len="med"/>
-                    </a:lnL>
-                    <a:lnR w="12700" cap="flat" cmpd="sng" algn="ctr">
-                      <a:solidFill>
-                        <a:schemeClr val="tx1"/>
-                      </a:solidFill>
-                      <a:prstDash val="solid"/>
-                      <a:round/>
-                      <a:headEnd type="none" w="med" len="med"/>
-                      <a:tailEnd type="none" w="med" len="med"/>
-                    </a:lnR>
-                    <a:lnT w="12700" cap="flat" cmpd="sng" algn="ctr">
-                      <a:solidFill>
-                        <a:schemeClr val="tx1"/>
-                      </a:solidFill>
-                      <a:prstDash val="solid"/>
-                      <a:round/>
-                      <a:headEnd type="none" w="med" len="med"/>
-                      <a:tailEnd type="none" w="med" len="med"/>
-                    </a:lnT>
-                    <a:lnB w="12700" cap="flat" cmpd="sng" algn="ctr">
-                      <a:solidFill>
-                        <a:schemeClr val="tx1"/>
-                      </a:solidFill>
-                      <a:prstDash val="solid"/>
-                      <a:round/>
-                      <a:headEnd type="none" w="med" len="med"/>
-                      <a:tailEnd type="none" w="med" len="med"/>
-                    </a:lnB>
-                    <a:noFill/>
-                  </a:tcPr>
-                </a:tc>
-                <a:extLst>
-                  <a:ext uri="{0D108BD9-81ED-4DB2-BD59-A6C34878D82A}">
-                    <a16:rowId xmlns:a16="http://schemas.microsoft.com/office/drawing/2014/main" xmlns="" val="3551452526"/>
-                  </a:ext>
-                </a:extLst>
-              </a:tr>
-              <a:tr h="370840">
-                <a:tc>
-                  <a:txBody>
-                    <a:bodyPr/>
-                    <a:lstStyle/>
-                    <a:p>
-                      <a:pPr latinLnBrk="1"/>
-                      <a:endParaRPr lang="ko-KR" altLang="en-US">
-                        <a:solidFill>
-                          <a:schemeClr val="tx1">
-                            <a:lumMod val="50000"/>
-                            <a:lumOff val="50000"/>
-                          </a:schemeClr>
-                        </a:solidFill>
-                      </a:endParaRPr>
-                    </a:p>
-                  </a:txBody>
-                  <a:tcPr>
-                    <a:lnL w="12700" cap="flat" cmpd="sng" algn="ctr">
-                      <a:solidFill>
-                        <a:schemeClr val="tx1"/>
-                      </a:solidFill>
-                      <a:prstDash val="solid"/>
-                      <a:round/>
-                      <a:headEnd type="none" w="med" len="med"/>
-                      <a:tailEnd type="none" w="med" len="med"/>
-                    </a:lnL>
-                    <a:lnR w="12700" cap="flat" cmpd="sng" algn="ctr">
-                      <a:solidFill>
-                        <a:schemeClr val="tx1"/>
-                      </a:solidFill>
-                      <a:prstDash val="solid"/>
-                      <a:round/>
-                      <a:headEnd type="none" w="med" len="med"/>
-                      <a:tailEnd type="none" w="med" len="med"/>
-                    </a:lnR>
-                    <a:lnT w="12700" cap="flat" cmpd="sng" algn="ctr">
-                      <a:solidFill>
-                        <a:schemeClr val="tx1"/>
-                      </a:solidFill>
-                      <a:prstDash val="solid"/>
-                      <a:round/>
-                      <a:headEnd type="none" w="med" len="med"/>
-                      <a:tailEnd type="none" w="med" len="med"/>
-                    </a:lnT>
-                    <a:lnB w="12700" cap="flat" cmpd="sng" algn="ctr">
-                      <a:solidFill>
-                        <a:schemeClr val="tx1"/>
-                      </a:solidFill>
-                      <a:prstDash val="solid"/>
-                      <a:round/>
-                      <a:headEnd type="none" w="med" len="med"/>
-                      <a:tailEnd type="none" w="med" len="med"/>
-                    </a:lnB>
-                    <a:noFill/>
-                  </a:tcPr>
-                </a:tc>
-                <a:tc>
-                  <a:txBody>
-                    <a:bodyPr/>
-                    <a:lstStyle/>
-                    <a:p>
-                      <a:pPr latinLnBrk="1"/>
-                      <a:endParaRPr lang="ko-KR" altLang="en-US">
-                        <a:solidFill>
-                          <a:schemeClr val="tx1">
-                            <a:lumMod val="50000"/>
-                            <a:lumOff val="50000"/>
-                          </a:schemeClr>
-                        </a:solidFill>
-                      </a:endParaRPr>
-                    </a:p>
-                  </a:txBody>
-                  <a:tcPr>
-                    <a:lnL w="12700" cap="flat" cmpd="sng" algn="ctr">
-                      <a:solidFill>
-                        <a:schemeClr val="tx1"/>
-                      </a:solidFill>
-                      <a:prstDash val="solid"/>
-                      <a:round/>
-                      <a:headEnd type="none" w="med" len="med"/>
-                      <a:tailEnd type="none" w="med" len="med"/>
-                    </a:lnL>
-                    <a:lnR w="12700" cap="flat" cmpd="sng" algn="ctr">
-                      <a:solidFill>
-                        <a:schemeClr val="tx1"/>
-                      </a:solidFill>
-                      <a:prstDash val="solid"/>
-                      <a:round/>
-                      <a:headEnd type="none" w="med" len="med"/>
-                      <a:tailEnd type="none" w="med" len="med"/>
-                    </a:lnR>
-                    <a:lnT w="12700" cap="flat" cmpd="sng" algn="ctr">
-                      <a:solidFill>
-                        <a:schemeClr val="tx1"/>
-                      </a:solidFill>
-                      <a:prstDash val="solid"/>
-                      <a:round/>
-                      <a:headEnd type="none" w="med" len="med"/>
-                      <a:tailEnd type="none" w="med" len="med"/>
-                    </a:lnT>
-                    <a:lnB w="12700" cap="flat" cmpd="sng" algn="ctr">
-                      <a:solidFill>
-                        <a:schemeClr val="tx1"/>
-                      </a:solidFill>
-                      <a:prstDash val="solid"/>
-                      <a:round/>
-                      <a:headEnd type="none" w="med" len="med"/>
-                      <a:tailEnd type="none" w="med" len="med"/>
-                    </a:lnB>
-                    <a:noFill/>
-                  </a:tcPr>
-                </a:tc>
-                <a:extLst>
-                  <a:ext uri="{0D108BD9-81ED-4DB2-BD59-A6C34878D82A}">
-                    <a16:rowId xmlns:a16="http://schemas.microsoft.com/office/drawing/2014/main" xmlns="" val="2488866604"/>
-                  </a:ext>
-                </a:extLst>
-              </a:tr>
-              <a:tr h="370840">
-                <a:tc>
-                  <a:txBody>
-                    <a:bodyPr/>
-                    <a:lstStyle/>
-                    <a:p>
-                      <a:pPr latinLnBrk="1"/>
-                      <a:endParaRPr lang="ko-KR" altLang="en-US">
-                        <a:solidFill>
-                          <a:schemeClr val="tx1">
-                            <a:lumMod val="50000"/>
-                            <a:lumOff val="50000"/>
-                          </a:schemeClr>
-                        </a:solidFill>
-                      </a:endParaRPr>
-                    </a:p>
-                  </a:txBody>
-                  <a:tcPr>
-                    <a:lnL w="12700" cap="flat" cmpd="sng" algn="ctr">
-                      <a:solidFill>
-                        <a:schemeClr val="tx1"/>
-                      </a:solidFill>
-                      <a:prstDash val="solid"/>
-                      <a:round/>
-                      <a:headEnd type="none" w="med" len="med"/>
-                      <a:tailEnd type="none" w="med" len="med"/>
-                    </a:lnL>
-                    <a:lnR w="12700" cap="flat" cmpd="sng" algn="ctr">
-                      <a:solidFill>
-                        <a:schemeClr val="tx1"/>
-                      </a:solidFill>
-                      <a:prstDash val="solid"/>
-                      <a:round/>
-                      <a:headEnd type="none" w="med" len="med"/>
-                      <a:tailEnd type="none" w="med" len="med"/>
-                    </a:lnR>
-                    <a:lnT w="12700" cap="flat" cmpd="sng" algn="ctr">
-                      <a:solidFill>
-                        <a:schemeClr val="tx1"/>
-                      </a:solidFill>
-                      <a:prstDash val="solid"/>
-                      <a:round/>
-                      <a:headEnd type="none" w="med" len="med"/>
-                      <a:tailEnd type="none" w="med" len="med"/>
-                    </a:lnT>
-                    <a:lnB w="12700" cap="flat" cmpd="sng" algn="ctr">
-                      <a:solidFill>
-                        <a:schemeClr val="tx1"/>
-                      </a:solidFill>
-                      <a:prstDash val="solid"/>
-                      <a:round/>
-                      <a:headEnd type="none" w="med" len="med"/>
-                      <a:tailEnd type="none" w="med" len="med"/>
-                    </a:lnB>
-                    <a:noFill/>
-                  </a:tcPr>
-                </a:tc>
-                <a:tc>
-                  <a:txBody>
-                    <a:bodyPr/>
-                    <a:lstStyle/>
-                    <a:p>
-                      <a:pPr latinLnBrk="1"/>
-                      <a:endParaRPr lang="ko-KR" altLang="en-US">
-                        <a:solidFill>
-                          <a:schemeClr val="tx1">
-                            <a:lumMod val="50000"/>
-                            <a:lumOff val="50000"/>
-                          </a:schemeClr>
-                        </a:solidFill>
-                      </a:endParaRPr>
-                    </a:p>
-                  </a:txBody>
-                  <a:tcPr>
-                    <a:lnL w="12700" cap="flat" cmpd="sng" algn="ctr">
-                      <a:solidFill>
-                        <a:schemeClr val="tx1"/>
-                      </a:solidFill>
-                      <a:prstDash val="solid"/>
-                      <a:round/>
-                      <a:headEnd type="none" w="med" len="med"/>
-                      <a:tailEnd type="none" w="med" len="med"/>
-                    </a:lnL>
-                    <a:lnR w="12700" cap="flat" cmpd="sng" algn="ctr">
-                      <a:solidFill>
-                        <a:schemeClr val="tx1"/>
-                      </a:solidFill>
-                      <a:prstDash val="solid"/>
-                      <a:round/>
-                      <a:headEnd type="none" w="med" len="med"/>
-                      <a:tailEnd type="none" w="med" len="med"/>
-                    </a:lnR>
-                    <a:lnT w="12700" cap="flat" cmpd="sng" algn="ctr">
-                      <a:solidFill>
-                        <a:schemeClr val="tx1"/>
-                      </a:solidFill>
-                      <a:prstDash val="solid"/>
-                      <a:round/>
-                      <a:headEnd type="none" w="med" len="med"/>
-                      <a:tailEnd type="none" w="med" len="med"/>
-                    </a:lnT>
-                    <a:lnB w="12700" cap="flat" cmpd="sng" algn="ctr">
-                      <a:solidFill>
-                        <a:schemeClr val="tx1"/>
-                      </a:solidFill>
-                      <a:prstDash val="solid"/>
-                      <a:round/>
-                      <a:headEnd type="none" w="med" len="med"/>
-                      <a:tailEnd type="none" w="med" len="med"/>
-                    </a:lnB>
-                    <a:noFill/>
-                  </a:tcPr>
-                </a:tc>
-                <a:extLst>
-                  <a:ext uri="{0D108BD9-81ED-4DB2-BD59-A6C34878D82A}">
-                    <a16:rowId xmlns:a16="http://schemas.microsoft.com/office/drawing/2014/main" xmlns="" val="2632365449"/>
-                  </a:ext>
-                </a:extLst>
-              </a:tr>
-            </a:tbl>
-          </a:graphicData>
-        </a:graphic>
-      </p:graphicFrame>
       <p:sp>
         <p:nvSpPr>
           <p:cNvPr id="3" name="TextBox 2">
             <a:extLst>
               <a:ext uri="{FF2B5EF4-FFF2-40B4-BE49-F238E27FC236}">
-                <a16:creationId xmlns:a16="http://schemas.microsoft.com/office/drawing/2014/main" xmlns="" id="{C6D113C6-EA5C-788F-0C77-E7CE6EBB865F}"/>
+                <a16:creationId xmlns:a16="http://schemas.microsoft.com/office/drawing/2014/main" id="{C6D113C6-EA5C-788F-0C77-E7CE6EBB865F}"/>
               </a:ext>
             </a:extLst>
           </p:cNvPr>
@@ -6644,7 +6114,7 @@
         </p:nvSpPr>
         <p:spPr>
           <a:xfrm>
-            <a:off x="6565046" y="243588"/>
+            <a:off x="6251057" y="536986"/>
             <a:ext cx="6400800" cy="707886"/>
           </a:xfrm>
           <a:prstGeom prst="rect">
@@ -6693,7 +6163,7 @@
           <p:cNvPr id="12" name="그룹 1008">
             <a:extLst>
               <a:ext uri="{FF2B5EF4-FFF2-40B4-BE49-F238E27FC236}">
-                <a16:creationId xmlns:a16="http://schemas.microsoft.com/office/drawing/2014/main" xmlns="" id="{678F6342-C505-E8AD-ADA4-022CB2C2088E}"/>
+                <a16:creationId xmlns:a16="http://schemas.microsoft.com/office/drawing/2014/main" id="{678F6342-C505-E8AD-ADA4-022CB2C2088E}"/>
               </a:ext>
             </a:extLst>
           </p:cNvPr>
@@ -6713,7 +6183,7 @@
             <p:cNvPr id="13" name="그룹 1009">
               <a:extLst>
                 <a:ext uri="{FF2B5EF4-FFF2-40B4-BE49-F238E27FC236}">
-                  <a16:creationId xmlns:a16="http://schemas.microsoft.com/office/drawing/2014/main" xmlns="" id="{4E1F1FED-812B-9BBB-925A-84B54A077414}"/>
+                  <a16:creationId xmlns:a16="http://schemas.microsoft.com/office/drawing/2014/main" id="{4E1F1FED-812B-9BBB-925A-84B54A077414}"/>
                 </a:ext>
               </a:extLst>
             </p:cNvPr>
@@ -6733,7 +6203,7 @@
               <p:cNvPr id="29" name="Object 29">
                 <a:extLst>
                   <a:ext uri="{FF2B5EF4-FFF2-40B4-BE49-F238E27FC236}">
-                    <a16:creationId xmlns:a16="http://schemas.microsoft.com/office/drawing/2014/main" xmlns="" id="{7B078609-4286-7B00-51EB-809C8E2DE289}"/>
+                    <a16:creationId xmlns:a16="http://schemas.microsoft.com/office/drawing/2014/main" id="{7B078609-4286-7B00-51EB-809C8E2DE289}"/>
                   </a:ext>
                 </a:extLst>
               </p:cNvPr>
@@ -6764,7 +6234,7 @@
             <p:cNvPr id="25" name="그룹 1010">
               <a:extLst>
                 <a:ext uri="{FF2B5EF4-FFF2-40B4-BE49-F238E27FC236}">
-                  <a16:creationId xmlns:a16="http://schemas.microsoft.com/office/drawing/2014/main" xmlns="" id="{02A649BF-B5B5-FBAF-7DFD-E118A4DF8907}"/>
+                  <a16:creationId xmlns:a16="http://schemas.microsoft.com/office/drawing/2014/main" id="{02A649BF-B5B5-FBAF-7DFD-E118A4DF8907}"/>
                 </a:ext>
               </a:extLst>
             </p:cNvPr>
@@ -6784,7 +6254,7 @@
               <p:cNvPr id="28" name="Object 32">
                 <a:extLst>
                   <a:ext uri="{FF2B5EF4-FFF2-40B4-BE49-F238E27FC236}">
-                    <a16:creationId xmlns:a16="http://schemas.microsoft.com/office/drawing/2014/main" xmlns="" id="{2A0FFF23-B3C9-3EA0-1C1B-A87D4FF098AE}"/>
+                    <a16:creationId xmlns:a16="http://schemas.microsoft.com/office/drawing/2014/main" id="{2A0FFF23-B3C9-3EA0-1C1B-A87D4FF098AE}"/>
                   </a:ext>
                 </a:extLst>
               </p:cNvPr>
@@ -6815,7 +6285,7 @@
             <p:cNvPr id="26" name="그룹 1011">
               <a:extLst>
                 <a:ext uri="{FF2B5EF4-FFF2-40B4-BE49-F238E27FC236}">
-                  <a16:creationId xmlns:a16="http://schemas.microsoft.com/office/drawing/2014/main" xmlns="" id="{881F5410-F7FB-F261-A584-707359BAC593}"/>
+                  <a16:creationId xmlns:a16="http://schemas.microsoft.com/office/drawing/2014/main" id="{881F5410-F7FB-F261-A584-707359BAC593}"/>
                 </a:ext>
               </a:extLst>
             </p:cNvPr>
@@ -6835,7 +6305,7 @@
               <p:cNvPr id="27" name="Object 35">
                 <a:extLst>
                   <a:ext uri="{FF2B5EF4-FFF2-40B4-BE49-F238E27FC236}">
-                    <a16:creationId xmlns:a16="http://schemas.microsoft.com/office/drawing/2014/main" xmlns="" id="{4E99E669-73EB-F9F4-EFE8-DC107035C265}"/>
+                    <a16:creationId xmlns:a16="http://schemas.microsoft.com/office/drawing/2014/main" id="{4E99E669-73EB-F9F4-EFE8-DC107035C265}"/>
                   </a:ext>
                 </a:extLst>
               </p:cNvPr>
@@ -6862,79 +6332,12 @@
           </p:pic>
         </p:grpSp>
       </p:grpSp>
-      <p:sp>
-        <p:nvSpPr>
-          <p:cNvPr id="30" name="TextBox 29">
-            <a:extLst>
-              <a:ext uri="{FF2B5EF4-FFF2-40B4-BE49-F238E27FC236}">
-                <a16:creationId xmlns:a16="http://schemas.microsoft.com/office/drawing/2014/main" xmlns="" id="{EDC0CEAC-03B0-6CA0-B904-A9724C34AA11}"/>
-              </a:ext>
-            </a:extLst>
-          </p:cNvPr>
-          <p:cNvSpPr txBox="1"/>
-          <p:nvPr/>
-        </p:nvSpPr>
-        <p:spPr>
-          <a:xfrm>
-            <a:off x="1554713" y="5371259"/>
-            <a:ext cx="6400800" cy="830997"/>
-          </a:xfrm>
-          <a:prstGeom prst="rect">
-            <a:avLst/>
-          </a:prstGeom>
-          <a:noFill/>
-        </p:spPr>
-        <p:txBody>
-          <a:bodyPr wrap="square" rtlCol="0">
-            <a:spAutoFit/>
-          </a:bodyPr>
-          <a:lstStyle/>
-          <a:p>
-            <a:r>
-              <a:rPr lang="en-US" altLang="ko-KR" sz="4800" dirty="0" err="1">
-                <a:solidFill>
-                  <a:schemeClr val="tx1">
-                    <a:lumMod val="50000"/>
-                    <a:lumOff val="50000"/>
-                  </a:schemeClr>
-                </a:solidFill>
-                <a:latin typeface="G마켓 산스 Medium" panose="02000000000000000000" pitchFamily="50" charset="-127"/>
-                <a:ea typeface="G마켓 산스 Medium" panose="02000000000000000000" pitchFamily="50" charset="-127"/>
-              </a:rPr>
-              <a:t>Cout</a:t>
-            </a:r>
-            <a:r>
-              <a:rPr lang="ko-KR" altLang="en-US" sz="4800" dirty="0">
-                <a:solidFill>
-                  <a:schemeClr val="tx1">
-                    <a:lumMod val="50000"/>
-                    <a:lumOff val="50000"/>
-                  </a:schemeClr>
-                </a:solidFill>
-                <a:latin typeface="G마켓 산스 Medium" panose="02000000000000000000" pitchFamily="50" charset="-127"/>
-                <a:ea typeface="G마켓 산스 Medium" panose="02000000000000000000" pitchFamily="50" charset="-127"/>
-              </a:rPr>
-              <a:t>을 다시 살펴보자</a:t>
-            </a:r>
-            <a:endParaRPr lang="en-US" altLang="ko-KR" sz="4800" dirty="0">
-              <a:solidFill>
-                <a:schemeClr val="tx1">
-                  <a:lumMod val="50000"/>
-                  <a:lumOff val="50000"/>
-                </a:schemeClr>
-              </a:solidFill>
-              <a:latin typeface="G마켓 산스 Medium" panose="02000000000000000000" pitchFamily="50" charset="-127"/>
-              <a:ea typeface="G마켓 산스 Medium" panose="02000000000000000000" pitchFamily="50" charset="-127"/>
-            </a:endParaRPr>
-          </a:p>
-        </p:txBody>
-      </p:sp>
       <p:cxnSp>
         <p:nvCxnSpPr>
           <p:cNvPr id="33" name="직선 연결선 32">
             <a:extLst>
               <a:ext uri="{FF2B5EF4-FFF2-40B4-BE49-F238E27FC236}">
-                <a16:creationId xmlns:a16="http://schemas.microsoft.com/office/drawing/2014/main" xmlns="" id="{6A1A37E4-F933-DE44-2EEA-F3A5BBF35584}"/>
+                <a16:creationId xmlns:a16="http://schemas.microsoft.com/office/drawing/2014/main" id="{6A1A37E4-F933-DE44-2EEA-F3A5BBF35584}"/>
               </a:ext>
             </a:extLst>
           </p:cNvPr>
@@ -7025,7 +6428,7 @@
           <p:cNvPr id="35" name="그룹 1018">
             <a:extLst>
               <a:ext uri="{FF2B5EF4-FFF2-40B4-BE49-F238E27FC236}">
-                <a16:creationId xmlns:a16="http://schemas.microsoft.com/office/drawing/2014/main" xmlns="" id="{0804D430-F42E-AE32-A065-FFA8C471F092}"/>
+                <a16:creationId xmlns:a16="http://schemas.microsoft.com/office/drawing/2014/main" id="{0804D430-F42E-AE32-A065-FFA8C471F092}"/>
               </a:ext>
             </a:extLst>
           </p:cNvPr>
@@ -7045,7 +6448,7 @@
             <p:cNvPr id="36" name="Object 61">
               <a:extLst>
                 <a:ext uri="{FF2B5EF4-FFF2-40B4-BE49-F238E27FC236}">
-                  <a16:creationId xmlns:a16="http://schemas.microsoft.com/office/drawing/2014/main" xmlns="" id="{334A4C3A-641C-7CD9-8FEE-5EC92B28D640}"/>
+                  <a16:creationId xmlns:a16="http://schemas.microsoft.com/office/drawing/2014/main" id="{334A4C3A-641C-7CD9-8FEE-5EC92B28D640}"/>
                 </a:ext>
               </a:extLst>
             </p:cNvPr>
@@ -7076,7 +6479,7 @@
           <p:cNvPr id="38" name="TextBox 37">
             <a:extLst>
               <a:ext uri="{FF2B5EF4-FFF2-40B4-BE49-F238E27FC236}">
-                <a16:creationId xmlns:a16="http://schemas.microsoft.com/office/drawing/2014/main" xmlns="" id="{A2AD056B-97A4-5BCC-4460-250160F3E171}"/>
+                <a16:creationId xmlns:a16="http://schemas.microsoft.com/office/drawing/2014/main" id="{A2AD056B-97A4-5BCC-4460-250160F3E171}"/>
               </a:ext>
             </a:extLst>
           </p:cNvPr>
@@ -7120,7 +6523,7 @@
           <p:cNvPr id="39" name="TextBox 38">
             <a:extLst>
               <a:ext uri="{FF2B5EF4-FFF2-40B4-BE49-F238E27FC236}">
-                <a16:creationId xmlns:a16="http://schemas.microsoft.com/office/drawing/2014/main" xmlns="" id="{52176D31-35F7-8916-46FA-6095EFEC1E49}"/>
+                <a16:creationId xmlns:a16="http://schemas.microsoft.com/office/drawing/2014/main" id="{52176D31-35F7-8916-46FA-6095EFEC1E49}"/>
               </a:ext>
             </a:extLst>
           </p:cNvPr>
@@ -7159,6 +6562,1319 @@
           </a:p>
         </p:txBody>
       </p:sp>
+      <p:graphicFrame>
+        <p:nvGraphicFramePr>
+          <p:cNvPr id="41" name="표 2">
+            <a:extLst>
+              <a:ext uri="{FF2B5EF4-FFF2-40B4-BE49-F238E27FC236}">
+                <a16:creationId xmlns:a16="http://schemas.microsoft.com/office/drawing/2014/main" id="{8BDF9355-2E76-60B7-F2FA-BE94D0420084}"/>
+              </a:ext>
+            </a:extLst>
+          </p:cNvPr>
+          <p:cNvGraphicFramePr>
+            <a:graphicFrameLocks noGrp="1"/>
+          </p:cNvGraphicFramePr>
+          <p:nvPr>
+            <p:extLst>
+              <p:ext uri="{D42A27DB-BD31-4B8C-83A1-F6EECF244321}">
+                <p14:modId xmlns:p14="http://schemas.microsoft.com/office/powerpoint/2010/main" val="1026693463"/>
+              </p:ext>
+            </p:extLst>
+          </p:nvPr>
+        </p:nvGraphicFramePr>
+        <p:xfrm>
+          <a:off x="473528" y="5559000"/>
+          <a:ext cx="6215744" cy="3657600"/>
+        </p:xfrm>
+        <a:graphic>
+          <a:graphicData uri="http://schemas.openxmlformats.org/drawingml/2006/table">
+            <a:tbl>
+              <a:tblPr firstRow="1" bandRow="1">
+                <a:tableStyleId>{5C22544A-7EE6-4342-B048-85BDC9FD1C3A}</a:tableStyleId>
+              </a:tblPr>
+              <a:tblGrid>
+                <a:gridCol w="1648638">
+                  <a:extLst>
+                    <a:ext uri="{9D8B030D-6E8A-4147-A177-3AD203B41FA5}">
+                      <a16:colId xmlns:a16="http://schemas.microsoft.com/office/drawing/2014/main" val="1960770391"/>
+                    </a:ext>
+                  </a:extLst>
+                </a:gridCol>
+                <a:gridCol w="1668750">
+                  <a:extLst>
+                    <a:ext uri="{9D8B030D-6E8A-4147-A177-3AD203B41FA5}">
+                      <a16:colId xmlns:a16="http://schemas.microsoft.com/office/drawing/2014/main" val="733308553"/>
+                    </a:ext>
+                  </a:extLst>
+                </a:gridCol>
+                <a:gridCol w="2898356">
+                  <a:extLst>
+                    <a:ext uri="{9D8B030D-6E8A-4147-A177-3AD203B41FA5}">
+                      <a16:colId xmlns:a16="http://schemas.microsoft.com/office/drawing/2014/main" val="1661322813"/>
+                    </a:ext>
+                  </a:extLst>
+                </a:gridCol>
+              </a:tblGrid>
+              <a:tr h="370840">
+                <a:tc>
+                  <a:txBody>
+                    <a:bodyPr/>
+                    <a:lstStyle/>
+                    <a:p>
+                      <a:pPr latinLnBrk="1"/>
+                      <a:r>
+                        <a:rPr lang="ko-KR" altLang="en-US" sz="2200" dirty="0">
+                          <a:solidFill>
+                            <a:schemeClr val="bg1"/>
+                          </a:solidFill>
+                          <a:ea typeface="G마켓 산스 Medium" panose="02000000000000000000"/>
+                        </a:rPr>
+                        <a:t>클래스명</a:t>
+                      </a:r>
+                    </a:p>
+                  </a:txBody>
+                  <a:tcPr>
+                    <a:lnL w="12700" cap="flat" cmpd="sng" algn="ctr">
+                      <a:solidFill>
+                        <a:schemeClr val="tx1"/>
+                      </a:solidFill>
+                      <a:prstDash val="solid"/>
+                      <a:round/>
+                      <a:headEnd type="none" w="med" len="med"/>
+                      <a:tailEnd type="none" w="med" len="med"/>
+                    </a:lnL>
+                    <a:lnR w="12700" cap="flat" cmpd="sng" algn="ctr">
+                      <a:solidFill>
+                        <a:schemeClr val="tx1"/>
+                      </a:solidFill>
+                      <a:prstDash val="solid"/>
+                      <a:round/>
+                      <a:headEnd type="none" w="med" len="med"/>
+                      <a:tailEnd type="none" w="med" len="med"/>
+                    </a:lnR>
+                    <a:lnT w="12700" cap="flat" cmpd="sng" algn="ctr">
+                      <a:solidFill>
+                        <a:schemeClr val="tx1"/>
+                      </a:solidFill>
+                      <a:prstDash val="solid"/>
+                      <a:round/>
+                      <a:headEnd type="none" w="med" len="med"/>
+                      <a:tailEnd type="none" w="med" len="med"/>
+                    </a:lnT>
+                    <a:lnB w="12700" cap="flat" cmpd="sng" algn="ctr">
+                      <a:solidFill>
+                        <a:schemeClr val="tx1"/>
+                      </a:solidFill>
+                      <a:prstDash val="solid"/>
+                      <a:round/>
+                      <a:headEnd type="none" w="med" len="med"/>
+                      <a:tailEnd type="none" w="med" len="med"/>
+                    </a:lnB>
+                    <a:solidFill>
+                      <a:srgbClr val="4C50BC"/>
+                    </a:solidFill>
+                  </a:tcPr>
+                </a:tc>
+                <a:tc>
+                  <a:txBody>
+                    <a:bodyPr/>
+                    <a:lstStyle/>
+                    <a:p>
+                      <a:pPr latinLnBrk="1"/>
+                      <a:r>
+                        <a:rPr lang="en-US" altLang="ko-KR" sz="2200" dirty="0" err="1">
+                          <a:solidFill>
+                            <a:schemeClr val="bg1"/>
+                          </a:solidFill>
+                          <a:ea typeface="G마켓 산스 Medium" panose="02000000000000000000"/>
+                        </a:rPr>
+                        <a:t>MyMath</a:t>
+                      </a:r>
+                      <a:endParaRPr lang="ko-KR" altLang="en-US" sz="2200" dirty="0">
+                        <a:solidFill>
+                          <a:schemeClr val="bg1"/>
+                        </a:solidFill>
+                        <a:ea typeface="G마켓 산스 Medium" panose="02000000000000000000"/>
+                      </a:endParaRPr>
+                    </a:p>
+                  </a:txBody>
+                  <a:tcPr>
+                    <a:lnL w="12700" cap="flat" cmpd="sng" algn="ctr">
+                      <a:solidFill>
+                        <a:schemeClr val="tx1"/>
+                      </a:solidFill>
+                      <a:prstDash val="solid"/>
+                      <a:round/>
+                      <a:headEnd type="none" w="med" len="med"/>
+                      <a:tailEnd type="none" w="med" len="med"/>
+                    </a:lnL>
+                    <a:lnR w="12700" cap="flat" cmpd="sng" algn="ctr">
+                      <a:solidFill>
+                        <a:schemeClr val="tx1"/>
+                      </a:solidFill>
+                      <a:prstDash val="solid"/>
+                      <a:round/>
+                      <a:headEnd type="none" w="med" len="med"/>
+                      <a:tailEnd type="none" w="med" len="med"/>
+                    </a:lnR>
+                    <a:lnT w="12700" cap="flat" cmpd="sng" algn="ctr">
+                      <a:solidFill>
+                        <a:schemeClr val="tx1"/>
+                      </a:solidFill>
+                      <a:prstDash val="solid"/>
+                      <a:round/>
+                      <a:headEnd type="none" w="med" len="med"/>
+                      <a:tailEnd type="none" w="med" len="med"/>
+                    </a:lnT>
+                    <a:lnB w="12700" cap="flat" cmpd="sng" algn="ctr">
+                      <a:solidFill>
+                        <a:schemeClr val="tx1"/>
+                      </a:solidFill>
+                      <a:prstDash val="solid"/>
+                      <a:round/>
+                      <a:headEnd type="none" w="med" len="med"/>
+                      <a:tailEnd type="none" w="med" len="med"/>
+                    </a:lnB>
+                    <a:solidFill>
+                      <a:srgbClr val="4C50BC"/>
+                    </a:solidFill>
+                  </a:tcPr>
+                </a:tc>
+                <a:tc>
+                  <a:txBody>
+                    <a:bodyPr/>
+                    <a:lstStyle/>
+                    <a:p>
+                      <a:pPr latinLnBrk="1"/>
+                      <a:endParaRPr lang="ko-KR" altLang="en-US" sz="2000" dirty="0">
+                        <a:solidFill>
+                          <a:schemeClr val="bg1"/>
+                        </a:solidFill>
+                        <a:ea typeface="G마켓 산스 Medium" panose="02000000000000000000"/>
+                      </a:endParaRPr>
+                    </a:p>
+                  </a:txBody>
+                  <a:tcPr>
+                    <a:lnL w="12700" cap="flat" cmpd="sng" algn="ctr">
+                      <a:solidFill>
+                        <a:schemeClr val="tx1"/>
+                      </a:solidFill>
+                      <a:prstDash val="solid"/>
+                      <a:round/>
+                      <a:headEnd type="none" w="med" len="med"/>
+                      <a:tailEnd type="none" w="med" len="med"/>
+                    </a:lnL>
+                    <a:lnR w="12700" cap="flat" cmpd="sng" algn="ctr">
+                      <a:solidFill>
+                        <a:schemeClr val="tx1"/>
+                      </a:solidFill>
+                      <a:prstDash val="solid"/>
+                      <a:round/>
+                      <a:headEnd type="none" w="med" len="med"/>
+                      <a:tailEnd type="none" w="med" len="med"/>
+                    </a:lnR>
+                    <a:lnT w="12700" cap="flat" cmpd="sng" algn="ctr">
+                      <a:solidFill>
+                        <a:schemeClr val="tx1"/>
+                      </a:solidFill>
+                      <a:prstDash val="solid"/>
+                      <a:round/>
+                      <a:headEnd type="none" w="med" len="med"/>
+                      <a:tailEnd type="none" w="med" len="med"/>
+                    </a:lnT>
+                    <a:lnB w="12700" cap="flat" cmpd="sng" algn="ctr">
+                      <a:solidFill>
+                        <a:schemeClr val="tx1"/>
+                      </a:solidFill>
+                      <a:prstDash val="solid"/>
+                      <a:round/>
+                      <a:headEnd type="none" w="med" len="med"/>
+                      <a:tailEnd type="none" w="med" len="med"/>
+                    </a:lnB>
+                    <a:solidFill>
+                      <a:srgbClr val="4C50BC"/>
+                    </a:solidFill>
+                  </a:tcPr>
+                </a:tc>
+                <a:extLst>
+                  <a:ext uri="{0D108BD9-81ED-4DB2-BD59-A6C34878D82A}">
+                    <a16:rowId xmlns:a16="http://schemas.microsoft.com/office/drawing/2014/main" val="2452905565"/>
+                  </a:ext>
+                </a:extLst>
+              </a:tr>
+              <a:tr h="370840">
+                <a:tc>
+                  <a:txBody>
+                    <a:bodyPr/>
+                    <a:lstStyle/>
+                    <a:p>
+                      <a:pPr latinLnBrk="1"/>
+                      <a:r>
+                        <a:rPr lang="ko-KR" altLang="en-US" sz="2200" dirty="0">
+                          <a:ea typeface="G마켓 산스 Medium" panose="02000000000000000000"/>
+                        </a:rPr>
+                        <a:t>멤버변수</a:t>
+                      </a:r>
+                    </a:p>
+                  </a:txBody>
+                  <a:tcPr>
+                    <a:lnL w="12700" cap="flat" cmpd="sng" algn="ctr">
+                      <a:solidFill>
+                        <a:schemeClr val="tx1"/>
+                      </a:solidFill>
+                      <a:prstDash val="solid"/>
+                      <a:round/>
+                      <a:headEnd type="none" w="med" len="med"/>
+                      <a:tailEnd type="none" w="med" len="med"/>
+                    </a:lnL>
+                    <a:lnR w="12700" cap="flat" cmpd="sng" algn="ctr">
+                      <a:solidFill>
+                        <a:schemeClr val="tx1"/>
+                      </a:solidFill>
+                      <a:prstDash val="solid"/>
+                      <a:round/>
+                      <a:headEnd type="none" w="med" len="med"/>
+                      <a:tailEnd type="none" w="med" len="med"/>
+                    </a:lnR>
+                    <a:lnT w="12700" cap="flat" cmpd="sng" algn="ctr">
+                      <a:solidFill>
+                        <a:schemeClr val="tx1"/>
+                      </a:solidFill>
+                      <a:prstDash val="solid"/>
+                      <a:round/>
+                      <a:headEnd type="none" w="med" len="med"/>
+                      <a:tailEnd type="none" w="med" len="med"/>
+                    </a:lnT>
+                    <a:lnB w="12700" cap="flat" cmpd="sng" algn="ctr">
+                      <a:solidFill>
+                        <a:schemeClr val="tx1"/>
+                      </a:solidFill>
+                      <a:prstDash val="solid"/>
+                      <a:round/>
+                      <a:headEnd type="none" w="med" len="med"/>
+                      <a:tailEnd type="none" w="med" len="med"/>
+                    </a:lnB>
+                    <a:noFill/>
+                  </a:tcPr>
+                </a:tc>
+                <a:tc>
+                  <a:txBody>
+                    <a:bodyPr/>
+                    <a:lstStyle/>
+                    <a:p>
+                      <a:pPr marL="0" marR="0" lvl="0" indent="0" algn="l" defTabSz="914400" rtl="0" eaLnBrk="1" fontAlgn="auto" latinLnBrk="1" hangingPunct="1">
+                        <a:lnSpc>
+                          <a:spcPct val="100000"/>
+                        </a:lnSpc>
+                        <a:spcBef>
+                          <a:spcPts val="0"/>
+                        </a:spcBef>
+                        <a:spcAft>
+                          <a:spcPts val="0"/>
+                        </a:spcAft>
+                        <a:buClrTx/>
+                        <a:buSzTx/>
+                        <a:buFontTx/>
+                        <a:buNone/>
+                        <a:tabLst/>
+                        <a:defRPr/>
+                      </a:pPr>
+                      <a:r>
+                        <a:rPr lang="ko-KR" altLang="en-US" sz="2200" dirty="0">
+                          <a:ea typeface="G마켓 산스 Medium" panose="02000000000000000000"/>
+                        </a:rPr>
+                        <a:t>없음</a:t>
+                      </a:r>
+                    </a:p>
+                  </a:txBody>
+                  <a:tcPr>
+                    <a:lnL w="12700" cap="flat" cmpd="sng" algn="ctr">
+                      <a:solidFill>
+                        <a:schemeClr val="tx1"/>
+                      </a:solidFill>
+                      <a:prstDash val="solid"/>
+                      <a:round/>
+                      <a:headEnd type="none" w="med" len="med"/>
+                      <a:tailEnd type="none" w="med" len="med"/>
+                    </a:lnL>
+                    <a:lnR w="12700" cap="flat" cmpd="sng" algn="ctr">
+                      <a:solidFill>
+                        <a:schemeClr val="tx1"/>
+                      </a:solidFill>
+                      <a:prstDash val="solid"/>
+                      <a:round/>
+                      <a:headEnd type="none" w="med" len="med"/>
+                      <a:tailEnd type="none" w="med" len="med"/>
+                    </a:lnR>
+                    <a:lnT w="12700" cap="flat" cmpd="sng" algn="ctr">
+                      <a:solidFill>
+                        <a:schemeClr val="tx1"/>
+                      </a:solidFill>
+                      <a:prstDash val="solid"/>
+                      <a:round/>
+                      <a:headEnd type="none" w="med" len="med"/>
+                      <a:tailEnd type="none" w="med" len="med"/>
+                    </a:lnT>
+                    <a:lnB w="12700" cap="flat" cmpd="sng" algn="ctr">
+                      <a:solidFill>
+                        <a:schemeClr val="tx1"/>
+                      </a:solidFill>
+                      <a:prstDash val="solid"/>
+                      <a:round/>
+                      <a:headEnd type="none" w="med" len="med"/>
+                      <a:tailEnd type="none" w="med" len="med"/>
+                    </a:lnB>
+                    <a:noFill/>
+                  </a:tcPr>
+                </a:tc>
+                <a:tc>
+                  <a:txBody>
+                    <a:bodyPr/>
+                    <a:lstStyle/>
+                    <a:p>
+                      <a:pPr marL="0" marR="0" lvl="0" indent="0" algn="l" defTabSz="914400" rtl="0" eaLnBrk="1" fontAlgn="auto" latinLnBrk="1" hangingPunct="1">
+                        <a:lnSpc>
+                          <a:spcPct val="100000"/>
+                        </a:lnSpc>
+                        <a:spcBef>
+                          <a:spcPts val="0"/>
+                        </a:spcBef>
+                        <a:spcAft>
+                          <a:spcPts val="0"/>
+                        </a:spcAft>
+                        <a:buClrTx/>
+                        <a:buSzTx/>
+                        <a:buFontTx/>
+                        <a:buNone/>
+                        <a:tabLst/>
+                        <a:defRPr/>
+                      </a:pPr>
+                      <a:endParaRPr lang="ko-KR" altLang="en-US" sz="2000" dirty="0">
+                        <a:ea typeface="G마켓 산스 Medium" panose="02000000000000000000"/>
+                      </a:endParaRPr>
+                    </a:p>
+                  </a:txBody>
+                  <a:tcPr>
+                    <a:lnL w="12700" cap="flat" cmpd="sng" algn="ctr">
+                      <a:solidFill>
+                        <a:schemeClr val="tx1"/>
+                      </a:solidFill>
+                      <a:prstDash val="solid"/>
+                      <a:round/>
+                      <a:headEnd type="none" w="med" len="med"/>
+                      <a:tailEnd type="none" w="med" len="med"/>
+                    </a:lnL>
+                    <a:lnR w="12700" cap="flat" cmpd="sng" algn="ctr">
+                      <a:solidFill>
+                        <a:schemeClr val="tx1"/>
+                      </a:solidFill>
+                      <a:prstDash val="solid"/>
+                      <a:round/>
+                      <a:headEnd type="none" w="med" len="med"/>
+                      <a:tailEnd type="none" w="med" len="med"/>
+                    </a:lnR>
+                    <a:lnT w="12700" cap="flat" cmpd="sng" algn="ctr">
+                      <a:solidFill>
+                        <a:schemeClr val="tx1"/>
+                      </a:solidFill>
+                      <a:prstDash val="solid"/>
+                      <a:round/>
+                      <a:headEnd type="none" w="med" len="med"/>
+                      <a:tailEnd type="none" w="med" len="med"/>
+                    </a:lnT>
+                    <a:lnB w="12700" cap="flat" cmpd="sng" algn="ctr">
+                      <a:solidFill>
+                        <a:schemeClr val="tx1"/>
+                      </a:solidFill>
+                      <a:prstDash val="solid"/>
+                      <a:round/>
+                      <a:headEnd type="none" w="med" len="med"/>
+                      <a:tailEnd type="none" w="med" len="med"/>
+                    </a:lnB>
+                    <a:noFill/>
+                  </a:tcPr>
+                </a:tc>
+                <a:extLst>
+                  <a:ext uri="{0D108BD9-81ED-4DB2-BD59-A6C34878D82A}">
+                    <a16:rowId xmlns:a16="http://schemas.microsoft.com/office/drawing/2014/main" val="3551452526"/>
+                  </a:ext>
+                </a:extLst>
+              </a:tr>
+              <a:tr h="370840">
+                <a:tc>
+                  <a:txBody>
+                    <a:bodyPr/>
+                    <a:lstStyle/>
+                    <a:p>
+                      <a:pPr latinLnBrk="1"/>
+                      <a:r>
+                        <a:rPr lang="ko-KR" altLang="en-US" sz="2200" dirty="0">
+                          <a:ea typeface="G마켓 산스 Medium" panose="02000000000000000000"/>
+                        </a:rPr>
+                        <a:t>메서드</a:t>
+                      </a:r>
+                    </a:p>
+                  </a:txBody>
+                  <a:tcPr>
+                    <a:lnL w="12700" cap="flat" cmpd="sng" algn="ctr">
+                      <a:solidFill>
+                        <a:schemeClr val="tx1"/>
+                      </a:solidFill>
+                      <a:prstDash val="solid"/>
+                      <a:round/>
+                      <a:headEnd type="none" w="med" len="med"/>
+                      <a:tailEnd type="none" w="med" len="med"/>
+                    </a:lnL>
+                    <a:lnR w="12700" cap="flat" cmpd="sng" algn="ctr">
+                      <a:solidFill>
+                        <a:schemeClr val="tx1"/>
+                      </a:solidFill>
+                      <a:prstDash val="solid"/>
+                      <a:round/>
+                      <a:headEnd type="none" w="med" len="med"/>
+                      <a:tailEnd type="none" w="med" len="med"/>
+                    </a:lnR>
+                    <a:lnT w="12700" cap="flat" cmpd="sng" algn="ctr">
+                      <a:solidFill>
+                        <a:schemeClr val="tx1"/>
+                      </a:solidFill>
+                      <a:prstDash val="solid"/>
+                      <a:round/>
+                      <a:headEnd type="none" w="med" len="med"/>
+                      <a:tailEnd type="none" w="med" len="med"/>
+                    </a:lnT>
+                    <a:lnB w="12700" cap="flat" cmpd="sng" algn="ctr">
+                      <a:solidFill>
+                        <a:schemeClr val="tx1"/>
+                      </a:solidFill>
+                      <a:prstDash val="solid"/>
+                      <a:round/>
+                      <a:headEnd type="none" w="med" len="med"/>
+                      <a:tailEnd type="none" w="med" len="med"/>
+                    </a:lnB>
+                    <a:noFill/>
+                  </a:tcPr>
+                </a:tc>
+                <a:tc>
+                  <a:txBody>
+                    <a:bodyPr/>
+                    <a:lstStyle/>
+                    <a:p>
+                      <a:pPr latinLnBrk="1"/>
+                      <a:r>
+                        <a:rPr lang="en-US" altLang="ko-KR" sz="2200" dirty="0">
+                          <a:ea typeface="G마켓 산스 Medium" panose="02000000000000000000"/>
+                        </a:rPr>
+                        <a:t>add() </a:t>
+                      </a:r>
+                      <a:endParaRPr lang="ko-KR" altLang="en-US" sz="2200" dirty="0">
+                        <a:ea typeface="G마켓 산스 Medium" panose="02000000000000000000"/>
+                      </a:endParaRPr>
+                    </a:p>
+                  </a:txBody>
+                  <a:tcPr>
+                    <a:lnL w="12700" cap="flat" cmpd="sng" algn="ctr">
+                      <a:solidFill>
+                        <a:schemeClr val="tx1"/>
+                      </a:solidFill>
+                      <a:prstDash val="solid"/>
+                      <a:round/>
+                      <a:headEnd type="none" w="med" len="med"/>
+                      <a:tailEnd type="none" w="med" len="med"/>
+                    </a:lnL>
+                    <a:lnR w="12700" cap="flat" cmpd="sng" algn="ctr">
+                      <a:solidFill>
+                        <a:schemeClr val="tx1"/>
+                      </a:solidFill>
+                      <a:prstDash val="solid"/>
+                      <a:round/>
+                      <a:headEnd type="none" w="med" len="med"/>
+                      <a:tailEnd type="none" w="med" len="med"/>
+                    </a:lnR>
+                    <a:lnT w="12700" cap="flat" cmpd="sng" algn="ctr">
+                      <a:solidFill>
+                        <a:schemeClr val="tx1"/>
+                      </a:solidFill>
+                      <a:prstDash val="solid"/>
+                      <a:round/>
+                      <a:headEnd type="none" w="med" len="med"/>
+                      <a:tailEnd type="none" w="med" len="med"/>
+                    </a:lnT>
+                    <a:lnB w="12700" cap="flat" cmpd="sng" algn="ctr">
+                      <a:solidFill>
+                        <a:schemeClr val="tx1"/>
+                      </a:solidFill>
+                      <a:prstDash val="solid"/>
+                      <a:round/>
+                      <a:headEnd type="none" w="med" len="med"/>
+                      <a:tailEnd type="none" w="med" len="med"/>
+                    </a:lnB>
+                    <a:noFill/>
+                  </a:tcPr>
+                </a:tc>
+                <a:tc>
+                  <a:txBody>
+                    <a:bodyPr/>
+                    <a:lstStyle/>
+                    <a:p>
+                      <a:pPr latinLnBrk="1"/>
+                      <a:r>
+                        <a:rPr lang="ko-KR" altLang="en-US" sz="2000" dirty="0">
+                          <a:ea typeface="G마켓 산스 Medium" panose="02000000000000000000"/>
+                        </a:rPr>
+                        <a:t>매개변수</a:t>
+                      </a:r>
+                      <a:r>
+                        <a:rPr lang="en-US" altLang="ko-KR" sz="2000" dirty="0">
+                          <a:ea typeface="G마켓 산스 Medium" panose="02000000000000000000"/>
+                        </a:rPr>
+                        <a:t>:int</a:t>
+                      </a:r>
+                      <a:r>
+                        <a:rPr lang="ko-KR" altLang="en-US" sz="2000" dirty="0">
+                          <a:ea typeface="G마켓 산스 Medium" panose="02000000000000000000"/>
+                        </a:rPr>
+                        <a:t> </a:t>
+                      </a:r>
+                      <a:r>
+                        <a:rPr lang="en-US" altLang="ko-KR" sz="2000" dirty="0">
+                          <a:ea typeface="G마켓 산스 Medium" panose="02000000000000000000"/>
+                        </a:rPr>
+                        <a:t>2</a:t>
+                      </a:r>
+                      <a:r>
+                        <a:rPr lang="ko-KR" altLang="en-US" sz="2000" dirty="0">
+                          <a:ea typeface="G마켓 산스 Medium" panose="02000000000000000000"/>
+                        </a:rPr>
+                        <a:t>개</a:t>
+                      </a:r>
+                      <a:endParaRPr lang="en-US" altLang="ko-KR" sz="2000" dirty="0">
+                        <a:ea typeface="G마켓 산스 Medium" panose="02000000000000000000"/>
+                      </a:endParaRPr>
+                    </a:p>
+                    <a:p>
+                      <a:pPr latinLnBrk="1"/>
+                      <a:r>
+                        <a:rPr lang="ko-KR" altLang="en-US" sz="2000" dirty="0">
+                          <a:ea typeface="G마켓 산스 Medium" panose="02000000000000000000"/>
+                        </a:rPr>
+                        <a:t>리턴</a:t>
+                      </a:r>
+                      <a:r>
+                        <a:rPr lang="en-US" altLang="ko-KR" sz="2000" dirty="0">
+                          <a:ea typeface="G마켓 산스 Medium" panose="02000000000000000000"/>
+                        </a:rPr>
+                        <a:t>: </a:t>
+                      </a:r>
+                      <a:r>
+                        <a:rPr lang="ko-KR" altLang="en-US" sz="2000" dirty="0">
+                          <a:ea typeface="G마켓 산스 Medium" panose="02000000000000000000"/>
+                        </a:rPr>
+                        <a:t>더하기 결과</a:t>
+                      </a:r>
+                    </a:p>
+                  </a:txBody>
+                  <a:tcPr>
+                    <a:lnL w="12700" cap="flat" cmpd="sng" algn="ctr">
+                      <a:solidFill>
+                        <a:schemeClr val="tx1"/>
+                      </a:solidFill>
+                      <a:prstDash val="solid"/>
+                      <a:round/>
+                      <a:headEnd type="none" w="med" len="med"/>
+                      <a:tailEnd type="none" w="med" len="med"/>
+                    </a:lnL>
+                    <a:lnR w="12700" cap="flat" cmpd="sng" algn="ctr">
+                      <a:solidFill>
+                        <a:schemeClr val="tx1"/>
+                      </a:solidFill>
+                      <a:prstDash val="solid"/>
+                      <a:round/>
+                      <a:headEnd type="none" w="med" len="med"/>
+                      <a:tailEnd type="none" w="med" len="med"/>
+                    </a:lnR>
+                    <a:lnT w="12700" cap="flat" cmpd="sng" algn="ctr">
+                      <a:solidFill>
+                        <a:schemeClr val="tx1"/>
+                      </a:solidFill>
+                      <a:prstDash val="solid"/>
+                      <a:round/>
+                      <a:headEnd type="none" w="med" len="med"/>
+                      <a:tailEnd type="none" w="med" len="med"/>
+                    </a:lnT>
+                    <a:lnB w="12700" cap="flat" cmpd="sng" algn="ctr">
+                      <a:solidFill>
+                        <a:schemeClr val="tx1"/>
+                      </a:solidFill>
+                      <a:prstDash val="solid"/>
+                      <a:round/>
+                      <a:headEnd type="none" w="med" len="med"/>
+                      <a:tailEnd type="none" w="med" len="med"/>
+                    </a:lnB>
+                    <a:noFill/>
+                  </a:tcPr>
+                </a:tc>
+                <a:extLst>
+                  <a:ext uri="{0D108BD9-81ED-4DB2-BD59-A6C34878D82A}">
+                    <a16:rowId xmlns:a16="http://schemas.microsoft.com/office/drawing/2014/main" val="3645064171"/>
+                  </a:ext>
+                </a:extLst>
+              </a:tr>
+              <a:tr h="370840">
+                <a:tc>
+                  <a:txBody>
+                    <a:bodyPr/>
+                    <a:lstStyle/>
+                    <a:p>
+                      <a:pPr latinLnBrk="1"/>
+                      <a:endParaRPr lang="ko-KR" altLang="en-US" sz="2200" dirty="0">
+                        <a:ea typeface="G마켓 산스 Medium" panose="02000000000000000000"/>
+                      </a:endParaRPr>
+                    </a:p>
+                  </a:txBody>
+                  <a:tcPr>
+                    <a:lnL w="12700" cap="flat" cmpd="sng" algn="ctr">
+                      <a:solidFill>
+                        <a:schemeClr val="tx1"/>
+                      </a:solidFill>
+                      <a:prstDash val="solid"/>
+                      <a:round/>
+                      <a:headEnd type="none" w="med" len="med"/>
+                      <a:tailEnd type="none" w="med" len="med"/>
+                    </a:lnL>
+                    <a:lnR w="12700" cap="flat" cmpd="sng" algn="ctr">
+                      <a:solidFill>
+                        <a:schemeClr val="tx1"/>
+                      </a:solidFill>
+                      <a:prstDash val="solid"/>
+                      <a:round/>
+                      <a:headEnd type="none" w="med" len="med"/>
+                      <a:tailEnd type="none" w="med" len="med"/>
+                    </a:lnR>
+                    <a:lnT w="12700" cap="flat" cmpd="sng" algn="ctr">
+                      <a:solidFill>
+                        <a:schemeClr val="tx1"/>
+                      </a:solidFill>
+                      <a:prstDash val="solid"/>
+                      <a:round/>
+                      <a:headEnd type="none" w="med" len="med"/>
+                      <a:tailEnd type="none" w="med" len="med"/>
+                    </a:lnT>
+                    <a:lnB w="12700" cap="flat" cmpd="sng" algn="ctr">
+                      <a:solidFill>
+                        <a:schemeClr val="tx1"/>
+                      </a:solidFill>
+                      <a:prstDash val="solid"/>
+                      <a:round/>
+                      <a:headEnd type="none" w="med" len="med"/>
+                      <a:tailEnd type="none" w="med" len="med"/>
+                    </a:lnB>
+                    <a:noFill/>
+                  </a:tcPr>
+                </a:tc>
+                <a:tc>
+                  <a:txBody>
+                    <a:bodyPr/>
+                    <a:lstStyle/>
+                    <a:p>
+                      <a:pPr latinLnBrk="1"/>
+                      <a:r>
+                        <a:rPr lang="en-US" altLang="ko-KR" sz="2200" dirty="0">
+                          <a:ea typeface="G마켓 산스 Medium" panose="02000000000000000000"/>
+                        </a:rPr>
+                        <a:t>subtract()</a:t>
+                      </a:r>
+                      <a:endParaRPr lang="ko-KR" altLang="en-US" sz="2200" dirty="0">
+                        <a:ea typeface="G마켓 산스 Medium" panose="02000000000000000000"/>
+                      </a:endParaRPr>
+                    </a:p>
+                  </a:txBody>
+                  <a:tcPr>
+                    <a:lnL w="12700" cap="flat" cmpd="sng" algn="ctr">
+                      <a:solidFill>
+                        <a:schemeClr val="tx1"/>
+                      </a:solidFill>
+                      <a:prstDash val="solid"/>
+                      <a:round/>
+                      <a:headEnd type="none" w="med" len="med"/>
+                      <a:tailEnd type="none" w="med" len="med"/>
+                    </a:lnL>
+                    <a:lnR w="12700" cap="flat" cmpd="sng" algn="ctr">
+                      <a:solidFill>
+                        <a:schemeClr val="tx1"/>
+                      </a:solidFill>
+                      <a:prstDash val="solid"/>
+                      <a:round/>
+                      <a:headEnd type="none" w="med" len="med"/>
+                      <a:tailEnd type="none" w="med" len="med"/>
+                    </a:lnR>
+                    <a:lnT w="12700" cap="flat" cmpd="sng" algn="ctr">
+                      <a:solidFill>
+                        <a:schemeClr val="tx1"/>
+                      </a:solidFill>
+                      <a:prstDash val="solid"/>
+                      <a:round/>
+                      <a:headEnd type="none" w="med" len="med"/>
+                      <a:tailEnd type="none" w="med" len="med"/>
+                    </a:lnT>
+                    <a:lnB w="12700" cap="flat" cmpd="sng" algn="ctr">
+                      <a:solidFill>
+                        <a:schemeClr val="tx1"/>
+                      </a:solidFill>
+                      <a:prstDash val="solid"/>
+                      <a:round/>
+                      <a:headEnd type="none" w="med" len="med"/>
+                      <a:tailEnd type="none" w="med" len="med"/>
+                    </a:lnB>
+                    <a:noFill/>
+                  </a:tcPr>
+                </a:tc>
+                <a:tc>
+                  <a:txBody>
+                    <a:bodyPr/>
+                    <a:lstStyle/>
+                    <a:p>
+                      <a:pPr latinLnBrk="1"/>
+                      <a:r>
+                        <a:rPr lang="ko-KR" altLang="en-US" sz="2000" dirty="0">
+                          <a:ea typeface="G마켓 산스 Medium" panose="02000000000000000000"/>
+                        </a:rPr>
+                        <a:t>매개변수</a:t>
+                      </a:r>
+                      <a:r>
+                        <a:rPr lang="en-US" altLang="ko-KR" sz="2000" dirty="0">
+                          <a:ea typeface="G마켓 산스 Medium" panose="02000000000000000000"/>
+                        </a:rPr>
+                        <a:t>:int</a:t>
+                      </a:r>
+                      <a:r>
+                        <a:rPr lang="ko-KR" altLang="en-US" sz="2000" dirty="0">
+                          <a:ea typeface="G마켓 산스 Medium" panose="02000000000000000000"/>
+                        </a:rPr>
+                        <a:t> </a:t>
+                      </a:r>
+                      <a:r>
+                        <a:rPr lang="en-US" altLang="ko-KR" sz="2000" dirty="0">
+                          <a:ea typeface="G마켓 산스 Medium" panose="02000000000000000000"/>
+                        </a:rPr>
+                        <a:t>2</a:t>
+                      </a:r>
+                      <a:r>
+                        <a:rPr lang="ko-KR" altLang="en-US" sz="2000" dirty="0">
+                          <a:ea typeface="G마켓 산스 Medium" panose="02000000000000000000"/>
+                        </a:rPr>
+                        <a:t>개</a:t>
+                      </a:r>
+                      <a:endParaRPr lang="en-US" altLang="ko-KR" sz="2000" dirty="0">
+                        <a:ea typeface="G마켓 산스 Medium" panose="02000000000000000000"/>
+                      </a:endParaRPr>
+                    </a:p>
+                    <a:p>
+                      <a:pPr latinLnBrk="1"/>
+                      <a:r>
+                        <a:rPr lang="ko-KR" altLang="en-US" sz="2000" dirty="0">
+                          <a:ea typeface="G마켓 산스 Medium" panose="02000000000000000000"/>
+                        </a:rPr>
+                        <a:t>리턴</a:t>
+                      </a:r>
+                      <a:r>
+                        <a:rPr lang="en-US" altLang="ko-KR" sz="2000" dirty="0">
+                          <a:ea typeface="G마켓 산스 Medium" panose="02000000000000000000"/>
+                        </a:rPr>
+                        <a:t>: </a:t>
+                      </a:r>
+                      <a:r>
+                        <a:rPr lang="ko-KR" altLang="en-US" sz="2000" dirty="0">
+                          <a:ea typeface="G마켓 산스 Medium" panose="02000000000000000000"/>
+                        </a:rPr>
+                        <a:t>빼기 결과</a:t>
+                      </a:r>
+                    </a:p>
+                  </a:txBody>
+                  <a:tcPr>
+                    <a:lnL w="12700" cap="flat" cmpd="sng" algn="ctr">
+                      <a:solidFill>
+                        <a:schemeClr val="tx1"/>
+                      </a:solidFill>
+                      <a:prstDash val="solid"/>
+                      <a:round/>
+                      <a:headEnd type="none" w="med" len="med"/>
+                      <a:tailEnd type="none" w="med" len="med"/>
+                    </a:lnL>
+                    <a:lnR w="12700" cap="flat" cmpd="sng" algn="ctr">
+                      <a:solidFill>
+                        <a:schemeClr val="tx1"/>
+                      </a:solidFill>
+                      <a:prstDash val="solid"/>
+                      <a:round/>
+                      <a:headEnd type="none" w="med" len="med"/>
+                      <a:tailEnd type="none" w="med" len="med"/>
+                    </a:lnR>
+                    <a:lnT w="12700" cap="flat" cmpd="sng" algn="ctr">
+                      <a:solidFill>
+                        <a:schemeClr val="tx1"/>
+                      </a:solidFill>
+                      <a:prstDash val="solid"/>
+                      <a:round/>
+                      <a:headEnd type="none" w="med" len="med"/>
+                      <a:tailEnd type="none" w="med" len="med"/>
+                    </a:lnT>
+                    <a:lnB w="12700" cap="flat" cmpd="sng" algn="ctr">
+                      <a:solidFill>
+                        <a:schemeClr val="tx1"/>
+                      </a:solidFill>
+                      <a:prstDash val="solid"/>
+                      <a:round/>
+                      <a:headEnd type="none" w="med" len="med"/>
+                      <a:tailEnd type="none" w="med" len="med"/>
+                    </a:lnB>
+                    <a:noFill/>
+                  </a:tcPr>
+                </a:tc>
+                <a:extLst>
+                  <a:ext uri="{0D108BD9-81ED-4DB2-BD59-A6C34878D82A}">
+                    <a16:rowId xmlns:a16="http://schemas.microsoft.com/office/drawing/2014/main" val="1362299918"/>
+                  </a:ext>
+                </a:extLst>
+              </a:tr>
+              <a:tr h="370840">
+                <a:tc>
+                  <a:txBody>
+                    <a:bodyPr/>
+                    <a:lstStyle/>
+                    <a:p>
+                      <a:pPr latinLnBrk="1"/>
+                      <a:endParaRPr lang="ko-KR" altLang="en-US" sz="2200" dirty="0">
+                        <a:ea typeface="G마켓 산스 Medium" panose="02000000000000000000"/>
+                      </a:endParaRPr>
+                    </a:p>
+                  </a:txBody>
+                  <a:tcPr>
+                    <a:lnL w="12700" cap="flat" cmpd="sng" algn="ctr">
+                      <a:solidFill>
+                        <a:schemeClr val="tx1"/>
+                      </a:solidFill>
+                      <a:prstDash val="solid"/>
+                      <a:round/>
+                      <a:headEnd type="none" w="med" len="med"/>
+                      <a:tailEnd type="none" w="med" len="med"/>
+                    </a:lnL>
+                    <a:lnR w="12700" cap="flat" cmpd="sng" algn="ctr">
+                      <a:solidFill>
+                        <a:schemeClr val="tx1"/>
+                      </a:solidFill>
+                      <a:prstDash val="solid"/>
+                      <a:round/>
+                      <a:headEnd type="none" w="med" len="med"/>
+                      <a:tailEnd type="none" w="med" len="med"/>
+                    </a:lnR>
+                    <a:lnT w="12700" cap="flat" cmpd="sng" algn="ctr">
+                      <a:solidFill>
+                        <a:schemeClr val="tx1"/>
+                      </a:solidFill>
+                      <a:prstDash val="solid"/>
+                      <a:round/>
+                      <a:headEnd type="none" w="med" len="med"/>
+                      <a:tailEnd type="none" w="med" len="med"/>
+                    </a:lnT>
+                    <a:lnB w="12700" cap="flat" cmpd="sng" algn="ctr">
+                      <a:solidFill>
+                        <a:schemeClr val="tx1"/>
+                      </a:solidFill>
+                      <a:prstDash val="solid"/>
+                      <a:round/>
+                      <a:headEnd type="none" w="med" len="med"/>
+                      <a:tailEnd type="none" w="med" len="med"/>
+                    </a:lnB>
+                    <a:noFill/>
+                  </a:tcPr>
+                </a:tc>
+                <a:tc>
+                  <a:txBody>
+                    <a:bodyPr/>
+                    <a:lstStyle/>
+                    <a:p>
+                      <a:pPr latinLnBrk="1"/>
+                      <a:r>
+                        <a:rPr lang="en-US" altLang="ko-KR" sz="2200" dirty="0">
+                          <a:ea typeface="G마켓 산스 Medium" panose="02000000000000000000"/>
+                        </a:rPr>
+                        <a:t>multiply()</a:t>
+                      </a:r>
+                      <a:endParaRPr lang="ko-KR" altLang="en-US" sz="2200" dirty="0">
+                        <a:ea typeface="G마켓 산스 Medium" panose="02000000000000000000"/>
+                      </a:endParaRPr>
+                    </a:p>
+                  </a:txBody>
+                  <a:tcPr>
+                    <a:lnL w="12700" cap="flat" cmpd="sng" algn="ctr">
+                      <a:solidFill>
+                        <a:schemeClr val="tx1"/>
+                      </a:solidFill>
+                      <a:prstDash val="solid"/>
+                      <a:round/>
+                      <a:headEnd type="none" w="med" len="med"/>
+                      <a:tailEnd type="none" w="med" len="med"/>
+                    </a:lnL>
+                    <a:lnR w="12700" cap="flat" cmpd="sng" algn="ctr">
+                      <a:solidFill>
+                        <a:schemeClr val="tx1"/>
+                      </a:solidFill>
+                      <a:prstDash val="solid"/>
+                      <a:round/>
+                      <a:headEnd type="none" w="med" len="med"/>
+                      <a:tailEnd type="none" w="med" len="med"/>
+                    </a:lnR>
+                    <a:lnT w="12700" cap="flat" cmpd="sng" algn="ctr">
+                      <a:solidFill>
+                        <a:schemeClr val="tx1"/>
+                      </a:solidFill>
+                      <a:prstDash val="solid"/>
+                      <a:round/>
+                      <a:headEnd type="none" w="med" len="med"/>
+                      <a:tailEnd type="none" w="med" len="med"/>
+                    </a:lnT>
+                    <a:lnB w="12700" cap="flat" cmpd="sng" algn="ctr">
+                      <a:solidFill>
+                        <a:schemeClr val="tx1"/>
+                      </a:solidFill>
+                      <a:prstDash val="solid"/>
+                      <a:round/>
+                      <a:headEnd type="none" w="med" len="med"/>
+                      <a:tailEnd type="none" w="med" len="med"/>
+                    </a:lnB>
+                    <a:noFill/>
+                  </a:tcPr>
+                </a:tc>
+                <a:tc>
+                  <a:txBody>
+                    <a:bodyPr/>
+                    <a:lstStyle/>
+                    <a:p>
+                      <a:pPr latinLnBrk="1"/>
+                      <a:r>
+                        <a:rPr lang="ko-KR" altLang="en-US" sz="2000" dirty="0">
+                          <a:ea typeface="G마켓 산스 Medium" panose="02000000000000000000"/>
+                        </a:rPr>
+                        <a:t>매개변수</a:t>
+                      </a:r>
+                      <a:r>
+                        <a:rPr lang="en-US" altLang="ko-KR" sz="2000" dirty="0">
+                          <a:ea typeface="G마켓 산스 Medium" panose="02000000000000000000"/>
+                        </a:rPr>
+                        <a:t>:int</a:t>
+                      </a:r>
+                      <a:r>
+                        <a:rPr lang="ko-KR" altLang="en-US" sz="2000" dirty="0">
+                          <a:ea typeface="G마켓 산스 Medium" panose="02000000000000000000"/>
+                        </a:rPr>
+                        <a:t> </a:t>
+                      </a:r>
+                      <a:r>
+                        <a:rPr lang="en-US" altLang="ko-KR" sz="2000" dirty="0">
+                          <a:ea typeface="G마켓 산스 Medium" panose="02000000000000000000"/>
+                        </a:rPr>
+                        <a:t>2</a:t>
+                      </a:r>
+                      <a:r>
+                        <a:rPr lang="ko-KR" altLang="en-US" sz="2000" dirty="0">
+                          <a:ea typeface="G마켓 산스 Medium" panose="02000000000000000000"/>
+                        </a:rPr>
+                        <a:t>개</a:t>
+                      </a:r>
+                      <a:endParaRPr lang="en-US" altLang="ko-KR" sz="2000" dirty="0">
+                        <a:ea typeface="G마켓 산스 Medium" panose="02000000000000000000"/>
+                      </a:endParaRPr>
+                    </a:p>
+                    <a:p>
+                      <a:pPr latinLnBrk="1"/>
+                      <a:r>
+                        <a:rPr lang="ko-KR" altLang="en-US" sz="2000" dirty="0">
+                          <a:ea typeface="G마켓 산스 Medium" panose="02000000000000000000"/>
+                        </a:rPr>
+                        <a:t>리턴</a:t>
+                      </a:r>
+                      <a:r>
+                        <a:rPr lang="en-US" altLang="ko-KR" sz="2000" dirty="0">
+                          <a:ea typeface="G마켓 산스 Medium" panose="02000000000000000000"/>
+                        </a:rPr>
+                        <a:t>: </a:t>
+                      </a:r>
+                      <a:r>
+                        <a:rPr lang="ko-KR" altLang="en-US" sz="2000" dirty="0">
+                          <a:ea typeface="G마켓 산스 Medium" panose="02000000000000000000"/>
+                        </a:rPr>
+                        <a:t>곱하기 결과</a:t>
+                      </a:r>
+                    </a:p>
+                  </a:txBody>
+                  <a:tcPr>
+                    <a:lnL w="12700" cap="flat" cmpd="sng" algn="ctr">
+                      <a:solidFill>
+                        <a:schemeClr val="tx1"/>
+                      </a:solidFill>
+                      <a:prstDash val="solid"/>
+                      <a:round/>
+                      <a:headEnd type="none" w="med" len="med"/>
+                      <a:tailEnd type="none" w="med" len="med"/>
+                    </a:lnL>
+                    <a:lnR w="12700" cap="flat" cmpd="sng" algn="ctr">
+                      <a:solidFill>
+                        <a:schemeClr val="tx1"/>
+                      </a:solidFill>
+                      <a:prstDash val="solid"/>
+                      <a:round/>
+                      <a:headEnd type="none" w="med" len="med"/>
+                      <a:tailEnd type="none" w="med" len="med"/>
+                    </a:lnR>
+                    <a:lnT w="12700" cap="flat" cmpd="sng" algn="ctr">
+                      <a:solidFill>
+                        <a:schemeClr val="tx1"/>
+                      </a:solidFill>
+                      <a:prstDash val="solid"/>
+                      <a:round/>
+                      <a:headEnd type="none" w="med" len="med"/>
+                      <a:tailEnd type="none" w="med" len="med"/>
+                    </a:lnT>
+                    <a:lnB w="12700" cap="flat" cmpd="sng" algn="ctr">
+                      <a:solidFill>
+                        <a:schemeClr val="tx1"/>
+                      </a:solidFill>
+                      <a:prstDash val="solid"/>
+                      <a:round/>
+                      <a:headEnd type="none" w="med" len="med"/>
+                      <a:tailEnd type="none" w="med" len="med"/>
+                    </a:lnB>
+                    <a:noFill/>
+                  </a:tcPr>
+                </a:tc>
+                <a:extLst>
+                  <a:ext uri="{0D108BD9-81ED-4DB2-BD59-A6C34878D82A}">
+                    <a16:rowId xmlns:a16="http://schemas.microsoft.com/office/drawing/2014/main" val="2488866604"/>
+                  </a:ext>
+                </a:extLst>
+              </a:tr>
+              <a:tr h="370840">
+                <a:tc>
+                  <a:txBody>
+                    <a:bodyPr/>
+                    <a:lstStyle/>
+                    <a:p>
+                      <a:pPr latinLnBrk="1"/>
+                      <a:endParaRPr lang="ko-KR" altLang="en-US" sz="2200" dirty="0">
+                        <a:ea typeface="G마켓 산스 Medium" panose="02000000000000000000"/>
+                      </a:endParaRPr>
+                    </a:p>
+                  </a:txBody>
+                  <a:tcPr>
+                    <a:lnL w="12700" cap="flat" cmpd="sng" algn="ctr">
+                      <a:solidFill>
+                        <a:schemeClr val="tx1"/>
+                      </a:solidFill>
+                      <a:prstDash val="solid"/>
+                      <a:round/>
+                      <a:headEnd type="none" w="med" len="med"/>
+                      <a:tailEnd type="none" w="med" len="med"/>
+                    </a:lnL>
+                    <a:lnR w="12700" cap="flat" cmpd="sng" algn="ctr">
+                      <a:solidFill>
+                        <a:schemeClr val="tx1"/>
+                      </a:solidFill>
+                      <a:prstDash val="solid"/>
+                      <a:round/>
+                      <a:headEnd type="none" w="med" len="med"/>
+                      <a:tailEnd type="none" w="med" len="med"/>
+                    </a:lnR>
+                    <a:lnT w="12700" cap="flat" cmpd="sng" algn="ctr">
+                      <a:solidFill>
+                        <a:schemeClr val="tx1"/>
+                      </a:solidFill>
+                      <a:prstDash val="solid"/>
+                      <a:round/>
+                      <a:headEnd type="none" w="med" len="med"/>
+                      <a:tailEnd type="none" w="med" len="med"/>
+                    </a:lnT>
+                    <a:lnB w="12700" cap="flat" cmpd="sng" algn="ctr">
+                      <a:solidFill>
+                        <a:schemeClr val="tx1"/>
+                      </a:solidFill>
+                      <a:prstDash val="solid"/>
+                      <a:round/>
+                      <a:headEnd type="none" w="med" len="med"/>
+                      <a:tailEnd type="none" w="med" len="med"/>
+                    </a:lnB>
+                    <a:noFill/>
+                  </a:tcPr>
+                </a:tc>
+                <a:tc>
+                  <a:txBody>
+                    <a:bodyPr/>
+                    <a:lstStyle/>
+                    <a:p>
+                      <a:pPr latinLnBrk="1"/>
+                      <a:r>
+                        <a:rPr lang="en-US" altLang="ko-KR" sz="2200" dirty="0">
+                          <a:ea typeface="G마켓 산스 Medium" panose="02000000000000000000"/>
+                        </a:rPr>
+                        <a:t>divide()</a:t>
+                      </a:r>
+                      <a:endParaRPr lang="ko-KR" altLang="en-US" sz="2200" dirty="0">
+                        <a:ea typeface="G마켓 산스 Medium" panose="02000000000000000000"/>
+                      </a:endParaRPr>
+                    </a:p>
+                  </a:txBody>
+                  <a:tcPr>
+                    <a:lnL w="12700" cap="flat" cmpd="sng" algn="ctr">
+                      <a:solidFill>
+                        <a:schemeClr val="tx1"/>
+                      </a:solidFill>
+                      <a:prstDash val="solid"/>
+                      <a:round/>
+                      <a:headEnd type="none" w="med" len="med"/>
+                      <a:tailEnd type="none" w="med" len="med"/>
+                    </a:lnL>
+                    <a:lnR w="12700" cap="flat" cmpd="sng" algn="ctr">
+                      <a:solidFill>
+                        <a:schemeClr val="tx1"/>
+                      </a:solidFill>
+                      <a:prstDash val="solid"/>
+                      <a:round/>
+                      <a:headEnd type="none" w="med" len="med"/>
+                      <a:tailEnd type="none" w="med" len="med"/>
+                    </a:lnR>
+                    <a:lnT w="12700" cap="flat" cmpd="sng" algn="ctr">
+                      <a:solidFill>
+                        <a:schemeClr val="tx1"/>
+                      </a:solidFill>
+                      <a:prstDash val="solid"/>
+                      <a:round/>
+                      <a:headEnd type="none" w="med" len="med"/>
+                      <a:tailEnd type="none" w="med" len="med"/>
+                    </a:lnT>
+                    <a:lnB w="12700" cap="flat" cmpd="sng" algn="ctr">
+                      <a:solidFill>
+                        <a:schemeClr val="tx1"/>
+                      </a:solidFill>
+                      <a:prstDash val="solid"/>
+                      <a:round/>
+                      <a:headEnd type="none" w="med" len="med"/>
+                      <a:tailEnd type="none" w="med" len="med"/>
+                    </a:lnB>
+                    <a:noFill/>
+                  </a:tcPr>
+                </a:tc>
+                <a:tc>
+                  <a:txBody>
+                    <a:bodyPr/>
+                    <a:lstStyle/>
+                    <a:p>
+                      <a:pPr latinLnBrk="1"/>
+                      <a:r>
+                        <a:rPr lang="ko-KR" altLang="en-US" sz="2000" dirty="0">
+                          <a:ea typeface="G마켓 산스 Medium" panose="02000000000000000000"/>
+                        </a:rPr>
+                        <a:t>매개변수</a:t>
+                      </a:r>
+                      <a:r>
+                        <a:rPr lang="en-US" altLang="ko-KR" sz="2000" dirty="0">
+                          <a:ea typeface="G마켓 산스 Medium" panose="02000000000000000000"/>
+                        </a:rPr>
+                        <a:t>:int</a:t>
+                      </a:r>
+                      <a:r>
+                        <a:rPr lang="ko-KR" altLang="en-US" sz="2000" dirty="0">
+                          <a:ea typeface="G마켓 산스 Medium" panose="02000000000000000000"/>
+                        </a:rPr>
+                        <a:t> </a:t>
+                      </a:r>
+                      <a:r>
+                        <a:rPr lang="en-US" altLang="ko-KR" sz="2000" dirty="0">
+                          <a:ea typeface="G마켓 산스 Medium" panose="02000000000000000000"/>
+                        </a:rPr>
+                        <a:t>2</a:t>
+                      </a:r>
+                      <a:r>
+                        <a:rPr lang="ko-KR" altLang="en-US" sz="2000" dirty="0">
+                          <a:ea typeface="G마켓 산스 Medium" panose="02000000000000000000"/>
+                        </a:rPr>
+                        <a:t>개</a:t>
+                      </a:r>
+                      <a:endParaRPr lang="en-US" altLang="ko-KR" sz="2000" dirty="0">
+                        <a:ea typeface="G마켓 산스 Medium" panose="02000000000000000000"/>
+                      </a:endParaRPr>
+                    </a:p>
+                    <a:p>
+                      <a:pPr latinLnBrk="1"/>
+                      <a:r>
+                        <a:rPr lang="ko-KR" altLang="en-US" sz="2000" dirty="0">
+                          <a:ea typeface="G마켓 산스 Medium" panose="02000000000000000000"/>
+                        </a:rPr>
+                        <a:t>리턴</a:t>
+                      </a:r>
+                      <a:r>
+                        <a:rPr lang="en-US" altLang="ko-KR" sz="2000" dirty="0">
+                          <a:ea typeface="G마켓 산스 Medium" panose="02000000000000000000"/>
+                        </a:rPr>
+                        <a:t>: </a:t>
+                      </a:r>
+                      <a:r>
+                        <a:rPr lang="ko-KR" altLang="en-US" sz="2000" dirty="0">
+                          <a:ea typeface="G마켓 산스 Medium" panose="02000000000000000000"/>
+                        </a:rPr>
+                        <a:t>나누기 결과</a:t>
+                      </a:r>
+                    </a:p>
+                  </a:txBody>
+                  <a:tcPr>
+                    <a:lnL w="12700" cap="flat" cmpd="sng" algn="ctr">
+                      <a:solidFill>
+                        <a:schemeClr val="tx1"/>
+                      </a:solidFill>
+                      <a:prstDash val="solid"/>
+                      <a:round/>
+                      <a:headEnd type="none" w="med" len="med"/>
+                      <a:tailEnd type="none" w="med" len="med"/>
+                    </a:lnL>
+                    <a:lnR w="12700" cap="flat" cmpd="sng" algn="ctr">
+                      <a:solidFill>
+                        <a:schemeClr val="tx1"/>
+                      </a:solidFill>
+                      <a:prstDash val="solid"/>
+                      <a:round/>
+                      <a:headEnd type="none" w="med" len="med"/>
+                      <a:tailEnd type="none" w="med" len="med"/>
+                    </a:lnR>
+                    <a:lnT w="12700" cap="flat" cmpd="sng" algn="ctr">
+                      <a:solidFill>
+                        <a:schemeClr val="tx1"/>
+                      </a:solidFill>
+                      <a:prstDash val="solid"/>
+                      <a:round/>
+                      <a:headEnd type="none" w="med" len="med"/>
+                      <a:tailEnd type="none" w="med" len="med"/>
+                    </a:lnT>
+                    <a:lnB w="12700" cap="flat" cmpd="sng" algn="ctr">
+                      <a:solidFill>
+                        <a:schemeClr val="tx1"/>
+                      </a:solidFill>
+                      <a:prstDash val="solid"/>
+                      <a:round/>
+                      <a:headEnd type="none" w="med" len="med"/>
+                      <a:tailEnd type="none" w="med" len="med"/>
+                    </a:lnB>
+                    <a:noFill/>
+                  </a:tcPr>
+                </a:tc>
+                <a:extLst>
+                  <a:ext uri="{0D108BD9-81ED-4DB2-BD59-A6C34878D82A}">
+                    <a16:rowId xmlns:a16="http://schemas.microsoft.com/office/drawing/2014/main" val="2632365449"/>
+                  </a:ext>
+                </a:extLst>
+              </a:tr>
+            </a:tbl>
+          </a:graphicData>
+        </a:graphic>
+      </p:graphicFrame>
     </p:spTree>
     <p:extLst>
       <p:ext uri="{BB962C8B-B14F-4D97-AF65-F5344CB8AC3E}">

--- a/JavaLecture/LectureFile/샘플.pptx
+++ b/JavaLecture/LectureFile/샘플.pptx
@@ -322,7 +322,7 @@
           <a:p>
             <a:fld id="{F8166F1F-CE9B-4651-A6AA-CD717754106B}" type="datetimeFigureOut">
               <a:rPr lang="en-US" smtClean="0"/>
-              <a:t>1/30/2023</a:t>
+              <a:t>2/2/2023</a:t>
             </a:fld>
             <a:endParaRPr lang="en-US"/>
           </a:p>
@@ -485,7 +485,7 @@
           <a:p>
             <a:fld id="{A76116CE-C4A3-4A05-B2D7-7C2E9A889C0F}" type="datetimeFigureOut">
               <a:rPr lang="en-US" smtClean="0"/>
-              <a:t>1/30/2023</a:t>
+              <a:t>2/2/2023</a:t>
             </a:fld>
             <a:endParaRPr lang="en-US"/>
           </a:p>
@@ -658,7 +658,7 @@
           <a:p>
             <a:fld id="{A76116CE-C4A3-4A05-B2D7-7C2E9A889C0F}" type="datetimeFigureOut">
               <a:rPr lang="en-US" smtClean="0"/>
-              <a:t>1/30/2023</a:t>
+              <a:t>2/2/2023</a:t>
             </a:fld>
             <a:endParaRPr lang="en-US"/>
           </a:p>
@@ -823,7 +823,7 @@
           <a:p>
             <a:fld id="{A76116CE-C4A3-4A05-B2D7-7C2E9A889C0F}" type="datetimeFigureOut">
               <a:rPr lang="en-US" smtClean="0"/>
-              <a:t>1/30/2023</a:t>
+              <a:t>2/2/2023</a:t>
             </a:fld>
             <a:endParaRPr lang="en-US"/>
           </a:p>
@@ -1063,7 +1063,7 @@
           <a:p>
             <a:fld id="{A76116CE-C4A3-4A05-B2D7-7C2E9A889C0F}" type="datetimeFigureOut">
               <a:rPr lang="en-US" smtClean="0"/>
-              <a:t>1/30/2023</a:t>
+              <a:t>2/2/2023</a:t>
             </a:fld>
             <a:endParaRPr lang="en-US"/>
           </a:p>
@@ -1343,7 +1343,7 @@
           <a:p>
             <a:fld id="{A76116CE-C4A3-4A05-B2D7-7C2E9A889C0F}" type="datetimeFigureOut">
               <a:rPr lang="en-US" smtClean="0"/>
-              <a:t>1/30/2023</a:t>
+              <a:t>2/2/2023</a:t>
             </a:fld>
             <a:endParaRPr lang="en-US"/>
           </a:p>
@@ -1757,7 +1757,7 @@
           <a:p>
             <a:fld id="{A76116CE-C4A3-4A05-B2D7-7C2E9A889C0F}" type="datetimeFigureOut">
               <a:rPr lang="en-US" smtClean="0"/>
-              <a:t>1/30/2023</a:t>
+              <a:t>2/2/2023</a:t>
             </a:fld>
             <a:endParaRPr lang="en-US"/>
           </a:p>
@@ -1869,7 +1869,7 @@
           <a:p>
             <a:fld id="{A76116CE-C4A3-4A05-B2D7-7C2E9A889C0F}" type="datetimeFigureOut">
               <a:rPr lang="en-US" smtClean="0"/>
-              <a:t>1/30/2023</a:t>
+              <a:t>2/2/2023</a:t>
             </a:fld>
             <a:endParaRPr lang="en-US"/>
           </a:p>
@@ -1959,7 +1959,7 @@
           <a:p>
             <a:fld id="{A76116CE-C4A3-4A05-B2D7-7C2E9A889C0F}" type="datetimeFigureOut">
               <a:rPr lang="en-US" smtClean="0"/>
-              <a:t>1/30/2023</a:t>
+              <a:t>2/2/2023</a:t>
             </a:fld>
             <a:endParaRPr lang="en-US"/>
           </a:p>
@@ -2229,7 +2229,7 @@
           <a:p>
             <a:fld id="{A76116CE-C4A3-4A05-B2D7-7C2E9A889C0F}" type="datetimeFigureOut">
               <a:rPr lang="en-US" smtClean="0"/>
-              <a:t>1/30/2023</a:t>
+              <a:t>2/2/2023</a:t>
             </a:fld>
             <a:endParaRPr lang="en-US"/>
           </a:p>
@@ -2476,7 +2476,7 @@
           <a:p>
             <a:fld id="{A76116CE-C4A3-4A05-B2D7-7C2E9A889C0F}" type="datetimeFigureOut">
               <a:rPr lang="en-US" smtClean="0"/>
-              <a:t>1/30/2023</a:t>
+              <a:t>2/2/2023</a:t>
             </a:fld>
             <a:endParaRPr lang="en-US"/>
           </a:p>
@@ -2682,7 +2682,7 @@
           <a:p>
             <a:fld id="{F8166F1F-CE9B-4651-A6AA-CD717754106B}" type="datetimeFigureOut">
               <a:rPr lang="en-US" smtClean="0"/>
-              <a:t>1/30/2023</a:t>
+              <a:t>2/2/2023</a:t>
             </a:fld>
             <a:endParaRPr lang="en-US"/>
           </a:p>
@@ -3057,7 +3057,7 @@
           <p:cNvPr id="4" name="그룹 1008">
             <a:extLst>
               <a:ext uri="{FF2B5EF4-FFF2-40B4-BE49-F238E27FC236}">
-                <a16:creationId xmlns:a16="http://schemas.microsoft.com/office/drawing/2014/main" id="{54FFE8A6-6CB8-DCBA-07F7-749FA78BF4A4}"/>
+                <a16:creationId xmlns:a16="http://schemas.microsoft.com/office/drawing/2014/main" xmlns="" id="{54FFE8A6-6CB8-DCBA-07F7-749FA78BF4A4}"/>
               </a:ext>
             </a:extLst>
           </p:cNvPr>
@@ -3077,7 +3077,7 @@
             <p:cNvPr id="5" name="그룹 1009">
               <a:extLst>
                 <a:ext uri="{FF2B5EF4-FFF2-40B4-BE49-F238E27FC236}">
-                  <a16:creationId xmlns:a16="http://schemas.microsoft.com/office/drawing/2014/main" id="{AFC4D322-4969-89C3-C972-D8E8E418CA73}"/>
+                  <a16:creationId xmlns:a16="http://schemas.microsoft.com/office/drawing/2014/main" xmlns="" id="{AFC4D322-4969-89C3-C972-D8E8E418CA73}"/>
                 </a:ext>
               </a:extLst>
             </p:cNvPr>
@@ -3097,7 +3097,7 @@
               <p:cNvPr id="10" name="Object 29">
                 <a:extLst>
                   <a:ext uri="{FF2B5EF4-FFF2-40B4-BE49-F238E27FC236}">
-                    <a16:creationId xmlns:a16="http://schemas.microsoft.com/office/drawing/2014/main" id="{696B190E-C178-4E07-7621-24C3B48A9BCF}"/>
+                    <a16:creationId xmlns:a16="http://schemas.microsoft.com/office/drawing/2014/main" xmlns="" id="{696B190E-C178-4E07-7621-24C3B48A9BCF}"/>
                   </a:ext>
                 </a:extLst>
               </p:cNvPr>
@@ -3128,7 +3128,7 @@
             <p:cNvPr id="6" name="그룹 1010">
               <a:extLst>
                 <a:ext uri="{FF2B5EF4-FFF2-40B4-BE49-F238E27FC236}">
-                  <a16:creationId xmlns:a16="http://schemas.microsoft.com/office/drawing/2014/main" id="{88F3509F-17A2-2BE7-261F-3BA022FF91BA}"/>
+                  <a16:creationId xmlns:a16="http://schemas.microsoft.com/office/drawing/2014/main" xmlns="" id="{88F3509F-17A2-2BE7-261F-3BA022FF91BA}"/>
                 </a:ext>
               </a:extLst>
             </p:cNvPr>
@@ -3148,7 +3148,7 @@
               <p:cNvPr id="9" name="Object 32">
                 <a:extLst>
                   <a:ext uri="{FF2B5EF4-FFF2-40B4-BE49-F238E27FC236}">
-                    <a16:creationId xmlns:a16="http://schemas.microsoft.com/office/drawing/2014/main" id="{6183A7B0-D571-9788-43CE-90A93A934096}"/>
+                    <a16:creationId xmlns:a16="http://schemas.microsoft.com/office/drawing/2014/main" xmlns="" id="{6183A7B0-D571-9788-43CE-90A93A934096}"/>
                   </a:ext>
                 </a:extLst>
               </p:cNvPr>
@@ -3179,7 +3179,7 @@
             <p:cNvPr id="7" name="그룹 1011">
               <a:extLst>
                 <a:ext uri="{FF2B5EF4-FFF2-40B4-BE49-F238E27FC236}">
-                  <a16:creationId xmlns:a16="http://schemas.microsoft.com/office/drawing/2014/main" id="{3DB0BB1F-6A07-787C-7717-F712317AF8C3}"/>
+                  <a16:creationId xmlns:a16="http://schemas.microsoft.com/office/drawing/2014/main" xmlns="" id="{3DB0BB1F-6A07-787C-7717-F712317AF8C3}"/>
                 </a:ext>
               </a:extLst>
             </p:cNvPr>
@@ -3199,7 +3199,7 @@
               <p:cNvPr id="8" name="Object 35">
                 <a:extLst>
                   <a:ext uri="{FF2B5EF4-FFF2-40B4-BE49-F238E27FC236}">
-                    <a16:creationId xmlns:a16="http://schemas.microsoft.com/office/drawing/2014/main" id="{A003AF1A-29EE-2DC2-0E03-479F705DFFB6}"/>
+                    <a16:creationId xmlns:a16="http://schemas.microsoft.com/office/drawing/2014/main" xmlns="" id="{A003AF1A-29EE-2DC2-0E03-479F705DFFB6}"/>
                   </a:ext>
                 </a:extLst>
               </p:cNvPr>
@@ -3231,7 +3231,7 @@
           <p:cNvPr id="11" name="직선 화살표 연결선 10">
             <a:extLst>
               <a:ext uri="{FF2B5EF4-FFF2-40B4-BE49-F238E27FC236}">
-                <a16:creationId xmlns:a16="http://schemas.microsoft.com/office/drawing/2014/main" id="{299DF5EC-9DF4-5255-06AC-0A7CE4FF58C3}"/>
+                <a16:creationId xmlns:a16="http://schemas.microsoft.com/office/drawing/2014/main" xmlns="" id="{299DF5EC-9DF4-5255-06AC-0A7CE4FF58C3}"/>
               </a:ext>
             </a:extLst>
           </p:cNvPr>
@@ -3272,7 +3272,7 @@
           <p:cNvPr id="14" name="직사각형 13">
             <a:extLst>
               <a:ext uri="{FF2B5EF4-FFF2-40B4-BE49-F238E27FC236}">
-                <a16:creationId xmlns:a16="http://schemas.microsoft.com/office/drawing/2014/main" id="{FFF506F9-840A-0508-4CAF-3AC711D8D5CE}"/>
+                <a16:creationId xmlns:a16="http://schemas.microsoft.com/office/drawing/2014/main" xmlns="" id="{FFF506F9-840A-0508-4CAF-3AC711D8D5CE}"/>
               </a:ext>
             </a:extLst>
           </p:cNvPr>
@@ -3324,7 +3324,7 @@
           <p:cNvPr id="15" name="표 16">
             <a:extLst>
               <a:ext uri="{FF2B5EF4-FFF2-40B4-BE49-F238E27FC236}">
-                <a16:creationId xmlns:a16="http://schemas.microsoft.com/office/drawing/2014/main" id="{F03C45C7-6EB1-7871-F0F7-945F667135C4}"/>
+                <a16:creationId xmlns:a16="http://schemas.microsoft.com/office/drawing/2014/main" xmlns="" id="{F03C45C7-6EB1-7871-F0F7-945F667135C4}"/>
               </a:ext>
             </a:extLst>
           </p:cNvPr>
@@ -3341,7 +3341,7 @@
         </p:nvGraphicFramePr>
         <p:xfrm>
           <a:off x="14554200" y="0"/>
-          <a:ext cx="3429000" cy="10361031"/>
+          <a:ext cx="3429000" cy="10232580"/>
         </p:xfrm>
         <a:graphic>
           <a:graphicData uri="http://schemas.openxmlformats.org/drawingml/2006/table">
@@ -3353,14 +3353,14 @@
                 <a:gridCol w="1295400">
                   <a:extLst>
                     <a:ext uri="{9D8B030D-6E8A-4147-A177-3AD203B41FA5}">
-                      <a16:colId xmlns:a16="http://schemas.microsoft.com/office/drawing/2014/main" val="2433761377"/>
+                      <a16:colId xmlns:a16="http://schemas.microsoft.com/office/drawing/2014/main" xmlns="" val="2433761377"/>
                     </a:ext>
                   </a:extLst>
                 </a:gridCol>
                 <a:gridCol w="2133600">
                   <a:extLst>
                     <a:ext uri="{9D8B030D-6E8A-4147-A177-3AD203B41FA5}">
-                      <a16:colId xmlns:a16="http://schemas.microsoft.com/office/drawing/2014/main" val="926389809"/>
+                      <a16:colId xmlns:a16="http://schemas.microsoft.com/office/drawing/2014/main" xmlns="" val="926389809"/>
                     </a:ext>
                   </a:extLst>
                 </a:gridCol>
@@ -3486,7 +3486,7 @@
                 </a:tc>
                 <a:extLst>
                   <a:ext uri="{0D108BD9-81ED-4DB2-BD59-A6C34878D82A}">
-                    <a16:rowId xmlns:a16="http://schemas.microsoft.com/office/drawing/2014/main" val="2504948727"/>
+                    <a16:rowId xmlns:a16="http://schemas.microsoft.com/office/drawing/2014/main" xmlns="" val="2504948727"/>
                   </a:ext>
                 </a:extLst>
               </a:tr>
@@ -3615,7 +3615,7 @@
                 </a:tc>
                 <a:extLst>
                   <a:ext uri="{0D108BD9-81ED-4DB2-BD59-A6C34878D82A}">
-                    <a16:rowId xmlns:a16="http://schemas.microsoft.com/office/drawing/2014/main" val="3647525178"/>
+                    <a16:rowId xmlns:a16="http://schemas.microsoft.com/office/drawing/2014/main" xmlns="" val="3647525178"/>
                   </a:ext>
                 </a:extLst>
               </a:tr>
@@ -3728,7 +3728,7 @@
                 </a:tc>
                 <a:extLst>
                   <a:ext uri="{0D108BD9-81ED-4DB2-BD59-A6C34878D82A}">
-                    <a16:rowId xmlns:a16="http://schemas.microsoft.com/office/drawing/2014/main" val="2672623231"/>
+                    <a16:rowId xmlns:a16="http://schemas.microsoft.com/office/drawing/2014/main" xmlns="" val="2672623231"/>
                   </a:ext>
                 </a:extLst>
               </a:tr>
@@ -3837,7 +3837,7 @@
                 </a:tc>
                 <a:extLst>
                   <a:ext uri="{0D108BD9-81ED-4DB2-BD59-A6C34878D82A}">
-                    <a16:rowId xmlns:a16="http://schemas.microsoft.com/office/drawing/2014/main" val="2996999142"/>
+                    <a16:rowId xmlns:a16="http://schemas.microsoft.com/office/drawing/2014/main" xmlns="" val="2996999142"/>
                   </a:ext>
                 </a:extLst>
               </a:tr>
@@ -3946,7 +3946,7 @@
                 </a:tc>
                 <a:extLst>
                   <a:ext uri="{0D108BD9-81ED-4DB2-BD59-A6C34878D82A}">
-                    <a16:rowId xmlns:a16="http://schemas.microsoft.com/office/drawing/2014/main" val="2275222586"/>
+                    <a16:rowId xmlns:a16="http://schemas.microsoft.com/office/drawing/2014/main" xmlns="" val="2275222586"/>
                   </a:ext>
                 </a:extLst>
               </a:tr>
@@ -4059,7 +4059,7 @@
                 </a:tc>
                 <a:extLst>
                   <a:ext uri="{0D108BD9-81ED-4DB2-BD59-A6C34878D82A}">
-                    <a16:rowId xmlns:a16="http://schemas.microsoft.com/office/drawing/2014/main" val="1918467740"/>
+                    <a16:rowId xmlns:a16="http://schemas.microsoft.com/office/drawing/2014/main" xmlns="" val="1918467740"/>
                   </a:ext>
                 </a:extLst>
               </a:tr>
@@ -4172,7 +4172,7 @@
                 </a:tc>
                 <a:extLst>
                   <a:ext uri="{0D108BD9-81ED-4DB2-BD59-A6C34878D82A}">
-                    <a16:rowId xmlns:a16="http://schemas.microsoft.com/office/drawing/2014/main" val="168351104"/>
+                    <a16:rowId xmlns:a16="http://schemas.microsoft.com/office/drawing/2014/main" xmlns="" val="168351104"/>
                   </a:ext>
                 </a:extLst>
               </a:tr>
@@ -4301,7 +4301,7 @@
                 </a:tc>
                 <a:extLst>
                   <a:ext uri="{0D108BD9-81ED-4DB2-BD59-A6C34878D82A}">
-                    <a16:rowId xmlns:a16="http://schemas.microsoft.com/office/drawing/2014/main" val="1446898692"/>
+                    <a16:rowId xmlns:a16="http://schemas.microsoft.com/office/drawing/2014/main" xmlns="" val="1446898692"/>
                   </a:ext>
                 </a:extLst>
               </a:tr>
@@ -4426,7 +4426,7 @@
                 </a:tc>
                 <a:extLst>
                   <a:ext uri="{0D108BD9-81ED-4DB2-BD59-A6C34878D82A}">
-                    <a16:rowId xmlns:a16="http://schemas.microsoft.com/office/drawing/2014/main" val="2069871938"/>
+                    <a16:rowId xmlns:a16="http://schemas.microsoft.com/office/drawing/2014/main" xmlns="" val="2069871938"/>
                   </a:ext>
                 </a:extLst>
               </a:tr>
@@ -4551,7 +4551,7 @@
                 </a:tc>
                 <a:extLst>
                   <a:ext uri="{0D108BD9-81ED-4DB2-BD59-A6C34878D82A}">
-                    <a16:rowId xmlns:a16="http://schemas.microsoft.com/office/drawing/2014/main" val="3466599706"/>
+                    <a16:rowId xmlns:a16="http://schemas.microsoft.com/office/drawing/2014/main" xmlns="" val="3466599706"/>
                   </a:ext>
                 </a:extLst>
               </a:tr>
@@ -4676,7 +4676,7 @@
                 </a:tc>
                 <a:extLst>
                   <a:ext uri="{0D108BD9-81ED-4DB2-BD59-A6C34878D82A}">
-                    <a16:rowId xmlns:a16="http://schemas.microsoft.com/office/drawing/2014/main" val="3270764344"/>
+                    <a16:rowId xmlns:a16="http://schemas.microsoft.com/office/drawing/2014/main" xmlns="" val="3270764344"/>
                   </a:ext>
                 </a:extLst>
               </a:tr>
@@ -4804,7 +4804,7 @@
                 </a:tc>
                 <a:extLst>
                   <a:ext uri="{0D108BD9-81ED-4DB2-BD59-A6C34878D82A}">
-                    <a16:rowId xmlns:a16="http://schemas.microsoft.com/office/drawing/2014/main" val="1601752940"/>
+                    <a16:rowId xmlns:a16="http://schemas.microsoft.com/office/drawing/2014/main" xmlns="" val="1601752940"/>
                   </a:ext>
                 </a:extLst>
               </a:tr>
@@ -4933,7 +4933,7 @@
                 </a:tc>
                 <a:extLst>
                   <a:ext uri="{0D108BD9-81ED-4DB2-BD59-A6C34878D82A}">
-                    <a16:rowId xmlns:a16="http://schemas.microsoft.com/office/drawing/2014/main" val="3454728477"/>
+                    <a16:rowId xmlns:a16="http://schemas.microsoft.com/office/drawing/2014/main" xmlns="" val="3454728477"/>
                   </a:ext>
                 </a:extLst>
               </a:tr>
@@ -5062,7 +5062,7 @@
                 </a:tc>
                 <a:extLst>
                   <a:ext uri="{0D108BD9-81ED-4DB2-BD59-A6C34878D82A}">
-                    <a16:rowId xmlns:a16="http://schemas.microsoft.com/office/drawing/2014/main" val="3866400999"/>
+                    <a16:rowId xmlns:a16="http://schemas.microsoft.com/office/drawing/2014/main" xmlns="" val="3866400999"/>
                   </a:ext>
                 </a:extLst>
               </a:tr>
@@ -5187,7 +5187,7 @@
                 </a:tc>
                 <a:extLst>
                   <a:ext uri="{0D108BD9-81ED-4DB2-BD59-A6C34878D82A}">
-                    <a16:rowId xmlns:a16="http://schemas.microsoft.com/office/drawing/2014/main" val="1558806300"/>
+                    <a16:rowId xmlns:a16="http://schemas.microsoft.com/office/drawing/2014/main" xmlns="" val="1558806300"/>
                   </a:ext>
                 </a:extLst>
               </a:tr>
@@ -5312,7 +5312,7 @@
                 </a:tc>
                 <a:extLst>
                   <a:ext uri="{0D108BD9-81ED-4DB2-BD59-A6C34878D82A}">
-                    <a16:rowId xmlns:a16="http://schemas.microsoft.com/office/drawing/2014/main" val="702070055"/>
+                    <a16:rowId xmlns:a16="http://schemas.microsoft.com/office/drawing/2014/main" xmlns="" val="702070055"/>
                   </a:ext>
                 </a:extLst>
               </a:tr>
@@ -5437,7 +5437,7 @@
                 </a:tc>
                 <a:extLst>
                   <a:ext uri="{0D108BD9-81ED-4DB2-BD59-A6C34878D82A}">
-                    <a16:rowId xmlns:a16="http://schemas.microsoft.com/office/drawing/2014/main" val="496493748"/>
+                    <a16:rowId xmlns:a16="http://schemas.microsoft.com/office/drawing/2014/main" xmlns="" val="496493748"/>
                   </a:ext>
                 </a:extLst>
               </a:tr>
@@ -5562,7 +5562,7 @@
                 </a:tc>
                 <a:extLst>
                   <a:ext uri="{0D108BD9-81ED-4DB2-BD59-A6C34878D82A}">
-                    <a16:rowId xmlns:a16="http://schemas.microsoft.com/office/drawing/2014/main" val="3240652297"/>
+                    <a16:rowId xmlns:a16="http://schemas.microsoft.com/office/drawing/2014/main" xmlns="" val="3240652297"/>
                   </a:ext>
                 </a:extLst>
               </a:tr>
@@ -5687,7 +5687,7 @@
                 </a:tc>
                 <a:extLst>
                   <a:ext uri="{0D108BD9-81ED-4DB2-BD59-A6C34878D82A}">
-                    <a16:rowId xmlns:a16="http://schemas.microsoft.com/office/drawing/2014/main" val="2637422434"/>
+                    <a16:rowId xmlns:a16="http://schemas.microsoft.com/office/drawing/2014/main" xmlns="" val="2637422434"/>
                   </a:ext>
                 </a:extLst>
               </a:tr>
@@ -5812,7 +5812,7 @@
                 </a:tc>
                 <a:extLst>
                   <a:ext uri="{0D108BD9-81ED-4DB2-BD59-A6C34878D82A}">
-                    <a16:rowId xmlns:a16="http://schemas.microsoft.com/office/drawing/2014/main" val="3987370490"/>
+                    <a16:rowId xmlns:a16="http://schemas.microsoft.com/office/drawing/2014/main" xmlns="" val="3987370490"/>
                   </a:ext>
                 </a:extLst>
               </a:tr>
@@ -5825,7 +5825,7 @@
           <p:cNvPr id="16" name="그룹 1008">
             <a:extLst>
               <a:ext uri="{FF2B5EF4-FFF2-40B4-BE49-F238E27FC236}">
-                <a16:creationId xmlns:a16="http://schemas.microsoft.com/office/drawing/2014/main" id="{E395BDE3-2EDE-065D-70E8-56E348228ACF}"/>
+                <a16:creationId xmlns:a16="http://schemas.microsoft.com/office/drawing/2014/main" xmlns="" id="{E395BDE3-2EDE-065D-70E8-56E348228ACF}"/>
               </a:ext>
             </a:extLst>
           </p:cNvPr>
@@ -5845,7 +5845,7 @@
             <p:cNvPr id="17" name="그룹 1009">
               <a:extLst>
                 <a:ext uri="{FF2B5EF4-FFF2-40B4-BE49-F238E27FC236}">
-                  <a16:creationId xmlns:a16="http://schemas.microsoft.com/office/drawing/2014/main" id="{852F4DEB-DB33-DB3F-9E9F-52A46CD0B10A}"/>
+                  <a16:creationId xmlns:a16="http://schemas.microsoft.com/office/drawing/2014/main" xmlns="" id="{852F4DEB-DB33-DB3F-9E9F-52A46CD0B10A}"/>
                 </a:ext>
               </a:extLst>
             </p:cNvPr>
@@ -5865,7 +5865,7 @@
               <p:cNvPr id="22" name="Object 29">
                 <a:extLst>
                   <a:ext uri="{FF2B5EF4-FFF2-40B4-BE49-F238E27FC236}">
-                    <a16:creationId xmlns:a16="http://schemas.microsoft.com/office/drawing/2014/main" id="{7E353D3B-14D4-8A64-5888-3F0C062C2CDD}"/>
+                    <a16:creationId xmlns:a16="http://schemas.microsoft.com/office/drawing/2014/main" xmlns="" id="{7E353D3B-14D4-8A64-5888-3F0C062C2CDD}"/>
                   </a:ext>
                 </a:extLst>
               </p:cNvPr>
@@ -5896,7 +5896,7 @@
             <p:cNvPr id="18" name="그룹 1010">
               <a:extLst>
                 <a:ext uri="{FF2B5EF4-FFF2-40B4-BE49-F238E27FC236}">
-                  <a16:creationId xmlns:a16="http://schemas.microsoft.com/office/drawing/2014/main" id="{001E38AB-1390-ABD0-BE01-9727136FEAEE}"/>
+                  <a16:creationId xmlns:a16="http://schemas.microsoft.com/office/drawing/2014/main" xmlns="" id="{001E38AB-1390-ABD0-BE01-9727136FEAEE}"/>
                 </a:ext>
               </a:extLst>
             </p:cNvPr>
@@ -5916,7 +5916,7 @@
               <p:cNvPr id="21" name="Object 32">
                 <a:extLst>
                   <a:ext uri="{FF2B5EF4-FFF2-40B4-BE49-F238E27FC236}">
-                    <a16:creationId xmlns:a16="http://schemas.microsoft.com/office/drawing/2014/main" id="{2ED1C30F-0D0B-F86C-8215-2598D332B5A3}"/>
+                    <a16:creationId xmlns:a16="http://schemas.microsoft.com/office/drawing/2014/main" xmlns="" id="{2ED1C30F-0D0B-F86C-8215-2598D332B5A3}"/>
                   </a:ext>
                 </a:extLst>
               </p:cNvPr>
@@ -5947,7 +5947,7 @@
             <p:cNvPr id="19" name="그룹 1011">
               <a:extLst>
                 <a:ext uri="{FF2B5EF4-FFF2-40B4-BE49-F238E27FC236}">
-                  <a16:creationId xmlns:a16="http://schemas.microsoft.com/office/drawing/2014/main" id="{1BCB8DE5-ABAF-4198-BC16-85BB76F2DB24}"/>
+                  <a16:creationId xmlns:a16="http://schemas.microsoft.com/office/drawing/2014/main" xmlns="" id="{1BCB8DE5-ABAF-4198-BC16-85BB76F2DB24}"/>
                 </a:ext>
               </a:extLst>
             </p:cNvPr>
@@ -5967,7 +5967,7 @@
               <p:cNvPr id="20" name="Object 35">
                 <a:extLst>
                   <a:ext uri="{FF2B5EF4-FFF2-40B4-BE49-F238E27FC236}">
-                    <a16:creationId xmlns:a16="http://schemas.microsoft.com/office/drawing/2014/main" id="{86E7BA23-0A1E-B581-CADC-06AB269DB2BD}"/>
+                    <a16:creationId xmlns:a16="http://schemas.microsoft.com/office/drawing/2014/main" xmlns="" id="{86E7BA23-0A1E-B581-CADC-06AB269DB2BD}"/>
                   </a:ext>
                 </a:extLst>
               </p:cNvPr>
@@ -5999,7 +5999,7 @@
           <p:cNvPr id="23" name="TextBox 22">
             <a:extLst>
               <a:ext uri="{FF2B5EF4-FFF2-40B4-BE49-F238E27FC236}">
-                <a16:creationId xmlns:a16="http://schemas.microsoft.com/office/drawing/2014/main" id="{7229BEA6-121E-9056-D07F-2B3BB1795F76}"/>
+                <a16:creationId xmlns:a16="http://schemas.microsoft.com/office/drawing/2014/main" xmlns="" id="{7229BEA6-121E-9056-D07F-2B3BB1795F76}"/>
               </a:ext>
             </a:extLst>
           </p:cNvPr>
@@ -6047,7 +6047,7 @@
           <p:cNvPr id="24" name="TextBox 23">
             <a:extLst>
               <a:ext uri="{FF2B5EF4-FFF2-40B4-BE49-F238E27FC236}">
-                <a16:creationId xmlns:a16="http://schemas.microsoft.com/office/drawing/2014/main" id="{5ADC00B6-990A-40DC-3CEA-505258F5E8DA}"/>
+                <a16:creationId xmlns:a16="http://schemas.microsoft.com/office/drawing/2014/main" xmlns="" id="{5ADC00B6-990A-40DC-3CEA-505258F5E8DA}"/>
               </a:ext>
             </a:extLst>
           </p:cNvPr>
@@ -6105,7 +6105,7 @@
           <p:cNvPr id="3" name="TextBox 2">
             <a:extLst>
               <a:ext uri="{FF2B5EF4-FFF2-40B4-BE49-F238E27FC236}">
-                <a16:creationId xmlns:a16="http://schemas.microsoft.com/office/drawing/2014/main" id="{C6D113C6-EA5C-788F-0C77-E7CE6EBB865F}"/>
+                <a16:creationId xmlns:a16="http://schemas.microsoft.com/office/drawing/2014/main" xmlns="" id="{C6D113C6-EA5C-788F-0C77-E7CE6EBB865F}"/>
               </a:ext>
             </a:extLst>
           </p:cNvPr>
@@ -6163,7 +6163,7 @@
           <p:cNvPr id="12" name="그룹 1008">
             <a:extLst>
               <a:ext uri="{FF2B5EF4-FFF2-40B4-BE49-F238E27FC236}">
-                <a16:creationId xmlns:a16="http://schemas.microsoft.com/office/drawing/2014/main" id="{678F6342-C505-E8AD-ADA4-022CB2C2088E}"/>
+                <a16:creationId xmlns:a16="http://schemas.microsoft.com/office/drawing/2014/main" xmlns="" id="{678F6342-C505-E8AD-ADA4-022CB2C2088E}"/>
               </a:ext>
             </a:extLst>
           </p:cNvPr>
@@ -6183,7 +6183,7 @@
             <p:cNvPr id="13" name="그룹 1009">
               <a:extLst>
                 <a:ext uri="{FF2B5EF4-FFF2-40B4-BE49-F238E27FC236}">
-                  <a16:creationId xmlns:a16="http://schemas.microsoft.com/office/drawing/2014/main" id="{4E1F1FED-812B-9BBB-925A-84B54A077414}"/>
+                  <a16:creationId xmlns:a16="http://schemas.microsoft.com/office/drawing/2014/main" xmlns="" id="{4E1F1FED-812B-9BBB-925A-84B54A077414}"/>
                 </a:ext>
               </a:extLst>
             </p:cNvPr>
@@ -6203,7 +6203,7 @@
               <p:cNvPr id="29" name="Object 29">
                 <a:extLst>
                   <a:ext uri="{FF2B5EF4-FFF2-40B4-BE49-F238E27FC236}">
-                    <a16:creationId xmlns:a16="http://schemas.microsoft.com/office/drawing/2014/main" id="{7B078609-4286-7B00-51EB-809C8E2DE289}"/>
+                    <a16:creationId xmlns:a16="http://schemas.microsoft.com/office/drawing/2014/main" xmlns="" id="{7B078609-4286-7B00-51EB-809C8E2DE289}"/>
                   </a:ext>
                 </a:extLst>
               </p:cNvPr>
@@ -6234,7 +6234,7 @@
             <p:cNvPr id="25" name="그룹 1010">
               <a:extLst>
                 <a:ext uri="{FF2B5EF4-FFF2-40B4-BE49-F238E27FC236}">
-                  <a16:creationId xmlns:a16="http://schemas.microsoft.com/office/drawing/2014/main" id="{02A649BF-B5B5-FBAF-7DFD-E118A4DF8907}"/>
+                  <a16:creationId xmlns:a16="http://schemas.microsoft.com/office/drawing/2014/main" xmlns="" id="{02A649BF-B5B5-FBAF-7DFD-E118A4DF8907}"/>
                 </a:ext>
               </a:extLst>
             </p:cNvPr>
@@ -6254,7 +6254,7 @@
               <p:cNvPr id="28" name="Object 32">
                 <a:extLst>
                   <a:ext uri="{FF2B5EF4-FFF2-40B4-BE49-F238E27FC236}">
-                    <a16:creationId xmlns:a16="http://schemas.microsoft.com/office/drawing/2014/main" id="{2A0FFF23-B3C9-3EA0-1C1B-A87D4FF098AE}"/>
+                    <a16:creationId xmlns:a16="http://schemas.microsoft.com/office/drawing/2014/main" xmlns="" id="{2A0FFF23-B3C9-3EA0-1C1B-A87D4FF098AE}"/>
                   </a:ext>
                 </a:extLst>
               </p:cNvPr>
@@ -6285,7 +6285,7 @@
             <p:cNvPr id="26" name="그룹 1011">
               <a:extLst>
                 <a:ext uri="{FF2B5EF4-FFF2-40B4-BE49-F238E27FC236}">
-                  <a16:creationId xmlns:a16="http://schemas.microsoft.com/office/drawing/2014/main" id="{881F5410-F7FB-F261-A584-707359BAC593}"/>
+                  <a16:creationId xmlns:a16="http://schemas.microsoft.com/office/drawing/2014/main" xmlns="" id="{881F5410-F7FB-F261-A584-707359BAC593}"/>
                 </a:ext>
               </a:extLst>
             </p:cNvPr>
@@ -6305,7 +6305,7 @@
               <p:cNvPr id="27" name="Object 35">
                 <a:extLst>
                   <a:ext uri="{FF2B5EF4-FFF2-40B4-BE49-F238E27FC236}">
-                    <a16:creationId xmlns:a16="http://schemas.microsoft.com/office/drawing/2014/main" id="{4E99E669-73EB-F9F4-EFE8-DC107035C265}"/>
+                    <a16:creationId xmlns:a16="http://schemas.microsoft.com/office/drawing/2014/main" xmlns="" id="{4E99E669-73EB-F9F4-EFE8-DC107035C265}"/>
                   </a:ext>
                 </a:extLst>
               </p:cNvPr>
@@ -6337,7 +6337,7 @@
           <p:cNvPr id="33" name="직선 연결선 32">
             <a:extLst>
               <a:ext uri="{FF2B5EF4-FFF2-40B4-BE49-F238E27FC236}">
-                <a16:creationId xmlns:a16="http://schemas.microsoft.com/office/drawing/2014/main" id="{6A1A37E4-F933-DE44-2EEA-F3A5BBF35584}"/>
+                <a16:creationId xmlns:a16="http://schemas.microsoft.com/office/drawing/2014/main" xmlns="" id="{6A1A37E4-F933-DE44-2EEA-F3A5BBF35584}"/>
               </a:ext>
             </a:extLst>
           </p:cNvPr>
@@ -6428,7 +6428,7 @@
           <p:cNvPr id="35" name="그룹 1018">
             <a:extLst>
               <a:ext uri="{FF2B5EF4-FFF2-40B4-BE49-F238E27FC236}">
-                <a16:creationId xmlns:a16="http://schemas.microsoft.com/office/drawing/2014/main" id="{0804D430-F42E-AE32-A065-FFA8C471F092}"/>
+                <a16:creationId xmlns:a16="http://schemas.microsoft.com/office/drawing/2014/main" xmlns="" id="{0804D430-F42E-AE32-A065-FFA8C471F092}"/>
               </a:ext>
             </a:extLst>
           </p:cNvPr>
@@ -6448,7 +6448,7 @@
             <p:cNvPr id="36" name="Object 61">
               <a:extLst>
                 <a:ext uri="{FF2B5EF4-FFF2-40B4-BE49-F238E27FC236}">
-                  <a16:creationId xmlns:a16="http://schemas.microsoft.com/office/drawing/2014/main" id="{334A4C3A-641C-7CD9-8FEE-5EC92B28D640}"/>
+                  <a16:creationId xmlns:a16="http://schemas.microsoft.com/office/drawing/2014/main" xmlns="" id="{334A4C3A-641C-7CD9-8FEE-5EC92B28D640}"/>
                 </a:ext>
               </a:extLst>
             </p:cNvPr>
@@ -6479,7 +6479,7 @@
           <p:cNvPr id="38" name="TextBox 37">
             <a:extLst>
               <a:ext uri="{FF2B5EF4-FFF2-40B4-BE49-F238E27FC236}">
-                <a16:creationId xmlns:a16="http://schemas.microsoft.com/office/drawing/2014/main" id="{A2AD056B-97A4-5BCC-4460-250160F3E171}"/>
+                <a16:creationId xmlns:a16="http://schemas.microsoft.com/office/drawing/2014/main" xmlns="" id="{A2AD056B-97A4-5BCC-4460-250160F3E171}"/>
               </a:ext>
             </a:extLst>
           </p:cNvPr>
@@ -6523,7 +6523,7 @@
           <p:cNvPr id="39" name="TextBox 38">
             <a:extLst>
               <a:ext uri="{FF2B5EF4-FFF2-40B4-BE49-F238E27FC236}">
-                <a16:creationId xmlns:a16="http://schemas.microsoft.com/office/drawing/2014/main" id="{52176D31-35F7-8916-46FA-6095EFEC1E49}"/>
+                <a16:creationId xmlns:a16="http://schemas.microsoft.com/office/drawing/2014/main" xmlns="" id="{52176D31-35F7-8916-46FA-6095EFEC1E49}"/>
               </a:ext>
             </a:extLst>
           </p:cNvPr>
@@ -6564,10 +6564,10 @@
       </p:sp>
       <p:graphicFrame>
         <p:nvGraphicFramePr>
-          <p:cNvPr id="41" name="표 2">
+          <p:cNvPr id="37" name="표 2">
             <a:extLst>
               <a:ext uri="{FF2B5EF4-FFF2-40B4-BE49-F238E27FC236}">
-                <a16:creationId xmlns:a16="http://schemas.microsoft.com/office/drawing/2014/main" id="{8BDF9355-2E76-60B7-F2FA-BE94D0420084}"/>
+                <a16:creationId xmlns="" xmlns:a16="http://schemas.microsoft.com/office/drawing/2014/main" id="{D2CC6F32-611A-E22D-EB8C-52D626A5B319}"/>
               </a:ext>
             </a:extLst>
           </p:cNvPr>
@@ -6577,14 +6577,14 @@
           <p:nvPr>
             <p:extLst>
               <p:ext uri="{D42A27DB-BD31-4B8C-83A1-F6EECF244321}">
-                <p14:modId xmlns:p14="http://schemas.microsoft.com/office/powerpoint/2010/main" val="1026693463"/>
+                <p14:modId xmlns:p14="http://schemas.microsoft.com/office/powerpoint/2010/main" val="1147342568"/>
               </p:ext>
             </p:extLst>
           </p:nvPr>
         </p:nvGraphicFramePr>
         <p:xfrm>
-          <a:off x="473528" y="5559000"/>
-          <a:ext cx="6215744" cy="3657600"/>
+          <a:off x="962537" y="5343554"/>
+          <a:ext cx="6215744" cy="3596640"/>
         </p:xfrm>
         <a:graphic>
           <a:graphicData uri="http://schemas.openxmlformats.org/drawingml/2006/table">
@@ -6593,24 +6593,24 @@
                 <a:tableStyleId>{5C22544A-7EE6-4342-B048-85BDC9FD1C3A}</a:tableStyleId>
               </a:tblPr>
               <a:tblGrid>
-                <a:gridCol w="1648638">
+                <a:gridCol w="1731833">
                   <a:extLst>
                     <a:ext uri="{9D8B030D-6E8A-4147-A177-3AD203B41FA5}">
-                      <a16:colId xmlns:a16="http://schemas.microsoft.com/office/drawing/2014/main" val="1960770391"/>
+                      <a16:colId xmlns="" xmlns:a16="http://schemas.microsoft.com/office/drawing/2014/main" val="1960770391"/>
                     </a:ext>
                   </a:extLst>
                 </a:gridCol>
-                <a:gridCol w="1668750">
+                <a:gridCol w="1752960">
                   <a:extLst>
                     <a:ext uri="{9D8B030D-6E8A-4147-A177-3AD203B41FA5}">
-                      <a16:colId xmlns:a16="http://schemas.microsoft.com/office/drawing/2014/main" val="733308553"/>
+                      <a16:colId xmlns="" xmlns:a16="http://schemas.microsoft.com/office/drawing/2014/main" val="733308553"/>
                     </a:ext>
                   </a:extLst>
                 </a:gridCol>
-                <a:gridCol w="2898356">
+                <a:gridCol w="2730951">
                   <a:extLst>
                     <a:ext uri="{9D8B030D-6E8A-4147-A177-3AD203B41FA5}">
-                      <a16:colId xmlns:a16="http://schemas.microsoft.com/office/drawing/2014/main" val="1661322813"/>
+                      <a16:colId xmlns="" xmlns:a16="http://schemas.microsoft.com/office/drawing/2014/main" val="1661322813"/>
                     </a:ext>
                   </a:extLst>
                 </a:gridCol>
@@ -6682,13 +6682,13 @@
                     <a:p>
                       <a:pPr latinLnBrk="1"/>
                       <a:r>
-                        <a:rPr lang="en-US" altLang="ko-KR" sz="2200" dirty="0" err="1">
+                        <a:rPr lang="en-US" altLang="ko-KR" sz="2200" dirty="0">
                           <a:solidFill>
                             <a:schemeClr val="bg1"/>
                           </a:solidFill>
                           <a:ea typeface="G마켓 산스 Medium" panose="02000000000000000000"/>
                         </a:rPr>
-                        <a:t>MyMath</a:t>
+                        <a:t>Student</a:t>
                       </a:r>
                       <a:endParaRPr lang="ko-KR" altLang="en-US" sz="2200" dirty="0">
                         <a:solidFill>
@@ -6798,7 +6798,7 @@
                 </a:tc>
                 <a:extLst>
                   <a:ext uri="{0D108BD9-81ED-4DB2-BD59-A6C34878D82A}">
-                    <a16:rowId xmlns:a16="http://schemas.microsoft.com/office/drawing/2014/main" val="2452905565"/>
+                    <a16:rowId xmlns="" xmlns:a16="http://schemas.microsoft.com/office/drawing/2014/main" val="2452905565"/>
                   </a:ext>
                 </a:extLst>
               </a:tr>
@@ -6880,11 +6880,14 @@
                         <a:defRPr/>
                       </a:pPr>
                       <a:r>
-                        <a:rPr lang="ko-KR" altLang="en-US" sz="2200" dirty="0">
+                        <a:rPr lang="en-US" altLang="ko-KR" sz="2200" dirty="0">
                           <a:ea typeface="G마켓 산스 Medium" panose="02000000000000000000"/>
                         </a:rPr>
-                        <a:t>없음</a:t>
+                        <a:t>String name</a:t>
                       </a:r>
+                      <a:endParaRPr lang="ko-KR" altLang="en-US" sz="2200" dirty="0">
+                        <a:ea typeface="G마켓 산스 Medium" panose="02000000000000000000"/>
+                      </a:endParaRPr>
                     </a:p>
                   </a:txBody>
                   <a:tcPr>
@@ -6949,9 +6952,12 @@
                         <a:tabLst/>
                         <a:defRPr/>
                       </a:pPr>
-                      <a:endParaRPr lang="ko-KR" altLang="en-US" sz="2000" dirty="0">
-                        <a:ea typeface="G마켓 산스 Medium" panose="02000000000000000000"/>
-                      </a:endParaRPr>
+                      <a:r>
+                        <a:rPr lang="ko-KR" altLang="en-US" sz="2000" dirty="0">
+                          <a:ea typeface="G마켓 산스 Medium" panose="02000000000000000000"/>
+                        </a:rPr>
+                        <a:t>학생이름</a:t>
+                      </a:r>
                     </a:p>
                   </a:txBody>
                   <a:tcPr>
@@ -6996,23 +7002,20 @@
                 </a:tc>
                 <a:extLst>
                   <a:ext uri="{0D108BD9-81ED-4DB2-BD59-A6C34878D82A}">
-                    <a16:rowId xmlns:a16="http://schemas.microsoft.com/office/drawing/2014/main" val="3551452526"/>
+                    <a16:rowId xmlns="" xmlns:a16="http://schemas.microsoft.com/office/drawing/2014/main" val="3551452526"/>
                   </a:ext>
                 </a:extLst>
               </a:tr>
-              <a:tr h="370840">
+              <a:tr h="411480">
                 <a:tc>
                   <a:txBody>
                     <a:bodyPr/>
                     <a:lstStyle/>
                     <a:p>
                       <a:pPr latinLnBrk="1"/>
-                      <a:r>
-                        <a:rPr lang="ko-KR" altLang="en-US" sz="2200" dirty="0">
-                          <a:ea typeface="G마켓 산스 Medium" panose="02000000000000000000"/>
-                        </a:rPr>
-                        <a:t>메서드</a:t>
-                      </a:r>
+                      <a:endParaRPr lang="ko-KR" altLang="en-US" sz="2200" dirty="0">
+                        <a:ea typeface="G마켓 산스 Medium" panose="02000000000000000000"/>
+                      </a:endParaRPr>
                     </a:p>
                   </a:txBody>
                   <a:tcPr>
@@ -7065,7 +7068,768 @@
                         <a:rPr lang="en-US" altLang="ko-KR" sz="2200" dirty="0">
                           <a:ea typeface="G마켓 산스 Medium" panose="02000000000000000000"/>
                         </a:rPr>
-                        <a:t>add() </a:t>
+                        <a:t>int </a:t>
+                      </a:r>
+                      <a:r>
+                        <a:rPr lang="en-US" altLang="ko-KR" sz="2200" dirty="0" err="1">
+                          <a:ea typeface="G마켓 산스 Medium" panose="02000000000000000000"/>
+                        </a:rPr>
+                        <a:t>kor</a:t>
+                      </a:r>
+                      <a:endParaRPr lang="ko-KR" altLang="en-US" sz="2200" dirty="0">
+                        <a:ea typeface="G마켓 산스 Medium" panose="02000000000000000000"/>
+                      </a:endParaRPr>
+                    </a:p>
+                  </a:txBody>
+                  <a:tcPr>
+                    <a:lnL w="12700" cap="flat" cmpd="sng" algn="ctr">
+                      <a:solidFill>
+                        <a:schemeClr val="tx1"/>
+                      </a:solidFill>
+                      <a:prstDash val="solid"/>
+                      <a:round/>
+                      <a:headEnd type="none" w="med" len="med"/>
+                      <a:tailEnd type="none" w="med" len="med"/>
+                    </a:lnL>
+                    <a:lnR w="12700" cap="flat" cmpd="sng" algn="ctr">
+                      <a:solidFill>
+                        <a:schemeClr val="tx1"/>
+                      </a:solidFill>
+                      <a:prstDash val="solid"/>
+                      <a:round/>
+                      <a:headEnd type="none" w="med" len="med"/>
+                      <a:tailEnd type="none" w="med" len="med"/>
+                    </a:lnR>
+                    <a:lnT w="12700" cap="flat" cmpd="sng" algn="ctr">
+                      <a:solidFill>
+                        <a:schemeClr val="tx1"/>
+                      </a:solidFill>
+                      <a:prstDash val="solid"/>
+                      <a:round/>
+                      <a:headEnd type="none" w="med" len="med"/>
+                      <a:tailEnd type="none" w="med" len="med"/>
+                    </a:lnT>
+                    <a:lnB w="12700" cap="flat" cmpd="sng" algn="ctr">
+                      <a:solidFill>
+                        <a:schemeClr val="tx1"/>
+                      </a:solidFill>
+                      <a:prstDash val="solid"/>
+                      <a:round/>
+                      <a:headEnd type="none" w="med" len="med"/>
+                      <a:tailEnd type="none" w="med" len="med"/>
+                    </a:lnB>
+                    <a:noFill/>
+                  </a:tcPr>
+                </a:tc>
+                <a:tc>
+                  <a:txBody>
+                    <a:bodyPr/>
+                    <a:lstStyle/>
+                    <a:p>
+                      <a:pPr latinLnBrk="1"/>
+                      <a:r>
+                        <a:rPr lang="ko-KR" altLang="en-US" sz="2000" dirty="0">
+                          <a:ea typeface="G마켓 산스 Medium" panose="02000000000000000000"/>
+                        </a:rPr>
+                        <a:t>국어</a:t>
+                      </a:r>
+                    </a:p>
+                  </a:txBody>
+                  <a:tcPr>
+                    <a:lnL w="12700" cap="flat" cmpd="sng" algn="ctr">
+                      <a:solidFill>
+                        <a:schemeClr val="tx1"/>
+                      </a:solidFill>
+                      <a:prstDash val="solid"/>
+                      <a:round/>
+                      <a:headEnd type="none" w="med" len="med"/>
+                      <a:tailEnd type="none" w="med" len="med"/>
+                    </a:lnL>
+                    <a:lnR w="12700" cap="flat" cmpd="sng" algn="ctr">
+                      <a:solidFill>
+                        <a:schemeClr val="tx1"/>
+                      </a:solidFill>
+                      <a:prstDash val="solid"/>
+                      <a:round/>
+                      <a:headEnd type="none" w="med" len="med"/>
+                      <a:tailEnd type="none" w="med" len="med"/>
+                    </a:lnR>
+                    <a:lnT w="12700" cap="flat" cmpd="sng" algn="ctr">
+                      <a:solidFill>
+                        <a:schemeClr val="tx1"/>
+                      </a:solidFill>
+                      <a:prstDash val="solid"/>
+                      <a:round/>
+                      <a:headEnd type="none" w="med" len="med"/>
+                      <a:tailEnd type="none" w="med" len="med"/>
+                    </a:lnT>
+                    <a:lnB w="12700" cap="flat" cmpd="sng" algn="ctr">
+                      <a:solidFill>
+                        <a:schemeClr val="tx1"/>
+                      </a:solidFill>
+                      <a:prstDash val="solid"/>
+                      <a:round/>
+                      <a:headEnd type="none" w="med" len="med"/>
+                      <a:tailEnd type="none" w="med" len="med"/>
+                    </a:lnB>
+                    <a:noFill/>
+                  </a:tcPr>
+                </a:tc>
+                <a:extLst>
+                  <a:ext uri="{0D108BD9-81ED-4DB2-BD59-A6C34878D82A}">
+                    <a16:rowId xmlns="" xmlns:a16="http://schemas.microsoft.com/office/drawing/2014/main" val="3645064171"/>
+                  </a:ext>
+                </a:extLst>
+              </a:tr>
+              <a:tr h="411480">
+                <a:tc>
+                  <a:txBody>
+                    <a:bodyPr/>
+                    <a:lstStyle/>
+                    <a:p>
+                      <a:pPr latinLnBrk="1"/>
+                      <a:endParaRPr lang="ko-KR" altLang="en-US" sz="2200" dirty="0">
+                        <a:ea typeface="G마켓 산스 Medium" panose="02000000000000000000"/>
+                      </a:endParaRPr>
+                    </a:p>
+                  </a:txBody>
+                  <a:tcPr>
+                    <a:lnL w="12700" cap="flat" cmpd="sng" algn="ctr">
+                      <a:solidFill>
+                        <a:schemeClr val="tx1"/>
+                      </a:solidFill>
+                      <a:prstDash val="solid"/>
+                      <a:round/>
+                      <a:headEnd type="none" w="med" len="med"/>
+                      <a:tailEnd type="none" w="med" len="med"/>
+                    </a:lnL>
+                    <a:lnR w="12700" cap="flat" cmpd="sng" algn="ctr">
+                      <a:solidFill>
+                        <a:schemeClr val="tx1"/>
+                      </a:solidFill>
+                      <a:prstDash val="solid"/>
+                      <a:round/>
+                      <a:headEnd type="none" w="med" len="med"/>
+                      <a:tailEnd type="none" w="med" len="med"/>
+                    </a:lnR>
+                    <a:lnT w="12700" cap="flat" cmpd="sng" algn="ctr">
+                      <a:solidFill>
+                        <a:schemeClr val="tx1"/>
+                      </a:solidFill>
+                      <a:prstDash val="solid"/>
+                      <a:round/>
+                      <a:headEnd type="none" w="med" len="med"/>
+                      <a:tailEnd type="none" w="med" len="med"/>
+                    </a:lnT>
+                    <a:lnB w="12700" cap="flat" cmpd="sng" algn="ctr">
+                      <a:solidFill>
+                        <a:schemeClr val="tx1"/>
+                      </a:solidFill>
+                      <a:prstDash val="solid"/>
+                      <a:round/>
+                      <a:headEnd type="none" w="med" len="med"/>
+                      <a:tailEnd type="none" w="med" len="med"/>
+                    </a:lnB>
+                    <a:noFill/>
+                  </a:tcPr>
+                </a:tc>
+                <a:tc>
+                  <a:txBody>
+                    <a:bodyPr/>
+                    <a:lstStyle/>
+                    <a:p>
+                      <a:pPr latinLnBrk="1"/>
+                      <a:r>
+                        <a:rPr lang="en-US" altLang="ko-KR" sz="2200" dirty="0">
+                          <a:ea typeface="G마켓 산스 Medium" panose="02000000000000000000"/>
+                        </a:rPr>
+                        <a:t>int </a:t>
+                      </a:r>
+                      <a:r>
+                        <a:rPr lang="en-US" altLang="ko-KR" sz="2200" dirty="0" err="1">
+                          <a:ea typeface="G마켓 산스 Medium" panose="02000000000000000000"/>
+                        </a:rPr>
+                        <a:t>eng</a:t>
+                      </a:r>
+                      <a:endParaRPr lang="ko-KR" altLang="en-US" sz="2200" dirty="0">
+                        <a:ea typeface="G마켓 산스 Medium" panose="02000000000000000000"/>
+                      </a:endParaRPr>
+                    </a:p>
+                  </a:txBody>
+                  <a:tcPr>
+                    <a:lnL w="12700" cap="flat" cmpd="sng" algn="ctr">
+                      <a:solidFill>
+                        <a:schemeClr val="tx1"/>
+                      </a:solidFill>
+                      <a:prstDash val="solid"/>
+                      <a:round/>
+                      <a:headEnd type="none" w="med" len="med"/>
+                      <a:tailEnd type="none" w="med" len="med"/>
+                    </a:lnL>
+                    <a:lnR w="12700" cap="flat" cmpd="sng" algn="ctr">
+                      <a:solidFill>
+                        <a:schemeClr val="tx1"/>
+                      </a:solidFill>
+                      <a:prstDash val="solid"/>
+                      <a:round/>
+                      <a:headEnd type="none" w="med" len="med"/>
+                      <a:tailEnd type="none" w="med" len="med"/>
+                    </a:lnR>
+                    <a:lnT w="12700" cap="flat" cmpd="sng" algn="ctr">
+                      <a:solidFill>
+                        <a:schemeClr val="tx1"/>
+                      </a:solidFill>
+                      <a:prstDash val="solid"/>
+                      <a:round/>
+                      <a:headEnd type="none" w="med" len="med"/>
+                      <a:tailEnd type="none" w="med" len="med"/>
+                    </a:lnT>
+                    <a:lnB w="12700" cap="flat" cmpd="sng" algn="ctr">
+                      <a:solidFill>
+                        <a:schemeClr val="tx1"/>
+                      </a:solidFill>
+                      <a:prstDash val="solid"/>
+                      <a:round/>
+                      <a:headEnd type="none" w="med" len="med"/>
+                      <a:tailEnd type="none" w="med" len="med"/>
+                    </a:lnB>
+                    <a:noFill/>
+                  </a:tcPr>
+                </a:tc>
+                <a:tc>
+                  <a:txBody>
+                    <a:bodyPr/>
+                    <a:lstStyle/>
+                    <a:p>
+                      <a:pPr latinLnBrk="1"/>
+                      <a:r>
+                        <a:rPr lang="ko-KR" altLang="en-US" sz="2000" dirty="0">
+                          <a:ea typeface="G마켓 산스 Medium" panose="02000000000000000000"/>
+                        </a:rPr>
+                        <a:t>영어</a:t>
+                      </a:r>
+                    </a:p>
+                  </a:txBody>
+                  <a:tcPr>
+                    <a:lnL w="12700" cap="flat" cmpd="sng" algn="ctr">
+                      <a:solidFill>
+                        <a:schemeClr val="tx1"/>
+                      </a:solidFill>
+                      <a:prstDash val="solid"/>
+                      <a:round/>
+                      <a:headEnd type="none" w="med" len="med"/>
+                      <a:tailEnd type="none" w="med" len="med"/>
+                    </a:lnL>
+                    <a:lnR w="12700" cap="flat" cmpd="sng" algn="ctr">
+                      <a:solidFill>
+                        <a:schemeClr val="tx1"/>
+                      </a:solidFill>
+                      <a:prstDash val="solid"/>
+                      <a:round/>
+                      <a:headEnd type="none" w="med" len="med"/>
+                      <a:tailEnd type="none" w="med" len="med"/>
+                    </a:lnR>
+                    <a:lnT w="12700" cap="flat" cmpd="sng" algn="ctr">
+                      <a:solidFill>
+                        <a:schemeClr val="tx1"/>
+                      </a:solidFill>
+                      <a:prstDash val="solid"/>
+                      <a:round/>
+                      <a:headEnd type="none" w="med" len="med"/>
+                      <a:tailEnd type="none" w="med" len="med"/>
+                    </a:lnT>
+                    <a:lnB w="12700" cap="flat" cmpd="sng" algn="ctr">
+                      <a:solidFill>
+                        <a:schemeClr val="tx1"/>
+                      </a:solidFill>
+                      <a:prstDash val="solid"/>
+                      <a:round/>
+                      <a:headEnd type="none" w="med" len="med"/>
+                      <a:tailEnd type="none" w="med" len="med"/>
+                    </a:lnB>
+                    <a:noFill/>
+                  </a:tcPr>
+                </a:tc>
+                <a:extLst>
+                  <a:ext uri="{0D108BD9-81ED-4DB2-BD59-A6C34878D82A}">
+                    <a16:rowId xmlns="" xmlns:a16="http://schemas.microsoft.com/office/drawing/2014/main" val="2802120283"/>
+                  </a:ext>
+                </a:extLst>
+              </a:tr>
+              <a:tr h="370840">
+                <a:tc>
+                  <a:txBody>
+                    <a:bodyPr/>
+                    <a:lstStyle/>
+                    <a:p>
+                      <a:pPr latinLnBrk="1"/>
+                      <a:endParaRPr lang="ko-KR" altLang="en-US" sz="2200" dirty="0">
+                        <a:ea typeface="G마켓 산스 Medium" panose="02000000000000000000"/>
+                      </a:endParaRPr>
+                    </a:p>
+                  </a:txBody>
+                  <a:tcPr>
+                    <a:lnL w="12700" cap="flat" cmpd="sng" algn="ctr">
+                      <a:solidFill>
+                        <a:schemeClr val="tx1"/>
+                      </a:solidFill>
+                      <a:prstDash val="solid"/>
+                      <a:round/>
+                      <a:headEnd type="none" w="med" len="med"/>
+                      <a:tailEnd type="none" w="med" len="med"/>
+                    </a:lnL>
+                    <a:lnR w="12700" cap="flat" cmpd="sng" algn="ctr">
+                      <a:solidFill>
+                        <a:schemeClr val="tx1"/>
+                      </a:solidFill>
+                      <a:prstDash val="solid"/>
+                      <a:round/>
+                      <a:headEnd type="none" w="med" len="med"/>
+                      <a:tailEnd type="none" w="med" len="med"/>
+                    </a:lnR>
+                    <a:lnT w="12700" cap="flat" cmpd="sng" algn="ctr">
+                      <a:solidFill>
+                        <a:schemeClr val="tx1"/>
+                      </a:solidFill>
+                      <a:prstDash val="solid"/>
+                      <a:round/>
+                      <a:headEnd type="none" w="med" len="med"/>
+                      <a:tailEnd type="none" w="med" len="med"/>
+                    </a:lnT>
+                    <a:lnB w="12700" cap="flat" cmpd="sng" algn="ctr">
+                      <a:solidFill>
+                        <a:schemeClr val="tx1"/>
+                      </a:solidFill>
+                      <a:prstDash val="solid"/>
+                      <a:round/>
+                      <a:headEnd type="none" w="med" len="med"/>
+                      <a:tailEnd type="none" w="med" len="med"/>
+                    </a:lnB>
+                    <a:noFill/>
+                  </a:tcPr>
+                </a:tc>
+                <a:tc>
+                  <a:txBody>
+                    <a:bodyPr/>
+                    <a:lstStyle/>
+                    <a:p>
+                      <a:pPr latinLnBrk="1"/>
+                      <a:r>
+                        <a:rPr lang="en-US" altLang="ko-KR" sz="2200" dirty="0">
+                          <a:ea typeface="G마켓 산스 Medium" panose="02000000000000000000"/>
+                        </a:rPr>
+                        <a:t>int math</a:t>
+                      </a:r>
+                      <a:endParaRPr lang="ko-KR" altLang="en-US" sz="2200" dirty="0">
+                        <a:ea typeface="G마켓 산스 Medium" panose="02000000000000000000"/>
+                      </a:endParaRPr>
+                    </a:p>
+                  </a:txBody>
+                  <a:tcPr>
+                    <a:lnL w="12700" cap="flat" cmpd="sng" algn="ctr">
+                      <a:solidFill>
+                        <a:schemeClr val="tx1"/>
+                      </a:solidFill>
+                      <a:prstDash val="solid"/>
+                      <a:round/>
+                      <a:headEnd type="none" w="med" len="med"/>
+                      <a:tailEnd type="none" w="med" len="med"/>
+                    </a:lnL>
+                    <a:lnR w="12700" cap="flat" cmpd="sng" algn="ctr">
+                      <a:solidFill>
+                        <a:schemeClr val="tx1"/>
+                      </a:solidFill>
+                      <a:prstDash val="solid"/>
+                      <a:round/>
+                      <a:headEnd type="none" w="med" len="med"/>
+                      <a:tailEnd type="none" w="med" len="med"/>
+                    </a:lnR>
+                    <a:lnT w="12700" cap="flat" cmpd="sng" algn="ctr">
+                      <a:solidFill>
+                        <a:schemeClr val="tx1"/>
+                      </a:solidFill>
+                      <a:prstDash val="solid"/>
+                      <a:round/>
+                      <a:headEnd type="none" w="med" len="med"/>
+                      <a:tailEnd type="none" w="med" len="med"/>
+                    </a:lnT>
+                    <a:lnB w="12700" cap="flat" cmpd="sng" algn="ctr">
+                      <a:solidFill>
+                        <a:schemeClr val="tx1"/>
+                      </a:solidFill>
+                      <a:prstDash val="solid"/>
+                      <a:round/>
+                      <a:headEnd type="none" w="med" len="med"/>
+                      <a:tailEnd type="none" w="med" len="med"/>
+                    </a:lnB>
+                    <a:noFill/>
+                  </a:tcPr>
+                </a:tc>
+                <a:tc>
+                  <a:txBody>
+                    <a:bodyPr/>
+                    <a:lstStyle/>
+                    <a:p>
+                      <a:pPr latinLnBrk="1"/>
+                      <a:r>
+                        <a:rPr lang="ko-KR" altLang="en-US" sz="2000" dirty="0">
+                          <a:ea typeface="G마켓 산스 Medium" panose="02000000000000000000"/>
+                        </a:rPr>
+                        <a:t>수학</a:t>
+                      </a:r>
+                    </a:p>
+                  </a:txBody>
+                  <a:tcPr>
+                    <a:lnL w="12700" cap="flat" cmpd="sng" algn="ctr">
+                      <a:solidFill>
+                        <a:schemeClr val="tx1"/>
+                      </a:solidFill>
+                      <a:prstDash val="solid"/>
+                      <a:round/>
+                      <a:headEnd type="none" w="med" len="med"/>
+                      <a:tailEnd type="none" w="med" len="med"/>
+                    </a:lnL>
+                    <a:lnR w="12700" cap="flat" cmpd="sng" algn="ctr">
+                      <a:solidFill>
+                        <a:schemeClr val="tx1"/>
+                      </a:solidFill>
+                      <a:prstDash val="solid"/>
+                      <a:round/>
+                      <a:headEnd type="none" w="med" len="med"/>
+                      <a:tailEnd type="none" w="med" len="med"/>
+                    </a:lnR>
+                    <a:lnT w="12700" cap="flat" cmpd="sng" algn="ctr">
+                      <a:solidFill>
+                        <a:schemeClr val="tx1"/>
+                      </a:solidFill>
+                      <a:prstDash val="solid"/>
+                      <a:round/>
+                      <a:headEnd type="none" w="med" len="med"/>
+                      <a:tailEnd type="none" w="med" len="med"/>
+                    </a:lnT>
+                    <a:lnB w="12700" cap="flat" cmpd="sng" algn="ctr">
+                      <a:solidFill>
+                        <a:schemeClr val="tx1"/>
+                      </a:solidFill>
+                      <a:prstDash val="solid"/>
+                      <a:round/>
+                      <a:headEnd type="none" w="med" len="med"/>
+                      <a:tailEnd type="none" w="med" len="med"/>
+                    </a:lnB>
+                    <a:noFill/>
+                  </a:tcPr>
+                </a:tc>
+                <a:extLst>
+                  <a:ext uri="{0D108BD9-81ED-4DB2-BD59-A6C34878D82A}">
+                    <a16:rowId xmlns="" xmlns:a16="http://schemas.microsoft.com/office/drawing/2014/main" val="1362299918"/>
+                  </a:ext>
+                </a:extLst>
+              </a:tr>
+              <a:tr h="370840">
+                <a:tc>
+                  <a:txBody>
+                    <a:bodyPr/>
+                    <a:lstStyle/>
+                    <a:p>
+                      <a:pPr marL="0" marR="0" lvl="0" indent="0" algn="l" defTabSz="914400" rtl="0" eaLnBrk="1" fontAlgn="auto" latinLnBrk="1" hangingPunct="1">
+                        <a:lnSpc>
+                          <a:spcPct val="100000"/>
+                        </a:lnSpc>
+                        <a:spcBef>
+                          <a:spcPts val="0"/>
+                        </a:spcBef>
+                        <a:spcAft>
+                          <a:spcPts val="0"/>
+                        </a:spcAft>
+                        <a:buClrTx/>
+                        <a:buSzTx/>
+                        <a:buFontTx/>
+                        <a:buNone/>
+                        <a:tabLst/>
+                        <a:defRPr/>
+                      </a:pPr>
+                      <a:r>
+                        <a:rPr lang="ko-KR" altLang="en-US" sz="2200" dirty="0">
+                          <a:ea typeface="G마켓 산스 Medium" panose="02000000000000000000"/>
+                        </a:rPr>
+                        <a:t>메서드</a:t>
+                      </a:r>
+                    </a:p>
+                    <a:p>
+                      <a:pPr latinLnBrk="1"/>
+                      <a:endParaRPr lang="ko-KR" altLang="en-US" sz="2200" dirty="0">
+                        <a:ea typeface="G마켓 산스 Medium" panose="02000000000000000000"/>
+                      </a:endParaRPr>
+                    </a:p>
+                  </a:txBody>
+                  <a:tcPr>
+                    <a:lnL w="12700" cap="flat" cmpd="sng" algn="ctr">
+                      <a:solidFill>
+                        <a:schemeClr val="tx1"/>
+                      </a:solidFill>
+                      <a:prstDash val="solid"/>
+                      <a:round/>
+                      <a:headEnd type="none" w="med" len="med"/>
+                      <a:tailEnd type="none" w="med" len="med"/>
+                    </a:lnL>
+                    <a:lnR w="12700" cap="flat" cmpd="sng" algn="ctr">
+                      <a:solidFill>
+                        <a:schemeClr val="tx1"/>
+                      </a:solidFill>
+                      <a:prstDash val="solid"/>
+                      <a:round/>
+                      <a:headEnd type="none" w="med" len="med"/>
+                      <a:tailEnd type="none" w="med" len="med"/>
+                    </a:lnR>
+                    <a:lnT w="12700" cap="flat" cmpd="sng" algn="ctr">
+                      <a:solidFill>
+                        <a:schemeClr val="tx1"/>
+                      </a:solidFill>
+                      <a:prstDash val="solid"/>
+                      <a:round/>
+                      <a:headEnd type="none" w="med" len="med"/>
+                      <a:tailEnd type="none" w="med" len="med"/>
+                    </a:lnT>
+                    <a:lnB w="12700" cap="flat" cmpd="sng" algn="ctr">
+                      <a:solidFill>
+                        <a:schemeClr val="tx1"/>
+                      </a:solidFill>
+                      <a:prstDash val="solid"/>
+                      <a:round/>
+                      <a:headEnd type="none" w="med" len="med"/>
+                      <a:tailEnd type="none" w="med" len="med"/>
+                    </a:lnB>
+                    <a:noFill/>
+                  </a:tcPr>
+                </a:tc>
+                <a:tc>
+                  <a:txBody>
+                    <a:bodyPr/>
+                    <a:lstStyle/>
+                    <a:p>
+                      <a:pPr latinLnBrk="1"/>
+                      <a:r>
+                        <a:rPr lang="en-US" altLang="ko-KR" sz="2200" dirty="0" err="1">
+                          <a:ea typeface="G마켓 산스 Medium" panose="02000000000000000000"/>
+                        </a:rPr>
+                        <a:t>getTotal</a:t>
+                      </a:r>
+                      <a:r>
+                        <a:rPr lang="en-US" altLang="ko-KR" sz="2200" dirty="0">
+                          <a:ea typeface="G마켓 산스 Medium" panose="02000000000000000000"/>
+                        </a:rPr>
+                        <a:t>()</a:t>
+                      </a:r>
+                      <a:endParaRPr lang="ko-KR" altLang="en-US" sz="2200" dirty="0">
+                        <a:ea typeface="G마켓 산스 Medium" panose="02000000000000000000"/>
+                      </a:endParaRPr>
+                    </a:p>
+                  </a:txBody>
+                  <a:tcPr>
+                    <a:lnL w="12700" cap="flat" cmpd="sng" algn="ctr">
+                      <a:solidFill>
+                        <a:schemeClr val="tx1"/>
+                      </a:solidFill>
+                      <a:prstDash val="solid"/>
+                      <a:round/>
+                      <a:headEnd type="none" w="med" len="med"/>
+                      <a:tailEnd type="none" w="med" len="med"/>
+                    </a:lnL>
+                    <a:lnR w="12700" cap="flat" cmpd="sng" algn="ctr">
+                      <a:solidFill>
+                        <a:schemeClr val="tx1"/>
+                      </a:solidFill>
+                      <a:prstDash val="solid"/>
+                      <a:round/>
+                      <a:headEnd type="none" w="med" len="med"/>
+                      <a:tailEnd type="none" w="med" len="med"/>
+                    </a:lnR>
+                    <a:lnT w="12700" cap="flat" cmpd="sng" algn="ctr">
+                      <a:solidFill>
+                        <a:schemeClr val="tx1"/>
+                      </a:solidFill>
+                      <a:prstDash val="solid"/>
+                      <a:round/>
+                      <a:headEnd type="none" w="med" len="med"/>
+                      <a:tailEnd type="none" w="med" len="med"/>
+                    </a:lnT>
+                    <a:lnB w="12700" cap="flat" cmpd="sng" algn="ctr">
+                      <a:solidFill>
+                        <a:schemeClr val="tx1"/>
+                      </a:solidFill>
+                      <a:prstDash val="solid"/>
+                      <a:round/>
+                      <a:headEnd type="none" w="med" len="med"/>
+                      <a:tailEnd type="none" w="med" len="med"/>
+                    </a:lnB>
+                    <a:noFill/>
+                  </a:tcPr>
+                </a:tc>
+                <a:tc>
+                  <a:txBody>
+                    <a:bodyPr/>
+                    <a:lstStyle/>
+                    <a:p>
+                      <a:pPr latinLnBrk="1"/>
+                      <a:r>
+                        <a:rPr lang="ko-KR" altLang="en-US" sz="2000" dirty="0">
+                          <a:ea typeface="G마켓 산스 Medium" panose="02000000000000000000"/>
+                        </a:rPr>
+                        <a:t>매개변수</a:t>
+                      </a:r>
+                      <a:r>
+                        <a:rPr lang="en-US" altLang="ko-KR" sz="2000" dirty="0">
+                          <a:ea typeface="G마켓 산스 Medium" panose="02000000000000000000"/>
+                        </a:rPr>
+                        <a:t>: </a:t>
+                      </a:r>
+                      <a:r>
+                        <a:rPr lang="ko-KR" altLang="en-US" sz="2000" dirty="0">
+                          <a:ea typeface="G마켓 산스 Medium" panose="02000000000000000000"/>
+                        </a:rPr>
+                        <a:t>없음</a:t>
+                      </a:r>
+                      <a:endParaRPr lang="en-US" altLang="ko-KR" sz="2000" dirty="0">
+                        <a:ea typeface="G마켓 산스 Medium" panose="02000000000000000000"/>
+                      </a:endParaRPr>
+                    </a:p>
+                    <a:p>
+                      <a:pPr latinLnBrk="1"/>
+                      <a:r>
+                        <a:rPr lang="ko-KR" altLang="en-US" sz="2000" dirty="0">
+                          <a:ea typeface="G마켓 산스 Medium" panose="02000000000000000000"/>
+                        </a:rPr>
+                        <a:t>리턴</a:t>
+                      </a:r>
+                      <a:r>
+                        <a:rPr lang="en-US" altLang="ko-KR" sz="2000" dirty="0">
+                          <a:ea typeface="G마켓 산스 Medium" panose="02000000000000000000"/>
+                        </a:rPr>
+                        <a:t>: </a:t>
+                      </a:r>
+                      <a:r>
+                        <a:rPr lang="ko-KR" altLang="en-US" sz="2000" dirty="0">
+                          <a:ea typeface="G마켓 산스 Medium" panose="02000000000000000000"/>
+                        </a:rPr>
+                        <a:t> 합계</a:t>
+                      </a:r>
+                    </a:p>
+                  </a:txBody>
+                  <a:tcPr>
+                    <a:lnL w="12700" cap="flat" cmpd="sng" algn="ctr">
+                      <a:solidFill>
+                        <a:schemeClr val="tx1"/>
+                      </a:solidFill>
+                      <a:prstDash val="solid"/>
+                      <a:round/>
+                      <a:headEnd type="none" w="med" len="med"/>
+                      <a:tailEnd type="none" w="med" len="med"/>
+                    </a:lnL>
+                    <a:lnR w="12700" cap="flat" cmpd="sng" algn="ctr">
+                      <a:solidFill>
+                        <a:schemeClr val="tx1"/>
+                      </a:solidFill>
+                      <a:prstDash val="solid"/>
+                      <a:round/>
+                      <a:headEnd type="none" w="med" len="med"/>
+                      <a:tailEnd type="none" w="med" len="med"/>
+                    </a:lnR>
+                    <a:lnT w="12700" cap="flat" cmpd="sng" algn="ctr">
+                      <a:solidFill>
+                        <a:schemeClr val="tx1"/>
+                      </a:solidFill>
+                      <a:prstDash val="solid"/>
+                      <a:round/>
+                      <a:headEnd type="none" w="med" len="med"/>
+                      <a:tailEnd type="none" w="med" len="med"/>
+                    </a:lnT>
+                    <a:lnB w="12700" cap="flat" cmpd="sng" algn="ctr">
+                      <a:solidFill>
+                        <a:schemeClr val="tx1"/>
+                      </a:solidFill>
+                      <a:prstDash val="solid"/>
+                      <a:round/>
+                      <a:headEnd type="none" w="med" len="med"/>
+                      <a:tailEnd type="none" w="med" len="med"/>
+                    </a:lnB>
+                    <a:noFill/>
+                  </a:tcPr>
+                </a:tc>
+                <a:extLst>
+                  <a:ext uri="{0D108BD9-81ED-4DB2-BD59-A6C34878D82A}">
+                    <a16:rowId xmlns="" xmlns:a16="http://schemas.microsoft.com/office/drawing/2014/main" val="2488866604"/>
+                  </a:ext>
+                </a:extLst>
+              </a:tr>
+              <a:tr h="370840">
+                <a:tc>
+                  <a:txBody>
+                    <a:bodyPr/>
+                    <a:lstStyle/>
+                    <a:p>
+                      <a:pPr latinLnBrk="1"/>
+                      <a:endParaRPr lang="ko-KR" altLang="en-US" sz="2200" dirty="0">
+                        <a:ea typeface="G마켓 산스 Medium" panose="02000000000000000000"/>
+                      </a:endParaRPr>
+                    </a:p>
+                  </a:txBody>
+                  <a:tcPr>
+                    <a:lnL w="12700" cap="flat" cmpd="sng" algn="ctr">
+                      <a:solidFill>
+                        <a:schemeClr val="tx1"/>
+                      </a:solidFill>
+                      <a:prstDash val="solid"/>
+                      <a:round/>
+                      <a:headEnd type="none" w="med" len="med"/>
+                      <a:tailEnd type="none" w="med" len="med"/>
+                    </a:lnL>
+                    <a:lnR w="12700" cap="flat" cmpd="sng" algn="ctr">
+                      <a:solidFill>
+                        <a:schemeClr val="tx1"/>
+                      </a:solidFill>
+                      <a:prstDash val="solid"/>
+                      <a:round/>
+                      <a:headEnd type="none" w="med" len="med"/>
+                      <a:tailEnd type="none" w="med" len="med"/>
+                    </a:lnR>
+                    <a:lnT w="12700" cap="flat" cmpd="sng" algn="ctr">
+                      <a:solidFill>
+                        <a:schemeClr val="tx1"/>
+                      </a:solidFill>
+                      <a:prstDash val="solid"/>
+                      <a:round/>
+                      <a:headEnd type="none" w="med" len="med"/>
+                      <a:tailEnd type="none" w="med" len="med"/>
+                    </a:lnT>
+                    <a:lnB w="12700" cap="flat" cmpd="sng" algn="ctr">
+                      <a:solidFill>
+                        <a:schemeClr val="tx1"/>
+                      </a:solidFill>
+                      <a:prstDash val="solid"/>
+                      <a:round/>
+                      <a:headEnd type="none" w="med" len="med"/>
+                      <a:tailEnd type="none" w="med" len="med"/>
+                    </a:lnB>
+                    <a:noFill/>
+                  </a:tcPr>
+                </a:tc>
+                <a:tc>
+                  <a:txBody>
+                    <a:bodyPr/>
+                    <a:lstStyle/>
+                    <a:p>
+                      <a:pPr latinLnBrk="1"/>
+                      <a:r>
+                        <a:rPr lang="en-US" altLang="ko-KR" sz="2200" dirty="0" err="1">
+                          <a:ea typeface="G마켓 산스 Medium" panose="02000000000000000000"/>
+                        </a:rPr>
+                        <a:t>getAverage</a:t>
+                      </a:r>
+                      <a:r>
+                        <a:rPr lang="en-US" altLang="ko-KR" sz="2200" dirty="0">
+                          <a:ea typeface="G마켓 산스 Medium" panose="02000000000000000000"/>
+                        </a:rPr>
+                        <a:t>()</a:t>
                       </a:r>
                       <a:endParaRPr lang="ko-KR" altLang="en-US" sz="2200" dirty="0">
                         <a:ea typeface="G마켓 산스 Medium" panose="02000000000000000000"/>
@@ -7170,7 +7934,7 @@
                         <a:rPr lang="ko-KR" altLang="en-US" sz="2000" dirty="0">
                           <a:ea typeface="G마켓 산스 Medium" panose="02000000000000000000"/>
                         </a:rPr>
-                        <a:t>더하기 결과</a:t>
+                        <a:t>평균</a:t>
                       </a:r>
                     </a:p>
                   </a:txBody>
@@ -7216,658 +7980,7 @@
                 </a:tc>
                 <a:extLst>
                   <a:ext uri="{0D108BD9-81ED-4DB2-BD59-A6C34878D82A}">
-                    <a16:rowId xmlns:a16="http://schemas.microsoft.com/office/drawing/2014/main" val="3645064171"/>
-                  </a:ext>
-                </a:extLst>
-              </a:tr>
-              <a:tr h="370840">
-                <a:tc>
-                  <a:txBody>
-                    <a:bodyPr/>
-                    <a:lstStyle/>
-                    <a:p>
-                      <a:pPr latinLnBrk="1"/>
-                      <a:endParaRPr lang="ko-KR" altLang="en-US" sz="2200" dirty="0">
-                        <a:ea typeface="G마켓 산스 Medium" panose="02000000000000000000"/>
-                      </a:endParaRPr>
-                    </a:p>
-                  </a:txBody>
-                  <a:tcPr>
-                    <a:lnL w="12700" cap="flat" cmpd="sng" algn="ctr">
-                      <a:solidFill>
-                        <a:schemeClr val="tx1"/>
-                      </a:solidFill>
-                      <a:prstDash val="solid"/>
-                      <a:round/>
-                      <a:headEnd type="none" w="med" len="med"/>
-                      <a:tailEnd type="none" w="med" len="med"/>
-                    </a:lnL>
-                    <a:lnR w="12700" cap="flat" cmpd="sng" algn="ctr">
-                      <a:solidFill>
-                        <a:schemeClr val="tx1"/>
-                      </a:solidFill>
-                      <a:prstDash val="solid"/>
-                      <a:round/>
-                      <a:headEnd type="none" w="med" len="med"/>
-                      <a:tailEnd type="none" w="med" len="med"/>
-                    </a:lnR>
-                    <a:lnT w="12700" cap="flat" cmpd="sng" algn="ctr">
-                      <a:solidFill>
-                        <a:schemeClr val="tx1"/>
-                      </a:solidFill>
-                      <a:prstDash val="solid"/>
-                      <a:round/>
-                      <a:headEnd type="none" w="med" len="med"/>
-                      <a:tailEnd type="none" w="med" len="med"/>
-                    </a:lnT>
-                    <a:lnB w="12700" cap="flat" cmpd="sng" algn="ctr">
-                      <a:solidFill>
-                        <a:schemeClr val="tx1"/>
-                      </a:solidFill>
-                      <a:prstDash val="solid"/>
-                      <a:round/>
-                      <a:headEnd type="none" w="med" len="med"/>
-                      <a:tailEnd type="none" w="med" len="med"/>
-                    </a:lnB>
-                    <a:noFill/>
-                  </a:tcPr>
-                </a:tc>
-                <a:tc>
-                  <a:txBody>
-                    <a:bodyPr/>
-                    <a:lstStyle/>
-                    <a:p>
-                      <a:pPr latinLnBrk="1"/>
-                      <a:r>
-                        <a:rPr lang="en-US" altLang="ko-KR" sz="2200" dirty="0">
-                          <a:ea typeface="G마켓 산스 Medium" panose="02000000000000000000"/>
-                        </a:rPr>
-                        <a:t>subtract()</a:t>
-                      </a:r>
-                      <a:endParaRPr lang="ko-KR" altLang="en-US" sz="2200" dirty="0">
-                        <a:ea typeface="G마켓 산스 Medium" panose="02000000000000000000"/>
-                      </a:endParaRPr>
-                    </a:p>
-                  </a:txBody>
-                  <a:tcPr>
-                    <a:lnL w="12700" cap="flat" cmpd="sng" algn="ctr">
-                      <a:solidFill>
-                        <a:schemeClr val="tx1"/>
-                      </a:solidFill>
-                      <a:prstDash val="solid"/>
-                      <a:round/>
-                      <a:headEnd type="none" w="med" len="med"/>
-                      <a:tailEnd type="none" w="med" len="med"/>
-                    </a:lnL>
-                    <a:lnR w="12700" cap="flat" cmpd="sng" algn="ctr">
-                      <a:solidFill>
-                        <a:schemeClr val="tx1"/>
-                      </a:solidFill>
-                      <a:prstDash val="solid"/>
-                      <a:round/>
-                      <a:headEnd type="none" w="med" len="med"/>
-                      <a:tailEnd type="none" w="med" len="med"/>
-                    </a:lnR>
-                    <a:lnT w="12700" cap="flat" cmpd="sng" algn="ctr">
-                      <a:solidFill>
-                        <a:schemeClr val="tx1"/>
-                      </a:solidFill>
-                      <a:prstDash val="solid"/>
-                      <a:round/>
-                      <a:headEnd type="none" w="med" len="med"/>
-                      <a:tailEnd type="none" w="med" len="med"/>
-                    </a:lnT>
-                    <a:lnB w="12700" cap="flat" cmpd="sng" algn="ctr">
-                      <a:solidFill>
-                        <a:schemeClr val="tx1"/>
-                      </a:solidFill>
-                      <a:prstDash val="solid"/>
-                      <a:round/>
-                      <a:headEnd type="none" w="med" len="med"/>
-                      <a:tailEnd type="none" w="med" len="med"/>
-                    </a:lnB>
-                    <a:noFill/>
-                  </a:tcPr>
-                </a:tc>
-                <a:tc>
-                  <a:txBody>
-                    <a:bodyPr/>
-                    <a:lstStyle/>
-                    <a:p>
-                      <a:pPr latinLnBrk="1"/>
-                      <a:r>
-                        <a:rPr lang="ko-KR" altLang="en-US" sz="2000" dirty="0">
-                          <a:ea typeface="G마켓 산스 Medium" panose="02000000000000000000"/>
-                        </a:rPr>
-                        <a:t>매개변수</a:t>
-                      </a:r>
-                      <a:r>
-                        <a:rPr lang="en-US" altLang="ko-KR" sz="2000" dirty="0">
-                          <a:ea typeface="G마켓 산스 Medium" panose="02000000000000000000"/>
-                        </a:rPr>
-                        <a:t>:int</a:t>
-                      </a:r>
-                      <a:r>
-                        <a:rPr lang="ko-KR" altLang="en-US" sz="2000" dirty="0">
-                          <a:ea typeface="G마켓 산스 Medium" panose="02000000000000000000"/>
-                        </a:rPr>
-                        <a:t> </a:t>
-                      </a:r>
-                      <a:r>
-                        <a:rPr lang="en-US" altLang="ko-KR" sz="2000" dirty="0">
-                          <a:ea typeface="G마켓 산스 Medium" panose="02000000000000000000"/>
-                        </a:rPr>
-                        <a:t>2</a:t>
-                      </a:r>
-                      <a:r>
-                        <a:rPr lang="ko-KR" altLang="en-US" sz="2000" dirty="0">
-                          <a:ea typeface="G마켓 산스 Medium" panose="02000000000000000000"/>
-                        </a:rPr>
-                        <a:t>개</a:t>
-                      </a:r>
-                      <a:endParaRPr lang="en-US" altLang="ko-KR" sz="2000" dirty="0">
-                        <a:ea typeface="G마켓 산스 Medium" panose="02000000000000000000"/>
-                      </a:endParaRPr>
-                    </a:p>
-                    <a:p>
-                      <a:pPr latinLnBrk="1"/>
-                      <a:r>
-                        <a:rPr lang="ko-KR" altLang="en-US" sz="2000" dirty="0">
-                          <a:ea typeface="G마켓 산스 Medium" panose="02000000000000000000"/>
-                        </a:rPr>
-                        <a:t>리턴</a:t>
-                      </a:r>
-                      <a:r>
-                        <a:rPr lang="en-US" altLang="ko-KR" sz="2000" dirty="0">
-                          <a:ea typeface="G마켓 산스 Medium" panose="02000000000000000000"/>
-                        </a:rPr>
-                        <a:t>: </a:t>
-                      </a:r>
-                      <a:r>
-                        <a:rPr lang="ko-KR" altLang="en-US" sz="2000" dirty="0">
-                          <a:ea typeface="G마켓 산스 Medium" panose="02000000000000000000"/>
-                        </a:rPr>
-                        <a:t>빼기 결과</a:t>
-                      </a:r>
-                    </a:p>
-                  </a:txBody>
-                  <a:tcPr>
-                    <a:lnL w="12700" cap="flat" cmpd="sng" algn="ctr">
-                      <a:solidFill>
-                        <a:schemeClr val="tx1"/>
-                      </a:solidFill>
-                      <a:prstDash val="solid"/>
-                      <a:round/>
-                      <a:headEnd type="none" w="med" len="med"/>
-                      <a:tailEnd type="none" w="med" len="med"/>
-                    </a:lnL>
-                    <a:lnR w="12700" cap="flat" cmpd="sng" algn="ctr">
-                      <a:solidFill>
-                        <a:schemeClr val="tx1"/>
-                      </a:solidFill>
-                      <a:prstDash val="solid"/>
-                      <a:round/>
-                      <a:headEnd type="none" w="med" len="med"/>
-                      <a:tailEnd type="none" w="med" len="med"/>
-                    </a:lnR>
-                    <a:lnT w="12700" cap="flat" cmpd="sng" algn="ctr">
-                      <a:solidFill>
-                        <a:schemeClr val="tx1"/>
-                      </a:solidFill>
-                      <a:prstDash val="solid"/>
-                      <a:round/>
-                      <a:headEnd type="none" w="med" len="med"/>
-                      <a:tailEnd type="none" w="med" len="med"/>
-                    </a:lnT>
-                    <a:lnB w="12700" cap="flat" cmpd="sng" algn="ctr">
-                      <a:solidFill>
-                        <a:schemeClr val="tx1"/>
-                      </a:solidFill>
-                      <a:prstDash val="solid"/>
-                      <a:round/>
-                      <a:headEnd type="none" w="med" len="med"/>
-                      <a:tailEnd type="none" w="med" len="med"/>
-                    </a:lnB>
-                    <a:noFill/>
-                  </a:tcPr>
-                </a:tc>
-                <a:extLst>
-                  <a:ext uri="{0D108BD9-81ED-4DB2-BD59-A6C34878D82A}">
-                    <a16:rowId xmlns:a16="http://schemas.microsoft.com/office/drawing/2014/main" val="1362299918"/>
-                  </a:ext>
-                </a:extLst>
-              </a:tr>
-              <a:tr h="370840">
-                <a:tc>
-                  <a:txBody>
-                    <a:bodyPr/>
-                    <a:lstStyle/>
-                    <a:p>
-                      <a:pPr latinLnBrk="1"/>
-                      <a:endParaRPr lang="ko-KR" altLang="en-US" sz="2200" dirty="0">
-                        <a:ea typeface="G마켓 산스 Medium" panose="02000000000000000000"/>
-                      </a:endParaRPr>
-                    </a:p>
-                  </a:txBody>
-                  <a:tcPr>
-                    <a:lnL w="12700" cap="flat" cmpd="sng" algn="ctr">
-                      <a:solidFill>
-                        <a:schemeClr val="tx1"/>
-                      </a:solidFill>
-                      <a:prstDash val="solid"/>
-                      <a:round/>
-                      <a:headEnd type="none" w="med" len="med"/>
-                      <a:tailEnd type="none" w="med" len="med"/>
-                    </a:lnL>
-                    <a:lnR w="12700" cap="flat" cmpd="sng" algn="ctr">
-                      <a:solidFill>
-                        <a:schemeClr val="tx1"/>
-                      </a:solidFill>
-                      <a:prstDash val="solid"/>
-                      <a:round/>
-                      <a:headEnd type="none" w="med" len="med"/>
-                      <a:tailEnd type="none" w="med" len="med"/>
-                    </a:lnR>
-                    <a:lnT w="12700" cap="flat" cmpd="sng" algn="ctr">
-                      <a:solidFill>
-                        <a:schemeClr val="tx1"/>
-                      </a:solidFill>
-                      <a:prstDash val="solid"/>
-                      <a:round/>
-                      <a:headEnd type="none" w="med" len="med"/>
-                      <a:tailEnd type="none" w="med" len="med"/>
-                    </a:lnT>
-                    <a:lnB w="12700" cap="flat" cmpd="sng" algn="ctr">
-                      <a:solidFill>
-                        <a:schemeClr val="tx1"/>
-                      </a:solidFill>
-                      <a:prstDash val="solid"/>
-                      <a:round/>
-                      <a:headEnd type="none" w="med" len="med"/>
-                      <a:tailEnd type="none" w="med" len="med"/>
-                    </a:lnB>
-                    <a:noFill/>
-                  </a:tcPr>
-                </a:tc>
-                <a:tc>
-                  <a:txBody>
-                    <a:bodyPr/>
-                    <a:lstStyle/>
-                    <a:p>
-                      <a:pPr latinLnBrk="1"/>
-                      <a:r>
-                        <a:rPr lang="en-US" altLang="ko-KR" sz="2200" dirty="0">
-                          <a:ea typeface="G마켓 산스 Medium" panose="02000000000000000000"/>
-                        </a:rPr>
-                        <a:t>multiply()</a:t>
-                      </a:r>
-                      <a:endParaRPr lang="ko-KR" altLang="en-US" sz="2200" dirty="0">
-                        <a:ea typeface="G마켓 산스 Medium" panose="02000000000000000000"/>
-                      </a:endParaRPr>
-                    </a:p>
-                  </a:txBody>
-                  <a:tcPr>
-                    <a:lnL w="12700" cap="flat" cmpd="sng" algn="ctr">
-                      <a:solidFill>
-                        <a:schemeClr val="tx1"/>
-                      </a:solidFill>
-                      <a:prstDash val="solid"/>
-                      <a:round/>
-                      <a:headEnd type="none" w="med" len="med"/>
-                      <a:tailEnd type="none" w="med" len="med"/>
-                    </a:lnL>
-                    <a:lnR w="12700" cap="flat" cmpd="sng" algn="ctr">
-                      <a:solidFill>
-                        <a:schemeClr val="tx1"/>
-                      </a:solidFill>
-                      <a:prstDash val="solid"/>
-                      <a:round/>
-                      <a:headEnd type="none" w="med" len="med"/>
-                      <a:tailEnd type="none" w="med" len="med"/>
-                    </a:lnR>
-                    <a:lnT w="12700" cap="flat" cmpd="sng" algn="ctr">
-                      <a:solidFill>
-                        <a:schemeClr val="tx1"/>
-                      </a:solidFill>
-                      <a:prstDash val="solid"/>
-                      <a:round/>
-                      <a:headEnd type="none" w="med" len="med"/>
-                      <a:tailEnd type="none" w="med" len="med"/>
-                    </a:lnT>
-                    <a:lnB w="12700" cap="flat" cmpd="sng" algn="ctr">
-                      <a:solidFill>
-                        <a:schemeClr val="tx1"/>
-                      </a:solidFill>
-                      <a:prstDash val="solid"/>
-                      <a:round/>
-                      <a:headEnd type="none" w="med" len="med"/>
-                      <a:tailEnd type="none" w="med" len="med"/>
-                    </a:lnB>
-                    <a:noFill/>
-                  </a:tcPr>
-                </a:tc>
-                <a:tc>
-                  <a:txBody>
-                    <a:bodyPr/>
-                    <a:lstStyle/>
-                    <a:p>
-                      <a:pPr latinLnBrk="1"/>
-                      <a:r>
-                        <a:rPr lang="ko-KR" altLang="en-US" sz="2000" dirty="0">
-                          <a:ea typeface="G마켓 산스 Medium" panose="02000000000000000000"/>
-                        </a:rPr>
-                        <a:t>매개변수</a:t>
-                      </a:r>
-                      <a:r>
-                        <a:rPr lang="en-US" altLang="ko-KR" sz="2000" dirty="0">
-                          <a:ea typeface="G마켓 산스 Medium" panose="02000000000000000000"/>
-                        </a:rPr>
-                        <a:t>:int</a:t>
-                      </a:r>
-                      <a:r>
-                        <a:rPr lang="ko-KR" altLang="en-US" sz="2000" dirty="0">
-                          <a:ea typeface="G마켓 산스 Medium" panose="02000000000000000000"/>
-                        </a:rPr>
-                        <a:t> </a:t>
-                      </a:r>
-                      <a:r>
-                        <a:rPr lang="en-US" altLang="ko-KR" sz="2000" dirty="0">
-                          <a:ea typeface="G마켓 산스 Medium" panose="02000000000000000000"/>
-                        </a:rPr>
-                        <a:t>2</a:t>
-                      </a:r>
-                      <a:r>
-                        <a:rPr lang="ko-KR" altLang="en-US" sz="2000" dirty="0">
-                          <a:ea typeface="G마켓 산스 Medium" panose="02000000000000000000"/>
-                        </a:rPr>
-                        <a:t>개</a:t>
-                      </a:r>
-                      <a:endParaRPr lang="en-US" altLang="ko-KR" sz="2000" dirty="0">
-                        <a:ea typeface="G마켓 산스 Medium" panose="02000000000000000000"/>
-                      </a:endParaRPr>
-                    </a:p>
-                    <a:p>
-                      <a:pPr latinLnBrk="1"/>
-                      <a:r>
-                        <a:rPr lang="ko-KR" altLang="en-US" sz="2000" dirty="0">
-                          <a:ea typeface="G마켓 산스 Medium" panose="02000000000000000000"/>
-                        </a:rPr>
-                        <a:t>리턴</a:t>
-                      </a:r>
-                      <a:r>
-                        <a:rPr lang="en-US" altLang="ko-KR" sz="2000" dirty="0">
-                          <a:ea typeface="G마켓 산스 Medium" panose="02000000000000000000"/>
-                        </a:rPr>
-                        <a:t>: </a:t>
-                      </a:r>
-                      <a:r>
-                        <a:rPr lang="ko-KR" altLang="en-US" sz="2000" dirty="0">
-                          <a:ea typeface="G마켓 산스 Medium" panose="02000000000000000000"/>
-                        </a:rPr>
-                        <a:t>곱하기 결과</a:t>
-                      </a:r>
-                    </a:p>
-                  </a:txBody>
-                  <a:tcPr>
-                    <a:lnL w="12700" cap="flat" cmpd="sng" algn="ctr">
-                      <a:solidFill>
-                        <a:schemeClr val="tx1"/>
-                      </a:solidFill>
-                      <a:prstDash val="solid"/>
-                      <a:round/>
-                      <a:headEnd type="none" w="med" len="med"/>
-                      <a:tailEnd type="none" w="med" len="med"/>
-                    </a:lnL>
-                    <a:lnR w="12700" cap="flat" cmpd="sng" algn="ctr">
-                      <a:solidFill>
-                        <a:schemeClr val="tx1"/>
-                      </a:solidFill>
-                      <a:prstDash val="solid"/>
-                      <a:round/>
-                      <a:headEnd type="none" w="med" len="med"/>
-                      <a:tailEnd type="none" w="med" len="med"/>
-                    </a:lnR>
-                    <a:lnT w="12700" cap="flat" cmpd="sng" algn="ctr">
-                      <a:solidFill>
-                        <a:schemeClr val="tx1"/>
-                      </a:solidFill>
-                      <a:prstDash val="solid"/>
-                      <a:round/>
-                      <a:headEnd type="none" w="med" len="med"/>
-                      <a:tailEnd type="none" w="med" len="med"/>
-                    </a:lnT>
-                    <a:lnB w="12700" cap="flat" cmpd="sng" algn="ctr">
-                      <a:solidFill>
-                        <a:schemeClr val="tx1"/>
-                      </a:solidFill>
-                      <a:prstDash val="solid"/>
-                      <a:round/>
-                      <a:headEnd type="none" w="med" len="med"/>
-                      <a:tailEnd type="none" w="med" len="med"/>
-                    </a:lnB>
-                    <a:noFill/>
-                  </a:tcPr>
-                </a:tc>
-                <a:extLst>
-                  <a:ext uri="{0D108BD9-81ED-4DB2-BD59-A6C34878D82A}">
-                    <a16:rowId xmlns:a16="http://schemas.microsoft.com/office/drawing/2014/main" val="2488866604"/>
-                  </a:ext>
-                </a:extLst>
-              </a:tr>
-              <a:tr h="370840">
-                <a:tc>
-                  <a:txBody>
-                    <a:bodyPr/>
-                    <a:lstStyle/>
-                    <a:p>
-                      <a:pPr latinLnBrk="1"/>
-                      <a:endParaRPr lang="ko-KR" altLang="en-US" sz="2200" dirty="0">
-                        <a:ea typeface="G마켓 산스 Medium" panose="02000000000000000000"/>
-                      </a:endParaRPr>
-                    </a:p>
-                  </a:txBody>
-                  <a:tcPr>
-                    <a:lnL w="12700" cap="flat" cmpd="sng" algn="ctr">
-                      <a:solidFill>
-                        <a:schemeClr val="tx1"/>
-                      </a:solidFill>
-                      <a:prstDash val="solid"/>
-                      <a:round/>
-                      <a:headEnd type="none" w="med" len="med"/>
-                      <a:tailEnd type="none" w="med" len="med"/>
-                    </a:lnL>
-                    <a:lnR w="12700" cap="flat" cmpd="sng" algn="ctr">
-                      <a:solidFill>
-                        <a:schemeClr val="tx1"/>
-                      </a:solidFill>
-                      <a:prstDash val="solid"/>
-                      <a:round/>
-                      <a:headEnd type="none" w="med" len="med"/>
-                      <a:tailEnd type="none" w="med" len="med"/>
-                    </a:lnR>
-                    <a:lnT w="12700" cap="flat" cmpd="sng" algn="ctr">
-                      <a:solidFill>
-                        <a:schemeClr val="tx1"/>
-                      </a:solidFill>
-                      <a:prstDash val="solid"/>
-                      <a:round/>
-                      <a:headEnd type="none" w="med" len="med"/>
-                      <a:tailEnd type="none" w="med" len="med"/>
-                    </a:lnT>
-                    <a:lnB w="12700" cap="flat" cmpd="sng" algn="ctr">
-                      <a:solidFill>
-                        <a:schemeClr val="tx1"/>
-                      </a:solidFill>
-                      <a:prstDash val="solid"/>
-                      <a:round/>
-                      <a:headEnd type="none" w="med" len="med"/>
-                      <a:tailEnd type="none" w="med" len="med"/>
-                    </a:lnB>
-                    <a:noFill/>
-                  </a:tcPr>
-                </a:tc>
-                <a:tc>
-                  <a:txBody>
-                    <a:bodyPr/>
-                    <a:lstStyle/>
-                    <a:p>
-                      <a:pPr latinLnBrk="1"/>
-                      <a:r>
-                        <a:rPr lang="en-US" altLang="ko-KR" sz="2200" dirty="0">
-                          <a:ea typeface="G마켓 산스 Medium" panose="02000000000000000000"/>
-                        </a:rPr>
-                        <a:t>divide()</a:t>
-                      </a:r>
-                      <a:endParaRPr lang="ko-KR" altLang="en-US" sz="2200" dirty="0">
-                        <a:ea typeface="G마켓 산스 Medium" panose="02000000000000000000"/>
-                      </a:endParaRPr>
-                    </a:p>
-                  </a:txBody>
-                  <a:tcPr>
-                    <a:lnL w="12700" cap="flat" cmpd="sng" algn="ctr">
-                      <a:solidFill>
-                        <a:schemeClr val="tx1"/>
-                      </a:solidFill>
-                      <a:prstDash val="solid"/>
-                      <a:round/>
-                      <a:headEnd type="none" w="med" len="med"/>
-                      <a:tailEnd type="none" w="med" len="med"/>
-                    </a:lnL>
-                    <a:lnR w="12700" cap="flat" cmpd="sng" algn="ctr">
-                      <a:solidFill>
-                        <a:schemeClr val="tx1"/>
-                      </a:solidFill>
-                      <a:prstDash val="solid"/>
-                      <a:round/>
-                      <a:headEnd type="none" w="med" len="med"/>
-                      <a:tailEnd type="none" w="med" len="med"/>
-                    </a:lnR>
-                    <a:lnT w="12700" cap="flat" cmpd="sng" algn="ctr">
-                      <a:solidFill>
-                        <a:schemeClr val="tx1"/>
-                      </a:solidFill>
-                      <a:prstDash val="solid"/>
-                      <a:round/>
-                      <a:headEnd type="none" w="med" len="med"/>
-                      <a:tailEnd type="none" w="med" len="med"/>
-                    </a:lnT>
-                    <a:lnB w="12700" cap="flat" cmpd="sng" algn="ctr">
-                      <a:solidFill>
-                        <a:schemeClr val="tx1"/>
-                      </a:solidFill>
-                      <a:prstDash val="solid"/>
-                      <a:round/>
-                      <a:headEnd type="none" w="med" len="med"/>
-                      <a:tailEnd type="none" w="med" len="med"/>
-                    </a:lnB>
-                    <a:noFill/>
-                  </a:tcPr>
-                </a:tc>
-                <a:tc>
-                  <a:txBody>
-                    <a:bodyPr/>
-                    <a:lstStyle/>
-                    <a:p>
-                      <a:pPr latinLnBrk="1"/>
-                      <a:r>
-                        <a:rPr lang="ko-KR" altLang="en-US" sz="2000" dirty="0">
-                          <a:ea typeface="G마켓 산스 Medium" panose="02000000000000000000"/>
-                        </a:rPr>
-                        <a:t>매개변수</a:t>
-                      </a:r>
-                      <a:r>
-                        <a:rPr lang="en-US" altLang="ko-KR" sz="2000" dirty="0">
-                          <a:ea typeface="G마켓 산스 Medium" panose="02000000000000000000"/>
-                        </a:rPr>
-                        <a:t>:int</a:t>
-                      </a:r>
-                      <a:r>
-                        <a:rPr lang="ko-KR" altLang="en-US" sz="2000" dirty="0">
-                          <a:ea typeface="G마켓 산스 Medium" panose="02000000000000000000"/>
-                        </a:rPr>
-                        <a:t> </a:t>
-                      </a:r>
-                      <a:r>
-                        <a:rPr lang="en-US" altLang="ko-KR" sz="2000" dirty="0">
-                          <a:ea typeface="G마켓 산스 Medium" panose="02000000000000000000"/>
-                        </a:rPr>
-                        <a:t>2</a:t>
-                      </a:r>
-                      <a:r>
-                        <a:rPr lang="ko-KR" altLang="en-US" sz="2000" dirty="0">
-                          <a:ea typeface="G마켓 산스 Medium" panose="02000000000000000000"/>
-                        </a:rPr>
-                        <a:t>개</a:t>
-                      </a:r>
-                      <a:endParaRPr lang="en-US" altLang="ko-KR" sz="2000" dirty="0">
-                        <a:ea typeface="G마켓 산스 Medium" panose="02000000000000000000"/>
-                      </a:endParaRPr>
-                    </a:p>
-                    <a:p>
-                      <a:pPr latinLnBrk="1"/>
-                      <a:r>
-                        <a:rPr lang="ko-KR" altLang="en-US" sz="2000" dirty="0">
-                          <a:ea typeface="G마켓 산스 Medium" panose="02000000000000000000"/>
-                        </a:rPr>
-                        <a:t>리턴</a:t>
-                      </a:r>
-                      <a:r>
-                        <a:rPr lang="en-US" altLang="ko-KR" sz="2000" dirty="0">
-                          <a:ea typeface="G마켓 산스 Medium" panose="02000000000000000000"/>
-                        </a:rPr>
-                        <a:t>: </a:t>
-                      </a:r>
-                      <a:r>
-                        <a:rPr lang="ko-KR" altLang="en-US" sz="2000" dirty="0">
-                          <a:ea typeface="G마켓 산스 Medium" panose="02000000000000000000"/>
-                        </a:rPr>
-                        <a:t>나누기 결과</a:t>
-                      </a:r>
-                    </a:p>
-                  </a:txBody>
-                  <a:tcPr>
-                    <a:lnL w="12700" cap="flat" cmpd="sng" algn="ctr">
-                      <a:solidFill>
-                        <a:schemeClr val="tx1"/>
-                      </a:solidFill>
-                      <a:prstDash val="solid"/>
-                      <a:round/>
-                      <a:headEnd type="none" w="med" len="med"/>
-                      <a:tailEnd type="none" w="med" len="med"/>
-                    </a:lnL>
-                    <a:lnR w="12700" cap="flat" cmpd="sng" algn="ctr">
-                      <a:solidFill>
-                        <a:schemeClr val="tx1"/>
-                      </a:solidFill>
-                      <a:prstDash val="solid"/>
-                      <a:round/>
-                      <a:headEnd type="none" w="med" len="med"/>
-                      <a:tailEnd type="none" w="med" len="med"/>
-                    </a:lnR>
-                    <a:lnT w="12700" cap="flat" cmpd="sng" algn="ctr">
-                      <a:solidFill>
-                        <a:schemeClr val="tx1"/>
-                      </a:solidFill>
-                      <a:prstDash val="solid"/>
-                      <a:round/>
-                      <a:headEnd type="none" w="med" len="med"/>
-                      <a:tailEnd type="none" w="med" len="med"/>
-                    </a:lnT>
-                    <a:lnB w="12700" cap="flat" cmpd="sng" algn="ctr">
-                      <a:solidFill>
-                        <a:schemeClr val="tx1"/>
-                      </a:solidFill>
-                      <a:prstDash val="solid"/>
-                      <a:round/>
-                      <a:headEnd type="none" w="med" len="med"/>
-                      <a:tailEnd type="none" w="med" len="med"/>
-                    </a:lnB>
-                    <a:noFill/>
-                  </a:tcPr>
-                </a:tc>
-                <a:extLst>
-                  <a:ext uri="{0D108BD9-81ED-4DB2-BD59-A6C34878D82A}">
-                    <a16:rowId xmlns:a16="http://schemas.microsoft.com/office/drawing/2014/main" val="2632365449"/>
+                    <a16:rowId xmlns="" xmlns:a16="http://schemas.microsoft.com/office/drawing/2014/main" val="2632365449"/>
                   </a:ext>
                 </a:extLst>
               </a:tr>

--- a/JavaLecture/LectureFile/샘플.pptx
+++ b/JavaLecture/LectureFile/샘플.pptx
@@ -18,14 +18,15 @@
     <p:sldId id="265" r:id="rId12"/>
     <p:sldId id="266" r:id="rId13"/>
     <p:sldId id="267" r:id="rId14"/>
-    <p:sldId id="268" r:id="rId15"/>
-    <p:sldId id="269" r:id="rId16"/>
-    <p:sldId id="270" r:id="rId17"/>
-    <p:sldId id="271" r:id="rId18"/>
-    <p:sldId id="272" r:id="rId19"/>
-    <p:sldId id="273" r:id="rId20"/>
-    <p:sldId id="274" r:id="rId21"/>
-    <p:sldId id="275" r:id="rId22"/>
+    <p:sldId id="277" r:id="rId15"/>
+    <p:sldId id="268" r:id="rId16"/>
+    <p:sldId id="269" r:id="rId17"/>
+    <p:sldId id="270" r:id="rId18"/>
+    <p:sldId id="271" r:id="rId19"/>
+    <p:sldId id="272" r:id="rId20"/>
+    <p:sldId id="273" r:id="rId21"/>
+    <p:sldId id="274" r:id="rId22"/>
+    <p:sldId id="275" r:id="rId23"/>
   </p:sldIdLst>
   <p:sldSz cx="18288000" cy="10287000"/>
   <p:notesSz cx="10287000" cy="18288000"/>
@@ -322,7 +323,7 @@
           <a:p>
             <a:fld id="{F8166F1F-CE9B-4651-A6AA-CD717754106B}" type="datetimeFigureOut">
               <a:rPr lang="en-US" smtClean="0"/>
-              <a:t>2/2/2023</a:t>
+              <a:t>2/4/2023</a:t>
             </a:fld>
             <a:endParaRPr lang="en-US"/>
           </a:p>
@@ -485,7 +486,7 @@
           <a:p>
             <a:fld id="{A76116CE-C4A3-4A05-B2D7-7C2E9A889C0F}" type="datetimeFigureOut">
               <a:rPr lang="en-US" smtClean="0"/>
-              <a:t>2/2/2023</a:t>
+              <a:t>2/4/2023</a:t>
             </a:fld>
             <a:endParaRPr lang="en-US"/>
           </a:p>
@@ -658,7 +659,7 @@
           <a:p>
             <a:fld id="{A76116CE-C4A3-4A05-B2D7-7C2E9A889C0F}" type="datetimeFigureOut">
               <a:rPr lang="en-US" smtClean="0"/>
-              <a:t>2/2/2023</a:t>
+              <a:t>2/4/2023</a:t>
             </a:fld>
             <a:endParaRPr lang="en-US"/>
           </a:p>
@@ -823,7 +824,7 @@
           <a:p>
             <a:fld id="{A76116CE-C4A3-4A05-B2D7-7C2E9A889C0F}" type="datetimeFigureOut">
               <a:rPr lang="en-US" smtClean="0"/>
-              <a:t>2/2/2023</a:t>
+              <a:t>2/4/2023</a:t>
             </a:fld>
             <a:endParaRPr lang="en-US"/>
           </a:p>
@@ -1063,7 +1064,7 @@
           <a:p>
             <a:fld id="{A76116CE-C4A3-4A05-B2D7-7C2E9A889C0F}" type="datetimeFigureOut">
               <a:rPr lang="en-US" smtClean="0"/>
-              <a:t>2/2/2023</a:t>
+              <a:t>2/4/2023</a:t>
             </a:fld>
             <a:endParaRPr lang="en-US"/>
           </a:p>
@@ -1343,7 +1344,7 @@
           <a:p>
             <a:fld id="{A76116CE-C4A3-4A05-B2D7-7C2E9A889C0F}" type="datetimeFigureOut">
               <a:rPr lang="en-US" smtClean="0"/>
-              <a:t>2/2/2023</a:t>
+              <a:t>2/4/2023</a:t>
             </a:fld>
             <a:endParaRPr lang="en-US"/>
           </a:p>
@@ -1757,7 +1758,7 @@
           <a:p>
             <a:fld id="{A76116CE-C4A3-4A05-B2D7-7C2E9A889C0F}" type="datetimeFigureOut">
               <a:rPr lang="en-US" smtClean="0"/>
-              <a:t>2/2/2023</a:t>
+              <a:t>2/4/2023</a:t>
             </a:fld>
             <a:endParaRPr lang="en-US"/>
           </a:p>
@@ -1869,7 +1870,7 @@
           <a:p>
             <a:fld id="{A76116CE-C4A3-4A05-B2D7-7C2E9A889C0F}" type="datetimeFigureOut">
               <a:rPr lang="en-US" smtClean="0"/>
-              <a:t>2/2/2023</a:t>
+              <a:t>2/4/2023</a:t>
             </a:fld>
             <a:endParaRPr lang="en-US"/>
           </a:p>
@@ -1959,7 +1960,7 @@
           <a:p>
             <a:fld id="{A76116CE-C4A3-4A05-B2D7-7C2E9A889C0F}" type="datetimeFigureOut">
               <a:rPr lang="en-US" smtClean="0"/>
-              <a:t>2/2/2023</a:t>
+              <a:t>2/4/2023</a:t>
             </a:fld>
             <a:endParaRPr lang="en-US"/>
           </a:p>
@@ -2229,7 +2230,7 @@
           <a:p>
             <a:fld id="{A76116CE-C4A3-4A05-B2D7-7C2E9A889C0F}" type="datetimeFigureOut">
               <a:rPr lang="en-US" smtClean="0"/>
-              <a:t>2/2/2023</a:t>
+              <a:t>2/4/2023</a:t>
             </a:fld>
             <a:endParaRPr lang="en-US"/>
           </a:p>
@@ -2476,7 +2477,7 @@
           <a:p>
             <a:fld id="{A76116CE-C4A3-4A05-B2D7-7C2E9A889C0F}" type="datetimeFigureOut">
               <a:rPr lang="en-US" smtClean="0"/>
-              <a:t>2/2/2023</a:t>
+              <a:t>2/4/2023</a:t>
             </a:fld>
             <a:endParaRPr lang="en-US"/>
           </a:p>
@@ -2682,7 +2683,7 @@
           <a:p>
             <a:fld id="{F8166F1F-CE9B-4651-A6AA-CD717754106B}" type="datetimeFigureOut">
               <a:rPr lang="en-US" smtClean="0"/>
-              <a:t>2/2/2023</a:t>
+              <a:t>2/4/2023</a:t>
             </a:fld>
             <a:endParaRPr lang="en-US"/>
           </a:p>
@@ -3057,7 +3058,7 @@
           <p:cNvPr id="4" name="그룹 1008">
             <a:extLst>
               <a:ext uri="{FF2B5EF4-FFF2-40B4-BE49-F238E27FC236}">
-                <a16:creationId xmlns:a16="http://schemas.microsoft.com/office/drawing/2014/main" xmlns="" id="{54FFE8A6-6CB8-DCBA-07F7-749FA78BF4A4}"/>
+                <a16:creationId xmlns="" xmlns:a16="http://schemas.microsoft.com/office/drawing/2014/main" id="{54FFE8A6-6CB8-DCBA-07F7-749FA78BF4A4}"/>
               </a:ext>
             </a:extLst>
           </p:cNvPr>
@@ -3077,7 +3078,7 @@
             <p:cNvPr id="5" name="그룹 1009">
               <a:extLst>
                 <a:ext uri="{FF2B5EF4-FFF2-40B4-BE49-F238E27FC236}">
-                  <a16:creationId xmlns:a16="http://schemas.microsoft.com/office/drawing/2014/main" xmlns="" id="{AFC4D322-4969-89C3-C972-D8E8E418CA73}"/>
+                  <a16:creationId xmlns="" xmlns:a16="http://schemas.microsoft.com/office/drawing/2014/main" id="{AFC4D322-4969-89C3-C972-D8E8E418CA73}"/>
                 </a:ext>
               </a:extLst>
             </p:cNvPr>
@@ -3097,7 +3098,7 @@
               <p:cNvPr id="10" name="Object 29">
                 <a:extLst>
                   <a:ext uri="{FF2B5EF4-FFF2-40B4-BE49-F238E27FC236}">
-                    <a16:creationId xmlns:a16="http://schemas.microsoft.com/office/drawing/2014/main" xmlns="" id="{696B190E-C178-4E07-7621-24C3B48A9BCF}"/>
+                    <a16:creationId xmlns="" xmlns:a16="http://schemas.microsoft.com/office/drawing/2014/main" id="{696B190E-C178-4E07-7621-24C3B48A9BCF}"/>
                   </a:ext>
                 </a:extLst>
               </p:cNvPr>
@@ -3128,7 +3129,7 @@
             <p:cNvPr id="6" name="그룹 1010">
               <a:extLst>
                 <a:ext uri="{FF2B5EF4-FFF2-40B4-BE49-F238E27FC236}">
-                  <a16:creationId xmlns:a16="http://schemas.microsoft.com/office/drawing/2014/main" xmlns="" id="{88F3509F-17A2-2BE7-261F-3BA022FF91BA}"/>
+                  <a16:creationId xmlns="" xmlns:a16="http://schemas.microsoft.com/office/drawing/2014/main" id="{88F3509F-17A2-2BE7-261F-3BA022FF91BA}"/>
                 </a:ext>
               </a:extLst>
             </p:cNvPr>
@@ -3148,7 +3149,7 @@
               <p:cNvPr id="9" name="Object 32">
                 <a:extLst>
                   <a:ext uri="{FF2B5EF4-FFF2-40B4-BE49-F238E27FC236}">
-                    <a16:creationId xmlns:a16="http://schemas.microsoft.com/office/drawing/2014/main" xmlns="" id="{6183A7B0-D571-9788-43CE-90A93A934096}"/>
+                    <a16:creationId xmlns="" xmlns:a16="http://schemas.microsoft.com/office/drawing/2014/main" id="{6183A7B0-D571-9788-43CE-90A93A934096}"/>
                   </a:ext>
                 </a:extLst>
               </p:cNvPr>
@@ -3179,7 +3180,7 @@
             <p:cNvPr id="7" name="그룹 1011">
               <a:extLst>
                 <a:ext uri="{FF2B5EF4-FFF2-40B4-BE49-F238E27FC236}">
-                  <a16:creationId xmlns:a16="http://schemas.microsoft.com/office/drawing/2014/main" xmlns="" id="{3DB0BB1F-6A07-787C-7717-F712317AF8C3}"/>
+                  <a16:creationId xmlns="" xmlns:a16="http://schemas.microsoft.com/office/drawing/2014/main" id="{3DB0BB1F-6A07-787C-7717-F712317AF8C3}"/>
                 </a:ext>
               </a:extLst>
             </p:cNvPr>
@@ -3199,7 +3200,7 @@
               <p:cNvPr id="8" name="Object 35">
                 <a:extLst>
                   <a:ext uri="{FF2B5EF4-FFF2-40B4-BE49-F238E27FC236}">
-                    <a16:creationId xmlns:a16="http://schemas.microsoft.com/office/drawing/2014/main" xmlns="" id="{A003AF1A-29EE-2DC2-0E03-479F705DFFB6}"/>
+                    <a16:creationId xmlns="" xmlns:a16="http://schemas.microsoft.com/office/drawing/2014/main" id="{A003AF1A-29EE-2DC2-0E03-479F705DFFB6}"/>
                   </a:ext>
                 </a:extLst>
               </p:cNvPr>
@@ -3231,7 +3232,7 @@
           <p:cNvPr id="11" name="직선 화살표 연결선 10">
             <a:extLst>
               <a:ext uri="{FF2B5EF4-FFF2-40B4-BE49-F238E27FC236}">
-                <a16:creationId xmlns:a16="http://schemas.microsoft.com/office/drawing/2014/main" xmlns="" id="{299DF5EC-9DF4-5255-06AC-0A7CE4FF58C3}"/>
+                <a16:creationId xmlns="" xmlns:a16="http://schemas.microsoft.com/office/drawing/2014/main" id="{299DF5EC-9DF4-5255-06AC-0A7CE4FF58C3}"/>
               </a:ext>
             </a:extLst>
           </p:cNvPr>
@@ -3272,7 +3273,7 @@
           <p:cNvPr id="14" name="직사각형 13">
             <a:extLst>
               <a:ext uri="{FF2B5EF4-FFF2-40B4-BE49-F238E27FC236}">
-                <a16:creationId xmlns:a16="http://schemas.microsoft.com/office/drawing/2014/main" xmlns="" id="{FFF506F9-840A-0508-4CAF-3AC711D8D5CE}"/>
+                <a16:creationId xmlns="" xmlns:a16="http://schemas.microsoft.com/office/drawing/2014/main" id="{FFF506F9-840A-0508-4CAF-3AC711D8D5CE}"/>
               </a:ext>
             </a:extLst>
           </p:cNvPr>
@@ -3324,7 +3325,7 @@
           <p:cNvPr id="15" name="표 16">
             <a:extLst>
               <a:ext uri="{FF2B5EF4-FFF2-40B4-BE49-F238E27FC236}">
-                <a16:creationId xmlns:a16="http://schemas.microsoft.com/office/drawing/2014/main" xmlns="" id="{F03C45C7-6EB1-7871-F0F7-945F667135C4}"/>
+                <a16:creationId xmlns="" xmlns:a16="http://schemas.microsoft.com/office/drawing/2014/main" id="{F03C45C7-6EB1-7871-F0F7-945F667135C4}"/>
               </a:ext>
             </a:extLst>
           </p:cNvPr>
@@ -3353,14 +3354,14 @@
                 <a:gridCol w="1295400">
                   <a:extLst>
                     <a:ext uri="{9D8B030D-6E8A-4147-A177-3AD203B41FA5}">
-                      <a16:colId xmlns:a16="http://schemas.microsoft.com/office/drawing/2014/main" xmlns="" val="2433761377"/>
+                      <a16:colId xmlns="" xmlns:a16="http://schemas.microsoft.com/office/drawing/2014/main" val="2433761377"/>
                     </a:ext>
                   </a:extLst>
                 </a:gridCol>
                 <a:gridCol w="2133600">
                   <a:extLst>
                     <a:ext uri="{9D8B030D-6E8A-4147-A177-3AD203B41FA5}">
-                      <a16:colId xmlns:a16="http://schemas.microsoft.com/office/drawing/2014/main" xmlns="" val="926389809"/>
+                      <a16:colId xmlns="" xmlns:a16="http://schemas.microsoft.com/office/drawing/2014/main" val="926389809"/>
                     </a:ext>
                   </a:extLst>
                 </a:gridCol>
@@ -3486,7 +3487,7 @@
                 </a:tc>
                 <a:extLst>
                   <a:ext uri="{0D108BD9-81ED-4DB2-BD59-A6C34878D82A}">
-                    <a16:rowId xmlns:a16="http://schemas.microsoft.com/office/drawing/2014/main" xmlns="" val="2504948727"/>
+                    <a16:rowId xmlns="" xmlns:a16="http://schemas.microsoft.com/office/drawing/2014/main" val="2504948727"/>
                   </a:ext>
                 </a:extLst>
               </a:tr>
@@ -3615,7 +3616,7 @@
                 </a:tc>
                 <a:extLst>
                   <a:ext uri="{0D108BD9-81ED-4DB2-BD59-A6C34878D82A}">
-                    <a16:rowId xmlns:a16="http://schemas.microsoft.com/office/drawing/2014/main" xmlns="" val="3647525178"/>
+                    <a16:rowId xmlns="" xmlns:a16="http://schemas.microsoft.com/office/drawing/2014/main" val="3647525178"/>
                   </a:ext>
                 </a:extLst>
               </a:tr>
@@ -3728,7 +3729,7 @@
                 </a:tc>
                 <a:extLst>
                   <a:ext uri="{0D108BD9-81ED-4DB2-BD59-A6C34878D82A}">
-                    <a16:rowId xmlns:a16="http://schemas.microsoft.com/office/drawing/2014/main" xmlns="" val="2672623231"/>
+                    <a16:rowId xmlns="" xmlns:a16="http://schemas.microsoft.com/office/drawing/2014/main" val="2672623231"/>
                   </a:ext>
                 </a:extLst>
               </a:tr>
@@ -3837,7 +3838,7 @@
                 </a:tc>
                 <a:extLst>
                   <a:ext uri="{0D108BD9-81ED-4DB2-BD59-A6C34878D82A}">
-                    <a16:rowId xmlns:a16="http://schemas.microsoft.com/office/drawing/2014/main" xmlns="" val="2996999142"/>
+                    <a16:rowId xmlns="" xmlns:a16="http://schemas.microsoft.com/office/drawing/2014/main" val="2996999142"/>
                   </a:ext>
                 </a:extLst>
               </a:tr>
@@ -3946,7 +3947,7 @@
                 </a:tc>
                 <a:extLst>
                   <a:ext uri="{0D108BD9-81ED-4DB2-BD59-A6C34878D82A}">
-                    <a16:rowId xmlns:a16="http://schemas.microsoft.com/office/drawing/2014/main" xmlns="" val="2275222586"/>
+                    <a16:rowId xmlns="" xmlns:a16="http://schemas.microsoft.com/office/drawing/2014/main" val="2275222586"/>
                   </a:ext>
                 </a:extLst>
               </a:tr>
@@ -4059,7 +4060,7 @@
                 </a:tc>
                 <a:extLst>
                   <a:ext uri="{0D108BD9-81ED-4DB2-BD59-A6C34878D82A}">
-                    <a16:rowId xmlns:a16="http://schemas.microsoft.com/office/drawing/2014/main" xmlns="" val="1918467740"/>
+                    <a16:rowId xmlns="" xmlns:a16="http://schemas.microsoft.com/office/drawing/2014/main" val="1918467740"/>
                   </a:ext>
                 </a:extLst>
               </a:tr>
@@ -4172,7 +4173,7 @@
                 </a:tc>
                 <a:extLst>
                   <a:ext uri="{0D108BD9-81ED-4DB2-BD59-A6C34878D82A}">
-                    <a16:rowId xmlns:a16="http://schemas.microsoft.com/office/drawing/2014/main" xmlns="" val="168351104"/>
+                    <a16:rowId xmlns="" xmlns:a16="http://schemas.microsoft.com/office/drawing/2014/main" val="168351104"/>
                   </a:ext>
                 </a:extLst>
               </a:tr>
@@ -4301,7 +4302,7 @@
                 </a:tc>
                 <a:extLst>
                   <a:ext uri="{0D108BD9-81ED-4DB2-BD59-A6C34878D82A}">
-                    <a16:rowId xmlns:a16="http://schemas.microsoft.com/office/drawing/2014/main" xmlns="" val="1446898692"/>
+                    <a16:rowId xmlns="" xmlns:a16="http://schemas.microsoft.com/office/drawing/2014/main" val="1446898692"/>
                   </a:ext>
                 </a:extLst>
               </a:tr>
@@ -4426,7 +4427,7 @@
                 </a:tc>
                 <a:extLst>
                   <a:ext uri="{0D108BD9-81ED-4DB2-BD59-A6C34878D82A}">
-                    <a16:rowId xmlns:a16="http://schemas.microsoft.com/office/drawing/2014/main" xmlns="" val="2069871938"/>
+                    <a16:rowId xmlns="" xmlns:a16="http://schemas.microsoft.com/office/drawing/2014/main" val="2069871938"/>
                   </a:ext>
                 </a:extLst>
               </a:tr>
@@ -4551,7 +4552,7 @@
                 </a:tc>
                 <a:extLst>
                   <a:ext uri="{0D108BD9-81ED-4DB2-BD59-A6C34878D82A}">
-                    <a16:rowId xmlns:a16="http://schemas.microsoft.com/office/drawing/2014/main" xmlns="" val="3466599706"/>
+                    <a16:rowId xmlns="" xmlns:a16="http://schemas.microsoft.com/office/drawing/2014/main" val="3466599706"/>
                   </a:ext>
                 </a:extLst>
               </a:tr>
@@ -4676,7 +4677,7 @@
                 </a:tc>
                 <a:extLst>
                   <a:ext uri="{0D108BD9-81ED-4DB2-BD59-A6C34878D82A}">
-                    <a16:rowId xmlns:a16="http://schemas.microsoft.com/office/drawing/2014/main" xmlns="" val="3270764344"/>
+                    <a16:rowId xmlns="" xmlns:a16="http://schemas.microsoft.com/office/drawing/2014/main" val="3270764344"/>
                   </a:ext>
                 </a:extLst>
               </a:tr>
@@ -4804,7 +4805,7 @@
                 </a:tc>
                 <a:extLst>
                   <a:ext uri="{0D108BD9-81ED-4DB2-BD59-A6C34878D82A}">
-                    <a16:rowId xmlns:a16="http://schemas.microsoft.com/office/drawing/2014/main" xmlns="" val="1601752940"/>
+                    <a16:rowId xmlns="" xmlns:a16="http://schemas.microsoft.com/office/drawing/2014/main" val="1601752940"/>
                   </a:ext>
                 </a:extLst>
               </a:tr>
@@ -4933,7 +4934,7 @@
                 </a:tc>
                 <a:extLst>
                   <a:ext uri="{0D108BD9-81ED-4DB2-BD59-A6C34878D82A}">
-                    <a16:rowId xmlns:a16="http://schemas.microsoft.com/office/drawing/2014/main" xmlns="" val="3454728477"/>
+                    <a16:rowId xmlns="" xmlns:a16="http://schemas.microsoft.com/office/drawing/2014/main" val="3454728477"/>
                   </a:ext>
                 </a:extLst>
               </a:tr>
@@ -5062,7 +5063,7 @@
                 </a:tc>
                 <a:extLst>
                   <a:ext uri="{0D108BD9-81ED-4DB2-BD59-A6C34878D82A}">
-                    <a16:rowId xmlns:a16="http://schemas.microsoft.com/office/drawing/2014/main" xmlns="" val="3866400999"/>
+                    <a16:rowId xmlns="" xmlns:a16="http://schemas.microsoft.com/office/drawing/2014/main" val="3866400999"/>
                   </a:ext>
                 </a:extLst>
               </a:tr>
@@ -5187,7 +5188,7 @@
                 </a:tc>
                 <a:extLst>
                   <a:ext uri="{0D108BD9-81ED-4DB2-BD59-A6C34878D82A}">
-                    <a16:rowId xmlns:a16="http://schemas.microsoft.com/office/drawing/2014/main" xmlns="" val="1558806300"/>
+                    <a16:rowId xmlns="" xmlns:a16="http://schemas.microsoft.com/office/drawing/2014/main" val="1558806300"/>
                   </a:ext>
                 </a:extLst>
               </a:tr>
@@ -5312,7 +5313,7 @@
                 </a:tc>
                 <a:extLst>
                   <a:ext uri="{0D108BD9-81ED-4DB2-BD59-A6C34878D82A}">
-                    <a16:rowId xmlns:a16="http://schemas.microsoft.com/office/drawing/2014/main" xmlns="" val="702070055"/>
+                    <a16:rowId xmlns="" xmlns:a16="http://schemas.microsoft.com/office/drawing/2014/main" val="702070055"/>
                   </a:ext>
                 </a:extLst>
               </a:tr>
@@ -5437,7 +5438,7 @@
                 </a:tc>
                 <a:extLst>
                   <a:ext uri="{0D108BD9-81ED-4DB2-BD59-A6C34878D82A}">
-                    <a16:rowId xmlns:a16="http://schemas.microsoft.com/office/drawing/2014/main" xmlns="" val="496493748"/>
+                    <a16:rowId xmlns="" xmlns:a16="http://schemas.microsoft.com/office/drawing/2014/main" val="496493748"/>
                   </a:ext>
                 </a:extLst>
               </a:tr>
@@ -5562,7 +5563,7 @@
                 </a:tc>
                 <a:extLst>
                   <a:ext uri="{0D108BD9-81ED-4DB2-BD59-A6C34878D82A}">
-                    <a16:rowId xmlns:a16="http://schemas.microsoft.com/office/drawing/2014/main" xmlns="" val="3240652297"/>
+                    <a16:rowId xmlns="" xmlns:a16="http://schemas.microsoft.com/office/drawing/2014/main" val="3240652297"/>
                   </a:ext>
                 </a:extLst>
               </a:tr>
@@ -5687,7 +5688,7 @@
                 </a:tc>
                 <a:extLst>
                   <a:ext uri="{0D108BD9-81ED-4DB2-BD59-A6C34878D82A}">
-                    <a16:rowId xmlns:a16="http://schemas.microsoft.com/office/drawing/2014/main" xmlns="" val="2637422434"/>
+                    <a16:rowId xmlns="" xmlns:a16="http://schemas.microsoft.com/office/drawing/2014/main" val="2637422434"/>
                   </a:ext>
                 </a:extLst>
               </a:tr>
@@ -5812,7 +5813,7 @@
                 </a:tc>
                 <a:extLst>
                   <a:ext uri="{0D108BD9-81ED-4DB2-BD59-A6C34878D82A}">
-                    <a16:rowId xmlns:a16="http://schemas.microsoft.com/office/drawing/2014/main" xmlns="" val="3987370490"/>
+                    <a16:rowId xmlns="" xmlns:a16="http://schemas.microsoft.com/office/drawing/2014/main" val="3987370490"/>
                   </a:ext>
                 </a:extLst>
               </a:tr>
@@ -5825,7 +5826,7 @@
           <p:cNvPr id="16" name="그룹 1008">
             <a:extLst>
               <a:ext uri="{FF2B5EF4-FFF2-40B4-BE49-F238E27FC236}">
-                <a16:creationId xmlns:a16="http://schemas.microsoft.com/office/drawing/2014/main" xmlns="" id="{E395BDE3-2EDE-065D-70E8-56E348228ACF}"/>
+                <a16:creationId xmlns="" xmlns:a16="http://schemas.microsoft.com/office/drawing/2014/main" id="{E395BDE3-2EDE-065D-70E8-56E348228ACF}"/>
               </a:ext>
             </a:extLst>
           </p:cNvPr>
@@ -5845,7 +5846,7 @@
             <p:cNvPr id="17" name="그룹 1009">
               <a:extLst>
                 <a:ext uri="{FF2B5EF4-FFF2-40B4-BE49-F238E27FC236}">
-                  <a16:creationId xmlns:a16="http://schemas.microsoft.com/office/drawing/2014/main" xmlns="" id="{852F4DEB-DB33-DB3F-9E9F-52A46CD0B10A}"/>
+                  <a16:creationId xmlns="" xmlns:a16="http://schemas.microsoft.com/office/drawing/2014/main" id="{852F4DEB-DB33-DB3F-9E9F-52A46CD0B10A}"/>
                 </a:ext>
               </a:extLst>
             </p:cNvPr>
@@ -5865,7 +5866,7 @@
               <p:cNvPr id="22" name="Object 29">
                 <a:extLst>
                   <a:ext uri="{FF2B5EF4-FFF2-40B4-BE49-F238E27FC236}">
-                    <a16:creationId xmlns:a16="http://schemas.microsoft.com/office/drawing/2014/main" xmlns="" id="{7E353D3B-14D4-8A64-5888-3F0C062C2CDD}"/>
+                    <a16:creationId xmlns="" xmlns:a16="http://schemas.microsoft.com/office/drawing/2014/main" id="{7E353D3B-14D4-8A64-5888-3F0C062C2CDD}"/>
                   </a:ext>
                 </a:extLst>
               </p:cNvPr>
@@ -5896,7 +5897,7 @@
             <p:cNvPr id="18" name="그룹 1010">
               <a:extLst>
                 <a:ext uri="{FF2B5EF4-FFF2-40B4-BE49-F238E27FC236}">
-                  <a16:creationId xmlns:a16="http://schemas.microsoft.com/office/drawing/2014/main" xmlns="" id="{001E38AB-1390-ABD0-BE01-9727136FEAEE}"/>
+                  <a16:creationId xmlns="" xmlns:a16="http://schemas.microsoft.com/office/drawing/2014/main" id="{001E38AB-1390-ABD0-BE01-9727136FEAEE}"/>
                 </a:ext>
               </a:extLst>
             </p:cNvPr>
@@ -5916,7 +5917,7 @@
               <p:cNvPr id="21" name="Object 32">
                 <a:extLst>
                   <a:ext uri="{FF2B5EF4-FFF2-40B4-BE49-F238E27FC236}">
-                    <a16:creationId xmlns:a16="http://schemas.microsoft.com/office/drawing/2014/main" xmlns="" id="{2ED1C30F-0D0B-F86C-8215-2598D332B5A3}"/>
+                    <a16:creationId xmlns="" xmlns:a16="http://schemas.microsoft.com/office/drawing/2014/main" id="{2ED1C30F-0D0B-F86C-8215-2598D332B5A3}"/>
                   </a:ext>
                 </a:extLst>
               </p:cNvPr>
@@ -5947,7 +5948,7 @@
             <p:cNvPr id="19" name="그룹 1011">
               <a:extLst>
                 <a:ext uri="{FF2B5EF4-FFF2-40B4-BE49-F238E27FC236}">
-                  <a16:creationId xmlns:a16="http://schemas.microsoft.com/office/drawing/2014/main" xmlns="" id="{1BCB8DE5-ABAF-4198-BC16-85BB76F2DB24}"/>
+                  <a16:creationId xmlns="" xmlns:a16="http://schemas.microsoft.com/office/drawing/2014/main" id="{1BCB8DE5-ABAF-4198-BC16-85BB76F2DB24}"/>
                 </a:ext>
               </a:extLst>
             </p:cNvPr>
@@ -5967,7 +5968,7 @@
               <p:cNvPr id="20" name="Object 35">
                 <a:extLst>
                   <a:ext uri="{FF2B5EF4-FFF2-40B4-BE49-F238E27FC236}">
-                    <a16:creationId xmlns:a16="http://schemas.microsoft.com/office/drawing/2014/main" xmlns="" id="{86E7BA23-0A1E-B581-CADC-06AB269DB2BD}"/>
+                    <a16:creationId xmlns="" xmlns:a16="http://schemas.microsoft.com/office/drawing/2014/main" id="{86E7BA23-0A1E-B581-CADC-06AB269DB2BD}"/>
                   </a:ext>
                 </a:extLst>
               </p:cNvPr>
@@ -5999,7 +6000,7 @@
           <p:cNvPr id="23" name="TextBox 22">
             <a:extLst>
               <a:ext uri="{FF2B5EF4-FFF2-40B4-BE49-F238E27FC236}">
-                <a16:creationId xmlns:a16="http://schemas.microsoft.com/office/drawing/2014/main" xmlns="" id="{7229BEA6-121E-9056-D07F-2B3BB1795F76}"/>
+                <a16:creationId xmlns="" xmlns:a16="http://schemas.microsoft.com/office/drawing/2014/main" id="{7229BEA6-121E-9056-D07F-2B3BB1795F76}"/>
               </a:ext>
             </a:extLst>
           </p:cNvPr>
@@ -6047,7 +6048,7 @@
           <p:cNvPr id="24" name="TextBox 23">
             <a:extLst>
               <a:ext uri="{FF2B5EF4-FFF2-40B4-BE49-F238E27FC236}">
-                <a16:creationId xmlns:a16="http://schemas.microsoft.com/office/drawing/2014/main" xmlns="" id="{5ADC00B6-990A-40DC-3CEA-505258F5E8DA}"/>
+                <a16:creationId xmlns="" xmlns:a16="http://schemas.microsoft.com/office/drawing/2014/main" id="{5ADC00B6-990A-40DC-3CEA-505258F5E8DA}"/>
               </a:ext>
             </a:extLst>
           </p:cNvPr>
@@ -6105,7 +6106,7 @@
           <p:cNvPr id="3" name="TextBox 2">
             <a:extLst>
               <a:ext uri="{FF2B5EF4-FFF2-40B4-BE49-F238E27FC236}">
-                <a16:creationId xmlns:a16="http://schemas.microsoft.com/office/drawing/2014/main" xmlns="" id="{C6D113C6-EA5C-788F-0C77-E7CE6EBB865F}"/>
+                <a16:creationId xmlns="" xmlns:a16="http://schemas.microsoft.com/office/drawing/2014/main" id="{C6D113C6-EA5C-788F-0C77-E7CE6EBB865F}"/>
               </a:ext>
             </a:extLst>
           </p:cNvPr>
@@ -6163,7 +6164,7 @@
           <p:cNvPr id="12" name="그룹 1008">
             <a:extLst>
               <a:ext uri="{FF2B5EF4-FFF2-40B4-BE49-F238E27FC236}">
-                <a16:creationId xmlns:a16="http://schemas.microsoft.com/office/drawing/2014/main" xmlns="" id="{678F6342-C505-E8AD-ADA4-022CB2C2088E}"/>
+                <a16:creationId xmlns="" xmlns:a16="http://schemas.microsoft.com/office/drawing/2014/main" id="{678F6342-C505-E8AD-ADA4-022CB2C2088E}"/>
               </a:ext>
             </a:extLst>
           </p:cNvPr>
@@ -6183,7 +6184,7 @@
             <p:cNvPr id="13" name="그룹 1009">
               <a:extLst>
                 <a:ext uri="{FF2B5EF4-FFF2-40B4-BE49-F238E27FC236}">
-                  <a16:creationId xmlns:a16="http://schemas.microsoft.com/office/drawing/2014/main" xmlns="" id="{4E1F1FED-812B-9BBB-925A-84B54A077414}"/>
+                  <a16:creationId xmlns="" xmlns:a16="http://schemas.microsoft.com/office/drawing/2014/main" id="{4E1F1FED-812B-9BBB-925A-84B54A077414}"/>
                 </a:ext>
               </a:extLst>
             </p:cNvPr>
@@ -6203,7 +6204,7 @@
               <p:cNvPr id="29" name="Object 29">
                 <a:extLst>
                   <a:ext uri="{FF2B5EF4-FFF2-40B4-BE49-F238E27FC236}">
-                    <a16:creationId xmlns:a16="http://schemas.microsoft.com/office/drawing/2014/main" xmlns="" id="{7B078609-4286-7B00-51EB-809C8E2DE289}"/>
+                    <a16:creationId xmlns="" xmlns:a16="http://schemas.microsoft.com/office/drawing/2014/main" id="{7B078609-4286-7B00-51EB-809C8E2DE289}"/>
                   </a:ext>
                 </a:extLst>
               </p:cNvPr>
@@ -6234,7 +6235,7 @@
             <p:cNvPr id="25" name="그룹 1010">
               <a:extLst>
                 <a:ext uri="{FF2B5EF4-FFF2-40B4-BE49-F238E27FC236}">
-                  <a16:creationId xmlns:a16="http://schemas.microsoft.com/office/drawing/2014/main" xmlns="" id="{02A649BF-B5B5-FBAF-7DFD-E118A4DF8907}"/>
+                  <a16:creationId xmlns="" xmlns:a16="http://schemas.microsoft.com/office/drawing/2014/main" id="{02A649BF-B5B5-FBAF-7DFD-E118A4DF8907}"/>
                 </a:ext>
               </a:extLst>
             </p:cNvPr>
@@ -6254,7 +6255,7 @@
               <p:cNvPr id="28" name="Object 32">
                 <a:extLst>
                   <a:ext uri="{FF2B5EF4-FFF2-40B4-BE49-F238E27FC236}">
-                    <a16:creationId xmlns:a16="http://schemas.microsoft.com/office/drawing/2014/main" xmlns="" id="{2A0FFF23-B3C9-3EA0-1C1B-A87D4FF098AE}"/>
+                    <a16:creationId xmlns="" xmlns:a16="http://schemas.microsoft.com/office/drawing/2014/main" id="{2A0FFF23-B3C9-3EA0-1C1B-A87D4FF098AE}"/>
                   </a:ext>
                 </a:extLst>
               </p:cNvPr>
@@ -6285,7 +6286,7 @@
             <p:cNvPr id="26" name="그룹 1011">
               <a:extLst>
                 <a:ext uri="{FF2B5EF4-FFF2-40B4-BE49-F238E27FC236}">
-                  <a16:creationId xmlns:a16="http://schemas.microsoft.com/office/drawing/2014/main" xmlns="" id="{881F5410-F7FB-F261-A584-707359BAC593}"/>
+                  <a16:creationId xmlns="" xmlns:a16="http://schemas.microsoft.com/office/drawing/2014/main" id="{881F5410-F7FB-F261-A584-707359BAC593}"/>
                 </a:ext>
               </a:extLst>
             </p:cNvPr>
@@ -6305,7 +6306,7 @@
               <p:cNvPr id="27" name="Object 35">
                 <a:extLst>
                   <a:ext uri="{FF2B5EF4-FFF2-40B4-BE49-F238E27FC236}">
-                    <a16:creationId xmlns:a16="http://schemas.microsoft.com/office/drawing/2014/main" xmlns="" id="{4E99E669-73EB-F9F4-EFE8-DC107035C265}"/>
+                    <a16:creationId xmlns="" xmlns:a16="http://schemas.microsoft.com/office/drawing/2014/main" id="{4E99E669-73EB-F9F4-EFE8-DC107035C265}"/>
                   </a:ext>
                 </a:extLst>
               </p:cNvPr>
@@ -6337,7 +6338,7 @@
           <p:cNvPr id="33" name="직선 연결선 32">
             <a:extLst>
               <a:ext uri="{FF2B5EF4-FFF2-40B4-BE49-F238E27FC236}">
-                <a16:creationId xmlns:a16="http://schemas.microsoft.com/office/drawing/2014/main" xmlns="" id="{6A1A37E4-F933-DE44-2EEA-F3A5BBF35584}"/>
+                <a16:creationId xmlns="" xmlns:a16="http://schemas.microsoft.com/office/drawing/2014/main" id="{6A1A37E4-F933-DE44-2EEA-F3A5BBF35584}"/>
               </a:ext>
             </a:extLst>
           </p:cNvPr>
@@ -6428,7 +6429,7 @@
           <p:cNvPr id="35" name="그룹 1018">
             <a:extLst>
               <a:ext uri="{FF2B5EF4-FFF2-40B4-BE49-F238E27FC236}">
-                <a16:creationId xmlns:a16="http://schemas.microsoft.com/office/drawing/2014/main" xmlns="" id="{0804D430-F42E-AE32-A065-FFA8C471F092}"/>
+                <a16:creationId xmlns="" xmlns:a16="http://schemas.microsoft.com/office/drawing/2014/main" id="{0804D430-F42E-AE32-A065-FFA8C471F092}"/>
               </a:ext>
             </a:extLst>
           </p:cNvPr>
@@ -6448,7 +6449,7 @@
             <p:cNvPr id="36" name="Object 61">
               <a:extLst>
                 <a:ext uri="{FF2B5EF4-FFF2-40B4-BE49-F238E27FC236}">
-                  <a16:creationId xmlns:a16="http://schemas.microsoft.com/office/drawing/2014/main" xmlns="" id="{334A4C3A-641C-7CD9-8FEE-5EC92B28D640}"/>
+                  <a16:creationId xmlns="" xmlns:a16="http://schemas.microsoft.com/office/drawing/2014/main" id="{334A4C3A-641C-7CD9-8FEE-5EC92B28D640}"/>
                 </a:ext>
               </a:extLst>
             </p:cNvPr>
@@ -6479,7 +6480,7 @@
           <p:cNvPr id="38" name="TextBox 37">
             <a:extLst>
               <a:ext uri="{FF2B5EF4-FFF2-40B4-BE49-F238E27FC236}">
-                <a16:creationId xmlns:a16="http://schemas.microsoft.com/office/drawing/2014/main" xmlns="" id="{A2AD056B-97A4-5BCC-4460-250160F3E171}"/>
+                <a16:creationId xmlns="" xmlns:a16="http://schemas.microsoft.com/office/drawing/2014/main" id="{A2AD056B-97A4-5BCC-4460-250160F3E171}"/>
               </a:ext>
             </a:extLst>
           </p:cNvPr>
@@ -6523,7 +6524,7 @@
           <p:cNvPr id="39" name="TextBox 38">
             <a:extLst>
               <a:ext uri="{FF2B5EF4-FFF2-40B4-BE49-F238E27FC236}">
-                <a16:creationId xmlns:a16="http://schemas.microsoft.com/office/drawing/2014/main" xmlns="" id="{52176D31-35F7-8916-46FA-6095EFEC1E49}"/>
+                <a16:creationId xmlns="" xmlns:a16="http://schemas.microsoft.com/office/drawing/2014/main" id="{52176D31-35F7-8916-46FA-6095EFEC1E49}"/>
               </a:ext>
             </a:extLst>
           </p:cNvPr>
@@ -6567,7 +6568,7 @@
           <p:cNvPr id="37" name="표 2">
             <a:extLst>
               <a:ext uri="{FF2B5EF4-FFF2-40B4-BE49-F238E27FC236}">
-                <a16:creationId xmlns="" xmlns:a16="http://schemas.microsoft.com/office/drawing/2014/main" id="{D2CC6F32-611A-E22D-EB8C-52D626A5B319}"/>
+                <a16:creationId xmlns:a16="http://schemas.microsoft.com/office/drawing/2014/main" xmlns="" id="{D2CC6F32-611A-E22D-EB8C-52D626A5B319}"/>
               </a:ext>
             </a:extLst>
           </p:cNvPr>
@@ -6596,21 +6597,21 @@
                 <a:gridCol w="1731833">
                   <a:extLst>
                     <a:ext uri="{9D8B030D-6E8A-4147-A177-3AD203B41FA5}">
-                      <a16:colId xmlns="" xmlns:a16="http://schemas.microsoft.com/office/drawing/2014/main" val="1960770391"/>
+                      <a16:colId xmlns:a16="http://schemas.microsoft.com/office/drawing/2014/main" xmlns="" val="1960770391"/>
                     </a:ext>
                   </a:extLst>
                 </a:gridCol>
                 <a:gridCol w="1752960">
                   <a:extLst>
                     <a:ext uri="{9D8B030D-6E8A-4147-A177-3AD203B41FA5}">
-                      <a16:colId xmlns="" xmlns:a16="http://schemas.microsoft.com/office/drawing/2014/main" val="733308553"/>
+                      <a16:colId xmlns:a16="http://schemas.microsoft.com/office/drawing/2014/main" xmlns="" val="733308553"/>
                     </a:ext>
                   </a:extLst>
                 </a:gridCol>
                 <a:gridCol w="2730951">
                   <a:extLst>
                     <a:ext uri="{9D8B030D-6E8A-4147-A177-3AD203B41FA5}">
-                      <a16:colId xmlns="" xmlns:a16="http://schemas.microsoft.com/office/drawing/2014/main" val="1661322813"/>
+                      <a16:colId xmlns:a16="http://schemas.microsoft.com/office/drawing/2014/main" xmlns="" val="1661322813"/>
                     </a:ext>
                   </a:extLst>
                 </a:gridCol>
@@ -6798,7 +6799,7 @@
                 </a:tc>
                 <a:extLst>
                   <a:ext uri="{0D108BD9-81ED-4DB2-BD59-A6C34878D82A}">
-                    <a16:rowId xmlns="" xmlns:a16="http://schemas.microsoft.com/office/drawing/2014/main" val="2452905565"/>
+                    <a16:rowId xmlns:a16="http://schemas.microsoft.com/office/drawing/2014/main" xmlns="" val="2452905565"/>
                   </a:ext>
                 </a:extLst>
               </a:tr>
@@ -7002,7 +7003,7 @@
                 </a:tc>
                 <a:extLst>
                   <a:ext uri="{0D108BD9-81ED-4DB2-BD59-A6C34878D82A}">
-                    <a16:rowId xmlns="" xmlns:a16="http://schemas.microsoft.com/office/drawing/2014/main" val="3551452526"/>
+                    <a16:rowId xmlns:a16="http://schemas.microsoft.com/office/drawing/2014/main" xmlns="" val="3551452526"/>
                   </a:ext>
                 </a:extLst>
               </a:tr>
@@ -7177,7 +7178,7 @@
                 </a:tc>
                 <a:extLst>
                   <a:ext uri="{0D108BD9-81ED-4DB2-BD59-A6C34878D82A}">
-                    <a16:rowId xmlns="" xmlns:a16="http://schemas.microsoft.com/office/drawing/2014/main" val="3645064171"/>
+                    <a16:rowId xmlns:a16="http://schemas.microsoft.com/office/drawing/2014/main" xmlns="" val="3645064171"/>
                   </a:ext>
                 </a:extLst>
               </a:tr>
@@ -7352,7 +7353,7 @@
                 </a:tc>
                 <a:extLst>
                   <a:ext uri="{0D108BD9-81ED-4DB2-BD59-A6C34878D82A}">
-                    <a16:rowId xmlns="" xmlns:a16="http://schemas.microsoft.com/office/drawing/2014/main" val="2802120283"/>
+                    <a16:rowId xmlns:a16="http://schemas.microsoft.com/office/drawing/2014/main" xmlns="" val="2802120283"/>
                   </a:ext>
                 </a:extLst>
               </a:tr>
@@ -7521,7 +7522,7 @@
                 </a:tc>
                 <a:extLst>
                   <a:ext uri="{0D108BD9-81ED-4DB2-BD59-A6C34878D82A}">
-                    <a16:rowId xmlns="" xmlns:a16="http://schemas.microsoft.com/office/drawing/2014/main" val="1362299918"/>
+                    <a16:rowId xmlns:a16="http://schemas.microsoft.com/office/drawing/2014/main" xmlns="" val="1362299918"/>
                   </a:ext>
                 </a:extLst>
               </a:tr>
@@ -7757,7 +7758,7 @@
                 </a:tc>
                 <a:extLst>
                   <a:ext uri="{0D108BD9-81ED-4DB2-BD59-A6C34878D82A}">
-                    <a16:rowId xmlns="" xmlns:a16="http://schemas.microsoft.com/office/drawing/2014/main" val="2488866604"/>
+                    <a16:rowId xmlns:a16="http://schemas.microsoft.com/office/drawing/2014/main" xmlns="" val="2488866604"/>
                   </a:ext>
                 </a:extLst>
               </a:tr>
@@ -7980,7 +7981,7 @@
                 </a:tc>
                 <a:extLst>
                   <a:ext uri="{0D108BD9-81ED-4DB2-BD59-A6C34878D82A}">
-                    <a16:rowId xmlns="" xmlns:a16="http://schemas.microsoft.com/office/drawing/2014/main" val="2632365449"/>
+                    <a16:rowId xmlns:a16="http://schemas.microsoft.com/office/drawing/2014/main" xmlns="" val="2632365449"/>
                   </a:ext>
                 </a:extLst>
               </a:tr>
@@ -11612,6 +11613,489 @@
 
 <file path=ppt/slides/slide14.xml><?xml version="1.0" encoding="utf-8"?>
 <p:sld xmlns:a="http://schemas.openxmlformats.org/drawingml/2006/main" xmlns:r="http://schemas.openxmlformats.org/officeDocument/2006/relationships" xmlns:p="http://schemas.openxmlformats.org/presentationml/2006/main">
+  <p:cSld>
+    <p:spTree>
+      <p:nvGrpSpPr>
+        <p:cNvPr id="1" name=""/>
+        <p:cNvGrpSpPr/>
+        <p:nvPr/>
+      </p:nvGrpSpPr>
+      <p:grpSpPr>
+        <a:xfrm>
+          <a:off x="0" y="0"/>
+          <a:ext cx="0" cy="0"/>
+          <a:chOff x="0" y="0"/>
+          <a:chExt cx="0" cy="0"/>
+        </a:xfrm>
+      </p:grpSpPr>
+      <p:grpSp>
+        <p:nvGrpSpPr>
+          <p:cNvPr id="4" name="그룹 1015"/>
+          <p:cNvGrpSpPr/>
+          <p:nvPr/>
+        </p:nvGrpSpPr>
+        <p:grpSpPr>
+          <a:xfrm>
+            <a:off x="2538912" y="5995179"/>
+            <a:ext cx="121648" cy="121648"/>
+            <a:chOff x="2538912" y="5995179"/>
+            <a:chExt cx="121648" cy="121648"/>
+          </a:xfrm>
+        </p:grpSpPr>
+        <p:pic>
+          <p:nvPicPr>
+            <p:cNvPr id="5" name="Object 44"/>
+            <p:cNvPicPr>
+              <a:picLocks noChangeAspect="1"/>
+            </p:cNvPicPr>
+            <p:nvPr/>
+          </p:nvPicPr>
+          <p:blipFill>
+            <a:blip r:embed="rId2" cstate="print"/>
+            <a:stretch>
+              <a:fillRect/>
+            </a:stretch>
+          </p:blipFill>
+          <p:spPr>
+            <a:xfrm rot="-10800000">
+              <a:off x="2538912" y="5995179"/>
+              <a:ext cx="121648" cy="121648"/>
+            </a:xfrm>
+            <a:prstGeom prst="rect">
+              <a:avLst/>
+            </a:prstGeom>
+          </p:spPr>
+        </p:pic>
+      </p:grpSp>
+      <p:grpSp>
+        <p:nvGrpSpPr>
+          <p:cNvPr id="6" name="그룹 1016"/>
+          <p:cNvGrpSpPr/>
+          <p:nvPr/>
+        </p:nvGrpSpPr>
+        <p:grpSpPr>
+          <a:xfrm>
+            <a:off x="2538912" y="6854812"/>
+            <a:ext cx="121648" cy="121648"/>
+            <a:chOff x="2538912" y="6854812"/>
+            <a:chExt cx="121648" cy="121648"/>
+          </a:xfrm>
+        </p:grpSpPr>
+        <p:pic>
+          <p:nvPicPr>
+            <p:cNvPr id="7" name="Object 49"/>
+            <p:cNvPicPr>
+              <a:picLocks noChangeAspect="1"/>
+            </p:cNvPicPr>
+            <p:nvPr/>
+          </p:nvPicPr>
+          <p:blipFill>
+            <a:blip r:embed="rId2" cstate="print"/>
+            <a:stretch>
+              <a:fillRect/>
+            </a:stretch>
+          </p:blipFill>
+          <p:spPr>
+            <a:xfrm rot="-10800000">
+              <a:off x="2538912" y="6854812"/>
+              <a:ext cx="121648" cy="121648"/>
+            </a:xfrm>
+            <a:prstGeom prst="rect">
+              <a:avLst/>
+            </a:prstGeom>
+          </p:spPr>
+        </p:pic>
+      </p:grpSp>
+      <p:grpSp>
+        <p:nvGrpSpPr>
+          <p:cNvPr id="8" name="그룹 1017"/>
+          <p:cNvGrpSpPr/>
+          <p:nvPr/>
+        </p:nvGrpSpPr>
+        <p:grpSpPr>
+          <a:xfrm>
+            <a:off x="2538912" y="7714446"/>
+            <a:ext cx="121648" cy="121648"/>
+            <a:chOff x="2538912" y="7714446"/>
+            <a:chExt cx="121648" cy="121648"/>
+          </a:xfrm>
+        </p:grpSpPr>
+        <p:pic>
+          <p:nvPicPr>
+            <p:cNvPr id="9" name="Object 53"/>
+            <p:cNvPicPr>
+              <a:picLocks noChangeAspect="1"/>
+            </p:cNvPicPr>
+            <p:nvPr/>
+          </p:nvPicPr>
+          <p:blipFill>
+            <a:blip r:embed="rId2" cstate="print"/>
+            <a:stretch>
+              <a:fillRect/>
+            </a:stretch>
+          </p:blipFill>
+          <p:spPr>
+            <a:xfrm rot="-10800000">
+              <a:off x="2538912" y="7714446"/>
+              <a:ext cx="121648" cy="121648"/>
+            </a:xfrm>
+            <a:prstGeom prst="rect">
+              <a:avLst/>
+            </a:prstGeom>
+          </p:spPr>
+        </p:pic>
+      </p:grpSp>
+      <p:grpSp>
+        <p:nvGrpSpPr>
+          <p:cNvPr id="10" name="그룹 1018"/>
+          <p:cNvGrpSpPr/>
+          <p:nvPr/>
+        </p:nvGrpSpPr>
+        <p:grpSpPr>
+          <a:xfrm>
+            <a:off x="2538912" y="8574080"/>
+            <a:ext cx="121648" cy="121648"/>
+            <a:chOff x="2538912" y="8574080"/>
+            <a:chExt cx="121648" cy="121648"/>
+          </a:xfrm>
+        </p:grpSpPr>
+        <p:pic>
+          <p:nvPicPr>
+            <p:cNvPr id="11" name="Object 57"/>
+            <p:cNvPicPr>
+              <a:picLocks noChangeAspect="1"/>
+            </p:cNvPicPr>
+            <p:nvPr/>
+          </p:nvPicPr>
+          <p:blipFill>
+            <a:blip r:embed="rId2" cstate="print"/>
+            <a:stretch>
+              <a:fillRect/>
+            </a:stretch>
+          </p:blipFill>
+          <p:spPr>
+            <a:xfrm rot="-10800000">
+              <a:off x="2538912" y="8574080"/>
+              <a:ext cx="121648" cy="121648"/>
+            </a:xfrm>
+            <a:prstGeom prst="rect">
+              <a:avLst/>
+            </a:prstGeom>
+          </p:spPr>
+        </p:pic>
+      </p:grpSp>
+      <p:grpSp>
+        <p:nvGrpSpPr>
+          <p:cNvPr id="12" name="그룹 1019"/>
+          <p:cNvGrpSpPr/>
+          <p:nvPr/>
+        </p:nvGrpSpPr>
+        <p:grpSpPr>
+          <a:xfrm>
+            <a:off x="6393432" y="6369174"/>
+            <a:ext cx="5498850" cy="72326"/>
+            <a:chOff x="6393432" y="6369174"/>
+            <a:chExt cx="5498850" cy="72326"/>
+          </a:xfrm>
+        </p:grpSpPr>
+        <p:pic>
+          <p:nvPicPr>
+            <p:cNvPr id="13" name="Object 61"/>
+            <p:cNvPicPr>
+              <a:picLocks noChangeAspect="1"/>
+            </p:cNvPicPr>
+            <p:nvPr/>
+          </p:nvPicPr>
+          <p:blipFill>
+            <a:blip r:embed="rId3" cstate="print"/>
+            <a:stretch>
+              <a:fillRect/>
+            </a:stretch>
+          </p:blipFill>
+          <p:spPr>
+            <a:xfrm rot="-5400000">
+              <a:off x="6393432" y="6369174"/>
+              <a:ext cx="5498850" cy="72326"/>
+            </a:xfrm>
+            <a:prstGeom prst="rect">
+              <a:avLst/>
+            </a:prstGeom>
+          </p:spPr>
+        </p:pic>
+      </p:grpSp>
+      <p:grpSp>
+        <p:nvGrpSpPr>
+          <p:cNvPr id="14" name="그룹 1029"/>
+          <p:cNvGrpSpPr/>
+          <p:nvPr/>
+        </p:nvGrpSpPr>
+        <p:grpSpPr>
+          <a:xfrm>
+            <a:off x="10622335" y="6002381"/>
+            <a:ext cx="121648" cy="121648"/>
+            <a:chOff x="10622335" y="6002381"/>
+            <a:chExt cx="121648" cy="121648"/>
+          </a:xfrm>
+        </p:grpSpPr>
+        <p:pic>
+          <p:nvPicPr>
+            <p:cNvPr id="15" name="Object 90"/>
+            <p:cNvPicPr>
+              <a:picLocks noChangeAspect="1"/>
+            </p:cNvPicPr>
+            <p:nvPr/>
+          </p:nvPicPr>
+          <p:blipFill>
+            <a:blip r:embed="rId2" cstate="print"/>
+            <a:stretch>
+              <a:fillRect/>
+            </a:stretch>
+          </p:blipFill>
+          <p:spPr>
+            <a:xfrm rot="-10800000">
+              <a:off x="10622335" y="6002381"/>
+              <a:ext cx="121648" cy="121648"/>
+            </a:xfrm>
+            <a:prstGeom prst="rect">
+              <a:avLst/>
+            </a:prstGeom>
+          </p:spPr>
+        </p:pic>
+      </p:grpSp>
+      <p:grpSp>
+        <p:nvGrpSpPr>
+          <p:cNvPr id="16" name="그룹 1030"/>
+          <p:cNvGrpSpPr/>
+          <p:nvPr/>
+        </p:nvGrpSpPr>
+        <p:grpSpPr>
+          <a:xfrm>
+            <a:off x="10622335" y="6862015"/>
+            <a:ext cx="121648" cy="121648"/>
+            <a:chOff x="10622335" y="6862015"/>
+            <a:chExt cx="121648" cy="121648"/>
+          </a:xfrm>
+        </p:grpSpPr>
+        <p:pic>
+          <p:nvPicPr>
+            <p:cNvPr id="17" name="Object 94"/>
+            <p:cNvPicPr>
+              <a:picLocks noChangeAspect="1"/>
+            </p:cNvPicPr>
+            <p:nvPr/>
+          </p:nvPicPr>
+          <p:blipFill>
+            <a:blip r:embed="rId2" cstate="print"/>
+            <a:stretch>
+              <a:fillRect/>
+            </a:stretch>
+          </p:blipFill>
+          <p:spPr>
+            <a:xfrm rot="-10800000">
+              <a:off x="10622335" y="6862015"/>
+              <a:ext cx="121648" cy="121648"/>
+            </a:xfrm>
+            <a:prstGeom prst="rect">
+              <a:avLst/>
+            </a:prstGeom>
+          </p:spPr>
+        </p:pic>
+      </p:grpSp>
+      <p:grpSp>
+        <p:nvGrpSpPr>
+          <p:cNvPr id="18" name="그룹 1031"/>
+          <p:cNvGrpSpPr/>
+          <p:nvPr/>
+        </p:nvGrpSpPr>
+        <p:grpSpPr>
+          <a:xfrm>
+            <a:off x="10622335" y="7721648"/>
+            <a:ext cx="121648" cy="121648"/>
+            <a:chOff x="10622335" y="7721648"/>
+            <a:chExt cx="121648" cy="121648"/>
+          </a:xfrm>
+        </p:grpSpPr>
+        <p:pic>
+          <p:nvPicPr>
+            <p:cNvPr id="19" name="Object 98"/>
+            <p:cNvPicPr>
+              <a:picLocks noChangeAspect="1"/>
+            </p:cNvPicPr>
+            <p:nvPr/>
+          </p:nvPicPr>
+          <p:blipFill>
+            <a:blip r:embed="rId2" cstate="print"/>
+            <a:stretch>
+              <a:fillRect/>
+            </a:stretch>
+          </p:blipFill>
+          <p:spPr>
+            <a:xfrm rot="-10800000">
+              <a:off x="10622335" y="7721648"/>
+              <a:ext cx="121648" cy="121648"/>
+            </a:xfrm>
+            <a:prstGeom prst="rect">
+              <a:avLst/>
+            </a:prstGeom>
+          </p:spPr>
+        </p:pic>
+      </p:grpSp>
+      <p:grpSp>
+        <p:nvGrpSpPr>
+          <p:cNvPr id="20" name="그룹 1032"/>
+          <p:cNvGrpSpPr/>
+          <p:nvPr/>
+        </p:nvGrpSpPr>
+        <p:grpSpPr>
+          <a:xfrm>
+            <a:off x="10622335" y="8581282"/>
+            <a:ext cx="121648" cy="121648"/>
+            <a:chOff x="10622335" y="8581282"/>
+            <a:chExt cx="121648" cy="121648"/>
+          </a:xfrm>
+        </p:grpSpPr>
+        <p:pic>
+          <p:nvPicPr>
+            <p:cNvPr id="21" name="Object 102"/>
+            <p:cNvPicPr>
+              <a:picLocks noChangeAspect="1"/>
+            </p:cNvPicPr>
+            <p:nvPr/>
+          </p:nvPicPr>
+          <p:blipFill>
+            <a:blip r:embed="rId2" cstate="print"/>
+            <a:stretch>
+              <a:fillRect/>
+            </a:stretch>
+          </p:blipFill>
+          <p:spPr>
+            <a:xfrm rot="-10800000">
+              <a:off x="10622335" y="8581282"/>
+              <a:ext cx="121648" cy="121648"/>
+            </a:xfrm>
+            <a:prstGeom prst="rect">
+              <a:avLst/>
+            </a:prstGeom>
+          </p:spPr>
+        </p:pic>
+      </p:grpSp>
+      <p:grpSp>
+        <p:nvGrpSpPr>
+          <p:cNvPr id="22" name="그룹 1033"/>
+          <p:cNvGrpSpPr/>
+          <p:nvPr/>
+        </p:nvGrpSpPr>
+        <p:grpSpPr>
+          <a:xfrm>
+            <a:off x="-522334" y="-163985"/>
+            <a:ext cx="3464994" cy="3059223"/>
+            <a:chOff x="-522334" y="-163985"/>
+            <a:chExt cx="3464994" cy="3059223"/>
+          </a:xfrm>
+        </p:grpSpPr>
+        <p:pic>
+          <p:nvPicPr>
+            <p:cNvPr id="23" name="Object 106"/>
+            <p:cNvPicPr>
+              <a:picLocks noChangeAspect="1"/>
+            </p:cNvPicPr>
+            <p:nvPr/>
+          </p:nvPicPr>
+          <p:blipFill>
+            <a:blip r:embed="rId4" cstate="print"/>
+            <a:stretch>
+              <a:fillRect/>
+            </a:stretch>
+          </p:blipFill>
+          <p:spPr>
+            <a:xfrm>
+              <a:off x="-2055152" y="-1493917"/>
+              <a:ext cx="6929988" cy="6118447"/>
+            </a:xfrm>
+            <a:prstGeom prst="rect">
+              <a:avLst/>
+            </a:prstGeom>
+          </p:spPr>
+        </p:pic>
+        <p:pic>
+          <p:nvPicPr>
+            <p:cNvPr id="24" name="Object 107"/>
+            <p:cNvPicPr>
+              <a:picLocks noChangeAspect="1"/>
+            </p:cNvPicPr>
+            <p:nvPr/>
+          </p:nvPicPr>
+          <p:blipFill>
+            <a:blip r:embed="rId5" cstate="print"/>
+            <a:stretch>
+              <a:fillRect/>
+            </a:stretch>
+          </p:blipFill>
+          <p:spPr>
+            <a:xfrm>
+              <a:off x="-522334" y="-163985"/>
+              <a:ext cx="3464994" cy="3059223"/>
+            </a:xfrm>
+            <a:prstGeom prst="rect">
+              <a:avLst/>
+            </a:prstGeom>
+          </p:spPr>
+        </p:pic>
+      </p:grpSp>
+      <p:grpSp>
+        <p:nvGrpSpPr>
+          <p:cNvPr id="25" name="그룹 1034"/>
+          <p:cNvGrpSpPr/>
+          <p:nvPr/>
+        </p:nvGrpSpPr>
+        <p:grpSpPr>
+          <a:xfrm>
+            <a:off x="16484345" y="6628571"/>
+            <a:ext cx="3042806" cy="2830284"/>
+            <a:chOff x="16484345" y="6628571"/>
+            <a:chExt cx="3042806" cy="2830284"/>
+          </a:xfrm>
+        </p:grpSpPr>
+        <p:pic>
+          <p:nvPicPr>
+            <p:cNvPr id="26" name="Object 110"/>
+            <p:cNvPicPr>
+              <a:picLocks noChangeAspect="1"/>
+            </p:cNvPicPr>
+            <p:nvPr/>
+          </p:nvPicPr>
+          <p:blipFill>
+            <a:blip r:embed="rId6" cstate="print"/>
+            <a:stretch>
+              <a:fillRect/>
+            </a:stretch>
+          </p:blipFill>
+          <p:spPr>
+            <a:xfrm>
+              <a:off x="16484345" y="6628571"/>
+              <a:ext cx="3042806" cy="2830284"/>
+            </a:xfrm>
+            <a:prstGeom prst="rect">
+              <a:avLst/>
+            </a:prstGeom>
+          </p:spPr>
+        </p:pic>
+      </p:grpSp>
+    </p:spTree>
+    <p:extLst>
+      <p:ext uri="{BB962C8B-B14F-4D97-AF65-F5344CB8AC3E}">
+        <p14:creationId xmlns:p14="http://schemas.microsoft.com/office/powerpoint/2010/main" val="655793561"/>
+      </p:ext>
+    </p:extLst>
+  </p:cSld>
+  <p:clrMapOvr>
+    <a:masterClrMapping/>
+  </p:clrMapOvr>
+</p:sld>
+</file>
+
+<file path=ppt/slides/slide15.xml><?xml version="1.0" encoding="utf-8"?>
+<p:sld xmlns:a="http://schemas.openxmlformats.org/drawingml/2006/main" xmlns:r="http://schemas.openxmlformats.org/officeDocument/2006/relationships" xmlns:p="http://schemas.openxmlformats.org/presentationml/2006/main">
   <p:cSld name="Slide 13">
     <p:bg>
       <p:bgPr>
@@ -11856,7 +12340,7 @@
 </p:sld>
 </file>
 
-<file path=ppt/slides/slide15.xml><?xml version="1.0" encoding="utf-8"?>
+<file path=ppt/slides/slide16.xml><?xml version="1.0" encoding="utf-8"?>
 <p:sld xmlns:a="http://schemas.openxmlformats.org/drawingml/2006/main" xmlns:r="http://schemas.openxmlformats.org/officeDocument/2006/relationships" xmlns:p="http://schemas.openxmlformats.org/presentationml/2006/main">
   <p:cSld name="Slide 14">
     <p:bg>
@@ -12117,7 +12601,7 @@
 </p:sld>
 </file>
 
-<file path=ppt/slides/slide16.xml><?xml version="1.0" encoding="utf-8"?>
+<file path=ppt/slides/slide17.xml><?xml version="1.0" encoding="utf-8"?>
 <p:sld xmlns:a="http://schemas.openxmlformats.org/drawingml/2006/main" xmlns:r="http://schemas.openxmlformats.org/officeDocument/2006/relationships" xmlns:p="http://schemas.openxmlformats.org/presentationml/2006/main">
   <p:cSld name="Slide 15">
     <p:bg>
@@ -13704,7 +14188,7 @@
 </p:sld>
 </file>
 
-<file path=ppt/slides/slide17.xml><?xml version="1.0" encoding="utf-8"?>
+<file path=ppt/slides/slide18.xml><?xml version="1.0" encoding="utf-8"?>
 <p:sld xmlns:a="http://schemas.openxmlformats.org/drawingml/2006/main" xmlns:r="http://schemas.openxmlformats.org/officeDocument/2006/relationships" xmlns:p="http://schemas.openxmlformats.org/presentationml/2006/main">
   <p:cSld name="Slide 16">
     <p:bg>
@@ -14775,7 +15259,7 @@
 </p:sld>
 </file>
 
-<file path=ppt/slides/slide18.xml><?xml version="1.0" encoding="utf-8"?>
+<file path=ppt/slides/slide19.xml><?xml version="1.0" encoding="utf-8"?>
 <p:sld xmlns:a="http://schemas.openxmlformats.org/drawingml/2006/main" xmlns:r="http://schemas.openxmlformats.org/officeDocument/2006/relationships" xmlns:p="http://schemas.openxmlformats.org/presentationml/2006/main">
   <p:cSld name="Slide 17">
     <p:bg>
@@ -15834,1365 +16318,6 @@
             <a:xfrm>
               <a:off x="-1529056" y="6339728"/>
               <a:ext cx="3464994" cy="3188741"/>
-            </a:xfrm>
-            <a:prstGeom prst="rect">
-              <a:avLst/>
-            </a:prstGeom>
-          </p:spPr>
-        </p:pic>
-      </p:grpSp>
-    </p:spTree>
-  </p:cSld>
-  <p:clrMapOvr>
-    <a:masterClrMapping/>
-  </p:clrMapOvr>
-</p:sld>
-</file>
-
-<file path=ppt/slides/slide19.xml><?xml version="1.0" encoding="utf-8"?>
-<p:sld xmlns:a="http://schemas.openxmlformats.org/drawingml/2006/main" xmlns:r="http://schemas.openxmlformats.org/officeDocument/2006/relationships" xmlns:p="http://schemas.openxmlformats.org/presentationml/2006/main">
-  <p:cSld name="Slide 18">
-    <p:bg>
-      <p:bgPr>
-        <a:solidFill>
-          <a:srgbClr val="FFFFFF"/>
-        </a:solidFill>
-        <a:effectLst/>
-      </p:bgPr>
-    </p:bg>
-    <p:spTree>
-      <p:nvGrpSpPr>
-        <p:cNvPr id="1" name=""/>
-        <p:cNvGrpSpPr/>
-        <p:nvPr/>
-      </p:nvGrpSpPr>
-      <p:grpSpPr>
-        <a:xfrm>
-          <a:off x="0" y="0"/>
-          <a:ext cx="0" cy="0"/>
-          <a:chOff x="0" y="0"/>
-          <a:chExt cx="0" cy="0"/>
-        </a:xfrm>
-      </p:grpSpPr>
-      <p:grpSp>
-        <p:nvGrpSpPr>
-          <p:cNvPr id="1001" name="그룹 1001"/>
-          <p:cNvGrpSpPr/>
-          <p:nvPr/>
-        </p:nvGrpSpPr>
-        <p:grpSpPr>
-          <a:xfrm>
-            <a:off x="3104393" y="6503764"/>
-            <a:ext cx="12491513" cy="1069570"/>
-            <a:chOff x="3104393" y="6503764"/>
-            <a:chExt cx="12491513" cy="1069570"/>
-          </a:xfrm>
-        </p:grpSpPr>
-        <p:grpSp>
-          <p:nvGrpSpPr>
-            <p:cNvPr id="1002" name="그룹 1002"/>
-            <p:cNvGrpSpPr/>
-            <p:nvPr/>
-          </p:nvGrpSpPr>
-          <p:grpSpPr>
-            <a:xfrm>
-              <a:off x="3123810" y="6503764"/>
-              <a:ext cx="12457143" cy="72326"/>
-              <a:chOff x="3123810" y="6503764"/>
-              <a:chExt cx="12457143" cy="72326"/>
-            </a:xfrm>
-          </p:grpSpPr>
-          <p:pic>
-            <p:nvPicPr>
-              <p:cNvPr id="4" name="Object 3"/>
-              <p:cNvPicPr>
-                <a:picLocks noChangeAspect="1"/>
-              </p:cNvPicPr>
-              <p:nvPr/>
-            </p:nvPicPr>
-            <p:blipFill>
-              <a:blip r:embed="rId2" cstate="print"/>
-              <a:stretch>
-                <a:fillRect/>
-              </a:stretch>
-            </p:blipFill>
-            <p:spPr>
-              <a:xfrm>
-                <a:off x="3123810" y="6503764"/>
-                <a:ext cx="12457143" cy="72326"/>
-              </a:xfrm>
-              <a:prstGeom prst="rect">
-                <a:avLst/>
-              </a:prstGeom>
-            </p:spPr>
-          </p:pic>
-        </p:grpSp>
-        <p:grpSp>
-          <p:nvGrpSpPr>
-            <p:cNvPr id="1003" name="그룹 1003"/>
-            <p:cNvGrpSpPr/>
-            <p:nvPr/>
-          </p:nvGrpSpPr>
-          <p:grpSpPr>
-            <a:xfrm>
-              <a:off x="2643867" y="7040481"/>
-              <a:ext cx="993379" cy="72326"/>
-              <a:chOff x="2643867" y="7040481"/>
-              <a:chExt cx="993379" cy="72326"/>
-            </a:xfrm>
-          </p:grpSpPr>
-          <p:pic>
-            <p:nvPicPr>
-              <p:cNvPr id="7" name="Object 6"/>
-              <p:cNvPicPr>
-                <a:picLocks noChangeAspect="1"/>
-              </p:cNvPicPr>
-              <p:nvPr/>
-            </p:nvPicPr>
-            <p:blipFill>
-              <a:blip r:embed="rId3" cstate="print"/>
-              <a:stretch>
-                <a:fillRect/>
-              </a:stretch>
-            </p:blipFill>
-            <p:spPr>
-              <a:xfrm rot="-5400000">
-                <a:off x="2643867" y="7040481"/>
-                <a:ext cx="993379" cy="72326"/>
-              </a:xfrm>
-              <a:prstGeom prst="rect">
-                <a:avLst/>
-              </a:prstGeom>
-            </p:spPr>
-          </p:pic>
-        </p:grpSp>
-        <p:grpSp>
-          <p:nvGrpSpPr>
-            <p:cNvPr id="1004" name="그룹 1004"/>
-            <p:cNvGrpSpPr/>
-            <p:nvPr/>
-          </p:nvGrpSpPr>
-          <p:grpSpPr>
-            <a:xfrm>
-              <a:off x="6779119" y="7040481"/>
-              <a:ext cx="993379" cy="72326"/>
-              <a:chOff x="6779119" y="7040481"/>
-              <a:chExt cx="993379" cy="72326"/>
-            </a:xfrm>
-          </p:grpSpPr>
-          <p:pic>
-            <p:nvPicPr>
-              <p:cNvPr id="10" name="Object 9"/>
-              <p:cNvPicPr>
-                <a:picLocks noChangeAspect="1"/>
-              </p:cNvPicPr>
-              <p:nvPr/>
-            </p:nvPicPr>
-            <p:blipFill>
-              <a:blip r:embed="rId3" cstate="print"/>
-              <a:stretch>
-                <a:fillRect/>
-              </a:stretch>
-            </p:blipFill>
-            <p:spPr>
-              <a:xfrm rot="-5400000">
-                <a:off x="6779119" y="7040481"/>
-                <a:ext cx="993379" cy="72326"/>
-              </a:xfrm>
-              <a:prstGeom prst="rect">
-                <a:avLst/>
-              </a:prstGeom>
-            </p:spPr>
-          </p:pic>
-        </p:grpSp>
-        <p:grpSp>
-          <p:nvGrpSpPr>
-            <p:cNvPr id="1005" name="그룹 1005"/>
-            <p:cNvGrpSpPr/>
-            <p:nvPr/>
-          </p:nvGrpSpPr>
-          <p:grpSpPr>
-            <a:xfrm>
-              <a:off x="10914371" y="7040481"/>
-              <a:ext cx="993379" cy="72326"/>
-              <a:chOff x="10914371" y="7040481"/>
-              <a:chExt cx="993379" cy="72326"/>
-            </a:xfrm>
-          </p:grpSpPr>
-          <p:pic>
-            <p:nvPicPr>
-              <p:cNvPr id="13" name="Object 12"/>
-              <p:cNvPicPr>
-                <a:picLocks noChangeAspect="1"/>
-              </p:cNvPicPr>
-              <p:nvPr/>
-            </p:nvPicPr>
-            <p:blipFill>
-              <a:blip r:embed="rId3" cstate="print"/>
-              <a:stretch>
-                <a:fillRect/>
-              </a:stretch>
-            </p:blipFill>
-            <p:spPr>
-              <a:xfrm rot="-5400000">
-                <a:off x="10914371" y="7040481"/>
-                <a:ext cx="993379" cy="72326"/>
-              </a:xfrm>
-              <a:prstGeom prst="rect">
-                <a:avLst/>
-              </a:prstGeom>
-            </p:spPr>
-          </p:pic>
-        </p:grpSp>
-        <p:grpSp>
-          <p:nvGrpSpPr>
-            <p:cNvPr id="1006" name="그룹 1006"/>
-            <p:cNvGrpSpPr/>
-            <p:nvPr/>
-          </p:nvGrpSpPr>
-          <p:grpSpPr>
-            <a:xfrm>
-              <a:off x="15063054" y="7040481"/>
-              <a:ext cx="993379" cy="72326"/>
-              <a:chOff x="15063054" y="7040481"/>
-              <a:chExt cx="993379" cy="72326"/>
-            </a:xfrm>
-          </p:grpSpPr>
-          <p:pic>
-            <p:nvPicPr>
-              <p:cNvPr id="16" name="Object 15"/>
-              <p:cNvPicPr>
-                <a:picLocks noChangeAspect="1"/>
-              </p:cNvPicPr>
-              <p:nvPr/>
-            </p:nvPicPr>
-            <p:blipFill>
-              <a:blip r:embed="rId3" cstate="print"/>
-              <a:stretch>
-                <a:fillRect/>
-              </a:stretch>
-            </p:blipFill>
-            <p:spPr>
-              <a:xfrm rot="-5400000">
-                <a:off x="15063054" y="7040481"/>
-                <a:ext cx="993379" cy="72326"/>
-              </a:xfrm>
-              <a:prstGeom prst="rect">
-                <a:avLst/>
-              </a:prstGeom>
-            </p:spPr>
-          </p:pic>
-        </p:grpSp>
-      </p:grpSp>
-      <p:grpSp>
-        <p:nvGrpSpPr>
-          <p:cNvPr id="1007" name="그룹 1007"/>
-          <p:cNvGrpSpPr/>
-          <p:nvPr/>
-        </p:nvGrpSpPr>
-        <p:grpSpPr>
-          <a:xfrm>
-            <a:off x="5358730" y="5313388"/>
-            <a:ext cx="8101587" cy="72326"/>
-            <a:chOff x="5358730" y="5313388"/>
-            <a:chExt cx="8101587" cy="72326"/>
-          </a:xfrm>
-        </p:grpSpPr>
-        <p:pic>
-          <p:nvPicPr>
-            <p:cNvPr id="20" name="Object 19"/>
-            <p:cNvPicPr>
-              <a:picLocks noChangeAspect="1"/>
-            </p:cNvPicPr>
-            <p:nvPr/>
-          </p:nvPicPr>
-          <p:blipFill>
-            <a:blip r:embed="rId4" cstate="print"/>
-            <a:stretch>
-              <a:fillRect/>
-            </a:stretch>
-          </p:blipFill>
-          <p:spPr>
-            <a:xfrm>
-              <a:off x="5358730" y="5313388"/>
-              <a:ext cx="8101587" cy="72326"/>
-            </a:xfrm>
-            <a:prstGeom prst="rect">
-              <a:avLst/>
-            </a:prstGeom>
-          </p:spPr>
-        </p:pic>
-      </p:grpSp>
-      <p:grpSp>
-        <p:nvGrpSpPr>
-          <p:cNvPr id="1008" name="그룹 1008"/>
-          <p:cNvGrpSpPr/>
-          <p:nvPr/>
-        </p:nvGrpSpPr>
-        <p:grpSpPr>
-          <a:xfrm>
-            <a:off x="1333691" y="7611905"/>
-            <a:ext cx="3613731" cy="1229261"/>
-            <a:chOff x="1333691" y="7611905"/>
-            <a:chExt cx="3613731" cy="1229261"/>
-          </a:xfrm>
-        </p:grpSpPr>
-        <p:pic>
-          <p:nvPicPr>
-            <p:cNvPr id="23" name="Object 22"/>
-            <p:cNvPicPr>
-              <a:picLocks noChangeAspect="1"/>
-            </p:cNvPicPr>
-            <p:nvPr/>
-          </p:nvPicPr>
-          <p:blipFill>
-            <a:blip r:embed="rId5" cstate="print"/>
-            <a:stretch>
-              <a:fillRect/>
-            </a:stretch>
-          </p:blipFill>
-          <p:spPr>
-            <a:xfrm>
-              <a:off x="1333691" y="7611905"/>
-              <a:ext cx="3613731" cy="1229261"/>
-            </a:xfrm>
-            <a:prstGeom prst="rect">
-              <a:avLst/>
-            </a:prstGeom>
-          </p:spPr>
-        </p:pic>
-      </p:grpSp>
-      <p:grpSp>
-        <p:nvGrpSpPr>
-          <p:cNvPr id="1009" name="그룹 1009"/>
-          <p:cNvGrpSpPr/>
-          <p:nvPr/>
-        </p:nvGrpSpPr>
-        <p:grpSpPr>
-          <a:xfrm>
-            <a:off x="5468943" y="7611905"/>
-            <a:ext cx="3613731" cy="1229261"/>
-            <a:chOff x="5468943" y="7611905"/>
-            <a:chExt cx="3613731" cy="1229261"/>
-          </a:xfrm>
-        </p:grpSpPr>
-        <p:pic>
-          <p:nvPicPr>
-            <p:cNvPr id="26" name="Object 25"/>
-            <p:cNvPicPr>
-              <a:picLocks noChangeAspect="1"/>
-            </p:cNvPicPr>
-            <p:nvPr/>
-          </p:nvPicPr>
-          <p:blipFill>
-            <a:blip r:embed="rId6" cstate="print"/>
-            <a:stretch>
-              <a:fillRect/>
-            </a:stretch>
-          </p:blipFill>
-          <p:spPr>
-            <a:xfrm>
-              <a:off x="5468943" y="7611905"/>
-              <a:ext cx="3613731" cy="1229261"/>
-            </a:xfrm>
-            <a:prstGeom prst="rect">
-              <a:avLst/>
-            </a:prstGeom>
-          </p:spPr>
-        </p:pic>
-      </p:grpSp>
-      <p:grpSp>
-        <p:nvGrpSpPr>
-          <p:cNvPr id="1010" name="그룹 1010"/>
-          <p:cNvGrpSpPr/>
-          <p:nvPr/>
-        </p:nvGrpSpPr>
-        <p:grpSpPr>
-          <a:xfrm>
-            <a:off x="9604195" y="7611905"/>
-            <a:ext cx="3613731" cy="1229261"/>
-            <a:chOff x="9604195" y="7611905"/>
-            <a:chExt cx="3613731" cy="1229261"/>
-          </a:xfrm>
-        </p:grpSpPr>
-        <p:pic>
-          <p:nvPicPr>
-            <p:cNvPr id="29" name="Object 28"/>
-            <p:cNvPicPr>
-              <a:picLocks noChangeAspect="1"/>
-            </p:cNvPicPr>
-            <p:nvPr/>
-          </p:nvPicPr>
-          <p:blipFill>
-            <a:blip r:embed="rId7" cstate="print"/>
-            <a:stretch>
-              <a:fillRect/>
-            </a:stretch>
-          </p:blipFill>
-          <p:spPr>
-            <a:xfrm>
-              <a:off x="9604195" y="7611905"/>
-              <a:ext cx="3613731" cy="1229261"/>
-            </a:xfrm>
-            <a:prstGeom prst="rect">
-              <a:avLst/>
-            </a:prstGeom>
-          </p:spPr>
-        </p:pic>
-      </p:grpSp>
-      <p:grpSp>
-        <p:nvGrpSpPr>
-          <p:cNvPr id="1011" name="그룹 1011"/>
-          <p:cNvGrpSpPr/>
-          <p:nvPr/>
-        </p:nvGrpSpPr>
-        <p:grpSpPr>
-          <a:xfrm>
-            <a:off x="13752878" y="7611905"/>
-            <a:ext cx="3613731" cy="1229261"/>
-            <a:chOff x="13752878" y="7611905"/>
-            <a:chExt cx="3613731" cy="1229261"/>
-          </a:xfrm>
-        </p:grpSpPr>
-        <p:pic>
-          <p:nvPicPr>
-            <p:cNvPr id="32" name="Object 31"/>
-            <p:cNvPicPr>
-              <a:picLocks noChangeAspect="1"/>
-            </p:cNvPicPr>
-            <p:nvPr/>
-          </p:nvPicPr>
-          <p:blipFill>
-            <a:blip r:embed="rId8" cstate="print"/>
-            <a:stretch>
-              <a:fillRect/>
-            </a:stretch>
-          </p:blipFill>
-          <p:spPr>
-            <a:xfrm>
-              <a:off x="13752878" y="7611905"/>
-              <a:ext cx="3613731" cy="1229261"/>
-            </a:xfrm>
-            <a:prstGeom prst="rect">
-              <a:avLst/>
-            </a:prstGeom>
-          </p:spPr>
-        </p:pic>
-      </p:grpSp>
-      <p:pic>
-        <p:nvPicPr>
-          <p:cNvPr id="34" name="Object 33"/>
-          <p:cNvPicPr>
-            <a:picLocks noChangeAspect="1"/>
-          </p:cNvPicPr>
-          <p:nvPr/>
-        </p:nvPicPr>
-        <p:blipFill>
-          <a:blip r:embed="rId9" cstate="print"/>
-          <a:stretch>
-            <a:fillRect/>
-          </a:stretch>
-        </p:blipFill>
-        <p:spPr>
-          <a:xfrm>
-            <a:off x="2097330" y="7770392"/>
-            <a:ext cx="1905851" cy="616719"/>
-          </a:xfrm>
-          <a:prstGeom prst="rect">
-            <a:avLst/>
-          </a:prstGeom>
-        </p:spPr>
-      </p:pic>
-      <p:pic>
-        <p:nvPicPr>
-          <p:cNvPr id="35" name="Object 34"/>
-          <p:cNvPicPr>
-            <a:picLocks noChangeAspect="1"/>
-          </p:cNvPicPr>
-          <p:nvPr/>
-        </p:nvPicPr>
-        <p:blipFill>
-          <a:blip r:embed="rId10" cstate="print"/>
-          <a:stretch>
-            <a:fillRect/>
-          </a:stretch>
-        </p:blipFill>
-        <p:spPr>
-          <a:xfrm>
-            <a:off x="1941905" y="8209556"/>
-            <a:ext cx="2247480" cy="404680"/>
-          </a:xfrm>
-          <a:prstGeom prst="rect">
-            <a:avLst/>
-          </a:prstGeom>
-        </p:spPr>
-      </p:pic>
-      <p:pic>
-        <p:nvPicPr>
-          <p:cNvPr id="36" name="Object 35"/>
-          <p:cNvPicPr>
-            <a:picLocks noChangeAspect="1"/>
-          </p:cNvPicPr>
-          <p:nvPr/>
-        </p:nvPicPr>
-        <p:blipFill>
-          <a:blip r:embed="rId9" cstate="print"/>
-          <a:stretch>
-            <a:fillRect/>
-          </a:stretch>
-        </p:blipFill>
-        <p:spPr>
-          <a:xfrm>
-            <a:off x="6232582" y="7770392"/>
-            <a:ext cx="1905851" cy="616719"/>
-          </a:xfrm>
-          <a:prstGeom prst="rect">
-            <a:avLst/>
-          </a:prstGeom>
-        </p:spPr>
-      </p:pic>
-      <p:pic>
-        <p:nvPicPr>
-          <p:cNvPr id="37" name="Object 36"/>
-          <p:cNvPicPr>
-            <a:picLocks noChangeAspect="1"/>
-          </p:cNvPicPr>
-          <p:nvPr/>
-        </p:nvPicPr>
-        <p:blipFill>
-          <a:blip r:embed="rId10" cstate="print"/>
-          <a:stretch>
-            <a:fillRect/>
-          </a:stretch>
-        </p:blipFill>
-        <p:spPr>
-          <a:xfrm>
-            <a:off x="6077157" y="8209556"/>
-            <a:ext cx="2247480" cy="404680"/>
-          </a:xfrm>
-          <a:prstGeom prst="rect">
-            <a:avLst/>
-          </a:prstGeom>
-        </p:spPr>
-      </p:pic>
-      <p:pic>
-        <p:nvPicPr>
-          <p:cNvPr id="38" name="Object 37"/>
-          <p:cNvPicPr>
-            <a:picLocks noChangeAspect="1"/>
-          </p:cNvPicPr>
-          <p:nvPr/>
-        </p:nvPicPr>
-        <p:blipFill>
-          <a:blip r:embed="rId9" cstate="print"/>
-          <a:stretch>
-            <a:fillRect/>
-          </a:stretch>
-        </p:blipFill>
-        <p:spPr>
-          <a:xfrm>
-            <a:off x="10367834" y="7770392"/>
-            <a:ext cx="1905851" cy="616719"/>
-          </a:xfrm>
-          <a:prstGeom prst="rect">
-            <a:avLst/>
-          </a:prstGeom>
-        </p:spPr>
-      </p:pic>
-      <p:pic>
-        <p:nvPicPr>
-          <p:cNvPr id="39" name="Object 38"/>
-          <p:cNvPicPr>
-            <a:picLocks noChangeAspect="1"/>
-          </p:cNvPicPr>
-          <p:nvPr/>
-        </p:nvPicPr>
-        <p:blipFill>
-          <a:blip r:embed="rId10" cstate="print"/>
-          <a:stretch>
-            <a:fillRect/>
-          </a:stretch>
-        </p:blipFill>
-        <p:spPr>
-          <a:xfrm>
-            <a:off x="10212409" y="8209556"/>
-            <a:ext cx="2247480" cy="404680"/>
-          </a:xfrm>
-          <a:prstGeom prst="rect">
-            <a:avLst/>
-          </a:prstGeom>
-        </p:spPr>
-      </p:pic>
-      <p:pic>
-        <p:nvPicPr>
-          <p:cNvPr id="40" name="Object 39"/>
-          <p:cNvPicPr>
-            <a:picLocks noChangeAspect="1"/>
-          </p:cNvPicPr>
-          <p:nvPr/>
-        </p:nvPicPr>
-        <p:blipFill>
-          <a:blip r:embed="rId9" cstate="print"/>
-          <a:stretch>
-            <a:fillRect/>
-          </a:stretch>
-        </p:blipFill>
-        <p:spPr>
-          <a:xfrm>
-            <a:off x="14516517" y="7770392"/>
-            <a:ext cx="1905851" cy="616719"/>
-          </a:xfrm>
-          <a:prstGeom prst="rect">
-            <a:avLst/>
-          </a:prstGeom>
-        </p:spPr>
-      </p:pic>
-      <p:pic>
-        <p:nvPicPr>
-          <p:cNvPr id="41" name="Object 40"/>
-          <p:cNvPicPr>
-            <a:picLocks noChangeAspect="1"/>
-          </p:cNvPicPr>
-          <p:nvPr/>
-        </p:nvPicPr>
-        <p:blipFill>
-          <a:blip r:embed="rId10" cstate="print"/>
-          <a:stretch>
-            <a:fillRect/>
-          </a:stretch>
-        </p:blipFill>
-        <p:spPr>
-          <a:xfrm>
-            <a:off x="14361092" y="8209556"/>
-            <a:ext cx="2247480" cy="404680"/>
-          </a:xfrm>
-          <a:prstGeom prst="rect">
-            <a:avLst/>
-          </a:prstGeom>
-        </p:spPr>
-      </p:pic>
-      <p:grpSp>
-        <p:nvGrpSpPr>
-          <p:cNvPr id="1012" name="그룹 1012"/>
-          <p:cNvGrpSpPr/>
-          <p:nvPr/>
-        </p:nvGrpSpPr>
-        <p:grpSpPr>
-          <a:xfrm>
-            <a:off x="14780952" y="394301"/>
-            <a:ext cx="2926792" cy="572055"/>
-            <a:chOff x="14780952" y="394301"/>
-            <a:chExt cx="2926792" cy="572055"/>
-          </a:xfrm>
-        </p:grpSpPr>
-        <p:pic>
-          <p:nvPicPr>
-            <p:cNvPr id="43" name="Object 42"/>
-            <p:cNvPicPr>
-              <a:picLocks noChangeAspect="1"/>
-            </p:cNvPicPr>
-            <p:nvPr/>
-          </p:nvPicPr>
-          <p:blipFill>
-            <a:blip r:embed="rId11" cstate="print"/>
-            <a:stretch>
-              <a:fillRect/>
-            </a:stretch>
-          </p:blipFill>
-          <p:spPr>
-            <a:xfrm>
-              <a:off x="14750307" y="471765"/>
-              <a:ext cx="2488599" cy="362335"/>
-            </a:xfrm>
-            <a:prstGeom prst="rect">
-              <a:avLst/>
-            </a:prstGeom>
-          </p:spPr>
-        </p:pic>
-        <p:pic>
-          <p:nvPicPr>
-            <p:cNvPr id="44" name="Object 43"/>
-            <p:cNvPicPr>
-              <a:picLocks noChangeAspect="1"/>
-            </p:cNvPicPr>
-            <p:nvPr/>
-          </p:nvPicPr>
-          <p:blipFill>
-            <a:blip r:embed="rId12" cstate="print"/>
-            <a:stretch>
-              <a:fillRect/>
-            </a:stretch>
-          </p:blipFill>
-          <p:spPr>
-            <a:xfrm>
-              <a:off x="17064169" y="333009"/>
-              <a:ext cx="804679" cy="708122"/>
-            </a:xfrm>
-            <a:prstGeom prst="rect">
-              <a:avLst/>
-            </a:prstGeom>
-          </p:spPr>
-        </p:pic>
-      </p:grpSp>
-      <p:pic>
-        <p:nvPicPr>
-          <p:cNvPr id="46" name="Object 45"/>
-          <p:cNvPicPr>
-            <a:picLocks noChangeAspect="1"/>
-          </p:cNvPicPr>
-          <p:nvPr/>
-        </p:nvPicPr>
-        <p:blipFill>
-          <a:blip r:embed="rId13" cstate="print"/>
-          <a:stretch>
-            <a:fillRect/>
-          </a:stretch>
-        </p:blipFill>
-        <p:spPr>
-          <a:xfrm>
-            <a:off x="1600002" y="1439687"/>
-            <a:ext cx="5717444" cy="1141241"/>
-          </a:xfrm>
-          <a:prstGeom prst="rect">
-            <a:avLst/>
-          </a:prstGeom>
-        </p:spPr>
-      </p:pic>
-      <p:pic>
-        <p:nvPicPr>
-          <p:cNvPr id="47" name="Object 46"/>
-          <p:cNvPicPr>
-            <a:picLocks noChangeAspect="1"/>
-          </p:cNvPicPr>
-          <p:nvPr/>
-        </p:nvPicPr>
-        <p:blipFill>
-          <a:blip r:embed="rId14" cstate="print"/>
-          <a:stretch>
-            <a:fillRect/>
-          </a:stretch>
-        </p:blipFill>
-        <p:spPr>
-          <a:xfrm>
-            <a:off x="7374615" y="1715899"/>
-            <a:ext cx="4155185" cy="745677"/>
-          </a:xfrm>
-          <a:prstGeom prst="rect">
-            <a:avLst/>
-          </a:prstGeom>
-        </p:spPr>
-      </p:pic>
-      <p:grpSp>
-        <p:nvGrpSpPr>
-          <p:cNvPr id="1013" name="그룹 1013"/>
-          <p:cNvGrpSpPr/>
-          <p:nvPr/>
-        </p:nvGrpSpPr>
-        <p:grpSpPr>
-          <a:xfrm>
-            <a:off x="7305119" y="3255660"/>
-            <a:ext cx="3753082" cy="1416959"/>
-            <a:chOff x="7305119" y="3255660"/>
-            <a:chExt cx="3753082" cy="1416959"/>
-          </a:xfrm>
-        </p:grpSpPr>
-        <p:grpSp>
-          <p:nvGrpSpPr>
-            <p:cNvPr id="1014" name="그룹 1014"/>
-            <p:cNvGrpSpPr/>
-            <p:nvPr/>
-          </p:nvGrpSpPr>
-          <p:grpSpPr>
-            <a:xfrm>
-              <a:off x="9194621" y="4072241"/>
-              <a:ext cx="120774" cy="600378"/>
-              <a:chOff x="9194621" y="4072241"/>
-              <a:chExt cx="120774" cy="600378"/>
-            </a:xfrm>
-          </p:grpSpPr>
-          <p:pic>
-            <p:nvPicPr>
-              <p:cNvPr id="50" name="Object 49"/>
-              <p:cNvPicPr>
-                <a:picLocks noChangeAspect="1"/>
-              </p:cNvPicPr>
-              <p:nvPr/>
-            </p:nvPicPr>
-            <p:blipFill>
-              <a:blip r:embed="rId15" cstate="print"/>
-              <a:stretch>
-                <a:fillRect/>
-              </a:stretch>
-            </p:blipFill>
-            <p:spPr>
-              <a:xfrm rot="-10800000">
-                <a:off x="9194621" y="4072241"/>
-                <a:ext cx="120774" cy="600378"/>
-              </a:xfrm>
-              <a:prstGeom prst="rect">
-                <a:avLst/>
-              </a:prstGeom>
-            </p:spPr>
-          </p:pic>
-        </p:grpSp>
-        <p:grpSp>
-          <p:nvGrpSpPr>
-            <p:cNvPr id="1015" name="그룹 1015"/>
-            <p:cNvGrpSpPr/>
-            <p:nvPr/>
-          </p:nvGrpSpPr>
-          <p:grpSpPr>
-            <a:xfrm>
-              <a:off x="7305119" y="3255660"/>
-              <a:ext cx="3753082" cy="785575"/>
-              <a:chOff x="7305119" y="3255660"/>
-              <a:chExt cx="3753082" cy="785575"/>
-            </a:xfrm>
-          </p:grpSpPr>
-          <p:pic>
-            <p:nvPicPr>
-              <p:cNvPr id="53" name="Object 52"/>
-              <p:cNvPicPr>
-                <a:picLocks noChangeAspect="1"/>
-              </p:cNvPicPr>
-              <p:nvPr/>
-            </p:nvPicPr>
-            <p:blipFill>
-              <a:blip r:embed="rId16" cstate="print"/>
-              <a:stretch>
-                <a:fillRect/>
-              </a:stretch>
-            </p:blipFill>
-            <p:spPr>
-              <a:xfrm>
-                <a:off x="7305119" y="3255660"/>
-                <a:ext cx="3753082" cy="785575"/>
-              </a:xfrm>
-              <a:prstGeom prst="rect">
-                <a:avLst/>
-              </a:prstGeom>
-            </p:spPr>
-          </p:pic>
-        </p:grpSp>
-      </p:grpSp>
-      <p:pic>
-        <p:nvPicPr>
-          <p:cNvPr id="56" name="Object 55"/>
-          <p:cNvPicPr>
-            <a:picLocks noChangeAspect="1"/>
-          </p:cNvPicPr>
-          <p:nvPr/>
-        </p:nvPicPr>
-        <p:blipFill>
-          <a:blip r:embed="rId17" cstate="print"/>
-          <a:stretch>
-            <a:fillRect/>
-          </a:stretch>
-        </p:blipFill>
-        <p:spPr>
-          <a:xfrm>
-            <a:off x="7436100" y="3370690"/>
-            <a:ext cx="3139057" cy="545663"/>
-          </a:xfrm>
-          <a:prstGeom prst="rect">
-            <a:avLst/>
-          </a:prstGeom>
-        </p:spPr>
-      </p:pic>
-      <p:grpSp>
-        <p:nvGrpSpPr>
-          <p:cNvPr id="1016" name="그룹 1016"/>
-          <p:cNvGrpSpPr/>
-          <p:nvPr/>
-        </p:nvGrpSpPr>
-        <p:grpSpPr>
-          <a:xfrm>
-            <a:off x="2803727" y="4828571"/>
-            <a:ext cx="3393622" cy="1762283"/>
-            <a:chOff x="2803727" y="4828571"/>
-            <a:chExt cx="3393622" cy="1762283"/>
-          </a:xfrm>
-        </p:grpSpPr>
-        <p:grpSp>
-          <p:nvGrpSpPr>
-            <p:cNvPr id="1017" name="그룹 1017"/>
-            <p:cNvGrpSpPr/>
-            <p:nvPr/>
-          </p:nvGrpSpPr>
-          <p:grpSpPr>
-            <a:xfrm>
-              <a:off x="4440151" y="5774603"/>
-              <a:ext cx="120774" cy="816251"/>
-              <a:chOff x="4440151" y="5774603"/>
-              <a:chExt cx="120774" cy="816251"/>
-            </a:xfrm>
-          </p:grpSpPr>
-          <p:pic>
-            <p:nvPicPr>
-              <p:cNvPr id="59" name="Object 58"/>
-              <p:cNvPicPr>
-                <a:picLocks noChangeAspect="1"/>
-              </p:cNvPicPr>
-              <p:nvPr/>
-            </p:nvPicPr>
-            <p:blipFill>
-              <a:blip r:embed="rId18" cstate="print"/>
-              <a:stretch>
-                <a:fillRect/>
-              </a:stretch>
-            </p:blipFill>
-            <p:spPr>
-              <a:xfrm rot="-10800000">
-                <a:off x="4440151" y="5774603"/>
-                <a:ext cx="120774" cy="816251"/>
-              </a:xfrm>
-              <a:prstGeom prst="rect">
-                <a:avLst/>
-              </a:prstGeom>
-            </p:spPr>
-          </p:pic>
-        </p:grpSp>
-        <p:grpSp>
-          <p:nvGrpSpPr>
-            <p:cNvPr id="1018" name="그룹 1018"/>
-            <p:cNvGrpSpPr/>
-            <p:nvPr/>
-          </p:nvGrpSpPr>
-          <p:grpSpPr>
-            <a:xfrm>
-              <a:off x="2803727" y="4828571"/>
-              <a:ext cx="3393622" cy="1114286"/>
-              <a:chOff x="2803727" y="4828571"/>
-              <a:chExt cx="3393622" cy="1114286"/>
-            </a:xfrm>
-          </p:grpSpPr>
-          <p:pic>
-            <p:nvPicPr>
-              <p:cNvPr id="62" name="Object 61"/>
-              <p:cNvPicPr>
-                <a:picLocks noChangeAspect="1"/>
-              </p:cNvPicPr>
-              <p:nvPr/>
-            </p:nvPicPr>
-            <p:blipFill>
-              <a:blip r:embed="rId19" cstate="print"/>
-              <a:stretch>
-                <a:fillRect/>
-              </a:stretch>
-            </p:blipFill>
-            <p:spPr>
-              <a:xfrm>
-                <a:off x="2803727" y="4828571"/>
-                <a:ext cx="3393622" cy="1114286"/>
-              </a:xfrm>
-              <a:prstGeom prst="rect">
-                <a:avLst/>
-              </a:prstGeom>
-            </p:spPr>
-          </p:pic>
-        </p:grpSp>
-      </p:grpSp>
-      <p:pic>
-        <p:nvPicPr>
-          <p:cNvPr id="65" name="Object 64"/>
-          <p:cNvPicPr>
-            <a:picLocks noChangeAspect="1"/>
-          </p:cNvPicPr>
-          <p:nvPr/>
-        </p:nvPicPr>
-        <p:blipFill>
-          <a:blip r:embed="rId20" cstate="print"/>
-          <a:stretch>
-            <a:fillRect/>
-          </a:stretch>
-        </p:blipFill>
-        <p:spPr>
-          <a:xfrm>
-            <a:off x="3392017" y="4960580"/>
-            <a:ext cx="1932823" cy="590784"/>
-          </a:xfrm>
-          <a:prstGeom prst="rect">
-            <a:avLst/>
-          </a:prstGeom>
-        </p:spPr>
-      </p:pic>
-      <p:pic>
-        <p:nvPicPr>
-          <p:cNvPr id="66" name="Object 65"/>
-          <p:cNvPicPr>
-            <a:picLocks noChangeAspect="1"/>
-          </p:cNvPicPr>
-          <p:nvPr/>
-        </p:nvPicPr>
-        <p:blipFill>
-          <a:blip r:embed="rId21" cstate="print"/>
-          <a:stretch>
-            <a:fillRect/>
-          </a:stretch>
-        </p:blipFill>
-        <p:spPr>
-          <a:xfrm>
-            <a:off x="3252253" y="5373947"/>
-            <a:ext cx="2278687" cy="387912"/>
-          </a:xfrm>
-          <a:prstGeom prst="rect">
-            <a:avLst/>
-          </a:prstGeom>
-        </p:spPr>
-      </p:pic>
-      <p:grpSp>
-        <p:nvGrpSpPr>
-          <p:cNvPr id="1019" name="그룹 1019"/>
-          <p:cNvGrpSpPr/>
-          <p:nvPr/>
-        </p:nvGrpSpPr>
-        <p:grpSpPr>
-          <a:xfrm>
-            <a:off x="7446046" y="4828571"/>
-            <a:ext cx="3393622" cy="1762283"/>
-            <a:chOff x="7446046" y="4828571"/>
-            <a:chExt cx="3393622" cy="1762283"/>
-          </a:xfrm>
-        </p:grpSpPr>
-        <p:grpSp>
-          <p:nvGrpSpPr>
-            <p:cNvPr id="1020" name="그룹 1020"/>
-            <p:cNvGrpSpPr/>
-            <p:nvPr/>
-          </p:nvGrpSpPr>
-          <p:grpSpPr>
-            <a:xfrm>
-              <a:off x="9180952" y="5752381"/>
-              <a:ext cx="120774" cy="838474"/>
-              <a:chOff x="9180952" y="5752381"/>
-              <a:chExt cx="120774" cy="838474"/>
-            </a:xfrm>
-          </p:grpSpPr>
-          <p:pic>
-            <p:nvPicPr>
-              <p:cNvPr id="69" name="Object 68"/>
-              <p:cNvPicPr>
-                <a:picLocks noChangeAspect="1"/>
-              </p:cNvPicPr>
-              <p:nvPr/>
-            </p:nvPicPr>
-            <p:blipFill>
-              <a:blip r:embed="rId22" cstate="print"/>
-              <a:stretch>
-                <a:fillRect/>
-              </a:stretch>
-            </p:blipFill>
-            <p:spPr>
-              <a:xfrm rot="-10800000">
-                <a:off x="9180952" y="5752381"/>
-                <a:ext cx="120774" cy="838474"/>
-              </a:xfrm>
-              <a:prstGeom prst="rect">
-                <a:avLst/>
-              </a:prstGeom>
-            </p:spPr>
-          </p:pic>
-        </p:grpSp>
-        <p:grpSp>
-          <p:nvGrpSpPr>
-            <p:cNvPr id="1021" name="그룹 1021"/>
-            <p:cNvGrpSpPr/>
-            <p:nvPr/>
-          </p:nvGrpSpPr>
-          <p:grpSpPr>
-            <a:xfrm>
-              <a:off x="7446046" y="4828571"/>
-              <a:ext cx="3393622" cy="1114286"/>
-              <a:chOff x="7446046" y="4828571"/>
-              <a:chExt cx="3393622" cy="1114286"/>
-            </a:xfrm>
-          </p:grpSpPr>
-          <p:pic>
-            <p:nvPicPr>
-              <p:cNvPr id="72" name="Object 71"/>
-              <p:cNvPicPr>
-                <a:picLocks noChangeAspect="1"/>
-              </p:cNvPicPr>
-              <p:nvPr/>
-            </p:nvPicPr>
-            <p:blipFill>
-              <a:blip r:embed="rId19" cstate="print"/>
-              <a:stretch>
-                <a:fillRect/>
-              </a:stretch>
-            </p:blipFill>
-            <p:spPr>
-              <a:xfrm>
-                <a:off x="7446046" y="4828571"/>
-                <a:ext cx="3393622" cy="1114286"/>
-              </a:xfrm>
-              <a:prstGeom prst="rect">
-                <a:avLst/>
-              </a:prstGeom>
-            </p:spPr>
-          </p:pic>
-        </p:grpSp>
-      </p:grpSp>
-      <p:pic>
-        <p:nvPicPr>
-          <p:cNvPr id="75" name="Object 74"/>
-          <p:cNvPicPr>
-            <a:picLocks noChangeAspect="1"/>
-          </p:cNvPicPr>
-          <p:nvPr/>
-        </p:nvPicPr>
-        <p:blipFill>
-          <a:blip r:embed="rId20" cstate="print"/>
-          <a:stretch>
-            <a:fillRect/>
-          </a:stretch>
-        </p:blipFill>
-        <p:spPr>
-          <a:xfrm>
-            <a:off x="8034336" y="4960580"/>
-            <a:ext cx="1932823" cy="590784"/>
-          </a:xfrm>
-          <a:prstGeom prst="rect">
-            <a:avLst/>
-          </a:prstGeom>
-        </p:spPr>
-      </p:pic>
-      <p:pic>
-        <p:nvPicPr>
-          <p:cNvPr id="76" name="Object 75"/>
-          <p:cNvPicPr>
-            <a:picLocks noChangeAspect="1"/>
-          </p:cNvPicPr>
-          <p:nvPr/>
-        </p:nvPicPr>
-        <p:blipFill>
-          <a:blip r:embed="rId21" cstate="print"/>
-          <a:stretch>
-            <a:fillRect/>
-          </a:stretch>
-        </p:blipFill>
-        <p:spPr>
-          <a:xfrm>
-            <a:off x="7894572" y="5373947"/>
-            <a:ext cx="2278687" cy="387912"/>
-          </a:xfrm>
-          <a:prstGeom prst="rect">
-            <a:avLst/>
-          </a:prstGeom>
-        </p:spPr>
-      </p:pic>
-      <p:grpSp>
-        <p:nvGrpSpPr>
-          <p:cNvPr id="1022" name="그룹 1022"/>
-          <p:cNvGrpSpPr/>
-          <p:nvPr/>
-        </p:nvGrpSpPr>
-        <p:grpSpPr>
-          <a:xfrm>
-            <a:off x="12088365" y="4828571"/>
-            <a:ext cx="3393622" cy="1762283"/>
-            <a:chOff x="12088365" y="4828571"/>
-            <a:chExt cx="3393622" cy="1762283"/>
-          </a:xfrm>
-        </p:grpSpPr>
-        <p:grpSp>
-          <p:nvGrpSpPr>
-            <p:cNvPr id="1023" name="그룹 1023"/>
-            <p:cNvGrpSpPr/>
-            <p:nvPr/>
-          </p:nvGrpSpPr>
-          <p:grpSpPr>
-            <a:xfrm>
-              <a:off x="13785176" y="5752381"/>
-              <a:ext cx="120774" cy="838474"/>
-              <a:chOff x="13785176" y="5752381"/>
-              <a:chExt cx="120774" cy="838474"/>
-            </a:xfrm>
-          </p:grpSpPr>
-          <p:pic>
-            <p:nvPicPr>
-              <p:cNvPr id="79" name="Object 78"/>
-              <p:cNvPicPr>
-                <a:picLocks noChangeAspect="1"/>
-              </p:cNvPicPr>
-              <p:nvPr/>
-            </p:nvPicPr>
-            <p:blipFill>
-              <a:blip r:embed="rId22" cstate="print"/>
-              <a:stretch>
-                <a:fillRect/>
-              </a:stretch>
-            </p:blipFill>
-            <p:spPr>
-              <a:xfrm rot="-10800000">
-                <a:off x="13785176" y="5752381"/>
-                <a:ext cx="120774" cy="838474"/>
-              </a:xfrm>
-              <a:prstGeom prst="rect">
-                <a:avLst/>
-              </a:prstGeom>
-            </p:spPr>
-          </p:pic>
-        </p:grpSp>
-        <p:grpSp>
-          <p:nvGrpSpPr>
-            <p:cNvPr id="1024" name="그룹 1024"/>
-            <p:cNvGrpSpPr/>
-            <p:nvPr/>
-          </p:nvGrpSpPr>
-          <p:grpSpPr>
-            <a:xfrm>
-              <a:off x="12088365" y="4828571"/>
-              <a:ext cx="3393622" cy="1114286"/>
-              <a:chOff x="12088365" y="4828571"/>
-              <a:chExt cx="3393622" cy="1114286"/>
-            </a:xfrm>
-          </p:grpSpPr>
-          <p:pic>
-            <p:nvPicPr>
-              <p:cNvPr id="82" name="Object 81"/>
-              <p:cNvPicPr>
-                <a:picLocks noChangeAspect="1"/>
-              </p:cNvPicPr>
-              <p:nvPr/>
-            </p:nvPicPr>
-            <p:blipFill>
-              <a:blip r:embed="rId19" cstate="print"/>
-              <a:stretch>
-                <a:fillRect/>
-              </a:stretch>
-            </p:blipFill>
-            <p:spPr>
-              <a:xfrm>
-                <a:off x="12088365" y="4828571"/>
-                <a:ext cx="3393622" cy="1114286"/>
-              </a:xfrm>
-              <a:prstGeom prst="rect">
-                <a:avLst/>
-              </a:prstGeom>
-            </p:spPr>
-          </p:pic>
-        </p:grpSp>
-      </p:grpSp>
-      <p:pic>
-        <p:nvPicPr>
-          <p:cNvPr id="85" name="Object 84"/>
-          <p:cNvPicPr>
-            <a:picLocks noChangeAspect="1"/>
-          </p:cNvPicPr>
-          <p:nvPr/>
-        </p:nvPicPr>
-        <p:blipFill>
-          <a:blip r:embed="rId20" cstate="print"/>
-          <a:stretch>
-            <a:fillRect/>
-          </a:stretch>
-        </p:blipFill>
-        <p:spPr>
-          <a:xfrm>
-            <a:off x="12676655" y="4960580"/>
-            <a:ext cx="1932823" cy="590784"/>
-          </a:xfrm>
-          <a:prstGeom prst="rect">
-            <a:avLst/>
-          </a:prstGeom>
-        </p:spPr>
-      </p:pic>
-      <p:pic>
-        <p:nvPicPr>
-          <p:cNvPr id="86" name="Object 85"/>
-          <p:cNvPicPr>
-            <a:picLocks noChangeAspect="1"/>
-          </p:cNvPicPr>
-          <p:nvPr/>
-        </p:nvPicPr>
-        <p:blipFill>
-          <a:blip r:embed="rId21" cstate="print"/>
-          <a:stretch>
-            <a:fillRect/>
-          </a:stretch>
-        </p:blipFill>
-        <p:spPr>
-          <a:xfrm>
-            <a:off x="12536891" y="5373947"/>
-            <a:ext cx="2278687" cy="387912"/>
-          </a:xfrm>
-          <a:prstGeom prst="rect">
-            <a:avLst/>
-          </a:prstGeom>
-        </p:spPr>
-      </p:pic>
-      <p:grpSp>
-        <p:nvGrpSpPr>
-          <p:cNvPr id="1025" name="그룹 1025"/>
-          <p:cNvGrpSpPr/>
-          <p:nvPr/>
-        </p:nvGrpSpPr>
-        <p:grpSpPr>
-          <a:xfrm>
-            <a:off x="15862683" y="1846848"/>
-            <a:ext cx="3464994" cy="3188741"/>
-            <a:chOff x="15862683" y="1846848"/>
-            <a:chExt cx="3464994" cy="3188741"/>
-          </a:xfrm>
-        </p:grpSpPr>
-        <p:pic>
-          <p:nvPicPr>
-            <p:cNvPr id="88" name="Object 87"/>
-            <p:cNvPicPr>
-              <a:picLocks noChangeAspect="1"/>
-            </p:cNvPicPr>
-            <p:nvPr/>
-          </p:nvPicPr>
-          <p:blipFill>
-            <a:blip r:embed="rId23" cstate="print"/>
-            <a:stretch>
-              <a:fillRect/>
-            </a:stretch>
-          </p:blipFill>
-          <p:spPr>
-            <a:xfrm>
-              <a:off x="15862683" y="1846848"/>
-              <a:ext cx="3464994" cy="3188741"/>
-            </a:xfrm>
-            <a:prstGeom prst="rect">
-              <a:avLst/>
-            </a:prstGeom>
-          </p:spPr>
-        </p:pic>
-      </p:grpSp>
-      <p:grpSp>
-        <p:nvGrpSpPr>
-          <p:cNvPr id="1026" name="그룹 1026"/>
-          <p:cNvGrpSpPr/>
-          <p:nvPr/>
-        </p:nvGrpSpPr>
-        <p:grpSpPr>
-          <a:xfrm>
-            <a:off x="12046721" y="-535508"/>
-            <a:ext cx="2827193" cy="2601790"/>
-            <a:chOff x="12046721" y="-535508"/>
-            <a:chExt cx="2827193" cy="2601790"/>
-          </a:xfrm>
-        </p:grpSpPr>
-        <p:pic>
-          <p:nvPicPr>
-            <p:cNvPr id="91" name="Object 90"/>
-            <p:cNvPicPr>
-              <a:picLocks noChangeAspect="1"/>
-            </p:cNvPicPr>
-            <p:nvPr/>
-          </p:nvPicPr>
-          <p:blipFill>
-            <a:blip r:embed="rId24" cstate="print"/>
-            <a:stretch>
-              <a:fillRect/>
-            </a:stretch>
-          </p:blipFill>
-          <p:spPr>
-            <a:xfrm>
-              <a:off x="12046721" y="-535508"/>
-              <a:ext cx="2827193" cy="2601790"/>
             </a:xfrm>
             <a:prstGeom prst="rect">
               <a:avLst/>
@@ -17480,6 +16605,1365 @@
 
 <file path=ppt/slides/slide20.xml><?xml version="1.0" encoding="utf-8"?>
 <p:sld xmlns:a="http://schemas.openxmlformats.org/drawingml/2006/main" xmlns:r="http://schemas.openxmlformats.org/officeDocument/2006/relationships" xmlns:p="http://schemas.openxmlformats.org/presentationml/2006/main">
+  <p:cSld name="Slide 18">
+    <p:bg>
+      <p:bgPr>
+        <a:solidFill>
+          <a:srgbClr val="FFFFFF"/>
+        </a:solidFill>
+        <a:effectLst/>
+      </p:bgPr>
+    </p:bg>
+    <p:spTree>
+      <p:nvGrpSpPr>
+        <p:cNvPr id="1" name=""/>
+        <p:cNvGrpSpPr/>
+        <p:nvPr/>
+      </p:nvGrpSpPr>
+      <p:grpSpPr>
+        <a:xfrm>
+          <a:off x="0" y="0"/>
+          <a:ext cx="0" cy="0"/>
+          <a:chOff x="0" y="0"/>
+          <a:chExt cx="0" cy="0"/>
+        </a:xfrm>
+      </p:grpSpPr>
+      <p:grpSp>
+        <p:nvGrpSpPr>
+          <p:cNvPr id="1001" name="그룹 1001"/>
+          <p:cNvGrpSpPr/>
+          <p:nvPr/>
+        </p:nvGrpSpPr>
+        <p:grpSpPr>
+          <a:xfrm>
+            <a:off x="3104393" y="6503764"/>
+            <a:ext cx="12491513" cy="1069570"/>
+            <a:chOff x="3104393" y="6503764"/>
+            <a:chExt cx="12491513" cy="1069570"/>
+          </a:xfrm>
+        </p:grpSpPr>
+        <p:grpSp>
+          <p:nvGrpSpPr>
+            <p:cNvPr id="1002" name="그룹 1002"/>
+            <p:cNvGrpSpPr/>
+            <p:nvPr/>
+          </p:nvGrpSpPr>
+          <p:grpSpPr>
+            <a:xfrm>
+              <a:off x="3123810" y="6503764"/>
+              <a:ext cx="12457143" cy="72326"/>
+              <a:chOff x="3123810" y="6503764"/>
+              <a:chExt cx="12457143" cy="72326"/>
+            </a:xfrm>
+          </p:grpSpPr>
+          <p:pic>
+            <p:nvPicPr>
+              <p:cNvPr id="4" name="Object 3"/>
+              <p:cNvPicPr>
+                <a:picLocks noChangeAspect="1"/>
+              </p:cNvPicPr>
+              <p:nvPr/>
+            </p:nvPicPr>
+            <p:blipFill>
+              <a:blip r:embed="rId2" cstate="print"/>
+              <a:stretch>
+                <a:fillRect/>
+              </a:stretch>
+            </p:blipFill>
+            <p:spPr>
+              <a:xfrm>
+                <a:off x="3123810" y="6503764"/>
+                <a:ext cx="12457143" cy="72326"/>
+              </a:xfrm>
+              <a:prstGeom prst="rect">
+                <a:avLst/>
+              </a:prstGeom>
+            </p:spPr>
+          </p:pic>
+        </p:grpSp>
+        <p:grpSp>
+          <p:nvGrpSpPr>
+            <p:cNvPr id="1003" name="그룹 1003"/>
+            <p:cNvGrpSpPr/>
+            <p:nvPr/>
+          </p:nvGrpSpPr>
+          <p:grpSpPr>
+            <a:xfrm>
+              <a:off x="2643867" y="7040481"/>
+              <a:ext cx="993379" cy="72326"/>
+              <a:chOff x="2643867" y="7040481"/>
+              <a:chExt cx="993379" cy="72326"/>
+            </a:xfrm>
+          </p:grpSpPr>
+          <p:pic>
+            <p:nvPicPr>
+              <p:cNvPr id="7" name="Object 6"/>
+              <p:cNvPicPr>
+                <a:picLocks noChangeAspect="1"/>
+              </p:cNvPicPr>
+              <p:nvPr/>
+            </p:nvPicPr>
+            <p:blipFill>
+              <a:blip r:embed="rId3" cstate="print"/>
+              <a:stretch>
+                <a:fillRect/>
+              </a:stretch>
+            </p:blipFill>
+            <p:spPr>
+              <a:xfrm rot="-5400000">
+                <a:off x="2643867" y="7040481"/>
+                <a:ext cx="993379" cy="72326"/>
+              </a:xfrm>
+              <a:prstGeom prst="rect">
+                <a:avLst/>
+              </a:prstGeom>
+            </p:spPr>
+          </p:pic>
+        </p:grpSp>
+        <p:grpSp>
+          <p:nvGrpSpPr>
+            <p:cNvPr id="1004" name="그룹 1004"/>
+            <p:cNvGrpSpPr/>
+            <p:nvPr/>
+          </p:nvGrpSpPr>
+          <p:grpSpPr>
+            <a:xfrm>
+              <a:off x="6779119" y="7040481"/>
+              <a:ext cx="993379" cy="72326"/>
+              <a:chOff x="6779119" y="7040481"/>
+              <a:chExt cx="993379" cy="72326"/>
+            </a:xfrm>
+          </p:grpSpPr>
+          <p:pic>
+            <p:nvPicPr>
+              <p:cNvPr id="10" name="Object 9"/>
+              <p:cNvPicPr>
+                <a:picLocks noChangeAspect="1"/>
+              </p:cNvPicPr>
+              <p:nvPr/>
+            </p:nvPicPr>
+            <p:blipFill>
+              <a:blip r:embed="rId3" cstate="print"/>
+              <a:stretch>
+                <a:fillRect/>
+              </a:stretch>
+            </p:blipFill>
+            <p:spPr>
+              <a:xfrm rot="-5400000">
+                <a:off x="6779119" y="7040481"/>
+                <a:ext cx="993379" cy="72326"/>
+              </a:xfrm>
+              <a:prstGeom prst="rect">
+                <a:avLst/>
+              </a:prstGeom>
+            </p:spPr>
+          </p:pic>
+        </p:grpSp>
+        <p:grpSp>
+          <p:nvGrpSpPr>
+            <p:cNvPr id="1005" name="그룹 1005"/>
+            <p:cNvGrpSpPr/>
+            <p:nvPr/>
+          </p:nvGrpSpPr>
+          <p:grpSpPr>
+            <a:xfrm>
+              <a:off x="10914371" y="7040481"/>
+              <a:ext cx="993379" cy="72326"/>
+              <a:chOff x="10914371" y="7040481"/>
+              <a:chExt cx="993379" cy="72326"/>
+            </a:xfrm>
+          </p:grpSpPr>
+          <p:pic>
+            <p:nvPicPr>
+              <p:cNvPr id="13" name="Object 12"/>
+              <p:cNvPicPr>
+                <a:picLocks noChangeAspect="1"/>
+              </p:cNvPicPr>
+              <p:nvPr/>
+            </p:nvPicPr>
+            <p:blipFill>
+              <a:blip r:embed="rId3" cstate="print"/>
+              <a:stretch>
+                <a:fillRect/>
+              </a:stretch>
+            </p:blipFill>
+            <p:spPr>
+              <a:xfrm rot="-5400000">
+                <a:off x="10914371" y="7040481"/>
+                <a:ext cx="993379" cy="72326"/>
+              </a:xfrm>
+              <a:prstGeom prst="rect">
+                <a:avLst/>
+              </a:prstGeom>
+            </p:spPr>
+          </p:pic>
+        </p:grpSp>
+        <p:grpSp>
+          <p:nvGrpSpPr>
+            <p:cNvPr id="1006" name="그룹 1006"/>
+            <p:cNvGrpSpPr/>
+            <p:nvPr/>
+          </p:nvGrpSpPr>
+          <p:grpSpPr>
+            <a:xfrm>
+              <a:off x="15063054" y="7040481"/>
+              <a:ext cx="993379" cy="72326"/>
+              <a:chOff x="15063054" y="7040481"/>
+              <a:chExt cx="993379" cy="72326"/>
+            </a:xfrm>
+          </p:grpSpPr>
+          <p:pic>
+            <p:nvPicPr>
+              <p:cNvPr id="16" name="Object 15"/>
+              <p:cNvPicPr>
+                <a:picLocks noChangeAspect="1"/>
+              </p:cNvPicPr>
+              <p:nvPr/>
+            </p:nvPicPr>
+            <p:blipFill>
+              <a:blip r:embed="rId3" cstate="print"/>
+              <a:stretch>
+                <a:fillRect/>
+              </a:stretch>
+            </p:blipFill>
+            <p:spPr>
+              <a:xfrm rot="-5400000">
+                <a:off x="15063054" y="7040481"/>
+                <a:ext cx="993379" cy="72326"/>
+              </a:xfrm>
+              <a:prstGeom prst="rect">
+                <a:avLst/>
+              </a:prstGeom>
+            </p:spPr>
+          </p:pic>
+        </p:grpSp>
+      </p:grpSp>
+      <p:grpSp>
+        <p:nvGrpSpPr>
+          <p:cNvPr id="1007" name="그룹 1007"/>
+          <p:cNvGrpSpPr/>
+          <p:nvPr/>
+        </p:nvGrpSpPr>
+        <p:grpSpPr>
+          <a:xfrm>
+            <a:off x="5358730" y="5313388"/>
+            <a:ext cx="8101587" cy="72326"/>
+            <a:chOff x="5358730" y="5313388"/>
+            <a:chExt cx="8101587" cy="72326"/>
+          </a:xfrm>
+        </p:grpSpPr>
+        <p:pic>
+          <p:nvPicPr>
+            <p:cNvPr id="20" name="Object 19"/>
+            <p:cNvPicPr>
+              <a:picLocks noChangeAspect="1"/>
+            </p:cNvPicPr>
+            <p:nvPr/>
+          </p:nvPicPr>
+          <p:blipFill>
+            <a:blip r:embed="rId4" cstate="print"/>
+            <a:stretch>
+              <a:fillRect/>
+            </a:stretch>
+          </p:blipFill>
+          <p:spPr>
+            <a:xfrm>
+              <a:off x="5358730" y="5313388"/>
+              <a:ext cx="8101587" cy="72326"/>
+            </a:xfrm>
+            <a:prstGeom prst="rect">
+              <a:avLst/>
+            </a:prstGeom>
+          </p:spPr>
+        </p:pic>
+      </p:grpSp>
+      <p:grpSp>
+        <p:nvGrpSpPr>
+          <p:cNvPr id="1008" name="그룹 1008"/>
+          <p:cNvGrpSpPr/>
+          <p:nvPr/>
+        </p:nvGrpSpPr>
+        <p:grpSpPr>
+          <a:xfrm>
+            <a:off x="1333691" y="7611905"/>
+            <a:ext cx="3613731" cy="1229261"/>
+            <a:chOff x="1333691" y="7611905"/>
+            <a:chExt cx="3613731" cy="1229261"/>
+          </a:xfrm>
+        </p:grpSpPr>
+        <p:pic>
+          <p:nvPicPr>
+            <p:cNvPr id="23" name="Object 22"/>
+            <p:cNvPicPr>
+              <a:picLocks noChangeAspect="1"/>
+            </p:cNvPicPr>
+            <p:nvPr/>
+          </p:nvPicPr>
+          <p:blipFill>
+            <a:blip r:embed="rId5" cstate="print"/>
+            <a:stretch>
+              <a:fillRect/>
+            </a:stretch>
+          </p:blipFill>
+          <p:spPr>
+            <a:xfrm>
+              <a:off x="1333691" y="7611905"/>
+              <a:ext cx="3613731" cy="1229261"/>
+            </a:xfrm>
+            <a:prstGeom prst="rect">
+              <a:avLst/>
+            </a:prstGeom>
+          </p:spPr>
+        </p:pic>
+      </p:grpSp>
+      <p:grpSp>
+        <p:nvGrpSpPr>
+          <p:cNvPr id="1009" name="그룹 1009"/>
+          <p:cNvGrpSpPr/>
+          <p:nvPr/>
+        </p:nvGrpSpPr>
+        <p:grpSpPr>
+          <a:xfrm>
+            <a:off x="5468943" y="7611905"/>
+            <a:ext cx="3613731" cy="1229261"/>
+            <a:chOff x="5468943" y="7611905"/>
+            <a:chExt cx="3613731" cy="1229261"/>
+          </a:xfrm>
+        </p:grpSpPr>
+        <p:pic>
+          <p:nvPicPr>
+            <p:cNvPr id="26" name="Object 25"/>
+            <p:cNvPicPr>
+              <a:picLocks noChangeAspect="1"/>
+            </p:cNvPicPr>
+            <p:nvPr/>
+          </p:nvPicPr>
+          <p:blipFill>
+            <a:blip r:embed="rId6" cstate="print"/>
+            <a:stretch>
+              <a:fillRect/>
+            </a:stretch>
+          </p:blipFill>
+          <p:spPr>
+            <a:xfrm>
+              <a:off x="5468943" y="7611905"/>
+              <a:ext cx="3613731" cy="1229261"/>
+            </a:xfrm>
+            <a:prstGeom prst="rect">
+              <a:avLst/>
+            </a:prstGeom>
+          </p:spPr>
+        </p:pic>
+      </p:grpSp>
+      <p:grpSp>
+        <p:nvGrpSpPr>
+          <p:cNvPr id="1010" name="그룹 1010"/>
+          <p:cNvGrpSpPr/>
+          <p:nvPr/>
+        </p:nvGrpSpPr>
+        <p:grpSpPr>
+          <a:xfrm>
+            <a:off x="9604195" y="7611905"/>
+            <a:ext cx="3613731" cy="1229261"/>
+            <a:chOff x="9604195" y="7611905"/>
+            <a:chExt cx="3613731" cy="1229261"/>
+          </a:xfrm>
+        </p:grpSpPr>
+        <p:pic>
+          <p:nvPicPr>
+            <p:cNvPr id="29" name="Object 28"/>
+            <p:cNvPicPr>
+              <a:picLocks noChangeAspect="1"/>
+            </p:cNvPicPr>
+            <p:nvPr/>
+          </p:nvPicPr>
+          <p:blipFill>
+            <a:blip r:embed="rId7" cstate="print"/>
+            <a:stretch>
+              <a:fillRect/>
+            </a:stretch>
+          </p:blipFill>
+          <p:spPr>
+            <a:xfrm>
+              <a:off x="9604195" y="7611905"/>
+              <a:ext cx="3613731" cy="1229261"/>
+            </a:xfrm>
+            <a:prstGeom prst="rect">
+              <a:avLst/>
+            </a:prstGeom>
+          </p:spPr>
+        </p:pic>
+      </p:grpSp>
+      <p:grpSp>
+        <p:nvGrpSpPr>
+          <p:cNvPr id="1011" name="그룹 1011"/>
+          <p:cNvGrpSpPr/>
+          <p:nvPr/>
+        </p:nvGrpSpPr>
+        <p:grpSpPr>
+          <a:xfrm>
+            <a:off x="13752878" y="7611905"/>
+            <a:ext cx="3613731" cy="1229261"/>
+            <a:chOff x="13752878" y="7611905"/>
+            <a:chExt cx="3613731" cy="1229261"/>
+          </a:xfrm>
+        </p:grpSpPr>
+        <p:pic>
+          <p:nvPicPr>
+            <p:cNvPr id="32" name="Object 31"/>
+            <p:cNvPicPr>
+              <a:picLocks noChangeAspect="1"/>
+            </p:cNvPicPr>
+            <p:nvPr/>
+          </p:nvPicPr>
+          <p:blipFill>
+            <a:blip r:embed="rId8" cstate="print"/>
+            <a:stretch>
+              <a:fillRect/>
+            </a:stretch>
+          </p:blipFill>
+          <p:spPr>
+            <a:xfrm>
+              <a:off x="13752878" y="7611905"/>
+              <a:ext cx="3613731" cy="1229261"/>
+            </a:xfrm>
+            <a:prstGeom prst="rect">
+              <a:avLst/>
+            </a:prstGeom>
+          </p:spPr>
+        </p:pic>
+      </p:grpSp>
+      <p:pic>
+        <p:nvPicPr>
+          <p:cNvPr id="34" name="Object 33"/>
+          <p:cNvPicPr>
+            <a:picLocks noChangeAspect="1"/>
+          </p:cNvPicPr>
+          <p:nvPr/>
+        </p:nvPicPr>
+        <p:blipFill>
+          <a:blip r:embed="rId9" cstate="print"/>
+          <a:stretch>
+            <a:fillRect/>
+          </a:stretch>
+        </p:blipFill>
+        <p:spPr>
+          <a:xfrm>
+            <a:off x="2097330" y="7770392"/>
+            <a:ext cx="1905851" cy="616719"/>
+          </a:xfrm>
+          <a:prstGeom prst="rect">
+            <a:avLst/>
+          </a:prstGeom>
+        </p:spPr>
+      </p:pic>
+      <p:pic>
+        <p:nvPicPr>
+          <p:cNvPr id="35" name="Object 34"/>
+          <p:cNvPicPr>
+            <a:picLocks noChangeAspect="1"/>
+          </p:cNvPicPr>
+          <p:nvPr/>
+        </p:nvPicPr>
+        <p:blipFill>
+          <a:blip r:embed="rId10" cstate="print"/>
+          <a:stretch>
+            <a:fillRect/>
+          </a:stretch>
+        </p:blipFill>
+        <p:spPr>
+          <a:xfrm>
+            <a:off x="1941905" y="8209556"/>
+            <a:ext cx="2247480" cy="404680"/>
+          </a:xfrm>
+          <a:prstGeom prst="rect">
+            <a:avLst/>
+          </a:prstGeom>
+        </p:spPr>
+      </p:pic>
+      <p:pic>
+        <p:nvPicPr>
+          <p:cNvPr id="36" name="Object 35"/>
+          <p:cNvPicPr>
+            <a:picLocks noChangeAspect="1"/>
+          </p:cNvPicPr>
+          <p:nvPr/>
+        </p:nvPicPr>
+        <p:blipFill>
+          <a:blip r:embed="rId9" cstate="print"/>
+          <a:stretch>
+            <a:fillRect/>
+          </a:stretch>
+        </p:blipFill>
+        <p:spPr>
+          <a:xfrm>
+            <a:off x="6232582" y="7770392"/>
+            <a:ext cx="1905851" cy="616719"/>
+          </a:xfrm>
+          <a:prstGeom prst="rect">
+            <a:avLst/>
+          </a:prstGeom>
+        </p:spPr>
+      </p:pic>
+      <p:pic>
+        <p:nvPicPr>
+          <p:cNvPr id="37" name="Object 36"/>
+          <p:cNvPicPr>
+            <a:picLocks noChangeAspect="1"/>
+          </p:cNvPicPr>
+          <p:nvPr/>
+        </p:nvPicPr>
+        <p:blipFill>
+          <a:blip r:embed="rId10" cstate="print"/>
+          <a:stretch>
+            <a:fillRect/>
+          </a:stretch>
+        </p:blipFill>
+        <p:spPr>
+          <a:xfrm>
+            <a:off x="6077157" y="8209556"/>
+            <a:ext cx="2247480" cy="404680"/>
+          </a:xfrm>
+          <a:prstGeom prst="rect">
+            <a:avLst/>
+          </a:prstGeom>
+        </p:spPr>
+      </p:pic>
+      <p:pic>
+        <p:nvPicPr>
+          <p:cNvPr id="38" name="Object 37"/>
+          <p:cNvPicPr>
+            <a:picLocks noChangeAspect="1"/>
+          </p:cNvPicPr>
+          <p:nvPr/>
+        </p:nvPicPr>
+        <p:blipFill>
+          <a:blip r:embed="rId9" cstate="print"/>
+          <a:stretch>
+            <a:fillRect/>
+          </a:stretch>
+        </p:blipFill>
+        <p:spPr>
+          <a:xfrm>
+            <a:off x="10367834" y="7770392"/>
+            <a:ext cx="1905851" cy="616719"/>
+          </a:xfrm>
+          <a:prstGeom prst="rect">
+            <a:avLst/>
+          </a:prstGeom>
+        </p:spPr>
+      </p:pic>
+      <p:pic>
+        <p:nvPicPr>
+          <p:cNvPr id="39" name="Object 38"/>
+          <p:cNvPicPr>
+            <a:picLocks noChangeAspect="1"/>
+          </p:cNvPicPr>
+          <p:nvPr/>
+        </p:nvPicPr>
+        <p:blipFill>
+          <a:blip r:embed="rId10" cstate="print"/>
+          <a:stretch>
+            <a:fillRect/>
+          </a:stretch>
+        </p:blipFill>
+        <p:spPr>
+          <a:xfrm>
+            <a:off x="10212409" y="8209556"/>
+            <a:ext cx="2247480" cy="404680"/>
+          </a:xfrm>
+          <a:prstGeom prst="rect">
+            <a:avLst/>
+          </a:prstGeom>
+        </p:spPr>
+      </p:pic>
+      <p:pic>
+        <p:nvPicPr>
+          <p:cNvPr id="40" name="Object 39"/>
+          <p:cNvPicPr>
+            <a:picLocks noChangeAspect="1"/>
+          </p:cNvPicPr>
+          <p:nvPr/>
+        </p:nvPicPr>
+        <p:blipFill>
+          <a:blip r:embed="rId9" cstate="print"/>
+          <a:stretch>
+            <a:fillRect/>
+          </a:stretch>
+        </p:blipFill>
+        <p:spPr>
+          <a:xfrm>
+            <a:off x="14516517" y="7770392"/>
+            <a:ext cx="1905851" cy="616719"/>
+          </a:xfrm>
+          <a:prstGeom prst="rect">
+            <a:avLst/>
+          </a:prstGeom>
+        </p:spPr>
+      </p:pic>
+      <p:pic>
+        <p:nvPicPr>
+          <p:cNvPr id="41" name="Object 40"/>
+          <p:cNvPicPr>
+            <a:picLocks noChangeAspect="1"/>
+          </p:cNvPicPr>
+          <p:nvPr/>
+        </p:nvPicPr>
+        <p:blipFill>
+          <a:blip r:embed="rId10" cstate="print"/>
+          <a:stretch>
+            <a:fillRect/>
+          </a:stretch>
+        </p:blipFill>
+        <p:spPr>
+          <a:xfrm>
+            <a:off x="14361092" y="8209556"/>
+            <a:ext cx="2247480" cy="404680"/>
+          </a:xfrm>
+          <a:prstGeom prst="rect">
+            <a:avLst/>
+          </a:prstGeom>
+        </p:spPr>
+      </p:pic>
+      <p:grpSp>
+        <p:nvGrpSpPr>
+          <p:cNvPr id="1012" name="그룹 1012"/>
+          <p:cNvGrpSpPr/>
+          <p:nvPr/>
+        </p:nvGrpSpPr>
+        <p:grpSpPr>
+          <a:xfrm>
+            <a:off x="14780952" y="394301"/>
+            <a:ext cx="2926792" cy="572055"/>
+            <a:chOff x="14780952" y="394301"/>
+            <a:chExt cx="2926792" cy="572055"/>
+          </a:xfrm>
+        </p:grpSpPr>
+        <p:pic>
+          <p:nvPicPr>
+            <p:cNvPr id="43" name="Object 42"/>
+            <p:cNvPicPr>
+              <a:picLocks noChangeAspect="1"/>
+            </p:cNvPicPr>
+            <p:nvPr/>
+          </p:nvPicPr>
+          <p:blipFill>
+            <a:blip r:embed="rId11" cstate="print"/>
+            <a:stretch>
+              <a:fillRect/>
+            </a:stretch>
+          </p:blipFill>
+          <p:spPr>
+            <a:xfrm>
+              <a:off x="14750307" y="471765"/>
+              <a:ext cx="2488599" cy="362335"/>
+            </a:xfrm>
+            <a:prstGeom prst="rect">
+              <a:avLst/>
+            </a:prstGeom>
+          </p:spPr>
+        </p:pic>
+        <p:pic>
+          <p:nvPicPr>
+            <p:cNvPr id="44" name="Object 43"/>
+            <p:cNvPicPr>
+              <a:picLocks noChangeAspect="1"/>
+            </p:cNvPicPr>
+            <p:nvPr/>
+          </p:nvPicPr>
+          <p:blipFill>
+            <a:blip r:embed="rId12" cstate="print"/>
+            <a:stretch>
+              <a:fillRect/>
+            </a:stretch>
+          </p:blipFill>
+          <p:spPr>
+            <a:xfrm>
+              <a:off x="17064169" y="333009"/>
+              <a:ext cx="804679" cy="708122"/>
+            </a:xfrm>
+            <a:prstGeom prst="rect">
+              <a:avLst/>
+            </a:prstGeom>
+          </p:spPr>
+        </p:pic>
+      </p:grpSp>
+      <p:pic>
+        <p:nvPicPr>
+          <p:cNvPr id="46" name="Object 45"/>
+          <p:cNvPicPr>
+            <a:picLocks noChangeAspect="1"/>
+          </p:cNvPicPr>
+          <p:nvPr/>
+        </p:nvPicPr>
+        <p:blipFill>
+          <a:blip r:embed="rId13" cstate="print"/>
+          <a:stretch>
+            <a:fillRect/>
+          </a:stretch>
+        </p:blipFill>
+        <p:spPr>
+          <a:xfrm>
+            <a:off x="1600002" y="1439687"/>
+            <a:ext cx="5717444" cy="1141241"/>
+          </a:xfrm>
+          <a:prstGeom prst="rect">
+            <a:avLst/>
+          </a:prstGeom>
+        </p:spPr>
+      </p:pic>
+      <p:pic>
+        <p:nvPicPr>
+          <p:cNvPr id="47" name="Object 46"/>
+          <p:cNvPicPr>
+            <a:picLocks noChangeAspect="1"/>
+          </p:cNvPicPr>
+          <p:nvPr/>
+        </p:nvPicPr>
+        <p:blipFill>
+          <a:blip r:embed="rId14" cstate="print"/>
+          <a:stretch>
+            <a:fillRect/>
+          </a:stretch>
+        </p:blipFill>
+        <p:spPr>
+          <a:xfrm>
+            <a:off x="7374615" y="1715899"/>
+            <a:ext cx="4155185" cy="745677"/>
+          </a:xfrm>
+          <a:prstGeom prst="rect">
+            <a:avLst/>
+          </a:prstGeom>
+        </p:spPr>
+      </p:pic>
+      <p:grpSp>
+        <p:nvGrpSpPr>
+          <p:cNvPr id="1013" name="그룹 1013"/>
+          <p:cNvGrpSpPr/>
+          <p:nvPr/>
+        </p:nvGrpSpPr>
+        <p:grpSpPr>
+          <a:xfrm>
+            <a:off x="7305119" y="3255660"/>
+            <a:ext cx="3753082" cy="1416959"/>
+            <a:chOff x="7305119" y="3255660"/>
+            <a:chExt cx="3753082" cy="1416959"/>
+          </a:xfrm>
+        </p:grpSpPr>
+        <p:grpSp>
+          <p:nvGrpSpPr>
+            <p:cNvPr id="1014" name="그룹 1014"/>
+            <p:cNvGrpSpPr/>
+            <p:nvPr/>
+          </p:nvGrpSpPr>
+          <p:grpSpPr>
+            <a:xfrm>
+              <a:off x="9194621" y="4072241"/>
+              <a:ext cx="120774" cy="600378"/>
+              <a:chOff x="9194621" y="4072241"/>
+              <a:chExt cx="120774" cy="600378"/>
+            </a:xfrm>
+          </p:grpSpPr>
+          <p:pic>
+            <p:nvPicPr>
+              <p:cNvPr id="50" name="Object 49"/>
+              <p:cNvPicPr>
+                <a:picLocks noChangeAspect="1"/>
+              </p:cNvPicPr>
+              <p:nvPr/>
+            </p:nvPicPr>
+            <p:blipFill>
+              <a:blip r:embed="rId15" cstate="print"/>
+              <a:stretch>
+                <a:fillRect/>
+              </a:stretch>
+            </p:blipFill>
+            <p:spPr>
+              <a:xfrm rot="-10800000">
+                <a:off x="9194621" y="4072241"/>
+                <a:ext cx="120774" cy="600378"/>
+              </a:xfrm>
+              <a:prstGeom prst="rect">
+                <a:avLst/>
+              </a:prstGeom>
+            </p:spPr>
+          </p:pic>
+        </p:grpSp>
+        <p:grpSp>
+          <p:nvGrpSpPr>
+            <p:cNvPr id="1015" name="그룹 1015"/>
+            <p:cNvGrpSpPr/>
+            <p:nvPr/>
+          </p:nvGrpSpPr>
+          <p:grpSpPr>
+            <a:xfrm>
+              <a:off x="7305119" y="3255660"/>
+              <a:ext cx="3753082" cy="785575"/>
+              <a:chOff x="7305119" y="3255660"/>
+              <a:chExt cx="3753082" cy="785575"/>
+            </a:xfrm>
+          </p:grpSpPr>
+          <p:pic>
+            <p:nvPicPr>
+              <p:cNvPr id="53" name="Object 52"/>
+              <p:cNvPicPr>
+                <a:picLocks noChangeAspect="1"/>
+              </p:cNvPicPr>
+              <p:nvPr/>
+            </p:nvPicPr>
+            <p:blipFill>
+              <a:blip r:embed="rId16" cstate="print"/>
+              <a:stretch>
+                <a:fillRect/>
+              </a:stretch>
+            </p:blipFill>
+            <p:spPr>
+              <a:xfrm>
+                <a:off x="7305119" y="3255660"/>
+                <a:ext cx="3753082" cy="785575"/>
+              </a:xfrm>
+              <a:prstGeom prst="rect">
+                <a:avLst/>
+              </a:prstGeom>
+            </p:spPr>
+          </p:pic>
+        </p:grpSp>
+      </p:grpSp>
+      <p:pic>
+        <p:nvPicPr>
+          <p:cNvPr id="56" name="Object 55"/>
+          <p:cNvPicPr>
+            <a:picLocks noChangeAspect="1"/>
+          </p:cNvPicPr>
+          <p:nvPr/>
+        </p:nvPicPr>
+        <p:blipFill>
+          <a:blip r:embed="rId17" cstate="print"/>
+          <a:stretch>
+            <a:fillRect/>
+          </a:stretch>
+        </p:blipFill>
+        <p:spPr>
+          <a:xfrm>
+            <a:off x="7436100" y="3370690"/>
+            <a:ext cx="3139057" cy="545663"/>
+          </a:xfrm>
+          <a:prstGeom prst="rect">
+            <a:avLst/>
+          </a:prstGeom>
+        </p:spPr>
+      </p:pic>
+      <p:grpSp>
+        <p:nvGrpSpPr>
+          <p:cNvPr id="1016" name="그룹 1016"/>
+          <p:cNvGrpSpPr/>
+          <p:nvPr/>
+        </p:nvGrpSpPr>
+        <p:grpSpPr>
+          <a:xfrm>
+            <a:off x="2803727" y="4828571"/>
+            <a:ext cx="3393622" cy="1762283"/>
+            <a:chOff x="2803727" y="4828571"/>
+            <a:chExt cx="3393622" cy="1762283"/>
+          </a:xfrm>
+        </p:grpSpPr>
+        <p:grpSp>
+          <p:nvGrpSpPr>
+            <p:cNvPr id="1017" name="그룹 1017"/>
+            <p:cNvGrpSpPr/>
+            <p:nvPr/>
+          </p:nvGrpSpPr>
+          <p:grpSpPr>
+            <a:xfrm>
+              <a:off x="4440151" y="5774603"/>
+              <a:ext cx="120774" cy="816251"/>
+              <a:chOff x="4440151" y="5774603"/>
+              <a:chExt cx="120774" cy="816251"/>
+            </a:xfrm>
+          </p:grpSpPr>
+          <p:pic>
+            <p:nvPicPr>
+              <p:cNvPr id="59" name="Object 58"/>
+              <p:cNvPicPr>
+                <a:picLocks noChangeAspect="1"/>
+              </p:cNvPicPr>
+              <p:nvPr/>
+            </p:nvPicPr>
+            <p:blipFill>
+              <a:blip r:embed="rId18" cstate="print"/>
+              <a:stretch>
+                <a:fillRect/>
+              </a:stretch>
+            </p:blipFill>
+            <p:spPr>
+              <a:xfrm rot="-10800000">
+                <a:off x="4440151" y="5774603"/>
+                <a:ext cx="120774" cy="816251"/>
+              </a:xfrm>
+              <a:prstGeom prst="rect">
+                <a:avLst/>
+              </a:prstGeom>
+            </p:spPr>
+          </p:pic>
+        </p:grpSp>
+        <p:grpSp>
+          <p:nvGrpSpPr>
+            <p:cNvPr id="1018" name="그룹 1018"/>
+            <p:cNvGrpSpPr/>
+            <p:nvPr/>
+          </p:nvGrpSpPr>
+          <p:grpSpPr>
+            <a:xfrm>
+              <a:off x="2803727" y="4828571"/>
+              <a:ext cx="3393622" cy="1114286"/>
+              <a:chOff x="2803727" y="4828571"/>
+              <a:chExt cx="3393622" cy="1114286"/>
+            </a:xfrm>
+          </p:grpSpPr>
+          <p:pic>
+            <p:nvPicPr>
+              <p:cNvPr id="62" name="Object 61"/>
+              <p:cNvPicPr>
+                <a:picLocks noChangeAspect="1"/>
+              </p:cNvPicPr>
+              <p:nvPr/>
+            </p:nvPicPr>
+            <p:blipFill>
+              <a:blip r:embed="rId19" cstate="print"/>
+              <a:stretch>
+                <a:fillRect/>
+              </a:stretch>
+            </p:blipFill>
+            <p:spPr>
+              <a:xfrm>
+                <a:off x="2803727" y="4828571"/>
+                <a:ext cx="3393622" cy="1114286"/>
+              </a:xfrm>
+              <a:prstGeom prst="rect">
+                <a:avLst/>
+              </a:prstGeom>
+            </p:spPr>
+          </p:pic>
+        </p:grpSp>
+      </p:grpSp>
+      <p:pic>
+        <p:nvPicPr>
+          <p:cNvPr id="65" name="Object 64"/>
+          <p:cNvPicPr>
+            <a:picLocks noChangeAspect="1"/>
+          </p:cNvPicPr>
+          <p:nvPr/>
+        </p:nvPicPr>
+        <p:blipFill>
+          <a:blip r:embed="rId20" cstate="print"/>
+          <a:stretch>
+            <a:fillRect/>
+          </a:stretch>
+        </p:blipFill>
+        <p:spPr>
+          <a:xfrm>
+            <a:off x="3392017" y="4960580"/>
+            <a:ext cx="1932823" cy="590784"/>
+          </a:xfrm>
+          <a:prstGeom prst="rect">
+            <a:avLst/>
+          </a:prstGeom>
+        </p:spPr>
+      </p:pic>
+      <p:pic>
+        <p:nvPicPr>
+          <p:cNvPr id="66" name="Object 65"/>
+          <p:cNvPicPr>
+            <a:picLocks noChangeAspect="1"/>
+          </p:cNvPicPr>
+          <p:nvPr/>
+        </p:nvPicPr>
+        <p:blipFill>
+          <a:blip r:embed="rId21" cstate="print"/>
+          <a:stretch>
+            <a:fillRect/>
+          </a:stretch>
+        </p:blipFill>
+        <p:spPr>
+          <a:xfrm>
+            <a:off x="3252253" y="5373947"/>
+            <a:ext cx="2278687" cy="387912"/>
+          </a:xfrm>
+          <a:prstGeom prst="rect">
+            <a:avLst/>
+          </a:prstGeom>
+        </p:spPr>
+      </p:pic>
+      <p:grpSp>
+        <p:nvGrpSpPr>
+          <p:cNvPr id="1019" name="그룹 1019"/>
+          <p:cNvGrpSpPr/>
+          <p:nvPr/>
+        </p:nvGrpSpPr>
+        <p:grpSpPr>
+          <a:xfrm>
+            <a:off x="7446046" y="4828571"/>
+            <a:ext cx="3393622" cy="1762283"/>
+            <a:chOff x="7446046" y="4828571"/>
+            <a:chExt cx="3393622" cy="1762283"/>
+          </a:xfrm>
+        </p:grpSpPr>
+        <p:grpSp>
+          <p:nvGrpSpPr>
+            <p:cNvPr id="1020" name="그룹 1020"/>
+            <p:cNvGrpSpPr/>
+            <p:nvPr/>
+          </p:nvGrpSpPr>
+          <p:grpSpPr>
+            <a:xfrm>
+              <a:off x="9180952" y="5752381"/>
+              <a:ext cx="120774" cy="838474"/>
+              <a:chOff x="9180952" y="5752381"/>
+              <a:chExt cx="120774" cy="838474"/>
+            </a:xfrm>
+          </p:grpSpPr>
+          <p:pic>
+            <p:nvPicPr>
+              <p:cNvPr id="69" name="Object 68"/>
+              <p:cNvPicPr>
+                <a:picLocks noChangeAspect="1"/>
+              </p:cNvPicPr>
+              <p:nvPr/>
+            </p:nvPicPr>
+            <p:blipFill>
+              <a:blip r:embed="rId22" cstate="print"/>
+              <a:stretch>
+                <a:fillRect/>
+              </a:stretch>
+            </p:blipFill>
+            <p:spPr>
+              <a:xfrm rot="-10800000">
+                <a:off x="9180952" y="5752381"/>
+                <a:ext cx="120774" cy="838474"/>
+              </a:xfrm>
+              <a:prstGeom prst="rect">
+                <a:avLst/>
+              </a:prstGeom>
+            </p:spPr>
+          </p:pic>
+        </p:grpSp>
+        <p:grpSp>
+          <p:nvGrpSpPr>
+            <p:cNvPr id="1021" name="그룹 1021"/>
+            <p:cNvGrpSpPr/>
+            <p:nvPr/>
+          </p:nvGrpSpPr>
+          <p:grpSpPr>
+            <a:xfrm>
+              <a:off x="7446046" y="4828571"/>
+              <a:ext cx="3393622" cy="1114286"/>
+              <a:chOff x="7446046" y="4828571"/>
+              <a:chExt cx="3393622" cy="1114286"/>
+            </a:xfrm>
+          </p:grpSpPr>
+          <p:pic>
+            <p:nvPicPr>
+              <p:cNvPr id="72" name="Object 71"/>
+              <p:cNvPicPr>
+                <a:picLocks noChangeAspect="1"/>
+              </p:cNvPicPr>
+              <p:nvPr/>
+            </p:nvPicPr>
+            <p:blipFill>
+              <a:blip r:embed="rId19" cstate="print"/>
+              <a:stretch>
+                <a:fillRect/>
+              </a:stretch>
+            </p:blipFill>
+            <p:spPr>
+              <a:xfrm>
+                <a:off x="7446046" y="4828571"/>
+                <a:ext cx="3393622" cy="1114286"/>
+              </a:xfrm>
+              <a:prstGeom prst="rect">
+                <a:avLst/>
+              </a:prstGeom>
+            </p:spPr>
+          </p:pic>
+        </p:grpSp>
+      </p:grpSp>
+      <p:pic>
+        <p:nvPicPr>
+          <p:cNvPr id="75" name="Object 74"/>
+          <p:cNvPicPr>
+            <a:picLocks noChangeAspect="1"/>
+          </p:cNvPicPr>
+          <p:nvPr/>
+        </p:nvPicPr>
+        <p:blipFill>
+          <a:blip r:embed="rId20" cstate="print"/>
+          <a:stretch>
+            <a:fillRect/>
+          </a:stretch>
+        </p:blipFill>
+        <p:spPr>
+          <a:xfrm>
+            <a:off x="8034336" y="4960580"/>
+            <a:ext cx="1932823" cy="590784"/>
+          </a:xfrm>
+          <a:prstGeom prst="rect">
+            <a:avLst/>
+          </a:prstGeom>
+        </p:spPr>
+      </p:pic>
+      <p:pic>
+        <p:nvPicPr>
+          <p:cNvPr id="76" name="Object 75"/>
+          <p:cNvPicPr>
+            <a:picLocks noChangeAspect="1"/>
+          </p:cNvPicPr>
+          <p:nvPr/>
+        </p:nvPicPr>
+        <p:blipFill>
+          <a:blip r:embed="rId21" cstate="print"/>
+          <a:stretch>
+            <a:fillRect/>
+          </a:stretch>
+        </p:blipFill>
+        <p:spPr>
+          <a:xfrm>
+            <a:off x="7894572" y="5373947"/>
+            <a:ext cx="2278687" cy="387912"/>
+          </a:xfrm>
+          <a:prstGeom prst="rect">
+            <a:avLst/>
+          </a:prstGeom>
+        </p:spPr>
+      </p:pic>
+      <p:grpSp>
+        <p:nvGrpSpPr>
+          <p:cNvPr id="1022" name="그룹 1022"/>
+          <p:cNvGrpSpPr/>
+          <p:nvPr/>
+        </p:nvGrpSpPr>
+        <p:grpSpPr>
+          <a:xfrm>
+            <a:off x="12088365" y="4828571"/>
+            <a:ext cx="3393622" cy="1762283"/>
+            <a:chOff x="12088365" y="4828571"/>
+            <a:chExt cx="3393622" cy="1762283"/>
+          </a:xfrm>
+        </p:grpSpPr>
+        <p:grpSp>
+          <p:nvGrpSpPr>
+            <p:cNvPr id="1023" name="그룹 1023"/>
+            <p:cNvGrpSpPr/>
+            <p:nvPr/>
+          </p:nvGrpSpPr>
+          <p:grpSpPr>
+            <a:xfrm>
+              <a:off x="13785176" y="5752381"/>
+              <a:ext cx="120774" cy="838474"/>
+              <a:chOff x="13785176" y="5752381"/>
+              <a:chExt cx="120774" cy="838474"/>
+            </a:xfrm>
+          </p:grpSpPr>
+          <p:pic>
+            <p:nvPicPr>
+              <p:cNvPr id="79" name="Object 78"/>
+              <p:cNvPicPr>
+                <a:picLocks noChangeAspect="1"/>
+              </p:cNvPicPr>
+              <p:nvPr/>
+            </p:nvPicPr>
+            <p:blipFill>
+              <a:blip r:embed="rId22" cstate="print"/>
+              <a:stretch>
+                <a:fillRect/>
+              </a:stretch>
+            </p:blipFill>
+            <p:spPr>
+              <a:xfrm rot="-10800000">
+                <a:off x="13785176" y="5752381"/>
+                <a:ext cx="120774" cy="838474"/>
+              </a:xfrm>
+              <a:prstGeom prst="rect">
+                <a:avLst/>
+              </a:prstGeom>
+            </p:spPr>
+          </p:pic>
+        </p:grpSp>
+        <p:grpSp>
+          <p:nvGrpSpPr>
+            <p:cNvPr id="1024" name="그룹 1024"/>
+            <p:cNvGrpSpPr/>
+            <p:nvPr/>
+          </p:nvGrpSpPr>
+          <p:grpSpPr>
+            <a:xfrm>
+              <a:off x="12088365" y="4828571"/>
+              <a:ext cx="3393622" cy="1114286"/>
+              <a:chOff x="12088365" y="4828571"/>
+              <a:chExt cx="3393622" cy="1114286"/>
+            </a:xfrm>
+          </p:grpSpPr>
+          <p:pic>
+            <p:nvPicPr>
+              <p:cNvPr id="82" name="Object 81"/>
+              <p:cNvPicPr>
+                <a:picLocks noChangeAspect="1"/>
+              </p:cNvPicPr>
+              <p:nvPr/>
+            </p:nvPicPr>
+            <p:blipFill>
+              <a:blip r:embed="rId19" cstate="print"/>
+              <a:stretch>
+                <a:fillRect/>
+              </a:stretch>
+            </p:blipFill>
+            <p:spPr>
+              <a:xfrm>
+                <a:off x="12088365" y="4828571"/>
+                <a:ext cx="3393622" cy="1114286"/>
+              </a:xfrm>
+              <a:prstGeom prst="rect">
+                <a:avLst/>
+              </a:prstGeom>
+            </p:spPr>
+          </p:pic>
+        </p:grpSp>
+      </p:grpSp>
+      <p:pic>
+        <p:nvPicPr>
+          <p:cNvPr id="85" name="Object 84"/>
+          <p:cNvPicPr>
+            <a:picLocks noChangeAspect="1"/>
+          </p:cNvPicPr>
+          <p:nvPr/>
+        </p:nvPicPr>
+        <p:blipFill>
+          <a:blip r:embed="rId20" cstate="print"/>
+          <a:stretch>
+            <a:fillRect/>
+          </a:stretch>
+        </p:blipFill>
+        <p:spPr>
+          <a:xfrm>
+            <a:off x="12676655" y="4960580"/>
+            <a:ext cx="1932823" cy="590784"/>
+          </a:xfrm>
+          <a:prstGeom prst="rect">
+            <a:avLst/>
+          </a:prstGeom>
+        </p:spPr>
+      </p:pic>
+      <p:pic>
+        <p:nvPicPr>
+          <p:cNvPr id="86" name="Object 85"/>
+          <p:cNvPicPr>
+            <a:picLocks noChangeAspect="1"/>
+          </p:cNvPicPr>
+          <p:nvPr/>
+        </p:nvPicPr>
+        <p:blipFill>
+          <a:blip r:embed="rId21" cstate="print"/>
+          <a:stretch>
+            <a:fillRect/>
+          </a:stretch>
+        </p:blipFill>
+        <p:spPr>
+          <a:xfrm>
+            <a:off x="12536891" y="5373947"/>
+            <a:ext cx="2278687" cy="387912"/>
+          </a:xfrm>
+          <a:prstGeom prst="rect">
+            <a:avLst/>
+          </a:prstGeom>
+        </p:spPr>
+      </p:pic>
+      <p:grpSp>
+        <p:nvGrpSpPr>
+          <p:cNvPr id="1025" name="그룹 1025"/>
+          <p:cNvGrpSpPr/>
+          <p:nvPr/>
+        </p:nvGrpSpPr>
+        <p:grpSpPr>
+          <a:xfrm>
+            <a:off x="15862683" y="1846848"/>
+            <a:ext cx="3464994" cy="3188741"/>
+            <a:chOff x="15862683" y="1846848"/>
+            <a:chExt cx="3464994" cy="3188741"/>
+          </a:xfrm>
+        </p:grpSpPr>
+        <p:pic>
+          <p:nvPicPr>
+            <p:cNvPr id="88" name="Object 87"/>
+            <p:cNvPicPr>
+              <a:picLocks noChangeAspect="1"/>
+            </p:cNvPicPr>
+            <p:nvPr/>
+          </p:nvPicPr>
+          <p:blipFill>
+            <a:blip r:embed="rId23" cstate="print"/>
+            <a:stretch>
+              <a:fillRect/>
+            </a:stretch>
+          </p:blipFill>
+          <p:spPr>
+            <a:xfrm>
+              <a:off x="15862683" y="1846848"/>
+              <a:ext cx="3464994" cy="3188741"/>
+            </a:xfrm>
+            <a:prstGeom prst="rect">
+              <a:avLst/>
+            </a:prstGeom>
+          </p:spPr>
+        </p:pic>
+      </p:grpSp>
+      <p:grpSp>
+        <p:nvGrpSpPr>
+          <p:cNvPr id="1026" name="그룹 1026"/>
+          <p:cNvGrpSpPr/>
+          <p:nvPr/>
+        </p:nvGrpSpPr>
+        <p:grpSpPr>
+          <a:xfrm>
+            <a:off x="12046721" y="-535508"/>
+            <a:ext cx="2827193" cy="2601790"/>
+            <a:chOff x="12046721" y="-535508"/>
+            <a:chExt cx="2827193" cy="2601790"/>
+          </a:xfrm>
+        </p:grpSpPr>
+        <p:pic>
+          <p:nvPicPr>
+            <p:cNvPr id="91" name="Object 90"/>
+            <p:cNvPicPr>
+              <a:picLocks noChangeAspect="1"/>
+            </p:cNvPicPr>
+            <p:nvPr/>
+          </p:nvPicPr>
+          <p:blipFill>
+            <a:blip r:embed="rId24" cstate="print"/>
+            <a:stretch>
+              <a:fillRect/>
+            </a:stretch>
+          </p:blipFill>
+          <p:spPr>
+            <a:xfrm>
+              <a:off x="12046721" y="-535508"/>
+              <a:ext cx="2827193" cy="2601790"/>
+            </a:xfrm>
+            <a:prstGeom prst="rect">
+              <a:avLst/>
+            </a:prstGeom>
+          </p:spPr>
+        </p:pic>
+      </p:grpSp>
+    </p:spTree>
+  </p:cSld>
+  <p:clrMapOvr>
+    <a:masterClrMapping/>
+  </p:clrMapOvr>
+</p:sld>
+</file>
+
+<file path=ppt/slides/slide21.xml><?xml version="1.0" encoding="utf-8"?>
+<p:sld xmlns:a="http://schemas.openxmlformats.org/drawingml/2006/main" xmlns:r="http://schemas.openxmlformats.org/officeDocument/2006/relationships" xmlns:p="http://schemas.openxmlformats.org/presentationml/2006/main">
   <p:cSld name="Slide 19">
     <p:bg>
       <p:bgPr>
@@ -17739,7 +18223,7 @@
 </p:sld>
 </file>
 
-<file path=ppt/slides/slide21.xml><?xml version="1.0" encoding="utf-8"?>
+<file path=ppt/slides/slide22.xml><?xml version="1.0" encoding="utf-8"?>
 <p:sld xmlns:a="http://schemas.openxmlformats.org/drawingml/2006/main" xmlns:r="http://schemas.openxmlformats.org/officeDocument/2006/relationships" xmlns:p="http://schemas.openxmlformats.org/presentationml/2006/main">
   <p:cSld name="Slide 20">
     <p:bg>

--- a/JavaLecture/LectureFile/샘플.pptx
+++ b/JavaLecture/LectureFile/샘플.pptx
@@ -323,7 +323,7 @@
           <a:p>
             <a:fld id="{F8166F1F-CE9B-4651-A6AA-CD717754106B}" type="datetimeFigureOut">
               <a:rPr lang="en-US" smtClean="0"/>
-              <a:t>2/4/2023</a:t>
+              <a:t>2/26/2023</a:t>
             </a:fld>
             <a:endParaRPr lang="en-US"/>
           </a:p>
@@ -486,7 +486,7 @@
           <a:p>
             <a:fld id="{A76116CE-C4A3-4A05-B2D7-7C2E9A889C0F}" type="datetimeFigureOut">
               <a:rPr lang="en-US" smtClean="0"/>
-              <a:t>2/4/2023</a:t>
+              <a:t>2/26/2023</a:t>
             </a:fld>
             <a:endParaRPr lang="en-US"/>
           </a:p>
@@ -659,7 +659,7 @@
           <a:p>
             <a:fld id="{A76116CE-C4A3-4A05-B2D7-7C2E9A889C0F}" type="datetimeFigureOut">
               <a:rPr lang="en-US" smtClean="0"/>
-              <a:t>2/4/2023</a:t>
+              <a:t>2/26/2023</a:t>
             </a:fld>
             <a:endParaRPr lang="en-US"/>
           </a:p>
@@ -824,7 +824,7 @@
           <a:p>
             <a:fld id="{A76116CE-C4A3-4A05-B2D7-7C2E9A889C0F}" type="datetimeFigureOut">
               <a:rPr lang="en-US" smtClean="0"/>
-              <a:t>2/4/2023</a:t>
+              <a:t>2/26/2023</a:t>
             </a:fld>
             <a:endParaRPr lang="en-US"/>
           </a:p>
@@ -1064,7 +1064,7 @@
           <a:p>
             <a:fld id="{A76116CE-C4A3-4A05-B2D7-7C2E9A889C0F}" type="datetimeFigureOut">
               <a:rPr lang="en-US" smtClean="0"/>
-              <a:t>2/4/2023</a:t>
+              <a:t>2/26/2023</a:t>
             </a:fld>
             <a:endParaRPr lang="en-US"/>
           </a:p>
@@ -1344,7 +1344,7 @@
           <a:p>
             <a:fld id="{A76116CE-C4A3-4A05-B2D7-7C2E9A889C0F}" type="datetimeFigureOut">
               <a:rPr lang="en-US" smtClean="0"/>
-              <a:t>2/4/2023</a:t>
+              <a:t>2/26/2023</a:t>
             </a:fld>
             <a:endParaRPr lang="en-US"/>
           </a:p>
@@ -1758,7 +1758,7 @@
           <a:p>
             <a:fld id="{A76116CE-C4A3-4A05-B2D7-7C2E9A889C0F}" type="datetimeFigureOut">
               <a:rPr lang="en-US" smtClean="0"/>
-              <a:t>2/4/2023</a:t>
+              <a:t>2/26/2023</a:t>
             </a:fld>
             <a:endParaRPr lang="en-US"/>
           </a:p>
@@ -1870,7 +1870,7 @@
           <a:p>
             <a:fld id="{A76116CE-C4A3-4A05-B2D7-7C2E9A889C0F}" type="datetimeFigureOut">
               <a:rPr lang="en-US" smtClean="0"/>
-              <a:t>2/4/2023</a:t>
+              <a:t>2/26/2023</a:t>
             </a:fld>
             <a:endParaRPr lang="en-US"/>
           </a:p>
@@ -1960,7 +1960,7 @@
           <a:p>
             <a:fld id="{A76116CE-C4A3-4A05-B2D7-7C2E9A889C0F}" type="datetimeFigureOut">
               <a:rPr lang="en-US" smtClean="0"/>
-              <a:t>2/4/2023</a:t>
+              <a:t>2/26/2023</a:t>
             </a:fld>
             <a:endParaRPr lang="en-US"/>
           </a:p>
@@ -2230,7 +2230,7 @@
           <a:p>
             <a:fld id="{A76116CE-C4A3-4A05-B2D7-7C2E9A889C0F}" type="datetimeFigureOut">
               <a:rPr lang="en-US" smtClean="0"/>
-              <a:t>2/4/2023</a:t>
+              <a:t>2/26/2023</a:t>
             </a:fld>
             <a:endParaRPr lang="en-US"/>
           </a:p>
@@ -2477,7 +2477,7 @@
           <a:p>
             <a:fld id="{A76116CE-C4A3-4A05-B2D7-7C2E9A889C0F}" type="datetimeFigureOut">
               <a:rPr lang="en-US" smtClean="0"/>
-              <a:t>2/4/2023</a:t>
+              <a:t>2/26/2023</a:t>
             </a:fld>
             <a:endParaRPr lang="en-US"/>
           </a:p>
@@ -2683,7 +2683,7 @@
           <a:p>
             <a:fld id="{F8166F1F-CE9B-4651-A6AA-CD717754106B}" type="datetimeFigureOut">
               <a:rPr lang="en-US" smtClean="0"/>
-              <a:t>2/4/2023</a:t>
+              <a:t>2/26/2023</a:t>
             </a:fld>
             <a:endParaRPr lang="en-US"/>
           </a:p>
@@ -3335,7 +3335,7 @@
           <p:nvPr>
             <p:extLst>
               <p:ext uri="{D42A27DB-BD31-4B8C-83A1-F6EECF244321}">
-                <p14:modId xmlns:p14="http://schemas.microsoft.com/office/powerpoint/2010/main" val="3576583214"/>
+                <p14:modId xmlns:p14="http://schemas.microsoft.com/office/powerpoint/2010/main" val="1033341048"/>
               </p:ext>
             </p:extLst>
           </p:nvPr>
@@ -3550,28 +3550,27 @@
                     <a:bodyPr/>
                     <a:lstStyle/>
                     <a:p>
-                      <a:pPr marL="0" marR="0" lvl="0" indent="0" algn="l" defTabSz="914400" rtl="0" eaLnBrk="1" fontAlgn="auto" latinLnBrk="1" hangingPunct="1">
-                        <a:lnSpc>
-                          <a:spcPct val="100000"/>
-                        </a:lnSpc>
-                        <a:spcBef>
-                          <a:spcPts val="0"/>
-                        </a:spcBef>
-                        <a:spcAft>
-                          <a:spcPts val="0"/>
-                        </a:spcAft>
-                        <a:buClrTx/>
-                        <a:buSzTx/>
-                        <a:buFontTx/>
-                        <a:buNone/>
-                        <a:tabLst/>
-                        <a:defRPr/>
-                      </a:pPr>
                       <a:r>
-                        <a:rPr lang="en-US" altLang="ko-KR" dirty="0"/>
-                        <a:t>0x000E</a:t>
+                        <a:rPr lang="en-US" altLang="ko-KR" sz="1800" kern="1200" smtClean="0">
+                          <a:solidFill>
+                            <a:schemeClr val="dk1"/>
+                          </a:solidFill>
+                          <a:effectLst/>
+                          <a:latin typeface="+mn-lt"/>
+                          <a:ea typeface="+mn-ea"/>
+                          <a:cs typeface="+mn-cs"/>
+                        </a:rPr>
+                        <a:t>SutdaCard</a:t>
                       </a:r>
-                      <a:endParaRPr lang="ko-KR" altLang="en-US" dirty="0"/>
+                      <a:endParaRPr lang="en-US" altLang="ko-KR" sz="1800" kern="1200">
+                        <a:solidFill>
+                          <a:schemeClr val="dk1"/>
+                        </a:solidFill>
+                        <a:effectLst/>
+                        <a:latin typeface="+mn-lt"/>
+                        <a:ea typeface="+mn-ea"/>
+                        <a:cs typeface="+mn-cs"/>
+                      </a:endParaRPr>
                     </a:p>
                   </a:txBody>
                   <a:tcPr>
@@ -3679,12 +3678,27 @@
                     <a:bodyPr/>
                     <a:lstStyle/>
                     <a:p>
-                      <a:pPr latinLnBrk="1"/>
                       <a:r>
-                        <a:rPr lang="en-US" altLang="ko-KR" dirty="0"/>
-                        <a:t>0x000K</a:t>
+                        <a:rPr lang="en-US" altLang="ko-KR" sz="1800" kern="1200" smtClean="0">
+                          <a:solidFill>
+                            <a:schemeClr val="dk1"/>
+                          </a:solidFill>
+                          <a:effectLst/>
+                          <a:latin typeface="+mn-lt"/>
+                          <a:ea typeface="+mn-ea"/>
+                          <a:cs typeface="+mn-cs"/>
+                        </a:rPr>
+                        <a:t>SutdaCard</a:t>
                       </a:r>
-                      <a:endParaRPr lang="ko-KR" altLang="en-US" dirty="0"/>
+                      <a:endParaRPr lang="en-US" altLang="ko-KR" sz="1800" kern="1200">
+                        <a:solidFill>
+                          <a:schemeClr val="dk1"/>
+                        </a:solidFill>
+                        <a:effectLst/>
+                        <a:latin typeface="+mn-lt"/>
+                        <a:ea typeface="+mn-ea"/>
+                        <a:cs typeface="+mn-cs"/>
+                      </a:endParaRPr>
                     </a:p>
                   </a:txBody>
                   <a:tcPr>
@@ -3792,8 +3806,35 @@
                     <a:bodyPr/>
                     <a:lstStyle/>
                     <a:p>
-                      <a:pPr latinLnBrk="1"/>
-                      <a:endParaRPr lang="ko-KR" altLang="en-US" dirty="0"/>
+                      <a:pPr marL="0" marR="0" lvl="0" indent="0" algn="l" defTabSz="914400" rtl="0" eaLnBrk="1" fontAlgn="auto" latinLnBrk="1" hangingPunct="1">
+                        <a:lnSpc>
+                          <a:spcPct val="100000"/>
+                        </a:lnSpc>
+                        <a:spcBef>
+                          <a:spcPts val="0"/>
+                        </a:spcBef>
+                        <a:spcAft>
+                          <a:spcPts val="0"/>
+                        </a:spcAft>
+                        <a:buClrTx/>
+                        <a:buSzTx/>
+                        <a:buFontTx/>
+                        <a:buNone/>
+                        <a:tabLst/>
+                        <a:defRPr/>
+                      </a:pPr>
+                      <a:r>
+                        <a:rPr lang="en-US" altLang="ko-KR" sz="1800" kern="1200" smtClean="0">
+                          <a:solidFill>
+                            <a:schemeClr val="dk1"/>
+                          </a:solidFill>
+                          <a:effectLst/>
+                          <a:latin typeface="+mn-lt"/>
+                          <a:ea typeface="+mn-ea"/>
+                          <a:cs typeface="+mn-cs"/>
+                        </a:rPr>
+                        <a:t>SutdaCard</a:t>
+                      </a:r>
                     </a:p>
                   </a:txBody>
                   <a:tcPr>
@@ -3901,8 +3942,35 @@
                     <a:bodyPr/>
                     <a:lstStyle/>
                     <a:p>
-                      <a:pPr latinLnBrk="1"/>
-                      <a:endParaRPr lang="ko-KR" altLang="en-US" dirty="0"/>
+                      <a:pPr marL="0" marR="0" lvl="0" indent="0" algn="l" defTabSz="914400" rtl="0" eaLnBrk="1" fontAlgn="auto" latinLnBrk="1" hangingPunct="1">
+                        <a:lnSpc>
+                          <a:spcPct val="100000"/>
+                        </a:lnSpc>
+                        <a:spcBef>
+                          <a:spcPts val="0"/>
+                        </a:spcBef>
+                        <a:spcAft>
+                          <a:spcPts val="0"/>
+                        </a:spcAft>
+                        <a:buClrTx/>
+                        <a:buSzTx/>
+                        <a:buFontTx/>
+                        <a:buNone/>
+                        <a:tabLst/>
+                        <a:defRPr/>
+                      </a:pPr>
+                      <a:r>
+                        <a:rPr lang="en-US" altLang="ko-KR" sz="1800" kern="1200" smtClean="0">
+                          <a:solidFill>
+                            <a:schemeClr val="dk1"/>
+                          </a:solidFill>
+                          <a:effectLst/>
+                          <a:latin typeface="+mn-lt"/>
+                          <a:ea typeface="+mn-ea"/>
+                          <a:cs typeface="+mn-cs"/>
+                        </a:rPr>
+                        <a:t>SutdaCard</a:t>
+                      </a:r>
                     </a:p>
                   </a:txBody>
                   <a:tcPr>
@@ -4010,12 +4078,27 @@
                     <a:bodyPr/>
                     <a:lstStyle/>
                     <a:p>
-                      <a:pPr latinLnBrk="1"/>
                       <a:r>
-                        <a:rPr lang="ko-KR" altLang="en-US" dirty="0" err="1"/>
-                        <a:t>박주병</a:t>
+                        <a:rPr lang="en-US" altLang="ko-KR" sz="1800" kern="1200" smtClean="0">
+                          <a:solidFill>
+                            <a:schemeClr val="dk1"/>
+                          </a:solidFill>
+                          <a:effectLst/>
+                          <a:latin typeface="+mn-lt"/>
+                          <a:ea typeface="+mn-ea"/>
+                          <a:cs typeface="+mn-cs"/>
+                        </a:rPr>
+                        <a:t>SutdaCard</a:t>
                       </a:r>
-                      <a:endParaRPr lang="ko-KR" altLang="en-US" dirty="0"/>
+                      <a:endParaRPr lang="en-US" altLang="ko-KR" sz="1800" kern="1200">
+                        <a:solidFill>
+                          <a:schemeClr val="dk1"/>
+                        </a:solidFill>
+                        <a:effectLst/>
+                        <a:latin typeface="+mn-lt"/>
+                        <a:ea typeface="+mn-ea"/>
+                        <a:cs typeface="+mn-cs"/>
+                      </a:endParaRPr>
                     </a:p>
                   </a:txBody>
                   <a:tcPr>
@@ -6057,7 +6140,7 @@
         </p:nvSpPr>
         <p:spPr>
           <a:xfrm>
-            <a:off x="5453021" y="3897004"/>
+            <a:off x="5461287" y="3740101"/>
             <a:ext cx="6400800" cy="830997"/>
           </a:xfrm>
           <a:prstGeom prst="rect">

--- a/JavaLecture/LectureFile/샘플.pptx
+++ b/JavaLecture/LectureFile/샘플.pptx
@@ -6,27 +6,28 @@
   </p:sldMasterIdLst>
   <p:sldIdLst>
     <p:sldId id="276" r:id="rId2"/>
-    <p:sldId id="256" r:id="rId3"/>
-    <p:sldId id="257" r:id="rId4"/>
-    <p:sldId id="258" r:id="rId5"/>
-    <p:sldId id="259" r:id="rId6"/>
-    <p:sldId id="260" r:id="rId7"/>
-    <p:sldId id="261" r:id="rId8"/>
-    <p:sldId id="262" r:id="rId9"/>
-    <p:sldId id="263" r:id="rId10"/>
-    <p:sldId id="264" r:id="rId11"/>
-    <p:sldId id="265" r:id="rId12"/>
-    <p:sldId id="266" r:id="rId13"/>
-    <p:sldId id="267" r:id="rId14"/>
-    <p:sldId id="277" r:id="rId15"/>
-    <p:sldId id="268" r:id="rId16"/>
-    <p:sldId id="269" r:id="rId17"/>
-    <p:sldId id="270" r:id="rId18"/>
-    <p:sldId id="271" r:id="rId19"/>
-    <p:sldId id="272" r:id="rId20"/>
-    <p:sldId id="273" r:id="rId21"/>
-    <p:sldId id="274" r:id="rId22"/>
-    <p:sldId id="275" r:id="rId23"/>
+    <p:sldId id="278" r:id="rId3"/>
+    <p:sldId id="256" r:id="rId4"/>
+    <p:sldId id="257" r:id="rId5"/>
+    <p:sldId id="258" r:id="rId6"/>
+    <p:sldId id="259" r:id="rId7"/>
+    <p:sldId id="260" r:id="rId8"/>
+    <p:sldId id="261" r:id="rId9"/>
+    <p:sldId id="262" r:id="rId10"/>
+    <p:sldId id="263" r:id="rId11"/>
+    <p:sldId id="264" r:id="rId12"/>
+    <p:sldId id="265" r:id="rId13"/>
+    <p:sldId id="266" r:id="rId14"/>
+    <p:sldId id="267" r:id="rId15"/>
+    <p:sldId id="277" r:id="rId16"/>
+    <p:sldId id="268" r:id="rId17"/>
+    <p:sldId id="269" r:id="rId18"/>
+    <p:sldId id="270" r:id="rId19"/>
+    <p:sldId id="271" r:id="rId20"/>
+    <p:sldId id="272" r:id="rId21"/>
+    <p:sldId id="273" r:id="rId22"/>
+    <p:sldId id="274" r:id="rId23"/>
+    <p:sldId id="275" r:id="rId24"/>
   </p:sldIdLst>
   <p:sldSz cx="18288000" cy="10287000"/>
   <p:notesSz cx="10287000" cy="18288000"/>
@@ -323,7 +324,7 @@
           <a:p>
             <a:fld id="{F8166F1F-CE9B-4651-A6AA-CD717754106B}" type="datetimeFigureOut">
               <a:rPr lang="en-US" smtClean="0"/>
-              <a:t>2/26/2023</a:t>
+              <a:t>3/3/2023</a:t>
             </a:fld>
             <a:endParaRPr lang="en-US"/>
           </a:p>
@@ -486,7 +487,7 @@
           <a:p>
             <a:fld id="{A76116CE-C4A3-4A05-B2D7-7C2E9A889C0F}" type="datetimeFigureOut">
               <a:rPr lang="en-US" smtClean="0"/>
-              <a:t>2/26/2023</a:t>
+              <a:t>3/3/2023</a:t>
             </a:fld>
             <a:endParaRPr lang="en-US"/>
           </a:p>
@@ -659,7 +660,7 @@
           <a:p>
             <a:fld id="{A76116CE-C4A3-4A05-B2D7-7C2E9A889C0F}" type="datetimeFigureOut">
               <a:rPr lang="en-US" smtClean="0"/>
-              <a:t>2/26/2023</a:t>
+              <a:t>3/3/2023</a:t>
             </a:fld>
             <a:endParaRPr lang="en-US"/>
           </a:p>
@@ -824,7 +825,7 @@
           <a:p>
             <a:fld id="{A76116CE-C4A3-4A05-B2D7-7C2E9A889C0F}" type="datetimeFigureOut">
               <a:rPr lang="en-US" smtClean="0"/>
-              <a:t>2/26/2023</a:t>
+              <a:t>3/3/2023</a:t>
             </a:fld>
             <a:endParaRPr lang="en-US"/>
           </a:p>
@@ -1064,7 +1065,7 @@
           <a:p>
             <a:fld id="{A76116CE-C4A3-4A05-B2D7-7C2E9A889C0F}" type="datetimeFigureOut">
               <a:rPr lang="en-US" smtClean="0"/>
-              <a:t>2/26/2023</a:t>
+              <a:t>3/3/2023</a:t>
             </a:fld>
             <a:endParaRPr lang="en-US"/>
           </a:p>
@@ -1344,7 +1345,7 @@
           <a:p>
             <a:fld id="{A76116CE-C4A3-4A05-B2D7-7C2E9A889C0F}" type="datetimeFigureOut">
               <a:rPr lang="en-US" smtClean="0"/>
-              <a:t>2/26/2023</a:t>
+              <a:t>3/3/2023</a:t>
             </a:fld>
             <a:endParaRPr lang="en-US"/>
           </a:p>
@@ -1758,7 +1759,7 @@
           <a:p>
             <a:fld id="{A76116CE-C4A3-4A05-B2D7-7C2E9A889C0F}" type="datetimeFigureOut">
               <a:rPr lang="en-US" smtClean="0"/>
-              <a:t>2/26/2023</a:t>
+              <a:t>3/3/2023</a:t>
             </a:fld>
             <a:endParaRPr lang="en-US"/>
           </a:p>
@@ -1870,7 +1871,7 @@
           <a:p>
             <a:fld id="{A76116CE-C4A3-4A05-B2D7-7C2E9A889C0F}" type="datetimeFigureOut">
               <a:rPr lang="en-US" smtClean="0"/>
-              <a:t>2/26/2023</a:t>
+              <a:t>3/3/2023</a:t>
             </a:fld>
             <a:endParaRPr lang="en-US"/>
           </a:p>
@@ -1960,7 +1961,7 @@
           <a:p>
             <a:fld id="{A76116CE-C4A3-4A05-B2D7-7C2E9A889C0F}" type="datetimeFigureOut">
               <a:rPr lang="en-US" smtClean="0"/>
-              <a:t>2/26/2023</a:t>
+              <a:t>3/3/2023</a:t>
             </a:fld>
             <a:endParaRPr lang="en-US"/>
           </a:p>
@@ -2230,7 +2231,7 @@
           <a:p>
             <a:fld id="{A76116CE-C4A3-4A05-B2D7-7C2E9A889C0F}" type="datetimeFigureOut">
               <a:rPr lang="en-US" smtClean="0"/>
-              <a:t>2/26/2023</a:t>
+              <a:t>3/3/2023</a:t>
             </a:fld>
             <a:endParaRPr lang="en-US"/>
           </a:p>
@@ -2477,7 +2478,7 @@
           <a:p>
             <a:fld id="{A76116CE-C4A3-4A05-B2D7-7C2E9A889C0F}" type="datetimeFigureOut">
               <a:rPr lang="en-US" smtClean="0"/>
-              <a:t>2/26/2023</a:t>
+              <a:t>3/3/2023</a:t>
             </a:fld>
             <a:endParaRPr lang="en-US"/>
           </a:p>
@@ -2683,7 +2684,7 @@
           <a:p>
             <a:fld id="{F8166F1F-CE9B-4651-A6AA-CD717754106B}" type="datetimeFigureOut">
               <a:rPr lang="en-US" smtClean="0"/>
-              <a:t>2/26/2023</a:t>
+              <a:t>3/3/2023</a:t>
             </a:fld>
             <a:endParaRPr lang="en-US"/>
           </a:p>
@@ -3058,7 +3059,7 @@
           <p:cNvPr id="4" name="그룹 1008">
             <a:extLst>
               <a:ext uri="{FF2B5EF4-FFF2-40B4-BE49-F238E27FC236}">
-                <a16:creationId xmlns="" xmlns:a16="http://schemas.microsoft.com/office/drawing/2014/main" id="{54FFE8A6-6CB8-DCBA-07F7-749FA78BF4A4}"/>
+                <a16:creationId xmlns:a16="http://schemas.microsoft.com/office/drawing/2014/main" id="{54FFE8A6-6CB8-DCBA-07F7-749FA78BF4A4}"/>
               </a:ext>
             </a:extLst>
           </p:cNvPr>
@@ -3078,7 +3079,7 @@
             <p:cNvPr id="5" name="그룹 1009">
               <a:extLst>
                 <a:ext uri="{FF2B5EF4-FFF2-40B4-BE49-F238E27FC236}">
-                  <a16:creationId xmlns="" xmlns:a16="http://schemas.microsoft.com/office/drawing/2014/main" id="{AFC4D322-4969-89C3-C972-D8E8E418CA73}"/>
+                  <a16:creationId xmlns:a16="http://schemas.microsoft.com/office/drawing/2014/main" id="{AFC4D322-4969-89C3-C972-D8E8E418CA73}"/>
                 </a:ext>
               </a:extLst>
             </p:cNvPr>
@@ -3098,7 +3099,7 @@
               <p:cNvPr id="10" name="Object 29">
                 <a:extLst>
                   <a:ext uri="{FF2B5EF4-FFF2-40B4-BE49-F238E27FC236}">
-                    <a16:creationId xmlns="" xmlns:a16="http://schemas.microsoft.com/office/drawing/2014/main" id="{696B190E-C178-4E07-7621-24C3B48A9BCF}"/>
+                    <a16:creationId xmlns:a16="http://schemas.microsoft.com/office/drawing/2014/main" id="{696B190E-C178-4E07-7621-24C3B48A9BCF}"/>
                   </a:ext>
                 </a:extLst>
               </p:cNvPr>
@@ -3129,7 +3130,7 @@
             <p:cNvPr id="6" name="그룹 1010">
               <a:extLst>
                 <a:ext uri="{FF2B5EF4-FFF2-40B4-BE49-F238E27FC236}">
-                  <a16:creationId xmlns="" xmlns:a16="http://schemas.microsoft.com/office/drawing/2014/main" id="{88F3509F-17A2-2BE7-261F-3BA022FF91BA}"/>
+                  <a16:creationId xmlns:a16="http://schemas.microsoft.com/office/drawing/2014/main" id="{88F3509F-17A2-2BE7-261F-3BA022FF91BA}"/>
                 </a:ext>
               </a:extLst>
             </p:cNvPr>
@@ -3149,7 +3150,7 @@
               <p:cNvPr id="9" name="Object 32">
                 <a:extLst>
                   <a:ext uri="{FF2B5EF4-FFF2-40B4-BE49-F238E27FC236}">
-                    <a16:creationId xmlns="" xmlns:a16="http://schemas.microsoft.com/office/drawing/2014/main" id="{6183A7B0-D571-9788-43CE-90A93A934096}"/>
+                    <a16:creationId xmlns:a16="http://schemas.microsoft.com/office/drawing/2014/main" id="{6183A7B0-D571-9788-43CE-90A93A934096}"/>
                   </a:ext>
                 </a:extLst>
               </p:cNvPr>
@@ -3180,7 +3181,7 @@
             <p:cNvPr id="7" name="그룹 1011">
               <a:extLst>
                 <a:ext uri="{FF2B5EF4-FFF2-40B4-BE49-F238E27FC236}">
-                  <a16:creationId xmlns="" xmlns:a16="http://schemas.microsoft.com/office/drawing/2014/main" id="{3DB0BB1F-6A07-787C-7717-F712317AF8C3}"/>
+                  <a16:creationId xmlns:a16="http://schemas.microsoft.com/office/drawing/2014/main" id="{3DB0BB1F-6A07-787C-7717-F712317AF8C3}"/>
                 </a:ext>
               </a:extLst>
             </p:cNvPr>
@@ -3200,7 +3201,7 @@
               <p:cNvPr id="8" name="Object 35">
                 <a:extLst>
                   <a:ext uri="{FF2B5EF4-FFF2-40B4-BE49-F238E27FC236}">
-                    <a16:creationId xmlns="" xmlns:a16="http://schemas.microsoft.com/office/drawing/2014/main" id="{A003AF1A-29EE-2DC2-0E03-479F705DFFB6}"/>
+                    <a16:creationId xmlns:a16="http://schemas.microsoft.com/office/drawing/2014/main" id="{A003AF1A-29EE-2DC2-0E03-479F705DFFB6}"/>
                   </a:ext>
                 </a:extLst>
               </p:cNvPr>
@@ -3232,7 +3233,7 @@
           <p:cNvPr id="11" name="직선 화살표 연결선 10">
             <a:extLst>
               <a:ext uri="{FF2B5EF4-FFF2-40B4-BE49-F238E27FC236}">
-                <a16:creationId xmlns="" xmlns:a16="http://schemas.microsoft.com/office/drawing/2014/main" id="{299DF5EC-9DF4-5255-06AC-0A7CE4FF58C3}"/>
+                <a16:creationId xmlns:a16="http://schemas.microsoft.com/office/drawing/2014/main" id="{299DF5EC-9DF4-5255-06AC-0A7CE4FF58C3}"/>
               </a:ext>
             </a:extLst>
           </p:cNvPr>
@@ -3273,7 +3274,7 @@
           <p:cNvPr id="14" name="직사각형 13">
             <a:extLst>
               <a:ext uri="{FF2B5EF4-FFF2-40B4-BE49-F238E27FC236}">
-                <a16:creationId xmlns="" xmlns:a16="http://schemas.microsoft.com/office/drawing/2014/main" id="{FFF506F9-840A-0508-4CAF-3AC711D8D5CE}"/>
+                <a16:creationId xmlns:a16="http://schemas.microsoft.com/office/drawing/2014/main" id="{FFF506F9-840A-0508-4CAF-3AC711D8D5CE}"/>
               </a:ext>
             </a:extLst>
           </p:cNvPr>
@@ -3325,7 +3326,7 @@
           <p:cNvPr id="15" name="표 16">
             <a:extLst>
               <a:ext uri="{FF2B5EF4-FFF2-40B4-BE49-F238E27FC236}">
-                <a16:creationId xmlns="" xmlns:a16="http://schemas.microsoft.com/office/drawing/2014/main" id="{F03C45C7-6EB1-7871-F0F7-945F667135C4}"/>
+                <a16:creationId xmlns:a16="http://schemas.microsoft.com/office/drawing/2014/main" id="{F03C45C7-6EB1-7871-F0F7-945F667135C4}"/>
               </a:ext>
             </a:extLst>
           </p:cNvPr>
@@ -3335,14 +3336,14 @@
           <p:nvPr>
             <p:extLst>
               <p:ext uri="{D42A27DB-BD31-4B8C-83A1-F6EECF244321}">
-                <p14:modId xmlns:p14="http://schemas.microsoft.com/office/powerpoint/2010/main" val="1033341048"/>
+                <p14:modId xmlns:p14="http://schemas.microsoft.com/office/powerpoint/2010/main" val="2328154345"/>
               </p:ext>
             </p:extLst>
           </p:nvPr>
         </p:nvGraphicFramePr>
         <p:xfrm>
-          <a:off x="14554200" y="0"/>
-          <a:ext cx="3429000" cy="10232580"/>
+          <a:off x="13823593" y="0"/>
+          <a:ext cx="4159607" cy="10232580"/>
         </p:xfrm>
         <a:graphic>
           <a:graphicData uri="http://schemas.openxmlformats.org/drawingml/2006/table">
@@ -3351,17 +3352,17 @@
                 <a:tableStyleId>{5C22544A-7EE6-4342-B048-85BDC9FD1C3A}</a:tableStyleId>
               </a:tblPr>
               <a:tblGrid>
-                <a:gridCol w="1295400">
+                <a:gridCol w="1571407">
                   <a:extLst>
                     <a:ext uri="{9D8B030D-6E8A-4147-A177-3AD203B41FA5}">
-                      <a16:colId xmlns="" xmlns:a16="http://schemas.microsoft.com/office/drawing/2014/main" val="2433761377"/>
+                      <a16:colId xmlns:a16="http://schemas.microsoft.com/office/drawing/2014/main" val="2433761377"/>
                     </a:ext>
                   </a:extLst>
                 </a:gridCol>
-                <a:gridCol w="2133600">
+                <a:gridCol w="2588200">
                   <a:extLst>
                     <a:ext uri="{9D8B030D-6E8A-4147-A177-3AD203B41FA5}">
-                      <a16:colId xmlns="" xmlns:a16="http://schemas.microsoft.com/office/drawing/2014/main" val="926389809"/>
+                      <a16:colId xmlns:a16="http://schemas.microsoft.com/office/drawing/2014/main" val="926389809"/>
                     </a:ext>
                   </a:extLst>
                 </a:gridCol>
@@ -3487,7 +3488,7 @@
                 </a:tc>
                 <a:extLst>
                   <a:ext uri="{0D108BD9-81ED-4DB2-BD59-A6C34878D82A}">
-                    <a16:rowId xmlns="" xmlns:a16="http://schemas.microsoft.com/office/drawing/2014/main" val="2504948727"/>
+                    <a16:rowId xmlns:a16="http://schemas.microsoft.com/office/drawing/2014/main" val="2504948727"/>
                   </a:ext>
                 </a:extLst>
               </a:tr>
@@ -3551,7 +3552,7 @@
                     <a:lstStyle/>
                     <a:p>
                       <a:r>
-                        <a:rPr lang="en-US" altLang="ko-KR" sz="1800" kern="1200" smtClean="0">
+                        <a:rPr lang="en-US" altLang="ko-KR" sz="1800" kern="1200" dirty="0" err="1">
                           <a:solidFill>
                             <a:schemeClr val="dk1"/>
                           </a:solidFill>
@@ -3562,7 +3563,7 @@
                         </a:rPr>
                         <a:t>SutdaCard</a:t>
                       </a:r>
-                      <a:endParaRPr lang="en-US" altLang="ko-KR" sz="1800" kern="1200">
+                      <a:endParaRPr lang="en-US" altLang="ko-KR" sz="1800" kern="1200" dirty="0">
                         <a:solidFill>
                           <a:schemeClr val="dk1"/>
                         </a:solidFill>
@@ -3615,7 +3616,7 @@
                 </a:tc>
                 <a:extLst>
                   <a:ext uri="{0D108BD9-81ED-4DB2-BD59-A6C34878D82A}">
-                    <a16:rowId xmlns="" xmlns:a16="http://schemas.microsoft.com/office/drawing/2014/main" val="3647525178"/>
+                    <a16:rowId xmlns:a16="http://schemas.microsoft.com/office/drawing/2014/main" val="3647525178"/>
                   </a:ext>
                 </a:extLst>
               </a:tr>
@@ -3679,7 +3680,7 @@
                     <a:lstStyle/>
                     <a:p>
                       <a:r>
-                        <a:rPr lang="en-US" altLang="ko-KR" sz="1800" kern="1200" smtClean="0">
+                        <a:rPr lang="en-US" altLang="ko-KR" sz="1800" kern="1200" dirty="0" err="1">
                           <a:solidFill>
                             <a:schemeClr val="dk1"/>
                           </a:solidFill>
@@ -3690,7 +3691,7 @@
                         </a:rPr>
                         <a:t>SutdaCard</a:t>
                       </a:r>
-                      <a:endParaRPr lang="en-US" altLang="ko-KR" sz="1800" kern="1200">
+                      <a:endParaRPr lang="en-US" altLang="ko-KR" sz="1800" kern="1200" dirty="0">
                         <a:solidFill>
                           <a:schemeClr val="dk1"/>
                         </a:solidFill>
@@ -3743,7 +3744,7 @@
                 </a:tc>
                 <a:extLst>
                   <a:ext uri="{0D108BD9-81ED-4DB2-BD59-A6C34878D82A}">
-                    <a16:rowId xmlns="" xmlns:a16="http://schemas.microsoft.com/office/drawing/2014/main" val="2672623231"/>
+                    <a16:rowId xmlns:a16="http://schemas.microsoft.com/office/drawing/2014/main" val="2672623231"/>
                   </a:ext>
                 </a:extLst>
               </a:tr>
@@ -3824,7 +3825,7 @@
                         <a:defRPr/>
                       </a:pPr>
                       <a:r>
-                        <a:rPr lang="en-US" altLang="ko-KR" sz="1800" kern="1200" smtClean="0">
+                        <a:rPr lang="en-US" altLang="ko-KR" sz="1800" kern="1200" dirty="0" err="1">
                           <a:solidFill>
                             <a:schemeClr val="dk1"/>
                           </a:solidFill>
@@ -3835,6 +3836,15 @@
                         </a:rPr>
                         <a:t>SutdaCard</a:t>
                       </a:r>
+                      <a:endParaRPr lang="en-US" altLang="ko-KR" sz="1800" kern="1200" dirty="0">
+                        <a:solidFill>
+                          <a:schemeClr val="dk1"/>
+                        </a:solidFill>
+                        <a:effectLst/>
+                        <a:latin typeface="+mn-lt"/>
+                        <a:ea typeface="+mn-ea"/>
+                        <a:cs typeface="+mn-cs"/>
+                      </a:endParaRPr>
                     </a:p>
                   </a:txBody>
                   <a:tcPr>
@@ -3879,7 +3889,7 @@
                 </a:tc>
                 <a:extLst>
                   <a:ext uri="{0D108BD9-81ED-4DB2-BD59-A6C34878D82A}">
-                    <a16:rowId xmlns="" xmlns:a16="http://schemas.microsoft.com/office/drawing/2014/main" val="2996999142"/>
+                    <a16:rowId xmlns:a16="http://schemas.microsoft.com/office/drawing/2014/main" val="2996999142"/>
                   </a:ext>
                 </a:extLst>
               </a:tr>
@@ -3960,7 +3970,7 @@
                         <a:defRPr/>
                       </a:pPr>
                       <a:r>
-                        <a:rPr lang="en-US" altLang="ko-KR" sz="1800" kern="1200" smtClean="0">
+                        <a:rPr lang="en-US" altLang="ko-KR" sz="1800" kern="1200" dirty="0" err="1">
                           <a:solidFill>
                             <a:schemeClr val="dk1"/>
                           </a:solidFill>
@@ -3971,6 +3981,15 @@
                         </a:rPr>
                         <a:t>SutdaCard</a:t>
                       </a:r>
+                      <a:endParaRPr lang="en-US" altLang="ko-KR" sz="1800" kern="1200" dirty="0">
+                        <a:solidFill>
+                          <a:schemeClr val="dk1"/>
+                        </a:solidFill>
+                        <a:effectLst/>
+                        <a:latin typeface="+mn-lt"/>
+                        <a:ea typeface="+mn-ea"/>
+                        <a:cs typeface="+mn-cs"/>
+                      </a:endParaRPr>
                     </a:p>
                   </a:txBody>
                   <a:tcPr>
@@ -4015,7 +4034,7 @@
                 </a:tc>
                 <a:extLst>
                   <a:ext uri="{0D108BD9-81ED-4DB2-BD59-A6C34878D82A}">
-                    <a16:rowId xmlns="" xmlns:a16="http://schemas.microsoft.com/office/drawing/2014/main" val="2275222586"/>
+                    <a16:rowId xmlns:a16="http://schemas.microsoft.com/office/drawing/2014/main" val="2275222586"/>
                   </a:ext>
                 </a:extLst>
               </a:tr>
@@ -4079,7 +4098,7 @@
                     <a:lstStyle/>
                     <a:p>
                       <a:r>
-                        <a:rPr lang="en-US" altLang="ko-KR" sz="1800" kern="1200" smtClean="0">
+                        <a:rPr lang="en-US" altLang="ko-KR" sz="1800" kern="1200" dirty="0" err="1">
                           <a:solidFill>
                             <a:schemeClr val="dk1"/>
                           </a:solidFill>
@@ -4090,7 +4109,7 @@
                         </a:rPr>
                         <a:t>SutdaCard</a:t>
                       </a:r>
-                      <a:endParaRPr lang="en-US" altLang="ko-KR" sz="1800" kern="1200">
+                      <a:endParaRPr lang="en-US" altLang="ko-KR" sz="1800" kern="1200" dirty="0">
                         <a:solidFill>
                           <a:schemeClr val="dk1"/>
                         </a:solidFill>
@@ -4143,7 +4162,7 @@
                 </a:tc>
                 <a:extLst>
                   <a:ext uri="{0D108BD9-81ED-4DB2-BD59-A6C34878D82A}">
-                    <a16:rowId xmlns="" xmlns:a16="http://schemas.microsoft.com/office/drawing/2014/main" val="1918467740"/>
+                    <a16:rowId xmlns:a16="http://schemas.microsoft.com/office/drawing/2014/main" val="1918467740"/>
                   </a:ext>
                 </a:extLst>
               </a:tr>
@@ -4256,7 +4275,7 @@
                 </a:tc>
                 <a:extLst>
                   <a:ext uri="{0D108BD9-81ED-4DB2-BD59-A6C34878D82A}">
-                    <a16:rowId xmlns="" xmlns:a16="http://schemas.microsoft.com/office/drawing/2014/main" val="168351104"/>
+                    <a16:rowId xmlns:a16="http://schemas.microsoft.com/office/drawing/2014/main" val="168351104"/>
                   </a:ext>
                 </a:extLst>
               </a:tr>
@@ -4385,7 +4404,7 @@
                 </a:tc>
                 <a:extLst>
                   <a:ext uri="{0D108BD9-81ED-4DB2-BD59-A6C34878D82A}">
-                    <a16:rowId xmlns="" xmlns:a16="http://schemas.microsoft.com/office/drawing/2014/main" val="1446898692"/>
+                    <a16:rowId xmlns:a16="http://schemas.microsoft.com/office/drawing/2014/main" val="1446898692"/>
                   </a:ext>
                 </a:extLst>
               </a:tr>
@@ -4510,7 +4529,7 @@
                 </a:tc>
                 <a:extLst>
                   <a:ext uri="{0D108BD9-81ED-4DB2-BD59-A6C34878D82A}">
-                    <a16:rowId xmlns="" xmlns:a16="http://schemas.microsoft.com/office/drawing/2014/main" val="2069871938"/>
+                    <a16:rowId xmlns:a16="http://schemas.microsoft.com/office/drawing/2014/main" val="2069871938"/>
                   </a:ext>
                 </a:extLst>
               </a:tr>
@@ -4635,7 +4654,7 @@
                 </a:tc>
                 <a:extLst>
                   <a:ext uri="{0D108BD9-81ED-4DB2-BD59-A6C34878D82A}">
-                    <a16:rowId xmlns="" xmlns:a16="http://schemas.microsoft.com/office/drawing/2014/main" val="3466599706"/>
+                    <a16:rowId xmlns:a16="http://schemas.microsoft.com/office/drawing/2014/main" val="3466599706"/>
                   </a:ext>
                 </a:extLst>
               </a:tr>
@@ -4760,7 +4779,7 @@
                 </a:tc>
                 <a:extLst>
                   <a:ext uri="{0D108BD9-81ED-4DB2-BD59-A6C34878D82A}">
-                    <a16:rowId xmlns="" xmlns:a16="http://schemas.microsoft.com/office/drawing/2014/main" val="3270764344"/>
+                    <a16:rowId xmlns:a16="http://schemas.microsoft.com/office/drawing/2014/main" val="3270764344"/>
                   </a:ext>
                 </a:extLst>
               </a:tr>
@@ -4888,7 +4907,7 @@
                 </a:tc>
                 <a:extLst>
                   <a:ext uri="{0D108BD9-81ED-4DB2-BD59-A6C34878D82A}">
-                    <a16:rowId xmlns="" xmlns:a16="http://schemas.microsoft.com/office/drawing/2014/main" val="1601752940"/>
+                    <a16:rowId xmlns:a16="http://schemas.microsoft.com/office/drawing/2014/main" val="1601752940"/>
                   </a:ext>
                 </a:extLst>
               </a:tr>
@@ -5017,7 +5036,7 @@
                 </a:tc>
                 <a:extLst>
                   <a:ext uri="{0D108BD9-81ED-4DB2-BD59-A6C34878D82A}">
-                    <a16:rowId xmlns="" xmlns:a16="http://schemas.microsoft.com/office/drawing/2014/main" val="3454728477"/>
+                    <a16:rowId xmlns:a16="http://schemas.microsoft.com/office/drawing/2014/main" val="3454728477"/>
                   </a:ext>
                 </a:extLst>
               </a:tr>
@@ -5146,7 +5165,7 @@
                 </a:tc>
                 <a:extLst>
                   <a:ext uri="{0D108BD9-81ED-4DB2-BD59-A6C34878D82A}">
-                    <a16:rowId xmlns="" xmlns:a16="http://schemas.microsoft.com/office/drawing/2014/main" val="3866400999"/>
+                    <a16:rowId xmlns:a16="http://schemas.microsoft.com/office/drawing/2014/main" val="3866400999"/>
                   </a:ext>
                 </a:extLst>
               </a:tr>
@@ -5271,7 +5290,7 @@
                 </a:tc>
                 <a:extLst>
                   <a:ext uri="{0D108BD9-81ED-4DB2-BD59-A6C34878D82A}">
-                    <a16:rowId xmlns="" xmlns:a16="http://schemas.microsoft.com/office/drawing/2014/main" val="1558806300"/>
+                    <a16:rowId xmlns:a16="http://schemas.microsoft.com/office/drawing/2014/main" val="1558806300"/>
                   </a:ext>
                 </a:extLst>
               </a:tr>
@@ -5396,7 +5415,7 @@
                 </a:tc>
                 <a:extLst>
                   <a:ext uri="{0D108BD9-81ED-4DB2-BD59-A6C34878D82A}">
-                    <a16:rowId xmlns="" xmlns:a16="http://schemas.microsoft.com/office/drawing/2014/main" val="702070055"/>
+                    <a16:rowId xmlns:a16="http://schemas.microsoft.com/office/drawing/2014/main" val="702070055"/>
                   </a:ext>
                 </a:extLst>
               </a:tr>
@@ -5521,7 +5540,7 @@
                 </a:tc>
                 <a:extLst>
                   <a:ext uri="{0D108BD9-81ED-4DB2-BD59-A6C34878D82A}">
-                    <a16:rowId xmlns="" xmlns:a16="http://schemas.microsoft.com/office/drawing/2014/main" val="496493748"/>
+                    <a16:rowId xmlns:a16="http://schemas.microsoft.com/office/drawing/2014/main" val="496493748"/>
                   </a:ext>
                 </a:extLst>
               </a:tr>
@@ -5646,7 +5665,7 @@
                 </a:tc>
                 <a:extLst>
                   <a:ext uri="{0D108BD9-81ED-4DB2-BD59-A6C34878D82A}">
-                    <a16:rowId xmlns="" xmlns:a16="http://schemas.microsoft.com/office/drawing/2014/main" val="3240652297"/>
+                    <a16:rowId xmlns:a16="http://schemas.microsoft.com/office/drawing/2014/main" val="3240652297"/>
                   </a:ext>
                 </a:extLst>
               </a:tr>
@@ -5771,7 +5790,7 @@
                 </a:tc>
                 <a:extLst>
                   <a:ext uri="{0D108BD9-81ED-4DB2-BD59-A6C34878D82A}">
-                    <a16:rowId xmlns="" xmlns:a16="http://schemas.microsoft.com/office/drawing/2014/main" val="2637422434"/>
+                    <a16:rowId xmlns:a16="http://schemas.microsoft.com/office/drawing/2014/main" val="2637422434"/>
                   </a:ext>
                 </a:extLst>
               </a:tr>
@@ -5896,7 +5915,7 @@
                 </a:tc>
                 <a:extLst>
                   <a:ext uri="{0D108BD9-81ED-4DB2-BD59-A6C34878D82A}">
-                    <a16:rowId xmlns="" xmlns:a16="http://schemas.microsoft.com/office/drawing/2014/main" val="3987370490"/>
+                    <a16:rowId xmlns:a16="http://schemas.microsoft.com/office/drawing/2014/main" val="3987370490"/>
                   </a:ext>
                 </a:extLst>
               </a:tr>
@@ -5909,7 +5928,7 @@
           <p:cNvPr id="16" name="그룹 1008">
             <a:extLst>
               <a:ext uri="{FF2B5EF4-FFF2-40B4-BE49-F238E27FC236}">
-                <a16:creationId xmlns="" xmlns:a16="http://schemas.microsoft.com/office/drawing/2014/main" id="{E395BDE3-2EDE-065D-70E8-56E348228ACF}"/>
+                <a16:creationId xmlns:a16="http://schemas.microsoft.com/office/drawing/2014/main" id="{E395BDE3-2EDE-065D-70E8-56E348228ACF}"/>
               </a:ext>
             </a:extLst>
           </p:cNvPr>
@@ -5929,7 +5948,7 @@
             <p:cNvPr id="17" name="그룹 1009">
               <a:extLst>
                 <a:ext uri="{FF2B5EF4-FFF2-40B4-BE49-F238E27FC236}">
-                  <a16:creationId xmlns="" xmlns:a16="http://schemas.microsoft.com/office/drawing/2014/main" id="{852F4DEB-DB33-DB3F-9E9F-52A46CD0B10A}"/>
+                  <a16:creationId xmlns:a16="http://schemas.microsoft.com/office/drawing/2014/main" id="{852F4DEB-DB33-DB3F-9E9F-52A46CD0B10A}"/>
                 </a:ext>
               </a:extLst>
             </p:cNvPr>
@@ -5949,7 +5968,7 @@
               <p:cNvPr id="22" name="Object 29">
                 <a:extLst>
                   <a:ext uri="{FF2B5EF4-FFF2-40B4-BE49-F238E27FC236}">
-                    <a16:creationId xmlns="" xmlns:a16="http://schemas.microsoft.com/office/drawing/2014/main" id="{7E353D3B-14D4-8A64-5888-3F0C062C2CDD}"/>
+                    <a16:creationId xmlns:a16="http://schemas.microsoft.com/office/drawing/2014/main" id="{7E353D3B-14D4-8A64-5888-3F0C062C2CDD}"/>
                   </a:ext>
                 </a:extLst>
               </p:cNvPr>
@@ -5980,7 +5999,7 @@
             <p:cNvPr id="18" name="그룹 1010">
               <a:extLst>
                 <a:ext uri="{FF2B5EF4-FFF2-40B4-BE49-F238E27FC236}">
-                  <a16:creationId xmlns="" xmlns:a16="http://schemas.microsoft.com/office/drawing/2014/main" id="{001E38AB-1390-ABD0-BE01-9727136FEAEE}"/>
+                  <a16:creationId xmlns:a16="http://schemas.microsoft.com/office/drawing/2014/main" id="{001E38AB-1390-ABD0-BE01-9727136FEAEE}"/>
                 </a:ext>
               </a:extLst>
             </p:cNvPr>
@@ -6000,7 +6019,7 @@
               <p:cNvPr id="21" name="Object 32">
                 <a:extLst>
                   <a:ext uri="{FF2B5EF4-FFF2-40B4-BE49-F238E27FC236}">
-                    <a16:creationId xmlns="" xmlns:a16="http://schemas.microsoft.com/office/drawing/2014/main" id="{2ED1C30F-0D0B-F86C-8215-2598D332B5A3}"/>
+                    <a16:creationId xmlns:a16="http://schemas.microsoft.com/office/drawing/2014/main" id="{2ED1C30F-0D0B-F86C-8215-2598D332B5A3}"/>
                   </a:ext>
                 </a:extLst>
               </p:cNvPr>
@@ -6031,7 +6050,7 @@
             <p:cNvPr id="19" name="그룹 1011">
               <a:extLst>
                 <a:ext uri="{FF2B5EF4-FFF2-40B4-BE49-F238E27FC236}">
-                  <a16:creationId xmlns="" xmlns:a16="http://schemas.microsoft.com/office/drawing/2014/main" id="{1BCB8DE5-ABAF-4198-BC16-85BB76F2DB24}"/>
+                  <a16:creationId xmlns:a16="http://schemas.microsoft.com/office/drawing/2014/main" id="{1BCB8DE5-ABAF-4198-BC16-85BB76F2DB24}"/>
                 </a:ext>
               </a:extLst>
             </p:cNvPr>
@@ -6051,7 +6070,7 @@
               <p:cNvPr id="20" name="Object 35">
                 <a:extLst>
                   <a:ext uri="{FF2B5EF4-FFF2-40B4-BE49-F238E27FC236}">
-                    <a16:creationId xmlns="" xmlns:a16="http://schemas.microsoft.com/office/drawing/2014/main" id="{86E7BA23-0A1E-B581-CADC-06AB269DB2BD}"/>
+                    <a16:creationId xmlns:a16="http://schemas.microsoft.com/office/drawing/2014/main" id="{86E7BA23-0A1E-B581-CADC-06AB269DB2BD}"/>
                   </a:ext>
                 </a:extLst>
               </p:cNvPr>
@@ -6083,7 +6102,7 @@
           <p:cNvPr id="23" name="TextBox 22">
             <a:extLst>
               <a:ext uri="{FF2B5EF4-FFF2-40B4-BE49-F238E27FC236}">
-                <a16:creationId xmlns="" xmlns:a16="http://schemas.microsoft.com/office/drawing/2014/main" id="{7229BEA6-121E-9056-D07F-2B3BB1795F76}"/>
+                <a16:creationId xmlns:a16="http://schemas.microsoft.com/office/drawing/2014/main" id="{7229BEA6-121E-9056-D07F-2B3BB1795F76}"/>
               </a:ext>
             </a:extLst>
           </p:cNvPr>
@@ -6131,7 +6150,7 @@
           <p:cNvPr id="24" name="TextBox 23">
             <a:extLst>
               <a:ext uri="{FF2B5EF4-FFF2-40B4-BE49-F238E27FC236}">
-                <a16:creationId xmlns="" xmlns:a16="http://schemas.microsoft.com/office/drawing/2014/main" id="{5ADC00B6-990A-40DC-3CEA-505258F5E8DA}"/>
+                <a16:creationId xmlns:a16="http://schemas.microsoft.com/office/drawing/2014/main" id="{5ADC00B6-990A-40DC-3CEA-505258F5E8DA}"/>
               </a:ext>
             </a:extLst>
           </p:cNvPr>
@@ -6189,7 +6208,7 @@
           <p:cNvPr id="3" name="TextBox 2">
             <a:extLst>
               <a:ext uri="{FF2B5EF4-FFF2-40B4-BE49-F238E27FC236}">
-                <a16:creationId xmlns="" xmlns:a16="http://schemas.microsoft.com/office/drawing/2014/main" id="{C6D113C6-EA5C-788F-0C77-E7CE6EBB865F}"/>
+                <a16:creationId xmlns:a16="http://schemas.microsoft.com/office/drawing/2014/main" id="{C6D113C6-EA5C-788F-0C77-E7CE6EBB865F}"/>
               </a:ext>
             </a:extLst>
           </p:cNvPr>
@@ -6247,7 +6266,7 @@
           <p:cNvPr id="12" name="그룹 1008">
             <a:extLst>
               <a:ext uri="{FF2B5EF4-FFF2-40B4-BE49-F238E27FC236}">
-                <a16:creationId xmlns="" xmlns:a16="http://schemas.microsoft.com/office/drawing/2014/main" id="{678F6342-C505-E8AD-ADA4-022CB2C2088E}"/>
+                <a16:creationId xmlns:a16="http://schemas.microsoft.com/office/drawing/2014/main" id="{678F6342-C505-E8AD-ADA4-022CB2C2088E}"/>
               </a:ext>
             </a:extLst>
           </p:cNvPr>
@@ -6267,7 +6286,7 @@
             <p:cNvPr id="13" name="그룹 1009">
               <a:extLst>
                 <a:ext uri="{FF2B5EF4-FFF2-40B4-BE49-F238E27FC236}">
-                  <a16:creationId xmlns="" xmlns:a16="http://schemas.microsoft.com/office/drawing/2014/main" id="{4E1F1FED-812B-9BBB-925A-84B54A077414}"/>
+                  <a16:creationId xmlns:a16="http://schemas.microsoft.com/office/drawing/2014/main" id="{4E1F1FED-812B-9BBB-925A-84B54A077414}"/>
                 </a:ext>
               </a:extLst>
             </p:cNvPr>
@@ -6287,7 +6306,7 @@
               <p:cNvPr id="29" name="Object 29">
                 <a:extLst>
                   <a:ext uri="{FF2B5EF4-FFF2-40B4-BE49-F238E27FC236}">
-                    <a16:creationId xmlns="" xmlns:a16="http://schemas.microsoft.com/office/drawing/2014/main" id="{7B078609-4286-7B00-51EB-809C8E2DE289}"/>
+                    <a16:creationId xmlns:a16="http://schemas.microsoft.com/office/drawing/2014/main" id="{7B078609-4286-7B00-51EB-809C8E2DE289}"/>
                   </a:ext>
                 </a:extLst>
               </p:cNvPr>
@@ -6318,7 +6337,7 @@
             <p:cNvPr id="25" name="그룹 1010">
               <a:extLst>
                 <a:ext uri="{FF2B5EF4-FFF2-40B4-BE49-F238E27FC236}">
-                  <a16:creationId xmlns="" xmlns:a16="http://schemas.microsoft.com/office/drawing/2014/main" id="{02A649BF-B5B5-FBAF-7DFD-E118A4DF8907}"/>
+                  <a16:creationId xmlns:a16="http://schemas.microsoft.com/office/drawing/2014/main" id="{02A649BF-B5B5-FBAF-7DFD-E118A4DF8907}"/>
                 </a:ext>
               </a:extLst>
             </p:cNvPr>
@@ -6338,7 +6357,7 @@
               <p:cNvPr id="28" name="Object 32">
                 <a:extLst>
                   <a:ext uri="{FF2B5EF4-FFF2-40B4-BE49-F238E27FC236}">
-                    <a16:creationId xmlns="" xmlns:a16="http://schemas.microsoft.com/office/drawing/2014/main" id="{2A0FFF23-B3C9-3EA0-1C1B-A87D4FF098AE}"/>
+                    <a16:creationId xmlns:a16="http://schemas.microsoft.com/office/drawing/2014/main" id="{2A0FFF23-B3C9-3EA0-1C1B-A87D4FF098AE}"/>
                   </a:ext>
                 </a:extLst>
               </p:cNvPr>
@@ -6369,7 +6388,7 @@
             <p:cNvPr id="26" name="그룹 1011">
               <a:extLst>
                 <a:ext uri="{FF2B5EF4-FFF2-40B4-BE49-F238E27FC236}">
-                  <a16:creationId xmlns="" xmlns:a16="http://schemas.microsoft.com/office/drawing/2014/main" id="{881F5410-F7FB-F261-A584-707359BAC593}"/>
+                  <a16:creationId xmlns:a16="http://schemas.microsoft.com/office/drawing/2014/main" id="{881F5410-F7FB-F261-A584-707359BAC593}"/>
                 </a:ext>
               </a:extLst>
             </p:cNvPr>
@@ -6389,7 +6408,7 @@
               <p:cNvPr id="27" name="Object 35">
                 <a:extLst>
                   <a:ext uri="{FF2B5EF4-FFF2-40B4-BE49-F238E27FC236}">
-                    <a16:creationId xmlns="" xmlns:a16="http://schemas.microsoft.com/office/drawing/2014/main" id="{4E99E669-73EB-F9F4-EFE8-DC107035C265}"/>
+                    <a16:creationId xmlns:a16="http://schemas.microsoft.com/office/drawing/2014/main" id="{4E99E669-73EB-F9F4-EFE8-DC107035C265}"/>
                   </a:ext>
                 </a:extLst>
               </p:cNvPr>
@@ -6421,7 +6440,7 @@
           <p:cNvPr id="33" name="직선 연결선 32">
             <a:extLst>
               <a:ext uri="{FF2B5EF4-FFF2-40B4-BE49-F238E27FC236}">
-                <a16:creationId xmlns="" xmlns:a16="http://schemas.microsoft.com/office/drawing/2014/main" id="{6A1A37E4-F933-DE44-2EEA-F3A5BBF35584}"/>
+                <a16:creationId xmlns:a16="http://schemas.microsoft.com/office/drawing/2014/main" id="{6A1A37E4-F933-DE44-2EEA-F3A5BBF35584}"/>
               </a:ext>
             </a:extLst>
           </p:cNvPr>
@@ -6512,7 +6531,7 @@
           <p:cNvPr id="35" name="그룹 1018">
             <a:extLst>
               <a:ext uri="{FF2B5EF4-FFF2-40B4-BE49-F238E27FC236}">
-                <a16:creationId xmlns="" xmlns:a16="http://schemas.microsoft.com/office/drawing/2014/main" id="{0804D430-F42E-AE32-A065-FFA8C471F092}"/>
+                <a16:creationId xmlns:a16="http://schemas.microsoft.com/office/drawing/2014/main" id="{0804D430-F42E-AE32-A065-FFA8C471F092}"/>
               </a:ext>
             </a:extLst>
           </p:cNvPr>
@@ -6532,7 +6551,7 @@
             <p:cNvPr id="36" name="Object 61">
               <a:extLst>
                 <a:ext uri="{FF2B5EF4-FFF2-40B4-BE49-F238E27FC236}">
-                  <a16:creationId xmlns="" xmlns:a16="http://schemas.microsoft.com/office/drawing/2014/main" id="{334A4C3A-641C-7CD9-8FEE-5EC92B28D640}"/>
+                  <a16:creationId xmlns:a16="http://schemas.microsoft.com/office/drawing/2014/main" id="{334A4C3A-641C-7CD9-8FEE-5EC92B28D640}"/>
                 </a:ext>
               </a:extLst>
             </p:cNvPr>
@@ -6563,7 +6582,7 @@
           <p:cNvPr id="38" name="TextBox 37">
             <a:extLst>
               <a:ext uri="{FF2B5EF4-FFF2-40B4-BE49-F238E27FC236}">
-                <a16:creationId xmlns="" xmlns:a16="http://schemas.microsoft.com/office/drawing/2014/main" id="{A2AD056B-97A4-5BCC-4460-250160F3E171}"/>
+                <a16:creationId xmlns:a16="http://schemas.microsoft.com/office/drawing/2014/main" id="{A2AD056B-97A4-5BCC-4460-250160F3E171}"/>
               </a:ext>
             </a:extLst>
           </p:cNvPr>
@@ -6607,7 +6626,7 @@
           <p:cNvPr id="39" name="TextBox 38">
             <a:extLst>
               <a:ext uri="{FF2B5EF4-FFF2-40B4-BE49-F238E27FC236}">
-                <a16:creationId xmlns="" xmlns:a16="http://schemas.microsoft.com/office/drawing/2014/main" id="{52176D31-35F7-8916-46FA-6095EFEC1E49}"/>
+                <a16:creationId xmlns:a16="http://schemas.microsoft.com/office/drawing/2014/main" id="{52176D31-35F7-8916-46FA-6095EFEC1E49}"/>
               </a:ext>
             </a:extLst>
           </p:cNvPr>
@@ -6651,7 +6670,7 @@
           <p:cNvPr id="37" name="표 2">
             <a:extLst>
               <a:ext uri="{FF2B5EF4-FFF2-40B4-BE49-F238E27FC236}">
-                <a16:creationId xmlns:a16="http://schemas.microsoft.com/office/drawing/2014/main" xmlns="" id="{D2CC6F32-611A-E22D-EB8C-52D626A5B319}"/>
+                <a16:creationId xmlns:a16="http://schemas.microsoft.com/office/drawing/2014/main" id="{D2CC6F32-611A-E22D-EB8C-52D626A5B319}"/>
               </a:ext>
             </a:extLst>
           </p:cNvPr>
@@ -6680,21 +6699,21 @@
                 <a:gridCol w="1731833">
                   <a:extLst>
                     <a:ext uri="{9D8B030D-6E8A-4147-A177-3AD203B41FA5}">
-                      <a16:colId xmlns:a16="http://schemas.microsoft.com/office/drawing/2014/main" xmlns="" val="1960770391"/>
+                      <a16:colId xmlns:a16="http://schemas.microsoft.com/office/drawing/2014/main" val="1960770391"/>
                     </a:ext>
                   </a:extLst>
                 </a:gridCol>
                 <a:gridCol w="1752960">
                   <a:extLst>
                     <a:ext uri="{9D8B030D-6E8A-4147-A177-3AD203B41FA5}">
-                      <a16:colId xmlns:a16="http://schemas.microsoft.com/office/drawing/2014/main" xmlns="" val="733308553"/>
+                      <a16:colId xmlns:a16="http://schemas.microsoft.com/office/drawing/2014/main" val="733308553"/>
                     </a:ext>
                   </a:extLst>
                 </a:gridCol>
                 <a:gridCol w="2730951">
                   <a:extLst>
                     <a:ext uri="{9D8B030D-6E8A-4147-A177-3AD203B41FA5}">
-                      <a16:colId xmlns:a16="http://schemas.microsoft.com/office/drawing/2014/main" xmlns="" val="1661322813"/>
+                      <a16:colId xmlns:a16="http://schemas.microsoft.com/office/drawing/2014/main" val="1661322813"/>
                     </a:ext>
                   </a:extLst>
                 </a:gridCol>
@@ -6882,7 +6901,7 @@
                 </a:tc>
                 <a:extLst>
                   <a:ext uri="{0D108BD9-81ED-4DB2-BD59-A6C34878D82A}">
-                    <a16:rowId xmlns:a16="http://schemas.microsoft.com/office/drawing/2014/main" xmlns="" val="2452905565"/>
+                    <a16:rowId xmlns:a16="http://schemas.microsoft.com/office/drawing/2014/main" val="2452905565"/>
                   </a:ext>
                 </a:extLst>
               </a:tr>
@@ -7086,7 +7105,7 @@
                 </a:tc>
                 <a:extLst>
                   <a:ext uri="{0D108BD9-81ED-4DB2-BD59-A6C34878D82A}">
-                    <a16:rowId xmlns:a16="http://schemas.microsoft.com/office/drawing/2014/main" xmlns="" val="3551452526"/>
+                    <a16:rowId xmlns:a16="http://schemas.microsoft.com/office/drawing/2014/main" val="3551452526"/>
                   </a:ext>
                 </a:extLst>
               </a:tr>
@@ -7261,7 +7280,7 @@
                 </a:tc>
                 <a:extLst>
                   <a:ext uri="{0D108BD9-81ED-4DB2-BD59-A6C34878D82A}">
-                    <a16:rowId xmlns:a16="http://schemas.microsoft.com/office/drawing/2014/main" xmlns="" val="3645064171"/>
+                    <a16:rowId xmlns:a16="http://schemas.microsoft.com/office/drawing/2014/main" val="3645064171"/>
                   </a:ext>
                 </a:extLst>
               </a:tr>
@@ -7436,7 +7455,7 @@
                 </a:tc>
                 <a:extLst>
                   <a:ext uri="{0D108BD9-81ED-4DB2-BD59-A6C34878D82A}">
-                    <a16:rowId xmlns:a16="http://schemas.microsoft.com/office/drawing/2014/main" xmlns="" val="2802120283"/>
+                    <a16:rowId xmlns:a16="http://schemas.microsoft.com/office/drawing/2014/main" val="2802120283"/>
                   </a:ext>
                 </a:extLst>
               </a:tr>
@@ -7605,7 +7624,7 @@
                 </a:tc>
                 <a:extLst>
                   <a:ext uri="{0D108BD9-81ED-4DB2-BD59-A6C34878D82A}">
-                    <a16:rowId xmlns:a16="http://schemas.microsoft.com/office/drawing/2014/main" xmlns="" val="1362299918"/>
+                    <a16:rowId xmlns:a16="http://schemas.microsoft.com/office/drawing/2014/main" val="1362299918"/>
                   </a:ext>
                 </a:extLst>
               </a:tr>
@@ -7841,7 +7860,7 @@
                 </a:tc>
                 <a:extLst>
                   <a:ext uri="{0D108BD9-81ED-4DB2-BD59-A6C34878D82A}">
-                    <a16:rowId xmlns:a16="http://schemas.microsoft.com/office/drawing/2014/main" xmlns="" val="2488866604"/>
+                    <a16:rowId xmlns:a16="http://schemas.microsoft.com/office/drawing/2014/main" val="2488866604"/>
                   </a:ext>
                 </a:extLst>
               </a:tr>
@@ -8064,7 +8083,7 @@
                 </a:tc>
                 <a:extLst>
                   <a:ext uri="{0D108BD9-81ED-4DB2-BD59-A6C34878D82A}">
-                    <a16:rowId xmlns:a16="http://schemas.microsoft.com/office/drawing/2014/main" xmlns="" val="2632365449"/>
+                    <a16:rowId xmlns:a16="http://schemas.microsoft.com/office/drawing/2014/main" val="2632365449"/>
                   </a:ext>
                 </a:extLst>
               </a:tr>
@@ -8165,6 +8184,699 @@
 
 <file path=ppt/slides/slide10.xml><?xml version="1.0" encoding="utf-8"?>
 <p:sld xmlns:a="http://schemas.openxmlformats.org/drawingml/2006/main" xmlns:r="http://schemas.openxmlformats.org/officeDocument/2006/relationships" xmlns:p="http://schemas.openxmlformats.org/presentationml/2006/main">
+  <p:cSld name="Slide 8">
+    <p:bg>
+      <p:bgPr>
+        <a:solidFill>
+          <a:srgbClr val="FFFFFF"/>
+        </a:solidFill>
+        <a:effectLst/>
+      </p:bgPr>
+    </p:bg>
+    <p:spTree>
+      <p:nvGrpSpPr>
+        <p:cNvPr id="1" name=""/>
+        <p:cNvGrpSpPr/>
+        <p:nvPr/>
+      </p:nvGrpSpPr>
+      <p:grpSpPr>
+        <a:xfrm>
+          <a:off x="0" y="0"/>
+          <a:ext cx="0" cy="0"/>
+          <a:chOff x="0" y="0"/>
+          <a:chExt cx="0" cy="0"/>
+        </a:xfrm>
+      </p:grpSpPr>
+      <p:grpSp>
+        <p:nvGrpSpPr>
+          <p:cNvPr id="1001" name="그룹 1001"/>
+          <p:cNvGrpSpPr/>
+          <p:nvPr/>
+        </p:nvGrpSpPr>
+        <p:grpSpPr>
+          <a:xfrm>
+            <a:off x="1747081" y="7110353"/>
+            <a:ext cx="112665" cy="1306128"/>
+            <a:chOff x="1747081" y="7110353"/>
+            <a:chExt cx="112665" cy="1306128"/>
+          </a:xfrm>
+        </p:grpSpPr>
+        <p:pic>
+          <p:nvPicPr>
+            <p:cNvPr id="3" name="Object 2"/>
+            <p:cNvPicPr>
+              <a:picLocks noChangeAspect="1"/>
+            </p:cNvPicPr>
+            <p:nvPr/>
+          </p:nvPicPr>
+          <p:blipFill>
+            <a:blip r:embed="rId2" cstate="print"/>
+            <a:stretch>
+              <a:fillRect/>
+            </a:stretch>
+          </p:blipFill>
+          <p:spPr>
+            <a:xfrm>
+              <a:off x="1747081" y="7110353"/>
+              <a:ext cx="112665" cy="1306128"/>
+            </a:xfrm>
+            <a:prstGeom prst="rect">
+              <a:avLst/>
+            </a:prstGeom>
+          </p:spPr>
+        </p:pic>
+      </p:grpSp>
+      <p:pic>
+        <p:nvPicPr>
+          <p:cNvPr id="5" name="Object 4"/>
+          <p:cNvPicPr>
+            <a:picLocks noChangeAspect="1"/>
+          </p:cNvPicPr>
+          <p:nvPr/>
+        </p:nvPicPr>
+        <p:blipFill>
+          <a:blip r:embed="rId3" cstate="print"/>
+          <a:stretch>
+            <a:fillRect/>
+          </a:stretch>
+        </p:blipFill>
+        <p:spPr>
+          <a:xfrm>
+            <a:off x="1638398" y="6173012"/>
+            <a:ext cx="3430771" cy="684364"/>
+          </a:xfrm>
+          <a:prstGeom prst="rect">
+            <a:avLst/>
+          </a:prstGeom>
+        </p:spPr>
+      </p:pic>
+      <p:pic>
+        <p:nvPicPr>
+          <p:cNvPr id="6" name="Object 5"/>
+          <p:cNvPicPr>
+            <a:picLocks noChangeAspect="1"/>
+          </p:cNvPicPr>
+          <p:nvPr/>
+        </p:nvPicPr>
+        <p:blipFill>
+          <a:blip r:embed="rId4" cstate="print"/>
+          <a:stretch>
+            <a:fillRect/>
+          </a:stretch>
+        </p:blipFill>
+        <p:spPr>
+          <a:xfrm>
+            <a:off x="1940067" y="6909888"/>
+            <a:ext cx="5476435" cy="1567175"/>
+          </a:xfrm>
+          <a:prstGeom prst="rect">
+            <a:avLst/>
+          </a:prstGeom>
+        </p:spPr>
+      </p:pic>
+      <p:grpSp>
+        <p:nvGrpSpPr>
+          <p:cNvPr id="1002" name="그룹 1002"/>
+          <p:cNvGrpSpPr/>
+          <p:nvPr/>
+        </p:nvGrpSpPr>
+        <p:grpSpPr>
+          <a:xfrm>
+            <a:off x="-993218" y="-1023091"/>
+            <a:ext cx="3822070" cy="3784995"/>
+            <a:chOff x="-993218" y="-1023091"/>
+            <a:chExt cx="3822070" cy="3784995"/>
+          </a:xfrm>
+        </p:grpSpPr>
+        <p:pic>
+          <p:nvPicPr>
+            <p:cNvPr id="8" name="Object 7"/>
+            <p:cNvPicPr>
+              <a:picLocks noChangeAspect="1"/>
+            </p:cNvPicPr>
+            <p:nvPr/>
+          </p:nvPicPr>
+          <p:blipFill>
+            <a:blip r:embed="rId5" cstate="print"/>
+            <a:stretch>
+              <a:fillRect/>
+            </a:stretch>
+          </p:blipFill>
+          <p:spPr>
+            <a:xfrm>
+              <a:off x="-993218" y="-1023091"/>
+              <a:ext cx="3822070" cy="3784995"/>
+            </a:xfrm>
+            <a:prstGeom prst="rect">
+              <a:avLst/>
+            </a:prstGeom>
+          </p:spPr>
+        </p:pic>
+      </p:grpSp>
+      <p:grpSp>
+        <p:nvGrpSpPr>
+          <p:cNvPr id="1003" name="그룹 1003"/>
+          <p:cNvGrpSpPr/>
+          <p:nvPr/>
+        </p:nvGrpSpPr>
+        <p:grpSpPr>
+          <a:xfrm>
+            <a:off x="-1282641" y="1393467"/>
+            <a:ext cx="10688823" cy="3903493"/>
+            <a:chOff x="-1282641" y="1393467"/>
+            <a:chExt cx="10688823" cy="3903493"/>
+          </a:xfrm>
+        </p:grpSpPr>
+        <p:pic>
+          <p:nvPicPr>
+            <p:cNvPr id="11" name="Object 10"/>
+            <p:cNvPicPr>
+              <a:picLocks noChangeAspect="1"/>
+            </p:cNvPicPr>
+            <p:nvPr/>
+          </p:nvPicPr>
+          <p:blipFill>
+            <a:blip r:embed="rId6" cstate="print"/>
+            <a:stretch>
+              <a:fillRect/>
+            </a:stretch>
+          </p:blipFill>
+          <p:spPr>
+            <a:xfrm>
+              <a:off x="-1282641" y="1393467"/>
+              <a:ext cx="10688823" cy="3903493"/>
+            </a:xfrm>
+            <a:prstGeom prst="rect">
+              <a:avLst/>
+            </a:prstGeom>
+          </p:spPr>
+        </p:pic>
+      </p:grpSp>
+      <p:grpSp>
+        <p:nvGrpSpPr>
+          <p:cNvPr id="1004" name="그룹 1004"/>
+          <p:cNvGrpSpPr/>
+          <p:nvPr/>
+        </p:nvGrpSpPr>
+        <p:grpSpPr>
+          <a:xfrm>
+            <a:off x="5525491" y="1397176"/>
+            <a:ext cx="3879362" cy="3879362"/>
+            <a:chOff x="5525491" y="1397176"/>
+            <a:chExt cx="3879362" cy="3879362"/>
+          </a:xfrm>
+        </p:grpSpPr>
+        <p:pic>
+          <p:nvPicPr>
+            <p:cNvPr id="14" name="Object 13"/>
+            <p:cNvPicPr>
+              <a:picLocks noChangeAspect="1"/>
+            </p:cNvPicPr>
+            <p:nvPr/>
+          </p:nvPicPr>
+          <p:blipFill>
+            <a:blip r:embed="rId7" cstate="print"/>
+            <a:stretch>
+              <a:fillRect/>
+            </a:stretch>
+          </p:blipFill>
+          <p:spPr>
+            <a:xfrm>
+              <a:off x="5525491" y="1397176"/>
+              <a:ext cx="3879362" cy="3879362"/>
+            </a:xfrm>
+            <a:prstGeom prst="rect">
+              <a:avLst/>
+            </a:prstGeom>
+          </p:spPr>
+        </p:pic>
+      </p:grpSp>
+      <p:grpSp>
+        <p:nvGrpSpPr>
+          <p:cNvPr id="1005" name="그룹 1005"/>
+          <p:cNvGrpSpPr/>
+          <p:nvPr/>
+        </p:nvGrpSpPr>
+        <p:grpSpPr>
+          <a:xfrm>
+            <a:off x="7140127" y="2521910"/>
+            <a:ext cx="631043" cy="607425"/>
+            <a:chOff x="7140127" y="2521910"/>
+            <a:chExt cx="631043" cy="607425"/>
+          </a:xfrm>
+        </p:grpSpPr>
+        <p:pic>
+          <p:nvPicPr>
+            <p:cNvPr id="17" name="Object 16"/>
+            <p:cNvPicPr>
+              <a:picLocks noChangeAspect="1"/>
+            </p:cNvPicPr>
+            <p:nvPr/>
+          </p:nvPicPr>
+          <p:blipFill>
+            <a:blip r:embed="rId8" cstate="print"/>
+            <a:stretch>
+              <a:fillRect/>
+            </a:stretch>
+          </p:blipFill>
+          <p:spPr>
+            <a:xfrm>
+              <a:off x="7140127" y="2521910"/>
+              <a:ext cx="631043" cy="607425"/>
+            </a:xfrm>
+            <a:prstGeom prst="rect">
+              <a:avLst/>
+            </a:prstGeom>
+          </p:spPr>
+        </p:pic>
+      </p:grpSp>
+      <p:grpSp>
+        <p:nvGrpSpPr>
+          <p:cNvPr id="1006" name="그룹 1006"/>
+          <p:cNvGrpSpPr/>
+          <p:nvPr/>
+        </p:nvGrpSpPr>
+        <p:grpSpPr>
+          <a:xfrm>
+            <a:off x="14780952" y="394301"/>
+            <a:ext cx="2926792" cy="572055"/>
+            <a:chOff x="14780952" y="394301"/>
+            <a:chExt cx="2926792" cy="572055"/>
+          </a:xfrm>
+        </p:grpSpPr>
+        <p:pic>
+          <p:nvPicPr>
+            <p:cNvPr id="20" name="Object 19"/>
+            <p:cNvPicPr>
+              <a:picLocks noChangeAspect="1"/>
+            </p:cNvPicPr>
+            <p:nvPr/>
+          </p:nvPicPr>
+          <p:blipFill>
+            <a:blip r:embed="rId9" cstate="print"/>
+            <a:stretch>
+              <a:fillRect/>
+            </a:stretch>
+          </p:blipFill>
+          <p:spPr>
+            <a:xfrm>
+              <a:off x="14750307" y="471765"/>
+              <a:ext cx="2488599" cy="362335"/>
+            </a:xfrm>
+            <a:prstGeom prst="rect">
+              <a:avLst/>
+            </a:prstGeom>
+          </p:spPr>
+        </p:pic>
+        <p:pic>
+          <p:nvPicPr>
+            <p:cNvPr id="21" name="Object 20"/>
+            <p:cNvPicPr>
+              <a:picLocks noChangeAspect="1"/>
+            </p:cNvPicPr>
+            <p:nvPr/>
+          </p:nvPicPr>
+          <p:blipFill>
+            <a:blip r:embed="rId10" cstate="print"/>
+            <a:stretch>
+              <a:fillRect/>
+            </a:stretch>
+          </p:blipFill>
+          <p:spPr>
+            <a:xfrm>
+              <a:off x="17064169" y="333009"/>
+              <a:ext cx="800998" cy="708122"/>
+            </a:xfrm>
+            <a:prstGeom prst="rect">
+              <a:avLst/>
+            </a:prstGeom>
+          </p:spPr>
+        </p:pic>
+      </p:grpSp>
+      <p:grpSp>
+        <p:nvGrpSpPr>
+          <p:cNvPr id="1007" name="그룹 1007"/>
+          <p:cNvGrpSpPr/>
+          <p:nvPr/>
+        </p:nvGrpSpPr>
+        <p:grpSpPr>
+          <a:xfrm>
+            <a:off x="10912732" y="2922444"/>
+            <a:ext cx="112665" cy="1306128"/>
+            <a:chOff x="10912732" y="2922444"/>
+            <a:chExt cx="112665" cy="1306128"/>
+          </a:xfrm>
+        </p:grpSpPr>
+        <p:pic>
+          <p:nvPicPr>
+            <p:cNvPr id="24" name="Object 23"/>
+            <p:cNvPicPr>
+              <a:picLocks noChangeAspect="1"/>
+            </p:cNvPicPr>
+            <p:nvPr/>
+          </p:nvPicPr>
+          <p:blipFill>
+            <a:blip r:embed="rId2" cstate="print"/>
+            <a:stretch>
+              <a:fillRect/>
+            </a:stretch>
+          </p:blipFill>
+          <p:spPr>
+            <a:xfrm>
+              <a:off x="10912732" y="2922444"/>
+              <a:ext cx="112665" cy="1306128"/>
+            </a:xfrm>
+            <a:prstGeom prst="rect">
+              <a:avLst/>
+            </a:prstGeom>
+          </p:spPr>
+        </p:pic>
+      </p:grpSp>
+      <p:pic>
+        <p:nvPicPr>
+          <p:cNvPr id="26" name="Object 25"/>
+          <p:cNvPicPr>
+            <a:picLocks noChangeAspect="1"/>
+          </p:cNvPicPr>
+          <p:nvPr/>
+        </p:nvPicPr>
+        <p:blipFill>
+          <a:blip r:embed="rId3" cstate="print"/>
+          <a:stretch>
+            <a:fillRect/>
+          </a:stretch>
+        </p:blipFill>
+        <p:spPr>
+          <a:xfrm>
+            <a:off x="10804049" y="1985103"/>
+            <a:ext cx="3430771" cy="684364"/>
+          </a:xfrm>
+          <a:prstGeom prst="rect">
+            <a:avLst/>
+          </a:prstGeom>
+        </p:spPr>
+      </p:pic>
+      <p:pic>
+        <p:nvPicPr>
+          <p:cNvPr id="27" name="Object 26"/>
+          <p:cNvPicPr>
+            <a:picLocks noChangeAspect="1"/>
+          </p:cNvPicPr>
+          <p:nvPr/>
+        </p:nvPicPr>
+        <p:blipFill>
+          <a:blip r:embed="rId11" cstate="print"/>
+          <a:stretch>
+            <a:fillRect/>
+          </a:stretch>
+        </p:blipFill>
+        <p:spPr>
+          <a:xfrm>
+            <a:off x="11105718" y="2721979"/>
+            <a:ext cx="5476435" cy="1567175"/>
+          </a:xfrm>
+          <a:prstGeom prst="rect">
+            <a:avLst/>
+          </a:prstGeom>
+        </p:spPr>
+      </p:pic>
+      <p:grpSp>
+        <p:nvGrpSpPr>
+          <p:cNvPr id="1008" name="그룹 1008"/>
+          <p:cNvGrpSpPr/>
+          <p:nvPr/>
+        </p:nvGrpSpPr>
+        <p:grpSpPr>
+          <a:xfrm>
+            <a:off x="8538439" y="4962508"/>
+            <a:ext cx="10688823" cy="3903493"/>
+            <a:chOff x="8538439" y="4962508"/>
+            <a:chExt cx="10688823" cy="3903493"/>
+          </a:xfrm>
+        </p:grpSpPr>
+        <p:pic>
+          <p:nvPicPr>
+            <p:cNvPr id="29" name="Object 28"/>
+            <p:cNvPicPr>
+              <a:picLocks noChangeAspect="1"/>
+            </p:cNvPicPr>
+            <p:nvPr/>
+          </p:nvPicPr>
+          <p:blipFill>
+            <a:blip r:embed="rId12" cstate="print"/>
+            <a:stretch>
+              <a:fillRect/>
+            </a:stretch>
+          </p:blipFill>
+          <p:spPr>
+            <a:xfrm>
+              <a:off x="8538439" y="4962508"/>
+              <a:ext cx="10688823" cy="3903493"/>
+            </a:xfrm>
+            <a:prstGeom prst="rect">
+              <a:avLst/>
+            </a:prstGeom>
+          </p:spPr>
+        </p:pic>
+      </p:grpSp>
+      <p:grpSp>
+        <p:nvGrpSpPr>
+          <p:cNvPr id="1009" name="그룹 1009"/>
+          <p:cNvGrpSpPr/>
+          <p:nvPr/>
+        </p:nvGrpSpPr>
+        <p:grpSpPr>
+          <a:xfrm>
+            <a:off x="8536164" y="4985264"/>
+            <a:ext cx="3879362" cy="3879362"/>
+            <a:chOff x="8536164" y="4985264"/>
+            <a:chExt cx="3879362" cy="3879362"/>
+          </a:xfrm>
+        </p:grpSpPr>
+        <p:pic>
+          <p:nvPicPr>
+            <p:cNvPr id="32" name="Object 31"/>
+            <p:cNvPicPr>
+              <a:picLocks noChangeAspect="1"/>
+            </p:cNvPicPr>
+            <p:nvPr/>
+          </p:nvPicPr>
+          <p:blipFill>
+            <a:blip r:embed="rId13" cstate="print"/>
+            <a:stretch>
+              <a:fillRect/>
+            </a:stretch>
+          </p:blipFill>
+          <p:spPr>
+            <a:xfrm>
+              <a:off x="8536164" y="4985264"/>
+              <a:ext cx="3879362" cy="3879362"/>
+            </a:xfrm>
+            <a:prstGeom prst="rect">
+              <a:avLst/>
+            </a:prstGeom>
+          </p:spPr>
+        </p:pic>
+      </p:grpSp>
+      <p:grpSp>
+        <p:nvGrpSpPr>
+          <p:cNvPr id="1010" name="그룹 1010"/>
+          <p:cNvGrpSpPr/>
+          <p:nvPr/>
+        </p:nvGrpSpPr>
+        <p:grpSpPr>
+          <a:xfrm>
+            <a:off x="9373107" y="6066717"/>
+            <a:ext cx="2205476" cy="1790477"/>
+            <a:chOff x="9373107" y="6066717"/>
+            <a:chExt cx="2205476" cy="1790477"/>
+          </a:xfrm>
+        </p:grpSpPr>
+        <p:pic>
+          <p:nvPicPr>
+            <p:cNvPr id="35" name="Object 34"/>
+            <p:cNvPicPr>
+              <a:picLocks noChangeAspect="1"/>
+            </p:cNvPicPr>
+            <p:nvPr/>
+          </p:nvPicPr>
+          <p:blipFill>
+            <a:blip r:embed="rId14" cstate="print"/>
+            <a:stretch>
+              <a:fillRect/>
+            </a:stretch>
+          </p:blipFill>
+          <p:spPr>
+            <a:xfrm>
+              <a:off x="9324284" y="6877543"/>
+              <a:ext cx="2040933" cy="635844"/>
+            </a:xfrm>
+            <a:prstGeom prst="rect">
+              <a:avLst/>
+            </a:prstGeom>
+          </p:spPr>
+        </p:pic>
+        <p:pic>
+          <p:nvPicPr>
+            <p:cNvPr id="36" name="Object 35"/>
+            <p:cNvPicPr>
+              <a:picLocks noChangeAspect="1"/>
+            </p:cNvPicPr>
+            <p:nvPr/>
+          </p:nvPicPr>
+          <p:blipFill>
+            <a:blip r:embed="rId15" cstate="print"/>
+            <a:stretch>
+              <a:fillRect/>
+            </a:stretch>
+          </p:blipFill>
+          <p:spPr>
+            <a:xfrm>
+              <a:off x="9565052" y="7352685"/>
+              <a:ext cx="1652867" cy="575954"/>
+            </a:xfrm>
+            <a:prstGeom prst="rect">
+              <a:avLst/>
+            </a:prstGeom>
+          </p:spPr>
+        </p:pic>
+        <p:grpSp>
+          <p:nvGrpSpPr>
+            <p:cNvPr id="1011" name="그룹 1011"/>
+            <p:cNvGrpSpPr/>
+            <p:nvPr/>
+          </p:nvGrpSpPr>
+          <p:grpSpPr>
+            <a:xfrm>
+              <a:off x="10051780" y="6066717"/>
+              <a:ext cx="848131" cy="680201"/>
+              <a:chOff x="10051780" y="6066717"/>
+              <a:chExt cx="848131" cy="680201"/>
+            </a:xfrm>
+          </p:grpSpPr>
+          <p:pic>
+            <p:nvPicPr>
+              <p:cNvPr id="38" name="Object 37"/>
+              <p:cNvPicPr>
+                <a:picLocks noChangeAspect="1"/>
+              </p:cNvPicPr>
+              <p:nvPr/>
+            </p:nvPicPr>
+            <p:blipFill>
+              <a:blip r:embed="rId16" cstate="print"/>
+              <a:stretch>
+                <a:fillRect/>
+              </a:stretch>
+            </p:blipFill>
+            <p:spPr>
+              <a:xfrm>
+                <a:off x="10051780" y="6066717"/>
+                <a:ext cx="848131" cy="680201"/>
+              </a:xfrm>
+              <a:prstGeom prst="rect">
+                <a:avLst/>
+              </a:prstGeom>
+            </p:spPr>
+          </p:pic>
+        </p:grpSp>
+      </p:grpSp>
+      <p:pic>
+        <p:nvPicPr>
+          <p:cNvPr id="41" name="Object 40"/>
+          <p:cNvPicPr>
+            <a:picLocks noChangeAspect="1"/>
+          </p:cNvPicPr>
+          <p:nvPr/>
+        </p:nvPicPr>
+        <p:blipFill>
+          <a:blip r:embed="rId14" cstate="print"/>
+          <a:stretch>
+            <a:fillRect/>
+          </a:stretch>
+        </p:blipFill>
+        <p:spPr>
+          <a:xfrm>
+            <a:off x="6313610" y="3289455"/>
+            <a:ext cx="2040933" cy="635844"/>
+          </a:xfrm>
+          <a:prstGeom prst="rect">
+            <a:avLst/>
+          </a:prstGeom>
+        </p:spPr>
+      </p:pic>
+      <p:pic>
+        <p:nvPicPr>
+          <p:cNvPr id="42" name="Object 41"/>
+          <p:cNvPicPr>
+            <a:picLocks noChangeAspect="1"/>
+          </p:cNvPicPr>
+          <p:nvPr/>
+        </p:nvPicPr>
+        <p:blipFill>
+          <a:blip r:embed="rId15" cstate="print"/>
+          <a:stretch>
+            <a:fillRect/>
+          </a:stretch>
+        </p:blipFill>
+        <p:spPr>
+          <a:xfrm>
+            <a:off x="6554379" y="3764596"/>
+            <a:ext cx="1652867" cy="575954"/>
+          </a:xfrm>
+          <a:prstGeom prst="rect">
+            <a:avLst/>
+          </a:prstGeom>
+        </p:spPr>
+      </p:pic>
+      <p:grpSp>
+        <p:nvGrpSpPr>
+          <p:cNvPr id="1012" name="그룹 1012"/>
+          <p:cNvGrpSpPr/>
+          <p:nvPr/>
+        </p:nvGrpSpPr>
+        <p:grpSpPr>
+          <a:xfrm>
+            <a:off x="14642997" y="7870751"/>
+            <a:ext cx="3822070" cy="3784995"/>
+            <a:chOff x="14642997" y="7870751"/>
+            <a:chExt cx="3822070" cy="3784995"/>
+          </a:xfrm>
+        </p:grpSpPr>
+        <p:pic>
+          <p:nvPicPr>
+            <p:cNvPr id="44" name="Object 43"/>
+            <p:cNvPicPr>
+              <a:picLocks noChangeAspect="1"/>
+            </p:cNvPicPr>
+            <p:nvPr/>
+          </p:nvPicPr>
+          <p:blipFill>
+            <a:blip r:embed="rId5" cstate="print"/>
+            <a:stretch>
+              <a:fillRect/>
+            </a:stretch>
+          </p:blipFill>
+          <p:spPr>
+            <a:xfrm>
+              <a:off x="14642997" y="7870751"/>
+              <a:ext cx="3822070" cy="3784995"/>
+            </a:xfrm>
+            <a:prstGeom prst="rect">
+              <a:avLst/>
+            </a:prstGeom>
+          </p:spPr>
+        </p:pic>
+      </p:grpSp>
+    </p:spTree>
+  </p:cSld>
+  <p:clrMapOvr>
+    <a:masterClrMapping/>
+  </p:clrMapOvr>
+</p:sld>
+</file>
+
+<file path=ppt/slides/slide11.xml><?xml version="1.0" encoding="utf-8"?>
+<p:sld xmlns:a="http://schemas.openxmlformats.org/drawingml/2006/main" xmlns:r="http://schemas.openxmlformats.org/officeDocument/2006/relationships" xmlns:p="http://schemas.openxmlformats.org/presentationml/2006/main">
   <p:cSld name="Slide 9">
     <p:bg>
       <p:bgPr>
@@ -8424,7 +9136,7 @@
 </p:sld>
 </file>
 
-<file path=ppt/slides/slide11.xml><?xml version="1.0" encoding="utf-8"?>
+<file path=ppt/slides/slide12.xml><?xml version="1.0" encoding="utf-8"?>
 <p:sld xmlns:a="http://schemas.openxmlformats.org/drawingml/2006/main" xmlns:r="http://schemas.openxmlformats.org/officeDocument/2006/relationships" xmlns:p="http://schemas.openxmlformats.org/presentationml/2006/main">
   <p:cSld name="Slide 10">
     <p:bg>
@@ -9492,7 +10204,7 @@
 </p:sld>
 </file>
 
-<file path=ppt/slides/slide12.xml><?xml version="1.0" encoding="utf-8"?>
+<file path=ppt/slides/slide13.xml><?xml version="1.0" encoding="utf-8"?>
 <p:sld xmlns:a="http://schemas.openxmlformats.org/drawingml/2006/main" xmlns:r="http://schemas.openxmlformats.org/officeDocument/2006/relationships" xmlns:p="http://schemas.openxmlformats.org/presentationml/2006/main">
   <p:cSld name="Slide 11">
     <p:bg>
@@ -10119,7 +10831,7 @@
 </p:sld>
 </file>
 
-<file path=ppt/slides/slide13.xml><?xml version="1.0" encoding="utf-8"?>
+<file path=ppt/slides/slide14.xml><?xml version="1.0" encoding="utf-8"?>
 <p:sld xmlns:a="http://schemas.openxmlformats.org/drawingml/2006/main" xmlns:r="http://schemas.openxmlformats.org/officeDocument/2006/relationships" xmlns:p="http://schemas.openxmlformats.org/presentationml/2006/main">
   <p:cSld name="Slide 12">
     <p:bg>
@@ -11694,7 +12406,7 @@
 </p:sld>
 </file>
 
-<file path=ppt/slides/slide14.xml><?xml version="1.0" encoding="utf-8"?>
+<file path=ppt/slides/slide15.xml><?xml version="1.0" encoding="utf-8"?>
 <p:sld xmlns:a="http://schemas.openxmlformats.org/drawingml/2006/main" xmlns:r="http://schemas.openxmlformats.org/officeDocument/2006/relationships" xmlns:p="http://schemas.openxmlformats.org/presentationml/2006/main">
   <p:cSld>
     <p:spTree>
@@ -12177,7 +12889,7 @@
 </p:sld>
 </file>
 
-<file path=ppt/slides/slide15.xml><?xml version="1.0" encoding="utf-8"?>
+<file path=ppt/slides/slide16.xml><?xml version="1.0" encoding="utf-8"?>
 <p:sld xmlns:a="http://schemas.openxmlformats.org/drawingml/2006/main" xmlns:r="http://schemas.openxmlformats.org/officeDocument/2006/relationships" xmlns:p="http://schemas.openxmlformats.org/presentationml/2006/main">
   <p:cSld name="Slide 13">
     <p:bg>
@@ -12423,7 +13135,7 @@
 </p:sld>
 </file>
 
-<file path=ppt/slides/slide16.xml><?xml version="1.0" encoding="utf-8"?>
+<file path=ppt/slides/slide17.xml><?xml version="1.0" encoding="utf-8"?>
 <p:sld xmlns:a="http://schemas.openxmlformats.org/drawingml/2006/main" xmlns:r="http://schemas.openxmlformats.org/officeDocument/2006/relationships" xmlns:p="http://schemas.openxmlformats.org/presentationml/2006/main">
   <p:cSld name="Slide 14">
     <p:bg>
@@ -12684,7 +13396,7 @@
 </p:sld>
 </file>
 
-<file path=ppt/slides/slide17.xml><?xml version="1.0" encoding="utf-8"?>
+<file path=ppt/slides/slide18.xml><?xml version="1.0" encoding="utf-8"?>
 <p:sld xmlns:a="http://schemas.openxmlformats.org/drawingml/2006/main" xmlns:r="http://schemas.openxmlformats.org/officeDocument/2006/relationships" xmlns:p="http://schemas.openxmlformats.org/presentationml/2006/main">
   <p:cSld name="Slide 15">
     <p:bg>
@@ -14271,7 +14983,7 @@
 </p:sld>
 </file>
 
-<file path=ppt/slides/slide18.xml><?xml version="1.0" encoding="utf-8"?>
+<file path=ppt/slides/slide19.xml><?xml version="1.0" encoding="utf-8"?>
 <p:sld xmlns:a="http://schemas.openxmlformats.org/drawingml/2006/main" xmlns:r="http://schemas.openxmlformats.org/officeDocument/2006/relationships" xmlns:p="http://schemas.openxmlformats.org/presentationml/2006/main">
   <p:cSld name="Slide 16">
     <p:bg>
@@ -15342,7 +16054,549 @@
 </p:sld>
 </file>
 
-<file path=ppt/slides/slide19.xml><?xml version="1.0" encoding="utf-8"?>
+<file path=ppt/slides/slide2.xml><?xml version="1.0" encoding="utf-8"?>
+<p:sld xmlns:a="http://schemas.openxmlformats.org/drawingml/2006/main" xmlns:r="http://schemas.openxmlformats.org/officeDocument/2006/relationships" xmlns:p="http://schemas.openxmlformats.org/presentationml/2006/main">
+  <p:cSld>
+    <p:spTree>
+      <p:nvGrpSpPr>
+        <p:cNvPr id="1" name=""/>
+        <p:cNvGrpSpPr/>
+        <p:nvPr/>
+      </p:nvGrpSpPr>
+      <p:grpSpPr>
+        <a:xfrm>
+          <a:off x="0" y="0"/>
+          <a:ext cx="0" cy="0"/>
+          <a:chOff x="0" y="0"/>
+          <a:chExt cx="0" cy="0"/>
+        </a:xfrm>
+      </p:grpSpPr>
+      <p:grpSp>
+        <p:nvGrpSpPr>
+          <p:cNvPr id="4" name="그룹 1018">
+            <a:extLst>
+              <a:ext uri="{FF2B5EF4-FFF2-40B4-BE49-F238E27FC236}">
+                <a16:creationId xmlns:a16="http://schemas.microsoft.com/office/drawing/2014/main" id="{0C5247D1-E285-7CDC-25F8-F1ABCDE304BE}"/>
+              </a:ext>
+            </a:extLst>
+          </p:cNvPr>
+          <p:cNvGrpSpPr/>
+          <p:nvPr/>
+        </p:nvGrpSpPr>
+        <p:grpSpPr>
+          <a:xfrm>
+            <a:off x="3287486" y="3868531"/>
+            <a:ext cx="3393622" cy="1114286"/>
+            <a:chOff x="2803727" y="4828571"/>
+            <a:chExt cx="3393622" cy="1114286"/>
+          </a:xfrm>
+        </p:grpSpPr>
+        <p:pic>
+          <p:nvPicPr>
+            <p:cNvPr id="5" name="Object 61">
+              <a:extLst>
+                <a:ext uri="{FF2B5EF4-FFF2-40B4-BE49-F238E27FC236}">
+                  <a16:creationId xmlns:a16="http://schemas.microsoft.com/office/drawing/2014/main" id="{29C480AF-46D1-D9A5-6C87-226E5620D948}"/>
+                </a:ext>
+              </a:extLst>
+            </p:cNvPr>
+            <p:cNvPicPr>
+              <a:picLocks noChangeAspect="1"/>
+            </p:cNvPicPr>
+            <p:nvPr/>
+          </p:nvPicPr>
+          <p:blipFill>
+            <a:blip r:embed="rId2" cstate="print"/>
+            <a:stretch>
+              <a:fillRect/>
+            </a:stretch>
+          </p:blipFill>
+          <p:spPr>
+            <a:xfrm>
+              <a:off x="2803727" y="4828571"/>
+              <a:ext cx="3393622" cy="1114286"/>
+            </a:xfrm>
+            <a:prstGeom prst="rect">
+              <a:avLst/>
+            </a:prstGeom>
+          </p:spPr>
+        </p:pic>
+      </p:grpSp>
+      <p:grpSp>
+        <p:nvGrpSpPr>
+          <p:cNvPr id="6" name="그룹 1018">
+            <a:extLst>
+              <a:ext uri="{FF2B5EF4-FFF2-40B4-BE49-F238E27FC236}">
+                <a16:creationId xmlns:a16="http://schemas.microsoft.com/office/drawing/2014/main" id="{F53BC57C-78A5-6AFC-CB34-7E3FD29B339F}"/>
+              </a:ext>
+            </a:extLst>
+          </p:cNvPr>
+          <p:cNvGrpSpPr/>
+          <p:nvPr/>
+        </p:nvGrpSpPr>
+        <p:grpSpPr>
+          <a:xfrm>
+            <a:off x="7102573" y="1019223"/>
+            <a:ext cx="3393622" cy="1114286"/>
+            <a:chOff x="2803727" y="4828571"/>
+            <a:chExt cx="3393622" cy="1114286"/>
+          </a:xfrm>
+        </p:grpSpPr>
+        <p:pic>
+          <p:nvPicPr>
+            <p:cNvPr id="7" name="Object 61">
+              <a:extLst>
+                <a:ext uri="{FF2B5EF4-FFF2-40B4-BE49-F238E27FC236}">
+                  <a16:creationId xmlns:a16="http://schemas.microsoft.com/office/drawing/2014/main" id="{E6F73685-14E5-06A9-813C-1C372BD6F4DE}"/>
+                </a:ext>
+              </a:extLst>
+            </p:cNvPr>
+            <p:cNvPicPr>
+              <a:picLocks noChangeAspect="1"/>
+            </p:cNvPicPr>
+            <p:nvPr/>
+          </p:nvPicPr>
+          <p:blipFill>
+            <a:blip r:embed="rId2" cstate="print"/>
+            <a:stretch>
+              <a:fillRect/>
+            </a:stretch>
+          </p:blipFill>
+          <p:spPr>
+            <a:xfrm>
+              <a:off x="2803727" y="4828571"/>
+              <a:ext cx="3393622" cy="1114286"/>
+            </a:xfrm>
+            <a:prstGeom prst="rect">
+              <a:avLst/>
+            </a:prstGeom>
+          </p:spPr>
+        </p:pic>
+      </p:grpSp>
+      <p:cxnSp>
+        <p:nvCxnSpPr>
+          <p:cNvPr id="9" name="직선 연결선 8">
+            <a:extLst>
+              <a:ext uri="{FF2B5EF4-FFF2-40B4-BE49-F238E27FC236}">
+                <a16:creationId xmlns:a16="http://schemas.microsoft.com/office/drawing/2014/main" id="{1172879B-889D-0C2F-EEA8-003E6793F36F}"/>
+              </a:ext>
+            </a:extLst>
+          </p:cNvPr>
+          <p:cNvCxnSpPr>
+            <a:cxnSpLocks/>
+            <a:stCxn id="7" idx="2"/>
+            <a:endCxn id="5" idx="0"/>
+          </p:cNvCxnSpPr>
+          <p:nvPr/>
+        </p:nvCxnSpPr>
+        <p:spPr>
+          <a:xfrm flipH="1">
+            <a:off x="4984297" y="2133509"/>
+            <a:ext cx="3815087" cy="1735022"/>
+          </a:xfrm>
+          <a:prstGeom prst="line">
+            <a:avLst/>
+          </a:prstGeom>
+          <a:ln w="38100">
+            <a:solidFill>
+              <a:srgbClr val="4C50BC"/>
+            </a:solidFill>
+          </a:ln>
+        </p:spPr>
+        <p:style>
+          <a:lnRef idx="1">
+            <a:schemeClr val="accent1"/>
+          </a:lnRef>
+          <a:fillRef idx="0">
+            <a:schemeClr val="accent1"/>
+          </a:fillRef>
+          <a:effectRef idx="0">
+            <a:schemeClr val="accent1"/>
+          </a:effectRef>
+          <a:fontRef idx="minor">
+            <a:schemeClr val="tx1"/>
+          </a:fontRef>
+        </p:style>
+      </p:cxnSp>
+      <p:cxnSp>
+        <p:nvCxnSpPr>
+          <p:cNvPr id="11" name="직선 연결선 10">
+            <a:extLst>
+              <a:ext uri="{FF2B5EF4-FFF2-40B4-BE49-F238E27FC236}">
+                <a16:creationId xmlns:a16="http://schemas.microsoft.com/office/drawing/2014/main" id="{466D5656-813B-296D-F08F-2E57C8EBA1E1}"/>
+              </a:ext>
+            </a:extLst>
+          </p:cNvPr>
+          <p:cNvCxnSpPr>
+            <a:cxnSpLocks/>
+          </p:cNvCxnSpPr>
+          <p:nvPr/>
+        </p:nvCxnSpPr>
+        <p:spPr>
+          <a:xfrm>
+            <a:off x="8799384" y="2133509"/>
+            <a:ext cx="0" cy="1735022"/>
+          </a:xfrm>
+          <a:prstGeom prst="line">
+            <a:avLst/>
+          </a:prstGeom>
+          <a:ln w="38100">
+            <a:solidFill>
+              <a:srgbClr val="4C50BC"/>
+            </a:solidFill>
+          </a:ln>
+        </p:spPr>
+        <p:style>
+          <a:lnRef idx="1">
+            <a:schemeClr val="accent1"/>
+          </a:lnRef>
+          <a:fillRef idx="0">
+            <a:schemeClr val="accent1"/>
+          </a:fillRef>
+          <a:effectRef idx="0">
+            <a:schemeClr val="accent1"/>
+          </a:effectRef>
+          <a:fontRef idx="minor">
+            <a:schemeClr val="tx1"/>
+          </a:fontRef>
+        </p:style>
+      </p:cxnSp>
+      <p:grpSp>
+        <p:nvGrpSpPr>
+          <p:cNvPr id="13" name="그룹 1018">
+            <a:extLst>
+              <a:ext uri="{FF2B5EF4-FFF2-40B4-BE49-F238E27FC236}">
+                <a16:creationId xmlns:a16="http://schemas.microsoft.com/office/drawing/2014/main" id="{6422EA0E-12C8-4264-ABC7-17F8CE933867}"/>
+              </a:ext>
+            </a:extLst>
+          </p:cNvPr>
+          <p:cNvGrpSpPr/>
+          <p:nvPr/>
+        </p:nvGrpSpPr>
+        <p:grpSpPr>
+          <a:xfrm>
+            <a:off x="6940767" y="3876814"/>
+            <a:ext cx="3393622" cy="1114286"/>
+            <a:chOff x="2803727" y="4828571"/>
+            <a:chExt cx="3393622" cy="1114286"/>
+          </a:xfrm>
+        </p:grpSpPr>
+        <p:pic>
+          <p:nvPicPr>
+            <p:cNvPr id="14" name="Object 61">
+              <a:extLst>
+                <a:ext uri="{FF2B5EF4-FFF2-40B4-BE49-F238E27FC236}">
+                  <a16:creationId xmlns:a16="http://schemas.microsoft.com/office/drawing/2014/main" id="{B8EE3D0F-6DDF-413D-3D54-0B0C4905D65D}"/>
+                </a:ext>
+              </a:extLst>
+            </p:cNvPr>
+            <p:cNvPicPr>
+              <a:picLocks noChangeAspect="1"/>
+            </p:cNvPicPr>
+            <p:nvPr/>
+          </p:nvPicPr>
+          <p:blipFill>
+            <a:blip r:embed="rId2" cstate="print"/>
+            <a:stretch>
+              <a:fillRect/>
+            </a:stretch>
+          </p:blipFill>
+          <p:spPr>
+            <a:xfrm>
+              <a:off x="2803727" y="4828571"/>
+              <a:ext cx="3393622" cy="1114286"/>
+            </a:xfrm>
+            <a:prstGeom prst="rect">
+              <a:avLst/>
+            </a:prstGeom>
+          </p:spPr>
+        </p:pic>
+      </p:grpSp>
+      <p:grpSp>
+        <p:nvGrpSpPr>
+          <p:cNvPr id="15" name="그룹 1018">
+            <a:extLst>
+              <a:ext uri="{FF2B5EF4-FFF2-40B4-BE49-F238E27FC236}">
+                <a16:creationId xmlns:a16="http://schemas.microsoft.com/office/drawing/2014/main" id="{11F8DF7C-F95F-B0B5-FC7F-85E369D002C6}"/>
+              </a:ext>
+            </a:extLst>
+          </p:cNvPr>
+          <p:cNvGrpSpPr/>
+          <p:nvPr/>
+        </p:nvGrpSpPr>
+        <p:grpSpPr>
+          <a:xfrm>
+            <a:off x="10627178" y="3868531"/>
+            <a:ext cx="3393622" cy="1114286"/>
+            <a:chOff x="2803727" y="4828571"/>
+            <a:chExt cx="3393622" cy="1114286"/>
+          </a:xfrm>
+        </p:grpSpPr>
+        <p:pic>
+          <p:nvPicPr>
+            <p:cNvPr id="16" name="Object 61">
+              <a:extLst>
+                <a:ext uri="{FF2B5EF4-FFF2-40B4-BE49-F238E27FC236}">
+                  <a16:creationId xmlns:a16="http://schemas.microsoft.com/office/drawing/2014/main" id="{B8B15D9F-D5FD-93DD-D076-037E1D6FFEC7}"/>
+                </a:ext>
+              </a:extLst>
+            </p:cNvPr>
+            <p:cNvPicPr>
+              <a:picLocks noChangeAspect="1"/>
+            </p:cNvPicPr>
+            <p:nvPr/>
+          </p:nvPicPr>
+          <p:blipFill>
+            <a:blip r:embed="rId2" cstate="print"/>
+            <a:stretch>
+              <a:fillRect/>
+            </a:stretch>
+          </p:blipFill>
+          <p:spPr>
+            <a:xfrm>
+              <a:off x="2803727" y="4828571"/>
+              <a:ext cx="3393622" cy="1114286"/>
+            </a:xfrm>
+            <a:prstGeom prst="rect">
+              <a:avLst/>
+            </a:prstGeom>
+          </p:spPr>
+        </p:pic>
+      </p:grpSp>
+      <p:cxnSp>
+        <p:nvCxnSpPr>
+          <p:cNvPr id="17" name="직선 연결선 16">
+            <a:extLst>
+              <a:ext uri="{FF2B5EF4-FFF2-40B4-BE49-F238E27FC236}">
+                <a16:creationId xmlns:a16="http://schemas.microsoft.com/office/drawing/2014/main" id="{450E9148-0C3A-3B85-23E5-E1D1C0997659}"/>
+              </a:ext>
+            </a:extLst>
+          </p:cNvPr>
+          <p:cNvCxnSpPr>
+            <a:cxnSpLocks/>
+            <a:endCxn id="16" idx="0"/>
+          </p:cNvCxnSpPr>
+          <p:nvPr/>
+        </p:nvCxnSpPr>
+        <p:spPr>
+          <a:xfrm>
+            <a:off x="8799384" y="2141792"/>
+            <a:ext cx="3524605" cy="1726739"/>
+          </a:xfrm>
+          <a:prstGeom prst="line">
+            <a:avLst/>
+          </a:prstGeom>
+          <a:ln w="38100">
+            <a:solidFill>
+              <a:srgbClr val="4C50BC"/>
+            </a:solidFill>
+          </a:ln>
+        </p:spPr>
+        <p:style>
+          <a:lnRef idx="1">
+            <a:schemeClr val="accent1"/>
+          </a:lnRef>
+          <a:fillRef idx="0">
+            <a:schemeClr val="accent1"/>
+          </a:fillRef>
+          <a:effectRef idx="0">
+            <a:schemeClr val="accent1"/>
+          </a:effectRef>
+          <a:fontRef idx="minor">
+            <a:schemeClr val="tx1"/>
+          </a:fontRef>
+        </p:style>
+      </p:cxnSp>
+      <p:sp>
+        <p:nvSpPr>
+          <p:cNvPr id="20" name="TextBox 19">
+            <a:extLst>
+              <a:ext uri="{FF2B5EF4-FFF2-40B4-BE49-F238E27FC236}">
+                <a16:creationId xmlns:a16="http://schemas.microsoft.com/office/drawing/2014/main" id="{A06D4055-10A8-4A24-5EDC-0761473BA40F}"/>
+              </a:ext>
+            </a:extLst>
+          </p:cNvPr>
+          <p:cNvSpPr txBox="1"/>
+          <p:nvPr/>
+        </p:nvSpPr>
+        <p:spPr>
+          <a:xfrm>
+            <a:off x="7777858" y="1222423"/>
+            <a:ext cx="2556531" cy="707886"/>
+          </a:xfrm>
+          <a:prstGeom prst="rect">
+            <a:avLst/>
+          </a:prstGeom>
+          <a:noFill/>
+        </p:spPr>
+        <p:txBody>
+          <a:bodyPr wrap="square" rtlCol="0">
+            <a:spAutoFit/>
+          </a:bodyPr>
+          <a:lstStyle/>
+          <a:p>
+            <a:r>
+              <a:rPr lang="en-US" altLang="ko-KR" sz="4000" dirty="0">
+                <a:solidFill>
+                  <a:schemeClr val="tx1">
+                    <a:lumMod val="50000"/>
+                    <a:lumOff val="50000"/>
+                  </a:schemeClr>
+                </a:solidFill>
+                <a:latin typeface="G마켓 산스 Medium" panose="02000000000000000000" pitchFamily="50" charset="-127"/>
+                <a:ea typeface="G마켓 산스 Medium" panose="02000000000000000000" pitchFamily="50" charset="-127"/>
+              </a:rPr>
+              <a:t>0x000A</a:t>
+            </a:r>
+          </a:p>
+        </p:txBody>
+      </p:sp>
+      <p:sp>
+        <p:nvSpPr>
+          <p:cNvPr id="21" name="TextBox 20">
+            <a:extLst>
+              <a:ext uri="{FF2B5EF4-FFF2-40B4-BE49-F238E27FC236}">
+                <a16:creationId xmlns:a16="http://schemas.microsoft.com/office/drawing/2014/main" id="{044C5ACF-17B6-5920-7904-E16248F54A6A}"/>
+              </a:ext>
+            </a:extLst>
+          </p:cNvPr>
+          <p:cNvSpPr txBox="1"/>
+          <p:nvPr/>
+        </p:nvSpPr>
+        <p:spPr>
+          <a:xfrm>
+            <a:off x="4124577" y="4071731"/>
+            <a:ext cx="2556531" cy="707886"/>
+          </a:xfrm>
+          <a:prstGeom prst="rect">
+            <a:avLst/>
+          </a:prstGeom>
+          <a:noFill/>
+        </p:spPr>
+        <p:txBody>
+          <a:bodyPr wrap="square" rtlCol="0">
+            <a:spAutoFit/>
+          </a:bodyPr>
+          <a:lstStyle/>
+          <a:p>
+            <a:r>
+              <a:rPr lang="en-US" altLang="ko-KR" sz="4000" dirty="0">
+                <a:solidFill>
+                  <a:schemeClr val="tx1">
+                    <a:lumMod val="50000"/>
+                    <a:lumOff val="50000"/>
+                  </a:schemeClr>
+                </a:solidFill>
+                <a:latin typeface="G마켓 산스 Medium" panose="02000000000000000000" pitchFamily="50" charset="-127"/>
+                <a:ea typeface="G마켓 산스 Medium" panose="02000000000000000000" pitchFamily="50" charset="-127"/>
+              </a:rPr>
+              <a:t>0x000A</a:t>
+            </a:r>
+          </a:p>
+        </p:txBody>
+      </p:sp>
+      <p:sp>
+        <p:nvSpPr>
+          <p:cNvPr id="22" name="TextBox 21">
+            <a:extLst>
+              <a:ext uri="{FF2B5EF4-FFF2-40B4-BE49-F238E27FC236}">
+                <a16:creationId xmlns:a16="http://schemas.microsoft.com/office/drawing/2014/main" id="{A7091AF6-2AB0-08A8-8A31-E96D2EBC6A65}"/>
+              </a:ext>
+            </a:extLst>
+          </p:cNvPr>
+          <p:cNvSpPr txBox="1"/>
+          <p:nvPr/>
+        </p:nvSpPr>
+        <p:spPr>
+          <a:xfrm>
+            <a:off x="7754667" y="4098235"/>
+            <a:ext cx="2556531" cy="707886"/>
+          </a:xfrm>
+          <a:prstGeom prst="rect">
+            <a:avLst/>
+          </a:prstGeom>
+          <a:noFill/>
+        </p:spPr>
+        <p:txBody>
+          <a:bodyPr wrap="square" rtlCol="0">
+            <a:spAutoFit/>
+          </a:bodyPr>
+          <a:lstStyle/>
+          <a:p>
+            <a:r>
+              <a:rPr lang="en-US" altLang="ko-KR" sz="4000" dirty="0">
+                <a:solidFill>
+                  <a:schemeClr val="tx1">
+                    <a:lumMod val="50000"/>
+                    <a:lumOff val="50000"/>
+                  </a:schemeClr>
+                </a:solidFill>
+                <a:latin typeface="G마켓 산스 Medium" panose="02000000000000000000" pitchFamily="50" charset="-127"/>
+                <a:ea typeface="G마켓 산스 Medium" panose="02000000000000000000" pitchFamily="50" charset="-127"/>
+              </a:rPr>
+              <a:t>0x000A</a:t>
+            </a:r>
+          </a:p>
+        </p:txBody>
+      </p:sp>
+      <p:sp>
+        <p:nvSpPr>
+          <p:cNvPr id="23" name="TextBox 22">
+            <a:extLst>
+              <a:ext uri="{FF2B5EF4-FFF2-40B4-BE49-F238E27FC236}">
+                <a16:creationId xmlns:a16="http://schemas.microsoft.com/office/drawing/2014/main" id="{101E227B-A9BD-20A0-66DD-A013FA376D02}"/>
+              </a:ext>
+            </a:extLst>
+          </p:cNvPr>
+          <p:cNvSpPr txBox="1"/>
+          <p:nvPr/>
+        </p:nvSpPr>
+        <p:spPr>
+          <a:xfrm>
+            <a:off x="11464269" y="4071731"/>
+            <a:ext cx="2556531" cy="707886"/>
+          </a:xfrm>
+          <a:prstGeom prst="rect">
+            <a:avLst/>
+          </a:prstGeom>
+          <a:noFill/>
+        </p:spPr>
+        <p:txBody>
+          <a:bodyPr wrap="square" rtlCol="0">
+            <a:spAutoFit/>
+          </a:bodyPr>
+          <a:lstStyle/>
+          <a:p>
+            <a:r>
+              <a:rPr lang="en-US" altLang="ko-KR" sz="4000" dirty="0">
+                <a:solidFill>
+                  <a:schemeClr val="tx1">
+                    <a:lumMod val="50000"/>
+                    <a:lumOff val="50000"/>
+                  </a:schemeClr>
+                </a:solidFill>
+                <a:latin typeface="G마켓 산스 Medium" panose="02000000000000000000" pitchFamily="50" charset="-127"/>
+                <a:ea typeface="G마켓 산스 Medium" panose="02000000000000000000" pitchFamily="50" charset="-127"/>
+              </a:rPr>
+              <a:t>0x000A</a:t>
+            </a:r>
+          </a:p>
+        </p:txBody>
+      </p:sp>
+    </p:spTree>
+    <p:extLst>
+      <p:ext uri="{BB962C8B-B14F-4D97-AF65-F5344CB8AC3E}">
+        <p14:creationId xmlns:p14="http://schemas.microsoft.com/office/powerpoint/2010/main" val="2594158432"/>
+      </p:ext>
+    </p:extLst>
+  </p:cSld>
+  <p:clrMapOvr>
+    <a:masterClrMapping/>
+  </p:clrMapOvr>
+</p:sld>
+</file>
+
+<file path=ppt/slides/slide20.xml><?xml version="1.0" encoding="utf-8"?>
 <p:sld xmlns:a="http://schemas.openxmlformats.org/drawingml/2006/main" xmlns:r="http://schemas.openxmlformats.org/officeDocument/2006/relationships" xmlns:p="http://schemas.openxmlformats.org/presentationml/2006/main">
   <p:cSld name="Slide 17">
     <p:bg>
@@ -16416,277 +17670,7 @@
 </p:sld>
 </file>
 
-<file path=ppt/slides/slide2.xml><?xml version="1.0" encoding="utf-8"?>
-<p:sld xmlns:a="http://schemas.openxmlformats.org/drawingml/2006/main" xmlns:r="http://schemas.openxmlformats.org/officeDocument/2006/relationships" xmlns:p="http://schemas.openxmlformats.org/presentationml/2006/main">
-  <p:cSld name="Slide 1">
-    <p:bg>
-      <p:bgPr>
-        <a:solidFill>
-          <a:srgbClr val="FFFFFF"/>
-        </a:solidFill>
-        <a:effectLst/>
-      </p:bgPr>
-    </p:bg>
-    <p:spTree>
-      <p:nvGrpSpPr>
-        <p:cNvPr id="1" name=""/>
-        <p:cNvGrpSpPr/>
-        <p:nvPr/>
-      </p:nvGrpSpPr>
-      <p:grpSpPr>
-        <a:xfrm>
-          <a:off x="0" y="0"/>
-          <a:ext cx="0" cy="0"/>
-          <a:chOff x="0" y="0"/>
-          <a:chExt cx="0" cy="0"/>
-        </a:xfrm>
-      </p:grpSpPr>
-      <p:grpSp>
-        <p:nvGrpSpPr>
-          <p:cNvPr id="1001" name="그룹 1001"/>
-          <p:cNvGrpSpPr/>
-          <p:nvPr/>
-        </p:nvGrpSpPr>
-        <p:grpSpPr>
-          <a:xfrm>
-            <a:off x="7377531" y="5911440"/>
-            <a:ext cx="3472558" cy="3438874"/>
-            <a:chOff x="7377531" y="5911440"/>
-            <a:chExt cx="3472558" cy="3438874"/>
-          </a:xfrm>
-        </p:grpSpPr>
-        <p:pic>
-          <p:nvPicPr>
-            <p:cNvPr id="3" name="Object 2"/>
-            <p:cNvPicPr>
-              <a:picLocks noChangeAspect="1"/>
-            </p:cNvPicPr>
-            <p:nvPr/>
-          </p:nvPicPr>
-          <p:blipFill>
-            <a:blip r:embed="rId2" cstate="print"/>
-            <a:stretch>
-              <a:fillRect/>
-            </a:stretch>
-          </p:blipFill>
-          <p:spPr>
-            <a:xfrm>
-              <a:off x="7377531" y="5911440"/>
-              <a:ext cx="3472558" cy="3438874"/>
-            </a:xfrm>
-            <a:prstGeom prst="rect">
-              <a:avLst/>
-            </a:prstGeom>
-          </p:spPr>
-        </p:pic>
-      </p:grpSp>
-      <p:grpSp>
-        <p:nvGrpSpPr>
-          <p:cNvPr id="1002" name="그룹 1002"/>
-          <p:cNvGrpSpPr/>
-          <p:nvPr/>
-        </p:nvGrpSpPr>
-        <p:grpSpPr>
-          <a:xfrm>
-            <a:off x="-3434812" y="-672639"/>
-            <a:ext cx="11793952" cy="11793952"/>
-            <a:chOff x="-3434812" y="-672639"/>
-            <a:chExt cx="11793952" cy="11793952"/>
-          </a:xfrm>
-        </p:grpSpPr>
-        <p:pic>
-          <p:nvPicPr>
-            <p:cNvPr id="6" name="Object 5"/>
-            <p:cNvPicPr>
-              <a:picLocks noChangeAspect="1"/>
-            </p:cNvPicPr>
-            <p:nvPr/>
-          </p:nvPicPr>
-          <p:blipFill>
-            <a:blip r:embed="rId3" cstate="print"/>
-            <a:stretch>
-              <a:fillRect/>
-            </a:stretch>
-          </p:blipFill>
-          <p:spPr>
-            <a:xfrm>
-              <a:off x="-9067889" y="-7045702"/>
-              <a:ext cx="23587903" cy="23587903"/>
-            </a:xfrm>
-            <a:prstGeom prst="rect">
-              <a:avLst/>
-            </a:prstGeom>
-          </p:spPr>
-        </p:pic>
-        <p:pic>
-          <p:nvPicPr>
-            <p:cNvPr id="7" name="Object 6"/>
-            <p:cNvPicPr>
-              <a:picLocks noChangeAspect="1"/>
-            </p:cNvPicPr>
-            <p:nvPr/>
-          </p:nvPicPr>
-          <p:blipFill>
-            <a:blip r:embed="rId4" cstate="print"/>
-            <a:stretch>
-              <a:fillRect/>
-            </a:stretch>
-          </p:blipFill>
-          <p:spPr>
-            <a:xfrm>
-              <a:off x="-3434812" y="-672639"/>
-              <a:ext cx="11793952" cy="11793952"/>
-            </a:xfrm>
-            <a:prstGeom prst="rect">
-              <a:avLst/>
-            </a:prstGeom>
-          </p:spPr>
-        </p:pic>
-      </p:grpSp>
-      <p:grpSp>
-        <p:nvGrpSpPr>
-          <p:cNvPr id="1003" name="그룹 1003"/>
-          <p:cNvGrpSpPr/>
-          <p:nvPr/>
-        </p:nvGrpSpPr>
-        <p:grpSpPr>
-          <a:xfrm>
-            <a:off x="16986360" y="2195397"/>
-            <a:ext cx="1432688" cy="191978"/>
-            <a:chOff x="16986360" y="2195397"/>
-            <a:chExt cx="1432688" cy="191978"/>
-          </a:xfrm>
-        </p:grpSpPr>
-        <p:pic>
-          <p:nvPicPr>
-            <p:cNvPr id="10" name="Object 9"/>
-            <p:cNvPicPr>
-              <a:picLocks noChangeAspect="1"/>
-            </p:cNvPicPr>
-            <p:nvPr/>
-          </p:nvPicPr>
-          <p:blipFill>
-            <a:blip r:embed="rId5" cstate="print"/>
-            <a:stretch>
-              <a:fillRect/>
-            </a:stretch>
-          </p:blipFill>
-          <p:spPr>
-            <a:xfrm>
-              <a:off x="16986360" y="2195397"/>
-              <a:ext cx="1432688" cy="191978"/>
-            </a:xfrm>
-            <a:prstGeom prst="rect">
-              <a:avLst/>
-            </a:prstGeom>
-          </p:spPr>
-        </p:pic>
-      </p:grpSp>
-      <p:pic>
-        <p:nvPicPr>
-          <p:cNvPr id="12" name="Object 11"/>
-          <p:cNvPicPr>
-            <a:picLocks noChangeAspect="1"/>
-          </p:cNvPicPr>
-          <p:nvPr/>
-        </p:nvPicPr>
-        <p:blipFill>
-          <a:blip r:embed="rId6" cstate="print"/>
-          <a:stretch>
-            <a:fillRect/>
-          </a:stretch>
-        </p:blipFill>
-        <p:spPr>
-          <a:xfrm>
-            <a:off x="8886073" y="880398"/>
-            <a:ext cx="8637568" cy="3104725"/>
-          </a:xfrm>
-          <a:prstGeom prst="rect">
-            <a:avLst/>
-          </a:prstGeom>
-        </p:spPr>
-      </p:pic>
-      <p:pic>
-        <p:nvPicPr>
-          <p:cNvPr id="13" name="Object 12"/>
-          <p:cNvPicPr>
-            <a:picLocks noChangeAspect="1"/>
-          </p:cNvPicPr>
-          <p:nvPr/>
-        </p:nvPicPr>
-        <p:blipFill>
-          <a:blip r:embed="rId7" cstate="print"/>
-          <a:stretch>
-            <a:fillRect/>
-          </a:stretch>
-        </p:blipFill>
-        <p:spPr>
-          <a:xfrm>
-            <a:off x="11680683" y="3716767"/>
-            <a:ext cx="3210496" cy="1079392"/>
-          </a:xfrm>
-          <a:prstGeom prst="rect">
-            <a:avLst/>
-          </a:prstGeom>
-        </p:spPr>
-      </p:pic>
-      <p:pic>
-        <p:nvPicPr>
-          <p:cNvPr id="14" name="Object 13"/>
-          <p:cNvPicPr>
-            <a:picLocks noChangeAspect="1"/>
-          </p:cNvPicPr>
-          <p:nvPr/>
-        </p:nvPicPr>
-        <p:blipFill>
-          <a:blip r:embed="rId8" cstate="print"/>
-          <a:stretch>
-            <a:fillRect/>
-          </a:stretch>
-        </p:blipFill>
-        <p:spPr>
-          <a:xfrm>
-            <a:off x="14088467" y="4031082"/>
-            <a:ext cx="2668823" cy="704052"/>
-          </a:xfrm>
-          <a:prstGeom prst="rect">
-            <a:avLst/>
-          </a:prstGeom>
-        </p:spPr>
-      </p:pic>
-      <p:pic>
-        <p:nvPicPr>
-          <p:cNvPr id="15" name="Object 14"/>
-          <p:cNvPicPr>
-            <a:picLocks noChangeAspect="1"/>
-          </p:cNvPicPr>
-          <p:nvPr/>
-        </p:nvPicPr>
-        <p:blipFill>
-          <a:blip r:embed="rId9" cstate="print"/>
-          <a:stretch>
-            <a:fillRect/>
-          </a:stretch>
-        </p:blipFill>
-        <p:spPr>
-          <a:xfrm>
-            <a:off x="12792623" y="6172908"/>
-            <a:ext cx="3953301" cy="3165434"/>
-          </a:xfrm>
-          <a:prstGeom prst="rect">
-            <a:avLst/>
-          </a:prstGeom>
-        </p:spPr>
-      </p:pic>
-    </p:spTree>
-  </p:cSld>
-  <p:clrMapOvr>
-    <a:masterClrMapping/>
-  </p:clrMapOvr>
-</p:sld>
-</file>
-
-<file path=ppt/slides/slide20.xml><?xml version="1.0" encoding="utf-8"?>
+<file path=ppt/slides/slide21.xml><?xml version="1.0" encoding="utf-8"?>
 <p:sld xmlns:a="http://schemas.openxmlformats.org/drawingml/2006/main" xmlns:r="http://schemas.openxmlformats.org/officeDocument/2006/relationships" xmlns:p="http://schemas.openxmlformats.org/presentationml/2006/main">
   <p:cSld name="Slide 18">
     <p:bg>
@@ -18045,7 +19029,7 @@
 </p:sld>
 </file>
 
-<file path=ppt/slides/slide21.xml><?xml version="1.0" encoding="utf-8"?>
+<file path=ppt/slides/slide22.xml><?xml version="1.0" encoding="utf-8"?>
 <p:sld xmlns:a="http://schemas.openxmlformats.org/drawingml/2006/main" xmlns:r="http://schemas.openxmlformats.org/officeDocument/2006/relationships" xmlns:p="http://schemas.openxmlformats.org/presentationml/2006/main">
   <p:cSld name="Slide 19">
     <p:bg>
@@ -18306,7 +19290,7 @@
 </p:sld>
 </file>
 
-<file path=ppt/slides/slide22.xml><?xml version="1.0" encoding="utf-8"?>
+<file path=ppt/slides/slide23.xml><?xml version="1.0" encoding="utf-8"?>
 <p:sld xmlns:a="http://schemas.openxmlformats.org/drawingml/2006/main" xmlns:r="http://schemas.openxmlformats.org/officeDocument/2006/relationships" xmlns:p="http://schemas.openxmlformats.org/presentationml/2006/main">
   <p:cSld name="Slide 20">
     <p:bg>
@@ -18671,6 +19655,276 @@
 
 <file path=ppt/slides/slide3.xml><?xml version="1.0" encoding="utf-8"?>
 <p:sld xmlns:a="http://schemas.openxmlformats.org/drawingml/2006/main" xmlns:r="http://schemas.openxmlformats.org/officeDocument/2006/relationships" xmlns:p="http://schemas.openxmlformats.org/presentationml/2006/main">
+  <p:cSld name="Slide 1">
+    <p:bg>
+      <p:bgPr>
+        <a:solidFill>
+          <a:srgbClr val="FFFFFF"/>
+        </a:solidFill>
+        <a:effectLst/>
+      </p:bgPr>
+    </p:bg>
+    <p:spTree>
+      <p:nvGrpSpPr>
+        <p:cNvPr id="1" name=""/>
+        <p:cNvGrpSpPr/>
+        <p:nvPr/>
+      </p:nvGrpSpPr>
+      <p:grpSpPr>
+        <a:xfrm>
+          <a:off x="0" y="0"/>
+          <a:ext cx="0" cy="0"/>
+          <a:chOff x="0" y="0"/>
+          <a:chExt cx="0" cy="0"/>
+        </a:xfrm>
+      </p:grpSpPr>
+      <p:grpSp>
+        <p:nvGrpSpPr>
+          <p:cNvPr id="1001" name="그룹 1001"/>
+          <p:cNvGrpSpPr/>
+          <p:nvPr/>
+        </p:nvGrpSpPr>
+        <p:grpSpPr>
+          <a:xfrm>
+            <a:off x="7377531" y="5911440"/>
+            <a:ext cx="3472558" cy="3438874"/>
+            <a:chOff x="7377531" y="5911440"/>
+            <a:chExt cx="3472558" cy="3438874"/>
+          </a:xfrm>
+        </p:grpSpPr>
+        <p:pic>
+          <p:nvPicPr>
+            <p:cNvPr id="3" name="Object 2"/>
+            <p:cNvPicPr>
+              <a:picLocks noChangeAspect="1"/>
+            </p:cNvPicPr>
+            <p:nvPr/>
+          </p:nvPicPr>
+          <p:blipFill>
+            <a:blip r:embed="rId2" cstate="print"/>
+            <a:stretch>
+              <a:fillRect/>
+            </a:stretch>
+          </p:blipFill>
+          <p:spPr>
+            <a:xfrm>
+              <a:off x="7377531" y="5911440"/>
+              <a:ext cx="3472558" cy="3438874"/>
+            </a:xfrm>
+            <a:prstGeom prst="rect">
+              <a:avLst/>
+            </a:prstGeom>
+          </p:spPr>
+        </p:pic>
+      </p:grpSp>
+      <p:grpSp>
+        <p:nvGrpSpPr>
+          <p:cNvPr id="1002" name="그룹 1002"/>
+          <p:cNvGrpSpPr/>
+          <p:nvPr/>
+        </p:nvGrpSpPr>
+        <p:grpSpPr>
+          <a:xfrm>
+            <a:off x="-3434812" y="-672639"/>
+            <a:ext cx="11793952" cy="11793952"/>
+            <a:chOff x="-3434812" y="-672639"/>
+            <a:chExt cx="11793952" cy="11793952"/>
+          </a:xfrm>
+        </p:grpSpPr>
+        <p:pic>
+          <p:nvPicPr>
+            <p:cNvPr id="6" name="Object 5"/>
+            <p:cNvPicPr>
+              <a:picLocks noChangeAspect="1"/>
+            </p:cNvPicPr>
+            <p:nvPr/>
+          </p:nvPicPr>
+          <p:blipFill>
+            <a:blip r:embed="rId3" cstate="print"/>
+            <a:stretch>
+              <a:fillRect/>
+            </a:stretch>
+          </p:blipFill>
+          <p:spPr>
+            <a:xfrm>
+              <a:off x="-9067889" y="-7045702"/>
+              <a:ext cx="23587903" cy="23587903"/>
+            </a:xfrm>
+            <a:prstGeom prst="rect">
+              <a:avLst/>
+            </a:prstGeom>
+          </p:spPr>
+        </p:pic>
+        <p:pic>
+          <p:nvPicPr>
+            <p:cNvPr id="7" name="Object 6"/>
+            <p:cNvPicPr>
+              <a:picLocks noChangeAspect="1"/>
+            </p:cNvPicPr>
+            <p:nvPr/>
+          </p:nvPicPr>
+          <p:blipFill>
+            <a:blip r:embed="rId4" cstate="print"/>
+            <a:stretch>
+              <a:fillRect/>
+            </a:stretch>
+          </p:blipFill>
+          <p:spPr>
+            <a:xfrm>
+              <a:off x="-3434812" y="-672639"/>
+              <a:ext cx="11793952" cy="11793952"/>
+            </a:xfrm>
+            <a:prstGeom prst="rect">
+              <a:avLst/>
+            </a:prstGeom>
+          </p:spPr>
+        </p:pic>
+      </p:grpSp>
+      <p:grpSp>
+        <p:nvGrpSpPr>
+          <p:cNvPr id="1003" name="그룹 1003"/>
+          <p:cNvGrpSpPr/>
+          <p:nvPr/>
+        </p:nvGrpSpPr>
+        <p:grpSpPr>
+          <a:xfrm>
+            <a:off x="16986360" y="2195397"/>
+            <a:ext cx="1432688" cy="191978"/>
+            <a:chOff x="16986360" y="2195397"/>
+            <a:chExt cx="1432688" cy="191978"/>
+          </a:xfrm>
+        </p:grpSpPr>
+        <p:pic>
+          <p:nvPicPr>
+            <p:cNvPr id="10" name="Object 9"/>
+            <p:cNvPicPr>
+              <a:picLocks noChangeAspect="1"/>
+            </p:cNvPicPr>
+            <p:nvPr/>
+          </p:nvPicPr>
+          <p:blipFill>
+            <a:blip r:embed="rId5" cstate="print"/>
+            <a:stretch>
+              <a:fillRect/>
+            </a:stretch>
+          </p:blipFill>
+          <p:spPr>
+            <a:xfrm>
+              <a:off x="16986360" y="2195397"/>
+              <a:ext cx="1432688" cy="191978"/>
+            </a:xfrm>
+            <a:prstGeom prst="rect">
+              <a:avLst/>
+            </a:prstGeom>
+          </p:spPr>
+        </p:pic>
+      </p:grpSp>
+      <p:pic>
+        <p:nvPicPr>
+          <p:cNvPr id="12" name="Object 11"/>
+          <p:cNvPicPr>
+            <a:picLocks noChangeAspect="1"/>
+          </p:cNvPicPr>
+          <p:nvPr/>
+        </p:nvPicPr>
+        <p:blipFill>
+          <a:blip r:embed="rId6" cstate="print"/>
+          <a:stretch>
+            <a:fillRect/>
+          </a:stretch>
+        </p:blipFill>
+        <p:spPr>
+          <a:xfrm>
+            <a:off x="8886073" y="880398"/>
+            <a:ext cx="8637568" cy="3104725"/>
+          </a:xfrm>
+          <a:prstGeom prst="rect">
+            <a:avLst/>
+          </a:prstGeom>
+        </p:spPr>
+      </p:pic>
+      <p:pic>
+        <p:nvPicPr>
+          <p:cNvPr id="13" name="Object 12"/>
+          <p:cNvPicPr>
+            <a:picLocks noChangeAspect="1"/>
+          </p:cNvPicPr>
+          <p:nvPr/>
+        </p:nvPicPr>
+        <p:blipFill>
+          <a:blip r:embed="rId7" cstate="print"/>
+          <a:stretch>
+            <a:fillRect/>
+          </a:stretch>
+        </p:blipFill>
+        <p:spPr>
+          <a:xfrm>
+            <a:off x="11680683" y="3716767"/>
+            <a:ext cx="3210496" cy="1079392"/>
+          </a:xfrm>
+          <a:prstGeom prst="rect">
+            <a:avLst/>
+          </a:prstGeom>
+        </p:spPr>
+      </p:pic>
+      <p:pic>
+        <p:nvPicPr>
+          <p:cNvPr id="14" name="Object 13"/>
+          <p:cNvPicPr>
+            <a:picLocks noChangeAspect="1"/>
+          </p:cNvPicPr>
+          <p:nvPr/>
+        </p:nvPicPr>
+        <p:blipFill>
+          <a:blip r:embed="rId8" cstate="print"/>
+          <a:stretch>
+            <a:fillRect/>
+          </a:stretch>
+        </p:blipFill>
+        <p:spPr>
+          <a:xfrm>
+            <a:off x="14088467" y="4031082"/>
+            <a:ext cx="2668823" cy="704052"/>
+          </a:xfrm>
+          <a:prstGeom prst="rect">
+            <a:avLst/>
+          </a:prstGeom>
+        </p:spPr>
+      </p:pic>
+      <p:pic>
+        <p:nvPicPr>
+          <p:cNvPr id="15" name="Object 14"/>
+          <p:cNvPicPr>
+            <a:picLocks noChangeAspect="1"/>
+          </p:cNvPicPr>
+          <p:nvPr/>
+        </p:nvPicPr>
+        <p:blipFill>
+          <a:blip r:embed="rId9" cstate="print"/>
+          <a:stretch>
+            <a:fillRect/>
+          </a:stretch>
+        </p:blipFill>
+        <p:spPr>
+          <a:xfrm>
+            <a:off x="12792623" y="6172908"/>
+            <a:ext cx="3953301" cy="3165434"/>
+          </a:xfrm>
+          <a:prstGeom prst="rect">
+            <a:avLst/>
+          </a:prstGeom>
+        </p:spPr>
+      </p:pic>
+    </p:spTree>
+  </p:cSld>
+  <p:clrMapOvr>
+    <a:masterClrMapping/>
+  </p:clrMapOvr>
+</p:sld>
+</file>
+
+<file path=ppt/slides/slide4.xml><?xml version="1.0" encoding="utf-8"?>
+<p:sld xmlns:a="http://schemas.openxmlformats.org/drawingml/2006/main" xmlns:r="http://schemas.openxmlformats.org/officeDocument/2006/relationships" xmlns:p="http://schemas.openxmlformats.org/presentationml/2006/main">
   <p:cSld name="Slide 2">
     <p:bg>
       <p:bgPr>
@@ -19236,7 +20490,7 @@
 </p:sld>
 </file>
 
-<file path=ppt/slides/slide4.xml><?xml version="1.0" encoding="utf-8"?>
+<file path=ppt/slides/slide5.xml><?xml version="1.0" encoding="utf-8"?>
 <p:sld xmlns:a="http://schemas.openxmlformats.org/drawingml/2006/main" xmlns:r="http://schemas.openxmlformats.org/officeDocument/2006/relationships" xmlns:p="http://schemas.openxmlformats.org/presentationml/2006/main">
   <p:cSld name="Slide 3">
     <p:bg>
@@ -19698,7 +20952,7 @@
 </p:sld>
 </file>
 
-<file path=ppt/slides/slide5.xml><?xml version="1.0" encoding="utf-8"?>
+<file path=ppt/slides/slide6.xml><?xml version="1.0" encoding="utf-8"?>
 <p:sld xmlns:a="http://schemas.openxmlformats.org/drawingml/2006/main" xmlns:r="http://schemas.openxmlformats.org/officeDocument/2006/relationships" xmlns:p="http://schemas.openxmlformats.org/presentationml/2006/main">
   <p:cSld name="Slide 4">
     <p:bg>
@@ -19959,7 +21213,7 @@
 </p:sld>
 </file>
 
-<file path=ppt/slides/slide6.xml><?xml version="1.0" encoding="utf-8"?>
+<file path=ppt/slides/slide7.xml><?xml version="1.0" encoding="utf-8"?>
 <p:sld xmlns:a="http://schemas.openxmlformats.org/drawingml/2006/main" xmlns:r="http://schemas.openxmlformats.org/officeDocument/2006/relationships" xmlns:p="http://schemas.openxmlformats.org/presentationml/2006/main">
   <p:cSld name="Slide 5">
     <p:bg>
@@ -20436,7 +21690,7 @@
 </p:sld>
 </file>
 
-<file path=ppt/slides/slide7.xml><?xml version="1.0" encoding="utf-8"?>
+<file path=ppt/slides/slide8.xml><?xml version="1.0" encoding="utf-8"?>
 <p:sld xmlns:a="http://schemas.openxmlformats.org/drawingml/2006/main" xmlns:r="http://schemas.openxmlformats.org/officeDocument/2006/relationships" xmlns:p="http://schemas.openxmlformats.org/presentationml/2006/main">
   <p:cSld name="Slide 6">
     <p:bg>
@@ -20949,7 +22203,7 @@
 </p:sld>
 </file>
 
-<file path=ppt/slides/slide8.xml><?xml version="1.0" encoding="utf-8"?>
+<file path=ppt/slides/slide9.xml><?xml version="1.0" encoding="utf-8"?>
 <p:sld xmlns:a="http://schemas.openxmlformats.org/drawingml/2006/main" xmlns:r="http://schemas.openxmlformats.org/officeDocument/2006/relationships" xmlns:p="http://schemas.openxmlformats.org/presentationml/2006/main">
   <p:cSld name="Slide 7">
     <p:bg>
@@ -21379,699 +22633,6 @@
           </a:prstGeom>
         </p:spPr>
       </p:pic>
-    </p:spTree>
-  </p:cSld>
-  <p:clrMapOvr>
-    <a:masterClrMapping/>
-  </p:clrMapOvr>
-</p:sld>
-</file>
-
-<file path=ppt/slides/slide9.xml><?xml version="1.0" encoding="utf-8"?>
-<p:sld xmlns:a="http://schemas.openxmlformats.org/drawingml/2006/main" xmlns:r="http://schemas.openxmlformats.org/officeDocument/2006/relationships" xmlns:p="http://schemas.openxmlformats.org/presentationml/2006/main">
-  <p:cSld name="Slide 8">
-    <p:bg>
-      <p:bgPr>
-        <a:solidFill>
-          <a:srgbClr val="FFFFFF"/>
-        </a:solidFill>
-        <a:effectLst/>
-      </p:bgPr>
-    </p:bg>
-    <p:spTree>
-      <p:nvGrpSpPr>
-        <p:cNvPr id="1" name=""/>
-        <p:cNvGrpSpPr/>
-        <p:nvPr/>
-      </p:nvGrpSpPr>
-      <p:grpSpPr>
-        <a:xfrm>
-          <a:off x="0" y="0"/>
-          <a:ext cx="0" cy="0"/>
-          <a:chOff x="0" y="0"/>
-          <a:chExt cx="0" cy="0"/>
-        </a:xfrm>
-      </p:grpSpPr>
-      <p:grpSp>
-        <p:nvGrpSpPr>
-          <p:cNvPr id="1001" name="그룹 1001"/>
-          <p:cNvGrpSpPr/>
-          <p:nvPr/>
-        </p:nvGrpSpPr>
-        <p:grpSpPr>
-          <a:xfrm>
-            <a:off x="1747081" y="7110353"/>
-            <a:ext cx="112665" cy="1306128"/>
-            <a:chOff x="1747081" y="7110353"/>
-            <a:chExt cx="112665" cy="1306128"/>
-          </a:xfrm>
-        </p:grpSpPr>
-        <p:pic>
-          <p:nvPicPr>
-            <p:cNvPr id="3" name="Object 2"/>
-            <p:cNvPicPr>
-              <a:picLocks noChangeAspect="1"/>
-            </p:cNvPicPr>
-            <p:nvPr/>
-          </p:nvPicPr>
-          <p:blipFill>
-            <a:blip r:embed="rId2" cstate="print"/>
-            <a:stretch>
-              <a:fillRect/>
-            </a:stretch>
-          </p:blipFill>
-          <p:spPr>
-            <a:xfrm>
-              <a:off x="1747081" y="7110353"/>
-              <a:ext cx="112665" cy="1306128"/>
-            </a:xfrm>
-            <a:prstGeom prst="rect">
-              <a:avLst/>
-            </a:prstGeom>
-          </p:spPr>
-        </p:pic>
-      </p:grpSp>
-      <p:pic>
-        <p:nvPicPr>
-          <p:cNvPr id="5" name="Object 4"/>
-          <p:cNvPicPr>
-            <a:picLocks noChangeAspect="1"/>
-          </p:cNvPicPr>
-          <p:nvPr/>
-        </p:nvPicPr>
-        <p:blipFill>
-          <a:blip r:embed="rId3" cstate="print"/>
-          <a:stretch>
-            <a:fillRect/>
-          </a:stretch>
-        </p:blipFill>
-        <p:spPr>
-          <a:xfrm>
-            <a:off x="1638398" y="6173012"/>
-            <a:ext cx="3430771" cy="684364"/>
-          </a:xfrm>
-          <a:prstGeom prst="rect">
-            <a:avLst/>
-          </a:prstGeom>
-        </p:spPr>
-      </p:pic>
-      <p:pic>
-        <p:nvPicPr>
-          <p:cNvPr id="6" name="Object 5"/>
-          <p:cNvPicPr>
-            <a:picLocks noChangeAspect="1"/>
-          </p:cNvPicPr>
-          <p:nvPr/>
-        </p:nvPicPr>
-        <p:blipFill>
-          <a:blip r:embed="rId4" cstate="print"/>
-          <a:stretch>
-            <a:fillRect/>
-          </a:stretch>
-        </p:blipFill>
-        <p:spPr>
-          <a:xfrm>
-            <a:off x="1940067" y="6909888"/>
-            <a:ext cx="5476435" cy="1567175"/>
-          </a:xfrm>
-          <a:prstGeom prst="rect">
-            <a:avLst/>
-          </a:prstGeom>
-        </p:spPr>
-      </p:pic>
-      <p:grpSp>
-        <p:nvGrpSpPr>
-          <p:cNvPr id="1002" name="그룹 1002"/>
-          <p:cNvGrpSpPr/>
-          <p:nvPr/>
-        </p:nvGrpSpPr>
-        <p:grpSpPr>
-          <a:xfrm>
-            <a:off x="-993218" y="-1023091"/>
-            <a:ext cx="3822070" cy="3784995"/>
-            <a:chOff x="-993218" y="-1023091"/>
-            <a:chExt cx="3822070" cy="3784995"/>
-          </a:xfrm>
-        </p:grpSpPr>
-        <p:pic>
-          <p:nvPicPr>
-            <p:cNvPr id="8" name="Object 7"/>
-            <p:cNvPicPr>
-              <a:picLocks noChangeAspect="1"/>
-            </p:cNvPicPr>
-            <p:nvPr/>
-          </p:nvPicPr>
-          <p:blipFill>
-            <a:blip r:embed="rId5" cstate="print"/>
-            <a:stretch>
-              <a:fillRect/>
-            </a:stretch>
-          </p:blipFill>
-          <p:spPr>
-            <a:xfrm>
-              <a:off x="-993218" y="-1023091"/>
-              <a:ext cx="3822070" cy="3784995"/>
-            </a:xfrm>
-            <a:prstGeom prst="rect">
-              <a:avLst/>
-            </a:prstGeom>
-          </p:spPr>
-        </p:pic>
-      </p:grpSp>
-      <p:grpSp>
-        <p:nvGrpSpPr>
-          <p:cNvPr id="1003" name="그룹 1003"/>
-          <p:cNvGrpSpPr/>
-          <p:nvPr/>
-        </p:nvGrpSpPr>
-        <p:grpSpPr>
-          <a:xfrm>
-            <a:off x="-1282641" y="1393467"/>
-            <a:ext cx="10688823" cy="3903493"/>
-            <a:chOff x="-1282641" y="1393467"/>
-            <a:chExt cx="10688823" cy="3903493"/>
-          </a:xfrm>
-        </p:grpSpPr>
-        <p:pic>
-          <p:nvPicPr>
-            <p:cNvPr id="11" name="Object 10"/>
-            <p:cNvPicPr>
-              <a:picLocks noChangeAspect="1"/>
-            </p:cNvPicPr>
-            <p:nvPr/>
-          </p:nvPicPr>
-          <p:blipFill>
-            <a:blip r:embed="rId6" cstate="print"/>
-            <a:stretch>
-              <a:fillRect/>
-            </a:stretch>
-          </p:blipFill>
-          <p:spPr>
-            <a:xfrm>
-              <a:off x="-1282641" y="1393467"/>
-              <a:ext cx="10688823" cy="3903493"/>
-            </a:xfrm>
-            <a:prstGeom prst="rect">
-              <a:avLst/>
-            </a:prstGeom>
-          </p:spPr>
-        </p:pic>
-      </p:grpSp>
-      <p:grpSp>
-        <p:nvGrpSpPr>
-          <p:cNvPr id="1004" name="그룹 1004"/>
-          <p:cNvGrpSpPr/>
-          <p:nvPr/>
-        </p:nvGrpSpPr>
-        <p:grpSpPr>
-          <a:xfrm>
-            <a:off x="5525491" y="1397176"/>
-            <a:ext cx="3879362" cy="3879362"/>
-            <a:chOff x="5525491" y="1397176"/>
-            <a:chExt cx="3879362" cy="3879362"/>
-          </a:xfrm>
-        </p:grpSpPr>
-        <p:pic>
-          <p:nvPicPr>
-            <p:cNvPr id="14" name="Object 13"/>
-            <p:cNvPicPr>
-              <a:picLocks noChangeAspect="1"/>
-            </p:cNvPicPr>
-            <p:nvPr/>
-          </p:nvPicPr>
-          <p:blipFill>
-            <a:blip r:embed="rId7" cstate="print"/>
-            <a:stretch>
-              <a:fillRect/>
-            </a:stretch>
-          </p:blipFill>
-          <p:spPr>
-            <a:xfrm>
-              <a:off x="5525491" y="1397176"/>
-              <a:ext cx="3879362" cy="3879362"/>
-            </a:xfrm>
-            <a:prstGeom prst="rect">
-              <a:avLst/>
-            </a:prstGeom>
-          </p:spPr>
-        </p:pic>
-      </p:grpSp>
-      <p:grpSp>
-        <p:nvGrpSpPr>
-          <p:cNvPr id="1005" name="그룹 1005"/>
-          <p:cNvGrpSpPr/>
-          <p:nvPr/>
-        </p:nvGrpSpPr>
-        <p:grpSpPr>
-          <a:xfrm>
-            <a:off x="7140127" y="2521910"/>
-            <a:ext cx="631043" cy="607425"/>
-            <a:chOff x="7140127" y="2521910"/>
-            <a:chExt cx="631043" cy="607425"/>
-          </a:xfrm>
-        </p:grpSpPr>
-        <p:pic>
-          <p:nvPicPr>
-            <p:cNvPr id="17" name="Object 16"/>
-            <p:cNvPicPr>
-              <a:picLocks noChangeAspect="1"/>
-            </p:cNvPicPr>
-            <p:nvPr/>
-          </p:nvPicPr>
-          <p:blipFill>
-            <a:blip r:embed="rId8" cstate="print"/>
-            <a:stretch>
-              <a:fillRect/>
-            </a:stretch>
-          </p:blipFill>
-          <p:spPr>
-            <a:xfrm>
-              <a:off x="7140127" y="2521910"/>
-              <a:ext cx="631043" cy="607425"/>
-            </a:xfrm>
-            <a:prstGeom prst="rect">
-              <a:avLst/>
-            </a:prstGeom>
-          </p:spPr>
-        </p:pic>
-      </p:grpSp>
-      <p:grpSp>
-        <p:nvGrpSpPr>
-          <p:cNvPr id="1006" name="그룹 1006"/>
-          <p:cNvGrpSpPr/>
-          <p:nvPr/>
-        </p:nvGrpSpPr>
-        <p:grpSpPr>
-          <a:xfrm>
-            <a:off x="14780952" y="394301"/>
-            <a:ext cx="2926792" cy="572055"/>
-            <a:chOff x="14780952" y="394301"/>
-            <a:chExt cx="2926792" cy="572055"/>
-          </a:xfrm>
-        </p:grpSpPr>
-        <p:pic>
-          <p:nvPicPr>
-            <p:cNvPr id="20" name="Object 19"/>
-            <p:cNvPicPr>
-              <a:picLocks noChangeAspect="1"/>
-            </p:cNvPicPr>
-            <p:nvPr/>
-          </p:nvPicPr>
-          <p:blipFill>
-            <a:blip r:embed="rId9" cstate="print"/>
-            <a:stretch>
-              <a:fillRect/>
-            </a:stretch>
-          </p:blipFill>
-          <p:spPr>
-            <a:xfrm>
-              <a:off x="14750307" y="471765"/>
-              <a:ext cx="2488599" cy="362335"/>
-            </a:xfrm>
-            <a:prstGeom prst="rect">
-              <a:avLst/>
-            </a:prstGeom>
-          </p:spPr>
-        </p:pic>
-        <p:pic>
-          <p:nvPicPr>
-            <p:cNvPr id="21" name="Object 20"/>
-            <p:cNvPicPr>
-              <a:picLocks noChangeAspect="1"/>
-            </p:cNvPicPr>
-            <p:nvPr/>
-          </p:nvPicPr>
-          <p:blipFill>
-            <a:blip r:embed="rId10" cstate="print"/>
-            <a:stretch>
-              <a:fillRect/>
-            </a:stretch>
-          </p:blipFill>
-          <p:spPr>
-            <a:xfrm>
-              <a:off x="17064169" y="333009"/>
-              <a:ext cx="800998" cy="708122"/>
-            </a:xfrm>
-            <a:prstGeom prst="rect">
-              <a:avLst/>
-            </a:prstGeom>
-          </p:spPr>
-        </p:pic>
-      </p:grpSp>
-      <p:grpSp>
-        <p:nvGrpSpPr>
-          <p:cNvPr id="1007" name="그룹 1007"/>
-          <p:cNvGrpSpPr/>
-          <p:nvPr/>
-        </p:nvGrpSpPr>
-        <p:grpSpPr>
-          <a:xfrm>
-            <a:off x="10912732" y="2922444"/>
-            <a:ext cx="112665" cy="1306128"/>
-            <a:chOff x="10912732" y="2922444"/>
-            <a:chExt cx="112665" cy="1306128"/>
-          </a:xfrm>
-        </p:grpSpPr>
-        <p:pic>
-          <p:nvPicPr>
-            <p:cNvPr id="24" name="Object 23"/>
-            <p:cNvPicPr>
-              <a:picLocks noChangeAspect="1"/>
-            </p:cNvPicPr>
-            <p:nvPr/>
-          </p:nvPicPr>
-          <p:blipFill>
-            <a:blip r:embed="rId2" cstate="print"/>
-            <a:stretch>
-              <a:fillRect/>
-            </a:stretch>
-          </p:blipFill>
-          <p:spPr>
-            <a:xfrm>
-              <a:off x="10912732" y="2922444"/>
-              <a:ext cx="112665" cy="1306128"/>
-            </a:xfrm>
-            <a:prstGeom prst="rect">
-              <a:avLst/>
-            </a:prstGeom>
-          </p:spPr>
-        </p:pic>
-      </p:grpSp>
-      <p:pic>
-        <p:nvPicPr>
-          <p:cNvPr id="26" name="Object 25"/>
-          <p:cNvPicPr>
-            <a:picLocks noChangeAspect="1"/>
-          </p:cNvPicPr>
-          <p:nvPr/>
-        </p:nvPicPr>
-        <p:blipFill>
-          <a:blip r:embed="rId3" cstate="print"/>
-          <a:stretch>
-            <a:fillRect/>
-          </a:stretch>
-        </p:blipFill>
-        <p:spPr>
-          <a:xfrm>
-            <a:off x="10804049" y="1985103"/>
-            <a:ext cx="3430771" cy="684364"/>
-          </a:xfrm>
-          <a:prstGeom prst="rect">
-            <a:avLst/>
-          </a:prstGeom>
-        </p:spPr>
-      </p:pic>
-      <p:pic>
-        <p:nvPicPr>
-          <p:cNvPr id="27" name="Object 26"/>
-          <p:cNvPicPr>
-            <a:picLocks noChangeAspect="1"/>
-          </p:cNvPicPr>
-          <p:nvPr/>
-        </p:nvPicPr>
-        <p:blipFill>
-          <a:blip r:embed="rId11" cstate="print"/>
-          <a:stretch>
-            <a:fillRect/>
-          </a:stretch>
-        </p:blipFill>
-        <p:spPr>
-          <a:xfrm>
-            <a:off x="11105718" y="2721979"/>
-            <a:ext cx="5476435" cy="1567175"/>
-          </a:xfrm>
-          <a:prstGeom prst="rect">
-            <a:avLst/>
-          </a:prstGeom>
-        </p:spPr>
-      </p:pic>
-      <p:grpSp>
-        <p:nvGrpSpPr>
-          <p:cNvPr id="1008" name="그룹 1008"/>
-          <p:cNvGrpSpPr/>
-          <p:nvPr/>
-        </p:nvGrpSpPr>
-        <p:grpSpPr>
-          <a:xfrm>
-            <a:off x="8538439" y="4962508"/>
-            <a:ext cx="10688823" cy="3903493"/>
-            <a:chOff x="8538439" y="4962508"/>
-            <a:chExt cx="10688823" cy="3903493"/>
-          </a:xfrm>
-        </p:grpSpPr>
-        <p:pic>
-          <p:nvPicPr>
-            <p:cNvPr id="29" name="Object 28"/>
-            <p:cNvPicPr>
-              <a:picLocks noChangeAspect="1"/>
-            </p:cNvPicPr>
-            <p:nvPr/>
-          </p:nvPicPr>
-          <p:blipFill>
-            <a:blip r:embed="rId12" cstate="print"/>
-            <a:stretch>
-              <a:fillRect/>
-            </a:stretch>
-          </p:blipFill>
-          <p:spPr>
-            <a:xfrm>
-              <a:off x="8538439" y="4962508"/>
-              <a:ext cx="10688823" cy="3903493"/>
-            </a:xfrm>
-            <a:prstGeom prst="rect">
-              <a:avLst/>
-            </a:prstGeom>
-          </p:spPr>
-        </p:pic>
-      </p:grpSp>
-      <p:grpSp>
-        <p:nvGrpSpPr>
-          <p:cNvPr id="1009" name="그룹 1009"/>
-          <p:cNvGrpSpPr/>
-          <p:nvPr/>
-        </p:nvGrpSpPr>
-        <p:grpSpPr>
-          <a:xfrm>
-            <a:off x="8536164" y="4985264"/>
-            <a:ext cx="3879362" cy="3879362"/>
-            <a:chOff x="8536164" y="4985264"/>
-            <a:chExt cx="3879362" cy="3879362"/>
-          </a:xfrm>
-        </p:grpSpPr>
-        <p:pic>
-          <p:nvPicPr>
-            <p:cNvPr id="32" name="Object 31"/>
-            <p:cNvPicPr>
-              <a:picLocks noChangeAspect="1"/>
-            </p:cNvPicPr>
-            <p:nvPr/>
-          </p:nvPicPr>
-          <p:blipFill>
-            <a:blip r:embed="rId13" cstate="print"/>
-            <a:stretch>
-              <a:fillRect/>
-            </a:stretch>
-          </p:blipFill>
-          <p:spPr>
-            <a:xfrm>
-              <a:off x="8536164" y="4985264"/>
-              <a:ext cx="3879362" cy="3879362"/>
-            </a:xfrm>
-            <a:prstGeom prst="rect">
-              <a:avLst/>
-            </a:prstGeom>
-          </p:spPr>
-        </p:pic>
-      </p:grpSp>
-      <p:grpSp>
-        <p:nvGrpSpPr>
-          <p:cNvPr id="1010" name="그룹 1010"/>
-          <p:cNvGrpSpPr/>
-          <p:nvPr/>
-        </p:nvGrpSpPr>
-        <p:grpSpPr>
-          <a:xfrm>
-            <a:off x="9373107" y="6066717"/>
-            <a:ext cx="2205476" cy="1790477"/>
-            <a:chOff x="9373107" y="6066717"/>
-            <a:chExt cx="2205476" cy="1790477"/>
-          </a:xfrm>
-        </p:grpSpPr>
-        <p:pic>
-          <p:nvPicPr>
-            <p:cNvPr id="35" name="Object 34"/>
-            <p:cNvPicPr>
-              <a:picLocks noChangeAspect="1"/>
-            </p:cNvPicPr>
-            <p:nvPr/>
-          </p:nvPicPr>
-          <p:blipFill>
-            <a:blip r:embed="rId14" cstate="print"/>
-            <a:stretch>
-              <a:fillRect/>
-            </a:stretch>
-          </p:blipFill>
-          <p:spPr>
-            <a:xfrm>
-              <a:off x="9324284" y="6877543"/>
-              <a:ext cx="2040933" cy="635844"/>
-            </a:xfrm>
-            <a:prstGeom prst="rect">
-              <a:avLst/>
-            </a:prstGeom>
-          </p:spPr>
-        </p:pic>
-        <p:pic>
-          <p:nvPicPr>
-            <p:cNvPr id="36" name="Object 35"/>
-            <p:cNvPicPr>
-              <a:picLocks noChangeAspect="1"/>
-            </p:cNvPicPr>
-            <p:nvPr/>
-          </p:nvPicPr>
-          <p:blipFill>
-            <a:blip r:embed="rId15" cstate="print"/>
-            <a:stretch>
-              <a:fillRect/>
-            </a:stretch>
-          </p:blipFill>
-          <p:spPr>
-            <a:xfrm>
-              <a:off x="9565052" y="7352685"/>
-              <a:ext cx="1652867" cy="575954"/>
-            </a:xfrm>
-            <a:prstGeom prst="rect">
-              <a:avLst/>
-            </a:prstGeom>
-          </p:spPr>
-        </p:pic>
-        <p:grpSp>
-          <p:nvGrpSpPr>
-            <p:cNvPr id="1011" name="그룹 1011"/>
-            <p:cNvGrpSpPr/>
-            <p:nvPr/>
-          </p:nvGrpSpPr>
-          <p:grpSpPr>
-            <a:xfrm>
-              <a:off x="10051780" y="6066717"/>
-              <a:ext cx="848131" cy="680201"/>
-              <a:chOff x="10051780" y="6066717"/>
-              <a:chExt cx="848131" cy="680201"/>
-            </a:xfrm>
-          </p:grpSpPr>
-          <p:pic>
-            <p:nvPicPr>
-              <p:cNvPr id="38" name="Object 37"/>
-              <p:cNvPicPr>
-                <a:picLocks noChangeAspect="1"/>
-              </p:cNvPicPr>
-              <p:nvPr/>
-            </p:nvPicPr>
-            <p:blipFill>
-              <a:blip r:embed="rId16" cstate="print"/>
-              <a:stretch>
-                <a:fillRect/>
-              </a:stretch>
-            </p:blipFill>
-            <p:spPr>
-              <a:xfrm>
-                <a:off x="10051780" y="6066717"/>
-                <a:ext cx="848131" cy="680201"/>
-              </a:xfrm>
-              <a:prstGeom prst="rect">
-                <a:avLst/>
-              </a:prstGeom>
-            </p:spPr>
-          </p:pic>
-        </p:grpSp>
-      </p:grpSp>
-      <p:pic>
-        <p:nvPicPr>
-          <p:cNvPr id="41" name="Object 40"/>
-          <p:cNvPicPr>
-            <a:picLocks noChangeAspect="1"/>
-          </p:cNvPicPr>
-          <p:nvPr/>
-        </p:nvPicPr>
-        <p:blipFill>
-          <a:blip r:embed="rId14" cstate="print"/>
-          <a:stretch>
-            <a:fillRect/>
-          </a:stretch>
-        </p:blipFill>
-        <p:spPr>
-          <a:xfrm>
-            <a:off x="6313610" y="3289455"/>
-            <a:ext cx="2040933" cy="635844"/>
-          </a:xfrm>
-          <a:prstGeom prst="rect">
-            <a:avLst/>
-          </a:prstGeom>
-        </p:spPr>
-      </p:pic>
-      <p:pic>
-        <p:nvPicPr>
-          <p:cNvPr id="42" name="Object 41"/>
-          <p:cNvPicPr>
-            <a:picLocks noChangeAspect="1"/>
-          </p:cNvPicPr>
-          <p:nvPr/>
-        </p:nvPicPr>
-        <p:blipFill>
-          <a:blip r:embed="rId15" cstate="print"/>
-          <a:stretch>
-            <a:fillRect/>
-          </a:stretch>
-        </p:blipFill>
-        <p:spPr>
-          <a:xfrm>
-            <a:off x="6554379" y="3764596"/>
-            <a:ext cx="1652867" cy="575954"/>
-          </a:xfrm>
-          <a:prstGeom prst="rect">
-            <a:avLst/>
-          </a:prstGeom>
-        </p:spPr>
-      </p:pic>
-      <p:grpSp>
-        <p:nvGrpSpPr>
-          <p:cNvPr id="1012" name="그룹 1012"/>
-          <p:cNvGrpSpPr/>
-          <p:nvPr/>
-        </p:nvGrpSpPr>
-        <p:grpSpPr>
-          <a:xfrm>
-            <a:off x="14642997" y="7870751"/>
-            <a:ext cx="3822070" cy="3784995"/>
-            <a:chOff x="14642997" y="7870751"/>
-            <a:chExt cx="3822070" cy="3784995"/>
-          </a:xfrm>
-        </p:grpSpPr>
-        <p:pic>
-          <p:nvPicPr>
-            <p:cNvPr id="44" name="Object 43"/>
-            <p:cNvPicPr>
-              <a:picLocks noChangeAspect="1"/>
-            </p:cNvPicPr>
-            <p:nvPr/>
-          </p:nvPicPr>
-          <p:blipFill>
-            <a:blip r:embed="rId5" cstate="print"/>
-            <a:stretch>
-              <a:fillRect/>
-            </a:stretch>
-          </p:blipFill>
-          <p:spPr>
-            <a:xfrm>
-              <a:off x="14642997" y="7870751"/>
-              <a:ext cx="3822070" cy="3784995"/>
-            </a:xfrm>
-            <a:prstGeom prst="rect">
-              <a:avLst/>
-            </a:prstGeom>
-          </p:spPr>
-        </p:pic>
-      </p:grpSp>
     </p:spTree>
   </p:cSld>
   <p:clrMapOvr>

--- a/JavaLecture/LectureFile/샘플.pptx
+++ b/JavaLecture/LectureFile/샘플.pptx
@@ -324,7 +324,7 @@
           <a:p>
             <a:fld id="{F8166F1F-CE9B-4651-A6AA-CD717754106B}" type="datetimeFigureOut">
               <a:rPr lang="en-US" smtClean="0"/>
-              <a:t>3/3/2023</a:t>
+              <a:t>3/18/2023</a:t>
             </a:fld>
             <a:endParaRPr lang="en-US"/>
           </a:p>
@@ -487,7 +487,7 @@
           <a:p>
             <a:fld id="{A76116CE-C4A3-4A05-B2D7-7C2E9A889C0F}" type="datetimeFigureOut">
               <a:rPr lang="en-US" smtClean="0"/>
-              <a:t>3/3/2023</a:t>
+              <a:t>3/18/2023</a:t>
             </a:fld>
             <a:endParaRPr lang="en-US"/>
           </a:p>
@@ -660,7 +660,7 @@
           <a:p>
             <a:fld id="{A76116CE-C4A3-4A05-B2D7-7C2E9A889C0F}" type="datetimeFigureOut">
               <a:rPr lang="en-US" smtClean="0"/>
-              <a:t>3/3/2023</a:t>
+              <a:t>3/18/2023</a:t>
             </a:fld>
             <a:endParaRPr lang="en-US"/>
           </a:p>
@@ -825,7 +825,7 @@
           <a:p>
             <a:fld id="{A76116CE-C4A3-4A05-B2D7-7C2E9A889C0F}" type="datetimeFigureOut">
               <a:rPr lang="en-US" smtClean="0"/>
-              <a:t>3/3/2023</a:t>
+              <a:t>3/18/2023</a:t>
             </a:fld>
             <a:endParaRPr lang="en-US"/>
           </a:p>
@@ -1065,7 +1065,7 @@
           <a:p>
             <a:fld id="{A76116CE-C4A3-4A05-B2D7-7C2E9A889C0F}" type="datetimeFigureOut">
               <a:rPr lang="en-US" smtClean="0"/>
-              <a:t>3/3/2023</a:t>
+              <a:t>3/18/2023</a:t>
             </a:fld>
             <a:endParaRPr lang="en-US"/>
           </a:p>
@@ -1345,7 +1345,7 @@
           <a:p>
             <a:fld id="{A76116CE-C4A3-4A05-B2D7-7C2E9A889C0F}" type="datetimeFigureOut">
               <a:rPr lang="en-US" smtClean="0"/>
-              <a:t>3/3/2023</a:t>
+              <a:t>3/18/2023</a:t>
             </a:fld>
             <a:endParaRPr lang="en-US"/>
           </a:p>
@@ -1759,7 +1759,7 @@
           <a:p>
             <a:fld id="{A76116CE-C4A3-4A05-B2D7-7C2E9A889C0F}" type="datetimeFigureOut">
               <a:rPr lang="en-US" smtClean="0"/>
-              <a:t>3/3/2023</a:t>
+              <a:t>3/18/2023</a:t>
             </a:fld>
             <a:endParaRPr lang="en-US"/>
           </a:p>
@@ -1871,7 +1871,7 @@
           <a:p>
             <a:fld id="{A76116CE-C4A3-4A05-B2D7-7C2E9A889C0F}" type="datetimeFigureOut">
               <a:rPr lang="en-US" smtClean="0"/>
-              <a:t>3/3/2023</a:t>
+              <a:t>3/18/2023</a:t>
             </a:fld>
             <a:endParaRPr lang="en-US"/>
           </a:p>
@@ -1961,7 +1961,7 @@
           <a:p>
             <a:fld id="{A76116CE-C4A3-4A05-B2D7-7C2E9A889C0F}" type="datetimeFigureOut">
               <a:rPr lang="en-US" smtClean="0"/>
-              <a:t>3/3/2023</a:t>
+              <a:t>3/18/2023</a:t>
             </a:fld>
             <a:endParaRPr lang="en-US"/>
           </a:p>
@@ -2231,7 +2231,7 @@
           <a:p>
             <a:fld id="{A76116CE-C4A3-4A05-B2D7-7C2E9A889C0F}" type="datetimeFigureOut">
               <a:rPr lang="en-US" smtClean="0"/>
-              <a:t>3/3/2023</a:t>
+              <a:t>3/18/2023</a:t>
             </a:fld>
             <a:endParaRPr lang="en-US"/>
           </a:p>
@@ -2478,7 +2478,7 @@
           <a:p>
             <a:fld id="{A76116CE-C4A3-4A05-B2D7-7C2E9A889C0F}" type="datetimeFigureOut">
               <a:rPr lang="en-US" smtClean="0"/>
-              <a:t>3/3/2023</a:t>
+              <a:t>3/18/2023</a:t>
             </a:fld>
             <a:endParaRPr lang="en-US"/>
           </a:p>
@@ -2684,7 +2684,7 @@
           <a:p>
             <a:fld id="{F8166F1F-CE9B-4651-A6AA-CD717754106B}" type="datetimeFigureOut">
               <a:rPr lang="en-US" smtClean="0"/>
-              <a:t>3/3/2023</a:t>
+              <a:t>3/18/2023</a:t>
             </a:fld>
             <a:endParaRPr lang="en-US"/>
           </a:p>
@@ -3059,7 +3059,7 @@
           <p:cNvPr id="4" name="그룹 1008">
             <a:extLst>
               <a:ext uri="{FF2B5EF4-FFF2-40B4-BE49-F238E27FC236}">
-                <a16:creationId xmlns:a16="http://schemas.microsoft.com/office/drawing/2014/main" id="{54FFE8A6-6CB8-DCBA-07F7-749FA78BF4A4}"/>
+                <a16:creationId xmlns:a16="http://schemas.microsoft.com/office/drawing/2014/main" xmlns="" id="{54FFE8A6-6CB8-DCBA-07F7-749FA78BF4A4}"/>
               </a:ext>
             </a:extLst>
           </p:cNvPr>
@@ -3079,7 +3079,7 @@
             <p:cNvPr id="5" name="그룹 1009">
               <a:extLst>
                 <a:ext uri="{FF2B5EF4-FFF2-40B4-BE49-F238E27FC236}">
-                  <a16:creationId xmlns:a16="http://schemas.microsoft.com/office/drawing/2014/main" id="{AFC4D322-4969-89C3-C972-D8E8E418CA73}"/>
+                  <a16:creationId xmlns:a16="http://schemas.microsoft.com/office/drawing/2014/main" xmlns="" id="{AFC4D322-4969-89C3-C972-D8E8E418CA73}"/>
                 </a:ext>
               </a:extLst>
             </p:cNvPr>
@@ -3099,7 +3099,7 @@
               <p:cNvPr id="10" name="Object 29">
                 <a:extLst>
                   <a:ext uri="{FF2B5EF4-FFF2-40B4-BE49-F238E27FC236}">
-                    <a16:creationId xmlns:a16="http://schemas.microsoft.com/office/drawing/2014/main" id="{696B190E-C178-4E07-7621-24C3B48A9BCF}"/>
+                    <a16:creationId xmlns:a16="http://schemas.microsoft.com/office/drawing/2014/main" xmlns="" id="{696B190E-C178-4E07-7621-24C3B48A9BCF}"/>
                   </a:ext>
                 </a:extLst>
               </p:cNvPr>
@@ -3130,7 +3130,7 @@
             <p:cNvPr id="6" name="그룹 1010">
               <a:extLst>
                 <a:ext uri="{FF2B5EF4-FFF2-40B4-BE49-F238E27FC236}">
-                  <a16:creationId xmlns:a16="http://schemas.microsoft.com/office/drawing/2014/main" id="{88F3509F-17A2-2BE7-261F-3BA022FF91BA}"/>
+                  <a16:creationId xmlns:a16="http://schemas.microsoft.com/office/drawing/2014/main" xmlns="" id="{88F3509F-17A2-2BE7-261F-3BA022FF91BA}"/>
                 </a:ext>
               </a:extLst>
             </p:cNvPr>
@@ -3150,7 +3150,7 @@
               <p:cNvPr id="9" name="Object 32">
                 <a:extLst>
                   <a:ext uri="{FF2B5EF4-FFF2-40B4-BE49-F238E27FC236}">
-                    <a16:creationId xmlns:a16="http://schemas.microsoft.com/office/drawing/2014/main" id="{6183A7B0-D571-9788-43CE-90A93A934096}"/>
+                    <a16:creationId xmlns:a16="http://schemas.microsoft.com/office/drawing/2014/main" xmlns="" id="{6183A7B0-D571-9788-43CE-90A93A934096}"/>
                   </a:ext>
                 </a:extLst>
               </p:cNvPr>
@@ -3181,7 +3181,7 @@
             <p:cNvPr id="7" name="그룹 1011">
               <a:extLst>
                 <a:ext uri="{FF2B5EF4-FFF2-40B4-BE49-F238E27FC236}">
-                  <a16:creationId xmlns:a16="http://schemas.microsoft.com/office/drawing/2014/main" id="{3DB0BB1F-6A07-787C-7717-F712317AF8C3}"/>
+                  <a16:creationId xmlns:a16="http://schemas.microsoft.com/office/drawing/2014/main" xmlns="" id="{3DB0BB1F-6A07-787C-7717-F712317AF8C3}"/>
                 </a:ext>
               </a:extLst>
             </p:cNvPr>
@@ -3201,7 +3201,7 @@
               <p:cNvPr id="8" name="Object 35">
                 <a:extLst>
                   <a:ext uri="{FF2B5EF4-FFF2-40B4-BE49-F238E27FC236}">
-                    <a16:creationId xmlns:a16="http://schemas.microsoft.com/office/drawing/2014/main" id="{A003AF1A-29EE-2DC2-0E03-479F705DFFB6}"/>
+                    <a16:creationId xmlns:a16="http://schemas.microsoft.com/office/drawing/2014/main" xmlns="" id="{A003AF1A-29EE-2DC2-0E03-479F705DFFB6}"/>
                   </a:ext>
                 </a:extLst>
               </p:cNvPr>
@@ -3233,7 +3233,7 @@
           <p:cNvPr id="11" name="직선 화살표 연결선 10">
             <a:extLst>
               <a:ext uri="{FF2B5EF4-FFF2-40B4-BE49-F238E27FC236}">
-                <a16:creationId xmlns:a16="http://schemas.microsoft.com/office/drawing/2014/main" id="{299DF5EC-9DF4-5255-06AC-0A7CE4FF58C3}"/>
+                <a16:creationId xmlns:a16="http://schemas.microsoft.com/office/drawing/2014/main" xmlns="" id="{299DF5EC-9DF4-5255-06AC-0A7CE4FF58C3}"/>
               </a:ext>
             </a:extLst>
           </p:cNvPr>
@@ -3274,7 +3274,7 @@
           <p:cNvPr id="14" name="직사각형 13">
             <a:extLst>
               <a:ext uri="{FF2B5EF4-FFF2-40B4-BE49-F238E27FC236}">
-                <a16:creationId xmlns:a16="http://schemas.microsoft.com/office/drawing/2014/main" id="{FFF506F9-840A-0508-4CAF-3AC711D8D5CE}"/>
+                <a16:creationId xmlns:a16="http://schemas.microsoft.com/office/drawing/2014/main" xmlns="" id="{FFF506F9-840A-0508-4CAF-3AC711D8D5CE}"/>
               </a:ext>
             </a:extLst>
           </p:cNvPr>
@@ -3326,7 +3326,7 @@
           <p:cNvPr id="15" name="표 16">
             <a:extLst>
               <a:ext uri="{FF2B5EF4-FFF2-40B4-BE49-F238E27FC236}">
-                <a16:creationId xmlns:a16="http://schemas.microsoft.com/office/drawing/2014/main" id="{F03C45C7-6EB1-7871-F0F7-945F667135C4}"/>
+                <a16:creationId xmlns:a16="http://schemas.microsoft.com/office/drawing/2014/main" xmlns="" id="{F03C45C7-6EB1-7871-F0F7-945F667135C4}"/>
               </a:ext>
             </a:extLst>
           </p:cNvPr>
@@ -3355,14 +3355,14 @@
                 <a:gridCol w="1571407">
                   <a:extLst>
                     <a:ext uri="{9D8B030D-6E8A-4147-A177-3AD203B41FA5}">
-                      <a16:colId xmlns:a16="http://schemas.microsoft.com/office/drawing/2014/main" val="2433761377"/>
+                      <a16:colId xmlns:a16="http://schemas.microsoft.com/office/drawing/2014/main" xmlns="" val="2433761377"/>
                     </a:ext>
                   </a:extLst>
                 </a:gridCol>
                 <a:gridCol w="2588200">
                   <a:extLst>
                     <a:ext uri="{9D8B030D-6E8A-4147-A177-3AD203B41FA5}">
-                      <a16:colId xmlns:a16="http://schemas.microsoft.com/office/drawing/2014/main" val="926389809"/>
+                      <a16:colId xmlns:a16="http://schemas.microsoft.com/office/drawing/2014/main" xmlns="" val="926389809"/>
                     </a:ext>
                   </a:extLst>
                 </a:gridCol>
@@ -3488,7 +3488,7 @@
                 </a:tc>
                 <a:extLst>
                   <a:ext uri="{0D108BD9-81ED-4DB2-BD59-A6C34878D82A}">
-                    <a16:rowId xmlns:a16="http://schemas.microsoft.com/office/drawing/2014/main" val="2504948727"/>
+                    <a16:rowId xmlns:a16="http://schemas.microsoft.com/office/drawing/2014/main" xmlns="" val="2504948727"/>
                   </a:ext>
                 </a:extLst>
               </a:tr>
@@ -3616,7 +3616,7 @@
                 </a:tc>
                 <a:extLst>
                   <a:ext uri="{0D108BD9-81ED-4DB2-BD59-A6C34878D82A}">
-                    <a16:rowId xmlns:a16="http://schemas.microsoft.com/office/drawing/2014/main" val="3647525178"/>
+                    <a16:rowId xmlns:a16="http://schemas.microsoft.com/office/drawing/2014/main" xmlns="" val="3647525178"/>
                   </a:ext>
                 </a:extLst>
               </a:tr>
@@ -3744,7 +3744,7 @@
                 </a:tc>
                 <a:extLst>
                   <a:ext uri="{0D108BD9-81ED-4DB2-BD59-A6C34878D82A}">
-                    <a16:rowId xmlns:a16="http://schemas.microsoft.com/office/drawing/2014/main" val="2672623231"/>
+                    <a16:rowId xmlns:a16="http://schemas.microsoft.com/office/drawing/2014/main" xmlns="" val="2672623231"/>
                   </a:ext>
                 </a:extLst>
               </a:tr>
@@ -3889,7 +3889,7 @@
                 </a:tc>
                 <a:extLst>
                   <a:ext uri="{0D108BD9-81ED-4DB2-BD59-A6C34878D82A}">
-                    <a16:rowId xmlns:a16="http://schemas.microsoft.com/office/drawing/2014/main" val="2996999142"/>
+                    <a16:rowId xmlns:a16="http://schemas.microsoft.com/office/drawing/2014/main" xmlns="" val="2996999142"/>
                   </a:ext>
                 </a:extLst>
               </a:tr>
@@ -4034,7 +4034,7 @@
                 </a:tc>
                 <a:extLst>
                   <a:ext uri="{0D108BD9-81ED-4DB2-BD59-A6C34878D82A}">
-                    <a16:rowId xmlns:a16="http://schemas.microsoft.com/office/drawing/2014/main" val="2275222586"/>
+                    <a16:rowId xmlns:a16="http://schemas.microsoft.com/office/drawing/2014/main" xmlns="" val="2275222586"/>
                   </a:ext>
                 </a:extLst>
               </a:tr>
@@ -4162,7 +4162,7 @@
                 </a:tc>
                 <a:extLst>
                   <a:ext uri="{0D108BD9-81ED-4DB2-BD59-A6C34878D82A}">
-                    <a16:rowId xmlns:a16="http://schemas.microsoft.com/office/drawing/2014/main" val="1918467740"/>
+                    <a16:rowId xmlns:a16="http://schemas.microsoft.com/office/drawing/2014/main" xmlns="" val="1918467740"/>
                   </a:ext>
                 </a:extLst>
               </a:tr>
@@ -4275,7 +4275,7 @@
                 </a:tc>
                 <a:extLst>
                   <a:ext uri="{0D108BD9-81ED-4DB2-BD59-A6C34878D82A}">
-                    <a16:rowId xmlns:a16="http://schemas.microsoft.com/office/drawing/2014/main" val="168351104"/>
+                    <a16:rowId xmlns:a16="http://schemas.microsoft.com/office/drawing/2014/main" xmlns="" val="168351104"/>
                   </a:ext>
                 </a:extLst>
               </a:tr>
@@ -4404,7 +4404,7 @@
                 </a:tc>
                 <a:extLst>
                   <a:ext uri="{0D108BD9-81ED-4DB2-BD59-A6C34878D82A}">
-                    <a16:rowId xmlns:a16="http://schemas.microsoft.com/office/drawing/2014/main" val="1446898692"/>
+                    <a16:rowId xmlns:a16="http://schemas.microsoft.com/office/drawing/2014/main" xmlns="" val="1446898692"/>
                   </a:ext>
                 </a:extLst>
               </a:tr>
@@ -4529,7 +4529,7 @@
                 </a:tc>
                 <a:extLst>
                   <a:ext uri="{0D108BD9-81ED-4DB2-BD59-A6C34878D82A}">
-                    <a16:rowId xmlns:a16="http://schemas.microsoft.com/office/drawing/2014/main" val="2069871938"/>
+                    <a16:rowId xmlns:a16="http://schemas.microsoft.com/office/drawing/2014/main" xmlns="" val="2069871938"/>
                   </a:ext>
                 </a:extLst>
               </a:tr>
@@ -4654,7 +4654,7 @@
                 </a:tc>
                 <a:extLst>
                   <a:ext uri="{0D108BD9-81ED-4DB2-BD59-A6C34878D82A}">
-                    <a16:rowId xmlns:a16="http://schemas.microsoft.com/office/drawing/2014/main" val="3466599706"/>
+                    <a16:rowId xmlns:a16="http://schemas.microsoft.com/office/drawing/2014/main" xmlns="" val="3466599706"/>
                   </a:ext>
                 </a:extLst>
               </a:tr>
@@ -4779,7 +4779,7 @@
                 </a:tc>
                 <a:extLst>
                   <a:ext uri="{0D108BD9-81ED-4DB2-BD59-A6C34878D82A}">
-                    <a16:rowId xmlns:a16="http://schemas.microsoft.com/office/drawing/2014/main" val="3270764344"/>
+                    <a16:rowId xmlns:a16="http://schemas.microsoft.com/office/drawing/2014/main" xmlns="" val="3270764344"/>
                   </a:ext>
                 </a:extLst>
               </a:tr>
@@ -4907,7 +4907,7 @@
                 </a:tc>
                 <a:extLst>
                   <a:ext uri="{0D108BD9-81ED-4DB2-BD59-A6C34878D82A}">
-                    <a16:rowId xmlns:a16="http://schemas.microsoft.com/office/drawing/2014/main" val="1601752940"/>
+                    <a16:rowId xmlns:a16="http://schemas.microsoft.com/office/drawing/2014/main" xmlns="" val="1601752940"/>
                   </a:ext>
                 </a:extLst>
               </a:tr>
@@ -5036,7 +5036,7 @@
                 </a:tc>
                 <a:extLst>
                   <a:ext uri="{0D108BD9-81ED-4DB2-BD59-A6C34878D82A}">
-                    <a16:rowId xmlns:a16="http://schemas.microsoft.com/office/drawing/2014/main" val="3454728477"/>
+                    <a16:rowId xmlns:a16="http://schemas.microsoft.com/office/drawing/2014/main" xmlns="" val="3454728477"/>
                   </a:ext>
                 </a:extLst>
               </a:tr>
@@ -5165,7 +5165,7 @@
                 </a:tc>
                 <a:extLst>
                   <a:ext uri="{0D108BD9-81ED-4DB2-BD59-A6C34878D82A}">
-                    <a16:rowId xmlns:a16="http://schemas.microsoft.com/office/drawing/2014/main" val="3866400999"/>
+                    <a16:rowId xmlns:a16="http://schemas.microsoft.com/office/drawing/2014/main" xmlns="" val="3866400999"/>
                   </a:ext>
                 </a:extLst>
               </a:tr>
@@ -5290,7 +5290,7 @@
                 </a:tc>
                 <a:extLst>
                   <a:ext uri="{0D108BD9-81ED-4DB2-BD59-A6C34878D82A}">
-                    <a16:rowId xmlns:a16="http://schemas.microsoft.com/office/drawing/2014/main" val="1558806300"/>
+                    <a16:rowId xmlns:a16="http://schemas.microsoft.com/office/drawing/2014/main" xmlns="" val="1558806300"/>
                   </a:ext>
                 </a:extLst>
               </a:tr>
@@ -5415,7 +5415,7 @@
                 </a:tc>
                 <a:extLst>
                   <a:ext uri="{0D108BD9-81ED-4DB2-BD59-A6C34878D82A}">
-                    <a16:rowId xmlns:a16="http://schemas.microsoft.com/office/drawing/2014/main" val="702070055"/>
+                    <a16:rowId xmlns:a16="http://schemas.microsoft.com/office/drawing/2014/main" xmlns="" val="702070055"/>
                   </a:ext>
                 </a:extLst>
               </a:tr>
@@ -5540,7 +5540,7 @@
                 </a:tc>
                 <a:extLst>
                   <a:ext uri="{0D108BD9-81ED-4DB2-BD59-A6C34878D82A}">
-                    <a16:rowId xmlns:a16="http://schemas.microsoft.com/office/drawing/2014/main" val="496493748"/>
+                    <a16:rowId xmlns:a16="http://schemas.microsoft.com/office/drawing/2014/main" xmlns="" val="496493748"/>
                   </a:ext>
                 </a:extLst>
               </a:tr>
@@ -5665,7 +5665,7 @@
                 </a:tc>
                 <a:extLst>
                   <a:ext uri="{0D108BD9-81ED-4DB2-BD59-A6C34878D82A}">
-                    <a16:rowId xmlns:a16="http://schemas.microsoft.com/office/drawing/2014/main" val="3240652297"/>
+                    <a16:rowId xmlns:a16="http://schemas.microsoft.com/office/drawing/2014/main" xmlns="" val="3240652297"/>
                   </a:ext>
                 </a:extLst>
               </a:tr>
@@ -5790,7 +5790,7 @@
                 </a:tc>
                 <a:extLst>
                   <a:ext uri="{0D108BD9-81ED-4DB2-BD59-A6C34878D82A}">
-                    <a16:rowId xmlns:a16="http://schemas.microsoft.com/office/drawing/2014/main" val="2637422434"/>
+                    <a16:rowId xmlns:a16="http://schemas.microsoft.com/office/drawing/2014/main" xmlns="" val="2637422434"/>
                   </a:ext>
                 </a:extLst>
               </a:tr>
@@ -5915,7 +5915,7 @@
                 </a:tc>
                 <a:extLst>
                   <a:ext uri="{0D108BD9-81ED-4DB2-BD59-A6C34878D82A}">
-                    <a16:rowId xmlns:a16="http://schemas.microsoft.com/office/drawing/2014/main" val="3987370490"/>
+                    <a16:rowId xmlns:a16="http://schemas.microsoft.com/office/drawing/2014/main" xmlns="" val="3987370490"/>
                   </a:ext>
                 </a:extLst>
               </a:tr>
@@ -5928,7 +5928,7 @@
           <p:cNvPr id="16" name="그룹 1008">
             <a:extLst>
               <a:ext uri="{FF2B5EF4-FFF2-40B4-BE49-F238E27FC236}">
-                <a16:creationId xmlns:a16="http://schemas.microsoft.com/office/drawing/2014/main" id="{E395BDE3-2EDE-065D-70E8-56E348228ACF}"/>
+                <a16:creationId xmlns:a16="http://schemas.microsoft.com/office/drawing/2014/main" xmlns="" id="{E395BDE3-2EDE-065D-70E8-56E348228ACF}"/>
               </a:ext>
             </a:extLst>
           </p:cNvPr>
@@ -5948,7 +5948,7 @@
             <p:cNvPr id="17" name="그룹 1009">
               <a:extLst>
                 <a:ext uri="{FF2B5EF4-FFF2-40B4-BE49-F238E27FC236}">
-                  <a16:creationId xmlns:a16="http://schemas.microsoft.com/office/drawing/2014/main" id="{852F4DEB-DB33-DB3F-9E9F-52A46CD0B10A}"/>
+                  <a16:creationId xmlns:a16="http://schemas.microsoft.com/office/drawing/2014/main" xmlns="" id="{852F4DEB-DB33-DB3F-9E9F-52A46CD0B10A}"/>
                 </a:ext>
               </a:extLst>
             </p:cNvPr>
@@ -5968,7 +5968,7 @@
               <p:cNvPr id="22" name="Object 29">
                 <a:extLst>
                   <a:ext uri="{FF2B5EF4-FFF2-40B4-BE49-F238E27FC236}">
-                    <a16:creationId xmlns:a16="http://schemas.microsoft.com/office/drawing/2014/main" id="{7E353D3B-14D4-8A64-5888-3F0C062C2CDD}"/>
+                    <a16:creationId xmlns:a16="http://schemas.microsoft.com/office/drawing/2014/main" xmlns="" id="{7E353D3B-14D4-8A64-5888-3F0C062C2CDD}"/>
                   </a:ext>
                 </a:extLst>
               </p:cNvPr>
@@ -5999,7 +5999,7 @@
             <p:cNvPr id="18" name="그룹 1010">
               <a:extLst>
                 <a:ext uri="{FF2B5EF4-FFF2-40B4-BE49-F238E27FC236}">
-                  <a16:creationId xmlns:a16="http://schemas.microsoft.com/office/drawing/2014/main" id="{001E38AB-1390-ABD0-BE01-9727136FEAEE}"/>
+                  <a16:creationId xmlns:a16="http://schemas.microsoft.com/office/drawing/2014/main" xmlns="" id="{001E38AB-1390-ABD0-BE01-9727136FEAEE}"/>
                 </a:ext>
               </a:extLst>
             </p:cNvPr>
@@ -6019,7 +6019,7 @@
               <p:cNvPr id="21" name="Object 32">
                 <a:extLst>
                   <a:ext uri="{FF2B5EF4-FFF2-40B4-BE49-F238E27FC236}">
-                    <a16:creationId xmlns:a16="http://schemas.microsoft.com/office/drawing/2014/main" id="{2ED1C30F-0D0B-F86C-8215-2598D332B5A3}"/>
+                    <a16:creationId xmlns:a16="http://schemas.microsoft.com/office/drawing/2014/main" xmlns="" id="{2ED1C30F-0D0B-F86C-8215-2598D332B5A3}"/>
                   </a:ext>
                 </a:extLst>
               </p:cNvPr>
@@ -6050,7 +6050,7 @@
             <p:cNvPr id="19" name="그룹 1011">
               <a:extLst>
                 <a:ext uri="{FF2B5EF4-FFF2-40B4-BE49-F238E27FC236}">
-                  <a16:creationId xmlns:a16="http://schemas.microsoft.com/office/drawing/2014/main" id="{1BCB8DE5-ABAF-4198-BC16-85BB76F2DB24}"/>
+                  <a16:creationId xmlns:a16="http://schemas.microsoft.com/office/drawing/2014/main" xmlns="" id="{1BCB8DE5-ABAF-4198-BC16-85BB76F2DB24}"/>
                 </a:ext>
               </a:extLst>
             </p:cNvPr>
@@ -6070,7 +6070,7 @@
               <p:cNvPr id="20" name="Object 35">
                 <a:extLst>
                   <a:ext uri="{FF2B5EF4-FFF2-40B4-BE49-F238E27FC236}">
-                    <a16:creationId xmlns:a16="http://schemas.microsoft.com/office/drawing/2014/main" id="{86E7BA23-0A1E-B581-CADC-06AB269DB2BD}"/>
+                    <a16:creationId xmlns:a16="http://schemas.microsoft.com/office/drawing/2014/main" xmlns="" id="{86E7BA23-0A1E-B581-CADC-06AB269DB2BD}"/>
                   </a:ext>
                 </a:extLst>
               </p:cNvPr>
@@ -6102,7 +6102,7 @@
           <p:cNvPr id="23" name="TextBox 22">
             <a:extLst>
               <a:ext uri="{FF2B5EF4-FFF2-40B4-BE49-F238E27FC236}">
-                <a16:creationId xmlns:a16="http://schemas.microsoft.com/office/drawing/2014/main" id="{7229BEA6-121E-9056-D07F-2B3BB1795F76}"/>
+                <a16:creationId xmlns:a16="http://schemas.microsoft.com/office/drawing/2014/main" xmlns="" id="{7229BEA6-121E-9056-D07F-2B3BB1795F76}"/>
               </a:ext>
             </a:extLst>
           </p:cNvPr>
@@ -6150,7 +6150,7 @@
           <p:cNvPr id="24" name="TextBox 23">
             <a:extLst>
               <a:ext uri="{FF2B5EF4-FFF2-40B4-BE49-F238E27FC236}">
-                <a16:creationId xmlns:a16="http://schemas.microsoft.com/office/drawing/2014/main" id="{5ADC00B6-990A-40DC-3CEA-505258F5E8DA}"/>
+                <a16:creationId xmlns:a16="http://schemas.microsoft.com/office/drawing/2014/main" xmlns="" id="{5ADC00B6-990A-40DC-3CEA-505258F5E8DA}"/>
               </a:ext>
             </a:extLst>
           </p:cNvPr>
@@ -6208,7 +6208,7 @@
           <p:cNvPr id="3" name="TextBox 2">
             <a:extLst>
               <a:ext uri="{FF2B5EF4-FFF2-40B4-BE49-F238E27FC236}">
-                <a16:creationId xmlns:a16="http://schemas.microsoft.com/office/drawing/2014/main" id="{C6D113C6-EA5C-788F-0C77-E7CE6EBB865F}"/>
+                <a16:creationId xmlns:a16="http://schemas.microsoft.com/office/drawing/2014/main" xmlns="" id="{C6D113C6-EA5C-788F-0C77-E7CE6EBB865F}"/>
               </a:ext>
             </a:extLst>
           </p:cNvPr>
@@ -6217,8 +6217,8 @@
         </p:nvSpPr>
         <p:spPr>
           <a:xfrm>
-            <a:off x="6251057" y="536986"/>
-            <a:ext cx="6400800" cy="707886"/>
+            <a:off x="6172200" y="647700"/>
+            <a:ext cx="6400800" cy="646331"/>
           </a:xfrm>
           <a:prstGeom prst="rect">
             <a:avLst/>
@@ -6232,7 +6232,7 @@
           <a:lstStyle/>
           <a:p>
             <a:r>
-              <a:rPr lang="en-US" altLang="ko-KR" sz="4000" dirty="0" err="1">
+              <a:rPr lang="en-US" altLang="ko-KR" sz="3600" dirty="0" err="1">
                 <a:solidFill>
                   <a:srgbClr val="FF0000"/>
                 </a:solidFill>
@@ -6242,7 +6242,7 @@
               <a:t>Cout</a:t>
             </a:r>
             <a:r>
-              <a:rPr lang="ko-KR" altLang="en-US" sz="4000" dirty="0">
+              <a:rPr lang="ko-KR" altLang="en-US" sz="3600" dirty="0">
                 <a:solidFill>
                   <a:srgbClr val="FF0000"/>
                 </a:solidFill>
@@ -6251,7 +6251,7 @@
               </a:rPr>
               <a:t>을 다시 살펴보자</a:t>
             </a:r>
-            <a:endParaRPr lang="en-US" altLang="ko-KR" sz="4000" dirty="0">
+            <a:endParaRPr lang="en-US" altLang="ko-KR" sz="3600" dirty="0">
               <a:solidFill>
                 <a:srgbClr val="FF0000"/>
               </a:solidFill>
@@ -6266,7 +6266,7 @@
           <p:cNvPr id="12" name="그룹 1008">
             <a:extLst>
               <a:ext uri="{FF2B5EF4-FFF2-40B4-BE49-F238E27FC236}">
-                <a16:creationId xmlns:a16="http://schemas.microsoft.com/office/drawing/2014/main" id="{678F6342-C505-E8AD-ADA4-022CB2C2088E}"/>
+                <a16:creationId xmlns:a16="http://schemas.microsoft.com/office/drawing/2014/main" xmlns="" id="{678F6342-C505-E8AD-ADA4-022CB2C2088E}"/>
               </a:ext>
             </a:extLst>
           </p:cNvPr>
@@ -6286,7 +6286,7 @@
             <p:cNvPr id="13" name="그룹 1009">
               <a:extLst>
                 <a:ext uri="{FF2B5EF4-FFF2-40B4-BE49-F238E27FC236}">
-                  <a16:creationId xmlns:a16="http://schemas.microsoft.com/office/drawing/2014/main" id="{4E1F1FED-812B-9BBB-925A-84B54A077414}"/>
+                  <a16:creationId xmlns:a16="http://schemas.microsoft.com/office/drawing/2014/main" xmlns="" id="{4E1F1FED-812B-9BBB-925A-84B54A077414}"/>
                 </a:ext>
               </a:extLst>
             </p:cNvPr>
@@ -6306,7 +6306,7 @@
               <p:cNvPr id="29" name="Object 29">
                 <a:extLst>
                   <a:ext uri="{FF2B5EF4-FFF2-40B4-BE49-F238E27FC236}">
-                    <a16:creationId xmlns:a16="http://schemas.microsoft.com/office/drawing/2014/main" id="{7B078609-4286-7B00-51EB-809C8E2DE289}"/>
+                    <a16:creationId xmlns:a16="http://schemas.microsoft.com/office/drawing/2014/main" xmlns="" id="{7B078609-4286-7B00-51EB-809C8E2DE289}"/>
                   </a:ext>
                 </a:extLst>
               </p:cNvPr>
@@ -6337,7 +6337,7 @@
             <p:cNvPr id="25" name="그룹 1010">
               <a:extLst>
                 <a:ext uri="{FF2B5EF4-FFF2-40B4-BE49-F238E27FC236}">
-                  <a16:creationId xmlns:a16="http://schemas.microsoft.com/office/drawing/2014/main" id="{02A649BF-B5B5-FBAF-7DFD-E118A4DF8907}"/>
+                  <a16:creationId xmlns:a16="http://schemas.microsoft.com/office/drawing/2014/main" xmlns="" id="{02A649BF-B5B5-FBAF-7DFD-E118A4DF8907}"/>
                 </a:ext>
               </a:extLst>
             </p:cNvPr>
@@ -6357,7 +6357,7 @@
               <p:cNvPr id="28" name="Object 32">
                 <a:extLst>
                   <a:ext uri="{FF2B5EF4-FFF2-40B4-BE49-F238E27FC236}">
-                    <a16:creationId xmlns:a16="http://schemas.microsoft.com/office/drawing/2014/main" id="{2A0FFF23-B3C9-3EA0-1C1B-A87D4FF098AE}"/>
+                    <a16:creationId xmlns:a16="http://schemas.microsoft.com/office/drawing/2014/main" xmlns="" id="{2A0FFF23-B3C9-3EA0-1C1B-A87D4FF098AE}"/>
                   </a:ext>
                 </a:extLst>
               </p:cNvPr>
@@ -6388,7 +6388,7 @@
             <p:cNvPr id="26" name="그룹 1011">
               <a:extLst>
                 <a:ext uri="{FF2B5EF4-FFF2-40B4-BE49-F238E27FC236}">
-                  <a16:creationId xmlns:a16="http://schemas.microsoft.com/office/drawing/2014/main" id="{881F5410-F7FB-F261-A584-707359BAC593}"/>
+                  <a16:creationId xmlns:a16="http://schemas.microsoft.com/office/drawing/2014/main" xmlns="" id="{881F5410-F7FB-F261-A584-707359BAC593}"/>
                 </a:ext>
               </a:extLst>
             </p:cNvPr>
@@ -6408,7 +6408,7 @@
               <p:cNvPr id="27" name="Object 35">
                 <a:extLst>
                   <a:ext uri="{FF2B5EF4-FFF2-40B4-BE49-F238E27FC236}">
-                    <a16:creationId xmlns:a16="http://schemas.microsoft.com/office/drawing/2014/main" id="{4E99E669-73EB-F9F4-EFE8-DC107035C265}"/>
+                    <a16:creationId xmlns:a16="http://schemas.microsoft.com/office/drawing/2014/main" xmlns="" id="{4E99E669-73EB-F9F4-EFE8-DC107035C265}"/>
                   </a:ext>
                 </a:extLst>
               </p:cNvPr>
@@ -6440,7 +6440,7 @@
           <p:cNvPr id="33" name="직선 연결선 32">
             <a:extLst>
               <a:ext uri="{FF2B5EF4-FFF2-40B4-BE49-F238E27FC236}">
-                <a16:creationId xmlns:a16="http://schemas.microsoft.com/office/drawing/2014/main" id="{6A1A37E4-F933-DE44-2EEA-F3A5BBF35584}"/>
+                <a16:creationId xmlns:a16="http://schemas.microsoft.com/office/drawing/2014/main" xmlns="" id="{6A1A37E4-F933-DE44-2EEA-F3A5BBF35584}"/>
               </a:ext>
             </a:extLst>
           </p:cNvPr>
@@ -6484,7 +6484,7 @@
         </p:nvSpPr>
         <p:spPr>
           <a:xfrm>
-            <a:off x="7895233" y="6278695"/>
+            <a:off x="7155743" y="7131678"/>
             <a:ext cx="2057400" cy="1698846"/>
           </a:xfrm>
           <a:prstGeom prst="mathMultiply">
@@ -6531,7 +6531,7 @@
           <p:cNvPr id="35" name="그룹 1018">
             <a:extLst>
               <a:ext uri="{FF2B5EF4-FFF2-40B4-BE49-F238E27FC236}">
-                <a16:creationId xmlns:a16="http://schemas.microsoft.com/office/drawing/2014/main" id="{0804D430-F42E-AE32-A065-FFA8C471F092}"/>
+                <a16:creationId xmlns:a16="http://schemas.microsoft.com/office/drawing/2014/main" xmlns="" id="{0804D430-F42E-AE32-A065-FFA8C471F092}"/>
               </a:ext>
             </a:extLst>
           </p:cNvPr>
@@ -6540,7 +6540,7 @@
         </p:nvGrpSpPr>
         <p:grpSpPr>
           <a:xfrm>
-            <a:off x="8661687" y="2259722"/>
+            <a:off x="8661687" y="2395552"/>
             <a:ext cx="3393622" cy="1114286"/>
             <a:chOff x="2803727" y="4828571"/>
             <a:chExt cx="3393622" cy="1114286"/>
@@ -6551,7 +6551,7 @@
             <p:cNvPr id="36" name="Object 61">
               <a:extLst>
                 <a:ext uri="{FF2B5EF4-FFF2-40B4-BE49-F238E27FC236}">
-                  <a16:creationId xmlns:a16="http://schemas.microsoft.com/office/drawing/2014/main" id="{334A4C3A-641C-7CD9-8FEE-5EC92B28D640}"/>
+                  <a16:creationId xmlns:a16="http://schemas.microsoft.com/office/drawing/2014/main" xmlns="" id="{334A4C3A-641C-7CD9-8FEE-5EC92B28D640}"/>
                 </a:ext>
               </a:extLst>
             </p:cNvPr>
@@ -6582,7 +6582,7 @@
           <p:cNvPr id="38" name="TextBox 37">
             <a:extLst>
               <a:ext uri="{FF2B5EF4-FFF2-40B4-BE49-F238E27FC236}">
-                <a16:creationId xmlns:a16="http://schemas.microsoft.com/office/drawing/2014/main" id="{A2AD056B-97A4-5BCC-4460-250160F3E171}"/>
+                <a16:creationId xmlns:a16="http://schemas.microsoft.com/office/drawing/2014/main" xmlns="" id="{A2AD056B-97A4-5BCC-4460-250160F3E171}"/>
               </a:ext>
             </a:extLst>
           </p:cNvPr>
@@ -6626,7 +6626,7 @@
           <p:cNvPr id="39" name="TextBox 38">
             <a:extLst>
               <a:ext uri="{FF2B5EF4-FFF2-40B4-BE49-F238E27FC236}">
-                <a16:creationId xmlns:a16="http://schemas.microsoft.com/office/drawing/2014/main" id="{52176D31-35F7-8916-46FA-6095EFEC1E49}"/>
+                <a16:creationId xmlns:a16="http://schemas.microsoft.com/office/drawing/2014/main" xmlns="" id="{52176D31-35F7-8916-46FA-6095EFEC1E49}"/>
               </a:ext>
             </a:extLst>
           </p:cNvPr>
@@ -6635,7 +6635,7 @@
         </p:nvSpPr>
         <p:spPr>
           <a:xfrm>
-            <a:off x="9067800" y="2454414"/>
+            <a:off x="9104655" y="2598752"/>
             <a:ext cx="2556531" cy="707886"/>
           </a:xfrm>
           <a:prstGeom prst="rect">
@@ -6670,7 +6670,7 @@
           <p:cNvPr id="37" name="표 2">
             <a:extLst>
               <a:ext uri="{FF2B5EF4-FFF2-40B4-BE49-F238E27FC236}">
-                <a16:creationId xmlns:a16="http://schemas.microsoft.com/office/drawing/2014/main" id="{D2CC6F32-611A-E22D-EB8C-52D626A5B319}"/>
+                <a16:creationId xmlns:a16="http://schemas.microsoft.com/office/drawing/2014/main" xmlns="" id="{D2CC6F32-611A-E22D-EB8C-52D626A5B319}"/>
               </a:ext>
             </a:extLst>
           </p:cNvPr>
@@ -6699,21 +6699,21 @@
                 <a:gridCol w="1731833">
                   <a:extLst>
                     <a:ext uri="{9D8B030D-6E8A-4147-A177-3AD203B41FA5}">
-                      <a16:colId xmlns:a16="http://schemas.microsoft.com/office/drawing/2014/main" val="1960770391"/>
+                      <a16:colId xmlns:a16="http://schemas.microsoft.com/office/drawing/2014/main" xmlns="" val="1960770391"/>
                     </a:ext>
                   </a:extLst>
                 </a:gridCol>
                 <a:gridCol w="1752960">
                   <a:extLst>
                     <a:ext uri="{9D8B030D-6E8A-4147-A177-3AD203B41FA5}">
-                      <a16:colId xmlns:a16="http://schemas.microsoft.com/office/drawing/2014/main" val="733308553"/>
+                      <a16:colId xmlns:a16="http://schemas.microsoft.com/office/drawing/2014/main" xmlns="" val="733308553"/>
                     </a:ext>
                   </a:extLst>
                 </a:gridCol>
                 <a:gridCol w="2730951">
                   <a:extLst>
                     <a:ext uri="{9D8B030D-6E8A-4147-A177-3AD203B41FA5}">
-                      <a16:colId xmlns:a16="http://schemas.microsoft.com/office/drawing/2014/main" val="1661322813"/>
+                      <a16:colId xmlns:a16="http://schemas.microsoft.com/office/drawing/2014/main" xmlns="" val="1661322813"/>
                     </a:ext>
                   </a:extLst>
                 </a:gridCol>
@@ -6901,7 +6901,7 @@
                 </a:tc>
                 <a:extLst>
                   <a:ext uri="{0D108BD9-81ED-4DB2-BD59-A6C34878D82A}">
-                    <a16:rowId xmlns:a16="http://schemas.microsoft.com/office/drawing/2014/main" val="2452905565"/>
+                    <a16:rowId xmlns:a16="http://schemas.microsoft.com/office/drawing/2014/main" xmlns="" val="2452905565"/>
                   </a:ext>
                 </a:extLst>
               </a:tr>
@@ -7105,7 +7105,7 @@
                 </a:tc>
                 <a:extLst>
                   <a:ext uri="{0D108BD9-81ED-4DB2-BD59-A6C34878D82A}">
-                    <a16:rowId xmlns:a16="http://schemas.microsoft.com/office/drawing/2014/main" val="3551452526"/>
+                    <a16:rowId xmlns:a16="http://schemas.microsoft.com/office/drawing/2014/main" xmlns="" val="3551452526"/>
                   </a:ext>
                 </a:extLst>
               </a:tr>
@@ -7280,7 +7280,7 @@
                 </a:tc>
                 <a:extLst>
                   <a:ext uri="{0D108BD9-81ED-4DB2-BD59-A6C34878D82A}">
-                    <a16:rowId xmlns:a16="http://schemas.microsoft.com/office/drawing/2014/main" val="3645064171"/>
+                    <a16:rowId xmlns:a16="http://schemas.microsoft.com/office/drawing/2014/main" xmlns="" val="3645064171"/>
                   </a:ext>
                 </a:extLst>
               </a:tr>
@@ -7455,7 +7455,7 @@
                 </a:tc>
                 <a:extLst>
                   <a:ext uri="{0D108BD9-81ED-4DB2-BD59-A6C34878D82A}">
-                    <a16:rowId xmlns:a16="http://schemas.microsoft.com/office/drawing/2014/main" val="2802120283"/>
+                    <a16:rowId xmlns:a16="http://schemas.microsoft.com/office/drawing/2014/main" xmlns="" val="2802120283"/>
                   </a:ext>
                 </a:extLst>
               </a:tr>
@@ -7624,7 +7624,7 @@
                 </a:tc>
                 <a:extLst>
                   <a:ext uri="{0D108BD9-81ED-4DB2-BD59-A6C34878D82A}">
-                    <a16:rowId xmlns:a16="http://schemas.microsoft.com/office/drawing/2014/main" val="1362299918"/>
+                    <a16:rowId xmlns:a16="http://schemas.microsoft.com/office/drawing/2014/main" xmlns="" val="1362299918"/>
                   </a:ext>
                 </a:extLst>
               </a:tr>
@@ -7860,7 +7860,7 @@
                 </a:tc>
                 <a:extLst>
                   <a:ext uri="{0D108BD9-81ED-4DB2-BD59-A6C34878D82A}">
-                    <a16:rowId xmlns:a16="http://schemas.microsoft.com/office/drawing/2014/main" val="2488866604"/>
+                    <a16:rowId xmlns:a16="http://schemas.microsoft.com/office/drawing/2014/main" xmlns="" val="2488866604"/>
                   </a:ext>
                 </a:extLst>
               </a:tr>
@@ -8083,7 +8083,7 @@
                 </a:tc>
                 <a:extLst>
                   <a:ext uri="{0D108BD9-81ED-4DB2-BD59-A6C34878D82A}">
-                    <a16:rowId xmlns:a16="http://schemas.microsoft.com/office/drawing/2014/main" val="2632365449"/>
+                    <a16:rowId xmlns:a16="http://schemas.microsoft.com/office/drawing/2014/main" xmlns="" val="2632365449"/>
                   </a:ext>
                 </a:extLst>
               </a:tr>
@@ -8091,6 +8091,126 @@
           </a:graphicData>
         </a:graphic>
       </p:graphicFrame>
+      <p:grpSp>
+        <p:nvGrpSpPr>
+          <p:cNvPr id="43" name="그룹 42"/>
+          <p:cNvGrpSpPr/>
+          <p:nvPr/>
+        </p:nvGrpSpPr>
+        <p:grpSpPr>
+          <a:xfrm>
+            <a:off x="10144621" y="5388110"/>
+            <a:ext cx="2743201" cy="3428999"/>
+            <a:chOff x="10820399" y="2095501"/>
+            <a:chExt cx="4343400" cy="5248129"/>
+          </a:xfrm>
+        </p:grpSpPr>
+        <p:cxnSp>
+          <p:nvCxnSpPr>
+            <p:cNvPr id="44" name="직선 연결선 43"/>
+            <p:cNvCxnSpPr/>
+            <p:nvPr/>
+          </p:nvCxnSpPr>
+          <p:spPr>
+            <a:xfrm>
+              <a:off x="10844009" y="7302402"/>
+              <a:ext cx="4313415" cy="0"/>
+            </a:xfrm>
+            <a:prstGeom prst="line">
+              <a:avLst/>
+            </a:prstGeom>
+            <a:ln w="57150">
+              <a:solidFill>
+                <a:srgbClr val="4C50BC"/>
+              </a:solidFill>
+            </a:ln>
+          </p:spPr>
+          <p:style>
+            <a:lnRef idx="1">
+              <a:schemeClr val="accent1"/>
+            </a:lnRef>
+            <a:fillRef idx="0">
+              <a:schemeClr val="accent1"/>
+            </a:fillRef>
+            <a:effectRef idx="0">
+              <a:schemeClr val="accent1"/>
+            </a:effectRef>
+            <a:fontRef idx="minor">
+              <a:schemeClr val="tx1"/>
+            </a:fontRef>
+          </p:style>
+        </p:cxnSp>
+        <p:cxnSp>
+          <p:nvCxnSpPr>
+            <p:cNvPr id="45" name="직선 연결선 44"/>
+            <p:cNvCxnSpPr/>
+            <p:nvPr/>
+          </p:nvCxnSpPr>
+          <p:spPr>
+            <a:xfrm rot="16200000">
+              <a:off x="8216950" y="4698950"/>
+              <a:ext cx="5206898" cy="0"/>
+            </a:xfrm>
+            <a:prstGeom prst="line">
+              <a:avLst/>
+            </a:prstGeom>
+            <a:ln w="57150">
+              <a:solidFill>
+                <a:srgbClr val="4C50BC"/>
+              </a:solidFill>
+            </a:ln>
+          </p:spPr>
+          <p:style>
+            <a:lnRef idx="1">
+              <a:schemeClr val="accent1"/>
+            </a:lnRef>
+            <a:fillRef idx="0">
+              <a:schemeClr val="accent1"/>
+            </a:fillRef>
+            <a:effectRef idx="0">
+              <a:schemeClr val="accent1"/>
+            </a:effectRef>
+            <a:fontRef idx="minor">
+              <a:schemeClr val="tx1"/>
+            </a:fontRef>
+          </p:style>
+        </p:cxnSp>
+        <p:cxnSp>
+          <p:nvCxnSpPr>
+            <p:cNvPr id="46" name="직선 연결선 45"/>
+            <p:cNvCxnSpPr/>
+            <p:nvPr/>
+          </p:nvCxnSpPr>
+          <p:spPr>
+            <a:xfrm rot="16200000">
+              <a:off x="12560350" y="4740181"/>
+              <a:ext cx="5206898" cy="0"/>
+            </a:xfrm>
+            <a:prstGeom prst="line">
+              <a:avLst/>
+            </a:prstGeom>
+            <a:ln w="57150">
+              <a:solidFill>
+                <a:srgbClr val="4C50BC"/>
+              </a:solidFill>
+            </a:ln>
+          </p:spPr>
+          <p:style>
+            <a:lnRef idx="1">
+              <a:schemeClr val="accent1"/>
+            </a:lnRef>
+            <a:fillRef idx="0">
+              <a:schemeClr val="accent1"/>
+            </a:fillRef>
+            <a:effectRef idx="0">
+              <a:schemeClr val="accent1"/>
+            </a:effectRef>
+            <a:fontRef idx="minor">
+              <a:schemeClr val="tx1"/>
+            </a:fontRef>
+          </p:style>
+        </p:cxnSp>
+      </p:grpSp>
     </p:spTree>
     <p:extLst>
       <p:ext uri="{BB962C8B-B14F-4D97-AF65-F5344CB8AC3E}">
@@ -16076,7 +16196,7 @@
           <p:cNvPr id="4" name="그룹 1018">
             <a:extLst>
               <a:ext uri="{FF2B5EF4-FFF2-40B4-BE49-F238E27FC236}">
-                <a16:creationId xmlns:a16="http://schemas.microsoft.com/office/drawing/2014/main" id="{0C5247D1-E285-7CDC-25F8-F1ABCDE304BE}"/>
+                <a16:creationId xmlns:a16="http://schemas.microsoft.com/office/drawing/2014/main" xmlns="" id="{0C5247D1-E285-7CDC-25F8-F1ABCDE304BE}"/>
               </a:ext>
             </a:extLst>
           </p:cNvPr>
@@ -16096,7 +16216,7 @@
             <p:cNvPr id="5" name="Object 61">
               <a:extLst>
                 <a:ext uri="{FF2B5EF4-FFF2-40B4-BE49-F238E27FC236}">
-                  <a16:creationId xmlns:a16="http://schemas.microsoft.com/office/drawing/2014/main" id="{29C480AF-46D1-D9A5-6C87-226E5620D948}"/>
+                  <a16:creationId xmlns:a16="http://schemas.microsoft.com/office/drawing/2014/main" xmlns="" id="{29C480AF-46D1-D9A5-6C87-226E5620D948}"/>
                 </a:ext>
               </a:extLst>
             </p:cNvPr>
@@ -16127,7 +16247,7 @@
           <p:cNvPr id="6" name="그룹 1018">
             <a:extLst>
               <a:ext uri="{FF2B5EF4-FFF2-40B4-BE49-F238E27FC236}">
-                <a16:creationId xmlns:a16="http://schemas.microsoft.com/office/drawing/2014/main" id="{F53BC57C-78A5-6AFC-CB34-7E3FD29B339F}"/>
+                <a16:creationId xmlns:a16="http://schemas.microsoft.com/office/drawing/2014/main" xmlns="" id="{F53BC57C-78A5-6AFC-CB34-7E3FD29B339F}"/>
               </a:ext>
             </a:extLst>
           </p:cNvPr>
@@ -16147,7 +16267,7 @@
             <p:cNvPr id="7" name="Object 61">
               <a:extLst>
                 <a:ext uri="{FF2B5EF4-FFF2-40B4-BE49-F238E27FC236}">
-                  <a16:creationId xmlns:a16="http://schemas.microsoft.com/office/drawing/2014/main" id="{E6F73685-14E5-06A9-813C-1C372BD6F4DE}"/>
+                  <a16:creationId xmlns:a16="http://schemas.microsoft.com/office/drawing/2014/main" xmlns="" id="{E6F73685-14E5-06A9-813C-1C372BD6F4DE}"/>
                 </a:ext>
               </a:extLst>
             </p:cNvPr>
@@ -16178,7 +16298,7 @@
           <p:cNvPr id="9" name="직선 연결선 8">
             <a:extLst>
               <a:ext uri="{FF2B5EF4-FFF2-40B4-BE49-F238E27FC236}">
-                <a16:creationId xmlns:a16="http://schemas.microsoft.com/office/drawing/2014/main" id="{1172879B-889D-0C2F-EEA8-003E6793F36F}"/>
+                <a16:creationId xmlns:a16="http://schemas.microsoft.com/office/drawing/2014/main" xmlns="" id="{1172879B-889D-0C2F-EEA8-003E6793F36F}"/>
               </a:ext>
             </a:extLst>
           </p:cNvPr>
@@ -16223,7 +16343,7 @@
           <p:cNvPr id="11" name="직선 연결선 10">
             <a:extLst>
               <a:ext uri="{FF2B5EF4-FFF2-40B4-BE49-F238E27FC236}">
-                <a16:creationId xmlns:a16="http://schemas.microsoft.com/office/drawing/2014/main" id="{466D5656-813B-296D-F08F-2E57C8EBA1E1}"/>
+                <a16:creationId xmlns:a16="http://schemas.microsoft.com/office/drawing/2014/main" xmlns="" id="{466D5656-813B-296D-F08F-2E57C8EBA1E1}"/>
               </a:ext>
             </a:extLst>
           </p:cNvPr>
@@ -16266,7 +16386,7 @@
           <p:cNvPr id="13" name="그룹 1018">
             <a:extLst>
               <a:ext uri="{FF2B5EF4-FFF2-40B4-BE49-F238E27FC236}">
-                <a16:creationId xmlns:a16="http://schemas.microsoft.com/office/drawing/2014/main" id="{6422EA0E-12C8-4264-ABC7-17F8CE933867}"/>
+                <a16:creationId xmlns:a16="http://schemas.microsoft.com/office/drawing/2014/main" xmlns="" id="{6422EA0E-12C8-4264-ABC7-17F8CE933867}"/>
               </a:ext>
             </a:extLst>
           </p:cNvPr>
@@ -16286,7 +16406,7 @@
             <p:cNvPr id="14" name="Object 61">
               <a:extLst>
                 <a:ext uri="{FF2B5EF4-FFF2-40B4-BE49-F238E27FC236}">
-                  <a16:creationId xmlns:a16="http://schemas.microsoft.com/office/drawing/2014/main" id="{B8EE3D0F-6DDF-413D-3D54-0B0C4905D65D}"/>
+                  <a16:creationId xmlns:a16="http://schemas.microsoft.com/office/drawing/2014/main" xmlns="" id="{B8EE3D0F-6DDF-413D-3D54-0B0C4905D65D}"/>
                 </a:ext>
               </a:extLst>
             </p:cNvPr>
@@ -16317,7 +16437,7 @@
           <p:cNvPr id="15" name="그룹 1018">
             <a:extLst>
               <a:ext uri="{FF2B5EF4-FFF2-40B4-BE49-F238E27FC236}">
-                <a16:creationId xmlns:a16="http://schemas.microsoft.com/office/drawing/2014/main" id="{11F8DF7C-F95F-B0B5-FC7F-85E369D002C6}"/>
+                <a16:creationId xmlns:a16="http://schemas.microsoft.com/office/drawing/2014/main" xmlns="" id="{11F8DF7C-F95F-B0B5-FC7F-85E369D002C6}"/>
               </a:ext>
             </a:extLst>
           </p:cNvPr>
@@ -16337,7 +16457,7 @@
             <p:cNvPr id="16" name="Object 61">
               <a:extLst>
                 <a:ext uri="{FF2B5EF4-FFF2-40B4-BE49-F238E27FC236}">
-                  <a16:creationId xmlns:a16="http://schemas.microsoft.com/office/drawing/2014/main" id="{B8B15D9F-D5FD-93DD-D076-037E1D6FFEC7}"/>
+                  <a16:creationId xmlns:a16="http://schemas.microsoft.com/office/drawing/2014/main" xmlns="" id="{B8B15D9F-D5FD-93DD-D076-037E1D6FFEC7}"/>
                 </a:ext>
               </a:extLst>
             </p:cNvPr>
@@ -16368,7 +16488,7 @@
           <p:cNvPr id="17" name="직선 연결선 16">
             <a:extLst>
               <a:ext uri="{FF2B5EF4-FFF2-40B4-BE49-F238E27FC236}">
-                <a16:creationId xmlns:a16="http://schemas.microsoft.com/office/drawing/2014/main" id="{450E9148-0C3A-3B85-23E5-E1D1C0997659}"/>
+                <a16:creationId xmlns:a16="http://schemas.microsoft.com/office/drawing/2014/main" xmlns="" id="{450E9148-0C3A-3B85-23E5-E1D1C0997659}"/>
               </a:ext>
             </a:extLst>
           </p:cNvPr>
@@ -16412,7 +16532,7 @@
           <p:cNvPr id="20" name="TextBox 19">
             <a:extLst>
               <a:ext uri="{FF2B5EF4-FFF2-40B4-BE49-F238E27FC236}">
-                <a16:creationId xmlns:a16="http://schemas.microsoft.com/office/drawing/2014/main" id="{A06D4055-10A8-4A24-5EDC-0761473BA40F}"/>
+                <a16:creationId xmlns:a16="http://schemas.microsoft.com/office/drawing/2014/main" xmlns="" id="{A06D4055-10A8-4A24-5EDC-0761473BA40F}"/>
               </a:ext>
             </a:extLst>
           </p:cNvPr>
@@ -16456,7 +16576,7 @@
           <p:cNvPr id="21" name="TextBox 20">
             <a:extLst>
               <a:ext uri="{FF2B5EF4-FFF2-40B4-BE49-F238E27FC236}">
-                <a16:creationId xmlns:a16="http://schemas.microsoft.com/office/drawing/2014/main" id="{044C5ACF-17B6-5920-7904-E16248F54A6A}"/>
+                <a16:creationId xmlns:a16="http://schemas.microsoft.com/office/drawing/2014/main" xmlns="" id="{044C5ACF-17B6-5920-7904-E16248F54A6A}"/>
               </a:ext>
             </a:extLst>
           </p:cNvPr>
@@ -16500,7 +16620,7 @@
           <p:cNvPr id="22" name="TextBox 21">
             <a:extLst>
               <a:ext uri="{FF2B5EF4-FFF2-40B4-BE49-F238E27FC236}">
-                <a16:creationId xmlns:a16="http://schemas.microsoft.com/office/drawing/2014/main" id="{A7091AF6-2AB0-08A8-8A31-E96D2EBC6A65}"/>
+                <a16:creationId xmlns:a16="http://schemas.microsoft.com/office/drawing/2014/main" xmlns="" id="{A7091AF6-2AB0-08A8-8A31-E96D2EBC6A65}"/>
               </a:ext>
             </a:extLst>
           </p:cNvPr>
@@ -16544,7 +16664,7 @@
           <p:cNvPr id="23" name="TextBox 22">
             <a:extLst>
               <a:ext uri="{FF2B5EF4-FFF2-40B4-BE49-F238E27FC236}">
-                <a16:creationId xmlns:a16="http://schemas.microsoft.com/office/drawing/2014/main" id="{101E227B-A9BD-20A0-66DD-A013FA376D02}"/>
+                <a16:creationId xmlns:a16="http://schemas.microsoft.com/office/drawing/2014/main" xmlns="" id="{101E227B-A9BD-20A0-66DD-A013FA376D02}"/>
               </a:ext>
             </a:extLst>
           </p:cNvPr>

--- a/JavaLecture/LectureFile/샘플.pptx
+++ b/JavaLecture/LectureFile/샘플.pptx
@@ -324,7 +324,7 @@
           <a:p>
             <a:fld id="{F8166F1F-CE9B-4651-A6AA-CD717754106B}" type="datetimeFigureOut">
               <a:rPr lang="en-US" smtClean="0"/>
-              <a:t>3/18/2023</a:t>
+              <a:t>4/12/2023</a:t>
             </a:fld>
             <a:endParaRPr lang="en-US"/>
           </a:p>
@@ -487,7 +487,7 @@
           <a:p>
             <a:fld id="{A76116CE-C4A3-4A05-B2D7-7C2E9A889C0F}" type="datetimeFigureOut">
               <a:rPr lang="en-US" smtClean="0"/>
-              <a:t>3/18/2023</a:t>
+              <a:t>4/12/2023</a:t>
             </a:fld>
             <a:endParaRPr lang="en-US"/>
           </a:p>
@@ -660,7 +660,7 @@
           <a:p>
             <a:fld id="{A76116CE-C4A3-4A05-B2D7-7C2E9A889C0F}" type="datetimeFigureOut">
               <a:rPr lang="en-US" smtClean="0"/>
-              <a:t>3/18/2023</a:t>
+              <a:t>4/12/2023</a:t>
             </a:fld>
             <a:endParaRPr lang="en-US"/>
           </a:p>
@@ -825,7 +825,7 @@
           <a:p>
             <a:fld id="{A76116CE-C4A3-4A05-B2D7-7C2E9A889C0F}" type="datetimeFigureOut">
               <a:rPr lang="en-US" smtClean="0"/>
-              <a:t>3/18/2023</a:t>
+              <a:t>4/12/2023</a:t>
             </a:fld>
             <a:endParaRPr lang="en-US"/>
           </a:p>
@@ -1065,7 +1065,7 @@
           <a:p>
             <a:fld id="{A76116CE-C4A3-4A05-B2D7-7C2E9A889C0F}" type="datetimeFigureOut">
               <a:rPr lang="en-US" smtClean="0"/>
-              <a:t>3/18/2023</a:t>
+              <a:t>4/12/2023</a:t>
             </a:fld>
             <a:endParaRPr lang="en-US"/>
           </a:p>
@@ -1345,7 +1345,7 @@
           <a:p>
             <a:fld id="{A76116CE-C4A3-4A05-B2D7-7C2E9A889C0F}" type="datetimeFigureOut">
               <a:rPr lang="en-US" smtClean="0"/>
-              <a:t>3/18/2023</a:t>
+              <a:t>4/12/2023</a:t>
             </a:fld>
             <a:endParaRPr lang="en-US"/>
           </a:p>
@@ -1759,7 +1759,7 @@
           <a:p>
             <a:fld id="{A76116CE-C4A3-4A05-B2D7-7C2E9A889C0F}" type="datetimeFigureOut">
               <a:rPr lang="en-US" smtClean="0"/>
-              <a:t>3/18/2023</a:t>
+              <a:t>4/12/2023</a:t>
             </a:fld>
             <a:endParaRPr lang="en-US"/>
           </a:p>
@@ -1871,7 +1871,7 @@
           <a:p>
             <a:fld id="{A76116CE-C4A3-4A05-B2D7-7C2E9A889C0F}" type="datetimeFigureOut">
               <a:rPr lang="en-US" smtClean="0"/>
-              <a:t>3/18/2023</a:t>
+              <a:t>4/12/2023</a:t>
             </a:fld>
             <a:endParaRPr lang="en-US"/>
           </a:p>
@@ -1961,7 +1961,7 @@
           <a:p>
             <a:fld id="{A76116CE-C4A3-4A05-B2D7-7C2E9A889C0F}" type="datetimeFigureOut">
               <a:rPr lang="en-US" smtClean="0"/>
-              <a:t>3/18/2023</a:t>
+              <a:t>4/12/2023</a:t>
             </a:fld>
             <a:endParaRPr lang="en-US"/>
           </a:p>
@@ -2231,7 +2231,7 @@
           <a:p>
             <a:fld id="{A76116CE-C4A3-4A05-B2D7-7C2E9A889C0F}" type="datetimeFigureOut">
               <a:rPr lang="en-US" smtClean="0"/>
-              <a:t>3/18/2023</a:t>
+              <a:t>4/12/2023</a:t>
             </a:fld>
             <a:endParaRPr lang="en-US"/>
           </a:p>
@@ -2478,7 +2478,7 @@
           <a:p>
             <a:fld id="{A76116CE-C4A3-4A05-B2D7-7C2E9A889C0F}" type="datetimeFigureOut">
               <a:rPr lang="en-US" smtClean="0"/>
-              <a:t>3/18/2023</a:t>
+              <a:t>4/12/2023</a:t>
             </a:fld>
             <a:endParaRPr lang="en-US"/>
           </a:p>
@@ -2684,7 +2684,7 @@
           <a:p>
             <a:fld id="{F8166F1F-CE9B-4651-A6AA-CD717754106B}" type="datetimeFigureOut">
               <a:rPr lang="en-US" smtClean="0"/>
-              <a:t>3/18/2023</a:t>
+              <a:t>4/12/2023</a:t>
             </a:fld>
             <a:endParaRPr lang="en-US"/>
           </a:p>
@@ -3059,7 +3059,7 @@
           <p:cNvPr id="4" name="그룹 1008">
             <a:extLst>
               <a:ext uri="{FF2B5EF4-FFF2-40B4-BE49-F238E27FC236}">
-                <a16:creationId xmlns:a16="http://schemas.microsoft.com/office/drawing/2014/main" xmlns="" id="{54FFE8A6-6CB8-DCBA-07F7-749FA78BF4A4}"/>
+                <a16:creationId xmlns="" xmlns:a16="http://schemas.microsoft.com/office/drawing/2014/main" id="{54FFE8A6-6CB8-DCBA-07F7-749FA78BF4A4}"/>
               </a:ext>
             </a:extLst>
           </p:cNvPr>
@@ -3079,7 +3079,7 @@
             <p:cNvPr id="5" name="그룹 1009">
               <a:extLst>
                 <a:ext uri="{FF2B5EF4-FFF2-40B4-BE49-F238E27FC236}">
-                  <a16:creationId xmlns:a16="http://schemas.microsoft.com/office/drawing/2014/main" xmlns="" id="{AFC4D322-4969-89C3-C972-D8E8E418CA73}"/>
+                  <a16:creationId xmlns="" xmlns:a16="http://schemas.microsoft.com/office/drawing/2014/main" id="{AFC4D322-4969-89C3-C972-D8E8E418CA73}"/>
                 </a:ext>
               </a:extLst>
             </p:cNvPr>
@@ -3099,7 +3099,7 @@
               <p:cNvPr id="10" name="Object 29">
                 <a:extLst>
                   <a:ext uri="{FF2B5EF4-FFF2-40B4-BE49-F238E27FC236}">
-                    <a16:creationId xmlns:a16="http://schemas.microsoft.com/office/drawing/2014/main" xmlns="" id="{696B190E-C178-4E07-7621-24C3B48A9BCF}"/>
+                    <a16:creationId xmlns="" xmlns:a16="http://schemas.microsoft.com/office/drawing/2014/main" id="{696B190E-C178-4E07-7621-24C3B48A9BCF}"/>
                   </a:ext>
                 </a:extLst>
               </p:cNvPr>
@@ -3130,7 +3130,7 @@
             <p:cNvPr id="6" name="그룹 1010">
               <a:extLst>
                 <a:ext uri="{FF2B5EF4-FFF2-40B4-BE49-F238E27FC236}">
-                  <a16:creationId xmlns:a16="http://schemas.microsoft.com/office/drawing/2014/main" xmlns="" id="{88F3509F-17A2-2BE7-261F-3BA022FF91BA}"/>
+                  <a16:creationId xmlns="" xmlns:a16="http://schemas.microsoft.com/office/drawing/2014/main" id="{88F3509F-17A2-2BE7-261F-3BA022FF91BA}"/>
                 </a:ext>
               </a:extLst>
             </p:cNvPr>
@@ -3150,7 +3150,7 @@
               <p:cNvPr id="9" name="Object 32">
                 <a:extLst>
                   <a:ext uri="{FF2B5EF4-FFF2-40B4-BE49-F238E27FC236}">
-                    <a16:creationId xmlns:a16="http://schemas.microsoft.com/office/drawing/2014/main" xmlns="" id="{6183A7B0-D571-9788-43CE-90A93A934096}"/>
+                    <a16:creationId xmlns="" xmlns:a16="http://schemas.microsoft.com/office/drawing/2014/main" id="{6183A7B0-D571-9788-43CE-90A93A934096}"/>
                   </a:ext>
                 </a:extLst>
               </p:cNvPr>
@@ -3181,7 +3181,7 @@
             <p:cNvPr id="7" name="그룹 1011">
               <a:extLst>
                 <a:ext uri="{FF2B5EF4-FFF2-40B4-BE49-F238E27FC236}">
-                  <a16:creationId xmlns:a16="http://schemas.microsoft.com/office/drawing/2014/main" xmlns="" id="{3DB0BB1F-6A07-787C-7717-F712317AF8C3}"/>
+                  <a16:creationId xmlns="" xmlns:a16="http://schemas.microsoft.com/office/drawing/2014/main" id="{3DB0BB1F-6A07-787C-7717-F712317AF8C3}"/>
                 </a:ext>
               </a:extLst>
             </p:cNvPr>
@@ -3201,7 +3201,7 @@
               <p:cNvPr id="8" name="Object 35">
                 <a:extLst>
                   <a:ext uri="{FF2B5EF4-FFF2-40B4-BE49-F238E27FC236}">
-                    <a16:creationId xmlns:a16="http://schemas.microsoft.com/office/drawing/2014/main" xmlns="" id="{A003AF1A-29EE-2DC2-0E03-479F705DFFB6}"/>
+                    <a16:creationId xmlns="" xmlns:a16="http://schemas.microsoft.com/office/drawing/2014/main" id="{A003AF1A-29EE-2DC2-0E03-479F705DFFB6}"/>
                   </a:ext>
                 </a:extLst>
               </p:cNvPr>
@@ -3233,7 +3233,7 @@
           <p:cNvPr id="11" name="직선 화살표 연결선 10">
             <a:extLst>
               <a:ext uri="{FF2B5EF4-FFF2-40B4-BE49-F238E27FC236}">
-                <a16:creationId xmlns:a16="http://schemas.microsoft.com/office/drawing/2014/main" xmlns="" id="{299DF5EC-9DF4-5255-06AC-0A7CE4FF58C3}"/>
+                <a16:creationId xmlns="" xmlns:a16="http://schemas.microsoft.com/office/drawing/2014/main" id="{299DF5EC-9DF4-5255-06AC-0A7CE4FF58C3}"/>
               </a:ext>
             </a:extLst>
           </p:cNvPr>
@@ -3274,7 +3274,7 @@
           <p:cNvPr id="14" name="직사각형 13">
             <a:extLst>
               <a:ext uri="{FF2B5EF4-FFF2-40B4-BE49-F238E27FC236}">
-                <a16:creationId xmlns:a16="http://schemas.microsoft.com/office/drawing/2014/main" xmlns="" id="{FFF506F9-840A-0508-4CAF-3AC711D8D5CE}"/>
+                <a16:creationId xmlns="" xmlns:a16="http://schemas.microsoft.com/office/drawing/2014/main" id="{FFF506F9-840A-0508-4CAF-3AC711D8D5CE}"/>
               </a:ext>
             </a:extLst>
           </p:cNvPr>
@@ -3321,2614 +3321,12 @@
           </a:p>
         </p:txBody>
       </p:sp>
-      <p:graphicFrame>
-        <p:nvGraphicFramePr>
-          <p:cNvPr id="15" name="표 16">
-            <a:extLst>
-              <a:ext uri="{FF2B5EF4-FFF2-40B4-BE49-F238E27FC236}">
-                <a16:creationId xmlns:a16="http://schemas.microsoft.com/office/drawing/2014/main" xmlns="" id="{F03C45C7-6EB1-7871-F0F7-945F667135C4}"/>
-              </a:ext>
-            </a:extLst>
-          </p:cNvPr>
-          <p:cNvGraphicFramePr>
-            <a:graphicFrameLocks noGrp="1"/>
-          </p:cNvGraphicFramePr>
-          <p:nvPr>
-            <p:extLst>
-              <p:ext uri="{D42A27DB-BD31-4B8C-83A1-F6EECF244321}">
-                <p14:modId xmlns:p14="http://schemas.microsoft.com/office/powerpoint/2010/main" val="2328154345"/>
-              </p:ext>
-            </p:extLst>
-          </p:nvPr>
-        </p:nvGraphicFramePr>
-        <p:xfrm>
-          <a:off x="13823593" y="0"/>
-          <a:ext cx="4159607" cy="10232580"/>
-        </p:xfrm>
-        <a:graphic>
-          <a:graphicData uri="http://schemas.openxmlformats.org/drawingml/2006/table">
-            <a:tbl>
-              <a:tblPr firstRow="1" bandRow="1">
-                <a:tableStyleId>{5C22544A-7EE6-4342-B048-85BDC9FD1C3A}</a:tableStyleId>
-              </a:tblPr>
-              <a:tblGrid>
-                <a:gridCol w="1571407">
-                  <a:extLst>
-                    <a:ext uri="{9D8B030D-6E8A-4147-A177-3AD203B41FA5}">
-                      <a16:colId xmlns:a16="http://schemas.microsoft.com/office/drawing/2014/main" xmlns="" val="2433761377"/>
-                    </a:ext>
-                  </a:extLst>
-                </a:gridCol>
-                <a:gridCol w="2588200">
-                  <a:extLst>
-                    <a:ext uri="{9D8B030D-6E8A-4147-A177-3AD203B41FA5}">
-                      <a16:colId xmlns:a16="http://schemas.microsoft.com/office/drawing/2014/main" xmlns="" val="926389809"/>
-                    </a:ext>
-                  </a:extLst>
-                </a:gridCol>
-              </a:tblGrid>
-              <a:tr h="511629">
-                <a:tc>
-                  <a:txBody>
-                    <a:bodyPr/>
-                    <a:lstStyle/>
-                    <a:p>
-                      <a:pPr latinLnBrk="1"/>
-                      <a:r>
-                        <a:rPr lang="ko-KR" altLang="en-US" dirty="0">
-                          <a:solidFill>
-                            <a:schemeClr val="tx1">
-                              <a:lumMod val="65000"/>
-                              <a:lumOff val="35000"/>
-                            </a:schemeClr>
-                          </a:solidFill>
-                        </a:rPr>
-                        <a:t>메모리주소</a:t>
-                      </a:r>
-                    </a:p>
-                  </a:txBody>
-                  <a:tcPr>
-                    <a:lnL w="12700" cap="flat" cmpd="sng" algn="ctr">
-                      <a:solidFill>
-                        <a:schemeClr val="tx1"/>
-                      </a:solidFill>
-                      <a:prstDash val="solid"/>
-                      <a:round/>
-                      <a:headEnd type="none" w="med" len="med"/>
-                      <a:tailEnd type="none" w="med" len="med"/>
-                    </a:lnL>
-                    <a:lnR w="12700" cap="flat" cmpd="sng" algn="ctr">
-                      <a:solidFill>
-                        <a:schemeClr val="tx1"/>
-                      </a:solidFill>
-                      <a:prstDash val="solid"/>
-                      <a:round/>
-                      <a:headEnd type="none" w="med" len="med"/>
-                      <a:tailEnd type="none" w="med" len="med"/>
-                    </a:lnR>
-                    <a:lnT w="12700" cap="flat" cmpd="sng" algn="ctr">
-                      <a:solidFill>
-                        <a:schemeClr val="tx1"/>
-                      </a:solidFill>
-                      <a:prstDash val="solid"/>
-                      <a:round/>
-                      <a:headEnd type="none" w="med" len="med"/>
-                      <a:tailEnd type="none" w="med" len="med"/>
-                    </a:lnT>
-                    <a:lnB w="12700" cap="flat" cmpd="sng" algn="ctr">
-                      <a:solidFill>
-                        <a:schemeClr val="tx1"/>
-                      </a:solidFill>
-                      <a:prstDash val="solid"/>
-                      <a:round/>
-                      <a:headEnd type="none" w="med" len="med"/>
-                      <a:tailEnd type="none" w="med" len="med"/>
-                    </a:lnB>
-                    <a:noFill/>
-                  </a:tcPr>
-                </a:tc>
-                <a:tc>
-                  <a:txBody>
-                    <a:bodyPr/>
-                    <a:lstStyle/>
-                    <a:p>
-                      <a:pPr latinLnBrk="1"/>
-                      <a:r>
-                        <a:rPr lang="ko-KR" altLang="en-US" dirty="0">
-                          <a:solidFill>
-                            <a:schemeClr val="tx1">
-                              <a:lumMod val="65000"/>
-                              <a:lumOff val="35000"/>
-                            </a:schemeClr>
-                          </a:solidFill>
-                        </a:rPr>
-                        <a:t>값</a:t>
-                      </a:r>
-                    </a:p>
-                  </a:txBody>
-                  <a:tcPr>
-                    <a:lnL w="12700" cap="flat" cmpd="sng" algn="ctr">
-                      <a:solidFill>
-                        <a:schemeClr val="tx1"/>
-                      </a:solidFill>
-                      <a:prstDash val="solid"/>
-                      <a:round/>
-                      <a:headEnd type="none" w="med" len="med"/>
-                      <a:tailEnd type="none" w="med" len="med"/>
-                    </a:lnL>
-                    <a:lnR w="12700" cap="flat" cmpd="sng" algn="ctr">
-                      <a:solidFill>
-                        <a:schemeClr val="tx1"/>
-                      </a:solidFill>
-                      <a:prstDash val="solid"/>
-                      <a:round/>
-                      <a:headEnd type="none" w="med" len="med"/>
-                      <a:tailEnd type="none" w="med" len="med"/>
-                    </a:lnR>
-                    <a:lnT w="12700" cap="flat" cmpd="sng" algn="ctr">
-                      <a:solidFill>
-                        <a:schemeClr val="tx1"/>
-                      </a:solidFill>
-                      <a:prstDash val="solid"/>
-                      <a:round/>
-                      <a:headEnd type="none" w="med" len="med"/>
-                      <a:tailEnd type="none" w="med" len="med"/>
-                    </a:lnT>
-                    <a:lnB w="12700" cap="flat" cmpd="sng" algn="ctr">
-                      <a:solidFill>
-                        <a:schemeClr val="tx1"/>
-                      </a:solidFill>
-                      <a:prstDash val="solid"/>
-                      <a:round/>
-                      <a:headEnd type="none" w="med" len="med"/>
-                      <a:tailEnd type="none" w="med" len="med"/>
-                    </a:lnB>
-                    <a:noFill/>
-                  </a:tcPr>
-                </a:tc>
-                <a:extLst>
-                  <a:ext uri="{0D108BD9-81ED-4DB2-BD59-A6C34878D82A}">
-                    <a16:rowId xmlns:a16="http://schemas.microsoft.com/office/drawing/2014/main" xmlns="" val="2504948727"/>
-                  </a:ext>
-                </a:extLst>
-              </a:tr>
-              <a:tr h="511629">
-                <a:tc>
-                  <a:txBody>
-                    <a:bodyPr/>
-                    <a:lstStyle/>
-                    <a:p>
-                      <a:pPr latinLnBrk="1"/>
-                      <a:r>
-                        <a:rPr lang="en-US" altLang="ko-KR" dirty="0"/>
-                        <a:t>0x000A</a:t>
-                      </a:r>
-                      <a:endParaRPr lang="ko-KR" altLang="en-US" dirty="0"/>
-                    </a:p>
-                  </a:txBody>
-                  <a:tcPr>
-                    <a:lnL w="12700" cap="flat" cmpd="sng" algn="ctr">
-                      <a:solidFill>
-                        <a:schemeClr val="tx1"/>
-                      </a:solidFill>
-                      <a:prstDash val="solid"/>
-                      <a:round/>
-                      <a:headEnd type="none" w="med" len="med"/>
-                      <a:tailEnd type="none" w="med" len="med"/>
-                    </a:lnL>
-                    <a:lnR w="12700" cap="flat" cmpd="sng" algn="ctr">
-                      <a:solidFill>
-                        <a:schemeClr val="tx1"/>
-                      </a:solidFill>
-                      <a:prstDash val="solid"/>
-                      <a:round/>
-                      <a:headEnd type="none" w="med" len="med"/>
-                      <a:tailEnd type="none" w="med" len="med"/>
-                    </a:lnR>
-                    <a:lnT w="12700" cap="flat" cmpd="sng" algn="ctr">
-                      <a:solidFill>
-                        <a:schemeClr val="tx1"/>
-                      </a:solidFill>
-                      <a:prstDash val="solid"/>
-                      <a:round/>
-                      <a:headEnd type="none" w="med" len="med"/>
-                      <a:tailEnd type="none" w="med" len="med"/>
-                    </a:lnT>
-                    <a:lnB w="12700" cap="flat" cmpd="sng" algn="ctr">
-                      <a:solidFill>
-                        <a:schemeClr val="tx1"/>
-                      </a:solidFill>
-                      <a:prstDash val="solid"/>
-                      <a:round/>
-                      <a:headEnd type="none" w="med" len="med"/>
-                      <a:tailEnd type="none" w="med" len="med"/>
-                    </a:lnB>
-                    <a:noFill/>
-                  </a:tcPr>
-                </a:tc>
-                <a:tc>
-                  <a:txBody>
-                    <a:bodyPr/>
-                    <a:lstStyle/>
-                    <a:p>
-                      <a:r>
-                        <a:rPr lang="en-US" altLang="ko-KR" sz="1800" kern="1200" dirty="0" err="1">
-                          <a:solidFill>
-                            <a:schemeClr val="dk1"/>
-                          </a:solidFill>
-                          <a:effectLst/>
-                          <a:latin typeface="+mn-lt"/>
-                          <a:ea typeface="+mn-ea"/>
-                          <a:cs typeface="+mn-cs"/>
-                        </a:rPr>
-                        <a:t>SutdaCard</a:t>
-                      </a:r>
-                      <a:endParaRPr lang="en-US" altLang="ko-KR" sz="1800" kern="1200" dirty="0">
-                        <a:solidFill>
-                          <a:schemeClr val="dk1"/>
-                        </a:solidFill>
-                        <a:effectLst/>
-                        <a:latin typeface="+mn-lt"/>
-                        <a:ea typeface="+mn-ea"/>
-                        <a:cs typeface="+mn-cs"/>
-                      </a:endParaRPr>
-                    </a:p>
-                  </a:txBody>
-                  <a:tcPr>
-                    <a:lnL w="12700" cap="flat" cmpd="sng" algn="ctr">
-                      <a:solidFill>
-                        <a:schemeClr val="tx1"/>
-                      </a:solidFill>
-                      <a:prstDash val="solid"/>
-                      <a:round/>
-                      <a:headEnd type="none" w="med" len="med"/>
-                      <a:tailEnd type="none" w="med" len="med"/>
-                    </a:lnL>
-                    <a:lnR w="12700" cap="flat" cmpd="sng" algn="ctr">
-                      <a:solidFill>
-                        <a:schemeClr val="tx1"/>
-                      </a:solidFill>
-                      <a:prstDash val="solid"/>
-                      <a:round/>
-                      <a:headEnd type="none" w="med" len="med"/>
-                      <a:tailEnd type="none" w="med" len="med"/>
-                    </a:lnR>
-                    <a:lnT w="12700" cap="flat" cmpd="sng" algn="ctr">
-                      <a:solidFill>
-                        <a:schemeClr val="tx1"/>
-                      </a:solidFill>
-                      <a:prstDash val="solid"/>
-                      <a:round/>
-                      <a:headEnd type="none" w="med" len="med"/>
-                      <a:tailEnd type="none" w="med" len="med"/>
-                    </a:lnT>
-                    <a:lnB w="12700" cap="flat" cmpd="sng" algn="ctr">
-                      <a:solidFill>
-                        <a:schemeClr val="tx1"/>
-                      </a:solidFill>
-                      <a:prstDash val="solid"/>
-                      <a:round/>
-                      <a:headEnd type="none" w="med" len="med"/>
-                      <a:tailEnd type="none" w="med" len="med"/>
-                    </a:lnB>
-                    <a:noFill/>
-                  </a:tcPr>
-                </a:tc>
-                <a:extLst>
-                  <a:ext uri="{0D108BD9-81ED-4DB2-BD59-A6C34878D82A}">
-                    <a16:rowId xmlns:a16="http://schemas.microsoft.com/office/drawing/2014/main" xmlns="" val="3647525178"/>
-                  </a:ext>
-                </a:extLst>
-              </a:tr>
-              <a:tr h="511629">
-                <a:tc>
-                  <a:txBody>
-                    <a:bodyPr/>
-                    <a:lstStyle/>
-                    <a:p>
-                      <a:pPr latinLnBrk="1"/>
-                      <a:r>
-                        <a:rPr lang="en-US" altLang="ko-KR" dirty="0"/>
-                        <a:t>0x000B</a:t>
-                      </a:r>
-                      <a:endParaRPr lang="ko-KR" altLang="en-US" dirty="0"/>
-                    </a:p>
-                  </a:txBody>
-                  <a:tcPr>
-                    <a:lnL w="12700" cap="flat" cmpd="sng" algn="ctr">
-                      <a:solidFill>
-                        <a:schemeClr val="tx1"/>
-                      </a:solidFill>
-                      <a:prstDash val="solid"/>
-                      <a:round/>
-                      <a:headEnd type="none" w="med" len="med"/>
-                      <a:tailEnd type="none" w="med" len="med"/>
-                    </a:lnL>
-                    <a:lnR w="12700" cap="flat" cmpd="sng" algn="ctr">
-                      <a:solidFill>
-                        <a:schemeClr val="tx1"/>
-                      </a:solidFill>
-                      <a:prstDash val="solid"/>
-                      <a:round/>
-                      <a:headEnd type="none" w="med" len="med"/>
-                      <a:tailEnd type="none" w="med" len="med"/>
-                    </a:lnR>
-                    <a:lnT w="12700" cap="flat" cmpd="sng" algn="ctr">
-                      <a:solidFill>
-                        <a:schemeClr val="tx1"/>
-                      </a:solidFill>
-                      <a:prstDash val="solid"/>
-                      <a:round/>
-                      <a:headEnd type="none" w="med" len="med"/>
-                      <a:tailEnd type="none" w="med" len="med"/>
-                    </a:lnT>
-                    <a:lnB w="12700" cap="flat" cmpd="sng" algn="ctr">
-                      <a:solidFill>
-                        <a:schemeClr val="tx1"/>
-                      </a:solidFill>
-                      <a:prstDash val="solid"/>
-                      <a:round/>
-                      <a:headEnd type="none" w="med" len="med"/>
-                      <a:tailEnd type="none" w="med" len="med"/>
-                    </a:lnB>
-                    <a:noFill/>
-                  </a:tcPr>
-                </a:tc>
-                <a:tc>
-                  <a:txBody>
-                    <a:bodyPr/>
-                    <a:lstStyle/>
-                    <a:p>
-                      <a:r>
-                        <a:rPr lang="en-US" altLang="ko-KR" sz="1800" kern="1200" dirty="0" err="1">
-                          <a:solidFill>
-                            <a:schemeClr val="dk1"/>
-                          </a:solidFill>
-                          <a:effectLst/>
-                          <a:latin typeface="+mn-lt"/>
-                          <a:ea typeface="+mn-ea"/>
-                          <a:cs typeface="+mn-cs"/>
-                        </a:rPr>
-                        <a:t>SutdaCard</a:t>
-                      </a:r>
-                      <a:endParaRPr lang="en-US" altLang="ko-KR" sz="1800" kern="1200" dirty="0">
-                        <a:solidFill>
-                          <a:schemeClr val="dk1"/>
-                        </a:solidFill>
-                        <a:effectLst/>
-                        <a:latin typeface="+mn-lt"/>
-                        <a:ea typeface="+mn-ea"/>
-                        <a:cs typeface="+mn-cs"/>
-                      </a:endParaRPr>
-                    </a:p>
-                  </a:txBody>
-                  <a:tcPr>
-                    <a:lnL w="12700" cap="flat" cmpd="sng" algn="ctr">
-                      <a:solidFill>
-                        <a:schemeClr val="tx1"/>
-                      </a:solidFill>
-                      <a:prstDash val="solid"/>
-                      <a:round/>
-                      <a:headEnd type="none" w="med" len="med"/>
-                      <a:tailEnd type="none" w="med" len="med"/>
-                    </a:lnL>
-                    <a:lnR w="12700" cap="flat" cmpd="sng" algn="ctr">
-                      <a:solidFill>
-                        <a:schemeClr val="tx1"/>
-                      </a:solidFill>
-                      <a:prstDash val="solid"/>
-                      <a:round/>
-                      <a:headEnd type="none" w="med" len="med"/>
-                      <a:tailEnd type="none" w="med" len="med"/>
-                    </a:lnR>
-                    <a:lnT w="12700" cap="flat" cmpd="sng" algn="ctr">
-                      <a:solidFill>
-                        <a:schemeClr val="tx1"/>
-                      </a:solidFill>
-                      <a:prstDash val="solid"/>
-                      <a:round/>
-                      <a:headEnd type="none" w="med" len="med"/>
-                      <a:tailEnd type="none" w="med" len="med"/>
-                    </a:lnT>
-                    <a:lnB w="12700" cap="flat" cmpd="sng" algn="ctr">
-                      <a:solidFill>
-                        <a:schemeClr val="tx1"/>
-                      </a:solidFill>
-                      <a:prstDash val="solid"/>
-                      <a:round/>
-                      <a:headEnd type="none" w="med" len="med"/>
-                      <a:tailEnd type="none" w="med" len="med"/>
-                    </a:lnB>
-                    <a:noFill/>
-                  </a:tcPr>
-                </a:tc>
-                <a:extLst>
-                  <a:ext uri="{0D108BD9-81ED-4DB2-BD59-A6C34878D82A}">
-                    <a16:rowId xmlns:a16="http://schemas.microsoft.com/office/drawing/2014/main" xmlns="" val="2672623231"/>
-                  </a:ext>
-                </a:extLst>
-              </a:tr>
-              <a:tr h="511629">
-                <a:tc>
-                  <a:txBody>
-                    <a:bodyPr/>
-                    <a:lstStyle/>
-                    <a:p>
-                      <a:pPr latinLnBrk="1"/>
-                      <a:r>
-                        <a:rPr lang="en-US" altLang="ko-KR" dirty="0"/>
-                        <a:t>0x000C</a:t>
-                      </a:r>
-                      <a:endParaRPr lang="ko-KR" altLang="en-US" dirty="0"/>
-                    </a:p>
-                  </a:txBody>
-                  <a:tcPr>
-                    <a:lnL w="12700" cap="flat" cmpd="sng" algn="ctr">
-                      <a:solidFill>
-                        <a:schemeClr val="tx1"/>
-                      </a:solidFill>
-                      <a:prstDash val="solid"/>
-                      <a:round/>
-                      <a:headEnd type="none" w="med" len="med"/>
-                      <a:tailEnd type="none" w="med" len="med"/>
-                    </a:lnL>
-                    <a:lnR w="12700" cap="flat" cmpd="sng" algn="ctr">
-                      <a:solidFill>
-                        <a:schemeClr val="tx1"/>
-                      </a:solidFill>
-                      <a:prstDash val="solid"/>
-                      <a:round/>
-                      <a:headEnd type="none" w="med" len="med"/>
-                      <a:tailEnd type="none" w="med" len="med"/>
-                    </a:lnR>
-                    <a:lnT w="12700" cap="flat" cmpd="sng" algn="ctr">
-                      <a:solidFill>
-                        <a:schemeClr val="tx1"/>
-                      </a:solidFill>
-                      <a:prstDash val="solid"/>
-                      <a:round/>
-                      <a:headEnd type="none" w="med" len="med"/>
-                      <a:tailEnd type="none" w="med" len="med"/>
-                    </a:lnT>
-                    <a:lnB w="12700" cap="flat" cmpd="sng" algn="ctr">
-                      <a:solidFill>
-                        <a:schemeClr val="tx1"/>
-                      </a:solidFill>
-                      <a:prstDash val="solid"/>
-                      <a:round/>
-                      <a:headEnd type="none" w="med" len="med"/>
-                      <a:tailEnd type="none" w="med" len="med"/>
-                    </a:lnB>
-                    <a:noFill/>
-                  </a:tcPr>
-                </a:tc>
-                <a:tc>
-                  <a:txBody>
-                    <a:bodyPr/>
-                    <a:lstStyle/>
-                    <a:p>
-                      <a:pPr marL="0" marR="0" lvl="0" indent="0" algn="l" defTabSz="914400" rtl="0" eaLnBrk="1" fontAlgn="auto" latinLnBrk="1" hangingPunct="1">
-                        <a:lnSpc>
-                          <a:spcPct val="100000"/>
-                        </a:lnSpc>
-                        <a:spcBef>
-                          <a:spcPts val="0"/>
-                        </a:spcBef>
-                        <a:spcAft>
-                          <a:spcPts val="0"/>
-                        </a:spcAft>
-                        <a:buClrTx/>
-                        <a:buSzTx/>
-                        <a:buFontTx/>
-                        <a:buNone/>
-                        <a:tabLst/>
-                        <a:defRPr/>
-                      </a:pPr>
-                      <a:r>
-                        <a:rPr lang="en-US" altLang="ko-KR" sz="1800" kern="1200" dirty="0" err="1">
-                          <a:solidFill>
-                            <a:schemeClr val="dk1"/>
-                          </a:solidFill>
-                          <a:effectLst/>
-                          <a:latin typeface="+mn-lt"/>
-                          <a:ea typeface="+mn-ea"/>
-                          <a:cs typeface="+mn-cs"/>
-                        </a:rPr>
-                        <a:t>SutdaCard</a:t>
-                      </a:r>
-                      <a:endParaRPr lang="en-US" altLang="ko-KR" sz="1800" kern="1200" dirty="0">
-                        <a:solidFill>
-                          <a:schemeClr val="dk1"/>
-                        </a:solidFill>
-                        <a:effectLst/>
-                        <a:latin typeface="+mn-lt"/>
-                        <a:ea typeface="+mn-ea"/>
-                        <a:cs typeface="+mn-cs"/>
-                      </a:endParaRPr>
-                    </a:p>
-                  </a:txBody>
-                  <a:tcPr>
-                    <a:lnL w="12700" cap="flat" cmpd="sng" algn="ctr">
-                      <a:solidFill>
-                        <a:schemeClr val="tx1"/>
-                      </a:solidFill>
-                      <a:prstDash val="solid"/>
-                      <a:round/>
-                      <a:headEnd type="none" w="med" len="med"/>
-                      <a:tailEnd type="none" w="med" len="med"/>
-                    </a:lnL>
-                    <a:lnR w="12700" cap="flat" cmpd="sng" algn="ctr">
-                      <a:solidFill>
-                        <a:schemeClr val="tx1"/>
-                      </a:solidFill>
-                      <a:prstDash val="solid"/>
-                      <a:round/>
-                      <a:headEnd type="none" w="med" len="med"/>
-                      <a:tailEnd type="none" w="med" len="med"/>
-                    </a:lnR>
-                    <a:lnT w="12700" cap="flat" cmpd="sng" algn="ctr">
-                      <a:solidFill>
-                        <a:schemeClr val="tx1"/>
-                      </a:solidFill>
-                      <a:prstDash val="solid"/>
-                      <a:round/>
-                      <a:headEnd type="none" w="med" len="med"/>
-                      <a:tailEnd type="none" w="med" len="med"/>
-                    </a:lnT>
-                    <a:lnB w="12700" cap="flat" cmpd="sng" algn="ctr">
-                      <a:solidFill>
-                        <a:schemeClr val="tx1"/>
-                      </a:solidFill>
-                      <a:prstDash val="solid"/>
-                      <a:round/>
-                      <a:headEnd type="none" w="med" len="med"/>
-                      <a:tailEnd type="none" w="med" len="med"/>
-                    </a:lnB>
-                    <a:noFill/>
-                  </a:tcPr>
-                </a:tc>
-                <a:extLst>
-                  <a:ext uri="{0D108BD9-81ED-4DB2-BD59-A6C34878D82A}">
-                    <a16:rowId xmlns:a16="http://schemas.microsoft.com/office/drawing/2014/main" xmlns="" val="2996999142"/>
-                  </a:ext>
-                </a:extLst>
-              </a:tr>
-              <a:tr h="511629">
-                <a:tc>
-                  <a:txBody>
-                    <a:bodyPr/>
-                    <a:lstStyle/>
-                    <a:p>
-                      <a:pPr latinLnBrk="1"/>
-                      <a:r>
-                        <a:rPr lang="en-US" altLang="ko-KR" dirty="0"/>
-                        <a:t>0x000D</a:t>
-                      </a:r>
-                      <a:endParaRPr lang="ko-KR" altLang="en-US" dirty="0"/>
-                    </a:p>
-                  </a:txBody>
-                  <a:tcPr>
-                    <a:lnL w="12700" cap="flat" cmpd="sng" algn="ctr">
-                      <a:solidFill>
-                        <a:schemeClr val="tx1"/>
-                      </a:solidFill>
-                      <a:prstDash val="solid"/>
-                      <a:round/>
-                      <a:headEnd type="none" w="med" len="med"/>
-                      <a:tailEnd type="none" w="med" len="med"/>
-                    </a:lnL>
-                    <a:lnR w="12700" cap="flat" cmpd="sng" algn="ctr">
-                      <a:solidFill>
-                        <a:schemeClr val="tx1"/>
-                      </a:solidFill>
-                      <a:prstDash val="solid"/>
-                      <a:round/>
-                      <a:headEnd type="none" w="med" len="med"/>
-                      <a:tailEnd type="none" w="med" len="med"/>
-                    </a:lnR>
-                    <a:lnT w="12700" cap="flat" cmpd="sng" algn="ctr">
-                      <a:solidFill>
-                        <a:schemeClr val="tx1"/>
-                      </a:solidFill>
-                      <a:prstDash val="solid"/>
-                      <a:round/>
-                      <a:headEnd type="none" w="med" len="med"/>
-                      <a:tailEnd type="none" w="med" len="med"/>
-                    </a:lnT>
-                    <a:lnB w="12700" cap="flat" cmpd="sng" algn="ctr">
-                      <a:solidFill>
-                        <a:schemeClr val="tx1"/>
-                      </a:solidFill>
-                      <a:prstDash val="solid"/>
-                      <a:round/>
-                      <a:headEnd type="none" w="med" len="med"/>
-                      <a:tailEnd type="none" w="med" len="med"/>
-                    </a:lnB>
-                    <a:noFill/>
-                  </a:tcPr>
-                </a:tc>
-                <a:tc>
-                  <a:txBody>
-                    <a:bodyPr/>
-                    <a:lstStyle/>
-                    <a:p>
-                      <a:pPr marL="0" marR="0" lvl="0" indent="0" algn="l" defTabSz="914400" rtl="0" eaLnBrk="1" fontAlgn="auto" latinLnBrk="1" hangingPunct="1">
-                        <a:lnSpc>
-                          <a:spcPct val="100000"/>
-                        </a:lnSpc>
-                        <a:spcBef>
-                          <a:spcPts val="0"/>
-                        </a:spcBef>
-                        <a:spcAft>
-                          <a:spcPts val="0"/>
-                        </a:spcAft>
-                        <a:buClrTx/>
-                        <a:buSzTx/>
-                        <a:buFontTx/>
-                        <a:buNone/>
-                        <a:tabLst/>
-                        <a:defRPr/>
-                      </a:pPr>
-                      <a:r>
-                        <a:rPr lang="en-US" altLang="ko-KR" sz="1800" kern="1200" dirty="0" err="1">
-                          <a:solidFill>
-                            <a:schemeClr val="dk1"/>
-                          </a:solidFill>
-                          <a:effectLst/>
-                          <a:latin typeface="+mn-lt"/>
-                          <a:ea typeface="+mn-ea"/>
-                          <a:cs typeface="+mn-cs"/>
-                        </a:rPr>
-                        <a:t>SutdaCard</a:t>
-                      </a:r>
-                      <a:endParaRPr lang="en-US" altLang="ko-KR" sz="1800" kern="1200" dirty="0">
-                        <a:solidFill>
-                          <a:schemeClr val="dk1"/>
-                        </a:solidFill>
-                        <a:effectLst/>
-                        <a:latin typeface="+mn-lt"/>
-                        <a:ea typeface="+mn-ea"/>
-                        <a:cs typeface="+mn-cs"/>
-                      </a:endParaRPr>
-                    </a:p>
-                  </a:txBody>
-                  <a:tcPr>
-                    <a:lnL w="12700" cap="flat" cmpd="sng" algn="ctr">
-                      <a:solidFill>
-                        <a:schemeClr val="tx1"/>
-                      </a:solidFill>
-                      <a:prstDash val="solid"/>
-                      <a:round/>
-                      <a:headEnd type="none" w="med" len="med"/>
-                      <a:tailEnd type="none" w="med" len="med"/>
-                    </a:lnL>
-                    <a:lnR w="12700" cap="flat" cmpd="sng" algn="ctr">
-                      <a:solidFill>
-                        <a:schemeClr val="tx1"/>
-                      </a:solidFill>
-                      <a:prstDash val="solid"/>
-                      <a:round/>
-                      <a:headEnd type="none" w="med" len="med"/>
-                      <a:tailEnd type="none" w="med" len="med"/>
-                    </a:lnR>
-                    <a:lnT w="12700" cap="flat" cmpd="sng" algn="ctr">
-                      <a:solidFill>
-                        <a:schemeClr val="tx1"/>
-                      </a:solidFill>
-                      <a:prstDash val="solid"/>
-                      <a:round/>
-                      <a:headEnd type="none" w="med" len="med"/>
-                      <a:tailEnd type="none" w="med" len="med"/>
-                    </a:lnT>
-                    <a:lnB w="12700" cap="flat" cmpd="sng" algn="ctr">
-                      <a:solidFill>
-                        <a:schemeClr val="tx1"/>
-                      </a:solidFill>
-                      <a:prstDash val="solid"/>
-                      <a:round/>
-                      <a:headEnd type="none" w="med" len="med"/>
-                      <a:tailEnd type="none" w="med" len="med"/>
-                    </a:lnB>
-                    <a:noFill/>
-                  </a:tcPr>
-                </a:tc>
-                <a:extLst>
-                  <a:ext uri="{0D108BD9-81ED-4DB2-BD59-A6C34878D82A}">
-                    <a16:rowId xmlns:a16="http://schemas.microsoft.com/office/drawing/2014/main" xmlns="" val="2275222586"/>
-                  </a:ext>
-                </a:extLst>
-              </a:tr>
-              <a:tr h="511629">
-                <a:tc>
-                  <a:txBody>
-                    <a:bodyPr/>
-                    <a:lstStyle/>
-                    <a:p>
-                      <a:pPr latinLnBrk="1"/>
-                      <a:r>
-                        <a:rPr lang="en-US" altLang="ko-KR" dirty="0"/>
-                        <a:t>0x000E</a:t>
-                      </a:r>
-                      <a:endParaRPr lang="ko-KR" altLang="en-US" dirty="0"/>
-                    </a:p>
-                  </a:txBody>
-                  <a:tcPr>
-                    <a:lnL w="12700" cap="flat" cmpd="sng" algn="ctr">
-                      <a:solidFill>
-                        <a:schemeClr val="tx1"/>
-                      </a:solidFill>
-                      <a:prstDash val="solid"/>
-                      <a:round/>
-                      <a:headEnd type="none" w="med" len="med"/>
-                      <a:tailEnd type="none" w="med" len="med"/>
-                    </a:lnL>
-                    <a:lnR w="12700" cap="flat" cmpd="sng" algn="ctr">
-                      <a:solidFill>
-                        <a:schemeClr val="tx1"/>
-                      </a:solidFill>
-                      <a:prstDash val="solid"/>
-                      <a:round/>
-                      <a:headEnd type="none" w="med" len="med"/>
-                      <a:tailEnd type="none" w="med" len="med"/>
-                    </a:lnR>
-                    <a:lnT w="12700" cap="flat" cmpd="sng" algn="ctr">
-                      <a:solidFill>
-                        <a:schemeClr val="tx1"/>
-                      </a:solidFill>
-                      <a:prstDash val="solid"/>
-                      <a:round/>
-                      <a:headEnd type="none" w="med" len="med"/>
-                      <a:tailEnd type="none" w="med" len="med"/>
-                    </a:lnT>
-                    <a:lnB w="12700" cap="flat" cmpd="sng" algn="ctr">
-                      <a:solidFill>
-                        <a:schemeClr val="tx1"/>
-                      </a:solidFill>
-                      <a:prstDash val="solid"/>
-                      <a:round/>
-                      <a:headEnd type="none" w="med" len="med"/>
-                      <a:tailEnd type="none" w="med" len="med"/>
-                    </a:lnB>
-                    <a:noFill/>
-                  </a:tcPr>
-                </a:tc>
-                <a:tc>
-                  <a:txBody>
-                    <a:bodyPr/>
-                    <a:lstStyle/>
-                    <a:p>
-                      <a:r>
-                        <a:rPr lang="en-US" altLang="ko-KR" sz="1800" kern="1200" dirty="0" err="1">
-                          <a:solidFill>
-                            <a:schemeClr val="dk1"/>
-                          </a:solidFill>
-                          <a:effectLst/>
-                          <a:latin typeface="+mn-lt"/>
-                          <a:ea typeface="+mn-ea"/>
-                          <a:cs typeface="+mn-cs"/>
-                        </a:rPr>
-                        <a:t>SutdaCard</a:t>
-                      </a:r>
-                      <a:endParaRPr lang="en-US" altLang="ko-KR" sz="1800" kern="1200" dirty="0">
-                        <a:solidFill>
-                          <a:schemeClr val="dk1"/>
-                        </a:solidFill>
-                        <a:effectLst/>
-                        <a:latin typeface="+mn-lt"/>
-                        <a:ea typeface="+mn-ea"/>
-                        <a:cs typeface="+mn-cs"/>
-                      </a:endParaRPr>
-                    </a:p>
-                  </a:txBody>
-                  <a:tcPr>
-                    <a:lnL w="12700" cap="flat" cmpd="sng" algn="ctr">
-                      <a:solidFill>
-                        <a:schemeClr val="tx1"/>
-                      </a:solidFill>
-                      <a:prstDash val="solid"/>
-                      <a:round/>
-                      <a:headEnd type="none" w="med" len="med"/>
-                      <a:tailEnd type="none" w="med" len="med"/>
-                    </a:lnL>
-                    <a:lnR w="12700" cap="flat" cmpd="sng" algn="ctr">
-                      <a:solidFill>
-                        <a:schemeClr val="tx1"/>
-                      </a:solidFill>
-                      <a:prstDash val="solid"/>
-                      <a:round/>
-                      <a:headEnd type="none" w="med" len="med"/>
-                      <a:tailEnd type="none" w="med" len="med"/>
-                    </a:lnR>
-                    <a:lnT w="12700" cap="flat" cmpd="sng" algn="ctr">
-                      <a:solidFill>
-                        <a:schemeClr val="tx1"/>
-                      </a:solidFill>
-                      <a:prstDash val="solid"/>
-                      <a:round/>
-                      <a:headEnd type="none" w="med" len="med"/>
-                      <a:tailEnd type="none" w="med" len="med"/>
-                    </a:lnT>
-                    <a:lnB w="12700" cap="flat" cmpd="sng" algn="ctr">
-                      <a:solidFill>
-                        <a:schemeClr val="tx1"/>
-                      </a:solidFill>
-                      <a:prstDash val="solid"/>
-                      <a:round/>
-                      <a:headEnd type="none" w="med" len="med"/>
-                      <a:tailEnd type="none" w="med" len="med"/>
-                    </a:lnB>
-                    <a:noFill/>
-                  </a:tcPr>
-                </a:tc>
-                <a:extLst>
-                  <a:ext uri="{0D108BD9-81ED-4DB2-BD59-A6C34878D82A}">
-                    <a16:rowId xmlns:a16="http://schemas.microsoft.com/office/drawing/2014/main" xmlns="" val="1918467740"/>
-                  </a:ext>
-                </a:extLst>
-              </a:tr>
-              <a:tr h="511629">
-                <a:tc>
-                  <a:txBody>
-                    <a:bodyPr/>
-                    <a:lstStyle/>
-                    <a:p>
-                      <a:pPr latinLnBrk="1"/>
-                      <a:r>
-                        <a:rPr lang="en-US" altLang="ko-KR" dirty="0"/>
-                        <a:t>0x000F</a:t>
-                      </a:r>
-                      <a:endParaRPr lang="ko-KR" altLang="en-US" dirty="0"/>
-                    </a:p>
-                  </a:txBody>
-                  <a:tcPr>
-                    <a:lnL w="12700" cap="flat" cmpd="sng" algn="ctr">
-                      <a:solidFill>
-                        <a:schemeClr val="tx1"/>
-                      </a:solidFill>
-                      <a:prstDash val="solid"/>
-                      <a:round/>
-                      <a:headEnd type="none" w="med" len="med"/>
-                      <a:tailEnd type="none" w="med" len="med"/>
-                    </a:lnL>
-                    <a:lnR w="12700" cap="flat" cmpd="sng" algn="ctr">
-                      <a:solidFill>
-                        <a:schemeClr val="tx1"/>
-                      </a:solidFill>
-                      <a:prstDash val="solid"/>
-                      <a:round/>
-                      <a:headEnd type="none" w="med" len="med"/>
-                      <a:tailEnd type="none" w="med" len="med"/>
-                    </a:lnR>
-                    <a:lnT w="12700" cap="flat" cmpd="sng" algn="ctr">
-                      <a:solidFill>
-                        <a:schemeClr val="tx1"/>
-                      </a:solidFill>
-                      <a:prstDash val="solid"/>
-                      <a:round/>
-                      <a:headEnd type="none" w="med" len="med"/>
-                      <a:tailEnd type="none" w="med" len="med"/>
-                    </a:lnT>
-                    <a:lnB w="12700" cap="flat" cmpd="sng" algn="ctr">
-                      <a:solidFill>
-                        <a:schemeClr val="tx1"/>
-                      </a:solidFill>
-                      <a:prstDash val="solid"/>
-                      <a:round/>
-                      <a:headEnd type="none" w="med" len="med"/>
-                      <a:tailEnd type="none" w="med" len="med"/>
-                    </a:lnB>
-                    <a:noFill/>
-                  </a:tcPr>
-                </a:tc>
-                <a:tc>
-                  <a:txBody>
-                    <a:bodyPr/>
-                    <a:lstStyle/>
-                    <a:p>
-                      <a:pPr latinLnBrk="1"/>
-                      <a:r>
-                        <a:rPr lang="en-US" altLang="ko-KR" dirty="0"/>
-                        <a:t>100</a:t>
-                      </a:r>
-                      <a:endParaRPr lang="ko-KR" altLang="en-US" dirty="0"/>
-                    </a:p>
-                  </a:txBody>
-                  <a:tcPr>
-                    <a:lnL w="12700" cap="flat" cmpd="sng" algn="ctr">
-                      <a:solidFill>
-                        <a:schemeClr val="tx1"/>
-                      </a:solidFill>
-                      <a:prstDash val="solid"/>
-                      <a:round/>
-                      <a:headEnd type="none" w="med" len="med"/>
-                      <a:tailEnd type="none" w="med" len="med"/>
-                    </a:lnL>
-                    <a:lnR w="12700" cap="flat" cmpd="sng" algn="ctr">
-                      <a:solidFill>
-                        <a:schemeClr val="tx1"/>
-                      </a:solidFill>
-                      <a:prstDash val="solid"/>
-                      <a:round/>
-                      <a:headEnd type="none" w="med" len="med"/>
-                      <a:tailEnd type="none" w="med" len="med"/>
-                    </a:lnR>
-                    <a:lnT w="12700" cap="flat" cmpd="sng" algn="ctr">
-                      <a:solidFill>
-                        <a:schemeClr val="tx1"/>
-                      </a:solidFill>
-                      <a:prstDash val="solid"/>
-                      <a:round/>
-                      <a:headEnd type="none" w="med" len="med"/>
-                      <a:tailEnd type="none" w="med" len="med"/>
-                    </a:lnT>
-                    <a:lnB w="12700" cap="flat" cmpd="sng" algn="ctr">
-                      <a:solidFill>
-                        <a:schemeClr val="tx1"/>
-                      </a:solidFill>
-                      <a:prstDash val="solid"/>
-                      <a:round/>
-                      <a:headEnd type="none" w="med" len="med"/>
-                      <a:tailEnd type="none" w="med" len="med"/>
-                    </a:lnB>
-                    <a:noFill/>
-                  </a:tcPr>
-                </a:tc>
-                <a:extLst>
-                  <a:ext uri="{0D108BD9-81ED-4DB2-BD59-A6C34878D82A}">
-                    <a16:rowId xmlns:a16="http://schemas.microsoft.com/office/drawing/2014/main" xmlns="" val="168351104"/>
-                  </a:ext>
-                </a:extLst>
-              </a:tr>
-              <a:tr h="511629">
-                <a:tc>
-                  <a:txBody>
-                    <a:bodyPr/>
-                    <a:lstStyle/>
-                    <a:p>
-                      <a:pPr marL="0" marR="0" lvl="0" indent="0" algn="l" defTabSz="914400" rtl="0" eaLnBrk="1" fontAlgn="auto" latinLnBrk="1" hangingPunct="1">
-                        <a:lnSpc>
-                          <a:spcPct val="100000"/>
-                        </a:lnSpc>
-                        <a:spcBef>
-                          <a:spcPts val="0"/>
-                        </a:spcBef>
-                        <a:spcAft>
-                          <a:spcPts val="0"/>
-                        </a:spcAft>
-                        <a:buClrTx/>
-                        <a:buSzTx/>
-                        <a:buFontTx/>
-                        <a:buNone/>
-                        <a:tabLst/>
-                        <a:defRPr/>
-                      </a:pPr>
-                      <a:r>
-                        <a:rPr lang="en-US" altLang="ko-KR" dirty="0"/>
-                        <a:t>0x000G</a:t>
-                      </a:r>
-                      <a:endParaRPr lang="ko-KR" altLang="en-US" dirty="0"/>
-                    </a:p>
-                  </a:txBody>
-                  <a:tcPr>
-                    <a:lnL w="12700" cap="flat" cmpd="sng" algn="ctr">
-                      <a:solidFill>
-                        <a:schemeClr val="tx1"/>
-                      </a:solidFill>
-                      <a:prstDash val="solid"/>
-                      <a:round/>
-                      <a:headEnd type="none" w="med" len="med"/>
-                      <a:tailEnd type="none" w="med" len="med"/>
-                    </a:lnL>
-                    <a:lnR w="12700" cap="flat" cmpd="sng" algn="ctr">
-                      <a:solidFill>
-                        <a:schemeClr val="tx1"/>
-                      </a:solidFill>
-                      <a:prstDash val="solid"/>
-                      <a:round/>
-                      <a:headEnd type="none" w="med" len="med"/>
-                      <a:tailEnd type="none" w="med" len="med"/>
-                    </a:lnR>
-                    <a:lnT w="12700" cap="flat" cmpd="sng" algn="ctr">
-                      <a:solidFill>
-                        <a:schemeClr val="tx1"/>
-                      </a:solidFill>
-                      <a:prstDash val="solid"/>
-                      <a:round/>
-                      <a:headEnd type="none" w="med" len="med"/>
-                      <a:tailEnd type="none" w="med" len="med"/>
-                    </a:lnT>
-                    <a:lnB w="12700" cap="flat" cmpd="sng" algn="ctr">
-                      <a:solidFill>
-                        <a:schemeClr val="tx1"/>
-                      </a:solidFill>
-                      <a:prstDash val="solid"/>
-                      <a:round/>
-                      <a:headEnd type="none" w="med" len="med"/>
-                      <a:tailEnd type="none" w="med" len="med"/>
-                    </a:lnB>
-                    <a:noFill/>
-                  </a:tcPr>
-                </a:tc>
-                <a:tc>
-                  <a:txBody>
-                    <a:bodyPr/>
-                    <a:lstStyle/>
-                    <a:p>
-                      <a:pPr latinLnBrk="1"/>
-                      <a:r>
-                        <a:rPr lang="en-US" altLang="ko-KR" dirty="0"/>
-                        <a:t>20</a:t>
-                      </a:r>
-                      <a:endParaRPr lang="ko-KR" altLang="en-US" dirty="0"/>
-                    </a:p>
-                  </a:txBody>
-                  <a:tcPr>
-                    <a:lnL w="12700" cap="flat" cmpd="sng" algn="ctr">
-                      <a:solidFill>
-                        <a:schemeClr val="tx1"/>
-                      </a:solidFill>
-                      <a:prstDash val="solid"/>
-                      <a:round/>
-                      <a:headEnd type="none" w="med" len="med"/>
-                      <a:tailEnd type="none" w="med" len="med"/>
-                    </a:lnL>
-                    <a:lnR w="12700" cap="flat" cmpd="sng" algn="ctr">
-                      <a:solidFill>
-                        <a:schemeClr val="tx1"/>
-                      </a:solidFill>
-                      <a:prstDash val="solid"/>
-                      <a:round/>
-                      <a:headEnd type="none" w="med" len="med"/>
-                      <a:tailEnd type="none" w="med" len="med"/>
-                    </a:lnR>
-                    <a:lnT w="12700" cap="flat" cmpd="sng" algn="ctr">
-                      <a:solidFill>
-                        <a:schemeClr val="tx1"/>
-                      </a:solidFill>
-                      <a:prstDash val="solid"/>
-                      <a:round/>
-                      <a:headEnd type="none" w="med" len="med"/>
-                      <a:tailEnd type="none" w="med" len="med"/>
-                    </a:lnT>
-                    <a:lnB w="12700" cap="flat" cmpd="sng" algn="ctr">
-                      <a:solidFill>
-                        <a:schemeClr val="tx1"/>
-                      </a:solidFill>
-                      <a:prstDash val="solid"/>
-                      <a:round/>
-                      <a:headEnd type="none" w="med" len="med"/>
-                      <a:tailEnd type="none" w="med" len="med"/>
-                    </a:lnB>
-                    <a:noFill/>
-                  </a:tcPr>
-                </a:tc>
-                <a:extLst>
-                  <a:ext uri="{0D108BD9-81ED-4DB2-BD59-A6C34878D82A}">
-                    <a16:rowId xmlns:a16="http://schemas.microsoft.com/office/drawing/2014/main" xmlns="" val="1446898692"/>
-                  </a:ext>
-                </a:extLst>
-              </a:tr>
-              <a:tr h="511629">
-                <a:tc>
-                  <a:txBody>
-                    <a:bodyPr/>
-                    <a:lstStyle/>
-                    <a:p>
-                      <a:pPr marL="0" marR="0" lvl="0" indent="0" algn="l" defTabSz="914400" rtl="0" eaLnBrk="1" fontAlgn="auto" latinLnBrk="1" hangingPunct="1">
-                        <a:lnSpc>
-                          <a:spcPct val="100000"/>
-                        </a:lnSpc>
-                        <a:spcBef>
-                          <a:spcPts val="0"/>
-                        </a:spcBef>
-                        <a:spcAft>
-                          <a:spcPts val="0"/>
-                        </a:spcAft>
-                        <a:buClrTx/>
-                        <a:buSzTx/>
-                        <a:buFontTx/>
-                        <a:buNone/>
-                        <a:tabLst/>
-                        <a:defRPr/>
-                      </a:pPr>
-                      <a:r>
-                        <a:rPr lang="en-US" altLang="ko-KR" dirty="0"/>
-                        <a:t>0x000H</a:t>
-                      </a:r>
-                      <a:endParaRPr lang="ko-KR" altLang="en-US" dirty="0"/>
-                    </a:p>
-                  </a:txBody>
-                  <a:tcPr>
-                    <a:lnL w="12700" cap="flat" cmpd="sng" algn="ctr">
-                      <a:solidFill>
-                        <a:schemeClr val="tx1"/>
-                      </a:solidFill>
-                      <a:prstDash val="solid"/>
-                      <a:round/>
-                      <a:headEnd type="none" w="med" len="med"/>
-                      <a:tailEnd type="none" w="med" len="med"/>
-                    </a:lnL>
-                    <a:lnR w="12700" cap="flat" cmpd="sng" algn="ctr">
-                      <a:solidFill>
-                        <a:schemeClr val="tx1"/>
-                      </a:solidFill>
-                      <a:prstDash val="solid"/>
-                      <a:round/>
-                      <a:headEnd type="none" w="med" len="med"/>
-                      <a:tailEnd type="none" w="med" len="med"/>
-                    </a:lnR>
-                    <a:lnT w="12700" cap="flat" cmpd="sng" algn="ctr">
-                      <a:solidFill>
-                        <a:schemeClr val="tx1"/>
-                      </a:solidFill>
-                      <a:prstDash val="solid"/>
-                      <a:round/>
-                      <a:headEnd type="none" w="med" len="med"/>
-                      <a:tailEnd type="none" w="med" len="med"/>
-                    </a:lnT>
-                    <a:lnB w="12700" cap="flat" cmpd="sng" algn="ctr">
-                      <a:solidFill>
-                        <a:schemeClr val="tx1"/>
-                      </a:solidFill>
-                      <a:prstDash val="solid"/>
-                      <a:round/>
-                      <a:headEnd type="none" w="med" len="med"/>
-                      <a:tailEnd type="none" w="med" len="med"/>
-                    </a:lnB>
-                    <a:noFill/>
-                  </a:tcPr>
-                </a:tc>
-                <a:tc>
-                  <a:txBody>
-                    <a:bodyPr/>
-                    <a:lstStyle/>
-                    <a:p>
-                      <a:pPr latinLnBrk="1"/>
-                      <a:endParaRPr lang="ko-KR" altLang="en-US" dirty="0"/>
-                    </a:p>
-                  </a:txBody>
-                  <a:tcPr>
-                    <a:lnL w="12700" cap="flat" cmpd="sng" algn="ctr">
-                      <a:solidFill>
-                        <a:schemeClr val="tx1"/>
-                      </a:solidFill>
-                      <a:prstDash val="solid"/>
-                      <a:round/>
-                      <a:headEnd type="none" w="med" len="med"/>
-                      <a:tailEnd type="none" w="med" len="med"/>
-                    </a:lnL>
-                    <a:lnR w="12700" cap="flat" cmpd="sng" algn="ctr">
-                      <a:solidFill>
-                        <a:schemeClr val="tx1"/>
-                      </a:solidFill>
-                      <a:prstDash val="solid"/>
-                      <a:round/>
-                      <a:headEnd type="none" w="med" len="med"/>
-                      <a:tailEnd type="none" w="med" len="med"/>
-                    </a:lnR>
-                    <a:lnT w="12700" cap="flat" cmpd="sng" algn="ctr">
-                      <a:solidFill>
-                        <a:schemeClr val="tx1"/>
-                      </a:solidFill>
-                      <a:prstDash val="solid"/>
-                      <a:round/>
-                      <a:headEnd type="none" w="med" len="med"/>
-                      <a:tailEnd type="none" w="med" len="med"/>
-                    </a:lnT>
-                    <a:lnB w="12700" cap="flat" cmpd="sng" algn="ctr">
-                      <a:solidFill>
-                        <a:schemeClr val="tx1"/>
-                      </a:solidFill>
-                      <a:prstDash val="solid"/>
-                      <a:round/>
-                      <a:headEnd type="none" w="med" len="med"/>
-                      <a:tailEnd type="none" w="med" len="med"/>
-                    </a:lnB>
-                    <a:noFill/>
-                  </a:tcPr>
-                </a:tc>
-                <a:extLst>
-                  <a:ext uri="{0D108BD9-81ED-4DB2-BD59-A6C34878D82A}">
-                    <a16:rowId xmlns:a16="http://schemas.microsoft.com/office/drawing/2014/main" xmlns="" val="2069871938"/>
-                  </a:ext>
-                </a:extLst>
-              </a:tr>
-              <a:tr h="511629">
-                <a:tc>
-                  <a:txBody>
-                    <a:bodyPr/>
-                    <a:lstStyle/>
-                    <a:p>
-                      <a:pPr marL="0" marR="0" lvl="0" indent="0" algn="l" defTabSz="914400" rtl="0" eaLnBrk="1" fontAlgn="auto" latinLnBrk="1" hangingPunct="1">
-                        <a:lnSpc>
-                          <a:spcPct val="100000"/>
-                        </a:lnSpc>
-                        <a:spcBef>
-                          <a:spcPts val="0"/>
-                        </a:spcBef>
-                        <a:spcAft>
-                          <a:spcPts val="0"/>
-                        </a:spcAft>
-                        <a:buClrTx/>
-                        <a:buSzTx/>
-                        <a:buFontTx/>
-                        <a:buNone/>
-                        <a:tabLst/>
-                        <a:defRPr/>
-                      </a:pPr>
-                      <a:r>
-                        <a:rPr lang="en-US" altLang="ko-KR" dirty="0"/>
-                        <a:t>0x000I</a:t>
-                      </a:r>
-                      <a:endParaRPr lang="ko-KR" altLang="en-US" dirty="0"/>
-                    </a:p>
-                  </a:txBody>
-                  <a:tcPr>
-                    <a:lnL w="12700" cap="flat" cmpd="sng" algn="ctr">
-                      <a:solidFill>
-                        <a:schemeClr val="tx1"/>
-                      </a:solidFill>
-                      <a:prstDash val="solid"/>
-                      <a:round/>
-                      <a:headEnd type="none" w="med" len="med"/>
-                      <a:tailEnd type="none" w="med" len="med"/>
-                    </a:lnL>
-                    <a:lnR w="12700" cap="flat" cmpd="sng" algn="ctr">
-                      <a:solidFill>
-                        <a:schemeClr val="tx1"/>
-                      </a:solidFill>
-                      <a:prstDash val="solid"/>
-                      <a:round/>
-                      <a:headEnd type="none" w="med" len="med"/>
-                      <a:tailEnd type="none" w="med" len="med"/>
-                    </a:lnR>
-                    <a:lnT w="12700" cap="flat" cmpd="sng" algn="ctr">
-                      <a:solidFill>
-                        <a:schemeClr val="tx1"/>
-                      </a:solidFill>
-                      <a:prstDash val="solid"/>
-                      <a:round/>
-                      <a:headEnd type="none" w="med" len="med"/>
-                      <a:tailEnd type="none" w="med" len="med"/>
-                    </a:lnT>
-                    <a:lnB w="12700" cap="flat" cmpd="sng" algn="ctr">
-                      <a:solidFill>
-                        <a:schemeClr val="tx1"/>
-                      </a:solidFill>
-                      <a:prstDash val="solid"/>
-                      <a:round/>
-                      <a:headEnd type="none" w="med" len="med"/>
-                      <a:tailEnd type="none" w="med" len="med"/>
-                    </a:lnB>
-                    <a:noFill/>
-                  </a:tcPr>
-                </a:tc>
-                <a:tc>
-                  <a:txBody>
-                    <a:bodyPr/>
-                    <a:lstStyle/>
-                    <a:p>
-                      <a:pPr latinLnBrk="1"/>
-                      <a:endParaRPr lang="ko-KR" altLang="en-US" dirty="0"/>
-                    </a:p>
-                  </a:txBody>
-                  <a:tcPr>
-                    <a:lnL w="12700" cap="flat" cmpd="sng" algn="ctr">
-                      <a:solidFill>
-                        <a:schemeClr val="tx1"/>
-                      </a:solidFill>
-                      <a:prstDash val="solid"/>
-                      <a:round/>
-                      <a:headEnd type="none" w="med" len="med"/>
-                      <a:tailEnd type="none" w="med" len="med"/>
-                    </a:lnL>
-                    <a:lnR w="12700" cap="flat" cmpd="sng" algn="ctr">
-                      <a:solidFill>
-                        <a:schemeClr val="tx1"/>
-                      </a:solidFill>
-                      <a:prstDash val="solid"/>
-                      <a:round/>
-                      <a:headEnd type="none" w="med" len="med"/>
-                      <a:tailEnd type="none" w="med" len="med"/>
-                    </a:lnR>
-                    <a:lnT w="12700" cap="flat" cmpd="sng" algn="ctr">
-                      <a:solidFill>
-                        <a:schemeClr val="tx1"/>
-                      </a:solidFill>
-                      <a:prstDash val="solid"/>
-                      <a:round/>
-                      <a:headEnd type="none" w="med" len="med"/>
-                      <a:tailEnd type="none" w="med" len="med"/>
-                    </a:lnT>
-                    <a:lnB w="12700" cap="flat" cmpd="sng" algn="ctr">
-                      <a:solidFill>
-                        <a:schemeClr val="tx1"/>
-                      </a:solidFill>
-                      <a:prstDash val="solid"/>
-                      <a:round/>
-                      <a:headEnd type="none" w="med" len="med"/>
-                      <a:tailEnd type="none" w="med" len="med"/>
-                    </a:lnB>
-                    <a:noFill/>
-                  </a:tcPr>
-                </a:tc>
-                <a:extLst>
-                  <a:ext uri="{0D108BD9-81ED-4DB2-BD59-A6C34878D82A}">
-                    <a16:rowId xmlns:a16="http://schemas.microsoft.com/office/drawing/2014/main" xmlns="" val="3466599706"/>
-                  </a:ext>
-                </a:extLst>
-              </a:tr>
-              <a:tr h="511629">
-                <a:tc>
-                  <a:txBody>
-                    <a:bodyPr/>
-                    <a:lstStyle/>
-                    <a:p>
-                      <a:pPr marL="0" marR="0" lvl="0" indent="0" algn="l" defTabSz="914400" rtl="0" eaLnBrk="1" fontAlgn="auto" latinLnBrk="1" hangingPunct="1">
-                        <a:lnSpc>
-                          <a:spcPct val="100000"/>
-                        </a:lnSpc>
-                        <a:spcBef>
-                          <a:spcPts val="0"/>
-                        </a:spcBef>
-                        <a:spcAft>
-                          <a:spcPts val="0"/>
-                        </a:spcAft>
-                        <a:buClrTx/>
-                        <a:buSzTx/>
-                        <a:buFontTx/>
-                        <a:buNone/>
-                        <a:tabLst/>
-                        <a:defRPr/>
-                      </a:pPr>
-                      <a:r>
-                        <a:rPr lang="en-US" altLang="ko-KR" dirty="0"/>
-                        <a:t>0x000J</a:t>
-                      </a:r>
-                      <a:endParaRPr lang="ko-KR" altLang="en-US" dirty="0"/>
-                    </a:p>
-                  </a:txBody>
-                  <a:tcPr>
-                    <a:lnL w="12700" cap="flat" cmpd="sng" algn="ctr">
-                      <a:solidFill>
-                        <a:schemeClr val="tx1"/>
-                      </a:solidFill>
-                      <a:prstDash val="solid"/>
-                      <a:round/>
-                      <a:headEnd type="none" w="med" len="med"/>
-                      <a:tailEnd type="none" w="med" len="med"/>
-                    </a:lnL>
-                    <a:lnR w="12700" cap="flat" cmpd="sng" algn="ctr">
-                      <a:solidFill>
-                        <a:schemeClr val="tx1"/>
-                      </a:solidFill>
-                      <a:prstDash val="solid"/>
-                      <a:round/>
-                      <a:headEnd type="none" w="med" len="med"/>
-                      <a:tailEnd type="none" w="med" len="med"/>
-                    </a:lnR>
-                    <a:lnT w="12700" cap="flat" cmpd="sng" algn="ctr">
-                      <a:solidFill>
-                        <a:schemeClr val="tx1"/>
-                      </a:solidFill>
-                      <a:prstDash val="solid"/>
-                      <a:round/>
-                      <a:headEnd type="none" w="med" len="med"/>
-                      <a:tailEnd type="none" w="med" len="med"/>
-                    </a:lnT>
-                    <a:lnB w="12700" cap="flat" cmpd="sng" algn="ctr">
-                      <a:solidFill>
-                        <a:schemeClr val="tx1"/>
-                      </a:solidFill>
-                      <a:prstDash val="solid"/>
-                      <a:round/>
-                      <a:headEnd type="none" w="med" len="med"/>
-                      <a:tailEnd type="none" w="med" len="med"/>
-                    </a:lnB>
-                    <a:noFill/>
-                  </a:tcPr>
-                </a:tc>
-                <a:tc>
-                  <a:txBody>
-                    <a:bodyPr/>
-                    <a:lstStyle/>
-                    <a:p>
-                      <a:pPr latinLnBrk="1"/>
-                      <a:endParaRPr lang="ko-KR" altLang="en-US" dirty="0"/>
-                    </a:p>
-                  </a:txBody>
-                  <a:tcPr>
-                    <a:lnL w="12700" cap="flat" cmpd="sng" algn="ctr">
-                      <a:solidFill>
-                        <a:schemeClr val="tx1"/>
-                      </a:solidFill>
-                      <a:prstDash val="solid"/>
-                      <a:round/>
-                      <a:headEnd type="none" w="med" len="med"/>
-                      <a:tailEnd type="none" w="med" len="med"/>
-                    </a:lnL>
-                    <a:lnR w="12700" cap="flat" cmpd="sng" algn="ctr">
-                      <a:solidFill>
-                        <a:schemeClr val="tx1"/>
-                      </a:solidFill>
-                      <a:prstDash val="solid"/>
-                      <a:round/>
-                      <a:headEnd type="none" w="med" len="med"/>
-                      <a:tailEnd type="none" w="med" len="med"/>
-                    </a:lnR>
-                    <a:lnT w="12700" cap="flat" cmpd="sng" algn="ctr">
-                      <a:solidFill>
-                        <a:schemeClr val="tx1"/>
-                      </a:solidFill>
-                      <a:prstDash val="solid"/>
-                      <a:round/>
-                      <a:headEnd type="none" w="med" len="med"/>
-                      <a:tailEnd type="none" w="med" len="med"/>
-                    </a:lnT>
-                    <a:lnB w="12700" cap="flat" cmpd="sng" algn="ctr">
-                      <a:solidFill>
-                        <a:schemeClr val="tx1"/>
-                      </a:solidFill>
-                      <a:prstDash val="solid"/>
-                      <a:round/>
-                      <a:headEnd type="none" w="med" len="med"/>
-                      <a:tailEnd type="none" w="med" len="med"/>
-                    </a:lnB>
-                    <a:noFill/>
-                  </a:tcPr>
-                </a:tc>
-                <a:extLst>
-                  <a:ext uri="{0D108BD9-81ED-4DB2-BD59-A6C34878D82A}">
-                    <a16:rowId xmlns:a16="http://schemas.microsoft.com/office/drawing/2014/main" xmlns="" val="3270764344"/>
-                  </a:ext>
-                </a:extLst>
-              </a:tr>
-              <a:tr h="511629">
-                <a:tc>
-                  <a:txBody>
-                    <a:bodyPr/>
-                    <a:lstStyle/>
-                    <a:p>
-                      <a:pPr marL="0" marR="0" lvl="0" indent="0" algn="l" defTabSz="914400" rtl="0" eaLnBrk="1" fontAlgn="auto" latinLnBrk="1" hangingPunct="1">
-                        <a:lnSpc>
-                          <a:spcPct val="100000"/>
-                        </a:lnSpc>
-                        <a:spcBef>
-                          <a:spcPts val="0"/>
-                        </a:spcBef>
-                        <a:spcAft>
-                          <a:spcPts val="0"/>
-                        </a:spcAft>
-                        <a:buClrTx/>
-                        <a:buSzTx/>
-                        <a:buFontTx/>
-                        <a:buNone/>
-                        <a:tabLst/>
-                        <a:defRPr/>
-                      </a:pPr>
-                      <a:r>
-                        <a:rPr lang="en-US" altLang="ko-KR" dirty="0"/>
-                        <a:t>0x000K</a:t>
-                      </a:r>
-                      <a:endParaRPr lang="ko-KR" altLang="en-US" dirty="0"/>
-                    </a:p>
-                  </a:txBody>
-                  <a:tcPr>
-                    <a:lnL w="12700" cap="flat" cmpd="sng" algn="ctr">
-                      <a:solidFill>
-                        <a:schemeClr val="tx1"/>
-                      </a:solidFill>
-                      <a:prstDash val="solid"/>
-                      <a:round/>
-                      <a:headEnd type="none" w="med" len="med"/>
-                      <a:tailEnd type="none" w="med" len="med"/>
-                    </a:lnL>
-                    <a:lnR w="12700" cap="flat" cmpd="sng" algn="ctr">
-                      <a:solidFill>
-                        <a:schemeClr val="tx1"/>
-                      </a:solidFill>
-                      <a:prstDash val="solid"/>
-                      <a:round/>
-                      <a:headEnd type="none" w="med" len="med"/>
-                      <a:tailEnd type="none" w="med" len="med"/>
-                    </a:lnR>
-                    <a:lnT w="12700" cap="flat" cmpd="sng" algn="ctr">
-                      <a:solidFill>
-                        <a:schemeClr val="tx1"/>
-                      </a:solidFill>
-                      <a:prstDash val="solid"/>
-                      <a:round/>
-                      <a:headEnd type="none" w="med" len="med"/>
-                      <a:tailEnd type="none" w="med" len="med"/>
-                    </a:lnT>
-                    <a:lnB w="12700" cap="flat" cmpd="sng" algn="ctr">
-                      <a:solidFill>
-                        <a:schemeClr val="tx1"/>
-                      </a:solidFill>
-                      <a:prstDash val="solid"/>
-                      <a:round/>
-                      <a:headEnd type="none" w="med" len="med"/>
-                      <a:tailEnd type="none" w="med" len="med"/>
-                    </a:lnB>
-                    <a:noFill/>
-                  </a:tcPr>
-                </a:tc>
-                <a:tc>
-                  <a:txBody>
-                    <a:bodyPr/>
-                    <a:lstStyle/>
-                    <a:p>
-                      <a:pPr latinLnBrk="1"/>
-                      <a:r>
-                        <a:rPr lang="ko-KR" altLang="en-US" dirty="0"/>
-                        <a:t>홍길동</a:t>
-                      </a:r>
-                    </a:p>
-                  </a:txBody>
-                  <a:tcPr>
-                    <a:lnL w="12700" cap="flat" cmpd="sng" algn="ctr">
-                      <a:solidFill>
-                        <a:schemeClr val="tx1"/>
-                      </a:solidFill>
-                      <a:prstDash val="solid"/>
-                      <a:round/>
-                      <a:headEnd type="none" w="med" len="med"/>
-                      <a:tailEnd type="none" w="med" len="med"/>
-                    </a:lnL>
-                    <a:lnR w="12700" cap="flat" cmpd="sng" algn="ctr">
-                      <a:solidFill>
-                        <a:schemeClr val="tx1"/>
-                      </a:solidFill>
-                      <a:prstDash val="solid"/>
-                      <a:round/>
-                      <a:headEnd type="none" w="med" len="med"/>
-                      <a:tailEnd type="none" w="med" len="med"/>
-                    </a:lnR>
-                    <a:lnT w="12700" cap="flat" cmpd="sng" algn="ctr">
-                      <a:solidFill>
-                        <a:schemeClr val="tx1"/>
-                      </a:solidFill>
-                      <a:prstDash val="solid"/>
-                      <a:round/>
-                      <a:headEnd type="none" w="med" len="med"/>
-                      <a:tailEnd type="none" w="med" len="med"/>
-                    </a:lnT>
-                    <a:lnB w="12700" cap="flat" cmpd="sng" algn="ctr">
-                      <a:solidFill>
-                        <a:schemeClr val="tx1"/>
-                      </a:solidFill>
-                      <a:prstDash val="solid"/>
-                      <a:round/>
-                      <a:headEnd type="none" w="med" len="med"/>
-                      <a:tailEnd type="none" w="med" len="med"/>
-                    </a:lnB>
-                    <a:noFill/>
-                  </a:tcPr>
-                </a:tc>
-                <a:extLst>
-                  <a:ext uri="{0D108BD9-81ED-4DB2-BD59-A6C34878D82A}">
-                    <a16:rowId xmlns:a16="http://schemas.microsoft.com/office/drawing/2014/main" xmlns="" val="1601752940"/>
-                  </a:ext>
-                </a:extLst>
-              </a:tr>
-              <a:tr h="511629">
-                <a:tc>
-                  <a:txBody>
-                    <a:bodyPr/>
-                    <a:lstStyle/>
-                    <a:p>
-                      <a:pPr marL="0" marR="0" lvl="0" indent="0" algn="l" defTabSz="914400" rtl="0" eaLnBrk="1" fontAlgn="auto" latinLnBrk="1" hangingPunct="1">
-                        <a:lnSpc>
-                          <a:spcPct val="100000"/>
-                        </a:lnSpc>
-                        <a:spcBef>
-                          <a:spcPts val="0"/>
-                        </a:spcBef>
-                        <a:spcAft>
-                          <a:spcPts val="0"/>
-                        </a:spcAft>
-                        <a:buClrTx/>
-                        <a:buSzTx/>
-                        <a:buFontTx/>
-                        <a:buNone/>
-                        <a:tabLst/>
-                        <a:defRPr/>
-                      </a:pPr>
-                      <a:r>
-                        <a:rPr lang="en-US" altLang="ko-KR" dirty="0"/>
-                        <a:t>0x000L</a:t>
-                      </a:r>
-                      <a:endParaRPr lang="ko-KR" altLang="en-US" dirty="0"/>
-                    </a:p>
-                  </a:txBody>
-                  <a:tcPr>
-                    <a:lnL w="12700" cap="flat" cmpd="sng" algn="ctr">
-                      <a:solidFill>
-                        <a:schemeClr val="tx1"/>
-                      </a:solidFill>
-                      <a:prstDash val="solid"/>
-                      <a:round/>
-                      <a:headEnd type="none" w="med" len="med"/>
-                      <a:tailEnd type="none" w="med" len="med"/>
-                    </a:lnL>
-                    <a:lnR w="12700" cap="flat" cmpd="sng" algn="ctr">
-                      <a:solidFill>
-                        <a:schemeClr val="tx1"/>
-                      </a:solidFill>
-                      <a:prstDash val="solid"/>
-                      <a:round/>
-                      <a:headEnd type="none" w="med" len="med"/>
-                      <a:tailEnd type="none" w="med" len="med"/>
-                    </a:lnR>
-                    <a:lnT w="12700" cap="flat" cmpd="sng" algn="ctr">
-                      <a:solidFill>
-                        <a:schemeClr val="tx1"/>
-                      </a:solidFill>
-                      <a:prstDash val="solid"/>
-                      <a:round/>
-                      <a:headEnd type="none" w="med" len="med"/>
-                      <a:tailEnd type="none" w="med" len="med"/>
-                    </a:lnT>
-                    <a:lnB w="12700" cap="flat" cmpd="sng" algn="ctr">
-                      <a:solidFill>
-                        <a:schemeClr val="tx1"/>
-                      </a:solidFill>
-                      <a:prstDash val="solid"/>
-                      <a:round/>
-                      <a:headEnd type="none" w="med" len="med"/>
-                      <a:tailEnd type="none" w="med" len="med"/>
-                    </a:lnB>
-                    <a:noFill/>
-                  </a:tcPr>
-                </a:tc>
-                <a:tc>
-                  <a:txBody>
-                    <a:bodyPr/>
-                    <a:lstStyle/>
-                    <a:p>
-                      <a:pPr latinLnBrk="1"/>
-                      <a:r>
-                        <a:rPr lang="en-US" altLang="ko-KR" dirty="0"/>
-                        <a:t>100</a:t>
-                      </a:r>
-                      <a:endParaRPr lang="ko-KR" altLang="en-US" dirty="0"/>
-                    </a:p>
-                  </a:txBody>
-                  <a:tcPr>
-                    <a:lnL w="12700" cap="flat" cmpd="sng" algn="ctr">
-                      <a:solidFill>
-                        <a:schemeClr val="tx1"/>
-                      </a:solidFill>
-                      <a:prstDash val="solid"/>
-                      <a:round/>
-                      <a:headEnd type="none" w="med" len="med"/>
-                      <a:tailEnd type="none" w="med" len="med"/>
-                    </a:lnL>
-                    <a:lnR w="12700" cap="flat" cmpd="sng" algn="ctr">
-                      <a:solidFill>
-                        <a:schemeClr val="tx1"/>
-                      </a:solidFill>
-                      <a:prstDash val="solid"/>
-                      <a:round/>
-                      <a:headEnd type="none" w="med" len="med"/>
-                      <a:tailEnd type="none" w="med" len="med"/>
-                    </a:lnR>
-                    <a:lnT w="12700" cap="flat" cmpd="sng" algn="ctr">
-                      <a:solidFill>
-                        <a:schemeClr val="tx1"/>
-                      </a:solidFill>
-                      <a:prstDash val="solid"/>
-                      <a:round/>
-                      <a:headEnd type="none" w="med" len="med"/>
-                      <a:tailEnd type="none" w="med" len="med"/>
-                    </a:lnT>
-                    <a:lnB w="12700" cap="flat" cmpd="sng" algn="ctr">
-                      <a:solidFill>
-                        <a:schemeClr val="tx1"/>
-                      </a:solidFill>
-                      <a:prstDash val="solid"/>
-                      <a:round/>
-                      <a:headEnd type="none" w="med" len="med"/>
-                      <a:tailEnd type="none" w="med" len="med"/>
-                    </a:lnB>
-                    <a:noFill/>
-                  </a:tcPr>
-                </a:tc>
-                <a:extLst>
-                  <a:ext uri="{0D108BD9-81ED-4DB2-BD59-A6C34878D82A}">
-                    <a16:rowId xmlns:a16="http://schemas.microsoft.com/office/drawing/2014/main" xmlns="" val="3454728477"/>
-                  </a:ext>
-                </a:extLst>
-              </a:tr>
-              <a:tr h="511629">
-                <a:tc>
-                  <a:txBody>
-                    <a:bodyPr/>
-                    <a:lstStyle/>
-                    <a:p>
-                      <a:pPr marL="0" marR="0" lvl="0" indent="0" algn="l" defTabSz="914400" rtl="0" eaLnBrk="1" fontAlgn="auto" latinLnBrk="1" hangingPunct="1">
-                        <a:lnSpc>
-                          <a:spcPct val="100000"/>
-                        </a:lnSpc>
-                        <a:spcBef>
-                          <a:spcPts val="0"/>
-                        </a:spcBef>
-                        <a:spcAft>
-                          <a:spcPts val="0"/>
-                        </a:spcAft>
-                        <a:buClrTx/>
-                        <a:buSzTx/>
-                        <a:buFontTx/>
-                        <a:buNone/>
-                        <a:tabLst/>
-                        <a:defRPr/>
-                      </a:pPr>
-                      <a:r>
-                        <a:rPr lang="en-US" altLang="ko-KR" dirty="0"/>
-                        <a:t>0x000M</a:t>
-                      </a:r>
-                      <a:endParaRPr lang="ko-KR" altLang="en-US" dirty="0"/>
-                    </a:p>
-                  </a:txBody>
-                  <a:tcPr>
-                    <a:lnL w="12700" cap="flat" cmpd="sng" algn="ctr">
-                      <a:solidFill>
-                        <a:schemeClr val="tx1"/>
-                      </a:solidFill>
-                      <a:prstDash val="solid"/>
-                      <a:round/>
-                      <a:headEnd type="none" w="med" len="med"/>
-                      <a:tailEnd type="none" w="med" len="med"/>
-                    </a:lnL>
-                    <a:lnR w="12700" cap="flat" cmpd="sng" algn="ctr">
-                      <a:solidFill>
-                        <a:schemeClr val="tx1"/>
-                      </a:solidFill>
-                      <a:prstDash val="solid"/>
-                      <a:round/>
-                      <a:headEnd type="none" w="med" len="med"/>
-                      <a:tailEnd type="none" w="med" len="med"/>
-                    </a:lnR>
-                    <a:lnT w="12700" cap="flat" cmpd="sng" algn="ctr">
-                      <a:solidFill>
-                        <a:schemeClr val="tx1"/>
-                      </a:solidFill>
-                      <a:prstDash val="solid"/>
-                      <a:round/>
-                      <a:headEnd type="none" w="med" len="med"/>
-                      <a:tailEnd type="none" w="med" len="med"/>
-                    </a:lnT>
-                    <a:lnB w="12700" cap="flat" cmpd="sng" algn="ctr">
-                      <a:solidFill>
-                        <a:schemeClr val="tx1"/>
-                      </a:solidFill>
-                      <a:prstDash val="solid"/>
-                      <a:round/>
-                      <a:headEnd type="none" w="med" len="med"/>
-                      <a:tailEnd type="none" w="med" len="med"/>
-                    </a:lnB>
-                    <a:noFill/>
-                  </a:tcPr>
-                </a:tc>
-                <a:tc>
-                  <a:txBody>
-                    <a:bodyPr/>
-                    <a:lstStyle/>
-                    <a:p>
-                      <a:pPr latinLnBrk="1"/>
-                      <a:r>
-                        <a:rPr lang="en-US" altLang="ko-KR" dirty="0"/>
-                        <a:t>40</a:t>
-                      </a:r>
-                      <a:endParaRPr lang="ko-KR" altLang="en-US" dirty="0"/>
-                    </a:p>
-                  </a:txBody>
-                  <a:tcPr>
-                    <a:lnL w="12700" cap="flat" cmpd="sng" algn="ctr">
-                      <a:solidFill>
-                        <a:schemeClr val="tx1"/>
-                      </a:solidFill>
-                      <a:prstDash val="solid"/>
-                      <a:round/>
-                      <a:headEnd type="none" w="med" len="med"/>
-                      <a:tailEnd type="none" w="med" len="med"/>
-                    </a:lnL>
-                    <a:lnR w="12700" cap="flat" cmpd="sng" algn="ctr">
-                      <a:solidFill>
-                        <a:schemeClr val="tx1"/>
-                      </a:solidFill>
-                      <a:prstDash val="solid"/>
-                      <a:round/>
-                      <a:headEnd type="none" w="med" len="med"/>
-                      <a:tailEnd type="none" w="med" len="med"/>
-                    </a:lnR>
-                    <a:lnT w="12700" cap="flat" cmpd="sng" algn="ctr">
-                      <a:solidFill>
-                        <a:schemeClr val="tx1"/>
-                      </a:solidFill>
-                      <a:prstDash val="solid"/>
-                      <a:round/>
-                      <a:headEnd type="none" w="med" len="med"/>
-                      <a:tailEnd type="none" w="med" len="med"/>
-                    </a:lnT>
-                    <a:lnB w="12700" cap="flat" cmpd="sng" algn="ctr">
-                      <a:solidFill>
-                        <a:schemeClr val="tx1"/>
-                      </a:solidFill>
-                      <a:prstDash val="solid"/>
-                      <a:round/>
-                      <a:headEnd type="none" w="med" len="med"/>
-                      <a:tailEnd type="none" w="med" len="med"/>
-                    </a:lnB>
-                    <a:noFill/>
-                  </a:tcPr>
-                </a:tc>
-                <a:extLst>
-                  <a:ext uri="{0D108BD9-81ED-4DB2-BD59-A6C34878D82A}">
-                    <a16:rowId xmlns:a16="http://schemas.microsoft.com/office/drawing/2014/main" xmlns="" val="3866400999"/>
-                  </a:ext>
-                </a:extLst>
-              </a:tr>
-              <a:tr h="511629">
-                <a:tc>
-                  <a:txBody>
-                    <a:bodyPr/>
-                    <a:lstStyle/>
-                    <a:p>
-                      <a:pPr marL="0" marR="0" lvl="0" indent="0" algn="l" defTabSz="914400" rtl="0" eaLnBrk="1" fontAlgn="auto" latinLnBrk="1" hangingPunct="1">
-                        <a:lnSpc>
-                          <a:spcPct val="100000"/>
-                        </a:lnSpc>
-                        <a:spcBef>
-                          <a:spcPts val="0"/>
-                        </a:spcBef>
-                        <a:spcAft>
-                          <a:spcPts val="0"/>
-                        </a:spcAft>
-                        <a:buClrTx/>
-                        <a:buSzTx/>
-                        <a:buFontTx/>
-                        <a:buNone/>
-                        <a:tabLst/>
-                        <a:defRPr/>
-                      </a:pPr>
-                      <a:r>
-                        <a:rPr lang="en-US" altLang="ko-KR" dirty="0"/>
-                        <a:t>0x000N</a:t>
-                      </a:r>
-                      <a:endParaRPr lang="ko-KR" altLang="en-US" dirty="0"/>
-                    </a:p>
-                  </a:txBody>
-                  <a:tcPr>
-                    <a:lnL w="12700" cap="flat" cmpd="sng" algn="ctr">
-                      <a:solidFill>
-                        <a:schemeClr val="tx1"/>
-                      </a:solidFill>
-                      <a:prstDash val="solid"/>
-                      <a:round/>
-                      <a:headEnd type="none" w="med" len="med"/>
-                      <a:tailEnd type="none" w="med" len="med"/>
-                    </a:lnL>
-                    <a:lnR w="12700" cap="flat" cmpd="sng" algn="ctr">
-                      <a:solidFill>
-                        <a:schemeClr val="tx1"/>
-                      </a:solidFill>
-                      <a:prstDash val="solid"/>
-                      <a:round/>
-                      <a:headEnd type="none" w="med" len="med"/>
-                      <a:tailEnd type="none" w="med" len="med"/>
-                    </a:lnR>
-                    <a:lnT w="12700" cap="flat" cmpd="sng" algn="ctr">
-                      <a:solidFill>
-                        <a:schemeClr val="tx1"/>
-                      </a:solidFill>
-                      <a:prstDash val="solid"/>
-                      <a:round/>
-                      <a:headEnd type="none" w="med" len="med"/>
-                      <a:tailEnd type="none" w="med" len="med"/>
-                    </a:lnT>
-                    <a:lnB w="12700" cap="flat" cmpd="sng" algn="ctr">
-                      <a:solidFill>
-                        <a:schemeClr val="tx1"/>
-                      </a:solidFill>
-                      <a:prstDash val="solid"/>
-                      <a:round/>
-                      <a:headEnd type="none" w="med" len="med"/>
-                      <a:tailEnd type="none" w="med" len="med"/>
-                    </a:lnB>
-                    <a:noFill/>
-                  </a:tcPr>
-                </a:tc>
-                <a:tc>
-                  <a:txBody>
-                    <a:bodyPr/>
-                    <a:lstStyle/>
-                    <a:p>
-                      <a:pPr latinLnBrk="1"/>
-                      <a:endParaRPr lang="ko-KR" altLang="en-US" dirty="0"/>
-                    </a:p>
-                  </a:txBody>
-                  <a:tcPr>
-                    <a:lnL w="12700" cap="flat" cmpd="sng" algn="ctr">
-                      <a:solidFill>
-                        <a:schemeClr val="tx1"/>
-                      </a:solidFill>
-                      <a:prstDash val="solid"/>
-                      <a:round/>
-                      <a:headEnd type="none" w="med" len="med"/>
-                      <a:tailEnd type="none" w="med" len="med"/>
-                    </a:lnL>
-                    <a:lnR w="12700" cap="flat" cmpd="sng" algn="ctr">
-                      <a:solidFill>
-                        <a:schemeClr val="tx1"/>
-                      </a:solidFill>
-                      <a:prstDash val="solid"/>
-                      <a:round/>
-                      <a:headEnd type="none" w="med" len="med"/>
-                      <a:tailEnd type="none" w="med" len="med"/>
-                    </a:lnR>
-                    <a:lnT w="12700" cap="flat" cmpd="sng" algn="ctr">
-                      <a:solidFill>
-                        <a:schemeClr val="tx1"/>
-                      </a:solidFill>
-                      <a:prstDash val="solid"/>
-                      <a:round/>
-                      <a:headEnd type="none" w="med" len="med"/>
-                      <a:tailEnd type="none" w="med" len="med"/>
-                    </a:lnT>
-                    <a:lnB w="12700" cap="flat" cmpd="sng" algn="ctr">
-                      <a:solidFill>
-                        <a:schemeClr val="tx1"/>
-                      </a:solidFill>
-                      <a:prstDash val="solid"/>
-                      <a:round/>
-                      <a:headEnd type="none" w="med" len="med"/>
-                      <a:tailEnd type="none" w="med" len="med"/>
-                    </a:lnB>
-                    <a:noFill/>
-                  </a:tcPr>
-                </a:tc>
-                <a:extLst>
-                  <a:ext uri="{0D108BD9-81ED-4DB2-BD59-A6C34878D82A}">
-                    <a16:rowId xmlns:a16="http://schemas.microsoft.com/office/drawing/2014/main" xmlns="" val="1558806300"/>
-                  </a:ext>
-                </a:extLst>
-              </a:tr>
-              <a:tr h="511629">
-                <a:tc>
-                  <a:txBody>
-                    <a:bodyPr/>
-                    <a:lstStyle/>
-                    <a:p>
-                      <a:pPr marL="0" marR="0" lvl="0" indent="0" algn="l" defTabSz="914400" rtl="0" eaLnBrk="1" fontAlgn="auto" latinLnBrk="1" hangingPunct="1">
-                        <a:lnSpc>
-                          <a:spcPct val="100000"/>
-                        </a:lnSpc>
-                        <a:spcBef>
-                          <a:spcPts val="0"/>
-                        </a:spcBef>
-                        <a:spcAft>
-                          <a:spcPts val="0"/>
-                        </a:spcAft>
-                        <a:buClrTx/>
-                        <a:buSzTx/>
-                        <a:buFontTx/>
-                        <a:buNone/>
-                        <a:tabLst/>
-                        <a:defRPr/>
-                      </a:pPr>
-                      <a:r>
-                        <a:rPr lang="en-US" altLang="ko-KR" dirty="0"/>
-                        <a:t>…</a:t>
-                      </a:r>
-                      <a:endParaRPr lang="ko-KR" altLang="en-US" dirty="0"/>
-                    </a:p>
-                  </a:txBody>
-                  <a:tcPr>
-                    <a:lnL w="12700" cap="flat" cmpd="sng" algn="ctr">
-                      <a:solidFill>
-                        <a:schemeClr val="tx1"/>
-                      </a:solidFill>
-                      <a:prstDash val="solid"/>
-                      <a:round/>
-                      <a:headEnd type="none" w="med" len="med"/>
-                      <a:tailEnd type="none" w="med" len="med"/>
-                    </a:lnL>
-                    <a:lnR w="12700" cap="flat" cmpd="sng" algn="ctr">
-                      <a:solidFill>
-                        <a:schemeClr val="tx1"/>
-                      </a:solidFill>
-                      <a:prstDash val="solid"/>
-                      <a:round/>
-                      <a:headEnd type="none" w="med" len="med"/>
-                      <a:tailEnd type="none" w="med" len="med"/>
-                    </a:lnR>
-                    <a:lnT w="12700" cap="flat" cmpd="sng" algn="ctr">
-                      <a:solidFill>
-                        <a:schemeClr val="tx1"/>
-                      </a:solidFill>
-                      <a:prstDash val="solid"/>
-                      <a:round/>
-                      <a:headEnd type="none" w="med" len="med"/>
-                      <a:tailEnd type="none" w="med" len="med"/>
-                    </a:lnT>
-                    <a:lnB w="12700" cap="flat" cmpd="sng" algn="ctr">
-                      <a:solidFill>
-                        <a:schemeClr val="tx1"/>
-                      </a:solidFill>
-                      <a:prstDash val="solid"/>
-                      <a:round/>
-                      <a:headEnd type="none" w="med" len="med"/>
-                      <a:tailEnd type="none" w="med" len="med"/>
-                    </a:lnB>
-                    <a:noFill/>
-                  </a:tcPr>
-                </a:tc>
-                <a:tc>
-                  <a:txBody>
-                    <a:bodyPr/>
-                    <a:lstStyle/>
-                    <a:p>
-                      <a:pPr latinLnBrk="1"/>
-                      <a:endParaRPr lang="ko-KR" altLang="en-US" dirty="0"/>
-                    </a:p>
-                  </a:txBody>
-                  <a:tcPr>
-                    <a:lnL w="12700" cap="flat" cmpd="sng" algn="ctr">
-                      <a:solidFill>
-                        <a:schemeClr val="tx1"/>
-                      </a:solidFill>
-                      <a:prstDash val="solid"/>
-                      <a:round/>
-                      <a:headEnd type="none" w="med" len="med"/>
-                      <a:tailEnd type="none" w="med" len="med"/>
-                    </a:lnL>
-                    <a:lnR w="12700" cap="flat" cmpd="sng" algn="ctr">
-                      <a:solidFill>
-                        <a:schemeClr val="tx1"/>
-                      </a:solidFill>
-                      <a:prstDash val="solid"/>
-                      <a:round/>
-                      <a:headEnd type="none" w="med" len="med"/>
-                      <a:tailEnd type="none" w="med" len="med"/>
-                    </a:lnR>
-                    <a:lnT w="12700" cap="flat" cmpd="sng" algn="ctr">
-                      <a:solidFill>
-                        <a:schemeClr val="tx1"/>
-                      </a:solidFill>
-                      <a:prstDash val="solid"/>
-                      <a:round/>
-                      <a:headEnd type="none" w="med" len="med"/>
-                      <a:tailEnd type="none" w="med" len="med"/>
-                    </a:lnT>
-                    <a:lnB w="12700" cap="flat" cmpd="sng" algn="ctr">
-                      <a:solidFill>
-                        <a:schemeClr val="tx1"/>
-                      </a:solidFill>
-                      <a:prstDash val="solid"/>
-                      <a:round/>
-                      <a:headEnd type="none" w="med" len="med"/>
-                      <a:tailEnd type="none" w="med" len="med"/>
-                    </a:lnB>
-                    <a:noFill/>
-                  </a:tcPr>
-                </a:tc>
-                <a:extLst>
-                  <a:ext uri="{0D108BD9-81ED-4DB2-BD59-A6C34878D82A}">
-                    <a16:rowId xmlns:a16="http://schemas.microsoft.com/office/drawing/2014/main" xmlns="" val="702070055"/>
-                  </a:ext>
-                </a:extLst>
-              </a:tr>
-              <a:tr h="511629">
-                <a:tc>
-                  <a:txBody>
-                    <a:bodyPr/>
-                    <a:lstStyle/>
-                    <a:p>
-                      <a:pPr marL="0" marR="0" lvl="0" indent="0" algn="l" defTabSz="914400" rtl="0" eaLnBrk="1" fontAlgn="auto" latinLnBrk="1" hangingPunct="1">
-                        <a:lnSpc>
-                          <a:spcPct val="100000"/>
-                        </a:lnSpc>
-                        <a:spcBef>
-                          <a:spcPts val="0"/>
-                        </a:spcBef>
-                        <a:spcAft>
-                          <a:spcPts val="0"/>
-                        </a:spcAft>
-                        <a:buClrTx/>
-                        <a:buSzTx/>
-                        <a:buFontTx/>
-                        <a:buNone/>
-                        <a:tabLst/>
-                        <a:defRPr/>
-                      </a:pPr>
-                      <a:r>
-                        <a:rPr lang="en-US" altLang="ko-KR" dirty="0"/>
-                        <a:t>…</a:t>
-                      </a:r>
-                      <a:endParaRPr lang="ko-KR" altLang="en-US" dirty="0"/>
-                    </a:p>
-                  </a:txBody>
-                  <a:tcPr>
-                    <a:lnL w="12700" cap="flat" cmpd="sng" algn="ctr">
-                      <a:solidFill>
-                        <a:schemeClr val="tx1"/>
-                      </a:solidFill>
-                      <a:prstDash val="solid"/>
-                      <a:round/>
-                      <a:headEnd type="none" w="med" len="med"/>
-                      <a:tailEnd type="none" w="med" len="med"/>
-                    </a:lnL>
-                    <a:lnR w="12700" cap="flat" cmpd="sng" algn="ctr">
-                      <a:solidFill>
-                        <a:schemeClr val="tx1"/>
-                      </a:solidFill>
-                      <a:prstDash val="solid"/>
-                      <a:round/>
-                      <a:headEnd type="none" w="med" len="med"/>
-                      <a:tailEnd type="none" w="med" len="med"/>
-                    </a:lnR>
-                    <a:lnT w="12700" cap="flat" cmpd="sng" algn="ctr">
-                      <a:solidFill>
-                        <a:schemeClr val="tx1"/>
-                      </a:solidFill>
-                      <a:prstDash val="solid"/>
-                      <a:round/>
-                      <a:headEnd type="none" w="med" len="med"/>
-                      <a:tailEnd type="none" w="med" len="med"/>
-                    </a:lnT>
-                    <a:lnB w="12700" cap="flat" cmpd="sng" algn="ctr">
-                      <a:solidFill>
-                        <a:schemeClr val="tx1"/>
-                      </a:solidFill>
-                      <a:prstDash val="solid"/>
-                      <a:round/>
-                      <a:headEnd type="none" w="med" len="med"/>
-                      <a:tailEnd type="none" w="med" len="med"/>
-                    </a:lnB>
-                    <a:noFill/>
-                  </a:tcPr>
-                </a:tc>
-                <a:tc>
-                  <a:txBody>
-                    <a:bodyPr/>
-                    <a:lstStyle/>
-                    <a:p>
-                      <a:pPr latinLnBrk="1"/>
-                      <a:endParaRPr lang="ko-KR" altLang="en-US" dirty="0"/>
-                    </a:p>
-                  </a:txBody>
-                  <a:tcPr>
-                    <a:lnL w="12700" cap="flat" cmpd="sng" algn="ctr">
-                      <a:solidFill>
-                        <a:schemeClr val="tx1"/>
-                      </a:solidFill>
-                      <a:prstDash val="solid"/>
-                      <a:round/>
-                      <a:headEnd type="none" w="med" len="med"/>
-                      <a:tailEnd type="none" w="med" len="med"/>
-                    </a:lnL>
-                    <a:lnR w="12700" cap="flat" cmpd="sng" algn="ctr">
-                      <a:solidFill>
-                        <a:schemeClr val="tx1"/>
-                      </a:solidFill>
-                      <a:prstDash val="solid"/>
-                      <a:round/>
-                      <a:headEnd type="none" w="med" len="med"/>
-                      <a:tailEnd type="none" w="med" len="med"/>
-                    </a:lnR>
-                    <a:lnT w="12700" cap="flat" cmpd="sng" algn="ctr">
-                      <a:solidFill>
-                        <a:schemeClr val="tx1"/>
-                      </a:solidFill>
-                      <a:prstDash val="solid"/>
-                      <a:round/>
-                      <a:headEnd type="none" w="med" len="med"/>
-                      <a:tailEnd type="none" w="med" len="med"/>
-                    </a:lnT>
-                    <a:lnB w="12700" cap="flat" cmpd="sng" algn="ctr">
-                      <a:solidFill>
-                        <a:schemeClr val="tx1"/>
-                      </a:solidFill>
-                      <a:prstDash val="solid"/>
-                      <a:round/>
-                      <a:headEnd type="none" w="med" len="med"/>
-                      <a:tailEnd type="none" w="med" len="med"/>
-                    </a:lnB>
-                    <a:noFill/>
-                  </a:tcPr>
-                </a:tc>
-                <a:extLst>
-                  <a:ext uri="{0D108BD9-81ED-4DB2-BD59-A6C34878D82A}">
-                    <a16:rowId xmlns:a16="http://schemas.microsoft.com/office/drawing/2014/main" xmlns="" val="496493748"/>
-                  </a:ext>
-                </a:extLst>
-              </a:tr>
-              <a:tr h="511629">
-                <a:tc>
-                  <a:txBody>
-                    <a:bodyPr/>
-                    <a:lstStyle/>
-                    <a:p>
-                      <a:pPr marL="0" marR="0" lvl="0" indent="0" algn="l" defTabSz="914400" rtl="0" eaLnBrk="1" fontAlgn="auto" latinLnBrk="1" hangingPunct="1">
-                        <a:lnSpc>
-                          <a:spcPct val="100000"/>
-                        </a:lnSpc>
-                        <a:spcBef>
-                          <a:spcPts val="0"/>
-                        </a:spcBef>
-                        <a:spcAft>
-                          <a:spcPts val="0"/>
-                        </a:spcAft>
-                        <a:buClrTx/>
-                        <a:buSzTx/>
-                        <a:buFontTx/>
-                        <a:buNone/>
-                        <a:tabLst/>
-                        <a:defRPr/>
-                      </a:pPr>
-                      <a:r>
-                        <a:rPr lang="en-US" altLang="ko-KR" dirty="0"/>
-                        <a:t>…</a:t>
-                      </a:r>
-                      <a:endParaRPr lang="ko-KR" altLang="en-US" dirty="0"/>
-                    </a:p>
-                  </a:txBody>
-                  <a:tcPr>
-                    <a:lnL w="12700" cap="flat" cmpd="sng" algn="ctr">
-                      <a:solidFill>
-                        <a:schemeClr val="tx1"/>
-                      </a:solidFill>
-                      <a:prstDash val="solid"/>
-                      <a:round/>
-                      <a:headEnd type="none" w="med" len="med"/>
-                      <a:tailEnd type="none" w="med" len="med"/>
-                    </a:lnL>
-                    <a:lnR w="12700" cap="flat" cmpd="sng" algn="ctr">
-                      <a:solidFill>
-                        <a:schemeClr val="tx1"/>
-                      </a:solidFill>
-                      <a:prstDash val="solid"/>
-                      <a:round/>
-                      <a:headEnd type="none" w="med" len="med"/>
-                      <a:tailEnd type="none" w="med" len="med"/>
-                    </a:lnR>
-                    <a:lnT w="12700" cap="flat" cmpd="sng" algn="ctr">
-                      <a:solidFill>
-                        <a:schemeClr val="tx1"/>
-                      </a:solidFill>
-                      <a:prstDash val="solid"/>
-                      <a:round/>
-                      <a:headEnd type="none" w="med" len="med"/>
-                      <a:tailEnd type="none" w="med" len="med"/>
-                    </a:lnT>
-                    <a:lnB w="12700" cap="flat" cmpd="sng" algn="ctr">
-                      <a:solidFill>
-                        <a:schemeClr val="tx1"/>
-                      </a:solidFill>
-                      <a:prstDash val="solid"/>
-                      <a:round/>
-                      <a:headEnd type="none" w="med" len="med"/>
-                      <a:tailEnd type="none" w="med" len="med"/>
-                    </a:lnB>
-                    <a:noFill/>
-                  </a:tcPr>
-                </a:tc>
-                <a:tc>
-                  <a:txBody>
-                    <a:bodyPr/>
-                    <a:lstStyle/>
-                    <a:p>
-                      <a:pPr latinLnBrk="1"/>
-                      <a:endParaRPr lang="ko-KR" altLang="en-US" dirty="0"/>
-                    </a:p>
-                  </a:txBody>
-                  <a:tcPr>
-                    <a:lnL w="12700" cap="flat" cmpd="sng" algn="ctr">
-                      <a:solidFill>
-                        <a:schemeClr val="tx1"/>
-                      </a:solidFill>
-                      <a:prstDash val="solid"/>
-                      <a:round/>
-                      <a:headEnd type="none" w="med" len="med"/>
-                      <a:tailEnd type="none" w="med" len="med"/>
-                    </a:lnL>
-                    <a:lnR w="12700" cap="flat" cmpd="sng" algn="ctr">
-                      <a:solidFill>
-                        <a:schemeClr val="tx1"/>
-                      </a:solidFill>
-                      <a:prstDash val="solid"/>
-                      <a:round/>
-                      <a:headEnd type="none" w="med" len="med"/>
-                      <a:tailEnd type="none" w="med" len="med"/>
-                    </a:lnR>
-                    <a:lnT w="12700" cap="flat" cmpd="sng" algn="ctr">
-                      <a:solidFill>
-                        <a:schemeClr val="tx1"/>
-                      </a:solidFill>
-                      <a:prstDash val="solid"/>
-                      <a:round/>
-                      <a:headEnd type="none" w="med" len="med"/>
-                      <a:tailEnd type="none" w="med" len="med"/>
-                    </a:lnT>
-                    <a:lnB w="12700" cap="flat" cmpd="sng" algn="ctr">
-                      <a:solidFill>
-                        <a:schemeClr val="tx1"/>
-                      </a:solidFill>
-                      <a:prstDash val="solid"/>
-                      <a:round/>
-                      <a:headEnd type="none" w="med" len="med"/>
-                      <a:tailEnd type="none" w="med" len="med"/>
-                    </a:lnB>
-                    <a:noFill/>
-                  </a:tcPr>
-                </a:tc>
-                <a:extLst>
-                  <a:ext uri="{0D108BD9-81ED-4DB2-BD59-A6C34878D82A}">
-                    <a16:rowId xmlns:a16="http://schemas.microsoft.com/office/drawing/2014/main" xmlns="" val="3240652297"/>
-                  </a:ext>
-                </a:extLst>
-              </a:tr>
-              <a:tr h="511629">
-                <a:tc>
-                  <a:txBody>
-                    <a:bodyPr/>
-                    <a:lstStyle/>
-                    <a:p>
-                      <a:pPr marL="0" marR="0" lvl="0" indent="0" algn="l" defTabSz="914400" rtl="0" eaLnBrk="1" fontAlgn="auto" latinLnBrk="1" hangingPunct="1">
-                        <a:lnSpc>
-                          <a:spcPct val="100000"/>
-                        </a:lnSpc>
-                        <a:spcBef>
-                          <a:spcPts val="0"/>
-                        </a:spcBef>
-                        <a:spcAft>
-                          <a:spcPts val="0"/>
-                        </a:spcAft>
-                        <a:buClrTx/>
-                        <a:buSzTx/>
-                        <a:buFontTx/>
-                        <a:buNone/>
-                        <a:tabLst/>
-                        <a:defRPr/>
-                      </a:pPr>
-                      <a:r>
-                        <a:rPr lang="en-US" altLang="ko-KR" dirty="0"/>
-                        <a:t>…</a:t>
-                      </a:r>
-                      <a:endParaRPr lang="ko-KR" altLang="en-US" dirty="0"/>
-                    </a:p>
-                  </a:txBody>
-                  <a:tcPr>
-                    <a:lnL w="12700" cap="flat" cmpd="sng" algn="ctr">
-                      <a:solidFill>
-                        <a:schemeClr val="tx1"/>
-                      </a:solidFill>
-                      <a:prstDash val="solid"/>
-                      <a:round/>
-                      <a:headEnd type="none" w="med" len="med"/>
-                      <a:tailEnd type="none" w="med" len="med"/>
-                    </a:lnL>
-                    <a:lnR w="12700" cap="flat" cmpd="sng" algn="ctr">
-                      <a:solidFill>
-                        <a:schemeClr val="tx1"/>
-                      </a:solidFill>
-                      <a:prstDash val="solid"/>
-                      <a:round/>
-                      <a:headEnd type="none" w="med" len="med"/>
-                      <a:tailEnd type="none" w="med" len="med"/>
-                    </a:lnR>
-                    <a:lnT w="12700" cap="flat" cmpd="sng" algn="ctr">
-                      <a:solidFill>
-                        <a:schemeClr val="tx1"/>
-                      </a:solidFill>
-                      <a:prstDash val="solid"/>
-                      <a:round/>
-                      <a:headEnd type="none" w="med" len="med"/>
-                      <a:tailEnd type="none" w="med" len="med"/>
-                    </a:lnT>
-                    <a:lnB w="12700" cap="flat" cmpd="sng" algn="ctr">
-                      <a:solidFill>
-                        <a:schemeClr val="tx1"/>
-                      </a:solidFill>
-                      <a:prstDash val="solid"/>
-                      <a:round/>
-                      <a:headEnd type="none" w="med" len="med"/>
-                      <a:tailEnd type="none" w="med" len="med"/>
-                    </a:lnB>
-                    <a:noFill/>
-                  </a:tcPr>
-                </a:tc>
-                <a:tc>
-                  <a:txBody>
-                    <a:bodyPr/>
-                    <a:lstStyle/>
-                    <a:p>
-                      <a:pPr latinLnBrk="1"/>
-                      <a:endParaRPr lang="ko-KR" altLang="en-US" dirty="0"/>
-                    </a:p>
-                  </a:txBody>
-                  <a:tcPr>
-                    <a:lnL w="12700" cap="flat" cmpd="sng" algn="ctr">
-                      <a:solidFill>
-                        <a:schemeClr val="tx1"/>
-                      </a:solidFill>
-                      <a:prstDash val="solid"/>
-                      <a:round/>
-                      <a:headEnd type="none" w="med" len="med"/>
-                      <a:tailEnd type="none" w="med" len="med"/>
-                    </a:lnL>
-                    <a:lnR w="12700" cap="flat" cmpd="sng" algn="ctr">
-                      <a:solidFill>
-                        <a:schemeClr val="tx1"/>
-                      </a:solidFill>
-                      <a:prstDash val="solid"/>
-                      <a:round/>
-                      <a:headEnd type="none" w="med" len="med"/>
-                      <a:tailEnd type="none" w="med" len="med"/>
-                    </a:lnR>
-                    <a:lnT w="12700" cap="flat" cmpd="sng" algn="ctr">
-                      <a:solidFill>
-                        <a:schemeClr val="tx1"/>
-                      </a:solidFill>
-                      <a:prstDash val="solid"/>
-                      <a:round/>
-                      <a:headEnd type="none" w="med" len="med"/>
-                      <a:tailEnd type="none" w="med" len="med"/>
-                    </a:lnT>
-                    <a:lnB w="12700" cap="flat" cmpd="sng" algn="ctr">
-                      <a:solidFill>
-                        <a:schemeClr val="tx1"/>
-                      </a:solidFill>
-                      <a:prstDash val="solid"/>
-                      <a:round/>
-                      <a:headEnd type="none" w="med" len="med"/>
-                      <a:tailEnd type="none" w="med" len="med"/>
-                    </a:lnB>
-                    <a:noFill/>
-                  </a:tcPr>
-                </a:tc>
-                <a:extLst>
-                  <a:ext uri="{0D108BD9-81ED-4DB2-BD59-A6C34878D82A}">
-                    <a16:rowId xmlns:a16="http://schemas.microsoft.com/office/drawing/2014/main" xmlns="" val="2637422434"/>
-                  </a:ext>
-                </a:extLst>
-              </a:tr>
-              <a:tr h="511629">
-                <a:tc>
-                  <a:txBody>
-                    <a:bodyPr/>
-                    <a:lstStyle/>
-                    <a:p>
-                      <a:pPr marL="0" marR="0" lvl="0" indent="0" algn="l" defTabSz="914400" rtl="0" eaLnBrk="1" fontAlgn="auto" latinLnBrk="1" hangingPunct="1">
-                        <a:lnSpc>
-                          <a:spcPct val="100000"/>
-                        </a:lnSpc>
-                        <a:spcBef>
-                          <a:spcPts val="0"/>
-                        </a:spcBef>
-                        <a:spcAft>
-                          <a:spcPts val="0"/>
-                        </a:spcAft>
-                        <a:buClrTx/>
-                        <a:buSzTx/>
-                        <a:buFontTx/>
-                        <a:buNone/>
-                        <a:tabLst/>
-                        <a:defRPr/>
-                      </a:pPr>
-                      <a:r>
-                        <a:rPr lang="en-US" altLang="ko-KR" dirty="0"/>
-                        <a:t>…</a:t>
-                      </a:r>
-                      <a:endParaRPr lang="ko-KR" altLang="en-US" dirty="0"/>
-                    </a:p>
-                  </a:txBody>
-                  <a:tcPr>
-                    <a:lnL w="12700" cap="flat" cmpd="sng" algn="ctr">
-                      <a:solidFill>
-                        <a:schemeClr val="tx1"/>
-                      </a:solidFill>
-                      <a:prstDash val="solid"/>
-                      <a:round/>
-                      <a:headEnd type="none" w="med" len="med"/>
-                      <a:tailEnd type="none" w="med" len="med"/>
-                    </a:lnL>
-                    <a:lnR w="12700" cap="flat" cmpd="sng" algn="ctr">
-                      <a:solidFill>
-                        <a:schemeClr val="tx1"/>
-                      </a:solidFill>
-                      <a:prstDash val="solid"/>
-                      <a:round/>
-                      <a:headEnd type="none" w="med" len="med"/>
-                      <a:tailEnd type="none" w="med" len="med"/>
-                    </a:lnR>
-                    <a:lnT w="12700" cap="flat" cmpd="sng" algn="ctr">
-                      <a:solidFill>
-                        <a:schemeClr val="tx1"/>
-                      </a:solidFill>
-                      <a:prstDash val="solid"/>
-                      <a:round/>
-                      <a:headEnd type="none" w="med" len="med"/>
-                      <a:tailEnd type="none" w="med" len="med"/>
-                    </a:lnT>
-                    <a:lnB w="12700" cap="flat" cmpd="sng" algn="ctr">
-                      <a:solidFill>
-                        <a:schemeClr val="tx1"/>
-                      </a:solidFill>
-                      <a:prstDash val="solid"/>
-                      <a:round/>
-                      <a:headEnd type="none" w="med" len="med"/>
-                      <a:tailEnd type="none" w="med" len="med"/>
-                    </a:lnB>
-                    <a:noFill/>
-                  </a:tcPr>
-                </a:tc>
-                <a:tc>
-                  <a:txBody>
-                    <a:bodyPr/>
-                    <a:lstStyle/>
-                    <a:p>
-                      <a:pPr latinLnBrk="1"/>
-                      <a:endParaRPr lang="ko-KR" altLang="en-US" dirty="0"/>
-                    </a:p>
-                  </a:txBody>
-                  <a:tcPr>
-                    <a:lnL w="12700" cap="flat" cmpd="sng" algn="ctr">
-                      <a:solidFill>
-                        <a:schemeClr val="tx1"/>
-                      </a:solidFill>
-                      <a:prstDash val="solid"/>
-                      <a:round/>
-                      <a:headEnd type="none" w="med" len="med"/>
-                      <a:tailEnd type="none" w="med" len="med"/>
-                    </a:lnL>
-                    <a:lnR w="12700" cap="flat" cmpd="sng" algn="ctr">
-                      <a:solidFill>
-                        <a:schemeClr val="tx1"/>
-                      </a:solidFill>
-                      <a:prstDash val="solid"/>
-                      <a:round/>
-                      <a:headEnd type="none" w="med" len="med"/>
-                      <a:tailEnd type="none" w="med" len="med"/>
-                    </a:lnR>
-                    <a:lnT w="12700" cap="flat" cmpd="sng" algn="ctr">
-                      <a:solidFill>
-                        <a:schemeClr val="tx1"/>
-                      </a:solidFill>
-                      <a:prstDash val="solid"/>
-                      <a:round/>
-                      <a:headEnd type="none" w="med" len="med"/>
-                      <a:tailEnd type="none" w="med" len="med"/>
-                    </a:lnT>
-                    <a:lnB w="12700" cap="flat" cmpd="sng" algn="ctr">
-                      <a:solidFill>
-                        <a:schemeClr val="tx1"/>
-                      </a:solidFill>
-                      <a:prstDash val="solid"/>
-                      <a:round/>
-                      <a:headEnd type="none" w="med" len="med"/>
-                      <a:tailEnd type="none" w="med" len="med"/>
-                    </a:lnB>
-                    <a:noFill/>
-                  </a:tcPr>
-                </a:tc>
-                <a:extLst>
-                  <a:ext uri="{0D108BD9-81ED-4DB2-BD59-A6C34878D82A}">
-                    <a16:rowId xmlns:a16="http://schemas.microsoft.com/office/drawing/2014/main" xmlns="" val="3987370490"/>
-                  </a:ext>
-                </a:extLst>
-              </a:tr>
-            </a:tbl>
-          </a:graphicData>
-        </a:graphic>
-      </p:graphicFrame>
       <p:grpSp>
         <p:nvGrpSpPr>
           <p:cNvPr id="16" name="그룹 1008">
             <a:extLst>
               <a:ext uri="{FF2B5EF4-FFF2-40B4-BE49-F238E27FC236}">
-                <a16:creationId xmlns:a16="http://schemas.microsoft.com/office/drawing/2014/main" xmlns="" id="{E395BDE3-2EDE-065D-70E8-56E348228ACF}"/>
+                <a16:creationId xmlns="" xmlns:a16="http://schemas.microsoft.com/office/drawing/2014/main" id="{E395BDE3-2EDE-065D-70E8-56E348228ACF}"/>
               </a:ext>
             </a:extLst>
           </p:cNvPr>
@@ -5948,7 +3346,7 @@
             <p:cNvPr id="17" name="그룹 1009">
               <a:extLst>
                 <a:ext uri="{FF2B5EF4-FFF2-40B4-BE49-F238E27FC236}">
-                  <a16:creationId xmlns:a16="http://schemas.microsoft.com/office/drawing/2014/main" xmlns="" id="{852F4DEB-DB33-DB3F-9E9F-52A46CD0B10A}"/>
+                  <a16:creationId xmlns="" xmlns:a16="http://schemas.microsoft.com/office/drawing/2014/main" id="{852F4DEB-DB33-DB3F-9E9F-52A46CD0B10A}"/>
                 </a:ext>
               </a:extLst>
             </p:cNvPr>
@@ -5968,7 +3366,7 @@
               <p:cNvPr id="22" name="Object 29">
                 <a:extLst>
                   <a:ext uri="{FF2B5EF4-FFF2-40B4-BE49-F238E27FC236}">
-                    <a16:creationId xmlns:a16="http://schemas.microsoft.com/office/drawing/2014/main" xmlns="" id="{7E353D3B-14D4-8A64-5888-3F0C062C2CDD}"/>
+                    <a16:creationId xmlns="" xmlns:a16="http://schemas.microsoft.com/office/drawing/2014/main" id="{7E353D3B-14D4-8A64-5888-3F0C062C2CDD}"/>
                   </a:ext>
                 </a:extLst>
               </p:cNvPr>
@@ -5999,7 +3397,7 @@
             <p:cNvPr id="18" name="그룹 1010">
               <a:extLst>
                 <a:ext uri="{FF2B5EF4-FFF2-40B4-BE49-F238E27FC236}">
-                  <a16:creationId xmlns:a16="http://schemas.microsoft.com/office/drawing/2014/main" xmlns="" id="{001E38AB-1390-ABD0-BE01-9727136FEAEE}"/>
+                  <a16:creationId xmlns="" xmlns:a16="http://schemas.microsoft.com/office/drawing/2014/main" id="{001E38AB-1390-ABD0-BE01-9727136FEAEE}"/>
                 </a:ext>
               </a:extLst>
             </p:cNvPr>
@@ -6019,7 +3417,7 @@
               <p:cNvPr id="21" name="Object 32">
                 <a:extLst>
                   <a:ext uri="{FF2B5EF4-FFF2-40B4-BE49-F238E27FC236}">
-                    <a16:creationId xmlns:a16="http://schemas.microsoft.com/office/drawing/2014/main" xmlns="" id="{2ED1C30F-0D0B-F86C-8215-2598D332B5A3}"/>
+                    <a16:creationId xmlns="" xmlns:a16="http://schemas.microsoft.com/office/drawing/2014/main" id="{2ED1C30F-0D0B-F86C-8215-2598D332B5A3}"/>
                   </a:ext>
                 </a:extLst>
               </p:cNvPr>
@@ -6050,7 +3448,7 @@
             <p:cNvPr id="19" name="그룹 1011">
               <a:extLst>
                 <a:ext uri="{FF2B5EF4-FFF2-40B4-BE49-F238E27FC236}">
-                  <a16:creationId xmlns:a16="http://schemas.microsoft.com/office/drawing/2014/main" xmlns="" id="{1BCB8DE5-ABAF-4198-BC16-85BB76F2DB24}"/>
+                  <a16:creationId xmlns="" xmlns:a16="http://schemas.microsoft.com/office/drawing/2014/main" id="{1BCB8DE5-ABAF-4198-BC16-85BB76F2DB24}"/>
                 </a:ext>
               </a:extLst>
             </p:cNvPr>
@@ -6070,7 +3468,7 @@
               <p:cNvPr id="20" name="Object 35">
                 <a:extLst>
                   <a:ext uri="{FF2B5EF4-FFF2-40B4-BE49-F238E27FC236}">
-                    <a16:creationId xmlns:a16="http://schemas.microsoft.com/office/drawing/2014/main" xmlns="" id="{86E7BA23-0A1E-B581-CADC-06AB269DB2BD}"/>
+                    <a16:creationId xmlns="" xmlns:a16="http://schemas.microsoft.com/office/drawing/2014/main" id="{86E7BA23-0A1E-B581-CADC-06AB269DB2BD}"/>
                   </a:ext>
                 </a:extLst>
               </p:cNvPr>
@@ -6102,7 +3500,7 @@
           <p:cNvPr id="23" name="TextBox 22">
             <a:extLst>
               <a:ext uri="{FF2B5EF4-FFF2-40B4-BE49-F238E27FC236}">
-                <a16:creationId xmlns:a16="http://schemas.microsoft.com/office/drawing/2014/main" xmlns="" id="{7229BEA6-121E-9056-D07F-2B3BB1795F76}"/>
+                <a16:creationId xmlns="" xmlns:a16="http://schemas.microsoft.com/office/drawing/2014/main" id="{7229BEA6-121E-9056-D07F-2B3BB1795F76}"/>
               </a:ext>
             </a:extLst>
           </p:cNvPr>
@@ -6150,7 +3548,7 @@
           <p:cNvPr id="24" name="TextBox 23">
             <a:extLst>
               <a:ext uri="{FF2B5EF4-FFF2-40B4-BE49-F238E27FC236}">
-                <a16:creationId xmlns:a16="http://schemas.microsoft.com/office/drawing/2014/main" xmlns="" id="{5ADC00B6-990A-40DC-3CEA-505258F5E8DA}"/>
+                <a16:creationId xmlns="" xmlns:a16="http://schemas.microsoft.com/office/drawing/2014/main" id="{5ADC00B6-990A-40DC-3CEA-505258F5E8DA}"/>
               </a:ext>
             </a:extLst>
           </p:cNvPr>
@@ -6208,7 +3606,7 @@
           <p:cNvPr id="3" name="TextBox 2">
             <a:extLst>
               <a:ext uri="{FF2B5EF4-FFF2-40B4-BE49-F238E27FC236}">
-                <a16:creationId xmlns:a16="http://schemas.microsoft.com/office/drawing/2014/main" xmlns="" id="{C6D113C6-EA5C-788F-0C77-E7CE6EBB865F}"/>
+                <a16:creationId xmlns="" xmlns:a16="http://schemas.microsoft.com/office/drawing/2014/main" id="{C6D113C6-EA5C-788F-0C77-E7CE6EBB865F}"/>
               </a:ext>
             </a:extLst>
           </p:cNvPr>
@@ -6266,7 +3664,7 @@
           <p:cNvPr id="12" name="그룹 1008">
             <a:extLst>
               <a:ext uri="{FF2B5EF4-FFF2-40B4-BE49-F238E27FC236}">
-                <a16:creationId xmlns:a16="http://schemas.microsoft.com/office/drawing/2014/main" xmlns="" id="{678F6342-C505-E8AD-ADA4-022CB2C2088E}"/>
+                <a16:creationId xmlns="" xmlns:a16="http://schemas.microsoft.com/office/drawing/2014/main" id="{678F6342-C505-E8AD-ADA4-022CB2C2088E}"/>
               </a:ext>
             </a:extLst>
           </p:cNvPr>
@@ -6286,7 +3684,7 @@
             <p:cNvPr id="13" name="그룹 1009">
               <a:extLst>
                 <a:ext uri="{FF2B5EF4-FFF2-40B4-BE49-F238E27FC236}">
-                  <a16:creationId xmlns:a16="http://schemas.microsoft.com/office/drawing/2014/main" xmlns="" id="{4E1F1FED-812B-9BBB-925A-84B54A077414}"/>
+                  <a16:creationId xmlns="" xmlns:a16="http://schemas.microsoft.com/office/drawing/2014/main" id="{4E1F1FED-812B-9BBB-925A-84B54A077414}"/>
                 </a:ext>
               </a:extLst>
             </p:cNvPr>
@@ -6306,7 +3704,7 @@
               <p:cNvPr id="29" name="Object 29">
                 <a:extLst>
                   <a:ext uri="{FF2B5EF4-FFF2-40B4-BE49-F238E27FC236}">
-                    <a16:creationId xmlns:a16="http://schemas.microsoft.com/office/drawing/2014/main" xmlns="" id="{7B078609-4286-7B00-51EB-809C8E2DE289}"/>
+                    <a16:creationId xmlns="" xmlns:a16="http://schemas.microsoft.com/office/drawing/2014/main" id="{7B078609-4286-7B00-51EB-809C8E2DE289}"/>
                   </a:ext>
                 </a:extLst>
               </p:cNvPr>
@@ -6337,7 +3735,7 @@
             <p:cNvPr id="25" name="그룹 1010">
               <a:extLst>
                 <a:ext uri="{FF2B5EF4-FFF2-40B4-BE49-F238E27FC236}">
-                  <a16:creationId xmlns:a16="http://schemas.microsoft.com/office/drawing/2014/main" xmlns="" id="{02A649BF-B5B5-FBAF-7DFD-E118A4DF8907}"/>
+                  <a16:creationId xmlns="" xmlns:a16="http://schemas.microsoft.com/office/drawing/2014/main" id="{02A649BF-B5B5-FBAF-7DFD-E118A4DF8907}"/>
                 </a:ext>
               </a:extLst>
             </p:cNvPr>
@@ -6357,7 +3755,7 @@
               <p:cNvPr id="28" name="Object 32">
                 <a:extLst>
                   <a:ext uri="{FF2B5EF4-FFF2-40B4-BE49-F238E27FC236}">
-                    <a16:creationId xmlns:a16="http://schemas.microsoft.com/office/drawing/2014/main" xmlns="" id="{2A0FFF23-B3C9-3EA0-1C1B-A87D4FF098AE}"/>
+                    <a16:creationId xmlns="" xmlns:a16="http://schemas.microsoft.com/office/drawing/2014/main" id="{2A0FFF23-B3C9-3EA0-1C1B-A87D4FF098AE}"/>
                   </a:ext>
                 </a:extLst>
               </p:cNvPr>
@@ -6388,7 +3786,7 @@
             <p:cNvPr id="26" name="그룹 1011">
               <a:extLst>
                 <a:ext uri="{FF2B5EF4-FFF2-40B4-BE49-F238E27FC236}">
-                  <a16:creationId xmlns:a16="http://schemas.microsoft.com/office/drawing/2014/main" xmlns="" id="{881F5410-F7FB-F261-A584-707359BAC593}"/>
+                  <a16:creationId xmlns="" xmlns:a16="http://schemas.microsoft.com/office/drawing/2014/main" id="{881F5410-F7FB-F261-A584-707359BAC593}"/>
                 </a:ext>
               </a:extLst>
             </p:cNvPr>
@@ -6408,7 +3806,7 @@
               <p:cNvPr id="27" name="Object 35">
                 <a:extLst>
                   <a:ext uri="{FF2B5EF4-FFF2-40B4-BE49-F238E27FC236}">
-                    <a16:creationId xmlns:a16="http://schemas.microsoft.com/office/drawing/2014/main" xmlns="" id="{4E99E669-73EB-F9F4-EFE8-DC107035C265}"/>
+                    <a16:creationId xmlns="" xmlns:a16="http://schemas.microsoft.com/office/drawing/2014/main" id="{4E99E669-73EB-F9F4-EFE8-DC107035C265}"/>
                   </a:ext>
                 </a:extLst>
               </p:cNvPr>
@@ -6440,7 +3838,7 @@
           <p:cNvPr id="33" name="직선 연결선 32">
             <a:extLst>
               <a:ext uri="{FF2B5EF4-FFF2-40B4-BE49-F238E27FC236}">
-                <a16:creationId xmlns:a16="http://schemas.microsoft.com/office/drawing/2014/main" xmlns="" id="{6A1A37E4-F933-DE44-2EEA-F3A5BBF35584}"/>
+                <a16:creationId xmlns="" xmlns:a16="http://schemas.microsoft.com/office/drawing/2014/main" id="{6A1A37E4-F933-DE44-2EEA-F3A5BBF35584}"/>
               </a:ext>
             </a:extLst>
           </p:cNvPr>
@@ -6484,7 +3882,7 @@
         </p:nvSpPr>
         <p:spPr>
           <a:xfrm>
-            <a:off x="7155743" y="7131678"/>
+            <a:off x="6897577" y="4334167"/>
             <a:ext cx="2057400" cy="1698846"/>
           </a:xfrm>
           <a:prstGeom prst="mathMultiply">
@@ -6531,7 +3929,7 @@
           <p:cNvPr id="35" name="그룹 1018">
             <a:extLst>
               <a:ext uri="{FF2B5EF4-FFF2-40B4-BE49-F238E27FC236}">
-                <a16:creationId xmlns:a16="http://schemas.microsoft.com/office/drawing/2014/main" xmlns="" id="{0804D430-F42E-AE32-A065-FFA8C471F092}"/>
+                <a16:creationId xmlns="" xmlns:a16="http://schemas.microsoft.com/office/drawing/2014/main" id="{0804D430-F42E-AE32-A065-FFA8C471F092}"/>
               </a:ext>
             </a:extLst>
           </p:cNvPr>
@@ -6551,7 +3949,7 @@
             <p:cNvPr id="36" name="Object 61">
               <a:extLst>
                 <a:ext uri="{FF2B5EF4-FFF2-40B4-BE49-F238E27FC236}">
-                  <a16:creationId xmlns:a16="http://schemas.microsoft.com/office/drawing/2014/main" xmlns="" id="{334A4C3A-641C-7CD9-8FEE-5EC92B28D640}"/>
+                  <a16:creationId xmlns="" xmlns:a16="http://schemas.microsoft.com/office/drawing/2014/main" id="{334A4C3A-641C-7CD9-8FEE-5EC92B28D640}"/>
                 </a:ext>
               </a:extLst>
             </p:cNvPr>
@@ -6582,7 +3980,7 @@
           <p:cNvPr id="38" name="TextBox 37">
             <a:extLst>
               <a:ext uri="{FF2B5EF4-FFF2-40B4-BE49-F238E27FC236}">
-                <a16:creationId xmlns:a16="http://schemas.microsoft.com/office/drawing/2014/main" xmlns="" id="{A2AD056B-97A4-5BCC-4460-250160F3E171}"/>
+                <a16:creationId xmlns="" xmlns:a16="http://schemas.microsoft.com/office/drawing/2014/main" id="{A2AD056B-97A4-5BCC-4460-250160F3E171}"/>
               </a:ext>
             </a:extLst>
           </p:cNvPr>
@@ -6626,7 +4024,7 @@
           <p:cNvPr id="39" name="TextBox 38">
             <a:extLst>
               <a:ext uri="{FF2B5EF4-FFF2-40B4-BE49-F238E27FC236}">
-                <a16:creationId xmlns:a16="http://schemas.microsoft.com/office/drawing/2014/main" xmlns="" id="{52176D31-35F7-8916-46FA-6095EFEC1E49}"/>
+                <a16:creationId xmlns="" xmlns:a16="http://schemas.microsoft.com/office/drawing/2014/main" id="{52176D31-35F7-8916-46FA-6095EFEC1E49}"/>
               </a:ext>
             </a:extLst>
           </p:cNvPr>
@@ -6670,7 +4068,7 @@
           <p:cNvPr id="37" name="표 2">
             <a:extLst>
               <a:ext uri="{FF2B5EF4-FFF2-40B4-BE49-F238E27FC236}">
-                <a16:creationId xmlns:a16="http://schemas.microsoft.com/office/drawing/2014/main" xmlns="" id="{D2CC6F32-611A-E22D-EB8C-52D626A5B319}"/>
+                <a16:creationId xmlns="" xmlns:a16="http://schemas.microsoft.com/office/drawing/2014/main" id="{D2CC6F32-611A-E22D-EB8C-52D626A5B319}"/>
               </a:ext>
             </a:extLst>
           </p:cNvPr>
@@ -6680,13 +4078,13 @@
           <p:nvPr>
             <p:extLst>
               <p:ext uri="{D42A27DB-BD31-4B8C-83A1-F6EECF244321}">
-                <p14:modId xmlns:p14="http://schemas.microsoft.com/office/powerpoint/2010/main" val="1147342568"/>
+                <p14:modId xmlns:p14="http://schemas.microsoft.com/office/powerpoint/2010/main" val="3202298400"/>
               </p:ext>
             </p:extLst>
           </p:nvPr>
         </p:nvGraphicFramePr>
         <p:xfrm>
-          <a:off x="962537" y="5343554"/>
+          <a:off x="391909" y="4234693"/>
           <a:ext cx="6215744" cy="3596640"/>
         </p:xfrm>
         <a:graphic>
@@ -6699,21 +4097,21 @@
                 <a:gridCol w="1731833">
                   <a:extLst>
                     <a:ext uri="{9D8B030D-6E8A-4147-A177-3AD203B41FA5}">
-                      <a16:colId xmlns:a16="http://schemas.microsoft.com/office/drawing/2014/main" xmlns="" val="1960770391"/>
+                      <a16:colId xmlns="" xmlns:a16="http://schemas.microsoft.com/office/drawing/2014/main" val="1960770391"/>
                     </a:ext>
                   </a:extLst>
                 </a:gridCol>
                 <a:gridCol w="1752960">
                   <a:extLst>
                     <a:ext uri="{9D8B030D-6E8A-4147-A177-3AD203B41FA5}">
-                      <a16:colId xmlns:a16="http://schemas.microsoft.com/office/drawing/2014/main" xmlns="" val="733308553"/>
+                      <a16:colId xmlns="" xmlns:a16="http://schemas.microsoft.com/office/drawing/2014/main" val="733308553"/>
                     </a:ext>
                   </a:extLst>
                 </a:gridCol>
                 <a:gridCol w="2730951">
                   <a:extLst>
                     <a:ext uri="{9D8B030D-6E8A-4147-A177-3AD203B41FA5}">
-                      <a16:colId xmlns:a16="http://schemas.microsoft.com/office/drawing/2014/main" xmlns="" val="1661322813"/>
+                      <a16:colId xmlns="" xmlns:a16="http://schemas.microsoft.com/office/drawing/2014/main" val="1661322813"/>
                     </a:ext>
                   </a:extLst>
                 </a:gridCol>
@@ -6901,7 +4299,7 @@
                 </a:tc>
                 <a:extLst>
                   <a:ext uri="{0D108BD9-81ED-4DB2-BD59-A6C34878D82A}">
-                    <a16:rowId xmlns:a16="http://schemas.microsoft.com/office/drawing/2014/main" xmlns="" val="2452905565"/>
+                    <a16:rowId xmlns="" xmlns:a16="http://schemas.microsoft.com/office/drawing/2014/main" val="2452905565"/>
                   </a:ext>
                 </a:extLst>
               </a:tr>
@@ -7105,7 +4503,7 @@
                 </a:tc>
                 <a:extLst>
                   <a:ext uri="{0D108BD9-81ED-4DB2-BD59-A6C34878D82A}">
-                    <a16:rowId xmlns:a16="http://schemas.microsoft.com/office/drawing/2014/main" xmlns="" val="3551452526"/>
+                    <a16:rowId xmlns="" xmlns:a16="http://schemas.microsoft.com/office/drawing/2014/main" val="3551452526"/>
                   </a:ext>
                 </a:extLst>
               </a:tr>
@@ -7280,7 +4678,7 @@
                 </a:tc>
                 <a:extLst>
                   <a:ext uri="{0D108BD9-81ED-4DB2-BD59-A6C34878D82A}">
-                    <a16:rowId xmlns:a16="http://schemas.microsoft.com/office/drawing/2014/main" xmlns="" val="3645064171"/>
+                    <a16:rowId xmlns="" xmlns:a16="http://schemas.microsoft.com/office/drawing/2014/main" val="3645064171"/>
                   </a:ext>
                 </a:extLst>
               </a:tr>
@@ -7455,7 +4853,7 @@
                 </a:tc>
                 <a:extLst>
                   <a:ext uri="{0D108BD9-81ED-4DB2-BD59-A6C34878D82A}">
-                    <a16:rowId xmlns:a16="http://schemas.microsoft.com/office/drawing/2014/main" xmlns="" val="2802120283"/>
+                    <a16:rowId xmlns="" xmlns:a16="http://schemas.microsoft.com/office/drawing/2014/main" val="2802120283"/>
                   </a:ext>
                 </a:extLst>
               </a:tr>
@@ -7624,7 +5022,7 @@
                 </a:tc>
                 <a:extLst>
                   <a:ext uri="{0D108BD9-81ED-4DB2-BD59-A6C34878D82A}">
-                    <a16:rowId xmlns:a16="http://schemas.microsoft.com/office/drawing/2014/main" xmlns="" val="1362299918"/>
+                    <a16:rowId xmlns="" xmlns:a16="http://schemas.microsoft.com/office/drawing/2014/main" val="1362299918"/>
                   </a:ext>
                 </a:extLst>
               </a:tr>
@@ -7860,7 +5258,7 @@
                 </a:tc>
                 <a:extLst>
                   <a:ext uri="{0D108BD9-81ED-4DB2-BD59-A6C34878D82A}">
-                    <a16:rowId xmlns:a16="http://schemas.microsoft.com/office/drawing/2014/main" xmlns="" val="2488866604"/>
+                    <a16:rowId xmlns="" xmlns:a16="http://schemas.microsoft.com/office/drawing/2014/main" val="2488866604"/>
                   </a:ext>
                 </a:extLst>
               </a:tr>
@@ -8083,7 +5481,7 @@
                 </a:tc>
                 <a:extLst>
                   <a:ext uri="{0D108BD9-81ED-4DB2-BD59-A6C34878D82A}">
-                    <a16:rowId xmlns:a16="http://schemas.microsoft.com/office/drawing/2014/main" xmlns="" val="2632365449"/>
+                    <a16:rowId xmlns="" xmlns:a16="http://schemas.microsoft.com/office/drawing/2014/main" val="2632365449"/>
                   </a:ext>
                 </a:extLst>
               </a:tr>
@@ -8099,7 +5497,7 @@
         </p:nvGrpSpPr>
         <p:grpSpPr>
           <a:xfrm>
-            <a:off x="10144621" y="5388110"/>
+            <a:off x="7700194" y="6362700"/>
             <a:ext cx="2743201" cy="3428999"/>
             <a:chOff x="10820399" y="2095501"/>
             <a:chExt cx="4343400" cy="5248129"/>
@@ -8211,6 +5609,1788 @@
           </p:style>
         </p:cxnSp>
       </p:grpSp>
+      <p:graphicFrame>
+        <p:nvGraphicFramePr>
+          <p:cNvPr id="41" name="표 40"/>
+          <p:cNvGraphicFramePr>
+            <a:graphicFrameLocks noGrp="1"/>
+          </p:cNvGraphicFramePr>
+          <p:nvPr>
+            <p:extLst>
+              <p:ext uri="{D42A27DB-BD31-4B8C-83A1-F6EECF244321}">
+                <p14:modId xmlns:p14="http://schemas.microsoft.com/office/powerpoint/2010/main" val="39733716"/>
+              </p:ext>
+            </p:extLst>
+          </p:nvPr>
+        </p:nvGraphicFramePr>
+        <p:xfrm>
+          <a:off x="12790719" y="45082"/>
+          <a:ext cx="5410200" cy="7086596"/>
+        </p:xfrm>
+        <a:graphic>
+          <a:graphicData uri="http://schemas.openxmlformats.org/drawingml/2006/table">
+            <a:tbl>
+              <a:tblPr firstRow="1" bandRow="1">
+                <a:tableStyleId>{5C22544A-7EE6-4342-B048-85BDC9FD1C3A}</a:tableStyleId>
+              </a:tblPr>
+              <a:tblGrid>
+                <a:gridCol w="2688700"/>
+                <a:gridCol w="2721500"/>
+              </a:tblGrid>
+              <a:tr h="644236">
+                <a:tc>
+                  <a:txBody>
+                    <a:bodyPr/>
+                    <a:lstStyle/>
+                    <a:p>
+                      <a:pPr latinLnBrk="1"/>
+                      <a:r>
+                        <a:rPr lang="ko-KR" altLang="en-US" sz="2200" smtClean="0">
+                          <a:solidFill>
+                            <a:schemeClr val="bg1"/>
+                          </a:solidFill>
+                          <a:ea typeface="G마켓 산스 Medium" panose="02000000000000000000"/>
+                        </a:rPr>
+                        <a:t>객체주소</a:t>
+                      </a:r>
+                      <a:endParaRPr lang="ko-KR" altLang="en-US" sz="2200" dirty="0">
+                        <a:solidFill>
+                          <a:schemeClr val="bg1"/>
+                        </a:solidFill>
+                        <a:ea typeface="G마켓 산스 Medium" panose="02000000000000000000"/>
+                      </a:endParaRPr>
+                    </a:p>
+                  </a:txBody>
+                  <a:tcPr>
+                    <a:lnL w="12700" cap="flat" cmpd="sng" algn="ctr">
+                      <a:solidFill>
+                        <a:schemeClr val="tx1"/>
+                      </a:solidFill>
+                      <a:prstDash val="solid"/>
+                      <a:round/>
+                      <a:headEnd type="none" w="med" len="med"/>
+                      <a:tailEnd type="none" w="med" len="med"/>
+                    </a:lnL>
+                    <a:lnR w="12700" cap="flat" cmpd="sng" algn="ctr">
+                      <a:solidFill>
+                        <a:schemeClr val="tx1"/>
+                      </a:solidFill>
+                      <a:prstDash val="solid"/>
+                      <a:round/>
+                      <a:headEnd type="none" w="med" len="med"/>
+                      <a:tailEnd type="none" w="med" len="med"/>
+                    </a:lnR>
+                    <a:lnT w="12700" cap="flat" cmpd="sng" algn="ctr">
+                      <a:solidFill>
+                        <a:schemeClr val="tx1"/>
+                      </a:solidFill>
+                      <a:prstDash val="solid"/>
+                      <a:round/>
+                      <a:headEnd type="none" w="med" len="med"/>
+                      <a:tailEnd type="none" w="med" len="med"/>
+                    </a:lnT>
+                    <a:lnB w="12700" cap="flat" cmpd="sng" algn="ctr">
+                      <a:solidFill>
+                        <a:schemeClr val="tx1"/>
+                      </a:solidFill>
+                      <a:prstDash val="solid"/>
+                      <a:round/>
+                      <a:headEnd type="none" w="med" len="med"/>
+                      <a:tailEnd type="none" w="med" len="med"/>
+                    </a:lnB>
+                    <a:solidFill>
+                      <a:srgbClr val="4C50BC"/>
+                    </a:solidFill>
+                  </a:tcPr>
+                </a:tc>
+                <a:tc>
+                  <a:txBody>
+                    <a:bodyPr/>
+                    <a:lstStyle/>
+                    <a:p>
+                      <a:pPr latinLnBrk="1"/>
+                      <a:r>
+                        <a:rPr lang="ko-KR" altLang="en-US" sz="2200" smtClean="0">
+                          <a:solidFill>
+                            <a:schemeClr val="bg1"/>
+                          </a:solidFill>
+                          <a:ea typeface="G마켓 산스 Medium" panose="02000000000000000000"/>
+                        </a:rPr>
+                        <a:t>이름</a:t>
+                      </a:r>
+                      <a:endParaRPr lang="ko-KR" altLang="en-US" sz="2200" dirty="0">
+                        <a:solidFill>
+                          <a:schemeClr val="bg1"/>
+                        </a:solidFill>
+                        <a:ea typeface="G마켓 산스 Medium" panose="02000000000000000000"/>
+                      </a:endParaRPr>
+                    </a:p>
+                  </a:txBody>
+                  <a:tcPr>
+                    <a:lnL w="12700" cap="flat" cmpd="sng" algn="ctr">
+                      <a:solidFill>
+                        <a:schemeClr val="tx1"/>
+                      </a:solidFill>
+                      <a:prstDash val="solid"/>
+                      <a:round/>
+                      <a:headEnd type="none" w="med" len="med"/>
+                      <a:tailEnd type="none" w="med" len="med"/>
+                    </a:lnL>
+                    <a:lnR w="12700" cap="flat" cmpd="sng" algn="ctr">
+                      <a:solidFill>
+                        <a:schemeClr val="tx1"/>
+                      </a:solidFill>
+                      <a:prstDash val="solid"/>
+                      <a:round/>
+                      <a:headEnd type="none" w="med" len="med"/>
+                      <a:tailEnd type="none" w="med" len="med"/>
+                    </a:lnR>
+                    <a:lnT w="12700" cap="flat" cmpd="sng" algn="ctr">
+                      <a:solidFill>
+                        <a:schemeClr val="tx1"/>
+                      </a:solidFill>
+                      <a:prstDash val="solid"/>
+                      <a:round/>
+                      <a:headEnd type="none" w="med" len="med"/>
+                      <a:tailEnd type="none" w="med" len="med"/>
+                    </a:lnT>
+                    <a:lnB w="12700" cap="flat" cmpd="sng" algn="ctr">
+                      <a:solidFill>
+                        <a:schemeClr val="tx1"/>
+                      </a:solidFill>
+                      <a:prstDash val="solid"/>
+                      <a:round/>
+                      <a:headEnd type="none" w="med" len="med"/>
+                      <a:tailEnd type="none" w="med" len="med"/>
+                    </a:lnB>
+                    <a:solidFill>
+                      <a:srgbClr val="4C50BC"/>
+                    </a:solidFill>
+                  </a:tcPr>
+                </a:tc>
+              </a:tr>
+              <a:tr h="644236">
+                <a:tc>
+                  <a:txBody>
+                    <a:bodyPr/>
+                    <a:lstStyle/>
+                    <a:p>
+                      <a:pPr latinLnBrk="1"/>
+                      <a:endParaRPr lang="ko-KR" altLang="en-US" sz="2200" dirty="0">
+                        <a:ea typeface="G마켓 산스 Medium" panose="02000000000000000000"/>
+                      </a:endParaRPr>
+                    </a:p>
+                  </a:txBody>
+                  <a:tcPr>
+                    <a:lnL w="12700" cap="flat" cmpd="sng" algn="ctr">
+                      <a:solidFill>
+                        <a:schemeClr val="tx1"/>
+                      </a:solidFill>
+                      <a:prstDash val="solid"/>
+                      <a:round/>
+                      <a:headEnd type="none" w="med" len="med"/>
+                      <a:tailEnd type="none" w="med" len="med"/>
+                    </a:lnL>
+                    <a:lnR w="12700" cap="flat" cmpd="sng" algn="ctr">
+                      <a:solidFill>
+                        <a:schemeClr val="tx1"/>
+                      </a:solidFill>
+                      <a:prstDash val="solid"/>
+                      <a:round/>
+                      <a:headEnd type="none" w="med" len="med"/>
+                      <a:tailEnd type="none" w="med" len="med"/>
+                    </a:lnR>
+                    <a:lnT w="12700" cap="flat" cmpd="sng" algn="ctr">
+                      <a:solidFill>
+                        <a:schemeClr val="tx1"/>
+                      </a:solidFill>
+                      <a:prstDash val="solid"/>
+                      <a:round/>
+                      <a:headEnd type="none" w="med" len="med"/>
+                      <a:tailEnd type="none" w="med" len="med"/>
+                    </a:lnT>
+                    <a:lnB w="12700" cap="flat" cmpd="sng" algn="ctr">
+                      <a:solidFill>
+                        <a:schemeClr val="tx1"/>
+                      </a:solidFill>
+                      <a:prstDash val="solid"/>
+                      <a:round/>
+                      <a:headEnd type="none" w="med" len="med"/>
+                      <a:tailEnd type="none" w="med" len="med"/>
+                    </a:lnB>
+                    <a:noFill/>
+                  </a:tcPr>
+                </a:tc>
+                <a:tc>
+                  <a:txBody>
+                    <a:bodyPr/>
+                    <a:lstStyle/>
+                    <a:p>
+                      <a:pPr marL="0" marR="0" lvl="0" indent="0" algn="l" defTabSz="914400" rtl="0" eaLnBrk="1" fontAlgn="auto" latinLnBrk="1" hangingPunct="1">
+                        <a:lnSpc>
+                          <a:spcPct val="100000"/>
+                        </a:lnSpc>
+                        <a:spcBef>
+                          <a:spcPts val="0"/>
+                        </a:spcBef>
+                        <a:spcAft>
+                          <a:spcPts val="0"/>
+                        </a:spcAft>
+                        <a:buClrTx/>
+                        <a:buSzTx/>
+                        <a:buFontTx/>
+                        <a:buNone/>
+                        <a:tabLst/>
+                        <a:defRPr/>
+                      </a:pPr>
+                      <a:endParaRPr lang="ko-KR" altLang="en-US" sz="2200" dirty="0">
+                        <a:ea typeface="G마켓 산스 Medium" panose="02000000000000000000"/>
+                      </a:endParaRPr>
+                    </a:p>
+                  </a:txBody>
+                  <a:tcPr>
+                    <a:lnL w="12700" cap="flat" cmpd="sng" algn="ctr">
+                      <a:solidFill>
+                        <a:schemeClr val="tx1"/>
+                      </a:solidFill>
+                      <a:prstDash val="solid"/>
+                      <a:round/>
+                      <a:headEnd type="none" w="med" len="med"/>
+                      <a:tailEnd type="none" w="med" len="med"/>
+                    </a:lnL>
+                    <a:lnR w="12700" cap="flat" cmpd="sng" algn="ctr">
+                      <a:solidFill>
+                        <a:schemeClr val="tx1"/>
+                      </a:solidFill>
+                      <a:prstDash val="solid"/>
+                      <a:round/>
+                      <a:headEnd type="none" w="med" len="med"/>
+                      <a:tailEnd type="none" w="med" len="med"/>
+                    </a:lnR>
+                    <a:lnT w="12700" cap="flat" cmpd="sng" algn="ctr">
+                      <a:solidFill>
+                        <a:schemeClr val="tx1"/>
+                      </a:solidFill>
+                      <a:prstDash val="solid"/>
+                      <a:round/>
+                      <a:headEnd type="none" w="med" len="med"/>
+                      <a:tailEnd type="none" w="med" len="med"/>
+                    </a:lnT>
+                    <a:lnB w="12700" cap="flat" cmpd="sng" algn="ctr">
+                      <a:solidFill>
+                        <a:schemeClr val="tx1"/>
+                      </a:solidFill>
+                      <a:prstDash val="solid"/>
+                      <a:round/>
+                      <a:headEnd type="none" w="med" len="med"/>
+                      <a:tailEnd type="none" w="med" len="med"/>
+                    </a:lnB>
+                    <a:noFill/>
+                  </a:tcPr>
+                </a:tc>
+              </a:tr>
+              <a:tr h="644236">
+                <a:tc>
+                  <a:txBody>
+                    <a:bodyPr/>
+                    <a:lstStyle/>
+                    <a:p>
+                      <a:pPr latinLnBrk="1"/>
+                      <a:endParaRPr lang="ko-KR" altLang="en-US" sz="2200" dirty="0">
+                        <a:ea typeface="G마켓 산스 Medium" panose="02000000000000000000"/>
+                      </a:endParaRPr>
+                    </a:p>
+                  </a:txBody>
+                  <a:tcPr>
+                    <a:lnL w="12700" cap="flat" cmpd="sng" algn="ctr">
+                      <a:solidFill>
+                        <a:schemeClr val="tx1"/>
+                      </a:solidFill>
+                      <a:prstDash val="solid"/>
+                      <a:round/>
+                      <a:headEnd type="none" w="med" len="med"/>
+                      <a:tailEnd type="none" w="med" len="med"/>
+                    </a:lnL>
+                    <a:lnR w="12700" cap="flat" cmpd="sng" algn="ctr">
+                      <a:solidFill>
+                        <a:schemeClr val="tx1"/>
+                      </a:solidFill>
+                      <a:prstDash val="solid"/>
+                      <a:round/>
+                      <a:headEnd type="none" w="med" len="med"/>
+                      <a:tailEnd type="none" w="med" len="med"/>
+                    </a:lnR>
+                    <a:lnT w="12700" cap="flat" cmpd="sng" algn="ctr">
+                      <a:solidFill>
+                        <a:schemeClr val="tx1"/>
+                      </a:solidFill>
+                      <a:prstDash val="solid"/>
+                      <a:round/>
+                      <a:headEnd type="none" w="med" len="med"/>
+                      <a:tailEnd type="none" w="med" len="med"/>
+                    </a:lnT>
+                    <a:lnB w="12700" cap="flat" cmpd="sng" algn="ctr">
+                      <a:solidFill>
+                        <a:schemeClr val="tx1"/>
+                      </a:solidFill>
+                      <a:prstDash val="solid"/>
+                      <a:round/>
+                      <a:headEnd type="none" w="med" len="med"/>
+                      <a:tailEnd type="none" w="med" len="med"/>
+                    </a:lnB>
+                    <a:noFill/>
+                  </a:tcPr>
+                </a:tc>
+                <a:tc>
+                  <a:txBody>
+                    <a:bodyPr/>
+                    <a:lstStyle/>
+                    <a:p>
+                      <a:pPr marL="0" marR="0" lvl="0" indent="0" algn="l" defTabSz="914400" rtl="0" eaLnBrk="1" fontAlgn="auto" latinLnBrk="1" hangingPunct="1">
+                        <a:lnSpc>
+                          <a:spcPct val="100000"/>
+                        </a:lnSpc>
+                        <a:spcBef>
+                          <a:spcPts val="0"/>
+                        </a:spcBef>
+                        <a:spcAft>
+                          <a:spcPts val="0"/>
+                        </a:spcAft>
+                        <a:buClrTx/>
+                        <a:buSzTx/>
+                        <a:buFontTx/>
+                        <a:buNone/>
+                        <a:tabLst/>
+                        <a:defRPr/>
+                      </a:pPr>
+                      <a:endParaRPr lang="ko-KR" altLang="en-US" sz="2200" dirty="0">
+                        <a:ea typeface="G마켓 산스 Medium" panose="02000000000000000000"/>
+                      </a:endParaRPr>
+                    </a:p>
+                  </a:txBody>
+                  <a:tcPr>
+                    <a:lnL w="12700" cap="flat" cmpd="sng" algn="ctr">
+                      <a:solidFill>
+                        <a:schemeClr val="tx1"/>
+                      </a:solidFill>
+                      <a:prstDash val="solid"/>
+                      <a:round/>
+                      <a:headEnd type="none" w="med" len="med"/>
+                      <a:tailEnd type="none" w="med" len="med"/>
+                    </a:lnL>
+                    <a:lnR w="12700" cap="flat" cmpd="sng" algn="ctr">
+                      <a:solidFill>
+                        <a:schemeClr val="tx1"/>
+                      </a:solidFill>
+                      <a:prstDash val="solid"/>
+                      <a:round/>
+                      <a:headEnd type="none" w="med" len="med"/>
+                      <a:tailEnd type="none" w="med" len="med"/>
+                    </a:lnR>
+                    <a:lnT w="12700" cap="flat" cmpd="sng" algn="ctr">
+                      <a:solidFill>
+                        <a:schemeClr val="tx1"/>
+                      </a:solidFill>
+                      <a:prstDash val="solid"/>
+                      <a:round/>
+                      <a:headEnd type="none" w="med" len="med"/>
+                      <a:tailEnd type="none" w="med" len="med"/>
+                    </a:lnT>
+                    <a:lnB w="12700" cap="flat" cmpd="sng" algn="ctr">
+                      <a:solidFill>
+                        <a:schemeClr val="tx1"/>
+                      </a:solidFill>
+                      <a:prstDash val="solid"/>
+                      <a:round/>
+                      <a:headEnd type="none" w="med" len="med"/>
+                      <a:tailEnd type="none" w="med" len="med"/>
+                    </a:lnB>
+                    <a:noFill/>
+                  </a:tcPr>
+                </a:tc>
+              </a:tr>
+              <a:tr h="644236">
+                <a:tc>
+                  <a:txBody>
+                    <a:bodyPr/>
+                    <a:lstStyle/>
+                    <a:p>
+                      <a:pPr latinLnBrk="1"/>
+                      <a:endParaRPr lang="ko-KR" altLang="en-US" sz="2200" dirty="0">
+                        <a:ea typeface="G마켓 산스 Medium" panose="02000000000000000000"/>
+                      </a:endParaRPr>
+                    </a:p>
+                  </a:txBody>
+                  <a:tcPr>
+                    <a:lnL w="12700" cap="flat" cmpd="sng" algn="ctr">
+                      <a:solidFill>
+                        <a:schemeClr val="tx1"/>
+                      </a:solidFill>
+                      <a:prstDash val="solid"/>
+                      <a:round/>
+                      <a:headEnd type="none" w="med" len="med"/>
+                      <a:tailEnd type="none" w="med" len="med"/>
+                    </a:lnL>
+                    <a:lnR w="12700" cap="flat" cmpd="sng" algn="ctr">
+                      <a:solidFill>
+                        <a:schemeClr val="tx1"/>
+                      </a:solidFill>
+                      <a:prstDash val="solid"/>
+                      <a:round/>
+                      <a:headEnd type="none" w="med" len="med"/>
+                      <a:tailEnd type="none" w="med" len="med"/>
+                    </a:lnR>
+                    <a:lnT w="12700" cap="flat" cmpd="sng" algn="ctr">
+                      <a:solidFill>
+                        <a:schemeClr val="tx1"/>
+                      </a:solidFill>
+                      <a:prstDash val="solid"/>
+                      <a:round/>
+                      <a:headEnd type="none" w="med" len="med"/>
+                      <a:tailEnd type="none" w="med" len="med"/>
+                    </a:lnT>
+                    <a:lnB w="12700" cap="flat" cmpd="sng" algn="ctr">
+                      <a:solidFill>
+                        <a:schemeClr val="tx1"/>
+                      </a:solidFill>
+                      <a:prstDash val="solid"/>
+                      <a:round/>
+                      <a:headEnd type="none" w="med" len="med"/>
+                      <a:tailEnd type="none" w="med" len="med"/>
+                    </a:lnB>
+                    <a:noFill/>
+                  </a:tcPr>
+                </a:tc>
+                <a:tc>
+                  <a:txBody>
+                    <a:bodyPr/>
+                    <a:lstStyle/>
+                    <a:p>
+                      <a:pPr latinLnBrk="1"/>
+                      <a:endParaRPr lang="ko-KR" altLang="en-US" sz="2200" dirty="0">
+                        <a:ea typeface="G마켓 산스 Medium" panose="02000000000000000000"/>
+                      </a:endParaRPr>
+                    </a:p>
+                  </a:txBody>
+                  <a:tcPr>
+                    <a:lnL w="12700" cap="flat" cmpd="sng" algn="ctr">
+                      <a:solidFill>
+                        <a:schemeClr val="tx1"/>
+                      </a:solidFill>
+                      <a:prstDash val="solid"/>
+                      <a:round/>
+                      <a:headEnd type="none" w="med" len="med"/>
+                      <a:tailEnd type="none" w="med" len="med"/>
+                    </a:lnL>
+                    <a:lnR w="12700" cap="flat" cmpd="sng" algn="ctr">
+                      <a:solidFill>
+                        <a:schemeClr val="tx1"/>
+                      </a:solidFill>
+                      <a:prstDash val="solid"/>
+                      <a:round/>
+                      <a:headEnd type="none" w="med" len="med"/>
+                      <a:tailEnd type="none" w="med" len="med"/>
+                    </a:lnR>
+                    <a:lnT w="12700" cap="flat" cmpd="sng" algn="ctr">
+                      <a:solidFill>
+                        <a:schemeClr val="tx1"/>
+                      </a:solidFill>
+                      <a:prstDash val="solid"/>
+                      <a:round/>
+                      <a:headEnd type="none" w="med" len="med"/>
+                      <a:tailEnd type="none" w="med" len="med"/>
+                    </a:lnT>
+                    <a:lnB w="12700" cap="flat" cmpd="sng" algn="ctr">
+                      <a:solidFill>
+                        <a:schemeClr val="tx1"/>
+                      </a:solidFill>
+                      <a:prstDash val="solid"/>
+                      <a:round/>
+                      <a:headEnd type="none" w="med" len="med"/>
+                      <a:tailEnd type="none" w="med" len="med"/>
+                    </a:lnB>
+                    <a:noFill/>
+                  </a:tcPr>
+                </a:tc>
+              </a:tr>
+              <a:tr h="644236">
+                <a:tc>
+                  <a:txBody>
+                    <a:bodyPr/>
+                    <a:lstStyle/>
+                    <a:p>
+                      <a:pPr latinLnBrk="1"/>
+                      <a:endParaRPr lang="ko-KR" altLang="en-US" sz="2200" dirty="0">
+                        <a:ea typeface="G마켓 산스 Medium" panose="02000000000000000000"/>
+                      </a:endParaRPr>
+                    </a:p>
+                  </a:txBody>
+                  <a:tcPr>
+                    <a:lnL w="12700" cap="flat" cmpd="sng" algn="ctr">
+                      <a:solidFill>
+                        <a:schemeClr val="tx1"/>
+                      </a:solidFill>
+                      <a:prstDash val="solid"/>
+                      <a:round/>
+                      <a:headEnd type="none" w="med" len="med"/>
+                      <a:tailEnd type="none" w="med" len="med"/>
+                    </a:lnL>
+                    <a:lnR w="12700" cap="flat" cmpd="sng" algn="ctr">
+                      <a:solidFill>
+                        <a:schemeClr val="tx1"/>
+                      </a:solidFill>
+                      <a:prstDash val="solid"/>
+                      <a:round/>
+                      <a:headEnd type="none" w="med" len="med"/>
+                      <a:tailEnd type="none" w="med" len="med"/>
+                    </a:lnR>
+                    <a:lnT w="12700" cap="flat" cmpd="sng" algn="ctr">
+                      <a:solidFill>
+                        <a:schemeClr val="tx1"/>
+                      </a:solidFill>
+                      <a:prstDash val="solid"/>
+                      <a:round/>
+                      <a:headEnd type="none" w="med" len="med"/>
+                      <a:tailEnd type="none" w="med" len="med"/>
+                    </a:lnT>
+                    <a:lnB w="12700" cap="flat" cmpd="sng" algn="ctr">
+                      <a:solidFill>
+                        <a:schemeClr val="tx1"/>
+                      </a:solidFill>
+                      <a:prstDash val="solid"/>
+                      <a:round/>
+                      <a:headEnd type="none" w="med" len="med"/>
+                      <a:tailEnd type="none" w="med" len="med"/>
+                    </a:lnB>
+                    <a:noFill/>
+                  </a:tcPr>
+                </a:tc>
+                <a:tc>
+                  <a:txBody>
+                    <a:bodyPr/>
+                    <a:lstStyle/>
+                    <a:p>
+                      <a:pPr latinLnBrk="1"/>
+                      <a:endParaRPr lang="ko-KR" altLang="en-US" sz="2200" dirty="0">
+                        <a:ea typeface="G마켓 산스 Medium" panose="02000000000000000000"/>
+                      </a:endParaRPr>
+                    </a:p>
+                  </a:txBody>
+                  <a:tcPr>
+                    <a:lnL w="12700" cap="flat" cmpd="sng" algn="ctr">
+                      <a:solidFill>
+                        <a:schemeClr val="tx1"/>
+                      </a:solidFill>
+                      <a:prstDash val="solid"/>
+                      <a:round/>
+                      <a:headEnd type="none" w="med" len="med"/>
+                      <a:tailEnd type="none" w="med" len="med"/>
+                    </a:lnL>
+                    <a:lnR w="12700" cap="flat" cmpd="sng" algn="ctr">
+                      <a:solidFill>
+                        <a:schemeClr val="tx1"/>
+                      </a:solidFill>
+                      <a:prstDash val="solid"/>
+                      <a:round/>
+                      <a:headEnd type="none" w="med" len="med"/>
+                      <a:tailEnd type="none" w="med" len="med"/>
+                    </a:lnR>
+                    <a:lnT w="12700" cap="flat" cmpd="sng" algn="ctr">
+                      <a:solidFill>
+                        <a:schemeClr val="tx1"/>
+                      </a:solidFill>
+                      <a:prstDash val="solid"/>
+                      <a:round/>
+                      <a:headEnd type="none" w="med" len="med"/>
+                      <a:tailEnd type="none" w="med" len="med"/>
+                    </a:lnT>
+                    <a:lnB w="12700" cap="flat" cmpd="sng" algn="ctr">
+                      <a:solidFill>
+                        <a:schemeClr val="tx1"/>
+                      </a:solidFill>
+                      <a:prstDash val="solid"/>
+                      <a:round/>
+                      <a:headEnd type="none" w="med" len="med"/>
+                      <a:tailEnd type="none" w="med" len="med"/>
+                    </a:lnB>
+                    <a:noFill/>
+                  </a:tcPr>
+                </a:tc>
+              </a:tr>
+              <a:tr h="644236">
+                <a:tc>
+                  <a:txBody>
+                    <a:bodyPr/>
+                    <a:lstStyle/>
+                    <a:p>
+                      <a:pPr latinLnBrk="1"/>
+                      <a:endParaRPr lang="ko-KR" altLang="en-US" sz="2200" dirty="0">
+                        <a:ea typeface="G마켓 산스 Medium" panose="02000000000000000000"/>
+                      </a:endParaRPr>
+                    </a:p>
+                  </a:txBody>
+                  <a:tcPr>
+                    <a:lnL w="12700" cap="flat" cmpd="sng" algn="ctr">
+                      <a:solidFill>
+                        <a:schemeClr val="tx1"/>
+                      </a:solidFill>
+                      <a:prstDash val="solid"/>
+                      <a:round/>
+                      <a:headEnd type="none" w="med" len="med"/>
+                      <a:tailEnd type="none" w="med" len="med"/>
+                    </a:lnL>
+                    <a:lnR w="12700" cap="flat" cmpd="sng" algn="ctr">
+                      <a:solidFill>
+                        <a:schemeClr val="tx1"/>
+                      </a:solidFill>
+                      <a:prstDash val="solid"/>
+                      <a:round/>
+                      <a:headEnd type="none" w="med" len="med"/>
+                      <a:tailEnd type="none" w="med" len="med"/>
+                    </a:lnR>
+                    <a:lnT w="12700" cap="flat" cmpd="sng" algn="ctr">
+                      <a:solidFill>
+                        <a:schemeClr val="tx1"/>
+                      </a:solidFill>
+                      <a:prstDash val="solid"/>
+                      <a:round/>
+                      <a:headEnd type="none" w="med" len="med"/>
+                      <a:tailEnd type="none" w="med" len="med"/>
+                    </a:lnT>
+                    <a:lnB w="12700" cap="flat" cmpd="sng" algn="ctr">
+                      <a:solidFill>
+                        <a:schemeClr val="tx1"/>
+                      </a:solidFill>
+                      <a:prstDash val="solid"/>
+                      <a:round/>
+                      <a:headEnd type="none" w="med" len="med"/>
+                      <a:tailEnd type="none" w="med" len="med"/>
+                    </a:lnB>
+                    <a:noFill/>
+                  </a:tcPr>
+                </a:tc>
+                <a:tc>
+                  <a:txBody>
+                    <a:bodyPr/>
+                    <a:lstStyle/>
+                    <a:p>
+                      <a:pPr latinLnBrk="1"/>
+                      <a:endParaRPr lang="ko-KR" altLang="en-US" sz="2200" dirty="0">
+                        <a:ea typeface="G마켓 산스 Medium" panose="02000000000000000000"/>
+                      </a:endParaRPr>
+                    </a:p>
+                  </a:txBody>
+                  <a:tcPr>
+                    <a:lnL w="12700" cap="flat" cmpd="sng" algn="ctr">
+                      <a:solidFill>
+                        <a:schemeClr val="tx1"/>
+                      </a:solidFill>
+                      <a:prstDash val="solid"/>
+                      <a:round/>
+                      <a:headEnd type="none" w="med" len="med"/>
+                      <a:tailEnd type="none" w="med" len="med"/>
+                    </a:lnL>
+                    <a:lnR w="12700" cap="flat" cmpd="sng" algn="ctr">
+                      <a:solidFill>
+                        <a:schemeClr val="tx1"/>
+                      </a:solidFill>
+                      <a:prstDash val="solid"/>
+                      <a:round/>
+                      <a:headEnd type="none" w="med" len="med"/>
+                      <a:tailEnd type="none" w="med" len="med"/>
+                    </a:lnR>
+                    <a:lnT w="12700" cap="flat" cmpd="sng" algn="ctr">
+                      <a:solidFill>
+                        <a:schemeClr val="tx1"/>
+                      </a:solidFill>
+                      <a:prstDash val="solid"/>
+                      <a:round/>
+                      <a:headEnd type="none" w="med" len="med"/>
+                      <a:tailEnd type="none" w="med" len="med"/>
+                    </a:lnT>
+                    <a:lnB w="12700" cap="flat" cmpd="sng" algn="ctr">
+                      <a:solidFill>
+                        <a:schemeClr val="tx1"/>
+                      </a:solidFill>
+                      <a:prstDash val="solid"/>
+                      <a:round/>
+                      <a:headEnd type="none" w="med" len="med"/>
+                      <a:tailEnd type="none" w="med" len="med"/>
+                    </a:lnB>
+                    <a:noFill/>
+                  </a:tcPr>
+                </a:tc>
+              </a:tr>
+              <a:tr h="644236">
+                <a:tc>
+                  <a:txBody>
+                    <a:bodyPr/>
+                    <a:lstStyle/>
+                    <a:p>
+                      <a:pPr latinLnBrk="1"/>
+                      <a:endParaRPr lang="ko-KR" altLang="en-US" sz="2200" dirty="0">
+                        <a:ea typeface="G마켓 산스 Medium" panose="02000000000000000000"/>
+                      </a:endParaRPr>
+                    </a:p>
+                  </a:txBody>
+                  <a:tcPr>
+                    <a:lnL w="12700" cap="flat" cmpd="sng" algn="ctr">
+                      <a:solidFill>
+                        <a:schemeClr val="tx1"/>
+                      </a:solidFill>
+                      <a:prstDash val="solid"/>
+                      <a:round/>
+                      <a:headEnd type="none" w="med" len="med"/>
+                      <a:tailEnd type="none" w="med" len="med"/>
+                    </a:lnL>
+                    <a:lnR w="12700" cap="flat" cmpd="sng" algn="ctr">
+                      <a:solidFill>
+                        <a:schemeClr val="tx1"/>
+                      </a:solidFill>
+                      <a:prstDash val="solid"/>
+                      <a:round/>
+                      <a:headEnd type="none" w="med" len="med"/>
+                      <a:tailEnd type="none" w="med" len="med"/>
+                    </a:lnR>
+                    <a:lnT w="12700" cap="flat" cmpd="sng" algn="ctr">
+                      <a:solidFill>
+                        <a:schemeClr val="tx1"/>
+                      </a:solidFill>
+                      <a:prstDash val="solid"/>
+                      <a:round/>
+                      <a:headEnd type="none" w="med" len="med"/>
+                      <a:tailEnd type="none" w="med" len="med"/>
+                    </a:lnT>
+                    <a:lnB w="12700" cap="flat" cmpd="sng" algn="ctr">
+                      <a:solidFill>
+                        <a:schemeClr val="tx1"/>
+                      </a:solidFill>
+                      <a:prstDash val="solid"/>
+                      <a:round/>
+                      <a:headEnd type="none" w="med" len="med"/>
+                      <a:tailEnd type="none" w="med" len="med"/>
+                    </a:lnB>
+                    <a:noFill/>
+                  </a:tcPr>
+                </a:tc>
+                <a:tc>
+                  <a:txBody>
+                    <a:bodyPr/>
+                    <a:lstStyle/>
+                    <a:p>
+                      <a:pPr latinLnBrk="1"/>
+                      <a:endParaRPr lang="ko-KR" altLang="en-US" sz="2200" dirty="0">
+                        <a:ea typeface="G마켓 산스 Medium" panose="02000000000000000000"/>
+                      </a:endParaRPr>
+                    </a:p>
+                  </a:txBody>
+                  <a:tcPr>
+                    <a:lnL w="12700" cap="flat" cmpd="sng" algn="ctr">
+                      <a:solidFill>
+                        <a:schemeClr val="tx1"/>
+                      </a:solidFill>
+                      <a:prstDash val="solid"/>
+                      <a:round/>
+                      <a:headEnd type="none" w="med" len="med"/>
+                      <a:tailEnd type="none" w="med" len="med"/>
+                    </a:lnL>
+                    <a:lnR w="12700" cap="flat" cmpd="sng" algn="ctr">
+                      <a:solidFill>
+                        <a:schemeClr val="tx1"/>
+                      </a:solidFill>
+                      <a:prstDash val="solid"/>
+                      <a:round/>
+                      <a:headEnd type="none" w="med" len="med"/>
+                      <a:tailEnd type="none" w="med" len="med"/>
+                    </a:lnR>
+                    <a:lnT w="12700" cap="flat" cmpd="sng" algn="ctr">
+                      <a:solidFill>
+                        <a:schemeClr val="tx1"/>
+                      </a:solidFill>
+                      <a:prstDash val="solid"/>
+                      <a:round/>
+                      <a:headEnd type="none" w="med" len="med"/>
+                      <a:tailEnd type="none" w="med" len="med"/>
+                    </a:lnT>
+                    <a:lnB w="12700" cap="flat" cmpd="sng" algn="ctr">
+                      <a:solidFill>
+                        <a:schemeClr val="tx1"/>
+                      </a:solidFill>
+                      <a:prstDash val="solid"/>
+                      <a:round/>
+                      <a:headEnd type="none" w="med" len="med"/>
+                      <a:tailEnd type="none" w="med" len="med"/>
+                    </a:lnB>
+                    <a:noFill/>
+                  </a:tcPr>
+                </a:tc>
+              </a:tr>
+              <a:tr h="644236">
+                <a:tc>
+                  <a:txBody>
+                    <a:bodyPr/>
+                    <a:lstStyle/>
+                    <a:p>
+                      <a:pPr latinLnBrk="1"/>
+                      <a:endParaRPr lang="ko-KR" altLang="en-US" sz="2200" dirty="0">
+                        <a:ea typeface="G마켓 산스 Medium" panose="02000000000000000000"/>
+                      </a:endParaRPr>
+                    </a:p>
+                  </a:txBody>
+                  <a:tcPr>
+                    <a:lnL w="12700" cap="flat" cmpd="sng" algn="ctr">
+                      <a:solidFill>
+                        <a:schemeClr val="tx1"/>
+                      </a:solidFill>
+                      <a:prstDash val="solid"/>
+                      <a:round/>
+                      <a:headEnd type="none" w="med" len="med"/>
+                      <a:tailEnd type="none" w="med" len="med"/>
+                    </a:lnL>
+                    <a:lnR w="12700" cap="flat" cmpd="sng" algn="ctr">
+                      <a:solidFill>
+                        <a:schemeClr val="tx1"/>
+                      </a:solidFill>
+                      <a:prstDash val="solid"/>
+                      <a:round/>
+                      <a:headEnd type="none" w="med" len="med"/>
+                      <a:tailEnd type="none" w="med" len="med"/>
+                    </a:lnR>
+                    <a:lnT w="12700" cap="flat" cmpd="sng" algn="ctr">
+                      <a:solidFill>
+                        <a:schemeClr val="tx1"/>
+                      </a:solidFill>
+                      <a:prstDash val="solid"/>
+                      <a:round/>
+                      <a:headEnd type="none" w="med" len="med"/>
+                      <a:tailEnd type="none" w="med" len="med"/>
+                    </a:lnT>
+                    <a:lnB w="12700" cap="flat" cmpd="sng" algn="ctr">
+                      <a:solidFill>
+                        <a:schemeClr val="tx1"/>
+                      </a:solidFill>
+                      <a:prstDash val="solid"/>
+                      <a:round/>
+                      <a:headEnd type="none" w="med" len="med"/>
+                      <a:tailEnd type="none" w="med" len="med"/>
+                    </a:lnB>
+                    <a:noFill/>
+                  </a:tcPr>
+                </a:tc>
+                <a:tc>
+                  <a:txBody>
+                    <a:bodyPr/>
+                    <a:lstStyle/>
+                    <a:p>
+                      <a:pPr latinLnBrk="1"/>
+                      <a:endParaRPr lang="ko-KR" altLang="en-US" sz="2200" dirty="0">
+                        <a:ea typeface="G마켓 산스 Medium" panose="02000000000000000000"/>
+                      </a:endParaRPr>
+                    </a:p>
+                  </a:txBody>
+                  <a:tcPr>
+                    <a:lnL w="12700" cap="flat" cmpd="sng" algn="ctr">
+                      <a:solidFill>
+                        <a:schemeClr val="tx1"/>
+                      </a:solidFill>
+                      <a:prstDash val="solid"/>
+                      <a:round/>
+                      <a:headEnd type="none" w="med" len="med"/>
+                      <a:tailEnd type="none" w="med" len="med"/>
+                    </a:lnL>
+                    <a:lnR w="12700" cap="flat" cmpd="sng" algn="ctr">
+                      <a:solidFill>
+                        <a:schemeClr val="tx1"/>
+                      </a:solidFill>
+                      <a:prstDash val="solid"/>
+                      <a:round/>
+                      <a:headEnd type="none" w="med" len="med"/>
+                      <a:tailEnd type="none" w="med" len="med"/>
+                    </a:lnR>
+                    <a:lnT w="12700" cap="flat" cmpd="sng" algn="ctr">
+                      <a:solidFill>
+                        <a:schemeClr val="tx1"/>
+                      </a:solidFill>
+                      <a:prstDash val="solid"/>
+                      <a:round/>
+                      <a:headEnd type="none" w="med" len="med"/>
+                      <a:tailEnd type="none" w="med" len="med"/>
+                    </a:lnT>
+                    <a:lnB w="12700" cap="flat" cmpd="sng" algn="ctr">
+                      <a:solidFill>
+                        <a:schemeClr val="tx1"/>
+                      </a:solidFill>
+                      <a:prstDash val="solid"/>
+                      <a:round/>
+                      <a:headEnd type="none" w="med" len="med"/>
+                      <a:tailEnd type="none" w="med" len="med"/>
+                    </a:lnB>
+                    <a:noFill/>
+                  </a:tcPr>
+                </a:tc>
+              </a:tr>
+              <a:tr h="644236">
+                <a:tc>
+                  <a:txBody>
+                    <a:bodyPr/>
+                    <a:lstStyle/>
+                    <a:p>
+                      <a:pPr latinLnBrk="1"/>
+                      <a:endParaRPr lang="ko-KR" altLang="en-US" sz="2200" dirty="0">
+                        <a:ea typeface="G마켓 산스 Medium" panose="02000000000000000000"/>
+                      </a:endParaRPr>
+                    </a:p>
+                  </a:txBody>
+                  <a:tcPr>
+                    <a:lnL w="12700" cap="flat" cmpd="sng" algn="ctr">
+                      <a:solidFill>
+                        <a:schemeClr val="tx1"/>
+                      </a:solidFill>
+                      <a:prstDash val="solid"/>
+                      <a:round/>
+                      <a:headEnd type="none" w="med" len="med"/>
+                      <a:tailEnd type="none" w="med" len="med"/>
+                    </a:lnL>
+                    <a:lnR w="12700" cap="flat" cmpd="sng" algn="ctr">
+                      <a:solidFill>
+                        <a:schemeClr val="tx1"/>
+                      </a:solidFill>
+                      <a:prstDash val="solid"/>
+                      <a:round/>
+                      <a:headEnd type="none" w="med" len="med"/>
+                      <a:tailEnd type="none" w="med" len="med"/>
+                    </a:lnR>
+                    <a:lnT w="12700" cap="flat" cmpd="sng" algn="ctr">
+                      <a:solidFill>
+                        <a:schemeClr val="tx1"/>
+                      </a:solidFill>
+                      <a:prstDash val="solid"/>
+                      <a:round/>
+                      <a:headEnd type="none" w="med" len="med"/>
+                      <a:tailEnd type="none" w="med" len="med"/>
+                    </a:lnT>
+                    <a:lnB w="12700" cap="flat" cmpd="sng" algn="ctr">
+                      <a:solidFill>
+                        <a:schemeClr val="tx1"/>
+                      </a:solidFill>
+                      <a:prstDash val="solid"/>
+                      <a:round/>
+                      <a:headEnd type="none" w="med" len="med"/>
+                      <a:tailEnd type="none" w="med" len="med"/>
+                    </a:lnB>
+                    <a:noFill/>
+                  </a:tcPr>
+                </a:tc>
+                <a:tc>
+                  <a:txBody>
+                    <a:bodyPr/>
+                    <a:lstStyle/>
+                    <a:p>
+                      <a:pPr latinLnBrk="1"/>
+                      <a:endParaRPr lang="ko-KR" altLang="en-US" sz="2200" dirty="0">
+                        <a:ea typeface="G마켓 산스 Medium" panose="02000000000000000000"/>
+                      </a:endParaRPr>
+                    </a:p>
+                  </a:txBody>
+                  <a:tcPr>
+                    <a:lnL w="12700" cap="flat" cmpd="sng" algn="ctr">
+                      <a:solidFill>
+                        <a:schemeClr val="tx1"/>
+                      </a:solidFill>
+                      <a:prstDash val="solid"/>
+                      <a:round/>
+                      <a:headEnd type="none" w="med" len="med"/>
+                      <a:tailEnd type="none" w="med" len="med"/>
+                    </a:lnL>
+                    <a:lnR w="12700" cap="flat" cmpd="sng" algn="ctr">
+                      <a:solidFill>
+                        <a:schemeClr val="tx1"/>
+                      </a:solidFill>
+                      <a:prstDash val="solid"/>
+                      <a:round/>
+                      <a:headEnd type="none" w="med" len="med"/>
+                      <a:tailEnd type="none" w="med" len="med"/>
+                    </a:lnR>
+                    <a:lnT w="12700" cap="flat" cmpd="sng" algn="ctr">
+                      <a:solidFill>
+                        <a:schemeClr val="tx1"/>
+                      </a:solidFill>
+                      <a:prstDash val="solid"/>
+                      <a:round/>
+                      <a:headEnd type="none" w="med" len="med"/>
+                      <a:tailEnd type="none" w="med" len="med"/>
+                    </a:lnT>
+                    <a:lnB w="12700" cap="flat" cmpd="sng" algn="ctr">
+                      <a:solidFill>
+                        <a:schemeClr val="tx1"/>
+                      </a:solidFill>
+                      <a:prstDash val="solid"/>
+                      <a:round/>
+                      <a:headEnd type="none" w="med" len="med"/>
+                      <a:tailEnd type="none" w="med" len="med"/>
+                    </a:lnB>
+                    <a:noFill/>
+                  </a:tcPr>
+                </a:tc>
+              </a:tr>
+              <a:tr h="644236">
+                <a:tc>
+                  <a:txBody>
+                    <a:bodyPr/>
+                    <a:lstStyle/>
+                    <a:p>
+                      <a:pPr marL="0" marR="0" lvl="0" indent="0" algn="l" defTabSz="914400" rtl="0" eaLnBrk="1" fontAlgn="auto" latinLnBrk="1" hangingPunct="1">
+                        <a:lnSpc>
+                          <a:spcPct val="100000"/>
+                        </a:lnSpc>
+                        <a:spcBef>
+                          <a:spcPts val="0"/>
+                        </a:spcBef>
+                        <a:spcAft>
+                          <a:spcPts val="0"/>
+                        </a:spcAft>
+                        <a:buClrTx/>
+                        <a:buSzTx/>
+                        <a:buFontTx/>
+                        <a:buNone/>
+                        <a:tabLst/>
+                        <a:defRPr/>
+                      </a:pPr>
+                      <a:endParaRPr lang="ko-KR" altLang="en-US" sz="2200" dirty="0">
+                        <a:ea typeface="G마켓 산스 Medium" panose="02000000000000000000"/>
+                      </a:endParaRPr>
+                    </a:p>
+                  </a:txBody>
+                  <a:tcPr>
+                    <a:lnL w="12700" cap="flat" cmpd="sng" algn="ctr">
+                      <a:solidFill>
+                        <a:schemeClr val="tx1"/>
+                      </a:solidFill>
+                      <a:prstDash val="solid"/>
+                      <a:round/>
+                      <a:headEnd type="none" w="med" len="med"/>
+                      <a:tailEnd type="none" w="med" len="med"/>
+                    </a:lnL>
+                    <a:lnR w="12700" cap="flat" cmpd="sng" algn="ctr">
+                      <a:solidFill>
+                        <a:schemeClr val="tx1"/>
+                      </a:solidFill>
+                      <a:prstDash val="solid"/>
+                      <a:round/>
+                      <a:headEnd type="none" w="med" len="med"/>
+                      <a:tailEnd type="none" w="med" len="med"/>
+                    </a:lnR>
+                    <a:lnT w="12700" cap="flat" cmpd="sng" algn="ctr">
+                      <a:solidFill>
+                        <a:schemeClr val="tx1"/>
+                      </a:solidFill>
+                      <a:prstDash val="solid"/>
+                      <a:round/>
+                      <a:headEnd type="none" w="med" len="med"/>
+                      <a:tailEnd type="none" w="med" len="med"/>
+                    </a:lnT>
+                    <a:lnB w="12700" cap="flat" cmpd="sng" algn="ctr">
+                      <a:solidFill>
+                        <a:schemeClr val="tx1"/>
+                      </a:solidFill>
+                      <a:prstDash val="solid"/>
+                      <a:round/>
+                      <a:headEnd type="none" w="med" len="med"/>
+                      <a:tailEnd type="none" w="med" len="med"/>
+                    </a:lnB>
+                    <a:noFill/>
+                  </a:tcPr>
+                </a:tc>
+                <a:tc>
+                  <a:txBody>
+                    <a:bodyPr/>
+                    <a:lstStyle/>
+                    <a:p>
+                      <a:pPr latinLnBrk="1"/>
+                      <a:endParaRPr lang="ko-KR" altLang="en-US" sz="2200" dirty="0">
+                        <a:ea typeface="G마켓 산스 Medium" panose="02000000000000000000"/>
+                      </a:endParaRPr>
+                    </a:p>
+                  </a:txBody>
+                  <a:tcPr>
+                    <a:lnL w="12700" cap="flat" cmpd="sng" algn="ctr">
+                      <a:solidFill>
+                        <a:schemeClr val="tx1"/>
+                      </a:solidFill>
+                      <a:prstDash val="solid"/>
+                      <a:round/>
+                      <a:headEnd type="none" w="med" len="med"/>
+                      <a:tailEnd type="none" w="med" len="med"/>
+                    </a:lnL>
+                    <a:lnR w="12700" cap="flat" cmpd="sng" algn="ctr">
+                      <a:solidFill>
+                        <a:schemeClr val="tx1"/>
+                      </a:solidFill>
+                      <a:prstDash val="solid"/>
+                      <a:round/>
+                      <a:headEnd type="none" w="med" len="med"/>
+                      <a:tailEnd type="none" w="med" len="med"/>
+                    </a:lnR>
+                    <a:lnT w="12700" cap="flat" cmpd="sng" algn="ctr">
+                      <a:solidFill>
+                        <a:schemeClr val="tx1"/>
+                      </a:solidFill>
+                      <a:prstDash val="solid"/>
+                      <a:round/>
+                      <a:headEnd type="none" w="med" len="med"/>
+                      <a:tailEnd type="none" w="med" len="med"/>
+                    </a:lnT>
+                    <a:lnB w="12700" cap="flat" cmpd="sng" algn="ctr">
+                      <a:solidFill>
+                        <a:schemeClr val="tx1"/>
+                      </a:solidFill>
+                      <a:prstDash val="solid"/>
+                      <a:round/>
+                      <a:headEnd type="none" w="med" len="med"/>
+                      <a:tailEnd type="none" w="med" len="med"/>
+                    </a:lnB>
+                    <a:noFill/>
+                  </a:tcPr>
+                </a:tc>
+              </a:tr>
+              <a:tr h="644236">
+                <a:tc>
+                  <a:txBody>
+                    <a:bodyPr/>
+                    <a:lstStyle/>
+                    <a:p>
+                      <a:pPr latinLnBrk="1"/>
+                      <a:endParaRPr lang="ko-KR" altLang="en-US" sz="2200" dirty="0">
+                        <a:ea typeface="G마켓 산스 Medium" panose="02000000000000000000"/>
+                      </a:endParaRPr>
+                    </a:p>
+                  </a:txBody>
+                  <a:tcPr>
+                    <a:lnL w="12700" cap="flat" cmpd="sng" algn="ctr">
+                      <a:solidFill>
+                        <a:schemeClr val="tx1"/>
+                      </a:solidFill>
+                      <a:prstDash val="solid"/>
+                      <a:round/>
+                      <a:headEnd type="none" w="med" len="med"/>
+                      <a:tailEnd type="none" w="med" len="med"/>
+                    </a:lnL>
+                    <a:lnR w="12700" cap="flat" cmpd="sng" algn="ctr">
+                      <a:solidFill>
+                        <a:schemeClr val="tx1"/>
+                      </a:solidFill>
+                      <a:prstDash val="solid"/>
+                      <a:round/>
+                      <a:headEnd type="none" w="med" len="med"/>
+                      <a:tailEnd type="none" w="med" len="med"/>
+                    </a:lnR>
+                    <a:lnT w="12700" cap="flat" cmpd="sng" algn="ctr">
+                      <a:solidFill>
+                        <a:schemeClr val="tx1"/>
+                      </a:solidFill>
+                      <a:prstDash val="solid"/>
+                      <a:round/>
+                      <a:headEnd type="none" w="med" len="med"/>
+                      <a:tailEnd type="none" w="med" len="med"/>
+                    </a:lnT>
+                    <a:lnB w="12700" cap="flat" cmpd="sng" algn="ctr">
+                      <a:solidFill>
+                        <a:schemeClr val="tx1"/>
+                      </a:solidFill>
+                      <a:prstDash val="solid"/>
+                      <a:round/>
+                      <a:headEnd type="none" w="med" len="med"/>
+                      <a:tailEnd type="none" w="med" len="med"/>
+                    </a:lnB>
+                    <a:noFill/>
+                  </a:tcPr>
+                </a:tc>
+                <a:tc>
+                  <a:txBody>
+                    <a:bodyPr/>
+                    <a:lstStyle/>
+                    <a:p>
+                      <a:pPr latinLnBrk="1"/>
+                      <a:endParaRPr lang="ko-KR" altLang="en-US" sz="2200" dirty="0">
+                        <a:ea typeface="G마켓 산스 Medium" panose="02000000000000000000"/>
+                      </a:endParaRPr>
+                    </a:p>
+                  </a:txBody>
+                  <a:tcPr>
+                    <a:lnL w="12700" cap="flat" cmpd="sng" algn="ctr">
+                      <a:solidFill>
+                        <a:schemeClr val="tx1"/>
+                      </a:solidFill>
+                      <a:prstDash val="solid"/>
+                      <a:round/>
+                      <a:headEnd type="none" w="med" len="med"/>
+                      <a:tailEnd type="none" w="med" len="med"/>
+                    </a:lnL>
+                    <a:lnR w="12700" cap="flat" cmpd="sng" algn="ctr">
+                      <a:solidFill>
+                        <a:schemeClr val="tx1"/>
+                      </a:solidFill>
+                      <a:prstDash val="solid"/>
+                      <a:round/>
+                      <a:headEnd type="none" w="med" len="med"/>
+                      <a:tailEnd type="none" w="med" len="med"/>
+                    </a:lnR>
+                    <a:lnT w="12700" cap="flat" cmpd="sng" algn="ctr">
+                      <a:solidFill>
+                        <a:schemeClr val="tx1"/>
+                      </a:solidFill>
+                      <a:prstDash val="solid"/>
+                      <a:round/>
+                      <a:headEnd type="none" w="med" len="med"/>
+                      <a:tailEnd type="none" w="med" len="med"/>
+                    </a:lnT>
+                    <a:lnB w="12700" cap="flat" cmpd="sng" algn="ctr">
+                      <a:solidFill>
+                        <a:schemeClr val="tx1"/>
+                      </a:solidFill>
+                      <a:prstDash val="solid"/>
+                      <a:round/>
+                      <a:headEnd type="none" w="med" len="med"/>
+                      <a:tailEnd type="none" w="med" len="med"/>
+                    </a:lnB>
+                    <a:noFill/>
+                  </a:tcPr>
+                </a:tc>
+              </a:tr>
+            </a:tbl>
+          </a:graphicData>
+        </a:graphic>
+      </p:graphicFrame>
+      <p:sp>
+        <p:nvSpPr>
+          <p:cNvPr id="42" name="TextBox 41">
+            <a:extLst>
+              <a:ext uri="{FF2B5EF4-FFF2-40B4-BE49-F238E27FC236}">
+                <a16:creationId xmlns="" xmlns:a16="http://schemas.microsoft.com/office/drawing/2014/main" id="{DF7DDD33-9412-2802-339A-E55446AC2DA7}"/>
+              </a:ext>
+            </a:extLst>
+          </p:cNvPr>
+          <p:cNvSpPr txBox="1"/>
+          <p:nvPr/>
+        </p:nvSpPr>
+        <p:spPr>
+          <a:xfrm>
+            <a:off x="15991119" y="730882"/>
+            <a:ext cx="1273105" cy="646331"/>
+          </a:xfrm>
+          <a:prstGeom prst="rect">
+            <a:avLst/>
+          </a:prstGeom>
+          <a:noFill/>
+        </p:spPr>
+        <p:txBody>
+          <a:bodyPr wrap="none" rtlCol="0">
+            <a:spAutoFit/>
+          </a:bodyPr>
+          <a:lstStyle/>
+          <a:p>
+            <a:r>
+              <a:rPr lang="ko-KR" altLang="en-US" sz="3600" smtClean="0">
+                <a:solidFill>
+                  <a:srgbClr val="4C50BC"/>
+                </a:solidFill>
+                <a:latin typeface="G마켓 산스 Light" panose="02000000000000000000" pitchFamily="50" charset="-127"/>
+                <a:ea typeface="G마켓 산스 Light" panose="02000000000000000000" pitchFamily="50" charset="-127"/>
+              </a:rPr>
+              <a:t>학생</a:t>
+            </a:r>
+            <a:r>
+              <a:rPr lang="en-US" altLang="ko-KR" sz="3600" smtClean="0">
+                <a:solidFill>
+                  <a:srgbClr val="4C50BC"/>
+                </a:solidFill>
+                <a:latin typeface="G마켓 산스 Light" panose="02000000000000000000" pitchFamily="50" charset="-127"/>
+                <a:ea typeface="G마켓 산스 Light" panose="02000000000000000000" pitchFamily="50" charset="-127"/>
+              </a:rPr>
+              <a:t>1</a:t>
+            </a:r>
+            <a:endParaRPr lang="ko-KR" altLang="en-US" sz="3600" dirty="0">
+              <a:solidFill>
+                <a:srgbClr val="4C50BC"/>
+              </a:solidFill>
+              <a:latin typeface="G마켓 산스 Light" panose="02000000000000000000" pitchFamily="50" charset="-127"/>
+              <a:ea typeface="G마켓 산스 Light" panose="02000000000000000000" pitchFamily="50" charset="-127"/>
+            </a:endParaRPr>
+          </a:p>
+        </p:txBody>
+      </p:sp>
+      <p:sp>
+        <p:nvSpPr>
+          <p:cNvPr id="47" name="TextBox 46">
+            <a:extLst>
+              <a:ext uri="{FF2B5EF4-FFF2-40B4-BE49-F238E27FC236}">
+                <a16:creationId xmlns="" xmlns:a16="http://schemas.microsoft.com/office/drawing/2014/main" id="{DF7DDD33-9412-2802-339A-E55446AC2DA7}"/>
+              </a:ext>
+            </a:extLst>
+          </p:cNvPr>
+          <p:cNvSpPr txBox="1"/>
+          <p:nvPr/>
+        </p:nvSpPr>
+        <p:spPr>
+          <a:xfrm>
+            <a:off x="13095519" y="730882"/>
+            <a:ext cx="2148345" cy="646331"/>
+          </a:xfrm>
+          <a:prstGeom prst="rect">
+            <a:avLst/>
+          </a:prstGeom>
+          <a:noFill/>
+        </p:spPr>
+        <p:txBody>
+          <a:bodyPr wrap="none" rtlCol="0">
+            <a:spAutoFit/>
+          </a:bodyPr>
+          <a:lstStyle/>
+          <a:p>
+            <a:r>
+              <a:rPr lang="en-US" altLang="ko-KR" sz="3600" smtClean="0">
+                <a:solidFill>
+                  <a:srgbClr val="4C50BC"/>
+                </a:solidFill>
+                <a:latin typeface="G마켓 산스 Light" panose="02000000000000000000" pitchFamily="50" charset="-127"/>
+                <a:ea typeface="G마켓 산스 Light" panose="02000000000000000000" pitchFamily="50" charset="-127"/>
+              </a:rPr>
+              <a:t>0X000A</a:t>
+            </a:r>
+            <a:endParaRPr lang="ko-KR" altLang="en-US" sz="3600" dirty="0">
+              <a:solidFill>
+                <a:srgbClr val="4C50BC"/>
+              </a:solidFill>
+              <a:latin typeface="G마켓 산스 Light" panose="02000000000000000000" pitchFamily="50" charset="-127"/>
+              <a:ea typeface="G마켓 산스 Light" panose="02000000000000000000" pitchFamily="50" charset="-127"/>
+            </a:endParaRPr>
+          </a:p>
+        </p:txBody>
+      </p:sp>
+      <p:sp>
+        <p:nvSpPr>
+          <p:cNvPr id="48" name="TextBox 47">
+            <a:extLst>
+              <a:ext uri="{FF2B5EF4-FFF2-40B4-BE49-F238E27FC236}">
+                <a16:creationId xmlns="" xmlns:a16="http://schemas.microsoft.com/office/drawing/2014/main" id="{DF7DDD33-9412-2802-339A-E55446AC2DA7}"/>
+              </a:ext>
+            </a:extLst>
+          </p:cNvPr>
+          <p:cNvSpPr txBox="1"/>
+          <p:nvPr/>
+        </p:nvSpPr>
+        <p:spPr>
+          <a:xfrm>
+            <a:off x="13095519" y="1416682"/>
+            <a:ext cx="2140330" cy="646331"/>
+          </a:xfrm>
+          <a:prstGeom prst="rect">
+            <a:avLst/>
+          </a:prstGeom>
+          <a:noFill/>
+        </p:spPr>
+        <p:txBody>
+          <a:bodyPr wrap="none" rtlCol="0">
+            <a:spAutoFit/>
+          </a:bodyPr>
+          <a:lstStyle/>
+          <a:p>
+            <a:r>
+              <a:rPr lang="en-US" altLang="ko-KR" sz="3600" smtClean="0">
+                <a:solidFill>
+                  <a:srgbClr val="4C50BC"/>
+                </a:solidFill>
+                <a:latin typeface="G마켓 산스 Light" panose="02000000000000000000" pitchFamily="50" charset="-127"/>
+                <a:ea typeface="G마켓 산스 Light" panose="02000000000000000000" pitchFamily="50" charset="-127"/>
+              </a:rPr>
+              <a:t>0X000B</a:t>
+            </a:r>
+            <a:endParaRPr lang="ko-KR" altLang="en-US" sz="3600" dirty="0">
+              <a:solidFill>
+                <a:srgbClr val="4C50BC"/>
+              </a:solidFill>
+              <a:latin typeface="G마켓 산스 Light" panose="02000000000000000000" pitchFamily="50" charset="-127"/>
+              <a:ea typeface="G마켓 산스 Light" panose="02000000000000000000" pitchFamily="50" charset="-127"/>
+            </a:endParaRPr>
+          </a:p>
+        </p:txBody>
+      </p:sp>
+      <p:sp>
+        <p:nvSpPr>
+          <p:cNvPr id="49" name="TextBox 48">
+            <a:extLst>
+              <a:ext uri="{FF2B5EF4-FFF2-40B4-BE49-F238E27FC236}">
+                <a16:creationId xmlns="" xmlns:a16="http://schemas.microsoft.com/office/drawing/2014/main" id="{DF7DDD33-9412-2802-339A-E55446AC2DA7}"/>
+              </a:ext>
+            </a:extLst>
+          </p:cNvPr>
+          <p:cNvSpPr txBox="1"/>
+          <p:nvPr/>
+        </p:nvSpPr>
+        <p:spPr>
+          <a:xfrm>
+            <a:off x="15991119" y="1416682"/>
+            <a:ext cx="1370888" cy="646331"/>
+          </a:xfrm>
+          <a:prstGeom prst="rect">
+            <a:avLst/>
+          </a:prstGeom>
+          <a:noFill/>
+        </p:spPr>
+        <p:txBody>
+          <a:bodyPr wrap="none" rtlCol="0">
+            <a:spAutoFit/>
+          </a:bodyPr>
+          <a:lstStyle/>
+          <a:p>
+            <a:r>
+              <a:rPr lang="ko-KR" altLang="en-US" sz="3600" smtClean="0">
+                <a:solidFill>
+                  <a:srgbClr val="4C50BC"/>
+                </a:solidFill>
+                <a:latin typeface="G마켓 산스 Light" panose="02000000000000000000" pitchFamily="50" charset="-127"/>
+                <a:ea typeface="G마켓 산스 Light" panose="02000000000000000000" pitchFamily="50" charset="-127"/>
+              </a:rPr>
+              <a:t>학생</a:t>
+            </a:r>
+            <a:r>
+              <a:rPr lang="en-US" altLang="ko-KR" sz="3600">
+                <a:solidFill>
+                  <a:srgbClr val="4C50BC"/>
+                </a:solidFill>
+                <a:latin typeface="G마켓 산스 Light" panose="02000000000000000000" pitchFamily="50" charset="-127"/>
+                <a:ea typeface="G마켓 산스 Light" panose="02000000000000000000" pitchFamily="50" charset="-127"/>
+              </a:rPr>
+              <a:t>2</a:t>
+            </a:r>
+            <a:endParaRPr lang="ko-KR" altLang="en-US" sz="3600" dirty="0">
+              <a:solidFill>
+                <a:srgbClr val="4C50BC"/>
+              </a:solidFill>
+              <a:latin typeface="G마켓 산스 Light" panose="02000000000000000000" pitchFamily="50" charset="-127"/>
+              <a:ea typeface="G마켓 산스 Light" panose="02000000000000000000" pitchFamily="50" charset="-127"/>
+            </a:endParaRPr>
+          </a:p>
+        </p:txBody>
+      </p:sp>
+      <p:sp>
+        <p:nvSpPr>
+          <p:cNvPr id="50" name="TextBox 49">
+            <a:extLst>
+              <a:ext uri="{FF2B5EF4-FFF2-40B4-BE49-F238E27FC236}">
+                <a16:creationId xmlns="" xmlns:a16="http://schemas.microsoft.com/office/drawing/2014/main" id="{DF7DDD33-9412-2802-339A-E55446AC2DA7}"/>
+              </a:ext>
+            </a:extLst>
+          </p:cNvPr>
+          <p:cNvSpPr txBox="1"/>
+          <p:nvPr/>
+        </p:nvSpPr>
+        <p:spPr>
+          <a:xfrm>
+            <a:off x="13095519" y="2065751"/>
+            <a:ext cx="2209259" cy="646331"/>
+          </a:xfrm>
+          <a:prstGeom prst="rect">
+            <a:avLst/>
+          </a:prstGeom>
+          <a:noFill/>
+        </p:spPr>
+        <p:txBody>
+          <a:bodyPr wrap="none" rtlCol="0">
+            <a:spAutoFit/>
+          </a:bodyPr>
+          <a:lstStyle/>
+          <a:p>
+            <a:r>
+              <a:rPr lang="en-US" altLang="ko-KR" sz="3600" smtClean="0">
+                <a:solidFill>
+                  <a:srgbClr val="4C50BC"/>
+                </a:solidFill>
+                <a:latin typeface="G마켓 산스 Light" panose="02000000000000000000" pitchFamily="50" charset="-127"/>
+                <a:ea typeface="G마켓 산스 Light" panose="02000000000000000000" pitchFamily="50" charset="-127"/>
+              </a:rPr>
+              <a:t>0X000C</a:t>
+            </a:r>
+            <a:endParaRPr lang="ko-KR" altLang="en-US" sz="3600" dirty="0">
+              <a:solidFill>
+                <a:srgbClr val="4C50BC"/>
+              </a:solidFill>
+              <a:latin typeface="G마켓 산스 Light" panose="02000000000000000000" pitchFamily="50" charset="-127"/>
+              <a:ea typeface="G마켓 산스 Light" panose="02000000000000000000" pitchFamily="50" charset="-127"/>
+            </a:endParaRPr>
+          </a:p>
+        </p:txBody>
+      </p:sp>
+      <p:sp>
+        <p:nvSpPr>
+          <p:cNvPr id="51" name="TextBox 50">
+            <a:extLst>
+              <a:ext uri="{FF2B5EF4-FFF2-40B4-BE49-F238E27FC236}">
+                <a16:creationId xmlns="" xmlns:a16="http://schemas.microsoft.com/office/drawing/2014/main" id="{DF7DDD33-9412-2802-339A-E55446AC2DA7}"/>
+              </a:ext>
+            </a:extLst>
+          </p:cNvPr>
+          <p:cNvSpPr txBox="1"/>
+          <p:nvPr/>
+        </p:nvSpPr>
+        <p:spPr>
+          <a:xfrm>
+            <a:off x="15991119" y="2065751"/>
+            <a:ext cx="1372492" cy="646331"/>
+          </a:xfrm>
+          <a:prstGeom prst="rect">
+            <a:avLst/>
+          </a:prstGeom>
+          <a:noFill/>
+        </p:spPr>
+        <p:txBody>
+          <a:bodyPr wrap="none" rtlCol="0">
+            <a:spAutoFit/>
+          </a:bodyPr>
+          <a:lstStyle/>
+          <a:p>
+            <a:r>
+              <a:rPr lang="ko-KR" altLang="en-US" sz="3600" smtClean="0">
+                <a:solidFill>
+                  <a:srgbClr val="4C50BC"/>
+                </a:solidFill>
+                <a:latin typeface="G마켓 산스 Light" panose="02000000000000000000" pitchFamily="50" charset="-127"/>
+                <a:ea typeface="G마켓 산스 Light" panose="02000000000000000000" pitchFamily="50" charset="-127"/>
+              </a:rPr>
+              <a:t>학생</a:t>
+            </a:r>
+            <a:r>
+              <a:rPr lang="en-US" altLang="ko-KR" sz="3600" smtClean="0">
+                <a:solidFill>
+                  <a:srgbClr val="4C50BC"/>
+                </a:solidFill>
+                <a:latin typeface="G마켓 산스 Light" panose="02000000000000000000" pitchFamily="50" charset="-127"/>
+                <a:ea typeface="G마켓 산스 Light" panose="02000000000000000000" pitchFamily="50" charset="-127"/>
+              </a:rPr>
+              <a:t>3</a:t>
+            </a:r>
+            <a:endParaRPr lang="ko-KR" altLang="en-US" sz="3600" dirty="0">
+              <a:solidFill>
+                <a:srgbClr val="4C50BC"/>
+              </a:solidFill>
+              <a:latin typeface="G마켓 산스 Light" panose="02000000000000000000" pitchFamily="50" charset="-127"/>
+              <a:ea typeface="G마켓 산스 Light" panose="02000000000000000000" pitchFamily="50" charset="-127"/>
+            </a:endParaRPr>
+          </a:p>
+        </p:txBody>
+      </p:sp>
+      <p:sp>
+        <p:nvSpPr>
+          <p:cNvPr id="52" name="TextBox 51">
+            <a:extLst>
+              <a:ext uri="{FF2B5EF4-FFF2-40B4-BE49-F238E27FC236}">
+                <a16:creationId xmlns="" xmlns:a16="http://schemas.microsoft.com/office/drawing/2014/main" id="{DF7DDD33-9412-2802-339A-E55446AC2DA7}"/>
+              </a:ext>
+            </a:extLst>
+          </p:cNvPr>
+          <p:cNvSpPr txBox="1"/>
+          <p:nvPr/>
+        </p:nvSpPr>
+        <p:spPr>
+          <a:xfrm>
+            <a:off x="13095519" y="2712082"/>
+            <a:ext cx="2178802" cy="646331"/>
+          </a:xfrm>
+          <a:prstGeom prst="rect">
+            <a:avLst/>
+          </a:prstGeom>
+          <a:noFill/>
+        </p:spPr>
+        <p:txBody>
+          <a:bodyPr wrap="none" rtlCol="0">
+            <a:spAutoFit/>
+          </a:bodyPr>
+          <a:lstStyle/>
+          <a:p>
+            <a:r>
+              <a:rPr lang="en-US" altLang="ko-KR" sz="3600" smtClean="0">
+                <a:solidFill>
+                  <a:srgbClr val="4C50BC"/>
+                </a:solidFill>
+                <a:latin typeface="G마켓 산스 Light" panose="02000000000000000000" pitchFamily="50" charset="-127"/>
+                <a:ea typeface="G마켓 산스 Light" panose="02000000000000000000" pitchFamily="50" charset="-127"/>
+              </a:rPr>
+              <a:t>0X000D</a:t>
+            </a:r>
+            <a:endParaRPr lang="ko-KR" altLang="en-US" sz="3600" dirty="0">
+              <a:solidFill>
+                <a:srgbClr val="4C50BC"/>
+              </a:solidFill>
+              <a:latin typeface="G마켓 산스 Light" panose="02000000000000000000" pitchFamily="50" charset="-127"/>
+              <a:ea typeface="G마켓 산스 Light" panose="02000000000000000000" pitchFamily="50" charset="-127"/>
+            </a:endParaRPr>
+          </a:p>
+        </p:txBody>
+      </p:sp>
+      <p:sp>
+        <p:nvSpPr>
+          <p:cNvPr id="53" name="TextBox 52">
+            <a:extLst>
+              <a:ext uri="{FF2B5EF4-FFF2-40B4-BE49-F238E27FC236}">
+                <a16:creationId xmlns="" xmlns:a16="http://schemas.microsoft.com/office/drawing/2014/main" id="{DF7DDD33-9412-2802-339A-E55446AC2DA7}"/>
+              </a:ext>
+            </a:extLst>
+          </p:cNvPr>
+          <p:cNvSpPr txBox="1"/>
+          <p:nvPr/>
+        </p:nvSpPr>
+        <p:spPr>
+          <a:xfrm>
+            <a:off x="15991119" y="2712082"/>
+            <a:ext cx="1383712" cy="646331"/>
+          </a:xfrm>
+          <a:prstGeom prst="rect">
+            <a:avLst/>
+          </a:prstGeom>
+          <a:noFill/>
+        </p:spPr>
+        <p:txBody>
+          <a:bodyPr wrap="none" rtlCol="0">
+            <a:spAutoFit/>
+          </a:bodyPr>
+          <a:lstStyle/>
+          <a:p>
+            <a:r>
+              <a:rPr lang="ko-KR" altLang="en-US" sz="3600" smtClean="0">
+                <a:solidFill>
+                  <a:srgbClr val="4C50BC"/>
+                </a:solidFill>
+                <a:latin typeface="G마켓 산스 Light" panose="02000000000000000000" pitchFamily="50" charset="-127"/>
+                <a:ea typeface="G마켓 산스 Light" panose="02000000000000000000" pitchFamily="50" charset="-127"/>
+              </a:rPr>
+              <a:t>학생</a:t>
+            </a:r>
+            <a:r>
+              <a:rPr lang="en-US" altLang="ko-KR" sz="3600" smtClean="0">
+                <a:solidFill>
+                  <a:srgbClr val="4C50BC"/>
+                </a:solidFill>
+                <a:latin typeface="G마켓 산스 Light" panose="02000000000000000000" pitchFamily="50" charset="-127"/>
+                <a:ea typeface="G마켓 산스 Light" panose="02000000000000000000" pitchFamily="50" charset="-127"/>
+              </a:rPr>
+              <a:t>4</a:t>
+            </a:r>
+            <a:endParaRPr lang="ko-KR" altLang="en-US" sz="3600" dirty="0">
+              <a:solidFill>
+                <a:srgbClr val="4C50BC"/>
+              </a:solidFill>
+              <a:latin typeface="G마켓 산스 Light" panose="02000000000000000000" pitchFamily="50" charset="-127"/>
+              <a:ea typeface="G마켓 산스 Light" panose="02000000000000000000" pitchFamily="50" charset="-127"/>
+            </a:endParaRPr>
+          </a:p>
+        </p:txBody>
+      </p:sp>
+      <p:sp>
+        <p:nvSpPr>
+          <p:cNvPr id="54" name="TextBox 53">
+            <a:extLst>
+              <a:ext uri="{FF2B5EF4-FFF2-40B4-BE49-F238E27FC236}">
+                <a16:creationId xmlns="" xmlns:a16="http://schemas.microsoft.com/office/drawing/2014/main" id="{DF7DDD33-9412-2802-339A-E55446AC2DA7}"/>
+              </a:ext>
+            </a:extLst>
+          </p:cNvPr>
+          <p:cNvSpPr txBox="1"/>
+          <p:nvPr/>
+        </p:nvSpPr>
+        <p:spPr>
+          <a:xfrm>
+            <a:off x="13095519" y="3361151"/>
+            <a:ext cx="2108269" cy="646331"/>
+          </a:xfrm>
+          <a:prstGeom prst="rect">
+            <a:avLst/>
+          </a:prstGeom>
+          <a:noFill/>
+        </p:spPr>
+        <p:txBody>
+          <a:bodyPr wrap="none" rtlCol="0">
+            <a:spAutoFit/>
+          </a:bodyPr>
+          <a:lstStyle/>
+          <a:p>
+            <a:r>
+              <a:rPr lang="en-US" altLang="ko-KR" sz="3600" smtClean="0">
+                <a:solidFill>
+                  <a:srgbClr val="4C50BC"/>
+                </a:solidFill>
+                <a:latin typeface="G마켓 산스 Light" panose="02000000000000000000" pitchFamily="50" charset="-127"/>
+                <a:ea typeface="G마켓 산스 Light" panose="02000000000000000000" pitchFamily="50" charset="-127"/>
+              </a:rPr>
+              <a:t>0X000E</a:t>
+            </a:r>
+            <a:endParaRPr lang="ko-KR" altLang="en-US" sz="3600" dirty="0">
+              <a:solidFill>
+                <a:srgbClr val="4C50BC"/>
+              </a:solidFill>
+              <a:latin typeface="G마켓 산스 Light" panose="02000000000000000000" pitchFamily="50" charset="-127"/>
+              <a:ea typeface="G마켓 산스 Light" panose="02000000000000000000" pitchFamily="50" charset="-127"/>
+            </a:endParaRPr>
+          </a:p>
+        </p:txBody>
+      </p:sp>
+      <p:sp>
+        <p:nvSpPr>
+          <p:cNvPr id="55" name="TextBox 54">
+            <a:extLst>
+              <a:ext uri="{FF2B5EF4-FFF2-40B4-BE49-F238E27FC236}">
+                <a16:creationId xmlns="" xmlns:a16="http://schemas.microsoft.com/office/drawing/2014/main" id="{DF7DDD33-9412-2802-339A-E55446AC2DA7}"/>
+              </a:ext>
+            </a:extLst>
+          </p:cNvPr>
+          <p:cNvSpPr txBox="1"/>
+          <p:nvPr/>
+        </p:nvSpPr>
+        <p:spPr>
+          <a:xfrm>
+            <a:off x="15991119" y="3361151"/>
+            <a:ext cx="1372492" cy="646331"/>
+          </a:xfrm>
+          <a:prstGeom prst="rect">
+            <a:avLst/>
+          </a:prstGeom>
+          <a:noFill/>
+        </p:spPr>
+        <p:txBody>
+          <a:bodyPr wrap="none" rtlCol="0">
+            <a:spAutoFit/>
+          </a:bodyPr>
+          <a:lstStyle/>
+          <a:p>
+            <a:r>
+              <a:rPr lang="ko-KR" altLang="en-US" sz="3600" smtClean="0">
+                <a:solidFill>
+                  <a:srgbClr val="4C50BC"/>
+                </a:solidFill>
+                <a:latin typeface="G마켓 산스 Light" panose="02000000000000000000" pitchFamily="50" charset="-127"/>
+                <a:ea typeface="G마켓 산스 Light" panose="02000000000000000000" pitchFamily="50" charset="-127"/>
+              </a:rPr>
+              <a:t>학생</a:t>
+            </a:r>
+            <a:r>
+              <a:rPr lang="en-US" altLang="ko-KR" sz="3600" smtClean="0">
+                <a:solidFill>
+                  <a:srgbClr val="4C50BC"/>
+                </a:solidFill>
+                <a:latin typeface="G마켓 산스 Light" panose="02000000000000000000" pitchFamily="50" charset="-127"/>
+                <a:ea typeface="G마켓 산스 Light" panose="02000000000000000000" pitchFamily="50" charset="-127"/>
+              </a:rPr>
+              <a:t>5</a:t>
+            </a:r>
+            <a:endParaRPr lang="ko-KR" altLang="en-US" sz="3600" dirty="0">
+              <a:solidFill>
+                <a:srgbClr val="4C50BC"/>
+              </a:solidFill>
+              <a:latin typeface="G마켓 산스 Light" panose="02000000000000000000" pitchFamily="50" charset="-127"/>
+              <a:ea typeface="G마켓 산스 Light" panose="02000000000000000000" pitchFamily="50" charset="-127"/>
+            </a:endParaRPr>
+          </a:p>
+        </p:txBody>
+      </p:sp>
     </p:spTree>
     <p:extLst>
       <p:ext uri="{BB962C8B-B14F-4D97-AF65-F5344CB8AC3E}">
@@ -16196,7 +15376,7 @@
           <p:cNvPr id="4" name="그룹 1018">
             <a:extLst>
               <a:ext uri="{FF2B5EF4-FFF2-40B4-BE49-F238E27FC236}">
-                <a16:creationId xmlns:a16="http://schemas.microsoft.com/office/drawing/2014/main" xmlns="" id="{0C5247D1-E285-7CDC-25F8-F1ABCDE304BE}"/>
+                <a16:creationId xmlns="" xmlns:a16="http://schemas.microsoft.com/office/drawing/2014/main" id="{0C5247D1-E285-7CDC-25F8-F1ABCDE304BE}"/>
               </a:ext>
             </a:extLst>
           </p:cNvPr>
@@ -16216,7 +15396,7 @@
             <p:cNvPr id="5" name="Object 61">
               <a:extLst>
                 <a:ext uri="{FF2B5EF4-FFF2-40B4-BE49-F238E27FC236}">
-                  <a16:creationId xmlns:a16="http://schemas.microsoft.com/office/drawing/2014/main" xmlns="" id="{29C480AF-46D1-D9A5-6C87-226E5620D948}"/>
+                  <a16:creationId xmlns="" xmlns:a16="http://schemas.microsoft.com/office/drawing/2014/main" id="{29C480AF-46D1-D9A5-6C87-226E5620D948}"/>
                 </a:ext>
               </a:extLst>
             </p:cNvPr>
@@ -16247,7 +15427,7 @@
           <p:cNvPr id="6" name="그룹 1018">
             <a:extLst>
               <a:ext uri="{FF2B5EF4-FFF2-40B4-BE49-F238E27FC236}">
-                <a16:creationId xmlns:a16="http://schemas.microsoft.com/office/drawing/2014/main" xmlns="" id="{F53BC57C-78A5-6AFC-CB34-7E3FD29B339F}"/>
+                <a16:creationId xmlns="" xmlns:a16="http://schemas.microsoft.com/office/drawing/2014/main" id="{F53BC57C-78A5-6AFC-CB34-7E3FD29B339F}"/>
               </a:ext>
             </a:extLst>
           </p:cNvPr>
@@ -16267,7 +15447,7 @@
             <p:cNvPr id="7" name="Object 61">
               <a:extLst>
                 <a:ext uri="{FF2B5EF4-FFF2-40B4-BE49-F238E27FC236}">
-                  <a16:creationId xmlns:a16="http://schemas.microsoft.com/office/drawing/2014/main" xmlns="" id="{E6F73685-14E5-06A9-813C-1C372BD6F4DE}"/>
+                  <a16:creationId xmlns="" xmlns:a16="http://schemas.microsoft.com/office/drawing/2014/main" id="{E6F73685-14E5-06A9-813C-1C372BD6F4DE}"/>
                 </a:ext>
               </a:extLst>
             </p:cNvPr>
@@ -16298,7 +15478,7 @@
           <p:cNvPr id="9" name="직선 연결선 8">
             <a:extLst>
               <a:ext uri="{FF2B5EF4-FFF2-40B4-BE49-F238E27FC236}">
-                <a16:creationId xmlns:a16="http://schemas.microsoft.com/office/drawing/2014/main" xmlns="" id="{1172879B-889D-0C2F-EEA8-003E6793F36F}"/>
+                <a16:creationId xmlns="" xmlns:a16="http://schemas.microsoft.com/office/drawing/2014/main" id="{1172879B-889D-0C2F-EEA8-003E6793F36F}"/>
               </a:ext>
             </a:extLst>
           </p:cNvPr>
@@ -16343,7 +15523,7 @@
           <p:cNvPr id="11" name="직선 연결선 10">
             <a:extLst>
               <a:ext uri="{FF2B5EF4-FFF2-40B4-BE49-F238E27FC236}">
-                <a16:creationId xmlns:a16="http://schemas.microsoft.com/office/drawing/2014/main" xmlns="" id="{466D5656-813B-296D-F08F-2E57C8EBA1E1}"/>
+                <a16:creationId xmlns="" xmlns:a16="http://schemas.microsoft.com/office/drawing/2014/main" id="{466D5656-813B-296D-F08F-2E57C8EBA1E1}"/>
               </a:ext>
             </a:extLst>
           </p:cNvPr>
@@ -16386,7 +15566,7 @@
           <p:cNvPr id="13" name="그룹 1018">
             <a:extLst>
               <a:ext uri="{FF2B5EF4-FFF2-40B4-BE49-F238E27FC236}">
-                <a16:creationId xmlns:a16="http://schemas.microsoft.com/office/drawing/2014/main" xmlns="" id="{6422EA0E-12C8-4264-ABC7-17F8CE933867}"/>
+                <a16:creationId xmlns="" xmlns:a16="http://schemas.microsoft.com/office/drawing/2014/main" id="{6422EA0E-12C8-4264-ABC7-17F8CE933867}"/>
               </a:ext>
             </a:extLst>
           </p:cNvPr>
@@ -16406,7 +15586,7 @@
             <p:cNvPr id="14" name="Object 61">
               <a:extLst>
                 <a:ext uri="{FF2B5EF4-FFF2-40B4-BE49-F238E27FC236}">
-                  <a16:creationId xmlns:a16="http://schemas.microsoft.com/office/drawing/2014/main" xmlns="" id="{B8EE3D0F-6DDF-413D-3D54-0B0C4905D65D}"/>
+                  <a16:creationId xmlns="" xmlns:a16="http://schemas.microsoft.com/office/drawing/2014/main" id="{B8EE3D0F-6DDF-413D-3D54-0B0C4905D65D}"/>
                 </a:ext>
               </a:extLst>
             </p:cNvPr>
@@ -16437,7 +15617,7 @@
           <p:cNvPr id="15" name="그룹 1018">
             <a:extLst>
               <a:ext uri="{FF2B5EF4-FFF2-40B4-BE49-F238E27FC236}">
-                <a16:creationId xmlns:a16="http://schemas.microsoft.com/office/drawing/2014/main" xmlns="" id="{11F8DF7C-F95F-B0B5-FC7F-85E369D002C6}"/>
+                <a16:creationId xmlns="" xmlns:a16="http://schemas.microsoft.com/office/drawing/2014/main" id="{11F8DF7C-F95F-B0B5-FC7F-85E369D002C6}"/>
               </a:ext>
             </a:extLst>
           </p:cNvPr>
@@ -16457,7 +15637,7 @@
             <p:cNvPr id="16" name="Object 61">
               <a:extLst>
                 <a:ext uri="{FF2B5EF4-FFF2-40B4-BE49-F238E27FC236}">
-                  <a16:creationId xmlns:a16="http://schemas.microsoft.com/office/drawing/2014/main" xmlns="" id="{B8B15D9F-D5FD-93DD-D076-037E1D6FFEC7}"/>
+                  <a16:creationId xmlns="" xmlns:a16="http://schemas.microsoft.com/office/drawing/2014/main" id="{B8B15D9F-D5FD-93DD-D076-037E1D6FFEC7}"/>
                 </a:ext>
               </a:extLst>
             </p:cNvPr>
@@ -16488,7 +15668,7 @@
           <p:cNvPr id="17" name="직선 연결선 16">
             <a:extLst>
               <a:ext uri="{FF2B5EF4-FFF2-40B4-BE49-F238E27FC236}">
-                <a16:creationId xmlns:a16="http://schemas.microsoft.com/office/drawing/2014/main" xmlns="" id="{450E9148-0C3A-3B85-23E5-E1D1C0997659}"/>
+                <a16:creationId xmlns="" xmlns:a16="http://schemas.microsoft.com/office/drawing/2014/main" id="{450E9148-0C3A-3B85-23E5-E1D1C0997659}"/>
               </a:ext>
             </a:extLst>
           </p:cNvPr>
@@ -16532,7 +15712,7 @@
           <p:cNvPr id="20" name="TextBox 19">
             <a:extLst>
               <a:ext uri="{FF2B5EF4-FFF2-40B4-BE49-F238E27FC236}">
-                <a16:creationId xmlns:a16="http://schemas.microsoft.com/office/drawing/2014/main" xmlns="" id="{A06D4055-10A8-4A24-5EDC-0761473BA40F}"/>
+                <a16:creationId xmlns="" xmlns:a16="http://schemas.microsoft.com/office/drawing/2014/main" id="{A06D4055-10A8-4A24-5EDC-0761473BA40F}"/>
               </a:ext>
             </a:extLst>
           </p:cNvPr>
@@ -16576,7 +15756,7 @@
           <p:cNvPr id="21" name="TextBox 20">
             <a:extLst>
               <a:ext uri="{FF2B5EF4-FFF2-40B4-BE49-F238E27FC236}">
-                <a16:creationId xmlns:a16="http://schemas.microsoft.com/office/drawing/2014/main" xmlns="" id="{044C5ACF-17B6-5920-7904-E16248F54A6A}"/>
+                <a16:creationId xmlns="" xmlns:a16="http://schemas.microsoft.com/office/drawing/2014/main" id="{044C5ACF-17B6-5920-7904-E16248F54A6A}"/>
               </a:ext>
             </a:extLst>
           </p:cNvPr>
@@ -16620,7 +15800,7 @@
           <p:cNvPr id="22" name="TextBox 21">
             <a:extLst>
               <a:ext uri="{FF2B5EF4-FFF2-40B4-BE49-F238E27FC236}">
-                <a16:creationId xmlns:a16="http://schemas.microsoft.com/office/drawing/2014/main" xmlns="" id="{A7091AF6-2AB0-08A8-8A31-E96D2EBC6A65}"/>
+                <a16:creationId xmlns="" xmlns:a16="http://schemas.microsoft.com/office/drawing/2014/main" id="{A7091AF6-2AB0-08A8-8A31-E96D2EBC6A65}"/>
               </a:ext>
             </a:extLst>
           </p:cNvPr>
@@ -16664,7 +15844,7 @@
           <p:cNvPr id="23" name="TextBox 22">
             <a:extLst>
               <a:ext uri="{FF2B5EF4-FFF2-40B4-BE49-F238E27FC236}">
-                <a16:creationId xmlns:a16="http://schemas.microsoft.com/office/drawing/2014/main" xmlns="" id="{101E227B-A9BD-20A0-66DD-A013FA376D02}"/>
+                <a16:creationId xmlns="" xmlns:a16="http://schemas.microsoft.com/office/drawing/2014/main" id="{101E227B-A9BD-20A0-66DD-A013FA376D02}"/>
               </a:ext>
             </a:extLst>
           </p:cNvPr>

--- a/JavaLecture/LectureFile/샘플.pptx
+++ b/JavaLecture/LectureFile/샘플.pptx
@@ -324,7 +324,7 @@
           <a:p>
             <a:fld id="{F8166F1F-CE9B-4651-A6AA-CD717754106B}" type="datetimeFigureOut">
               <a:rPr lang="en-US" smtClean="0"/>
-              <a:t>4/12/2023</a:t>
+              <a:t>4/23/2023</a:t>
             </a:fld>
             <a:endParaRPr lang="en-US"/>
           </a:p>
@@ -487,7 +487,7 @@
           <a:p>
             <a:fld id="{A76116CE-C4A3-4A05-B2D7-7C2E9A889C0F}" type="datetimeFigureOut">
               <a:rPr lang="en-US" smtClean="0"/>
-              <a:t>4/12/2023</a:t>
+              <a:t>4/23/2023</a:t>
             </a:fld>
             <a:endParaRPr lang="en-US"/>
           </a:p>
@@ -660,7 +660,7 @@
           <a:p>
             <a:fld id="{A76116CE-C4A3-4A05-B2D7-7C2E9A889C0F}" type="datetimeFigureOut">
               <a:rPr lang="en-US" smtClean="0"/>
-              <a:t>4/12/2023</a:t>
+              <a:t>4/23/2023</a:t>
             </a:fld>
             <a:endParaRPr lang="en-US"/>
           </a:p>
@@ -825,7 +825,7 @@
           <a:p>
             <a:fld id="{A76116CE-C4A3-4A05-B2D7-7C2E9A889C0F}" type="datetimeFigureOut">
               <a:rPr lang="en-US" smtClean="0"/>
-              <a:t>4/12/2023</a:t>
+              <a:t>4/23/2023</a:t>
             </a:fld>
             <a:endParaRPr lang="en-US"/>
           </a:p>
@@ -1065,7 +1065,7 @@
           <a:p>
             <a:fld id="{A76116CE-C4A3-4A05-B2D7-7C2E9A889C0F}" type="datetimeFigureOut">
               <a:rPr lang="en-US" smtClean="0"/>
-              <a:t>4/12/2023</a:t>
+              <a:t>4/23/2023</a:t>
             </a:fld>
             <a:endParaRPr lang="en-US"/>
           </a:p>
@@ -1345,7 +1345,7 @@
           <a:p>
             <a:fld id="{A76116CE-C4A3-4A05-B2D7-7C2E9A889C0F}" type="datetimeFigureOut">
               <a:rPr lang="en-US" smtClean="0"/>
-              <a:t>4/12/2023</a:t>
+              <a:t>4/23/2023</a:t>
             </a:fld>
             <a:endParaRPr lang="en-US"/>
           </a:p>
@@ -1759,7 +1759,7 @@
           <a:p>
             <a:fld id="{A76116CE-C4A3-4A05-B2D7-7C2E9A889C0F}" type="datetimeFigureOut">
               <a:rPr lang="en-US" smtClean="0"/>
-              <a:t>4/12/2023</a:t>
+              <a:t>4/23/2023</a:t>
             </a:fld>
             <a:endParaRPr lang="en-US"/>
           </a:p>
@@ -1871,7 +1871,7 @@
           <a:p>
             <a:fld id="{A76116CE-C4A3-4A05-B2D7-7C2E9A889C0F}" type="datetimeFigureOut">
               <a:rPr lang="en-US" smtClean="0"/>
-              <a:t>4/12/2023</a:t>
+              <a:t>4/23/2023</a:t>
             </a:fld>
             <a:endParaRPr lang="en-US"/>
           </a:p>
@@ -1961,7 +1961,7 @@
           <a:p>
             <a:fld id="{A76116CE-C4A3-4A05-B2D7-7C2E9A889C0F}" type="datetimeFigureOut">
               <a:rPr lang="en-US" smtClean="0"/>
-              <a:t>4/12/2023</a:t>
+              <a:t>4/23/2023</a:t>
             </a:fld>
             <a:endParaRPr lang="en-US"/>
           </a:p>
@@ -2231,7 +2231,7 @@
           <a:p>
             <a:fld id="{A76116CE-C4A3-4A05-B2D7-7C2E9A889C0F}" type="datetimeFigureOut">
               <a:rPr lang="en-US" smtClean="0"/>
-              <a:t>4/12/2023</a:t>
+              <a:t>4/23/2023</a:t>
             </a:fld>
             <a:endParaRPr lang="en-US"/>
           </a:p>
@@ -2478,7 +2478,7 @@
           <a:p>
             <a:fld id="{A76116CE-C4A3-4A05-B2D7-7C2E9A889C0F}" type="datetimeFigureOut">
               <a:rPr lang="en-US" smtClean="0"/>
-              <a:t>4/12/2023</a:t>
+              <a:t>4/23/2023</a:t>
             </a:fld>
             <a:endParaRPr lang="en-US"/>
           </a:p>
@@ -2684,7 +2684,7 @@
           <a:p>
             <a:fld id="{F8166F1F-CE9B-4651-A6AA-CD717754106B}" type="datetimeFigureOut">
               <a:rPr lang="en-US" smtClean="0"/>
-              <a:t>4/12/2023</a:t>
+              <a:t>4/23/2023</a:t>
             </a:fld>
             <a:endParaRPr lang="en-US"/>
           </a:p>
@@ -3059,7 +3059,7 @@
           <p:cNvPr id="4" name="그룹 1008">
             <a:extLst>
               <a:ext uri="{FF2B5EF4-FFF2-40B4-BE49-F238E27FC236}">
-                <a16:creationId xmlns="" xmlns:a16="http://schemas.microsoft.com/office/drawing/2014/main" id="{54FFE8A6-6CB8-DCBA-07F7-749FA78BF4A4}"/>
+                <a16:creationId xmlns:a16="http://schemas.microsoft.com/office/drawing/2014/main" xmlns="" id="{54FFE8A6-6CB8-DCBA-07F7-749FA78BF4A4}"/>
               </a:ext>
             </a:extLst>
           </p:cNvPr>
@@ -3079,7 +3079,7 @@
             <p:cNvPr id="5" name="그룹 1009">
               <a:extLst>
                 <a:ext uri="{FF2B5EF4-FFF2-40B4-BE49-F238E27FC236}">
-                  <a16:creationId xmlns="" xmlns:a16="http://schemas.microsoft.com/office/drawing/2014/main" id="{AFC4D322-4969-89C3-C972-D8E8E418CA73}"/>
+                  <a16:creationId xmlns:a16="http://schemas.microsoft.com/office/drawing/2014/main" xmlns="" id="{AFC4D322-4969-89C3-C972-D8E8E418CA73}"/>
                 </a:ext>
               </a:extLst>
             </p:cNvPr>
@@ -3099,7 +3099,7 @@
               <p:cNvPr id="10" name="Object 29">
                 <a:extLst>
                   <a:ext uri="{FF2B5EF4-FFF2-40B4-BE49-F238E27FC236}">
-                    <a16:creationId xmlns="" xmlns:a16="http://schemas.microsoft.com/office/drawing/2014/main" id="{696B190E-C178-4E07-7621-24C3B48A9BCF}"/>
+                    <a16:creationId xmlns:a16="http://schemas.microsoft.com/office/drawing/2014/main" xmlns="" id="{696B190E-C178-4E07-7621-24C3B48A9BCF}"/>
                   </a:ext>
                 </a:extLst>
               </p:cNvPr>
@@ -3130,7 +3130,7 @@
             <p:cNvPr id="6" name="그룹 1010">
               <a:extLst>
                 <a:ext uri="{FF2B5EF4-FFF2-40B4-BE49-F238E27FC236}">
-                  <a16:creationId xmlns="" xmlns:a16="http://schemas.microsoft.com/office/drawing/2014/main" id="{88F3509F-17A2-2BE7-261F-3BA022FF91BA}"/>
+                  <a16:creationId xmlns:a16="http://schemas.microsoft.com/office/drawing/2014/main" xmlns="" id="{88F3509F-17A2-2BE7-261F-3BA022FF91BA}"/>
                 </a:ext>
               </a:extLst>
             </p:cNvPr>
@@ -3150,7 +3150,7 @@
               <p:cNvPr id="9" name="Object 32">
                 <a:extLst>
                   <a:ext uri="{FF2B5EF4-FFF2-40B4-BE49-F238E27FC236}">
-                    <a16:creationId xmlns="" xmlns:a16="http://schemas.microsoft.com/office/drawing/2014/main" id="{6183A7B0-D571-9788-43CE-90A93A934096}"/>
+                    <a16:creationId xmlns:a16="http://schemas.microsoft.com/office/drawing/2014/main" xmlns="" id="{6183A7B0-D571-9788-43CE-90A93A934096}"/>
                   </a:ext>
                 </a:extLst>
               </p:cNvPr>
@@ -3181,7 +3181,7 @@
             <p:cNvPr id="7" name="그룹 1011">
               <a:extLst>
                 <a:ext uri="{FF2B5EF4-FFF2-40B4-BE49-F238E27FC236}">
-                  <a16:creationId xmlns="" xmlns:a16="http://schemas.microsoft.com/office/drawing/2014/main" id="{3DB0BB1F-6A07-787C-7717-F712317AF8C3}"/>
+                  <a16:creationId xmlns:a16="http://schemas.microsoft.com/office/drawing/2014/main" xmlns="" id="{3DB0BB1F-6A07-787C-7717-F712317AF8C3}"/>
                 </a:ext>
               </a:extLst>
             </p:cNvPr>
@@ -3201,7 +3201,7 @@
               <p:cNvPr id="8" name="Object 35">
                 <a:extLst>
                   <a:ext uri="{FF2B5EF4-FFF2-40B4-BE49-F238E27FC236}">
-                    <a16:creationId xmlns="" xmlns:a16="http://schemas.microsoft.com/office/drawing/2014/main" id="{A003AF1A-29EE-2DC2-0E03-479F705DFFB6}"/>
+                    <a16:creationId xmlns:a16="http://schemas.microsoft.com/office/drawing/2014/main" xmlns="" id="{A003AF1A-29EE-2DC2-0E03-479F705DFFB6}"/>
                   </a:ext>
                 </a:extLst>
               </p:cNvPr>
@@ -3233,7 +3233,7 @@
           <p:cNvPr id="11" name="직선 화살표 연결선 10">
             <a:extLst>
               <a:ext uri="{FF2B5EF4-FFF2-40B4-BE49-F238E27FC236}">
-                <a16:creationId xmlns="" xmlns:a16="http://schemas.microsoft.com/office/drawing/2014/main" id="{299DF5EC-9DF4-5255-06AC-0A7CE4FF58C3}"/>
+                <a16:creationId xmlns:a16="http://schemas.microsoft.com/office/drawing/2014/main" xmlns="" id="{299DF5EC-9DF4-5255-06AC-0A7CE4FF58C3}"/>
               </a:ext>
             </a:extLst>
           </p:cNvPr>
@@ -3274,7 +3274,7 @@
           <p:cNvPr id="14" name="직사각형 13">
             <a:extLst>
               <a:ext uri="{FF2B5EF4-FFF2-40B4-BE49-F238E27FC236}">
-                <a16:creationId xmlns="" xmlns:a16="http://schemas.microsoft.com/office/drawing/2014/main" id="{FFF506F9-840A-0508-4CAF-3AC711D8D5CE}"/>
+                <a16:creationId xmlns:a16="http://schemas.microsoft.com/office/drawing/2014/main" xmlns="" id="{FFF506F9-840A-0508-4CAF-3AC711D8D5CE}"/>
               </a:ext>
             </a:extLst>
           </p:cNvPr>
@@ -3283,7 +3283,7 @@
         </p:nvSpPr>
         <p:spPr>
           <a:xfrm>
-            <a:off x="2286000" y="712603"/>
+            <a:off x="2286000" y="647700"/>
             <a:ext cx="2590800" cy="457200"/>
           </a:xfrm>
           <a:prstGeom prst="rect">
@@ -3326,7 +3326,7 @@
           <p:cNvPr id="16" name="그룹 1008">
             <a:extLst>
               <a:ext uri="{FF2B5EF4-FFF2-40B4-BE49-F238E27FC236}">
-                <a16:creationId xmlns="" xmlns:a16="http://schemas.microsoft.com/office/drawing/2014/main" id="{E395BDE3-2EDE-065D-70E8-56E348228ACF}"/>
+                <a16:creationId xmlns:a16="http://schemas.microsoft.com/office/drawing/2014/main" xmlns="" id="{E395BDE3-2EDE-065D-70E8-56E348228ACF}"/>
               </a:ext>
             </a:extLst>
           </p:cNvPr>
@@ -3346,7 +3346,7 @@
             <p:cNvPr id="17" name="그룹 1009">
               <a:extLst>
                 <a:ext uri="{FF2B5EF4-FFF2-40B4-BE49-F238E27FC236}">
-                  <a16:creationId xmlns="" xmlns:a16="http://schemas.microsoft.com/office/drawing/2014/main" id="{852F4DEB-DB33-DB3F-9E9F-52A46CD0B10A}"/>
+                  <a16:creationId xmlns:a16="http://schemas.microsoft.com/office/drawing/2014/main" xmlns="" id="{852F4DEB-DB33-DB3F-9E9F-52A46CD0B10A}"/>
                 </a:ext>
               </a:extLst>
             </p:cNvPr>
@@ -3366,7 +3366,7 @@
               <p:cNvPr id="22" name="Object 29">
                 <a:extLst>
                   <a:ext uri="{FF2B5EF4-FFF2-40B4-BE49-F238E27FC236}">
-                    <a16:creationId xmlns="" xmlns:a16="http://schemas.microsoft.com/office/drawing/2014/main" id="{7E353D3B-14D4-8A64-5888-3F0C062C2CDD}"/>
+                    <a16:creationId xmlns:a16="http://schemas.microsoft.com/office/drawing/2014/main" xmlns="" id="{7E353D3B-14D4-8A64-5888-3F0C062C2CDD}"/>
                   </a:ext>
                 </a:extLst>
               </p:cNvPr>
@@ -3397,7 +3397,7 @@
             <p:cNvPr id="18" name="그룹 1010">
               <a:extLst>
                 <a:ext uri="{FF2B5EF4-FFF2-40B4-BE49-F238E27FC236}">
-                  <a16:creationId xmlns="" xmlns:a16="http://schemas.microsoft.com/office/drawing/2014/main" id="{001E38AB-1390-ABD0-BE01-9727136FEAEE}"/>
+                  <a16:creationId xmlns:a16="http://schemas.microsoft.com/office/drawing/2014/main" xmlns="" id="{001E38AB-1390-ABD0-BE01-9727136FEAEE}"/>
                 </a:ext>
               </a:extLst>
             </p:cNvPr>
@@ -3417,7 +3417,7 @@
               <p:cNvPr id="21" name="Object 32">
                 <a:extLst>
                   <a:ext uri="{FF2B5EF4-FFF2-40B4-BE49-F238E27FC236}">
-                    <a16:creationId xmlns="" xmlns:a16="http://schemas.microsoft.com/office/drawing/2014/main" id="{2ED1C30F-0D0B-F86C-8215-2598D332B5A3}"/>
+                    <a16:creationId xmlns:a16="http://schemas.microsoft.com/office/drawing/2014/main" xmlns="" id="{2ED1C30F-0D0B-F86C-8215-2598D332B5A3}"/>
                   </a:ext>
                 </a:extLst>
               </p:cNvPr>
@@ -3448,7 +3448,7 @@
             <p:cNvPr id="19" name="그룹 1011">
               <a:extLst>
                 <a:ext uri="{FF2B5EF4-FFF2-40B4-BE49-F238E27FC236}">
-                  <a16:creationId xmlns="" xmlns:a16="http://schemas.microsoft.com/office/drawing/2014/main" id="{1BCB8DE5-ABAF-4198-BC16-85BB76F2DB24}"/>
+                  <a16:creationId xmlns:a16="http://schemas.microsoft.com/office/drawing/2014/main" xmlns="" id="{1BCB8DE5-ABAF-4198-BC16-85BB76F2DB24}"/>
                 </a:ext>
               </a:extLst>
             </p:cNvPr>
@@ -3468,7 +3468,7 @@
               <p:cNvPr id="20" name="Object 35">
                 <a:extLst>
                   <a:ext uri="{FF2B5EF4-FFF2-40B4-BE49-F238E27FC236}">
-                    <a16:creationId xmlns="" xmlns:a16="http://schemas.microsoft.com/office/drawing/2014/main" id="{86E7BA23-0A1E-B581-CADC-06AB269DB2BD}"/>
+                    <a16:creationId xmlns:a16="http://schemas.microsoft.com/office/drawing/2014/main" xmlns="" id="{86E7BA23-0A1E-B581-CADC-06AB269DB2BD}"/>
                   </a:ext>
                 </a:extLst>
               </p:cNvPr>
@@ -3500,7 +3500,7 @@
           <p:cNvPr id="23" name="TextBox 22">
             <a:extLst>
               <a:ext uri="{FF2B5EF4-FFF2-40B4-BE49-F238E27FC236}">
-                <a16:creationId xmlns="" xmlns:a16="http://schemas.microsoft.com/office/drawing/2014/main" id="{7229BEA6-121E-9056-D07F-2B3BB1795F76}"/>
+                <a16:creationId xmlns:a16="http://schemas.microsoft.com/office/drawing/2014/main" xmlns="" id="{7229BEA6-121E-9056-D07F-2B3BB1795F76}"/>
               </a:ext>
             </a:extLst>
           </p:cNvPr>
@@ -3548,7 +3548,7 @@
           <p:cNvPr id="24" name="TextBox 23">
             <a:extLst>
               <a:ext uri="{FF2B5EF4-FFF2-40B4-BE49-F238E27FC236}">
-                <a16:creationId xmlns="" xmlns:a16="http://schemas.microsoft.com/office/drawing/2014/main" id="{5ADC00B6-990A-40DC-3CEA-505258F5E8DA}"/>
+                <a16:creationId xmlns:a16="http://schemas.microsoft.com/office/drawing/2014/main" xmlns="" id="{5ADC00B6-990A-40DC-3CEA-505258F5E8DA}"/>
               </a:ext>
             </a:extLst>
           </p:cNvPr>
@@ -3606,7 +3606,7 @@
           <p:cNvPr id="3" name="TextBox 2">
             <a:extLst>
               <a:ext uri="{FF2B5EF4-FFF2-40B4-BE49-F238E27FC236}">
-                <a16:creationId xmlns="" xmlns:a16="http://schemas.microsoft.com/office/drawing/2014/main" id="{C6D113C6-EA5C-788F-0C77-E7CE6EBB865F}"/>
+                <a16:creationId xmlns:a16="http://schemas.microsoft.com/office/drawing/2014/main" xmlns="" id="{C6D113C6-EA5C-788F-0C77-E7CE6EBB865F}"/>
               </a:ext>
             </a:extLst>
           </p:cNvPr>
@@ -3664,7 +3664,7 @@
           <p:cNvPr id="12" name="그룹 1008">
             <a:extLst>
               <a:ext uri="{FF2B5EF4-FFF2-40B4-BE49-F238E27FC236}">
-                <a16:creationId xmlns="" xmlns:a16="http://schemas.microsoft.com/office/drawing/2014/main" id="{678F6342-C505-E8AD-ADA4-022CB2C2088E}"/>
+                <a16:creationId xmlns:a16="http://schemas.microsoft.com/office/drawing/2014/main" xmlns="" id="{678F6342-C505-E8AD-ADA4-022CB2C2088E}"/>
               </a:ext>
             </a:extLst>
           </p:cNvPr>
@@ -3684,7 +3684,7 @@
             <p:cNvPr id="13" name="그룹 1009">
               <a:extLst>
                 <a:ext uri="{FF2B5EF4-FFF2-40B4-BE49-F238E27FC236}">
-                  <a16:creationId xmlns="" xmlns:a16="http://schemas.microsoft.com/office/drawing/2014/main" id="{4E1F1FED-812B-9BBB-925A-84B54A077414}"/>
+                  <a16:creationId xmlns:a16="http://schemas.microsoft.com/office/drawing/2014/main" xmlns="" id="{4E1F1FED-812B-9BBB-925A-84B54A077414}"/>
                 </a:ext>
               </a:extLst>
             </p:cNvPr>
@@ -3704,7 +3704,7 @@
               <p:cNvPr id="29" name="Object 29">
                 <a:extLst>
                   <a:ext uri="{FF2B5EF4-FFF2-40B4-BE49-F238E27FC236}">
-                    <a16:creationId xmlns="" xmlns:a16="http://schemas.microsoft.com/office/drawing/2014/main" id="{7B078609-4286-7B00-51EB-809C8E2DE289}"/>
+                    <a16:creationId xmlns:a16="http://schemas.microsoft.com/office/drawing/2014/main" xmlns="" id="{7B078609-4286-7B00-51EB-809C8E2DE289}"/>
                   </a:ext>
                 </a:extLst>
               </p:cNvPr>
@@ -3735,7 +3735,7 @@
             <p:cNvPr id="25" name="그룹 1010">
               <a:extLst>
                 <a:ext uri="{FF2B5EF4-FFF2-40B4-BE49-F238E27FC236}">
-                  <a16:creationId xmlns="" xmlns:a16="http://schemas.microsoft.com/office/drawing/2014/main" id="{02A649BF-B5B5-FBAF-7DFD-E118A4DF8907}"/>
+                  <a16:creationId xmlns:a16="http://schemas.microsoft.com/office/drawing/2014/main" xmlns="" id="{02A649BF-B5B5-FBAF-7DFD-E118A4DF8907}"/>
                 </a:ext>
               </a:extLst>
             </p:cNvPr>
@@ -3755,7 +3755,7 @@
               <p:cNvPr id="28" name="Object 32">
                 <a:extLst>
                   <a:ext uri="{FF2B5EF4-FFF2-40B4-BE49-F238E27FC236}">
-                    <a16:creationId xmlns="" xmlns:a16="http://schemas.microsoft.com/office/drawing/2014/main" id="{2A0FFF23-B3C9-3EA0-1C1B-A87D4FF098AE}"/>
+                    <a16:creationId xmlns:a16="http://schemas.microsoft.com/office/drawing/2014/main" xmlns="" id="{2A0FFF23-B3C9-3EA0-1C1B-A87D4FF098AE}"/>
                   </a:ext>
                 </a:extLst>
               </p:cNvPr>
@@ -3786,7 +3786,7 @@
             <p:cNvPr id="26" name="그룹 1011">
               <a:extLst>
                 <a:ext uri="{FF2B5EF4-FFF2-40B4-BE49-F238E27FC236}">
-                  <a16:creationId xmlns="" xmlns:a16="http://schemas.microsoft.com/office/drawing/2014/main" id="{881F5410-F7FB-F261-A584-707359BAC593}"/>
+                  <a16:creationId xmlns:a16="http://schemas.microsoft.com/office/drawing/2014/main" xmlns="" id="{881F5410-F7FB-F261-A584-707359BAC593}"/>
                 </a:ext>
               </a:extLst>
             </p:cNvPr>
@@ -3806,7 +3806,7 @@
               <p:cNvPr id="27" name="Object 35">
                 <a:extLst>
                   <a:ext uri="{FF2B5EF4-FFF2-40B4-BE49-F238E27FC236}">
-                    <a16:creationId xmlns="" xmlns:a16="http://schemas.microsoft.com/office/drawing/2014/main" id="{4E99E669-73EB-F9F4-EFE8-DC107035C265}"/>
+                    <a16:creationId xmlns:a16="http://schemas.microsoft.com/office/drawing/2014/main" xmlns="" id="{4E99E669-73EB-F9F4-EFE8-DC107035C265}"/>
                   </a:ext>
                 </a:extLst>
               </p:cNvPr>
@@ -3838,7 +3838,7 @@
           <p:cNvPr id="33" name="직선 연결선 32">
             <a:extLst>
               <a:ext uri="{FF2B5EF4-FFF2-40B4-BE49-F238E27FC236}">
-                <a16:creationId xmlns="" xmlns:a16="http://schemas.microsoft.com/office/drawing/2014/main" id="{6A1A37E4-F933-DE44-2EEA-F3A5BBF35584}"/>
+                <a16:creationId xmlns:a16="http://schemas.microsoft.com/office/drawing/2014/main" xmlns="" id="{6A1A37E4-F933-DE44-2EEA-F3A5BBF35584}"/>
               </a:ext>
             </a:extLst>
           </p:cNvPr>
@@ -3929,7 +3929,7 @@
           <p:cNvPr id="35" name="그룹 1018">
             <a:extLst>
               <a:ext uri="{FF2B5EF4-FFF2-40B4-BE49-F238E27FC236}">
-                <a16:creationId xmlns="" xmlns:a16="http://schemas.microsoft.com/office/drawing/2014/main" id="{0804D430-F42E-AE32-A065-FFA8C471F092}"/>
+                <a16:creationId xmlns:a16="http://schemas.microsoft.com/office/drawing/2014/main" xmlns="" id="{0804D430-F42E-AE32-A065-FFA8C471F092}"/>
               </a:ext>
             </a:extLst>
           </p:cNvPr>
@@ -3949,7 +3949,7 @@
             <p:cNvPr id="36" name="Object 61">
               <a:extLst>
                 <a:ext uri="{FF2B5EF4-FFF2-40B4-BE49-F238E27FC236}">
-                  <a16:creationId xmlns="" xmlns:a16="http://schemas.microsoft.com/office/drawing/2014/main" id="{334A4C3A-641C-7CD9-8FEE-5EC92B28D640}"/>
+                  <a16:creationId xmlns:a16="http://schemas.microsoft.com/office/drawing/2014/main" xmlns="" id="{334A4C3A-641C-7CD9-8FEE-5EC92B28D640}"/>
                 </a:ext>
               </a:extLst>
             </p:cNvPr>
@@ -3980,7 +3980,7 @@
           <p:cNvPr id="38" name="TextBox 37">
             <a:extLst>
               <a:ext uri="{FF2B5EF4-FFF2-40B4-BE49-F238E27FC236}">
-                <a16:creationId xmlns="" xmlns:a16="http://schemas.microsoft.com/office/drawing/2014/main" id="{A2AD056B-97A4-5BCC-4460-250160F3E171}"/>
+                <a16:creationId xmlns:a16="http://schemas.microsoft.com/office/drawing/2014/main" xmlns="" id="{A2AD056B-97A4-5BCC-4460-250160F3E171}"/>
               </a:ext>
             </a:extLst>
           </p:cNvPr>
@@ -4024,7 +4024,7 @@
           <p:cNvPr id="39" name="TextBox 38">
             <a:extLst>
               <a:ext uri="{FF2B5EF4-FFF2-40B4-BE49-F238E27FC236}">
-                <a16:creationId xmlns="" xmlns:a16="http://schemas.microsoft.com/office/drawing/2014/main" id="{52176D31-35F7-8916-46FA-6095EFEC1E49}"/>
+                <a16:creationId xmlns:a16="http://schemas.microsoft.com/office/drawing/2014/main" xmlns="" id="{52176D31-35F7-8916-46FA-6095EFEC1E49}"/>
               </a:ext>
             </a:extLst>
           </p:cNvPr>
@@ -4068,7 +4068,7 @@
           <p:cNvPr id="37" name="표 2">
             <a:extLst>
               <a:ext uri="{FF2B5EF4-FFF2-40B4-BE49-F238E27FC236}">
-                <a16:creationId xmlns="" xmlns:a16="http://schemas.microsoft.com/office/drawing/2014/main" id="{D2CC6F32-611A-E22D-EB8C-52D626A5B319}"/>
+                <a16:creationId xmlns:a16="http://schemas.microsoft.com/office/drawing/2014/main" xmlns="" id="{D2CC6F32-611A-E22D-EB8C-52D626A5B319}"/>
               </a:ext>
             </a:extLst>
           </p:cNvPr>
@@ -4097,21 +4097,21 @@
                 <a:gridCol w="1731833">
                   <a:extLst>
                     <a:ext uri="{9D8B030D-6E8A-4147-A177-3AD203B41FA5}">
-                      <a16:colId xmlns="" xmlns:a16="http://schemas.microsoft.com/office/drawing/2014/main" val="1960770391"/>
+                      <a16:colId xmlns:a16="http://schemas.microsoft.com/office/drawing/2014/main" xmlns="" val="1960770391"/>
                     </a:ext>
                   </a:extLst>
                 </a:gridCol>
                 <a:gridCol w="1752960">
                   <a:extLst>
                     <a:ext uri="{9D8B030D-6E8A-4147-A177-3AD203B41FA5}">
-                      <a16:colId xmlns="" xmlns:a16="http://schemas.microsoft.com/office/drawing/2014/main" val="733308553"/>
+                      <a16:colId xmlns:a16="http://schemas.microsoft.com/office/drawing/2014/main" xmlns="" val="733308553"/>
                     </a:ext>
                   </a:extLst>
                 </a:gridCol>
                 <a:gridCol w="2730951">
                   <a:extLst>
                     <a:ext uri="{9D8B030D-6E8A-4147-A177-3AD203B41FA5}">
-                      <a16:colId xmlns="" xmlns:a16="http://schemas.microsoft.com/office/drawing/2014/main" val="1661322813"/>
+                      <a16:colId xmlns:a16="http://schemas.microsoft.com/office/drawing/2014/main" xmlns="" val="1661322813"/>
                     </a:ext>
                   </a:extLst>
                 </a:gridCol>
@@ -4299,7 +4299,7 @@
                 </a:tc>
                 <a:extLst>
                   <a:ext uri="{0D108BD9-81ED-4DB2-BD59-A6C34878D82A}">
-                    <a16:rowId xmlns="" xmlns:a16="http://schemas.microsoft.com/office/drawing/2014/main" val="2452905565"/>
+                    <a16:rowId xmlns:a16="http://schemas.microsoft.com/office/drawing/2014/main" xmlns="" val="2452905565"/>
                   </a:ext>
                 </a:extLst>
               </a:tr>
@@ -4503,7 +4503,7 @@
                 </a:tc>
                 <a:extLst>
                   <a:ext uri="{0D108BD9-81ED-4DB2-BD59-A6C34878D82A}">
-                    <a16:rowId xmlns="" xmlns:a16="http://schemas.microsoft.com/office/drawing/2014/main" val="3551452526"/>
+                    <a16:rowId xmlns:a16="http://schemas.microsoft.com/office/drawing/2014/main" xmlns="" val="3551452526"/>
                   </a:ext>
                 </a:extLst>
               </a:tr>
@@ -4678,7 +4678,7 @@
                 </a:tc>
                 <a:extLst>
                   <a:ext uri="{0D108BD9-81ED-4DB2-BD59-A6C34878D82A}">
-                    <a16:rowId xmlns="" xmlns:a16="http://schemas.microsoft.com/office/drawing/2014/main" val="3645064171"/>
+                    <a16:rowId xmlns:a16="http://schemas.microsoft.com/office/drawing/2014/main" xmlns="" val="3645064171"/>
                   </a:ext>
                 </a:extLst>
               </a:tr>
@@ -4853,7 +4853,7 @@
                 </a:tc>
                 <a:extLst>
                   <a:ext uri="{0D108BD9-81ED-4DB2-BD59-A6C34878D82A}">
-                    <a16:rowId xmlns="" xmlns:a16="http://schemas.microsoft.com/office/drawing/2014/main" val="2802120283"/>
+                    <a16:rowId xmlns:a16="http://schemas.microsoft.com/office/drawing/2014/main" xmlns="" val="2802120283"/>
                   </a:ext>
                 </a:extLst>
               </a:tr>
@@ -5022,7 +5022,7 @@
                 </a:tc>
                 <a:extLst>
                   <a:ext uri="{0D108BD9-81ED-4DB2-BD59-A6C34878D82A}">
-                    <a16:rowId xmlns="" xmlns:a16="http://schemas.microsoft.com/office/drawing/2014/main" val="1362299918"/>
+                    <a16:rowId xmlns:a16="http://schemas.microsoft.com/office/drawing/2014/main" xmlns="" val="1362299918"/>
                   </a:ext>
                 </a:extLst>
               </a:tr>
@@ -5258,7 +5258,7 @@
                 </a:tc>
                 <a:extLst>
                   <a:ext uri="{0D108BD9-81ED-4DB2-BD59-A6C34878D82A}">
-                    <a16:rowId xmlns="" xmlns:a16="http://schemas.microsoft.com/office/drawing/2014/main" val="2488866604"/>
+                    <a16:rowId xmlns:a16="http://schemas.microsoft.com/office/drawing/2014/main" xmlns="" val="2488866604"/>
                   </a:ext>
                 </a:extLst>
               </a:tr>
@@ -5481,7 +5481,7 @@
                 </a:tc>
                 <a:extLst>
                   <a:ext uri="{0D108BD9-81ED-4DB2-BD59-A6C34878D82A}">
-                    <a16:rowId xmlns="" xmlns:a16="http://schemas.microsoft.com/office/drawing/2014/main" val="2632365449"/>
+                    <a16:rowId xmlns:a16="http://schemas.microsoft.com/office/drawing/2014/main" xmlns="" val="2632365449"/>
                   </a:ext>
                 </a:extLst>
               </a:tr>
@@ -6866,7 +6866,7 @@
           <p:cNvPr id="42" name="TextBox 41">
             <a:extLst>
               <a:ext uri="{FF2B5EF4-FFF2-40B4-BE49-F238E27FC236}">
-                <a16:creationId xmlns="" xmlns:a16="http://schemas.microsoft.com/office/drawing/2014/main" id="{DF7DDD33-9412-2802-339A-E55446AC2DA7}"/>
+                <a16:creationId xmlns:a16="http://schemas.microsoft.com/office/drawing/2014/main" xmlns="" id="{DF7DDD33-9412-2802-339A-E55446AC2DA7}"/>
               </a:ext>
             </a:extLst>
           </p:cNvPr>
@@ -6924,7 +6924,7 @@
           <p:cNvPr id="47" name="TextBox 46">
             <a:extLst>
               <a:ext uri="{FF2B5EF4-FFF2-40B4-BE49-F238E27FC236}">
-                <a16:creationId xmlns="" xmlns:a16="http://schemas.microsoft.com/office/drawing/2014/main" id="{DF7DDD33-9412-2802-339A-E55446AC2DA7}"/>
+                <a16:creationId xmlns:a16="http://schemas.microsoft.com/office/drawing/2014/main" xmlns="" id="{DF7DDD33-9412-2802-339A-E55446AC2DA7}"/>
               </a:ext>
             </a:extLst>
           </p:cNvPr>
@@ -6972,7 +6972,7 @@
           <p:cNvPr id="48" name="TextBox 47">
             <a:extLst>
               <a:ext uri="{FF2B5EF4-FFF2-40B4-BE49-F238E27FC236}">
-                <a16:creationId xmlns="" xmlns:a16="http://schemas.microsoft.com/office/drawing/2014/main" id="{DF7DDD33-9412-2802-339A-E55446AC2DA7}"/>
+                <a16:creationId xmlns:a16="http://schemas.microsoft.com/office/drawing/2014/main" xmlns="" id="{DF7DDD33-9412-2802-339A-E55446AC2DA7}"/>
               </a:ext>
             </a:extLst>
           </p:cNvPr>
@@ -7020,7 +7020,7 @@
           <p:cNvPr id="49" name="TextBox 48">
             <a:extLst>
               <a:ext uri="{FF2B5EF4-FFF2-40B4-BE49-F238E27FC236}">
-                <a16:creationId xmlns="" xmlns:a16="http://schemas.microsoft.com/office/drawing/2014/main" id="{DF7DDD33-9412-2802-339A-E55446AC2DA7}"/>
+                <a16:creationId xmlns:a16="http://schemas.microsoft.com/office/drawing/2014/main" xmlns="" id="{DF7DDD33-9412-2802-339A-E55446AC2DA7}"/>
               </a:ext>
             </a:extLst>
           </p:cNvPr>
@@ -7078,7 +7078,7 @@
           <p:cNvPr id="50" name="TextBox 49">
             <a:extLst>
               <a:ext uri="{FF2B5EF4-FFF2-40B4-BE49-F238E27FC236}">
-                <a16:creationId xmlns="" xmlns:a16="http://schemas.microsoft.com/office/drawing/2014/main" id="{DF7DDD33-9412-2802-339A-E55446AC2DA7}"/>
+                <a16:creationId xmlns:a16="http://schemas.microsoft.com/office/drawing/2014/main" xmlns="" id="{DF7DDD33-9412-2802-339A-E55446AC2DA7}"/>
               </a:ext>
             </a:extLst>
           </p:cNvPr>
@@ -7126,7 +7126,7 @@
           <p:cNvPr id="51" name="TextBox 50">
             <a:extLst>
               <a:ext uri="{FF2B5EF4-FFF2-40B4-BE49-F238E27FC236}">
-                <a16:creationId xmlns="" xmlns:a16="http://schemas.microsoft.com/office/drawing/2014/main" id="{DF7DDD33-9412-2802-339A-E55446AC2DA7}"/>
+                <a16:creationId xmlns:a16="http://schemas.microsoft.com/office/drawing/2014/main" xmlns="" id="{DF7DDD33-9412-2802-339A-E55446AC2DA7}"/>
               </a:ext>
             </a:extLst>
           </p:cNvPr>
@@ -7184,7 +7184,7 @@
           <p:cNvPr id="52" name="TextBox 51">
             <a:extLst>
               <a:ext uri="{FF2B5EF4-FFF2-40B4-BE49-F238E27FC236}">
-                <a16:creationId xmlns="" xmlns:a16="http://schemas.microsoft.com/office/drawing/2014/main" id="{DF7DDD33-9412-2802-339A-E55446AC2DA7}"/>
+                <a16:creationId xmlns:a16="http://schemas.microsoft.com/office/drawing/2014/main" xmlns="" id="{DF7DDD33-9412-2802-339A-E55446AC2DA7}"/>
               </a:ext>
             </a:extLst>
           </p:cNvPr>
@@ -7232,7 +7232,7 @@
           <p:cNvPr id="53" name="TextBox 52">
             <a:extLst>
               <a:ext uri="{FF2B5EF4-FFF2-40B4-BE49-F238E27FC236}">
-                <a16:creationId xmlns="" xmlns:a16="http://schemas.microsoft.com/office/drawing/2014/main" id="{DF7DDD33-9412-2802-339A-E55446AC2DA7}"/>
+                <a16:creationId xmlns:a16="http://schemas.microsoft.com/office/drawing/2014/main" xmlns="" id="{DF7DDD33-9412-2802-339A-E55446AC2DA7}"/>
               </a:ext>
             </a:extLst>
           </p:cNvPr>
@@ -7290,7 +7290,7 @@
           <p:cNvPr id="54" name="TextBox 53">
             <a:extLst>
               <a:ext uri="{FF2B5EF4-FFF2-40B4-BE49-F238E27FC236}">
-                <a16:creationId xmlns="" xmlns:a16="http://schemas.microsoft.com/office/drawing/2014/main" id="{DF7DDD33-9412-2802-339A-E55446AC2DA7}"/>
+                <a16:creationId xmlns:a16="http://schemas.microsoft.com/office/drawing/2014/main" xmlns="" id="{DF7DDD33-9412-2802-339A-E55446AC2DA7}"/>
               </a:ext>
             </a:extLst>
           </p:cNvPr>
@@ -7338,7 +7338,7 @@
           <p:cNvPr id="55" name="TextBox 54">
             <a:extLst>
               <a:ext uri="{FF2B5EF4-FFF2-40B4-BE49-F238E27FC236}">
-                <a16:creationId xmlns="" xmlns:a16="http://schemas.microsoft.com/office/drawing/2014/main" id="{DF7DDD33-9412-2802-339A-E55446AC2DA7}"/>
+                <a16:creationId xmlns:a16="http://schemas.microsoft.com/office/drawing/2014/main" xmlns="" id="{DF7DDD33-9412-2802-339A-E55446AC2DA7}"/>
               </a:ext>
             </a:extLst>
           </p:cNvPr>
@@ -15376,7 +15376,7 @@
           <p:cNvPr id="4" name="그룹 1018">
             <a:extLst>
               <a:ext uri="{FF2B5EF4-FFF2-40B4-BE49-F238E27FC236}">
-                <a16:creationId xmlns="" xmlns:a16="http://schemas.microsoft.com/office/drawing/2014/main" id="{0C5247D1-E285-7CDC-25F8-F1ABCDE304BE}"/>
+                <a16:creationId xmlns:a16="http://schemas.microsoft.com/office/drawing/2014/main" xmlns="" id="{0C5247D1-E285-7CDC-25F8-F1ABCDE304BE}"/>
               </a:ext>
             </a:extLst>
           </p:cNvPr>
@@ -15396,7 +15396,7 @@
             <p:cNvPr id="5" name="Object 61">
               <a:extLst>
                 <a:ext uri="{FF2B5EF4-FFF2-40B4-BE49-F238E27FC236}">
-                  <a16:creationId xmlns="" xmlns:a16="http://schemas.microsoft.com/office/drawing/2014/main" id="{29C480AF-46D1-D9A5-6C87-226E5620D948}"/>
+                  <a16:creationId xmlns:a16="http://schemas.microsoft.com/office/drawing/2014/main" xmlns="" id="{29C480AF-46D1-D9A5-6C87-226E5620D948}"/>
                 </a:ext>
               </a:extLst>
             </p:cNvPr>
@@ -15427,7 +15427,7 @@
           <p:cNvPr id="6" name="그룹 1018">
             <a:extLst>
               <a:ext uri="{FF2B5EF4-FFF2-40B4-BE49-F238E27FC236}">
-                <a16:creationId xmlns="" xmlns:a16="http://schemas.microsoft.com/office/drawing/2014/main" id="{F53BC57C-78A5-6AFC-CB34-7E3FD29B339F}"/>
+                <a16:creationId xmlns:a16="http://schemas.microsoft.com/office/drawing/2014/main" xmlns="" id="{F53BC57C-78A5-6AFC-CB34-7E3FD29B339F}"/>
               </a:ext>
             </a:extLst>
           </p:cNvPr>
@@ -15447,7 +15447,7 @@
             <p:cNvPr id="7" name="Object 61">
               <a:extLst>
                 <a:ext uri="{FF2B5EF4-FFF2-40B4-BE49-F238E27FC236}">
-                  <a16:creationId xmlns="" xmlns:a16="http://schemas.microsoft.com/office/drawing/2014/main" id="{E6F73685-14E5-06A9-813C-1C372BD6F4DE}"/>
+                  <a16:creationId xmlns:a16="http://schemas.microsoft.com/office/drawing/2014/main" xmlns="" id="{E6F73685-14E5-06A9-813C-1C372BD6F4DE}"/>
                 </a:ext>
               </a:extLst>
             </p:cNvPr>
@@ -15478,7 +15478,7 @@
           <p:cNvPr id="9" name="직선 연결선 8">
             <a:extLst>
               <a:ext uri="{FF2B5EF4-FFF2-40B4-BE49-F238E27FC236}">
-                <a16:creationId xmlns="" xmlns:a16="http://schemas.microsoft.com/office/drawing/2014/main" id="{1172879B-889D-0C2F-EEA8-003E6793F36F}"/>
+                <a16:creationId xmlns:a16="http://schemas.microsoft.com/office/drawing/2014/main" xmlns="" id="{1172879B-889D-0C2F-EEA8-003E6793F36F}"/>
               </a:ext>
             </a:extLst>
           </p:cNvPr>
@@ -15523,7 +15523,7 @@
           <p:cNvPr id="11" name="직선 연결선 10">
             <a:extLst>
               <a:ext uri="{FF2B5EF4-FFF2-40B4-BE49-F238E27FC236}">
-                <a16:creationId xmlns="" xmlns:a16="http://schemas.microsoft.com/office/drawing/2014/main" id="{466D5656-813B-296D-F08F-2E57C8EBA1E1}"/>
+                <a16:creationId xmlns:a16="http://schemas.microsoft.com/office/drawing/2014/main" xmlns="" id="{466D5656-813B-296D-F08F-2E57C8EBA1E1}"/>
               </a:ext>
             </a:extLst>
           </p:cNvPr>
@@ -15566,7 +15566,7 @@
           <p:cNvPr id="13" name="그룹 1018">
             <a:extLst>
               <a:ext uri="{FF2B5EF4-FFF2-40B4-BE49-F238E27FC236}">
-                <a16:creationId xmlns="" xmlns:a16="http://schemas.microsoft.com/office/drawing/2014/main" id="{6422EA0E-12C8-4264-ABC7-17F8CE933867}"/>
+                <a16:creationId xmlns:a16="http://schemas.microsoft.com/office/drawing/2014/main" xmlns="" id="{6422EA0E-12C8-4264-ABC7-17F8CE933867}"/>
               </a:ext>
             </a:extLst>
           </p:cNvPr>
@@ -15586,7 +15586,7 @@
             <p:cNvPr id="14" name="Object 61">
               <a:extLst>
                 <a:ext uri="{FF2B5EF4-FFF2-40B4-BE49-F238E27FC236}">
-                  <a16:creationId xmlns="" xmlns:a16="http://schemas.microsoft.com/office/drawing/2014/main" id="{B8EE3D0F-6DDF-413D-3D54-0B0C4905D65D}"/>
+                  <a16:creationId xmlns:a16="http://schemas.microsoft.com/office/drawing/2014/main" xmlns="" id="{B8EE3D0F-6DDF-413D-3D54-0B0C4905D65D}"/>
                 </a:ext>
               </a:extLst>
             </p:cNvPr>
@@ -15617,7 +15617,7 @@
           <p:cNvPr id="15" name="그룹 1018">
             <a:extLst>
               <a:ext uri="{FF2B5EF4-FFF2-40B4-BE49-F238E27FC236}">
-                <a16:creationId xmlns="" xmlns:a16="http://schemas.microsoft.com/office/drawing/2014/main" id="{11F8DF7C-F95F-B0B5-FC7F-85E369D002C6}"/>
+                <a16:creationId xmlns:a16="http://schemas.microsoft.com/office/drawing/2014/main" xmlns="" id="{11F8DF7C-F95F-B0B5-FC7F-85E369D002C6}"/>
               </a:ext>
             </a:extLst>
           </p:cNvPr>
@@ -15637,7 +15637,7 @@
             <p:cNvPr id="16" name="Object 61">
               <a:extLst>
                 <a:ext uri="{FF2B5EF4-FFF2-40B4-BE49-F238E27FC236}">
-                  <a16:creationId xmlns="" xmlns:a16="http://schemas.microsoft.com/office/drawing/2014/main" id="{B8B15D9F-D5FD-93DD-D076-037E1D6FFEC7}"/>
+                  <a16:creationId xmlns:a16="http://schemas.microsoft.com/office/drawing/2014/main" xmlns="" id="{B8B15D9F-D5FD-93DD-D076-037E1D6FFEC7}"/>
                 </a:ext>
               </a:extLst>
             </p:cNvPr>
@@ -15668,7 +15668,7 @@
           <p:cNvPr id="17" name="직선 연결선 16">
             <a:extLst>
               <a:ext uri="{FF2B5EF4-FFF2-40B4-BE49-F238E27FC236}">
-                <a16:creationId xmlns="" xmlns:a16="http://schemas.microsoft.com/office/drawing/2014/main" id="{450E9148-0C3A-3B85-23E5-E1D1C0997659}"/>
+                <a16:creationId xmlns:a16="http://schemas.microsoft.com/office/drawing/2014/main" xmlns="" id="{450E9148-0C3A-3B85-23E5-E1D1C0997659}"/>
               </a:ext>
             </a:extLst>
           </p:cNvPr>
@@ -15712,7 +15712,7 @@
           <p:cNvPr id="20" name="TextBox 19">
             <a:extLst>
               <a:ext uri="{FF2B5EF4-FFF2-40B4-BE49-F238E27FC236}">
-                <a16:creationId xmlns="" xmlns:a16="http://schemas.microsoft.com/office/drawing/2014/main" id="{A06D4055-10A8-4A24-5EDC-0761473BA40F}"/>
+                <a16:creationId xmlns:a16="http://schemas.microsoft.com/office/drawing/2014/main" xmlns="" id="{A06D4055-10A8-4A24-5EDC-0761473BA40F}"/>
               </a:ext>
             </a:extLst>
           </p:cNvPr>
@@ -15756,7 +15756,7 @@
           <p:cNvPr id="21" name="TextBox 20">
             <a:extLst>
               <a:ext uri="{FF2B5EF4-FFF2-40B4-BE49-F238E27FC236}">
-                <a16:creationId xmlns="" xmlns:a16="http://schemas.microsoft.com/office/drawing/2014/main" id="{044C5ACF-17B6-5920-7904-E16248F54A6A}"/>
+                <a16:creationId xmlns:a16="http://schemas.microsoft.com/office/drawing/2014/main" xmlns="" id="{044C5ACF-17B6-5920-7904-E16248F54A6A}"/>
               </a:ext>
             </a:extLst>
           </p:cNvPr>
@@ -15800,7 +15800,7 @@
           <p:cNvPr id="22" name="TextBox 21">
             <a:extLst>
               <a:ext uri="{FF2B5EF4-FFF2-40B4-BE49-F238E27FC236}">
-                <a16:creationId xmlns="" xmlns:a16="http://schemas.microsoft.com/office/drawing/2014/main" id="{A7091AF6-2AB0-08A8-8A31-E96D2EBC6A65}"/>
+                <a16:creationId xmlns:a16="http://schemas.microsoft.com/office/drawing/2014/main" xmlns="" id="{A7091AF6-2AB0-08A8-8A31-E96D2EBC6A65}"/>
               </a:ext>
             </a:extLst>
           </p:cNvPr>
@@ -15844,7 +15844,7 @@
           <p:cNvPr id="23" name="TextBox 22">
             <a:extLst>
               <a:ext uri="{FF2B5EF4-FFF2-40B4-BE49-F238E27FC236}">
-                <a16:creationId xmlns="" xmlns:a16="http://schemas.microsoft.com/office/drawing/2014/main" id="{101E227B-A9BD-20A0-66DD-A013FA376D02}"/>
+                <a16:creationId xmlns:a16="http://schemas.microsoft.com/office/drawing/2014/main" xmlns="" id="{101E227B-A9BD-20A0-66DD-A013FA376D02}"/>
               </a:ext>
             </a:extLst>
           </p:cNvPr>

--- a/JavaLecture/LectureFile/샘플.pptx
+++ b/JavaLecture/LectureFile/샘플.pptx
@@ -324,7 +324,7 @@
           <a:p>
             <a:fld id="{F8166F1F-CE9B-4651-A6AA-CD717754106B}" type="datetimeFigureOut">
               <a:rPr lang="en-US" smtClean="0"/>
-              <a:t>4/23/2023</a:t>
+              <a:t>5/12/2023</a:t>
             </a:fld>
             <a:endParaRPr lang="en-US"/>
           </a:p>
@@ -487,7 +487,7 @@
           <a:p>
             <a:fld id="{A76116CE-C4A3-4A05-B2D7-7C2E9A889C0F}" type="datetimeFigureOut">
               <a:rPr lang="en-US" smtClean="0"/>
-              <a:t>4/23/2023</a:t>
+              <a:t>5/12/2023</a:t>
             </a:fld>
             <a:endParaRPr lang="en-US"/>
           </a:p>
@@ -660,7 +660,7 @@
           <a:p>
             <a:fld id="{A76116CE-C4A3-4A05-B2D7-7C2E9A889C0F}" type="datetimeFigureOut">
               <a:rPr lang="en-US" smtClean="0"/>
-              <a:t>4/23/2023</a:t>
+              <a:t>5/12/2023</a:t>
             </a:fld>
             <a:endParaRPr lang="en-US"/>
           </a:p>
@@ -825,7 +825,7 @@
           <a:p>
             <a:fld id="{A76116CE-C4A3-4A05-B2D7-7C2E9A889C0F}" type="datetimeFigureOut">
               <a:rPr lang="en-US" smtClean="0"/>
-              <a:t>4/23/2023</a:t>
+              <a:t>5/12/2023</a:t>
             </a:fld>
             <a:endParaRPr lang="en-US"/>
           </a:p>
@@ -1065,7 +1065,7 @@
           <a:p>
             <a:fld id="{A76116CE-C4A3-4A05-B2D7-7C2E9A889C0F}" type="datetimeFigureOut">
               <a:rPr lang="en-US" smtClean="0"/>
-              <a:t>4/23/2023</a:t>
+              <a:t>5/12/2023</a:t>
             </a:fld>
             <a:endParaRPr lang="en-US"/>
           </a:p>
@@ -1345,7 +1345,7 @@
           <a:p>
             <a:fld id="{A76116CE-C4A3-4A05-B2D7-7C2E9A889C0F}" type="datetimeFigureOut">
               <a:rPr lang="en-US" smtClean="0"/>
-              <a:t>4/23/2023</a:t>
+              <a:t>5/12/2023</a:t>
             </a:fld>
             <a:endParaRPr lang="en-US"/>
           </a:p>
@@ -1759,7 +1759,7 @@
           <a:p>
             <a:fld id="{A76116CE-C4A3-4A05-B2D7-7C2E9A889C0F}" type="datetimeFigureOut">
               <a:rPr lang="en-US" smtClean="0"/>
-              <a:t>4/23/2023</a:t>
+              <a:t>5/12/2023</a:t>
             </a:fld>
             <a:endParaRPr lang="en-US"/>
           </a:p>
@@ -1871,7 +1871,7 @@
           <a:p>
             <a:fld id="{A76116CE-C4A3-4A05-B2D7-7C2E9A889C0F}" type="datetimeFigureOut">
               <a:rPr lang="en-US" smtClean="0"/>
-              <a:t>4/23/2023</a:t>
+              <a:t>5/12/2023</a:t>
             </a:fld>
             <a:endParaRPr lang="en-US"/>
           </a:p>
@@ -1961,7 +1961,7 @@
           <a:p>
             <a:fld id="{A76116CE-C4A3-4A05-B2D7-7C2E9A889C0F}" type="datetimeFigureOut">
               <a:rPr lang="en-US" smtClean="0"/>
-              <a:t>4/23/2023</a:t>
+              <a:t>5/12/2023</a:t>
             </a:fld>
             <a:endParaRPr lang="en-US"/>
           </a:p>
@@ -2231,7 +2231,7 @@
           <a:p>
             <a:fld id="{A76116CE-C4A3-4A05-B2D7-7C2E9A889C0F}" type="datetimeFigureOut">
               <a:rPr lang="en-US" smtClean="0"/>
-              <a:t>4/23/2023</a:t>
+              <a:t>5/12/2023</a:t>
             </a:fld>
             <a:endParaRPr lang="en-US"/>
           </a:p>
@@ -2478,7 +2478,7 @@
           <a:p>
             <a:fld id="{A76116CE-C4A3-4A05-B2D7-7C2E9A889C0F}" type="datetimeFigureOut">
               <a:rPr lang="en-US" smtClean="0"/>
-              <a:t>4/23/2023</a:t>
+              <a:t>5/12/2023</a:t>
             </a:fld>
             <a:endParaRPr lang="en-US"/>
           </a:p>
@@ -2684,7 +2684,7 @@
           <a:p>
             <a:fld id="{F8166F1F-CE9B-4651-A6AA-CD717754106B}" type="datetimeFigureOut">
               <a:rPr lang="en-US" smtClean="0"/>
-              <a:t>4/23/2023</a:t>
+              <a:t>5/12/2023</a:t>
             </a:fld>
             <a:endParaRPr lang="en-US"/>
           </a:p>
@@ -3924,57 +3924,6 @@
           </a:p>
         </p:txBody>
       </p:sp>
-      <p:grpSp>
-        <p:nvGrpSpPr>
-          <p:cNvPr id="35" name="그룹 1018">
-            <a:extLst>
-              <a:ext uri="{FF2B5EF4-FFF2-40B4-BE49-F238E27FC236}">
-                <a16:creationId xmlns:a16="http://schemas.microsoft.com/office/drawing/2014/main" xmlns="" id="{0804D430-F42E-AE32-A065-FFA8C471F092}"/>
-              </a:ext>
-            </a:extLst>
-          </p:cNvPr>
-          <p:cNvGrpSpPr/>
-          <p:nvPr/>
-        </p:nvGrpSpPr>
-        <p:grpSpPr>
-          <a:xfrm>
-            <a:off x="8661687" y="2395552"/>
-            <a:ext cx="3393622" cy="1114286"/>
-            <a:chOff x="2803727" y="4828571"/>
-            <a:chExt cx="3393622" cy="1114286"/>
-          </a:xfrm>
-        </p:grpSpPr>
-        <p:pic>
-          <p:nvPicPr>
-            <p:cNvPr id="36" name="Object 61">
-              <a:extLst>
-                <a:ext uri="{FF2B5EF4-FFF2-40B4-BE49-F238E27FC236}">
-                  <a16:creationId xmlns:a16="http://schemas.microsoft.com/office/drawing/2014/main" xmlns="" id="{334A4C3A-641C-7CD9-8FEE-5EC92B28D640}"/>
-                </a:ext>
-              </a:extLst>
-            </p:cNvPr>
-            <p:cNvPicPr>
-              <a:picLocks noChangeAspect="1"/>
-            </p:cNvPicPr>
-            <p:nvPr/>
-          </p:nvPicPr>
-          <p:blipFill>
-            <a:blip r:embed="rId5" cstate="print"/>
-            <a:stretch>
-              <a:fillRect/>
-            </a:stretch>
-          </p:blipFill>
-          <p:spPr>
-            <a:xfrm>
-              <a:off x="2803727" y="4828571"/>
-              <a:ext cx="3393622" cy="1114286"/>
-            </a:xfrm>
-            <a:prstGeom prst="rect">
-              <a:avLst/>
-            </a:prstGeom>
-          </p:spPr>
-        </p:pic>
-      </p:grpSp>
       <p:sp>
         <p:nvSpPr>
           <p:cNvPr id="38" name="TextBox 37">
@@ -7391,6 +7340,277 @@
           </a:p>
         </p:txBody>
       </p:sp>
+      <p:grpSp>
+        <p:nvGrpSpPr>
+          <p:cNvPr id="56" name="그룹 55"/>
+          <p:cNvGrpSpPr/>
+          <p:nvPr/>
+        </p:nvGrpSpPr>
+        <p:grpSpPr>
+          <a:xfrm>
+            <a:off x="8799157" y="2567209"/>
+            <a:ext cx="2748642" cy="950084"/>
+            <a:chOff x="3276600" y="5735258"/>
+            <a:chExt cx="2748642" cy="950084"/>
+          </a:xfrm>
+        </p:grpSpPr>
+        <p:cxnSp>
+          <p:nvCxnSpPr>
+            <p:cNvPr id="57" name="직선 연결선 56">
+              <a:extLst>
+                <a:ext uri="{FF2B5EF4-FFF2-40B4-BE49-F238E27FC236}">
+                  <a16:creationId xmlns:a16="http://schemas.microsoft.com/office/drawing/2014/main" xmlns="" id="{1172879B-889D-0C2F-EEA8-003E6793F36F}"/>
+                </a:ext>
+              </a:extLst>
+            </p:cNvPr>
+            <p:cNvCxnSpPr>
+              <a:cxnSpLocks/>
+            </p:cNvCxnSpPr>
+            <p:nvPr/>
+          </p:nvCxnSpPr>
+          <p:spPr>
+            <a:xfrm flipH="1">
+              <a:off x="3287486" y="5753100"/>
+              <a:ext cx="2732314" cy="0"/>
+            </a:xfrm>
+            <a:prstGeom prst="line">
+              <a:avLst/>
+            </a:prstGeom>
+            <a:ln w="38100">
+              <a:solidFill>
+                <a:srgbClr val="4C50BC"/>
+              </a:solidFill>
+            </a:ln>
+          </p:spPr>
+          <p:style>
+            <a:lnRef idx="1">
+              <a:schemeClr val="accent1"/>
+            </a:lnRef>
+            <a:fillRef idx="0">
+              <a:schemeClr val="accent1"/>
+            </a:fillRef>
+            <a:effectRef idx="0">
+              <a:schemeClr val="accent1"/>
+            </a:effectRef>
+            <a:fontRef idx="minor">
+              <a:schemeClr val="tx1"/>
+            </a:fontRef>
+          </p:style>
+        </p:cxnSp>
+        <p:cxnSp>
+          <p:nvCxnSpPr>
+            <p:cNvPr id="58" name="직선 연결선 57">
+              <a:extLst>
+                <a:ext uri="{FF2B5EF4-FFF2-40B4-BE49-F238E27FC236}">
+                  <a16:creationId xmlns:a16="http://schemas.microsoft.com/office/drawing/2014/main" xmlns="" id="{1172879B-889D-0C2F-EEA8-003E6793F36F}"/>
+                </a:ext>
+              </a:extLst>
+            </p:cNvPr>
+            <p:cNvCxnSpPr>
+              <a:cxnSpLocks/>
+            </p:cNvCxnSpPr>
+            <p:nvPr/>
+          </p:nvCxnSpPr>
+          <p:spPr>
+            <a:xfrm flipH="1">
+              <a:off x="3276600" y="6667500"/>
+              <a:ext cx="2732314" cy="0"/>
+            </a:xfrm>
+            <a:prstGeom prst="line">
+              <a:avLst/>
+            </a:prstGeom>
+            <a:ln w="38100">
+              <a:solidFill>
+                <a:srgbClr val="4C50BC"/>
+              </a:solidFill>
+            </a:ln>
+          </p:spPr>
+          <p:style>
+            <a:lnRef idx="1">
+              <a:schemeClr val="accent1"/>
+            </a:lnRef>
+            <a:fillRef idx="0">
+              <a:schemeClr val="accent1"/>
+            </a:fillRef>
+            <a:effectRef idx="0">
+              <a:schemeClr val="accent1"/>
+            </a:effectRef>
+            <a:fontRef idx="minor">
+              <a:schemeClr val="tx1"/>
+            </a:fontRef>
+          </p:style>
+        </p:cxnSp>
+        <p:cxnSp>
+          <p:nvCxnSpPr>
+            <p:cNvPr id="59" name="직선 연결선 58">
+              <a:extLst>
+                <a:ext uri="{FF2B5EF4-FFF2-40B4-BE49-F238E27FC236}">
+                  <a16:creationId xmlns:a16="http://schemas.microsoft.com/office/drawing/2014/main" xmlns="" id="{1172879B-889D-0C2F-EEA8-003E6793F36F}"/>
+                </a:ext>
+              </a:extLst>
+            </p:cNvPr>
+            <p:cNvCxnSpPr>
+              <a:cxnSpLocks/>
+            </p:cNvCxnSpPr>
+            <p:nvPr/>
+          </p:nvCxnSpPr>
+          <p:spPr>
+            <a:xfrm flipH="1">
+              <a:off x="6008914" y="5735258"/>
+              <a:ext cx="16328" cy="932242"/>
+            </a:xfrm>
+            <a:prstGeom prst="line">
+              <a:avLst/>
+            </a:prstGeom>
+            <a:ln w="38100">
+              <a:solidFill>
+                <a:srgbClr val="4C50BC"/>
+              </a:solidFill>
+            </a:ln>
+          </p:spPr>
+          <p:style>
+            <a:lnRef idx="1">
+              <a:schemeClr val="accent1"/>
+            </a:lnRef>
+            <a:fillRef idx="0">
+              <a:schemeClr val="accent1"/>
+            </a:fillRef>
+            <a:effectRef idx="0">
+              <a:schemeClr val="accent1"/>
+            </a:effectRef>
+            <a:fontRef idx="minor">
+              <a:schemeClr val="tx1"/>
+            </a:fontRef>
+          </p:style>
+        </p:cxnSp>
+        <p:cxnSp>
+          <p:nvCxnSpPr>
+            <p:cNvPr id="60" name="직선 연결선 59">
+              <a:extLst>
+                <a:ext uri="{FF2B5EF4-FFF2-40B4-BE49-F238E27FC236}">
+                  <a16:creationId xmlns:a16="http://schemas.microsoft.com/office/drawing/2014/main" xmlns="" id="{1172879B-889D-0C2F-EEA8-003E6793F36F}"/>
+                </a:ext>
+              </a:extLst>
+            </p:cNvPr>
+            <p:cNvCxnSpPr>
+              <a:cxnSpLocks/>
+            </p:cNvCxnSpPr>
+            <p:nvPr/>
+          </p:nvCxnSpPr>
+          <p:spPr>
+            <a:xfrm flipH="1">
+              <a:off x="3276600" y="5753100"/>
+              <a:ext cx="16328" cy="932242"/>
+            </a:xfrm>
+            <a:prstGeom prst="line">
+              <a:avLst/>
+            </a:prstGeom>
+            <a:ln w="38100">
+              <a:solidFill>
+                <a:srgbClr val="4C50BC"/>
+              </a:solidFill>
+            </a:ln>
+          </p:spPr>
+          <p:style>
+            <a:lnRef idx="1">
+              <a:schemeClr val="accent1"/>
+            </a:lnRef>
+            <a:fillRef idx="0">
+              <a:schemeClr val="accent1"/>
+            </a:fillRef>
+            <a:effectRef idx="0">
+              <a:schemeClr val="accent1"/>
+            </a:effectRef>
+            <a:fontRef idx="minor">
+              <a:schemeClr val="tx1"/>
+            </a:fontRef>
+          </p:style>
+        </p:cxnSp>
+      </p:grpSp>
+      <p:cxnSp>
+        <p:nvCxnSpPr>
+          <p:cNvPr id="61" name="직선 연결선 60">
+            <a:extLst>
+              <a:ext uri="{FF2B5EF4-FFF2-40B4-BE49-F238E27FC236}">
+                <a16:creationId xmlns:a16="http://schemas.microsoft.com/office/drawing/2014/main" xmlns="" id="{466D5656-813B-296D-F08F-2E57C8EBA1E1}"/>
+              </a:ext>
+            </a:extLst>
+          </p:cNvPr>
+          <p:cNvCxnSpPr>
+            <a:cxnSpLocks/>
+          </p:cNvCxnSpPr>
+          <p:nvPr/>
+        </p:nvCxnSpPr>
+        <p:spPr>
+          <a:xfrm>
+            <a:off x="7239000" y="1699698"/>
+            <a:ext cx="0" cy="1735022"/>
+          </a:xfrm>
+          <a:prstGeom prst="line">
+            <a:avLst/>
+          </a:prstGeom>
+          <a:ln w="38100">
+            <a:solidFill>
+              <a:srgbClr val="4C50BC"/>
+            </a:solidFill>
+          </a:ln>
+        </p:spPr>
+        <p:style>
+          <a:lnRef idx="1">
+            <a:schemeClr val="accent1"/>
+          </a:lnRef>
+          <a:fillRef idx="0">
+            <a:schemeClr val="accent1"/>
+          </a:fillRef>
+          <a:effectRef idx="0">
+            <a:schemeClr val="accent1"/>
+          </a:effectRef>
+          <a:fontRef idx="minor">
+            <a:schemeClr val="tx1"/>
+          </a:fontRef>
+        </p:style>
+      </p:cxnSp>
+      <p:pic>
+        <p:nvPicPr>
+          <p:cNvPr id="63" name="Picture 2" descr="https://search.pstatic.net/common/?src=http%3A%2F%2Fblogfiles.naver.net%2FMjAyMjEwMThfMjM4%2FMDAxNjY2MDY1NjA0Nzc3.YR0EgQOhGF1Wnqb6DK0_JRHwg7PVQMX9HbXpjFwm14og.O4HZPdIVn_AfYWoWc4Ilz9YK-axxRxZVBgdRl-PQ0ysg.PNG.jdockko1%2FFASFA.png&amp;type=sc960_832"/>
+          <p:cNvPicPr>
+            <a:picLocks noChangeAspect="1" noChangeArrowheads="1"/>
+          </p:cNvPicPr>
+          <p:nvPr/>
+        </p:nvPicPr>
+        <p:blipFill>
+          <a:blip r:embed="rId5">
+            <a:extLst>
+              <a:ext uri="{28A0092B-C50C-407E-A947-70E740481C1C}">
+                <a14:useLocalDpi xmlns:a14="http://schemas.microsoft.com/office/drawing/2010/main" val="0"/>
+              </a:ext>
+            </a:extLst>
+          </a:blip>
+          <a:srcRect/>
+          <a:stretch>
+            <a:fillRect/>
+          </a:stretch>
+        </p:blipFill>
+        <p:spPr bwMode="auto">
+          <a:xfrm>
+            <a:off x="11851201" y="7668812"/>
+            <a:ext cx="6204569" cy="2145747"/>
+          </a:xfrm>
+          <a:prstGeom prst="rect">
+            <a:avLst/>
+          </a:prstGeom>
+          <a:noFill/>
+          <a:extLst>
+            <a:ext uri="{909E8E84-426E-40DD-AFC4-6F175D3DCCD1}">
+              <a14:hiddenFill xmlns:a14="http://schemas.microsoft.com/office/drawing/2010/main">
+                <a:solidFill>
+                  <a:srgbClr val="FFFFFF"/>
+                </a:solidFill>
+              </a14:hiddenFill>
+            </a:ext>
+          </a:extLst>
+        </p:spPr>
+      </p:pic>
     </p:spTree>
     <p:extLst>
       <p:ext uri="{BB962C8B-B14F-4D97-AF65-F5344CB8AC3E}">
@@ -15475,51 +15695,6 @@
       </p:grpSp>
       <p:cxnSp>
         <p:nvCxnSpPr>
-          <p:cNvPr id="9" name="직선 연결선 8">
-            <a:extLst>
-              <a:ext uri="{FF2B5EF4-FFF2-40B4-BE49-F238E27FC236}">
-                <a16:creationId xmlns:a16="http://schemas.microsoft.com/office/drawing/2014/main" xmlns="" id="{1172879B-889D-0C2F-EEA8-003E6793F36F}"/>
-              </a:ext>
-            </a:extLst>
-          </p:cNvPr>
-          <p:cNvCxnSpPr>
-            <a:cxnSpLocks/>
-            <a:stCxn id="7" idx="2"/>
-            <a:endCxn id="5" idx="0"/>
-          </p:cNvCxnSpPr>
-          <p:nvPr/>
-        </p:nvCxnSpPr>
-        <p:spPr>
-          <a:xfrm flipH="1">
-            <a:off x="4984297" y="2133509"/>
-            <a:ext cx="3815087" cy="1735022"/>
-          </a:xfrm>
-          <a:prstGeom prst="line">
-            <a:avLst/>
-          </a:prstGeom>
-          <a:ln w="38100">
-            <a:solidFill>
-              <a:srgbClr val="4C50BC"/>
-            </a:solidFill>
-          </a:ln>
-        </p:spPr>
-        <p:style>
-          <a:lnRef idx="1">
-            <a:schemeClr val="accent1"/>
-          </a:lnRef>
-          <a:fillRef idx="0">
-            <a:schemeClr val="accent1"/>
-          </a:fillRef>
-          <a:effectRef idx="0">
-            <a:schemeClr val="accent1"/>
-          </a:effectRef>
-          <a:fontRef idx="minor">
-            <a:schemeClr val="tx1"/>
-          </a:fontRef>
-        </p:style>
-      </p:cxnSp>
-      <p:cxnSp>
-        <p:nvCxnSpPr>
           <p:cNvPr id="11" name="직선 연결선 10">
             <a:extLst>
               <a:ext uri="{FF2B5EF4-FFF2-40B4-BE49-F238E27FC236}">
@@ -15883,6 +16058,193 @@
           </a:p>
         </p:txBody>
       </p:sp>
+      <p:grpSp>
+        <p:nvGrpSpPr>
+          <p:cNvPr id="31" name="그룹 30"/>
+          <p:cNvGrpSpPr/>
+          <p:nvPr/>
+        </p:nvGrpSpPr>
+        <p:grpSpPr>
+          <a:xfrm>
+            <a:off x="3276600" y="5735258"/>
+            <a:ext cx="2748642" cy="950084"/>
+            <a:chOff x="3276600" y="5735258"/>
+            <a:chExt cx="2748642" cy="950084"/>
+          </a:xfrm>
+        </p:grpSpPr>
+        <p:cxnSp>
+          <p:nvCxnSpPr>
+            <p:cNvPr id="9" name="직선 연결선 8">
+              <a:extLst>
+                <a:ext uri="{FF2B5EF4-FFF2-40B4-BE49-F238E27FC236}">
+                  <a16:creationId xmlns:a16="http://schemas.microsoft.com/office/drawing/2014/main" xmlns="" id="{1172879B-889D-0C2F-EEA8-003E6793F36F}"/>
+                </a:ext>
+              </a:extLst>
+            </p:cNvPr>
+            <p:cNvCxnSpPr>
+              <a:cxnSpLocks/>
+            </p:cNvCxnSpPr>
+            <p:nvPr/>
+          </p:nvCxnSpPr>
+          <p:spPr>
+            <a:xfrm flipH="1">
+              <a:off x="3287486" y="5753100"/>
+              <a:ext cx="2732314" cy="0"/>
+            </a:xfrm>
+            <a:prstGeom prst="line">
+              <a:avLst/>
+            </a:prstGeom>
+            <a:ln w="38100">
+              <a:solidFill>
+                <a:srgbClr val="4C50BC"/>
+              </a:solidFill>
+            </a:ln>
+          </p:spPr>
+          <p:style>
+            <a:lnRef idx="1">
+              <a:schemeClr val="accent1"/>
+            </a:lnRef>
+            <a:fillRef idx="0">
+              <a:schemeClr val="accent1"/>
+            </a:fillRef>
+            <a:effectRef idx="0">
+              <a:schemeClr val="accent1"/>
+            </a:effectRef>
+            <a:fontRef idx="minor">
+              <a:schemeClr val="tx1"/>
+            </a:fontRef>
+          </p:style>
+        </p:cxnSp>
+        <p:cxnSp>
+          <p:nvCxnSpPr>
+            <p:cNvPr id="24" name="직선 연결선 23">
+              <a:extLst>
+                <a:ext uri="{FF2B5EF4-FFF2-40B4-BE49-F238E27FC236}">
+                  <a16:creationId xmlns:a16="http://schemas.microsoft.com/office/drawing/2014/main" xmlns="" id="{1172879B-889D-0C2F-EEA8-003E6793F36F}"/>
+                </a:ext>
+              </a:extLst>
+            </p:cNvPr>
+            <p:cNvCxnSpPr>
+              <a:cxnSpLocks/>
+            </p:cNvCxnSpPr>
+            <p:nvPr/>
+          </p:nvCxnSpPr>
+          <p:spPr>
+            <a:xfrm flipH="1">
+              <a:off x="3276600" y="6667500"/>
+              <a:ext cx="2732314" cy="0"/>
+            </a:xfrm>
+            <a:prstGeom prst="line">
+              <a:avLst/>
+            </a:prstGeom>
+            <a:ln w="38100">
+              <a:solidFill>
+                <a:srgbClr val="4C50BC"/>
+              </a:solidFill>
+            </a:ln>
+          </p:spPr>
+          <p:style>
+            <a:lnRef idx="1">
+              <a:schemeClr val="accent1"/>
+            </a:lnRef>
+            <a:fillRef idx="0">
+              <a:schemeClr val="accent1"/>
+            </a:fillRef>
+            <a:effectRef idx="0">
+              <a:schemeClr val="accent1"/>
+            </a:effectRef>
+            <a:fontRef idx="minor">
+              <a:schemeClr val="tx1"/>
+            </a:fontRef>
+          </p:style>
+        </p:cxnSp>
+        <p:cxnSp>
+          <p:nvCxnSpPr>
+            <p:cNvPr id="25" name="직선 연결선 24">
+              <a:extLst>
+                <a:ext uri="{FF2B5EF4-FFF2-40B4-BE49-F238E27FC236}">
+                  <a16:creationId xmlns:a16="http://schemas.microsoft.com/office/drawing/2014/main" xmlns="" id="{1172879B-889D-0C2F-EEA8-003E6793F36F}"/>
+                </a:ext>
+              </a:extLst>
+            </p:cNvPr>
+            <p:cNvCxnSpPr>
+              <a:cxnSpLocks/>
+            </p:cNvCxnSpPr>
+            <p:nvPr/>
+          </p:nvCxnSpPr>
+          <p:spPr>
+            <a:xfrm flipH="1">
+              <a:off x="6008914" y="5735258"/>
+              <a:ext cx="16328" cy="932242"/>
+            </a:xfrm>
+            <a:prstGeom prst="line">
+              <a:avLst/>
+            </a:prstGeom>
+            <a:ln w="38100">
+              <a:solidFill>
+                <a:srgbClr val="4C50BC"/>
+              </a:solidFill>
+            </a:ln>
+          </p:spPr>
+          <p:style>
+            <a:lnRef idx="1">
+              <a:schemeClr val="accent1"/>
+            </a:lnRef>
+            <a:fillRef idx="0">
+              <a:schemeClr val="accent1"/>
+            </a:fillRef>
+            <a:effectRef idx="0">
+              <a:schemeClr val="accent1"/>
+            </a:effectRef>
+            <a:fontRef idx="minor">
+              <a:schemeClr val="tx1"/>
+            </a:fontRef>
+          </p:style>
+        </p:cxnSp>
+        <p:cxnSp>
+          <p:nvCxnSpPr>
+            <p:cNvPr id="30" name="직선 연결선 29">
+              <a:extLst>
+                <a:ext uri="{FF2B5EF4-FFF2-40B4-BE49-F238E27FC236}">
+                  <a16:creationId xmlns:a16="http://schemas.microsoft.com/office/drawing/2014/main" xmlns="" id="{1172879B-889D-0C2F-EEA8-003E6793F36F}"/>
+                </a:ext>
+              </a:extLst>
+            </p:cNvPr>
+            <p:cNvCxnSpPr>
+              <a:cxnSpLocks/>
+            </p:cNvCxnSpPr>
+            <p:nvPr/>
+          </p:nvCxnSpPr>
+          <p:spPr>
+            <a:xfrm flipH="1">
+              <a:off x="3276600" y="5753100"/>
+              <a:ext cx="16328" cy="932242"/>
+            </a:xfrm>
+            <a:prstGeom prst="line">
+              <a:avLst/>
+            </a:prstGeom>
+            <a:ln w="38100">
+              <a:solidFill>
+                <a:srgbClr val="4C50BC"/>
+              </a:solidFill>
+            </a:ln>
+          </p:spPr>
+          <p:style>
+            <a:lnRef idx="1">
+              <a:schemeClr val="accent1"/>
+            </a:lnRef>
+            <a:fillRef idx="0">
+              <a:schemeClr val="accent1"/>
+            </a:fillRef>
+            <a:effectRef idx="0">
+              <a:schemeClr val="accent1"/>
+            </a:effectRef>
+            <a:fontRef idx="minor">
+              <a:schemeClr val="tx1"/>
+            </a:fontRef>
+          </p:style>
+        </p:cxnSp>
+      </p:grpSp>
     </p:spTree>
     <p:extLst>
       <p:ext uri="{BB962C8B-B14F-4D97-AF65-F5344CB8AC3E}">

--- a/JavaLecture/LectureFile/샘플.pptx
+++ b/JavaLecture/LectureFile/샘플.pptx
@@ -324,7 +324,7 @@
           <a:p>
             <a:fld id="{F8166F1F-CE9B-4651-A6AA-CD717754106B}" type="datetimeFigureOut">
               <a:rPr lang="en-US" smtClean="0"/>
-              <a:t>5/12/2023</a:t>
+              <a:t>5/13/2023</a:t>
             </a:fld>
             <a:endParaRPr lang="en-US"/>
           </a:p>
@@ -487,7 +487,7 @@
           <a:p>
             <a:fld id="{A76116CE-C4A3-4A05-B2D7-7C2E9A889C0F}" type="datetimeFigureOut">
               <a:rPr lang="en-US" smtClean="0"/>
-              <a:t>5/12/2023</a:t>
+              <a:t>5/13/2023</a:t>
             </a:fld>
             <a:endParaRPr lang="en-US"/>
           </a:p>
@@ -660,7 +660,7 @@
           <a:p>
             <a:fld id="{A76116CE-C4A3-4A05-B2D7-7C2E9A889C0F}" type="datetimeFigureOut">
               <a:rPr lang="en-US" smtClean="0"/>
-              <a:t>5/12/2023</a:t>
+              <a:t>5/13/2023</a:t>
             </a:fld>
             <a:endParaRPr lang="en-US"/>
           </a:p>
@@ -825,7 +825,7 @@
           <a:p>
             <a:fld id="{A76116CE-C4A3-4A05-B2D7-7C2E9A889C0F}" type="datetimeFigureOut">
               <a:rPr lang="en-US" smtClean="0"/>
-              <a:t>5/12/2023</a:t>
+              <a:t>5/13/2023</a:t>
             </a:fld>
             <a:endParaRPr lang="en-US"/>
           </a:p>
@@ -1065,7 +1065,7 @@
           <a:p>
             <a:fld id="{A76116CE-C4A3-4A05-B2D7-7C2E9A889C0F}" type="datetimeFigureOut">
               <a:rPr lang="en-US" smtClean="0"/>
-              <a:t>5/12/2023</a:t>
+              <a:t>5/13/2023</a:t>
             </a:fld>
             <a:endParaRPr lang="en-US"/>
           </a:p>
@@ -1345,7 +1345,7 @@
           <a:p>
             <a:fld id="{A76116CE-C4A3-4A05-B2D7-7C2E9A889C0F}" type="datetimeFigureOut">
               <a:rPr lang="en-US" smtClean="0"/>
-              <a:t>5/12/2023</a:t>
+              <a:t>5/13/2023</a:t>
             </a:fld>
             <a:endParaRPr lang="en-US"/>
           </a:p>
@@ -1759,7 +1759,7 @@
           <a:p>
             <a:fld id="{A76116CE-C4A3-4A05-B2D7-7C2E9A889C0F}" type="datetimeFigureOut">
               <a:rPr lang="en-US" smtClean="0"/>
-              <a:t>5/12/2023</a:t>
+              <a:t>5/13/2023</a:t>
             </a:fld>
             <a:endParaRPr lang="en-US"/>
           </a:p>
@@ -1871,7 +1871,7 @@
           <a:p>
             <a:fld id="{A76116CE-C4A3-4A05-B2D7-7C2E9A889C0F}" type="datetimeFigureOut">
               <a:rPr lang="en-US" smtClean="0"/>
-              <a:t>5/12/2023</a:t>
+              <a:t>5/13/2023</a:t>
             </a:fld>
             <a:endParaRPr lang="en-US"/>
           </a:p>
@@ -1961,7 +1961,7 @@
           <a:p>
             <a:fld id="{A76116CE-C4A3-4A05-B2D7-7C2E9A889C0F}" type="datetimeFigureOut">
               <a:rPr lang="en-US" smtClean="0"/>
-              <a:t>5/12/2023</a:t>
+              <a:t>5/13/2023</a:t>
             </a:fld>
             <a:endParaRPr lang="en-US"/>
           </a:p>
@@ -2231,7 +2231,7 @@
           <a:p>
             <a:fld id="{A76116CE-C4A3-4A05-B2D7-7C2E9A889C0F}" type="datetimeFigureOut">
               <a:rPr lang="en-US" smtClean="0"/>
-              <a:t>5/12/2023</a:t>
+              <a:t>5/13/2023</a:t>
             </a:fld>
             <a:endParaRPr lang="en-US"/>
           </a:p>
@@ -2478,7 +2478,7 @@
           <a:p>
             <a:fld id="{A76116CE-C4A3-4A05-B2D7-7C2E9A889C0F}" type="datetimeFigureOut">
               <a:rPr lang="en-US" smtClean="0"/>
-              <a:t>5/12/2023</a:t>
+              <a:t>5/13/2023</a:t>
             </a:fld>
             <a:endParaRPr lang="en-US"/>
           </a:p>
@@ -2684,7 +2684,7 @@
           <a:p>
             <a:fld id="{F8166F1F-CE9B-4651-A6AA-CD717754106B}" type="datetimeFigureOut">
               <a:rPr lang="en-US" smtClean="0"/>
-              <a:t>5/12/2023</a:t>
+              <a:t>5/13/2023</a:t>
             </a:fld>
             <a:endParaRPr lang="en-US"/>
           </a:p>
@@ -3059,7 +3059,7 @@
           <p:cNvPr id="4" name="그룹 1008">
             <a:extLst>
               <a:ext uri="{FF2B5EF4-FFF2-40B4-BE49-F238E27FC236}">
-                <a16:creationId xmlns:a16="http://schemas.microsoft.com/office/drawing/2014/main" xmlns="" id="{54FFE8A6-6CB8-DCBA-07F7-749FA78BF4A4}"/>
+                <a16:creationId xmlns:a16="http://schemas.microsoft.com/office/drawing/2014/main" id="{54FFE8A6-6CB8-DCBA-07F7-749FA78BF4A4}"/>
               </a:ext>
             </a:extLst>
           </p:cNvPr>
@@ -3079,7 +3079,7 @@
             <p:cNvPr id="5" name="그룹 1009">
               <a:extLst>
                 <a:ext uri="{FF2B5EF4-FFF2-40B4-BE49-F238E27FC236}">
-                  <a16:creationId xmlns:a16="http://schemas.microsoft.com/office/drawing/2014/main" xmlns="" id="{AFC4D322-4969-89C3-C972-D8E8E418CA73}"/>
+                  <a16:creationId xmlns:a16="http://schemas.microsoft.com/office/drawing/2014/main" id="{AFC4D322-4969-89C3-C972-D8E8E418CA73}"/>
                 </a:ext>
               </a:extLst>
             </p:cNvPr>
@@ -3099,7 +3099,7 @@
               <p:cNvPr id="10" name="Object 29">
                 <a:extLst>
                   <a:ext uri="{FF2B5EF4-FFF2-40B4-BE49-F238E27FC236}">
-                    <a16:creationId xmlns:a16="http://schemas.microsoft.com/office/drawing/2014/main" xmlns="" id="{696B190E-C178-4E07-7621-24C3B48A9BCF}"/>
+                    <a16:creationId xmlns:a16="http://schemas.microsoft.com/office/drawing/2014/main" id="{696B190E-C178-4E07-7621-24C3B48A9BCF}"/>
                   </a:ext>
                 </a:extLst>
               </p:cNvPr>
@@ -3130,7 +3130,7 @@
             <p:cNvPr id="6" name="그룹 1010">
               <a:extLst>
                 <a:ext uri="{FF2B5EF4-FFF2-40B4-BE49-F238E27FC236}">
-                  <a16:creationId xmlns:a16="http://schemas.microsoft.com/office/drawing/2014/main" xmlns="" id="{88F3509F-17A2-2BE7-261F-3BA022FF91BA}"/>
+                  <a16:creationId xmlns:a16="http://schemas.microsoft.com/office/drawing/2014/main" id="{88F3509F-17A2-2BE7-261F-3BA022FF91BA}"/>
                 </a:ext>
               </a:extLst>
             </p:cNvPr>
@@ -3150,7 +3150,7 @@
               <p:cNvPr id="9" name="Object 32">
                 <a:extLst>
                   <a:ext uri="{FF2B5EF4-FFF2-40B4-BE49-F238E27FC236}">
-                    <a16:creationId xmlns:a16="http://schemas.microsoft.com/office/drawing/2014/main" xmlns="" id="{6183A7B0-D571-9788-43CE-90A93A934096}"/>
+                    <a16:creationId xmlns:a16="http://schemas.microsoft.com/office/drawing/2014/main" id="{6183A7B0-D571-9788-43CE-90A93A934096}"/>
                   </a:ext>
                 </a:extLst>
               </p:cNvPr>
@@ -3181,7 +3181,7 @@
             <p:cNvPr id="7" name="그룹 1011">
               <a:extLst>
                 <a:ext uri="{FF2B5EF4-FFF2-40B4-BE49-F238E27FC236}">
-                  <a16:creationId xmlns:a16="http://schemas.microsoft.com/office/drawing/2014/main" xmlns="" id="{3DB0BB1F-6A07-787C-7717-F712317AF8C3}"/>
+                  <a16:creationId xmlns:a16="http://schemas.microsoft.com/office/drawing/2014/main" id="{3DB0BB1F-6A07-787C-7717-F712317AF8C3}"/>
                 </a:ext>
               </a:extLst>
             </p:cNvPr>
@@ -3201,7 +3201,7 @@
               <p:cNvPr id="8" name="Object 35">
                 <a:extLst>
                   <a:ext uri="{FF2B5EF4-FFF2-40B4-BE49-F238E27FC236}">
-                    <a16:creationId xmlns:a16="http://schemas.microsoft.com/office/drawing/2014/main" xmlns="" id="{A003AF1A-29EE-2DC2-0E03-479F705DFFB6}"/>
+                    <a16:creationId xmlns:a16="http://schemas.microsoft.com/office/drawing/2014/main" id="{A003AF1A-29EE-2DC2-0E03-479F705DFFB6}"/>
                   </a:ext>
                 </a:extLst>
               </p:cNvPr>
@@ -3233,7 +3233,7 @@
           <p:cNvPr id="11" name="직선 화살표 연결선 10">
             <a:extLst>
               <a:ext uri="{FF2B5EF4-FFF2-40B4-BE49-F238E27FC236}">
-                <a16:creationId xmlns:a16="http://schemas.microsoft.com/office/drawing/2014/main" xmlns="" id="{299DF5EC-9DF4-5255-06AC-0A7CE4FF58C3}"/>
+                <a16:creationId xmlns:a16="http://schemas.microsoft.com/office/drawing/2014/main" id="{299DF5EC-9DF4-5255-06AC-0A7CE4FF58C3}"/>
               </a:ext>
             </a:extLst>
           </p:cNvPr>
@@ -3274,7 +3274,7 @@
           <p:cNvPr id="14" name="직사각형 13">
             <a:extLst>
               <a:ext uri="{FF2B5EF4-FFF2-40B4-BE49-F238E27FC236}">
-                <a16:creationId xmlns:a16="http://schemas.microsoft.com/office/drawing/2014/main" xmlns="" id="{FFF506F9-840A-0508-4CAF-3AC711D8D5CE}"/>
+                <a16:creationId xmlns:a16="http://schemas.microsoft.com/office/drawing/2014/main" id="{FFF506F9-840A-0508-4CAF-3AC711D8D5CE}"/>
               </a:ext>
             </a:extLst>
           </p:cNvPr>
@@ -3326,7 +3326,7 @@
           <p:cNvPr id="16" name="그룹 1008">
             <a:extLst>
               <a:ext uri="{FF2B5EF4-FFF2-40B4-BE49-F238E27FC236}">
-                <a16:creationId xmlns:a16="http://schemas.microsoft.com/office/drawing/2014/main" xmlns="" id="{E395BDE3-2EDE-065D-70E8-56E348228ACF}"/>
+                <a16:creationId xmlns:a16="http://schemas.microsoft.com/office/drawing/2014/main" id="{E395BDE3-2EDE-065D-70E8-56E348228ACF}"/>
               </a:ext>
             </a:extLst>
           </p:cNvPr>
@@ -3346,7 +3346,7 @@
             <p:cNvPr id="17" name="그룹 1009">
               <a:extLst>
                 <a:ext uri="{FF2B5EF4-FFF2-40B4-BE49-F238E27FC236}">
-                  <a16:creationId xmlns:a16="http://schemas.microsoft.com/office/drawing/2014/main" xmlns="" id="{852F4DEB-DB33-DB3F-9E9F-52A46CD0B10A}"/>
+                  <a16:creationId xmlns:a16="http://schemas.microsoft.com/office/drawing/2014/main" id="{852F4DEB-DB33-DB3F-9E9F-52A46CD0B10A}"/>
                 </a:ext>
               </a:extLst>
             </p:cNvPr>
@@ -3366,7 +3366,7 @@
               <p:cNvPr id="22" name="Object 29">
                 <a:extLst>
                   <a:ext uri="{FF2B5EF4-FFF2-40B4-BE49-F238E27FC236}">
-                    <a16:creationId xmlns:a16="http://schemas.microsoft.com/office/drawing/2014/main" xmlns="" id="{7E353D3B-14D4-8A64-5888-3F0C062C2CDD}"/>
+                    <a16:creationId xmlns:a16="http://schemas.microsoft.com/office/drawing/2014/main" id="{7E353D3B-14D4-8A64-5888-3F0C062C2CDD}"/>
                   </a:ext>
                 </a:extLst>
               </p:cNvPr>
@@ -3397,7 +3397,7 @@
             <p:cNvPr id="18" name="그룹 1010">
               <a:extLst>
                 <a:ext uri="{FF2B5EF4-FFF2-40B4-BE49-F238E27FC236}">
-                  <a16:creationId xmlns:a16="http://schemas.microsoft.com/office/drawing/2014/main" xmlns="" id="{001E38AB-1390-ABD0-BE01-9727136FEAEE}"/>
+                  <a16:creationId xmlns:a16="http://schemas.microsoft.com/office/drawing/2014/main" id="{001E38AB-1390-ABD0-BE01-9727136FEAEE}"/>
                 </a:ext>
               </a:extLst>
             </p:cNvPr>
@@ -3417,7 +3417,7 @@
               <p:cNvPr id="21" name="Object 32">
                 <a:extLst>
                   <a:ext uri="{FF2B5EF4-FFF2-40B4-BE49-F238E27FC236}">
-                    <a16:creationId xmlns:a16="http://schemas.microsoft.com/office/drawing/2014/main" xmlns="" id="{2ED1C30F-0D0B-F86C-8215-2598D332B5A3}"/>
+                    <a16:creationId xmlns:a16="http://schemas.microsoft.com/office/drawing/2014/main" id="{2ED1C30F-0D0B-F86C-8215-2598D332B5A3}"/>
                   </a:ext>
                 </a:extLst>
               </p:cNvPr>
@@ -3448,7 +3448,7 @@
             <p:cNvPr id="19" name="그룹 1011">
               <a:extLst>
                 <a:ext uri="{FF2B5EF4-FFF2-40B4-BE49-F238E27FC236}">
-                  <a16:creationId xmlns:a16="http://schemas.microsoft.com/office/drawing/2014/main" xmlns="" id="{1BCB8DE5-ABAF-4198-BC16-85BB76F2DB24}"/>
+                  <a16:creationId xmlns:a16="http://schemas.microsoft.com/office/drawing/2014/main" id="{1BCB8DE5-ABAF-4198-BC16-85BB76F2DB24}"/>
                 </a:ext>
               </a:extLst>
             </p:cNvPr>
@@ -3468,7 +3468,7 @@
               <p:cNvPr id="20" name="Object 35">
                 <a:extLst>
                   <a:ext uri="{FF2B5EF4-FFF2-40B4-BE49-F238E27FC236}">
-                    <a16:creationId xmlns:a16="http://schemas.microsoft.com/office/drawing/2014/main" xmlns="" id="{86E7BA23-0A1E-B581-CADC-06AB269DB2BD}"/>
+                    <a16:creationId xmlns:a16="http://schemas.microsoft.com/office/drawing/2014/main" id="{86E7BA23-0A1E-B581-CADC-06AB269DB2BD}"/>
                   </a:ext>
                 </a:extLst>
               </p:cNvPr>
@@ -3500,7 +3500,7 @@
           <p:cNvPr id="23" name="TextBox 22">
             <a:extLst>
               <a:ext uri="{FF2B5EF4-FFF2-40B4-BE49-F238E27FC236}">
-                <a16:creationId xmlns:a16="http://schemas.microsoft.com/office/drawing/2014/main" xmlns="" id="{7229BEA6-121E-9056-D07F-2B3BB1795F76}"/>
+                <a16:creationId xmlns:a16="http://schemas.microsoft.com/office/drawing/2014/main" id="{7229BEA6-121E-9056-D07F-2B3BB1795F76}"/>
               </a:ext>
             </a:extLst>
           </p:cNvPr>
@@ -3548,7 +3548,7 @@
           <p:cNvPr id="24" name="TextBox 23">
             <a:extLst>
               <a:ext uri="{FF2B5EF4-FFF2-40B4-BE49-F238E27FC236}">
-                <a16:creationId xmlns:a16="http://schemas.microsoft.com/office/drawing/2014/main" xmlns="" id="{5ADC00B6-990A-40DC-3CEA-505258F5E8DA}"/>
+                <a16:creationId xmlns:a16="http://schemas.microsoft.com/office/drawing/2014/main" id="{5ADC00B6-990A-40DC-3CEA-505258F5E8DA}"/>
               </a:ext>
             </a:extLst>
           </p:cNvPr>
@@ -3606,7 +3606,7 @@
           <p:cNvPr id="3" name="TextBox 2">
             <a:extLst>
               <a:ext uri="{FF2B5EF4-FFF2-40B4-BE49-F238E27FC236}">
-                <a16:creationId xmlns:a16="http://schemas.microsoft.com/office/drawing/2014/main" xmlns="" id="{C6D113C6-EA5C-788F-0C77-E7CE6EBB865F}"/>
+                <a16:creationId xmlns:a16="http://schemas.microsoft.com/office/drawing/2014/main" id="{C6D113C6-EA5C-788F-0C77-E7CE6EBB865F}"/>
               </a:ext>
             </a:extLst>
           </p:cNvPr>
@@ -3664,7 +3664,7 @@
           <p:cNvPr id="12" name="그룹 1008">
             <a:extLst>
               <a:ext uri="{FF2B5EF4-FFF2-40B4-BE49-F238E27FC236}">
-                <a16:creationId xmlns:a16="http://schemas.microsoft.com/office/drawing/2014/main" xmlns="" id="{678F6342-C505-E8AD-ADA4-022CB2C2088E}"/>
+                <a16:creationId xmlns:a16="http://schemas.microsoft.com/office/drawing/2014/main" id="{678F6342-C505-E8AD-ADA4-022CB2C2088E}"/>
               </a:ext>
             </a:extLst>
           </p:cNvPr>
@@ -3684,7 +3684,7 @@
             <p:cNvPr id="13" name="그룹 1009">
               <a:extLst>
                 <a:ext uri="{FF2B5EF4-FFF2-40B4-BE49-F238E27FC236}">
-                  <a16:creationId xmlns:a16="http://schemas.microsoft.com/office/drawing/2014/main" xmlns="" id="{4E1F1FED-812B-9BBB-925A-84B54A077414}"/>
+                  <a16:creationId xmlns:a16="http://schemas.microsoft.com/office/drawing/2014/main" id="{4E1F1FED-812B-9BBB-925A-84B54A077414}"/>
                 </a:ext>
               </a:extLst>
             </p:cNvPr>
@@ -3704,7 +3704,7 @@
               <p:cNvPr id="29" name="Object 29">
                 <a:extLst>
                   <a:ext uri="{FF2B5EF4-FFF2-40B4-BE49-F238E27FC236}">
-                    <a16:creationId xmlns:a16="http://schemas.microsoft.com/office/drawing/2014/main" xmlns="" id="{7B078609-4286-7B00-51EB-809C8E2DE289}"/>
+                    <a16:creationId xmlns:a16="http://schemas.microsoft.com/office/drawing/2014/main" id="{7B078609-4286-7B00-51EB-809C8E2DE289}"/>
                   </a:ext>
                 </a:extLst>
               </p:cNvPr>
@@ -3735,7 +3735,7 @@
             <p:cNvPr id="25" name="그룹 1010">
               <a:extLst>
                 <a:ext uri="{FF2B5EF4-FFF2-40B4-BE49-F238E27FC236}">
-                  <a16:creationId xmlns:a16="http://schemas.microsoft.com/office/drawing/2014/main" xmlns="" id="{02A649BF-B5B5-FBAF-7DFD-E118A4DF8907}"/>
+                  <a16:creationId xmlns:a16="http://schemas.microsoft.com/office/drawing/2014/main" id="{02A649BF-B5B5-FBAF-7DFD-E118A4DF8907}"/>
                 </a:ext>
               </a:extLst>
             </p:cNvPr>
@@ -3755,7 +3755,7 @@
               <p:cNvPr id="28" name="Object 32">
                 <a:extLst>
                   <a:ext uri="{FF2B5EF4-FFF2-40B4-BE49-F238E27FC236}">
-                    <a16:creationId xmlns:a16="http://schemas.microsoft.com/office/drawing/2014/main" xmlns="" id="{2A0FFF23-B3C9-3EA0-1C1B-A87D4FF098AE}"/>
+                    <a16:creationId xmlns:a16="http://schemas.microsoft.com/office/drawing/2014/main" id="{2A0FFF23-B3C9-3EA0-1C1B-A87D4FF098AE}"/>
                   </a:ext>
                 </a:extLst>
               </p:cNvPr>
@@ -3786,7 +3786,7 @@
             <p:cNvPr id="26" name="그룹 1011">
               <a:extLst>
                 <a:ext uri="{FF2B5EF4-FFF2-40B4-BE49-F238E27FC236}">
-                  <a16:creationId xmlns:a16="http://schemas.microsoft.com/office/drawing/2014/main" xmlns="" id="{881F5410-F7FB-F261-A584-707359BAC593}"/>
+                  <a16:creationId xmlns:a16="http://schemas.microsoft.com/office/drawing/2014/main" id="{881F5410-F7FB-F261-A584-707359BAC593}"/>
                 </a:ext>
               </a:extLst>
             </p:cNvPr>
@@ -3806,7 +3806,7 @@
               <p:cNvPr id="27" name="Object 35">
                 <a:extLst>
                   <a:ext uri="{FF2B5EF4-FFF2-40B4-BE49-F238E27FC236}">
-                    <a16:creationId xmlns:a16="http://schemas.microsoft.com/office/drawing/2014/main" xmlns="" id="{4E99E669-73EB-F9F4-EFE8-DC107035C265}"/>
+                    <a16:creationId xmlns:a16="http://schemas.microsoft.com/office/drawing/2014/main" id="{4E99E669-73EB-F9F4-EFE8-DC107035C265}"/>
                   </a:ext>
                 </a:extLst>
               </p:cNvPr>
@@ -3838,7 +3838,7 @@
           <p:cNvPr id="33" name="직선 연결선 32">
             <a:extLst>
               <a:ext uri="{FF2B5EF4-FFF2-40B4-BE49-F238E27FC236}">
-                <a16:creationId xmlns:a16="http://schemas.microsoft.com/office/drawing/2014/main" xmlns="" id="{6A1A37E4-F933-DE44-2EEA-F3A5BBF35584}"/>
+                <a16:creationId xmlns:a16="http://schemas.microsoft.com/office/drawing/2014/main" id="{6A1A37E4-F933-DE44-2EEA-F3A5BBF35584}"/>
               </a:ext>
             </a:extLst>
           </p:cNvPr>
@@ -3929,7 +3929,7 @@
           <p:cNvPr id="38" name="TextBox 37">
             <a:extLst>
               <a:ext uri="{FF2B5EF4-FFF2-40B4-BE49-F238E27FC236}">
-                <a16:creationId xmlns:a16="http://schemas.microsoft.com/office/drawing/2014/main" xmlns="" id="{A2AD056B-97A4-5BCC-4460-250160F3E171}"/>
+                <a16:creationId xmlns:a16="http://schemas.microsoft.com/office/drawing/2014/main" id="{A2AD056B-97A4-5BCC-4460-250160F3E171}"/>
               </a:ext>
             </a:extLst>
           </p:cNvPr>
@@ -3973,7 +3973,7 @@
           <p:cNvPr id="39" name="TextBox 38">
             <a:extLst>
               <a:ext uri="{FF2B5EF4-FFF2-40B4-BE49-F238E27FC236}">
-                <a16:creationId xmlns:a16="http://schemas.microsoft.com/office/drawing/2014/main" xmlns="" id="{52176D31-35F7-8916-46FA-6095EFEC1E49}"/>
+                <a16:creationId xmlns:a16="http://schemas.microsoft.com/office/drawing/2014/main" id="{52176D31-35F7-8916-46FA-6095EFEC1E49}"/>
               </a:ext>
             </a:extLst>
           </p:cNvPr>
@@ -4017,7 +4017,7 @@
           <p:cNvPr id="37" name="표 2">
             <a:extLst>
               <a:ext uri="{FF2B5EF4-FFF2-40B4-BE49-F238E27FC236}">
-                <a16:creationId xmlns:a16="http://schemas.microsoft.com/office/drawing/2014/main" xmlns="" id="{D2CC6F32-611A-E22D-EB8C-52D626A5B319}"/>
+                <a16:creationId xmlns:a16="http://schemas.microsoft.com/office/drawing/2014/main" id="{D2CC6F32-611A-E22D-EB8C-52D626A5B319}"/>
               </a:ext>
             </a:extLst>
           </p:cNvPr>
@@ -4046,21 +4046,21 @@
                 <a:gridCol w="1731833">
                   <a:extLst>
                     <a:ext uri="{9D8B030D-6E8A-4147-A177-3AD203B41FA5}">
-                      <a16:colId xmlns:a16="http://schemas.microsoft.com/office/drawing/2014/main" xmlns="" val="1960770391"/>
+                      <a16:colId xmlns:a16="http://schemas.microsoft.com/office/drawing/2014/main" val="1960770391"/>
                     </a:ext>
                   </a:extLst>
                 </a:gridCol>
                 <a:gridCol w="1752960">
                   <a:extLst>
                     <a:ext uri="{9D8B030D-6E8A-4147-A177-3AD203B41FA5}">
-                      <a16:colId xmlns:a16="http://schemas.microsoft.com/office/drawing/2014/main" xmlns="" val="733308553"/>
+                      <a16:colId xmlns:a16="http://schemas.microsoft.com/office/drawing/2014/main" val="733308553"/>
                     </a:ext>
                   </a:extLst>
                 </a:gridCol>
                 <a:gridCol w="2730951">
                   <a:extLst>
                     <a:ext uri="{9D8B030D-6E8A-4147-A177-3AD203B41FA5}">
-                      <a16:colId xmlns:a16="http://schemas.microsoft.com/office/drawing/2014/main" xmlns="" val="1661322813"/>
+                      <a16:colId xmlns:a16="http://schemas.microsoft.com/office/drawing/2014/main" val="1661322813"/>
                     </a:ext>
                   </a:extLst>
                 </a:gridCol>
@@ -4248,7 +4248,7 @@
                 </a:tc>
                 <a:extLst>
                   <a:ext uri="{0D108BD9-81ED-4DB2-BD59-A6C34878D82A}">
-                    <a16:rowId xmlns:a16="http://schemas.microsoft.com/office/drawing/2014/main" xmlns="" val="2452905565"/>
+                    <a16:rowId xmlns:a16="http://schemas.microsoft.com/office/drawing/2014/main" val="2452905565"/>
                   </a:ext>
                 </a:extLst>
               </a:tr>
@@ -4452,7 +4452,7 @@
                 </a:tc>
                 <a:extLst>
                   <a:ext uri="{0D108BD9-81ED-4DB2-BD59-A6C34878D82A}">
-                    <a16:rowId xmlns:a16="http://schemas.microsoft.com/office/drawing/2014/main" xmlns="" val="3551452526"/>
+                    <a16:rowId xmlns:a16="http://schemas.microsoft.com/office/drawing/2014/main" val="3551452526"/>
                   </a:ext>
                 </a:extLst>
               </a:tr>
@@ -4627,7 +4627,7 @@
                 </a:tc>
                 <a:extLst>
                   <a:ext uri="{0D108BD9-81ED-4DB2-BD59-A6C34878D82A}">
-                    <a16:rowId xmlns:a16="http://schemas.microsoft.com/office/drawing/2014/main" xmlns="" val="3645064171"/>
+                    <a16:rowId xmlns:a16="http://schemas.microsoft.com/office/drawing/2014/main" val="3645064171"/>
                   </a:ext>
                 </a:extLst>
               </a:tr>
@@ -4802,7 +4802,7 @@
                 </a:tc>
                 <a:extLst>
                   <a:ext uri="{0D108BD9-81ED-4DB2-BD59-A6C34878D82A}">
-                    <a16:rowId xmlns:a16="http://schemas.microsoft.com/office/drawing/2014/main" xmlns="" val="2802120283"/>
+                    <a16:rowId xmlns:a16="http://schemas.microsoft.com/office/drawing/2014/main" val="2802120283"/>
                   </a:ext>
                 </a:extLst>
               </a:tr>
@@ -4971,7 +4971,7 @@
                 </a:tc>
                 <a:extLst>
                   <a:ext uri="{0D108BD9-81ED-4DB2-BD59-A6C34878D82A}">
-                    <a16:rowId xmlns:a16="http://schemas.microsoft.com/office/drawing/2014/main" xmlns="" val="1362299918"/>
+                    <a16:rowId xmlns:a16="http://schemas.microsoft.com/office/drawing/2014/main" val="1362299918"/>
                   </a:ext>
                 </a:extLst>
               </a:tr>
@@ -5207,7 +5207,7 @@
                 </a:tc>
                 <a:extLst>
                   <a:ext uri="{0D108BD9-81ED-4DB2-BD59-A6C34878D82A}">
-                    <a16:rowId xmlns:a16="http://schemas.microsoft.com/office/drawing/2014/main" xmlns="" val="2488866604"/>
+                    <a16:rowId xmlns:a16="http://schemas.microsoft.com/office/drawing/2014/main" val="2488866604"/>
                   </a:ext>
                 </a:extLst>
               </a:tr>
@@ -5430,7 +5430,7 @@
                 </a:tc>
                 <a:extLst>
                   <a:ext uri="{0D108BD9-81ED-4DB2-BD59-A6C34878D82A}">
-                    <a16:rowId xmlns:a16="http://schemas.microsoft.com/office/drawing/2014/main" xmlns="" val="2632365449"/>
+                    <a16:rowId xmlns:a16="http://schemas.microsoft.com/office/drawing/2014/main" val="2632365449"/>
                   </a:ext>
                 </a:extLst>
               </a:tr>
@@ -5583,8 +5583,20 @@
                 <a:tableStyleId>{5C22544A-7EE6-4342-B048-85BDC9FD1C3A}</a:tableStyleId>
               </a:tblPr>
               <a:tblGrid>
-                <a:gridCol w="2688700"/>
-                <a:gridCol w="2721500"/>
+                <a:gridCol w="2688700">
+                  <a:extLst>
+                    <a:ext uri="{9D8B030D-6E8A-4147-A177-3AD203B41FA5}">
+                      <a16:colId xmlns:a16="http://schemas.microsoft.com/office/drawing/2014/main" val="20000"/>
+                    </a:ext>
+                  </a:extLst>
+                </a:gridCol>
+                <a:gridCol w="2721500">
+                  <a:extLst>
+                    <a:ext uri="{9D8B030D-6E8A-4147-A177-3AD203B41FA5}">
+                      <a16:colId xmlns:a16="http://schemas.microsoft.com/office/drawing/2014/main" val="20001"/>
+                    </a:ext>
+                  </a:extLst>
+                </a:gridCol>
               </a:tblGrid>
               <a:tr h="644236">
                 <a:tc>
@@ -5594,7 +5606,7 @@
                     <a:p>
                       <a:pPr latinLnBrk="1"/>
                       <a:r>
-                        <a:rPr lang="ko-KR" altLang="en-US" sz="2200" smtClean="0">
+                        <a:rPr lang="ko-KR" altLang="en-US" sz="2200">
                           <a:solidFill>
                             <a:schemeClr val="bg1"/>
                           </a:solidFill>
@@ -5659,7 +5671,7 @@
                     <a:p>
                       <a:pPr latinLnBrk="1"/>
                       <a:r>
-                        <a:rPr lang="ko-KR" altLang="en-US" sz="2200" smtClean="0">
+                        <a:rPr lang="ko-KR" altLang="en-US" sz="2200">
                           <a:solidFill>
                             <a:schemeClr val="bg1"/>
                           </a:solidFill>
@@ -5717,6 +5729,11 @@
                     </a:solidFill>
                   </a:tcPr>
                 </a:tc>
+                <a:extLst>
+                  <a:ext uri="{0D108BD9-81ED-4DB2-BD59-A6C34878D82A}">
+                    <a16:rowId xmlns:a16="http://schemas.microsoft.com/office/drawing/2014/main" val="10000"/>
+                  </a:ext>
+                </a:extLst>
               </a:tr>
               <a:tr h="644236">
                 <a:tc>
@@ -5837,6 +5854,11 @@
                     <a:noFill/>
                   </a:tcPr>
                 </a:tc>
+                <a:extLst>
+                  <a:ext uri="{0D108BD9-81ED-4DB2-BD59-A6C34878D82A}">
+                    <a16:rowId xmlns:a16="http://schemas.microsoft.com/office/drawing/2014/main" val="10001"/>
+                  </a:ext>
+                </a:extLst>
               </a:tr>
               <a:tr h="644236">
                 <a:tc>
@@ -5957,6 +5979,11 @@
                     <a:noFill/>
                   </a:tcPr>
                 </a:tc>
+                <a:extLst>
+                  <a:ext uri="{0D108BD9-81ED-4DB2-BD59-A6C34878D82A}">
+                    <a16:rowId xmlns:a16="http://schemas.microsoft.com/office/drawing/2014/main" val="10002"/>
+                  </a:ext>
+                </a:extLst>
               </a:tr>
               <a:tr h="644236">
                 <a:tc>
@@ -6061,6 +6088,11 @@
                     <a:noFill/>
                   </a:tcPr>
                 </a:tc>
+                <a:extLst>
+                  <a:ext uri="{0D108BD9-81ED-4DB2-BD59-A6C34878D82A}">
+                    <a16:rowId xmlns:a16="http://schemas.microsoft.com/office/drawing/2014/main" val="10003"/>
+                  </a:ext>
+                </a:extLst>
               </a:tr>
               <a:tr h="644236">
                 <a:tc>
@@ -6165,6 +6197,11 @@
                     <a:noFill/>
                   </a:tcPr>
                 </a:tc>
+                <a:extLst>
+                  <a:ext uri="{0D108BD9-81ED-4DB2-BD59-A6C34878D82A}">
+                    <a16:rowId xmlns:a16="http://schemas.microsoft.com/office/drawing/2014/main" val="10004"/>
+                  </a:ext>
+                </a:extLst>
               </a:tr>
               <a:tr h="644236">
                 <a:tc>
@@ -6269,6 +6306,11 @@
                     <a:noFill/>
                   </a:tcPr>
                 </a:tc>
+                <a:extLst>
+                  <a:ext uri="{0D108BD9-81ED-4DB2-BD59-A6C34878D82A}">
+                    <a16:rowId xmlns:a16="http://schemas.microsoft.com/office/drawing/2014/main" val="10005"/>
+                  </a:ext>
+                </a:extLst>
               </a:tr>
               <a:tr h="644236">
                 <a:tc>
@@ -6373,6 +6415,11 @@
                     <a:noFill/>
                   </a:tcPr>
                 </a:tc>
+                <a:extLst>
+                  <a:ext uri="{0D108BD9-81ED-4DB2-BD59-A6C34878D82A}">
+                    <a16:rowId xmlns:a16="http://schemas.microsoft.com/office/drawing/2014/main" val="10006"/>
+                  </a:ext>
+                </a:extLst>
               </a:tr>
               <a:tr h="644236">
                 <a:tc>
@@ -6477,6 +6524,11 @@
                     <a:noFill/>
                   </a:tcPr>
                 </a:tc>
+                <a:extLst>
+                  <a:ext uri="{0D108BD9-81ED-4DB2-BD59-A6C34878D82A}">
+                    <a16:rowId xmlns:a16="http://schemas.microsoft.com/office/drawing/2014/main" val="10007"/>
+                  </a:ext>
+                </a:extLst>
               </a:tr>
               <a:tr h="644236">
                 <a:tc>
@@ -6581,6 +6633,11 @@
                     <a:noFill/>
                   </a:tcPr>
                 </a:tc>
+                <a:extLst>
+                  <a:ext uri="{0D108BD9-81ED-4DB2-BD59-A6C34878D82A}">
+                    <a16:rowId xmlns:a16="http://schemas.microsoft.com/office/drawing/2014/main" val="10008"/>
+                  </a:ext>
+                </a:extLst>
               </a:tr>
               <a:tr h="644236">
                 <a:tc>
@@ -6701,6 +6758,11 @@
                     <a:noFill/>
                   </a:tcPr>
                 </a:tc>
+                <a:extLst>
+                  <a:ext uri="{0D108BD9-81ED-4DB2-BD59-A6C34878D82A}">
+                    <a16:rowId xmlns:a16="http://schemas.microsoft.com/office/drawing/2014/main" val="10009"/>
+                  </a:ext>
+                </a:extLst>
               </a:tr>
               <a:tr h="644236">
                 <a:tc>
@@ -6805,6 +6867,11 @@
                     <a:noFill/>
                   </a:tcPr>
                 </a:tc>
+                <a:extLst>
+                  <a:ext uri="{0D108BD9-81ED-4DB2-BD59-A6C34878D82A}">
+                    <a16:rowId xmlns:a16="http://schemas.microsoft.com/office/drawing/2014/main" val="10010"/>
+                  </a:ext>
+                </a:extLst>
               </a:tr>
             </a:tbl>
           </a:graphicData>
@@ -6815,7 +6882,7 @@
           <p:cNvPr id="42" name="TextBox 41">
             <a:extLst>
               <a:ext uri="{FF2B5EF4-FFF2-40B4-BE49-F238E27FC236}">
-                <a16:creationId xmlns:a16="http://schemas.microsoft.com/office/drawing/2014/main" xmlns="" id="{DF7DDD33-9412-2802-339A-E55446AC2DA7}"/>
+                <a16:creationId xmlns:a16="http://schemas.microsoft.com/office/drawing/2014/main" id="{DF7DDD33-9412-2802-339A-E55446AC2DA7}"/>
               </a:ext>
             </a:extLst>
           </p:cNvPr>
@@ -6839,7 +6906,7 @@
           <a:lstStyle/>
           <a:p>
             <a:r>
-              <a:rPr lang="ko-KR" altLang="en-US" sz="3600" smtClean="0">
+              <a:rPr lang="ko-KR" altLang="en-US" sz="3600">
                 <a:solidFill>
                   <a:srgbClr val="4C50BC"/>
                 </a:solidFill>
@@ -6849,7 +6916,7 @@
               <a:t>학생</a:t>
             </a:r>
             <a:r>
-              <a:rPr lang="en-US" altLang="ko-KR" sz="3600" smtClean="0">
+              <a:rPr lang="en-US" altLang="ko-KR" sz="3600">
                 <a:solidFill>
                   <a:srgbClr val="4C50BC"/>
                 </a:solidFill>
@@ -6873,7 +6940,7 @@
           <p:cNvPr id="47" name="TextBox 46">
             <a:extLst>
               <a:ext uri="{FF2B5EF4-FFF2-40B4-BE49-F238E27FC236}">
-                <a16:creationId xmlns:a16="http://schemas.microsoft.com/office/drawing/2014/main" xmlns="" id="{DF7DDD33-9412-2802-339A-E55446AC2DA7}"/>
+                <a16:creationId xmlns:a16="http://schemas.microsoft.com/office/drawing/2014/main" id="{DF7DDD33-9412-2802-339A-E55446AC2DA7}"/>
               </a:ext>
             </a:extLst>
           </p:cNvPr>
@@ -6897,7 +6964,7 @@
           <a:lstStyle/>
           <a:p>
             <a:r>
-              <a:rPr lang="en-US" altLang="ko-KR" sz="3600" smtClean="0">
+              <a:rPr lang="en-US" altLang="ko-KR" sz="3600">
                 <a:solidFill>
                   <a:srgbClr val="4C50BC"/>
                 </a:solidFill>
@@ -6921,7 +6988,7 @@
           <p:cNvPr id="48" name="TextBox 47">
             <a:extLst>
               <a:ext uri="{FF2B5EF4-FFF2-40B4-BE49-F238E27FC236}">
-                <a16:creationId xmlns:a16="http://schemas.microsoft.com/office/drawing/2014/main" xmlns="" id="{DF7DDD33-9412-2802-339A-E55446AC2DA7}"/>
+                <a16:creationId xmlns:a16="http://schemas.microsoft.com/office/drawing/2014/main" id="{DF7DDD33-9412-2802-339A-E55446AC2DA7}"/>
               </a:ext>
             </a:extLst>
           </p:cNvPr>
@@ -6945,7 +7012,7 @@
           <a:lstStyle/>
           <a:p>
             <a:r>
-              <a:rPr lang="en-US" altLang="ko-KR" sz="3600" smtClean="0">
+              <a:rPr lang="en-US" altLang="ko-KR" sz="3600">
                 <a:solidFill>
                   <a:srgbClr val="4C50BC"/>
                 </a:solidFill>
@@ -6969,7 +7036,7 @@
           <p:cNvPr id="49" name="TextBox 48">
             <a:extLst>
               <a:ext uri="{FF2B5EF4-FFF2-40B4-BE49-F238E27FC236}">
-                <a16:creationId xmlns:a16="http://schemas.microsoft.com/office/drawing/2014/main" xmlns="" id="{DF7DDD33-9412-2802-339A-E55446AC2DA7}"/>
+                <a16:creationId xmlns:a16="http://schemas.microsoft.com/office/drawing/2014/main" id="{DF7DDD33-9412-2802-339A-E55446AC2DA7}"/>
               </a:ext>
             </a:extLst>
           </p:cNvPr>
@@ -6993,7 +7060,7 @@
           <a:lstStyle/>
           <a:p>
             <a:r>
-              <a:rPr lang="ko-KR" altLang="en-US" sz="3600" smtClean="0">
+              <a:rPr lang="ko-KR" altLang="en-US" sz="3600">
                 <a:solidFill>
                   <a:srgbClr val="4C50BC"/>
                 </a:solidFill>
@@ -7027,7 +7094,7 @@
           <p:cNvPr id="50" name="TextBox 49">
             <a:extLst>
               <a:ext uri="{FF2B5EF4-FFF2-40B4-BE49-F238E27FC236}">
-                <a16:creationId xmlns:a16="http://schemas.microsoft.com/office/drawing/2014/main" xmlns="" id="{DF7DDD33-9412-2802-339A-E55446AC2DA7}"/>
+                <a16:creationId xmlns:a16="http://schemas.microsoft.com/office/drawing/2014/main" id="{DF7DDD33-9412-2802-339A-E55446AC2DA7}"/>
               </a:ext>
             </a:extLst>
           </p:cNvPr>
@@ -7051,7 +7118,7 @@
           <a:lstStyle/>
           <a:p>
             <a:r>
-              <a:rPr lang="en-US" altLang="ko-KR" sz="3600" smtClean="0">
+              <a:rPr lang="en-US" altLang="ko-KR" sz="3600">
                 <a:solidFill>
                   <a:srgbClr val="4C50BC"/>
                 </a:solidFill>
@@ -7075,7 +7142,7 @@
           <p:cNvPr id="51" name="TextBox 50">
             <a:extLst>
               <a:ext uri="{FF2B5EF4-FFF2-40B4-BE49-F238E27FC236}">
-                <a16:creationId xmlns:a16="http://schemas.microsoft.com/office/drawing/2014/main" xmlns="" id="{DF7DDD33-9412-2802-339A-E55446AC2DA7}"/>
+                <a16:creationId xmlns:a16="http://schemas.microsoft.com/office/drawing/2014/main" id="{DF7DDD33-9412-2802-339A-E55446AC2DA7}"/>
               </a:ext>
             </a:extLst>
           </p:cNvPr>
@@ -7099,7 +7166,7 @@
           <a:lstStyle/>
           <a:p>
             <a:r>
-              <a:rPr lang="ko-KR" altLang="en-US" sz="3600" smtClean="0">
+              <a:rPr lang="ko-KR" altLang="en-US" sz="3600">
                 <a:solidFill>
                   <a:srgbClr val="4C50BC"/>
                 </a:solidFill>
@@ -7109,7 +7176,7 @@
               <a:t>학생</a:t>
             </a:r>
             <a:r>
-              <a:rPr lang="en-US" altLang="ko-KR" sz="3600" smtClean="0">
+              <a:rPr lang="en-US" altLang="ko-KR" sz="3600">
                 <a:solidFill>
                   <a:srgbClr val="4C50BC"/>
                 </a:solidFill>
@@ -7133,7 +7200,7 @@
           <p:cNvPr id="52" name="TextBox 51">
             <a:extLst>
               <a:ext uri="{FF2B5EF4-FFF2-40B4-BE49-F238E27FC236}">
-                <a16:creationId xmlns:a16="http://schemas.microsoft.com/office/drawing/2014/main" xmlns="" id="{DF7DDD33-9412-2802-339A-E55446AC2DA7}"/>
+                <a16:creationId xmlns:a16="http://schemas.microsoft.com/office/drawing/2014/main" id="{DF7DDD33-9412-2802-339A-E55446AC2DA7}"/>
               </a:ext>
             </a:extLst>
           </p:cNvPr>
@@ -7157,7 +7224,7 @@
           <a:lstStyle/>
           <a:p>
             <a:r>
-              <a:rPr lang="en-US" altLang="ko-KR" sz="3600" smtClean="0">
+              <a:rPr lang="en-US" altLang="ko-KR" sz="3600">
                 <a:solidFill>
                   <a:srgbClr val="4C50BC"/>
                 </a:solidFill>
@@ -7181,7 +7248,7 @@
           <p:cNvPr id="53" name="TextBox 52">
             <a:extLst>
               <a:ext uri="{FF2B5EF4-FFF2-40B4-BE49-F238E27FC236}">
-                <a16:creationId xmlns:a16="http://schemas.microsoft.com/office/drawing/2014/main" xmlns="" id="{DF7DDD33-9412-2802-339A-E55446AC2DA7}"/>
+                <a16:creationId xmlns:a16="http://schemas.microsoft.com/office/drawing/2014/main" id="{DF7DDD33-9412-2802-339A-E55446AC2DA7}"/>
               </a:ext>
             </a:extLst>
           </p:cNvPr>
@@ -7205,7 +7272,7 @@
           <a:lstStyle/>
           <a:p>
             <a:r>
-              <a:rPr lang="ko-KR" altLang="en-US" sz="3600" smtClean="0">
+              <a:rPr lang="ko-KR" altLang="en-US" sz="3600">
                 <a:solidFill>
                   <a:srgbClr val="4C50BC"/>
                 </a:solidFill>
@@ -7215,7 +7282,7 @@
               <a:t>학생</a:t>
             </a:r>
             <a:r>
-              <a:rPr lang="en-US" altLang="ko-KR" sz="3600" smtClean="0">
+              <a:rPr lang="en-US" altLang="ko-KR" sz="3600">
                 <a:solidFill>
                   <a:srgbClr val="4C50BC"/>
                 </a:solidFill>
@@ -7239,7 +7306,7 @@
           <p:cNvPr id="54" name="TextBox 53">
             <a:extLst>
               <a:ext uri="{FF2B5EF4-FFF2-40B4-BE49-F238E27FC236}">
-                <a16:creationId xmlns:a16="http://schemas.microsoft.com/office/drawing/2014/main" xmlns="" id="{DF7DDD33-9412-2802-339A-E55446AC2DA7}"/>
+                <a16:creationId xmlns:a16="http://schemas.microsoft.com/office/drawing/2014/main" id="{DF7DDD33-9412-2802-339A-E55446AC2DA7}"/>
               </a:ext>
             </a:extLst>
           </p:cNvPr>
@@ -7263,7 +7330,7 @@
           <a:lstStyle/>
           <a:p>
             <a:r>
-              <a:rPr lang="en-US" altLang="ko-KR" sz="3600" smtClean="0">
+              <a:rPr lang="en-US" altLang="ko-KR" sz="3600">
                 <a:solidFill>
                   <a:srgbClr val="4C50BC"/>
                 </a:solidFill>
@@ -7287,7 +7354,7 @@
           <p:cNvPr id="55" name="TextBox 54">
             <a:extLst>
               <a:ext uri="{FF2B5EF4-FFF2-40B4-BE49-F238E27FC236}">
-                <a16:creationId xmlns:a16="http://schemas.microsoft.com/office/drawing/2014/main" xmlns="" id="{DF7DDD33-9412-2802-339A-E55446AC2DA7}"/>
+                <a16:creationId xmlns:a16="http://schemas.microsoft.com/office/drawing/2014/main" id="{DF7DDD33-9412-2802-339A-E55446AC2DA7}"/>
               </a:ext>
             </a:extLst>
           </p:cNvPr>
@@ -7311,7 +7378,7 @@
           <a:lstStyle/>
           <a:p>
             <a:r>
-              <a:rPr lang="ko-KR" altLang="en-US" sz="3600" smtClean="0">
+              <a:rPr lang="ko-KR" altLang="en-US" sz="3600">
                 <a:solidFill>
                   <a:srgbClr val="4C50BC"/>
                 </a:solidFill>
@@ -7321,7 +7388,7 @@
               <a:t>학생</a:t>
             </a:r>
             <a:r>
-              <a:rPr lang="en-US" altLang="ko-KR" sz="3600" smtClean="0">
+              <a:rPr lang="en-US" altLang="ko-KR" sz="3600">
                 <a:solidFill>
                   <a:srgbClr val="4C50BC"/>
                 </a:solidFill>
@@ -7359,7 +7426,7 @@
             <p:cNvPr id="57" name="직선 연결선 56">
               <a:extLst>
                 <a:ext uri="{FF2B5EF4-FFF2-40B4-BE49-F238E27FC236}">
-                  <a16:creationId xmlns:a16="http://schemas.microsoft.com/office/drawing/2014/main" xmlns="" id="{1172879B-889D-0C2F-EEA8-003E6793F36F}"/>
+                  <a16:creationId xmlns:a16="http://schemas.microsoft.com/office/drawing/2014/main" id="{1172879B-889D-0C2F-EEA8-003E6793F36F}"/>
                 </a:ext>
               </a:extLst>
             </p:cNvPr>
@@ -7402,7 +7469,7 @@
             <p:cNvPr id="58" name="직선 연결선 57">
               <a:extLst>
                 <a:ext uri="{FF2B5EF4-FFF2-40B4-BE49-F238E27FC236}">
-                  <a16:creationId xmlns:a16="http://schemas.microsoft.com/office/drawing/2014/main" xmlns="" id="{1172879B-889D-0C2F-EEA8-003E6793F36F}"/>
+                  <a16:creationId xmlns:a16="http://schemas.microsoft.com/office/drawing/2014/main" id="{1172879B-889D-0C2F-EEA8-003E6793F36F}"/>
                 </a:ext>
               </a:extLst>
             </p:cNvPr>
@@ -7445,7 +7512,7 @@
             <p:cNvPr id="59" name="직선 연결선 58">
               <a:extLst>
                 <a:ext uri="{FF2B5EF4-FFF2-40B4-BE49-F238E27FC236}">
-                  <a16:creationId xmlns:a16="http://schemas.microsoft.com/office/drawing/2014/main" xmlns="" id="{1172879B-889D-0C2F-EEA8-003E6793F36F}"/>
+                  <a16:creationId xmlns:a16="http://schemas.microsoft.com/office/drawing/2014/main" id="{1172879B-889D-0C2F-EEA8-003E6793F36F}"/>
                 </a:ext>
               </a:extLst>
             </p:cNvPr>
@@ -7488,7 +7555,7 @@
             <p:cNvPr id="60" name="직선 연결선 59">
               <a:extLst>
                 <a:ext uri="{FF2B5EF4-FFF2-40B4-BE49-F238E27FC236}">
-                  <a16:creationId xmlns:a16="http://schemas.microsoft.com/office/drawing/2014/main" xmlns="" id="{1172879B-889D-0C2F-EEA8-003E6793F36F}"/>
+                  <a16:creationId xmlns:a16="http://schemas.microsoft.com/office/drawing/2014/main" id="{1172879B-889D-0C2F-EEA8-003E6793F36F}"/>
                 </a:ext>
               </a:extLst>
             </p:cNvPr>
@@ -7532,7 +7599,7 @@
           <p:cNvPr id="61" name="직선 연결선 60">
             <a:extLst>
               <a:ext uri="{FF2B5EF4-FFF2-40B4-BE49-F238E27FC236}">
-                <a16:creationId xmlns:a16="http://schemas.microsoft.com/office/drawing/2014/main" xmlns="" id="{466D5656-813B-296D-F08F-2E57C8EBA1E1}"/>
+                <a16:creationId xmlns:a16="http://schemas.microsoft.com/office/drawing/2014/main" id="{466D5656-813B-296D-F08F-2E57C8EBA1E1}"/>
               </a:ext>
             </a:extLst>
           </p:cNvPr>
@@ -15596,7 +15663,7 @@
           <p:cNvPr id="4" name="그룹 1018">
             <a:extLst>
               <a:ext uri="{FF2B5EF4-FFF2-40B4-BE49-F238E27FC236}">
-                <a16:creationId xmlns:a16="http://schemas.microsoft.com/office/drawing/2014/main" xmlns="" id="{0C5247D1-E285-7CDC-25F8-F1ABCDE304BE}"/>
+                <a16:creationId xmlns:a16="http://schemas.microsoft.com/office/drawing/2014/main" id="{0C5247D1-E285-7CDC-25F8-F1ABCDE304BE}"/>
               </a:ext>
             </a:extLst>
           </p:cNvPr>
@@ -15616,7 +15683,7 @@
             <p:cNvPr id="5" name="Object 61">
               <a:extLst>
                 <a:ext uri="{FF2B5EF4-FFF2-40B4-BE49-F238E27FC236}">
-                  <a16:creationId xmlns:a16="http://schemas.microsoft.com/office/drawing/2014/main" xmlns="" id="{29C480AF-46D1-D9A5-6C87-226E5620D948}"/>
+                  <a16:creationId xmlns:a16="http://schemas.microsoft.com/office/drawing/2014/main" id="{29C480AF-46D1-D9A5-6C87-226E5620D948}"/>
                 </a:ext>
               </a:extLst>
             </p:cNvPr>
@@ -15647,7 +15714,7 @@
           <p:cNvPr id="6" name="그룹 1018">
             <a:extLst>
               <a:ext uri="{FF2B5EF4-FFF2-40B4-BE49-F238E27FC236}">
-                <a16:creationId xmlns:a16="http://schemas.microsoft.com/office/drawing/2014/main" xmlns="" id="{F53BC57C-78A5-6AFC-CB34-7E3FD29B339F}"/>
+                <a16:creationId xmlns:a16="http://schemas.microsoft.com/office/drawing/2014/main" id="{F53BC57C-78A5-6AFC-CB34-7E3FD29B339F}"/>
               </a:ext>
             </a:extLst>
           </p:cNvPr>
@@ -15667,7 +15734,7 @@
             <p:cNvPr id="7" name="Object 61">
               <a:extLst>
                 <a:ext uri="{FF2B5EF4-FFF2-40B4-BE49-F238E27FC236}">
-                  <a16:creationId xmlns:a16="http://schemas.microsoft.com/office/drawing/2014/main" xmlns="" id="{E6F73685-14E5-06A9-813C-1C372BD6F4DE}"/>
+                  <a16:creationId xmlns:a16="http://schemas.microsoft.com/office/drawing/2014/main" id="{E6F73685-14E5-06A9-813C-1C372BD6F4DE}"/>
                 </a:ext>
               </a:extLst>
             </p:cNvPr>
@@ -15698,7 +15765,7 @@
           <p:cNvPr id="11" name="직선 연결선 10">
             <a:extLst>
               <a:ext uri="{FF2B5EF4-FFF2-40B4-BE49-F238E27FC236}">
-                <a16:creationId xmlns:a16="http://schemas.microsoft.com/office/drawing/2014/main" xmlns="" id="{466D5656-813B-296D-F08F-2E57C8EBA1E1}"/>
+                <a16:creationId xmlns:a16="http://schemas.microsoft.com/office/drawing/2014/main" id="{466D5656-813B-296D-F08F-2E57C8EBA1E1}"/>
               </a:ext>
             </a:extLst>
           </p:cNvPr>
@@ -15741,7 +15808,7 @@
           <p:cNvPr id="13" name="그룹 1018">
             <a:extLst>
               <a:ext uri="{FF2B5EF4-FFF2-40B4-BE49-F238E27FC236}">
-                <a16:creationId xmlns:a16="http://schemas.microsoft.com/office/drawing/2014/main" xmlns="" id="{6422EA0E-12C8-4264-ABC7-17F8CE933867}"/>
+                <a16:creationId xmlns:a16="http://schemas.microsoft.com/office/drawing/2014/main" id="{6422EA0E-12C8-4264-ABC7-17F8CE933867}"/>
               </a:ext>
             </a:extLst>
           </p:cNvPr>
@@ -15761,7 +15828,7 @@
             <p:cNvPr id="14" name="Object 61">
               <a:extLst>
                 <a:ext uri="{FF2B5EF4-FFF2-40B4-BE49-F238E27FC236}">
-                  <a16:creationId xmlns:a16="http://schemas.microsoft.com/office/drawing/2014/main" xmlns="" id="{B8EE3D0F-6DDF-413D-3D54-0B0C4905D65D}"/>
+                  <a16:creationId xmlns:a16="http://schemas.microsoft.com/office/drawing/2014/main" id="{B8EE3D0F-6DDF-413D-3D54-0B0C4905D65D}"/>
                 </a:ext>
               </a:extLst>
             </p:cNvPr>
@@ -15792,7 +15859,7 @@
           <p:cNvPr id="15" name="그룹 1018">
             <a:extLst>
               <a:ext uri="{FF2B5EF4-FFF2-40B4-BE49-F238E27FC236}">
-                <a16:creationId xmlns:a16="http://schemas.microsoft.com/office/drawing/2014/main" xmlns="" id="{11F8DF7C-F95F-B0B5-FC7F-85E369D002C6}"/>
+                <a16:creationId xmlns:a16="http://schemas.microsoft.com/office/drawing/2014/main" id="{11F8DF7C-F95F-B0B5-FC7F-85E369D002C6}"/>
               </a:ext>
             </a:extLst>
           </p:cNvPr>
@@ -15812,7 +15879,7 @@
             <p:cNvPr id="16" name="Object 61">
               <a:extLst>
                 <a:ext uri="{FF2B5EF4-FFF2-40B4-BE49-F238E27FC236}">
-                  <a16:creationId xmlns:a16="http://schemas.microsoft.com/office/drawing/2014/main" xmlns="" id="{B8B15D9F-D5FD-93DD-D076-037E1D6FFEC7}"/>
+                  <a16:creationId xmlns:a16="http://schemas.microsoft.com/office/drawing/2014/main" id="{B8B15D9F-D5FD-93DD-D076-037E1D6FFEC7}"/>
                 </a:ext>
               </a:extLst>
             </p:cNvPr>
@@ -15843,7 +15910,7 @@
           <p:cNvPr id="17" name="직선 연결선 16">
             <a:extLst>
               <a:ext uri="{FF2B5EF4-FFF2-40B4-BE49-F238E27FC236}">
-                <a16:creationId xmlns:a16="http://schemas.microsoft.com/office/drawing/2014/main" xmlns="" id="{450E9148-0C3A-3B85-23E5-E1D1C0997659}"/>
+                <a16:creationId xmlns:a16="http://schemas.microsoft.com/office/drawing/2014/main" id="{450E9148-0C3A-3B85-23E5-E1D1C0997659}"/>
               </a:ext>
             </a:extLst>
           </p:cNvPr>
@@ -15887,7 +15954,7 @@
           <p:cNvPr id="20" name="TextBox 19">
             <a:extLst>
               <a:ext uri="{FF2B5EF4-FFF2-40B4-BE49-F238E27FC236}">
-                <a16:creationId xmlns:a16="http://schemas.microsoft.com/office/drawing/2014/main" xmlns="" id="{A06D4055-10A8-4A24-5EDC-0761473BA40F}"/>
+                <a16:creationId xmlns:a16="http://schemas.microsoft.com/office/drawing/2014/main" id="{A06D4055-10A8-4A24-5EDC-0761473BA40F}"/>
               </a:ext>
             </a:extLst>
           </p:cNvPr>
@@ -15931,7 +15998,7 @@
           <p:cNvPr id="21" name="TextBox 20">
             <a:extLst>
               <a:ext uri="{FF2B5EF4-FFF2-40B4-BE49-F238E27FC236}">
-                <a16:creationId xmlns:a16="http://schemas.microsoft.com/office/drawing/2014/main" xmlns="" id="{044C5ACF-17B6-5920-7904-E16248F54A6A}"/>
+                <a16:creationId xmlns:a16="http://schemas.microsoft.com/office/drawing/2014/main" id="{044C5ACF-17B6-5920-7904-E16248F54A6A}"/>
               </a:ext>
             </a:extLst>
           </p:cNvPr>
@@ -15975,7 +16042,7 @@
           <p:cNvPr id="22" name="TextBox 21">
             <a:extLst>
               <a:ext uri="{FF2B5EF4-FFF2-40B4-BE49-F238E27FC236}">
-                <a16:creationId xmlns:a16="http://schemas.microsoft.com/office/drawing/2014/main" xmlns="" id="{A7091AF6-2AB0-08A8-8A31-E96D2EBC6A65}"/>
+                <a16:creationId xmlns:a16="http://schemas.microsoft.com/office/drawing/2014/main" id="{A7091AF6-2AB0-08A8-8A31-E96D2EBC6A65}"/>
               </a:ext>
             </a:extLst>
           </p:cNvPr>
@@ -16019,7 +16086,7 @@
           <p:cNvPr id="23" name="TextBox 22">
             <a:extLst>
               <a:ext uri="{FF2B5EF4-FFF2-40B4-BE49-F238E27FC236}">
-                <a16:creationId xmlns:a16="http://schemas.microsoft.com/office/drawing/2014/main" xmlns="" id="{101E227B-A9BD-20A0-66DD-A013FA376D02}"/>
+                <a16:creationId xmlns:a16="http://schemas.microsoft.com/office/drawing/2014/main" id="{101E227B-A9BD-20A0-66DD-A013FA376D02}"/>
               </a:ext>
             </a:extLst>
           </p:cNvPr>
@@ -16077,7 +16144,7 @@
             <p:cNvPr id="9" name="직선 연결선 8">
               <a:extLst>
                 <a:ext uri="{FF2B5EF4-FFF2-40B4-BE49-F238E27FC236}">
-                  <a16:creationId xmlns:a16="http://schemas.microsoft.com/office/drawing/2014/main" xmlns="" id="{1172879B-889D-0C2F-EEA8-003E6793F36F}"/>
+                  <a16:creationId xmlns:a16="http://schemas.microsoft.com/office/drawing/2014/main" id="{1172879B-889D-0C2F-EEA8-003E6793F36F}"/>
                 </a:ext>
               </a:extLst>
             </p:cNvPr>
@@ -16120,7 +16187,7 @@
             <p:cNvPr id="24" name="직선 연결선 23">
               <a:extLst>
                 <a:ext uri="{FF2B5EF4-FFF2-40B4-BE49-F238E27FC236}">
-                  <a16:creationId xmlns:a16="http://schemas.microsoft.com/office/drawing/2014/main" xmlns="" id="{1172879B-889D-0C2F-EEA8-003E6793F36F}"/>
+                  <a16:creationId xmlns:a16="http://schemas.microsoft.com/office/drawing/2014/main" id="{1172879B-889D-0C2F-EEA8-003E6793F36F}"/>
                 </a:ext>
               </a:extLst>
             </p:cNvPr>
@@ -16163,7 +16230,7 @@
             <p:cNvPr id="25" name="직선 연결선 24">
               <a:extLst>
                 <a:ext uri="{FF2B5EF4-FFF2-40B4-BE49-F238E27FC236}">
-                  <a16:creationId xmlns:a16="http://schemas.microsoft.com/office/drawing/2014/main" xmlns="" id="{1172879B-889D-0C2F-EEA8-003E6793F36F}"/>
+                  <a16:creationId xmlns:a16="http://schemas.microsoft.com/office/drawing/2014/main" id="{1172879B-889D-0C2F-EEA8-003E6793F36F}"/>
                 </a:ext>
               </a:extLst>
             </p:cNvPr>
@@ -16206,7 +16273,7 @@
             <p:cNvPr id="30" name="직선 연결선 29">
               <a:extLst>
                 <a:ext uri="{FF2B5EF4-FFF2-40B4-BE49-F238E27FC236}">
-                  <a16:creationId xmlns:a16="http://schemas.microsoft.com/office/drawing/2014/main" xmlns="" id="{1172879B-889D-0C2F-EEA8-003E6793F36F}"/>
+                  <a16:creationId xmlns:a16="http://schemas.microsoft.com/office/drawing/2014/main" id="{1172879B-889D-0C2F-EEA8-003E6793F36F}"/>
                 </a:ext>
               </a:extLst>
             </p:cNvPr>

--- a/JavaLecture/LectureFile/샘플.pptx
+++ b/JavaLecture/LectureFile/샘플.pptx
@@ -324,7 +324,7 @@
           <a:p>
             <a:fld id="{F8166F1F-CE9B-4651-A6AA-CD717754106B}" type="datetimeFigureOut">
               <a:rPr lang="en-US" smtClean="0"/>
-              <a:t>5/13/2023</a:t>
+              <a:t>9/21/2023</a:t>
             </a:fld>
             <a:endParaRPr lang="en-US"/>
           </a:p>
@@ -487,7 +487,7 @@
           <a:p>
             <a:fld id="{A76116CE-C4A3-4A05-B2D7-7C2E9A889C0F}" type="datetimeFigureOut">
               <a:rPr lang="en-US" smtClean="0"/>
-              <a:t>5/13/2023</a:t>
+              <a:t>9/21/2023</a:t>
             </a:fld>
             <a:endParaRPr lang="en-US"/>
           </a:p>
@@ -660,7 +660,7 @@
           <a:p>
             <a:fld id="{A76116CE-C4A3-4A05-B2D7-7C2E9A889C0F}" type="datetimeFigureOut">
               <a:rPr lang="en-US" smtClean="0"/>
-              <a:t>5/13/2023</a:t>
+              <a:t>9/21/2023</a:t>
             </a:fld>
             <a:endParaRPr lang="en-US"/>
           </a:p>
@@ -825,7 +825,7 @@
           <a:p>
             <a:fld id="{A76116CE-C4A3-4A05-B2D7-7C2E9A889C0F}" type="datetimeFigureOut">
               <a:rPr lang="en-US" smtClean="0"/>
-              <a:t>5/13/2023</a:t>
+              <a:t>9/21/2023</a:t>
             </a:fld>
             <a:endParaRPr lang="en-US"/>
           </a:p>
@@ -1065,7 +1065,7 @@
           <a:p>
             <a:fld id="{A76116CE-C4A3-4A05-B2D7-7C2E9A889C0F}" type="datetimeFigureOut">
               <a:rPr lang="en-US" smtClean="0"/>
-              <a:t>5/13/2023</a:t>
+              <a:t>9/21/2023</a:t>
             </a:fld>
             <a:endParaRPr lang="en-US"/>
           </a:p>
@@ -1345,7 +1345,7 @@
           <a:p>
             <a:fld id="{A76116CE-C4A3-4A05-B2D7-7C2E9A889C0F}" type="datetimeFigureOut">
               <a:rPr lang="en-US" smtClean="0"/>
-              <a:t>5/13/2023</a:t>
+              <a:t>9/21/2023</a:t>
             </a:fld>
             <a:endParaRPr lang="en-US"/>
           </a:p>
@@ -1759,7 +1759,7 @@
           <a:p>
             <a:fld id="{A76116CE-C4A3-4A05-B2D7-7C2E9A889C0F}" type="datetimeFigureOut">
               <a:rPr lang="en-US" smtClean="0"/>
-              <a:t>5/13/2023</a:t>
+              <a:t>9/21/2023</a:t>
             </a:fld>
             <a:endParaRPr lang="en-US"/>
           </a:p>
@@ -1871,7 +1871,7 @@
           <a:p>
             <a:fld id="{A76116CE-C4A3-4A05-B2D7-7C2E9A889C0F}" type="datetimeFigureOut">
               <a:rPr lang="en-US" smtClean="0"/>
-              <a:t>5/13/2023</a:t>
+              <a:t>9/21/2023</a:t>
             </a:fld>
             <a:endParaRPr lang="en-US"/>
           </a:p>
@@ -1961,7 +1961,7 @@
           <a:p>
             <a:fld id="{A76116CE-C4A3-4A05-B2D7-7C2E9A889C0F}" type="datetimeFigureOut">
               <a:rPr lang="en-US" smtClean="0"/>
-              <a:t>5/13/2023</a:t>
+              <a:t>9/21/2023</a:t>
             </a:fld>
             <a:endParaRPr lang="en-US"/>
           </a:p>
@@ -2231,7 +2231,7 @@
           <a:p>
             <a:fld id="{A76116CE-C4A3-4A05-B2D7-7C2E9A889C0F}" type="datetimeFigureOut">
               <a:rPr lang="en-US" smtClean="0"/>
-              <a:t>5/13/2023</a:t>
+              <a:t>9/21/2023</a:t>
             </a:fld>
             <a:endParaRPr lang="en-US"/>
           </a:p>
@@ -2478,7 +2478,7 @@
           <a:p>
             <a:fld id="{A76116CE-C4A3-4A05-B2D7-7C2E9A889C0F}" type="datetimeFigureOut">
               <a:rPr lang="en-US" smtClean="0"/>
-              <a:t>5/13/2023</a:t>
+              <a:t>9/21/2023</a:t>
             </a:fld>
             <a:endParaRPr lang="en-US"/>
           </a:p>
@@ -2684,7 +2684,7 @@
           <a:p>
             <a:fld id="{F8166F1F-CE9B-4651-A6AA-CD717754106B}" type="datetimeFigureOut">
               <a:rPr lang="en-US" smtClean="0"/>
-              <a:t>5/13/2023</a:t>
+              <a:t>9/21/2023</a:t>
             </a:fld>
             <a:endParaRPr lang="en-US"/>
           </a:p>
@@ -3938,7 +3938,7 @@
         </p:nvSpPr>
         <p:spPr>
           <a:xfrm>
-            <a:off x="9067800" y="1540014"/>
+            <a:off x="8947902" y="1674135"/>
             <a:ext cx="2469113" cy="707886"/>
           </a:xfrm>
           <a:prstGeom prst="rect">

--- a/JavaLecture/LectureFile/샘플.pptx
+++ b/JavaLecture/LectureFile/샘플.pptx
@@ -4,6 +4,9 @@
   <p:sldMasterIdLst>
     <p:sldMasterId id="2147483648" r:id="rId1"/>
   </p:sldMasterIdLst>
+  <p:notesMasterIdLst>
+    <p:notesMasterId r:id="rId25"/>
+  </p:notesMasterIdLst>
   <p:sldIdLst>
     <p:sldId id="276" r:id="rId2"/>
     <p:sldId id="278" r:id="rId3"/>
@@ -145,6 +148,439 @@
 </p:presentation>
 </file>
 
+<file path=ppt/notesMasters/notesMaster1.xml><?xml version="1.0" encoding="utf-8"?>
+<p:notesMaster xmlns:a="http://schemas.openxmlformats.org/drawingml/2006/main" xmlns:r="http://schemas.openxmlformats.org/officeDocument/2006/relationships" xmlns:p="http://schemas.openxmlformats.org/presentationml/2006/main">
+  <p:cSld>
+    <p:bg>
+      <p:bgRef idx="1001">
+        <a:schemeClr val="bg1"/>
+      </p:bgRef>
+    </p:bg>
+    <p:spTree>
+      <p:nvGrpSpPr>
+        <p:cNvPr id="1" name=""/>
+        <p:cNvGrpSpPr/>
+        <p:nvPr/>
+      </p:nvGrpSpPr>
+      <p:grpSpPr>
+        <a:xfrm>
+          <a:off x="0" y="0"/>
+          <a:ext cx="0" cy="0"/>
+          <a:chOff x="0" y="0"/>
+          <a:chExt cx="0" cy="0"/>
+        </a:xfrm>
+      </p:grpSpPr>
+      <p:sp>
+        <p:nvSpPr>
+          <p:cNvPr id="2" name="머리글 개체 틀 1"/>
+          <p:cNvSpPr>
+            <a:spLocks noGrp="1"/>
+          </p:cNvSpPr>
+          <p:nvPr>
+            <p:ph type="hdr" sz="quarter"/>
+          </p:nvPr>
+        </p:nvSpPr>
+        <p:spPr>
+          <a:xfrm>
+            <a:off x="0" y="0"/>
+            <a:ext cx="4457700" cy="917575"/>
+          </a:xfrm>
+          <a:prstGeom prst="rect">
+            <a:avLst/>
+          </a:prstGeom>
+        </p:spPr>
+        <p:txBody>
+          <a:bodyPr vert="horz" lIns="91440" tIns="45720" rIns="91440" bIns="45720" rtlCol="0"/>
+          <a:lstStyle>
+            <a:lvl1pPr algn="l">
+              <a:defRPr sz="1200"/>
+            </a:lvl1pPr>
+          </a:lstStyle>
+          <a:p>
+            <a:endParaRPr lang="ko-KR" altLang="en-US"/>
+          </a:p>
+        </p:txBody>
+      </p:sp>
+      <p:sp>
+        <p:nvSpPr>
+          <p:cNvPr id="3" name="날짜 개체 틀 2"/>
+          <p:cNvSpPr>
+            <a:spLocks noGrp="1"/>
+          </p:cNvSpPr>
+          <p:nvPr>
+            <p:ph type="dt" idx="1"/>
+          </p:nvPr>
+        </p:nvSpPr>
+        <p:spPr>
+          <a:xfrm>
+            <a:off x="5827713" y="0"/>
+            <a:ext cx="4457700" cy="917575"/>
+          </a:xfrm>
+          <a:prstGeom prst="rect">
+            <a:avLst/>
+          </a:prstGeom>
+        </p:spPr>
+        <p:txBody>
+          <a:bodyPr vert="horz" lIns="91440" tIns="45720" rIns="91440" bIns="45720" rtlCol="0"/>
+          <a:lstStyle>
+            <a:lvl1pPr algn="r">
+              <a:defRPr sz="1200"/>
+            </a:lvl1pPr>
+          </a:lstStyle>
+          <a:p>
+            <a:fld id="{3377703C-7B6A-4662-85EE-2E5A30469F49}" type="datetimeFigureOut">
+              <a:rPr lang="ko-KR" altLang="en-US" smtClean="0"/>
+              <a:t>2023-09-25 Monday</a:t>
+            </a:fld>
+            <a:endParaRPr lang="ko-KR" altLang="en-US"/>
+          </a:p>
+        </p:txBody>
+      </p:sp>
+      <p:sp>
+        <p:nvSpPr>
+          <p:cNvPr id="4" name="슬라이드 이미지 개체 틀 3"/>
+          <p:cNvSpPr>
+            <a:spLocks noGrp="1" noRot="1" noChangeAspect="1"/>
+          </p:cNvSpPr>
+          <p:nvPr>
+            <p:ph type="sldImg" idx="2"/>
+          </p:nvPr>
+        </p:nvSpPr>
+        <p:spPr>
+          <a:xfrm>
+            <a:off x="-342900" y="2286000"/>
+            <a:ext cx="10972800" cy="6172200"/>
+          </a:xfrm>
+          <a:prstGeom prst="rect">
+            <a:avLst/>
+          </a:prstGeom>
+          <a:noFill/>
+          <a:ln w="12700">
+            <a:solidFill>
+              <a:prstClr val="black"/>
+            </a:solidFill>
+          </a:ln>
+        </p:spPr>
+        <p:txBody>
+          <a:bodyPr vert="horz" lIns="91440" tIns="45720" rIns="91440" bIns="45720" rtlCol="0" anchor="ctr"/>
+          <a:lstStyle/>
+          <a:p>
+            <a:endParaRPr lang="ko-KR" altLang="en-US"/>
+          </a:p>
+        </p:txBody>
+      </p:sp>
+      <p:sp>
+        <p:nvSpPr>
+          <p:cNvPr id="5" name="슬라이드 노트 개체 틀 4"/>
+          <p:cNvSpPr>
+            <a:spLocks noGrp="1"/>
+          </p:cNvSpPr>
+          <p:nvPr>
+            <p:ph type="body" sz="quarter" idx="3"/>
+          </p:nvPr>
+        </p:nvSpPr>
+        <p:spPr>
+          <a:xfrm>
+            <a:off x="1028700" y="8801100"/>
+            <a:ext cx="8229600" cy="7200900"/>
+          </a:xfrm>
+          <a:prstGeom prst="rect">
+            <a:avLst/>
+          </a:prstGeom>
+        </p:spPr>
+        <p:txBody>
+          <a:bodyPr vert="horz" lIns="91440" tIns="45720" rIns="91440" bIns="45720" rtlCol="0"/>
+          <a:lstStyle/>
+          <a:p>
+            <a:pPr lvl="0"/>
+            <a:r>
+              <a:rPr lang="ko-KR" altLang="en-US"/>
+              <a:t>마스터 텍스트 스타일을 편집하려면 클릭</a:t>
+            </a:r>
+          </a:p>
+          <a:p>
+            <a:pPr lvl="1"/>
+            <a:r>
+              <a:rPr lang="ko-KR" altLang="en-US"/>
+              <a:t>두 번째 수준</a:t>
+            </a:r>
+          </a:p>
+          <a:p>
+            <a:pPr lvl="2"/>
+            <a:r>
+              <a:rPr lang="ko-KR" altLang="en-US"/>
+              <a:t>세 번째 수준</a:t>
+            </a:r>
+          </a:p>
+          <a:p>
+            <a:pPr lvl="3"/>
+            <a:r>
+              <a:rPr lang="ko-KR" altLang="en-US"/>
+              <a:t>네 번째 수준</a:t>
+            </a:r>
+          </a:p>
+          <a:p>
+            <a:pPr lvl="4"/>
+            <a:r>
+              <a:rPr lang="ko-KR" altLang="en-US"/>
+              <a:t>다섯 번째 수준</a:t>
+            </a:r>
+          </a:p>
+        </p:txBody>
+      </p:sp>
+      <p:sp>
+        <p:nvSpPr>
+          <p:cNvPr id="6" name="바닥글 개체 틀 5"/>
+          <p:cNvSpPr>
+            <a:spLocks noGrp="1"/>
+          </p:cNvSpPr>
+          <p:nvPr>
+            <p:ph type="ftr" sz="quarter" idx="4"/>
+          </p:nvPr>
+        </p:nvSpPr>
+        <p:spPr>
+          <a:xfrm>
+            <a:off x="0" y="17372013"/>
+            <a:ext cx="4457700" cy="915987"/>
+          </a:xfrm>
+          <a:prstGeom prst="rect">
+            <a:avLst/>
+          </a:prstGeom>
+        </p:spPr>
+        <p:txBody>
+          <a:bodyPr vert="horz" lIns="91440" tIns="45720" rIns="91440" bIns="45720" rtlCol="0" anchor="b"/>
+          <a:lstStyle>
+            <a:lvl1pPr algn="l">
+              <a:defRPr sz="1200"/>
+            </a:lvl1pPr>
+          </a:lstStyle>
+          <a:p>
+            <a:endParaRPr lang="ko-KR" altLang="en-US"/>
+          </a:p>
+        </p:txBody>
+      </p:sp>
+      <p:sp>
+        <p:nvSpPr>
+          <p:cNvPr id="7" name="슬라이드 번호 개체 틀 6"/>
+          <p:cNvSpPr>
+            <a:spLocks noGrp="1"/>
+          </p:cNvSpPr>
+          <p:nvPr>
+            <p:ph type="sldNum" sz="quarter" idx="5"/>
+          </p:nvPr>
+        </p:nvSpPr>
+        <p:spPr>
+          <a:xfrm>
+            <a:off x="5827713" y="17372013"/>
+            <a:ext cx="4457700" cy="915987"/>
+          </a:xfrm>
+          <a:prstGeom prst="rect">
+            <a:avLst/>
+          </a:prstGeom>
+        </p:spPr>
+        <p:txBody>
+          <a:bodyPr vert="horz" lIns="91440" tIns="45720" rIns="91440" bIns="45720" rtlCol="0" anchor="b"/>
+          <a:lstStyle>
+            <a:lvl1pPr algn="r">
+              <a:defRPr sz="1200"/>
+            </a:lvl1pPr>
+          </a:lstStyle>
+          <a:p>
+            <a:fld id="{00A93561-C85C-4243-8BE0-D581A47AEDB3}" type="slidenum">
+              <a:rPr lang="ko-KR" altLang="en-US" smtClean="0"/>
+              <a:t>‹#›</a:t>
+            </a:fld>
+            <a:endParaRPr lang="ko-KR" altLang="en-US"/>
+          </a:p>
+        </p:txBody>
+      </p:sp>
+    </p:spTree>
+    <p:extLst>
+      <p:ext uri="{BB962C8B-B14F-4D97-AF65-F5344CB8AC3E}">
+        <p14:creationId xmlns:p14="http://schemas.microsoft.com/office/powerpoint/2010/main" val="1644850251"/>
+      </p:ext>
+    </p:extLst>
+  </p:cSld>
+  <p:clrMap bg1="lt1" tx1="dk1" bg2="lt2" tx2="dk2" accent1="accent1" accent2="accent2" accent3="accent3" accent4="accent4" accent5="accent5" accent6="accent6" hlink="hlink" folHlink="folHlink"/>
+  <p:notesStyle>
+    <a:lvl1pPr marL="0" algn="l" defTabSz="914400" rtl="0" eaLnBrk="1" latinLnBrk="1" hangingPunct="1">
+      <a:defRPr sz="1200" kern="1200">
+        <a:solidFill>
+          <a:schemeClr val="tx1"/>
+        </a:solidFill>
+        <a:latin typeface="+mn-lt"/>
+        <a:ea typeface="+mn-ea"/>
+        <a:cs typeface="+mn-cs"/>
+      </a:defRPr>
+    </a:lvl1pPr>
+    <a:lvl2pPr marL="457200" algn="l" defTabSz="914400" rtl="0" eaLnBrk="1" latinLnBrk="1" hangingPunct="1">
+      <a:defRPr sz="1200" kern="1200">
+        <a:solidFill>
+          <a:schemeClr val="tx1"/>
+        </a:solidFill>
+        <a:latin typeface="+mn-lt"/>
+        <a:ea typeface="+mn-ea"/>
+        <a:cs typeface="+mn-cs"/>
+      </a:defRPr>
+    </a:lvl2pPr>
+    <a:lvl3pPr marL="914400" algn="l" defTabSz="914400" rtl="0" eaLnBrk="1" latinLnBrk="1" hangingPunct="1">
+      <a:defRPr sz="1200" kern="1200">
+        <a:solidFill>
+          <a:schemeClr val="tx1"/>
+        </a:solidFill>
+        <a:latin typeface="+mn-lt"/>
+        <a:ea typeface="+mn-ea"/>
+        <a:cs typeface="+mn-cs"/>
+      </a:defRPr>
+    </a:lvl3pPr>
+    <a:lvl4pPr marL="1371600" algn="l" defTabSz="914400" rtl="0" eaLnBrk="1" latinLnBrk="1" hangingPunct="1">
+      <a:defRPr sz="1200" kern="1200">
+        <a:solidFill>
+          <a:schemeClr val="tx1"/>
+        </a:solidFill>
+        <a:latin typeface="+mn-lt"/>
+        <a:ea typeface="+mn-ea"/>
+        <a:cs typeface="+mn-cs"/>
+      </a:defRPr>
+    </a:lvl4pPr>
+    <a:lvl5pPr marL="1828800" algn="l" defTabSz="914400" rtl="0" eaLnBrk="1" latinLnBrk="1" hangingPunct="1">
+      <a:defRPr sz="1200" kern="1200">
+        <a:solidFill>
+          <a:schemeClr val="tx1"/>
+        </a:solidFill>
+        <a:latin typeface="+mn-lt"/>
+        <a:ea typeface="+mn-ea"/>
+        <a:cs typeface="+mn-cs"/>
+      </a:defRPr>
+    </a:lvl5pPr>
+    <a:lvl6pPr marL="2286000" algn="l" defTabSz="914400" rtl="0" eaLnBrk="1" latinLnBrk="1" hangingPunct="1">
+      <a:defRPr sz="1200" kern="1200">
+        <a:solidFill>
+          <a:schemeClr val="tx1"/>
+        </a:solidFill>
+        <a:latin typeface="+mn-lt"/>
+        <a:ea typeface="+mn-ea"/>
+        <a:cs typeface="+mn-cs"/>
+      </a:defRPr>
+    </a:lvl6pPr>
+    <a:lvl7pPr marL="2743200" algn="l" defTabSz="914400" rtl="0" eaLnBrk="1" latinLnBrk="1" hangingPunct="1">
+      <a:defRPr sz="1200" kern="1200">
+        <a:solidFill>
+          <a:schemeClr val="tx1"/>
+        </a:solidFill>
+        <a:latin typeface="+mn-lt"/>
+        <a:ea typeface="+mn-ea"/>
+        <a:cs typeface="+mn-cs"/>
+      </a:defRPr>
+    </a:lvl7pPr>
+    <a:lvl8pPr marL="3200400" algn="l" defTabSz="914400" rtl="0" eaLnBrk="1" latinLnBrk="1" hangingPunct="1">
+      <a:defRPr sz="1200" kern="1200">
+        <a:solidFill>
+          <a:schemeClr val="tx1"/>
+        </a:solidFill>
+        <a:latin typeface="+mn-lt"/>
+        <a:ea typeface="+mn-ea"/>
+        <a:cs typeface="+mn-cs"/>
+      </a:defRPr>
+    </a:lvl8pPr>
+    <a:lvl9pPr marL="3657600" algn="l" defTabSz="914400" rtl="0" eaLnBrk="1" latinLnBrk="1" hangingPunct="1">
+      <a:defRPr sz="1200" kern="1200">
+        <a:solidFill>
+          <a:schemeClr val="tx1"/>
+        </a:solidFill>
+        <a:latin typeface="+mn-lt"/>
+        <a:ea typeface="+mn-ea"/>
+        <a:cs typeface="+mn-cs"/>
+      </a:defRPr>
+    </a:lvl9pPr>
+  </p:notesStyle>
+</p:notesMaster>
+</file>
+
+<file path=ppt/notesSlides/notesSlide1.xml><?xml version="1.0" encoding="utf-8"?>
+<p:notes xmlns:a="http://schemas.openxmlformats.org/drawingml/2006/main" xmlns:r="http://schemas.openxmlformats.org/officeDocument/2006/relationships" xmlns:p="http://schemas.openxmlformats.org/presentationml/2006/main">
+  <p:cSld>
+    <p:spTree>
+      <p:nvGrpSpPr>
+        <p:cNvPr id="1" name=""/>
+        <p:cNvGrpSpPr/>
+        <p:nvPr/>
+      </p:nvGrpSpPr>
+      <p:grpSpPr>
+        <a:xfrm>
+          <a:off x="0" y="0"/>
+          <a:ext cx="0" cy="0"/>
+          <a:chOff x="0" y="0"/>
+          <a:chExt cx="0" cy="0"/>
+        </a:xfrm>
+      </p:grpSpPr>
+      <p:sp>
+        <p:nvSpPr>
+          <p:cNvPr id="2" name="슬라이드 이미지 개체 틀 1"/>
+          <p:cNvSpPr>
+            <a:spLocks noGrp="1" noRot="1" noChangeAspect="1"/>
+          </p:cNvSpPr>
+          <p:nvPr>
+            <p:ph type="sldImg"/>
+          </p:nvPr>
+        </p:nvSpPr>
+        <p:spPr/>
+      </p:sp>
+      <p:sp>
+        <p:nvSpPr>
+          <p:cNvPr id="3" name="슬라이드 노트 개체 틀 2"/>
+          <p:cNvSpPr>
+            <a:spLocks noGrp="1"/>
+          </p:cNvSpPr>
+          <p:nvPr>
+            <p:ph type="body" idx="1"/>
+          </p:nvPr>
+        </p:nvSpPr>
+        <p:spPr/>
+        <p:txBody>
+          <a:bodyPr/>
+          <a:lstStyle/>
+          <a:p>
+            <a:endParaRPr lang="ko-KR" altLang="en-US" dirty="0"/>
+          </a:p>
+        </p:txBody>
+      </p:sp>
+      <p:sp>
+        <p:nvSpPr>
+          <p:cNvPr id="4" name="슬라이드 번호 개체 틀 3"/>
+          <p:cNvSpPr>
+            <a:spLocks noGrp="1"/>
+          </p:cNvSpPr>
+          <p:nvPr>
+            <p:ph type="sldNum" sz="quarter" idx="5"/>
+          </p:nvPr>
+        </p:nvSpPr>
+        <p:spPr/>
+        <p:txBody>
+          <a:bodyPr/>
+          <a:lstStyle/>
+          <a:p>
+            <a:fld id="{00A93561-C85C-4243-8BE0-D581A47AEDB3}" type="slidenum">
+              <a:rPr lang="ko-KR" altLang="en-US" smtClean="0"/>
+              <a:t>2</a:t>
+            </a:fld>
+            <a:endParaRPr lang="ko-KR" altLang="en-US"/>
+          </a:p>
+        </p:txBody>
+      </p:sp>
+    </p:spTree>
+    <p:extLst>
+      <p:ext uri="{BB962C8B-B14F-4D97-AF65-F5344CB8AC3E}">
+        <p14:creationId xmlns:p14="http://schemas.microsoft.com/office/powerpoint/2010/main" val="1516227143"/>
+      </p:ext>
+    </p:extLst>
+  </p:cSld>
+  <p:clrMapOvr>
+    <a:masterClrMapping/>
+  </p:clrMapOvr>
+</p:notes>
+</file>
+
 <file path=ppt/slideLayouts/slideLayout1.xml><?xml version="1.0" encoding="utf-8"?>
 <p:sldLayout xmlns:a="http://schemas.openxmlformats.org/drawingml/2006/main" xmlns:r="http://schemas.openxmlformats.org/officeDocument/2006/relationships" xmlns:p="http://schemas.openxmlformats.org/presentationml/2006/main" type="title" preserve="1">
   <p:cSld name="Title Slide">
@@ -324,7 +760,7 @@
           <a:p>
             <a:fld id="{F8166F1F-CE9B-4651-A6AA-CD717754106B}" type="datetimeFigureOut">
               <a:rPr lang="en-US" smtClean="0"/>
-              <a:t>9/21/2023</a:t>
+              <a:t>9/25/2023</a:t>
             </a:fld>
             <a:endParaRPr lang="en-US"/>
           </a:p>
@@ -487,7 +923,7 @@
           <a:p>
             <a:fld id="{A76116CE-C4A3-4A05-B2D7-7C2E9A889C0F}" type="datetimeFigureOut">
               <a:rPr lang="en-US" smtClean="0"/>
-              <a:t>9/21/2023</a:t>
+              <a:t>9/25/2023</a:t>
             </a:fld>
             <a:endParaRPr lang="en-US"/>
           </a:p>
@@ -660,7 +1096,7 @@
           <a:p>
             <a:fld id="{A76116CE-C4A3-4A05-B2D7-7C2E9A889C0F}" type="datetimeFigureOut">
               <a:rPr lang="en-US" smtClean="0"/>
-              <a:t>9/21/2023</a:t>
+              <a:t>9/25/2023</a:t>
             </a:fld>
             <a:endParaRPr lang="en-US"/>
           </a:p>
@@ -825,7 +1261,7 @@
           <a:p>
             <a:fld id="{A76116CE-C4A3-4A05-B2D7-7C2E9A889C0F}" type="datetimeFigureOut">
               <a:rPr lang="en-US" smtClean="0"/>
-              <a:t>9/21/2023</a:t>
+              <a:t>9/25/2023</a:t>
             </a:fld>
             <a:endParaRPr lang="en-US"/>
           </a:p>
@@ -1065,7 +1501,7 @@
           <a:p>
             <a:fld id="{A76116CE-C4A3-4A05-B2D7-7C2E9A889C0F}" type="datetimeFigureOut">
               <a:rPr lang="en-US" smtClean="0"/>
-              <a:t>9/21/2023</a:t>
+              <a:t>9/25/2023</a:t>
             </a:fld>
             <a:endParaRPr lang="en-US"/>
           </a:p>
@@ -1345,7 +1781,7 @@
           <a:p>
             <a:fld id="{A76116CE-C4A3-4A05-B2D7-7C2E9A889C0F}" type="datetimeFigureOut">
               <a:rPr lang="en-US" smtClean="0"/>
-              <a:t>9/21/2023</a:t>
+              <a:t>9/25/2023</a:t>
             </a:fld>
             <a:endParaRPr lang="en-US"/>
           </a:p>
@@ -1759,7 +2195,7 @@
           <a:p>
             <a:fld id="{A76116CE-C4A3-4A05-B2D7-7C2E9A889C0F}" type="datetimeFigureOut">
               <a:rPr lang="en-US" smtClean="0"/>
-              <a:t>9/21/2023</a:t>
+              <a:t>9/25/2023</a:t>
             </a:fld>
             <a:endParaRPr lang="en-US"/>
           </a:p>
@@ -1871,7 +2307,7 @@
           <a:p>
             <a:fld id="{A76116CE-C4A3-4A05-B2D7-7C2E9A889C0F}" type="datetimeFigureOut">
               <a:rPr lang="en-US" smtClean="0"/>
-              <a:t>9/21/2023</a:t>
+              <a:t>9/25/2023</a:t>
             </a:fld>
             <a:endParaRPr lang="en-US"/>
           </a:p>
@@ -1961,7 +2397,7 @@
           <a:p>
             <a:fld id="{A76116CE-C4A3-4A05-B2D7-7C2E9A889C0F}" type="datetimeFigureOut">
               <a:rPr lang="en-US" smtClean="0"/>
-              <a:t>9/21/2023</a:t>
+              <a:t>9/25/2023</a:t>
             </a:fld>
             <a:endParaRPr lang="en-US"/>
           </a:p>
@@ -2231,7 +2667,7 @@
           <a:p>
             <a:fld id="{A76116CE-C4A3-4A05-B2D7-7C2E9A889C0F}" type="datetimeFigureOut">
               <a:rPr lang="en-US" smtClean="0"/>
-              <a:t>9/21/2023</a:t>
+              <a:t>9/25/2023</a:t>
             </a:fld>
             <a:endParaRPr lang="en-US"/>
           </a:p>
@@ -2478,7 +2914,7 @@
           <a:p>
             <a:fld id="{A76116CE-C4A3-4A05-B2D7-7C2E9A889C0F}" type="datetimeFigureOut">
               <a:rPr lang="en-US" smtClean="0"/>
-              <a:t>9/21/2023</a:t>
+              <a:t>9/25/2023</a:t>
             </a:fld>
             <a:endParaRPr lang="en-US"/>
           </a:p>
@@ -2684,7 +3120,7 @@
           <a:p>
             <a:fld id="{F8166F1F-CE9B-4651-A6AA-CD717754106B}" type="datetimeFigureOut">
               <a:rPr lang="en-US" smtClean="0"/>
-              <a:t>9/21/2023</a:t>
+              <a:t>9/25/2023</a:t>
             </a:fld>
             <a:endParaRPr lang="en-US"/>
           </a:p>
@@ -3509,7 +3945,7 @@
         </p:nvSpPr>
         <p:spPr>
           <a:xfrm>
-            <a:off x="3965663" y="2628900"/>
+            <a:off x="3780207" y="2211852"/>
             <a:ext cx="2481770" cy="1446550"/>
           </a:xfrm>
           <a:prstGeom prst="rect">
@@ -7678,6 +8114,54 @@
           </a:extLst>
         </p:spPr>
       </p:pic>
+      <p:sp>
+        <p:nvSpPr>
+          <p:cNvPr id="2" name="TextBox 1">
+            <a:extLst>
+              <a:ext uri="{FF2B5EF4-FFF2-40B4-BE49-F238E27FC236}">
+                <a16:creationId xmlns:a16="http://schemas.microsoft.com/office/drawing/2014/main" id="{A92A45D9-B960-EF50-398E-26A3F43BF41A}"/>
+              </a:ext>
+            </a:extLst>
+          </p:cNvPr>
+          <p:cNvSpPr txBox="1"/>
+          <p:nvPr/>
+        </p:nvSpPr>
+        <p:spPr>
+          <a:xfrm>
+            <a:off x="1960603" y="8232619"/>
+            <a:ext cx="1819729" cy="1015663"/>
+          </a:xfrm>
+          <a:prstGeom prst="rect">
+            <a:avLst/>
+          </a:prstGeom>
+          <a:noFill/>
+        </p:spPr>
+        <p:txBody>
+          <a:bodyPr wrap="none" rtlCol="0">
+            <a:spAutoFit/>
+          </a:bodyPr>
+          <a:lstStyle/>
+          <a:p>
+            <a:r>
+              <a:rPr lang="en-US" altLang="ko-KR" sz="6000" dirty="0">
+                <a:solidFill>
+                  <a:srgbClr val="4C50BB"/>
+                </a:solidFill>
+                <a:latin typeface="G마켓 산스 TTF Bold" panose="02000000000000000000" pitchFamily="2" charset="-127"/>
+                <a:ea typeface="G마켓 산스 TTF Bold" panose="02000000000000000000" pitchFamily="2" charset="-127"/>
+              </a:rPr>
+              <a:t>C++</a:t>
+            </a:r>
+            <a:endParaRPr lang="ko-KR" altLang="en-US" sz="800" dirty="0">
+              <a:solidFill>
+                <a:srgbClr val="4C50BB"/>
+              </a:solidFill>
+              <a:latin typeface="G마켓 산스 TTF Bold" panose="02000000000000000000" pitchFamily="2" charset="-127"/>
+              <a:ea typeface="G마켓 산스 TTF Bold" panose="02000000000000000000" pitchFamily="2" charset="-127"/>
+            </a:endParaRPr>
+          </a:p>
+        </p:txBody>
+      </p:sp>
     </p:spTree>
     <p:extLst>
       <p:ext uri="{BB962C8B-B14F-4D97-AF65-F5344CB8AC3E}">
@@ -15672,7 +16156,7 @@
         </p:nvGrpSpPr>
         <p:grpSpPr>
           <a:xfrm>
-            <a:off x="3287486" y="3868531"/>
+            <a:off x="7442102" y="3012489"/>
             <a:ext cx="3393622" cy="1114286"/>
             <a:chOff x="2803727" y="4828571"/>
             <a:chExt cx="3393622" cy="1114286"/>
@@ -15693,7 +16177,7 @@
             <p:nvPr/>
           </p:nvPicPr>
           <p:blipFill>
-            <a:blip r:embed="rId2" cstate="print"/>
+            <a:blip r:embed="rId3" cstate="print"/>
             <a:stretch>
               <a:fillRect/>
             </a:stretch>
@@ -15723,7 +16207,7 @@
         </p:nvGrpSpPr>
         <p:grpSpPr>
           <a:xfrm>
-            <a:off x="7102573" y="1019223"/>
+            <a:off x="11257189" y="163181"/>
             <a:ext cx="3393622" cy="1114286"/>
             <a:chOff x="2803727" y="4828571"/>
             <a:chExt cx="3393622" cy="1114286"/>
@@ -15744,7 +16228,7 @@
             <p:nvPr/>
           </p:nvPicPr>
           <p:blipFill>
-            <a:blip r:embed="rId2" cstate="print"/>
+            <a:blip r:embed="rId3" cstate="print"/>
             <a:stretch>
               <a:fillRect/>
             </a:stretch>
@@ -15776,7 +16260,7 @@
         </p:nvCxnSpPr>
         <p:spPr>
           <a:xfrm>
-            <a:off x="8799384" y="2133509"/>
+            <a:off x="12954000" y="1277467"/>
             <a:ext cx="0" cy="1735022"/>
           </a:xfrm>
           <a:prstGeom prst="line">
@@ -15817,7 +16301,7 @@
         </p:nvGrpSpPr>
         <p:grpSpPr>
           <a:xfrm>
-            <a:off x="6940767" y="3876814"/>
+            <a:off x="11095383" y="3020772"/>
             <a:ext cx="3393622" cy="1114286"/>
             <a:chOff x="2803727" y="4828571"/>
             <a:chExt cx="3393622" cy="1114286"/>
@@ -15838,7 +16322,7 @@
             <p:nvPr/>
           </p:nvPicPr>
           <p:blipFill>
-            <a:blip r:embed="rId2" cstate="print"/>
+            <a:blip r:embed="rId3" cstate="print"/>
             <a:stretch>
               <a:fillRect/>
             </a:stretch>
@@ -15868,7 +16352,7 @@
         </p:nvGrpSpPr>
         <p:grpSpPr>
           <a:xfrm>
-            <a:off x="10627178" y="3868531"/>
+            <a:off x="14781794" y="3012489"/>
             <a:ext cx="3393622" cy="1114286"/>
             <a:chOff x="2803727" y="4828571"/>
             <a:chExt cx="3393622" cy="1114286"/>
@@ -15889,7 +16373,7 @@
             <p:nvPr/>
           </p:nvPicPr>
           <p:blipFill>
-            <a:blip r:embed="rId2" cstate="print"/>
+            <a:blip r:embed="rId3" cstate="print"/>
             <a:stretch>
               <a:fillRect/>
             </a:stretch>
@@ -15922,7 +16406,7 @@
         </p:nvCxnSpPr>
         <p:spPr>
           <a:xfrm>
-            <a:off x="8799384" y="2141792"/>
+            <a:off x="12954000" y="1285750"/>
             <a:ext cx="3524605" cy="1726739"/>
           </a:xfrm>
           <a:prstGeom prst="line">
@@ -15963,7 +16447,7 @@
         </p:nvSpPr>
         <p:spPr>
           <a:xfrm>
-            <a:off x="7777858" y="1222423"/>
+            <a:off x="11932474" y="366381"/>
             <a:ext cx="2556531" cy="707886"/>
           </a:xfrm>
           <a:prstGeom prst="rect">
@@ -16007,7 +16491,7 @@
         </p:nvSpPr>
         <p:spPr>
           <a:xfrm>
-            <a:off x="4124577" y="4071731"/>
+            <a:off x="8279193" y="3215689"/>
             <a:ext cx="2556531" cy="707886"/>
           </a:xfrm>
           <a:prstGeom prst="rect">
@@ -16051,7 +16535,7 @@
         </p:nvSpPr>
         <p:spPr>
           <a:xfrm>
-            <a:off x="7754667" y="4098235"/>
+            <a:off x="11909283" y="3242193"/>
             <a:ext cx="2556531" cy="707886"/>
           </a:xfrm>
           <a:prstGeom prst="rect">
@@ -16095,7 +16579,7 @@
         </p:nvSpPr>
         <p:spPr>
           <a:xfrm>
-            <a:off x="11464269" y="4071731"/>
+            <a:off x="15618885" y="3215689"/>
             <a:ext cx="2556531" cy="707886"/>
           </a:xfrm>
           <a:prstGeom prst="rect">
@@ -16133,7 +16617,7 @@
         </p:nvGrpSpPr>
         <p:grpSpPr>
           <a:xfrm>
-            <a:off x="3276600" y="5735258"/>
+            <a:off x="7431216" y="4879216"/>
             <a:ext cx="2748642" cy="950084"/>
             <a:chOff x="3276600" y="5735258"/>
             <a:chExt cx="2748642" cy="950084"/>
@@ -16312,6 +16796,580 @@
           </p:style>
         </p:cxnSp>
       </p:grpSp>
+      <p:sp>
+        <p:nvSpPr>
+          <p:cNvPr id="2" name="TextBox 1">
+            <a:extLst>
+              <a:ext uri="{FF2B5EF4-FFF2-40B4-BE49-F238E27FC236}">
+                <a16:creationId xmlns:a16="http://schemas.microsoft.com/office/drawing/2014/main" id="{06954172-7EF0-CE8C-73EC-25E928EC1B7D}"/>
+              </a:ext>
+            </a:extLst>
+          </p:cNvPr>
+          <p:cNvSpPr txBox="1"/>
+          <p:nvPr/>
+        </p:nvSpPr>
+        <p:spPr>
+          <a:xfrm>
+            <a:off x="1802769" y="1791372"/>
+            <a:ext cx="6400800" cy="646331"/>
+          </a:xfrm>
+          <a:prstGeom prst="rect">
+            <a:avLst/>
+          </a:prstGeom>
+          <a:noFill/>
+        </p:spPr>
+        <p:txBody>
+          <a:bodyPr wrap="square" rtlCol="0">
+            <a:spAutoFit/>
+          </a:bodyPr>
+          <a:lstStyle/>
+          <a:p>
+            <a:r>
+              <a:rPr lang="ko-KR" altLang="en-US" sz="3600" dirty="0" err="1">
+                <a:solidFill>
+                  <a:srgbClr val="FF0000"/>
+                </a:solidFill>
+                <a:latin typeface="G마켓 산스 Medium" panose="02000000000000000000" pitchFamily="50" charset="-127"/>
+                <a:ea typeface="G마켓 산스 Medium" panose="02000000000000000000" pitchFamily="50" charset="-127"/>
+              </a:rPr>
+              <a:t>ㅁ</a:t>
+            </a:r>
+            <a:endParaRPr lang="en-US" altLang="ko-KR" sz="3600" dirty="0">
+              <a:solidFill>
+                <a:srgbClr val="FF0000"/>
+              </a:solidFill>
+              <a:latin typeface="G마켓 산스 Medium" panose="02000000000000000000" pitchFamily="50" charset="-127"/>
+              <a:ea typeface="G마켓 산스 Medium" panose="02000000000000000000" pitchFamily="50" charset="-127"/>
+            </a:endParaRPr>
+          </a:p>
+        </p:txBody>
+      </p:sp>
+      <p:sp>
+        <p:nvSpPr>
+          <p:cNvPr id="3" name="직사각형 2">
+            <a:extLst>
+              <a:ext uri="{FF2B5EF4-FFF2-40B4-BE49-F238E27FC236}">
+                <a16:creationId xmlns:a16="http://schemas.microsoft.com/office/drawing/2014/main" id="{29F1D9FA-D3AF-5E6D-24AC-E65D22A0D7A0}"/>
+              </a:ext>
+            </a:extLst>
+          </p:cNvPr>
+          <p:cNvSpPr/>
+          <p:nvPr/>
+        </p:nvSpPr>
+        <p:spPr>
+          <a:xfrm>
+            <a:off x="1371600" y="3086100"/>
+            <a:ext cx="3962401" cy="2286000"/>
+          </a:xfrm>
+          <a:prstGeom prst="rect">
+            <a:avLst/>
+          </a:prstGeom>
+          <a:solidFill>
+            <a:schemeClr val="bg1"/>
+          </a:solidFill>
+          <a:ln>
+            <a:noFill/>
+          </a:ln>
+        </p:spPr>
+        <p:style>
+          <a:lnRef idx="2">
+            <a:schemeClr val="accent1">
+              <a:shade val="15000"/>
+            </a:schemeClr>
+          </a:lnRef>
+          <a:fillRef idx="1">
+            <a:schemeClr val="accent1"/>
+          </a:fillRef>
+          <a:effectRef idx="0">
+            <a:schemeClr val="accent1"/>
+          </a:effectRef>
+          <a:fontRef idx="minor">
+            <a:schemeClr val="lt1"/>
+          </a:fontRef>
+        </p:style>
+        <p:txBody>
+          <a:bodyPr rtlCol="0" anchor="ctr"/>
+          <a:lstStyle/>
+          <a:p>
+            <a:pPr algn="ctr"/>
+            <a:endParaRPr lang="ko-KR" altLang="en-US"/>
+          </a:p>
+        </p:txBody>
+      </p:sp>
+      <p:sp>
+        <p:nvSpPr>
+          <p:cNvPr id="8" name="TextBox 7">
+            <a:extLst>
+              <a:ext uri="{FF2B5EF4-FFF2-40B4-BE49-F238E27FC236}">
+                <a16:creationId xmlns:a16="http://schemas.microsoft.com/office/drawing/2014/main" id="{3CDC1150-AB9C-B8B4-624C-8B864CBAC5DD}"/>
+              </a:ext>
+            </a:extLst>
+          </p:cNvPr>
+          <p:cNvSpPr txBox="1"/>
+          <p:nvPr/>
+        </p:nvSpPr>
+        <p:spPr>
+          <a:xfrm>
+            <a:off x="1600200" y="7569356"/>
+            <a:ext cx="16002000" cy="2062103"/>
+          </a:xfrm>
+          <a:prstGeom prst="rect">
+            <a:avLst/>
+          </a:prstGeom>
+          <a:noFill/>
+        </p:spPr>
+        <p:txBody>
+          <a:bodyPr wrap="square" rtlCol="0">
+            <a:spAutoFit/>
+          </a:bodyPr>
+          <a:lstStyle/>
+          <a:p>
+            <a:pPr marL="742950" indent="-742950">
+              <a:buAutoNum type="arabicPeriod"/>
+            </a:pPr>
+            <a:r>
+              <a:rPr lang="en-US" altLang="ko-KR" sz="3200" dirty="0">
+                <a:solidFill>
+                  <a:srgbClr val="4C50BB"/>
+                </a:solidFill>
+                <a:latin typeface="G마켓 산스 Medium" panose="02000000000000000000" pitchFamily="50" charset="-127"/>
+                <a:ea typeface="G마켓 산스 Medium" panose="02000000000000000000" pitchFamily="50" charset="-127"/>
+              </a:rPr>
+              <a:t>a</a:t>
+            </a:r>
+            <a:r>
+              <a:rPr lang="ko-KR" altLang="en-US" sz="3200" dirty="0">
+                <a:solidFill>
+                  <a:srgbClr val="4C50BB"/>
+                </a:solidFill>
+                <a:latin typeface="G마켓 산스 Medium" panose="02000000000000000000" pitchFamily="50" charset="-127"/>
+                <a:ea typeface="G마켓 산스 Medium" panose="02000000000000000000" pitchFamily="50" charset="-127"/>
+              </a:rPr>
+              <a:t>변수는 </a:t>
+            </a:r>
+            <a:r>
+              <a:rPr lang="en-US" altLang="ko-KR" sz="3200" dirty="0">
+                <a:solidFill>
+                  <a:srgbClr val="4C50BB"/>
+                </a:solidFill>
+                <a:latin typeface="G마켓 산스 Medium" panose="02000000000000000000" pitchFamily="50" charset="-127"/>
+                <a:ea typeface="G마켓 산스 Medium" panose="02000000000000000000" pitchFamily="50" charset="-127"/>
+              </a:rPr>
+              <a:t>char</a:t>
+            </a:r>
+            <a:r>
+              <a:rPr lang="ko-KR" altLang="en-US" sz="3200" dirty="0">
+                <a:solidFill>
+                  <a:srgbClr val="4C50BB"/>
+                </a:solidFill>
+                <a:latin typeface="G마켓 산스 Medium" panose="02000000000000000000" pitchFamily="50" charset="-127"/>
+                <a:ea typeface="G마켓 산스 Medium" panose="02000000000000000000" pitchFamily="50" charset="-127"/>
+              </a:rPr>
+              <a:t>이다 </a:t>
+            </a:r>
+            <a:r>
+              <a:rPr lang="en-US" altLang="ko-KR" sz="3200" dirty="0">
+                <a:solidFill>
+                  <a:srgbClr val="4C50BB"/>
+                </a:solidFill>
+                <a:latin typeface="G마켓 산스 Medium" panose="02000000000000000000" pitchFamily="50" charset="-127"/>
+                <a:ea typeface="G마켓 산스 Medium" panose="02000000000000000000" pitchFamily="50" charset="-127"/>
+              </a:rPr>
+              <a:t>char-char </a:t>
+            </a:r>
+            <a:r>
+              <a:rPr lang="ko-KR" altLang="en-US" sz="3200" dirty="0">
+                <a:solidFill>
+                  <a:srgbClr val="4C50BB"/>
+                </a:solidFill>
+                <a:latin typeface="G마켓 산스 Medium" panose="02000000000000000000" pitchFamily="50" charset="-127"/>
+                <a:ea typeface="G마켓 산스 Medium" panose="02000000000000000000" pitchFamily="50" charset="-127"/>
+              </a:rPr>
+              <a:t>타입끼리 </a:t>
+            </a:r>
+            <a:r>
+              <a:rPr lang="ko-KR" altLang="en-US" sz="3200" dirty="0" err="1">
+                <a:solidFill>
+                  <a:srgbClr val="4C50BB"/>
+                </a:solidFill>
+                <a:latin typeface="G마켓 산스 Medium" panose="02000000000000000000" pitchFamily="50" charset="-127"/>
+                <a:ea typeface="G마켓 산스 Medium" panose="02000000000000000000" pitchFamily="50" charset="-127"/>
+              </a:rPr>
+              <a:t>연산시</a:t>
+            </a:r>
+            <a:r>
+              <a:rPr lang="ko-KR" altLang="en-US" sz="3200" dirty="0">
+                <a:solidFill>
+                  <a:srgbClr val="4C50BB"/>
+                </a:solidFill>
+                <a:latin typeface="G마켓 산스 Medium" panose="02000000000000000000" pitchFamily="50" charset="-127"/>
+                <a:ea typeface="G마켓 산스 Medium" panose="02000000000000000000" pitchFamily="50" charset="-127"/>
+              </a:rPr>
+              <a:t> </a:t>
+            </a:r>
+            <a:r>
+              <a:rPr lang="ko-KR" altLang="en-US" sz="3200" dirty="0" err="1">
+                <a:solidFill>
+                  <a:srgbClr val="4C50BB"/>
+                </a:solidFill>
+                <a:latin typeface="G마켓 산스 Medium" panose="02000000000000000000" pitchFamily="50" charset="-127"/>
+                <a:ea typeface="G마켓 산스 Medium" panose="02000000000000000000" pitchFamily="50" charset="-127"/>
+              </a:rPr>
+              <a:t>둘다</a:t>
+            </a:r>
+            <a:r>
+              <a:rPr lang="ko-KR" altLang="en-US" sz="3200" dirty="0">
+                <a:solidFill>
+                  <a:srgbClr val="4C50BB"/>
+                </a:solidFill>
+                <a:latin typeface="G마켓 산스 Medium" panose="02000000000000000000" pitchFamily="50" charset="-127"/>
+                <a:ea typeface="G마켓 산스 Medium" panose="02000000000000000000" pitchFamily="50" charset="-127"/>
+              </a:rPr>
+              <a:t> </a:t>
+            </a:r>
+            <a:r>
+              <a:rPr lang="en-US" altLang="ko-KR" sz="3200" dirty="0">
+                <a:solidFill>
+                  <a:srgbClr val="4C50BB"/>
+                </a:solidFill>
+                <a:latin typeface="G마켓 산스 Medium" panose="02000000000000000000" pitchFamily="50" charset="-127"/>
+                <a:ea typeface="G마켓 산스 Medium" panose="02000000000000000000" pitchFamily="50" charset="-127"/>
+              </a:rPr>
+              <a:t>int</a:t>
+            </a:r>
+            <a:r>
+              <a:rPr lang="ko-KR" altLang="en-US" sz="3200" dirty="0">
+                <a:solidFill>
+                  <a:srgbClr val="4C50BB"/>
+                </a:solidFill>
+                <a:latin typeface="G마켓 산스 Medium" panose="02000000000000000000" pitchFamily="50" charset="-127"/>
+                <a:ea typeface="G마켓 산스 Medium" panose="02000000000000000000" pitchFamily="50" charset="-127"/>
+              </a:rPr>
+              <a:t>로 변경되어 계산된다</a:t>
+            </a:r>
+            <a:r>
+              <a:rPr lang="en-US" altLang="ko-KR" sz="3200" dirty="0">
+                <a:solidFill>
+                  <a:srgbClr val="4C50BB"/>
+                </a:solidFill>
+                <a:latin typeface="G마켓 산스 Medium" panose="02000000000000000000" pitchFamily="50" charset="-127"/>
+                <a:ea typeface="G마켓 산스 Medium" panose="02000000000000000000" pitchFamily="50" charset="-127"/>
+              </a:rPr>
+              <a:t>. </a:t>
+            </a:r>
+            <a:r>
+              <a:rPr lang="ko-KR" altLang="en-US" sz="3200" dirty="0">
+                <a:solidFill>
+                  <a:srgbClr val="4C50BB"/>
+                </a:solidFill>
+                <a:latin typeface="G마켓 산스 Medium" panose="02000000000000000000" pitchFamily="50" charset="-127"/>
+                <a:ea typeface="G마켓 산스 Medium" panose="02000000000000000000" pitchFamily="50" charset="-127"/>
+              </a:rPr>
+              <a:t>여기서 </a:t>
+            </a:r>
+            <a:r>
+              <a:rPr lang="en-US" altLang="ko-KR" sz="3200" dirty="0">
+                <a:solidFill>
+                  <a:srgbClr val="4C50BB"/>
+                </a:solidFill>
+                <a:latin typeface="G마켓 산스 Medium" panose="02000000000000000000" pitchFamily="50" charset="-127"/>
+                <a:ea typeface="G마켓 산스 Medium" panose="02000000000000000000" pitchFamily="50" charset="-127"/>
+              </a:rPr>
+              <a:t>int</a:t>
+            </a:r>
+            <a:r>
+              <a:rPr lang="ko-KR" altLang="en-US" sz="3200" dirty="0">
+                <a:solidFill>
+                  <a:srgbClr val="4C50BB"/>
+                </a:solidFill>
+                <a:latin typeface="G마켓 산스 Medium" panose="02000000000000000000" pitchFamily="50" charset="-127"/>
+                <a:ea typeface="G마켓 산스 Medium" panose="02000000000000000000" pitchFamily="50" charset="-127"/>
+              </a:rPr>
+              <a:t>의 값은 해당 문자와 매칭되는 유니코드표의 숫자로 변경된다</a:t>
+            </a:r>
+            <a:r>
+              <a:rPr lang="en-US" altLang="ko-KR" sz="3200" dirty="0">
+                <a:solidFill>
+                  <a:srgbClr val="4C50BB"/>
+                </a:solidFill>
+                <a:latin typeface="G마켓 산스 Medium" panose="02000000000000000000" pitchFamily="50" charset="-127"/>
+                <a:ea typeface="G마켓 산스 Medium" panose="02000000000000000000" pitchFamily="50" charset="-127"/>
+              </a:rPr>
+              <a:t>.</a:t>
+            </a:r>
+          </a:p>
+          <a:p>
+            <a:pPr marL="742950" indent="-742950">
+              <a:buAutoNum type="arabicPeriod"/>
+            </a:pPr>
+            <a:r>
+              <a:rPr lang="ko-KR" altLang="en-US" sz="3200" dirty="0">
+                <a:solidFill>
+                  <a:srgbClr val="4C50BB"/>
+                </a:solidFill>
+                <a:latin typeface="G마켓 산스 Medium" panose="02000000000000000000" pitchFamily="50" charset="-127"/>
+                <a:ea typeface="G마켓 산스 Medium" panose="02000000000000000000" pitchFamily="50" charset="-127"/>
+              </a:rPr>
+              <a:t>유니코드표에 해당하는 숫자로 변경된 상태로 </a:t>
+            </a:r>
+            <a:r>
+              <a:rPr lang="en-US" altLang="ko-KR" sz="3200" dirty="0">
+                <a:solidFill>
+                  <a:srgbClr val="4C50BB"/>
+                </a:solidFill>
+                <a:latin typeface="G마켓 산스 Medium" panose="02000000000000000000" pitchFamily="50" charset="-127"/>
+                <a:ea typeface="G마켓 산스 Medium" panose="02000000000000000000" pitchFamily="50" charset="-127"/>
+              </a:rPr>
+              <a:t>int-int </a:t>
+            </a:r>
+            <a:r>
+              <a:rPr lang="ko-KR" altLang="en-US" sz="3200" dirty="0">
+                <a:solidFill>
+                  <a:srgbClr val="4C50BB"/>
+                </a:solidFill>
+                <a:latin typeface="G마켓 산스 Medium" panose="02000000000000000000" pitchFamily="50" charset="-127"/>
+                <a:ea typeface="G마켓 산스 Medium" panose="02000000000000000000" pitchFamily="50" charset="-127"/>
+              </a:rPr>
+              <a:t>연산이 수행된다</a:t>
+            </a:r>
+            <a:r>
+              <a:rPr lang="en-US" altLang="ko-KR" sz="3200" dirty="0">
+                <a:solidFill>
+                  <a:srgbClr val="4C50BB"/>
+                </a:solidFill>
+                <a:latin typeface="G마켓 산스 Medium" panose="02000000000000000000" pitchFamily="50" charset="-127"/>
+                <a:ea typeface="G마켓 산스 Medium" panose="02000000000000000000" pitchFamily="50" charset="-127"/>
+              </a:rPr>
+              <a:t>.</a:t>
+            </a:r>
+          </a:p>
+          <a:p>
+            <a:pPr marL="742950" indent="-742950">
+              <a:buAutoNum type="arabicPeriod"/>
+            </a:pPr>
+            <a:r>
+              <a:rPr lang="ko-KR" altLang="en-US" sz="3200" dirty="0">
+                <a:solidFill>
+                  <a:srgbClr val="4C50BB"/>
+                </a:solidFill>
+                <a:latin typeface="G마켓 산스 Medium" panose="02000000000000000000" pitchFamily="50" charset="-127"/>
+                <a:ea typeface="G마켓 산스 Medium" panose="02000000000000000000" pitchFamily="50" charset="-127"/>
+              </a:rPr>
+              <a:t>문자 </a:t>
+            </a:r>
+            <a:r>
+              <a:rPr lang="en-US" altLang="ko-KR" sz="3200" dirty="0">
+                <a:solidFill>
+                  <a:srgbClr val="4C50BB"/>
+                </a:solidFill>
+                <a:latin typeface="G마켓 산스 Medium" panose="02000000000000000000" pitchFamily="50" charset="-127"/>
+                <a:ea typeface="G마켓 산스 Medium" panose="02000000000000000000" pitchFamily="50" charset="-127"/>
+              </a:rPr>
+              <a:t>‘3’ </a:t>
+            </a:r>
+            <a:r>
+              <a:rPr lang="ko-KR" altLang="en-US" sz="3200" dirty="0">
+                <a:solidFill>
+                  <a:srgbClr val="4C50BB"/>
+                </a:solidFill>
+                <a:latin typeface="G마켓 산스 Medium" panose="02000000000000000000" pitchFamily="50" charset="-127"/>
+                <a:ea typeface="G마켓 산스 Medium" panose="02000000000000000000" pitchFamily="50" charset="-127"/>
+              </a:rPr>
+              <a:t>과 문자</a:t>
+            </a:r>
+            <a:r>
+              <a:rPr lang="en-US" altLang="ko-KR" sz="3200" dirty="0">
+                <a:solidFill>
+                  <a:srgbClr val="4C50BB"/>
+                </a:solidFill>
+                <a:latin typeface="G마켓 산스 Medium" panose="02000000000000000000" pitchFamily="50" charset="-127"/>
+                <a:ea typeface="G마켓 산스 Medium" panose="02000000000000000000" pitchFamily="50" charset="-127"/>
+              </a:rPr>
+              <a:t>‘0’</a:t>
+            </a:r>
+            <a:r>
+              <a:rPr lang="ko-KR" altLang="en-US" sz="3200" dirty="0">
+                <a:solidFill>
+                  <a:srgbClr val="4C50BB"/>
+                </a:solidFill>
+                <a:latin typeface="G마켓 산스 Medium" panose="02000000000000000000" pitchFamily="50" charset="-127"/>
+                <a:ea typeface="G마켓 산스 Medium" panose="02000000000000000000" pitchFamily="50" charset="-127"/>
+              </a:rPr>
+              <a:t>의 유니코드상 차이는 </a:t>
+            </a:r>
+            <a:r>
+              <a:rPr lang="en-US" altLang="ko-KR" sz="3200" dirty="0">
+                <a:solidFill>
+                  <a:srgbClr val="4C50BB"/>
+                </a:solidFill>
+                <a:latin typeface="G마켓 산스 Medium" panose="02000000000000000000" pitchFamily="50" charset="-127"/>
+                <a:ea typeface="G마켓 산스 Medium" panose="02000000000000000000" pitchFamily="50" charset="-127"/>
+              </a:rPr>
+              <a:t>3</a:t>
+            </a:r>
+            <a:r>
+              <a:rPr lang="ko-KR" altLang="en-US" sz="3200" dirty="0">
+                <a:solidFill>
+                  <a:srgbClr val="4C50BB"/>
+                </a:solidFill>
+                <a:latin typeface="G마켓 산스 Medium" panose="02000000000000000000" pitchFamily="50" charset="-127"/>
+                <a:ea typeface="G마켓 산스 Medium" panose="02000000000000000000" pitchFamily="50" charset="-127"/>
+              </a:rPr>
+              <a:t>만큼 나므로 숫자 </a:t>
+            </a:r>
+            <a:r>
+              <a:rPr lang="en-US" altLang="ko-KR" sz="3200" dirty="0">
+                <a:solidFill>
+                  <a:srgbClr val="4C50BB"/>
+                </a:solidFill>
+                <a:latin typeface="G마켓 산스 Medium" panose="02000000000000000000" pitchFamily="50" charset="-127"/>
+                <a:ea typeface="G마켓 산스 Medium" panose="02000000000000000000" pitchFamily="50" charset="-127"/>
+              </a:rPr>
+              <a:t>3</a:t>
+            </a:r>
+            <a:r>
+              <a:rPr lang="ko-KR" altLang="en-US" sz="3200" dirty="0">
+                <a:solidFill>
+                  <a:srgbClr val="4C50BB"/>
+                </a:solidFill>
+                <a:latin typeface="G마켓 산스 Medium" panose="02000000000000000000" pitchFamily="50" charset="-127"/>
+                <a:ea typeface="G마켓 산스 Medium" panose="02000000000000000000" pitchFamily="50" charset="-127"/>
+              </a:rPr>
+              <a:t>이 </a:t>
+            </a:r>
+            <a:r>
+              <a:rPr lang="en-US" altLang="ko-KR" sz="3200" dirty="0">
+                <a:solidFill>
+                  <a:srgbClr val="4C50BB"/>
+                </a:solidFill>
+                <a:latin typeface="G마켓 산스 Medium" panose="02000000000000000000" pitchFamily="50" charset="-127"/>
+                <a:ea typeface="G마켓 산스 Medium" panose="02000000000000000000" pitchFamily="50" charset="-127"/>
+              </a:rPr>
+              <a:t>b</a:t>
+            </a:r>
+            <a:r>
+              <a:rPr lang="ko-KR" altLang="en-US" sz="3200" dirty="0">
+                <a:solidFill>
+                  <a:srgbClr val="4C50BB"/>
+                </a:solidFill>
+                <a:latin typeface="G마켓 산스 Medium" panose="02000000000000000000" pitchFamily="50" charset="-127"/>
+                <a:ea typeface="G마켓 산스 Medium" panose="02000000000000000000" pitchFamily="50" charset="-127"/>
+              </a:rPr>
+              <a:t>에 저장된다</a:t>
+            </a:r>
+            <a:r>
+              <a:rPr lang="en-US" altLang="ko-KR" sz="3200" dirty="0">
+                <a:solidFill>
+                  <a:srgbClr val="4C50BB"/>
+                </a:solidFill>
+                <a:latin typeface="G마켓 산스 Medium" panose="02000000000000000000" pitchFamily="50" charset="-127"/>
+                <a:ea typeface="G마켓 산스 Medium" panose="02000000000000000000" pitchFamily="50" charset="-127"/>
+              </a:rPr>
+              <a:t>.</a:t>
+            </a:r>
+          </a:p>
+        </p:txBody>
+      </p:sp>
+      <p:sp>
+        <p:nvSpPr>
+          <p:cNvPr id="10" name="직사각형 9">
+            <a:extLst>
+              <a:ext uri="{FF2B5EF4-FFF2-40B4-BE49-F238E27FC236}">
+                <a16:creationId xmlns:a16="http://schemas.microsoft.com/office/drawing/2014/main" id="{361FA442-8171-4EBF-65A2-19C90654959D}"/>
+              </a:ext>
+            </a:extLst>
+          </p:cNvPr>
+          <p:cNvSpPr/>
+          <p:nvPr/>
+        </p:nvSpPr>
+        <p:spPr>
+          <a:xfrm>
+            <a:off x="1447800" y="7364271"/>
+            <a:ext cx="15240000" cy="2427429"/>
+          </a:xfrm>
+          <a:prstGeom prst="rect">
+            <a:avLst/>
+          </a:prstGeom>
+          <a:solidFill>
+            <a:schemeClr val="bg1"/>
+          </a:solidFill>
+          <a:ln>
+            <a:noFill/>
+          </a:ln>
+        </p:spPr>
+        <p:style>
+          <a:lnRef idx="2">
+            <a:schemeClr val="accent1">
+              <a:shade val="15000"/>
+            </a:schemeClr>
+          </a:lnRef>
+          <a:fillRef idx="1">
+            <a:schemeClr val="accent1"/>
+          </a:fillRef>
+          <a:effectRef idx="0">
+            <a:schemeClr val="accent1"/>
+          </a:effectRef>
+          <a:fontRef idx="minor">
+            <a:schemeClr val="lt1"/>
+          </a:fontRef>
+        </p:style>
+        <p:txBody>
+          <a:bodyPr rtlCol="0" anchor="ctr"/>
+          <a:lstStyle/>
+          <a:p>
+            <a:pPr algn="ctr"/>
+            <a:endParaRPr lang="ko-KR" altLang="en-US"/>
+          </a:p>
+        </p:txBody>
+      </p:sp>
+      <p:sp>
+        <p:nvSpPr>
+          <p:cNvPr id="12" name="TextBox 11">
+            <a:extLst>
+              <a:ext uri="{FF2B5EF4-FFF2-40B4-BE49-F238E27FC236}">
+                <a16:creationId xmlns:a16="http://schemas.microsoft.com/office/drawing/2014/main" id="{909B8AE9-459C-C458-C52F-C85F69813361}"/>
+              </a:ext>
+            </a:extLst>
+          </p:cNvPr>
+          <p:cNvSpPr txBox="1"/>
+          <p:nvPr/>
+        </p:nvSpPr>
+        <p:spPr>
+          <a:xfrm>
+            <a:off x="1153559" y="6794837"/>
+            <a:ext cx="1665841" cy="1015663"/>
+          </a:xfrm>
+          <a:prstGeom prst="rect">
+            <a:avLst/>
+          </a:prstGeom>
+          <a:noFill/>
+        </p:spPr>
+        <p:txBody>
+          <a:bodyPr wrap="none" rtlCol="0">
+            <a:spAutoFit/>
+          </a:bodyPr>
+          <a:lstStyle/>
+          <a:p>
+            <a:r>
+              <a:rPr lang="ko-KR" altLang="en-US" sz="6000" dirty="0">
+                <a:solidFill>
+                  <a:srgbClr val="4C50BB"/>
+                </a:solidFill>
+                <a:latin typeface="G마켓 산스 TTF Bold" panose="02000000000000000000" pitchFamily="2" charset="-127"/>
+                <a:ea typeface="G마켓 산스 TTF Bold" panose="02000000000000000000" pitchFamily="2" charset="-127"/>
+              </a:rPr>
+              <a:t>해설</a:t>
+            </a:r>
+            <a:endParaRPr lang="ko-KR" altLang="en-US" sz="800" dirty="0">
+              <a:solidFill>
+                <a:srgbClr val="4C50BB"/>
+              </a:solidFill>
+              <a:latin typeface="G마켓 산스 TTF Bold" panose="02000000000000000000" pitchFamily="2" charset="-127"/>
+              <a:ea typeface="G마켓 산스 TTF Bold" panose="02000000000000000000" pitchFamily="2" charset="-127"/>
+            </a:endParaRPr>
+          </a:p>
+        </p:txBody>
+      </p:sp>
     </p:spTree>
     <p:extLst>
       <p:ext uri="{BB962C8B-B14F-4D97-AF65-F5344CB8AC3E}">
@@ -16322,6 +17380,84 @@
   <p:clrMapOvr>
     <a:masterClrMapping/>
   </p:clrMapOvr>
+  <p:timing>
+    <p:tnLst>
+      <p:par>
+        <p:cTn id="1" dur="indefinite" restart="never" nodeType="tmRoot">
+          <p:childTnLst>
+            <p:seq concurrent="1" nextAc="seek">
+              <p:cTn id="2" dur="indefinite" nodeType="mainSeq">
+                <p:childTnLst>
+                  <p:par>
+                    <p:cTn id="3" fill="hold">
+                      <p:stCondLst>
+                        <p:cond delay="indefinite"/>
+                      </p:stCondLst>
+                      <p:childTnLst>
+                        <p:par>
+                          <p:cTn id="4" fill="hold">
+                            <p:stCondLst>
+                              <p:cond delay="0"/>
+                            </p:stCondLst>
+                            <p:childTnLst>
+                              <p:par>
+                                <p:cTn id="5" presetID="1" presetClass="exit" presetSubtype="0" fill="hold" grpId="0" nodeType="clickEffect">
+                                  <p:stCondLst>
+                                    <p:cond delay="0"/>
+                                  </p:stCondLst>
+                                  <p:childTnLst>
+                                    <p:set>
+                                      <p:cBhvr>
+                                        <p:cTn id="6" dur="1" fill="hold">
+                                          <p:stCondLst>
+                                            <p:cond delay="0"/>
+                                          </p:stCondLst>
+                                        </p:cTn>
+                                        <p:tgtEl>
+                                          <p:spTgt spid="10"/>
+                                        </p:tgtEl>
+                                        <p:attrNameLst>
+                                          <p:attrName>style.visibility</p:attrName>
+                                        </p:attrNameLst>
+                                      </p:cBhvr>
+                                      <p:to>
+                                        <p:strVal val="hidden"/>
+                                      </p:to>
+                                    </p:set>
+                                  </p:childTnLst>
+                                </p:cTn>
+                              </p:par>
+                            </p:childTnLst>
+                          </p:cTn>
+                        </p:par>
+                      </p:childTnLst>
+                    </p:cTn>
+                  </p:par>
+                </p:childTnLst>
+              </p:cTn>
+              <p:prevCondLst>
+                <p:cond evt="onPrev" delay="0">
+                  <p:tgtEl>
+                    <p:sldTgt/>
+                  </p:tgtEl>
+                </p:cond>
+              </p:prevCondLst>
+              <p:nextCondLst>
+                <p:cond evt="onNext" delay="0">
+                  <p:tgtEl>
+                    <p:sldTgt/>
+                  </p:tgtEl>
+                </p:cond>
+              </p:nextCondLst>
+            </p:seq>
+          </p:childTnLst>
+        </p:cTn>
+      </p:par>
+    </p:tnLst>
+    <p:bldLst>
+      <p:bldP spid="10" grpId="0" animBg="1"/>
+    </p:bldLst>
+  </p:timing>
 </p:sld>
 </file>
 
@@ -22651,4 +23787,299 @@
   <a:objectDefaults/>
   <a:extraClrSchemeLst/>
 </a:theme>
+</file>
+
+<file path=ppt/theme/theme2.xml><?xml version="1.0" encoding="utf-8"?>
+<a:theme xmlns:a="http://schemas.openxmlformats.org/drawingml/2006/main" name="Office 테마">
+  <a:themeElements>
+    <a:clrScheme name="Office">
+      <a:dk1>
+        <a:sysClr val="windowText" lastClr="000000"/>
+      </a:dk1>
+      <a:lt1>
+        <a:sysClr val="window" lastClr="FFFFFF"/>
+      </a:lt1>
+      <a:dk2>
+        <a:srgbClr val="44546A"/>
+      </a:dk2>
+      <a:lt2>
+        <a:srgbClr val="E7E6E6"/>
+      </a:lt2>
+      <a:accent1>
+        <a:srgbClr val="4472C4"/>
+      </a:accent1>
+      <a:accent2>
+        <a:srgbClr val="ED7D31"/>
+      </a:accent2>
+      <a:accent3>
+        <a:srgbClr val="A5A5A5"/>
+      </a:accent3>
+      <a:accent4>
+        <a:srgbClr val="FFC000"/>
+      </a:accent4>
+      <a:accent5>
+        <a:srgbClr val="5B9BD5"/>
+      </a:accent5>
+      <a:accent6>
+        <a:srgbClr val="70AD47"/>
+      </a:accent6>
+      <a:hlink>
+        <a:srgbClr val="0563C1"/>
+      </a:hlink>
+      <a:folHlink>
+        <a:srgbClr val="954F72"/>
+      </a:folHlink>
+    </a:clrScheme>
+    <a:fontScheme name="Office">
+      <a:majorFont>
+        <a:latin typeface="맑은 고딕" panose="020F0302020204030204"/>
+        <a:ea typeface=""/>
+        <a:cs typeface=""/>
+        <a:font script="Jpan" typeface="游ゴシック Light"/>
+        <a:font script="Hang" typeface="맑은 고딕"/>
+        <a:font script="Hans" typeface="等线 Light"/>
+        <a:font script="Hant" typeface="新細明體"/>
+        <a:font script="Arab" typeface="Times New Roman"/>
+        <a:font script="Hebr" typeface="Times New Roman"/>
+        <a:font script="Thai" typeface="Angsana New"/>
+        <a:font script="Ethi" typeface="Nyala"/>
+        <a:font script="Beng" typeface="Vrinda"/>
+        <a:font script="Gujr" typeface="Shruti"/>
+        <a:font script="Khmr" typeface="MoolBoran"/>
+        <a:font script="Knda" typeface="Tunga"/>
+        <a:font script="Guru" typeface="Raavi"/>
+        <a:font script="Cans" typeface="Euphemia"/>
+        <a:font script="Cher" typeface="Plantagenet Cherokee"/>
+        <a:font script="Yiii" typeface="Microsoft Yi Baiti"/>
+        <a:font script="Tibt" typeface="Microsoft Himalaya"/>
+        <a:font script="Thaa" typeface="MV Boli"/>
+        <a:font script="Deva" typeface="Mangal"/>
+        <a:font script="Telu" typeface="Gautami"/>
+        <a:font script="Taml" typeface="Latha"/>
+        <a:font script="Syrc" typeface="Estrangelo Edessa"/>
+        <a:font script="Orya" typeface="Kalinga"/>
+        <a:font script="Mlym" typeface="Kartika"/>
+        <a:font script="Laoo" typeface="DokChampa"/>
+        <a:font script="Sinh" typeface="Iskoola Pota"/>
+        <a:font script="Mong" typeface="Mongolian Baiti"/>
+        <a:font script="Viet" typeface="Times New Roman"/>
+        <a:font script="Uigh" typeface="Microsoft Uighur"/>
+        <a:font script="Geor" typeface="Sylfaen"/>
+        <a:font script="Armn" typeface="Arial"/>
+        <a:font script="Bugi" typeface="Leelawadee UI"/>
+        <a:font script="Bopo" typeface="Microsoft JhengHei"/>
+        <a:font script="Java" typeface="Javanese Text"/>
+        <a:font script="Lisu" typeface="Segoe UI"/>
+        <a:font script="Mymr" typeface="Myanmar Text"/>
+        <a:font script="Nkoo" typeface="Ebrima"/>
+        <a:font script="Olck" typeface="Nirmala UI"/>
+        <a:font script="Osma" typeface="Ebrima"/>
+        <a:font script="Phag" typeface="Phagspa"/>
+        <a:font script="Syrn" typeface="Estrangelo Edessa"/>
+        <a:font script="Syrj" typeface="Estrangelo Edessa"/>
+        <a:font script="Syre" typeface="Estrangelo Edessa"/>
+        <a:font script="Sora" typeface="Nirmala UI"/>
+        <a:font script="Tale" typeface="Microsoft Tai Le"/>
+        <a:font script="Talu" typeface="Microsoft New Tai Lue"/>
+        <a:font script="Tfng" typeface="Ebrima"/>
+      </a:majorFont>
+      <a:minorFont>
+        <a:latin typeface="맑은 고딕" panose="020F0502020204030204"/>
+        <a:ea typeface=""/>
+        <a:cs typeface=""/>
+        <a:font script="Jpan" typeface="游ゴシック"/>
+        <a:font script="Hang" typeface="맑은 고딕"/>
+        <a:font script="Hans" typeface="等线"/>
+        <a:font script="Hant" typeface="新細明體"/>
+        <a:font script="Arab" typeface="Arial"/>
+        <a:font script="Hebr" typeface="Arial"/>
+        <a:font script="Thai" typeface="Cordia New"/>
+        <a:font script="Ethi" typeface="Nyala"/>
+        <a:font script="Beng" typeface="Vrinda"/>
+        <a:font script="Gujr" typeface="Shruti"/>
+        <a:font script="Khmr" typeface="DaunPenh"/>
+        <a:font script="Knda" typeface="Tunga"/>
+        <a:font script="Guru" typeface="Raavi"/>
+        <a:font script="Cans" typeface="Euphemia"/>
+        <a:font script="Cher" typeface="Plantagenet Cherokee"/>
+        <a:font script="Yiii" typeface="Microsoft Yi Baiti"/>
+        <a:font script="Tibt" typeface="Microsoft Himalaya"/>
+        <a:font script="Thaa" typeface="MV Boli"/>
+        <a:font script="Deva" typeface="Mangal"/>
+        <a:font script="Telu" typeface="Gautami"/>
+        <a:font script="Taml" typeface="Latha"/>
+        <a:font script="Syrc" typeface="Estrangelo Edessa"/>
+        <a:font script="Orya" typeface="Kalinga"/>
+        <a:font script="Mlym" typeface="Kartika"/>
+        <a:font script="Laoo" typeface="DokChampa"/>
+        <a:font script="Sinh" typeface="Iskoola Pota"/>
+        <a:font script="Mong" typeface="Mongolian Baiti"/>
+        <a:font script="Viet" typeface="Arial"/>
+        <a:font script="Uigh" typeface="Microsoft Uighur"/>
+        <a:font script="Geor" typeface="Sylfaen"/>
+        <a:font script="Armn" typeface="Arial"/>
+        <a:font script="Bugi" typeface="Leelawadee UI"/>
+        <a:font script="Bopo" typeface="Microsoft JhengHei"/>
+        <a:font script="Java" typeface="Javanese Text"/>
+        <a:font script="Lisu" typeface="Segoe UI"/>
+        <a:font script="Mymr" typeface="Myanmar Text"/>
+        <a:font script="Nkoo" typeface="Ebrima"/>
+        <a:font script="Olck" typeface="Nirmala UI"/>
+        <a:font script="Osma" typeface="Ebrima"/>
+        <a:font script="Phag" typeface="Phagspa"/>
+        <a:font script="Syrn" typeface="Estrangelo Edessa"/>
+        <a:font script="Syrj" typeface="Estrangelo Edessa"/>
+        <a:font script="Syre" typeface="Estrangelo Edessa"/>
+        <a:font script="Sora" typeface="Nirmala UI"/>
+        <a:font script="Tale" typeface="Microsoft Tai Le"/>
+        <a:font script="Talu" typeface="Microsoft New Tai Lue"/>
+        <a:font script="Tfng" typeface="Ebrima"/>
+      </a:minorFont>
+    </a:fontScheme>
+    <a:fmtScheme name="Office">
+      <a:fillStyleLst>
+        <a:solidFill>
+          <a:schemeClr val="phClr"/>
+        </a:solidFill>
+        <a:gradFill rotWithShape="1">
+          <a:gsLst>
+            <a:gs pos="0">
+              <a:schemeClr val="phClr">
+                <a:lumMod val="110000"/>
+                <a:satMod val="105000"/>
+                <a:tint val="67000"/>
+              </a:schemeClr>
+            </a:gs>
+            <a:gs pos="50000">
+              <a:schemeClr val="phClr">
+                <a:lumMod val="105000"/>
+                <a:satMod val="103000"/>
+                <a:tint val="73000"/>
+              </a:schemeClr>
+            </a:gs>
+            <a:gs pos="100000">
+              <a:schemeClr val="phClr">
+                <a:lumMod val="105000"/>
+                <a:satMod val="109000"/>
+                <a:tint val="81000"/>
+              </a:schemeClr>
+            </a:gs>
+          </a:gsLst>
+          <a:lin ang="5400000" scaled="0"/>
+        </a:gradFill>
+        <a:gradFill rotWithShape="1">
+          <a:gsLst>
+            <a:gs pos="0">
+              <a:schemeClr val="phClr">
+                <a:satMod val="103000"/>
+                <a:lumMod val="102000"/>
+                <a:tint val="94000"/>
+              </a:schemeClr>
+            </a:gs>
+            <a:gs pos="50000">
+              <a:schemeClr val="phClr">
+                <a:satMod val="110000"/>
+                <a:lumMod val="100000"/>
+                <a:shade val="100000"/>
+              </a:schemeClr>
+            </a:gs>
+            <a:gs pos="100000">
+              <a:schemeClr val="phClr">
+                <a:lumMod val="99000"/>
+                <a:satMod val="120000"/>
+                <a:shade val="78000"/>
+              </a:schemeClr>
+            </a:gs>
+          </a:gsLst>
+          <a:lin ang="5400000" scaled="0"/>
+        </a:gradFill>
+      </a:fillStyleLst>
+      <a:lnStyleLst>
+        <a:ln w="6350" cap="flat" cmpd="sng" algn="ctr">
+          <a:solidFill>
+            <a:schemeClr val="phClr"/>
+          </a:solidFill>
+          <a:prstDash val="solid"/>
+          <a:miter lim="800000"/>
+        </a:ln>
+        <a:ln w="12700" cap="flat" cmpd="sng" algn="ctr">
+          <a:solidFill>
+            <a:schemeClr val="phClr"/>
+          </a:solidFill>
+          <a:prstDash val="solid"/>
+          <a:miter lim="800000"/>
+        </a:ln>
+        <a:ln w="19050" cap="flat" cmpd="sng" algn="ctr">
+          <a:solidFill>
+            <a:schemeClr val="phClr"/>
+          </a:solidFill>
+          <a:prstDash val="solid"/>
+          <a:miter lim="800000"/>
+        </a:ln>
+      </a:lnStyleLst>
+      <a:effectStyleLst>
+        <a:effectStyle>
+          <a:effectLst/>
+        </a:effectStyle>
+        <a:effectStyle>
+          <a:effectLst/>
+        </a:effectStyle>
+        <a:effectStyle>
+          <a:effectLst>
+            <a:outerShdw blurRad="57150" dist="19050" dir="5400000" algn="ctr" rotWithShape="0">
+              <a:srgbClr val="000000">
+                <a:alpha val="63000"/>
+              </a:srgbClr>
+            </a:outerShdw>
+          </a:effectLst>
+        </a:effectStyle>
+      </a:effectStyleLst>
+      <a:bgFillStyleLst>
+        <a:solidFill>
+          <a:schemeClr val="phClr"/>
+        </a:solidFill>
+        <a:solidFill>
+          <a:schemeClr val="phClr">
+            <a:tint val="95000"/>
+            <a:satMod val="170000"/>
+          </a:schemeClr>
+        </a:solidFill>
+        <a:gradFill rotWithShape="1">
+          <a:gsLst>
+            <a:gs pos="0">
+              <a:schemeClr val="phClr">
+                <a:tint val="93000"/>
+                <a:satMod val="150000"/>
+                <a:shade val="98000"/>
+                <a:lumMod val="102000"/>
+              </a:schemeClr>
+            </a:gs>
+            <a:gs pos="50000">
+              <a:schemeClr val="phClr">
+                <a:tint val="98000"/>
+                <a:satMod val="130000"/>
+                <a:shade val="90000"/>
+                <a:lumMod val="103000"/>
+              </a:schemeClr>
+            </a:gs>
+            <a:gs pos="100000">
+              <a:schemeClr val="phClr">
+                <a:shade val="63000"/>
+                <a:satMod val="120000"/>
+              </a:schemeClr>
+            </a:gs>
+          </a:gsLst>
+          <a:lin ang="5400000" scaled="0"/>
+        </a:gradFill>
+      </a:bgFillStyleLst>
+    </a:fmtScheme>
+  </a:themeElements>
+  <a:objectDefaults/>
+  <a:extraClrSchemeLst/>
+  <a:extLst>
+    <a:ext uri="{05A4C25C-085E-4340-85A3-A5531E510DB2}">
+      <thm15:themeFamily xmlns:thm15="http://schemas.microsoft.com/office/thememl/2012/main" name="Office Theme" id="{62F939B6-93AF-4DB8-9C6B-D6C7DFDC589F}" vid="{4A3C46E8-61CC-4603-A589-7422A47A8E4A}"/>
+    </a:ext>
+  </a:extLst>
+</a:theme>
 </file>
--- a/JavaLecture/LectureFile/샘플.pptx
+++ b/JavaLecture/LectureFile/샘플.pptx
@@ -230,7 +230,7 @@
           <a:p>
             <a:fld id="{3377703C-7B6A-4662-85EE-2E5A30469F49}" type="datetimeFigureOut">
               <a:rPr lang="ko-KR" altLang="en-US" smtClean="0"/>
-              <a:t>2023-09-25 Monday</a:t>
+              <a:t>2023-10-08</a:t>
             </a:fld>
             <a:endParaRPr lang="ko-KR" altLang="en-US"/>
           </a:p>
@@ -760,7 +760,7 @@
           <a:p>
             <a:fld id="{F8166F1F-CE9B-4651-A6AA-CD717754106B}" type="datetimeFigureOut">
               <a:rPr lang="en-US" smtClean="0"/>
-              <a:t>9/25/2023</a:t>
+              <a:t>10/8/2023</a:t>
             </a:fld>
             <a:endParaRPr lang="en-US"/>
           </a:p>
@@ -923,7 +923,7 @@
           <a:p>
             <a:fld id="{A76116CE-C4A3-4A05-B2D7-7C2E9A889C0F}" type="datetimeFigureOut">
               <a:rPr lang="en-US" smtClean="0"/>
-              <a:t>9/25/2023</a:t>
+              <a:t>10/8/2023</a:t>
             </a:fld>
             <a:endParaRPr lang="en-US"/>
           </a:p>
@@ -1096,7 +1096,7 @@
           <a:p>
             <a:fld id="{A76116CE-C4A3-4A05-B2D7-7C2E9A889C0F}" type="datetimeFigureOut">
               <a:rPr lang="en-US" smtClean="0"/>
-              <a:t>9/25/2023</a:t>
+              <a:t>10/8/2023</a:t>
             </a:fld>
             <a:endParaRPr lang="en-US"/>
           </a:p>
@@ -1261,7 +1261,7 @@
           <a:p>
             <a:fld id="{A76116CE-C4A3-4A05-B2D7-7C2E9A889C0F}" type="datetimeFigureOut">
               <a:rPr lang="en-US" smtClean="0"/>
-              <a:t>9/25/2023</a:t>
+              <a:t>10/8/2023</a:t>
             </a:fld>
             <a:endParaRPr lang="en-US"/>
           </a:p>
@@ -1501,7 +1501,7 @@
           <a:p>
             <a:fld id="{A76116CE-C4A3-4A05-B2D7-7C2E9A889C0F}" type="datetimeFigureOut">
               <a:rPr lang="en-US" smtClean="0"/>
-              <a:t>9/25/2023</a:t>
+              <a:t>10/8/2023</a:t>
             </a:fld>
             <a:endParaRPr lang="en-US"/>
           </a:p>
@@ -1781,7 +1781,7 @@
           <a:p>
             <a:fld id="{A76116CE-C4A3-4A05-B2D7-7C2E9A889C0F}" type="datetimeFigureOut">
               <a:rPr lang="en-US" smtClean="0"/>
-              <a:t>9/25/2023</a:t>
+              <a:t>10/8/2023</a:t>
             </a:fld>
             <a:endParaRPr lang="en-US"/>
           </a:p>
@@ -2195,7 +2195,7 @@
           <a:p>
             <a:fld id="{A76116CE-C4A3-4A05-B2D7-7C2E9A889C0F}" type="datetimeFigureOut">
               <a:rPr lang="en-US" smtClean="0"/>
-              <a:t>9/25/2023</a:t>
+              <a:t>10/8/2023</a:t>
             </a:fld>
             <a:endParaRPr lang="en-US"/>
           </a:p>
@@ -2307,7 +2307,7 @@
           <a:p>
             <a:fld id="{A76116CE-C4A3-4A05-B2D7-7C2E9A889C0F}" type="datetimeFigureOut">
               <a:rPr lang="en-US" smtClean="0"/>
-              <a:t>9/25/2023</a:t>
+              <a:t>10/8/2023</a:t>
             </a:fld>
             <a:endParaRPr lang="en-US"/>
           </a:p>
@@ -2397,7 +2397,7 @@
           <a:p>
             <a:fld id="{A76116CE-C4A3-4A05-B2D7-7C2E9A889C0F}" type="datetimeFigureOut">
               <a:rPr lang="en-US" smtClean="0"/>
-              <a:t>9/25/2023</a:t>
+              <a:t>10/8/2023</a:t>
             </a:fld>
             <a:endParaRPr lang="en-US"/>
           </a:p>
@@ -2667,7 +2667,7 @@
           <a:p>
             <a:fld id="{A76116CE-C4A3-4A05-B2D7-7C2E9A889C0F}" type="datetimeFigureOut">
               <a:rPr lang="en-US" smtClean="0"/>
-              <a:t>9/25/2023</a:t>
+              <a:t>10/8/2023</a:t>
             </a:fld>
             <a:endParaRPr lang="en-US"/>
           </a:p>
@@ -2914,7 +2914,7 @@
           <a:p>
             <a:fld id="{A76116CE-C4A3-4A05-B2D7-7C2E9A889C0F}" type="datetimeFigureOut">
               <a:rPr lang="en-US" smtClean="0"/>
-              <a:t>9/25/2023</a:t>
+              <a:t>10/8/2023</a:t>
             </a:fld>
             <a:endParaRPr lang="en-US"/>
           </a:p>
@@ -3120,7 +3120,7 @@
           <a:p>
             <a:fld id="{F8166F1F-CE9B-4651-A6AA-CD717754106B}" type="datetimeFigureOut">
               <a:rPr lang="en-US" smtClean="0"/>
-              <a:t>9/25/2023</a:t>
+              <a:t>10/8/2023</a:t>
             </a:fld>
             <a:endParaRPr lang="en-US"/>
           </a:p>
@@ -3495,7 +3495,7 @@
           <p:cNvPr id="4" name="그룹 1008">
             <a:extLst>
               <a:ext uri="{FF2B5EF4-FFF2-40B4-BE49-F238E27FC236}">
-                <a16:creationId xmlns:a16="http://schemas.microsoft.com/office/drawing/2014/main" id="{54FFE8A6-6CB8-DCBA-07F7-749FA78BF4A4}"/>
+                <a16:creationId xmlns:a16="http://schemas.microsoft.com/office/drawing/2014/main" xmlns="" id="{54FFE8A6-6CB8-DCBA-07F7-749FA78BF4A4}"/>
               </a:ext>
             </a:extLst>
           </p:cNvPr>
@@ -3515,7 +3515,7 @@
             <p:cNvPr id="5" name="그룹 1009">
               <a:extLst>
                 <a:ext uri="{FF2B5EF4-FFF2-40B4-BE49-F238E27FC236}">
-                  <a16:creationId xmlns:a16="http://schemas.microsoft.com/office/drawing/2014/main" id="{AFC4D322-4969-89C3-C972-D8E8E418CA73}"/>
+                  <a16:creationId xmlns:a16="http://schemas.microsoft.com/office/drawing/2014/main" xmlns="" id="{AFC4D322-4969-89C3-C972-D8E8E418CA73}"/>
                 </a:ext>
               </a:extLst>
             </p:cNvPr>
@@ -3535,7 +3535,7 @@
               <p:cNvPr id="10" name="Object 29">
                 <a:extLst>
                   <a:ext uri="{FF2B5EF4-FFF2-40B4-BE49-F238E27FC236}">
-                    <a16:creationId xmlns:a16="http://schemas.microsoft.com/office/drawing/2014/main" id="{696B190E-C178-4E07-7621-24C3B48A9BCF}"/>
+                    <a16:creationId xmlns:a16="http://schemas.microsoft.com/office/drawing/2014/main" xmlns="" id="{696B190E-C178-4E07-7621-24C3B48A9BCF}"/>
                   </a:ext>
                 </a:extLst>
               </p:cNvPr>
@@ -3566,7 +3566,7 @@
             <p:cNvPr id="6" name="그룹 1010">
               <a:extLst>
                 <a:ext uri="{FF2B5EF4-FFF2-40B4-BE49-F238E27FC236}">
-                  <a16:creationId xmlns:a16="http://schemas.microsoft.com/office/drawing/2014/main" id="{88F3509F-17A2-2BE7-261F-3BA022FF91BA}"/>
+                  <a16:creationId xmlns:a16="http://schemas.microsoft.com/office/drawing/2014/main" xmlns="" id="{88F3509F-17A2-2BE7-261F-3BA022FF91BA}"/>
                 </a:ext>
               </a:extLst>
             </p:cNvPr>
@@ -3586,7 +3586,7 @@
               <p:cNvPr id="9" name="Object 32">
                 <a:extLst>
                   <a:ext uri="{FF2B5EF4-FFF2-40B4-BE49-F238E27FC236}">
-                    <a16:creationId xmlns:a16="http://schemas.microsoft.com/office/drawing/2014/main" id="{6183A7B0-D571-9788-43CE-90A93A934096}"/>
+                    <a16:creationId xmlns:a16="http://schemas.microsoft.com/office/drawing/2014/main" xmlns="" id="{6183A7B0-D571-9788-43CE-90A93A934096}"/>
                   </a:ext>
                 </a:extLst>
               </p:cNvPr>
@@ -3617,7 +3617,7 @@
             <p:cNvPr id="7" name="그룹 1011">
               <a:extLst>
                 <a:ext uri="{FF2B5EF4-FFF2-40B4-BE49-F238E27FC236}">
-                  <a16:creationId xmlns:a16="http://schemas.microsoft.com/office/drawing/2014/main" id="{3DB0BB1F-6A07-787C-7717-F712317AF8C3}"/>
+                  <a16:creationId xmlns:a16="http://schemas.microsoft.com/office/drawing/2014/main" xmlns="" id="{3DB0BB1F-6A07-787C-7717-F712317AF8C3}"/>
                 </a:ext>
               </a:extLst>
             </p:cNvPr>
@@ -3637,7 +3637,7 @@
               <p:cNvPr id="8" name="Object 35">
                 <a:extLst>
                   <a:ext uri="{FF2B5EF4-FFF2-40B4-BE49-F238E27FC236}">
-                    <a16:creationId xmlns:a16="http://schemas.microsoft.com/office/drawing/2014/main" id="{A003AF1A-29EE-2DC2-0E03-479F705DFFB6}"/>
+                    <a16:creationId xmlns:a16="http://schemas.microsoft.com/office/drawing/2014/main" xmlns="" id="{A003AF1A-29EE-2DC2-0E03-479F705DFFB6}"/>
                   </a:ext>
                 </a:extLst>
               </p:cNvPr>
@@ -3669,7 +3669,7 @@
           <p:cNvPr id="11" name="직선 화살표 연결선 10">
             <a:extLst>
               <a:ext uri="{FF2B5EF4-FFF2-40B4-BE49-F238E27FC236}">
-                <a16:creationId xmlns:a16="http://schemas.microsoft.com/office/drawing/2014/main" id="{299DF5EC-9DF4-5255-06AC-0A7CE4FF58C3}"/>
+                <a16:creationId xmlns:a16="http://schemas.microsoft.com/office/drawing/2014/main" xmlns="" id="{299DF5EC-9DF4-5255-06AC-0A7CE4FF58C3}"/>
               </a:ext>
             </a:extLst>
           </p:cNvPr>
@@ -3710,7 +3710,7 @@
           <p:cNvPr id="14" name="직사각형 13">
             <a:extLst>
               <a:ext uri="{FF2B5EF4-FFF2-40B4-BE49-F238E27FC236}">
-                <a16:creationId xmlns:a16="http://schemas.microsoft.com/office/drawing/2014/main" id="{FFF506F9-840A-0508-4CAF-3AC711D8D5CE}"/>
+                <a16:creationId xmlns:a16="http://schemas.microsoft.com/office/drawing/2014/main" xmlns="" id="{FFF506F9-840A-0508-4CAF-3AC711D8D5CE}"/>
               </a:ext>
             </a:extLst>
           </p:cNvPr>
@@ -3762,7 +3762,7 @@
           <p:cNvPr id="16" name="그룹 1008">
             <a:extLst>
               <a:ext uri="{FF2B5EF4-FFF2-40B4-BE49-F238E27FC236}">
-                <a16:creationId xmlns:a16="http://schemas.microsoft.com/office/drawing/2014/main" id="{E395BDE3-2EDE-065D-70E8-56E348228ACF}"/>
+                <a16:creationId xmlns:a16="http://schemas.microsoft.com/office/drawing/2014/main" xmlns="" id="{E395BDE3-2EDE-065D-70E8-56E348228ACF}"/>
               </a:ext>
             </a:extLst>
           </p:cNvPr>
@@ -3782,7 +3782,7 @@
             <p:cNvPr id="17" name="그룹 1009">
               <a:extLst>
                 <a:ext uri="{FF2B5EF4-FFF2-40B4-BE49-F238E27FC236}">
-                  <a16:creationId xmlns:a16="http://schemas.microsoft.com/office/drawing/2014/main" id="{852F4DEB-DB33-DB3F-9E9F-52A46CD0B10A}"/>
+                  <a16:creationId xmlns:a16="http://schemas.microsoft.com/office/drawing/2014/main" xmlns="" id="{852F4DEB-DB33-DB3F-9E9F-52A46CD0B10A}"/>
                 </a:ext>
               </a:extLst>
             </p:cNvPr>
@@ -3802,7 +3802,7 @@
               <p:cNvPr id="22" name="Object 29">
                 <a:extLst>
                   <a:ext uri="{FF2B5EF4-FFF2-40B4-BE49-F238E27FC236}">
-                    <a16:creationId xmlns:a16="http://schemas.microsoft.com/office/drawing/2014/main" id="{7E353D3B-14D4-8A64-5888-3F0C062C2CDD}"/>
+                    <a16:creationId xmlns:a16="http://schemas.microsoft.com/office/drawing/2014/main" xmlns="" id="{7E353D3B-14D4-8A64-5888-3F0C062C2CDD}"/>
                   </a:ext>
                 </a:extLst>
               </p:cNvPr>
@@ -3833,7 +3833,7 @@
             <p:cNvPr id="18" name="그룹 1010">
               <a:extLst>
                 <a:ext uri="{FF2B5EF4-FFF2-40B4-BE49-F238E27FC236}">
-                  <a16:creationId xmlns:a16="http://schemas.microsoft.com/office/drawing/2014/main" id="{001E38AB-1390-ABD0-BE01-9727136FEAEE}"/>
+                  <a16:creationId xmlns:a16="http://schemas.microsoft.com/office/drawing/2014/main" xmlns="" id="{001E38AB-1390-ABD0-BE01-9727136FEAEE}"/>
                 </a:ext>
               </a:extLst>
             </p:cNvPr>
@@ -3853,7 +3853,7 @@
               <p:cNvPr id="21" name="Object 32">
                 <a:extLst>
                   <a:ext uri="{FF2B5EF4-FFF2-40B4-BE49-F238E27FC236}">
-                    <a16:creationId xmlns:a16="http://schemas.microsoft.com/office/drawing/2014/main" id="{2ED1C30F-0D0B-F86C-8215-2598D332B5A3}"/>
+                    <a16:creationId xmlns:a16="http://schemas.microsoft.com/office/drawing/2014/main" xmlns="" id="{2ED1C30F-0D0B-F86C-8215-2598D332B5A3}"/>
                   </a:ext>
                 </a:extLst>
               </p:cNvPr>
@@ -3884,7 +3884,7 @@
             <p:cNvPr id="19" name="그룹 1011">
               <a:extLst>
                 <a:ext uri="{FF2B5EF4-FFF2-40B4-BE49-F238E27FC236}">
-                  <a16:creationId xmlns:a16="http://schemas.microsoft.com/office/drawing/2014/main" id="{1BCB8DE5-ABAF-4198-BC16-85BB76F2DB24}"/>
+                  <a16:creationId xmlns:a16="http://schemas.microsoft.com/office/drawing/2014/main" xmlns="" id="{1BCB8DE5-ABAF-4198-BC16-85BB76F2DB24}"/>
                 </a:ext>
               </a:extLst>
             </p:cNvPr>
@@ -3904,7 +3904,7 @@
               <p:cNvPr id="20" name="Object 35">
                 <a:extLst>
                   <a:ext uri="{FF2B5EF4-FFF2-40B4-BE49-F238E27FC236}">
-                    <a16:creationId xmlns:a16="http://schemas.microsoft.com/office/drawing/2014/main" id="{86E7BA23-0A1E-B581-CADC-06AB269DB2BD}"/>
+                    <a16:creationId xmlns:a16="http://schemas.microsoft.com/office/drawing/2014/main" xmlns="" id="{86E7BA23-0A1E-B581-CADC-06AB269DB2BD}"/>
                   </a:ext>
                 </a:extLst>
               </p:cNvPr>
@@ -3936,7 +3936,7 @@
           <p:cNvPr id="23" name="TextBox 22">
             <a:extLst>
               <a:ext uri="{FF2B5EF4-FFF2-40B4-BE49-F238E27FC236}">
-                <a16:creationId xmlns:a16="http://schemas.microsoft.com/office/drawing/2014/main" id="{7229BEA6-121E-9056-D07F-2B3BB1795F76}"/>
+                <a16:creationId xmlns:a16="http://schemas.microsoft.com/office/drawing/2014/main" xmlns="" id="{7229BEA6-121E-9056-D07F-2B3BB1795F76}"/>
               </a:ext>
             </a:extLst>
           </p:cNvPr>
@@ -3984,7 +3984,7 @@
           <p:cNvPr id="24" name="TextBox 23">
             <a:extLst>
               <a:ext uri="{FF2B5EF4-FFF2-40B4-BE49-F238E27FC236}">
-                <a16:creationId xmlns:a16="http://schemas.microsoft.com/office/drawing/2014/main" id="{5ADC00B6-990A-40DC-3CEA-505258F5E8DA}"/>
+                <a16:creationId xmlns:a16="http://schemas.microsoft.com/office/drawing/2014/main" xmlns="" id="{5ADC00B6-990A-40DC-3CEA-505258F5E8DA}"/>
               </a:ext>
             </a:extLst>
           </p:cNvPr>
@@ -4042,7 +4042,7 @@
           <p:cNvPr id="3" name="TextBox 2">
             <a:extLst>
               <a:ext uri="{FF2B5EF4-FFF2-40B4-BE49-F238E27FC236}">
-                <a16:creationId xmlns:a16="http://schemas.microsoft.com/office/drawing/2014/main" id="{C6D113C6-EA5C-788F-0C77-E7CE6EBB865F}"/>
+                <a16:creationId xmlns:a16="http://schemas.microsoft.com/office/drawing/2014/main" xmlns="" id="{C6D113C6-EA5C-788F-0C77-E7CE6EBB865F}"/>
               </a:ext>
             </a:extLst>
           </p:cNvPr>
@@ -4100,7 +4100,7 @@
           <p:cNvPr id="12" name="그룹 1008">
             <a:extLst>
               <a:ext uri="{FF2B5EF4-FFF2-40B4-BE49-F238E27FC236}">
-                <a16:creationId xmlns:a16="http://schemas.microsoft.com/office/drawing/2014/main" id="{678F6342-C505-E8AD-ADA4-022CB2C2088E}"/>
+                <a16:creationId xmlns:a16="http://schemas.microsoft.com/office/drawing/2014/main" xmlns="" id="{678F6342-C505-E8AD-ADA4-022CB2C2088E}"/>
               </a:ext>
             </a:extLst>
           </p:cNvPr>
@@ -4120,7 +4120,7 @@
             <p:cNvPr id="13" name="그룹 1009">
               <a:extLst>
                 <a:ext uri="{FF2B5EF4-FFF2-40B4-BE49-F238E27FC236}">
-                  <a16:creationId xmlns:a16="http://schemas.microsoft.com/office/drawing/2014/main" id="{4E1F1FED-812B-9BBB-925A-84B54A077414}"/>
+                  <a16:creationId xmlns:a16="http://schemas.microsoft.com/office/drawing/2014/main" xmlns="" id="{4E1F1FED-812B-9BBB-925A-84B54A077414}"/>
                 </a:ext>
               </a:extLst>
             </p:cNvPr>
@@ -4140,7 +4140,7 @@
               <p:cNvPr id="29" name="Object 29">
                 <a:extLst>
                   <a:ext uri="{FF2B5EF4-FFF2-40B4-BE49-F238E27FC236}">
-                    <a16:creationId xmlns:a16="http://schemas.microsoft.com/office/drawing/2014/main" id="{7B078609-4286-7B00-51EB-809C8E2DE289}"/>
+                    <a16:creationId xmlns:a16="http://schemas.microsoft.com/office/drawing/2014/main" xmlns="" id="{7B078609-4286-7B00-51EB-809C8E2DE289}"/>
                   </a:ext>
                 </a:extLst>
               </p:cNvPr>
@@ -4171,7 +4171,7 @@
             <p:cNvPr id="25" name="그룹 1010">
               <a:extLst>
                 <a:ext uri="{FF2B5EF4-FFF2-40B4-BE49-F238E27FC236}">
-                  <a16:creationId xmlns:a16="http://schemas.microsoft.com/office/drawing/2014/main" id="{02A649BF-B5B5-FBAF-7DFD-E118A4DF8907}"/>
+                  <a16:creationId xmlns:a16="http://schemas.microsoft.com/office/drawing/2014/main" xmlns="" id="{02A649BF-B5B5-FBAF-7DFD-E118A4DF8907}"/>
                 </a:ext>
               </a:extLst>
             </p:cNvPr>
@@ -4191,7 +4191,7 @@
               <p:cNvPr id="28" name="Object 32">
                 <a:extLst>
                   <a:ext uri="{FF2B5EF4-FFF2-40B4-BE49-F238E27FC236}">
-                    <a16:creationId xmlns:a16="http://schemas.microsoft.com/office/drawing/2014/main" id="{2A0FFF23-B3C9-3EA0-1C1B-A87D4FF098AE}"/>
+                    <a16:creationId xmlns:a16="http://schemas.microsoft.com/office/drawing/2014/main" xmlns="" id="{2A0FFF23-B3C9-3EA0-1C1B-A87D4FF098AE}"/>
                   </a:ext>
                 </a:extLst>
               </p:cNvPr>
@@ -4222,7 +4222,7 @@
             <p:cNvPr id="26" name="그룹 1011">
               <a:extLst>
                 <a:ext uri="{FF2B5EF4-FFF2-40B4-BE49-F238E27FC236}">
-                  <a16:creationId xmlns:a16="http://schemas.microsoft.com/office/drawing/2014/main" id="{881F5410-F7FB-F261-A584-707359BAC593}"/>
+                  <a16:creationId xmlns:a16="http://schemas.microsoft.com/office/drawing/2014/main" xmlns="" id="{881F5410-F7FB-F261-A584-707359BAC593}"/>
                 </a:ext>
               </a:extLst>
             </p:cNvPr>
@@ -4242,7 +4242,7 @@
               <p:cNvPr id="27" name="Object 35">
                 <a:extLst>
                   <a:ext uri="{FF2B5EF4-FFF2-40B4-BE49-F238E27FC236}">
-                    <a16:creationId xmlns:a16="http://schemas.microsoft.com/office/drawing/2014/main" id="{4E99E669-73EB-F9F4-EFE8-DC107035C265}"/>
+                    <a16:creationId xmlns:a16="http://schemas.microsoft.com/office/drawing/2014/main" xmlns="" id="{4E99E669-73EB-F9F4-EFE8-DC107035C265}"/>
                   </a:ext>
                 </a:extLst>
               </p:cNvPr>
@@ -4274,7 +4274,7 @@
           <p:cNvPr id="33" name="직선 연결선 32">
             <a:extLst>
               <a:ext uri="{FF2B5EF4-FFF2-40B4-BE49-F238E27FC236}">
-                <a16:creationId xmlns:a16="http://schemas.microsoft.com/office/drawing/2014/main" id="{6A1A37E4-F933-DE44-2EEA-F3A5BBF35584}"/>
+                <a16:creationId xmlns:a16="http://schemas.microsoft.com/office/drawing/2014/main" xmlns="" id="{6A1A37E4-F933-DE44-2EEA-F3A5BBF35584}"/>
               </a:ext>
             </a:extLst>
           </p:cNvPr>
@@ -4365,7 +4365,7 @@
           <p:cNvPr id="38" name="TextBox 37">
             <a:extLst>
               <a:ext uri="{FF2B5EF4-FFF2-40B4-BE49-F238E27FC236}">
-                <a16:creationId xmlns:a16="http://schemas.microsoft.com/office/drawing/2014/main" id="{A2AD056B-97A4-5BCC-4460-250160F3E171}"/>
+                <a16:creationId xmlns:a16="http://schemas.microsoft.com/office/drawing/2014/main" xmlns="" id="{A2AD056B-97A4-5BCC-4460-250160F3E171}"/>
               </a:ext>
             </a:extLst>
           </p:cNvPr>
@@ -4409,7 +4409,7 @@
           <p:cNvPr id="39" name="TextBox 38">
             <a:extLst>
               <a:ext uri="{FF2B5EF4-FFF2-40B4-BE49-F238E27FC236}">
-                <a16:creationId xmlns:a16="http://schemas.microsoft.com/office/drawing/2014/main" id="{52176D31-35F7-8916-46FA-6095EFEC1E49}"/>
+                <a16:creationId xmlns:a16="http://schemas.microsoft.com/office/drawing/2014/main" xmlns="" id="{52176D31-35F7-8916-46FA-6095EFEC1E49}"/>
               </a:ext>
             </a:extLst>
           </p:cNvPr>
@@ -4453,7 +4453,7 @@
           <p:cNvPr id="37" name="표 2">
             <a:extLst>
               <a:ext uri="{FF2B5EF4-FFF2-40B4-BE49-F238E27FC236}">
-                <a16:creationId xmlns:a16="http://schemas.microsoft.com/office/drawing/2014/main" id="{D2CC6F32-611A-E22D-EB8C-52D626A5B319}"/>
+                <a16:creationId xmlns:a16="http://schemas.microsoft.com/office/drawing/2014/main" xmlns="" id="{D2CC6F32-611A-E22D-EB8C-52D626A5B319}"/>
               </a:ext>
             </a:extLst>
           </p:cNvPr>
@@ -4482,21 +4482,21 @@
                 <a:gridCol w="1731833">
                   <a:extLst>
                     <a:ext uri="{9D8B030D-6E8A-4147-A177-3AD203B41FA5}">
-                      <a16:colId xmlns:a16="http://schemas.microsoft.com/office/drawing/2014/main" val="1960770391"/>
+                      <a16:colId xmlns:a16="http://schemas.microsoft.com/office/drawing/2014/main" xmlns="" val="1960770391"/>
                     </a:ext>
                   </a:extLst>
                 </a:gridCol>
                 <a:gridCol w="1752960">
                   <a:extLst>
                     <a:ext uri="{9D8B030D-6E8A-4147-A177-3AD203B41FA5}">
-                      <a16:colId xmlns:a16="http://schemas.microsoft.com/office/drawing/2014/main" val="733308553"/>
+                      <a16:colId xmlns:a16="http://schemas.microsoft.com/office/drawing/2014/main" xmlns="" val="733308553"/>
                     </a:ext>
                   </a:extLst>
                 </a:gridCol>
                 <a:gridCol w="2730951">
                   <a:extLst>
                     <a:ext uri="{9D8B030D-6E8A-4147-A177-3AD203B41FA5}">
-                      <a16:colId xmlns:a16="http://schemas.microsoft.com/office/drawing/2014/main" val="1661322813"/>
+                      <a16:colId xmlns:a16="http://schemas.microsoft.com/office/drawing/2014/main" xmlns="" val="1661322813"/>
                     </a:ext>
                   </a:extLst>
                 </a:gridCol>
@@ -4684,7 +4684,7 @@
                 </a:tc>
                 <a:extLst>
                   <a:ext uri="{0D108BD9-81ED-4DB2-BD59-A6C34878D82A}">
-                    <a16:rowId xmlns:a16="http://schemas.microsoft.com/office/drawing/2014/main" val="2452905565"/>
+                    <a16:rowId xmlns:a16="http://schemas.microsoft.com/office/drawing/2014/main" xmlns="" val="2452905565"/>
                   </a:ext>
                 </a:extLst>
               </a:tr>
@@ -4888,7 +4888,7 @@
                 </a:tc>
                 <a:extLst>
                   <a:ext uri="{0D108BD9-81ED-4DB2-BD59-A6C34878D82A}">
-                    <a16:rowId xmlns:a16="http://schemas.microsoft.com/office/drawing/2014/main" val="3551452526"/>
+                    <a16:rowId xmlns:a16="http://schemas.microsoft.com/office/drawing/2014/main" xmlns="" val="3551452526"/>
                   </a:ext>
                 </a:extLst>
               </a:tr>
@@ -5063,7 +5063,7 @@
                 </a:tc>
                 <a:extLst>
                   <a:ext uri="{0D108BD9-81ED-4DB2-BD59-A6C34878D82A}">
-                    <a16:rowId xmlns:a16="http://schemas.microsoft.com/office/drawing/2014/main" val="3645064171"/>
+                    <a16:rowId xmlns:a16="http://schemas.microsoft.com/office/drawing/2014/main" xmlns="" val="3645064171"/>
                   </a:ext>
                 </a:extLst>
               </a:tr>
@@ -5238,7 +5238,7 @@
                 </a:tc>
                 <a:extLst>
                   <a:ext uri="{0D108BD9-81ED-4DB2-BD59-A6C34878D82A}">
-                    <a16:rowId xmlns:a16="http://schemas.microsoft.com/office/drawing/2014/main" val="2802120283"/>
+                    <a16:rowId xmlns:a16="http://schemas.microsoft.com/office/drawing/2014/main" xmlns="" val="2802120283"/>
                   </a:ext>
                 </a:extLst>
               </a:tr>
@@ -5407,7 +5407,7 @@
                 </a:tc>
                 <a:extLst>
                   <a:ext uri="{0D108BD9-81ED-4DB2-BD59-A6C34878D82A}">
-                    <a16:rowId xmlns:a16="http://schemas.microsoft.com/office/drawing/2014/main" val="1362299918"/>
+                    <a16:rowId xmlns:a16="http://schemas.microsoft.com/office/drawing/2014/main" xmlns="" val="1362299918"/>
                   </a:ext>
                 </a:extLst>
               </a:tr>
@@ -5643,7 +5643,7 @@
                 </a:tc>
                 <a:extLst>
                   <a:ext uri="{0D108BD9-81ED-4DB2-BD59-A6C34878D82A}">
-                    <a16:rowId xmlns:a16="http://schemas.microsoft.com/office/drawing/2014/main" val="2488866604"/>
+                    <a16:rowId xmlns:a16="http://schemas.microsoft.com/office/drawing/2014/main" xmlns="" val="2488866604"/>
                   </a:ext>
                 </a:extLst>
               </a:tr>
@@ -5866,7 +5866,7 @@
                 </a:tc>
                 <a:extLst>
                   <a:ext uri="{0D108BD9-81ED-4DB2-BD59-A6C34878D82A}">
-                    <a16:rowId xmlns:a16="http://schemas.microsoft.com/office/drawing/2014/main" val="2632365449"/>
+                    <a16:rowId xmlns:a16="http://schemas.microsoft.com/office/drawing/2014/main" xmlns="" val="2632365449"/>
                   </a:ext>
                 </a:extLst>
               </a:tr>
@@ -6022,14 +6022,14 @@
                 <a:gridCol w="2688700">
                   <a:extLst>
                     <a:ext uri="{9D8B030D-6E8A-4147-A177-3AD203B41FA5}">
-                      <a16:colId xmlns:a16="http://schemas.microsoft.com/office/drawing/2014/main" val="20000"/>
+                      <a16:colId xmlns:a16="http://schemas.microsoft.com/office/drawing/2014/main" xmlns="" val="20000"/>
                     </a:ext>
                   </a:extLst>
                 </a:gridCol>
                 <a:gridCol w="2721500">
                   <a:extLst>
                     <a:ext uri="{9D8B030D-6E8A-4147-A177-3AD203B41FA5}">
-                      <a16:colId xmlns:a16="http://schemas.microsoft.com/office/drawing/2014/main" val="20001"/>
+                      <a16:colId xmlns:a16="http://schemas.microsoft.com/office/drawing/2014/main" xmlns="" val="20001"/>
                     </a:ext>
                   </a:extLst>
                 </a:gridCol>
@@ -6167,7 +6167,7 @@
                 </a:tc>
                 <a:extLst>
                   <a:ext uri="{0D108BD9-81ED-4DB2-BD59-A6C34878D82A}">
-                    <a16:rowId xmlns:a16="http://schemas.microsoft.com/office/drawing/2014/main" val="10000"/>
+                    <a16:rowId xmlns:a16="http://schemas.microsoft.com/office/drawing/2014/main" xmlns="" val="10000"/>
                   </a:ext>
                 </a:extLst>
               </a:tr>
@@ -6292,7 +6292,7 @@
                 </a:tc>
                 <a:extLst>
                   <a:ext uri="{0D108BD9-81ED-4DB2-BD59-A6C34878D82A}">
-                    <a16:rowId xmlns:a16="http://schemas.microsoft.com/office/drawing/2014/main" val="10001"/>
+                    <a16:rowId xmlns:a16="http://schemas.microsoft.com/office/drawing/2014/main" xmlns="" val="10001"/>
                   </a:ext>
                 </a:extLst>
               </a:tr>
@@ -6417,7 +6417,7 @@
                 </a:tc>
                 <a:extLst>
                   <a:ext uri="{0D108BD9-81ED-4DB2-BD59-A6C34878D82A}">
-                    <a16:rowId xmlns:a16="http://schemas.microsoft.com/office/drawing/2014/main" val="10002"/>
+                    <a16:rowId xmlns:a16="http://schemas.microsoft.com/office/drawing/2014/main" xmlns="" val="10002"/>
                   </a:ext>
                 </a:extLst>
               </a:tr>
@@ -6526,7 +6526,7 @@
                 </a:tc>
                 <a:extLst>
                   <a:ext uri="{0D108BD9-81ED-4DB2-BD59-A6C34878D82A}">
-                    <a16:rowId xmlns:a16="http://schemas.microsoft.com/office/drawing/2014/main" val="10003"/>
+                    <a16:rowId xmlns:a16="http://schemas.microsoft.com/office/drawing/2014/main" xmlns="" val="10003"/>
                   </a:ext>
                 </a:extLst>
               </a:tr>
@@ -6635,7 +6635,7 @@
                 </a:tc>
                 <a:extLst>
                   <a:ext uri="{0D108BD9-81ED-4DB2-BD59-A6C34878D82A}">
-                    <a16:rowId xmlns:a16="http://schemas.microsoft.com/office/drawing/2014/main" val="10004"/>
+                    <a16:rowId xmlns:a16="http://schemas.microsoft.com/office/drawing/2014/main" xmlns="" val="10004"/>
                   </a:ext>
                 </a:extLst>
               </a:tr>
@@ -6744,7 +6744,7 @@
                 </a:tc>
                 <a:extLst>
                   <a:ext uri="{0D108BD9-81ED-4DB2-BD59-A6C34878D82A}">
-                    <a16:rowId xmlns:a16="http://schemas.microsoft.com/office/drawing/2014/main" val="10005"/>
+                    <a16:rowId xmlns:a16="http://schemas.microsoft.com/office/drawing/2014/main" xmlns="" val="10005"/>
                   </a:ext>
                 </a:extLst>
               </a:tr>
@@ -6853,7 +6853,7 @@
                 </a:tc>
                 <a:extLst>
                   <a:ext uri="{0D108BD9-81ED-4DB2-BD59-A6C34878D82A}">
-                    <a16:rowId xmlns:a16="http://schemas.microsoft.com/office/drawing/2014/main" val="10006"/>
+                    <a16:rowId xmlns:a16="http://schemas.microsoft.com/office/drawing/2014/main" xmlns="" val="10006"/>
                   </a:ext>
                 </a:extLst>
               </a:tr>
@@ -6962,7 +6962,7 @@
                 </a:tc>
                 <a:extLst>
                   <a:ext uri="{0D108BD9-81ED-4DB2-BD59-A6C34878D82A}">
-                    <a16:rowId xmlns:a16="http://schemas.microsoft.com/office/drawing/2014/main" val="10007"/>
+                    <a16:rowId xmlns:a16="http://schemas.microsoft.com/office/drawing/2014/main" xmlns="" val="10007"/>
                   </a:ext>
                 </a:extLst>
               </a:tr>
@@ -7071,7 +7071,7 @@
                 </a:tc>
                 <a:extLst>
                   <a:ext uri="{0D108BD9-81ED-4DB2-BD59-A6C34878D82A}">
-                    <a16:rowId xmlns:a16="http://schemas.microsoft.com/office/drawing/2014/main" val="10008"/>
+                    <a16:rowId xmlns:a16="http://schemas.microsoft.com/office/drawing/2014/main" xmlns="" val="10008"/>
                   </a:ext>
                 </a:extLst>
               </a:tr>
@@ -7196,7 +7196,7 @@
                 </a:tc>
                 <a:extLst>
                   <a:ext uri="{0D108BD9-81ED-4DB2-BD59-A6C34878D82A}">
-                    <a16:rowId xmlns:a16="http://schemas.microsoft.com/office/drawing/2014/main" val="10009"/>
+                    <a16:rowId xmlns:a16="http://schemas.microsoft.com/office/drawing/2014/main" xmlns="" val="10009"/>
                   </a:ext>
                 </a:extLst>
               </a:tr>
@@ -7305,7 +7305,7 @@
                 </a:tc>
                 <a:extLst>
                   <a:ext uri="{0D108BD9-81ED-4DB2-BD59-A6C34878D82A}">
-                    <a16:rowId xmlns:a16="http://schemas.microsoft.com/office/drawing/2014/main" val="10010"/>
+                    <a16:rowId xmlns:a16="http://schemas.microsoft.com/office/drawing/2014/main" xmlns="" val="10010"/>
                   </a:ext>
                 </a:extLst>
               </a:tr>
@@ -7318,7 +7318,7 @@
           <p:cNvPr id="42" name="TextBox 41">
             <a:extLst>
               <a:ext uri="{FF2B5EF4-FFF2-40B4-BE49-F238E27FC236}">
-                <a16:creationId xmlns:a16="http://schemas.microsoft.com/office/drawing/2014/main" id="{DF7DDD33-9412-2802-339A-E55446AC2DA7}"/>
+                <a16:creationId xmlns:a16="http://schemas.microsoft.com/office/drawing/2014/main" xmlns="" id="{DF7DDD33-9412-2802-339A-E55446AC2DA7}"/>
               </a:ext>
             </a:extLst>
           </p:cNvPr>
@@ -7376,7 +7376,7 @@
           <p:cNvPr id="47" name="TextBox 46">
             <a:extLst>
               <a:ext uri="{FF2B5EF4-FFF2-40B4-BE49-F238E27FC236}">
-                <a16:creationId xmlns:a16="http://schemas.microsoft.com/office/drawing/2014/main" id="{DF7DDD33-9412-2802-339A-E55446AC2DA7}"/>
+                <a16:creationId xmlns:a16="http://schemas.microsoft.com/office/drawing/2014/main" xmlns="" id="{DF7DDD33-9412-2802-339A-E55446AC2DA7}"/>
               </a:ext>
             </a:extLst>
           </p:cNvPr>
@@ -7424,7 +7424,7 @@
           <p:cNvPr id="48" name="TextBox 47">
             <a:extLst>
               <a:ext uri="{FF2B5EF4-FFF2-40B4-BE49-F238E27FC236}">
-                <a16:creationId xmlns:a16="http://schemas.microsoft.com/office/drawing/2014/main" id="{DF7DDD33-9412-2802-339A-E55446AC2DA7}"/>
+                <a16:creationId xmlns:a16="http://schemas.microsoft.com/office/drawing/2014/main" xmlns="" id="{DF7DDD33-9412-2802-339A-E55446AC2DA7}"/>
               </a:ext>
             </a:extLst>
           </p:cNvPr>
@@ -7472,7 +7472,7 @@
           <p:cNvPr id="49" name="TextBox 48">
             <a:extLst>
               <a:ext uri="{FF2B5EF4-FFF2-40B4-BE49-F238E27FC236}">
-                <a16:creationId xmlns:a16="http://schemas.microsoft.com/office/drawing/2014/main" id="{DF7DDD33-9412-2802-339A-E55446AC2DA7}"/>
+                <a16:creationId xmlns:a16="http://schemas.microsoft.com/office/drawing/2014/main" xmlns="" id="{DF7DDD33-9412-2802-339A-E55446AC2DA7}"/>
               </a:ext>
             </a:extLst>
           </p:cNvPr>
@@ -7530,7 +7530,7 @@
           <p:cNvPr id="50" name="TextBox 49">
             <a:extLst>
               <a:ext uri="{FF2B5EF4-FFF2-40B4-BE49-F238E27FC236}">
-                <a16:creationId xmlns:a16="http://schemas.microsoft.com/office/drawing/2014/main" id="{DF7DDD33-9412-2802-339A-E55446AC2DA7}"/>
+                <a16:creationId xmlns:a16="http://schemas.microsoft.com/office/drawing/2014/main" xmlns="" id="{DF7DDD33-9412-2802-339A-E55446AC2DA7}"/>
               </a:ext>
             </a:extLst>
           </p:cNvPr>
@@ -7578,7 +7578,7 @@
           <p:cNvPr id="51" name="TextBox 50">
             <a:extLst>
               <a:ext uri="{FF2B5EF4-FFF2-40B4-BE49-F238E27FC236}">
-                <a16:creationId xmlns:a16="http://schemas.microsoft.com/office/drawing/2014/main" id="{DF7DDD33-9412-2802-339A-E55446AC2DA7}"/>
+                <a16:creationId xmlns:a16="http://schemas.microsoft.com/office/drawing/2014/main" xmlns="" id="{DF7DDD33-9412-2802-339A-E55446AC2DA7}"/>
               </a:ext>
             </a:extLst>
           </p:cNvPr>
@@ -7636,7 +7636,7 @@
           <p:cNvPr id="52" name="TextBox 51">
             <a:extLst>
               <a:ext uri="{FF2B5EF4-FFF2-40B4-BE49-F238E27FC236}">
-                <a16:creationId xmlns:a16="http://schemas.microsoft.com/office/drawing/2014/main" id="{DF7DDD33-9412-2802-339A-E55446AC2DA7}"/>
+                <a16:creationId xmlns:a16="http://schemas.microsoft.com/office/drawing/2014/main" xmlns="" id="{DF7DDD33-9412-2802-339A-E55446AC2DA7}"/>
               </a:ext>
             </a:extLst>
           </p:cNvPr>
@@ -7684,7 +7684,7 @@
           <p:cNvPr id="53" name="TextBox 52">
             <a:extLst>
               <a:ext uri="{FF2B5EF4-FFF2-40B4-BE49-F238E27FC236}">
-                <a16:creationId xmlns:a16="http://schemas.microsoft.com/office/drawing/2014/main" id="{DF7DDD33-9412-2802-339A-E55446AC2DA7}"/>
+                <a16:creationId xmlns:a16="http://schemas.microsoft.com/office/drawing/2014/main" xmlns="" id="{DF7DDD33-9412-2802-339A-E55446AC2DA7}"/>
               </a:ext>
             </a:extLst>
           </p:cNvPr>
@@ -7742,7 +7742,7 @@
           <p:cNvPr id="54" name="TextBox 53">
             <a:extLst>
               <a:ext uri="{FF2B5EF4-FFF2-40B4-BE49-F238E27FC236}">
-                <a16:creationId xmlns:a16="http://schemas.microsoft.com/office/drawing/2014/main" id="{DF7DDD33-9412-2802-339A-E55446AC2DA7}"/>
+                <a16:creationId xmlns:a16="http://schemas.microsoft.com/office/drawing/2014/main" xmlns="" id="{DF7DDD33-9412-2802-339A-E55446AC2DA7}"/>
               </a:ext>
             </a:extLst>
           </p:cNvPr>
@@ -7790,7 +7790,7 @@
           <p:cNvPr id="55" name="TextBox 54">
             <a:extLst>
               <a:ext uri="{FF2B5EF4-FFF2-40B4-BE49-F238E27FC236}">
-                <a16:creationId xmlns:a16="http://schemas.microsoft.com/office/drawing/2014/main" id="{DF7DDD33-9412-2802-339A-E55446AC2DA7}"/>
+                <a16:creationId xmlns:a16="http://schemas.microsoft.com/office/drawing/2014/main" xmlns="" id="{DF7DDD33-9412-2802-339A-E55446AC2DA7}"/>
               </a:ext>
             </a:extLst>
           </p:cNvPr>
@@ -7862,7 +7862,7 @@
             <p:cNvPr id="57" name="직선 연결선 56">
               <a:extLst>
                 <a:ext uri="{FF2B5EF4-FFF2-40B4-BE49-F238E27FC236}">
-                  <a16:creationId xmlns:a16="http://schemas.microsoft.com/office/drawing/2014/main" id="{1172879B-889D-0C2F-EEA8-003E6793F36F}"/>
+                  <a16:creationId xmlns:a16="http://schemas.microsoft.com/office/drawing/2014/main" xmlns="" id="{1172879B-889D-0C2F-EEA8-003E6793F36F}"/>
                 </a:ext>
               </a:extLst>
             </p:cNvPr>
@@ -7905,7 +7905,7 @@
             <p:cNvPr id="58" name="직선 연결선 57">
               <a:extLst>
                 <a:ext uri="{FF2B5EF4-FFF2-40B4-BE49-F238E27FC236}">
-                  <a16:creationId xmlns:a16="http://schemas.microsoft.com/office/drawing/2014/main" id="{1172879B-889D-0C2F-EEA8-003E6793F36F}"/>
+                  <a16:creationId xmlns:a16="http://schemas.microsoft.com/office/drawing/2014/main" xmlns="" id="{1172879B-889D-0C2F-EEA8-003E6793F36F}"/>
                 </a:ext>
               </a:extLst>
             </p:cNvPr>
@@ -7948,7 +7948,7 @@
             <p:cNvPr id="59" name="직선 연결선 58">
               <a:extLst>
                 <a:ext uri="{FF2B5EF4-FFF2-40B4-BE49-F238E27FC236}">
-                  <a16:creationId xmlns:a16="http://schemas.microsoft.com/office/drawing/2014/main" id="{1172879B-889D-0C2F-EEA8-003E6793F36F}"/>
+                  <a16:creationId xmlns:a16="http://schemas.microsoft.com/office/drawing/2014/main" xmlns="" id="{1172879B-889D-0C2F-EEA8-003E6793F36F}"/>
                 </a:ext>
               </a:extLst>
             </p:cNvPr>
@@ -7991,7 +7991,7 @@
             <p:cNvPr id="60" name="직선 연결선 59">
               <a:extLst>
                 <a:ext uri="{FF2B5EF4-FFF2-40B4-BE49-F238E27FC236}">
-                  <a16:creationId xmlns:a16="http://schemas.microsoft.com/office/drawing/2014/main" id="{1172879B-889D-0C2F-EEA8-003E6793F36F}"/>
+                  <a16:creationId xmlns:a16="http://schemas.microsoft.com/office/drawing/2014/main" xmlns="" id="{1172879B-889D-0C2F-EEA8-003E6793F36F}"/>
                 </a:ext>
               </a:extLst>
             </p:cNvPr>
@@ -8035,7 +8035,7 @@
           <p:cNvPr id="61" name="직선 연결선 60">
             <a:extLst>
               <a:ext uri="{FF2B5EF4-FFF2-40B4-BE49-F238E27FC236}">
-                <a16:creationId xmlns:a16="http://schemas.microsoft.com/office/drawing/2014/main" id="{466D5656-813B-296D-F08F-2E57C8EBA1E1}"/>
+                <a16:creationId xmlns:a16="http://schemas.microsoft.com/office/drawing/2014/main" xmlns="" id="{466D5656-813B-296D-F08F-2E57C8EBA1E1}"/>
               </a:ext>
             </a:extLst>
           </p:cNvPr>
@@ -8119,7 +8119,7 @@
           <p:cNvPr id="2" name="TextBox 1">
             <a:extLst>
               <a:ext uri="{FF2B5EF4-FFF2-40B4-BE49-F238E27FC236}">
-                <a16:creationId xmlns:a16="http://schemas.microsoft.com/office/drawing/2014/main" id="{A92A45D9-B960-EF50-398E-26A3F43BF41A}"/>
+                <a16:creationId xmlns:a16="http://schemas.microsoft.com/office/drawing/2014/main" xmlns="" id="{A92A45D9-B960-EF50-398E-26A3F43BF41A}"/>
               </a:ext>
             </a:extLst>
           </p:cNvPr>
@@ -16147,7 +16147,7 @@
           <p:cNvPr id="4" name="그룹 1018">
             <a:extLst>
               <a:ext uri="{FF2B5EF4-FFF2-40B4-BE49-F238E27FC236}">
-                <a16:creationId xmlns:a16="http://schemas.microsoft.com/office/drawing/2014/main" id="{0C5247D1-E285-7CDC-25F8-F1ABCDE304BE}"/>
+                <a16:creationId xmlns:a16="http://schemas.microsoft.com/office/drawing/2014/main" xmlns="" id="{0C5247D1-E285-7CDC-25F8-F1ABCDE304BE}"/>
               </a:ext>
             </a:extLst>
           </p:cNvPr>
@@ -16167,7 +16167,7 @@
             <p:cNvPr id="5" name="Object 61">
               <a:extLst>
                 <a:ext uri="{FF2B5EF4-FFF2-40B4-BE49-F238E27FC236}">
-                  <a16:creationId xmlns:a16="http://schemas.microsoft.com/office/drawing/2014/main" id="{29C480AF-46D1-D9A5-6C87-226E5620D948}"/>
+                  <a16:creationId xmlns:a16="http://schemas.microsoft.com/office/drawing/2014/main" xmlns="" id="{29C480AF-46D1-D9A5-6C87-226E5620D948}"/>
                 </a:ext>
               </a:extLst>
             </p:cNvPr>
@@ -16198,7 +16198,7 @@
           <p:cNvPr id="6" name="그룹 1018">
             <a:extLst>
               <a:ext uri="{FF2B5EF4-FFF2-40B4-BE49-F238E27FC236}">
-                <a16:creationId xmlns:a16="http://schemas.microsoft.com/office/drawing/2014/main" id="{F53BC57C-78A5-6AFC-CB34-7E3FD29B339F}"/>
+                <a16:creationId xmlns:a16="http://schemas.microsoft.com/office/drawing/2014/main" xmlns="" id="{F53BC57C-78A5-6AFC-CB34-7E3FD29B339F}"/>
               </a:ext>
             </a:extLst>
           </p:cNvPr>
@@ -16218,7 +16218,7 @@
             <p:cNvPr id="7" name="Object 61">
               <a:extLst>
                 <a:ext uri="{FF2B5EF4-FFF2-40B4-BE49-F238E27FC236}">
-                  <a16:creationId xmlns:a16="http://schemas.microsoft.com/office/drawing/2014/main" id="{E6F73685-14E5-06A9-813C-1C372BD6F4DE}"/>
+                  <a16:creationId xmlns:a16="http://schemas.microsoft.com/office/drawing/2014/main" xmlns="" id="{E6F73685-14E5-06A9-813C-1C372BD6F4DE}"/>
                 </a:ext>
               </a:extLst>
             </p:cNvPr>
@@ -16249,7 +16249,7 @@
           <p:cNvPr id="11" name="직선 연결선 10">
             <a:extLst>
               <a:ext uri="{FF2B5EF4-FFF2-40B4-BE49-F238E27FC236}">
-                <a16:creationId xmlns:a16="http://schemas.microsoft.com/office/drawing/2014/main" id="{466D5656-813B-296D-F08F-2E57C8EBA1E1}"/>
+                <a16:creationId xmlns:a16="http://schemas.microsoft.com/office/drawing/2014/main" xmlns="" id="{466D5656-813B-296D-F08F-2E57C8EBA1E1}"/>
               </a:ext>
             </a:extLst>
           </p:cNvPr>
@@ -16292,7 +16292,7 @@
           <p:cNvPr id="13" name="그룹 1018">
             <a:extLst>
               <a:ext uri="{FF2B5EF4-FFF2-40B4-BE49-F238E27FC236}">
-                <a16:creationId xmlns:a16="http://schemas.microsoft.com/office/drawing/2014/main" id="{6422EA0E-12C8-4264-ABC7-17F8CE933867}"/>
+                <a16:creationId xmlns:a16="http://schemas.microsoft.com/office/drawing/2014/main" xmlns="" id="{6422EA0E-12C8-4264-ABC7-17F8CE933867}"/>
               </a:ext>
             </a:extLst>
           </p:cNvPr>
@@ -16312,7 +16312,7 @@
             <p:cNvPr id="14" name="Object 61">
               <a:extLst>
                 <a:ext uri="{FF2B5EF4-FFF2-40B4-BE49-F238E27FC236}">
-                  <a16:creationId xmlns:a16="http://schemas.microsoft.com/office/drawing/2014/main" id="{B8EE3D0F-6DDF-413D-3D54-0B0C4905D65D}"/>
+                  <a16:creationId xmlns:a16="http://schemas.microsoft.com/office/drawing/2014/main" xmlns="" id="{B8EE3D0F-6DDF-413D-3D54-0B0C4905D65D}"/>
                 </a:ext>
               </a:extLst>
             </p:cNvPr>
@@ -16343,7 +16343,7 @@
           <p:cNvPr id="15" name="그룹 1018">
             <a:extLst>
               <a:ext uri="{FF2B5EF4-FFF2-40B4-BE49-F238E27FC236}">
-                <a16:creationId xmlns:a16="http://schemas.microsoft.com/office/drawing/2014/main" id="{11F8DF7C-F95F-B0B5-FC7F-85E369D002C6}"/>
+                <a16:creationId xmlns:a16="http://schemas.microsoft.com/office/drawing/2014/main" xmlns="" id="{11F8DF7C-F95F-B0B5-FC7F-85E369D002C6}"/>
               </a:ext>
             </a:extLst>
           </p:cNvPr>
@@ -16363,7 +16363,7 @@
             <p:cNvPr id="16" name="Object 61">
               <a:extLst>
                 <a:ext uri="{FF2B5EF4-FFF2-40B4-BE49-F238E27FC236}">
-                  <a16:creationId xmlns:a16="http://schemas.microsoft.com/office/drawing/2014/main" id="{B8B15D9F-D5FD-93DD-D076-037E1D6FFEC7}"/>
+                  <a16:creationId xmlns:a16="http://schemas.microsoft.com/office/drawing/2014/main" xmlns="" id="{B8B15D9F-D5FD-93DD-D076-037E1D6FFEC7}"/>
                 </a:ext>
               </a:extLst>
             </p:cNvPr>
@@ -16394,7 +16394,7 @@
           <p:cNvPr id="17" name="직선 연결선 16">
             <a:extLst>
               <a:ext uri="{FF2B5EF4-FFF2-40B4-BE49-F238E27FC236}">
-                <a16:creationId xmlns:a16="http://schemas.microsoft.com/office/drawing/2014/main" id="{450E9148-0C3A-3B85-23E5-E1D1C0997659}"/>
+                <a16:creationId xmlns:a16="http://schemas.microsoft.com/office/drawing/2014/main" xmlns="" id="{450E9148-0C3A-3B85-23E5-E1D1C0997659}"/>
               </a:ext>
             </a:extLst>
           </p:cNvPr>
@@ -16438,7 +16438,7 @@
           <p:cNvPr id="20" name="TextBox 19">
             <a:extLst>
               <a:ext uri="{FF2B5EF4-FFF2-40B4-BE49-F238E27FC236}">
-                <a16:creationId xmlns:a16="http://schemas.microsoft.com/office/drawing/2014/main" id="{A06D4055-10A8-4A24-5EDC-0761473BA40F}"/>
+                <a16:creationId xmlns:a16="http://schemas.microsoft.com/office/drawing/2014/main" xmlns="" id="{A06D4055-10A8-4A24-5EDC-0761473BA40F}"/>
               </a:ext>
             </a:extLst>
           </p:cNvPr>
@@ -16482,7 +16482,7 @@
           <p:cNvPr id="21" name="TextBox 20">
             <a:extLst>
               <a:ext uri="{FF2B5EF4-FFF2-40B4-BE49-F238E27FC236}">
-                <a16:creationId xmlns:a16="http://schemas.microsoft.com/office/drawing/2014/main" id="{044C5ACF-17B6-5920-7904-E16248F54A6A}"/>
+                <a16:creationId xmlns:a16="http://schemas.microsoft.com/office/drawing/2014/main" xmlns="" id="{044C5ACF-17B6-5920-7904-E16248F54A6A}"/>
               </a:ext>
             </a:extLst>
           </p:cNvPr>
@@ -16491,7 +16491,7 @@
         </p:nvSpPr>
         <p:spPr>
           <a:xfrm>
-            <a:off x="8279193" y="3215689"/>
+            <a:off x="8053627" y="3204703"/>
             <a:ext cx="2556531" cy="707886"/>
           </a:xfrm>
           <a:prstGeom prst="rect">
@@ -16526,7 +16526,7 @@
           <p:cNvPr id="22" name="TextBox 21">
             <a:extLst>
               <a:ext uri="{FF2B5EF4-FFF2-40B4-BE49-F238E27FC236}">
-                <a16:creationId xmlns:a16="http://schemas.microsoft.com/office/drawing/2014/main" id="{A7091AF6-2AB0-08A8-8A31-E96D2EBC6A65}"/>
+                <a16:creationId xmlns:a16="http://schemas.microsoft.com/office/drawing/2014/main" xmlns="" id="{A7091AF6-2AB0-08A8-8A31-E96D2EBC6A65}"/>
               </a:ext>
             </a:extLst>
           </p:cNvPr>
@@ -16535,7 +16535,7 @@
         </p:nvSpPr>
         <p:spPr>
           <a:xfrm>
-            <a:off x="11909283" y="3242193"/>
+            <a:off x="11665559" y="3228865"/>
             <a:ext cx="2556531" cy="707886"/>
           </a:xfrm>
           <a:prstGeom prst="rect">
@@ -16570,7 +16570,7 @@
           <p:cNvPr id="23" name="TextBox 22">
             <a:extLst>
               <a:ext uri="{FF2B5EF4-FFF2-40B4-BE49-F238E27FC236}">
-                <a16:creationId xmlns:a16="http://schemas.microsoft.com/office/drawing/2014/main" id="{101E227B-A9BD-20A0-66DD-A013FA376D02}"/>
+                <a16:creationId xmlns:a16="http://schemas.microsoft.com/office/drawing/2014/main" xmlns="" id="{101E227B-A9BD-20A0-66DD-A013FA376D02}"/>
               </a:ext>
             </a:extLst>
           </p:cNvPr>
@@ -16579,7 +16579,7 @@
         </p:nvSpPr>
         <p:spPr>
           <a:xfrm>
-            <a:off x="15618885" y="3215689"/>
+            <a:off x="15409534" y="3228865"/>
             <a:ext cx="2556531" cy="707886"/>
           </a:xfrm>
           <a:prstGeom prst="rect">
@@ -16628,7 +16628,7 @@
             <p:cNvPr id="9" name="직선 연결선 8">
               <a:extLst>
                 <a:ext uri="{FF2B5EF4-FFF2-40B4-BE49-F238E27FC236}">
-                  <a16:creationId xmlns:a16="http://schemas.microsoft.com/office/drawing/2014/main" id="{1172879B-889D-0C2F-EEA8-003E6793F36F}"/>
+                  <a16:creationId xmlns:a16="http://schemas.microsoft.com/office/drawing/2014/main" xmlns="" id="{1172879B-889D-0C2F-EEA8-003E6793F36F}"/>
                 </a:ext>
               </a:extLst>
             </p:cNvPr>
@@ -16671,7 +16671,7 @@
             <p:cNvPr id="24" name="직선 연결선 23">
               <a:extLst>
                 <a:ext uri="{FF2B5EF4-FFF2-40B4-BE49-F238E27FC236}">
-                  <a16:creationId xmlns:a16="http://schemas.microsoft.com/office/drawing/2014/main" id="{1172879B-889D-0C2F-EEA8-003E6793F36F}"/>
+                  <a16:creationId xmlns:a16="http://schemas.microsoft.com/office/drawing/2014/main" xmlns="" id="{1172879B-889D-0C2F-EEA8-003E6793F36F}"/>
                 </a:ext>
               </a:extLst>
             </p:cNvPr>
@@ -16714,7 +16714,7 @@
             <p:cNvPr id="25" name="직선 연결선 24">
               <a:extLst>
                 <a:ext uri="{FF2B5EF4-FFF2-40B4-BE49-F238E27FC236}">
-                  <a16:creationId xmlns:a16="http://schemas.microsoft.com/office/drawing/2014/main" id="{1172879B-889D-0C2F-EEA8-003E6793F36F}"/>
+                  <a16:creationId xmlns:a16="http://schemas.microsoft.com/office/drawing/2014/main" xmlns="" id="{1172879B-889D-0C2F-EEA8-003E6793F36F}"/>
                 </a:ext>
               </a:extLst>
             </p:cNvPr>
@@ -16757,7 +16757,7 @@
             <p:cNvPr id="30" name="직선 연결선 29">
               <a:extLst>
                 <a:ext uri="{FF2B5EF4-FFF2-40B4-BE49-F238E27FC236}">
-                  <a16:creationId xmlns:a16="http://schemas.microsoft.com/office/drawing/2014/main" id="{1172879B-889D-0C2F-EEA8-003E6793F36F}"/>
+                  <a16:creationId xmlns:a16="http://schemas.microsoft.com/office/drawing/2014/main" xmlns="" id="{1172879B-889D-0C2F-EEA8-003E6793F36F}"/>
                 </a:ext>
               </a:extLst>
             </p:cNvPr>
@@ -16801,7 +16801,7 @@
           <p:cNvPr id="2" name="TextBox 1">
             <a:extLst>
               <a:ext uri="{FF2B5EF4-FFF2-40B4-BE49-F238E27FC236}">
-                <a16:creationId xmlns:a16="http://schemas.microsoft.com/office/drawing/2014/main" id="{06954172-7EF0-CE8C-73EC-25E928EC1B7D}"/>
+                <a16:creationId xmlns:a16="http://schemas.microsoft.com/office/drawing/2014/main" xmlns="" id="{06954172-7EF0-CE8C-73EC-25E928EC1B7D}"/>
               </a:ext>
             </a:extLst>
           </p:cNvPr>
@@ -16849,7 +16849,7 @@
           <p:cNvPr id="3" name="직사각형 2">
             <a:extLst>
               <a:ext uri="{FF2B5EF4-FFF2-40B4-BE49-F238E27FC236}">
-                <a16:creationId xmlns:a16="http://schemas.microsoft.com/office/drawing/2014/main" id="{29F1D9FA-D3AF-5E6D-24AC-E65D22A0D7A0}"/>
+                <a16:creationId xmlns:a16="http://schemas.microsoft.com/office/drawing/2014/main" xmlns="" id="{29F1D9FA-D3AF-5E6D-24AC-E65D22A0D7A0}"/>
               </a:ext>
             </a:extLst>
           </p:cNvPr>
@@ -16901,7 +16901,7 @@
           <p:cNvPr id="8" name="TextBox 7">
             <a:extLst>
               <a:ext uri="{FF2B5EF4-FFF2-40B4-BE49-F238E27FC236}">
-                <a16:creationId xmlns:a16="http://schemas.microsoft.com/office/drawing/2014/main" id="{3CDC1150-AB9C-B8B4-624C-8B864CBAC5DD}"/>
+                <a16:creationId xmlns:a16="http://schemas.microsoft.com/office/drawing/2014/main" xmlns="" id="{3CDC1150-AB9C-B8B4-624C-8B864CBAC5DD}"/>
               </a:ext>
             </a:extLst>
           </p:cNvPr>
@@ -17275,7 +17275,7 @@
           <p:cNvPr id="10" name="직사각형 9">
             <a:extLst>
               <a:ext uri="{FF2B5EF4-FFF2-40B4-BE49-F238E27FC236}">
-                <a16:creationId xmlns:a16="http://schemas.microsoft.com/office/drawing/2014/main" id="{361FA442-8171-4EBF-65A2-19C90654959D}"/>
+                <a16:creationId xmlns:a16="http://schemas.microsoft.com/office/drawing/2014/main" xmlns="" id="{361FA442-8171-4EBF-65A2-19C90654959D}"/>
               </a:ext>
             </a:extLst>
           </p:cNvPr>
@@ -17327,7 +17327,7 @@
           <p:cNvPr id="12" name="TextBox 11">
             <a:extLst>
               <a:ext uri="{FF2B5EF4-FFF2-40B4-BE49-F238E27FC236}">
-                <a16:creationId xmlns:a16="http://schemas.microsoft.com/office/drawing/2014/main" id="{909B8AE9-459C-C458-C52F-C85F69813361}"/>
+                <a16:creationId xmlns:a16="http://schemas.microsoft.com/office/drawing/2014/main" xmlns="" id="{909B8AE9-459C-C458-C52F-C85F69813361}"/>
               </a:ext>
             </a:extLst>
           </p:cNvPr>

--- a/JavaLecture/LectureFile/샘플.pptx
+++ b/JavaLecture/LectureFile/샘플.pptx
@@ -230,7 +230,7 @@
           <a:p>
             <a:fld id="{3377703C-7B6A-4662-85EE-2E5A30469F49}" type="datetimeFigureOut">
               <a:rPr lang="ko-KR" altLang="en-US" smtClean="0"/>
-              <a:t>2023-10-08</a:t>
+              <a:t>2023-10-21 Saturday</a:t>
             </a:fld>
             <a:endParaRPr lang="ko-KR" altLang="en-US"/>
           </a:p>
@@ -760,7 +760,7 @@
           <a:p>
             <a:fld id="{F8166F1F-CE9B-4651-A6AA-CD717754106B}" type="datetimeFigureOut">
               <a:rPr lang="en-US" smtClean="0"/>
-              <a:t>10/8/2023</a:t>
+              <a:t>10/21/2023</a:t>
             </a:fld>
             <a:endParaRPr lang="en-US"/>
           </a:p>
@@ -923,7 +923,7 @@
           <a:p>
             <a:fld id="{A76116CE-C4A3-4A05-B2D7-7C2E9A889C0F}" type="datetimeFigureOut">
               <a:rPr lang="en-US" smtClean="0"/>
-              <a:t>10/8/2023</a:t>
+              <a:t>10/21/2023</a:t>
             </a:fld>
             <a:endParaRPr lang="en-US"/>
           </a:p>
@@ -1096,7 +1096,7 @@
           <a:p>
             <a:fld id="{A76116CE-C4A3-4A05-B2D7-7C2E9A889C0F}" type="datetimeFigureOut">
               <a:rPr lang="en-US" smtClean="0"/>
-              <a:t>10/8/2023</a:t>
+              <a:t>10/21/2023</a:t>
             </a:fld>
             <a:endParaRPr lang="en-US"/>
           </a:p>
@@ -1261,7 +1261,7 @@
           <a:p>
             <a:fld id="{A76116CE-C4A3-4A05-B2D7-7C2E9A889C0F}" type="datetimeFigureOut">
               <a:rPr lang="en-US" smtClean="0"/>
-              <a:t>10/8/2023</a:t>
+              <a:t>10/21/2023</a:t>
             </a:fld>
             <a:endParaRPr lang="en-US"/>
           </a:p>
@@ -1501,7 +1501,7 @@
           <a:p>
             <a:fld id="{A76116CE-C4A3-4A05-B2D7-7C2E9A889C0F}" type="datetimeFigureOut">
               <a:rPr lang="en-US" smtClean="0"/>
-              <a:t>10/8/2023</a:t>
+              <a:t>10/21/2023</a:t>
             </a:fld>
             <a:endParaRPr lang="en-US"/>
           </a:p>
@@ -1781,7 +1781,7 @@
           <a:p>
             <a:fld id="{A76116CE-C4A3-4A05-B2D7-7C2E9A889C0F}" type="datetimeFigureOut">
               <a:rPr lang="en-US" smtClean="0"/>
-              <a:t>10/8/2023</a:t>
+              <a:t>10/21/2023</a:t>
             </a:fld>
             <a:endParaRPr lang="en-US"/>
           </a:p>
@@ -2195,7 +2195,7 @@
           <a:p>
             <a:fld id="{A76116CE-C4A3-4A05-B2D7-7C2E9A889C0F}" type="datetimeFigureOut">
               <a:rPr lang="en-US" smtClean="0"/>
-              <a:t>10/8/2023</a:t>
+              <a:t>10/21/2023</a:t>
             </a:fld>
             <a:endParaRPr lang="en-US"/>
           </a:p>
@@ -2307,7 +2307,7 @@
           <a:p>
             <a:fld id="{A76116CE-C4A3-4A05-B2D7-7C2E9A889C0F}" type="datetimeFigureOut">
               <a:rPr lang="en-US" smtClean="0"/>
-              <a:t>10/8/2023</a:t>
+              <a:t>10/21/2023</a:t>
             </a:fld>
             <a:endParaRPr lang="en-US"/>
           </a:p>
@@ -2397,7 +2397,7 @@
           <a:p>
             <a:fld id="{A76116CE-C4A3-4A05-B2D7-7C2E9A889C0F}" type="datetimeFigureOut">
               <a:rPr lang="en-US" smtClean="0"/>
-              <a:t>10/8/2023</a:t>
+              <a:t>10/21/2023</a:t>
             </a:fld>
             <a:endParaRPr lang="en-US"/>
           </a:p>
@@ -2667,7 +2667,7 @@
           <a:p>
             <a:fld id="{A76116CE-C4A3-4A05-B2D7-7C2E9A889C0F}" type="datetimeFigureOut">
               <a:rPr lang="en-US" smtClean="0"/>
-              <a:t>10/8/2023</a:t>
+              <a:t>10/21/2023</a:t>
             </a:fld>
             <a:endParaRPr lang="en-US"/>
           </a:p>
@@ -2914,7 +2914,7 @@
           <a:p>
             <a:fld id="{A76116CE-C4A3-4A05-B2D7-7C2E9A889C0F}" type="datetimeFigureOut">
               <a:rPr lang="en-US" smtClean="0"/>
-              <a:t>10/8/2023</a:t>
+              <a:t>10/21/2023</a:t>
             </a:fld>
             <a:endParaRPr lang="en-US"/>
           </a:p>
@@ -3120,7 +3120,7 @@
           <a:p>
             <a:fld id="{F8166F1F-CE9B-4651-A6AA-CD717754106B}" type="datetimeFigureOut">
               <a:rPr lang="en-US" smtClean="0"/>
-              <a:t>10/8/2023</a:t>
+              <a:t>10/21/2023</a:t>
             </a:fld>
             <a:endParaRPr lang="en-US"/>
           </a:p>
@@ -3495,7 +3495,7 @@
           <p:cNvPr id="4" name="그룹 1008">
             <a:extLst>
               <a:ext uri="{FF2B5EF4-FFF2-40B4-BE49-F238E27FC236}">
-                <a16:creationId xmlns:a16="http://schemas.microsoft.com/office/drawing/2014/main" xmlns="" id="{54FFE8A6-6CB8-DCBA-07F7-749FA78BF4A4}"/>
+                <a16:creationId xmlns:a16="http://schemas.microsoft.com/office/drawing/2014/main" id="{54FFE8A6-6CB8-DCBA-07F7-749FA78BF4A4}"/>
               </a:ext>
             </a:extLst>
           </p:cNvPr>
@@ -3515,7 +3515,7 @@
             <p:cNvPr id="5" name="그룹 1009">
               <a:extLst>
                 <a:ext uri="{FF2B5EF4-FFF2-40B4-BE49-F238E27FC236}">
-                  <a16:creationId xmlns:a16="http://schemas.microsoft.com/office/drawing/2014/main" xmlns="" id="{AFC4D322-4969-89C3-C972-D8E8E418CA73}"/>
+                  <a16:creationId xmlns:a16="http://schemas.microsoft.com/office/drawing/2014/main" id="{AFC4D322-4969-89C3-C972-D8E8E418CA73}"/>
                 </a:ext>
               </a:extLst>
             </p:cNvPr>
@@ -3535,7 +3535,7 @@
               <p:cNvPr id="10" name="Object 29">
                 <a:extLst>
                   <a:ext uri="{FF2B5EF4-FFF2-40B4-BE49-F238E27FC236}">
-                    <a16:creationId xmlns:a16="http://schemas.microsoft.com/office/drawing/2014/main" xmlns="" id="{696B190E-C178-4E07-7621-24C3B48A9BCF}"/>
+                    <a16:creationId xmlns:a16="http://schemas.microsoft.com/office/drawing/2014/main" id="{696B190E-C178-4E07-7621-24C3B48A9BCF}"/>
                   </a:ext>
                 </a:extLst>
               </p:cNvPr>
@@ -3566,7 +3566,7 @@
             <p:cNvPr id="6" name="그룹 1010">
               <a:extLst>
                 <a:ext uri="{FF2B5EF4-FFF2-40B4-BE49-F238E27FC236}">
-                  <a16:creationId xmlns:a16="http://schemas.microsoft.com/office/drawing/2014/main" xmlns="" id="{88F3509F-17A2-2BE7-261F-3BA022FF91BA}"/>
+                  <a16:creationId xmlns:a16="http://schemas.microsoft.com/office/drawing/2014/main" id="{88F3509F-17A2-2BE7-261F-3BA022FF91BA}"/>
                 </a:ext>
               </a:extLst>
             </p:cNvPr>
@@ -3586,7 +3586,7 @@
               <p:cNvPr id="9" name="Object 32">
                 <a:extLst>
                   <a:ext uri="{FF2B5EF4-FFF2-40B4-BE49-F238E27FC236}">
-                    <a16:creationId xmlns:a16="http://schemas.microsoft.com/office/drawing/2014/main" xmlns="" id="{6183A7B0-D571-9788-43CE-90A93A934096}"/>
+                    <a16:creationId xmlns:a16="http://schemas.microsoft.com/office/drawing/2014/main" id="{6183A7B0-D571-9788-43CE-90A93A934096}"/>
                   </a:ext>
                 </a:extLst>
               </p:cNvPr>
@@ -3617,7 +3617,7 @@
             <p:cNvPr id="7" name="그룹 1011">
               <a:extLst>
                 <a:ext uri="{FF2B5EF4-FFF2-40B4-BE49-F238E27FC236}">
-                  <a16:creationId xmlns:a16="http://schemas.microsoft.com/office/drawing/2014/main" xmlns="" id="{3DB0BB1F-6A07-787C-7717-F712317AF8C3}"/>
+                  <a16:creationId xmlns:a16="http://schemas.microsoft.com/office/drawing/2014/main" id="{3DB0BB1F-6A07-787C-7717-F712317AF8C3}"/>
                 </a:ext>
               </a:extLst>
             </p:cNvPr>
@@ -3637,7 +3637,7 @@
               <p:cNvPr id="8" name="Object 35">
                 <a:extLst>
                   <a:ext uri="{FF2B5EF4-FFF2-40B4-BE49-F238E27FC236}">
-                    <a16:creationId xmlns:a16="http://schemas.microsoft.com/office/drawing/2014/main" xmlns="" id="{A003AF1A-29EE-2DC2-0E03-479F705DFFB6}"/>
+                    <a16:creationId xmlns:a16="http://schemas.microsoft.com/office/drawing/2014/main" id="{A003AF1A-29EE-2DC2-0E03-479F705DFFB6}"/>
                   </a:ext>
                 </a:extLst>
               </p:cNvPr>
@@ -3669,7 +3669,7 @@
           <p:cNvPr id="11" name="직선 화살표 연결선 10">
             <a:extLst>
               <a:ext uri="{FF2B5EF4-FFF2-40B4-BE49-F238E27FC236}">
-                <a16:creationId xmlns:a16="http://schemas.microsoft.com/office/drawing/2014/main" xmlns="" id="{299DF5EC-9DF4-5255-06AC-0A7CE4FF58C3}"/>
+                <a16:creationId xmlns:a16="http://schemas.microsoft.com/office/drawing/2014/main" id="{299DF5EC-9DF4-5255-06AC-0A7CE4FF58C3}"/>
               </a:ext>
             </a:extLst>
           </p:cNvPr>
@@ -3710,7 +3710,7 @@
           <p:cNvPr id="14" name="직사각형 13">
             <a:extLst>
               <a:ext uri="{FF2B5EF4-FFF2-40B4-BE49-F238E27FC236}">
-                <a16:creationId xmlns:a16="http://schemas.microsoft.com/office/drawing/2014/main" xmlns="" id="{FFF506F9-840A-0508-4CAF-3AC711D8D5CE}"/>
+                <a16:creationId xmlns:a16="http://schemas.microsoft.com/office/drawing/2014/main" id="{FFF506F9-840A-0508-4CAF-3AC711D8D5CE}"/>
               </a:ext>
             </a:extLst>
           </p:cNvPr>
@@ -3762,7 +3762,7 @@
           <p:cNvPr id="16" name="그룹 1008">
             <a:extLst>
               <a:ext uri="{FF2B5EF4-FFF2-40B4-BE49-F238E27FC236}">
-                <a16:creationId xmlns:a16="http://schemas.microsoft.com/office/drawing/2014/main" xmlns="" id="{E395BDE3-2EDE-065D-70E8-56E348228ACF}"/>
+                <a16:creationId xmlns:a16="http://schemas.microsoft.com/office/drawing/2014/main" id="{E395BDE3-2EDE-065D-70E8-56E348228ACF}"/>
               </a:ext>
             </a:extLst>
           </p:cNvPr>
@@ -3782,7 +3782,7 @@
             <p:cNvPr id="17" name="그룹 1009">
               <a:extLst>
                 <a:ext uri="{FF2B5EF4-FFF2-40B4-BE49-F238E27FC236}">
-                  <a16:creationId xmlns:a16="http://schemas.microsoft.com/office/drawing/2014/main" xmlns="" id="{852F4DEB-DB33-DB3F-9E9F-52A46CD0B10A}"/>
+                  <a16:creationId xmlns:a16="http://schemas.microsoft.com/office/drawing/2014/main" id="{852F4DEB-DB33-DB3F-9E9F-52A46CD0B10A}"/>
                 </a:ext>
               </a:extLst>
             </p:cNvPr>
@@ -3802,7 +3802,7 @@
               <p:cNvPr id="22" name="Object 29">
                 <a:extLst>
                   <a:ext uri="{FF2B5EF4-FFF2-40B4-BE49-F238E27FC236}">
-                    <a16:creationId xmlns:a16="http://schemas.microsoft.com/office/drawing/2014/main" xmlns="" id="{7E353D3B-14D4-8A64-5888-3F0C062C2CDD}"/>
+                    <a16:creationId xmlns:a16="http://schemas.microsoft.com/office/drawing/2014/main" id="{7E353D3B-14D4-8A64-5888-3F0C062C2CDD}"/>
                   </a:ext>
                 </a:extLst>
               </p:cNvPr>
@@ -3833,7 +3833,7 @@
             <p:cNvPr id="18" name="그룹 1010">
               <a:extLst>
                 <a:ext uri="{FF2B5EF4-FFF2-40B4-BE49-F238E27FC236}">
-                  <a16:creationId xmlns:a16="http://schemas.microsoft.com/office/drawing/2014/main" xmlns="" id="{001E38AB-1390-ABD0-BE01-9727136FEAEE}"/>
+                  <a16:creationId xmlns:a16="http://schemas.microsoft.com/office/drawing/2014/main" id="{001E38AB-1390-ABD0-BE01-9727136FEAEE}"/>
                 </a:ext>
               </a:extLst>
             </p:cNvPr>
@@ -3853,7 +3853,7 @@
               <p:cNvPr id="21" name="Object 32">
                 <a:extLst>
                   <a:ext uri="{FF2B5EF4-FFF2-40B4-BE49-F238E27FC236}">
-                    <a16:creationId xmlns:a16="http://schemas.microsoft.com/office/drawing/2014/main" xmlns="" id="{2ED1C30F-0D0B-F86C-8215-2598D332B5A3}"/>
+                    <a16:creationId xmlns:a16="http://schemas.microsoft.com/office/drawing/2014/main" id="{2ED1C30F-0D0B-F86C-8215-2598D332B5A3}"/>
                   </a:ext>
                 </a:extLst>
               </p:cNvPr>
@@ -3884,7 +3884,7 @@
             <p:cNvPr id="19" name="그룹 1011">
               <a:extLst>
                 <a:ext uri="{FF2B5EF4-FFF2-40B4-BE49-F238E27FC236}">
-                  <a16:creationId xmlns:a16="http://schemas.microsoft.com/office/drawing/2014/main" xmlns="" id="{1BCB8DE5-ABAF-4198-BC16-85BB76F2DB24}"/>
+                  <a16:creationId xmlns:a16="http://schemas.microsoft.com/office/drawing/2014/main" id="{1BCB8DE5-ABAF-4198-BC16-85BB76F2DB24}"/>
                 </a:ext>
               </a:extLst>
             </p:cNvPr>
@@ -3904,7 +3904,7 @@
               <p:cNvPr id="20" name="Object 35">
                 <a:extLst>
                   <a:ext uri="{FF2B5EF4-FFF2-40B4-BE49-F238E27FC236}">
-                    <a16:creationId xmlns:a16="http://schemas.microsoft.com/office/drawing/2014/main" xmlns="" id="{86E7BA23-0A1E-B581-CADC-06AB269DB2BD}"/>
+                    <a16:creationId xmlns:a16="http://schemas.microsoft.com/office/drawing/2014/main" id="{86E7BA23-0A1E-B581-CADC-06AB269DB2BD}"/>
                   </a:ext>
                 </a:extLst>
               </p:cNvPr>
@@ -3936,7 +3936,7 @@
           <p:cNvPr id="23" name="TextBox 22">
             <a:extLst>
               <a:ext uri="{FF2B5EF4-FFF2-40B4-BE49-F238E27FC236}">
-                <a16:creationId xmlns:a16="http://schemas.microsoft.com/office/drawing/2014/main" xmlns="" id="{7229BEA6-121E-9056-D07F-2B3BB1795F76}"/>
+                <a16:creationId xmlns:a16="http://schemas.microsoft.com/office/drawing/2014/main" id="{7229BEA6-121E-9056-D07F-2B3BB1795F76}"/>
               </a:ext>
             </a:extLst>
           </p:cNvPr>
@@ -3984,7 +3984,7 @@
           <p:cNvPr id="24" name="TextBox 23">
             <a:extLst>
               <a:ext uri="{FF2B5EF4-FFF2-40B4-BE49-F238E27FC236}">
-                <a16:creationId xmlns:a16="http://schemas.microsoft.com/office/drawing/2014/main" xmlns="" id="{5ADC00B6-990A-40DC-3CEA-505258F5E8DA}"/>
+                <a16:creationId xmlns:a16="http://schemas.microsoft.com/office/drawing/2014/main" id="{5ADC00B6-990A-40DC-3CEA-505258F5E8DA}"/>
               </a:ext>
             </a:extLst>
           </p:cNvPr>
@@ -4042,7 +4042,7 @@
           <p:cNvPr id="3" name="TextBox 2">
             <a:extLst>
               <a:ext uri="{FF2B5EF4-FFF2-40B4-BE49-F238E27FC236}">
-                <a16:creationId xmlns:a16="http://schemas.microsoft.com/office/drawing/2014/main" xmlns="" id="{C6D113C6-EA5C-788F-0C77-E7CE6EBB865F}"/>
+                <a16:creationId xmlns:a16="http://schemas.microsoft.com/office/drawing/2014/main" id="{C6D113C6-EA5C-788F-0C77-E7CE6EBB865F}"/>
               </a:ext>
             </a:extLst>
           </p:cNvPr>
@@ -4100,7 +4100,7 @@
           <p:cNvPr id="12" name="그룹 1008">
             <a:extLst>
               <a:ext uri="{FF2B5EF4-FFF2-40B4-BE49-F238E27FC236}">
-                <a16:creationId xmlns:a16="http://schemas.microsoft.com/office/drawing/2014/main" xmlns="" id="{678F6342-C505-E8AD-ADA4-022CB2C2088E}"/>
+                <a16:creationId xmlns:a16="http://schemas.microsoft.com/office/drawing/2014/main" id="{678F6342-C505-E8AD-ADA4-022CB2C2088E}"/>
               </a:ext>
             </a:extLst>
           </p:cNvPr>
@@ -4120,7 +4120,7 @@
             <p:cNvPr id="13" name="그룹 1009">
               <a:extLst>
                 <a:ext uri="{FF2B5EF4-FFF2-40B4-BE49-F238E27FC236}">
-                  <a16:creationId xmlns:a16="http://schemas.microsoft.com/office/drawing/2014/main" xmlns="" id="{4E1F1FED-812B-9BBB-925A-84B54A077414}"/>
+                  <a16:creationId xmlns:a16="http://schemas.microsoft.com/office/drawing/2014/main" id="{4E1F1FED-812B-9BBB-925A-84B54A077414}"/>
                 </a:ext>
               </a:extLst>
             </p:cNvPr>
@@ -4140,7 +4140,7 @@
               <p:cNvPr id="29" name="Object 29">
                 <a:extLst>
                   <a:ext uri="{FF2B5EF4-FFF2-40B4-BE49-F238E27FC236}">
-                    <a16:creationId xmlns:a16="http://schemas.microsoft.com/office/drawing/2014/main" xmlns="" id="{7B078609-4286-7B00-51EB-809C8E2DE289}"/>
+                    <a16:creationId xmlns:a16="http://schemas.microsoft.com/office/drawing/2014/main" id="{7B078609-4286-7B00-51EB-809C8E2DE289}"/>
                   </a:ext>
                 </a:extLst>
               </p:cNvPr>
@@ -4171,7 +4171,7 @@
             <p:cNvPr id="25" name="그룹 1010">
               <a:extLst>
                 <a:ext uri="{FF2B5EF4-FFF2-40B4-BE49-F238E27FC236}">
-                  <a16:creationId xmlns:a16="http://schemas.microsoft.com/office/drawing/2014/main" xmlns="" id="{02A649BF-B5B5-FBAF-7DFD-E118A4DF8907}"/>
+                  <a16:creationId xmlns:a16="http://schemas.microsoft.com/office/drawing/2014/main" id="{02A649BF-B5B5-FBAF-7DFD-E118A4DF8907}"/>
                 </a:ext>
               </a:extLst>
             </p:cNvPr>
@@ -4191,7 +4191,7 @@
               <p:cNvPr id="28" name="Object 32">
                 <a:extLst>
                   <a:ext uri="{FF2B5EF4-FFF2-40B4-BE49-F238E27FC236}">
-                    <a16:creationId xmlns:a16="http://schemas.microsoft.com/office/drawing/2014/main" xmlns="" id="{2A0FFF23-B3C9-3EA0-1C1B-A87D4FF098AE}"/>
+                    <a16:creationId xmlns:a16="http://schemas.microsoft.com/office/drawing/2014/main" id="{2A0FFF23-B3C9-3EA0-1C1B-A87D4FF098AE}"/>
                   </a:ext>
                 </a:extLst>
               </p:cNvPr>
@@ -4222,7 +4222,7 @@
             <p:cNvPr id="26" name="그룹 1011">
               <a:extLst>
                 <a:ext uri="{FF2B5EF4-FFF2-40B4-BE49-F238E27FC236}">
-                  <a16:creationId xmlns:a16="http://schemas.microsoft.com/office/drawing/2014/main" xmlns="" id="{881F5410-F7FB-F261-A584-707359BAC593}"/>
+                  <a16:creationId xmlns:a16="http://schemas.microsoft.com/office/drawing/2014/main" id="{881F5410-F7FB-F261-A584-707359BAC593}"/>
                 </a:ext>
               </a:extLst>
             </p:cNvPr>
@@ -4242,7 +4242,7 @@
               <p:cNvPr id="27" name="Object 35">
                 <a:extLst>
                   <a:ext uri="{FF2B5EF4-FFF2-40B4-BE49-F238E27FC236}">
-                    <a16:creationId xmlns:a16="http://schemas.microsoft.com/office/drawing/2014/main" xmlns="" id="{4E99E669-73EB-F9F4-EFE8-DC107035C265}"/>
+                    <a16:creationId xmlns:a16="http://schemas.microsoft.com/office/drawing/2014/main" id="{4E99E669-73EB-F9F4-EFE8-DC107035C265}"/>
                   </a:ext>
                 </a:extLst>
               </p:cNvPr>
@@ -4274,7 +4274,7 @@
           <p:cNvPr id="33" name="직선 연결선 32">
             <a:extLst>
               <a:ext uri="{FF2B5EF4-FFF2-40B4-BE49-F238E27FC236}">
-                <a16:creationId xmlns:a16="http://schemas.microsoft.com/office/drawing/2014/main" xmlns="" id="{6A1A37E4-F933-DE44-2EEA-F3A5BBF35584}"/>
+                <a16:creationId xmlns:a16="http://schemas.microsoft.com/office/drawing/2014/main" id="{6A1A37E4-F933-DE44-2EEA-F3A5BBF35584}"/>
               </a:ext>
             </a:extLst>
           </p:cNvPr>
@@ -4365,7 +4365,7 @@
           <p:cNvPr id="38" name="TextBox 37">
             <a:extLst>
               <a:ext uri="{FF2B5EF4-FFF2-40B4-BE49-F238E27FC236}">
-                <a16:creationId xmlns:a16="http://schemas.microsoft.com/office/drawing/2014/main" xmlns="" id="{A2AD056B-97A4-5BCC-4460-250160F3E171}"/>
+                <a16:creationId xmlns:a16="http://schemas.microsoft.com/office/drawing/2014/main" id="{A2AD056B-97A4-5BCC-4460-250160F3E171}"/>
               </a:ext>
             </a:extLst>
           </p:cNvPr>
@@ -4409,7 +4409,7 @@
           <p:cNvPr id="39" name="TextBox 38">
             <a:extLst>
               <a:ext uri="{FF2B5EF4-FFF2-40B4-BE49-F238E27FC236}">
-                <a16:creationId xmlns:a16="http://schemas.microsoft.com/office/drawing/2014/main" xmlns="" id="{52176D31-35F7-8916-46FA-6095EFEC1E49}"/>
+                <a16:creationId xmlns:a16="http://schemas.microsoft.com/office/drawing/2014/main" id="{52176D31-35F7-8916-46FA-6095EFEC1E49}"/>
               </a:ext>
             </a:extLst>
           </p:cNvPr>
@@ -4453,7 +4453,7 @@
           <p:cNvPr id="37" name="표 2">
             <a:extLst>
               <a:ext uri="{FF2B5EF4-FFF2-40B4-BE49-F238E27FC236}">
-                <a16:creationId xmlns:a16="http://schemas.microsoft.com/office/drawing/2014/main" xmlns="" id="{D2CC6F32-611A-E22D-EB8C-52D626A5B319}"/>
+                <a16:creationId xmlns:a16="http://schemas.microsoft.com/office/drawing/2014/main" id="{D2CC6F32-611A-E22D-EB8C-52D626A5B319}"/>
               </a:ext>
             </a:extLst>
           </p:cNvPr>
@@ -4482,21 +4482,21 @@
                 <a:gridCol w="1731833">
                   <a:extLst>
                     <a:ext uri="{9D8B030D-6E8A-4147-A177-3AD203B41FA5}">
-                      <a16:colId xmlns:a16="http://schemas.microsoft.com/office/drawing/2014/main" xmlns="" val="1960770391"/>
+                      <a16:colId xmlns:a16="http://schemas.microsoft.com/office/drawing/2014/main" val="1960770391"/>
                     </a:ext>
                   </a:extLst>
                 </a:gridCol>
                 <a:gridCol w="1752960">
                   <a:extLst>
                     <a:ext uri="{9D8B030D-6E8A-4147-A177-3AD203B41FA5}">
-                      <a16:colId xmlns:a16="http://schemas.microsoft.com/office/drawing/2014/main" xmlns="" val="733308553"/>
+                      <a16:colId xmlns:a16="http://schemas.microsoft.com/office/drawing/2014/main" val="733308553"/>
                     </a:ext>
                   </a:extLst>
                 </a:gridCol>
                 <a:gridCol w="2730951">
                   <a:extLst>
                     <a:ext uri="{9D8B030D-6E8A-4147-A177-3AD203B41FA5}">
-                      <a16:colId xmlns:a16="http://schemas.microsoft.com/office/drawing/2014/main" xmlns="" val="1661322813"/>
+                      <a16:colId xmlns:a16="http://schemas.microsoft.com/office/drawing/2014/main" val="1661322813"/>
                     </a:ext>
                   </a:extLst>
                 </a:gridCol>
@@ -4684,7 +4684,7 @@
                 </a:tc>
                 <a:extLst>
                   <a:ext uri="{0D108BD9-81ED-4DB2-BD59-A6C34878D82A}">
-                    <a16:rowId xmlns:a16="http://schemas.microsoft.com/office/drawing/2014/main" xmlns="" val="2452905565"/>
+                    <a16:rowId xmlns:a16="http://schemas.microsoft.com/office/drawing/2014/main" val="2452905565"/>
                   </a:ext>
                 </a:extLst>
               </a:tr>
@@ -4888,7 +4888,7 @@
                 </a:tc>
                 <a:extLst>
                   <a:ext uri="{0D108BD9-81ED-4DB2-BD59-A6C34878D82A}">
-                    <a16:rowId xmlns:a16="http://schemas.microsoft.com/office/drawing/2014/main" xmlns="" val="3551452526"/>
+                    <a16:rowId xmlns:a16="http://schemas.microsoft.com/office/drawing/2014/main" val="3551452526"/>
                   </a:ext>
                 </a:extLst>
               </a:tr>
@@ -5063,7 +5063,7 @@
                 </a:tc>
                 <a:extLst>
                   <a:ext uri="{0D108BD9-81ED-4DB2-BD59-A6C34878D82A}">
-                    <a16:rowId xmlns:a16="http://schemas.microsoft.com/office/drawing/2014/main" xmlns="" val="3645064171"/>
+                    <a16:rowId xmlns:a16="http://schemas.microsoft.com/office/drawing/2014/main" val="3645064171"/>
                   </a:ext>
                 </a:extLst>
               </a:tr>
@@ -5238,7 +5238,7 @@
                 </a:tc>
                 <a:extLst>
                   <a:ext uri="{0D108BD9-81ED-4DB2-BD59-A6C34878D82A}">
-                    <a16:rowId xmlns:a16="http://schemas.microsoft.com/office/drawing/2014/main" xmlns="" val="2802120283"/>
+                    <a16:rowId xmlns:a16="http://schemas.microsoft.com/office/drawing/2014/main" val="2802120283"/>
                   </a:ext>
                 </a:extLst>
               </a:tr>
@@ -5407,7 +5407,7 @@
                 </a:tc>
                 <a:extLst>
                   <a:ext uri="{0D108BD9-81ED-4DB2-BD59-A6C34878D82A}">
-                    <a16:rowId xmlns:a16="http://schemas.microsoft.com/office/drawing/2014/main" xmlns="" val="1362299918"/>
+                    <a16:rowId xmlns:a16="http://schemas.microsoft.com/office/drawing/2014/main" val="1362299918"/>
                   </a:ext>
                 </a:extLst>
               </a:tr>
@@ -5643,7 +5643,7 @@
                 </a:tc>
                 <a:extLst>
                   <a:ext uri="{0D108BD9-81ED-4DB2-BD59-A6C34878D82A}">
-                    <a16:rowId xmlns:a16="http://schemas.microsoft.com/office/drawing/2014/main" xmlns="" val="2488866604"/>
+                    <a16:rowId xmlns:a16="http://schemas.microsoft.com/office/drawing/2014/main" val="2488866604"/>
                   </a:ext>
                 </a:extLst>
               </a:tr>
@@ -5866,7 +5866,7 @@
                 </a:tc>
                 <a:extLst>
                   <a:ext uri="{0D108BD9-81ED-4DB2-BD59-A6C34878D82A}">
-                    <a16:rowId xmlns:a16="http://schemas.microsoft.com/office/drawing/2014/main" xmlns="" val="2632365449"/>
+                    <a16:rowId xmlns:a16="http://schemas.microsoft.com/office/drawing/2014/main" val="2632365449"/>
                   </a:ext>
                 </a:extLst>
               </a:tr>
@@ -6022,14 +6022,14 @@
                 <a:gridCol w="2688700">
                   <a:extLst>
                     <a:ext uri="{9D8B030D-6E8A-4147-A177-3AD203B41FA5}">
-                      <a16:colId xmlns:a16="http://schemas.microsoft.com/office/drawing/2014/main" xmlns="" val="20000"/>
+                      <a16:colId xmlns:a16="http://schemas.microsoft.com/office/drawing/2014/main" val="20000"/>
                     </a:ext>
                   </a:extLst>
                 </a:gridCol>
                 <a:gridCol w="2721500">
                   <a:extLst>
                     <a:ext uri="{9D8B030D-6E8A-4147-A177-3AD203B41FA5}">
-                      <a16:colId xmlns:a16="http://schemas.microsoft.com/office/drawing/2014/main" xmlns="" val="20001"/>
+                      <a16:colId xmlns:a16="http://schemas.microsoft.com/office/drawing/2014/main" val="20001"/>
                     </a:ext>
                   </a:extLst>
                 </a:gridCol>
@@ -6167,7 +6167,7 @@
                 </a:tc>
                 <a:extLst>
                   <a:ext uri="{0D108BD9-81ED-4DB2-BD59-A6C34878D82A}">
-                    <a16:rowId xmlns:a16="http://schemas.microsoft.com/office/drawing/2014/main" xmlns="" val="10000"/>
+                    <a16:rowId xmlns:a16="http://schemas.microsoft.com/office/drawing/2014/main" val="10000"/>
                   </a:ext>
                 </a:extLst>
               </a:tr>
@@ -6292,7 +6292,7 @@
                 </a:tc>
                 <a:extLst>
                   <a:ext uri="{0D108BD9-81ED-4DB2-BD59-A6C34878D82A}">
-                    <a16:rowId xmlns:a16="http://schemas.microsoft.com/office/drawing/2014/main" xmlns="" val="10001"/>
+                    <a16:rowId xmlns:a16="http://schemas.microsoft.com/office/drawing/2014/main" val="10001"/>
                   </a:ext>
                 </a:extLst>
               </a:tr>
@@ -6417,7 +6417,7 @@
                 </a:tc>
                 <a:extLst>
                   <a:ext uri="{0D108BD9-81ED-4DB2-BD59-A6C34878D82A}">
-                    <a16:rowId xmlns:a16="http://schemas.microsoft.com/office/drawing/2014/main" xmlns="" val="10002"/>
+                    <a16:rowId xmlns:a16="http://schemas.microsoft.com/office/drawing/2014/main" val="10002"/>
                   </a:ext>
                 </a:extLst>
               </a:tr>
@@ -6526,7 +6526,7 @@
                 </a:tc>
                 <a:extLst>
                   <a:ext uri="{0D108BD9-81ED-4DB2-BD59-A6C34878D82A}">
-                    <a16:rowId xmlns:a16="http://schemas.microsoft.com/office/drawing/2014/main" xmlns="" val="10003"/>
+                    <a16:rowId xmlns:a16="http://schemas.microsoft.com/office/drawing/2014/main" val="10003"/>
                   </a:ext>
                 </a:extLst>
               </a:tr>
@@ -6635,7 +6635,7 @@
                 </a:tc>
                 <a:extLst>
                   <a:ext uri="{0D108BD9-81ED-4DB2-BD59-A6C34878D82A}">
-                    <a16:rowId xmlns:a16="http://schemas.microsoft.com/office/drawing/2014/main" xmlns="" val="10004"/>
+                    <a16:rowId xmlns:a16="http://schemas.microsoft.com/office/drawing/2014/main" val="10004"/>
                   </a:ext>
                 </a:extLst>
               </a:tr>
@@ -6744,7 +6744,7 @@
                 </a:tc>
                 <a:extLst>
                   <a:ext uri="{0D108BD9-81ED-4DB2-BD59-A6C34878D82A}">
-                    <a16:rowId xmlns:a16="http://schemas.microsoft.com/office/drawing/2014/main" xmlns="" val="10005"/>
+                    <a16:rowId xmlns:a16="http://schemas.microsoft.com/office/drawing/2014/main" val="10005"/>
                   </a:ext>
                 </a:extLst>
               </a:tr>
@@ -6853,7 +6853,7 @@
                 </a:tc>
                 <a:extLst>
                   <a:ext uri="{0D108BD9-81ED-4DB2-BD59-A6C34878D82A}">
-                    <a16:rowId xmlns:a16="http://schemas.microsoft.com/office/drawing/2014/main" xmlns="" val="10006"/>
+                    <a16:rowId xmlns:a16="http://schemas.microsoft.com/office/drawing/2014/main" val="10006"/>
                   </a:ext>
                 </a:extLst>
               </a:tr>
@@ -6962,7 +6962,7 @@
                 </a:tc>
                 <a:extLst>
                   <a:ext uri="{0D108BD9-81ED-4DB2-BD59-A6C34878D82A}">
-                    <a16:rowId xmlns:a16="http://schemas.microsoft.com/office/drawing/2014/main" xmlns="" val="10007"/>
+                    <a16:rowId xmlns:a16="http://schemas.microsoft.com/office/drawing/2014/main" val="10007"/>
                   </a:ext>
                 </a:extLst>
               </a:tr>
@@ -7071,7 +7071,7 @@
                 </a:tc>
                 <a:extLst>
                   <a:ext uri="{0D108BD9-81ED-4DB2-BD59-A6C34878D82A}">
-                    <a16:rowId xmlns:a16="http://schemas.microsoft.com/office/drawing/2014/main" xmlns="" val="10008"/>
+                    <a16:rowId xmlns:a16="http://schemas.microsoft.com/office/drawing/2014/main" val="10008"/>
                   </a:ext>
                 </a:extLst>
               </a:tr>
@@ -7196,7 +7196,7 @@
                 </a:tc>
                 <a:extLst>
                   <a:ext uri="{0D108BD9-81ED-4DB2-BD59-A6C34878D82A}">
-                    <a16:rowId xmlns:a16="http://schemas.microsoft.com/office/drawing/2014/main" xmlns="" val="10009"/>
+                    <a16:rowId xmlns:a16="http://schemas.microsoft.com/office/drawing/2014/main" val="10009"/>
                   </a:ext>
                 </a:extLst>
               </a:tr>
@@ -7305,7 +7305,7 @@
                 </a:tc>
                 <a:extLst>
                   <a:ext uri="{0D108BD9-81ED-4DB2-BD59-A6C34878D82A}">
-                    <a16:rowId xmlns:a16="http://schemas.microsoft.com/office/drawing/2014/main" xmlns="" val="10010"/>
+                    <a16:rowId xmlns:a16="http://schemas.microsoft.com/office/drawing/2014/main" val="10010"/>
                   </a:ext>
                 </a:extLst>
               </a:tr>
@@ -7318,7 +7318,7 @@
           <p:cNvPr id="42" name="TextBox 41">
             <a:extLst>
               <a:ext uri="{FF2B5EF4-FFF2-40B4-BE49-F238E27FC236}">
-                <a16:creationId xmlns:a16="http://schemas.microsoft.com/office/drawing/2014/main" xmlns="" id="{DF7DDD33-9412-2802-339A-E55446AC2DA7}"/>
+                <a16:creationId xmlns:a16="http://schemas.microsoft.com/office/drawing/2014/main" id="{DF7DDD33-9412-2802-339A-E55446AC2DA7}"/>
               </a:ext>
             </a:extLst>
           </p:cNvPr>
@@ -7376,7 +7376,7 @@
           <p:cNvPr id="47" name="TextBox 46">
             <a:extLst>
               <a:ext uri="{FF2B5EF4-FFF2-40B4-BE49-F238E27FC236}">
-                <a16:creationId xmlns:a16="http://schemas.microsoft.com/office/drawing/2014/main" xmlns="" id="{DF7DDD33-9412-2802-339A-E55446AC2DA7}"/>
+                <a16:creationId xmlns:a16="http://schemas.microsoft.com/office/drawing/2014/main" id="{DF7DDD33-9412-2802-339A-E55446AC2DA7}"/>
               </a:ext>
             </a:extLst>
           </p:cNvPr>
@@ -7424,7 +7424,7 @@
           <p:cNvPr id="48" name="TextBox 47">
             <a:extLst>
               <a:ext uri="{FF2B5EF4-FFF2-40B4-BE49-F238E27FC236}">
-                <a16:creationId xmlns:a16="http://schemas.microsoft.com/office/drawing/2014/main" xmlns="" id="{DF7DDD33-9412-2802-339A-E55446AC2DA7}"/>
+                <a16:creationId xmlns:a16="http://schemas.microsoft.com/office/drawing/2014/main" id="{DF7DDD33-9412-2802-339A-E55446AC2DA7}"/>
               </a:ext>
             </a:extLst>
           </p:cNvPr>
@@ -7472,7 +7472,7 @@
           <p:cNvPr id="49" name="TextBox 48">
             <a:extLst>
               <a:ext uri="{FF2B5EF4-FFF2-40B4-BE49-F238E27FC236}">
-                <a16:creationId xmlns:a16="http://schemas.microsoft.com/office/drawing/2014/main" xmlns="" id="{DF7DDD33-9412-2802-339A-E55446AC2DA7}"/>
+                <a16:creationId xmlns:a16="http://schemas.microsoft.com/office/drawing/2014/main" id="{DF7DDD33-9412-2802-339A-E55446AC2DA7}"/>
               </a:ext>
             </a:extLst>
           </p:cNvPr>
@@ -7530,7 +7530,7 @@
           <p:cNvPr id="50" name="TextBox 49">
             <a:extLst>
               <a:ext uri="{FF2B5EF4-FFF2-40B4-BE49-F238E27FC236}">
-                <a16:creationId xmlns:a16="http://schemas.microsoft.com/office/drawing/2014/main" xmlns="" id="{DF7DDD33-9412-2802-339A-E55446AC2DA7}"/>
+                <a16:creationId xmlns:a16="http://schemas.microsoft.com/office/drawing/2014/main" id="{DF7DDD33-9412-2802-339A-E55446AC2DA7}"/>
               </a:ext>
             </a:extLst>
           </p:cNvPr>
@@ -7578,7 +7578,7 @@
           <p:cNvPr id="51" name="TextBox 50">
             <a:extLst>
               <a:ext uri="{FF2B5EF4-FFF2-40B4-BE49-F238E27FC236}">
-                <a16:creationId xmlns:a16="http://schemas.microsoft.com/office/drawing/2014/main" xmlns="" id="{DF7DDD33-9412-2802-339A-E55446AC2DA7}"/>
+                <a16:creationId xmlns:a16="http://schemas.microsoft.com/office/drawing/2014/main" id="{DF7DDD33-9412-2802-339A-E55446AC2DA7}"/>
               </a:ext>
             </a:extLst>
           </p:cNvPr>
@@ -7636,7 +7636,7 @@
           <p:cNvPr id="52" name="TextBox 51">
             <a:extLst>
               <a:ext uri="{FF2B5EF4-FFF2-40B4-BE49-F238E27FC236}">
-                <a16:creationId xmlns:a16="http://schemas.microsoft.com/office/drawing/2014/main" xmlns="" id="{DF7DDD33-9412-2802-339A-E55446AC2DA7}"/>
+                <a16:creationId xmlns:a16="http://schemas.microsoft.com/office/drawing/2014/main" id="{DF7DDD33-9412-2802-339A-E55446AC2DA7}"/>
               </a:ext>
             </a:extLst>
           </p:cNvPr>
@@ -7684,7 +7684,7 @@
           <p:cNvPr id="53" name="TextBox 52">
             <a:extLst>
               <a:ext uri="{FF2B5EF4-FFF2-40B4-BE49-F238E27FC236}">
-                <a16:creationId xmlns:a16="http://schemas.microsoft.com/office/drawing/2014/main" xmlns="" id="{DF7DDD33-9412-2802-339A-E55446AC2DA7}"/>
+                <a16:creationId xmlns:a16="http://schemas.microsoft.com/office/drawing/2014/main" id="{DF7DDD33-9412-2802-339A-E55446AC2DA7}"/>
               </a:ext>
             </a:extLst>
           </p:cNvPr>
@@ -7742,7 +7742,7 @@
           <p:cNvPr id="54" name="TextBox 53">
             <a:extLst>
               <a:ext uri="{FF2B5EF4-FFF2-40B4-BE49-F238E27FC236}">
-                <a16:creationId xmlns:a16="http://schemas.microsoft.com/office/drawing/2014/main" xmlns="" id="{DF7DDD33-9412-2802-339A-E55446AC2DA7}"/>
+                <a16:creationId xmlns:a16="http://schemas.microsoft.com/office/drawing/2014/main" id="{DF7DDD33-9412-2802-339A-E55446AC2DA7}"/>
               </a:ext>
             </a:extLst>
           </p:cNvPr>
@@ -7790,7 +7790,7 @@
           <p:cNvPr id="55" name="TextBox 54">
             <a:extLst>
               <a:ext uri="{FF2B5EF4-FFF2-40B4-BE49-F238E27FC236}">
-                <a16:creationId xmlns:a16="http://schemas.microsoft.com/office/drawing/2014/main" xmlns="" id="{DF7DDD33-9412-2802-339A-E55446AC2DA7}"/>
+                <a16:creationId xmlns:a16="http://schemas.microsoft.com/office/drawing/2014/main" id="{DF7DDD33-9412-2802-339A-E55446AC2DA7}"/>
               </a:ext>
             </a:extLst>
           </p:cNvPr>
@@ -7862,7 +7862,7 @@
             <p:cNvPr id="57" name="직선 연결선 56">
               <a:extLst>
                 <a:ext uri="{FF2B5EF4-FFF2-40B4-BE49-F238E27FC236}">
-                  <a16:creationId xmlns:a16="http://schemas.microsoft.com/office/drawing/2014/main" xmlns="" id="{1172879B-889D-0C2F-EEA8-003E6793F36F}"/>
+                  <a16:creationId xmlns:a16="http://schemas.microsoft.com/office/drawing/2014/main" id="{1172879B-889D-0C2F-EEA8-003E6793F36F}"/>
                 </a:ext>
               </a:extLst>
             </p:cNvPr>
@@ -7905,7 +7905,7 @@
             <p:cNvPr id="58" name="직선 연결선 57">
               <a:extLst>
                 <a:ext uri="{FF2B5EF4-FFF2-40B4-BE49-F238E27FC236}">
-                  <a16:creationId xmlns:a16="http://schemas.microsoft.com/office/drawing/2014/main" xmlns="" id="{1172879B-889D-0C2F-EEA8-003E6793F36F}"/>
+                  <a16:creationId xmlns:a16="http://schemas.microsoft.com/office/drawing/2014/main" id="{1172879B-889D-0C2F-EEA8-003E6793F36F}"/>
                 </a:ext>
               </a:extLst>
             </p:cNvPr>
@@ -7948,7 +7948,7 @@
             <p:cNvPr id="59" name="직선 연결선 58">
               <a:extLst>
                 <a:ext uri="{FF2B5EF4-FFF2-40B4-BE49-F238E27FC236}">
-                  <a16:creationId xmlns:a16="http://schemas.microsoft.com/office/drawing/2014/main" xmlns="" id="{1172879B-889D-0C2F-EEA8-003E6793F36F}"/>
+                  <a16:creationId xmlns:a16="http://schemas.microsoft.com/office/drawing/2014/main" id="{1172879B-889D-0C2F-EEA8-003E6793F36F}"/>
                 </a:ext>
               </a:extLst>
             </p:cNvPr>
@@ -7991,7 +7991,7 @@
             <p:cNvPr id="60" name="직선 연결선 59">
               <a:extLst>
                 <a:ext uri="{FF2B5EF4-FFF2-40B4-BE49-F238E27FC236}">
-                  <a16:creationId xmlns:a16="http://schemas.microsoft.com/office/drawing/2014/main" xmlns="" id="{1172879B-889D-0C2F-EEA8-003E6793F36F}"/>
+                  <a16:creationId xmlns:a16="http://schemas.microsoft.com/office/drawing/2014/main" id="{1172879B-889D-0C2F-EEA8-003E6793F36F}"/>
                 </a:ext>
               </a:extLst>
             </p:cNvPr>
@@ -8035,7 +8035,7 @@
           <p:cNvPr id="61" name="직선 연결선 60">
             <a:extLst>
               <a:ext uri="{FF2B5EF4-FFF2-40B4-BE49-F238E27FC236}">
-                <a16:creationId xmlns:a16="http://schemas.microsoft.com/office/drawing/2014/main" xmlns="" id="{466D5656-813B-296D-F08F-2E57C8EBA1E1}"/>
+                <a16:creationId xmlns:a16="http://schemas.microsoft.com/office/drawing/2014/main" id="{466D5656-813B-296D-F08F-2E57C8EBA1E1}"/>
               </a:ext>
             </a:extLst>
           </p:cNvPr>
@@ -8119,7 +8119,7 @@
           <p:cNvPr id="2" name="TextBox 1">
             <a:extLst>
               <a:ext uri="{FF2B5EF4-FFF2-40B4-BE49-F238E27FC236}">
-                <a16:creationId xmlns:a16="http://schemas.microsoft.com/office/drawing/2014/main" xmlns="" id="{A92A45D9-B960-EF50-398E-26A3F43BF41A}"/>
+                <a16:creationId xmlns:a16="http://schemas.microsoft.com/office/drawing/2014/main" id="{A92A45D9-B960-EF50-398E-26A3F43BF41A}"/>
               </a:ext>
             </a:extLst>
           </p:cNvPr>
@@ -16147,7 +16147,7 @@
           <p:cNvPr id="4" name="그룹 1018">
             <a:extLst>
               <a:ext uri="{FF2B5EF4-FFF2-40B4-BE49-F238E27FC236}">
-                <a16:creationId xmlns:a16="http://schemas.microsoft.com/office/drawing/2014/main" xmlns="" id="{0C5247D1-E285-7CDC-25F8-F1ABCDE304BE}"/>
+                <a16:creationId xmlns:a16="http://schemas.microsoft.com/office/drawing/2014/main" id="{0C5247D1-E285-7CDC-25F8-F1ABCDE304BE}"/>
               </a:ext>
             </a:extLst>
           </p:cNvPr>
@@ -16167,7 +16167,7 @@
             <p:cNvPr id="5" name="Object 61">
               <a:extLst>
                 <a:ext uri="{FF2B5EF4-FFF2-40B4-BE49-F238E27FC236}">
-                  <a16:creationId xmlns:a16="http://schemas.microsoft.com/office/drawing/2014/main" xmlns="" id="{29C480AF-46D1-D9A5-6C87-226E5620D948}"/>
+                  <a16:creationId xmlns:a16="http://schemas.microsoft.com/office/drawing/2014/main" id="{29C480AF-46D1-D9A5-6C87-226E5620D948}"/>
                 </a:ext>
               </a:extLst>
             </p:cNvPr>
@@ -16198,7 +16198,7 @@
           <p:cNvPr id="6" name="그룹 1018">
             <a:extLst>
               <a:ext uri="{FF2B5EF4-FFF2-40B4-BE49-F238E27FC236}">
-                <a16:creationId xmlns:a16="http://schemas.microsoft.com/office/drawing/2014/main" xmlns="" id="{F53BC57C-78A5-6AFC-CB34-7E3FD29B339F}"/>
+                <a16:creationId xmlns:a16="http://schemas.microsoft.com/office/drawing/2014/main" id="{F53BC57C-78A5-6AFC-CB34-7E3FD29B339F}"/>
               </a:ext>
             </a:extLst>
           </p:cNvPr>
@@ -16218,7 +16218,7 @@
             <p:cNvPr id="7" name="Object 61">
               <a:extLst>
                 <a:ext uri="{FF2B5EF4-FFF2-40B4-BE49-F238E27FC236}">
-                  <a16:creationId xmlns:a16="http://schemas.microsoft.com/office/drawing/2014/main" xmlns="" id="{E6F73685-14E5-06A9-813C-1C372BD6F4DE}"/>
+                  <a16:creationId xmlns:a16="http://schemas.microsoft.com/office/drawing/2014/main" id="{E6F73685-14E5-06A9-813C-1C372BD6F4DE}"/>
                 </a:ext>
               </a:extLst>
             </p:cNvPr>
@@ -16249,7 +16249,7 @@
           <p:cNvPr id="11" name="직선 연결선 10">
             <a:extLst>
               <a:ext uri="{FF2B5EF4-FFF2-40B4-BE49-F238E27FC236}">
-                <a16:creationId xmlns:a16="http://schemas.microsoft.com/office/drawing/2014/main" xmlns="" id="{466D5656-813B-296D-F08F-2E57C8EBA1E1}"/>
+                <a16:creationId xmlns:a16="http://schemas.microsoft.com/office/drawing/2014/main" id="{466D5656-813B-296D-F08F-2E57C8EBA1E1}"/>
               </a:ext>
             </a:extLst>
           </p:cNvPr>
@@ -16292,7 +16292,7 @@
           <p:cNvPr id="13" name="그룹 1018">
             <a:extLst>
               <a:ext uri="{FF2B5EF4-FFF2-40B4-BE49-F238E27FC236}">
-                <a16:creationId xmlns:a16="http://schemas.microsoft.com/office/drawing/2014/main" xmlns="" id="{6422EA0E-12C8-4264-ABC7-17F8CE933867}"/>
+                <a16:creationId xmlns:a16="http://schemas.microsoft.com/office/drawing/2014/main" id="{6422EA0E-12C8-4264-ABC7-17F8CE933867}"/>
               </a:ext>
             </a:extLst>
           </p:cNvPr>
@@ -16312,7 +16312,7 @@
             <p:cNvPr id="14" name="Object 61">
               <a:extLst>
                 <a:ext uri="{FF2B5EF4-FFF2-40B4-BE49-F238E27FC236}">
-                  <a16:creationId xmlns:a16="http://schemas.microsoft.com/office/drawing/2014/main" xmlns="" id="{B8EE3D0F-6DDF-413D-3D54-0B0C4905D65D}"/>
+                  <a16:creationId xmlns:a16="http://schemas.microsoft.com/office/drawing/2014/main" id="{B8EE3D0F-6DDF-413D-3D54-0B0C4905D65D}"/>
                 </a:ext>
               </a:extLst>
             </p:cNvPr>
@@ -16343,7 +16343,7 @@
           <p:cNvPr id="15" name="그룹 1018">
             <a:extLst>
               <a:ext uri="{FF2B5EF4-FFF2-40B4-BE49-F238E27FC236}">
-                <a16:creationId xmlns:a16="http://schemas.microsoft.com/office/drawing/2014/main" xmlns="" id="{11F8DF7C-F95F-B0B5-FC7F-85E369D002C6}"/>
+                <a16:creationId xmlns:a16="http://schemas.microsoft.com/office/drawing/2014/main" id="{11F8DF7C-F95F-B0B5-FC7F-85E369D002C6}"/>
               </a:ext>
             </a:extLst>
           </p:cNvPr>
@@ -16363,7 +16363,7 @@
             <p:cNvPr id="16" name="Object 61">
               <a:extLst>
                 <a:ext uri="{FF2B5EF4-FFF2-40B4-BE49-F238E27FC236}">
-                  <a16:creationId xmlns:a16="http://schemas.microsoft.com/office/drawing/2014/main" xmlns="" id="{B8B15D9F-D5FD-93DD-D076-037E1D6FFEC7}"/>
+                  <a16:creationId xmlns:a16="http://schemas.microsoft.com/office/drawing/2014/main" id="{B8B15D9F-D5FD-93DD-D076-037E1D6FFEC7}"/>
                 </a:ext>
               </a:extLst>
             </p:cNvPr>
@@ -16394,7 +16394,7 @@
           <p:cNvPr id="17" name="직선 연결선 16">
             <a:extLst>
               <a:ext uri="{FF2B5EF4-FFF2-40B4-BE49-F238E27FC236}">
-                <a16:creationId xmlns:a16="http://schemas.microsoft.com/office/drawing/2014/main" xmlns="" id="{450E9148-0C3A-3B85-23E5-E1D1C0997659}"/>
+                <a16:creationId xmlns:a16="http://schemas.microsoft.com/office/drawing/2014/main" id="{450E9148-0C3A-3B85-23E5-E1D1C0997659}"/>
               </a:ext>
             </a:extLst>
           </p:cNvPr>
@@ -16438,7 +16438,7 @@
           <p:cNvPr id="20" name="TextBox 19">
             <a:extLst>
               <a:ext uri="{FF2B5EF4-FFF2-40B4-BE49-F238E27FC236}">
-                <a16:creationId xmlns:a16="http://schemas.microsoft.com/office/drawing/2014/main" xmlns="" id="{A06D4055-10A8-4A24-5EDC-0761473BA40F}"/>
+                <a16:creationId xmlns:a16="http://schemas.microsoft.com/office/drawing/2014/main" id="{A06D4055-10A8-4A24-5EDC-0761473BA40F}"/>
               </a:ext>
             </a:extLst>
           </p:cNvPr>
@@ -16482,7 +16482,7 @@
           <p:cNvPr id="21" name="TextBox 20">
             <a:extLst>
               <a:ext uri="{FF2B5EF4-FFF2-40B4-BE49-F238E27FC236}">
-                <a16:creationId xmlns:a16="http://schemas.microsoft.com/office/drawing/2014/main" xmlns="" id="{044C5ACF-17B6-5920-7904-E16248F54A6A}"/>
+                <a16:creationId xmlns:a16="http://schemas.microsoft.com/office/drawing/2014/main" id="{044C5ACF-17B6-5920-7904-E16248F54A6A}"/>
               </a:ext>
             </a:extLst>
           </p:cNvPr>
@@ -16526,7 +16526,7 @@
           <p:cNvPr id="22" name="TextBox 21">
             <a:extLst>
               <a:ext uri="{FF2B5EF4-FFF2-40B4-BE49-F238E27FC236}">
-                <a16:creationId xmlns:a16="http://schemas.microsoft.com/office/drawing/2014/main" xmlns="" id="{A7091AF6-2AB0-08A8-8A31-E96D2EBC6A65}"/>
+                <a16:creationId xmlns:a16="http://schemas.microsoft.com/office/drawing/2014/main" id="{A7091AF6-2AB0-08A8-8A31-E96D2EBC6A65}"/>
               </a:ext>
             </a:extLst>
           </p:cNvPr>
@@ -16570,7 +16570,7 @@
           <p:cNvPr id="23" name="TextBox 22">
             <a:extLst>
               <a:ext uri="{FF2B5EF4-FFF2-40B4-BE49-F238E27FC236}">
-                <a16:creationId xmlns:a16="http://schemas.microsoft.com/office/drawing/2014/main" xmlns="" id="{101E227B-A9BD-20A0-66DD-A013FA376D02}"/>
+                <a16:creationId xmlns:a16="http://schemas.microsoft.com/office/drawing/2014/main" id="{101E227B-A9BD-20A0-66DD-A013FA376D02}"/>
               </a:ext>
             </a:extLst>
           </p:cNvPr>
@@ -16628,7 +16628,7 @@
             <p:cNvPr id="9" name="직선 연결선 8">
               <a:extLst>
                 <a:ext uri="{FF2B5EF4-FFF2-40B4-BE49-F238E27FC236}">
-                  <a16:creationId xmlns:a16="http://schemas.microsoft.com/office/drawing/2014/main" xmlns="" id="{1172879B-889D-0C2F-EEA8-003E6793F36F}"/>
+                  <a16:creationId xmlns:a16="http://schemas.microsoft.com/office/drawing/2014/main" id="{1172879B-889D-0C2F-EEA8-003E6793F36F}"/>
                 </a:ext>
               </a:extLst>
             </p:cNvPr>
@@ -16671,7 +16671,7 @@
             <p:cNvPr id="24" name="직선 연결선 23">
               <a:extLst>
                 <a:ext uri="{FF2B5EF4-FFF2-40B4-BE49-F238E27FC236}">
-                  <a16:creationId xmlns:a16="http://schemas.microsoft.com/office/drawing/2014/main" xmlns="" id="{1172879B-889D-0C2F-EEA8-003E6793F36F}"/>
+                  <a16:creationId xmlns:a16="http://schemas.microsoft.com/office/drawing/2014/main" id="{1172879B-889D-0C2F-EEA8-003E6793F36F}"/>
                 </a:ext>
               </a:extLst>
             </p:cNvPr>
@@ -16714,7 +16714,7 @@
             <p:cNvPr id="25" name="직선 연결선 24">
               <a:extLst>
                 <a:ext uri="{FF2B5EF4-FFF2-40B4-BE49-F238E27FC236}">
-                  <a16:creationId xmlns:a16="http://schemas.microsoft.com/office/drawing/2014/main" xmlns="" id="{1172879B-889D-0C2F-EEA8-003E6793F36F}"/>
+                  <a16:creationId xmlns:a16="http://schemas.microsoft.com/office/drawing/2014/main" id="{1172879B-889D-0C2F-EEA8-003E6793F36F}"/>
                 </a:ext>
               </a:extLst>
             </p:cNvPr>
@@ -16757,7 +16757,7 @@
             <p:cNvPr id="30" name="직선 연결선 29">
               <a:extLst>
                 <a:ext uri="{FF2B5EF4-FFF2-40B4-BE49-F238E27FC236}">
-                  <a16:creationId xmlns:a16="http://schemas.microsoft.com/office/drawing/2014/main" xmlns="" id="{1172879B-889D-0C2F-EEA8-003E6793F36F}"/>
+                  <a16:creationId xmlns:a16="http://schemas.microsoft.com/office/drawing/2014/main" id="{1172879B-889D-0C2F-EEA8-003E6793F36F}"/>
                 </a:ext>
               </a:extLst>
             </p:cNvPr>
@@ -16801,7 +16801,7 @@
           <p:cNvPr id="2" name="TextBox 1">
             <a:extLst>
               <a:ext uri="{FF2B5EF4-FFF2-40B4-BE49-F238E27FC236}">
-                <a16:creationId xmlns:a16="http://schemas.microsoft.com/office/drawing/2014/main" xmlns="" id="{06954172-7EF0-CE8C-73EC-25E928EC1B7D}"/>
+                <a16:creationId xmlns:a16="http://schemas.microsoft.com/office/drawing/2014/main" id="{06954172-7EF0-CE8C-73EC-25E928EC1B7D}"/>
               </a:ext>
             </a:extLst>
           </p:cNvPr>
@@ -16849,7 +16849,7 @@
           <p:cNvPr id="3" name="직사각형 2">
             <a:extLst>
               <a:ext uri="{FF2B5EF4-FFF2-40B4-BE49-F238E27FC236}">
-                <a16:creationId xmlns:a16="http://schemas.microsoft.com/office/drawing/2014/main" xmlns="" id="{29F1D9FA-D3AF-5E6D-24AC-E65D22A0D7A0}"/>
+                <a16:creationId xmlns:a16="http://schemas.microsoft.com/office/drawing/2014/main" id="{29F1D9FA-D3AF-5E6D-24AC-E65D22A0D7A0}"/>
               </a:ext>
             </a:extLst>
           </p:cNvPr>
@@ -16901,7 +16901,7 @@
           <p:cNvPr id="8" name="TextBox 7">
             <a:extLst>
               <a:ext uri="{FF2B5EF4-FFF2-40B4-BE49-F238E27FC236}">
-                <a16:creationId xmlns:a16="http://schemas.microsoft.com/office/drawing/2014/main" xmlns="" id="{3CDC1150-AB9C-B8B4-624C-8B864CBAC5DD}"/>
+                <a16:creationId xmlns:a16="http://schemas.microsoft.com/office/drawing/2014/main" id="{3CDC1150-AB9C-B8B4-624C-8B864CBAC5DD}"/>
               </a:ext>
             </a:extLst>
           </p:cNvPr>
@@ -17275,7 +17275,7 @@
           <p:cNvPr id="10" name="직사각형 9">
             <a:extLst>
               <a:ext uri="{FF2B5EF4-FFF2-40B4-BE49-F238E27FC236}">
-                <a16:creationId xmlns:a16="http://schemas.microsoft.com/office/drawing/2014/main" xmlns="" id="{361FA442-8171-4EBF-65A2-19C90654959D}"/>
+                <a16:creationId xmlns:a16="http://schemas.microsoft.com/office/drawing/2014/main" id="{361FA442-8171-4EBF-65A2-19C90654959D}"/>
               </a:ext>
             </a:extLst>
           </p:cNvPr>
@@ -17327,7 +17327,7 @@
           <p:cNvPr id="12" name="TextBox 11">
             <a:extLst>
               <a:ext uri="{FF2B5EF4-FFF2-40B4-BE49-F238E27FC236}">
-                <a16:creationId xmlns:a16="http://schemas.microsoft.com/office/drawing/2014/main" xmlns="" id="{909B8AE9-459C-C458-C52F-C85F69813361}"/>
+                <a16:creationId xmlns:a16="http://schemas.microsoft.com/office/drawing/2014/main" id="{909B8AE9-459C-C458-C52F-C85F69813361}"/>
               </a:ext>
             </a:extLst>
           </p:cNvPr>

--- a/JavaLecture/LectureFile/샘플.pptx
+++ b/JavaLecture/LectureFile/샘플.pptx
@@ -5,32 +5,33 @@
     <p:sldMasterId id="2147483648" r:id="rId1"/>
   </p:sldMasterIdLst>
   <p:notesMasterIdLst>
-    <p:notesMasterId r:id="rId25"/>
+    <p:notesMasterId r:id="rId26"/>
   </p:notesMasterIdLst>
   <p:sldIdLst>
     <p:sldId id="276" r:id="rId2"/>
     <p:sldId id="278" r:id="rId3"/>
-    <p:sldId id="256" r:id="rId4"/>
-    <p:sldId id="257" r:id="rId5"/>
-    <p:sldId id="258" r:id="rId6"/>
-    <p:sldId id="259" r:id="rId7"/>
-    <p:sldId id="260" r:id="rId8"/>
-    <p:sldId id="261" r:id="rId9"/>
-    <p:sldId id="262" r:id="rId10"/>
-    <p:sldId id="263" r:id="rId11"/>
-    <p:sldId id="264" r:id="rId12"/>
-    <p:sldId id="265" r:id="rId13"/>
-    <p:sldId id="266" r:id="rId14"/>
-    <p:sldId id="267" r:id="rId15"/>
-    <p:sldId id="277" r:id="rId16"/>
-    <p:sldId id="268" r:id="rId17"/>
-    <p:sldId id="269" r:id="rId18"/>
-    <p:sldId id="270" r:id="rId19"/>
-    <p:sldId id="271" r:id="rId20"/>
-    <p:sldId id="272" r:id="rId21"/>
-    <p:sldId id="273" r:id="rId22"/>
-    <p:sldId id="274" r:id="rId23"/>
-    <p:sldId id="275" r:id="rId24"/>
+    <p:sldId id="279" r:id="rId4"/>
+    <p:sldId id="256" r:id="rId5"/>
+    <p:sldId id="257" r:id="rId6"/>
+    <p:sldId id="258" r:id="rId7"/>
+    <p:sldId id="259" r:id="rId8"/>
+    <p:sldId id="260" r:id="rId9"/>
+    <p:sldId id="261" r:id="rId10"/>
+    <p:sldId id="262" r:id="rId11"/>
+    <p:sldId id="263" r:id="rId12"/>
+    <p:sldId id="264" r:id="rId13"/>
+    <p:sldId id="265" r:id="rId14"/>
+    <p:sldId id="266" r:id="rId15"/>
+    <p:sldId id="267" r:id="rId16"/>
+    <p:sldId id="277" r:id="rId17"/>
+    <p:sldId id="268" r:id="rId18"/>
+    <p:sldId id="269" r:id="rId19"/>
+    <p:sldId id="270" r:id="rId20"/>
+    <p:sldId id="271" r:id="rId21"/>
+    <p:sldId id="272" r:id="rId22"/>
+    <p:sldId id="273" r:id="rId23"/>
+    <p:sldId id="274" r:id="rId24"/>
+    <p:sldId id="275" r:id="rId25"/>
   </p:sldIdLst>
   <p:sldSz cx="18288000" cy="10287000"/>
   <p:notesSz cx="10287000" cy="18288000"/>
@@ -230,7 +231,7 @@
           <a:p>
             <a:fld id="{3377703C-7B6A-4662-85EE-2E5A30469F49}" type="datetimeFigureOut">
               <a:rPr lang="ko-KR" altLang="en-US" smtClean="0"/>
-              <a:t>2023-10-21 Saturday</a:t>
+              <a:t>2023-10-27</a:t>
             </a:fld>
             <a:endParaRPr lang="ko-KR" altLang="en-US"/>
           </a:p>
@@ -760,7 +761,7 @@
           <a:p>
             <a:fld id="{F8166F1F-CE9B-4651-A6AA-CD717754106B}" type="datetimeFigureOut">
               <a:rPr lang="en-US" smtClean="0"/>
-              <a:t>10/21/2023</a:t>
+              <a:t>10/27/2023</a:t>
             </a:fld>
             <a:endParaRPr lang="en-US"/>
           </a:p>
@@ -923,7 +924,7 @@
           <a:p>
             <a:fld id="{A76116CE-C4A3-4A05-B2D7-7C2E9A889C0F}" type="datetimeFigureOut">
               <a:rPr lang="en-US" smtClean="0"/>
-              <a:t>10/21/2023</a:t>
+              <a:t>10/27/2023</a:t>
             </a:fld>
             <a:endParaRPr lang="en-US"/>
           </a:p>
@@ -1096,7 +1097,7 @@
           <a:p>
             <a:fld id="{A76116CE-C4A3-4A05-B2D7-7C2E9A889C0F}" type="datetimeFigureOut">
               <a:rPr lang="en-US" smtClean="0"/>
-              <a:t>10/21/2023</a:t>
+              <a:t>10/27/2023</a:t>
             </a:fld>
             <a:endParaRPr lang="en-US"/>
           </a:p>
@@ -1261,7 +1262,7 @@
           <a:p>
             <a:fld id="{A76116CE-C4A3-4A05-B2D7-7C2E9A889C0F}" type="datetimeFigureOut">
               <a:rPr lang="en-US" smtClean="0"/>
-              <a:t>10/21/2023</a:t>
+              <a:t>10/27/2023</a:t>
             </a:fld>
             <a:endParaRPr lang="en-US"/>
           </a:p>
@@ -1501,7 +1502,7 @@
           <a:p>
             <a:fld id="{A76116CE-C4A3-4A05-B2D7-7C2E9A889C0F}" type="datetimeFigureOut">
               <a:rPr lang="en-US" smtClean="0"/>
-              <a:t>10/21/2023</a:t>
+              <a:t>10/27/2023</a:t>
             </a:fld>
             <a:endParaRPr lang="en-US"/>
           </a:p>
@@ -1781,7 +1782,7 @@
           <a:p>
             <a:fld id="{A76116CE-C4A3-4A05-B2D7-7C2E9A889C0F}" type="datetimeFigureOut">
               <a:rPr lang="en-US" smtClean="0"/>
-              <a:t>10/21/2023</a:t>
+              <a:t>10/27/2023</a:t>
             </a:fld>
             <a:endParaRPr lang="en-US"/>
           </a:p>
@@ -2195,7 +2196,7 @@
           <a:p>
             <a:fld id="{A76116CE-C4A3-4A05-B2D7-7C2E9A889C0F}" type="datetimeFigureOut">
               <a:rPr lang="en-US" smtClean="0"/>
-              <a:t>10/21/2023</a:t>
+              <a:t>10/27/2023</a:t>
             </a:fld>
             <a:endParaRPr lang="en-US"/>
           </a:p>
@@ -2307,7 +2308,7 @@
           <a:p>
             <a:fld id="{A76116CE-C4A3-4A05-B2D7-7C2E9A889C0F}" type="datetimeFigureOut">
               <a:rPr lang="en-US" smtClean="0"/>
-              <a:t>10/21/2023</a:t>
+              <a:t>10/27/2023</a:t>
             </a:fld>
             <a:endParaRPr lang="en-US"/>
           </a:p>
@@ -2397,7 +2398,7 @@
           <a:p>
             <a:fld id="{A76116CE-C4A3-4A05-B2D7-7C2E9A889C0F}" type="datetimeFigureOut">
               <a:rPr lang="en-US" smtClean="0"/>
-              <a:t>10/21/2023</a:t>
+              <a:t>10/27/2023</a:t>
             </a:fld>
             <a:endParaRPr lang="en-US"/>
           </a:p>
@@ -2667,7 +2668,7 @@
           <a:p>
             <a:fld id="{A76116CE-C4A3-4A05-B2D7-7C2E9A889C0F}" type="datetimeFigureOut">
               <a:rPr lang="en-US" smtClean="0"/>
-              <a:t>10/21/2023</a:t>
+              <a:t>10/27/2023</a:t>
             </a:fld>
             <a:endParaRPr lang="en-US"/>
           </a:p>
@@ -2914,7 +2915,7 @@
           <a:p>
             <a:fld id="{A76116CE-C4A3-4A05-B2D7-7C2E9A889C0F}" type="datetimeFigureOut">
               <a:rPr lang="en-US" smtClean="0"/>
-              <a:t>10/21/2023</a:t>
+              <a:t>10/27/2023</a:t>
             </a:fld>
             <a:endParaRPr lang="en-US"/>
           </a:p>
@@ -3120,7 +3121,7 @@
           <a:p>
             <a:fld id="{F8166F1F-CE9B-4651-A6AA-CD717754106B}" type="datetimeFigureOut">
               <a:rPr lang="en-US" smtClean="0"/>
-              <a:t>10/21/2023</a:t>
+              <a:t>10/27/2023</a:t>
             </a:fld>
             <a:endParaRPr lang="en-US"/>
           </a:p>
@@ -3495,7 +3496,7 @@
           <p:cNvPr id="4" name="그룹 1008">
             <a:extLst>
               <a:ext uri="{FF2B5EF4-FFF2-40B4-BE49-F238E27FC236}">
-                <a16:creationId xmlns:a16="http://schemas.microsoft.com/office/drawing/2014/main" id="{54FFE8A6-6CB8-DCBA-07F7-749FA78BF4A4}"/>
+                <a16:creationId xmlns:a16="http://schemas.microsoft.com/office/drawing/2014/main" xmlns="" id="{54FFE8A6-6CB8-DCBA-07F7-749FA78BF4A4}"/>
               </a:ext>
             </a:extLst>
           </p:cNvPr>
@@ -3515,7 +3516,7 @@
             <p:cNvPr id="5" name="그룹 1009">
               <a:extLst>
                 <a:ext uri="{FF2B5EF4-FFF2-40B4-BE49-F238E27FC236}">
-                  <a16:creationId xmlns:a16="http://schemas.microsoft.com/office/drawing/2014/main" id="{AFC4D322-4969-89C3-C972-D8E8E418CA73}"/>
+                  <a16:creationId xmlns:a16="http://schemas.microsoft.com/office/drawing/2014/main" xmlns="" id="{AFC4D322-4969-89C3-C972-D8E8E418CA73}"/>
                 </a:ext>
               </a:extLst>
             </p:cNvPr>
@@ -3535,7 +3536,7 @@
               <p:cNvPr id="10" name="Object 29">
                 <a:extLst>
                   <a:ext uri="{FF2B5EF4-FFF2-40B4-BE49-F238E27FC236}">
-                    <a16:creationId xmlns:a16="http://schemas.microsoft.com/office/drawing/2014/main" id="{696B190E-C178-4E07-7621-24C3B48A9BCF}"/>
+                    <a16:creationId xmlns:a16="http://schemas.microsoft.com/office/drawing/2014/main" xmlns="" id="{696B190E-C178-4E07-7621-24C3B48A9BCF}"/>
                   </a:ext>
                 </a:extLst>
               </p:cNvPr>
@@ -3566,7 +3567,7 @@
             <p:cNvPr id="6" name="그룹 1010">
               <a:extLst>
                 <a:ext uri="{FF2B5EF4-FFF2-40B4-BE49-F238E27FC236}">
-                  <a16:creationId xmlns:a16="http://schemas.microsoft.com/office/drawing/2014/main" id="{88F3509F-17A2-2BE7-261F-3BA022FF91BA}"/>
+                  <a16:creationId xmlns:a16="http://schemas.microsoft.com/office/drawing/2014/main" xmlns="" id="{88F3509F-17A2-2BE7-261F-3BA022FF91BA}"/>
                 </a:ext>
               </a:extLst>
             </p:cNvPr>
@@ -3586,7 +3587,7 @@
               <p:cNvPr id="9" name="Object 32">
                 <a:extLst>
                   <a:ext uri="{FF2B5EF4-FFF2-40B4-BE49-F238E27FC236}">
-                    <a16:creationId xmlns:a16="http://schemas.microsoft.com/office/drawing/2014/main" id="{6183A7B0-D571-9788-43CE-90A93A934096}"/>
+                    <a16:creationId xmlns:a16="http://schemas.microsoft.com/office/drawing/2014/main" xmlns="" id="{6183A7B0-D571-9788-43CE-90A93A934096}"/>
                   </a:ext>
                 </a:extLst>
               </p:cNvPr>
@@ -3617,7 +3618,7 @@
             <p:cNvPr id="7" name="그룹 1011">
               <a:extLst>
                 <a:ext uri="{FF2B5EF4-FFF2-40B4-BE49-F238E27FC236}">
-                  <a16:creationId xmlns:a16="http://schemas.microsoft.com/office/drawing/2014/main" id="{3DB0BB1F-6A07-787C-7717-F712317AF8C3}"/>
+                  <a16:creationId xmlns:a16="http://schemas.microsoft.com/office/drawing/2014/main" xmlns="" id="{3DB0BB1F-6A07-787C-7717-F712317AF8C3}"/>
                 </a:ext>
               </a:extLst>
             </p:cNvPr>
@@ -3637,7 +3638,7 @@
               <p:cNvPr id="8" name="Object 35">
                 <a:extLst>
                   <a:ext uri="{FF2B5EF4-FFF2-40B4-BE49-F238E27FC236}">
-                    <a16:creationId xmlns:a16="http://schemas.microsoft.com/office/drawing/2014/main" id="{A003AF1A-29EE-2DC2-0E03-479F705DFFB6}"/>
+                    <a16:creationId xmlns:a16="http://schemas.microsoft.com/office/drawing/2014/main" xmlns="" id="{A003AF1A-29EE-2DC2-0E03-479F705DFFB6}"/>
                   </a:ext>
                 </a:extLst>
               </p:cNvPr>
@@ -3669,7 +3670,7 @@
           <p:cNvPr id="11" name="직선 화살표 연결선 10">
             <a:extLst>
               <a:ext uri="{FF2B5EF4-FFF2-40B4-BE49-F238E27FC236}">
-                <a16:creationId xmlns:a16="http://schemas.microsoft.com/office/drawing/2014/main" id="{299DF5EC-9DF4-5255-06AC-0A7CE4FF58C3}"/>
+                <a16:creationId xmlns:a16="http://schemas.microsoft.com/office/drawing/2014/main" xmlns="" id="{299DF5EC-9DF4-5255-06AC-0A7CE4FF58C3}"/>
               </a:ext>
             </a:extLst>
           </p:cNvPr>
@@ -3710,7 +3711,7 @@
           <p:cNvPr id="14" name="직사각형 13">
             <a:extLst>
               <a:ext uri="{FF2B5EF4-FFF2-40B4-BE49-F238E27FC236}">
-                <a16:creationId xmlns:a16="http://schemas.microsoft.com/office/drawing/2014/main" id="{FFF506F9-840A-0508-4CAF-3AC711D8D5CE}"/>
+                <a16:creationId xmlns:a16="http://schemas.microsoft.com/office/drawing/2014/main" xmlns="" id="{FFF506F9-840A-0508-4CAF-3AC711D8D5CE}"/>
               </a:ext>
             </a:extLst>
           </p:cNvPr>
@@ -3762,7 +3763,7 @@
           <p:cNvPr id="16" name="그룹 1008">
             <a:extLst>
               <a:ext uri="{FF2B5EF4-FFF2-40B4-BE49-F238E27FC236}">
-                <a16:creationId xmlns:a16="http://schemas.microsoft.com/office/drawing/2014/main" id="{E395BDE3-2EDE-065D-70E8-56E348228ACF}"/>
+                <a16:creationId xmlns:a16="http://schemas.microsoft.com/office/drawing/2014/main" xmlns="" id="{E395BDE3-2EDE-065D-70E8-56E348228ACF}"/>
               </a:ext>
             </a:extLst>
           </p:cNvPr>
@@ -3782,7 +3783,7 @@
             <p:cNvPr id="17" name="그룹 1009">
               <a:extLst>
                 <a:ext uri="{FF2B5EF4-FFF2-40B4-BE49-F238E27FC236}">
-                  <a16:creationId xmlns:a16="http://schemas.microsoft.com/office/drawing/2014/main" id="{852F4DEB-DB33-DB3F-9E9F-52A46CD0B10A}"/>
+                  <a16:creationId xmlns:a16="http://schemas.microsoft.com/office/drawing/2014/main" xmlns="" id="{852F4DEB-DB33-DB3F-9E9F-52A46CD0B10A}"/>
                 </a:ext>
               </a:extLst>
             </p:cNvPr>
@@ -3802,7 +3803,7 @@
               <p:cNvPr id="22" name="Object 29">
                 <a:extLst>
                   <a:ext uri="{FF2B5EF4-FFF2-40B4-BE49-F238E27FC236}">
-                    <a16:creationId xmlns:a16="http://schemas.microsoft.com/office/drawing/2014/main" id="{7E353D3B-14D4-8A64-5888-3F0C062C2CDD}"/>
+                    <a16:creationId xmlns:a16="http://schemas.microsoft.com/office/drawing/2014/main" xmlns="" id="{7E353D3B-14D4-8A64-5888-3F0C062C2CDD}"/>
                   </a:ext>
                 </a:extLst>
               </p:cNvPr>
@@ -3833,7 +3834,7 @@
             <p:cNvPr id="18" name="그룹 1010">
               <a:extLst>
                 <a:ext uri="{FF2B5EF4-FFF2-40B4-BE49-F238E27FC236}">
-                  <a16:creationId xmlns:a16="http://schemas.microsoft.com/office/drawing/2014/main" id="{001E38AB-1390-ABD0-BE01-9727136FEAEE}"/>
+                  <a16:creationId xmlns:a16="http://schemas.microsoft.com/office/drawing/2014/main" xmlns="" id="{001E38AB-1390-ABD0-BE01-9727136FEAEE}"/>
                 </a:ext>
               </a:extLst>
             </p:cNvPr>
@@ -3853,7 +3854,7 @@
               <p:cNvPr id="21" name="Object 32">
                 <a:extLst>
                   <a:ext uri="{FF2B5EF4-FFF2-40B4-BE49-F238E27FC236}">
-                    <a16:creationId xmlns:a16="http://schemas.microsoft.com/office/drawing/2014/main" id="{2ED1C30F-0D0B-F86C-8215-2598D332B5A3}"/>
+                    <a16:creationId xmlns:a16="http://schemas.microsoft.com/office/drawing/2014/main" xmlns="" id="{2ED1C30F-0D0B-F86C-8215-2598D332B5A3}"/>
                   </a:ext>
                 </a:extLst>
               </p:cNvPr>
@@ -3884,7 +3885,7 @@
             <p:cNvPr id="19" name="그룹 1011">
               <a:extLst>
                 <a:ext uri="{FF2B5EF4-FFF2-40B4-BE49-F238E27FC236}">
-                  <a16:creationId xmlns:a16="http://schemas.microsoft.com/office/drawing/2014/main" id="{1BCB8DE5-ABAF-4198-BC16-85BB76F2DB24}"/>
+                  <a16:creationId xmlns:a16="http://schemas.microsoft.com/office/drawing/2014/main" xmlns="" id="{1BCB8DE5-ABAF-4198-BC16-85BB76F2DB24}"/>
                 </a:ext>
               </a:extLst>
             </p:cNvPr>
@@ -3904,7 +3905,7 @@
               <p:cNvPr id="20" name="Object 35">
                 <a:extLst>
                   <a:ext uri="{FF2B5EF4-FFF2-40B4-BE49-F238E27FC236}">
-                    <a16:creationId xmlns:a16="http://schemas.microsoft.com/office/drawing/2014/main" id="{86E7BA23-0A1E-B581-CADC-06AB269DB2BD}"/>
+                    <a16:creationId xmlns:a16="http://schemas.microsoft.com/office/drawing/2014/main" xmlns="" id="{86E7BA23-0A1E-B581-CADC-06AB269DB2BD}"/>
                   </a:ext>
                 </a:extLst>
               </p:cNvPr>
@@ -3936,7 +3937,7 @@
           <p:cNvPr id="23" name="TextBox 22">
             <a:extLst>
               <a:ext uri="{FF2B5EF4-FFF2-40B4-BE49-F238E27FC236}">
-                <a16:creationId xmlns:a16="http://schemas.microsoft.com/office/drawing/2014/main" id="{7229BEA6-121E-9056-D07F-2B3BB1795F76}"/>
+                <a16:creationId xmlns:a16="http://schemas.microsoft.com/office/drawing/2014/main" xmlns="" id="{7229BEA6-121E-9056-D07F-2B3BB1795F76}"/>
               </a:ext>
             </a:extLst>
           </p:cNvPr>
@@ -3984,7 +3985,7 @@
           <p:cNvPr id="24" name="TextBox 23">
             <a:extLst>
               <a:ext uri="{FF2B5EF4-FFF2-40B4-BE49-F238E27FC236}">
-                <a16:creationId xmlns:a16="http://schemas.microsoft.com/office/drawing/2014/main" id="{5ADC00B6-990A-40DC-3CEA-505258F5E8DA}"/>
+                <a16:creationId xmlns:a16="http://schemas.microsoft.com/office/drawing/2014/main" xmlns="" id="{5ADC00B6-990A-40DC-3CEA-505258F5E8DA}"/>
               </a:ext>
             </a:extLst>
           </p:cNvPr>
@@ -4042,7 +4043,7 @@
           <p:cNvPr id="3" name="TextBox 2">
             <a:extLst>
               <a:ext uri="{FF2B5EF4-FFF2-40B4-BE49-F238E27FC236}">
-                <a16:creationId xmlns:a16="http://schemas.microsoft.com/office/drawing/2014/main" id="{C6D113C6-EA5C-788F-0C77-E7CE6EBB865F}"/>
+                <a16:creationId xmlns:a16="http://schemas.microsoft.com/office/drawing/2014/main" xmlns="" id="{C6D113C6-EA5C-788F-0C77-E7CE6EBB865F}"/>
               </a:ext>
             </a:extLst>
           </p:cNvPr>
@@ -4100,7 +4101,7 @@
           <p:cNvPr id="12" name="그룹 1008">
             <a:extLst>
               <a:ext uri="{FF2B5EF4-FFF2-40B4-BE49-F238E27FC236}">
-                <a16:creationId xmlns:a16="http://schemas.microsoft.com/office/drawing/2014/main" id="{678F6342-C505-E8AD-ADA4-022CB2C2088E}"/>
+                <a16:creationId xmlns:a16="http://schemas.microsoft.com/office/drawing/2014/main" xmlns="" id="{678F6342-C505-E8AD-ADA4-022CB2C2088E}"/>
               </a:ext>
             </a:extLst>
           </p:cNvPr>
@@ -4120,7 +4121,7 @@
             <p:cNvPr id="13" name="그룹 1009">
               <a:extLst>
                 <a:ext uri="{FF2B5EF4-FFF2-40B4-BE49-F238E27FC236}">
-                  <a16:creationId xmlns:a16="http://schemas.microsoft.com/office/drawing/2014/main" id="{4E1F1FED-812B-9BBB-925A-84B54A077414}"/>
+                  <a16:creationId xmlns:a16="http://schemas.microsoft.com/office/drawing/2014/main" xmlns="" id="{4E1F1FED-812B-9BBB-925A-84B54A077414}"/>
                 </a:ext>
               </a:extLst>
             </p:cNvPr>
@@ -4140,7 +4141,7 @@
               <p:cNvPr id="29" name="Object 29">
                 <a:extLst>
                   <a:ext uri="{FF2B5EF4-FFF2-40B4-BE49-F238E27FC236}">
-                    <a16:creationId xmlns:a16="http://schemas.microsoft.com/office/drawing/2014/main" id="{7B078609-4286-7B00-51EB-809C8E2DE289}"/>
+                    <a16:creationId xmlns:a16="http://schemas.microsoft.com/office/drawing/2014/main" xmlns="" id="{7B078609-4286-7B00-51EB-809C8E2DE289}"/>
                   </a:ext>
                 </a:extLst>
               </p:cNvPr>
@@ -4171,7 +4172,7 @@
             <p:cNvPr id="25" name="그룹 1010">
               <a:extLst>
                 <a:ext uri="{FF2B5EF4-FFF2-40B4-BE49-F238E27FC236}">
-                  <a16:creationId xmlns:a16="http://schemas.microsoft.com/office/drawing/2014/main" id="{02A649BF-B5B5-FBAF-7DFD-E118A4DF8907}"/>
+                  <a16:creationId xmlns:a16="http://schemas.microsoft.com/office/drawing/2014/main" xmlns="" id="{02A649BF-B5B5-FBAF-7DFD-E118A4DF8907}"/>
                 </a:ext>
               </a:extLst>
             </p:cNvPr>
@@ -4191,7 +4192,7 @@
               <p:cNvPr id="28" name="Object 32">
                 <a:extLst>
                   <a:ext uri="{FF2B5EF4-FFF2-40B4-BE49-F238E27FC236}">
-                    <a16:creationId xmlns:a16="http://schemas.microsoft.com/office/drawing/2014/main" id="{2A0FFF23-B3C9-3EA0-1C1B-A87D4FF098AE}"/>
+                    <a16:creationId xmlns:a16="http://schemas.microsoft.com/office/drawing/2014/main" xmlns="" id="{2A0FFF23-B3C9-3EA0-1C1B-A87D4FF098AE}"/>
                   </a:ext>
                 </a:extLst>
               </p:cNvPr>
@@ -4222,7 +4223,7 @@
             <p:cNvPr id="26" name="그룹 1011">
               <a:extLst>
                 <a:ext uri="{FF2B5EF4-FFF2-40B4-BE49-F238E27FC236}">
-                  <a16:creationId xmlns:a16="http://schemas.microsoft.com/office/drawing/2014/main" id="{881F5410-F7FB-F261-A584-707359BAC593}"/>
+                  <a16:creationId xmlns:a16="http://schemas.microsoft.com/office/drawing/2014/main" xmlns="" id="{881F5410-F7FB-F261-A584-707359BAC593}"/>
                 </a:ext>
               </a:extLst>
             </p:cNvPr>
@@ -4242,7 +4243,7 @@
               <p:cNvPr id="27" name="Object 35">
                 <a:extLst>
                   <a:ext uri="{FF2B5EF4-FFF2-40B4-BE49-F238E27FC236}">
-                    <a16:creationId xmlns:a16="http://schemas.microsoft.com/office/drawing/2014/main" id="{4E99E669-73EB-F9F4-EFE8-DC107035C265}"/>
+                    <a16:creationId xmlns:a16="http://schemas.microsoft.com/office/drawing/2014/main" xmlns="" id="{4E99E669-73EB-F9F4-EFE8-DC107035C265}"/>
                   </a:ext>
                 </a:extLst>
               </p:cNvPr>
@@ -4274,7 +4275,7 @@
           <p:cNvPr id="33" name="직선 연결선 32">
             <a:extLst>
               <a:ext uri="{FF2B5EF4-FFF2-40B4-BE49-F238E27FC236}">
-                <a16:creationId xmlns:a16="http://schemas.microsoft.com/office/drawing/2014/main" id="{6A1A37E4-F933-DE44-2EEA-F3A5BBF35584}"/>
+                <a16:creationId xmlns:a16="http://schemas.microsoft.com/office/drawing/2014/main" xmlns="" id="{6A1A37E4-F933-DE44-2EEA-F3A5BBF35584}"/>
               </a:ext>
             </a:extLst>
           </p:cNvPr>
@@ -4365,7 +4366,7 @@
           <p:cNvPr id="38" name="TextBox 37">
             <a:extLst>
               <a:ext uri="{FF2B5EF4-FFF2-40B4-BE49-F238E27FC236}">
-                <a16:creationId xmlns:a16="http://schemas.microsoft.com/office/drawing/2014/main" id="{A2AD056B-97A4-5BCC-4460-250160F3E171}"/>
+                <a16:creationId xmlns:a16="http://schemas.microsoft.com/office/drawing/2014/main" xmlns="" id="{A2AD056B-97A4-5BCC-4460-250160F3E171}"/>
               </a:ext>
             </a:extLst>
           </p:cNvPr>
@@ -4409,7 +4410,7 @@
           <p:cNvPr id="39" name="TextBox 38">
             <a:extLst>
               <a:ext uri="{FF2B5EF4-FFF2-40B4-BE49-F238E27FC236}">
-                <a16:creationId xmlns:a16="http://schemas.microsoft.com/office/drawing/2014/main" id="{52176D31-35F7-8916-46FA-6095EFEC1E49}"/>
+                <a16:creationId xmlns:a16="http://schemas.microsoft.com/office/drawing/2014/main" xmlns="" id="{52176D31-35F7-8916-46FA-6095EFEC1E49}"/>
               </a:ext>
             </a:extLst>
           </p:cNvPr>
@@ -4453,7 +4454,7 @@
           <p:cNvPr id="37" name="표 2">
             <a:extLst>
               <a:ext uri="{FF2B5EF4-FFF2-40B4-BE49-F238E27FC236}">
-                <a16:creationId xmlns:a16="http://schemas.microsoft.com/office/drawing/2014/main" id="{D2CC6F32-611A-E22D-EB8C-52D626A5B319}"/>
+                <a16:creationId xmlns:a16="http://schemas.microsoft.com/office/drawing/2014/main" xmlns="" id="{D2CC6F32-611A-E22D-EB8C-52D626A5B319}"/>
               </a:ext>
             </a:extLst>
           </p:cNvPr>
@@ -4482,21 +4483,21 @@
                 <a:gridCol w="1731833">
                   <a:extLst>
                     <a:ext uri="{9D8B030D-6E8A-4147-A177-3AD203B41FA5}">
-                      <a16:colId xmlns:a16="http://schemas.microsoft.com/office/drawing/2014/main" val="1960770391"/>
+                      <a16:colId xmlns:a16="http://schemas.microsoft.com/office/drawing/2014/main" xmlns="" val="1960770391"/>
                     </a:ext>
                   </a:extLst>
                 </a:gridCol>
                 <a:gridCol w="1752960">
                   <a:extLst>
                     <a:ext uri="{9D8B030D-6E8A-4147-A177-3AD203B41FA5}">
-                      <a16:colId xmlns:a16="http://schemas.microsoft.com/office/drawing/2014/main" val="733308553"/>
+                      <a16:colId xmlns:a16="http://schemas.microsoft.com/office/drawing/2014/main" xmlns="" val="733308553"/>
                     </a:ext>
                   </a:extLst>
                 </a:gridCol>
                 <a:gridCol w="2730951">
                   <a:extLst>
                     <a:ext uri="{9D8B030D-6E8A-4147-A177-3AD203B41FA5}">
-                      <a16:colId xmlns:a16="http://schemas.microsoft.com/office/drawing/2014/main" val="1661322813"/>
+                      <a16:colId xmlns:a16="http://schemas.microsoft.com/office/drawing/2014/main" xmlns="" val="1661322813"/>
                     </a:ext>
                   </a:extLst>
                 </a:gridCol>
@@ -4684,7 +4685,7 @@
                 </a:tc>
                 <a:extLst>
                   <a:ext uri="{0D108BD9-81ED-4DB2-BD59-A6C34878D82A}">
-                    <a16:rowId xmlns:a16="http://schemas.microsoft.com/office/drawing/2014/main" val="2452905565"/>
+                    <a16:rowId xmlns:a16="http://schemas.microsoft.com/office/drawing/2014/main" xmlns="" val="2452905565"/>
                   </a:ext>
                 </a:extLst>
               </a:tr>
@@ -4888,7 +4889,7 @@
                 </a:tc>
                 <a:extLst>
                   <a:ext uri="{0D108BD9-81ED-4DB2-BD59-A6C34878D82A}">
-                    <a16:rowId xmlns:a16="http://schemas.microsoft.com/office/drawing/2014/main" val="3551452526"/>
+                    <a16:rowId xmlns:a16="http://schemas.microsoft.com/office/drawing/2014/main" xmlns="" val="3551452526"/>
                   </a:ext>
                 </a:extLst>
               </a:tr>
@@ -5063,7 +5064,7 @@
                 </a:tc>
                 <a:extLst>
                   <a:ext uri="{0D108BD9-81ED-4DB2-BD59-A6C34878D82A}">
-                    <a16:rowId xmlns:a16="http://schemas.microsoft.com/office/drawing/2014/main" val="3645064171"/>
+                    <a16:rowId xmlns:a16="http://schemas.microsoft.com/office/drawing/2014/main" xmlns="" val="3645064171"/>
                   </a:ext>
                 </a:extLst>
               </a:tr>
@@ -5238,7 +5239,7 @@
                 </a:tc>
                 <a:extLst>
                   <a:ext uri="{0D108BD9-81ED-4DB2-BD59-A6C34878D82A}">
-                    <a16:rowId xmlns:a16="http://schemas.microsoft.com/office/drawing/2014/main" val="2802120283"/>
+                    <a16:rowId xmlns:a16="http://schemas.microsoft.com/office/drawing/2014/main" xmlns="" val="2802120283"/>
                   </a:ext>
                 </a:extLst>
               </a:tr>
@@ -5407,7 +5408,7 @@
                 </a:tc>
                 <a:extLst>
                   <a:ext uri="{0D108BD9-81ED-4DB2-BD59-A6C34878D82A}">
-                    <a16:rowId xmlns:a16="http://schemas.microsoft.com/office/drawing/2014/main" val="1362299918"/>
+                    <a16:rowId xmlns:a16="http://schemas.microsoft.com/office/drawing/2014/main" xmlns="" val="1362299918"/>
                   </a:ext>
                 </a:extLst>
               </a:tr>
@@ -5643,7 +5644,7 @@
                 </a:tc>
                 <a:extLst>
                   <a:ext uri="{0D108BD9-81ED-4DB2-BD59-A6C34878D82A}">
-                    <a16:rowId xmlns:a16="http://schemas.microsoft.com/office/drawing/2014/main" val="2488866604"/>
+                    <a16:rowId xmlns:a16="http://schemas.microsoft.com/office/drawing/2014/main" xmlns="" val="2488866604"/>
                   </a:ext>
                 </a:extLst>
               </a:tr>
@@ -5866,7 +5867,7 @@
                 </a:tc>
                 <a:extLst>
                   <a:ext uri="{0D108BD9-81ED-4DB2-BD59-A6C34878D82A}">
-                    <a16:rowId xmlns:a16="http://schemas.microsoft.com/office/drawing/2014/main" val="2632365449"/>
+                    <a16:rowId xmlns:a16="http://schemas.microsoft.com/office/drawing/2014/main" xmlns="" val="2632365449"/>
                   </a:ext>
                 </a:extLst>
               </a:tr>
@@ -6022,14 +6023,14 @@
                 <a:gridCol w="2688700">
                   <a:extLst>
                     <a:ext uri="{9D8B030D-6E8A-4147-A177-3AD203B41FA5}">
-                      <a16:colId xmlns:a16="http://schemas.microsoft.com/office/drawing/2014/main" val="20000"/>
+                      <a16:colId xmlns:a16="http://schemas.microsoft.com/office/drawing/2014/main" xmlns="" val="20000"/>
                     </a:ext>
                   </a:extLst>
                 </a:gridCol>
                 <a:gridCol w="2721500">
                   <a:extLst>
                     <a:ext uri="{9D8B030D-6E8A-4147-A177-3AD203B41FA5}">
-                      <a16:colId xmlns:a16="http://schemas.microsoft.com/office/drawing/2014/main" val="20001"/>
+                      <a16:colId xmlns:a16="http://schemas.microsoft.com/office/drawing/2014/main" xmlns="" val="20001"/>
                     </a:ext>
                   </a:extLst>
                 </a:gridCol>
@@ -6167,7 +6168,7 @@
                 </a:tc>
                 <a:extLst>
                   <a:ext uri="{0D108BD9-81ED-4DB2-BD59-A6C34878D82A}">
-                    <a16:rowId xmlns:a16="http://schemas.microsoft.com/office/drawing/2014/main" val="10000"/>
+                    <a16:rowId xmlns:a16="http://schemas.microsoft.com/office/drawing/2014/main" xmlns="" val="10000"/>
                   </a:ext>
                 </a:extLst>
               </a:tr>
@@ -6292,7 +6293,7 @@
                 </a:tc>
                 <a:extLst>
                   <a:ext uri="{0D108BD9-81ED-4DB2-BD59-A6C34878D82A}">
-                    <a16:rowId xmlns:a16="http://schemas.microsoft.com/office/drawing/2014/main" val="10001"/>
+                    <a16:rowId xmlns:a16="http://schemas.microsoft.com/office/drawing/2014/main" xmlns="" val="10001"/>
                   </a:ext>
                 </a:extLst>
               </a:tr>
@@ -6417,7 +6418,7 @@
                 </a:tc>
                 <a:extLst>
                   <a:ext uri="{0D108BD9-81ED-4DB2-BD59-A6C34878D82A}">
-                    <a16:rowId xmlns:a16="http://schemas.microsoft.com/office/drawing/2014/main" val="10002"/>
+                    <a16:rowId xmlns:a16="http://schemas.microsoft.com/office/drawing/2014/main" xmlns="" val="10002"/>
                   </a:ext>
                 </a:extLst>
               </a:tr>
@@ -6526,7 +6527,7 @@
                 </a:tc>
                 <a:extLst>
                   <a:ext uri="{0D108BD9-81ED-4DB2-BD59-A6C34878D82A}">
-                    <a16:rowId xmlns:a16="http://schemas.microsoft.com/office/drawing/2014/main" val="10003"/>
+                    <a16:rowId xmlns:a16="http://schemas.microsoft.com/office/drawing/2014/main" xmlns="" val="10003"/>
                   </a:ext>
                 </a:extLst>
               </a:tr>
@@ -6635,7 +6636,7 @@
                 </a:tc>
                 <a:extLst>
                   <a:ext uri="{0D108BD9-81ED-4DB2-BD59-A6C34878D82A}">
-                    <a16:rowId xmlns:a16="http://schemas.microsoft.com/office/drawing/2014/main" val="10004"/>
+                    <a16:rowId xmlns:a16="http://schemas.microsoft.com/office/drawing/2014/main" xmlns="" val="10004"/>
                   </a:ext>
                 </a:extLst>
               </a:tr>
@@ -6744,7 +6745,7 @@
                 </a:tc>
                 <a:extLst>
                   <a:ext uri="{0D108BD9-81ED-4DB2-BD59-A6C34878D82A}">
-                    <a16:rowId xmlns:a16="http://schemas.microsoft.com/office/drawing/2014/main" val="10005"/>
+                    <a16:rowId xmlns:a16="http://schemas.microsoft.com/office/drawing/2014/main" xmlns="" val="10005"/>
                   </a:ext>
                 </a:extLst>
               </a:tr>
@@ -6853,7 +6854,7 @@
                 </a:tc>
                 <a:extLst>
                   <a:ext uri="{0D108BD9-81ED-4DB2-BD59-A6C34878D82A}">
-                    <a16:rowId xmlns:a16="http://schemas.microsoft.com/office/drawing/2014/main" val="10006"/>
+                    <a16:rowId xmlns:a16="http://schemas.microsoft.com/office/drawing/2014/main" xmlns="" val="10006"/>
                   </a:ext>
                 </a:extLst>
               </a:tr>
@@ -6962,7 +6963,7 @@
                 </a:tc>
                 <a:extLst>
                   <a:ext uri="{0D108BD9-81ED-4DB2-BD59-A6C34878D82A}">
-                    <a16:rowId xmlns:a16="http://schemas.microsoft.com/office/drawing/2014/main" val="10007"/>
+                    <a16:rowId xmlns:a16="http://schemas.microsoft.com/office/drawing/2014/main" xmlns="" val="10007"/>
                   </a:ext>
                 </a:extLst>
               </a:tr>
@@ -7071,7 +7072,7 @@
                 </a:tc>
                 <a:extLst>
                   <a:ext uri="{0D108BD9-81ED-4DB2-BD59-A6C34878D82A}">
-                    <a16:rowId xmlns:a16="http://schemas.microsoft.com/office/drawing/2014/main" val="10008"/>
+                    <a16:rowId xmlns:a16="http://schemas.microsoft.com/office/drawing/2014/main" xmlns="" val="10008"/>
                   </a:ext>
                 </a:extLst>
               </a:tr>
@@ -7196,7 +7197,7 @@
                 </a:tc>
                 <a:extLst>
                   <a:ext uri="{0D108BD9-81ED-4DB2-BD59-A6C34878D82A}">
-                    <a16:rowId xmlns:a16="http://schemas.microsoft.com/office/drawing/2014/main" val="10009"/>
+                    <a16:rowId xmlns:a16="http://schemas.microsoft.com/office/drawing/2014/main" xmlns="" val="10009"/>
                   </a:ext>
                 </a:extLst>
               </a:tr>
@@ -7305,7 +7306,7 @@
                 </a:tc>
                 <a:extLst>
                   <a:ext uri="{0D108BD9-81ED-4DB2-BD59-A6C34878D82A}">
-                    <a16:rowId xmlns:a16="http://schemas.microsoft.com/office/drawing/2014/main" val="10010"/>
+                    <a16:rowId xmlns:a16="http://schemas.microsoft.com/office/drawing/2014/main" xmlns="" val="10010"/>
                   </a:ext>
                 </a:extLst>
               </a:tr>
@@ -7318,7 +7319,7 @@
           <p:cNvPr id="42" name="TextBox 41">
             <a:extLst>
               <a:ext uri="{FF2B5EF4-FFF2-40B4-BE49-F238E27FC236}">
-                <a16:creationId xmlns:a16="http://schemas.microsoft.com/office/drawing/2014/main" id="{DF7DDD33-9412-2802-339A-E55446AC2DA7}"/>
+                <a16:creationId xmlns:a16="http://schemas.microsoft.com/office/drawing/2014/main" xmlns="" id="{DF7DDD33-9412-2802-339A-E55446AC2DA7}"/>
               </a:ext>
             </a:extLst>
           </p:cNvPr>
@@ -7376,7 +7377,7 @@
           <p:cNvPr id="47" name="TextBox 46">
             <a:extLst>
               <a:ext uri="{FF2B5EF4-FFF2-40B4-BE49-F238E27FC236}">
-                <a16:creationId xmlns:a16="http://schemas.microsoft.com/office/drawing/2014/main" id="{DF7DDD33-9412-2802-339A-E55446AC2DA7}"/>
+                <a16:creationId xmlns:a16="http://schemas.microsoft.com/office/drawing/2014/main" xmlns="" id="{DF7DDD33-9412-2802-339A-E55446AC2DA7}"/>
               </a:ext>
             </a:extLst>
           </p:cNvPr>
@@ -7424,7 +7425,7 @@
           <p:cNvPr id="48" name="TextBox 47">
             <a:extLst>
               <a:ext uri="{FF2B5EF4-FFF2-40B4-BE49-F238E27FC236}">
-                <a16:creationId xmlns:a16="http://schemas.microsoft.com/office/drawing/2014/main" id="{DF7DDD33-9412-2802-339A-E55446AC2DA7}"/>
+                <a16:creationId xmlns:a16="http://schemas.microsoft.com/office/drawing/2014/main" xmlns="" id="{DF7DDD33-9412-2802-339A-E55446AC2DA7}"/>
               </a:ext>
             </a:extLst>
           </p:cNvPr>
@@ -7472,7 +7473,7 @@
           <p:cNvPr id="49" name="TextBox 48">
             <a:extLst>
               <a:ext uri="{FF2B5EF4-FFF2-40B4-BE49-F238E27FC236}">
-                <a16:creationId xmlns:a16="http://schemas.microsoft.com/office/drawing/2014/main" id="{DF7DDD33-9412-2802-339A-E55446AC2DA7}"/>
+                <a16:creationId xmlns:a16="http://schemas.microsoft.com/office/drawing/2014/main" xmlns="" id="{DF7DDD33-9412-2802-339A-E55446AC2DA7}"/>
               </a:ext>
             </a:extLst>
           </p:cNvPr>
@@ -7530,7 +7531,7 @@
           <p:cNvPr id="50" name="TextBox 49">
             <a:extLst>
               <a:ext uri="{FF2B5EF4-FFF2-40B4-BE49-F238E27FC236}">
-                <a16:creationId xmlns:a16="http://schemas.microsoft.com/office/drawing/2014/main" id="{DF7DDD33-9412-2802-339A-E55446AC2DA7}"/>
+                <a16:creationId xmlns:a16="http://schemas.microsoft.com/office/drawing/2014/main" xmlns="" id="{DF7DDD33-9412-2802-339A-E55446AC2DA7}"/>
               </a:ext>
             </a:extLst>
           </p:cNvPr>
@@ -7578,7 +7579,7 @@
           <p:cNvPr id="51" name="TextBox 50">
             <a:extLst>
               <a:ext uri="{FF2B5EF4-FFF2-40B4-BE49-F238E27FC236}">
-                <a16:creationId xmlns:a16="http://schemas.microsoft.com/office/drawing/2014/main" id="{DF7DDD33-9412-2802-339A-E55446AC2DA7}"/>
+                <a16:creationId xmlns:a16="http://schemas.microsoft.com/office/drawing/2014/main" xmlns="" id="{DF7DDD33-9412-2802-339A-E55446AC2DA7}"/>
               </a:ext>
             </a:extLst>
           </p:cNvPr>
@@ -7636,7 +7637,7 @@
           <p:cNvPr id="52" name="TextBox 51">
             <a:extLst>
               <a:ext uri="{FF2B5EF4-FFF2-40B4-BE49-F238E27FC236}">
-                <a16:creationId xmlns:a16="http://schemas.microsoft.com/office/drawing/2014/main" id="{DF7DDD33-9412-2802-339A-E55446AC2DA7}"/>
+                <a16:creationId xmlns:a16="http://schemas.microsoft.com/office/drawing/2014/main" xmlns="" id="{DF7DDD33-9412-2802-339A-E55446AC2DA7}"/>
               </a:ext>
             </a:extLst>
           </p:cNvPr>
@@ -7684,7 +7685,7 @@
           <p:cNvPr id="53" name="TextBox 52">
             <a:extLst>
               <a:ext uri="{FF2B5EF4-FFF2-40B4-BE49-F238E27FC236}">
-                <a16:creationId xmlns:a16="http://schemas.microsoft.com/office/drawing/2014/main" id="{DF7DDD33-9412-2802-339A-E55446AC2DA7}"/>
+                <a16:creationId xmlns:a16="http://schemas.microsoft.com/office/drawing/2014/main" xmlns="" id="{DF7DDD33-9412-2802-339A-E55446AC2DA7}"/>
               </a:ext>
             </a:extLst>
           </p:cNvPr>
@@ -7742,7 +7743,7 @@
           <p:cNvPr id="54" name="TextBox 53">
             <a:extLst>
               <a:ext uri="{FF2B5EF4-FFF2-40B4-BE49-F238E27FC236}">
-                <a16:creationId xmlns:a16="http://schemas.microsoft.com/office/drawing/2014/main" id="{DF7DDD33-9412-2802-339A-E55446AC2DA7}"/>
+                <a16:creationId xmlns:a16="http://schemas.microsoft.com/office/drawing/2014/main" xmlns="" id="{DF7DDD33-9412-2802-339A-E55446AC2DA7}"/>
               </a:ext>
             </a:extLst>
           </p:cNvPr>
@@ -7790,7 +7791,7 @@
           <p:cNvPr id="55" name="TextBox 54">
             <a:extLst>
               <a:ext uri="{FF2B5EF4-FFF2-40B4-BE49-F238E27FC236}">
-                <a16:creationId xmlns:a16="http://schemas.microsoft.com/office/drawing/2014/main" id="{DF7DDD33-9412-2802-339A-E55446AC2DA7}"/>
+                <a16:creationId xmlns:a16="http://schemas.microsoft.com/office/drawing/2014/main" xmlns="" id="{DF7DDD33-9412-2802-339A-E55446AC2DA7}"/>
               </a:ext>
             </a:extLst>
           </p:cNvPr>
@@ -7862,7 +7863,7 @@
             <p:cNvPr id="57" name="직선 연결선 56">
               <a:extLst>
                 <a:ext uri="{FF2B5EF4-FFF2-40B4-BE49-F238E27FC236}">
-                  <a16:creationId xmlns:a16="http://schemas.microsoft.com/office/drawing/2014/main" id="{1172879B-889D-0C2F-EEA8-003E6793F36F}"/>
+                  <a16:creationId xmlns:a16="http://schemas.microsoft.com/office/drawing/2014/main" xmlns="" id="{1172879B-889D-0C2F-EEA8-003E6793F36F}"/>
                 </a:ext>
               </a:extLst>
             </p:cNvPr>
@@ -7905,7 +7906,7 @@
             <p:cNvPr id="58" name="직선 연결선 57">
               <a:extLst>
                 <a:ext uri="{FF2B5EF4-FFF2-40B4-BE49-F238E27FC236}">
-                  <a16:creationId xmlns:a16="http://schemas.microsoft.com/office/drawing/2014/main" id="{1172879B-889D-0C2F-EEA8-003E6793F36F}"/>
+                  <a16:creationId xmlns:a16="http://schemas.microsoft.com/office/drawing/2014/main" xmlns="" id="{1172879B-889D-0C2F-EEA8-003E6793F36F}"/>
                 </a:ext>
               </a:extLst>
             </p:cNvPr>
@@ -7948,7 +7949,7 @@
             <p:cNvPr id="59" name="직선 연결선 58">
               <a:extLst>
                 <a:ext uri="{FF2B5EF4-FFF2-40B4-BE49-F238E27FC236}">
-                  <a16:creationId xmlns:a16="http://schemas.microsoft.com/office/drawing/2014/main" id="{1172879B-889D-0C2F-EEA8-003E6793F36F}"/>
+                  <a16:creationId xmlns:a16="http://schemas.microsoft.com/office/drawing/2014/main" xmlns="" id="{1172879B-889D-0C2F-EEA8-003E6793F36F}"/>
                 </a:ext>
               </a:extLst>
             </p:cNvPr>
@@ -7991,7 +7992,7 @@
             <p:cNvPr id="60" name="직선 연결선 59">
               <a:extLst>
                 <a:ext uri="{FF2B5EF4-FFF2-40B4-BE49-F238E27FC236}">
-                  <a16:creationId xmlns:a16="http://schemas.microsoft.com/office/drawing/2014/main" id="{1172879B-889D-0C2F-EEA8-003E6793F36F}"/>
+                  <a16:creationId xmlns:a16="http://schemas.microsoft.com/office/drawing/2014/main" xmlns="" id="{1172879B-889D-0C2F-EEA8-003E6793F36F}"/>
                 </a:ext>
               </a:extLst>
             </p:cNvPr>
@@ -8035,7 +8036,7 @@
           <p:cNvPr id="61" name="직선 연결선 60">
             <a:extLst>
               <a:ext uri="{FF2B5EF4-FFF2-40B4-BE49-F238E27FC236}">
-                <a16:creationId xmlns:a16="http://schemas.microsoft.com/office/drawing/2014/main" id="{466D5656-813B-296D-F08F-2E57C8EBA1E1}"/>
+                <a16:creationId xmlns:a16="http://schemas.microsoft.com/office/drawing/2014/main" xmlns="" id="{466D5656-813B-296D-F08F-2E57C8EBA1E1}"/>
               </a:ext>
             </a:extLst>
           </p:cNvPr>
@@ -8119,7 +8120,7 @@
           <p:cNvPr id="2" name="TextBox 1">
             <a:extLst>
               <a:ext uri="{FF2B5EF4-FFF2-40B4-BE49-F238E27FC236}">
-                <a16:creationId xmlns:a16="http://schemas.microsoft.com/office/drawing/2014/main" id="{A92A45D9-B960-EF50-398E-26A3F43BF41A}"/>
+                <a16:creationId xmlns:a16="http://schemas.microsoft.com/office/drawing/2014/main" xmlns="" id="{A92A45D9-B960-EF50-398E-26A3F43BF41A}"/>
               </a:ext>
             </a:extLst>
           </p:cNvPr>
@@ -8255,6 +8256,444 @@
 
 <file path=ppt/slides/slide10.xml><?xml version="1.0" encoding="utf-8"?>
 <p:sld xmlns:a="http://schemas.openxmlformats.org/drawingml/2006/main" xmlns:r="http://schemas.openxmlformats.org/officeDocument/2006/relationships" xmlns:p="http://schemas.openxmlformats.org/presentationml/2006/main">
+  <p:cSld name="Slide 7">
+    <p:bg>
+      <p:bgPr>
+        <a:solidFill>
+          <a:srgbClr val="FFFFFF"/>
+        </a:solidFill>
+        <a:effectLst/>
+      </p:bgPr>
+    </p:bg>
+    <p:spTree>
+      <p:nvGrpSpPr>
+        <p:cNvPr id="1" name=""/>
+        <p:cNvGrpSpPr/>
+        <p:nvPr/>
+      </p:nvGrpSpPr>
+      <p:grpSpPr>
+        <a:xfrm>
+          <a:off x="0" y="0"/>
+          <a:ext cx="0" cy="0"/>
+          <a:chOff x="0" y="0"/>
+          <a:chExt cx="0" cy="0"/>
+        </a:xfrm>
+      </p:grpSpPr>
+      <p:pic>
+        <p:nvPicPr>
+          <p:cNvPr id="2" name="Object 1"/>
+          <p:cNvPicPr>
+            <a:picLocks noChangeAspect="1"/>
+          </p:cNvPicPr>
+          <p:nvPr/>
+        </p:nvPicPr>
+        <p:blipFill>
+          <a:blip r:embed="rId2" cstate="print"/>
+          <a:stretch>
+            <a:fillRect/>
+          </a:stretch>
+        </p:blipFill>
+        <p:spPr>
+          <a:xfrm>
+            <a:off x="8028751" y="7427540"/>
+            <a:ext cx="5213076" cy="1372632"/>
+          </a:xfrm>
+          <a:prstGeom prst="rect">
+            <a:avLst/>
+          </a:prstGeom>
+        </p:spPr>
+      </p:pic>
+      <p:pic>
+        <p:nvPicPr>
+          <p:cNvPr id="3" name="Object 2"/>
+          <p:cNvPicPr>
+            <a:picLocks noChangeAspect="1"/>
+          </p:cNvPicPr>
+          <p:nvPr/>
+        </p:nvPicPr>
+        <p:blipFill>
+          <a:blip r:embed="rId3" cstate="print"/>
+          <a:stretch>
+            <a:fillRect/>
+          </a:stretch>
+        </p:blipFill>
+        <p:spPr>
+          <a:xfrm>
+            <a:off x="1722798" y="7427540"/>
+            <a:ext cx="5395040" cy="1374499"/>
+          </a:xfrm>
+          <a:prstGeom prst="rect">
+            <a:avLst/>
+          </a:prstGeom>
+        </p:spPr>
+      </p:pic>
+      <p:grpSp>
+        <p:nvGrpSpPr>
+          <p:cNvPr id="1001" name="그룹 1001"/>
+          <p:cNvGrpSpPr/>
+          <p:nvPr/>
+        </p:nvGrpSpPr>
+        <p:grpSpPr>
+          <a:xfrm>
+            <a:off x="11274286" y="8703483"/>
+            <a:ext cx="4776266" cy="4776266"/>
+            <a:chOff x="11274286" y="8703483"/>
+            <a:chExt cx="4776266" cy="4776266"/>
+          </a:xfrm>
+        </p:grpSpPr>
+        <p:pic>
+          <p:nvPicPr>
+            <p:cNvPr id="5" name="Object 4"/>
+            <p:cNvPicPr>
+              <a:picLocks noChangeAspect="1"/>
+            </p:cNvPicPr>
+            <p:nvPr/>
+          </p:nvPicPr>
+          <p:blipFill>
+            <a:blip r:embed="rId4" cstate="print"/>
+            <a:stretch>
+              <a:fillRect/>
+            </a:stretch>
+          </p:blipFill>
+          <p:spPr>
+            <a:xfrm rot="-2700000">
+              <a:off x="11274286" y="8703483"/>
+              <a:ext cx="4776266" cy="4776266"/>
+            </a:xfrm>
+            <a:prstGeom prst="rect">
+              <a:avLst/>
+            </a:prstGeom>
+          </p:spPr>
+        </p:pic>
+      </p:grpSp>
+      <p:pic>
+        <p:nvPicPr>
+          <p:cNvPr id="7" name="Object 6"/>
+          <p:cNvPicPr>
+            <a:picLocks noChangeAspect="1"/>
+          </p:cNvPicPr>
+          <p:nvPr/>
+        </p:nvPicPr>
+        <p:blipFill>
+          <a:blip r:embed="rId5" cstate="print"/>
+          <a:stretch>
+            <a:fillRect/>
+          </a:stretch>
+        </p:blipFill>
+        <p:spPr>
+          <a:xfrm>
+            <a:off x="1600002" y="3839812"/>
+            <a:ext cx="1035403" cy="1092989"/>
+          </a:xfrm>
+          <a:prstGeom prst="rect">
+            <a:avLst/>
+          </a:prstGeom>
+        </p:spPr>
+      </p:pic>
+      <p:pic>
+        <p:nvPicPr>
+          <p:cNvPr id="8" name="Object 7"/>
+          <p:cNvPicPr>
+            <a:picLocks noChangeAspect="1"/>
+          </p:cNvPicPr>
+          <p:nvPr/>
+        </p:nvPicPr>
+        <p:blipFill>
+          <a:blip r:embed="rId2" cstate="print"/>
+          <a:stretch>
+            <a:fillRect/>
+          </a:stretch>
+        </p:blipFill>
+        <p:spPr>
+          <a:xfrm>
+            <a:off x="1722798" y="4839728"/>
+            <a:ext cx="5213076" cy="1372632"/>
+          </a:xfrm>
+          <a:prstGeom prst="rect">
+            <a:avLst/>
+          </a:prstGeom>
+        </p:spPr>
+      </p:pic>
+      <p:pic>
+        <p:nvPicPr>
+          <p:cNvPr id="9" name="Object 8"/>
+          <p:cNvPicPr>
+            <a:picLocks noChangeAspect="1"/>
+          </p:cNvPicPr>
+          <p:nvPr/>
+        </p:nvPicPr>
+        <p:blipFill>
+          <a:blip r:embed="rId6" cstate="print"/>
+          <a:stretch>
+            <a:fillRect/>
+          </a:stretch>
+        </p:blipFill>
+        <p:spPr>
+          <a:xfrm>
+            <a:off x="7905956" y="3839812"/>
+            <a:ext cx="1113496" cy="1092989"/>
+          </a:xfrm>
+          <a:prstGeom prst="rect">
+            <a:avLst/>
+          </a:prstGeom>
+        </p:spPr>
+      </p:pic>
+      <p:pic>
+        <p:nvPicPr>
+          <p:cNvPr id="10" name="Object 9"/>
+          <p:cNvPicPr>
+            <a:picLocks noChangeAspect="1"/>
+          </p:cNvPicPr>
+          <p:nvPr/>
+        </p:nvPicPr>
+        <p:blipFill>
+          <a:blip r:embed="rId3" cstate="print"/>
+          <a:stretch>
+            <a:fillRect/>
+          </a:stretch>
+        </p:blipFill>
+        <p:spPr>
+          <a:xfrm>
+            <a:off x="8028751" y="4839728"/>
+            <a:ext cx="5395040" cy="1374499"/>
+          </a:xfrm>
+          <a:prstGeom prst="rect">
+            <a:avLst/>
+          </a:prstGeom>
+        </p:spPr>
+      </p:pic>
+      <p:pic>
+        <p:nvPicPr>
+          <p:cNvPr id="11" name="Object 10"/>
+          <p:cNvPicPr>
+            <a:picLocks noChangeAspect="1"/>
+          </p:cNvPicPr>
+          <p:nvPr/>
+        </p:nvPicPr>
+        <p:blipFill>
+          <a:blip r:embed="rId7" cstate="print"/>
+          <a:stretch>
+            <a:fillRect/>
+          </a:stretch>
+        </p:blipFill>
+        <p:spPr>
+          <a:xfrm>
+            <a:off x="1600002" y="6427624"/>
+            <a:ext cx="1113496" cy="1092989"/>
+          </a:xfrm>
+          <a:prstGeom prst="rect">
+            <a:avLst/>
+          </a:prstGeom>
+        </p:spPr>
+      </p:pic>
+      <p:pic>
+        <p:nvPicPr>
+          <p:cNvPr id="12" name="Object 11"/>
+          <p:cNvPicPr>
+            <a:picLocks noChangeAspect="1"/>
+          </p:cNvPicPr>
+          <p:nvPr/>
+        </p:nvPicPr>
+        <p:blipFill>
+          <a:blip r:embed="rId8" cstate="print"/>
+          <a:stretch>
+            <a:fillRect/>
+          </a:stretch>
+        </p:blipFill>
+        <p:spPr>
+          <a:xfrm>
+            <a:off x="7905956" y="6427624"/>
+            <a:ext cx="1123020" cy="1092989"/>
+          </a:xfrm>
+          <a:prstGeom prst="rect">
+            <a:avLst/>
+          </a:prstGeom>
+        </p:spPr>
+      </p:pic>
+      <p:grpSp>
+        <p:nvGrpSpPr>
+          <p:cNvPr id="1002" name="그룹 1002"/>
+          <p:cNvGrpSpPr/>
+          <p:nvPr/>
+        </p:nvGrpSpPr>
+        <p:grpSpPr>
+          <a:xfrm>
+            <a:off x="-515833" y="-1194152"/>
+            <a:ext cx="3462154" cy="3428571"/>
+            <a:chOff x="-515833" y="-1194152"/>
+            <a:chExt cx="3462154" cy="3428571"/>
+          </a:xfrm>
+        </p:grpSpPr>
+        <p:pic>
+          <p:nvPicPr>
+            <p:cNvPr id="14" name="Object 13"/>
+            <p:cNvPicPr>
+              <a:picLocks noChangeAspect="1"/>
+            </p:cNvPicPr>
+            <p:nvPr/>
+          </p:nvPicPr>
+          <p:blipFill>
+            <a:blip r:embed="rId9" cstate="print"/>
+            <a:stretch>
+              <a:fillRect/>
+            </a:stretch>
+          </p:blipFill>
+          <p:spPr>
+            <a:xfrm>
+              <a:off x="-515833" y="-1194152"/>
+              <a:ext cx="3462154" cy="3428571"/>
+            </a:xfrm>
+            <a:prstGeom prst="rect">
+              <a:avLst/>
+            </a:prstGeom>
+          </p:spPr>
+        </p:pic>
+      </p:grpSp>
+      <p:grpSp>
+        <p:nvGrpSpPr>
+          <p:cNvPr id="1003" name="그룹 1003"/>
+          <p:cNvGrpSpPr/>
+          <p:nvPr/>
+        </p:nvGrpSpPr>
+        <p:grpSpPr>
+          <a:xfrm>
+            <a:off x="14447699" y="3028571"/>
+            <a:ext cx="5279665" cy="5279665"/>
+            <a:chOff x="14447699" y="3028571"/>
+            <a:chExt cx="5279665" cy="5279665"/>
+          </a:xfrm>
+        </p:grpSpPr>
+        <p:pic>
+          <p:nvPicPr>
+            <p:cNvPr id="17" name="Object 16"/>
+            <p:cNvPicPr>
+              <a:picLocks noChangeAspect="1"/>
+            </p:cNvPicPr>
+            <p:nvPr/>
+          </p:nvPicPr>
+          <p:blipFill>
+            <a:blip r:embed="rId10" cstate="print"/>
+            <a:stretch>
+              <a:fillRect/>
+            </a:stretch>
+          </p:blipFill>
+          <p:spPr>
+            <a:xfrm>
+              <a:off x="14447699" y="3028571"/>
+              <a:ext cx="5279665" cy="5279665"/>
+            </a:xfrm>
+            <a:prstGeom prst="rect">
+              <a:avLst/>
+            </a:prstGeom>
+          </p:spPr>
+        </p:pic>
+      </p:grpSp>
+      <p:pic>
+        <p:nvPicPr>
+          <p:cNvPr id="19" name="Object 18"/>
+          <p:cNvPicPr>
+            <a:picLocks noChangeAspect="1"/>
+          </p:cNvPicPr>
+          <p:nvPr/>
+        </p:nvPicPr>
+        <p:blipFill>
+          <a:blip r:embed="rId11" cstate="print"/>
+          <a:stretch>
+            <a:fillRect/>
+          </a:stretch>
+        </p:blipFill>
+        <p:spPr>
+          <a:xfrm>
+            <a:off x="14750307" y="471765"/>
+            <a:ext cx="2488599" cy="362335"/>
+          </a:xfrm>
+          <a:prstGeom prst="rect">
+            <a:avLst/>
+          </a:prstGeom>
+        </p:spPr>
+      </p:pic>
+      <p:pic>
+        <p:nvPicPr>
+          <p:cNvPr id="20" name="Object 19"/>
+          <p:cNvPicPr>
+            <a:picLocks noChangeAspect="1"/>
+          </p:cNvPicPr>
+          <p:nvPr/>
+        </p:nvPicPr>
+        <p:blipFill>
+          <a:blip r:embed="rId12" cstate="print"/>
+          <a:stretch>
+            <a:fillRect/>
+          </a:stretch>
+        </p:blipFill>
+        <p:spPr>
+          <a:xfrm>
+            <a:off x="17064169" y="333009"/>
+            <a:ext cx="800998" cy="708122"/>
+          </a:xfrm>
+          <a:prstGeom prst="rect">
+            <a:avLst/>
+          </a:prstGeom>
+        </p:spPr>
+      </p:pic>
+      <p:pic>
+        <p:nvPicPr>
+          <p:cNvPr id="21" name="Object 20"/>
+          <p:cNvPicPr>
+            <a:picLocks noChangeAspect="1"/>
+          </p:cNvPicPr>
+          <p:nvPr/>
+        </p:nvPicPr>
+        <p:blipFill>
+          <a:blip r:embed="rId13" cstate="print"/>
+          <a:stretch>
+            <a:fillRect/>
+          </a:stretch>
+        </p:blipFill>
+        <p:spPr>
+          <a:xfrm>
+            <a:off x="1600002" y="1439687"/>
+            <a:ext cx="5717444" cy="1141241"/>
+          </a:xfrm>
+          <a:prstGeom prst="rect">
+            <a:avLst/>
+          </a:prstGeom>
+        </p:spPr>
+      </p:pic>
+      <p:pic>
+        <p:nvPicPr>
+          <p:cNvPr id="22" name="Object 21"/>
+          <p:cNvPicPr>
+            <a:picLocks noChangeAspect="1"/>
+          </p:cNvPicPr>
+          <p:nvPr/>
+        </p:nvPicPr>
+        <p:blipFill>
+          <a:blip r:embed="rId14" cstate="print"/>
+          <a:stretch>
+            <a:fillRect/>
+          </a:stretch>
+        </p:blipFill>
+        <p:spPr>
+          <a:xfrm>
+            <a:off x="7374615" y="1715899"/>
+            <a:ext cx="4155185" cy="745677"/>
+          </a:xfrm>
+          <a:prstGeom prst="rect">
+            <a:avLst/>
+          </a:prstGeom>
+        </p:spPr>
+      </p:pic>
+    </p:spTree>
+  </p:cSld>
+  <p:clrMapOvr>
+    <a:masterClrMapping/>
+  </p:clrMapOvr>
+</p:sld>
+</file>
+
+<file path=ppt/slides/slide11.xml><?xml version="1.0" encoding="utf-8"?>
+<p:sld xmlns:a="http://schemas.openxmlformats.org/drawingml/2006/main" xmlns:r="http://schemas.openxmlformats.org/officeDocument/2006/relationships" xmlns:p="http://schemas.openxmlformats.org/presentationml/2006/main">
   <p:cSld name="Slide 8">
     <p:bg>
       <p:bgPr>
@@ -8946,7 +9385,7 @@
 </p:sld>
 </file>
 
-<file path=ppt/slides/slide11.xml><?xml version="1.0" encoding="utf-8"?>
+<file path=ppt/slides/slide12.xml><?xml version="1.0" encoding="utf-8"?>
 <p:sld xmlns:a="http://schemas.openxmlformats.org/drawingml/2006/main" xmlns:r="http://schemas.openxmlformats.org/officeDocument/2006/relationships" xmlns:p="http://schemas.openxmlformats.org/presentationml/2006/main">
   <p:cSld name="Slide 9">
     <p:bg>
@@ -9207,7 +9646,7 @@
 </p:sld>
 </file>
 
-<file path=ppt/slides/slide12.xml><?xml version="1.0" encoding="utf-8"?>
+<file path=ppt/slides/slide13.xml><?xml version="1.0" encoding="utf-8"?>
 <p:sld xmlns:a="http://schemas.openxmlformats.org/drawingml/2006/main" xmlns:r="http://schemas.openxmlformats.org/officeDocument/2006/relationships" xmlns:p="http://schemas.openxmlformats.org/presentationml/2006/main">
   <p:cSld name="Slide 10">
     <p:bg>
@@ -10275,7 +10714,7 @@
 </p:sld>
 </file>
 
-<file path=ppt/slides/slide13.xml><?xml version="1.0" encoding="utf-8"?>
+<file path=ppt/slides/slide14.xml><?xml version="1.0" encoding="utf-8"?>
 <p:sld xmlns:a="http://schemas.openxmlformats.org/drawingml/2006/main" xmlns:r="http://schemas.openxmlformats.org/officeDocument/2006/relationships" xmlns:p="http://schemas.openxmlformats.org/presentationml/2006/main">
   <p:cSld name="Slide 11">
     <p:bg>
@@ -10902,7 +11341,7 @@
 </p:sld>
 </file>
 
-<file path=ppt/slides/slide14.xml><?xml version="1.0" encoding="utf-8"?>
+<file path=ppt/slides/slide15.xml><?xml version="1.0" encoding="utf-8"?>
 <p:sld xmlns:a="http://schemas.openxmlformats.org/drawingml/2006/main" xmlns:r="http://schemas.openxmlformats.org/officeDocument/2006/relationships" xmlns:p="http://schemas.openxmlformats.org/presentationml/2006/main">
   <p:cSld name="Slide 12">
     <p:bg>
@@ -12477,7 +12916,7 @@
 </p:sld>
 </file>
 
-<file path=ppt/slides/slide15.xml><?xml version="1.0" encoding="utf-8"?>
+<file path=ppt/slides/slide16.xml><?xml version="1.0" encoding="utf-8"?>
 <p:sld xmlns:a="http://schemas.openxmlformats.org/drawingml/2006/main" xmlns:r="http://schemas.openxmlformats.org/officeDocument/2006/relationships" xmlns:p="http://schemas.openxmlformats.org/presentationml/2006/main">
   <p:cSld>
     <p:spTree>
@@ -12960,7 +13399,7 @@
 </p:sld>
 </file>
 
-<file path=ppt/slides/slide16.xml><?xml version="1.0" encoding="utf-8"?>
+<file path=ppt/slides/slide17.xml><?xml version="1.0" encoding="utf-8"?>
 <p:sld xmlns:a="http://schemas.openxmlformats.org/drawingml/2006/main" xmlns:r="http://schemas.openxmlformats.org/officeDocument/2006/relationships" xmlns:p="http://schemas.openxmlformats.org/presentationml/2006/main">
   <p:cSld name="Slide 13">
     <p:bg>
@@ -13206,7 +13645,7 @@
 </p:sld>
 </file>
 
-<file path=ppt/slides/slide17.xml><?xml version="1.0" encoding="utf-8"?>
+<file path=ppt/slides/slide18.xml><?xml version="1.0" encoding="utf-8"?>
 <p:sld xmlns:a="http://schemas.openxmlformats.org/drawingml/2006/main" xmlns:r="http://schemas.openxmlformats.org/officeDocument/2006/relationships" xmlns:p="http://schemas.openxmlformats.org/presentationml/2006/main">
   <p:cSld name="Slide 14">
     <p:bg>
@@ -13467,7 +13906,7 @@
 </p:sld>
 </file>
 
-<file path=ppt/slides/slide18.xml><?xml version="1.0" encoding="utf-8"?>
+<file path=ppt/slides/slide19.xml><?xml version="1.0" encoding="utf-8"?>
 <p:sld xmlns:a="http://schemas.openxmlformats.org/drawingml/2006/main" xmlns:r="http://schemas.openxmlformats.org/officeDocument/2006/relationships" xmlns:p="http://schemas.openxmlformats.org/presentationml/2006/main">
   <p:cSld name="Slide 15">
     <p:bg>
@@ -15054,1077 +15493,6 @@
 </p:sld>
 </file>
 
-<file path=ppt/slides/slide19.xml><?xml version="1.0" encoding="utf-8"?>
-<p:sld xmlns:a="http://schemas.openxmlformats.org/drawingml/2006/main" xmlns:r="http://schemas.openxmlformats.org/officeDocument/2006/relationships" xmlns:p="http://schemas.openxmlformats.org/presentationml/2006/main">
-  <p:cSld name="Slide 16">
-    <p:bg>
-      <p:bgPr>
-        <a:solidFill>
-          <a:srgbClr val="4C50BB"/>
-        </a:solidFill>
-        <a:effectLst/>
-      </p:bgPr>
-    </p:bg>
-    <p:spTree>
-      <p:nvGrpSpPr>
-        <p:cNvPr id="1" name=""/>
-        <p:cNvGrpSpPr/>
-        <p:nvPr/>
-      </p:nvGrpSpPr>
-      <p:grpSpPr>
-        <a:xfrm>
-          <a:off x="0" y="0"/>
-          <a:ext cx="0" cy="0"/>
-          <a:chOff x="0" y="0"/>
-          <a:chExt cx="0" cy="0"/>
-        </a:xfrm>
-      </p:grpSpPr>
-      <p:grpSp>
-        <p:nvGrpSpPr>
-          <p:cNvPr id="1001" name="그룹 1001"/>
-          <p:cNvGrpSpPr/>
-          <p:nvPr/>
-        </p:nvGrpSpPr>
-        <p:grpSpPr>
-          <a:xfrm>
-            <a:off x="8645233" y="3377013"/>
-            <a:ext cx="1998452" cy="1998452"/>
-            <a:chOff x="8645233" y="3377013"/>
-            <a:chExt cx="1998452" cy="1998452"/>
-          </a:xfrm>
-        </p:grpSpPr>
-        <p:pic>
-          <p:nvPicPr>
-            <p:cNvPr id="3" name="Object 2"/>
-            <p:cNvPicPr>
-              <a:picLocks noChangeAspect="1"/>
-            </p:cNvPicPr>
-            <p:nvPr/>
-          </p:nvPicPr>
-          <p:blipFill>
-            <a:blip r:embed="rId2" cstate="print"/>
-            <a:stretch>
-              <a:fillRect/>
-            </a:stretch>
-          </p:blipFill>
-          <p:spPr>
-            <a:xfrm>
-              <a:off x="8645233" y="3377013"/>
-              <a:ext cx="1998452" cy="1998452"/>
-            </a:xfrm>
-            <a:prstGeom prst="rect">
-              <a:avLst/>
-            </a:prstGeom>
-          </p:spPr>
-        </p:pic>
-      </p:grpSp>
-      <p:grpSp>
-        <p:nvGrpSpPr>
-          <p:cNvPr id="1002" name="그룹 1002"/>
-          <p:cNvGrpSpPr/>
-          <p:nvPr/>
-        </p:nvGrpSpPr>
-        <p:grpSpPr>
-          <a:xfrm>
-            <a:off x="8930130" y="3908056"/>
-            <a:ext cx="1428657" cy="880479"/>
-            <a:chOff x="8930130" y="3908056"/>
-            <a:chExt cx="1428657" cy="880479"/>
-          </a:xfrm>
-        </p:grpSpPr>
-        <p:pic>
-          <p:nvPicPr>
-            <p:cNvPr id="6" name="Object 5"/>
-            <p:cNvPicPr>
-              <a:picLocks noChangeAspect="1"/>
-            </p:cNvPicPr>
-            <p:nvPr/>
-          </p:nvPicPr>
-          <p:blipFill>
-            <a:blip r:embed="rId3" cstate="print"/>
-            <a:stretch>
-              <a:fillRect/>
-            </a:stretch>
-          </p:blipFill>
-          <p:spPr>
-            <a:xfrm>
-              <a:off x="8896163" y="3874088"/>
-              <a:ext cx="1133706" cy="650472"/>
-            </a:xfrm>
-            <a:prstGeom prst="rect">
-              <a:avLst/>
-            </a:prstGeom>
-          </p:spPr>
-        </p:pic>
-        <p:pic>
-          <p:nvPicPr>
-            <p:cNvPr id="7" name="Object 6"/>
-            <p:cNvPicPr>
-              <a:picLocks noChangeAspect="1"/>
-            </p:cNvPicPr>
-            <p:nvPr/>
-          </p:nvPicPr>
-          <p:blipFill>
-            <a:blip r:embed="rId4" cstate="print"/>
-            <a:stretch>
-              <a:fillRect/>
-            </a:stretch>
-          </p:blipFill>
-          <p:spPr>
-            <a:xfrm>
-              <a:off x="9080989" y="4437540"/>
-              <a:ext cx="1080180" cy="401606"/>
-            </a:xfrm>
-            <a:prstGeom prst="rect">
-              <a:avLst/>
-            </a:prstGeom>
-          </p:spPr>
-        </p:pic>
-      </p:grpSp>
-      <p:grpSp>
-        <p:nvGrpSpPr>
-          <p:cNvPr id="1003" name="그룹 1003"/>
-          <p:cNvGrpSpPr/>
-          <p:nvPr/>
-        </p:nvGrpSpPr>
-        <p:grpSpPr>
-          <a:xfrm>
-            <a:off x="8090134" y="3879837"/>
-            <a:ext cx="120774" cy="1132627"/>
-            <a:chOff x="8090134" y="3879837"/>
-            <a:chExt cx="120774" cy="1132627"/>
-          </a:xfrm>
-        </p:grpSpPr>
-        <p:pic>
-          <p:nvPicPr>
-            <p:cNvPr id="10" name="Object 9"/>
-            <p:cNvPicPr>
-              <a:picLocks noChangeAspect="1"/>
-            </p:cNvPicPr>
-            <p:nvPr/>
-          </p:nvPicPr>
-          <p:blipFill>
-            <a:blip r:embed="rId5" cstate="print"/>
-            <a:stretch>
-              <a:fillRect/>
-            </a:stretch>
-          </p:blipFill>
-          <p:spPr>
-            <a:xfrm rot="-16200000">
-              <a:off x="8090134" y="3879837"/>
-              <a:ext cx="120774" cy="1132627"/>
-            </a:xfrm>
-            <a:prstGeom prst="rect">
-              <a:avLst/>
-            </a:prstGeom>
-          </p:spPr>
-        </p:pic>
-      </p:grpSp>
-      <p:grpSp>
-        <p:nvGrpSpPr>
-          <p:cNvPr id="1004" name="그룹 1004"/>
-          <p:cNvGrpSpPr/>
-          <p:nvPr/>
-        </p:nvGrpSpPr>
-        <p:grpSpPr>
-          <a:xfrm>
-            <a:off x="11827530" y="2774835"/>
-            <a:ext cx="2762946" cy="2762946"/>
-            <a:chOff x="11827530" y="2774835"/>
-            <a:chExt cx="2762946" cy="2762946"/>
-          </a:xfrm>
-        </p:grpSpPr>
-        <p:pic>
-          <p:nvPicPr>
-            <p:cNvPr id="13" name="Object 12"/>
-            <p:cNvPicPr>
-              <a:picLocks noChangeAspect="1"/>
-            </p:cNvPicPr>
-            <p:nvPr/>
-          </p:nvPicPr>
-          <p:blipFill>
-            <a:blip r:embed="rId6" cstate="print"/>
-            <a:stretch>
-              <a:fillRect/>
-            </a:stretch>
-          </p:blipFill>
-          <p:spPr>
-            <a:xfrm>
-              <a:off x="11827530" y="2774835"/>
-              <a:ext cx="2762946" cy="2762946"/>
-            </a:xfrm>
-            <a:prstGeom prst="rect">
-              <a:avLst/>
-            </a:prstGeom>
-          </p:spPr>
-        </p:pic>
-      </p:grpSp>
-      <p:pic>
-        <p:nvPicPr>
-          <p:cNvPr id="15" name="Object 14"/>
-          <p:cNvPicPr>
-            <a:picLocks noChangeAspect="1"/>
-          </p:cNvPicPr>
-          <p:nvPr/>
-        </p:nvPicPr>
-        <p:blipFill>
-          <a:blip r:embed="rId7" cstate="print"/>
-          <a:stretch>
-            <a:fillRect/>
-          </a:stretch>
-        </p:blipFill>
-        <p:spPr>
-          <a:xfrm>
-            <a:off x="12290289" y="3520997"/>
-            <a:ext cx="1678502" cy="543111"/>
-          </a:xfrm>
-          <a:prstGeom prst="rect">
-            <a:avLst/>
-          </a:prstGeom>
-        </p:spPr>
-      </p:pic>
-      <p:pic>
-        <p:nvPicPr>
-          <p:cNvPr id="16" name="Object 15"/>
-          <p:cNvPicPr>
-            <a:picLocks noChangeAspect="1"/>
-          </p:cNvPicPr>
-          <p:nvPr/>
-        </p:nvPicPr>
-        <p:blipFill>
-          <a:blip r:embed="rId8" cstate="print"/>
-          <a:stretch>
-            <a:fillRect/>
-          </a:stretch>
-        </p:blipFill>
-        <p:spPr>
-          <a:xfrm>
-            <a:off x="12517208" y="3865351"/>
-            <a:ext cx="1328139" cy="494736"/>
-          </a:xfrm>
-          <a:prstGeom prst="rect">
-            <a:avLst/>
-          </a:prstGeom>
-        </p:spPr>
-      </p:pic>
-      <p:grpSp>
-        <p:nvGrpSpPr>
-          <p:cNvPr id="1005" name="그룹 1005"/>
-          <p:cNvGrpSpPr/>
-          <p:nvPr/>
-        </p:nvGrpSpPr>
-        <p:grpSpPr>
-          <a:xfrm>
-            <a:off x="14780952" y="394301"/>
-            <a:ext cx="2926792" cy="572055"/>
-            <a:chOff x="14780952" y="394301"/>
-            <a:chExt cx="2926792" cy="572055"/>
-          </a:xfrm>
-        </p:grpSpPr>
-        <p:pic>
-          <p:nvPicPr>
-            <p:cNvPr id="18" name="Object 17"/>
-            <p:cNvPicPr>
-              <a:picLocks noChangeAspect="1"/>
-            </p:cNvPicPr>
-            <p:nvPr/>
-          </p:nvPicPr>
-          <p:blipFill>
-            <a:blip r:embed="rId9" cstate="print"/>
-            <a:stretch>
-              <a:fillRect/>
-            </a:stretch>
-          </p:blipFill>
-          <p:spPr>
-            <a:xfrm>
-              <a:off x="14750307" y="471765"/>
-              <a:ext cx="2488599" cy="362335"/>
-            </a:xfrm>
-            <a:prstGeom prst="rect">
-              <a:avLst/>
-            </a:prstGeom>
-          </p:spPr>
-        </p:pic>
-        <p:pic>
-          <p:nvPicPr>
-            <p:cNvPr id="19" name="Object 18"/>
-            <p:cNvPicPr>
-              <a:picLocks noChangeAspect="1"/>
-            </p:cNvPicPr>
-            <p:nvPr/>
-          </p:nvPicPr>
-          <p:blipFill>
-            <a:blip r:embed="rId10" cstate="print"/>
-            <a:stretch>
-              <a:fillRect/>
-            </a:stretch>
-          </p:blipFill>
-          <p:spPr>
-            <a:xfrm>
-              <a:off x="17064169" y="333009"/>
-              <a:ext cx="804679" cy="708122"/>
-            </a:xfrm>
-            <a:prstGeom prst="rect">
-              <a:avLst/>
-            </a:prstGeom>
-          </p:spPr>
-        </p:pic>
-      </p:grpSp>
-      <p:pic>
-        <p:nvPicPr>
-          <p:cNvPr id="21" name="Object 20"/>
-          <p:cNvPicPr>
-            <a:picLocks noChangeAspect="1"/>
-          </p:cNvPicPr>
-          <p:nvPr/>
-        </p:nvPicPr>
-        <p:blipFill>
-          <a:blip r:embed="rId11" cstate="print"/>
-          <a:stretch>
-            <a:fillRect/>
-          </a:stretch>
-        </p:blipFill>
-        <p:spPr>
-          <a:xfrm>
-            <a:off x="1600002" y="1439687"/>
-            <a:ext cx="5717444" cy="1141241"/>
-          </a:xfrm>
-          <a:prstGeom prst="rect">
-            <a:avLst/>
-          </a:prstGeom>
-        </p:spPr>
-      </p:pic>
-      <p:pic>
-        <p:nvPicPr>
-          <p:cNvPr id="22" name="Object 21"/>
-          <p:cNvPicPr>
-            <a:picLocks noChangeAspect="1"/>
-          </p:cNvPicPr>
-          <p:nvPr/>
-        </p:nvPicPr>
-        <p:blipFill>
-          <a:blip r:embed="rId12" cstate="print"/>
-          <a:stretch>
-            <a:fillRect/>
-          </a:stretch>
-        </p:blipFill>
-        <p:spPr>
-          <a:xfrm>
-            <a:off x="7374615" y="1715899"/>
-            <a:ext cx="4155185" cy="745677"/>
-          </a:xfrm>
-          <a:prstGeom prst="rect">
-            <a:avLst/>
-          </a:prstGeom>
-        </p:spPr>
-      </p:pic>
-      <p:grpSp>
-        <p:nvGrpSpPr>
-          <p:cNvPr id="1006" name="그룹 1006"/>
-          <p:cNvGrpSpPr/>
-          <p:nvPr/>
-        </p:nvGrpSpPr>
-        <p:grpSpPr>
-          <a:xfrm>
-            <a:off x="10996476" y="3941174"/>
-            <a:ext cx="364957" cy="733715"/>
-            <a:chOff x="10996476" y="3941174"/>
-            <a:chExt cx="364957" cy="733715"/>
-          </a:xfrm>
-        </p:grpSpPr>
-        <p:pic>
-          <p:nvPicPr>
-            <p:cNvPr id="24" name="Object 23"/>
-            <p:cNvPicPr>
-              <a:picLocks noChangeAspect="1"/>
-            </p:cNvPicPr>
-            <p:nvPr/>
-          </p:nvPicPr>
-          <p:blipFill>
-            <a:blip r:embed="rId13" cstate="print"/>
-            <a:stretch>
-              <a:fillRect/>
-            </a:stretch>
-          </p:blipFill>
-          <p:spPr>
-            <a:xfrm rot="-10800000">
-              <a:off x="10996476" y="3941174"/>
-              <a:ext cx="364957" cy="733715"/>
-            </a:xfrm>
-            <a:prstGeom prst="rect">
-              <a:avLst/>
-            </a:prstGeom>
-          </p:spPr>
-        </p:pic>
-      </p:grpSp>
-      <p:pic>
-        <p:nvPicPr>
-          <p:cNvPr id="26" name="Object 25"/>
-          <p:cNvPicPr>
-            <a:picLocks noChangeAspect="1"/>
-          </p:cNvPicPr>
-          <p:nvPr/>
-        </p:nvPicPr>
-        <p:blipFill>
-          <a:blip r:embed="rId14" cstate="print"/>
-          <a:stretch>
-            <a:fillRect/>
-          </a:stretch>
-        </p:blipFill>
-        <p:spPr>
-          <a:xfrm>
-            <a:off x="12157559" y="4436111"/>
-            <a:ext cx="1970143" cy="354981"/>
-          </a:xfrm>
-          <a:prstGeom prst="rect">
-            <a:avLst/>
-          </a:prstGeom>
-        </p:spPr>
-      </p:pic>
-      <p:grpSp>
-        <p:nvGrpSpPr>
-          <p:cNvPr id="1007" name="그룹 1007"/>
-          <p:cNvGrpSpPr/>
-          <p:nvPr/>
-        </p:nvGrpSpPr>
-        <p:grpSpPr>
-          <a:xfrm>
-            <a:off x="3986885" y="6777647"/>
-            <a:ext cx="2603998" cy="792244"/>
-            <a:chOff x="3986885" y="6777647"/>
-            <a:chExt cx="2603998" cy="792244"/>
-          </a:xfrm>
-        </p:grpSpPr>
-        <p:pic>
-          <p:nvPicPr>
-            <p:cNvPr id="28" name="Object 27"/>
-            <p:cNvPicPr>
-              <a:picLocks noChangeAspect="1"/>
-            </p:cNvPicPr>
-            <p:nvPr/>
-          </p:nvPicPr>
-          <p:blipFill>
-            <a:blip r:embed="rId15" cstate="print"/>
-            <a:stretch>
-              <a:fillRect/>
-            </a:stretch>
-          </p:blipFill>
-          <p:spPr>
-            <a:xfrm>
-              <a:off x="4093985" y="6724704"/>
-              <a:ext cx="2131262" cy="689493"/>
-            </a:xfrm>
-            <a:prstGeom prst="rect">
-              <a:avLst/>
-            </a:prstGeom>
-          </p:spPr>
-        </p:pic>
-        <p:pic>
-          <p:nvPicPr>
-            <p:cNvPr id="29" name="Object 28"/>
-            <p:cNvPicPr>
-              <a:picLocks noChangeAspect="1"/>
-            </p:cNvPicPr>
-            <p:nvPr/>
-          </p:nvPicPr>
-          <p:blipFill>
-            <a:blip r:embed="rId16" cstate="print"/>
-            <a:stretch>
-              <a:fillRect/>
-            </a:stretch>
-          </p:blipFill>
-          <p:spPr>
-            <a:xfrm>
-              <a:off x="3948791" y="7176249"/>
-              <a:ext cx="2511493" cy="452433"/>
-            </a:xfrm>
-            <a:prstGeom prst="rect">
-              <a:avLst/>
-            </a:prstGeom>
-          </p:spPr>
-        </p:pic>
-      </p:grpSp>
-      <p:grpSp>
-        <p:nvGrpSpPr>
-          <p:cNvPr id="1008" name="그룹 1008"/>
-          <p:cNvGrpSpPr/>
-          <p:nvPr/>
-        </p:nvGrpSpPr>
-        <p:grpSpPr>
-          <a:xfrm>
-            <a:off x="8526440" y="6560236"/>
-            <a:ext cx="1388254" cy="1388254"/>
-            <a:chOff x="8526440" y="6560236"/>
-            <a:chExt cx="1388254" cy="1388254"/>
-          </a:xfrm>
-        </p:grpSpPr>
-        <p:pic>
-          <p:nvPicPr>
-            <p:cNvPr id="32" name="Object 31"/>
-            <p:cNvPicPr>
-              <a:picLocks noChangeAspect="1"/>
-            </p:cNvPicPr>
-            <p:nvPr/>
-          </p:nvPicPr>
-          <p:blipFill>
-            <a:blip r:embed="rId17" cstate="print"/>
-            <a:stretch>
-              <a:fillRect/>
-            </a:stretch>
-          </p:blipFill>
-          <p:spPr>
-            <a:xfrm>
-              <a:off x="8526440" y="6560236"/>
-              <a:ext cx="1388254" cy="1388254"/>
-            </a:xfrm>
-            <a:prstGeom prst="rect">
-              <a:avLst/>
-            </a:prstGeom>
-          </p:spPr>
-        </p:pic>
-      </p:grpSp>
-      <p:pic>
-        <p:nvPicPr>
-          <p:cNvPr id="34" name="Object 33"/>
-          <p:cNvPicPr>
-            <a:picLocks noChangeAspect="1"/>
-          </p:cNvPicPr>
-          <p:nvPr/>
-        </p:nvPicPr>
-        <p:blipFill>
-          <a:blip r:embed="rId15" cstate="print"/>
-          <a:stretch>
-            <a:fillRect/>
-          </a:stretch>
-        </p:blipFill>
-        <p:spPr>
-          <a:xfrm>
-            <a:off x="12055898" y="6724704"/>
-            <a:ext cx="2131262" cy="689493"/>
-          </a:xfrm>
-          <a:prstGeom prst="rect">
-            <a:avLst/>
-          </a:prstGeom>
-        </p:spPr>
-      </p:pic>
-      <p:pic>
-        <p:nvPicPr>
-          <p:cNvPr id="35" name="Object 34"/>
-          <p:cNvPicPr>
-            <a:picLocks noChangeAspect="1"/>
-          </p:cNvPicPr>
-          <p:nvPr/>
-        </p:nvPicPr>
-        <p:blipFill>
-          <a:blip r:embed="rId16" cstate="print"/>
-          <a:stretch>
-            <a:fillRect/>
-          </a:stretch>
-        </p:blipFill>
-        <p:spPr>
-          <a:xfrm>
-            <a:off x="11910704" y="7176249"/>
-            <a:ext cx="2511493" cy="452433"/>
-          </a:xfrm>
-          <a:prstGeom prst="rect">
-            <a:avLst/>
-          </a:prstGeom>
-        </p:spPr>
-      </p:pic>
-      <p:pic>
-        <p:nvPicPr>
-          <p:cNvPr id="36" name="Object 35"/>
-          <p:cNvPicPr>
-            <a:picLocks noChangeAspect="1"/>
-          </p:cNvPicPr>
-          <p:nvPr/>
-        </p:nvPicPr>
-        <p:blipFill>
-          <a:blip r:embed="rId18" cstate="print"/>
-          <a:stretch>
-            <a:fillRect/>
-          </a:stretch>
-        </p:blipFill>
-        <p:spPr>
-          <a:xfrm>
-            <a:off x="8657697" y="6921795"/>
-            <a:ext cx="976476" cy="705272"/>
-          </a:xfrm>
-          <a:prstGeom prst="rect">
-            <a:avLst/>
-          </a:prstGeom>
-        </p:spPr>
-      </p:pic>
-      <p:grpSp>
-        <p:nvGrpSpPr>
-          <p:cNvPr id="1009" name="그룹 1009"/>
-          <p:cNvGrpSpPr/>
-          <p:nvPr/>
-        </p:nvGrpSpPr>
-        <p:grpSpPr>
-          <a:xfrm>
-            <a:off x="7280697" y="6939183"/>
-            <a:ext cx="313547" cy="630360"/>
-            <a:chOff x="7280697" y="6939183"/>
-            <a:chExt cx="313547" cy="630360"/>
-          </a:xfrm>
-        </p:grpSpPr>
-        <p:pic>
-          <p:nvPicPr>
-            <p:cNvPr id="38" name="Object 37"/>
-            <p:cNvPicPr>
-              <a:picLocks noChangeAspect="1"/>
-            </p:cNvPicPr>
-            <p:nvPr/>
-          </p:nvPicPr>
-          <p:blipFill>
-            <a:blip r:embed="rId19" cstate="print"/>
-            <a:stretch>
-              <a:fillRect/>
-            </a:stretch>
-          </p:blipFill>
-          <p:spPr>
-            <a:xfrm>
-              <a:off x="7280697" y="6939183"/>
-              <a:ext cx="313547" cy="630360"/>
-            </a:xfrm>
-            <a:prstGeom prst="rect">
-              <a:avLst/>
-            </a:prstGeom>
-          </p:spPr>
-        </p:pic>
-      </p:grpSp>
-      <p:grpSp>
-        <p:nvGrpSpPr>
-          <p:cNvPr id="1010" name="그룹 1010"/>
-          <p:cNvGrpSpPr/>
-          <p:nvPr/>
-        </p:nvGrpSpPr>
-        <p:grpSpPr>
-          <a:xfrm>
-            <a:off x="10713066" y="6956643"/>
-            <a:ext cx="313547" cy="630360"/>
-            <a:chOff x="10713066" y="6956643"/>
-            <a:chExt cx="313547" cy="630360"/>
-          </a:xfrm>
-        </p:grpSpPr>
-        <p:pic>
-          <p:nvPicPr>
-            <p:cNvPr id="41" name="Object 40"/>
-            <p:cNvPicPr>
-              <a:picLocks noChangeAspect="1"/>
-            </p:cNvPicPr>
-            <p:nvPr/>
-          </p:nvPicPr>
-          <p:blipFill>
-            <a:blip r:embed="rId19" cstate="print"/>
-            <a:stretch>
-              <a:fillRect/>
-            </a:stretch>
-          </p:blipFill>
-          <p:spPr>
-            <a:xfrm rot="-10800000">
-              <a:off x="10713066" y="6956643"/>
-              <a:ext cx="313547" cy="630360"/>
-            </a:xfrm>
-            <a:prstGeom prst="rect">
-              <a:avLst/>
-            </a:prstGeom>
-          </p:spPr>
-        </p:pic>
-      </p:grpSp>
-      <p:grpSp>
-        <p:nvGrpSpPr>
-          <p:cNvPr id="1011" name="그룹 1011"/>
-          <p:cNvGrpSpPr/>
-          <p:nvPr/>
-        </p:nvGrpSpPr>
-        <p:grpSpPr>
-          <a:xfrm>
-            <a:off x="2294741" y="6037116"/>
-            <a:ext cx="13696233" cy="72326"/>
-            <a:chOff x="2294741" y="6037116"/>
-            <a:chExt cx="13696233" cy="72326"/>
-          </a:xfrm>
-        </p:grpSpPr>
-        <p:pic>
-          <p:nvPicPr>
-            <p:cNvPr id="44" name="Object 43"/>
-            <p:cNvPicPr>
-              <a:picLocks noChangeAspect="1"/>
-            </p:cNvPicPr>
-            <p:nvPr/>
-          </p:nvPicPr>
-          <p:blipFill>
-            <a:blip r:embed="rId20" cstate="print"/>
-            <a:stretch>
-              <a:fillRect/>
-            </a:stretch>
-          </p:blipFill>
-          <p:spPr>
-            <a:xfrm rot="-10800000">
-              <a:off x="2294741" y="6037116"/>
-              <a:ext cx="13696233" cy="72326"/>
-            </a:xfrm>
-            <a:prstGeom prst="rect">
-              <a:avLst/>
-            </a:prstGeom>
-          </p:spPr>
-        </p:pic>
-      </p:grpSp>
-      <p:pic>
-        <p:nvPicPr>
-          <p:cNvPr id="46" name="Object 45"/>
-          <p:cNvPicPr>
-            <a:picLocks noChangeAspect="1"/>
-          </p:cNvPicPr>
-          <p:nvPr/>
-        </p:nvPicPr>
-        <p:blipFill>
-          <a:blip r:embed="rId21" cstate="print"/>
-          <a:stretch>
-            <a:fillRect/>
-          </a:stretch>
-        </p:blipFill>
-        <p:spPr>
-          <a:xfrm>
-            <a:off x="3964218" y="8735519"/>
-            <a:ext cx="9320772" cy="452433"/>
-          </a:xfrm>
-          <a:prstGeom prst="rect">
-            <a:avLst/>
-          </a:prstGeom>
-        </p:spPr>
-      </p:pic>
-      <p:grpSp>
-        <p:nvGrpSpPr>
-          <p:cNvPr id="1012" name="그룹 1012"/>
-          <p:cNvGrpSpPr/>
-          <p:nvPr/>
-        </p:nvGrpSpPr>
-        <p:grpSpPr>
-          <a:xfrm>
-            <a:off x="15884710" y="2085329"/>
-            <a:ext cx="3113132" cy="2864932"/>
-            <a:chOff x="15884710" y="2085329"/>
-            <a:chExt cx="3113132" cy="2864932"/>
-          </a:xfrm>
-        </p:grpSpPr>
-        <p:pic>
-          <p:nvPicPr>
-            <p:cNvPr id="48" name="Object 47"/>
-            <p:cNvPicPr>
-              <a:picLocks noChangeAspect="1"/>
-            </p:cNvPicPr>
-            <p:nvPr/>
-          </p:nvPicPr>
-          <p:blipFill>
-            <a:blip r:embed="rId22" cstate="print"/>
-            <a:stretch>
-              <a:fillRect/>
-            </a:stretch>
-          </p:blipFill>
-          <p:spPr>
-            <a:xfrm>
-              <a:off x="15884710" y="2085329"/>
-              <a:ext cx="3113132" cy="2864932"/>
-            </a:xfrm>
-            <a:prstGeom prst="rect">
-              <a:avLst/>
-            </a:prstGeom>
-          </p:spPr>
-        </p:pic>
-      </p:grpSp>
-      <p:grpSp>
-        <p:nvGrpSpPr>
-          <p:cNvPr id="1013" name="그룹 1013"/>
-          <p:cNvGrpSpPr/>
-          <p:nvPr/>
-        </p:nvGrpSpPr>
-        <p:grpSpPr>
-          <a:xfrm>
-            <a:off x="-775833" y="8076190"/>
-            <a:ext cx="3070573" cy="2710992"/>
-            <a:chOff x="-775833" y="8076190"/>
-            <a:chExt cx="3070573" cy="2710992"/>
-          </a:xfrm>
-        </p:grpSpPr>
-        <p:pic>
-          <p:nvPicPr>
-            <p:cNvPr id="51" name="Object 50"/>
-            <p:cNvPicPr>
-              <a:picLocks noChangeAspect="1"/>
-            </p:cNvPicPr>
-            <p:nvPr/>
-          </p:nvPicPr>
-          <p:blipFill>
-            <a:blip r:embed="rId23" cstate="print"/>
-            <a:stretch>
-              <a:fillRect/>
-            </a:stretch>
-          </p:blipFill>
-          <p:spPr>
-            <a:xfrm>
-              <a:off x="-775833" y="8076190"/>
-              <a:ext cx="3070573" cy="2710992"/>
-            </a:xfrm>
-            <a:prstGeom prst="rect">
-              <a:avLst/>
-            </a:prstGeom>
-          </p:spPr>
-        </p:pic>
-      </p:grpSp>
-      <p:grpSp>
-        <p:nvGrpSpPr>
-          <p:cNvPr id="1014" name="그룹 1014"/>
-          <p:cNvGrpSpPr/>
-          <p:nvPr/>
-        </p:nvGrpSpPr>
-        <p:grpSpPr>
-          <a:xfrm>
-            <a:off x="6128684" y="3468689"/>
-            <a:ext cx="1998452" cy="1998452"/>
-            <a:chOff x="6128684" y="3468689"/>
-            <a:chExt cx="1998452" cy="1998452"/>
-          </a:xfrm>
-        </p:grpSpPr>
-        <p:pic>
-          <p:nvPicPr>
-            <p:cNvPr id="54" name="Object 53"/>
-            <p:cNvPicPr>
-              <a:picLocks noChangeAspect="1"/>
-            </p:cNvPicPr>
-            <p:nvPr/>
-          </p:nvPicPr>
-          <p:blipFill>
-            <a:blip r:embed="rId2" cstate="print"/>
-            <a:stretch>
-              <a:fillRect/>
-            </a:stretch>
-          </p:blipFill>
-          <p:spPr>
-            <a:xfrm>
-              <a:off x="6128684" y="3468689"/>
-              <a:ext cx="1998452" cy="1998452"/>
-            </a:xfrm>
-            <a:prstGeom prst="rect">
-              <a:avLst/>
-            </a:prstGeom>
-          </p:spPr>
-        </p:pic>
-      </p:grpSp>
-      <p:grpSp>
-        <p:nvGrpSpPr>
-          <p:cNvPr id="1015" name="그룹 1015"/>
-          <p:cNvGrpSpPr/>
-          <p:nvPr/>
-        </p:nvGrpSpPr>
-        <p:grpSpPr>
-          <a:xfrm>
-            <a:off x="6413582" y="3999731"/>
-            <a:ext cx="1428657" cy="880479"/>
-            <a:chOff x="6413582" y="3999731"/>
-            <a:chExt cx="1428657" cy="880479"/>
-          </a:xfrm>
-        </p:grpSpPr>
-        <p:pic>
-          <p:nvPicPr>
-            <p:cNvPr id="57" name="Object 56"/>
-            <p:cNvPicPr>
-              <a:picLocks noChangeAspect="1"/>
-            </p:cNvPicPr>
-            <p:nvPr/>
-          </p:nvPicPr>
-          <p:blipFill>
-            <a:blip r:embed="rId3" cstate="print"/>
-            <a:stretch>
-              <a:fillRect/>
-            </a:stretch>
-          </p:blipFill>
-          <p:spPr>
-            <a:xfrm>
-              <a:off x="6379615" y="3965764"/>
-              <a:ext cx="1133706" cy="650472"/>
-            </a:xfrm>
-            <a:prstGeom prst="rect">
-              <a:avLst/>
-            </a:prstGeom>
-          </p:spPr>
-        </p:pic>
-        <p:pic>
-          <p:nvPicPr>
-            <p:cNvPr id="58" name="Object 57"/>
-            <p:cNvPicPr>
-              <a:picLocks noChangeAspect="1"/>
-            </p:cNvPicPr>
-            <p:nvPr/>
-          </p:nvPicPr>
-          <p:blipFill>
-            <a:blip r:embed="rId4" cstate="print"/>
-            <a:stretch>
-              <a:fillRect/>
-            </a:stretch>
-          </p:blipFill>
-          <p:spPr>
-            <a:xfrm>
-              <a:off x="6564441" y="4529216"/>
-              <a:ext cx="1080180" cy="401606"/>
-            </a:xfrm>
-            <a:prstGeom prst="rect">
-              <a:avLst/>
-            </a:prstGeom>
-          </p:spPr>
-        </p:pic>
-      </p:grpSp>
-      <p:grpSp>
-        <p:nvGrpSpPr>
-          <p:cNvPr id="1016" name="그룹 1016"/>
-          <p:cNvGrpSpPr/>
-          <p:nvPr/>
-        </p:nvGrpSpPr>
-        <p:grpSpPr>
-          <a:xfrm>
-            <a:off x="5561289" y="3879837"/>
-            <a:ext cx="120774" cy="1132627"/>
-            <a:chOff x="5561289" y="3879837"/>
-            <a:chExt cx="120774" cy="1132627"/>
-          </a:xfrm>
-        </p:grpSpPr>
-        <p:pic>
-          <p:nvPicPr>
-            <p:cNvPr id="61" name="Object 60"/>
-            <p:cNvPicPr>
-              <a:picLocks noChangeAspect="1"/>
-            </p:cNvPicPr>
-            <p:nvPr/>
-          </p:nvPicPr>
-          <p:blipFill>
-            <a:blip r:embed="rId5" cstate="print"/>
-            <a:stretch>
-              <a:fillRect/>
-            </a:stretch>
-          </p:blipFill>
-          <p:spPr>
-            <a:xfrm rot="-16200000">
-              <a:off x="5561289" y="3879837"/>
-              <a:ext cx="120774" cy="1132627"/>
-            </a:xfrm>
-            <a:prstGeom prst="rect">
-              <a:avLst/>
-            </a:prstGeom>
-          </p:spPr>
-        </p:pic>
-      </p:grpSp>
-      <p:grpSp>
-        <p:nvGrpSpPr>
-          <p:cNvPr id="1017" name="그룹 1017"/>
-          <p:cNvGrpSpPr/>
-          <p:nvPr/>
-        </p:nvGrpSpPr>
-        <p:grpSpPr>
-          <a:xfrm>
-            <a:off x="3530922" y="3468689"/>
-            <a:ext cx="1998452" cy="1998452"/>
-            <a:chOff x="3530922" y="3468689"/>
-            <a:chExt cx="1998452" cy="1998452"/>
-          </a:xfrm>
-        </p:grpSpPr>
-        <p:pic>
-          <p:nvPicPr>
-            <p:cNvPr id="64" name="Object 63"/>
-            <p:cNvPicPr>
-              <a:picLocks noChangeAspect="1"/>
-            </p:cNvPicPr>
-            <p:nvPr/>
-          </p:nvPicPr>
-          <p:blipFill>
-            <a:blip r:embed="rId2" cstate="print"/>
-            <a:stretch>
-              <a:fillRect/>
-            </a:stretch>
-          </p:blipFill>
-          <p:spPr>
-            <a:xfrm>
-              <a:off x="3530922" y="3468689"/>
-              <a:ext cx="1998452" cy="1998452"/>
-            </a:xfrm>
-            <a:prstGeom prst="rect">
-              <a:avLst/>
-            </a:prstGeom>
-          </p:spPr>
-        </p:pic>
-      </p:grpSp>
-      <p:grpSp>
-        <p:nvGrpSpPr>
-          <p:cNvPr id="1018" name="그룹 1018"/>
-          <p:cNvGrpSpPr/>
-          <p:nvPr/>
-        </p:nvGrpSpPr>
-        <p:grpSpPr>
-          <a:xfrm>
-            <a:off x="3830654" y="3999731"/>
-            <a:ext cx="1428657" cy="880479"/>
-            <a:chOff x="3830654" y="3999731"/>
-            <a:chExt cx="1428657" cy="880479"/>
-          </a:xfrm>
-        </p:grpSpPr>
-        <p:pic>
-          <p:nvPicPr>
-            <p:cNvPr id="67" name="Object 66"/>
-            <p:cNvPicPr>
-              <a:picLocks noChangeAspect="1"/>
-            </p:cNvPicPr>
-            <p:nvPr/>
-          </p:nvPicPr>
-          <p:blipFill>
-            <a:blip r:embed="rId3" cstate="print"/>
-            <a:stretch>
-              <a:fillRect/>
-            </a:stretch>
-          </p:blipFill>
-          <p:spPr>
-            <a:xfrm>
-              <a:off x="3796687" y="3965764"/>
-              <a:ext cx="1133706" cy="650472"/>
-            </a:xfrm>
-            <a:prstGeom prst="rect">
-              <a:avLst/>
-            </a:prstGeom>
-          </p:spPr>
-        </p:pic>
-        <p:pic>
-          <p:nvPicPr>
-            <p:cNvPr id="68" name="Object 67"/>
-            <p:cNvPicPr>
-              <a:picLocks noChangeAspect="1"/>
-            </p:cNvPicPr>
-            <p:nvPr/>
-          </p:nvPicPr>
-          <p:blipFill>
-            <a:blip r:embed="rId4" cstate="print"/>
-            <a:stretch>
-              <a:fillRect/>
-            </a:stretch>
-          </p:blipFill>
-          <p:spPr>
-            <a:xfrm>
-              <a:off x="3981513" y="4529216"/>
-              <a:ext cx="1080180" cy="401606"/>
-            </a:xfrm>
-            <a:prstGeom prst="rect">
-              <a:avLst/>
-            </a:prstGeom>
-          </p:spPr>
-        </p:pic>
-      </p:grpSp>
-    </p:spTree>
-  </p:cSld>
-  <p:clrMapOvr>
-    <a:masterClrMapping/>
-  </p:clrMapOvr>
-</p:sld>
-</file>
-
 <file path=ppt/slides/slide2.xml><?xml version="1.0" encoding="utf-8"?>
 <p:sld xmlns:a="http://schemas.openxmlformats.org/drawingml/2006/main" xmlns:r="http://schemas.openxmlformats.org/officeDocument/2006/relationships" xmlns:p="http://schemas.openxmlformats.org/presentationml/2006/main">
   <p:cSld>
@@ -16147,7 +15515,7 @@
           <p:cNvPr id="4" name="그룹 1018">
             <a:extLst>
               <a:ext uri="{FF2B5EF4-FFF2-40B4-BE49-F238E27FC236}">
-                <a16:creationId xmlns:a16="http://schemas.microsoft.com/office/drawing/2014/main" id="{0C5247D1-E285-7CDC-25F8-F1ABCDE304BE}"/>
+                <a16:creationId xmlns:a16="http://schemas.microsoft.com/office/drawing/2014/main" xmlns="" id="{0C5247D1-E285-7CDC-25F8-F1ABCDE304BE}"/>
               </a:ext>
             </a:extLst>
           </p:cNvPr>
@@ -16167,7 +15535,7 @@
             <p:cNvPr id="5" name="Object 61">
               <a:extLst>
                 <a:ext uri="{FF2B5EF4-FFF2-40B4-BE49-F238E27FC236}">
-                  <a16:creationId xmlns:a16="http://schemas.microsoft.com/office/drawing/2014/main" id="{29C480AF-46D1-D9A5-6C87-226E5620D948}"/>
+                  <a16:creationId xmlns:a16="http://schemas.microsoft.com/office/drawing/2014/main" xmlns="" id="{29C480AF-46D1-D9A5-6C87-226E5620D948}"/>
                 </a:ext>
               </a:extLst>
             </p:cNvPr>
@@ -16198,7 +15566,7 @@
           <p:cNvPr id="6" name="그룹 1018">
             <a:extLst>
               <a:ext uri="{FF2B5EF4-FFF2-40B4-BE49-F238E27FC236}">
-                <a16:creationId xmlns:a16="http://schemas.microsoft.com/office/drawing/2014/main" id="{F53BC57C-78A5-6AFC-CB34-7E3FD29B339F}"/>
+                <a16:creationId xmlns:a16="http://schemas.microsoft.com/office/drawing/2014/main" xmlns="" id="{F53BC57C-78A5-6AFC-CB34-7E3FD29B339F}"/>
               </a:ext>
             </a:extLst>
           </p:cNvPr>
@@ -16218,7 +15586,7 @@
             <p:cNvPr id="7" name="Object 61">
               <a:extLst>
                 <a:ext uri="{FF2B5EF4-FFF2-40B4-BE49-F238E27FC236}">
-                  <a16:creationId xmlns:a16="http://schemas.microsoft.com/office/drawing/2014/main" id="{E6F73685-14E5-06A9-813C-1C372BD6F4DE}"/>
+                  <a16:creationId xmlns:a16="http://schemas.microsoft.com/office/drawing/2014/main" xmlns="" id="{E6F73685-14E5-06A9-813C-1C372BD6F4DE}"/>
                 </a:ext>
               </a:extLst>
             </p:cNvPr>
@@ -16249,7 +15617,7 @@
           <p:cNvPr id="11" name="직선 연결선 10">
             <a:extLst>
               <a:ext uri="{FF2B5EF4-FFF2-40B4-BE49-F238E27FC236}">
-                <a16:creationId xmlns:a16="http://schemas.microsoft.com/office/drawing/2014/main" id="{466D5656-813B-296D-F08F-2E57C8EBA1E1}"/>
+                <a16:creationId xmlns:a16="http://schemas.microsoft.com/office/drawing/2014/main" xmlns="" id="{466D5656-813B-296D-F08F-2E57C8EBA1E1}"/>
               </a:ext>
             </a:extLst>
           </p:cNvPr>
@@ -16292,7 +15660,7 @@
           <p:cNvPr id="13" name="그룹 1018">
             <a:extLst>
               <a:ext uri="{FF2B5EF4-FFF2-40B4-BE49-F238E27FC236}">
-                <a16:creationId xmlns:a16="http://schemas.microsoft.com/office/drawing/2014/main" id="{6422EA0E-12C8-4264-ABC7-17F8CE933867}"/>
+                <a16:creationId xmlns:a16="http://schemas.microsoft.com/office/drawing/2014/main" xmlns="" id="{6422EA0E-12C8-4264-ABC7-17F8CE933867}"/>
               </a:ext>
             </a:extLst>
           </p:cNvPr>
@@ -16312,7 +15680,7 @@
             <p:cNvPr id="14" name="Object 61">
               <a:extLst>
                 <a:ext uri="{FF2B5EF4-FFF2-40B4-BE49-F238E27FC236}">
-                  <a16:creationId xmlns:a16="http://schemas.microsoft.com/office/drawing/2014/main" id="{B8EE3D0F-6DDF-413D-3D54-0B0C4905D65D}"/>
+                  <a16:creationId xmlns:a16="http://schemas.microsoft.com/office/drawing/2014/main" xmlns="" id="{B8EE3D0F-6DDF-413D-3D54-0B0C4905D65D}"/>
                 </a:ext>
               </a:extLst>
             </p:cNvPr>
@@ -16343,7 +15711,7 @@
           <p:cNvPr id="15" name="그룹 1018">
             <a:extLst>
               <a:ext uri="{FF2B5EF4-FFF2-40B4-BE49-F238E27FC236}">
-                <a16:creationId xmlns:a16="http://schemas.microsoft.com/office/drawing/2014/main" id="{11F8DF7C-F95F-B0B5-FC7F-85E369D002C6}"/>
+                <a16:creationId xmlns:a16="http://schemas.microsoft.com/office/drawing/2014/main" xmlns="" id="{11F8DF7C-F95F-B0B5-FC7F-85E369D002C6}"/>
               </a:ext>
             </a:extLst>
           </p:cNvPr>
@@ -16363,7 +15731,7 @@
             <p:cNvPr id="16" name="Object 61">
               <a:extLst>
                 <a:ext uri="{FF2B5EF4-FFF2-40B4-BE49-F238E27FC236}">
-                  <a16:creationId xmlns:a16="http://schemas.microsoft.com/office/drawing/2014/main" id="{B8B15D9F-D5FD-93DD-D076-037E1D6FFEC7}"/>
+                  <a16:creationId xmlns:a16="http://schemas.microsoft.com/office/drawing/2014/main" xmlns="" id="{B8B15D9F-D5FD-93DD-D076-037E1D6FFEC7}"/>
                 </a:ext>
               </a:extLst>
             </p:cNvPr>
@@ -16394,7 +15762,7 @@
           <p:cNvPr id="17" name="직선 연결선 16">
             <a:extLst>
               <a:ext uri="{FF2B5EF4-FFF2-40B4-BE49-F238E27FC236}">
-                <a16:creationId xmlns:a16="http://schemas.microsoft.com/office/drawing/2014/main" id="{450E9148-0C3A-3B85-23E5-E1D1C0997659}"/>
+                <a16:creationId xmlns:a16="http://schemas.microsoft.com/office/drawing/2014/main" xmlns="" id="{450E9148-0C3A-3B85-23E5-E1D1C0997659}"/>
               </a:ext>
             </a:extLst>
           </p:cNvPr>
@@ -16438,7 +15806,7 @@
           <p:cNvPr id="20" name="TextBox 19">
             <a:extLst>
               <a:ext uri="{FF2B5EF4-FFF2-40B4-BE49-F238E27FC236}">
-                <a16:creationId xmlns:a16="http://schemas.microsoft.com/office/drawing/2014/main" id="{A06D4055-10A8-4A24-5EDC-0761473BA40F}"/>
+                <a16:creationId xmlns:a16="http://schemas.microsoft.com/office/drawing/2014/main" xmlns="" id="{A06D4055-10A8-4A24-5EDC-0761473BA40F}"/>
               </a:ext>
             </a:extLst>
           </p:cNvPr>
@@ -16482,7 +15850,7 @@
           <p:cNvPr id="21" name="TextBox 20">
             <a:extLst>
               <a:ext uri="{FF2B5EF4-FFF2-40B4-BE49-F238E27FC236}">
-                <a16:creationId xmlns:a16="http://schemas.microsoft.com/office/drawing/2014/main" id="{044C5ACF-17B6-5920-7904-E16248F54A6A}"/>
+                <a16:creationId xmlns:a16="http://schemas.microsoft.com/office/drawing/2014/main" xmlns="" id="{044C5ACF-17B6-5920-7904-E16248F54A6A}"/>
               </a:ext>
             </a:extLst>
           </p:cNvPr>
@@ -16526,7 +15894,7 @@
           <p:cNvPr id="22" name="TextBox 21">
             <a:extLst>
               <a:ext uri="{FF2B5EF4-FFF2-40B4-BE49-F238E27FC236}">
-                <a16:creationId xmlns:a16="http://schemas.microsoft.com/office/drawing/2014/main" id="{A7091AF6-2AB0-08A8-8A31-E96D2EBC6A65}"/>
+                <a16:creationId xmlns:a16="http://schemas.microsoft.com/office/drawing/2014/main" xmlns="" id="{A7091AF6-2AB0-08A8-8A31-E96D2EBC6A65}"/>
               </a:ext>
             </a:extLst>
           </p:cNvPr>
@@ -16570,7 +15938,7 @@
           <p:cNvPr id="23" name="TextBox 22">
             <a:extLst>
               <a:ext uri="{FF2B5EF4-FFF2-40B4-BE49-F238E27FC236}">
-                <a16:creationId xmlns:a16="http://schemas.microsoft.com/office/drawing/2014/main" id="{101E227B-A9BD-20A0-66DD-A013FA376D02}"/>
+                <a16:creationId xmlns:a16="http://schemas.microsoft.com/office/drawing/2014/main" xmlns="" id="{101E227B-A9BD-20A0-66DD-A013FA376D02}"/>
               </a:ext>
             </a:extLst>
           </p:cNvPr>
@@ -16628,7 +15996,7 @@
             <p:cNvPr id="9" name="직선 연결선 8">
               <a:extLst>
                 <a:ext uri="{FF2B5EF4-FFF2-40B4-BE49-F238E27FC236}">
-                  <a16:creationId xmlns:a16="http://schemas.microsoft.com/office/drawing/2014/main" id="{1172879B-889D-0C2F-EEA8-003E6793F36F}"/>
+                  <a16:creationId xmlns:a16="http://schemas.microsoft.com/office/drawing/2014/main" xmlns="" id="{1172879B-889D-0C2F-EEA8-003E6793F36F}"/>
                 </a:ext>
               </a:extLst>
             </p:cNvPr>
@@ -16671,7 +16039,7 @@
             <p:cNvPr id="24" name="직선 연결선 23">
               <a:extLst>
                 <a:ext uri="{FF2B5EF4-FFF2-40B4-BE49-F238E27FC236}">
-                  <a16:creationId xmlns:a16="http://schemas.microsoft.com/office/drawing/2014/main" id="{1172879B-889D-0C2F-EEA8-003E6793F36F}"/>
+                  <a16:creationId xmlns:a16="http://schemas.microsoft.com/office/drawing/2014/main" xmlns="" id="{1172879B-889D-0C2F-EEA8-003E6793F36F}"/>
                 </a:ext>
               </a:extLst>
             </p:cNvPr>
@@ -16714,7 +16082,7 @@
             <p:cNvPr id="25" name="직선 연결선 24">
               <a:extLst>
                 <a:ext uri="{FF2B5EF4-FFF2-40B4-BE49-F238E27FC236}">
-                  <a16:creationId xmlns:a16="http://schemas.microsoft.com/office/drawing/2014/main" id="{1172879B-889D-0C2F-EEA8-003E6793F36F}"/>
+                  <a16:creationId xmlns:a16="http://schemas.microsoft.com/office/drawing/2014/main" xmlns="" id="{1172879B-889D-0C2F-EEA8-003E6793F36F}"/>
                 </a:ext>
               </a:extLst>
             </p:cNvPr>
@@ -16757,7 +16125,7 @@
             <p:cNvPr id="30" name="직선 연결선 29">
               <a:extLst>
                 <a:ext uri="{FF2B5EF4-FFF2-40B4-BE49-F238E27FC236}">
-                  <a16:creationId xmlns:a16="http://schemas.microsoft.com/office/drawing/2014/main" id="{1172879B-889D-0C2F-EEA8-003E6793F36F}"/>
+                  <a16:creationId xmlns:a16="http://schemas.microsoft.com/office/drawing/2014/main" xmlns="" id="{1172879B-889D-0C2F-EEA8-003E6793F36F}"/>
                 </a:ext>
               </a:extLst>
             </p:cNvPr>
@@ -16801,7 +16169,7 @@
           <p:cNvPr id="2" name="TextBox 1">
             <a:extLst>
               <a:ext uri="{FF2B5EF4-FFF2-40B4-BE49-F238E27FC236}">
-                <a16:creationId xmlns:a16="http://schemas.microsoft.com/office/drawing/2014/main" id="{06954172-7EF0-CE8C-73EC-25E928EC1B7D}"/>
+                <a16:creationId xmlns:a16="http://schemas.microsoft.com/office/drawing/2014/main" xmlns="" id="{06954172-7EF0-CE8C-73EC-25E928EC1B7D}"/>
               </a:ext>
             </a:extLst>
           </p:cNvPr>
@@ -16849,7 +16217,7 @@
           <p:cNvPr id="3" name="직사각형 2">
             <a:extLst>
               <a:ext uri="{FF2B5EF4-FFF2-40B4-BE49-F238E27FC236}">
-                <a16:creationId xmlns:a16="http://schemas.microsoft.com/office/drawing/2014/main" id="{29F1D9FA-D3AF-5E6D-24AC-E65D22A0D7A0}"/>
+                <a16:creationId xmlns:a16="http://schemas.microsoft.com/office/drawing/2014/main" xmlns="" id="{29F1D9FA-D3AF-5E6D-24AC-E65D22A0D7A0}"/>
               </a:ext>
             </a:extLst>
           </p:cNvPr>
@@ -16901,7 +16269,7 @@
           <p:cNvPr id="8" name="TextBox 7">
             <a:extLst>
               <a:ext uri="{FF2B5EF4-FFF2-40B4-BE49-F238E27FC236}">
-                <a16:creationId xmlns:a16="http://schemas.microsoft.com/office/drawing/2014/main" id="{3CDC1150-AB9C-B8B4-624C-8B864CBAC5DD}"/>
+                <a16:creationId xmlns:a16="http://schemas.microsoft.com/office/drawing/2014/main" xmlns="" id="{3CDC1150-AB9C-B8B4-624C-8B864CBAC5DD}"/>
               </a:ext>
             </a:extLst>
           </p:cNvPr>
@@ -17275,7 +16643,7 @@
           <p:cNvPr id="10" name="직사각형 9">
             <a:extLst>
               <a:ext uri="{FF2B5EF4-FFF2-40B4-BE49-F238E27FC236}">
-                <a16:creationId xmlns:a16="http://schemas.microsoft.com/office/drawing/2014/main" id="{361FA442-8171-4EBF-65A2-19C90654959D}"/>
+                <a16:creationId xmlns:a16="http://schemas.microsoft.com/office/drawing/2014/main" xmlns="" id="{361FA442-8171-4EBF-65A2-19C90654959D}"/>
               </a:ext>
             </a:extLst>
           </p:cNvPr>
@@ -17327,7 +16695,7 @@
           <p:cNvPr id="12" name="TextBox 11">
             <a:extLst>
               <a:ext uri="{FF2B5EF4-FFF2-40B4-BE49-F238E27FC236}">
-                <a16:creationId xmlns:a16="http://schemas.microsoft.com/office/drawing/2014/main" id="{909B8AE9-459C-C458-C52F-C85F69813361}"/>
+                <a16:creationId xmlns:a16="http://schemas.microsoft.com/office/drawing/2014/main" xmlns="" id="{909B8AE9-459C-C458-C52F-C85F69813361}"/>
               </a:ext>
             </a:extLst>
           </p:cNvPr>
@@ -17463,6 +16831,1077 @@
 
 <file path=ppt/slides/slide20.xml><?xml version="1.0" encoding="utf-8"?>
 <p:sld xmlns:a="http://schemas.openxmlformats.org/drawingml/2006/main" xmlns:r="http://schemas.openxmlformats.org/officeDocument/2006/relationships" xmlns:p="http://schemas.openxmlformats.org/presentationml/2006/main">
+  <p:cSld name="Slide 16">
+    <p:bg>
+      <p:bgPr>
+        <a:solidFill>
+          <a:srgbClr val="4C50BB"/>
+        </a:solidFill>
+        <a:effectLst/>
+      </p:bgPr>
+    </p:bg>
+    <p:spTree>
+      <p:nvGrpSpPr>
+        <p:cNvPr id="1" name=""/>
+        <p:cNvGrpSpPr/>
+        <p:nvPr/>
+      </p:nvGrpSpPr>
+      <p:grpSpPr>
+        <a:xfrm>
+          <a:off x="0" y="0"/>
+          <a:ext cx="0" cy="0"/>
+          <a:chOff x="0" y="0"/>
+          <a:chExt cx="0" cy="0"/>
+        </a:xfrm>
+      </p:grpSpPr>
+      <p:grpSp>
+        <p:nvGrpSpPr>
+          <p:cNvPr id="1001" name="그룹 1001"/>
+          <p:cNvGrpSpPr/>
+          <p:nvPr/>
+        </p:nvGrpSpPr>
+        <p:grpSpPr>
+          <a:xfrm>
+            <a:off x="8645233" y="3377013"/>
+            <a:ext cx="1998452" cy="1998452"/>
+            <a:chOff x="8645233" y="3377013"/>
+            <a:chExt cx="1998452" cy="1998452"/>
+          </a:xfrm>
+        </p:grpSpPr>
+        <p:pic>
+          <p:nvPicPr>
+            <p:cNvPr id="3" name="Object 2"/>
+            <p:cNvPicPr>
+              <a:picLocks noChangeAspect="1"/>
+            </p:cNvPicPr>
+            <p:nvPr/>
+          </p:nvPicPr>
+          <p:blipFill>
+            <a:blip r:embed="rId2" cstate="print"/>
+            <a:stretch>
+              <a:fillRect/>
+            </a:stretch>
+          </p:blipFill>
+          <p:spPr>
+            <a:xfrm>
+              <a:off x="8645233" y="3377013"/>
+              <a:ext cx="1998452" cy="1998452"/>
+            </a:xfrm>
+            <a:prstGeom prst="rect">
+              <a:avLst/>
+            </a:prstGeom>
+          </p:spPr>
+        </p:pic>
+      </p:grpSp>
+      <p:grpSp>
+        <p:nvGrpSpPr>
+          <p:cNvPr id="1002" name="그룹 1002"/>
+          <p:cNvGrpSpPr/>
+          <p:nvPr/>
+        </p:nvGrpSpPr>
+        <p:grpSpPr>
+          <a:xfrm>
+            <a:off x="8930130" y="3908056"/>
+            <a:ext cx="1428657" cy="880479"/>
+            <a:chOff x="8930130" y="3908056"/>
+            <a:chExt cx="1428657" cy="880479"/>
+          </a:xfrm>
+        </p:grpSpPr>
+        <p:pic>
+          <p:nvPicPr>
+            <p:cNvPr id="6" name="Object 5"/>
+            <p:cNvPicPr>
+              <a:picLocks noChangeAspect="1"/>
+            </p:cNvPicPr>
+            <p:nvPr/>
+          </p:nvPicPr>
+          <p:blipFill>
+            <a:blip r:embed="rId3" cstate="print"/>
+            <a:stretch>
+              <a:fillRect/>
+            </a:stretch>
+          </p:blipFill>
+          <p:spPr>
+            <a:xfrm>
+              <a:off x="8896163" y="3874088"/>
+              <a:ext cx="1133706" cy="650472"/>
+            </a:xfrm>
+            <a:prstGeom prst="rect">
+              <a:avLst/>
+            </a:prstGeom>
+          </p:spPr>
+        </p:pic>
+        <p:pic>
+          <p:nvPicPr>
+            <p:cNvPr id="7" name="Object 6"/>
+            <p:cNvPicPr>
+              <a:picLocks noChangeAspect="1"/>
+            </p:cNvPicPr>
+            <p:nvPr/>
+          </p:nvPicPr>
+          <p:blipFill>
+            <a:blip r:embed="rId4" cstate="print"/>
+            <a:stretch>
+              <a:fillRect/>
+            </a:stretch>
+          </p:blipFill>
+          <p:spPr>
+            <a:xfrm>
+              <a:off x="9080989" y="4437540"/>
+              <a:ext cx="1080180" cy="401606"/>
+            </a:xfrm>
+            <a:prstGeom prst="rect">
+              <a:avLst/>
+            </a:prstGeom>
+          </p:spPr>
+        </p:pic>
+      </p:grpSp>
+      <p:grpSp>
+        <p:nvGrpSpPr>
+          <p:cNvPr id="1003" name="그룹 1003"/>
+          <p:cNvGrpSpPr/>
+          <p:nvPr/>
+        </p:nvGrpSpPr>
+        <p:grpSpPr>
+          <a:xfrm>
+            <a:off x="8090134" y="3879837"/>
+            <a:ext cx="120774" cy="1132627"/>
+            <a:chOff x="8090134" y="3879837"/>
+            <a:chExt cx="120774" cy="1132627"/>
+          </a:xfrm>
+        </p:grpSpPr>
+        <p:pic>
+          <p:nvPicPr>
+            <p:cNvPr id="10" name="Object 9"/>
+            <p:cNvPicPr>
+              <a:picLocks noChangeAspect="1"/>
+            </p:cNvPicPr>
+            <p:nvPr/>
+          </p:nvPicPr>
+          <p:blipFill>
+            <a:blip r:embed="rId5" cstate="print"/>
+            <a:stretch>
+              <a:fillRect/>
+            </a:stretch>
+          </p:blipFill>
+          <p:spPr>
+            <a:xfrm rot="-16200000">
+              <a:off x="8090134" y="3879837"/>
+              <a:ext cx="120774" cy="1132627"/>
+            </a:xfrm>
+            <a:prstGeom prst="rect">
+              <a:avLst/>
+            </a:prstGeom>
+          </p:spPr>
+        </p:pic>
+      </p:grpSp>
+      <p:grpSp>
+        <p:nvGrpSpPr>
+          <p:cNvPr id="1004" name="그룹 1004"/>
+          <p:cNvGrpSpPr/>
+          <p:nvPr/>
+        </p:nvGrpSpPr>
+        <p:grpSpPr>
+          <a:xfrm>
+            <a:off x="11827530" y="2774835"/>
+            <a:ext cx="2762946" cy="2762946"/>
+            <a:chOff x="11827530" y="2774835"/>
+            <a:chExt cx="2762946" cy="2762946"/>
+          </a:xfrm>
+        </p:grpSpPr>
+        <p:pic>
+          <p:nvPicPr>
+            <p:cNvPr id="13" name="Object 12"/>
+            <p:cNvPicPr>
+              <a:picLocks noChangeAspect="1"/>
+            </p:cNvPicPr>
+            <p:nvPr/>
+          </p:nvPicPr>
+          <p:blipFill>
+            <a:blip r:embed="rId6" cstate="print"/>
+            <a:stretch>
+              <a:fillRect/>
+            </a:stretch>
+          </p:blipFill>
+          <p:spPr>
+            <a:xfrm>
+              <a:off x="11827530" y="2774835"/>
+              <a:ext cx="2762946" cy="2762946"/>
+            </a:xfrm>
+            <a:prstGeom prst="rect">
+              <a:avLst/>
+            </a:prstGeom>
+          </p:spPr>
+        </p:pic>
+      </p:grpSp>
+      <p:pic>
+        <p:nvPicPr>
+          <p:cNvPr id="15" name="Object 14"/>
+          <p:cNvPicPr>
+            <a:picLocks noChangeAspect="1"/>
+          </p:cNvPicPr>
+          <p:nvPr/>
+        </p:nvPicPr>
+        <p:blipFill>
+          <a:blip r:embed="rId7" cstate="print"/>
+          <a:stretch>
+            <a:fillRect/>
+          </a:stretch>
+        </p:blipFill>
+        <p:spPr>
+          <a:xfrm>
+            <a:off x="12290289" y="3520997"/>
+            <a:ext cx="1678502" cy="543111"/>
+          </a:xfrm>
+          <a:prstGeom prst="rect">
+            <a:avLst/>
+          </a:prstGeom>
+        </p:spPr>
+      </p:pic>
+      <p:pic>
+        <p:nvPicPr>
+          <p:cNvPr id="16" name="Object 15"/>
+          <p:cNvPicPr>
+            <a:picLocks noChangeAspect="1"/>
+          </p:cNvPicPr>
+          <p:nvPr/>
+        </p:nvPicPr>
+        <p:blipFill>
+          <a:blip r:embed="rId8" cstate="print"/>
+          <a:stretch>
+            <a:fillRect/>
+          </a:stretch>
+        </p:blipFill>
+        <p:spPr>
+          <a:xfrm>
+            <a:off x="12517208" y="3865351"/>
+            <a:ext cx="1328139" cy="494736"/>
+          </a:xfrm>
+          <a:prstGeom prst="rect">
+            <a:avLst/>
+          </a:prstGeom>
+        </p:spPr>
+      </p:pic>
+      <p:grpSp>
+        <p:nvGrpSpPr>
+          <p:cNvPr id="1005" name="그룹 1005"/>
+          <p:cNvGrpSpPr/>
+          <p:nvPr/>
+        </p:nvGrpSpPr>
+        <p:grpSpPr>
+          <a:xfrm>
+            <a:off x="14780952" y="394301"/>
+            <a:ext cx="2926792" cy="572055"/>
+            <a:chOff x="14780952" y="394301"/>
+            <a:chExt cx="2926792" cy="572055"/>
+          </a:xfrm>
+        </p:grpSpPr>
+        <p:pic>
+          <p:nvPicPr>
+            <p:cNvPr id="18" name="Object 17"/>
+            <p:cNvPicPr>
+              <a:picLocks noChangeAspect="1"/>
+            </p:cNvPicPr>
+            <p:nvPr/>
+          </p:nvPicPr>
+          <p:blipFill>
+            <a:blip r:embed="rId9" cstate="print"/>
+            <a:stretch>
+              <a:fillRect/>
+            </a:stretch>
+          </p:blipFill>
+          <p:spPr>
+            <a:xfrm>
+              <a:off x="14750307" y="471765"/>
+              <a:ext cx="2488599" cy="362335"/>
+            </a:xfrm>
+            <a:prstGeom prst="rect">
+              <a:avLst/>
+            </a:prstGeom>
+          </p:spPr>
+        </p:pic>
+        <p:pic>
+          <p:nvPicPr>
+            <p:cNvPr id="19" name="Object 18"/>
+            <p:cNvPicPr>
+              <a:picLocks noChangeAspect="1"/>
+            </p:cNvPicPr>
+            <p:nvPr/>
+          </p:nvPicPr>
+          <p:blipFill>
+            <a:blip r:embed="rId10" cstate="print"/>
+            <a:stretch>
+              <a:fillRect/>
+            </a:stretch>
+          </p:blipFill>
+          <p:spPr>
+            <a:xfrm>
+              <a:off x="17064169" y="333009"/>
+              <a:ext cx="804679" cy="708122"/>
+            </a:xfrm>
+            <a:prstGeom prst="rect">
+              <a:avLst/>
+            </a:prstGeom>
+          </p:spPr>
+        </p:pic>
+      </p:grpSp>
+      <p:pic>
+        <p:nvPicPr>
+          <p:cNvPr id="21" name="Object 20"/>
+          <p:cNvPicPr>
+            <a:picLocks noChangeAspect="1"/>
+          </p:cNvPicPr>
+          <p:nvPr/>
+        </p:nvPicPr>
+        <p:blipFill>
+          <a:blip r:embed="rId11" cstate="print"/>
+          <a:stretch>
+            <a:fillRect/>
+          </a:stretch>
+        </p:blipFill>
+        <p:spPr>
+          <a:xfrm>
+            <a:off x="1600002" y="1439687"/>
+            <a:ext cx="5717444" cy="1141241"/>
+          </a:xfrm>
+          <a:prstGeom prst="rect">
+            <a:avLst/>
+          </a:prstGeom>
+        </p:spPr>
+      </p:pic>
+      <p:pic>
+        <p:nvPicPr>
+          <p:cNvPr id="22" name="Object 21"/>
+          <p:cNvPicPr>
+            <a:picLocks noChangeAspect="1"/>
+          </p:cNvPicPr>
+          <p:nvPr/>
+        </p:nvPicPr>
+        <p:blipFill>
+          <a:blip r:embed="rId12" cstate="print"/>
+          <a:stretch>
+            <a:fillRect/>
+          </a:stretch>
+        </p:blipFill>
+        <p:spPr>
+          <a:xfrm>
+            <a:off x="7374615" y="1715899"/>
+            <a:ext cx="4155185" cy="745677"/>
+          </a:xfrm>
+          <a:prstGeom prst="rect">
+            <a:avLst/>
+          </a:prstGeom>
+        </p:spPr>
+      </p:pic>
+      <p:grpSp>
+        <p:nvGrpSpPr>
+          <p:cNvPr id="1006" name="그룹 1006"/>
+          <p:cNvGrpSpPr/>
+          <p:nvPr/>
+        </p:nvGrpSpPr>
+        <p:grpSpPr>
+          <a:xfrm>
+            <a:off x="10996476" y="3941174"/>
+            <a:ext cx="364957" cy="733715"/>
+            <a:chOff x="10996476" y="3941174"/>
+            <a:chExt cx="364957" cy="733715"/>
+          </a:xfrm>
+        </p:grpSpPr>
+        <p:pic>
+          <p:nvPicPr>
+            <p:cNvPr id="24" name="Object 23"/>
+            <p:cNvPicPr>
+              <a:picLocks noChangeAspect="1"/>
+            </p:cNvPicPr>
+            <p:nvPr/>
+          </p:nvPicPr>
+          <p:blipFill>
+            <a:blip r:embed="rId13" cstate="print"/>
+            <a:stretch>
+              <a:fillRect/>
+            </a:stretch>
+          </p:blipFill>
+          <p:spPr>
+            <a:xfrm rot="-10800000">
+              <a:off x="10996476" y="3941174"/>
+              <a:ext cx="364957" cy="733715"/>
+            </a:xfrm>
+            <a:prstGeom prst="rect">
+              <a:avLst/>
+            </a:prstGeom>
+          </p:spPr>
+        </p:pic>
+      </p:grpSp>
+      <p:pic>
+        <p:nvPicPr>
+          <p:cNvPr id="26" name="Object 25"/>
+          <p:cNvPicPr>
+            <a:picLocks noChangeAspect="1"/>
+          </p:cNvPicPr>
+          <p:nvPr/>
+        </p:nvPicPr>
+        <p:blipFill>
+          <a:blip r:embed="rId14" cstate="print"/>
+          <a:stretch>
+            <a:fillRect/>
+          </a:stretch>
+        </p:blipFill>
+        <p:spPr>
+          <a:xfrm>
+            <a:off x="12157559" y="4436111"/>
+            <a:ext cx="1970143" cy="354981"/>
+          </a:xfrm>
+          <a:prstGeom prst="rect">
+            <a:avLst/>
+          </a:prstGeom>
+        </p:spPr>
+      </p:pic>
+      <p:grpSp>
+        <p:nvGrpSpPr>
+          <p:cNvPr id="1007" name="그룹 1007"/>
+          <p:cNvGrpSpPr/>
+          <p:nvPr/>
+        </p:nvGrpSpPr>
+        <p:grpSpPr>
+          <a:xfrm>
+            <a:off x="3986885" y="6777647"/>
+            <a:ext cx="2603998" cy="792244"/>
+            <a:chOff x="3986885" y="6777647"/>
+            <a:chExt cx="2603998" cy="792244"/>
+          </a:xfrm>
+        </p:grpSpPr>
+        <p:pic>
+          <p:nvPicPr>
+            <p:cNvPr id="28" name="Object 27"/>
+            <p:cNvPicPr>
+              <a:picLocks noChangeAspect="1"/>
+            </p:cNvPicPr>
+            <p:nvPr/>
+          </p:nvPicPr>
+          <p:blipFill>
+            <a:blip r:embed="rId15" cstate="print"/>
+            <a:stretch>
+              <a:fillRect/>
+            </a:stretch>
+          </p:blipFill>
+          <p:spPr>
+            <a:xfrm>
+              <a:off x="4093985" y="6724704"/>
+              <a:ext cx="2131262" cy="689493"/>
+            </a:xfrm>
+            <a:prstGeom prst="rect">
+              <a:avLst/>
+            </a:prstGeom>
+          </p:spPr>
+        </p:pic>
+        <p:pic>
+          <p:nvPicPr>
+            <p:cNvPr id="29" name="Object 28"/>
+            <p:cNvPicPr>
+              <a:picLocks noChangeAspect="1"/>
+            </p:cNvPicPr>
+            <p:nvPr/>
+          </p:nvPicPr>
+          <p:blipFill>
+            <a:blip r:embed="rId16" cstate="print"/>
+            <a:stretch>
+              <a:fillRect/>
+            </a:stretch>
+          </p:blipFill>
+          <p:spPr>
+            <a:xfrm>
+              <a:off x="3948791" y="7176249"/>
+              <a:ext cx="2511493" cy="452433"/>
+            </a:xfrm>
+            <a:prstGeom prst="rect">
+              <a:avLst/>
+            </a:prstGeom>
+          </p:spPr>
+        </p:pic>
+      </p:grpSp>
+      <p:grpSp>
+        <p:nvGrpSpPr>
+          <p:cNvPr id="1008" name="그룹 1008"/>
+          <p:cNvGrpSpPr/>
+          <p:nvPr/>
+        </p:nvGrpSpPr>
+        <p:grpSpPr>
+          <a:xfrm>
+            <a:off x="8526440" y="6560236"/>
+            <a:ext cx="1388254" cy="1388254"/>
+            <a:chOff x="8526440" y="6560236"/>
+            <a:chExt cx="1388254" cy="1388254"/>
+          </a:xfrm>
+        </p:grpSpPr>
+        <p:pic>
+          <p:nvPicPr>
+            <p:cNvPr id="32" name="Object 31"/>
+            <p:cNvPicPr>
+              <a:picLocks noChangeAspect="1"/>
+            </p:cNvPicPr>
+            <p:nvPr/>
+          </p:nvPicPr>
+          <p:blipFill>
+            <a:blip r:embed="rId17" cstate="print"/>
+            <a:stretch>
+              <a:fillRect/>
+            </a:stretch>
+          </p:blipFill>
+          <p:spPr>
+            <a:xfrm>
+              <a:off x="8526440" y="6560236"/>
+              <a:ext cx="1388254" cy="1388254"/>
+            </a:xfrm>
+            <a:prstGeom prst="rect">
+              <a:avLst/>
+            </a:prstGeom>
+          </p:spPr>
+        </p:pic>
+      </p:grpSp>
+      <p:pic>
+        <p:nvPicPr>
+          <p:cNvPr id="34" name="Object 33"/>
+          <p:cNvPicPr>
+            <a:picLocks noChangeAspect="1"/>
+          </p:cNvPicPr>
+          <p:nvPr/>
+        </p:nvPicPr>
+        <p:blipFill>
+          <a:blip r:embed="rId15" cstate="print"/>
+          <a:stretch>
+            <a:fillRect/>
+          </a:stretch>
+        </p:blipFill>
+        <p:spPr>
+          <a:xfrm>
+            <a:off x="12055898" y="6724704"/>
+            <a:ext cx="2131262" cy="689493"/>
+          </a:xfrm>
+          <a:prstGeom prst="rect">
+            <a:avLst/>
+          </a:prstGeom>
+        </p:spPr>
+      </p:pic>
+      <p:pic>
+        <p:nvPicPr>
+          <p:cNvPr id="35" name="Object 34"/>
+          <p:cNvPicPr>
+            <a:picLocks noChangeAspect="1"/>
+          </p:cNvPicPr>
+          <p:nvPr/>
+        </p:nvPicPr>
+        <p:blipFill>
+          <a:blip r:embed="rId16" cstate="print"/>
+          <a:stretch>
+            <a:fillRect/>
+          </a:stretch>
+        </p:blipFill>
+        <p:spPr>
+          <a:xfrm>
+            <a:off x="11910704" y="7176249"/>
+            <a:ext cx="2511493" cy="452433"/>
+          </a:xfrm>
+          <a:prstGeom prst="rect">
+            <a:avLst/>
+          </a:prstGeom>
+        </p:spPr>
+      </p:pic>
+      <p:pic>
+        <p:nvPicPr>
+          <p:cNvPr id="36" name="Object 35"/>
+          <p:cNvPicPr>
+            <a:picLocks noChangeAspect="1"/>
+          </p:cNvPicPr>
+          <p:nvPr/>
+        </p:nvPicPr>
+        <p:blipFill>
+          <a:blip r:embed="rId18" cstate="print"/>
+          <a:stretch>
+            <a:fillRect/>
+          </a:stretch>
+        </p:blipFill>
+        <p:spPr>
+          <a:xfrm>
+            <a:off x="8657697" y="6921795"/>
+            <a:ext cx="976476" cy="705272"/>
+          </a:xfrm>
+          <a:prstGeom prst="rect">
+            <a:avLst/>
+          </a:prstGeom>
+        </p:spPr>
+      </p:pic>
+      <p:grpSp>
+        <p:nvGrpSpPr>
+          <p:cNvPr id="1009" name="그룹 1009"/>
+          <p:cNvGrpSpPr/>
+          <p:nvPr/>
+        </p:nvGrpSpPr>
+        <p:grpSpPr>
+          <a:xfrm>
+            <a:off x="7280697" y="6939183"/>
+            <a:ext cx="313547" cy="630360"/>
+            <a:chOff x="7280697" y="6939183"/>
+            <a:chExt cx="313547" cy="630360"/>
+          </a:xfrm>
+        </p:grpSpPr>
+        <p:pic>
+          <p:nvPicPr>
+            <p:cNvPr id="38" name="Object 37"/>
+            <p:cNvPicPr>
+              <a:picLocks noChangeAspect="1"/>
+            </p:cNvPicPr>
+            <p:nvPr/>
+          </p:nvPicPr>
+          <p:blipFill>
+            <a:blip r:embed="rId19" cstate="print"/>
+            <a:stretch>
+              <a:fillRect/>
+            </a:stretch>
+          </p:blipFill>
+          <p:spPr>
+            <a:xfrm>
+              <a:off x="7280697" y="6939183"/>
+              <a:ext cx="313547" cy="630360"/>
+            </a:xfrm>
+            <a:prstGeom prst="rect">
+              <a:avLst/>
+            </a:prstGeom>
+          </p:spPr>
+        </p:pic>
+      </p:grpSp>
+      <p:grpSp>
+        <p:nvGrpSpPr>
+          <p:cNvPr id="1010" name="그룹 1010"/>
+          <p:cNvGrpSpPr/>
+          <p:nvPr/>
+        </p:nvGrpSpPr>
+        <p:grpSpPr>
+          <a:xfrm>
+            <a:off x="10713066" y="6956643"/>
+            <a:ext cx="313547" cy="630360"/>
+            <a:chOff x="10713066" y="6956643"/>
+            <a:chExt cx="313547" cy="630360"/>
+          </a:xfrm>
+        </p:grpSpPr>
+        <p:pic>
+          <p:nvPicPr>
+            <p:cNvPr id="41" name="Object 40"/>
+            <p:cNvPicPr>
+              <a:picLocks noChangeAspect="1"/>
+            </p:cNvPicPr>
+            <p:nvPr/>
+          </p:nvPicPr>
+          <p:blipFill>
+            <a:blip r:embed="rId19" cstate="print"/>
+            <a:stretch>
+              <a:fillRect/>
+            </a:stretch>
+          </p:blipFill>
+          <p:spPr>
+            <a:xfrm rot="-10800000">
+              <a:off x="10713066" y="6956643"/>
+              <a:ext cx="313547" cy="630360"/>
+            </a:xfrm>
+            <a:prstGeom prst="rect">
+              <a:avLst/>
+            </a:prstGeom>
+          </p:spPr>
+        </p:pic>
+      </p:grpSp>
+      <p:grpSp>
+        <p:nvGrpSpPr>
+          <p:cNvPr id="1011" name="그룹 1011"/>
+          <p:cNvGrpSpPr/>
+          <p:nvPr/>
+        </p:nvGrpSpPr>
+        <p:grpSpPr>
+          <a:xfrm>
+            <a:off x="2294741" y="6037116"/>
+            <a:ext cx="13696233" cy="72326"/>
+            <a:chOff x="2294741" y="6037116"/>
+            <a:chExt cx="13696233" cy="72326"/>
+          </a:xfrm>
+        </p:grpSpPr>
+        <p:pic>
+          <p:nvPicPr>
+            <p:cNvPr id="44" name="Object 43"/>
+            <p:cNvPicPr>
+              <a:picLocks noChangeAspect="1"/>
+            </p:cNvPicPr>
+            <p:nvPr/>
+          </p:nvPicPr>
+          <p:blipFill>
+            <a:blip r:embed="rId20" cstate="print"/>
+            <a:stretch>
+              <a:fillRect/>
+            </a:stretch>
+          </p:blipFill>
+          <p:spPr>
+            <a:xfrm rot="-10800000">
+              <a:off x="2294741" y="6037116"/>
+              <a:ext cx="13696233" cy="72326"/>
+            </a:xfrm>
+            <a:prstGeom prst="rect">
+              <a:avLst/>
+            </a:prstGeom>
+          </p:spPr>
+        </p:pic>
+      </p:grpSp>
+      <p:pic>
+        <p:nvPicPr>
+          <p:cNvPr id="46" name="Object 45"/>
+          <p:cNvPicPr>
+            <a:picLocks noChangeAspect="1"/>
+          </p:cNvPicPr>
+          <p:nvPr/>
+        </p:nvPicPr>
+        <p:blipFill>
+          <a:blip r:embed="rId21" cstate="print"/>
+          <a:stretch>
+            <a:fillRect/>
+          </a:stretch>
+        </p:blipFill>
+        <p:spPr>
+          <a:xfrm>
+            <a:off x="3964218" y="8735519"/>
+            <a:ext cx="9320772" cy="452433"/>
+          </a:xfrm>
+          <a:prstGeom prst="rect">
+            <a:avLst/>
+          </a:prstGeom>
+        </p:spPr>
+      </p:pic>
+      <p:grpSp>
+        <p:nvGrpSpPr>
+          <p:cNvPr id="1012" name="그룹 1012"/>
+          <p:cNvGrpSpPr/>
+          <p:nvPr/>
+        </p:nvGrpSpPr>
+        <p:grpSpPr>
+          <a:xfrm>
+            <a:off x="15884710" y="2085329"/>
+            <a:ext cx="3113132" cy="2864932"/>
+            <a:chOff x="15884710" y="2085329"/>
+            <a:chExt cx="3113132" cy="2864932"/>
+          </a:xfrm>
+        </p:grpSpPr>
+        <p:pic>
+          <p:nvPicPr>
+            <p:cNvPr id="48" name="Object 47"/>
+            <p:cNvPicPr>
+              <a:picLocks noChangeAspect="1"/>
+            </p:cNvPicPr>
+            <p:nvPr/>
+          </p:nvPicPr>
+          <p:blipFill>
+            <a:blip r:embed="rId22" cstate="print"/>
+            <a:stretch>
+              <a:fillRect/>
+            </a:stretch>
+          </p:blipFill>
+          <p:spPr>
+            <a:xfrm>
+              <a:off x="15884710" y="2085329"/>
+              <a:ext cx="3113132" cy="2864932"/>
+            </a:xfrm>
+            <a:prstGeom prst="rect">
+              <a:avLst/>
+            </a:prstGeom>
+          </p:spPr>
+        </p:pic>
+      </p:grpSp>
+      <p:grpSp>
+        <p:nvGrpSpPr>
+          <p:cNvPr id="1013" name="그룹 1013"/>
+          <p:cNvGrpSpPr/>
+          <p:nvPr/>
+        </p:nvGrpSpPr>
+        <p:grpSpPr>
+          <a:xfrm>
+            <a:off x="-775833" y="8076190"/>
+            <a:ext cx="3070573" cy="2710992"/>
+            <a:chOff x="-775833" y="8076190"/>
+            <a:chExt cx="3070573" cy="2710992"/>
+          </a:xfrm>
+        </p:grpSpPr>
+        <p:pic>
+          <p:nvPicPr>
+            <p:cNvPr id="51" name="Object 50"/>
+            <p:cNvPicPr>
+              <a:picLocks noChangeAspect="1"/>
+            </p:cNvPicPr>
+            <p:nvPr/>
+          </p:nvPicPr>
+          <p:blipFill>
+            <a:blip r:embed="rId23" cstate="print"/>
+            <a:stretch>
+              <a:fillRect/>
+            </a:stretch>
+          </p:blipFill>
+          <p:spPr>
+            <a:xfrm>
+              <a:off x="-775833" y="8076190"/>
+              <a:ext cx="3070573" cy="2710992"/>
+            </a:xfrm>
+            <a:prstGeom prst="rect">
+              <a:avLst/>
+            </a:prstGeom>
+          </p:spPr>
+        </p:pic>
+      </p:grpSp>
+      <p:grpSp>
+        <p:nvGrpSpPr>
+          <p:cNvPr id="1014" name="그룹 1014"/>
+          <p:cNvGrpSpPr/>
+          <p:nvPr/>
+        </p:nvGrpSpPr>
+        <p:grpSpPr>
+          <a:xfrm>
+            <a:off x="6128684" y="3468689"/>
+            <a:ext cx="1998452" cy="1998452"/>
+            <a:chOff x="6128684" y="3468689"/>
+            <a:chExt cx="1998452" cy="1998452"/>
+          </a:xfrm>
+        </p:grpSpPr>
+        <p:pic>
+          <p:nvPicPr>
+            <p:cNvPr id="54" name="Object 53"/>
+            <p:cNvPicPr>
+              <a:picLocks noChangeAspect="1"/>
+            </p:cNvPicPr>
+            <p:nvPr/>
+          </p:nvPicPr>
+          <p:blipFill>
+            <a:blip r:embed="rId2" cstate="print"/>
+            <a:stretch>
+              <a:fillRect/>
+            </a:stretch>
+          </p:blipFill>
+          <p:spPr>
+            <a:xfrm>
+              <a:off x="6128684" y="3468689"/>
+              <a:ext cx="1998452" cy="1998452"/>
+            </a:xfrm>
+            <a:prstGeom prst="rect">
+              <a:avLst/>
+            </a:prstGeom>
+          </p:spPr>
+        </p:pic>
+      </p:grpSp>
+      <p:grpSp>
+        <p:nvGrpSpPr>
+          <p:cNvPr id="1015" name="그룹 1015"/>
+          <p:cNvGrpSpPr/>
+          <p:nvPr/>
+        </p:nvGrpSpPr>
+        <p:grpSpPr>
+          <a:xfrm>
+            <a:off x="6413582" y="3999731"/>
+            <a:ext cx="1428657" cy="880479"/>
+            <a:chOff x="6413582" y="3999731"/>
+            <a:chExt cx="1428657" cy="880479"/>
+          </a:xfrm>
+        </p:grpSpPr>
+        <p:pic>
+          <p:nvPicPr>
+            <p:cNvPr id="57" name="Object 56"/>
+            <p:cNvPicPr>
+              <a:picLocks noChangeAspect="1"/>
+            </p:cNvPicPr>
+            <p:nvPr/>
+          </p:nvPicPr>
+          <p:blipFill>
+            <a:blip r:embed="rId3" cstate="print"/>
+            <a:stretch>
+              <a:fillRect/>
+            </a:stretch>
+          </p:blipFill>
+          <p:spPr>
+            <a:xfrm>
+              <a:off x="6379615" y="3965764"/>
+              <a:ext cx="1133706" cy="650472"/>
+            </a:xfrm>
+            <a:prstGeom prst="rect">
+              <a:avLst/>
+            </a:prstGeom>
+          </p:spPr>
+        </p:pic>
+        <p:pic>
+          <p:nvPicPr>
+            <p:cNvPr id="58" name="Object 57"/>
+            <p:cNvPicPr>
+              <a:picLocks noChangeAspect="1"/>
+            </p:cNvPicPr>
+            <p:nvPr/>
+          </p:nvPicPr>
+          <p:blipFill>
+            <a:blip r:embed="rId4" cstate="print"/>
+            <a:stretch>
+              <a:fillRect/>
+            </a:stretch>
+          </p:blipFill>
+          <p:spPr>
+            <a:xfrm>
+              <a:off x="6564441" y="4529216"/>
+              <a:ext cx="1080180" cy="401606"/>
+            </a:xfrm>
+            <a:prstGeom prst="rect">
+              <a:avLst/>
+            </a:prstGeom>
+          </p:spPr>
+        </p:pic>
+      </p:grpSp>
+      <p:grpSp>
+        <p:nvGrpSpPr>
+          <p:cNvPr id="1016" name="그룹 1016"/>
+          <p:cNvGrpSpPr/>
+          <p:nvPr/>
+        </p:nvGrpSpPr>
+        <p:grpSpPr>
+          <a:xfrm>
+            <a:off x="5561289" y="3879837"/>
+            <a:ext cx="120774" cy="1132627"/>
+            <a:chOff x="5561289" y="3879837"/>
+            <a:chExt cx="120774" cy="1132627"/>
+          </a:xfrm>
+        </p:grpSpPr>
+        <p:pic>
+          <p:nvPicPr>
+            <p:cNvPr id="61" name="Object 60"/>
+            <p:cNvPicPr>
+              <a:picLocks noChangeAspect="1"/>
+            </p:cNvPicPr>
+            <p:nvPr/>
+          </p:nvPicPr>
+          <p:blipFill>
+            <a:blip r:embed="rId5" cstate="print"/>
+            <a:stretch>
+              <a:fillRect/>
+            </a:stretch>
+          </p:blipFill>
+          <p:spPr>
+            <a:xfrm rot="-16200000">
+              <a:off x="5561289" y="3879837"/>
+              <a:ext cx="120774" cy="1132627"/>
+            </a:xfrm>
+            <a:prstGeom prst="rect">
+              <a:avLst/>
+            </a:prstGeom>
+          </p:spPr>
+        </p:pic>
+      </p:grpSp>
+      <p:grpSp>
+        <p:nvGrpSpPr>
+          <p:cNvPr id="1017" name="그룹 1017"/>
+          <p:cNvGrpSpPr/>
+          <p:nvPr/>
+        </p:nvGrpSpPr>
+        <p:grpSpPr>
+          <a:xfrm>
+            <a:off x="3530922" y="3468689"/>
+            <a:ext cx="1998452" cy="1998452"/>
+            <a:chOff x="3530922" y="3468689"/>
+            <a:chExt cx="1998452" cy="1998452"/>
+          </a:xfrm>
+        </p:grpSpPr>
+        <p:pic>
+          <p:nvPicPr>
+            <p:cNvPr id="64" name="Object 63"/>
+            <p:cNvPicPr>
+              <a:picLocks noChangeAspect="1"/>
+            </p:cNvPicPr>
+            <p:nvPr/>
+          </p:nvPicPr>
+          <p:blipFill>
+            <a:blip r:embed="rId2" cstate="print"/>
+            <a:stretch>
+              <a:fillRect/>
+            </a:stretch>
+          </p:blipFill>
+          <p:spPr>
+            <a:xfrm>
+              <a:off x="3530922" y="3468689"/>
+              <a:ext cx="1998452" cy="1998452"/>
+            </a:xfrm>
+            <a:prstGeom prst="rect">
+              <a:avLst/>
+            </a:prstGeom>
+          </p:spPr>
+        </p:pic>
+      </p:grpSp>
+      <p:grpSp>
+        <p:nvGrpSpPr>
+          <p:cNvPr id="1018" name="그룹 1018"/>
+          <p:cNvGrpSpPr/>
+          <p:nvPr/>
+        </p:nvGrpSpPr>
+        <p:grpSpPr>
+          <a:xfrm>
+            <a:off x="3830654" y="3999731"/>
+            <a:ext cx="1428657" cy="880479"/>
+            <a:chOff x="3830654" y="3999731"/>
+            <a:chExt cx="1428657" cy="880479"/>
+          </a:xfrm>
+        </p:grpSpPr>
+        <p:pic>
+          <p:nvPicPr>
+            <p:cNvPr id="67" name="Object 66"/>
+            <p:cNvPicPr>
+              <a:picLocks noChangeAspect="1"/>
+            </p:cNvPicPr>
+            <p:nvPr/>
+          </p:nvPicPr>
+          <p:blipFill>
+            <a:blip r:embed="rId3" cstate="print"/>
+            <a:stretch>
+              <a:fillRect/>
+            </a:stretch>
+          </p:blipFill>
+          <p:spPr>
+            <a:xfrm>
+              <a:off x="3796687" y="3965764"/>
+              <a:ext cx="1133706" cy="650472"/>
+            </a:xfrm>
+            <a:prstGeom prst="rect">
+              <a:avLst/>
+            </a:prstGeom>
+          </p:spPr>
+        </p:pic>
+        <p:pic>
+          <p:nvPicPr>
+            <p:cNvPr id="68" name="Object 67"/>
+            <p:cNvPicPr>
+              <a:picLocks noChangeAspect="1"/>
+            </p:cNvPicPr>
+            <p:nvPr/>
+          </p:nvPicPr>
+          <p:blipFill>
+            <a:blip r:embed="rId4" cstate="print"/>
+            <a:stretch>
+              <a:fillRect/>
+            </a:stretch>
+          </p:blipFill>
+          <p:spPr>
+            <a:xfrm>
+              <a:off x="3981513" y="4529216"/>
+              <a:ext cx="1080180" cy="401606"/>
+            </a:xfrm>
+            <a:prstGeom prst="rect">
+              <a:avLst/>
+            </a:prstGeom>
+          </p:spPr>
+        </p:pic>
+      </p:grpSp>
+    </p:spTree>
+  </p:cSld>
+  <p:clrMapOvr>
+    <a:masterClrMapping/>
+  </p:clrMapOvr>
+</p:sld>
+</file>
+
+<file path=ppt/slides/slide21.xml><?xml version="1.0" encoding="utf-8"?>
+<p:sld xmlns:a="http://schemas.openxmlformats.org/drawingml/2006/main" xmlns:r="http://schemas.openxmlformats.org/officeDocument/2006/relationships" xmlns:p="http://schemas.openxmlformats.org/presentationml/2006/main">
   <p:cSld name="Slide 17">
     <p:bg>
       <p:bgPr>
@@ -18535,7 +18974,7 @@
 </p:sld>
 </file>
 
-<file path=ppt/slides/slide21.xml><?xml version="1.0" encoding="utf-8"?>
+<file path=ppt/slides/slide22.xml><?xml version="1.0" encoding="utf-8"?>
 <p:sld xmlns:a="http://schemas.openxmlformats.org/drawingml/2006/main" xmlns:r="http://schemas.openxmlformats.org/officeDocument/2006/relationships" xmlns:p="http://schemas.openxmlformats.org/presentationml/2006/main">
   <p:cSld name="Slide 18">
     <p:bg>
@@ -19894,7 +20333,7 @@
 </p:sld>
 </file>
 
-<file path=ppt/slides/slide22.xml><?xml version="1.0" encoding="utf-8"?>
+<file path=ppt/slides/slide23.xml><?xml version="1.0" encoding="utf-8"?>
 <p:sld xmlns:a="http://schemas.openxmlformats.org/drawingml/2006/main" xmlns:r="http://schemas.openxmlformats.org/officeDocument/2006/relationships" xmlns:p="http://schemas.openxmlformats.org/presentationml/2006/main">
   <p:cSld name="Slide 19">
     <p:bg>
@@ -20155,7 +20594,7 @@
 </p:sld>
 </file>
 
-<file path=ppt/slides/slide23.xml><?xml version="1.0" encoding="utf-8"?>
+<file path=ppt/slides/slide24.xml><?xml version="1.0" encoding="utf-8"?>
 <p:sld xmlns:a="http://schemas.openxmlformats.org/drawingml/2006/main" xmlns:r="http://schemas.openxmlformats.org/officeDocument/2006/relationships" xmlns:p="http://schemas.openxmlformats.org/presentationml/2006/main">
   <p:cSld name="Slide 20">
     <p:bg>
@@ -20520,6 +20959,198 @@
 
 <file path=ppt/slides/slide3.xml><?xml version="1.0" encoding="utf-8"?>
 <p:sld xmlns:a="http://schemas.openxmlformats.org/drawingml/2006/main" xmlns:r="http://schemas.openxmlformats.org/officeDocument/2006/relationships" xmlns:p="http://schemas.openxmlformats.org/presentationml/2006/main">
+  <p:cSld>
+    <p:spTree>
+      <p:nvGrpSpPr>
+        <p:cNvPr id="1" name=""/>
+        <p:cNvGrpSpPr/>
+        <p:nvPr/>
+      </p:nvGrpSpPr>
+      <p:grpSpPr>
+        <a:xfrm>
+          <a:off x="0" y="0"/>
+          <a:ext cx="0" cy="0"/>
+          <a:chOff x="0" y="0"/>
+          <a:chExt cx="0" cy="0"/>
+        </a:xfrm>
+      </p:grpSpPr>
+      <p:sp>
+        <p:nvSpPr>
+          <p:cNvPr id="4" name="TextBox 3">
+            <a:extLst>
+              <a:ext uri="{FF2B5EF4-FFF2-40B4-BE49-F238E27FC236}">
+                <a16:creationId xmlns:a16="http://schemas.microsoft.com/office/drawing/2014/main" xmlns="" id="{69196D22-2A4C-4EF6-5A42-2031D7FEF549}"/>
+              </a:ext>
+            </a:extLst>
+          </p:cNvPr>
+          <p:cNvSpPr txBox="1"/>
+          <p:nvPr/>
+        </p:nvSpPr>
+        <p:spPr>
+          <a:xfrm>
+            <a:off x="304800" y="246689"/>
+            <a:ext cx="4343400" cy="923330"/>
+          </a:xfrm>
+          <a:prstGeom prst="rect">
+            <a:avLst/>
+          </a:prstGeom>
+          <a:noFill/>
+        </p:spPr>
+        <p:txBody>
+          <a:bodyPr wrap="square" rtlCol="0">
+            <a:spAutoFit/>
+          </a:bodyPr>
+          <a:lstStyle/>
+          <a:p>
+            <a:r>
+              <a:rPr lang="ko-KR" altLang="en-US" sz="5400" spc="-300" smtClean="0">
+                <a:solidFill>
+                  <a:srgbClr val="4C50BC"/>
+                </a:solidFill>
+                <a:latin typeface="G마켓 산스 TTF Bold" panose="02000000000000000000" pitchFamily="2" charset="-127"/>
+                <a:ea typeface="G마켓 산스 TTF Bold" panose="02000000000000000000" pitchFamily="2" charset="-127"/>
+              </a:rPr>
+              <a:t>상속</a:t>
+            </a:r>
+            <a:endParaRPr lang="en-US" altLang="ko-KR" sz="5400" spc="-300" dirty="0">
+              <a:solidFill>
+                <a:srgbClr val="4C50BC"/>
+              </a:solidFill>
+              <a:latin typeface="G마켓 산스 TTF Bold" panose="02000000000000000000" pitchFamily="2" charset="-127"/>
+              <a:ea typeface="G마켓 산스 TTF Bold" panose="02000000000000000000" pitchFamily="2" charset="-127"/>
+            </a:endParaRPr>
+          </a:p>
+        </p:txBody>
+      </p:sp>
+      <p:cxnSp>
+        <p:nvCxnSpPr>
+          <p:cNvPr id="5" name="직선 연결선 4">
+            <a:extLst>
+              <a:ext uri="{FF2B5EF4-FFF2-40B4-BE49-F238E27FC236}">
+                <a16:creationId xmlns:a16="http://schemas.microsoft.com/office/drawing/2014/main" xmlns="" id="{DDFA97EB-659B-5D0A-D41B-496A6FF66D9E}"/>
+              </a:ext>
+            </a:extLst>
+          </p:cNvPr>
+          <p:cNvCxnSpPr>
+            <a:cxnSpLocks/>
+          </p:cNvCxnSpPr>
+          <p:nvPr/>
+        </p:nvCxnSpPr>
+        <p:spPr>
+          <a:xfrm flipH="1" flipV="1">
+            <a:off x="0" y="1104900"/>
+            <a:ext cx="18288000" cy="65119"/>
+          </a:xfrm>
+          <a:prstGeom prst="line">
+            <a:avLst/>
+          </a:prstGeom>
+          <a:ln w="38100">
+            <a:solidFill>
+              <a:srgbClr val="4C50BC"/>
+            </a:solidFill>
+          </a:ln>
+        </p:spPr>
+        <p:style>
+          <a:lnRef idx="1">
+            <a:schemeClr val="accent1"/>
+          </a:lnRef>
+          <a:fillRef idx="0">
+            <a:schemeClr val="accent1"/>
+          </a:fillRef>
+          <a:effectRef idx="0">
+            <a:schemeClr val="accent1"/>
+          </a:effectRef>
+          <a:fontRef idx="minor">
+            <a:schemeClr val="tx1"/>
+          </a:fontRef>
+        </p:style>
+      </p:cxnSp>
+      <p:sp>
+        <p:nvSpPr>
+          <p:cNvPr id="6" name="TextBox 5">
+            <a:extLst>
+              <a:ext uri="{FF2B5EF4-FFF2-40B4-BE49-F238E27FC236}">
+                <a16:creationId xmlns:a16="http://schemas.microsoft.com/office/drawing/2014/main" xmlns="" id="{B1C05CB3-45A9-FA20-A8E0-BE6F095B8777}"/>
+              </a:ext>
+            </a:extLst>
+          </p:cNvPr>
+          <p:cNvSpPr txBox="1"/>
+          <p:nvPr/>
+        </p:nvSpPr>
+        <p:spPr>
+          <a:xfrm>
+            <a:off x="762000" y="1562100"/>
+            <a:ext cx="14167562" cy="707886"/>
+          </a:xfrm>
+          <a:prstGeom prst="rect">
+            <a:avLst/>
+          </a:prstGeom>
+          <a:noFill/>
+        </p:spPr>
+        <p:txBody>
+          <a:bodyPr wrap="square" rtlCol="0">
+            <a:spAutoFit/>
+          </a:bodyPr>
+          <a:lstStyle/>
+          <a:p>
+            <a:pPr marL="571500" indent="-571500">
+              <a:buFont typeface="Wingdings" panose="05000000000000000000" pitchFamily="2" charset="2"/>
+              <a:buChar char="l"/>
+            </a:pPr>
+            <a:r>
+              <a:rPr lang="ko-KR" altLang="en-US" sz="4000" smtClean="0">
+                <a:solidFill>
+                  <a:schemeClr val="tx1">
+                    <a:lumMod val="50000"/>
+                    <a:lumOff val="50000"/>
+                  </a:schemeClr>
+                </a:solidFill>
+                <a:latin typeface="G마켓 산스 Medium" panose="02000000000000000000" pitchFamily="50" charset="-127"/>
+                <a:ea typeface="G마켓 산스 Medium" panose="02000000000000000000" pitchFamily="50" charset="-127"/>
+              </a:rPr>
+              <a:t>부모의 멤버변수와 멤버메서드를 자식에게 상속한다</a:t>
+            </a:r>
+            <a:r>
+              <a:rPr lang="en-US" altLang="ko-KR" sz="4000" smtClean="0">
+                <a:solidFill>
+                  <a:schemeClr val="tx1">
+                    <a:lumMod val="50000"/>
+                    <a:lumOff val="50000"/>
+                  </a:schemeClr>
+                </a:solidFill>
+                <a:latin typeface="G마켓 산스 Medium" panose="02000000000000000000" pitchFamily="50" charset="-127"/>
+                <a:ea typeface="G마켓 산스 Medium" panose="02000000000000000000" pitchFamily="50" charset="-127"/>
+              </a:rPr>
+              <a:t>.</a:t>
+            </a:r>
+            <a:endParaRPr lang="en-US" altLang="ko-KR" sz="4000" dirty="0">
+              <a:solidFill>
+                <a:schemeClr val="tx1">
+                  <a:lumMod val="50000"/>
+                  <a:lumOff val="50000"/>
+                </a:schemeClr>
+              </a:solidFill>
+              <a:latin typeface="G마켓 산스 Medium" panose="02000000000000000000" pitchFamily="50" charset="-127"/>
+              <a:ea typeface="G마켓 산스 Medium" panose="02000000000000000000" pitchFamily="50" charset="-127"/>
+            </a:endParaRPr>
+          </a:p>
+        </p:txBody>
+      </p:sp>
+    </p:spTree>
+    <p:extLst>
+      <p:ext uri="{BB962C8B-B14F-4D97-AF65-F5344CB8AC3E}">
+        <p14:creationId xmlns:p14="http://schemas.microsoft.com/office/powerpoint/2010/main" val="3740029970"/>
+      </p:ext>
+    </p:extLst>
+  </p:cSld>
+  <p:clrMapOvr>
+    <a:masterClrMapping/>
+  </p:clrMapOvr>
+</p:sld>
+</file>
+
+<file path=ppt/slides/slide4.xml><?xml version="1.0" encoding="utf-8"?>
+<p:sld xmlns:a="http://schemas.openxmlformats.org/drawingml/2006/main" xmlns:r="http://schemas.openxmlformats.org/officeDocument/2006/relationships" xmlns:p="http://schemas.openxmlformats.org/presentationml/2006/main">
   <p:cSld name="Slide 1">
     <p:bg>
       <p:bgPr>
@@ -20788,7 +21419,7 @@
 </p:sld>
 </file>
 
-<file path=ppt/slides/slide4.xml><?xml version="1.0" encoding="utf-8"?>
+<file path=ppt/slides/slide5.xml><?xml version="1.0" encoding="utf-8"?>
 <p:sld xmlns:a="http://schemas.openxmlformats.org/drawingml/2006/main" xmlns:r="http://schemas.openxmlformats.org/officeDocument/2006/relationships" xmlns:p="http://schemas.openxmlformats.org/presentationml/2006/main">
   <p:cSld name="Slide 2">
     <p:bg>
@@ -21355,7 +21986,7 @@
 </p:sld>
 </file>
 
-<file path=ppt/slides/slide5.xml><?xml version="1.0" encoding="utf-8"?>
+<file path=ppt/slides/slide6.xml><?xml version="1.0" encoding="utf-8"?>
 <p:sld xmlns:a="http://schemas.openxmlformats.org/drawingml/2006/main" xmlns:r="http://schemas.openxmlformats.org/officeDocument/2006/relationships" xmlns:p="http://schemas.openxmlformats.org/presentationml/2006/main">
   <p:cSld name="Slide 3">
     <p:bg>
@@ -21817,7 +22448,7 @@
 </p:sld>
 </file>
 
-<file path=ppt/slides/slide6.xml><?xml version="1.0" encoding="utf-8"?>
+<file path=ppt/slides/slide7.xml><?xml version="1.0" encoding="utf-8"?>
 <p:sld xmlns:a="http://schemas.openxmlformats.org/drawingml/2006/main" xmlns:r="http://schemas.openxmlformats.org/officeDocument/2006/relationships" xmlns:p="http://schemas.openxmlformats.org/presentationml/2006/main">
   <p:cSld name="Slide 4">
     <p:bg>
@@ -22078,7 +22709,7 @@
 </p:sld>
 </file>
 
-<file path=ppt/slides/slide7.xml><?xml version="1.0" encoding="utf-8"?>
+<file path=ppt/slides/slide8.xml><?xml version="1.0" encoding="utf-8"?>
 <p:sld xmlns:a="http://schemas.openxmlformats.org/drawingml/2006/main" xmlns:r="http://schemas.openxmlformats.org/officeDocument/2006/relationships" xmlns:p="http://schemas.openxmlformats.org/presentationml/2006/main">
   <p:cSld name="Slide 5">
     <p:bg>
@@ -22555,7 +23186,7 @@
 </p:sld>
 </file>
 
-<file path=ppt/slides/slide8.xml><?xml version="1.0" encoding="utf-8"?>
+<file path=ppt/slides/slide9.xml><?xml version="1.0" encoding="utf-8"?>
 <p:sld xmlns:a="http://schemas.openxmlformats.org/drawingml/2006/main" xmlns:r="http://schemas.openxmlformats.org/officeDocument/2006/relationships" xmlns:p="http://schemas.openxmlformats.org/presentationml/2006/main">
   <p:cSld name="Slide 6">
     <p:bg>
@@ -23060,444 +23691,6 @@
           </p:pic>
         </p:grpSp>
       </p:grpSp>
-    </p:spTree>
-  </p:cSld>
-  <p:clrMapOvr>
-    <a:masterClrMapping/>
-  </p:clrMapOvr>
-</p:sld>
-</file>
-
-<file path=ppt/slides/slide9.xml><?xml version="1.0" encoding="utf-8"?>
-<p:sld xmlns:a="http://schemas.openxmlformats.org/drawingml/2006/main" xmlns:r="http://schemas.openxmlformats.org/officeDocument/2006/relationships" xmlns:p="http://schemas.openxmlformats.org/presentationml/2006/main">
-  <p:cSld name="Slide 7">
-    <p:bg>
-      <p:bgPr>
-        <a:solidFill>
-          <a:srgbClr val="FFFFFF"/>
-        </a:solidFill>
-        <a:effectLst/>
-      </p:bgPr>
-    </p:bg>
-    <p:spTree>
-      <p:nvGrpSpPr>
-        <p:cNvPr id="1" name=""/>
-        <p:cNvGrpSpPr/>
-        <p:nvPr/>
-      </p:nvGrpSpPr>
-      <p:grpSpPr>
-        <a:xfrm>
-          <a:off x="0" y="0"/>
-          <a:ext cx="0" cy="0"/>
-          <a:chOff x="0" y="0"/>
-          <a:chExt cx="0" cy="0"/>
-        </a:xfrm>
-      </p:grpSpPr>
-      <p:pic>
-        <p:nvPicPr>
-          <p:cNvPr id="2" name="Object 1"/>
-          <p:cNvPicPr>
-            <a:picLocks noChangeAspect="1"/>
-          </p:cNvPicPr>
-          <p:nvPr/>
-        </p:nvPicPr>
-        <p:blipFill>
-          <a:blip r:embed="rId2" cstate="print"/>
-          <a:stretch>
-            <a:fillRect/>
-          </a:stretch>
-        </p:blipFill>
-        <p:spPr>
-          <a:xfrm>
-            <a:off x="8028751" y="7427540"/>
-            <a:ext cx="5213076" cy="1372632"/>
-          </a:xfrm>
-          <a:prstGeom prst="rect">
-            <a:avLst/>
-          </a:prstGeom>
-        </p:spPr>
-      </p:pic>
-      <p:pic>
-        <p:nvPicPr>
-          <p:cNvPr id="3" name="Object 2"/>
-          <p:cNvPicPr>
-            <a:picLocks noChangeAspect="1"/>
-          </p:cNvPicPr>
-          <p:nvPr/>
-        </p:nvPicPr>
-        <p:blipFill>
-          <a:blip r:embed="rId3" cstate="print"/>
-          <a:stretch>
-            <a:fillRect/>
-          </a:stretch>
-        </p:blipFill>
-        <p:spPr>
-          <a:xfrm>
-            <a:off x="1722798" y="7427540"/>
-            <a:ext cx="5395040" cy="1374499"/>
-          </a:xfrm>
-          <a:prstGeom prst="rect">
-            <a:avLst/>
-          </a:prstGeom>
-        </p:spPr>
-      </p:pic>
-      <p:grpSp>
-        <p:nvGrpSpPr>
-          <p:cNvPr id="1001" name="그룹 1001"/>
-          <p:cNvGrpSpPr/>
-          <p:nvPr/>
-        </p:nvGrpSpPr>
-        <p:grpSpPr>
-          <a:xfrm>
-            <a:off x="11274286" y="8703483"/>
-            <a:ext cx="4776266" cy="4776266"/>
-            <a:chOff x="11274286" y="8703483"/>
-            <a:chExt cx="4776266" cy="4776266"/>
-          </a:xfrm>
-        </p:grpSpPr>
-        <p:pic>
-          <p:nvPicPr>
-            <p:cNvPr id="5" name="Object 4"/>
-            <p:cNvPicPr>
-              <a:picLocks noChangeAspect="1"/>
-            </p:cNvPicPr>
-            <p:nvPr/>
-          </p:nvPicPr>
-          <p:blipFill>
-            <a:blip r:embed="rId4" cstate="print"/>
-            <a:stretch>
-              <a:fillRect/>
-            </a:stretch>
-          </p:blipFill>
-          <p:spPr>
-            <a:xfrm rot="-2700000">
-              <a:off x="11274286" y="8703483"/>
-              <a:ext cx="4776266" cy="4776266"/>
-            </a:xfrm>
-            <a:prstGeom prst="rect">
-              <a:avLst/>
-            </a:prstGeom>
-          </p:spPr>
-        </p:pic>
-      </p:grpSp>
-      <p:pic>
-        <p:nvPicPr>
-          <p:cNvPr id="7" name="Object 6"/>
-          <p:cNvPicPr>
-            <a:picLocks noChangeAspect="1"/>
-          </p:cNvPicPr>
-          <p:nvPr/>
-        </p:nvPicPr>
-        <p:blipFill>
-          <a:blip r:embed="rId5" cstate="print"/>
-          <a:stretch>
-            <a:fillRect/>
-          </a:stretch>
-        </p:blipFill>
-        <p:spPr>
-          <a:xfrm>
-            <a:off x="1600002" y="3839812"/>
-            <a:ext cx="1035403" cy="1092989"/>
-          </a:xfrm>
-          <a:prstGeom prst="rect">
-            <a:avLst/>
-          </a:prstGeom>
-        </p:spPr>
-      </p:pic>
-      <p:pic>
-        <p:nvPicPr>
-          <p:cNvPr id="8" name="Object 7"/>
-          <p:cNvPicPr>
-            <a:picLocks noChangeAspect="1"/>
-          </p:cNvPicPr>
-          <p:nvPr/>
-        </p:nvPicPr>
-        <p:blipFill>
-          <a:blip r:embed="rId2" cstate="print"/>
-          <a:stretch>
-            <a:fillRect/>
-          </a:stretch>
-        </p:blipFill>
-        <p:spPr>
-          <a:xfrm>
-            <a:off x="1722798" y="4839728"/>
-            <a:ext cx="5213076" cy="1372632"/>
-          </a:xfrm>
-          <a:prstGeom prst="rect">
-            <a:avLst/>
-          </a:prstGeom>
-        </p:spPr>
-      </p:pic>
-      <p:pic>
-        <p:nvPicPr>
-          <p:cNvPr id="9" name="Object 8"/>
-          <p:cNvPicPr>
-            <a:picLocks noChangeAspect="1"/>
-          </p:cNvPicPr>
-          <p:nvPr/>
-        </p:nvPicPr>
-        <p:blipFill>
-          <a:blip r:embed="rId6" cstate="print"/>
-          <a:stretch>
-            <a:fillRect/>
-          </a:stretch>
-        </p:blipFill>
-        <p:spPr>
-          <a:xfrm>
-            <a:off x="7905956" y="3839812"/>
-            <a:ext cx="1113496" cy="1092989"/>
-          </a:xfrm>
-          <a:prstGeom prst="rect">
-            <a:avLst/>
-          </a:prstGeom>
-        </p:spPr>
-      </p:pic>
-      <p:pic>
-        <p:nvPicPr>
-          <p:cNvPr id="10" name="Object 9"/>
-          <p:cNvPicPr>
-            <a:picLocks noChangeAspect="1"/>
-          </p:cNvPicPr>
-          <p:nvPr/>
-        </p:nvPicPr>
-        <p:blipFill>
-          <a:blip r:embed="rId3" cstate="print"/>
-          <a:stretch>
-            <a:fillRect/>
-          </a:stretch>
-        </p:blipFill>
-        <p:spPr>
-          <a:xfrm>
-            <a:off x="8028751" y="4839728"/>
-            <a:ext cx="5395040" cy="1374499"/>
-          </a:xfrm>
-          <a:prstGeom prst="rect">
-            <a:avLst/>
-          </a:prstGeom>
-        </p:spPr>
-      </p:pic>
-      <p:pic>
-        <p:nvPicPr>
-          <p:cNvPr id="11" name="Object 10"/>
-          <p:cNvPicPr>
-            <a:picLocks noChangeAspect="1"/>
-          </p:cNvPicPr>
-          <p:nvPr/>
-        </p:nvPicPr>
-        <p:blipFill>
-          <a:blip r:embed="rId7" cstate="print"/>
-          <a:stretch>
-            <a:fillRect/>
-          </a:stretch>
-        </p:blipFill>
-        <p:spPr>
-          <a:xfrm>
-            <a:off x="1600002" y="6427624"/>
-            <a:ext cx="1113496" cy="1092989"/>
-          </a:xfrm>
-          <a:prstGeom prst="rect">
-            <a:avLst/>
-          </a:prstGeom>
-        </p:spPr>
-      </p:pic>
-      <p:pic>
-        <p:nvPicPr>
-          <p:cNvPr id="12" name="Object 11"/>
-          <p:cNvPicPr>
-            <a:picLocks noChangeAspect="1"/>
-          </p:cNvPicPr>
-          <p:nvPr/>
-        </p:nvPicPr>
-        <p:blipFill>
-          <a:blip r:embed="rId8" cstate="print"/>
-          <a:stretch>
-            <a:fillRect/>
-          </a:stretch>
-        </p:blipFill>
-        <p:spPr>
-          <a:xfrm>
-            <a:off x="7905956" y="6427624"/>
-            <a:ext cx="1123020" cy="1092989"/>
-          </a:xfrm>
-          <a:prstGeom prst="rect">
-            <a:avLst/>
-          </a:prstGeom>
-        </p:spPr>
-      </p:pic>
-      <p:grpSp>
-        <p:nvGrpSpPr>
-          <p:cNvPr id="1002" name="그룹 1002"/>
-          <p:cNvGrpSpPr/>
-          <p:nvPr/>
-        </p:nvGrpSpPr>
-        <p:grpSpPr>
-          <a:xfrm>
-            <a:off x="-515833" y="-1194152"/>
-            <a:ext cx="3462154" cy="3428571"/>
-            <a:chOff x="-515833" y="-1194152"/>
-            <a:chExt cx="3462154" cy="3428571"/>
-          </a:xfrm>
-        </p:grpSpPr>
-        <p:pic>
-          <p:nvPicPr>
-            <p:cNvPr id="14" name="Object 13"/>
-            <p:cNvPicPr>
-              <a:picLocks noChangeAspect="1"/>
-            </p:cNvPicPr>
-            <p:nvPr/>
-          </p:nvPicPr>
-          <p:blipFill>
-            <a:blip r:embed="rId9" cstate="print"/>
-            <a:stretch>
-              <a:fillRect/>
-            </a:stretch>
-          </p:blipFill>
-          <p:spPr>
-            <a:xfrm>
-              <a:off x="-515833" y="-1194152"/>
-              <a:ext cx="3462154" cy="3428571"/>
-            </a:xfrm>
-            <a:prstGeom prst="rect">
-              <a:avLst/>
-            </a:prstGeom>
-          </p:spPr>
-        </p:pic>
-      </p:grpSp>
-      <p:grpSp>
-        <p:nvGrpSpPr>
-          <p:cNvPr id="1003" name="그룹 1003"/>
-          <p:cNvGrpSpPr/>
-          <p:nvPr/>
-        </p:nvGrpSpPr>
-        <p:grpSpPr>
-          <a:xfrm>
-            <a:off x="14447699" y="3028571"/>
-            <a:ext cx="5279665" cy="5279665"/>
-            <a:chOff x="14447699" y="3028571"/>
-            <a:chExt cx="5279665" cy="5279665"/>
-          </a:xfrm>
-        </p:grpSpPr>
-        <p:pic>
-          <p:nvPicPr>
-            <p:cNvPr id="17" name="Object 16"/>
-            <p:cNvPicPr>
-              <a:picLocks noChangeAspect="1"/>
-            </p:cNvPicPr>
-            <p:nvPr/>
-          </p:nvPicPr>
-          <p:blipFill>
-            <a:blip r:embed="rId10" cstate="print"/>
-            <a:stretch>
-              <a:fillRect/>
-            </a:stretch>
-          </p:blipFill>
-          <p:spPr>
-            <a:xfrm>
-              <a:off x="14447699" y="3028571"/>
-              <a:ext cx="5279665" cy="5279665"/>
-            </a:xfrm>
-            <a:prstGeom prst="rect">
-              <a:avLst/>
-            </a:prstGeom>
-          </p:spPr>
-        </p:pic>
-      </p:grpSp>
-      <p:pic>
-        <p:nvPicPr>
-          <p:cNvPr id="19" name="Object 18"/>
-          <p:cNvPicPr>
-            <a:picLocks noChangeAspect="1"/>
-          </p:cNvPicPr>
-          <p:nvPr/>
-        </p:nvPicPr>
-        <p:blipFill>
-          <a:blip r:embed="rId11" cstate="print"/>
-          <a:stretch>
-            <a:fillRect/>
-          </a:stretch>
-        </p:blipFill>
-        <p:spPr>
-          <a:xfrm>
-            <a:off x="14750307" y="471765"/>
-            <a:ext cx="2488599" cy="362335"/>
-          </a:xfrm>
-          <a:prstGeom prst="rect">
-            <a:avLst/>
-          </a:prstGeom>
-        </p:spPr>
-      </p:pic>
-      <p:pic>
-        <p:nvPicPr>
-          <p:cNvPr id="20" name="Object 19"/>
-          <p:cNvPicPr>
-            <a:picLocks noChangeAspect="1"/>
-          </p:cNvPicPr>
-          <p:nvPr/>
-        </p:nvPicPr>
-        <p:blipFill>
-          <a:blip r:embed="rId12" cstate="print"/>
-          <a:stretch>
-            <a:fillRect/>
-          </a:stretch>
-        </p:blipFill>
-        <p:spPr>
-          <a:xfrm>
-            <a:off x="17064169" y="333009"/>
-            <a:ext cx="800998" cy="708122"/>
-          </a:xfrm>
-          <a:prstGeom prst="rect">
-            <a:avLst/>
-          </a:prstGeom>
-        </p:spPr>
-      </p:pic>
-      <p:pic>
-        <p:nvPicPr>
-          <p:cNvPr id="21" name="Object 20"/>
-          <p:cNvPicPr>
-            <a:picLocks noChangeAspect="1"/>
-          </p:cNvPicPr>
-          <p:nvPr/>
-        </p:nvPicPr>
-        <p:blipFill>
-          <a:blip r:embed="rId13" cstate="print"/>
-          <a:stretch>
-            <a:fillRect/>
-          </a:stretch>
-        </p:blipFill>
-        <p:spPr>
-          <a:xfrm>
-            <a:off x="1600002" y="1439687"/>
-            <a:ext cx="5717444" cy="1141241"/>
-          </a:xfrm>
-          <a:prstGeom prst="rect">
-            <a:avLst/>
-          </a:prstGeom>
-        </p:spPr>
-      </p:pic>
-      <p:pic>
-        <p:nvPicPr>
-          <p:cNvPr id="22" name="Object 21"/>
-          <p:cNvPicPr>
-            <a:picLocks noChangeAspect="1"/>
-          </p:cNvPicPr>
-          <p:nvPr/>
-        </p:nvPicPr>
-        <p:blipFill>
-          <a:blip r:embed="rId14" cstate="print"/>
-          <a:stretch>
-            <a:fillRect/>
-          </a:stretch>
-        </p:blipFill>
-        <p:spPr>
-          <a:xfrm>
-            <a:off x="7374615" y="1715899"/>
-            <a:ext cx="4155185" cy="745677"/>
-          </a:xfrm>
-          <a:prstGeom prst="rect">
-            <a:avLst/>
-          </a:prstGeom>
-        </p:spPr>
-      </p:pic>
     </p:spTree>
   </p:cSld>
   <p:clrMapOvr>

--- a/JavaLecture/LectureFile/샘플.pptx
+++ b/JavaLecture/LectureFile/샘플.pptx
@@ -231,7 +231,7 @@
           <a:p>
             <a:fld id="{3377703C-7B6A-4662-85EE-2E5A30469F49}" type="datetimeFigureOut">
               <a:rPr lang="ko-KR" altLang="en-US" smtClean="0"/>
-              <a:t>2023-10-27</a:t>
+              <a:t>2023-10-28 Saturday</a:t>
             </a:fld>
             <a:endParaRPr lang="ko-KR" altLang="en-US"/>
           </a:p>
@@ -761,7 +761,7 @@
           <a:p>
             <a:fld id="{F8166F1F-CE9B-4651-A6AA-CD717754106B}" type="datetimeFigureOut">
               <a:rPr lang="en-US" smtClean="0"/>
-              <a:t>10/27/2023</a:t>
+              <a:t>10/28/2023</a:t>
             </a:fld>
             <a:endParaRPr lang="en-US"/>
           </a:p>
@@ -924,7 +924,7 @@
           <a:p>
             <a:fld id="{A76116CE-C4A3-4A05-B2D7-7C2E9A889C0F}" type="datetimeFigureOut">
               <a:rPr lang="en-US" smtClean="0"/>
-              <a:t>10/27/2023</a:t>
+              <a:t>10/28/2023</a:t>
             </a:fld>
             <a:endParaRPr lang="en-US"/>
           </a:p>
@@ -1097,7 +1097,7 @@
           <a:p>
             <a:fld id="{A76116CE-C4A3-4A05-B2D7-7C2E9A889C0F}" type="datetimeFigureOut">
               <a:rPr lang="en-US" smtClean="0"/>
-              <a:t>10/27/2023</a:t>
+              <a:t>10/28/2023</a:t>
             </a:fld>
             <a:endParaRPr lang="en-US"/>
           </a:p>
@@ -1262,7 +1262,7 @@
           <a:p>
             <a:fld id="{A76116CE-C4A3-4A05-B2D7-7C2E9A889C0F}" type="datetimeFigureOut">
               <a:rPr lang="en-US" smtClean="0"/>
-              <a:t>10/27/2023</a:t>
+              <a:t>10/28/2023</a:t>
             </a:fld>
             <a:endParaRPr lang="en-US"/>
           </a:p>
@@ -1502,7 +1502,7 @@
           <a:p>
             <a:fld id="{A76116CE-C4A3-4A05-B2D7-7C2E9A889C0F}" type="datetimeFigureOut">
               <a:rPr lang="en-US" smtClean="0"/>
-              <a:t>10/27/2023</a:t>
+              <a:t>10/28/2023</a:t>
             </a:fld>
             <a:endParaRPr lang="en-US"/>
           </a:p>
@@ -1782,7 +1782,7 @@
           <a:p>
             <a:fld id="{A76116CE-C4A3-4A05-B2D7-7C2E9A889C0F}" type="datetimeFigureOut">
               <a:rPr lang="en-US" smtClean="0"/>
-              <a:t>10/27/2023</a:t>
+              <a:t>10/28/2023</a:t>
             </a:fld>
             <a:endParaRPr lang="en-US"/>
           </a:p>
@@ -2196,7 +2196,7 @@
           <a:p>
             <a:fld id="{A76116CE-C4A3-4A05-B2D7-7C2E9A889C0F}" type="datetimeFigureOut">
               <a:rPr lang="en-US" smtClean="0"/>
-              <a:t>10/27/2023</a:t>
+              <a:t>10/28/2023</a:t>
             </a:fld>
             <a:endParaRPr lang="en-US"/>
           </a:p>
@@ -2308,7 +2308,7 @@
           <a:p>
             <a:fld id="{A76116CE-C4A3-4A05-B2D7-7C2E9A889C0F}" type="datetimeFigureOut">
               <a:rPr lang="en-US" smtClean="0"/>
-              <a:t>10/27/2023</a:t>
+              <a:t>10/28/2023</a:t>
             </a:fld>
             <a:endParaRPr lang="en-US"/>
           </a:p>
@@ -2398,7 +2398,7 @@
           <a:p>
             <a:fld id="{A76116CE-C4A3-4A05-B2D7-7C2E9A889C0F}" type="datetimeFigureOut">
               <a:rPr lang="en-US" smtClean="0"/>
-              <a:t>10/27/2023</a:t>
+              <a:t>10/28/2023</a:t>
             </a:fld>
             <a:endParaRPr lang="en-US"/>
           </a:p>
@@ -2668,7 +2668,7 @@
           <a:p>
             <a:fld id="{A76116CE-C4A3-4A05-B2D7-7C2E9A889C0F}" type="datetimeFigureOut">
               <a:rPr lang="en-US" smtClean="0"/>
-              <a:t>10/27/2023</a:t>
+              <a:t>10/28/2023</a:t>
             </a:fld>
             <a:endParaRPr lang="en-US"/>
           </a:p>
@@ -2915,7 +2915,7 @@
           <a:p>
             <a:fld id="{A76116CE-C4A3-4A05-B2D7-7C2E9A889C0F}" type="datetimeFigureOut">
               <a:rPr lang="en-US" smtClean="0"/>
-              <a:t>10/27/2023</a:t>
+              <a:t>10/28/2023</a:t>
             </a:fld>
             <a:endParaRPr lang="en-US"/>
           </a:p>
@@ -3121,7 +3121,7 @@
           <a:p>
             <a:fld id="{F8166F1F-CE9B-4651-A6AA-CD717754106B}" type="datetimeFigureOut">
               <a:rPr lang="en-US" smtClean="0"/>
-              <a:t>10/27/2023</a:t>
+              <a:t>10/28/2023</a:t>
             </a:fld>
             <a:endParaRPr lang="en-US"/>
           </a:p>
@@ -3496,7 +3496,7 @@
           <p:cNvPr id="4" name="그룹 1008">
             <a:extLst>
               <a:ext uri="{FF2B5EF4-FFF2-40B4-BE49-F238E27FC236}">
-                <a16:creationId xmlns:a16="http://schemas.microsoft.com/office/drawing/2014/main" xmlns="" id="{54FFE8A6-6CB8-DCBA-07F7-749FA78BF4A4}"/>
+                <a16:creationId xmlns:a16="http://schemas.microsoft.com/office/drawing/2014/main" id="{54FFE8A6-6CB8-DCBA-07F7-749FA78BF4A4}"/>
               </a:ext>
             </a:extLst>
           </p:cNvPr>
@@ -3516,7 +3516,7 @@
             <p:cNvPr id="5" name="그룹 1009">
               <a:extLst>
                 <a:ext uri="{FF2B5EF4-FFF2-40B4-BE49-F238E27FC236}">
-                  <a16:creationId xmlns:a16="http://schemas.microsoft.com/office/drawing/2014/main" xmlns="" id="{AFC4D322-4969-89C3-C972-D8E8E418CA73}"/>
+                  <a16:creationId xmlns:a16="http://schemas.microsoft.com/office/drawing/2014/main" id="{AFC4D322-4969-89C3-C972-D8E8E418CA73}"/>
                 </a:ext>
               </a:extLst>
             </p:cNvPr>
@@ -3536,7 +3536,7 @@
               <p:cNvPr id="10" name="Object 29">
                 <a:extLst>
                   <a:ext uri="{FF2B5EF4-FFF2-40B4-BE49-F238E27FC236}">
-                    <a16:creationId xmlns:a16="http://schemas.microsoft.com/office/drawing/2014/main" xmlns="" id="{696B190E-C178-4E07-7621-24C3B48A9BCF}"/>
+                    <a16:creationId xmlns:a16="http://schemas.microsoft.com/office/drawing/2014/main" id="{696B190E-C178-4E07-7621-24C3B48A9BCF}"/>
                   </a:ext>
                 </a:extLst>
               </p:cNvPr>
@@ -3567,7 +3567,7 @@
             <p:cNvPr id="6" name="그룹 1010">
               <a:extLst>
                 <a:ext uri="{FF2B5EF4-FFF2-40B4-BE49-F238E27FC236}">
-                  <a16:creationId xmlns:a16="http://schemas.microsoft.com/office/drawing/2014/main" xmlns="" id="{88F3509F-17A2-2BE7-261F-3BA022FF91BA}"/>
+                  <a16:creationId xmlns:a16="http://schemas.microsoft.com/office/drawing/2014/main" id="{88F3509F-17A2-2BE7-261F-3BA022FF91BA}"/>
                 </a:ext>
               </a:extLst>
             </p:cNvPr>
@@ -3587,7 +3587,7 @@
               <p:cNvPr id="9" name="Object 32">
                 <a:extLst>
                   <a:ext uri="{FF2B5EF4-FFF2-40B4-BE49-F238E27FC236}">
-                    <a16:creationId xmlns:a16="http://schemas.microsoft.com/office/drawing/2014/main" xmlns="" id="{6183A7B0-D571-9788-43CE-90A93A934096}"/>
+                    <a16:creationId xmlns:a16="http://schemas.microsoft.com/office/drawing/2014/main" id="{6183A7B0-D571-9788-43CE-90A93A934096}"/>
                   </a:ext>
                 </a:extLst>
               </p:cNvPr>
@@ -3618,7 +3618,7 @@
             <p:cNvPr id="7" name="그룹 1011">
               <a:extLst>
                 <a:ext uri="{FF2B5EF4-FFF2-40B4-BE49-F238E27FC236}">
-                  <a16:creationId xmlns:a16="http://schemas.microsoft.com/office/drawing/2014/main" xmlns="" id="{3DB0BB1F-6A07-787C-7717-F712317AF8C3}"/>
+                  <a16:creationId xmlns:a16="http://schemas.microsoft.com/office/drawing/2014/main" id="{3DB0BB1F-6A07-787C-7717-F712317AF8C3}"/>
                 </a:ext>
               </a:extLst>
             </p:cNvPr>
@@ -3638,7 +3638,7 @@
               <p:cNvPr id="8" name="Object 35">
                 <a:extLst>
                   <a:ext uri="{FF2B5EF4-FFF2-40B4-BE49-F238E27FC236}">
-                    <a16:creationId xmlns:a16="http://schemas.microsoft.com/office/drawing/2014/main" xmlns="" id="{A003AF1A-29EE-2DC2-0E03-479F705DFFB6}"/>
+                    <a16:creationId xmlns:a16="http://schemas.microsoft.com/office/drawing/2014/main" id="{A003AF1A-29EE-2DC2-0E03-479F705DFFB6}"/>
                   </a:ext>
                 </a:extLst>
               </p:cNvPr>
@@ -3670,7 +3670,7 @@
           <p:cNvPr id="11" name="직선 화살표 연결선 10">
             <a:extLst>
               <a:ext uri="{FF2B5EF4-FFF2-40B4-BE49-F238E27FC236}">
-                <a16:creationId xmlns:a16="http://schemas.microsoft.com/office/drawing/2014/main" xmlns="" id="{299DF5EC-9DF4-5255-06AC-0A7CE4FF58C3}"/>
+                <a16:creationId xmlns:a16="http://schemas.microsoft.com/office/drawing/2014/main" id="{299DF5EC-9DF4-5255-06AC-0A7CE4FF58C3}"/>
               </a:ext>
             </a:extLst>
           </p:cNvPr>
@@ -3711,7 +3711,7 @@
           <p:cNvPr id="14" name="직사각형 13">
             <a:extLst>
               <a:ext uri="{FF2B5EF4-FFF2-40B4-BE49-F238E27FC236}">
-                <a16:creationId xmlns:a16="http://schemas.microsoft.com/office/drawing/2014/main" xmlns="" id="{FFF506F9-840A-0508-4CAF-3AC711D8D5CE}"/>
+                <a16:creationId xmlns:a16="http://schemas.microsoft.com/office/drawing/2014/main" id="{FFF506F9-840A-0508-4CAF-3AC711D8D5CE}"/>
               </a:ext>
             </a:extLst>
           </p:cNvPr>
@@ -3763,7 +3763,7 @@
           <p:cNvPr id="16" name="그룹 1008">
             <a:extLst>
               <a:ext uri="{FF2B5EF4-FFF2-40B4-BE49-F238E27FC236}">
-                <a16:creationId xmlns:a16="http://schemas.microsoft.com/office/drawing/2014/main" xmlns="" id="{E395BDE3-2EDE-065D-70E8-56E348228ACF}"/>
+                <a16:creationId xmlns:a16="http://schemas.microsoft.com/office/drawing/2014/main" id="{E395BDE3-2EDE-065D-70E8-56E348228ACF}"/>
               </a:ext>
             </a:extLst>
           </p:cNvPr>
@@ -3783,7 +3783,7 @@
             <p:cNvPr id="17" name="그룹 1009">
               <a:extLst>
                 <a:ext uri="{FF2B5EF4-FFF2-40B4-BE49-F238E27FC236}">
-                  <a16:creationId xmlns:a16="http://schemas.microsoft.com/office/drawing/2014/main" xmlns="" id="{852F4DEB-DB33-DB3F-9E9F-52A46CD0B10A}"/>
+                  <a16:creationId xmlns:a16="http://schemas.microsoft.com/office/drawing/2014/main" id="{852F4DEB-DB33-DB3F-9E9F-52A46CD0B10A}"/>
                 </a:ext>
               </a:extLst>
             </p:cNvPr>
@@ -3803,7 +3803,7 @@
               <p:cNvPr id="22" name="Object 29">
                 <a:extLst>
                   <a:ext uri="{FF2B5EF4-FFF2-40B4-BE49-F238E27FC236}">
-                    <a16:creationId xmlns:a16="http://schemas.microsoft.com/office/drawing/2014/main" xmlns="" id="{7E353D3B-14D4-8A64-5888-3F0C062C2CDD}"/>
+                    <a16:creationId xmlns:a16="http://schemas.microsoft.com/office/drawing/2014/main" id="{7E353D3B-14D4-8A64-5888-3F0C062C2CDD}"/>
                   </a:ext>
                 </a:extLst>
               </p:cNvPr>
@@ -3834,7 +3834,7 @@
             <p:cNvPr id="18" name="그룹 1010">
               <a:extLst>
                 <a:ext uri="{FF2B5EF4-FFF2-40B4-BE49-F238E27FC236}">
-                  <a16:creationId xmlns:a16="http://schemas.microsoft.com/office/drawing/2014/main" xmlns="" id="{001E38AB-1390-ABD0-BE01-9727136FEAEE}"/>
+                  <a16:creationId xmlns:a16="http://schemas.microsoft.com/office/drawing/2014/main" id="{001E38AB-1390-ABD0-BE01-9727136FEAEE}"/>
                 </a:ext>
               </a:extLst>
             </p:cNvPr>
@@ -3854,7 +3854,7 @@
               <p:cNvPr id="21" name="Object 32">
                 <a:extLst>
                   <a:ext uri="{FF2B5EF4-FFF2-40B4-BE49-F238E27FC236}">
-                    <a16:creationId xmlns:a16="http://schemas.microsoft.com/office/drawing/2014/main" xmlns="" id="{2ED1C30F-0D0B-F86C-8215-2598D332B5A3}"/>
+                    <a16:creationId xmlns:a16="http://schemas.microsoft.com/office/drawing/2014/main" id="{2ED1C30F-0D0B-F86C-8215-2598D332B5A3}"/>
                   </a:ext>
                 </a:extLst>
               </p:cNvPr>
@@ -3885,7 +3885,7 @@
             <p:cNvPr id="19" name="그룹 1011">
               <a:extLst>
                 <a:ext uri="{FF2B5EF4-FFF2-40B4-BE49-F238E27FC236}">
-                  <a16:creationId xmlns:a16="http://schemas.microsoft.com/office/drawing/2014/main" xmlns="" id="{1BCB8DE5-ABAF-4198-BC16-85BB76F2DB24}"/>
+                  <a16:creationId xmlns:a16="http://schemas.microsoft.com/office/drawing/2014/main" id="{1BCB8DE5-ABAF-4198-BC16-85BB76F2DB24}"/>
                 </a:ext>
               </a:extLst>
             </p:cNvPr>
@@ -3905,7 +3905,7 @@
               <p:cNvPr id="20" name="Object 35">
                 <a:extLst>
                   <a:ext uri="{FF2B5EF4-FFF2-40B4-BE49-F238E27FC236}">
-                    <a16:creationId xmlns:a16="http://schemas.microsoft.com/office/drawing/2014/main" xmlns="" id="{86E7BA23-0A1E-B581-CADC-06AB269DB2BD}"/>
+                    <a16:creationId xmlns:a16="http://schemas.microsoft.com/office/drawing/2014/main" id="{86E7BA23-0A1E-B581-CADC-06AB269DB2BD}"/>
                   </a:ext>
                 </a:extLst>
               </p:cNvPr>
@@ -3937,7 +3937,7 @@
           <p:cNvPr id="23" name="TextBox 22">
             <a:extLst>
               <a:ext uri="{FF2B5EF4-FFF2-40B4-BE49-F238E27FC236}">
-                <a16:creationId xmlns:a16="http://schemas.microsoft.com/office/drawing/2014/main" xmlns="" id="{7229BEA6-121E-9056-D07F-2B3BB1795F76}"/>
+                <a16:creationId xmlns:a16="http://schemas.microsoft.com/office/drawing/2014/main" id="{7229BEA6-121E-9056-D07F-2B3BB1795F76}"/>
               </a:ext>
             </a:extLst>
           </p:cNvPr>
@@ -3985,7 +3985,7 @@
           <p:cNvPr id="24" name="TextBox 23">
             <a:extLst>
               <a:ext uri="{FF2B5EF4-FFF2-40B4-BE49-F238E27FC236}">
-                <a16:creationId xmlns:a16="http://schemas.microsoft.com/office/drawing/2014/main" xmlns="" id="{5ADC00B6-990A-40DC-3CEA-505258F5E8DA}"/>
+                <a16:creationId xmlns:a16="http://schemas.microsoft.com/office/drawing/2014/main" id="{5ADC00B6-990A-40DC-3CEA-505258F5E8DA}"/>
               </a:ext>
             </a:extLst>
           </p:cNvPr>
@@ -4043,7 +4043,7 @@
           <p:cNvPr id="3" name="TextBox 2">
             <a:extLst>
               <a:ext uri="{FF2B5EF4-FFF2-40B4-BE49-F238E27FC236}">
-                <a16:creationId xmlns:a16="http://schemas.microsoft.com/office/drawing/2014/main" xmlns="" id="{C6D113C6-EA5C-788F-0C77-E7CE6EBB865F}"/>
+                <a16:creationId xmlns:a16="http://schemas.microsoft.com/office/drawing/2014/main" id="{C6D113C6-EA5C-788F-0C77-E7CE6EBB865F}"/>
               </a:ext>
             </a:extLst>
           </p:cNvPr>
@@ -4101,7 +4101,7 @@
           <p:cNvPr id="12" name="그룹 1008">
             <a:extLst>
               <a:ext uri="{FF2B5EF4-FFF2-40B4-BE49-F238E27FC236}">
-                <a16:creationId xmlns:a16="http://schemas.microsoft.com/office/drawing/2014/main" xmlns="" id="{678F6342-C505-E8AD-ADA4-022CB2C2088E}"/>
+                <a16:creationId xmlns:a16="http://schemas.microsoft.com/office/drawing/2014/main" id="{678F6342-C505-E8AD-ADA4-022CB2C2088E}"/>
               </a:ext>
             </a:extLst>
           </p:cNvPr>
@@ -4121,7 +4121,7 @@
             <p:cNvPr id="13" name="그룹 1009">
               <a:extLst>
                 <a:ext uri="{FF2B5EF4-FFF2-40B4-BE49-F238E27FC236}">
-                  <a16:creationId xmlns:a16="http://schemas.microsoft.com/office/drawing/2014/main" xmlns="" id="{4E1F1FED-812B-9BBB-925A-84B54A077414}"/>
+                  <a16:creationId xmlns:a16="http://schemas.microsoft.com/office/drawing/2014/main" id="{4E1F1FED-812B-9BBB-925A-84B54A077414}"/>
                 </a:ext>
               </a:extLst>
             </p:cNvPr>
@@ -4141,7 +4141,7 @@
               <p:cNvPr id="29" name="Object 29">
                 <a:extLst>
                   <a:ext uri="{FF2B5EF4-FFF2-40B4-BE49-F238E27FC236}">
-                    <a16:creationId xmlns:a16="http://schemas.microsoft.com/office/drawing/2014/main" xmlns="" id="{7B078609-4286-7B00-51EB-809C8E2DE289}"/>
+                    <a16:creationId xmlns:a16="http://schemas.microsoft.com/office/drawing/2014/main" id="{7B078609-4286-7B00-51EB-809C8E2DE289}"/>
                   </a:ext>
                 </a:extLst>
               </p:cNvPr>
@@ -4172,7 +4172,7 @@
             <p:cNvPr id="25" name="그룹 1010">
               <a:extLst>
                 <a:ext uri="{FF2B5EF4-FFF2-40B4-BE49-F238E27FC236}">
-                  <a16:creationId xmlns:a16="http://schemas.microsoft.com/office/drawing/2014/main" xmlns="" id="{02A649BF-B5B5-FBAF-7DFD-E118A4DF8907}"/>
+                  <a16:creationId xmlns:a16="http://schemas.microsoft.com/office/drawing/2014/main" id="{02A649BF-B5B5-FBAF-7DFD-E118A4DF8907}"/>
                 </a:ext>
               </a:extLst>
             </p:cNvPr>
@@ -4192,7 +4192,7 @@
               <p:cNvPr id="28" name="Object 32">
                 <a:extLst>
                   <a:ext uri="{FF2B5EF4-FFF2-40B4-BE49-F238E27FC236}">
-                    <a16:creationId xmlns:a16="http://schemas.microsoft.com/office/drawing/2014/main" xmlns="" id="{2A0FFF23-B3C9-3EA0-1C1B-A87D4FF098AE}"/>
+                    <a16:creationId xmlns:a16="http://schemas.microsoft.com/office/drawing/2014/main" id="{2A0FFF23-B3C9-3EA0-1C1B-A87D4FF098AE}"/>
                   </a:ext>
                 </a:extLst>
               </p:cNvPr>
@@ -4223,7 +4223,7 @@
             <p:cNvPr id="26" name="그룹 1011">
               <a:extLst>
                 <a:ext uri="{FF2B5EF4-FFF2-40B4-BE49-F238E27FC236}">
-                  <a16:creationId xmlns:a16="http://schemas.microsoft.com/office/drawing/2014/main" xmlns="" id="{881F5410-F7FB-F261-A584-707359BAC593}"/>
+                  <a16:creationId xmlns:a16="http://schemas.microsoft.com/office/drawing/2014/main" id="{881F5410-F7FB-F261-A584-707359BAC593}"/>
                 </a:ext>
               </a:extLst>
             </p:cNvPr>
@@ -4243,7 +4243,7 @@
               <p:cNvPr id="27" name="Object 35">
                 <a:extLst>
                   <a:ext uri="{FF2B5EF4-FFF2-40B4-BE49-F238E27FC236}">
-                    <a16:creationId xmlns:a16="http://schemas.microsoft.com/office/drawing/2014/main" xmlns="" id="{4E99E669-73EB-F9F4-EFE8-DC107035C265}"/>
+                    <a16:creationId xmlns:a16="http://schemas.microsoft.com/office/drawing/2014/main" id="{4E99E669-73EB-F9F4-EFE8-DC107035C265}"/>
                   </a:ext>
                 </a:extLst>
               </p:cNvPr>
@@ -4275,7 +4275,7 @@
           <p:cNvPr id="33" name="직선 연결선 32">
             <a:extLst>
               <a:ext uri="{FF2B5EF4-FFF2-40B4-BE49-F238E27FC236}">
-                <a16:creationId xmlns:a16="http://schemas.microsoft.com/office/drawing/2014/main" xmlns="" id="{6A1A37E4-F933-DE44-2EEA-F3A5BBF35584}"/>
+                <a16:creationId xmlns:a16="http://schemas.microsoft.com/office/drawing/2014/main" id="{6A1A37E4-F933-DE44-2EEA-F3A5BBF35584}"/>
               </a:ext>
             </a:extLst>
           </p:cNvPr>
@@ -4366,7 +4366,7 @@
           <p:cNvPr id="38" name="TextBox 37">
             <a:extLst>
               <a:ext uri="{FF2B5EF4-FFF2-40B4-BE49-F238E27FC236}">
-                <a16:creationId xmlns:a16="http://schemas.microsoft.com/office/drawing/2014/main" xmlns="" id="{A2AD056B-97A4-5BCC-4460-250160F3E171}"/>
+                <a16:creationId xmlns:a16="http://schemas.microsoft.com/office/drawing/2014/main" id="{A2AD056B-97A4-5BCC-4460-250160F3E171}"/>
               </a:ext>
             </a:extLst>
           </p:cNvPr>
@@ -4410,7 +4410,7 @@
           <p:cNvPr id="39" name="TextBox 38">
             <a:extLst>
               <a:ext uri="{FF2B5EF4-FFF2-40B4-BE49-F238E27FC236}">
-                <a16:creationId xmlns:a16="http://schemas.microsoft.com/office/drawing/2014/main" xmlns="" id="{52176D31-35F7-8916-46FA-6095EFEC1E49}"/>
+                <a16:creationId xmlns:a16="http://schemas.microsoft.com/office/drawing/2014/main" id="{52176D31-35F7-8916-46FA-6095EFEC1E49}"/>
               </a:ext>
             </a:extLst>
           </p:cNvPr>
@@ -4454,7 +4454,7 @@
           <p:cNvPr id="37" name="표 2">
             <a:extLst>
               <a:ext uri="{FF2B5EF4-FFF2-40B4-BE49-F238E27FC236}">
-                <a16:creationId xmlns:a16="http://schemas.microsoft.com/office/drawing/2014/main" xmlns="" id="{D2CC6F32-611A-E22D-EB8C-52D626A5B319}"/>
+                <a16:creationId xmlns:a16="http://schemas.microsoft.com/office/drawing/2014/main" id="{D2CC6F32-611A-E22D-EB8C-52D626A5B319}"/>
               </a:ext>
             </a:extLst>
           </p:cNvPr>
@@ -4483,21 +4483,21 @@
                 <a:gridCol w="1731833">
                   <a:extLst>
                     <a:ext uri="{9D8B030D-6E8A-4147-A177-3AD203B41FA5}">
-                      <a16:colId xmlns:a16="http://schemas.microsoft.com/office/drawing/2014/main" xmlns="" val="1960770391"/>
+                      <a16:colId xmlns:a16="http://schemas.microsoft.com/office/drawing/2014/main" val="1960770391"/>
                     </a:ext>
                   </a:extLst>
                 </a:gridCol>
                 <a:gridCol w="1752960">
                   <a:extLst>
                     <a:ext uri="{9D8B030D-6E8A-4147-A177-3AD203B41FA5}">
-                      <a16:colId xmlns:a16="http://schemas.microsoft.com/office/drawing/2014/main" xmlns="" val="733308553"/>
+                      <a16:colId xmlns:a16="http://schemas.microsoft.com/office/drawing/2014/main" val="733308553"/>
                     </a:ext>
                   </a:extLst>
                 </a:gridCol>
                 <a:gridCol w="2730951">
                   <a:extLst>
                     <a:ext uri="{9D8B030D-6E8A-4147-A177-3AD203B41FA5}">
-                      <a16:colId xmlns:a16="http://schemas.microsoft.com/office/drawing/2014/main" xmlns="" val="1661322813"/>
+                      <a16:colId xmlns:a16="http://schemas.microsoft.com/office/drawing/2014/main" val="1661322813"/>
                     </a:ext>
                   </a:extLst>
                 </a:gridCol>
@@ -4685,7 +4685,7 @@
                 </a:tc>
                 <a:extLst>
                   <a:ext uri="{0D108BD9-81ED-4DB2-BD59-A6C34878D82A}">
-                    <a16:rowId xmlns:a16="http://schemas.microsoft.com/office/drawing/2014/main" xmlns="" val="2452905565"/>
+                    <a16:rowId xmlns:a16="http://schemas.microsoft.com/office/drawing/2014/main" val="2452905565"/>
                   </a:ext>
                 </a:extLst>
               </a:tr>
@@ -4889,7 +4889,7 @@
                 </a:tc>
                 <a:extLst>
                   <a:ext uri="{0D108BD9-81ED-4DB2-BD59-A6C34878D82A}">
-                    <a16:rowId xmlns:a16="http://schemas.microsoft.com/office/drawing/2014/main" xmlns="" val="3551452526"/>
+                    <a16:rowId xmlns:a16="http://schemas.microsoft.com/office/drawing/2014/main" val="3551452526"/>
                   </a:ext>
                 </a:extLst>
               </a:tr>
@@ -5064,7 +5064,7 @@
                 </a:tc>
                 <a:extLst>
                   <a:ext uri="{0D108BD9-81ED-4DB2-BD59-A6C34878D82A}">
-                    <a16:rowId xmlns:a16="http://schemas.microsoft.com/office/drawing/2014/main" xmlns="" val="3645064171"/>
+                    <a16:rowId xmlns:a16="http://schemas.microsoft.com/office/drawing/2014/main" val="3645064171"/>
                   </a:ext>
                 </a:extLst>
               </a:tr>
@@ -5239,7 +5239,7 @@
                 </a:tc>
                 <a:extLst>
                   <a:ext uri="{0D108BD9-81ED-4DB2-BD59-A6C34878D82A}">
-                    <a16:rowId xmlns:a16="http://schemas.microsoft.com/office/drawing/2014/main" xmlns="" val="2802120283"/>
+                    <a16:rowId xmlns:a16="http://schemas.microsoft.com/office/drawing/2014/main" val="2802120283"/>
                   </a:ext>
                 </a:extLst>
               </a:tr>
@@ -5408,7 +5408,7 @@
                 </a:tc>
                 <a:extLst>
                   <a:ext uri="{0D108BD9-81ED-4DB2-BD59-A6C34878D82A}">
-                    <a16:rowId xmlns:a16="http://schemas.microsoft.com/office/drawing/2014/main" xmlns="" val="1362299918"/>
+                    <a16:rowId xmlns:a16="http://schemas.microsoft.com/office/drawing/2014/main" val="1362299918"/>
                   </a:ext>
                 </a:extLst>
               </a:tr>
@@ -5644,7 +5644,7 @@
                 </a:tc>
                 <a:extLst>
                   <a:ext uri="{0D108BD9-81ED-4DB2-BD59-A6C34878D82A}">
-                    <a16:rowId xmlns:a16="http://schemas.microsoft.com/office/drawing/2014/main" xmlns="" val="2488866604"/>
+                    <a16:rowId xmlns:a16="http://schemas.microsoft.com/office/drawing/2014/main" val="2488866604"/>
                   </a:ext>
                 </a:extLst>
               </a:tr>
@@ -5867,7 +5867,7 @@
                 </a:tc>
                 <a:extLst>
                   <a:ext uri="{0D108BD9-81ED-4DB2-BD59-A6C34878D82A}">
-                    <a16:rowId xmlns:a16="http://schemas.microsoft.com/office/drawing/2014/main" xmlns="" val="2632365449"/>
+                    <a16:rowId xmlns:a16="http://schemas.microsoft.com/office/drawing/2014/main" val="2632365449"/>
                   </a:ext>
                 </a:extLst>
               </a:tr>
@@ -6023,14 +6023,14 @@
                 <a:gridCol w="2688700">
                   <a:extLst>
                     <a:ext uri="{9D8B030D-6E8A-4147-A177-3AD203B41FA5}">
-                      <a16:colId xmlns:a16="http://schemas.microsoft.com/office/drawing/2014/main" xmlns="" val="20000"/>
+                      <a16:colId xmlns:a16="http://schemas.microsoft.com/office/drawing/2014/main" val="20000"/>
                     </a:ext>
                   </a:extLst>
                 </a:gridCol>
                 <a:gridCol w="2721500">
                   <a:extLst>
                     <a:ext uri="{9D8B030D-6E8A-4147-A177-3AD203B41FA5}">
-                      <a16:colId xmlns:a16="http://schemas.microsoft.com/office/drawing/2014/main" xmlns="" val="20001"/>
+                      <a16:colId xmlns:a16="http://schemas.microsoft.com/office/drawing/2014/main" val="20001"/>
                     </a:ext>
                   </a:extLst>
                 </a:gridCol>
@@ -6168,7 +6168,7 @@
                 </a:tc>
                 <a:extLst>
                   <a:ext uri="{0D108BD9-81ED-4DB2-BD59-A6C34878D82A}">
-                    <a16:rowId xmlns:a16="http://schemas.microsoft.com/office/drawing/2014/main" xmlns="" val="10000"/>
+                    <a16:rowId xmlns:a16="http://schemas.microsoft.com/office/drawing/2014/main" val="10000"/>
                   </a:ext>
                 </a:extLst>
               </a:tr>
@@ -6293,7 +6293,7 @@
                 </a:tc>
                 <a:extLst>
                   <a:ext uri="{0D108BD9-81ED-4DB2-BD59-A6C34878D82A}">
-                    <a16:rowId xmlns:a16="http://schemas.microsoft.com/office/drawing/2014/main" xmlns="" val="10001"/>
+                    <a16:rowId xmlns:a16="http://schemas.microsoft.com/office/drawing/2014/main" val="10001"/>
                   </a:ext>
                 </a:extLst>
               </a:tr>
@@ -6418,7 +6418,7 @@
                 </a:tc>
                 <a:extLst>
                   <a:ext uri="{0D108BD9-81ED-4DB2-BD59-A6C34878D82A}">
-                    <a16:rowId xmlns:a16="http://schemas.microsoft.com/office/drawing/2014/main" xmlns="" val="10002"/>
+                    <a16:rowId xmlns:a16="http://schemas.microsoft.com/office/drawing/2014/main" val="10002"/>
                   </a:ext>
                 </a:extLst>
               </a:tr>
@@ -6527,7 +6527,7 @@
                 </a:tc>
                 <a:extLst>
                   <a:ext uri="{0D108BD9-81ED-4DB2-BD59-A6C34878D82A}">
-                    <a16:rowId xmlns:a16="http://schemas.microsoft.com/office/drawing/2014/main" xmlns="" val="10003"/>
+                    <a16:rowId xmlns:a16="http://schemas.microsoft.com/office/drawing/2014/main" val="10003"/>
                   </a:ext>
                 </a:extLst>
               </a:tr>
@@ -6636,7 +6636,7 @@
                 </a:tc>
                 <a:extLst>
                   <a:ext uri="{0D108BD9-81ED-4DB2-BD59-A6C34878D82A}">
-                    <a16:rowId xmlns:a16="http://schemas.microsoft.com/office/drawing/2014/main" xmlns="" val="10004"/>
+                    <a16:rowId xmlns:a16="http://schemas.microsoft.com/office/drawing/2014/main" val="10004"/>
                   </a:ext>
                 </a:extLst>
               </a:tr>
@@ -6745,7 +6745,7 @@
                 </a:tc>
                 <a:extLst>
                   <a:ext uri="{0D108BD9-81ED-4DB2-BD59-A6C34878D82A}">
-                    <a16:rowId xmlns:a16="http://schemas.microsoft.com/office/drawing/2014/main" xmlns="" val="10005"/>
+                    <a16:rowId xmlns:a16="http://schemas.microsoft.com/office/drawing/2014/main" val="10005"/>
                   </a:ext>
                 </a:extLst>
               </a:tr>
@@ -6854,7 +6854,7 @@
                 </a:tc>
                 <a:extLst>
                   <a:ext uri="{0D108BD9-81ED-4DB2-BD59-A6C34878D82A}">
-                    <a16:rowId xmlns:a16="http://schemas.microsoft.com/office/drawing/2014/main" xmlns="" val="10006"/>
+                    <a16:rowId xmlns:a16="http://schemas.microsoft.com/office/drawing/2014/main" val="10006"/>
                   </a:ext>
                 </a:extLst>
               </a:tr>
@@ -6963,7 +6963,7 @@
                 </a:tc>
                 <a:extLst>
                   <a:ext uri="{0D108BD9-81ED-4DB2-BD59-A6C34878D82A}">
-                    <a16:rowId xmlns:a16="http://schemas.microsoft.com/office/drawing/2014/main" xmlns="" val="10007"/>
+                    <a16:rowId xmlns:a16="http://schemas.microsoft.com/office/drawing/2014/main" val="10007"/>
                   </a:ext>
                 </a:extLst>
               </a:tr>
@@ -7072,7 +7072,7 @@
                 </a:tc>
                 <a:extLst>
                   <a:ext uri="{0D108BD9-81ED-4DB2-BD59-A6C34878D82A}">
-                    <a16:rowId xmlns:a16="http://schemas.microsoft.com/office/drawing/2014/main" xmlns="" val="10008"/>
+                    <a16:rowId xmlns:a16="http://schemas.microsoft.com/office/drawing/2014/main" val="10008"/>
                   </a:ext>
                 </a:extLst>
               </a:tr>
@@ -7197,7 +7197,7 @@
                 </a:tc>
                 <a:extLst>
                   <a:ext uri="{0D108BD9-81ED-4DB2-BD59-A6C34878D82A}">
-                    <a16:rowId xmlns:a16="http://schemas.microsoft.com/office/drawing/2014/main" xmlns="" val="10009"/>
+                    <a16:rowId xmlns:a16="http://schemas.microsoft.com/office/drawing/2014/main" val="10009"/>
                   </a:ext>
                 </a:extLst>
               </a:tr>
@@ -7306,7 +7306,7 @@
                 </a:tc>
                 <a:extLst>
                   <a:ext uri="{0D108BD9-81ED-4DB2-BD59-A6C34878D82A}">
-                    <a16:rowId xmlns:a16="http://schemas.microsoft.com/office/drawing/2014/main" xmlns="" val="10010"/>
+                    <a16:rowId xmlns:a16="http://schemas.microsoft.com/office/drawing/2014/main" val="10010"/>
                   </a:ext>
                 </a:extLst>
               </a:tr>
@@ -7319,7 +7319,7 @@
           <p:cNvPr id="42" name="TextBox 41">
             <a:extLst>
               <a:ext uri="{FF2B5EF4-FFF2-40B4-BE49-F238E27FC236}">
-                <a16:creationId xmlns:a16="http://schemas.microsoft.com/office/drawing/2014/main" xmlns="" id="{DF7DDD33-9412-2802-339A-E55446AC2DA7}"/>
+                <a16:creationId xmlns:a16="http://schemas.microsoft.com/office/drawing/2014/main" id="{DF7DDD33-9412-2802-339A-E55446AC2DA7}"/>
               </a:ext>
             </a:extLst>
           </p:cNvPr>
@@ -7377,7 +7377,7 @@
           <p:cNvPr id="47" name="TextBox 46">
             <a:extLst>
               <a:ext uri="{FF2B5EF4-FFF2-40B4-BE49-F238E27FC236}">
-                <a16:creationId xmlns:a16="http://schemas.microsoft.com/office/drawing/2014/main" xmlns="" id="{DF7DDD33-9412-2802-339A-E55446AC2DA7}"/>
+                <a16:creationId xmlns:a16="http://schemas.microsoft.com/office/drawing/2014/main" id="{DF7DDD33-9412-2802-339A-E55446AC2DA7}"/>
               </a:ext>
             </a:extLst>
           </p:cNvPr>
@@ -7425,7 +7425,7 @@
           <p:cNvPr id="48" name="TextBox 47">
             <a:extLst>
               <a:ext uri="{FF2B5EF4-FFF2-40B4-BE49-F238E27FC236}">
-                <a16:creationId xmlns:a16="http://schemas.microsoft.com/office/drawing/2014/main" xmlns="" id="{DF7DDD33-9412-2802-339A-E55446AC2DA7}"/>
+                <a16:creationId xmlns:a16="http://schemas.microsoft.com/office/drawing/2014/main" id="{DF7DDD33-9412-2802-339A-E55446AC2DA7}"/>
               </a:ext>
             </a:extLst>
           </p:cNvPr>
@@ -7473,7 +7473,7 @@
           <p:cNvPr id="49" name="TextBox 48">
             <a:extLst>
               <a:ext uri="{FF2B5EF4-FFF2-40B4-BE49-F238E27FC236}">
-                <a16:creationId xmlns:a16="http://schemas.microsoft.com/office/drawing/2014/main" xmlns="" id="{DF7DDD33-9412-2802-339A-E55446AC2DA7}"/>
+                <a16:creationId xmlns:a16="http://schemas.microsoft.com/office/drawing/2014/main" id="{DF7DDD33-9412-2802-339A-E55446AC2DA7}"/>
               </a:ext>
             </a:extLst>
           </p:cNvPr>
@@ -7531,7 +7531,7 @@
           <p:cNvPr id="50" name="TextBox 49">
             <a:extLst>
               <a:ext uri="{FF2B5EF4-FFF2-40B4-BE49-F238E27FC236}">
-                <a16:creationId xmlns:a16="http://schemas.microsoft.com/office/drawing/2014/main" xmlns="" id="{DF7DDD33-9412-2802-339A-E55446AC2DA7}"/>
+                <a16:creationId xmlns:a16="http://schemas.microsoft.com/office/drawing/2014/main" id="{DF7DDD33-9412-2802-339A-E55446AC2DA7}"/>
               </a:ext>
             </a:extLst>
           </p:cNvPr>
@@ -7579,7 +7579,7 @@
           <p:cNvPr id="51" name="TextBox 50">
             <a:extLst>
               <a:ext uri="{FF2B5EF4-FFF2-40B4-BE49-F238E27FC236}">
-                <a16:creationId xmlns:a16="http://schemas.microsoft.com/office/drawing/2014/main" xmlns="" id="{DF7DDD33-9412-2802-339A-E55446AC2DA7}"/>
+                <a16:creationId xmlns:a16="http://schemas.microsoft.com/office/drawing/2014/main" id="{DF7DDD33-9412-2802-339A-E55446AC2DA7}"/>
               </a:ext>
             </a:extLst>
           </p:cNvPr>
@@ -7637,7 +7637,7 @@
           <p:cNvPr id="52" name="TextBox 51">
             <a:extLst>
               <a:ext uri="{FF2B5EF4-FFF2-40B4-BE49-F238E27FC236}">
-                <a16:creationId xmlns:a16="http://schemas.microsoft.com/office/drawing/2014/main" xmlns="" id="{DF7DDD33-9412-2802-339A-E55446AC2DA7}"/>
+                <a16:creationId xmlns:a16="http://schemas.microsoft.com/office/drawing/2014/main" id="{DF7DDD33-9412-2802-339A-E55446AC2DA7}"/>
               </a:ext>
             </a:extLst>
           </p:cNvPr>
@@ -7685,7 +7685,7 @@
           <p:cNvPr id="53" name="TextBox 52">
             <a:extLst>
               <a:ext uri="{FF2B5EF4-FFF2-40B4-BE49-F238E27FC236}">
-                <a16:creationId xmlns:a16="http://schemas.microsoft.com/office/drawing/2014/main" xmlns="" id="{DF7DDD33-9412-2802-339A-E55446AC2DA7}"/>
+                <a16:creationId xmlns:a16="http://schemas.microsoft.com/office/drawing/2014/main" id="{DF7DDD33-9412-2802-339A-E55446AC2DA7}"/>
               </a:ext>
             </a:extLst>
           </p:cNvPr>
@@ -7743,7 +7743,7 @@
           <p:cNvPr id="54" name="TextBox 53">
             <a:extLst>
               <a:ext uri="{FF2B5EF4-FFF2-40B4-BE49-F238E27FC236}">
-                <a16:creationId xmlns:a16="http://schemas.microsoft.com/office/drawing/2014/main" xmlns="" id="{DF7DDD33-9412-2802-339A-E55446AC2DA7}"/>
+                <a16:creationId xmlns:a16="http://schemas.microsoft.com/office/drawing/2014/main" id="{DF7DDD33-9412-2802-339A-E55446AC2DA7}"/>
               </a:ext>
             </a:extLst>
           </p:cNvPr>
@@ -7791,7 +7791,7 @@
           <p:cNvPr id="55" name="TextBox 54">
             <a:extLst>
               <a:ext uri="{FF2B5EF4-FFF2-40B4-BE49-F238E27FC236}">
-                <a16:creationId xmlns:a16="http://schemas.microsoft.com/office/drawing/2014/main" xmlns="" id="{DF7DDD33-9412-2802-339A-E55446AC2DA7}"/>
+                <a16:creationId xmlns:a16="http://schemas.microsoft.com/office/drawing/2014/main" id="{DF7DDD33-9412-2802-339A-E55446AC2DA7}"/>
               </a:ext>
             </a:extLst>
           </p:cNvPr>
@@ -7863,7 +7863,7 @@
             <p:cNvPr id="57" name="직선 연결선 56">
               <a:extLst>
                 <a:ext uri="{FF2B5EF4-FFF2-40B4-BE49-F238E27FC236}">
-                  <a16:creationId xmlns:a16="http://schemas.microsoft.com/office/drawing/2014/main" xmlns="" id="{1172879B-889D-0C2F-EEA8-003E6793F36F}"/>
+                  <a16:creationId xmlns:a16="http://schemas.microsoft.com/office/drawing/2014/main" id="{1172879B-889D-0C2F-EEA8-003E6793F36F}"/>
                 </a:ext>
               </a:extLst>
             </p:cNvPr>
@@ -7906,7 +7906,7 @@
             <p:cNvPr id="58" name="직선 연결선 57">
               <a:extLst>
                 <a:ext uri="{FF2B5EF4-FFF2-40B4-BE49-F238E27FC236}">
-                  <a16:creationId xmlns:a16="http://schemas.microsoft.com/office/drawing/2014/main" xmlns="" id="{1172879B-889D-0C2F-EEA8-003E6793F36F}"/>
+                  <a16:creationId xmlns:a16="http://schemas.microsoft.com/office/drawing/2014/main" id="{1172879B-889D-0C2F-EEA8-003E6793F36F}"/>
                 </a:ext>
               </a:extLst>
             </p:cNvPr>
@@ -7949,7 +7949,7 @@
             <p:cNvPr id="59" name="직선 연결선 58">
               <a:extLst>
                 <a:ext uri="{FF2B5EF4-FFF2-40B4-BE49-F238E27FC236}">
-                  <a16:creationId xmlns:a16="http://schemas.microsoft.com/office/drawing/2014/main" xmlns="" id="{1172879B-889D-0C2F-EEA8-003E6793F36F}"/>
+                  <a16:creationId xmlns:a16="http://schemas.microsoft.com/office/drawing/2014/main" id="{1172879B-889D-0C2F-EEA8-003E6793F36F}"/>
                 </a:ext>
               </a:extLst>
             </p:cNvPr>
@@ -7992,7 +7992,7 @@
             <p:cNvPr id="60" name="직선 연결선 59">
               <a:extLst>
                 <a:ext uri="{FF2B5EF4-FFF2-40B4-BE49-F238E27FC236}">
-                  <a16:creationId xmlns:a16="http://schemas.microsoft.com/office/drawing/2014/main" xmlns="" id="{1172879B-889D-0C2F-EEA8-003E6793F36F}"/>
+                  <a16:creationId xmlns:a16="http://schemas.microsoft.com/office/drawing/2014/main" id="{1172879B-889D-0C2F-EEA8-003E6793F36F}"/>
                 </a:ext>
               </a:extLst>
             </p:cNvPr>
@@ -8036,7 +8036,7 @@
           <p:cNvPr id="61" name="직선 연결선 60">
             <a:extLst>
               <a:ext uri="{FF2B5EF4-FFF2-40B4-BE49-F238E27FC236}">
-                <a16:creationId xmlns:a16="http://schemas.microsoft.com/office/drawing/2014/main" xmlns="" id="{466D5656-813B-296D-F08F-2E57C8EBA1E1}"/>
+                <a16:creationId xmlns:a16="http://schemas.microsoft.com/office/drawing/2014/main" id="{466D5656-813B-296D-F08F-2E57C8EBA1E1}"/>
               </a:ext>
             </a:extLst>
           </p:cNvPr>
@@ -8120,7 +8120,7 @@
           <p:cNvPr id="2" name="TextBox 1">
             <a:extLst>
               <a:ext uri="{FF2B5EF4-FFF2-40B4-BE49-F238E27FC236}">
-                <a16:creationId xmlns:a16="http://schemas.microsoft.com/office/drawing/2014/main" xmlns="" id="{A92A45D9-B960-EF50-398E-26A3F43BF41A}"/>
+                <a16:creationId xmlns:a16="http://schemas.microsoft.com/office/drawing/2014/main" id="{A92A45D9-B960-EF50-398E-26A3F43BF41A}"/>
               </a:ext>
             </a:extLst>
           </p:cNvPr>
@@ -15515,7 +15515,7 @@
           <p:cNvPr id="4" name="그룹 1018">
             <a:extLst>
               <a:ext uri="{FF2B5EF4-FFF2-40B4-BE49-F238E27FC236}">
-                <a16:creationId xmlns:a16="http://schemas.microsoft.com/office/drawing/2014/main" xmlns="" id="{0C5247D1-E285-7CDC-25F8-F1ABCDE304BE}"/>
+                <a16:creationId xmlns:a16="http://schemas.microsoft.com/office/drawing/2014/main" id="{0C5247D1-E285-7CDC-25F8-F1ABCDE304BE}"/>
               </a:ext>
             </a:extLst>
           </p:cNvPr>
@@ -15535,7 +15535,7 @@
             <p:cNvPr id="5" name="Object 61">
               <a:extLst>
                 <a:ext uri="{FF2B5EF4-FFF2-40B4-BE49-F238E27FC236}">
-                  <a16:creationId xmlns:a16="http://schemas.microsoft.com/office/drawing/2014/main" xmlns="" id="{29C480AF-46D1-D9A5-6C87-226E5620D948}"/>
+                  <a16:creationId xmlns:a16="http://schemas.microsoft.com/office/drawing/2014/main" id="{29C480AF-46D1-D9A5-6C87-226E5620D948}"/>
                 </a:ext>
               </a:extLst>
             </p:cNvPr>
@@ -15566,7 +15566,7 @@
           <p:cNvPr id="6" name="그룹 1018">
             <a:extLst>
               <a:ext uri="{FF2B5EF4-FFF2-40B4-BE49-F238E27FC236}">
-                <a16:creationId xmlns:a16="http://schemas.microsoft.com/office/drawing/2014/main" xmlns="" id="{F53BC57C-78A5-6AFC-CB34-7E3FD29B339F}"/>
+                <a16:creationId xmlns:a16="http://schemas.microsoft.com/office/drawing/2014/main" id="{F53BC57C-78A5-6AFC-CB34-7E3FD29B339F}"/>
               </a:ext>
             </a:extLst>
           </p:cNvPr>
@@ -15586,7 +15586,7 @@
             <p:cNvPr id="7" name="Object 61">
               <a:extLst>
                 <a:ext uri="{FF2B5EF4-FFF2-40B4-BE49-F238E27FC236}">
-                  <a16:creationId xmlns:a16="http://schemas.microsoft.com/office/drawing/2014/main" xmlns="" id="{E6F73685-14E5-06A9-813C-1C372BD6F4DE}"/>
+                  <a16:creationId xmlns:a16="http://schemas.microsoft.com/office/drawing/2014/main" id="{E6F73685-14E5-06A9-813C-1C372BD6F4DE}"/>
                 </a:ext>
               </a:extLst>
             </p:cNvPr>
@@ -15617,7 +15617,7 @@
           <p:cNvPr id="11" name="직선 연결선 10">
             <a:extLst>
               <a:ext uri="{FF2B5EF4-FFF2-40B4-BE49-F238E27FC236}">
-                <a16:creationId xmlns:a16="http://schemas.microsoft.com/office/drawing/2014/main" xmlns="" id="{466D5656-813B-296D-F08F-2E57C8EBA1E1}"/>
+                <a16:creationId xmlns:a16="http://schemas.microsoft.com/office/drawing/2014/main" id="{466D5656-813B-296D-F08F-2E57C8EBA1E1}"/>
               </a:ext>
             </a:extLst>
           </p:cNvPr>
@@ -15660,7 +15660,7 @@
           <p:cNvPr id="13" name="그룹 1018">
             <a:extLst>
               <a:ext uri="{FF2B5EF4-FFF2-40B4-BE49-F238E27FC236}">
-                <a16:creationId xmlns:a16="http://schemas.microsoft.com/office/drawing/2014/main" xmlns="" id="{6422EA0E-12C8-4264-ABC7-17F8CE933867}"/>
+                <a16:creationId xmlns:a16="http://schemas.microsoft.com/office/drawing/2014/main" id="{6422EA0E-12C8-4264-ABC7-17F8CE933867}"/>
               </a:ext>
             </a:extLst>
           </p:cNvPr>
@@ -15680,7 +15680,7 @@
             <p:cNvPr id="14" name="Object 61">
               <a:extLst>
                 <a:ext uri="{FF2B5EF4-FFF2-40B4-BE49-F238E27FC236}">
-                  <a16:creationId xmlns:a16="http://schemas.microsoft.com/office/drawing/2014/main" xmlns="" id="{B8EE3D0F-6DDF-413D-3D54-0B0C4905D65D}"/>
+                  <a16:creationId xmlns:a16="http://schemas.microsoft.com/office/drawing/2014/main" id="{B8EE3D0F-6DDF-413D-3D54-0B0C4905D65D}"/>
                 </a:ext>
               </a:extLst>
             </p:cNvPr>
@@ -15711,7 +15711,7 @@
           <p:cNvPr id="15" name="그룹 1018">
             <a:extLst>
               <a:ext uri="{FF2B5EF4-FFF2-40B4-BE49-F238E27FC236}">
-                <a16:creationId xmlns:a16="http://schemas.microsoft.com/office/drawing/2014/main" xmlns="" id="{11F8DF7C-F95F-B0B5-FC7F-85E369D002C6}"/>
+                <a16:creationId xmlns:a16="http://schemas.microsoft.com/office/drawing/2014/main" id="{11F8DF7C-F95F-B0B5-FC7F-85E369D002C6}"/>
               </a:ext>
             </a:extLst>
           </p:cNvPr>
@@ -15731,7 +15731,7 @@
             <p:cNvPr id="16" name="Object 61">
               <a:extLst>
                 <a:ext uri="{FF2B5EF4-FFF2-40B4-BE49-F238E27FC236}">
-                  <a16:creationId xmlns:a16="http://schemas.microsoft.com/office/drawing/2014/main" xmlns="" id="{B8B15D9F-D5FD-93DD-D076-037E1D6FFEC7}"/>
+                  <a16:creationId xmlns:a16="http://schemas.microsoft.com/office/drawing/2014/main" id="{B8B15D9F-D5FD-93DD-D076-037E1D6FFEC7}"/>
                 </a:ext>
               </a:extLst>
             </p:cNvPr>
@@ -15762,7 +15762,7 @@
           <p:cNvPr id="17" name="직선 연결선 16">
             <a:extLst>
               <a:ext uri="{FF2B5EF4-FFF2-40B4-BE49-F238E27FC236}">
-                <a16:creationId xmlns:a16="http://schemas.microsoft.com/office/drawing/2014/main" xmlns="" id="{450E9148-0C3A-3B85-23E5-E1D1C0997659}"/>
+                <a16:creationId xmlns:a16="http://schemas.microsoft.com/office/drawing/2014/main" id="{450E9148-0C3A-3B85-23E5-E1D1C0997659}"/>
               </a:ext>
             </a:extLst>
           </p:cNvPr>
@@ -15806,7 +15806,7 @@
           <p:cNvPr id="20" name="TextBox 19">
             <a:extLst>
               <a:ext uri="{FF2B5EF4-FFF2-40B4-BE49-F238E27FC236}">
-                <a16:creationId xmlns:a16="http://schemas.microsoft.com/office/drawing/2014/main" xmlns="" id="{A06D4055-10A8-4A24-5EDC-0761473BA40F}"/>
+                <a16:creationId xmlns:a16="http://schemas.microsoft.com/office/drawing/2014/main" id="{A06D4055-10A8-4A24-5EDC-0761473BA40F}"/>
               </a:ext>
             </a:extLst>
           </p:cNvPr>
@@ -15850,7 +15850,7 @@
           <p:cNvPr id="21" name="TextBox 20">
             <a:extLst>
               <a:ext uri="{FF2B5EF4-FFF2-40B4-BE49-F238E27FC236}">
-                <a16:creationId xmlns:a16="http://schemas.microsoft.com/office/drawing/2014/main" xmlns="" id="{044C5ACF-17B6-5920-7904-E16248F54A6A}"/>
+                <a16:creationId xmlns:a16="http://schemas.microsoft.com/office/drawing/2014/main" id="{044C5ACF-17B6-5920-7904-E16248F54A6A}"/>
               </a:ext>
             </a:extLst>
           </p:cNvPr>
@@ -15894,7 +15894,7 @@
           <p:cNvPr id="22" name="TextBox 21">
             <a:extLst>
               <a:ext uri="{FF2B5EF4-FFF2-40B4-BE49-F238E27FC236}">
-                <a16:creationId xmlns:a16="http://schemas.microsoft.com/office/drawing/2014/main" xmlns="" id="{A7091AF6-2AB0-08A8-8A31-E96D2EBC6A65}"/>
+                <a16:creationId xmlns:a16="http://schemas.microsoft.com/office/drawing/2014/main" id="{A7091AF6-2AB0-08A8-8A31-E96D2EBC6A65}"/>
               </a:ext>
             </a:extLst>
           </p:cNvPr>
@@ -15938,7 +15938,7 @@
           <p:cNvPr id="23" name="TextBox 22">
             <a:extLst>
               <a:ext uri="{FF2B5EF4-FFF2-40B4-BE49-F238E27FC236}">
-                <a16:creationId xmlns:a16="http://schemas.microsoft.com/office/drawing/2014/main" xmlns="" id="{101E227B-A9BD-20A0-66DD-A013FA376D02}"/>
+                <a16:creationId xmlns:a16="http://schemas.microsoft.com/office/drawing/2014/main" id="{101E227B-A9BD-20A0-66DD-A013FA376D02}"/>
               </a:ext>
             </a:extLst>
           </p:cNvPr>
@@ -15996,7 +15996,7 @@
             <p:cNvPr id="9" name="직선 연결선 8">
               <a:extLst>
                 <a:ext uri="{FF2B5EF4-FFF2-40B4-BE49-F238E27FC236}">
-                  <a16:creationId xmlns:a16="http://schemas.microsoft.com/office/drawing/2014/main" xmlns="" id="{1172879B-889D-0C2F-EEA8-003E6793F36F}"/>
+                  <a16:creationId xmlns:a16="http://schemas.microsoft.com/office/drawing/2014/main" id="{1172879B-889D-0C2F-EEA8-003E6793F36F}"/>
                 </a:ext>
               </a:extLst>
             </p:cNvPr>
@@ -16039,7 +16039,7 @@
             <p:cNvPr id="24" name="직선 연결선 23">
               <a:extLst>
                 <a:ext uri="{FF2B5EF4-FFF2-40B4-BE49-F238E27FC236}">
-                  <a16:creationId xmlns:a16="http://schemas.microsoft.com/office/drawing/2014/main" xmlns="" id="{1172879B-889D-0C2F-EEA8-003E6793F36F}"/>
+                  <a16:creationId xmlns:a16="http://schemas.microsoft.com/office/drawing/2014/main" id="{1172879B-889D-0C2F-EEA8-003E6793F36F}"/>
                 </a:ext>
               </a:extLst>
             </p:cNvPr>
@@ -16082,7 +16082,7 @@
             <p:cNvPr id="25" name="직선 연결선 24">
               <a:extLst>
                 <a:ext uri="{FF2B5EF4-FFF2-40B4-BE49-F238E27FC236}">
-                  <a16:creationId xmlns:a16="http://schemas.microsoft.com/office/drawing/2014/main" xmlns="" id="{1172879B-889D-0C2F-EEA8-003E6793F36F}"/>
+                  <a16:creationId xmlns:a16="http://schemas.microsoft.com/office/drawing/2014/main" id="{1172879B-889D-0C2F-EEA8-003E6793F36F}"/>
                 </a:ext>
               </a:extLst>
             </p:cNvPr>
@@ -16125,7 +16125,7 @@
             <p:cNvPr id="30" name="직선 연결선 29">
               <a:extLst>
                 <a:ext uri="{FF2B5EF4-FFF2-40B4-BE49-F238E27FC236}">
-                  <a16:creationId xmlns:a16="http://schemas.microsoft.com/office/drawing/2014/main" xmlns="" id="{1172879B-889D-0C2F-EEA8-003E6793F36F}"/>
+                  <a16:creationId xmlns:a16="http://schemas.microsoft.com/office/drawing/2014/main" id="{1172879B-889D-0C2F-EEA8-003E6793F36F}"/>
                 </a:ext>
               </a:extLst>
             </p:cNvPr>
@@ -16169,7 +16169,7 @@
           <p:cNvPr id="2" name="TextBox 1">
             <a:extLst>
               <a:ext uri="{FF2B5EF4-FFF2-40B4-BE49-F238E27FC236}">
-                <a16:creationId xmlns:a16="http://schemas.microsoft.com/office/drawing/2014/main" xmlns="" id="{06954172-7EF0-CE8C-73EC-25E928EC1B7D}"/>
+                <a16:creationId xmlns:a16="http://schemas.microsoft.com/office/drawing/2014/main" id="{06954172-7EF0-CE8C-73EC-25E928EC1B7D}"/>
               </a:ext>
             </a:extLst>
           </p:cNvPr>
@@ -16217,7 +16217,7 @@
           <p:cNvPr id="3" name="직사각형 2">
             <a:extLst>
               <a:ext uri="{FF2B5EF4-FFF2-40B4-BE49-F238E27FC236}">
-                <a16:creationId xmlns:a16="http://schemas.microsoft.com/office/drawing/2014/main" xmlns="" id="{29F1D9FA-D3AF-5E6D-24AC-E65D22A0D7A0}"/>
+                <a16:creationId xmlns:a16="http://schemas.microsoft.com/office/drawing/2014/main" id="{29F1D9FA-D3AF-5E6D-24AC-E65D22A0D7A0}"/>
               </a:ext>
             </a:extLst>
           </p:cNvPr>
@@ -16269,7 +16269,7 @@
           <p:cNvPr id="8" name="TextBox 7">
             <a:extLst>
               <a:ext uri="{FF2B5EF4-FFF2-40B4-BE49-F238E27FC236}">
-                <a16:creationId xmlns:a16="http://schemas.microsoft.com/office/drawing/2014/main" xmlns="" id="{3CDC1150-AB9C-B8B4-624C-8B864CBAC5DD}"/>
+                <a16:creationId xmlns:a16="http://schemas.microsoft.com/office/drawing/2014/main" id="{3CDC1150-AB9C-B8B4-624C-8B864CBAC5DD}"/>
               </a:ext>
             </a:extLst>
           </p:cNvPr>
@@ -16643,7 +16643,7 @@
           <p:cNvPr id="10" name="직사각형 9">
             <a:extLst>
               <a:ext uri="{FF2B5EF4-FFF2-40B4-BE49-F238E27FC236}">
-                <a16:creationId xmlns:a16="http://schemas.microsoft.com/office/drawing/2014/main" xmlns="" id="{361FA442-8171-4EBF-65A2-19C90654959D}"/>
+                <a16:creationId xmlns:a16="http://schemas.microsoft.com/office/drawing/2014/main" id="{361FA442-8171-4EBF-65A2-19C90654959D}"/>
               </a:ext>
             </a:extLst>
           </p:cNvPr>
@@ -16652,7 +16652,7 @@
         </p:nvSpPr>
         <p:spPr>
           <a:xfrm>
-            <a:off x="1447800" y="7364271"/>
+            <a:off x="1457357" y="7493190"/>
             <a:ext cx="15240000" cy="2427429"/>
           </a:xfrm>
           <a:prstGeom prst="rect">
@@ -16695,7 +16695,7 @@
           <p:cNvPr id="12" name="TextBox 11">
             <a:extLst>
               <a:ext uri="{FF2B5EF4-FFF2-40B4-BE49-F238E27FC236}">
-                <a16:creationId xmlns:a16="http://schemas.microsoft.com/office/drawing/2014/main" xmlns="" id="{909B8AE9-459C-C458-C52F-C85F69813361}"/>
+                <a16:creationId xmlns:a16="http://schemas.microsoft.com/office/drawing/2014/main" id="{909B8AE9-459C-C458-C52F-C85F69813361}"/>
               </a:ext>
             </a:extLst>
           </p:cNvPr>
@@ -20979,7 +20979,7 @@
           <p:cNvPr id="4" name="TextBox 3">
             <a:extLst>
               <a:ext uri="{FF2B5EF4-FFF2-40B4-BE49-F238E27FC236}">
-                <a16:creationId xmlns:a16="http://schemas.microsoft.com/office/drawing/2014/main" xmlns="" id="{69196D22-2A4C-4EF6-5A42-2031D7FEF549}"/>
+                <a16:creationId xmlns:a16="http://schemas.microsoft.com/office/drawing/2014/main" id="{69196D22-2A4C-4EF6-5A42-2031D7FEF549}"/>
               </a:ext>
             </a:extLst>
           </p:cNvPr>
@@ -21003,7 +21003,7 @@
           <a:lstStyle/>
           <a:p>
             <a:r>
-              <a:rPr lang="ko-KR" altLang="en-US" sz="5400" spc="-300" smtClean="0">
+              <a:rPr lang="ko-KR" altLang="en-US" sz="5400" spc="-300">
                 <a:solidFill>
                   <a:srgbClr val="4C50BC"/>
                 </a:solidFill>
@@ -21027,7 +21027,7 @@
           <p:cNvPr id="5" name="직선 연결선 4">
             <a:extLst>
               <a:ext uri="{FF2B5EF4-FFF2-40B4-BE49-F238E27FC236}">
-                <a16:creationId xmlns:a16="http://schemas.microsoft.com/office/drawing/2014/main" xmlns="" id="{DDFA97EB-659B-5D0A-D41B-496A6FF66D9E}"/>
+                <a16:creationId xmlns:a16="http://schemas.microsoft.com/office/drawing/2014/main" id="{DDFA97EB-659B-5D0A-D41B-496A6FF66D9E}"/>
               </a:ext>
             </a:extLst>
           </p:cNvPr>
@@ -21070,7 +21070,7 @@
           <p:cNvPr id="6" name="TextBox 5">
             <a:extLst>
               <a:ext uri="{FF2B5EF4-FFF2-40B4-BE49-F238E27FC236}">
-                <a16:creationId xmlns:a16="http://schemas.microsoft.com/office/drawing/2014/main" xmlns="" id="{B1C05CB3-45A9-FA20-A8E0-BE6F095B8777}"/>
+                <a16:creationId xmlns:a16="http://schemas.microsoft.com/office/drawing/2014/main" id="{B1C05CB3-45A9-FA20-A8E0-BE6F095B8777}"/>
               </a:ext>
             </a:extLst>
           </p:cNvPr>
@@ -21098,7 +21098,7 @@
               <a:buChar char="l"/>
             </a:pPr>
             <a:r>
-              <a:rPr lang="ko-KR" altLang="en-US" sz="4000" smtClean="0">
+              <a:rPr lang="ko-KR" altLang="en-US" sz="4000">
                 <a:solidFill>
                   <a:schemeClr val="tx1">
                     <a:lumMod val="50000"/>
@@ -21111,7 +21111,7 @@
               <a:t>부모의 멤버변수와 멤버메서드를 자식에게 상속한다</a:t>
             </a:r>
             <a:r>
-              <a:rPr lang="en-US" altLang="ko-KR" sz="4000" smtClean="0">
+              <a:rPr lang="en-US" altLang="ko-KR" sz="4000">
                 <a:solidFill>
                   <a:schemeClr val="tx1">
                     <a:lumMod val="50000"/>

--- a/JavaLecture/LectureFile/샘플.pptx
+++ b/JavaLecture/LectureFile/샘플.pptx
@@ -231,7 +231,7 @@
           <a:p>
             <a:fld id="{3377703C-7B6A-4662-85EE-2E5A30469F49}" type="datetimeFigureOut">
               <a:rPr lang="ko-KR" altLang="en-US" smtClean="0"/>
-              <a:t>2023-10-28 Saturday</a:t>
+              <a:t>2023-10-29</a:t>
             </a:fld>
             <a:endParaRPr lang="ko-KR" altLang="en-US"/>
           </a:p>
@@ -761,7 +761,7 @@
           <a:p>
             <a:fld id="{F8166F1F-CE9B-4651-A6AA-CD717754106B}" type="datetimeFigureOut">
               <a:rPr lang="en-US" smtClean="0"/>
-              <a:t>10/28/2023</a:t>
+              <a:t>10/29/2023</a:t>
             </a:fld>
             <a:endParaRPr lang="en-US"/>
           </a:p>
@@ -924,7 +924,7 @@
           <a:p>
             <a:fld id="{A76116CE-C4A3-4A05-B2D7-7C2E9A889C0F}" type="datetimeFigureOut">
               <a:rPr lang="en-US" smtClean="0"/>
-              <a:t>10/28/2023</a:t>
+              <a:t>10/29/2023</a:t>
             </a:fld>
             <a:endParaRPr lang="en-US"/>
           </a:p>
@@ -1097,7 +1097,7 @@
           <a:p>
             <a:fld id="{A76116CE-C4A3-4A05-B2D7-7C2E9A889C0F}" type="datetimeFigureOut">
               <a:rPr lang="en-US" smtClean="0"/>
-              <a:t>10/28/2023</a:t>
+              <a:t>10/29/2023</a:t>
             </a:fld>
             <a:endParaRPr lang="en-US"/>
           </a:p>
@@ -1262,7 +1262,7 @@
           <a:p>
             <a:fld id="{A76116CE-C4A3-4A05-B2D7-7C2E9A889C0F}" type="datetimeFigureOut">
               <a:rPr lang="en-US" smtClean="0"/>
-              <a:t>10/28/2023</a:t>
+              <a:t>10/29/2023</a:t>
             </a:fld>
             <a:endParaRPr lang="en-US"/>
           </a:p>
@@ -1502,7 +1502,7 @@
           <a:p>
             <a:fld id="{A76116CE-C4A3-4A05-B2D7-7C2E9A889C0F}" type="datetimeFigureOut">
               <a:rPr lang="en-US" smtClean="0"/>
-              <a:t>10/28/2023</a:t>
+              <a:t>10/29/2023</a:t>
             </a:fld>
             <a:endParaRPr lang="en-US"/>
           </a:p>
@@ -1782,7 +1782,7 @@
           <a:p>
             <a:fld id="{A76116CE-C4A3-4A05-B2D7-7C2E9A889C0F}" type="datetimeFigureOut">
               <a:rPr lang="en-US" smtClean="0"/>
-              <a:t>10/28/2023</a:t>
+              <a:t>10/29/2023</a:t>
             </a:fld>
             <a:endParaRPr lang="en-US"/>
           </a:p>
@@ -2196,7 +2196,7 @@
           <a:p>
             <a:fld id="{A76116CE-C4A3-4A05-B2D7-7C2E9A889C0F}" type="datetimeFigureOut">
               <a:rPr lang="en-US" smtClean="0"/>
-              <a:t>10/28/2023</a:t>
+              <a:t>10/29/2023</a:t>
             </a:fld>
             <a:endParaRPr lang="en-US"/>
           </a:p>
@@ -2308,7 +2308,7 @@
           <a:p>
             <a:fld id="{A76116CE-C4A3-4A05-B2D7-7C2E9A889C0F}" type="datetimeFigureOut">
               <a:rPr lang="en-US" smtClean="0"/>
-              <a:t>10/28/2023</a:t>
+              <a:t>10/29/2023</a:t>
             </a:fld>
             <a:endParaRPr lang="en-US"/>
           </a:p>
@@ -2398,7 +2398,7 @@
           <a:p>
             <a:fld id="{A76116CE-C4A3-4A05-B2D7-7C2E9A889C0F}" type="datetimeFigureOut">
               <a:rPr lang="en-US" smtClean="0"/>
-              <a:t>10/28/2023</a:t>
+              <a:t>10/29/2023</a:t>
             </a:fld>
             <a:endParaRPr lang="en-US"/>
           </a:p>
@@ -2668,7 +2668,7 @@
           <a:p>
             <a:fld id="{A76116CE-C4A3-4A05-B2D7-7C2E9A889C0F}" type="datetimeFigureOut">
               <a:rPr lang="en-US" smtClean="0"/>
-              <a:t>10/28/2023</a:t>
+              <a:t>10/29/2023</a:t>
             </a:fld>
             <a:endParaRPr lang="en-US"/>
           </a:p>
@@ -2915,7 +2915,7 @@
           <a:p>
             <a:fld id="{A76116CE-C4A3-4A05-B2D7-7C2E9A889C0F}" type="datetimeFigureOut">
               <a:rPr lang="en-US" smtClean="0"/>
-              <a:t>10/28/2023</a:t>
+              <a:t>10/29/2023</a:t>
             </a:fld>
             <a:endParaRPr lang="en-US"/>
           </a:p>
@@ -3121,7 +3121,7 @@
           <a:p>
             <a:fld id="{F8166F1F-CE9B-4651-A6AA-CD717754106B}" type="datetimeFigureOut">
               <a:rPr lang="en-US" smtClean="0"/>
-              <a:t>10/28/2023</a:t>
+              <a:t>10/29/2023</a:t>
             </a:fld>
             <a:endParaRPr lang="en-US"/>
           </a:p>
@@ -3496,7 +3496,7 @@
           <p:cNvPr id="4" name="그룹 1008">
             <a:extLst>
               <a:ext uri="{FF2B5EF4-FFF2-40B4-BE49-F238E27FC236}">
-                <a16:creationId xmlns:a16="http://schemas.microsoft.com/office/drawing/2014/main" id="{54FFE8A6-6CB8-DCBA-07F7-749FA78BF4A4}"/>
+                <a16:creationId xmlns:a16="http://schemas.microsoft.com/office/drawing/2014/main" xmlns="" id="{54FFE8A6-6CB8-DCBA-07F7-749FA78BF4A4}"/>
               </a:ext>
             </a:extLst>
           </p:cNvPr>
@@ -3516,7 +3516,7 @@
             <p:cNvPr id="5" name="그룹 1009">
               <a:extLst>
                 <a:ext uri="{FF2B5EF4-FFF2-40B4-BE49-F238E27FC236}">
-                  <a16:creationId xmlns:a16="http://schemas.microsoft.com/office/drawing/2014/main" id="{AFC4D322-4969-89C3-C972-D8E8E418CA73}"/>
+                  <a16:creationId xmlns:a16="http://schemas.microsoft.com/office/drawing/2014/main" xmlns="" id="{AFC4D322-4969-89C3-C972-D8E8E418CA73}"/>
                 </a:ext>
               </a:extLst>
             </p:cNvPr>
@@ -3536,7 +3536,7 @@
               <p:cNvPr id="10" name="Object 29">
                 <a:extLst>
                   <a:ext uri="{FF2B5EF4-FFF2-40B4-BE49-F238E27FC236}">
-                    <a16:creationId xmlns:a16="http://schemas.microsoft.com/office/drawing/2014/main" id="{696B190E-C178-4E07-7621-24C3B48A9BCF}"/>
+                    <a16:creationId xmlns:a16="http://schemas.microsoft.com/office/drawing/2014/main" xmlns="" id="{696B190E-C178-4E07-7621-24C3B48A9BCF}"/>
                   </a:ext>
                 </a:extLst>
               </p:cNvPr>
@@ -3567,7 +3567,7 @@
             <p:cNvPr id="6" name="그룹 1010">
               <a:extLst>
                 <a:ext uri="{FF2B5EF4-FFF2-40B4-BE49-F238E27FC236}">
-                  <a16:creationId xmlns:a16="http://schemas.microsoft.com/office/drawing/2014/main" id="{88F3509F-17A2-2BE7-261F-3BA022FF91BA}"/>
+                  <a16:creationId xmlns:a16="http://schemas.microsoft.com/office/drawing/2014/main" xmlns="" id="{88F3509F-17A2-2BE7-261F-3BA022FF91BA}"/>
                 </a:ext>
               </a:extLst>
             </p:cNvPr>
@@ -3587,7 +3587,7 @@
               <p:cNvPr id="9" name="Object 32">
                 <a:extLst>
                   <a:ext uri="{FF2B5EF4-FFF2-40B4-BE49-F238E27FC236}">
-                    <a16:creationId xmlns:a16="http://schemas.microsoft.com/office/drawing/2014/main" id="{6183A7B0-D571-9788-43CE-90A93A934096}"/>
+                    <a16:creationId xmlns:a16="http://schemas.microsoft.com/office/drawing/2014/main" xmlns="" id="{6183A7B0-D571-9788-43CE-90A93A934096}"/>
                   </a:ext>
                 </a:extLst>
               </p:cNvPr>
@@ -3618,7 +3618,7 @@
             <p:cNvPr id="7" name="그룹 1011">
               <a:extLst>
                 <a:ext uri="{FF2B5EF4-FFF2-40B4-BE49-F238E27FC236}">
-                  <a16:creationId xmlns:a16="http://schemas.microsoft.com/office/drawing/2014/main" id="{3DB0BB1F-6A07-787C-7717-F712317AF8C3}"/>
+                  <a16:creationId xmlns:a16="http://schemas.microsoft.com/office/drawing/2014/main" xmlns="" id="{3DB0BB1F-6A07-787C-7717-F712317AF8C3}"/>
                 </a:ext>
               </a:extLst>
             </p:cNvPr>
@@ -3638,7 +3638,7 @@
               <p:cNvPr id="8" name="Object 35">
                 <a:extLst>
                   <a:ext uri="{FF2B5EF4-FFF2-40B4-BE49-F238E27FC236}">
-                    <a16:creationId xmlns:a16="http://schemas.microsoft.com/office/drawing/2014/main" id="{A003AF1A-29EE-2DC2-0E03-479F705DFFB6}"/>
+                    <a16:creationId xmlns:a16="http://schemas.microsoft.com/office/drawing/2014/main" xmlns="" id="{A003AF1A-29EE-2DC2-0E03-479F705DFFB6}"/>
                   </a:ext>
                 </a:extLst>
               </p:cNvPr>
@@ -3670,7 +3670,7 @@
           <p:cNvPr id="11" name="직선 화살표 연결선 10">
             <a:extLst>
               <a:ext uri="{FF2B5EF4-FFF2-40B4-BE49-F238E27FC236}">
-                <a16:creationId xmlns:a16="http://schemas.microsoft.com/office/drawing/2014/main" id="{299DF5EC-9DF4-5255-06AC-0A7CE4FF58C3}"/>
+                <a16:creationId xmlns:a16="http://schemas.microsoft.com/office/drawing/2014/main" xmlns="" id="{299DF5EC-9DF4-5255-06AC-0A7CE4FF58C3}"/>
               </a:ext>
             </a:extLst>
           </p:cNvPr>
@@ -3711,7 +3711,7 @@
           <p:cNvPr id="14" name="직사각형 13">
             <a:extLst>
               <a:ext uri="{FF2B5EF4-FFF2-40B4-BE49-F238E27FC236}">
-                <a16:creationId xmlns:a16="http://schemas.microsoft.com/office/drawing/2014/main" id="{FFF506F9-840A-0508-4CAF-3AC711D8D5CE}"/>
+                <a16:creationId xmlns:a16="http://schemas.microsoft.com/office/drawing/2014/main" xmlns="" id="{FFF506F9-840A-0508-4CAF-3AC711D8D5CE}"/>
               </a:ext>
             </a:extLst>
           </p:cNvPr>
@@ -3763,7 +3763,7 @@
           <p:cNvPr id="16" name="그룹 1008">
             <a:extLst>
               <a:ext uri="{FF2B5EF4-FFF2-40B4-BE49-F238E27FC236}">
-                <a16:creationId xmlns:a16="http://schemas.microsoft.com/office/drawing/2014/main" id="{E395BDE3-2EDE-065D-70E8-56E348228ACF}"/>
+                <a16:creationId xmlns:a16="http://schemas.microsoft.com/office/drawing/2014/main" xmlns="" id="{E395BDE3-2EDE-065D-70E8-56E348228ACF}"/>
               </a:ext>
             </a:extLst>
           </p:cNvPr>
@@ -3783,7 +3783,7 @@
             <p:cNvPr id="17" name="그룹 1009">
               <a:extLst>
                 <a:ext uri="{FF2B5EF4-FFF2-40B4-BE49-F238E27FC236}">
-                  <a16:creationId xmlns:a16="http://schemas.microsoft.com/office/drawing/2014/main" id="{852F4DEB-DB33-DB3F-9E9F-52A46CD0B10A}"/>
+                  <a16:creationId xmlns:a16="http://schemas.microsoft.com/office/drawing/2014/main" xmlns="" id="{852F4DEB-DB33-DB3F-9E9F-52A46CD0B10A}"/>
                 </a:ext>
               </a:extLst>
             </p:cNvPr>
@@ -3803,7 +3803,7 @@
               <p:cNvPr id="22" name="Object 29">
                 <a:extLst>
                   <a:ext uri="{FF2B5EF4-FFF2-40B4-BE49-F238E27FC236}">
-                    <a16:creationId xmlns:a16="http://schemas.microsoft.com/office/drawing/2014/main" id="{7E353D3B-14D4-8A64-5888-3F0C062C2CDD}"/>
+                    <a16:creationId xmlns:a16="http://schemas.microsoft.com/office/drawing/2014/main" xmlns="" id="{7E353D3B-14D4-8A64-5888-3F0C062C2CDD}"/>
                   </a:ext>
                 </a:extLst>
               </p:cNvPr>
@@ -3834,7 +3834,7 @@
             <p:cNvPr id="18" name="그룹 1010">
               <a:extLst>
                 <a:ext uri="{FF2B5EF4-FFF2-40B4-BE49-F238E27FC236}">
-                  <a16:creationId xmlns:a16="http://schemas.microsoft.com/office/drawing/2014/main" id="{001E38AB-1390-ABD0-BE01-9727136FEAEE}"/>
+                  <a16:creationId xmlns:a16="http://schemas.microsoft.com/office/drawing/2014/main" xmlns="" id="{001E38AB-1390-ABD0-BE01-9727136FEAEE}"/>
                 </a:ext>
               </a:extLst>
             </p:cNvPr>
@@ -3854,7 +3854,7 @@
               <p:cNvPr id="21" name="Object 32">
                 <a:extLst>
                   <a:ext uri="{FF2B5EF4-FFF2-40B4-BE49-F238E27FC236}">
-                    <a16:creationId xmlns:a16="http://schemas.microsoft.com/office/drawing/2014/main" id="{2ED1C30F-0D0B-F86C-8215-2598D332B5A3}"/>
+                    <a16:creationId xmlns:a16="http://schemas.microsoft.com/office/drawing/2014/main" xmlns="" id="{2ED1C30F-0D0B-F86C-8215-2598D332B5A3}"/>
                   </a:ext>
                 </a:extLst>
               </p:cNvPr>
@@ -3885,7 +3885,7 @@
             <p:cNvPr id="19" name="그룹 1011">
               <a:extLst>
                 <a:ext uri="{FF2B5EF4-FFF2-40B4-BE49-F238E27FC236}">
-                  <a16:creationId xmlns:a16="http://schemas.microsoft.com/office/drawing/2014/main" id="{1BCB8DE5-ABAF-4198-BC16-85BB76F2DB24}"/>
+                  <a16:creationId xmlns:a16="http://schemas.microsoft.com/office/drawing/2014/main" xmlns="" id="{1BCB8DE5-ABAF-4198-BC16-85BB76F2DB24}"/>
                 </a:ext>
               </a:extLst>
             </p:cNvPr>
@@ -3905,7 +3905,7 @@
               <p:cNvPr id="20" name="Object 35">
                 <a:extLst>
                   <a:ext uri="{FF2B5EF4-FFF2-40B4-BE49-F238E27FC236}">
-                    <a16:creationId xmlns:a16="http://schemas.microsoft.com/office/drawing/2014/main" id="{86E7BA23-0A1E-B581-CADC-06AB269DB2BD}"/>
+                    <a16:creationId xmlns:a16="http://schemas.microsoft.com/office/drawing/2014/main" xmlns="" id="{86E7BA23-0A1E-B581-CADC-06AB269DB2BD}"/>
                   </a:ext>
                 </a:extLst>
               </p:cNvPr>
@@ -3937,7 +3937,7 @@
           <p:cNvPr id="23" name="TextBox 22">
             <a:extLst>
               <a:ext uri="{FF2B5EF4-FFF2-40B4-BE49-F238E27FC236}">
-                <a16:creationId xmlns:a16="http://schemas.microsoft.com/office/drawing/2014/main" id="{7229BEA6-121E-9056-D07F-2B3BB1795F76}"/>
+                <a16:creationId xmlns:a16="http://schemas.microsoft.com/office/drawing/2014/main" xmlns="" id="{7229BEA6-121E-9056-D07F-2B3BB1795F76}"/>
               </a:ext>
             </a:extLst>
           </p:cNvPr>
@@ -3985,7 +3985,7 @@
           <p:cNvPr id="24" name="TextBox 23">
             <a:extLst>
               <a:ext uri="{FF2B5EF4-FFF2-40B4-BE49-F238E27FC236}">
-                <a16:creationId xmlns:a16="http://schemas.microsoft.com/office/drawing/2014/main" id="{5ADC00B6-990A-40DC-3CEA-505258F5E8DA}"/>
+                <a16:creationId xmlns:a16="http://schemas.microsoft.com/office/drawing/2014/main" xmlns="" id="{5ADC00B6-990A-40DC-3CEA-505258F5E8DA}"/>
               </a:ext>
             </a:extLst>
           </p:cNvPr>
@@ -4043,7 +4043,7 @@
           <p:cNvPr id="3" name="TextBox 2">
             <a:extLst>
               <a:ext uri="{FF2B5EF4-FFF2-40B4-BE49-F238E27FC236}">
-                <a16:creationId xmlns:a16="http://schemas.microsoft.com/office/drawing/2014/main" id="{C6D113C6-EA5C-788F-0C77-E7CE6EBB865F}"/>
+                <a16:creationId xmlns:a16="http://schemas.microsoft.com/office/drawing/2014/main" xmlns="" id="{C6D113C6-EA5C-788F-0C77-E7CE6EBB865F}"/>
               </a:ext>
             </a:extLst>
           </p:cNvPr>
@@ -4101,7 +4101,7 @@
           <p:cNvPr id="12" name="그룹 1008">
             <a:extLst>
               <a:ext uri="{FF2B5EF4-FFF2-40B4-BE49-F238E27FC236}">
-                <a16:creationId xmlns:a16="http://schemas.microsoft.com/office/drawing/2014/main" id="{678F6342-C505-E8AD-ADA4-022CB2C2088E}"/>
+                <a16:creationId xmlns:a16="http://schemas.microsoft.com/office/drawing/2014/main" xmlns="" id="{678F6342-C505-E8AD-ADA4-022CB2C2088E}"/>
               </a:ext>
             </a:extLst>
           </p:cNvPr>
@@ -4121,7 +4121,7 @@
             <p:cNvPr id="13" name="그룹 1009">
               <a:extLst>
                 <a:ext uri="{FF2B5EF4-FFF2-40B4-BE49-F238E27FC236}">
-                  <a16:creationId xmlns:a16="http://schemas.microsoft.com/office/drawing/2014/main" id="{4E1F1FED-812B-9BBB-925A-84B54A077414}"/>
+                  <a16:creationId xmlns:a16="http://schemas.microsoft.com/office/drawing/2014/main" xmlns="" id="{4E1F1FED-812B-9BBB-925A-84B54A077414}"/>
                 </a:ext>
               </a:extLst>
             </p:cNvPr>
@@ -4141,7 +4141,7 @@
               <p:cNvPr id="29" name="Object 29">
                 <a:extLst>
                   <a:ext uri="{FF2B5EF4-FFF2-40B4-BE49-F238E27FC236}">
-                    <a16:creationId xmlns:a16="http://schemas.microsoft.com/office/drawing/2014/main" id="{7B078609-4286-7B00-51EB-809C8E2DE289}"/>
+                    <a16:creationId xmlns:a16="http://schemas.microsoft.com/office/drawing/2014/main" xmlns="" id="{7B078609-4286-7B00-51EB-809C8E2DE289}"/>
                   </a:ext>
                 </a:extLst>
               </p:cNvPr>
@@ -4172,7 +4172,7 @@
             <p:cNvPr id="25" name="그룹 1010">
               <a:extLst>
                 <a:ext uri="{FF2B5EF4-FFF2-40B4-BE49-F238E27FC236}">
-                  <a16:creationId xmlns:a16="http://schemas.microsoft.com/office/drawing/2014/main" id="{02A649BF-B5B5-FBAF-7DFD-E118A4DF8907}"/>
+                  <a16:creationId xmlns:a16="http://schemas.microsoft.com/office/drawing/2014/main" xmlns="" id="{02A649BF-B5B5-FBAF-7DFD-E118A4DF8907}"/>
                 </a:ext>
               </a:extLst>
             </p:cNvPr>
@@ -4192,7 +4192,7 @@
               <p:cNvPr id="28" name="Object 32">
                 <a:extLst>
                   <a:ext uri="{FF2B5EF4-FFF2-40B4-BE49-F238E27FC236}">
-                    <a16:creationId xmlns:a16="http://schemas.microsoft.com/office/drawing/2014/main" id="{2A0FFF23-B3C9-3EA0-1C1B-A87D4FF098AE}"/>
+                    <a16:creationId xmlns:a16="http://schemas.microsoft.com/office/drawing/2014/main" xmlns="" id="{2A0FFF23-B3C9-3EA0-1C1B-A87D4FF098AE}"/>
                   </a:ext>
                 </a:extLst>
               </p:cNvPr>
@@ -4223,7 +4223,7 @@
             <p:cNvPr id="26" name="그룹 1011">
               <a:extLst>
                 <a:ext uri="{FF2B5EF4-FFF2-40B4-BE49-F238E27FC236}">
-                  <a16:creationId xmlns:a16="http://schemas.microsoft.com/office/drawing/2014/main" id="{881F5410-F7FB-F261-A584-707359BAC593}"/>
+                  <a16:creationId xmlns:a16="http://schemas.microsoft.com/office/drawing/2014/main" xmlns="" id="{881F5410-F7FB-F261-A584-707359BAC593}"/>
                 </a:ext>
               </a:extLst>
             </p:cNvPr>
@@ -4243,7 +4243,7 @@
               <p:cNvPr id="27" name="Object 35">
                 <a:extLst>
                   <a:ext uri="{FF2B5EF4-FFF2-40B4-BE49-F238E27FC236}">
-                    <a16:creationId xmlns:a16="http://schemas.microsoft.com/office/drawing/2014/main" id="{4E99E669-73EB-F9F4-EFE8-DC107035C265}"/>
+                    <a16:creationId xmlns:a16="http://schemas.microsoft.com/office/drawing/2014/main" xmlns="" id="{4E99E669-73EB-F9F4-EFE8-DC107035C265}"/>
                   </a:ext>
                 </a:extLst>
               </p:cNvPr>
@@ -4275,7 +4275,7 @@
           <p:cNvPr id="33" name="직선 연결선 32">
             <a:extLst>
               <a:ext uri="{FF2B5EF4-FFF2-40B4-BE49-F238E27FC236}">
-                <a16:creationId xmlns:a16="http://schemas.microsoft.com/office/drawing/2014/main" id="{6A1A37E4-F933-DE44-2EEA-F3A5BBF35584}"/>
+                <a16:creationId xmlns:a16="http://schemas.microsoft.com/office/drawing/2014/main" xmlns="" id="{6A1A37E4-F933-DE44-2EEA-F3A5BBF35584}"/>
               </a:ext>
             </a:extLst>
           </p:cNvPr>
@@ -4366,7 +4366,7 @@
           <p:cNvPr id="38" name="TextBox 37">
             <a:extLst>
               <a:ext uri="{FF2B5EF4-FFF2-40B4-BE49-F238E27FC236}">
-                <a16:creationId xmlns:a16="http://schemas.microsoft.com/office/drawing/2014/main" id="{A2AD056B-97A4-5BCC-4460-250160F3E171}"/>
+                <a16:creationId xmlns:a16="http://schemas.microsoft.com/office/drawing/2014/main" xmlns="" id="{A2AD056B-97A4-5BCC-4460-250160F3E171}"/>
               </a:ext>
             </a:extLst>
           </p:cNvPr>
@@ -4410,7 +4410,7 @@
           <p:cNvPr id="39" name="TextBox 38">
             <a:extLst>
               <a:ext uri="{FF2B5EF4-FFF2-40B4-BE49-F238E27FC236}">
-                <a16:creationId xmlns:a16="http://schemas.microsoft.com/office/drawing/2014/main" id="{52176D31-35F7-8916-46FA-6095EFEC1E49}"/>
+                <a16:creationId xmlns:a16="http://schemas.microsoft.com/office/drawing/2014/main" xmlns="" id="{52176D31-35F7-8916-46FA-6095EFEC1E49}"/>
               </a:ext>
             </a:extLst>
           </p:cNvPr>
@@ -4454,7 +4454,7 @@
           <p:cNvPr id="37" name="표 2">
             <a:extLst>
               <a:ext uri="{FF2B5EF4-FFF2-40B4-BE49-F238E27FC236}">
-                <a16:creationId xmlns:a16="http://schemas.microsoft.com/office/drawing/2014/main" id="{D2CC6F32-611A-E22D-EB8C-52D626A5B319}"/>
+                <a16:creationId xmlns:a16="http://schemas.microsoft.com/office/drawing/2014/main" xmlns="" id="{D2CC6F32-611A-E22D-EB8C-52D626A5B319}"/>
               </a:ext>
             </a:extLst>
           </p:cNvPr>
@@ -4483,21 +4483,21 @@
                 <a:gridCol w="1731833">
                   <a:extLst>
                     <a:ext uri="{9D8B030D-6E8A-4147-A177-3AD203B41FA5}">
-                      <a16:colId xmlns:a16="http://schemas.microsoft.com/office/drawing/2014/main" val="1960770391"/>
+                      <a16:colId xmlns:a16="http://schemas.microsoft.com/office/drawing/2014/main" xmlns="" val="1960770391"/>
                     </a:ext>
                   </a:extLst>
                 </a:gridCol>
                 <a:gridCol w="1752960">
                   <a:extLst>
                     <a:ext uri="{9D8B030D-6E8A-4147-A177-3AD203B41FA5}">
-                      <a16:colId xmlns:a16="http://schemas.microsoft.com/office/drawing/2014/main" val="733308553"/>
+                      <a16:colId xmlns:a16="http://schemas.microsoft.com/office/drawing/2014/main" xmlns="" val="733308553"/>
                     </a:ext>
                   </a:extLst>
                 </a:gridCol>
                 <a:gridCol w="2730951">
                   <a:extLst>
                     <a:ext uri="{9D8B030D-6E8A-4147-A177-3AD203B41FA5}">
-                      <a16:colId xmlns:a16="http://schemas.microsoft.com/office/drawing/2014/main" val="1661322813"/>
+                      <a16:colId xmlns:a16="http://schemas.microsoft.com/office/drawing/2014/main" xmlns="" val="1661322813"/>
                     </a:ext>
                   </a:extLst>
                 </a:gridCol>
@@ -4685,7 +4685,7 @@
                 </a:tc>
                 <a:extLst>
                   <a:ext uri="{0D108BD9-81ED-4DB2-BD59-A6C34878D82A}">
-                    <a16:rowId xmlns:a16="http://schemas.microsoft.com/office/drawing/2014/main" val="2452905565"/>
+                    <a16:rowId xmlns:a16="http://schemas.microsoft.com/office/drawing/2014/main" xmlns="" val="2452905565"/>
                   </a:ext>
                 </a:extLst>
               </a:tr>
@@ -4889,7 +4889,7 @@
                 </a:tc>
                 <a:extLst>
                   <a:ext uri="{0D108BD9-81ED-4DB2-BD59-A6C34878D82A}">
-                    <a16:rowId xmlns:a16="http://schemas.microsoft.com/office/drawing/2014/main" val="3551452526"/>
+                    <a16:rowId xmlns:a16="http://schemas.microsoft.com/office/drawing/2014/main" xmlns="" val="3551452526"/>
                   </a:ext>
                 </a:extLst>
               </a:tr>
@@ -5064,7 +5064,7 @@
                 </a:tc>
                 <a:extLst>
                   <a:ext uri="{0D108BD9-81ED-4DB2-BD59-A6C34878D82A}">
-                    <a16:rowId xmlns:a16="http://schemas.microsoft.com/office/drawing/2014/main" val="3645064171"/>
+                    <a16:rowId xmlns:a16="http://schemas.microsoft.com/office/drawing/2014/main" xmlns="" val="3645064171"/>
                   </a:ext>
                 </a:extLst>
               </a:tr>
@@ -5239,7 +5239,7 @@
                 </a:tc>
                 <a:extLst>
                   <a:ext uri="{0D108BD9-81ED-4DB2-BD59-A6C34878D82A}">
-                    <a16:rowId xmlns:a16="http://schemas.microsoft.com/office/drawing/2014/main" val="2802120283"/>
+                    <a16:rowId xmlns:a16="http://schemas.microsoft.com/office/drawing/2014/main" xmlns="" val="2802120283"/>
                   </a:ext>
                 </a:extLst>
               </a:tr>
@@ -5408,7 +5408,7 @@
                 </a:tc>
                 <a:extLst>
                   <a:ext uri="{0D108BD9-81ED-4DB2-BD59-A6C34878D82A}">
-                    <a16:rowId xmlns:a16="http://schemas.microsoft.com/office/drawing/2014/main" val="1362299918"/>
+                    <a16:rowId xmlns:a16="http://schemas.microsoft.com/office/drawing/2014/main" xmlns="" val="1362299918"/>
                   </a:ext>
                 </a:extLst>
               </a:tr>
@@ -5644,7 +5644,7 @@
                 </a:tc>
                 <a:extLst>
                   <a:ext uri="{0D108BD9-81ED-4DB2-BD59-A6C34878D82A}">
-                    <a16:rowId xmlns:a16="http://schemas.microsoft.com/office/drawing/2014/main" val="2488866604"/>
+                    <a16:rowId xmlns:a16="http://schemas.microsoft.com/office/drawing/2014/main" xmlns="" val="2488866604"/>
                   </a:ext>
                 </a:extLst>
               </a:tr>
@@ -5867,7 +5867,7 @@
                 </a:tc>
                 <a:extLst>
                   <a:ext uri="{0D108BD9-81ED-4DB2-BD59-A6C34878D82A}">
-                    <a16:rowId xmlns:a16="http://schemas.microsoft.com/office/drawing/2014/main" val="2632365449"/>
+                    <a16:rowId xmlns:a16="http://schemas.microsoft.com/office/drawing/2014/main" xmlns="" val="2632365449"/>
                   </a:ext>
                 </a:extLst>
               </a:tr>
@@ -6023,14 +6023,14 @@
                 <a:gridCol w="2688700">
                   <a:extLst>
                     <a:ext uri="{9D8B030D-6E8A-4147-A177-3AD203B41FA5}">
-                      <a16:colId xmlns:a16="http://schemas.microsoft.com/office/drawing/2014/main" val="20000"/>
+                      <a16:colId xmlns:a16="http://schemas.microsoft.com/office/drawing/2014/main" xmlns="" val="20000"/>
                     </a:ext>
                   </a:extLst>
                 </a:gridCol>
                 <a:gridCol w="2721500">
                   <a:extLst>
                     <a:ext uri="{9D8B030D-6E8A-4147-A177-3AD203B41FA5}">
-                      <a16:colId xmlns:a16="http://schemas.microsoft.com/office/drawing/2014/main" val="20001"/>
+                      <a16:colId xmlns:a16="http://schemas.microsoft.com/office/drawing/2014/main" xmlns="" val="20001"/>
                     </a:ext>
                   </a:extLst>
                 </a:gridCol>
@@ -6168,7 +6168,7 @@
                 </a:tc>
                 <a:extLst>
                   <a:ext uri="{0D108BD9-81ED-4DB2-BD59-A6C34878D82A}">
-                    <a16:rowId xmlns:a16="http://schemas.microsoft.com/office/drawing/2014/main" val="10000"/>
+                    <a16:rowId xmlns:a16="http://schemas.microsoft.com/office/drawing/2014/main" xmlns="" val="10000"/>
                   </a:ext>
                 </a:extLst>
               </a:tr>
@@ -6293,7 +6293,7 @@
                 </a:tc>
                 <a:extLst>
                   <a:ext uri="{0D108BD9-81ED-4DB2-BD59-A6C34878D82A}">
-                    <a16:rowId xmlns:a16="http://schemas.microsoft.com/office/drawing/2014/main" val="10001"/>
+                    <a16:rowId xmlns:a16="http://schemas.microsoft.com/office/drawing/2014/main" xmlns="" val="10001"/>
                   </a:ext>
                 </a:extLst>
               </a:tr>
@@ -6418,7 +6418,7 @@
                 </a:tc>
                 <a:extLst>
                   <a:ext uri="{0D108BD9-81ED-4DB2-BD59-A6C34878D82A}">
-                    <a16:rowId xmlns:a16="http://schemas.microsoft.com/office/drawing/2014/main" val="10002"/>
+                    <a16:rowId xmlns:a16="http://schemas.microsoft.com/office/drawing/2014/main" xmlns="" val="10002"/>
                   </a:ext>
                 </a:extLst>
               </a:tr>
@@ -6527,7 +6527,7 @@
                 </a:tc>
                 <a:extLst>
                   <a:ext uri="{0D108BD9-81ED-4DB2-BD59-A6C34878D82A}">
-                    <a16:rowId xmlns:a16="http://schemas.microsoft.com/office/drawing/2014/main" val="10003"/>
+                    <a16:rowId xmlns:a16="http://schemas.microsoft.com/office/drawing/2014/main" xmlns="" val="10003"/>
                   </a:ext>
                 </a:extLst>
               </a:tr>
@@ -6636,7 +6636,7 @@
                 </a:tc>
                 <a:extLst>
                   <a:ext uri="{0D108BD9-81ED-4DB2-BD59-A6C34878D82A}">
-                    <a16:rowId xmlns:a16="http://schemas.microsoft.com/office/drawing/2014/main" val="10004"/>
+                    <a16:rowId xmlns:a16="http://schemas.microsoft.com/office/drawing/2014/main" xmlns="" val="10004"/>
                   </a:ext>
                 </a:extLst>
               </a:tr>
@@ -6745,7 +6745,7 @@
                 </a:tc>
                 <a:extLst>
                   <a:ext uri="{0D108BD9-81ED-4DB2-BD59-A6C34878D82A}">
-                    <a16:rowId xmlns:a16="http://schemas.microsoft.com/office/drawing/2014/main" val="10005"/>
+                    <a16:rowId xmlns:a16="http://schemas.microsoft.com/office/drawing/2014/main" xmlns="" val="10005"/>
                   </a:ext>
                 </a:extLst>
               </a:tr>
@@ -6854,7 +6854,7 @@
                 </a:tc>
                 <a:extLst>
                   <a:ext uri="{0D108BD9-81ED-4DB2-BD59-A6C34878D82A}">
-                    <a16:rowId xmlns:a16="http://schemas.microsoft.com/office/drawing/2014/main" val="10006"/>
+                    <a16:rowId xmlns:a16="http://schemas.microsoft.com/office/drawing/2014/main" xmlns="" val="10006"/>
                   </a:ext>
                 </a:extLst>
               </a:tr>
@@ -6963,7 +6963,7 @@
                 </a:tc>
                 <a:extLst>
                   <a:ext uri="{0D108BD9-81ED-4DB2-BD59-A6C34878D82A}">
-                    <a16:rowId xmlns:a16="http://schemas.microsoft.com/office/drawing/2014/main" val="10007"/>
+                    <a16:rowId xmlns:a16="http://schemas.microsoft.com/office/drawing/2014/main" xmlns="" val="10007"/>
                   </a:ext>
                 </a:extLst>
               </a:tr>
@@ -7072,7 +7072,7 @@
                 </a:tc>
                 <a:extLst>
                   <a:ext uri="{0D108BD9-81ED-4DB2-BD59-A6C34878D82A}">
-                    <a16:rowId xmlns:a16="http://schemas.microsoft.com/office/drawing/2014/main" val="10008"/>
+                    <a16:rowId xmlns:a16="http://schemas.microsoft.com/office/drawing/2014/main" xmlns="" val="10008"/>
                   </a:ext>
                 </a:extLst>
               </a:tr>
@@ -7197,7 +7197,7 @@
                 </a:tc>
                 <a:extLst>
                   <a:ext uri="{0D108BD9-81ED-4DB2-BD59-A6C34878D82A}">
-                    <a16:rowId xmlns:a16="http://schemas.microsoft.com/office/drawing/2014/main" val="10009"/>
+                    <a16:rowId xmlns:a16="http://schemas.microsoft.com/office/drawing/2014/main" xmlns="" val="10009"/>
                   </a:ext>
                 </a:extLst>
               </a:tr>
@@ -7306,7 +7306,7 @@
                 </a:tc>
                 <a:extLst>
                   <a:ext uri="{0D108BD9-81ED-4DB2-BD59-A6C34878D82A}">
-                    <a16:rowId xmlns:a16="http://schemas.microsoft.com/office/drawing/2014/main" val="10010"/>
+                    <a16:rowId xmlns:a16="http://schemas.microsoft.com/office/drawing/2014/main" xmlns="" val="10010"/>
                   </a:ext>
                 </a:extLst>
               </a:tr>
@@ -7319,7 +7319,7 @@
           <p:cNvPr id="42" name="TextBox 41">
             <a:extLst>
               <a:ext uri="{FF2B5EF4-FFF2-40B4-BE49-F238E27FC236}">
-                <a16:creationId xmlns:a16="http://schemas.microsoft.com/office/drawing/2014/main" id="{DF7DDD33-9412-2802-339A-E55446AC2DA7}"/>
+                <a16:creationId xmlns:a16="http://schemas.microsoft.com/office/drawing/2014/main" xmlns="" id="{DF7DDD33-9412-2802-339A-E55446AC2DA7}"/>
               </a:ext>
             </a:extLst>
           </p:cNvPr>
@@ -7377,7 +7377,7 @@
           <p:cNvPr id="47" name="TextBox 46">
             <a:extLst>
               <a:ext uri="{FF2B5EF4-FFF2-40B4-BE49-F238E27FC236}">
-                <a16:creationId xmlns:a16="http://schemas.microsoft.com/office/drawing/2014/main" id="{DF7DDD33-9412-2802-339A-E55446AC2DA7}"/>
+                <a16:creationId xmlns:a16="http://schemas.microsoft.com/office/drawing/2014/main" xmlns="" id="{DF7DDD33-9412-2802-339A-E55446AC2DA7}"/>
               </a:ext>
             </a:extLst>
           </p:cNvPr>
@@ -7425,7 +7425,7 @@
           <p:cNvPr id="48" name="TextBox 47">
             <a:extLst>
               <a:ext uri="{FF2B5EF4-FFF2-40B4-BE49-F238E27FC236}">
-                <a16:creationId xmlns:a16="http://schemas.microsoft.com/office/drawing/2014/main" id="{DF7DDD33-9412-2802-339A-E55446AC2DA7}"/>
+                <a16:creationId xmlns:a16="http://schemas.microsoft.com/office/drawing/2014/main" xmlns="" id="{DF7DDD33-9412-2802-339A-E55446AC2DA7}"/>
               </a:ext>
             </a:extLst>
           </p:cNvPr>
@@ -7473,7 +7473,7 @@
           <p:cNvPr id="49" name="TextBox 48">
             <a:extLst>
               <a:ext uri="{FF2B5EF4-FFF2-40B4-BE49-F238E27FC236}">
-                <a16:creationId xmlns:a16="http://schemas.microsoft.com/office/drawing/2014/main" id="{DF7DDD33-9412-2802-339A-E55446AC2DA7}"/>
+                <a16:creationId xmlns:a16="http://schemas.microsoft.com/office/drawing/2014/main" xmlns="" id="{DF7DDD33-9412-2802-339A-E55446AC2DA7}"/>
               </a:ext>
             </a:extLst>
           </p:cNvPr>
@@ -7531,7 +7531,7 @@
           <p:cNvPr id="50" name="TextBox 49">
             <a:extLst>
               <a:ext uri="{FF2B5EF4-FFF2-40B4-BE49-F238E27FC236}">
-                <a16:creationId xmlns:a16="http://schemas.microsoft.com/office/drawing/2014/main" id="{DF7DDD33-9412-2802-339A-E55446AC2DA7}"/>
+                <a16:creationId xmlns:a16="http://schemas.microsoft.com/office/drawing/2014/main" xmlns="" id="{DF7DDD33-9412-2802-339A-E55446AC2DA7}"/>
               </a:ext>
             </a:extLst>
           </p:cNvPr>
@@ -7579,7 +7579,7 @@
           <p:cNvPr id="51" name="TextBox 50">
             <a:extLst>
               <a:ext uri="{FF2B5EF4-FFF2-40B4-BE49-F238E27FC236}">
-                <a16:creationId xmlns:a16="http://schemas.microsoft.com/office/drawing/2014/main" id="{DF7DDD33-9412-2802-339A-E55446AC2DA7}"/>
+                <a16:creationId xmlns:a16="http://schemas.microsoft.com/office/drawing/2014/main" xmlns="" id="{DF7DDD33-9412-2802-339A-E55446AC2DA7}"/>
               </a:ext>
             </a:extLst>
           </p:cNvPr>
@@ -7637,7 +7637,7 @@
           <p:cNvPr id="52" name="TextBox 51">
             <a:extLst>
               <a:ext uri="{FF2B5EF4-FFF2-40B4-BE49-F238E27FC236}">
-                <a16:creationId xmlns:a16="http://schemas.microsoft.com/office/drawing/2014/main" id="{DF7DDD33-9412-2802-339A-E55446AC2DA7}"/>
+                <a16:creationId xmlns:a16="http://schemas.microsoft.com/office/drawing/2014/main" xmlns="" id="{DF7DDD33-9412-2802-339A-E55446AC2DA7}"/>
               </a:ext>
             </a:extLst>
           </p:cNvPr>
@@ -7685,7 +7685,7 @@
           <p:cNvPr id="53" name="TextBox 52">
             <a:extLst>
               <a:ext uri="{FF2B5EF4-FFF2-40B4-BE49-F238E27FC236}">
-                <a16:creationId xmlns:a16="http://schemas.microsoft.com/office/drawing/2014/main" id="{DF7DDD33-9412-2802-339A-E55446AC2DA7}"/>
+                <a16:creationId xmlns:a16="http://schemas.microsoft.com/office/drawing/2014/main" xmlns="" id="{DF7DDD33-9412-2802-339A-E55446AC2DA7}"/>
               </a:ext>
             </a:extLst>
           </p:cNvPr>
@@ -7743,7 +7743,7 @@
           <p:cNvPr id="54" name="TextBox 53">
             <a:extLst>
               <a:ext uri="{FF2B5EF4-FFF2-40B4-BE49-F238E27FC236}">
-                <a16:creationId xmlns:a16="http://schemas.microsoft.com/office/drawing/2014/main" id="{DF7DDD33-9412-2802-339A-E55446AC2DA7}"/>
+                <a16:creationId xmlns:a16="http://schemas.microsoft.com/office/drawing/2014/main" xmlns="" id="{DF7DDD33-9412-2802-339A-E55446AC2DA7}"/>
               </a:ext>
             </a:extLst>
           </p:cNvPr>
@@ -7791,7 +7791,7 @@
           <p:cNvPr id="55" name="TextBox 54">
             <a:extLst>
               <a:ext uri="{FF2B5EF4-FFF2-40B4-BE49-F238E27FC236}">
-                <a16:creationId xmlns:a16="http://schemas.microsoft.com/office/drawing/2014/main" id="{DF7DDD33-9412-2802-339A-E55446AC2DA7}"/>
+                <a16:creationId xmlns:a16="http://schemas.microsoft.com/office/drawing/2014/main" xmlns="" id="{DF7DDD33-9412-2802-339A-E55446AC2DA7}"/>
               </a:ext>
             </a:extLst>
           </p:cNvPr>
@@ -7863,7 +7863,7 @@
             <p:cNvPr id="57" name="직선 연결선 56">
               <a:extLst>
                 <a:ext uri="{FF2B5EF4-FFF2-40B4-BE49-F238E27FC236}">
-                  <a16:creationId xmlns:a16="http://schemas.microsoft.com/office/drawing/2014/main" id="{1172879B-889D-0C2F-EEA8-003E6793F36F}"/>
+                  <a16:creationId xmlns:a16="http://schemas.microsoft.com/office/drawing/2014/main" xmlns="" id="{1172879B-889D-0C2F-EEA8-003E6793F36F}"/>
                 </a:ext>
               </a:extLst>
             </p:cNvPr>
@@ -7906,7 +7906,7 @@
             <p:cNvPr id="58" name="직선 연결선 57">
               <a:extLst>
                 <a:ext uri="{FF2B5EF4-FFF2-40B4-BE49-F238E27FC236}">
-                  <a16:creationId xmlns:a16="http://schemas.microsoft.com/office/drawing/2014/main" id="{1172879B-889D-0C2F-EEA8-003E6793F36F}"/>
+                  <a16:creationId xmlns:a16="http://schemas.microsoft.com/office/drawing/2014/main" xmlns="" id="{1172879B-889D-0C2F-EEA8-003E6793F36F}"/>
                 </a:ext>
               </a:extLst>
             </p:cNvPr>
@@ -7949,7 +7949,7 @@
             <p:cNvPr id="59" name="직선 연결선 58">
               <a:extLst>
                 <a:ext uri="{FF2B5EF4-FFF2-40B4-BE49-F238E27FC236}">
-                  <a16:creationId xmlns:a16="http://schemas.microsoft.com/office/drawing/2014/main" id="{1172879B-889D-0C2F-EEA8-003E6793F36F}"/>
+                  <a16:creationId xmlns:a16="http://schemas.microsoft.com/office/drawing/2014/main" xmlns="" id="{1172879B-889D-0C2F-EEA8-003E6793F36F}"/>
                 </a:ext>
               </a:extLst>
             </p:cNvPr>
@@ -7992,7 +7992,7 @@
             <p:cNvPr id="60" name="직선 연결선 59">
               <a:extLst>
                 <a:ext uri="{FF2B5EF4-FFF2-40B4-BE49-F238E27FC236}">
-                  <a16:creationId xmlns:a16="http://schemas.microsoft.com/office/drawing/2014/main" id="{1172879B-889D-0C2F-EEA8-003E6793F36F}"/>
+                  <a16:creationId xmlns:a16="http://schemas.microsoft.com/office/drawing/2014/main" xmlns="" id="{1172879B-889D-0C2F-EEA8-003E6793F36F}"/>
                 </a:ext>
               </a:extLst>
             </p:cNvPr>
@@ -8036,7 +8036,7 @@
           <p:cNvPr id="61" name="직선 연결선 60">
             <a:extLst>
               <a:ext uri="{FF2B5EF4-FFF2-40B4-BE49-F238E27FC236}">
-                <a16:creationId xmlns:a16="http://schemas.microsoft.com/office/drawing/2014/main" id="{466D5656-813B-296D-F08F-2E57C8EBA1E1}"/>
+                <a16:creationId xmlns:a16="http://schemas.microsoft.com/office/drawing/2014/main" xmlns="" id="{466D5656-813B-296D-F08F-2E57C8EBA1E1}"/>
               </a:ext>
             </a:extLst>
           </p:cNvPr>
@@ -8120,7 +8120,7 @@
           <p:cNvPr id="2" name="TextBox 1">
             <a:extLst>
               <a:ext uri="{FF2B5EF4-FFF2-40B4-BE49-F238E27FC236}">
-                <a16:creationId xmlns:a16="http://schemas.microsoft.com/office/drawing/2014/main" id="{A92A45D9-B960-EF50-398E-26A3F43BF41A}"/>
+                <a16:creationId xmlns:a16="http://schemas.microsoft.com/office/drawing/2014/main" xmlns="" id="{A92A45D9-B960-EF50-398E-26A3F43BF41A}"/>
               </a:ext>
             </a:extLst>
           </p:cNvPr>
@@ -15515,7 +15515,7 @@
           <p:cNvPr id="4" name="그룹 1018">
             <a:extLst>
               <a:ext uri="{FF2B5EF4-FFF2-40B4-BE49-F238E27FC236}">
-                <a16:creationId xmlns:a16="http://schemas.microsoft.com/office/drawing/2014/main" id="{0C5247D1-E285-7CDC-25F8-F1ABCDE304BE}"/>
+                <a16:creationId xmlns:a16="http://schemas.microsoft.com/office/drawing/2014/main" xmlns="" id="{0C5247D1-E285-7CDC-25F8-F1ABCDE304BE}"/>
               </a:ext>
             </a:extLst>
           </p:cNvPr>
@@ -15535,7 +15535,7 @@
             <p:cNvPr id="5" name="Object 61">
               <a:extLst>
                 <a:ext uri="{FF2B5EF4-FFF2-40B4-BE49-F238E27FC236}">
-                  <a16:creationId xmlns:a16="http://schemas.microsoft.com/office/drawing/2014/main" id="{29C480AF-46D1-D9A5-6C87-226E5620D948}"/>
+                  <a16:creationId xmlns:a16="http://schemas.microsoft.com/office/drawing/2014/main" xmlns="" id="{29C480AF-46D1-D9A5-6C87-226E5620D948}"/>
                 </a:ext>
               </a:extLst>
             </p:cNvPr>
@@ -15566,7 +15566,7 @@
           <p:cNvPr id="6" name="그룹 1018">
             <a:extLst>
               <a:ext uri="{FF2B5EF4-FFF2-40B4-BE49-F238E27FC236}">
-                <a16:creationId xmlns:a16="http://schemas.microsoft.com/office/drawing/2014/main" id="{F53BC57C-78A5-6AFC-CB34-7E3FD29B339F}"/>
+                <a16:creationId xmlns:a16="http://schemas.microsoft.com/office/drawing/2014/main" xmlns="" id="{F53BC57C-78A5-6AFC-CB34-7E3FD29B339F}"/>
               </a:ext>
             </a:extLst>
           </p:cNvPr>
@@ -15586,7 +15586,7 @@
             <p:cNvPr id="7" name="Object 61">
               <a:extLst>
                 <a:ext uri="{FF2B5EF4-FFF2-40B4-BE49-F238E27FC236}">
-                  <a16:creationId xmlns:a16="http://schemas.microsoft.com/office/drawing/2014/main" id="{E6F73685-14E5-06A9-813C-1C372BD6F4DE}"/>
+                  <a16:creationId xmlns:a16="http://schemas.microsoft.com/office/drawing/2014/main" xmlns="" id="{E6F73685-14E5-06A9-813C-1C372BD6F4DE}"/>
                 </a:ext>
               </a:extLst>
             </p:cNvPr>
@@ -15617,7 +15617,7 @@
           <p:cNvPr id="11" name="직선 연결선 10">
             <a:extLst>
               <a:ext uri="{FF2B5EF4-FFF2-40B4-BE49-F238E27FC236}">
-                <a16:creationId xmlns:a16="http://schemas.microsoft.com/office/drawing/2014/main" id="{466D5656-813B-296D-F08F-2E57C8EBA1E1}"/>
+                <a16:creationId xmlns:a16="http://schemas.microsoft.com/office/drawing/2014/main" xmlns="" id="{466D5656-813B-296D-F08F-2E57C8EBA1E1}"/>
               </a:ext>
             </a:extLst>
           </p:cNvPr>
@@ -15660,7 +15660,7 @@
           <p:cNvPr id="13" name="그룹 1018">
             <a:extLst>
               <a:ext uri="{FF2B5EF4-FFF2-40B4-BE49-F238E27FC236}">
-                <a16:creationId xmlns:a16="http://schemas.microsoft.com/office/drawing/2014/main" id="{6422EA0E-12C8-4264-ABC7-17F8CE933867}"/>
+                <a16:creationId xmlns:a16="http://schemas.microsoft.com/office/drawing/2014/main" xmlns="" id="{6422EA0E-12C8-4264-ABC7-17F8CE933867}"/>
               </a:ext>
             </a:extLst>
           </p:cNvPr>
@@ -15680,7 +15680,7 @@
             <p:cNvPr id="14" name="Object 61">
               <a:extLst>
                 <a:ext uri="{FF2B5EF4-FFF2-40B4-BE49-F238E27FC236}">
-                  <a16:creationId xmlns:a16="http://schemas.microsoft.com/office/drawing/2014/main" id="{B8EE3D0F-6DDF-413D-3D54-0B0C4905D65D}"/>
+                  <a16:creationId xmlns:a16="http://schemas.microsoft.com/office/drawing/2014/main" xmlns="" id="{B8EE3D0F-6DDF-413D-3D54-0B0C4905D65D}"/>
                 </a:ext>
               </a:extLst>
             </p:cNvPr>
@@ -15711,7 +15711,7 @@
           <p:cNvPr id="15" name="그룹 1018">
             <a:extLst>
               <a:ext uri="{FF2B5EF4-FFF2-40B4-BE49-F238E27FC236}">
-                <a16:creationId xmlns:a16="http://schemas.microsoft.com/office/drawing/2014/main" id="{11F8DF7C-F95F-B0B5-FC7F-85E369D002C6}"/>
+                <a16:creationId xmlns:a16="http://schemas.microsoft.com/office/drawing/2014/main" xmlns="" id="{11F8DF7C-F95F-B0B5-FC7F-85E369D002C6}"/>
               </a:ext>
             </a:extLst>
           </p:cNvPr>
@@ -15731,7 +15731,7 @@
             <p:cNvPr id="16" name="Object 61">
               <a:extLst>
                 <a:ext uri="{FF2B5EF4-FFF2-40B4-BE49-F238E27FC236}">
-                  <a16:creationId xmlns:a16="http://schemas.microsoft.com/office/drawing/2014/main" id="{B8B15D9F-D5FD-93DD-D076-037E1D6FFEC7}"/>
+                  <a16:creationId xmlns:a16="http://schemas.microsoft.com/office/drawing/2014/main" xmlns="" id="{B8B15D9F-D5FD-93DD-D076-037E1D6FFEC7}"/>
                 </a:ext>
               </a:extLst>
             </p:cNvPr>
@@ -15762,7 +15762,7 @@
           <p:cNvPr id="17" name="직선 연결선 16">
             <a:extLst>
               <a:ext uri="{FF2B5EF4-FFF2-40B4-BE49-F238E27FC236}">
-                <a16:creationId xmlns:a16="http://schemas.microsoft.com/office/drawing/2014/main" id="{450E9148-0C3A-3B85-23E5-E1D1C0997659}"/>
+                <a16:creationId xmlns:a16="http://schemas.microsoft.com/office/drawing/2014/main" xmlns="" id="{450E9148-0C3A-3B85-23E5-E1D1C0997659}"/>
               </a:ext>
             </a:extLst>
           </p:cNvPr>
@@ -15806,7 +15806,7 @@
           <p:cNvPr id="20" name="TextBox 19">
             <a:extLst>
               <a:ext uri="{FF2B5EF4-FFF2-40B4-BE49-F238E27FC236}">
-                <a16:creationId xmlns:a16="http://schemas.microsoft.com/office/drawing/2014/main" id="{A06D4055-10A8-4A24-5EDC-0761473BA40F}"/>
+                <a16:creationId xmlns:a16="http://schemas.microsoft.com/office/drawing/2014/main" xmlns="" id="{A06D4055-10A8-4A24-5EDC-0761473BA40F}"/>
               </a:ext>
             </a:extLst>
           </p:cNvPr>
@@ -15850,7 +15850,7 @@
           <p:cNvPr id="21" name="TextBox 20">
             <a:extLst>
               <a:ext uri="{FF2B5EF4-FFF2-40B4-BE49-F238E27FC236}">
-                <a16:creationId xmlns:a16="http://schemas.microsoft.com/office/drawing/2014/main" id="{044C5ACF-17B6-5920-7904-E16248F54A6A}"/>
+                <a16:creationId xmlns:a16="http://schemas.microsoft.com/office/drawing/2014/main" xmlns="" id="{044C5ACF-17B6-5920-7904-E16248F54A6A}"/>
               </a:ext>
             </a:extLst>
           </p:cNvPr>
@@ -15894,7 +15894,7 @@
           <p:cNvPr id="22" name="TextBox 21">
             <a:extLst>
               <a:ext uri="{FF2B5EF4-FFF2-40B4-BE49-F238E27FC236}">
-                <a16:creationId xmlns:a16="http://schemas.microsoft.com/office/drawing/2014/main" id="{A7091AF6-2AB0-08A8-8A31-E96D2EBC6A65}"/>
+                <a16:creationId xmlns:a16="http://schemas.microsoft.com/office/drawing/2014/main" xmlns="" id="{A7091AF6-2AB0-08A8-8A31-E96D2EBC6A65}"/>
               </a:ext>
             </a:extLst>
           </p:cNvPr>
@@ -15938,7 +15938,7 @@
           <p:cNvPr id="23" name="TextBox 22">
             <a:extLst>
               <a:ext uri="{FF2B5EF4-FFF2-40B4-BE49-F238E27FC236}">
-                <a16:creationId xmlns:a16="http://schemas.microsoft.com/office/drawing/2014/main" id="{101E227B-A9BD-20A0-66DD-A013FA376D02}"/>
+                <a16:creationId xmlns:a16="http://schemas.microsoft.com/office/drawing/2014/main" xmlns="" id="{101E227B-A9BD-20A0-66DD-A013FA376D02}"/>
               </a:ext>
             </a:extLst>
           </p:cNvPr>
@@ -15996,7 +15996,7 @@
             <p:cNvPr id="9" name="직선 연결선 8">
               <a:extLst>
                 <a:ext uri="{FF2B5EF4-FFF2-40B4-BE49-F238E27FC236}">
-                  <a16:creationId xmlns:a16="http://schemas.microsoft.com/office/drawing/2014/main" id="{1172879B-889D-0C2F-EEA8-003E6793F36F}"/>
+                  <a16:creationId xmlns:a16="http://schemas.microsoft.com/office/drawing/2014/main" xmlns="" id="{1172879B-889D-0C2F-EEA8-003E6793F36F}"/>
                 </a:ext>
               </a:extLst>
             </p:cNvPr>
@@ -16039,7 +16039,7 @@
             <p:cNvPr id="24" name="직선 연결선 23">
               <a:extLst>
                 <a:ext uri="{FF2B5EF4-FFF2-40B4-BE49-F238E27FC236}">
-                  <a16:creationId xmlns:a16="http://schemas.microsoft.com/office/drawing/2014/main" id="{1172879B-889D-0C2F-EEA8-003E6793F36F}"/>
+                  <a16:creationId xmlns:a16="http://schemas.microsoft.com/office/drawing/2014/main" xmlns="" id="{1172879B-889D-0C2F-EEA8-003E6793F36F}"/>
                 </a:ext>
               </a:extLst>
             </p:cNvPr>
@@ -16082,7 +16082,7 @@
             <p:cNvPr id="25" name="직선 연결선 24">
               <a:extLst>
                 <a:ext uri="{FF2B5EF4-FFF2-40B4-BE49-F238E27FC236}">
-                  <a16:creationId xmlns:a16="http://schemas.microsoft.com/office/drawing/2014/main" id="{1172879B-889D-0C2F-EEA8-003E6793F36F}"/>
+                  <a16:creationId xmlns:a16="http://schemas.microsoft.com/office/drawing/2014/main" xmlns="" id="{1172879B-889D-0C2F-EEA8-003E6793F36F}"/>
                 </a:ext>
               </a:extLst>
             </p:cNvPr>
@@ -16125,7 +16125,7 @@
             <p:cNvPr id="30" name="직선 연결선 29">
               <a:extLst>
                 <a:ext uri="{FF2B5EF4-FFF2-40B4-BE49-F238E27FC236}">
-                  <a16:creationId xmlns:a16="http://schemas.microsoft.com/office/drawing/2014/main" id="{1172879B-889D-0C2F-EEA8-003E6793F36F}"/>
+                  <a16:creationId xmlns:a16="http://schemas.microsoft.com/office/drawing/2014/main" xmlns="" id="{1172879B-889D-0C2F-EEA8-003E6793F36F}"/>
                 </a:ext>
               </a:extLst>
             </p:cNvPr>
@@ -16169,7 +16169,7 @@
           <p:cNvPr id="2" name="TextBox 1">
             <a:extLst>
               <a:ext uri="{FF2B5EF4-FFF2-40B4-BE49-F238E27FC236}">
-                <a16:creationId xmlns:a16="http://schemas.microsoft.com/office/drawing/2014/main" id="{06954172-7EF0-CE8C-73EC-25E928EC1B7D}"/>
+                <a16:creationId xmlns:a16="http://schemas.microsoft.com/office/drawing/2014/main" xmlns="" id="{06954172-7EF0-CE8C-73EC-25E928EC1B7D}"/>
               </a:ext>
             </a:extLst>
           </p:cNvPr>
@@ -16217,7 +16217,7 @@
           <p:cNvPr id="3" name="직사각형 2">
             <a:extLst>
               <a:ext uri="{FF2B5EF4-FFF2-40B4-BE49-F238E27FC236}">
-                <a16:creationId xmlns:a16="http://schemas.microsoft.com/office/drawing/2014/main" id="{29F1D9FA-D3AF-5E6D-24AC-E65D22A0D7A0}"/>
+                <a16:creationId xmlns:a16="http://schemas.microsoft.com/office/drawing/2014/main" xmlns="" id="{29F1D9FA-D3AF-5E6D-24AC-E65D22A0D7A0}"/>
               </a:ext>
             </a:extLst>
           </p:cNvPr>
@@ -16269,7 +16269,7 @@
           <p:cNvPr id="8" name="TextBox 7">
             <a:extLst>
               <a:ext uri="{FF2B5EF4-FFF2-40B4-BE49-F238E27FC236}">
-                <a16:creationId xmlns:a16="http://schemas.microsoft.com/office/drawing/2014/main" id="{3CDC1150-AB9C-B8B4-624C-8B864CBAC5DD}"/>
+                <a16:creationId xmlns:a16="http://schemas.microsoft.com/office/drawing/2014/main" xmlns="" id="{3CDC1150-AB9C-B8B4-624C-8B864CBAC5DD}"/>
               </a:ext>
             </a:extLst>
           </p:cNvPr>
@@ -16643,7 +16643,7 @@
           <p:cNvPr id="10" name="직사각형 9">
             <a:extLst>
               <a:ext uri="{FF2B5EF4-FFF2-40B4-BE49-F238E27FC236}">
-                <a16:creationId xmlns:a16="http://schemas.microsoft.com/office/drawing/2014/main" id="{361FA442-8171-4EBF-65A2-19C90654959D}"/>
+                <a16:creationId xmlns:a16="http://schemas.microsoft.com/office/drawing/2014/main" xmlns="" id="{361FA442-8171-4EBF-65A2-19C90654959D}"/>
               </a:ext>
             </a:extLst>
           </p:cNvPr>
@@ -16695,7 +16695,7 @@
           <p:cNvPr id="12" name="TextBox 11">
             <a:extLst>
               <a:ext uri="{FF2B5EF4-FFF2-40B4-BE49-F238E27FC236}">
-                <a16:creationId xmlns:a16="http://schemas.microsoft.com/office/drawing/2014/main" id="{909B8AE9-459C-C458-C52F-C85F69813361}"/>
+                <a16:creationId xmlns:a16="http://schemas.microsoft.com/office/drawing/2014/main" xmlns="" id="{909B8AE9-459C-C458-C52F-C85F69813361}"/>
               </a:ext>
             </a:extLst>
           </p:cNvPr>
@@ -20979,7 +20979,7 @@
           <p:cNvPr id="4" name="TextBox 3">
             <a:extLst>
               <a:ext uri="{FF2B5EF4-FFF2-40B4-BE49-F238E27FC236}">
-                <a16:creationId xmlns:a16="http://schemas.microsoft.com/office/drawing/2014/main" id="{69196D22-2A4C-4EF6-5A42-2031D7FEF549}"/>
+                <a16:creationId xmlns:a16="http://schemas.microsoft.com/office/drawing/2014/main" xmlns="" id="{69196D22-2A4C-4EF6-5A42-2031D7FEF549}"/>
               </a:ext>
             </a:extLst>
           </p:cNvPr>
@@ -21007,8 +21007,8 @@
                 <a:solidFill>
                   <a:srgbClr val="4C50BC"/>
                 </a:solidFill>
-                <a:latin typeface="G마켓 산스 TTF Bold" panose="02000000000000000000" pitchFamily="2" charset="-127"/>
-                <a:ea typeface="G마켓 산스 TTF Bold" panose="02000000000000000000" pitchFamily="2" charset="-127"/>
+                <a:latin typeface="G마켓 산스 Bold" panose="02000000000000000000" pitchFamily="50" charset="-127"/>
+                <a:ea typeface="G마켓 산스 Bold" panose="02000000000000000000" pitchFamily="50" charset="-127"/>
               </a:rPr>
               <a:t>상속</a:t>
             </a:r>
@@ -21016,8 +21016,8 @@
               <a:solidFill>
                 <a:srgbClr val="4C50BC"/>
               </a:solidFill>
-              <a:latin typeface="G마켓 산스 TTF Bold" panose="02000000000000000000" pitchFamily="2" charset="-127"/>
-              <a:ea typeface="G마켓 산스 TTF Bold" panose="02000000000000000000" pitchFamily="2" charset="-127"/>
+              <a:latin typeface="G마켓 산스 Bold" panose="02000000000000000000" pitchFamily="50" charset="-127"/>
+              <a:ea typeface="G마켓 산스 Bold" panose="02000000000000000000" pitchFamily="50" charset="-127"/>
             </a:endParaRPr>
           </a:p>
         </p:txBody>
@@ -21027,7 +21027,7 @@
           <p:cNvPr id="5" name="직선 연결선 4">
             <a:extLst>
               <a:ext uri="{FF2B5EF4-FFF2-40B4-BE49-F238E27FC236}">
-                <a16:creationId xmlns:a16="http://schemas.microsoft.com/office/drawing/2014/main" id="{DDFA97EB-659B-5D0A-D41B-496A6FF66D9E}"/>
+                <a16:creationId xmlns:a16="http://schemas.microsoft.com/office/drawing/2014/main" xmlns="" id="{DDFA97EB-659B-5D0A-D41B-496A6FF66D9E}"/>
               </a:ext>
             </a:extLst>
           </p:cNvPr>
@@ -21070,7 +21070,7 @@
           <p:cNvPr id="6" name="TextBox 5">
             <a:extLst>
               <a:ext uri="{FF2B5EF4-FFF2-40B4-BE49-F238E27FC236}">
-                <a16:creationId xmlns:a16="http://schemas.microsoft.com/office/drawing/2014/main" id="{B1C05CB3-45A9-FA20-A8E0-BE6F095B8777}"/>
+                <a16:creationId xmlns:a16="http://schemas.microsoft.com/office/drawing/2014/main" xmlns="" id="{B1C05CB3-45A9-FA20-A8E0-BE6F095B8777}"/>
               </a:ext>
             </a:extLst>
           </p:cNvPr>
@@ -21079,8 +21079,8 @@
         </p:nvSpPr>
         <p:spPr>
           <a:xfrm>
-            <a:off x="762000" y="1562100"/>
-            <a:ext cx="14167562" cy="707886"/>
+            <a:off x="762000" y="1485900"/>
+            <a:ext cx="14167562" cy="646331"/>
           </a:xfrm>
           <a:prstGeom prst="rect">
             <a:avLst/>
@@ -21094,11 +21094,11 @@
           <a:lstStyle/>
           <a:p>
             <a:pPr marL="571500" indent="-571500">
-              <a:buFont typeface="Wingdings" panose="05000000000000000000" pitchFamily="2" charset="2"/>
-              <a:buChar char="l"/>
+              <a:buFont typeface="Arial" panose="020B0604020202020204" pitchFamily="34" charset="0"/>
+              <a:buChar char="•"/>
             </a:pPr>
             <a:r>
-              <a:rPr lang="ko-KR" altLang="en-US" sz="4000">
+              <a:rPr lang="ko-KR" altLang="en-US" sz="3600">
                 <a:solidFill>
                   <a:schemeClr val="tx1">
                     <a:lumMod val="50000"/>
@@ -21111,7 +21111,7 @@
               <a:t>부모의 멤버변수와 멤버메서드를 자식에게 상속한다</a:t>
             </a:r>
             <a:r>
-              <a:rPr lang="en-US" altLang="ko-KR" sz="4000">
+              <a:rPr lang="en-US" altLang="ko-KR" sz="3600">
                 <a:solidFill>
                   <a:schemeClr val="tx1">
                     <a:lumMod val="50000"/>
@@ -21123,7 +21123,7 @@
               </a:rPr>
               <a:t>.</a:t>
             </a:r>
-            <a:endParaRPr lang="en-US" altLang="ko-KR" sz="4000" dirty="0">
+            <a:endParaRPr lang="en-US" altLang="ko-KR" sz="3600" dirty="0">
               <a:solidFill>
                 <a:schemeClr val="tx1">
                   <a:lumMod val="50000"/>

--- a/JavaLecture/LectureFile/샘플.pptx
+++ b/JavaLecture/LectureFile/샘플.pptx
@@ -231,7 +231,7 @@
           <a:p>
             <a:fld id="{3377703C-7B6A-4662-85EE-2E5A30469F49}" type="datetimeFigureOut">
               <a:rPr lang="ko-KR" altLang="en-US" smtClean="0"/>
-              <a:t>2023-10-29</a:t>
+              <a:t>2023-11-03 Friday</a:t>
             </a:fld>
             <a:endParaRPr lang="ko-KR" altLang="en-US"/>
           </a:p>
@@ -761,7 +761,7 @@
           <a:p>
             <a:fld id="{F8166F1F-CE9B-4651-A6AA-CD717754106B}" type="datetimeFigureOut">
               <a:rPr lang="en-US" smtClean="0"/>
-              <a:t>10/29/2023</a:t>
+              <a:t>11/3/2023</a:t>
             </a:fld>
             <a:endParaRPr lang="en-US"/>
           </a:p>
@@ -924,7 +924,7 @@
           <a:p>
             <a:fld id="{A76116CE-C4A3-4A05-B2D7-7C2E9A889C0F}" type="datetimeFigureOut">
               <a:rPr lang="en-US" smtClean="0"/>
-              <a:t>10/29/2023</a:t>
+              <a:t>11/3/2023</a:t>
             </a:fld>
             <a:endParaRPr lang="en-US"/>
           </a:p>
@@ -1097,7 +1097,7 @@
           <a:p>
             <a:fld id="{A76116CE-C4A3-4A05-B2D7-7C2E9A889C0F}" type="datetimeFigureOut">
               <a:rPr lang="en-US" smtClean="0"/>
-              <a:t>10/29/2023</a:t>
+              <a:t>11/3/2023</a:t>
             </a:fld>
             <a:endParaRPr lang="en-US"/>
           </a:p>
@@ -1262,7 +1262,7 @@
           <a:p>
             <a:fld id="{A76116CE-C4A3-4A05-B2D7-7C2E9A889C0F}" type="datetimeFigureOut">
               <a:rPr lang="en-US" smtClean="0"/>
-              <a:t>10/29/2023</a:t>
+              <a:t>11/3/2023</a:t>
             </a:fld>
             <a:endParaRPr lang="en-US"/>
           </a:p>
@@ -1502,7 +1502,7 @@
           <a:p>
             <a:fld id="{A76116CE-C4A3-4A05-B2D7-7C2E9A889C0F}" type="datetimeFigureOut">
               <a:rPr lang="en-US" smtClean="0"/>
-              <a:t>10/29/2023</a:t>
+              <a:t>11/3/2023</a:t>
             </a:fld>
             <a:endParaRPr lang="en-US"/>
           </a:p>
@@ -1782,7 +1782,7 @@
           <a:p>
             <a:fld id="{A76116CE-C4A3-4A05-B2D7-7C2E9A889C0F}" type="datetimeFigureOut">
               <a:rPr lang="en-US" smtClean="0"/>
-              <a:t>10/29/2023</a:t>
+              <a:t>11/3/2023</a:t>
             </a:fld>
             <a:endParaRPr lang="en-US"/>
           </a:p>
@@ -2196,7 +2196,7 @@
           <a:p>
             <a:fld id="{A76116CE-C4A3-4A05-B2D7-7C2E9A889C0F}" type="datetimeFigureOut">
               <a:rPr lang="en-US" smtClean="0"/>
-              <a:t>10/29/2023</a:t>
+              <a:t>11/3/2023</a:t>
             </a:fld>
             <a:endParaRPr lang="en-US"/>
           </a:p>
@@ -2308,7 +2308,7 @@
           <a:p>
             <a:fld id="{A76116CE-C4A3-4A05-B2D7-7C2E9A889C0F}" type="datetimeFigureOut">
               <a:rPr lang="en-US" smtClean="0"/>
-              <a:t>10/29/2023</a:t>
+              <a:t>11/3/2023</a:t>
             </a:fld>
             <a:endParaRPr lang="en-US"/>
           </a:p>
@@ -2398,7 +2398,7 @@
           <a:p>
             <a:fld id="{A76116CE-C4A3-4A05-B2D7-7C2E9A889C0F}" type="datetimeFigureOut">
               <a:rPr lang="en-US" smtClean="0"/>
-              <a:t>10/29/2023</a:t>
+              <a:t>11/3/2023</a:t>
             </a:fld>
             <a:endParaRPr lang="en-US"/>
           </a:p>
@@ -2668,7 +2668,7 @@
           <a:p>
             <a:fld id="{A76116CE-C4A3-4A05-B2D7-7C2E9A889C0F}" type="datetimeFigureOut">
               <a:rPr lang="en-US" smtClean="0"/>
-              <a:t>10/29/2023</a:t>
+              <a:t>11/3/2023</a:t>
             </a:fld>
             <a:endParaRPr lang="en-US"/>
           </a:p>
@@ -2915,7 +2915,7 @@
           <a:p>
             <a:fld id="{A76116CE-C4A3-4A05-B2D7-7C2E9A889C0F}" type="datetimeFigureOut">
               <a:rPr lang="en-US" smtClean="0"/>
-              <a:t>10/29/2023</a:t>
+              <a:t>11/3/2023</a:t>
             </a:fld>
             <a:endParaRPr lang="en-US"/>
           </a:p>
@@ -3121,7 +3121,7 @@
           <a:p>
             <a:fld id="{F8166F1F-CE9B-4651-A6AA-CD717754106B}" type="datetimeFigureOut">
               <a:rPr lang="en-US" smtClean="0"/>
-              <a:t>10/29/2023</a:t>
+              <a:t>11/3/2023</a:t>
             </a:fld>
             <a:endParaRPr lang="en-US"/>
           </a:p>
@@ -3496,7 +3496,7 @@
           <p:cNvPr id="4" name="그룹 1008">
             <a:extLst>
               <a:ext uri="{FF2B5EF4-FFF2-40B4-BE49-F238E27FC236}">
-                <a16:creationId xmlns:a16="http://schemas.microsoft.com/office/drawing/2014/main" xmlns="" id="{54FFE8A6-6CB8-DCBA-07F7-749FA78BF4A4}"/>
+                <a16:creationId xmlns:a16="http://schemas.microsoft.com/office/drawing/2014/main" id="{54FFE8A6-6CB8-DCBA-07F7-749FA78BF4A4}"/>
               </a:ext>
             </a:extLst>
           </p:cNvPr>
@@ -3516,7 +3516,7 @@
             <p:cNvPr id="5" name="그룹 1009">
               <a:extLst>
                 <a:ext uri="{FF2B5EF4-FFF2-40B4-BE49-F238E27FC236}">
-                  <a16:creationId xmlns:a16="http://schemas.microsoft.com/office/drawing/2014/main" xmlns="" id="{AFC4D322-4969-89C3-C972-D8E8E418CA73}"/>
+                  <a16:creationId xmlns:a16="http://schemas.microsoft.com/office/drawing/2014/main" id="{AFC4D322-4969-89C3-C972-D8E8E418CA73}"/>
                 </a:ext>
               </a:extLst>
             </p:cNvPr>
@@ -3536,7 +3536,7 @@
               <p:cNvPr id="10" name="Object 29">
                 <a:extLst>
                   <a:ext uri="{FF2B5EF4-FFF2-40B4-BE49-F238E27FC236}">
-                    <a16:creationId xmlns:a16="http://schemas.microsoft.com/office/drawing/2014/main" xmlns="" id="{696B190E-C178-4E07-7621-24C3B48A9BCF}"/>
+                    <a16:creationId xmlns:a16="http://schemas.microsoft.com/office/drawing/2014/main" id="{696B190E-C178-4E07-7621-24C3B48A9BCF}"/>
                   </a:ext>
                 </a:extLst>
               </p:cNvPr>
@@ -3567,7 +3567,7 @@
             <p:cNvPr id="6" name="그룹 1010">
               <a:extLst>
                 <a:ext uri="{FF2B5EF4-FFF2-40B4-BE49-F238E27FC236}">
-                  <a16:creationId xmlns:a16="http://schemas.microsoft.com/office/drawing/2014/main" xmlns="" id="{88F3509F-17A2-2BE7-261F-3BA022FF91BA}"/>
+                  <a16:creationId xmlns:a16="http://schemas.microsoft.com/office/drawing/2014/main" id="{88F3509F-17A2-2BE7-261F-3BA022FF91BA}"/>
                 </a:ext>
               </a:extLst>
             </p:cNvPr>
@@ -3587,7 +3587,7 @@
               <p:cNvPr id="9" name="Object 32">
                 <a:extLst>
                   <a:ext uri="{FF2B5EF4-FFF2-40B4-BE49-F238E27FC236}">
-                    <a16:creationId xmlns:a16="http://schemas.microsoft.com/office/drawing/2014/main" xmlns="" id="{6183A7B0-D571-9788-43CE-90A93A934096}"/>
+                    <a16:creationId xmlns:a16="http://schemas.microsoft.com/office/drawing/2014/main" id="{6183A7B0-D571-9788-43CE-90A93A934096}"/>
                   </a:ext>
                 </a:extLst>
               </p:cNvPr>
@@ -3618,7 +3618,7 @@
             <p:cNvPr id="7" name="그룹 1011">
               <a:extLst>
                 <a:ext uri="{FF2B5EF4-FFF2-40B4-BE49-F238E27FC236}">
-                  <a16:creationId xmlns:a16="http://schemas.microsoft.com/office/drawing/2014/main" xmlns="" id="{3DB0BB1F-6A07-787C-7717-F712317AF8C3}"/>
+                  <a16:creationId xmlns:a16="http://schemas.microsoft.com/office/drawing/2014/main" id="{3DB0BB1F-6A07-787C-7717-F712317AF8C3}"/>
                 </a:ext>
               </a:extLst>
             </p:cNvPr>
@@ -3638,7 +3638,7 @@
               <p:cNvPr id="8" name="Object 35">
                 <a:extLst>
                   <a:ext uri="{FF2B5EF4-FFF2-40B4-BE49-F238E27FC236}">
-                    <a16:creationId xmlns:a16="http://schemas.microsoft.com/office/drawing/2014/main" xmlns="" id="{A003AF1A-29EE-2DC2-0E03-479F705DFFB6}"/>
+                    <a16:creationId xmlns:a16="http://schemas.microsoft.com/office/drawing/2014/main" id="{A003AF1A-29EE-2DC2-0E03-479F705DFFB6}"/>
                   </a:ext>
                 </a:extLst>
               </p:cNvPr>
@@ -3670,7 +3670,7 @@
           <p:cNvPr id="11" name="직선 화살표 연결선 10">
             <a:extLst>
               <a:ext uri="{FF2B5EF4-FFF2-40B4-BE49-F238E27FC236}">
-                <a16:creationId xmlns:a16="http://schemas.microsoft.com/office/drawing/2014/main" xmlns="" id="{299DF5EC-9DF4-5255-06AC-0A7CE4FF58C3}"/>
+                <a16:creationId xmlns:a16="http://schemas.microsoft.com/office/drawing/2014/main" id="{299DF5EC-9DF4-5255-06AC-0A7CE4FF58C3}"/>
               </a:ext>
             </a:extLst>
           </p:cNvPr>
@@ -3711,7 +3711,7 @@
           <p:cNvPr id="14" name="직사각형 13">
             <a:extLst>
               <a:ext uri="{FF2B5EF4-FFF2-40B4-BE49-F238E27FC236}">
-                <a16:creationId xmlns:a16="http://schemas.microsoft.com/office/drawing/2014/main" xmlns="" id="{FFF506F9-840A-0508-4CAF-3AC711D8D5CE}"/>
+                <a16:creationId xmlns:a16="http://schemas.microsoft.com/office/drawing/2014/main" id="{FFF506F9-840A-0508-4CAF-3AC711D8D5CE}"/>
               </a:ext>
             </a:extLst>
           </p:cNvPr>
@@ -3763,7 +3763,7 @@
           <p:cNvPr id="16" name="그룹 1008">
             <a:extLst>
               <a:ext uri="{FF2B5EF4-FFF2-40B4-BE49-F238E27FC236}">
-                <a16:creationId xmlns:a16="http://schemas.microsoft.com/office/drawing/2014/main" xmlns="" id="{E395BDE3-2EDE-065D-70E8-56E348228ACF}"/>
+                <a16:creationId xmlns:a16="http://schemas.microsoft.com/office/drawing/2014/main" id="{E395BDE3-2EDE-065D-70E8-56E348228ACF}"/>
               </a:ext>
             </a:extLst>
           </p:cNvPr>
@@ -3783,7 +3783,7 @@
             <p:cNvPr id="17" name="그룹 1009">
               <a:extLst>
                 <a:ext uri="{FF2B5EF4-FFF2-40B4-BE49-F238E27FC236}">
-                  <a16:creationId xmlns:a16="http://schemas.microsoft.com/office/drawing/2014/main" xmlns="" id="{852F4DEB-DB33-DB3F-9E9F-52A46CD0B10A}"/>
+                  <a16:creationId xmlns:a16="http://schemas.microsoft.com/office/drawing/2014/main" id="{852F4DEB-DB33-DB3F-9E9F-52A46CD0B10A}"/>
                 </a:ext>
               </a:extLst>
             </p:cNvPr>
@@ -3803,7 +3803,7 @@
               <p:cNvPr id="22" name="Object 29">
                 <a:extLst>
                   <a:ext uri="{FF2B5EF4-FFF2-40B4-BE49-F238E27FC236}">
-                    <a16:creationId xmlns:a16="http://schemas.microsoft.com/office/drawing/2014/main" xmlns="" id="{7E353D3B-14D4-8A64-5888-3F0C062C2CDD}"/>
+                    <a16:creationId xmlns:a16="http://schemas.microsoft.com/office/drawing/2014/main" id="{7E353D3B-14D4-8A64-5888-3F0C062C2CDD}"/>
                   </a:ext>
                 </a:extLst>
               </p:cNvPr>
@@ -3834,7 +3834,7 @@
             <p:cNvPr id="18" name="그룹 1010">
               <a:extLst>
                 <a:ext uri="{FF2B5EF4-FFF2-40B4-BE49-F238E27FC236}">
-                  <a16:creationId xmlns:a16="http://schemas.microsoft.com/office/drawing/2014/main" xmlns="" id="{001E38AB-1390-ABD0-BE01-9727136FEAEE}"/>
+                  <a16:creationId xmlns:a16="http://schemas.microsoft.com/office/drawing/2014/main" id="{001E38AB-1390-ABD0-BE01-9727136FEAEE}"/>
                 </a:ext>
               </a:extLst>
             </p:cNvPr>
@@ -3854,7 +3854,7 @@
               <p:cNvPr id="21" name="Object 32">
                 <a:extLst>
                   <a:ext uri="{FF2B5EF4-FFF2-40B4-BE49-F238E27FC236}">
-                    <a16:creationId xmlns:a16="http://schemas.microsoft.com/office/drawing/2014/main" xmlns="" id="{2ED1C30F-0D0B-F86C-8215-2598D332B5A3}"/>
+                    <a16:creationId xmlns:a16="http://schemas.microsoft.com/office/drawing/2014/main" id="{2ED1C30F-0D0B-F86C-8215-2598D332B5A3}"/>
                   </a:ext>
                 </a:extLst>
               </p:cNvPr>
@@ -3885,7 +3885,7 @@
             <p:cNvPr id="19" name="그룹 1011">
               <a:extLst>
                 <a:ext uri="{FF2B5EF4-FFF2-40B4-BE49-F238E27FC236}">
-                  <a16:creationId xmlns:a16="http://schemas.microsoft.com/office/drawing/2014/main" xmlns="" id="{1BCB8DE5-ABAF-4198-BC16-85BB76F2DB24}"/>
+                  <a16:creationId xmlns:a16="http://schemas.microsoft.com/office/drawing/2014/main" id="{1BCB8DE5-ABAF-4198-BC16-85BB76F2DB24}"/>
                 </a:ext>
               </a:extLst>
             </p:cNvPr>
@@ -3905,7 +3905,7 @@
               <p:cNvPr id="20" name="Object 35">
                 <a:extLst>
                   <a:ext uri="{FF2B5EF4-FFF2-40B4-BE49-F238E27FC236}">
-                    <a16:creationId xmlns:a16="http://schemas.microsoft.com/office/drawing/2014/main" xmlns="" id="{86E7BA23-0A1E-B581-CADC-06AB269DB2BD}"/>
+                    <a16:creationId xmlns:a16="http://schemas.microsoft.com/office/drawing/2014/main" id="{86E7BA23-0A1E-B581-CADC-06AB269DB2BD}"/>
                   </a:ext>
                 </a:extLst>
               </p:cNvPr>
@@ -3937,7 +3937,7 @@
           <p:cNvPr id="23" name="TextBox 22">
             <a:extLst>
               <a:ext uri="{FF2B5EF4-FFF2-40B4-BE49-F238E27FC236}">
-                <a16:creationId xmlns:a16="http://schemas.microsoft.com/office/drawing/2014/main" xmlns="" id="{7229BEA6-121E-9056-D07F-2B3BB1795F76}"/>
+                <a16:creationId xmlns:a16="http://schemas.microsoft.com/office/drawing/2014/main" id="{7229BEA6-121E-9056-D07F-2B3BB1795F76}"/>
               </a:ext>
             </a:extLst>
           </p:cNvPr>
@@ -3985,7 +3985,7 @@
           <p:cNvPr id="24" name="TextBox 23">
             <a:extLst>
               <a:ext uri="{FF2B5EF4-FFF2-40B4-BE49-F238E27FC236}">
-                <a16:creationId xmlns:a16="http://schemas.microsoft.com/office/drawing/2014/main" xmlns="" id="{5ADC00B6-990A-40DC-3CEA-505258F5E8DA}"/>
+                <a16:creationId xmlns:a16="http://schemas.microsoft.com/office/drawing/2014/main" id="{5ADC00B6-990A-40DC-3CEA-505258F5E8DA}"/>
               </a:ext>
             </a:extLst>
           </p:cNvPr>
@@ -4043,7 +4043,7 @@
           <p:cNvPr id="3" name="TextBox 2">
             <a:extLst>
               <a:ext uri="{FF2B5EF4-FFF2-40B4-BE49-F238E27FC236}">
-                <a16:creationId xmlns:a16="http://schemas.microsoft.com/office/drawing/2014/main" xmlns="" id="{C6D113C6-EA5C-788F-0C77-E7CE6EBB865F}"/>
+                <a16:creationId xmlns:a16="http://schemas.microsoft.com/office/drawing/2014/main" id="{C6D113C6-EA5C-788F-0C77-E7CE6EBB865F}"/>
               </a:ext>
             </a:extLst>
           </p:cNvPr>
@@ -4101,7 +4101,7 @@
           <p:cNvPr id="12" name="그룹 1008">
             <a:extLst>
               <a:ext uri="{FF2B5EF4-FFF2-40B4-BE49-F238E27FC236}">
-                <a16:creationId xmlns:a16="http://schemas.microsoft.com/office/drawing/2014/main" xmlns="" id="{678F6342-C505-E8AD-ADA4-022CB2C2088E}"/>
+                <a16:creationId xmlns:a16="http://schemas.microsoft.com/office/drawing/2014/main" id="{678F6342-C505-E8AD-ADA4-022CB2C2088E}"/>
               </a:ext>
             </a:extLst>
           </p:cNvPr>
@@ -4121,7 +4121,7 @@
             <p:cNvPr id="13" name="그룹 1009">
               <a:extLst>
                 <a:ext uri="{FF2B5EF4-FFF2-40B4-BE49-F238E27FC236}">
-                  <a16:creationId xmlns:a16="http://schemas.microsoft.com/office/drawing/2014/main" xmlns="" id="{4E1F1FED-812B-9BBB-925A-84B54A077414}"/>
+                  <a16:creationId xmlns:a16="http://schemas.microsoft.com/office/drawing/2014/main" id="{4E1F1FED-812B-9BBB-925A-84B54A077414}"/>
                 </a:ext>
               </a:extLst>
             </p:cNvPr>
@@ -4141,7 +4141,7 @@
               <p:cNvPr id="29" name="Object 29">
                 <a:extLst>
                   <a:ext uri="{FF2B5EF4-FFF2-40B4-BE49-F238E27FC236}">
-                    <a16:creationId xmlns:a16="http://schemas.microsoft.com/office/drawing/2014/main" xmlns="" id="{7B078609-4286-7B00-51EB-809C8E2DE289}"/>
+                    <a16:creationId xmlns:a16="http://schemas.microsoft.com/office/drawing/2014/main" id="{7B078609-4286-7B00-51EB-809C8E2DE289}"/>
                   </a:ext>
                 </a:extLst>
               </p:cNvPr>
@@ -4172,7 +4172,7 @@
             <p:cNvPr id="25" name="그룹 1010">
               <a:extLst>
                 <a:ext uri="{FF2B5EF4-FFF2-40B4-BE49-F238E27FC236}">
-                  <a16:creationId xmlns:a16="http://schemas.microsoft.com/office/drawing/2014/main" xmlns="" id="{02A649BF-B5B5-FBAF-7DFD-E118A4DF8907}"/>
+                  <a16:creationId xmlns:a16="http://schemas.microsoft.com/office/drawing/2014/main" id="{02A649BF-B5B5-FBAF-7DFD-E118A4DF8907}"/>
                 </a:ext>
               </a:extLst>
             </p:cNvPr>
@@ -4192,7 +4192,7 @@
               <p:cNvPr id="28" name="Object 32">
                 <a:extLst>
                   <a:ext uri="{FF2B5EF4-FFF2-40B4-BE49-F238E27FC236}">
-                    <a16:creationId xmlns:a16="http://schemas.microsoft.com/office/drawing/2014/main" xmlns="" id="{2A0FFF23-B3C9-3EA0-1C1B-A87D4FF098AE}"/>
+                    <a16:creationId xmlns:a16="http://schemas.microsoft.com/office/drawing/2014/main" id="{2A0FFF23-B3C9-3EA0-1C1B-A87D4FF098AE}"/>
                   </a:ext>
                 </a:extLst>
               </p:cNvPr>
@@ -4223,7 +4223,7 @@
             <p:cNvPr id="26" name="그룹 1011">
               <a:extLst>
                 <a:ext uri="{FF2B5EF4-FFF2-40B4-BE49-F238E27FC236}">
-                  <a16:creationId xmlns:a16="http://schemas.microsoft.com/office/drawing/2014/main" xmlns="" id="{881F5410-F7FB-F261-A584-707359BAC593}"/>
+                  <a16:creationId xmlns:a16="http://schemas.microsoft.com/office/drawing/2014/main" id="{881F5410-F7FB-F261-A584-707359BAC593}"/>
                 </a:ext>
               </a:extLst>
             </p:cNvPr>
@@ -4243,7 +4243,7 @@
               <p:cNvPr id="27" name="Object 35">
                 <a:extLst>
                   <a:ext uri="{FF2B5EF4-FFF2-40B4-BE49-F238E27FC236}">
-                    <a16:creationId xmlns:a16="http://schemas.microsoft.com/office/drawing/2014/main" xmlns="" id="{4E99E669-73EB-F9F4-EFE8-DC107035C265}"/>
+                    <a16:creationId xmlns:a16="http://schemas.microsoft.com/office/drawing/2014/main" id="{4E99E669-73EB-F9F4-EFE8-DC107035C265}"/>
                   </a:ext>
                 </a:extLst>
               </p:cNvPr>
@@ -4275,7 +4275,7 @@
           <p:cNvPr id="33" name="직선 연결선 32">
             <a:extLst>
               <a:ext uri="{FF2B5EF4-FFF2-40B4-BE49-F238E27FC236}">
-                <a16:creationId xmlns:a16="http://schemas.microsoft.com/office/drawing/2014/main" xmlns="" id="{6A1A37E4-F933-DE44-2EEA-F3A5BBF35584}"/>
+                <a16:creationId xmlns:a16="http://schemas.microsoft.com/office/drawing/2014/main" id="{6A1A37E4-F933-DE44-2EEA-F3A5BBF35584}"/>
               </a:ext>
             </a:extLst>
           </p:cNvPr>
@@ -4366,7 +4366,7 @@
           <p:cNvPr id="38" name="TextBox 37">
             <a:extLst>
               <a:ext uri="{FF2B5EF4-FFF2-40B4-BE49-F238E27FC236}">
-                <a16:creationId xmlns:a16="http://schemas.microsoft.com/office/drawing/2014/main" xmlns="" id="{A2AD056B-97A4-5BCC-4460-250160F3E171}"/>
+                <a16:creationId xmlns:a16="http://schemas.microsoft.com/office/drawing/2014/main" id="{A2AD056B-97A4-5BCC-4460-250160F3E171}"/>
               </a:ext>
             </a:extLst>
           </p:cNvPr>
@@ -4410,7 +4410,7 @@
           <p:cNvPr id="39" name="TextBox 38">
             <a:extLst>
               <a:ext uri="{FF2B5EF4-FFF2-40B4-BE49-F238E27FC236}">
-                <a16:creationId xmlns:a16="http://schemas.microsoft.com/office/drawing/2014/main" xmlns="" id="{52176D31-35F7-8916-46FA-6095EFEC1E49}"/>
+                <a16:creationId xmlns:a16="http://schemas.microsoft.com/office/drawing/2014/main" id="{52176D31-35F7-8916-46FA-6095EFEC1E49}"/>
               </a:ext>
             </a:extLst>
           </p:cNvPr>
@@ -4454,7 +4454,7 @@
           <p:cNvPr id="37" name="표 2">
             <a:extLst>
               <a:ext uri="{FF2B5EF4-FFF2-40B4-BE49-F238E27FC236}">
-                <a16:creationId xmlns:a16="http://schemas.microsoft.com/office/drawing/2014/main" xmlns="" id="{D2CC6F32-611A-E22D-EB8C-52D626A5B319}"/>
+                <a16:creationId xmlns:a16="http://schemas.microsoft.com/office/drawing/2014/main" id="{D2CC6F32-611A-E22D-EB8C-52D626A5B319}"/>
               </a:ext>
             </a:extLst>
           </p:cNvPr>
@@ -4483,21 +4483,21 @@
                 <a:gridCol w="1731833">
                   <a:extLst>
                     <a:ext uri="{9D8B030D-6E8A-4147-A177-3AD203B41FA5}">
-                      <a16:colId xmlns:a16="http://schemas.microsoft.com/office/drawing/2014/main" xmlns="" val="1960770391"/>
+                      <a16:colId xmlns:a16="http://schemas.microsoft.com/office/drawing/2014/main" val="1960770391"/>
                     </a:ext>
                   </a:extLst>
                 </a:gridCol>
                 <a:gridCol w="1752960">
                   <a:extLst>
                     <a:ext uri="{9D8B030D-6E8A-4147-A177-3AD203B41FA5}">
-                      <a16:colId xmlns:a16="http://schemas.microsoft.com/office/drawing/2014/main" xmlns="" val="733308553"/>
+                      <a16:colId xmlns:a16="http://schemas.microsoft.com/office/drawing/2014/main" val="733308553"/>
                     </a:ext>
                   </a:extLst>
                 </a:gridCol>
                 <a:gridCol w="2730951">
                   <a:extLst>
                     <a:ext uri="{9D8B030D-6E8A-4147-A177-3AD203B41FA5}">
-                      <a16:colId xmlns:a16="http://schemas.microsoft.com/office/drawing/2014/main" xmlns="" val="1661322813"/>
+                      <a16:colId xmlns:a16="http://schemas.microsoft.com/office/drawing/2014/main" val="1661322813"/>
                     </a:ext>
                   </a:extLst>
                 </a:gridCol>
@@ -4685,7 +4685,7 @@
                 </a:tc>
                 <a:extLst>
                   <a:ext uri="{0D108BD9-81ED-4DB2-BD59-A6C34878D82A}">
-                    <a16:rowId xmlns:a16="http://schemas.microsoft.com/office/drawing/2014/main" xmlns="" val="2452905565"/>
+                    <a16:rowId xmlns:a16="http://schemas.microsoft.com/office/drawing/2014/main" val="2452905565"/>
                   </a:ext>
                 </a:extLst>
               </a:tr>
@@ -4889,7 +4889,7 @@
                 </a:tc>
                 <a:extLst>
                   <a:ext uri="{0D108BD9-81ED-4DB2-BD59-A6C34878D82A}">
-                    <a16:rowId xmlns:a16="http://schemas.microsoft.com/office/drawing/2014/main" xmlns="" val="3551452526"/>
+                    <a16:rowId xmlns:a16="http://schemas.microsoft.com/office/drawing/2014/main" val="3551452526"/>
                   </a:ext>
                 </a:extLst>
               </a:tr>
@@ -5064,7 +5064,7 @@
                 </a:tc>
                 <a:extLst>
                   <a:ext uri="{0D108BD9-81ED-4DB2-BD59-A6C34878D82A}">
-                    <a16:rowId xmlns:a16="http://schemas.microsoft.com/office/drawing/2014/main" xmlns="" val="3645064171"/>
+                    <a16:rowId xmlns:a16="http://schemas.microsoft.com/office/drawing/2014/main" val="3645064171"/>
                   </a:ext>
                 </a:extLst>
               </a:tr>
@@ -5239,7 +5239,7 @@
                 </a:tc>
                 <a:extLst>
                   <a:ext uri="{0D108BD9-81ED-4DB2-BD59-A6C34878D82A}">
-                    <a16:rowId xmlns:a16="http://schemas.microsoft.com/office/drawing/2014/main" xmlns="" val="2802120283"/>
+                    <a16:rowId xmlns:a16="http://schemas.microsoft.com/office/drawing/2014/main" val="2802120283"/>
                   </a:ext>
                 </a:extLst>
               </a:tr>
@@ -5408,7 +5408,7 @@
                 </a:tc>
                 <a:extLst>
                   <a:ext uri="{0D108BD9-81ED-4DB2-BD59-A6C34878D82A}">
-                    <a16:rowId xmlns:a16="http://schemas.microsoft.com/office/drawing/2014/main" xmlns="" val="1362299918"/>
+                    <a16:rowId xmlns:a16="http://schemas.microsoft.com/office/drawing/2014/main" val="1362299918"/>
                   </a:ext>
                 </a:extLst>
               </a:tr>
@@ -5644,7 +5644,7 @@
                 </a:tc>
                 <a:extLst>
                   <a:ext uri="{0D108BD9-81ED-4DB2-BD59-A6C34878D82A}">
-                    <a16:rowId xmlns:a16="http://schemas.microsoft.com/office/drawing/2014/main" xmlns="" val="2488866604"/>
+                    <a16:rowId xmlns:a16="http://schemas.microsoft.com/office/drawing/2014/main" val="2488866604"/>
                   </a:ext>
                 </a:extLst>
               </a:tr>
@@ -5867,7 +5867,7 @@
                 </a:tc>
                 <a:extLst>
                   <a:ext uri="{0D108BD9-81ED-4DB2-BD59-A6C34878D82A}">
-                    <a16:rowId xmlns:a16="http://schemas.microsoft.com/office/drawing/2014/main" xmlns="" val="2632365449"/>
+                    <a16:rowId xmlns:a16="http://schemas.microsoft.com/office/drawing/2014/main" val="2632365449"/>
                   </a:ext>
                 </a:extLst>
               </a:tr>
@@ -6023,14 +6023,14 @@
                 <a:gridCol w="2688700">
                   <a:extLst>
                     <a:ext uri="{9D8B030D-6E8A-4147-A177-3AD203B41FA5}">
-                      <a16:colId xmlns:a16="http://schemas.microsoft.com/office/drawing/2014/main" xmlns="" val="20000"/>
+                      <a16:colId xmlns:a16="http://schemas.microsoft.com/office/drawing/2014/main" val="20000"/>
                     </a:ext>
                   </a:extLst>
                 </a:gridCol>
                 <a:gridCol w="2721500">
                   <a:extLst>
                     <a:ext uri="{9D8B030D-6E8A-4147-A177-3AD203B41FA5}">
-                      <a16:colId xmlns:a16="http://schemas.microsoft.com/office/drawing/2014/main" xmlns="" val="20001"/>
+                      <a16:colId xmlns:a16="http://schemas.microsoft.com/office/drawing/2014/main" val="20001"/>
                     </a:ext>
                   </a:extLst>
                 </a:gridCol>
@@ -6168,7 +6168,7 @@
                 </a:tc>
                 <a:extLst>
                   <a:ext uri="{0D108BD9-81ED-4DB2-BD59-A6C34878D82A}">
-                    <a16:rowId xmlns:a16="http://schemas.microsoft.com/office/drawing/2014/main" xmlns="" val="10000"/>
+                    <a16:rowId xmlns:a16="http://schemas.microsoft.com/office/drawing/2014/main" val="10000"/>
                   </a:ext>
                 </a:extLst>
               </a:tr>
@@ -6293,7 +6293,7 @@
                 </a:tc>
                 <a:extLst>
                   <a:ext uri="{0D108BD9-81ED-4DB2-BD59-A6C34878D82A}">
-                    <a16:rowId xmlns:a16="http://schemas.microsoft.com/office/drawing/2014/main" xmlns="" val="10001"/>
+                    <a16:rowId xmlns:a16="http://schemas.microsoft.com/office/drawing/2014/main" val="10001"/>
                   </a:ext>
                 </a:extLst>
               </a:tr>
@@ -6418,7 +6418,7 @@
                 </a:tc>
                 <a:extLst>
                   <a:ext uri="{0D108BD9-81ED-4DB2-BD59-A6C34878D82A}">
-                    <a16:rowId xmlns:a16="http://schemas.microsoft.com/office/drawing/2014/main" xmlns="" val="10002"/>
+                    <a16:rowId xmlns:a16="http://schemas.microsoft.com/office/drawing/2014/main" val="10002"/>
                   </a:ext>
                 </a:extLst>
               </a:tr>
@@ -6527,7 +6527,7 @@
                 </a:tc>
                 <a:extLst>
                   <a:ext uri="{0D108BD9-81ED-4DB2-BD59-A6C34878D82A}">
-                    <a16:rowId xmlns:a16="http://schemas.microsoft.com/office/drawing/2014/main" xmlns="" val="10003"/>
+                    <a16:rowId xmlns:a16="http://schemas.microsoft.com/office/drawing/2014/main" val="10003"/>
                   </a:ext>
                 </a:extLst>
               </a:tr>
@@ -6636,7 +6636,7 @@
                 </a:tc>
                 <a:extLst>
                   <a:ext uri="{0D108BD9-81ED-4DB2-BD59-A6C34878D82A}">
-                    <a16:rowId xmlns:a16="http://schemas.microsoft.com/office/drawing/2014/main" xmlns="" val="10004"/>
+                    <a16:rowId xmlns:a16="http://schemas.microsoft.com/office/drawing/2014/main" val="10004"/>
                   </a:ext>
                 </a:extLst>
               </a:tr>
@@ -6745,7 +6745,7 @@
                 </a:tc>
                 <a:extLst>
                   <a:ext uri="{0D108BD9-81ED-4DB2-BD59-A6C34878D82A}">
-                    <a16:rowId xmlns:a16="http://schemas.microsoft.com/office/drawing/2014/main" xmlns="" val="10005"/>
+                    <a16:rowId xmlns:a16="http://schemas.microsoft.com/office/drawing/2014/main" val="10005"/>
                   </a:ext>
                 </a:extLst>
               </a:tr>
@@ -6854,7 +6854,7 @@
                 </a:tc>
                 <a:extLst>
                   <a:ext uri="{0D108BD9-81ED-4DB2-BD59-A6C34878D82A}">
-                    <a16:rowId xmlns:a16="http://schemas.microsoft.com/office/drawing/2014/main" xmlns="" val="10006"/>
+                    <a16:rowId xmlns:a16="http://schemas.microsoft.com/office/drawing/2014/main" val="10006"/>
                   </a:ext>
                 </a:extLst>
               </a:tr>
@@ -6963,7 +6963,7 @@
                 </a:tc>
                 <a:extLst>
                   <a:ext uri="{0D108BD9-81ED-4DB2-BD59-A6C34878D82A}">
-                    <a16:rowId xmlns:a16="http://schemas.microsoft.com/office/drawing/2014/main" xmlns="" val="10007"/>
+                    <a16:rowId xmlns:a16="http://schemas.microsoft.com/office/drawing/2014/main" val="10007"/>
                   </a:ext>
                 </a:extLst>
               </a:tr>
@@ -7072,7 +7072,7 @@
                 </a:tc>
                 <a:extLst>
                   <a:ext uri="{0D108BD9-81ED-4DB2-BD59-A6C34878D82A}">
-                    <a16:rowId xmlns:a16="http://schemas.microsoft.com/office/drawing/2014/main" xmlns="" val="10008"/>
+                    <a16:rowId xmlns:a16="http://schemas.microsoft.com/office/drawing/2014/main" val="10008"/>
                   </a:ext>
                 </a:extLst>
               </a:tr>
@@ -7197,7 +7197,7 @@
                 </a:tc>
                 <a:extLst>
                   <a:ext uri="{0D108BD9-81ED-4DB2-BD59-A6C34878D82A}">
-                    <a16:rowId xmlns:a16="http://schemas.microsoft.com/office/drawing/2014/main" xmlns="" val="10009"/>
+                    <a16:rowId xmlns:a16="http://schemas.microsoft.com/office/drawing/2014/main" val="10009"/>
                   </a:ext>
                 </a:extLst>
               </a:tr>
@@ -7306,7 +7306,7 @@
                 </a:tc>
                 <a:extLst>
                   <a:ext uri="{0D108BD9-81ED-4DB2-BD59-A6C34878D82A}">
-                    <a16:rowId xmlns:a16="http://schemas.microsoft.com/office/drawing/2014/main" xmlns="" val="10010"/>
+                    <a16:rowId xmlns:a16="http://schemas.microsoft.com/office/drawing/2014/main" val="10010"/>
                   </a:ext>
                 </a:extLst>
               </a:tr>
@@ -7319,7 +7319,7 @@
           <p:cNvPr id="42" name="TextBox 41">
             <a:extLst>
               <a:ext uri="{FF2B5EF4-FFF2-40B4-BE49-F238E27FC236}">
-                <a16:creationId xmlns:a16="http://schemas.microsoft.com/office/drawing/2014/main" xmlns="" id="{DF7DDD33-9412-2802-339A-E55446AC2DA7}"/>
+                <a16:creationId xmlns:a16="http://schemas.microsoft.com/office/drawing/2014/main" id="{DF7DDD33-9412-2802-339A-E55446AC2DA7}"/>
               </a:ext>
             </a:extLst>
           </p:cNvPr>
@@ -7377,7 +7377,7 @@
           <p:cNvPr id="47" name="TextBox 46">
             <a:extLst>
               <a:ext uri="{FF2B5EF4-FFF2-40B4-BE49-F238E27FC236}">
-                <a16:creationId xmlns:a16="http://schemas.microsoft.com/office/drawing/2014/main" xmlns="" id="{DF7DDD33-9412-2802-339A-E55446AC2DA7}"/>
+                <a16:creationId xmlns:a16="http://schemas.microsoft.com/office/drawing/2014/main" id="{DF7DDD33-9412-2802-339A-E55446AC2DA7}"/>
               </a:ext>
             </a:extLst>
           </p:cNvPr>
@@ -7425,7 +7425,7 @@
           <p:cNvPr id="48" name="TextBox 47">
             <a:extLst>
               <a:ext uri="{FF2B5EF4-FFF2-40B4-BE49-F238E27FC236}">
-                <a16:creationId xmlns:a16="http://schemas.microsoft.com/office/drawing/2014/main" xmlns="" id="{DF7DDD33-9412-2802-339A-E55446AC2DA7}"/>
+                <a16:creationId xmlns:a16="http://schemas.microsoft.com/office/drawing/2014/main" id="{DF7DDD33-9412-2802-339A-E55446AC2DA7}"/>
               </a:ext>
             </a:extLst>
           </p:cNvPr>
@@ -7473,7 +7473,7 @@
           <p:cNvPr id="49" name="TextBox 48">
             <a:extLst>
               <a:ext uri="{FF2B5EF4-FFF2-40B4-BE49-F238E27FC236}">
-                <a16:creationId xmlns:a16="http://schemas.microsoft.com/office/drawing/2014/main" xmlns="" id="{DF7DDD33-9412-2802-339A-E55446AC2DA7}"/>
+                <a16:creationId xmlns:a16="http://schemas.microsoft.com/office/drawing/2014/main" id="{DF7DDD33-9412-2802-339A-E55446AC2DA7}"/>
               </a:ext>
             </a:extLst>
           </p:cNvPr>
@@ -7531,7 +7531,7 @@
           <p:cNvPr id="50" name="TextBox 49">
             <a:extLst>
               <a:ext uri="{FF2B5EF4-FFF2-40B4-BE49-F238E27FC236}">
-                <a16:creationId xmlns:a16="http://schemas.microsoft.com/office/drawing/2014/main" xmlns="" id="{DF7DDD33-9412-2802-339A-E55446AC2DA7}"/>
+                <a16:creationId xmlns:a16="http://schemas.microsoft.com/office/drawing/2014/main" id="{DF7DDD33-9412-2802-339A-E55446AC2DA7}"/>
               </a:ext>
             </a:extLst>
           </p:cNvPr>
@@ -7579,7 +7579,7 @@
           <p:cNvPr id="51" name="TextBox 50">
             <a:extLst>
               <a:ext uri="{FF2B5EF4-FFF2-40B4-BE49-F238E27FC236}">
-                <a16:creationId xmlns:a16="http://schemas.microsoft.com/office/drawing/2014/main" xmlns="" id="{DF7DDD33-9412-2802-339A-E55446AC2DA7}"/>
+                <a16:creationId xmlns:a16="http://schemas.microsoft.com/office/drawing/2014/main" id="{DF7DDD33-9412-2802-339A-E55446AC2DA7}"/>
               </a:ext>
             </a:extLst>
           </p:cNvPr>
@@ -7637,7 +7637,7 @@
           <p:cNvPr id="52" name="TextBox 51">
             <a:extLst>
               <a:ext uri="{FF2B5EF4-FFF2-40B4-BE49-F238E27FC236}">
-                <a16:creationId xmlns:a16="http://schemas.microsoft.com/office/drawing/2014/main" xmlns="" id="{DF7DDD33-9412-2802-339A-E55446AC2DA7}"/>
+                <a16:creationId xmlns:a16="http://schemas.microsoft.com/office/drawing/2014/main" id="{DF7DDD33-9412-2802-339A-E55446AC2DA7}"/>
               </a:ext>
             </a:extLst>
           </p:cNvPr>
@@ -7685,7 +7685,7 @@
           <p:cNvPr id="53" name="TextBox 52">
             <a:extLst>
               <a:ext uri="{FF2B5EF4-FFF2-40B4-BE49-F238E27FC236}">
-                <a16:creationId xmlns:a16="http://schemas.microsoft.com/office/drawing/2014/main" xmlns="" id="{DF7DDD33-9412-2802-339A-E55446AC2DA7}"/>
+                <a16:creationId xmlns:a16="http://schemas.microsoft.com/office/drawing/2014/main" id="{DF7DDD33-9412-2802-339A-E55446AC2DA7}"/>
               </a:ext>
             </a:extLst>
           </p:cNvPr>
@@ -7743,7 +7743,7 @@
           <p:cNvPr id="54" name="TextBox 53">
             <a:extLst>
               <a:ext uri="{FF2B5EF4-FFF2-40B4-BE49-F238E27FC236}">
-                <a16:creationId xmlns:a16="http://schemas.microsoft.com/office/drawing/2014/main" xmlns="" id="{DF7DDD33-9412-2802-339A-E55446AC2DA7}"/>
+                <a16:creationId xmlns:a16="http://schemas.microsoft.com/office/drawing/2014/main" id="{DF7DDD33-9412-2802-339A-E55446AC2DA7}"/>
               </a:ext>
             </a:extLst>
           </p:cNvPr>
@@ -7791,7 +7791,7 @@
           <p:cNvPr id="55" name="TextBox 54">
             <a:extLst>
               <a:ext uri="{FF2B5EF4-FFF2-40B4-BE49-F238E27FC236}">
-                <a16:creationId xmlns:a16="http://schemas.microsoft.com/office/drawing/2014/main" xmlns="" id="{DF7DDD33-9412-2802-339A-E55446AC2DA7}"/>
+                <a16:creationId xmlns:a16="http://schemas.microsoft.com/office/drawing/2014/main" id="{DF7DDD33-9412-2802-339A-E55446AC2DA7}"/>
               </a:ext>
             </a:extLst>
           </p:cNvPr>
@@ -7863,7 +7863,7 @@
             <p:cNvPr id="57" name="직선 연결선 56">
               <a:extLst>
                 <a:ext uri="{FF2B5EF4-FFF2-40B4-BE49-F238E27FC236}">
-                  <a16:creationId xmlns:a16="http://schemas.microsoft.com/office/drawing/2014/main" xmlns="" id="{1172879B-889D-0C2F-EEA8-003E6793F36F}"/>
+                  <a16:creationId xmlns:a16="http://schemas.microsoft.com/office/drawing/2014/main" id="{1172879B-889D-0C2F-EEA8-003E6793F36F}"/>
                 </a:ext>
               </a:extLst>
             </p:cNvPr>
@@ -7906,7 +7906,7 @@
             <p:cNvPr id="58" name="직선 연결선 57">
               <a:extLst>
                 <a:ext uri="{FF2B5EF4-FFF2-40B4-BE49-F238E27FC236}">
-                  <a16:creationId xmlns:a16="http://schemas.microsoft.com/office/drawing/2014/main" xmlns="" id="{1172879B-889D-0C2F-EEA8-003E6793F36F}"/>
+                  <a16:creationId xmlns:a16="http://schemas.microsoft.com/office/drawing/2014/main" id="{1172879B-889D-0C2F-EEA8-003E6793F36F}"/>
                 </a:ext>
               </a:extLst>
             </p:cNvPr>
@@ -7949,7 +7949,7 @@
             <p:cNvPr id="59" name="직선 연결선 58">
               <a:extLst>
                 <a:ext uri="{FF2B5EF4-FFF2-40B4-BE49-F238E27FC236}">
-                  <a16:creationId xmlns:a16="http://schemas.microsoft.com/office/drawing/2014/main" xmlns="" id="{1172879B-889D-0C2F-EEA8-003E6793F36F}"/>
+                  <a16:creationId xmlns:a16="http://schemas.microsoft.com/office/drawing/2014/main" id="{1172879B-889D-0C2F-EEA8-003E6793F36F}"/>
                 </a:ext>
               </a:extLst>
             </p:cNvPr>
@@ -7992,7 +7992,7 @@
             <p:cNvPr id="60" name="직선 연결선 59">
               <a:extLst>
                 <a:ext uri="{FF2B5EF4-FFF2-40B4-BE49-F238E27FC236}">
-                  <a16:creationId xmlns:a16="http://schemas.microsoft.com/office/drawing/2014/main" xmlns="" id="{1172879B-889D-0C2F-EEA8-003E6793F36F}"/>
+                  <a16:creationId xmlns:a16="http://schemas.microsoft.com/office/drawing/2014/main" id="{1172879B-889D-0C2F-EEA8-003E6793F36F}"/>
                 </a:ext>
               </a:extLst>
             </p:cNvPr>
@@ -8036,7 +8036,7 @@
           <p:cNvPr id="61" name="직선 연결선 60">
             <a:extLst>
               <a:ext uri="{FF2B5EF4-FFF2-40B4-BE49-F238E27FC236}">
-                <a16:creationId xmlns:a16="http://schemas.microsoft.com/office/drawing/2014/main" xmlns="" id="{466D5656-813B-296D-F08F-2E57C8EBA1E1}"/>
+                <a16:creationId xmlns:a16="http://schemas.microsoft.com/office/drawing/2014/main" id="{466D5656-813B-296D-F08F-2E57C8EBA1E1}"/>
               </a:ext>
             </a:extLst>
           </p:cNvPr>
@@ -8120,7 +8120,7 @@
           <p:cNvPr id="2" name="TextBox 1">
             <a:extLst>
               <a:ext uri="{FF2B5EF4-FFF2-40B4-BE49-F238E27FC236}">
-                <a16:creationId xmlns:a16="http://schemas.microsoft.com/office/drawing/2014/main" xmlns="" id="{A92A45D9-B960-EF50-398E-26A3F43BF41A}"/>
+                <a16:creationId xmlns:a16="http://schemas.microsoft.com/office/drawing/2014/main" id="{A92A45D9-B960-EF50-398E-26A3F43BF41A}"/>
               </a:ext>
             </a:extLst>
           </p:cNvPr>
@@ -15515,7 +15515,7 @@
           <p:cNvPr id="4" name="그룹 1018">
             <a:extLst>
               <a:ext uri="{FF2B5EF4-FFF2-40B4-BE49-F238E27FC236}">
-                <a16:creationId xmlns:a16="http://schemas.microsoft.com/office/drawing/2014/main" xmlns="" id="{0C5247D1-E285-7CDC-25F8-F1ABCDE304BE}"/>
+                <a16:creationId xmlns:a16="http://schemas.microsoft.com/office/drawing/2014/main" id="{0C5247D1-E285-7CDC-25F8-F1ABCDE304BE}"/>
               </a:ext>
             </a:extLst>
           </p:cNvPr>
@@ -15535,7 +15535,7 @@
             <p:cNvPr id="5" name="Object 61">
               <a:extLst>
                 <a:ext uri="{FF2B5EF4-FFF2-40B4-BE49-F238E27FC236}">
-                  <a16:creationId xmlns:a16="http://schemas.microsoft.com/office/drawing/2014/main" xmlns="" id="{29C480AF-46D1-D9A5-6C87-226E5620D948}"/>
+                  <a16:creationId xmlns:a16="http://schemas.microsoft.com/office/drawing/2014/main" id="{29C480AF-46D1-D9A5-6C87-226E5620D948}"/>
                 </a:ext>
               </a:extLst>
             </p:cNvPr>
@@ -15566,7 +15566,7 @@
           <p:cNvPr id="6" name="그룹 1018">
             <a:extLst>
               <a:ext uri="{FF2B5EF4-FFF2-40B4-BE49-F238E27FC236}">
-                <a16:creationId xmlns:a16="http://schemas.microsoft.com/office/drawing/2014/main" xmlns="" id="{F53BC57C-78A5-6AFC-CB34-7E3FD29B339F}"/>
+                <a16:creationId xmlns:a16="http://schemas.microsoft.com/office/drawing/2014/main" id="{F53BC57C-78A5-6AFC-CB34-7E3FD29B339F}"/>
               </a:ext>
             </a:extLst>
           </p:cNvPr>
@@ -15586,7 +15586,7 @@
             <p:cNvPr id="7" name="Object 61">
               <a:extLst>
                 <a:ext uri="{FF2B5EF4-FFF2-40B4-BE49-F238E27FC236}">
-                  <a16:creationId xmlns:a16="http://schemas.microsoft.com/office/drawing/2014/main" xmlns="" id="{E6F73685-14E5-06A9-813C-1C372BD6F4DE}"/>
+                  <a16:creationId xmlns:a16="http://schemas.microsoft.com/office/drawing/2014/main" id="{E6F73685-14E5-06A9-813C-1C372BD6F4DE}"/>
                 </a:ext>
               </a:extLst>
             </p:cNvPr>
@@ -15617,7 +15617,7 @@
           <p:cNvPr id="11" name="직선 연결선 10">
             <a:extLst>
               <a:ext uri="{FF2B5EF4-FFF2-40B4-BE49-F238E27FC236}">
-                <a16:creationId xmlns:a16="http://schemas.microsoft.com/office/drawing/2014/main" xmlns="" id="{466D5656-813B-296D-F08F-2E57C8EBA1E1}"/>
+                <a16:creationId xmlns:a16="http://schemas.microsoft.com/office/drawing/2014/main" id="{466D5656-813B-296D-F08F-2E57C8EBA1E1}"/>
               </a:ext>
             </a:extLst>
           </p:cNvPr>
@@ -15660,7 +15660,7 @@
           <p:cNvPr id="13" name="그룹 1018">
             <a:extLst>
               <a:ext uri="{FF2B5EF4-FFF2-40B4-BE49-F238E27FC236}">
-                <a16:creationId xmlns:a16="http://schemas.microsoft.com/office/drawing/2014/main" xmlns="" id="{6422EA0E-12C8-4264-ABC7-17F8CE933867}"/>
+                <a16:creationId xmlns:a16="http://schemas.microsoft.com/office/drawing/2014/main" id="{6422EA0E-12C8-4264-ABC7-17F8CE933867}"/>
               </a:ext>
             </a:extLst>
           </p:cNvPr>
@@ -15680,7 +15680,7 @@
             <p:cNvPr id="14" name="Object 61">
               <a:extLst>
                 <a:ext uri="{FF2B5EF4-FFF2-40B4-BE49-F238E27FC236}">
-                  <a16:creationId xmlns:a16="http://schemas.microsoft.com/office/drawing/2014/main" xmlns="" id="{B8EE3D0F-6DDF-413D-3D54-0B0C4905D65D}"/>
+                  <a16:creationId xmlns:a16="http://schemas.microsoft.com/office/drawing/2014/main" id="{B8EE3D0F-6DDF-413D-3D54-0B0C4905D65D}"/>
                 </a:ext>
               </a:extLst>
             </p:cNvPr>
@@ -15711,7 +15711,7 @@
           <p:cNvPr id="15" name="그룹 1018">
             <a:extLst>
               <a:ext uri="{FF2B5EF4-FFF2-40B4-BE49-F238E27FC236}">
-                <a16:creationId xmlns:a16="http://schemas.microsoft.com/office/drawing/2014/main" xmlns="" id="{11F8DF7C-F95F-B0B5-FC7F-85E369D002C6}"/>
+                <a16:creationId xmlns:a16="http://schemas.microsoft.com/office/drawing/2014/main" id="{11F8DF7C-F95F-B0B5-FC7F-85E369D002C6}"/>
               </a:ext>
             </a:extLst>
           </p:cNvPr>
@@ -15731,7 +15731,7 @@
             <p:cNvPr id="16" name="Object 61">
               <a:extLst>
                 <a:ext uri="{FF2B5EF4-FFF2-40B4-BE49-F238E27FC236}">
-                  <a16:creationId xmlns:a16="http://schemas.microsoft.com/office/drawing/2014/main" xmlns="" id="{B8B15D9F-D5FD-93DD-D076-037E1D6FFEC7}"/>
+                  <a16:creationId xmlns:a16="http://schemas.microsoft.com/office/drawing/2014/main" id="{B8B15D9F-D5FD-93DD-D076-037E1D6FFEC7}"/>
                 </a:ext>
               </a:extLst>
             </p:cNvPr>
@@ -15762,7 +15762,7 @@
           <p:cNvPr id="17" name="직선 연결선 16">
             <a:extLst>
               <a:ext uri="{FF2B5EF4-FFF2-40B4-BE49-F238E27FC236}">
-                <a16:creationId xmlns:a16="http://schemas.microsoft.com/office/drawing/2014/main" xmlns="" id="{450E9148-0C3A-3B85-23E5-E1D1C0997659}"/>
+                <a16:creationId xmlns:a16="http://schemas.microsoft.com/office/drawing/2014/main" id="{450E9148-0C3A-3B85-23E5-E1D1C0997659}"/>
               </a:ext>
             </a:extLst>
           </p:cNvPr>
@@ -15806,7 +15806,7 @@
           <p:cNvPr id="20" name="TextBox 19">
             <a:extLst>
               <a:ext uri="{FF2B5EF4-FFF2-40B4-BE49-F238E27FC236}">
-                <a16:creationId xmlns:a16="http://schemas.microsoft.com/office/drawing/2014/main" xmlns="" id="{A06D4055-10A8-4A24-5EDC-0761473BA40F}"/>
+                <a16:creationId xmlns:a16="http://schemas.microsoft.com/office/drawing/2014/main" id="{A06D4055-10A8-4A24-5EDC-0761473BA40F}"/>
               </a:ext>
             </a:extLst>
           </p:cNvPr>
@@ -15850,7 +15850,7 @@
           <p:cNvPr id="21" name="TextBox 20">
             <a:extLst>
               <a:ext uri="{FF2B5EF4-FFF2-40B4-BE49-F238E27FC236}">
-                <a16:creationId xmlns:a16="http://schemas.microsoft.com/office/drawing/2014/main" xmlns="" id="{044C5ACF-17B6-5920-7904-E16248F54A6A}"/>
+                <a16:creationId xmlns:a16="http://schemas.microsoft.com/office/drawing/2014/main" id="{044C5ACF-17B6-5920-7904-E16248F54A6A}"/>
               </a:ext>
             </a:extLst>
           </p:cNvPr>
@@ -15894,7 +15894,7 @@
           <p:cNvPr id="22" name="TextBox 21">
             <a:extLst>
               <a:ext uri="{FF2B5EF4-FFF2-40B4-BE49-F238E27FC236}">
-                <a16:creationId xmlns:a16="http://schemas.microsoft.com/office/drawing/2014/main" xmlns="" id="{A7091AF6-2AB0-08A8-8A31-E96D2EBC6A65}"/>
+                <a16:creationId xmlns:a16="http://schemas.microsoft.com/office/drawing/2014/main" id="{A7091AF6-2AB0-08A8-8A31-E96D2EBC6A65}"/>
               </a:ext>
             </a:extLst>
           </p:cNvPr>
@@ -15938,7 +15938,7 @@
           <p:cNvPr id="23" name="TextBox 22">
             <a:extLst>
               <a:ext uri="{FF2B5EF4-FFF2-40B4-BE49-F238E27FC236}">
-                <a16:creationId xmlns:a16="http://schemas.microsoft.com/office/drawing/2014/main" xmlns="" id="{101E227B-A9BD-20A0-66DD-A013FA376D02}"/>
+                <a16:creationId xmlns:a16="http://schemas.microsoft.com/office/drawing/2014/main" id="{101E227B-A9BD-20A0-66DD-A013FA376D02}"/>
               </a:ext>
             </a:extLst>
           </p:cNvPr>
@@ -15996,7 +15996,7 @@
             <p:cNvPr id="9" name="직선 연결선 8">
               <a:extLst>
                 <a:ext uri="{FF2B5EF4-FFF2-40B4-BE49-F238E27FC236}">
-                  <a16:creationId xmlns:a16="http://schemas.microsoft.com/office/drawing/2014/main" xmlns="" id="{1172879B-889D-0C2F-EEA8-003E6793F36F}"/>
+                  <a16:creationId xmlns:a16="http://schemas.microsoft.com/office/drawing/2014/main" id="{1172879B-889D-0C2F-EEA8-003E6793F36F}"/>
                 </a:ext>
               </a:extLst>
             </p:cNvPr>
@@ -16039,7 +16039,7 @@
             <p:cNvPr id="24" name="직선 연결선 23">
               <a:extLst>
                 <a:ext uri="{FF2B5EF4-FFF2-40B4-BE49-F238E27FC236}">
-                  <a16:creationId xmlns:a16="http://schemas.microsoft.com/office/drawing/2014/main" xmlns="" id="{1172879B-889D-0C2F-EEA8-003E6793F36F}"/>
+                  <a16:creationId xmlns:a16="http://schemas.microsoft.com/office/drawing/2014/main" id="{1172879B-889D-0C2F-EEA8-003E6793F36F}"/>
                 </a:ext>
               </a:extLst>
             </p:cNvPr>
@@ -16082,7 +16082,7 @@
             <p:cNvPr id="25" name="직선 연결선 24">
               <a:extLst>
                 <a:ext uri="{FF2B5EF4-FFF2-40B4-BE49-F238E27FC236}">
-                  <a16:creationId xmlns:a16="http://schemas.microsoft.com/office/drawing/2014/main" xmlns="" id="{1172879B-889D-0C2F-EEA8-003E6793F36F}"/>
+                  <a16:creationId xmlns:a16="http://schemas.microsoft.com/office/drawing/2014/main" id="{1172879B-889D-0C2F-EEA8-003E6793F36F}"/>
                 </a:ext>
               </a:extLst>
             </p:cNvPr>
@@ -16125,7 +16125,7 @@
             <p:cNvPr id="30" name="직선 연결선 29">
               <a:extLst>
                 <a:ext uri="{FF2B5EF4-FFF2-40B4-BE49-F238E27FC236}">
-                  <a16:creationId xmlns:a16="http://schemas.microsoft.com/office/drawing/2014/main" xmlns="" id="{1172879B-889D-0C2F-EEA8-003E6793F36F}"/>
+                  <a16:creationId xmlns:a16="http://schemas.microsoft.com/office/drawing/2014/main" id="{1172879B-889D-0C2F-EEA8-003E6793F36F}"/>
                 </a:ext>
               </a:extLst>
             </p:cNvPr>
@@ -16169,7 +16169,7 @@
           <p:cNvPr id="2" name="TextBox 1">
             <a:extLst>
               <a:ext uri="{FF2B5EF4-FFF2-40B4-BE49-F238E27FC236}">
-                <a16:creationId xmlns:a16="http://schemas.microsoft.com/office/drawing/2014/main" xmlns="" id="{06954172-7EF0-CE8C-73EC-25E928EC1B7D}"/>
+                <a16:creationId xmlns:a16="http://schemas.microsoft.com/office/drawing/2014/main" id="{06954172-7EF0-CE8C-73EC-25E928EC1B7D}"/>
               </a:ext>
             </a:extLst>
           </p:cNvPr>
@@ -16217,7 +16217,7 @@
           <p:cNvPr id="3" name="직사각형 2">
             <a:extLst>
               <a:ext uri="{FF2B5EF4-FFF2-40B4-BE49-F238E27FC236}">
-                <a16:creationId xmlns:a16="http://schemas.microsoft.com/office/drawing/2014/main" xmlns="" id="{29F1D9FA-D3AF-5E6D-24AC-E65D22A0D7A0}"/>
+                <a16:creationId xmlns:a16="http://schemas.microsoft.com/office/drawing/2014/main" id="{29F1D9FA-D3AF-5E6D-24AC-E65D22A0D7A0}"/>
               </a:ext>
             </a:extLst>
           </p:cNvPr>
@@ -16269,7 +16269,7 @@
           <p:cNvPr id="8" name="TextBox 7">
             <a:extLst>
               <a:ext uri="{FF2B5EF4-FFF2-40B4-BE49-F238E27FC236}">
-                <a16:creationId xmlns:a16="http://schemas.microsoft.com/office/drawing/2014/main" xmlns="" id="{3CDC1150-AB9C-B8B4-624C-8B864CBAC5DD}"/>
+                <a16:creationId xmlns:a16="http://schemas.microsoft.com/office/drawing/2014/main" id="{3CDC1150-AB9C-B8B4-624C-8B864CBAC5DD}"/>
               </a:ext>
             </a:extLst>
           </p:cNvPr>
@@ -16643,7 +16643,7 @@
           <p:cNvPr id="10" name="직사각형 9">
             <a:extLst>
               <a:ext uri="{FF2B5EF4-FFF2-40B4-BE49-F238E27FC236}">
-                <a16:creationId xmlns:a16="http://schemas.microsoft.com/office/drawing/2014/main" xmlns="" id="{361FA442-8171-4EBF-65A2-19C90654959D}"/>
+                <a16:creationId xmlns:a16="http://schemas.microsoft.com/office/drawing/2014/main" id="{361FA442-8171-4EBF-65A2-19C90654959D}"/>
               </a:ext>
             </a:extLst>
           </p:cNvPr>
@@ -16695,7 +16695,7 @@
           <p:cNvPr id="12" name="TextBox 11">
             <a:extLst>
               <a:ext uri="{FF2B5EF4-FFF2-40B4-BE49-F238E27FC236}">
-                <a16:creationId xmlns:a16="http://schemas.microsoft.com/office/drawing/2014/main" xmlns="" id="{909B8AE9-459C-C458-C52F-C85F69813361}"/>
+                <a16:creationId xmlns:a16="http://schemas.microsoft.com/office/drawing/2014/main" id="{909B8AE9-459C-C458-C52F-C85F69813361}"/>
               </a:ext>
             </a:extLst>
           </p:cNvPr>
@@ -20979,7 +20979,7 @@
           <p:cNvPr id="4" name="TextBox 3">
             <a:extLst>
               <a:ext uri="{FF2B5EF4-FFF2-40B4-BE49-F238E27FC236}">
-                <a16:creationId xmlns:a16="http://schemas.microsoft.com/office/drawing/2014/main" xmlns="" id="{69196D22-2A4C-4EF6-5A42-2031D7FEF549}"/>
+                <a16:creationId xmlns:a16="http://schemas.microsoft.com/office/drawing/2014/main" id="{69196D22-2A4C-4EF6-5A42-2031D7FEF549}"/>
               </a:ext>
             </a:extLst>
           </p:cNvPr>
@@ -20988,7 +20988,7 @@
         </p:nvSpPr>
         <p:spPr>
           <a:xfrm>
-            <a:off x="304800" y="246689"/>
+            <a:off x="304800" y="114300"/>
             <a:ext cx="4343400" cy="923330"/>
           </a:xfrm>
           <a:prstGeom prst="rect">
@@ -21003,7 +21003,7 @@
           <a:lstStyle/>
           <a:p>
             <a:r>
-              <a:rPr lang="ko-KR" altLang="en-US" sz="5400" spc="-300">
+              <a:rPr lang="ko-KR" altLang="en-US" sz="5400" spc="-300" dirty="0">
                 <a:solidFill>
                   <a:srgbClr val="4C50BC"/>
                 </a:solidFill>
@@ -21027,7 +21027,7 @@
           <p:cNvPr id="5" name="직선 연결선 4">
             <a:extLst>
               <a:ext uri="{FF2B5EF4-FFF2-40B4-BE49-F238E27FC236}">
-                <a16:creationId xmlns:a16="http://schemas.microsoft.com/office/drawing/2014/main" xmlns="" id="{DDFA97EB-659B-5D0A-D41B-496A6FF66D9E}"/>
+                <a16:creationId xmlns:a16="http://schemas.microsoft.com/office/drawing/2014/main" id="{DDFA97EB-659B-5D0A-D41B-496A6FF66D9E}"/>
               </a:ext>
             </a:extLst>
           </p:cNvPr>
@@ -21038,7 +21038,7 @@
         </p:nvCxnSpPr>
         <p:spPr>
           <a:xfrm flipH="1" flipV="1">
-            <a:off x="0" y="1104900"/>
+            <a:off x="-13447" y="972511"/>
             <a:ext cx="18288000" cy="65119"/>
           </a:xfrm>
           <a:prstGeom prst="line">
@@ -21070,7 +21070,7 @@
           <p:cNvPr id="6" name="TextBox 5">
             <a:extLst>
               <a:ext uri="{FF2B5EF4-FFF2-40B4-BE49-F238E27FC236}">
-                <a16:creationId xmlns:a16="http://schemas.microsoft.com/office/drawing/2014/main" xmlns="" id="{B1C05CB3-45A9-FA20-A8E0-BE6F095B8777}"/>
+                <a16:creationId xmlns:a16="http://schemas.microsoft.com/office/drawing/2014/main" id="{B1C05CB3-45A9-FA20-A8E0-BE6F095B8777}"/>
               </a:ext>
             </a:extLst>
           </p:cNvPr>
@@ -21079,7 +21079,7 @@
         </p:nvSpPr>
         <p:spPr>
           <a:xfrm>
-            <a:off x="762000" y="1485900"/>
+            <a:off x="762000" y="1201111"/>
             <a:ext cx="14167562" cy="646331"/>
           </a:xfrm>
           <a:prstGeom prst="rect">
@@ -21098,7 +21098,7 @@
               <a:buChar char="•"/>
             </a:pPr>
             <a:r>
-              <a:rPr lang="ko-KR" altLang="en-US" sz="3600">
+              <a:rPr lang="ko-KR" altLang="en-US" sz="3600" dirty="0">
                 <a:solidFill>
                   <a:schemeClr val="tx1">
                     <a:lumMod val="50000"/>
@@ -21108,10 +21108,36 @@
                 <a:latin typeface="G마켓 산스 Medium" panose="02000000000000000000" pitchFamily="50" charset="-127"/>
                 <a:ea typeface="G마켓 산스 Medium" panose="02000000000000000000" pitchFamily="50" charset="-127"/>
               </a:rPr>
-              <a:t>부모의 멤버변수와 멤버메서드를 자식에게 상속한다</a:t>
+              <a:t>부모의 멤버변수와 </a:t>
             </a:r>
             <a:r>
-              <a:rPr lang="en-US" altLang="ko-KR" sz="3600">
+              <a:rPr lang="ko-KR" altLang="en-US" sz="3600" dirty="0" err="1">
+                <a:solidFill>
+                  <a:schemeClr val="tx1">
+                    <a:lumMod val="50000"/>
+                    <a:lumOff val="50000"/>
+                  </a:schemeClr>
+                </a:solidFill>
+                <a:latin typeface="G마켓 산스 Medium" panose="02000000000000000000" pitchFamily="50" charset="-127"/>
+                <a:ea typeface="G마켓 산스 Medium" panose="02000000000000000000" pitchFamily="50" charset="-127"/>
+              </a:rPr>
+              <a:t>멤버메서드를</a:t>
+            </a:r>
+            <a:r>
+              <a:rPr lang="ko-KR" altLang="en-US" sz="3600" dirty="0">
+                <a:solidFill>
+                  <a:schemeClr val="tx1">
+                    <a:lumMod val="50000"/>
+                    <a:lumOff val="50000"/>
+                  </a:schemeClr>
+                </a:solidFill>
+                <a:latin typeface="G마켓 산스 Medium" panose="02000000000000000000" pitchFamily="50" charset="-127"/>
+                <a:ea typeface="G마켓 산스 Medium" panose="02000000000000000000" pitchFamily="50" charset="-127"/>
+              </a:rPr>
+              <a:t> 자식에게 상속한다</a:t>
+            </a:r>
+            <a:r>
+              <a:rPr lang="en-US" altLang="ko-KR" sz="3600" dirty="0">
                 <a:solidFill>
                   <a:schemeClr val="tx1">
                     <a:lumMod val="50000"/>
@@ -21123,16 +21149,6 @@
               </a:rPr>
               <a:t>.</a:t>
             </a:r>
-            <a:endParaRPr lang="en-US" altLang="ko-KR" sz="3600" dirty="0">
-              <a:solidFill>
-                <a:schemeClr val="tx1">
-                  <a:lumMod val="50000"/>
-                  <a:lumOff val="50000"/>
-                </a:schemeClr>
-              </a:solidFill>
-              <a:latin typeface="G마켓 산스 Medium" panose="02000000000000000000" pitchFamily="50" charset="-127"/>
-              <a:ea typeface="G마켓 산스 Medium" panose="02000000000000000000" pitchFamily="50" charset="-127"/>
-            </a:endParaRPr>
           </a:p>
         </p:txBody>
       </p:sp>

--- a/JavaLecture/LectureFile/샘플.pptx
+++ b/JavaLecture/LectureFile/샘플.pptx
@@ -231,7 +231,7 @@
           <a:p>
             <a:fld id="{3377703C-7B6A-4662-85EE-2E5A30469F49}" type="datetimeFigureOut">
               <a:rPr lang="ko-KR" altLang="en-US" smtClean="0"/>
-              <a:t>2023-11-03 Friday</a:t>
+              <a:t>2023-11-18 Saturday</a:t>
             </a:fld>
             <a:endParaRPr lang="ko-KR" altLang="en-US"/>
           </a:p>
@@ -761,7 +761,7 @@
           <a:p>
             <a:fld id="{F8166F1F-CE9B-4651-A6AA-CD717754106B}" type="datetimeFigureOut">
               <a:rPr lang="en-US" smtClean="0"/>
-              <a:t>11/3/2023</a:t>
+              <a:t>11/18/2023</a:t>
             </a:fld>
             <a:endParaRPr lang="en-US"/>
           </a:p>
@@ -924,7 +924,7 @@
           <a:p>
             <a:fld id="{A76116CE-C4A3-4A05-B2D7-7C2E9A889C0F}" type="datetimeFigureOut">
               <a:rPr lang="en-US" smtClean="0"/>
-              <a:t>11/3/2023</a:t>
+              <a:t>11/18/2023</a:t>
             </a:fld>
             <a:endParaRPr lang="en-US"/>
           </a:p>
@@ -1097,7 +1097,7 @@
           <a:p>
             <a:fld id="{A76116CE-C4A3-4A05-B2D7-7C2E9A889C0F}" type="datetimeFigureOut">
               <a:rPr lang="en-US" smtClean="0"/>
-              <a:t>11/3/2023</a:t>
+              <a:t>11/18/2023</a:t>
             </a:fld>
             <a:endParaRPr lang="en-US"/>
           </a:p>
@@ -1262,7 +1262,7 @@
           <a:p>
             <a:fld id="{A76116CE-C4A3-4A05-B2D7-7C2E9A889C0F}" type="datetimeFigureOut">
               <a:rPr lang="en-US" smtClean="0"/>
-              <a:t>11/3/2023</a:t>
+              <a:t>11/18/2023</a:t>
             </a:fld>
             <a:endParaRPr lang="en-US"/>
           </a:p>
@@ -1502,7 +1502,7 @@
           <a:p>
             <a:fld id="{A76116CE-C4A3-4A05-B2D7-7C2E9A889C0F}" type="datetimeFigureOut">
               <a:rPr lang="en-US" smtClean="0"/>
-              <a:t>11/3/2023</a:t>
+              <a:t>11/18/2023</a:t>
             </a:fld>
             <a:endParaRPr lang="en-US"/>
           </a:p>
@@ -1782,7 +1782,7 @@
           <a:p>
             <a:fld id="{A76116CE-C4A3-4A05-B2D7-7C2E9A889C0F}" type="datetimeFigureOut">
               <a:rPr lang="en-US" smtClean="0"/>
-              <a:t>11/3/2023</a:t>
+              <a:t>11/18/2023</a:t>
             </a:fld>
             <a:endParaRPr lang="en-US"/>
           </a:p>
@@ -2196,7 +2196,7 @@
           <a:p>
             <a:fld id="{A76116CE-C4A3-4A05-B2D7-7C2E9A889C0F}" type="datetimeFigureOut">
               <a:rPr lang="en-US" smtClean="0"/>
-              <a:t>11/3/2023</a:t>
+              <a:t>11/18/2023</a:t>
             </a:fld>
             <a:endParaRPr lang="en-US"/>
           </a:p>
@@ -2308,7 +2308,7 @@
           <a:p>
             <a:fld id="{A76116CE-C4A3-4A05-B2D7-7C2E9A889C0F}" type="datetimeFigureOut">
               <a:rPr lang="en-US" smtClean="0"/>
-              <a:t>11/3/2023</a:t>
+              <a:t>11/18/2023</a:t>
             </a:fld>
             <a:endParaRPr lang="en-US"/>
           </a:p>
@@ -2398,7 +2398,7 @@
           <a:p>
             <a:fld id="{A76116CE-C4A3-4A05-B2D7-7C2E9A889C0F}" type="datetimeFigureOut">
               <a:rPr lang="en-US" smtClean="0"/>
-              <a:t>11/3/2023</a:t>
+              <a:t>11/18/2023</a:t>
             </a:fld>
             <a:endParaRPr lang="en-US"/>
           </a:p>
@@ -2668,7 +2668,7 @@
           <a:p>
             <a:fld id="{A76116CE-C4A3-4A05-B2D7-7C2E9A889C0F}" type="datetimeFigureOut">
               <a:rPr lang="en-US" smtClean="0"/>
-              <a:t>11/3/2023</a:t>
+              <a:t>11/18/2023</a:t>
             </a:fld>
             <a:endParaRPr lang="en-US"/>
           </a:p>
@@ -2915,7 +2915,7 @@
           <a:p>
             <a:fld id="{A76116CE-C4A3-4A05-B2D7-7C2E9A889C0F}" type="datetimeFigureOut">
               <a:rPr lang="en-US" smtClean="0"/>
-              <a:t>11/3/2023</a:t>
+              <a:t>11/18/2023</a:t>
             </a:fld>
             <a:endParaRPr lang="en-US"/>
           </a:p>
@@ -3121,7 +3121,7 @@
           <a:p>
             <a:fld id="{F8166F1F-CE9B-4651-A6AA-CD717754106B}" type="datetimeFigureOut">
               <a:rPr lang="en-US" smtClean="0"/>
-              <a:t>11/3/2023</a:t>
+              <a:t>11/18/2023</a:t>
             </a:fld>
             <a:endParaRPr lang="en-US"/>
           </a:p>
@@ -8163,6 +8163,47 @@
           </a:p>
         </p:txBody>
       </p:sp>
+      <p:sp>
+        <p:nvSpPr>
+          <p:cNvPr id="15" name="TextBox 14">
+            <a:extLst>
+              <a:ext uri="{FF2B5EF4-FFF2-40B4-BE49-F238E27FC236}">
+                <a16:creationId xmlns:a16="http://schemas.microsoft.com/office/drawing/2014/main" id="{DED376BB-F528-3894-1736-C0627338EE98}"/>
+              </a:ext>
+            </a:extLst>
+          </p:cNvPr>
+          <p:cNvSpPr txBox="1"/>
+          <p:nvPr/>
+        </p:nvSpPr>
+        <p:spPr>
+          <a:xfrm>
+            <a:off x="1664724" y="9319947"/>
+            <a:ext cx="1611876" cy="646331"/>
+          </a:xfrm>
+          <a:prstGeom prst="rect">
+            <a:avLst/>
+          </a:prstGeom>
+          <a:noFill/>
+        </p:spPr>
+        <p:txBody>
+          <a:bodyPr wrap="square" rtlCol="0">
+            <a:spAutoFit/>
+          </a:bodyPr>
+          <a:lstStyle/>
+          <a:p>
+            <a:r>
+              <a:rPr lang="en-US" altLang="ko-KR" sz="3600" dirty="0">
+                <a:solidFill>
+                  <a:srgbClr val="FF0000"/>
+                </a:solidFill>
+                <a:latin typeface="G마켓 산스 Medium" panose="02000000000000000000" pitchFamily="50" charset="-127"/>
+                <a:ea typeface="G마켓 산스 Medium" panose="02000000000000000000" pitchFamily="50" charset="-127"/>
+              </a:rPr>
+              <a:t>1.</a:t>
+            </a:r>
+          </a:p>
+        </p:txBody>
+      </p:sp>
     </p:spTree>
     <p:extLst>
       <p:ext uri="{BB962C8B-B14F-4D97-AF65-F5344CB8AC3E}">

--- a/JavaLecture/LectureFile/샘플.pptx
+++ b/JavaLecture/LectureFile/샘플.pptx
@@ -5,33 +5,34 @@
     <p:sldMasterId id="2147483648" r:id="rId1"/>
   </p:sldMasterIdLst>
   <p:notesMasterIdLst>
-    <p:notesMasterId r:id="rId26"/>
+    <p:notesMasterId r:id="rId27"/>
   </p:notesMasterIdLst>
   <p:sldIdLst>
     <p:sldId id="276" r:id="rId2"/>
     <p:sldId id="278" r:id="rId3"/>
     <p:sldId id="279" r:id="rId4"/>
-    <p:sldId id="256" r:id="rId5"/>
-    <p:sldId id="257" r:id="rId6"/>
-    <p:sldId id="258" r:id="rId7"/>
-    <p:sldId id="259" r:id="rId8"/>
-    <p:sldId id="260" r:id="rId9"/>
-    <p:sldId id="261" r:id="rId10"/>
-    <p:sldId id="262" r:id="rId11"/>
-    <p:sldId id="263" r:id="rId12"/>
-    <p:sldId id="264" r:id="rId13"/>
-    <p:sldId id="265" r:id="rId14"/>
-    <p:sldId id="266" r:id="rId15"/>
-    <p:sldId id="267" r:id="rId16"/>
-    <p:sldId id="277" r:id="rId17"/>
-    <p:sldId id="268" r:id="rId18"/>
-    <p:sldId id="269" r:id="rId19"/>
-    <p:sldId id="270" r:id="rId20"/>
-    <p:sldId id="271" r:id="rId21"/>
-    <p:sldId id="272" r:id="rId22"/>
-    <p:sldId id="273" r:id="rId23"/>
-    <p:sldId id="274" r:id="rId24"/>
-    <p:sldId id="275" r:id="rId25"/>
+    <p:sldId id="280" r:id="rId5"/>
+    <p:sldId id="256" r:id="rId6"/>
+    <p:sldId id="257" r:id="rId7"/>
+    <p:sldId id="258" r:id="rId8"/>
+    <p:sldId id="259" r:id="rId9"/>
+    <p:sldId id="260" r:id="rId10"/>
+    <p:sldId id="261" r:id="rId11"/>
+    <p:sldId id="262" r:id="rId12"/>
+    <p:sldId id="263" r:id="rId13"/>
+    <p:sldId id="264" r:id="rId14"/>
+    <p:sldId id="265" r:id="rId15"/>
+    <p:sldId id="266" r:id="rId16"/>
+    <p:sldId id="267" r:id="rId17"/>
+    <p:sldId id="277" r:id="rId18"/>
+    <p:sldId id="268" r:id="rId19"/>
+    <p:sldId id="269" r:id="rId20"/>
+    <p:sldId id="270" r:id="rId21"/>
+    <p:sldId id="271" r:id="rId22"/>
+    <p:sldId id="272" r:id="rId23"/>
+    <p:sldId id="273" r:id="rId24"/>
+    <p:sldId id="274" r:id="rId25"/>
+    <p:sldId id="275" r:id="rId26"/>
   </p:sldIdLst>
   <p:sldSz cx="18288000" cy="10287000"/>
   <p:notesSz cx="10287000" cy="18288000"/>
@@ -231,7 +232,7 @@
           <a:p>
             <a:fld id="{3377703C-7B6A-4662-85EE-2E5A30469F49}" type="datetimeFigureOut">
               <a:rPr lang="ko-KR" altLang="en-US" smtClean="0"/>
-              <a:t>2023-11-18 Saturday</a:t>
+              <a:t>2024-03-10</a:t>
             </a:fld>
             <a:endParaRPr lang="ko-KR" altLang="en-US"/>
           </a:p>
@@ -761,7 +762,7 @@
           <a:p>
             <a:fld id="{F8166F1F-CE9B-4651-A6AA-CD717754106B}" type="datetimeFigureOut">
               <a:rPr lang="en-US" smtClean="0"/>
-              <a:t>11/18/2023</a:t>
+              <a:t>3/10/2024</a:t>
             </a:fld>
             <a:endParaRPr lang="en-US"/>
           </a:p>
@@ -924,7 +925,7 @@
           <a:p>
             <a:fld id="{A76116CE-C4A3-4A05-B2D7-7C2E9A889C0F}" type="datetimeFigureOut">
               <a:rPr lang="en-US" smtClean="0"/>
-              <a:t>11/18/2023</a:t>
+              <a:t>3/10/2024</a:t>
             </a:fld>
             <a:endParaRPr lang="en-US"/>
           </a:p>
@@ -1097,7 +1098,7 @@
           <a:p>
             <a:fld id="{A76116CE-C4A3-4A05-B2D7-7C2E9A889C0F}" type="datetimeFigureOut">
               <a:rPr lang="en-US" smtClean="0"/>
-              <a:t>11/18/2023</a:t>
+              <a:t>3/10/2024</a:t>
             </a:fld>
             <a:endParaRPr lang="en-US"/>
           </a:p>
@@ -1262,7 +1263,7 @@
           <a:p>
             <a:fld id="{A76116CE-C4A3-4A05-B2D7-7C2E9A889C0F}" type="datetimeFigureOut">
               <a:rPr lang="en-US" smtClean="0"/>
-              <a:t>11/18/2023</a:t>
+              <a:t>3/10/2024</a:t>
             </a:fld>
             <a:endParaRPr lang="en-US"/>
           </a:p>
@@ -1502,7 +1503,7 @@
           <a:p>
             <a:fld id="{A76116CE-C4A3-4A05-B2D7-7C2E9A889C0F}" type="datetimeFigureOut">
               <a:rPr lang="en-US" smtClean="0"/>
-              <a:t>11/18/2023</a:t>
+              <a:t>3/10/2024</a:t>
             </a:fld>
             <a:endParaRPr lang="en-US"/>
           </a:p>
@@ -1782,7 +1783,7 @@
           <a:p>
             <a:fld id="{A76116CE-C4A3-4A05-B2D7-7C2E9A889C0F}" type="datetimeFigureOut">
               <a:rPr lang="en-US" smtClean="0"/>
-              <a:t>11/18/2023</a:t>
+              <a:t>3/10/2024</a:t>
             </a:fld>
             <a:endParaRPr lang="en-US"/>
           </a:p>
@@ -2196,7 +2197,7 @@
           <a:p>
             <a:fld id="{A76116CE-C4A3-4A05-B2D7-7C2E9A889C0F}" type="datetimeFigureOut">
               <a:rPr lang="en-US" smtClean="0"/>
-              <a:t>11/18/2023</a:t>
+              <a:t>3/10/2024</a:t>
             </a:fld>
             <a:endParaRPr lang="en-US"/>
           </a:p>
@@ -2308,7 +2309,7 @@
           <a:p>
             <a:fld id="{A76116CE-C4A3-4A05-B2D7-7C2E9A889C0F}" type="datetimeFigureOut">
               <a:rPr lang="en-US" smtClean="0"/>
-              <a:t>11/18/2023</a:t>
+              <a:t>3/10/2024</a:t>
             </a:fld>
             <a:endParaRPr lang="en-US"/>
           </a:p>
@@ -2398,7 +2399,7 @@
           <a:p>
             <a:fld id="{A76116CE-C4A3-4A05-B2D7-7C2E9A889C0F}" type="datetimeFigureOut">
               <a:rPr lang="en-US" smtClean="0"/>
-              <a:t>11/18/2023</a:t>
+              <a:t>3/10/2024</a:t>
             </a:fld>
             <a:endParaRPr lang="en-US"/>
           </a:p>
@@ -2668,7 +2669,7 @@
           <a:p>
             <a:fld id="{A76116CE-C4A3-4A05-B2D7-7C2E9A889C0F}" type="datetimeFigureOut">
               <a:rPr lang="en-US" smtClean="0"/>
-              <a:t>11/18/2023</a:t>
+              <a:t>3/10/2024</a:t>
             </a:fld>
             <a:endParaRPr lang="en-US"/>
           </a:p>
@@ -2915,7 +2916,7 @@
           <a:p>
             <a:fld id="{A76116CE-C4A3-4A05-B2D7-7C2E9A889C0F}" type="datetimeFigureOut">
               <a:rPr lang="en-US" smtClean="0"/>
-              <a:t>11/18/2023</a:t>
+              <a:t>3/10/2024</a:t>
             </a:fld>
             <a:endParaRPr lang="en-US"/>
           </a:p>
@@ -3121,7 +3122,7 @@
           <a:p>
             <a:fld id="{F8166F1F-CE9B-4651-A6AA-CD717754106B}" type="datetimeFigureOut">
               <a:rPr lang="en-US" smtClean="0"/>
-              <a:t>11/18/2023</a:t>
+              <a:t>3/10/2024</a:t>
             </a:fld>
             <a:endParaRPr lang="en-US"/>
           </a:p>
@@ -3496,7 +3497,7 @@
           <p:cNvPr id="4" name="그룹 1008">
             <a:extLst>
               <a:ext uri="{FF2B5EF4-FFF2-40B4-BE49-F238E27FC236}">
-                <a16:creationId xmlns:a16="http://schemas.microsoft.com/office/drawing/2014/main" id="{54FFE8A6-6CB8-DCBA-07F7-749FA78BF4A4}"/>
+                <a16:creationId xmlns:a16="http://schemas.microsoft.com/office/drawing/2014/main" xmlns="" id="{54FFE8A6-6CB8-DCBA-07F7-749FA78BF4A4}"/>
               </a:ext>
             </a:extLst>
           </p:cNvPr>
@@ -3516,7 +3517,7 @@
             <p:cNvPr id="5" name="그룹 1009">
               <a:extLst>
                 <a:ext uri="{FF2B5EF4-FFF2-40B4-BE49-F238E27FC236}">
-                  <a16:creationId xmlns:a16="http://schemas.microsoft.com/office/drawing/2014/main" id="{AFC4D322-4969-89C3-C972-D8E8E418CA73}"/>
+                  <a16:creationId xmlns:a16="http://schemas.microsoft.com/office/drawing/2014/main" xmlns="" id="{AFC4D322-4969-89C3-C972-D8E8E418CA73}"/>
                 </a:ext>
               </a:extLst>
             </p:cNvPr>
@@ -3536,7 +3537,7 @@
               <p:cNvPr id="10" name="Object 29">
                 <a:extLst>
                   <a:ext uri="{FF2B5EF4-FFF2-40B4-BE49-F238E27FC236}">
-                    <a16:creationId xmlns:a16="http://schemas.microsoft.com/office/drawing/2014/main" id="{696B190E-C178-4E07-7621-24C3B48A9BCF}"/>
+                    <a16:creationId xmlns:a16="http://schemas.microsoft.com/office/drawing/2014/main" xmlns="" id="{696B190E-C178-4E07-7621-24C3B48A9BCF}"/>
                   </a:ext>
                 </a:extLst>
               </p:cNvPr>
@@ -3567,7 +3568,7 @@
             <p:cNvPr id="6" name="그룹 1010">
               <a:extLst>
                 <a:ext uri="{FF2B5EF4-FFF2-40B4-BE49-F238E27FC236}">
-                  <a16:creationId xmlns:a16="http://schemas.microsoft.com/office/drawing/2014/main" id="{88F3509F-17A2-2BE7-261F-3BA022FF91BA}"/>
+                  <a16:creationId xmlns:a16="http://schemas.microsoft.com/office/drawing/2014/main" xmlns="" id="{88F3509F-17A2-2BE7-261F-3BA022FF91BA}"/>
                 </a:ext>
               </a:extLst>
             </p:cNvPr>
@@ -3587,7 +3588,7 @@
               <p:cNvPr id="9" name="Object 32">
                 <a:extLst>
                   <a:ext uri="{FF2B5EF4-FFF2-40B4-BE49-F238E27FC236}">
-                    <a16:creationId xmlns:a16="http://schemas.microsoft.com/office/drawing/2014/main" id="{6183A7B0-D571-9788-43CE-90A93A934096}"/>
+                    <a16:creationId xmlns:a16="http://schemas.microsoft.com/office/drawing/2014/main" xmlns="" id="{6183A7B0-D571-9788-43CE-90A93A934096}"/>
                   </a:ext>
                 </a:extLst>
               </p:cNvPr>
@@ -3618,7 +3619,7 @@
             <p:cNvPr id="7" name="그룹 1011">
               <a:extLst>
                 <a:ext uri="{FF2B5EF4-FFF2-40B4-BE49-F238E27FC236}">
-                  <a16:creationId xmlns:a16="http://schemas.microsoft.com/office/drawing/2014/main" id="{3DB0BB1F-6A07-787C-7717-F712317AF8C3}"/>
+                  <a16:creationId xmlns:a16="http://schemas.microsoft.com/office/drawing/2014/main" xmlns="" id="{3DB0BB1F-6A07-787C-7717-F712317AF8C3}"/>
                 </a:ext>
               </a:extLst>
             </p:cNvPr>
@@ -3638,7 +3639,7 @@
               <p:cNvPr id="8" name="Object 35">
                 <a:extLst>
                   <a:ext uri="{FF2B5EF4-FFF2-40B4-BE49-F238E27FC236}">
-                    <a16:creationId xmlns:a16="http://schemas.microsoft.com/office/drawing/2014/main" id="{A003AF1A-29EE-2DC2-0E03-479F705DFFB6}"/>
+                    <a16:creationId xmlns:a16="http://schemas.microsoft.com/office/drawing/2014/main" xmlns="" id="{A003AF1A-29EE-2DC2-0E03-479F705DFFB6}"/>
                   </a:ext>
                 </a:extLst>
               </p:cNvPr>
@@ -3670,7 +3671,7 @@
           <p:cNvPr id="11" name="직선 화살표 연결선 10">
             <a:extLst>
               <a:ext uri="{FF2B5EF4-FFF2-40B4-BE49-F238E27FC236}">
-                <a16:creationId xmlns:a16="http://schemas.microsoft.com/office/drawing/2014/main" id="{299DF5EC-9DF4-5255-06AC-0A7CE4FF58C3}"/>
+                <a16:creationId xmlns:a16="http://schemas.microsoft.com/office/drawing/2014/main" xmlns="" id="{299DF5EC-9DF4-5255-06AC-0A7CE4FF58C3}"/>
               </a:ext>
             </a:extLst>
           </p:cNvPr>
@@ -3711,7 +3712,7 @@
           <p:cNvPr id="14" name="직사각형 13">
             <a:extLst>
               <a:ext uri="{FF2B5EF4-FFF2-40B4-BE49-F238E27FC236}">
-                <a16:creationId xmlns:a16="http://schemas.microsoft.com/office/drawing/2014/main" id="{FFF506F9-840A-0508-4CAF-3AC711D8D5CE}"/>
+                <a16:creationId xmlns:a16="http://schemas.microsoft.com/office/drawing/2014/main" xmlns="" id="{FFF506F9-840A-0508-4CAF-3AC711D8D5CE}"/>
               </a:ext>
             </a:extLst>
           </p:cNvPr>
@@ -3763,7 +3764,7 @@
           <p:cNvPr id="16" name="그룹 1008">
             <a:extLst>
               <a:ext uri="{FF2B5EF4-FFF2-40B4-BE49-F238E27FC236}">
-                <a16:creationId xmlns:a16="http://schemas.microsoft.com/office/drawing/2014/main" id="{E395BDE3-2EDE-065D-70E8-56E348228ACF}"/>
+                <a16:creationId xmlns:a16="http://schemas.microsoft.com/office/drawing/2014/main" xmlns="" id="{E395BDE3-2EDE-065D-70E8-56E348228ACF}"/>
               </a:ext>
             </a:extLst>
           </p:cNvPr>
@@ -3783,7 +3784,7 @@
             <p:cNvPr id="17" name="그룹 1009">
               <a:extLst>
                 <a:ext uri="{FF2B5EF4-FFF2-40B4-BE49-F238E27FC236}">
-                  <a16:creationId xmlns:a16="http://schemas.microsoft.com/office/drawing/2014/main" id="{852F4DEB-DB33-DB3F-9E9F-52A46CD0B10A}"/>
+                  <a16:creationId xmlns:a16="http://schemas.microsoft.com/office/drawing/2014/main" xmlns="" id="{852F4DEB-DB33-DB3F-9E9F-52A46CD0B10A}"/>
                 </a:ext>
               </a:extLst>
             </p:cNvPr>
@@ -3803,7 +3804,7 @@
               <p:cNvPr id="22" name="Object 29">
                 <a:extLst>
                   <a:ext uri="{FF2B5EF4-FFF2-40B4-BE49-F238E27FC236}">
-                    <a16:creationId xmlns:a16="http://schemas.microsoft.com/office/drawing/2014/main" id="{7E353D3B-14D4-8A64-5888-3F0C062C2CDD}"/>
+                    <a16:creationId xmlns:a16="http://schemas.microsoft.com/office/drawing/2014/main" xmlns="" id="{7E353D3B-14D4-8A64-5888-3F0C062C2CDD}"/>
                   </a:ext>
                 </a:extLst>
               </p:cNvPr>
@@ -3834,7 +3835,7 @@
             <p:cNvPr id="18" name="그룹 1010">
               <a:extLst>
                 <a:ext uri="{FF2B5EF4-FFF2-40B4-BE49-F238E27FC236}">
-                  <a16:creationId xmlns:a16="http://schemas.microsoft.com/office/drawing/2014/main" id="{001E38AB-1390-ABD0-BE01-9727136FEAEE}"/>
+                  <a16:creationId xmlns:a16="http://schemas.microsoft.com/office/drawing/2014/main" xmlns="" id="{001E38AB-1390-ABD0-BE01-9727136FEAEE}"/>
                 </a:ext>
               </a:extLst>
             </p:cNvPr>
@@ -3854,7 +3855,7 @@
               <p:cNvPr id="21" name="Object 32">
                 <a:extLst>
                   <a:ext uri="{FF2B5EF4-FFF2-40B4-BE49-F238E27FC236}">
-                    <a16:creationId xmlns:a16="http://schemas.microsoft.com/office/drawing/2014/main" id="{2ED1C30F-0D0B-F86C-8215-2598D332B5A3}"/>
+                    <a16:creationId xmlns:a16="http://schemas.microsoft.com/office/drawing/2014/main" xmlns="" id="{2ED1C30F-0D0B-F86C-8215-2598D332B5A3}"/>
                   </a:ext>
                 </a:extLst>
               </p:cNvPr>
@@ -3885,7 +3886,7 @@
             <p:cNvPr id="19" name="그룹 1011">
               <a:extLst>
                 <a:ext uri="{FF2B5EF4-FFF2-40B4-BE49-F238E27FC236}">
-                  <a16:creationId xmlns:a16="http://schemas.microsoft.com/office/drawing/2014/main" id="{1BCB8DE5-ABAF-4198-BC16-85BB76F2DB24}"/>
+                  <a16:creationId xmlns:a16="http://schemas.microsoft.com/office/drawing/2014/main" xmlns="" id="{1BCB8DE5-ABAF-4198-BC16-85BB76F2DB24}"/>
                 </a:ext>
               </a:extLst>
             </p:cNvPr>
@@ -3905,7 +3906,7 @@
               <p:cNvPr id="20" name="Object 35">
                 <a:extLst>
                   <a:ext uri="{FF2B5EF4-FFF2-40B4-BE49-F238E27FC236}">
-                    <a16:creationId xmlns:a16="http://schemas.microsoft.com/office/drawing/2014/main" id="{86E7BA23-0A1E-B581-CADC-06AB269DB2BD}"/>
+                    <a16:creationId xmlns:a16="http://schemas.microsoft.com/office/drawing/2014/main" xmlns="" id="{86E7BA23-0A1E-B581-CADC-06AB269DB2BD}"/>
                   </a:ext>
                 </a:extLst>
               </p:cNvPr>
@@ -3937,7 +3938,7 @@
           <p:cNvPr id="23" name="TextBox 22">
             <a:extLst>
               <a:ext uri="{FF2B5EF4-FFF2-40B4-BE49-F238E27FC236}">
-                <a16:creationId xmlns:a16="http://schemas.microsoft.com/office/drawing/2014/main" id="{7229BEA6-121E-9056-D07F-2B3BB1795F76}"/>
+                <a16:creationId xmlns:a16="http://schemas.microsoft.com/office/drawing/2014/main" xmlns="" id="{7229BEA6-121E-9056-D07F-2B3BB1795F76}"/>
               </a:ext>
             </a:extLst>
           </p:cNvPr>
@@ -3985,7 +3986,7 @@
           <p:cNvPr id="24" name="TextBox 23">
             <a:extLst>
               <a:ext uri="{FF2B5EF4-FFF2-40B4-BE49-F238E27FC236}">
-                <a16:creationId xmlns:a16="http://schemas.microsoft.com/office/drawing/2014/main" id="{5ADC00B6-990A-40DC-3CEA-505258F5E8DA}"/>
+                <a16:creationId xmlns:a16="http://schemas.microsoft.com/office/drawing/2014/main" xmlns="" id="{5ADC00B6-990A-40DC-3CEA-505258F5E8DA}"/>
               </a:ext>
             </a:extLst>
           </p:cNvPr>
@@ -4043,7 +4044,7 @@
           <p:cNvPr id="3" name="TextBox 2">
             <a:extLst>
               <a:ext uri="{FF2B5EF4-FFF2-40B4-BE49-F238E27FC236}">
-                <a16:creationId xmlns:a16="http://schemas.microsoft.com/office/drawing/2014/main" id="{C6D113C6-EA5C-788F-0C77-E7CE6EBB865F}"/>
+                <a16:creationId xmlns:a16="http://schemas.microsoft.com/office/drawing/2014/main" xmlns="" id="{C6D113C6-EA5C-788F-0C77-E7CE6EBB865F}"/>
               </a:ext>
             </a:extLst>
           </p:cNvPr>
@@ -4101,7 +4102,7 @@
           <p:cNvPr id="12" name="그룹 1008">
             <a:extLst>
               <a:ext uri="{FF2B5EF4-FFF2-40B4-BE49-F238E27FC236}">
-                <a16:creationId xmlns:a16="http://schemas.microsoft.com/office/drawing/2014/main" id="{678F6342-C505-E8AD-ADA4-022CB2C2088E}"/>
+                <a16:creationId xmlns:a16="http://schemas.microsoft.com/office/drawing/2014/main" xmlns="" id="{678F6342-C505-E8AD-ADA4-022CB2C2088E}"/>
               </a:ext>
             </a:extLst>
           </p:cNvPr>
@@ -4121,7 +4122,7 @@
             <p:cNvPr id="13" name="그룹 1009">
               <a:extLst>
                 <a:ext uri="{FF2B5EF4-FFF2-40B4-BE49-F238E27FC236}">
-                  <a16:creationId xmlns:a16="http://schemas.microsoft.com/office/drawing/2014/main" id="{4E1F1FED-812B-9BBB-925A-84B54A077414}"/>
+                  <a16:creationId xmlns:a16="http://schemas.microsoft.com/office/drawing/2014/main" xmlns="" id="{4E1F1FED-812B-9BBB-925A-84B54A077414}"/>
                 </a:ext>
               </a:extLst>
             </p:cNvPr>
@@ -4141,7 +4142,7 @@
               <p:cNvPr id="29" name="Object 29">
                 <a:extLst>
                   <a:ext uri="{FF2B5EF4-FFF2-40B4-BE49-F238E27FC236}">
-                    <a16:creationId xmlns:a16="http://schemas.microsoft.com/office/drawing/2014/main" id="{7B078609-4286-7B00-51EB-809C8E2DE289}"/>
+                    <a16:creationId xmlns:a16="http://schemas.microsoft.com/office/drawing/2014/main" xmlns="" id="{7B078609-4286-7B00-51EB-809C8E2DE289}"/>
                   </a:ext>
                 </a:extLst>
               </p:cNvPr>
@@ -4172,7 +4173,7 @@
             <p:cNvPr id="25" name="그룹 1010">
               <a:extLst>
                 <a:ext uri="{FF2B5EF4-FFF2-40B4-BE49-F238E27FC236}">
-                  <a16:creationId xmlns:a16="http://schemas.microsoft.com/office/drawing/2014/main" id="{02A649BF-B5B5-FBAF-7DFD-E118A4DF8907}"/>
+                  <a16:creationId xmlns:a16="http://schemas.microsoft.com/office/drawing/2014/main" xmlns="" id="{02A649BF-B5B5-FBAF-7DFD-E118A4DF8907}"/>
                 </a:ext>
               </a:extLst>
             </p:cNvPr>
@@ -4192,7 +4193,7 @@
               <p:cNvPr id="28" name="Object 32">
                 <a:extLst>
                   <a:ext uri="{FF2B5EF4-FFF2-40B4-BE49-F238E27FC236}">
-                    <a16:creationId xmlns:a16="http://schemas.microsoft.com/office/drawing/2014/main" id="{2A0FFF23-B3C9-3EA0-1C1B-A87D4FF098AE}"/>
+                    <a16:creationId xmlns:a16="http://schemas.microsoft.com/office/drawing/2014/main" xmlns="" id="{2A0FFF23-B3C9-3EA0-1C1B-A87D4FF098AE}"/>
                   </a:ext>
                 </a:extLst>
               </p:cNvPr>
@@ -4223,7 +4224,7 @@
             <p:cNvPr id="26" name="그룹 1011">
               <a:extLst>
                 <a:ext uri="{FF2B5EF4-FFF2-40B4-BE49-F238E27FC236}">
-                  <a16:creationId xmlns:a16="http://schemas.microsoft.com/office/drawing/2014/main" id="{881F5410-F7FB-F261-A584-707359BAC593}"/>
+                  <a16:creationId xmlns:a16="http://schemas.microsoft.com/office/drawing/2014/main" xmlns="" id="{881F5410-F7FB-F261-A584-707359BAC593}"/>
                 </a:ext>
               </a:extLst>
             </p:cNvPr>
@@ -4243,7 +4244,7 @@
               <p:cNvPr id="27" name="Object 35">
                 <a:extLst>
                   <a:ext uri="{FF2B5EF4-FFF2-40B4-BE49-F238E27FC236}">
-                    <a16:creationId xmlns:a16="http://schemas.microsoft.com/office/drawing/2014/main" id="{4E99E669-73EB-F9F4-EFE8-DC107035C265}"/>
+                    <a16:creationId xmlns:a16="http://schemas.microsoft.com/office/drawing/2014/main" xmlns="" id="{4E99E669-73EB-F9F4-EFE8-DC107035C265}"/>
                   </a:ext>
                 </a:extLst>
               </p:cNvPr>
@@ -4275,7 +4276,7 @@
           <p:cNvPr id="33" name="직선 연결선 32">
             <a:extLst>
               <a:ext uri="{FF2B5EF4-FFF2-40B4-BE49-F238E27FC236}">
-                <a16:creationId xmlns:a16="http://schemas.microsoft.com/office/drawing/2014/main" id="{6A1A37E4-F933-DE44-2EEA-F3A5BBF35584}"/>
+                <a16:creationId xmlns:a16="http://schemas.microsoft.com/office/drawing/2014/main" xmlns="" id="{6A1A37E4-F933-DE44-2EEA-F3A5BBF35584}"/>
               </a:ext>
             </a:extLst>
           </p:cNvPr>
@@ -4366,7 +4367,7 @@
           <p:cNvPr id="38" name="TextBox 37">
             <a:extLst>
               <a:ext uri="{FF2B5EF4-FFF2-40B4-BE49-F238E27FC236}">
-                <a16:creationId xmlns:a16="http://schemas.microsoft.com/office/drawing/2014/main" id="{A2AD056B-97A4-5BCC-4460-250160F3E171}"/>
+                <a16:creationId xmlns:a16="http://schemas.microsoft.com/office/drawing/2014/main" xmlns="" id="{A2AD056B-97A4-5BCC-4460-250160F3E171}"/>
               </a:ext>
             </a:extLst>
           </p:cNvPr>
@@ -4410,7 +4411,7 @@
           <p:cNvPr id="39" name="TextBox 38">
             <a:extLst>
               <a:ext uri="{FF2B5EF4-FFF2-40B4-BE49-F238E27FC236}">
-                <a16:creationId xmlns:a16="http://schemas.microsoft.com/office/drawing/2014/main" id="{52176D31-35F7-8916-46FA-6095EFEC1E49}"/>
+                <a16:creationId xmlns:a16="http://schemas.microsoft.com/office/drawing/2014/main" xmlns="" id="{52176D31-35F7-8916-46FA-6095EFEC1E49}"/>
               </a:ext>
             </a:extLst>
           </p:cNvPr>
@@ -4454,7 +4455,7 @@
           <p:cNvPr id="37" name="표 2">
             <a:extLst>
               <a:ext uri="{FF2B5EF4-FFF2-40B4-BE49-F238E27FC236}">
-                <a16:creationId xmlns:a16="http://schemas.microsoft.com/office/drawing/2014/main" id="{D2CC6F32-611A-E22D-EB8C-52D626A5B319}"/>
+                <a16:creationId xmlns:a16="http://schemas.microsoft.com/office/drawing/2014/main" xmlns="" id="{D2CC6F32-611A-E22D-EB8C-52D626A5B319}"/>
               </a:ext>
             </a:extLst>
           </p:cNvPr>
@@ -4483,21 +4484,21 @@
                 <a:gridCol w="1731833">
                   <a:extLst>
                     <a:ext uri="{9D8B030D-6E8A-4147-A177-3AD203B41FA5}">
-                      <a16:colId xmlns:a16="http://schemas.microsoft.com/office/drawing/2014/main" val="1960770391"/>
+                      <a16:colId xmlns:a16="http://schemas.microsoft.com/office/drawing/2014/main" xmlns="" val="1960770391"/>
                     </a:ext>
                   </a:extLst>
                 </a:gridCol>
                 <a:gridCol w="1752960">
                   <a:extLst>
                     <a:ext uri="{9D8B030D-6E8A-4147-A177-3AD203B41FA5}">
-                      <a16:colId xmlns:a16="http://schemas.microsoft.com/office/drawing/2014/main" val="733308553"/>
+                      <a16:colId xmlns:a16="http://schemas.microsoft.com/office/drawing/2014/main" xmlns="" val="733308553"/>
                     </a:ext>
                   </a:extLst>
                 </a:gridCol>
                 <a:gridCol w="2730951">
                   <a:extLst>
                     <a:ext uri="{9D8B030D-6E8A-4147-A177-3AD203B41FA5}">
-                      <a16:colId xmlns:a16="http://schemas.microsoft.com/office/drawing/2014/main" val="1661322813"/>
+                      <a16:colId xmlns:a16="http://schemas.microsoft.com/office/drawing/2014/main" xmlns="" val="1661322813"/>
                     </a:ext>
                   </a:extLst>
                 </a:gridCol>
@@ -4685,7 +4686,7 @@
                 </a:tc>
                 <a:extLst>
                   <a:ext uri="{0D108BD9-81ED-4DB2-BD59-A6C34878D82A}">
-                    <a16:rowId xmlns:a16="http://schemas.microsoft.com/office/drawing/2014/main" val="2452905565"/>
+                    <a16:rowId xmlns:a16="http://schemas.microsoft.com/office/drawing/2014/main" xmlns="" val="2452905565"/>
                   </a:ext>
                 </a:extLst>
               </a:tr>
@@ -4889,7 +4890,7 @@
                 </a:tc>
                 <a:extLst>
                   <a:ext uri="{0D108BD9-81ED-4DB2-BD59-A6C34878D82A}">
-                    <a16:rowId xmlns:a16="http://schemas.microsoft.com/office/drawing/2014/main" val="3551452526"/>
+                    <a16:rowId xmlns:a16="http://schemas.microsoft.com/office/drawing/2014/main" xmlns="" val="3551452526"/>
                   </a:ext>
                 </a:extLst>
               </a:tr>
@@ -5064,7 +5065,7 @@
                 </a:tc>
                 <a:extLst>
                   <a:ext uri="{0D108BD9-81ED-4DB2-BD59-A6C34878D82A}">
-                    <a16:rowId xmlns:a16="http://schemas.microsoft.com/office/drawing/2014/main" val="3645064171"/>
+                    <a16:rowId xmlns:a16="http://schemas.microsoft.com/office/drawing/2014/main" xmlns="" val="3645064171"/>
                   </a:ext>
                 </a:extLst>
               </a:tr>
@@ -5239,7 +5240,7 @@
                 </a:tc>
                 <a:extLst>
                   <a:ext uri="{0D108BD9-81ED-4DB2-BD59-A6C34878D82A}">
-                    <a16:rowId xmlns:a16="http://schemas.microsoft.com/office/drawing/2014/main" val="2802120283"/>
+                    <a16:rowId xmlns:a16="http://schemas.microsoft.com/office/drawing/2014/main" xmlns="" val="2802120283"/>
                   </a:ext>
                 </a:extLst>
               </a:tr>
@@ -5408,7 +5409,7 @@
                 </a:tc>
                 <a:extLst>
                   <a:ext uri="{0D108BD9-81ED-4DB2-BD59-A6C34878D82A}">
-                    <a16:rowId xmlns:a16="http://schemas.microsoft.com/office/drawing/2014/main" val="1362299918"/>
+                    <a16:rowId xmlns:a16="http://schemas.microsoft.com/office/drawing/2014/main" xmlns="" val="1362299918"/>
                   </a:ext>
                 </a:extLst>
               </a:tr>
@@ -5644,7 +5645,7 @@
                 </a:tc>
                 <a:extLst>
                   <a:ext uri="{0D108BD9-81ED-4DB2-BD59-A6C34878D82A}">
-                    <a16:rowId xmlns:a16="http://schemas.microsoft.com/office/drawing/2014/main" val="2488866604"/>
+                    <a16:rowId xmlns:a16="http://schemas.microsoft.com/office/drawing/2014/main" xmlns="" val="2488866604"/>
                   </a:ext>
                 </a:extLst>
               </a:tr>
@@ -5867,7 +5868,7 @@
                 </a:tc>
                 <a:extLst>
                   <a:ext uri="{0D108BD9-81ED-4DB2-BD59-A6C34878D82A}">
-                    <a16:rowId xmlns:a16="http://schemas.microsoft.com/office/drawing/2014/main" val="2632365449"/>
+                    <a16:rowId xmlns:a16="http://schemas.microsoft.com/office/drawing/2014/main" xmlns="" val="2632365449"/>
                   </a:ext>
                 </a:extLst>
               </a:tr>
@@ -6023,14 +6024,14 @@
                 <a:gridCol w="2688700">
                   <a:extLst>
                     <a:ext uri="{9D8B030D-6E8A-4147-A177-3AD203B41FA5}">
-                      <a16:colId xmlns:a16="http://schemas.microsoft.com/office/drawing/2014/main" val="20000"/>
+                      <a16:colId xmlns:a16="http://schemas.microsoft.com/office/drawing/2014/main" xmlns="" val="20000"/>
                     </a:ext>
                   </a:extLst>
                 </a:gridCol>
                 <a:gridCol w="2721500">
                   <a:extLst>
                     <a:ext uri="{9D8B030D-6E8A-4147-A177-3AD203B41FA5}">
-                      <a16:colId xmlns:a16="http://schemas.microsoft.com/office/drawing/2014/main" val="20001"/>
+                      <a16:colId xmlns:a16="http://schemas.microsoft.com/office/drawing/2014/main" xmlns="" val="20001"/>
                     </a:ext>
                   </a:extLst>
                 </a:gridCol>
@@ -6168,7 +6169,7 @@
                 </a:tc>
                 <a:extLst>
                   <a:ext uri="{0D108BD9-81ED-4DB2-BD59-A6C34878D82A}">
-                    <a16:rowId xmlns:a16="http://schemas.microsoft.com/office/drawing/2014/main" val="10000"/>
+                    <a16:rowId xmlns:a16="http://schemas.microsoft.com/office/drawing/2014/main" xmlns="" val="10000"/>
                   </a:ext>
                 </a:extLst>
               </a:tr>
@@ -6293,7 +6294,7 @@
                 </a:tc>
                 <a:extLst>
                   <a:ext uri="{0D108BD9-81ED-4DB2-BD59-A6C34878D82A}">
-                    <a16:rowId xmlns:a16="http://schemas.microsoft.com/office/drawing/2014/main" val="10001"/>
+                    <a16:rowId xmlns:a16="http://schemas.microsoft.com/office/drawing/2014/main" xmlns="" val="10001"/>
                   </a:ext>
                 </a:extLst>
               </a:tr>
@@ -6418,7 +6419,7 @@
                 </a:tc>
                 <a:extLst>
                   <a:ext uri="{0D108BD9-81ED-4DB2-BD59-A6C34878D82A}">
-                    <a16:rowId xmlns:a16="http://schemas.microsoft.com/office/drawing/2014/main" val="10002"/>
+                    <a16:rowId xmlns:a16="http://schemas.microsoft.com/office/drawing/2014/main" xmlns="" val="10002"/>
                   </a:ext>
                 </a:extLst>
               </a:tr>
@@ -6527,7 +6528,7 @@
                 </a:tc>
                 <a:extLst>
                   <a:ext uri="{0D108BD9-81ED-4DB2-BD59-A6C34878D82A}">
-                    <a16:rowId xmlns:a16="http://schemas.microsoft.com/office/drawing/2014/main" val="10003"/>
+                    <a16:rowId xmlns:a16="http://schemas.microsoft.com/office/drawing/2014/main" xmlns="" val="10003"/>
                   </a:ext>
                 </a:extLst>
               </a:tr>
@@ -6636,7 +6637,7 @@
                 </a:tc>
                 <a:extLst>
                   <a:ext uri="{0D108BD9-81ED-4DB2-BD59-A6C34878D82A}">
-                    <a16:rowId xmlns:a16="http://schemas.microsoft.com/office/drawing/2014/main" val="10004"/>
+                    <a16:rowId xmlns:a16="http://schemas.microsoft.com/office/drawing/2014/main" xmlns="" val="10004"/>
                   </a:ext>
                 </a:extLst>
               </a:tr>
@@ -6745,7 +6746,7 @@
                 </a:tc>
                 <a:extLst>
                   <a:ext uri="{0D108BD9-81ED-4DB2-BD59-A6C34878D82A}">
-                    <a16:rowId xmlns:a16="http://schemas.microsoft.com/office/drawing/2014/main" val="10005"/>
+                    <a16:rowId xmlns:a16="http://schemas.microsoft.com/office/drawing/2014/main" xmlns="" val="10005"/>
                   </a:ext>
                 </a:extLst>
               </a:tr>
@@ -6854,7 +6855,7 @@
                 </a:tc>
                 <a:extLst>
                   <a:ext uri="{0D108BD9-81ED-4DB2-BD59-A6C34878D82A}">
-                    <a16:rowId xmlns:a16="http://schemas.microsoft.com/office/drawing/2014/main" val="10006"/>
+                    <a16:rowId xmlns:a16="http://schemas.microsoft.com/office/drawing/2014/main" xmlns="" val="10006"/>
                   </a:ext>
                 </a:extLst>
               </a:tr>
@@ -6963,7 +6964,7 @@
                 </a:tc>
                 <a:extLst>
                   <a:ext uri="{0D108BD9-81ED-4DB2-BD59-A6C34878D82A}">
-                    <a16:rowId xmlns:a16="http://schemas.microsoft.com/office/drawing/2014/main" val="10007"/>
+                    <a16:rowId xmlns:a16="http://schemas.microsoft.com/office/drawing/2014/main" xmlns="" val="10007"/>
                   </a:ext>
                 </a:extLst>
               </a:tr>
@@ -7072,7 +7073,7 @@
                 </a:tc>
                 <a:extLst>
                   <a:ext uri="{0D108BD9-81ED-4DB2-BD59-A6C34878D82A}">
-                    <a16:rowId xmlns:a16="http://schemas.microsoft.com/office/drawing/2014/main" val="10008"/>
+                    <a16:rowId xmlns:a16="http://schemas.microsoft.com/office/drawing/2014/main" xmlns="" val="10008"/>
                   </a:ext>
                 </a:extLst>
               </a:tr>
@@ -7197,7 +7198,7 @@
                 </a:tc>
                 <a:extLst>
                   <a:ext uri="{0D108BD9-81ED-4DB2-BD59-A6C34878D82A}">
-                    <a16:rowId xmlns:a16="http://schemas.microsoft.com/office/drawing/2014/main" val="10009"/>
+                    <a16:rowId xmlns:a16="http://schemas.microsoft.com/office/drawing/2014/main" xmlns="" val="10009"/>
                   </a:ext>
                 </a:extLst>
               </a:tr>
@@ -7306,7 +7307,7 @@
                 </a:tc>
                 <a:extLst>
                   <a:ext uri="{0D108BD9-81ED-4DB2-BD59-A6C34878D82A}">
-                    <a16:rowId xmlns:a16="http://schemas.microsoft.com/office/drawing/2014/main" val="10010"/>
+                    <a16:rowId xmlns:a16="http://schemas.microsoft.com/office/drawing/2014/main" xmlns="" val="10010"/>
                   </a:ext>
                 </a:extLst>
               </a:tr>
@@ -7319,7 +7320,7 @@
           <p:cNvPr id="42" name="TextBox 41">
             <a:extLst>
               <a:ext uri="{FF2B5EF4-FFF2-40B4-BE49-F238E27FC236}">
-                <a16:creationId xmlns:a16="http://schemas.microsoft.com/office/drawing/2014/main" id="{DF7DDD33-9412-2802-339A-E55446AC2DA7}"/>
+                <a16:creationId xmlns:a16="http://schemas.microsoft.com/office/drawing/2014/main" xmlns="" id="{DF7DDD33-9412-2802-339A-E55446AC2DA7}"/>
               </a:ext>
             </a:extLst>
           </p:cNvPr>
@@ -7377,7 +7378,7 @@
           <p:cNvPr id="47" name="TextBox 46">
             <a:extLst>
               <a:ext uri="{FF2B5EF4-FFF2-40B4-BE49-F238E27FC236}">
-                <a16:creationId xmlns:a16="http://schemas.microsoft.com/office/drawing/2014/main" id="{DF7DDD33-9412-2802-339A-E55446AC2DA7}"/>
+                <a16:creationId xmlns:a16="http://schemas.microsoft.com/office/drawing/2014/main" xmlns="" id="{DF7DDD33-9412-2802-339A-E55446AC2DA7}"/>
               </a:ext>
             </a:extLst>
           </p:cNvPr>
@@ -7425,7 +7426,7 @@
           <p:cNvPr id="48" name="TextBox 47">
             <a:extLst>
               <a:ext uri="{FF2B5EF4-FFF2-40B4-BE49-F238E27FC236}">
-                <a16:creationId xmlns:a16="http://schemas.microsoft.com/office/drawing/2014/main" id="{DF7DDD33-9412-2802-339A-E55446AC2DA7}"/>
+                <a16:creationId xmlns:a16="http://schemas.microsoft.com/office/drawing/2014/main" xmlns="" id="{DF7DDD33-9412-2802-339A-E55446AC2DA7}"/>
               </a:ext>
             </a:extLst>
           </p:cNvPr>
@@ -7473,7 +7474,7 @@
           <p:cNvPr id="49" name="TextBox 48">
             <a:extLst>
               <a:ext uri="{FF2B5EF4-FFF2-40B4-BE49-F238E27FC236}">
-                <a16:creationId xmlns:a16="http://schemas.microsoft.com/office/drawing/2014/main" id="{DF7DDD33-9412-2802-339A-E55446AC2DA7}"/>
+                <a16:creationId xmlns:a16="http://schemas.microsoft.com/office/drawing/2014/main" xmlns="" id="{DF7DDD33-9412-2802-339A-E55446AC2DA7}"/>
               </a:ext>
             </a:extLst>
           </p:cNvPr>
@@ -7531,7 +7532,7 @@
           <p:cNvPr id="50" name="TextBox 49">
             <a:extLst>
               <a:ext uri="{FF2B5EF4-FFF2-40B4-BE49-F238E27FC236}">
-                <a16:creationId xmlns:a16="http://schemas.microsoft.com/office/drawing/2014/main" id="{DF7DDD33-9412-2802-339A-E55446AC2DA7}"/>
+                <a16:creationId xmlns:a16="http://schemas.microsoft.com/office/drawing/2014/main" xmlns="" id="{DF7DDD33-9412-2802-339A-E55446AC2DA7}"/>
               </a:ext>
             </a:extLst>
           </p:cNvPr>
@@ -7579,7 +7580,7 @@
           <p:cNvPr id="51" name="TextBox 50">
             <a:extLst>
               <a:ext uri="{FF2B5EF4-FFF2-40B4-BE49-F238E27FC236}">
-                <a16:creationId xmlns:a16="http://schemas.microsoft.com/office/drawing/2014/main" id="{DF7DDD33-9412-2802-339A-E55446AC2DA7}"/>
+                <a16:creationId xmlns:a16="http://schemas.microsoft.com/office/drawing/2014/main" xmlns="" id="{DF7DDD33-9412-2802-339A-E55446AC2DA7}"/>
               </a:ext>
             </a:extLst>
           </p:cNvPr>
@@ -7637,7 +7638,7 @@
           <p:cNvPr id="52" name="TextBox 51">
             <a:extLst>
               <a:ext uri="{FF2B5EF4-FFF2-40B4-BE49-F238E27FC236}">
-                <a16:creationId xmlns:a16="http://schemas.microsoft.com/office/drawing/2014/main" id="{DF7DDD33-9412-2802-339A-E55446AC2DA7}"/>
+                <a16:creationId xmlns:a16="http://schemas.microsoft.com/office/drawing/2014/main" xmlns="" id="{DF7DDD33-9412-2802-339A-E55446AC2DA7}"/>
               </a:ext>
             </a:extLst>
           </p:cNvPr>
@@ -7685,7 +7686,7 @@
           <p:cNvPr id="53" name="TextBox 52">
             <a:extLst>
               <a:ext uri="{FF2B5EF4-FFF2-40B4-BE49-F238E27FC236}">
-                <a16:creationId xmlns:a16="http://schemas.microsoft.com/office/drawing/2014/main" id="{DF7DDD33-9412-2802-339A-E55446AC2DA7}"/>
+                <a16:creationId xmlns:a16="http://schemas.microsoft.com/office/drawing/2014/main" xmlns="" id="{DF7DDD33-9412-2802-339A-E55446AC2DA7}"/>
               </a:ext>
             </a:extLst>
           </p:cNvPr>
@@ -7743,7 +7744,7 @@
           <p:cNvPr id="54" name="TextBox 53">
             <a:extLst>
               <a:ext uri="{FF2B5EF4-FFF2-40B4-BE49-F238E27FC236}">
-                <a16:creationId xmlns:a16="http://schemas.microsoft.com/office/drawing/2014/main" id="{DF7DDD33-9412-2802-339A-E55446AC2DA7}"/>
+                <a16:creationId xmlns:a16="http://schemas.microsoft.com/office/drawing/2014/main" xmlns="" id="{DF7DDD33-9412-2802-339A-E55446AC2DA7}"/>
               </a:ext>
             </a:extLst>
           </p:cNvPr>
@@ -7791,7 +7792,7 @@
           <p:cNvPr id="55" name="TextBox 54">
             <a:extLst>
               <a:ext uri="{FF2B5EF4-FFF2-40B4-BE49-F238E27FC236}">
-                <a16:creationId xmlns:a16="http://schemas.microsoft.com/office/drawing/2014/main" id="{DF7DDD33-9412-2802-339A-E55446AC2DA7}"/>
+                <a16:creationId xmlns:a16="http://schemas.microsoft.com/office/drawing/2014/main" xmlns="" id="{DF7DDD33-9412-2802-339A-E55446AC2DA7}"/>
               </a:ext>
             </a:extLst>
           </p:cNvPr>
@@ -7863,7 +7864,7 @@
             <p:cNvPr id="57" name="직선 연결선 56">
               <a:extLst>
                 <a:ext uri="{FF2B5EF4-FFF2-40B4-BE49-F238E27FC236}">
-                  <a16:creationId xmlns:a16="http://schemas.microsoft.com/office/drawing/2014/main" id="{1172879B-889D-0C2F-EEA8-003E6793F36F}"/>
+                  <a16:creationId xmlns:a16="http://schemas.microsoft.com/office/drawing/2014/main" xmlns="" id="{1172879B-889D-0C2F-EEA8-003E6793F36F}"/>
                 </a:ext>
               </a:extLst>
             </p:cNvPr>
@@ -7906,7 +7907,7 @@
             <p:cNvPr id="58" name="직선 연결선 57">
               <a:extLst>
                 <a:ext uri="{FF2B5EF4-FFF2-40B4-BE49-F238E27FC236}">
-                  <a16:creationId xmlns:a16="http://schemas.microsoft.com/office/drawing/2014/main" id="{1172879B-889D-0C2F-EEA8-003E6793F36F}"/>
+                  <a16:creationId xmlns:a16="http://schemas.microsoft.com/office/drawing/2014/main" xmlns="" id="{1172879B-889D-0C2F-EEA8-003E6793F36F}"/>
                 </a:ext>
               </a:extLst>
             </p:cNvPr>
@@ -7949,7 +7950,7 @@
             <p:cNvPr id="59" name="직선 연결선 58">
               <a:extLst>
                 <a:ext uri="{FF2B5EF4-FFF2-40B4-BE49-F238E27FC236}">
-                  <a16:creationId xmlns:a16="http://schemas.microsoft.com/office/drawing/2014/main" id="{1172879B-889D-0C2F-EEA8-003E6793F36F}"/>
+                  <a16:creationId xmlns:a16="http://schemas.microsoft.com/office/drawing/2014/main" xmlns="" id="{1172879B-889D-0C2F-EEA8-003E6793F36F}"/>
                 </a:ext>
               </a:extLst>
             </p:cNvPr>
@@ -7992,7 +7993,7 @@
             <p:cNvPr id="60" name="직선 연결선 59">
               <a:extLst>
                 <a:ext uri="{FF2B5EF4-FFF2-40B4-BE49-F238E27FC236}">
-                  <a16:creationId xmlns:a16="http://schemas.microsoft.com/office/drawing/2014/main" id="{1172879B-889D-0C2F-EEA8-003E6793F36F}"/>
+                  <a16:creationId xmlns:a16="http://schemas.microsoft.com/office/drawing/2014/main" xmlns="" id="{1172879B-889D-0C2F-EEA8-003E6793F36F}"/>
                 </a:ext>
               </a:extLst>
             </p:cNvPr>
@@ -8036,7 +8037,7 @@
           <p:cNvPr id="61" name="직선 연결선 60">
             <a:extLst>
               <a:ext uri="{FF2B5EF4-FFF2-40B4-BE49-F238E27FC236}">
-                <a16:creationId xmlns:a16="http://schemas.microsoft.com/office/drawing/2014/main" id="{466D5656-813B-296D-F08F-2E57C8EBA1E1}"/>
+                <a16:creationId xmlns:a16="http://schemas.microsoft.com/office/drawing/2014/main" xmlns="" id="{466D5656-813B-296D-F08F-2E57C8EBA1E1}"/>
               </a:ext>
             </a:extLst>
           </p:cNvPr>
@@ -8120,7 +8121,7 @@
           <p:cNvPr id="2" name="TextBox 1">
             <a:extLst>
               <a:ext uri="{FF2B5EF4-FFF2-40B4-BE49-F238E27FC236}">
-                <a16:creationId xmlns:a16="http://schemas.microsoft.com/office/drawing/2014/main" id="{A92A45D9-B960-EF50-398E-26A3F43BF41A}"/>
+                <a16:creationId xmlns:a16="http://schemas.microsoft.com/office/drawing/2014/main" xmlns="" id="{A92A45D9-B960-EF50-398E-26A3F43BF41A}"/>
               </a:ext>
             </a:extLst>
           </p:cNvPr>
@@ -8168,7 +8169,7 @@
           <p:cNvPr id="15" name="TextBox 14">
             <a:extLst>
               <a:ext uri="{FF2B5EF4-FFF2-40B4-BE49-F238E27FC236}">
-                <a16:creationId xmlns:a16="http://schemas.microsoft.com/office/drawing/2014/main" id="{DED376BB-F528-3894-1736-C0627338EE98}"/>
+                <a16:creationId xmlns:a16="http://schemas.microsoft.com/office/drawing/2014/main" xmlns="" id="{DED376BB-F528-3894-1736-C0627338EE98}"/>
               </a:ext>
             </a:extLst>
           </p:cNvPr>
@@ -8297,6 +8298,519 @@
 
 <file path=ppt/slides/slide10.xml><?xml version="1.0" encoding="utf-8"?>
 <p:sld xmlns:a="http://schemas.openxmlformats.org/drawingml/2006/main" xmlns:r="http://schemas.openxmlformats.org/officeDocument/2006/relationships" xmlns:p="http://schemas.openxmlformats.org/presentationml/2006/main">
+  <p:cSld name="Slide 6">
+    <p:bg>
+      <p:bgPr>
+        <a:solidFill>
+          <a:srgbClr val="FFFFFF"/>
+        </a:solidFill>
+        <a:effectLst/>
+      </p:bgPr>
+    </p:bg>
+    <p:spTree>
+      <p:nvGrpSpPr>
+        <p:cNvPr id="1" name=""/>
+        <p:cNvGrpSpPr/>
+        <p:nvPr/>
+      </p:nvGrpSpPr>
+      <p:grpSpPr>
+        <a:xfrm>
+          <a:off x="0" y="0"/>
+          <a:ext cx="0" cy="0"/>
+          <a:chOff x="0" y="0"/>
+          <a:chExt cx="0" cy="0"/>
+        </a:xfrm>
+      </p:grpSpPr>
+      <p:pic>
+        <p:nvPicPr>
+          <p:cNvPr id="2" name="Object 1"/>
+          <p:cNvPicPr>
+            <a:picLocks noChangeAspect="1"/>
+          </p:cNvPicPr>
+          <p:nvPr/>
+        </p:nvPicPr>
+        <p:blipFill>
+          <a:blip r:embed="rId2" cstate="print"/>
+          <a:stretch>
+            <a:fillRect/>
+          </a:stretch>
+        </p:blipFill>
+        <p:spPr>
+          <a:xfrm>
+            <a:off x="1600002" y="3571507"/>
+            <a:ext cx="3832285" cy="1865668"/>
+          </a:xfrm>
+          <a:prstGeom prst="rect">
+            <a:avLst/>
+          </a:prstGeom>
+        </p:spPr>
+      </p:pic>
+      <p:pic>
+        <p:nvPicPr>
+          <p:cNvPr id="3" name="Object 2"/>
+          <p:cNvPicPr>
+            <a:picLocks noChangeAspect="1"/>
+          </p:cNvPicPr>
+          <p:nvPr/>
+        </p:nvPicPr>
+        <p:blipFill>
+          <a:blip r:embed="rId3" cstate="print"/>
+          <a:stretch>
+            <a:fillRect/>
+          </a:stretch>
+        </p:blipFill>
+        <p:spPr>
+          <a:xfrm>
+            <a:off x="1632383" y="5806204"/>
+            <a:ext cx="4155185" cy="745677"/>
+          </a:xfrm>
+          <a:prstGeom prst="rect">
+            <a:avLst/>
+          </a:prstGeom>
+        </p:spPr>
+      </p:pic>
+      <p:grpSp>
+        <p:nvGrpSpPr>
+          <p:cNvPr id="1001" name="그룹 1001"/>
+          <p:cNvGrpSpPr/>
+          <p:nvPr/>
+        </p:nvGrpSpPr>
+        <p:grpSpPr>
+          <a:xfrm>
+            <a:off x="1202388" y="7727078"/>
+            <a:ext cx="3922193" cy="3884148"/>
+            <a:chOff x="1202388" y="7727078"/>
+            <a:chExt cx="3922193" cy="3884148"/>
+          </a:xfrm>
+        </p:grpSpPr>
+        <p:pic>
+          <p:nvPicPr>
+            <p:cNvPr id="5" name="Object 4"/>
+            <p:cNvPicPr>
+              <a:picLocks noChangeAspect="1"/>
+            </p:cNvPicPr>
+            <p:nvPr/>
+          </p:nvPicPr>
+          <p:blipFill>
+            <a:blip r:embed="rId4" cstate="print"/>
+            <a:stretch>
+              <a:fillRect/>
+            </a:stretch>
+          </p:blipFill>
+          <p:spPr>
+            <a:xfrm>
+              <a:off x="1202388" y="7727078"/>
+              <a:ext cx="3922193" cy="3884148"/>
+            </a:xfrm>
+            <a:prstGeom prst="rect">
+              <a:avLst/>
+            </a:prstGeom>
+          </p:spPr>
+        </p:pic>
+      </p:grpSp>
+      <p:grpSp>
+        <p:nvGrpSpPr>
+          <p:cNvPr id="1002" name="그룹 1002"/>
+          <p:cNvGrpSpPr/>
+          <p:nvPr/>
+        </p:nvGrpSpPr>
+        <p:grpSpPr>
+          <a:xfrm>
+            <a:off x="-1483995" y="-3011652"/>
+            <a:ext cx="5220385" cy="5220385"/>
+            <a:chOff x="-1483995" y="-3011652"/>
+            <a:chExt cx="5220385" cy="5220385"/>
+          </a:xfrm>
+        </p:grpSpPr>
+        <p:pic>
+          <p:nvPicPr>
+            <p:cNvPr id="8" name="Object 7"/>
+            <p:cNvPicPr>
+              <a:picLocks noChangeAspect="1"/>
+            </p:cNvPicPr>
+            <p:nvPr/>
+          </p:nvPicPr>
+          <p:blipFill>
+            <a:blip r:embed="rId5" cstate="print"/>
+            <a:stretch>
+              <a:fillRect/>
+            </a:stretch>
+          </p:blipFill>
+          <p:spPr>
+            <a:xfrm rot="-2700000">
+              <a:off x="-1483995" y="-3011652"/>
+              <a:ext cx="5220385" cy="5220385"/>
+            </a:xfrm>
+            <a:prstGeom prst="rect">
+              <a:avLst/>
+            </a:prstGeom>
+          </p:spPr>
+        </p:pic>
+      </p:grpSp>
+      <p:pic>
+        <p:nvPicPr>
+          <p:cNvPr id="10" name="Object 9"/>
+          <p:cNvPicPr>
+            <a:picLocks noChangeAspect="1"/>
+          </p:cNvPicPr>
+          <p:nvPr/>
+        </p:nvPicPr>
+        <p:blipFill>
+          <a:blip r:embed="rId6" cstate="print"/>
+          <a:stretch>
+            <a:fillRect/>
+          </a:stretch>
+        </p:blipFill>
+        <p:spPr>
+          <a:xfrm>
+            <a:off x="14750307" y="471765"/>
+            <a:ext cx="2488599" cy="362335"/>
+          </a:xfrm>
+          <a:prstGeom prst="rect">
+            <a:avLst/>
+          </a:prstGeom>
+        </p:spPr>
+      </p:pic>
+      <p:pic>
+        <p:nvPicPr>
+          <p:cNvPr id="11" name="Object 10"/>
+          <p:cNvPicPr>
+            <a:picLocks noChangeAspect="1"/>
+          </p:cNvPicPr>
+          <p:nvPr/>
+        </p:nvPicPr>
+        <p:blipFill>
+          <a:blip r:embed="rId7" cstate="print"/>
+          <a:stretch>
+            <a:fillRect/>
+          </a:stretch>
+        </p:blipFill>
+        <p:spPr>
+          <a:xfrm>
+            <a:off x="17064169" y="333009"/>
+            <a:ext cx="800998" cy="708122"/>
+          </a:xfrm>
+          <a:prstGeom prst="rect">
+            <a:avLst/>
+          </a:prstGeom>
+        </p:spPr>
+      </p:pic>
+      <p:pic>
+        <p:nvPicPr>
+          <p:cNvPr id="12" name="Object 11"/>
+          <p:cNvPicPr>
+            <a:picLocks noChangeAspect="1"/>
+          </p:cNvPicPr>
+          <p:nvPr/>
+        </p:nvPicPr>
+        <p:blipFill>
+          <a:blip r:embed="rId8" cstate="print"/>
+          <a:stretch>
+            <a:fillRect/>
+          </a:stretch>
+        </p:blipFill>
+        <p:spPr>
+          <a:xfrm>
+            <a:off x="9738070" y="2618809"/>
+            <a:ext cx="6753761" cy="1025651"/>
+          </a:xfrm>
+          <a:prstGeom prst="rect">
+            <a:avLst/>
+          </a:prstGeom>
+        </p:spPr>
+      </p:pic>
+      <p:grpSp>
+        <p:nvGrpSpPr>
+          <p:cNvPr id="1003" name="그룹 1003"/>
+          <p:cNvGrpSpPr/>
+          <p:nvPr/>
+        </p:nvGrpSpPr>
+        <p:grpSpPr>
+          <a:xfrm>
+            <a:off x="9367774" y="1970194"/>
+            <a:ext cx="6530294" cy="533320"/>
+            <a:chOff x="9367774" y="1970194"/>
+            <a:chExt cx="6530294" cy="533320"/>
+          </a:xfrm>
+        </p:grpSpPr>
+        <p:pic>
+          <p:nvPicPr>
+            <p:cNvPr id="14" name="Object 13"/>
+            <p:cNvPicPr>
+              <a:picLocks noChangeAspect="1"/>
+            </p:cNvPicPr>
+            <p:nvPr/>
+          </p:nvPicPr>
+          <p:blipFill>
+            <a:blip r:embed="rId9" cstate="print"/>
+            <a:stretch>
+              <a:fillRect/>
+            </a:stretch>
+          </p:blipFill>
+          <p:spPr>
+            <a:xfrm>
+              <a:off x="9726641" y="1913053"/>
+              <a:ext cx="4217799" cy="680173"/>
+            </a:xfrm>
+            <a:prstGeom prst="rect">
+              <a:avLst/>
+            </a:prstGeom>
+          </p:spPr>
+        </p:pic>
+        <p:grpSp>
+          <p:nvGrpSpPr>
+            <p:cNvPr id="1004" name="그룹 1004"/>
+            <p:cNvGrpSpPr/>
+            <p:nvPr/>
+          </p:nvGrpSpPr>
+          <p:grpSpPr>
+            <a:xfrm>
+              <a:off x="9367774" y="2186359"/>
+              <a:ext cx="160149" cy="160149"/>
+              <a:chOff x="9367774" y="2186359"/>
+              <a:chExt cx="160149" cy="160149"/>
+            </a:xfrm>
+          </p:grpSpPr>
+          <p:pic>
+            <p:nvPicPr>
+              <p:cNvPr id="16" name="Object 15"/>
+              <p:cNvPicPr>
+                <a:picLocks noChangeAspect="1"/>
+              </p:cNvPicPr>
+              <p:nvPr/>
+            </p:nvPicPr>
+            <p:blipFill>
+              <a:blip r:embed="rId10" cstate="print"/>
+              <a:stretch>
+                <a:fillRect/>
+              </a:stretch>
+            </p:blipFill>
+            <p:spPr>
+              <a:xfrm>
+                <a:off x="9367774" y="2186359"/>
+                <a:ext cx="160149" cy="160149"/>
+              </a:xfrm>
+              <a:prstGeom prst="rect">
+                <a:avLst/>
+              </a:prstGeom>
+            </p:spPr>
+          </p:pic>
+        </p:grpSp>
+      </p:grpSp>
+      <p:pic>
+        <p:nvPicPr>
+          <p:cNvPr id="19" name="Object 18"/>
+          <p:cNvPicPr>
+            <a:picLocks noChangeAspect="1"/>
+          </p:cNvPicPr>
+          <p:nvPr/>
+        </p:nvPicPr>
+        <p:blipFill>
+          <a:blip r:embed="rId11" cstate="print"/>
+          <a:stretch>
+            <a:fillRect/>
+          </a:stretch>
+        </p:blipFill>
+        <p:spPr>
+          <a:xfrm>
+            <a:off x="9738070" y="5041605"/>
+            <a:ext cx="6964448" cy="1041803"/>
+          </a:xfrm>
+          <a:prstGeom prst="rect">
+            <a:avLst/>
+          </a:prstGeom>
+        </p:spPr>
+      </p:pic>
+      <p:grpSp>
+        <p:nvGrpSpPr>
+          <p:cNvPr id="1005" name="그룹 1005"/>
+          <p:cNvGrpSpPr/>
+          <p:nvPr/>
+        </p:nvGrpSpPr>
+        <p:grpSpPr>
+          <a:xfrm>
+            <a:off x="9367774" y="4392990"/>
+            <a:ext cx="6530294" cy="533320"/>
+            <a:chOff x="9367774" y="4392990"/>
+            <a:chExt cx="6530294" cy="533320"/>
+          </a:xfrm>
+        </p:grpSpPr>
+        <p:pic>
+          <p:nvPicPr>
+            <p:cNvPr id="21" name="Object 20"/>
+            <p:cNvPicPr>
+              <a:picLocks noChangeAspect="1"/>
+            </p:cNvPicPr>
+            <p:nvPr/>
+          </p:nvPicPr>
+          <p:blipFill>
+            <a:blip r:embed="rId9" cstate="print"/>
+            <a:stretch>
+              <a:fillRect/>
+            </a:stretch>
+          </p:blipFill>
+          <p:spPr>
+            <a:xfrm>
+              <a:off x="9726641" y="4335849"/>
+              <a:ext cx="4217799" cy="680173"/>
+            </a:xfrm>
+            <a:prstGeom prst="rect">
+              <a:avLst/>
+            </a:prstGeom>
+          </p:spPr>
+        </p:pic>
+        <p:grpSp>
+          <p:nvGrpSpPr>
+            <p:cNvPr id="1006" name="그룹 1006"/>
+            <p:cNvGrpSpPr/>
+            <p:nvPr/>
+          </p:nvGrpSpPr>
+          <p:grpSpPr>
+            <a:xfrm>
+              <a:off x="9367774" y="4609155"/>
+              <a:ext cx="160149" cy="160149"/>
+              <a:chOff x="9367774" y="4609155"/>
+              <a:chExt cx="160149" cy="160149"/>
+            </a:xfrm>
+          </p:grpSpPr>
+          <p:pic>
+            <p:nvPicPr>
+              <p:cNvPr id="23" name="Object 22"/>
+              <p:cNvPicPr>
+                <a:picLocks noChangeAspect="1"/>
+              </p:cNvPicPr>
+              <p:nvPr/>
+            </p:nvPicPr>
+            <p:blipFill>
+              <a:blip r:embed="rId10" cstate="print"/>
+              <a:stretch>
+                <a:fillRect/>
+              </a:stretch>
+            </p:blipFill>
+            <p:spPr>
+              <a:xfrm>
+                <a:off x="9367774" y="4609155"/>
+                <a:ext cx="160149" cy="160149"/>
+              </a:xfrm>
+              <a:prstGeom prst="rect">
+                <a:avLst/>
+              </a:prstGeom>
+            </p:spPr>
+          </p:pic>
+        </p:grpSp>
+      </p:grpSp>
+      <p:pic>
+        <p:nvPicPr>
+          <p:cNvPr id="26" name="Object 25"/>
+          <p:cNvPicPr>
+            <a:picLocks noChangeAspect="1"/>
+          </p:cNvPicPr>
+          <p:nvPr/>
+        </p:nvPicPr>
+        <p:blipFill>
+          <a:blip r:embed="rId12" cstate="print"/>
+          <a:stretch>
+            <a:fillRect/>
+          </a:stretch>
+        </p:blipFill>
+        <p:spPr>
+          <a:xfrm>
+            <a:off x="9738070" y="7350107"/>
+            <a:ext cx="6901466" cy="1027174"/>
+          </a:xfrm>
+          <a:prstGeom prst="rect">
+            <a:avLst/>
+          </a:prstGeom>
+        </p:spPr>
+      </p:pic>
+      <p:grpSp>
+        <p:nvGrpSpPr>
+          <p:cNvPr id="1007" name="그룹 1007"/>
+          <p:cNvGrpSpPr/>
+          <p:nvPr/>
+        </p:nvGrpSpPr>
+        <p:grpSpPr>
+          <a:xfrm>
+            <a:off x="9367774" y="6701492"/>
+            <a:ext cx="6530294" cy="533320"/>
+            <a:chOff x="9367774" y="6701492"/>
+            <a:chExt cx="6530294" cy="533320"/>
+          </a:xfrm>
+        </p:grpSpPr>
+        <p:pic>
+          <p:nvPicPr>
+            <p:cNvPr id="28" name="Object 27"/>
+            <p:cNvPicPr>
+              <a:picLocks noChangeAspect="1"/>
+            </p:cNvPicPr>
+            <p:nvPr/>
+          </p:nvPicPr>
+          <p:blipFill>
+            <a:blip r:embed="rId9" cstate="print"/>
+            <a:stretch>
+              <a:fillRect/>
+            </a:stretch>
+          </p:blipFill>
+          <p:spPr>
+            <a:xfrm>
+              <a:off x="9726641" y="6644351"/>
+              <a:ext cx="4217799" cy="680173"/>
+            </a:xfrm>
+            <a:prstGeom prst="rect">
+              <a:avLst/>
+            </a:prstGeom>
+          </p:spPr>
+        </p:pic>
+        <p:grpSp>
+          <p:nvGrpSpPr>
+            <p:cNvPr id="1008" name="그룹 1008"/>
+            <p:cNvGrpSpPr/>
+            <p:nvPr/>
+          </p:nvGrpSpPr>
+          <p:grpSpPr>
+            <a:xfrm>
+              <a:off x="9367774" y="6917657"/>
+              <a:ext cx="160149" cy="160149"/>
+              <a:chOff x="9367774" y="6917657"/>
+              <a:chExt cx="160149" cy="160149"/>
+            </a:xfrm>
+          </p:grpSpPr>
+          <p:pic>
+            <p:nvPicPr>
+              <p:cNvPr id="30" name="Object 29"/>
+              <p:cNvPicPr>
+                <a:picLocks noChangeAspect="1"/>
+              </p:cNvPicPr>
+              <p:nvPr/>
+            </p:nvPicPr>
+            <p:blipFill>
+              <a:blip r:embed="rId10" cstate="print"/>
+              <a:stretch>
+                <a:fillRect/>
+              </a:stretch>
+            </p:blipFill>
+            <p:spPr>
+              <a:xfrm>
+                <a:off x="9367774" y="6917657"/>
+                <a:ext cx="160149" cy="160149"/>
+              </a:xfrm>
+              <a:prstGeom prst="rect">
+                <a:avLst/>
+              </a:prstGeom>
+            </p:spPr>
+          </p:pic>
+        </p:grpSp>
+      </p:grpSp>
+    </p:spTree>
+  </p:cSld>
+  <p:clrMapOvr>
+    <a:masterClrMapping/>
+  </p:clrMapOvr>
+</p:sld>
+</file>
+
+<file path=ppt/slides/slide11.xml><?xml version="1.0" encoding="utf-8"?>
+<p:sld xmlns:a="http://schemas.openxmlformats.org/drawingml/2006/main" xmlns:r="http://schemas.openxmlformats.org/officeDocument/2006/relationships" xmlns:p="http://schemas.openxmlformats.org/presentationml/2006/main">
   <p:cSld name="Slide 7">
     <p:bg>
       <p:bgPr>
@@ -8733,7 +9247,7 @@
 </p:sld>
 </file>
 
-<file path=ppt/slides/slide11.xml><?xml version="1.0" encoding="utf-8"?>
+<file path=ppt/slides/slide12.xml><?xml version="1.0" encoding="utf-8"?>
 <p:sld xmlns:a="http://schemas.openxmlformats.org/drawingml/2006/main" xmlns:r="http://schemas.openxmlformats.org/officeDocument/2006/relationships" xmlns:p="http://schemas.openxmlformats.org/presentationml/2006/main">
   <p:cSld name="Slide 8">
     <p:bg>
@@ -9426,7 +9940,7 @@
 </p:sld>
 </file>
 
-<file path=ppt/slides/slide12.xml><?xml version="1.0" encoding="utf-8"?>
+<file path=ppt/slides/slide13.xml><?xml version="1.0" encoding="utf-8"?>
 <p:sld xmlns:a="http://schemas.openxmlformats.org/drawingml/2006/main" xmlns:r="http://schemas.openxmlformats.org/officeDocument/2006/relationships" xmlns:p="http://schemas.openxmlformats.org/presentationml/2006/main">
   <p:cSld name="Slide 9">
     <p:bg>
@@ -9687,7 +10201,7 @@
 </p:sld>
 </file>
 
-<file path=ppt/slides/slide13.xml><?xml version="1.0" encoding="utf-8"?>
+<file path=ppt/slides/slide14.xml><?xml version="1.0" encoding="utf-8"?>
 <p:sld xmlns:a="http://schemas.openxmlformats.org/drawingml/2006/main" xmlns:r="http://schemas.openxmlformats.org/officeDocument/2006/relationships" xmlns:p="http://schemas.openxmlformats.org/presentationml/2006/main">
   <p:cSld name="Slide 10">
     <p:bg>
@@ -10755,7 +11269,7 @@
 </p:sld>
 </file>
 
-<file path=ppt/slides/slide14.xml><?xml version="1.0" encoding="utf-8"?>
+<file path=ppt/slides/slide15.xml><?xml version="1.0" encoding="utf-8"?>
 <p:sld xmlns:a="http://schemas.openxmlformats.org/drawingml/2006/main" xmlns:r="http://schemas.openxmlformats.org/officeDocument/2006/relationships" xmlns:p="http://schemas.openxmlformats.org/presentationml/2006/main">
   <p:cSld name="Slide 11">
     <p:bg>
@@ -11382,7 +11896,7 @@
 </p:sld>
 </file>
 
-<file path=ppt/slides/slide15.xml><?xml version="1.0" encoding="utf-8"?>
+<file path=ppt/slides/slide16.xml><?xml version="1.0" encoding="utf-8"?>
 <p:sld xmlns:a="http://schemas.openxmlformats.org/drawingml/2006/main" xmlns:r="http://schemas.openxmlformats.org/officeDocument/2006/relationships" xmlns:p="http://schemas.openxmlformats.org/presentationml/2006/main">
   <p:cSld name="Slide 12">
     <p:bg>
@@ -12957,7 +13471,7 @@
 </p:sld>
 </file>
 
-<file path=ppt/slides/slide16.xml><?xml version="1.0" encoding="utf-8"?>
+<file path=ppt/slides/slide17.xml><?xml version="1.0" encoding="utf-8"?>
 <p:sld xmlns:a="http://schemas.openxmlformats.org/drawingml/2006/main" xmlns:r="http://schemas.openxmlformats.org/officeDocument/2006/relationships" xmlns:p="http://schemas.openxmlformats.org/presentationml/2006/main">
   <p:cSld>
     <p:spTree>
@@ -13440,7 +13954,7 @@
 </p:sld>
 </file>
 
-<file path=ppt/slides/slide17.xml><?xml version="1.0" encoding="utf-8"?>
+<file path=ppt/slides/slide18.xml><?xml version="1.0" encoding="utf-8"?>
 <p:sld xmlns:a="http://schemas.openxmlformats.org/drawingml/2006/main" xmlns:r="http://schemas.openxmlformats.org/officeDocument/2006/relationships" xmlns:p="http://schemas.openxmlformats.org/presentationml/2006/main">
   <p:cSld name="Slide 13">
     <p:bg>
@@ -13686,7 +14200,7 @@
 </p:sld>
 </file>
 
-<file path=ppt/slides/slide18.xml><?xml version="1.0" encoding="utf-8"?>
+<file path=ppt/slides/slide19.xml><?xml version="1.0" encoding="utf-8"?>
 <p:sld xmlns:a="http://schemas.openxmlformats.org/drawingml/2006/main" xmlns:r="http://schemas.openxmlformats.org/officeDocument/2006/relationships" xmlns:p="http://schemas.openxmlformats.org/presentationml/2006/main">
   <p:cSld name="Slide 14">
     <p:bg>
@@ -13938,1593 +14452,6 @@
             </a:prstGeom>
           </p:spPr>
         </p:pic>
-      </p:grpSp>
-    </p:spTree>
-  </p:cSld>
-  <p:clrMapOvr>
-    <a:masterClrMapping/>
-  </p:clrMapOvr>
-</p:sld>
-</file>
-
-<file path=ppt/slides/slide19.xml><?xml version="1.0" encoding="utf-8"?>
-<p:sld xmlns:a="http://schemas.openxmlformats.org/drawingml/2006/main" xmlns:r="http://schemas.openxmlformats.org/officeDocument/2006/relationships" xmlns:p="http://schemas.openxmlformats.org/presentationml/2006/main">
-  <p:cSld name="Slide 15">
-    <p:bg>
-      <p:bgPr>
-        <a:solidFill>
-          <a:srgbClr val="FFFFFF"/>
-        </a:solidFill>
-        <a:effectLst/>
-      </p:bgPr>
-    </p:bg>
-    <p:spTree>
-      <p:nvGrpSpPr>
-        <p:cNvPr id="1" name=""/>
-        <p:cNvGrpSpPr/>
-        <p:nvPr/>
-      </p:nvGrpSpPr>
-      <p:grpSpPr>
-        <a:xfrm>
-          <a:off x="0" y="0"/>
-          <a:ext cx="0" cy="0"/>
-          <a:chOff x="0" y="0"/>
-          <a:chExt cx="0" cy="0"/>
-        </a:xfrm>
-      </p:grpSpPr>
-      <p:grpSp>
-        <p:nvGrpSpPr>
-          <p:cNvPr id="1001" name="그룹 1001"/>
-          <p:cNvGrpSpPr/>
-          <p:nvPr/>
-        </p:nvGrpSpPr>
-        <p:grpSpPr>
-          <a:xfrm>
-            <a:off x="4513409" y="3591187"/>
-            <a:ext cx="2657208" cy="3065956"/>
-            <a:chOff x="4513409" y="3591187"/>
-            <a:chExt cx="2657208" cy="3065956"/>
-          </a:xfrm>
-        </p:grpSpPr>
-        <p:grpSp>
-          <p:nvGrpSpPr>
-            <p:cNvPr id="1002" name="그룹 1002"/>
-            <p:cNvGrpSpPr/>
-            <p:nvPr/>
-          </p:nvGrpSpPr>
-          <p:grpSpPr>
-            <a:xfrm>
-              <a:off x="5453364" y="3877836"/>
-              <a:ext cx="612927" cy="612927"/>
-              <a:chOff x="5453364" y="3877836"/>
-              <a:chExt cx="612927" cy="612927"/>
-            </a:xfrm>
-          </p:grpSpPr>
-          <p:pic>
-            <p:nvPicPr>
-              <p:cNvPr id="4" name="Object 3"/>
-              <p:cNvPicPr>
-                <a:picLocks noChangeAspect="1"/>
-              </p:cNvPicPr>
-              <p:nvPr/>
-            </p:nvPicPr>
-            <p:blipFill>
-              <a:blip r:embed="rId2" cstate="print"/>
-              <a:stretch>
-                <a:fillRect/>
-              </a:stretch>
-            </p:blipFill>
-            <p:spPr>
-              <a:xfrm>
-                <a:off x="5453364" y="3877836"/>
-                <a:ext cx="612927" cy="612927"/>
-              </a:xfrm>
-              <a:prstGeom prst="rect">
-                <a:avLst/>
-              </a:prstGeom>
-            </p:spPr>
-          </p:pic>
-        </p:grpSp>
-        <p:grpSp>
-          <p:nvGrpSpPr>
-            <p:cNvPr id="1003" name="그룹 1003"/>
-            <p:cNvGrpSpPr/>
-            <p:nvPr/>
-          </p:nvGrpSpPr>
-          <p:grpSpPr>
-            <a:xfrm>
-              <a:off x="6235375" y="3687617"/>
-              <a:ext cx="496682" cy="496682"/>
-              <a:chOff x="6235375" y="3687617"/>
-              <a:chExt cx="496682" cy="496682"/>
-            </a:xfrm>
-          </p:grpSpPr>
-          <p:pic>
-            <p:nvPicPr>
-              <p:cNvPr id="7" name="Object 6"/>
-              <p:cNvPicPr>
-                <a:picLocks noChangeAspect="1"/>
-              </p:cNvPicPr>
-              <p:nvPr/>
-            </p:nvPicPr>
-            <p:blipFill>
-              <a:blip r:embed="rId3" cstate="print"/>
-              <a:stretch>
-                <a:fillRect/>
-              </a:stretch>
-            </p:blipFill>
-            <p:spPr>
-              <a:xfrm>
-                <a:off x="6235375" y="3687617"/>
-                <a:ext cx="496682" cy="496682"/>
-              </a:xfrm>
-              <a:prstGeom prst="rect">
-                <a:avLst/>
-              </a:prstGeom>
-            </p:spPr>
-          </p:pic>
-        </p:grpSp>
-        <p:grpSp>
-          <p:nvGrpSpPr>
-            <p:cNvPr id="1004" name="그룹 1004"/>
-            <p:cNvGrpSpPr/>
-            <p:nvPr/>
-          </p:nvGrpSpPr>
-          <p:grpSpPr>
-            <a:xfrm>
-              <a:off x="6885289" y="4163164"/>
-              <a:ext cx="285328" cy="285328"/>
-              <a:chOff x="6885289" y="4163164"/>
-              <a:chExt cx="285328" cy="285328"/>
-            </a:xfrm>
-          </p:grpSpPr>
-          <p:pic>
-            <p:nvPicPr>
-              <p:cNvPr id="10" name="Object 9"/>
-              <p:cNvPicPr>
-                <a:picLocks noChangeAspect="1"/>
-              </p:cNvPicPr>
-              <p:nvPr/>
-            </p:nvPicPr>
-            <p:blipFill>
-              <a:blip r:embed="rId4" cstate="print"/>
-              <a:stretch>
-                <a:fillRect/>
-              </a:stretch>
-            </p:blipFill>
-            <p:spPr>
-              <a:xfrm>
-                <a:off x="6885289" y="4163164"/>
-                <a:ext cx="285328" cy="285328"/>
-              </a:xfrm>
-              <a:prstGeom prst="rect">
-                <a:avLst/>
-              </a:prstGeom>
-            </p:spPr>
-          </p:pic>
-        </p:grpSp>
-        <p:grpSp>
-          <p:nvGrpSpPr>
-            <p:cNvPr id="1005" name="그룹 1005"/>
-            <p:cNvGrpSpPr/>
-            <p:nvPr/>
-          </p:nvGrpSpPr>
-          <p:grpSpPr>
-            <a:xfrm>
-              <a:off x="5173320" y="3597791"/>
-              <a:ext cx="280044" cy="280044"/>
-              <a:chOff x="5173320" y="3597791"/>
-              <a:chExt cx="280044" cy="280044"/>
-            </a:xfrm>
-          </p:grpSpPr>
-          <p:pic>
-            <p:nvPicPr>
-              <p:cNvPr id="13" name="Object 12"/>
-              <p:cNvPicPr>
-                <a:picLocks noChangeAspect="1"/>
-              </p:cNvPicPr>
-              <p:nvPr/>
-            </p:nvPicPr>
-            <p:blipFill>
-              <a:blip r:embed="rId5" cstate="print"/>
-              <a:stretch>
-                <a:fillRect/>
-              </a:stretch>
-            </p:blipFill>
-            <p:spPr>
-              <a:xfrm>
-                <a:off x="5173320" y="3597791"/>
-                <a:ext cx="280044" cy="280044"/>
-              </a:xfrm>
-              <a:prstGeom prst="rect">
-                <a:avLst/>
-              </a:prstGeom>
-            </p:spPr>
-          </p:pic>
-        </p:grpSp>
-        <p:grpSp>
-          <p:nvGrpSpPr>
-            <p:cNvPr id="1006" name="그룹 1006"/>
-            <p:cNvGrpSpPr/>
-            <p:nvPr/>
-          </p:nvGrpSpPr>
-          <p:grpSpPr>
-            <a:xfrm>
-              <a:off x="4933171" y="3991705"/>
-              <a:ext cx="343184" cy="343184"/>
-              <a:chOff x="4933171" y="3991705"/>
-              <a:chExt cx="343184" cy="343184"/>
-            </a:xfrm>
-          </p:grpSpPr>
-          <p:pic>
-            <p:nvPicPr>
-              <p:cNvPr id="16" name="Object 15"/>
-              <p:cNvPicPr>
-                <a:picLocks noChangeAspect="1"/>
-              </p:cNvPicPr>
-              <p:nvPr/>
-            </p:nvPicPr>
-            <p:blipFill>
-              <a:blip r:embed="rId6" cstate="print"/>
-              <a:stretch>
-                <a:fillRect/>
-              </a:stretch>
-            </p:blipFill>
-            <p:spPr>
-              <a:xfrm>
-                <a:off x="4933171" y="3991705"/>
-                <a:ext cx="343184" cy="343184"/>
-              </a:xfrm>
-              <a:prstGeom prst="rect">
-                <a:avLst/>
-              </a:prstGeom>
-            </p:spPr>
-          </p:pic>
-        </p:grpSp>
-        <p:grpSp>
-          <p:nvGrpSpPr>
-            <p:cNvPr id="1007" name="그룹 1007"/>
-            <p:cNvGrpSpPr/>
-            <p:nvPr/>
-          </p:nvGrpSpPr>
-          <p:grpSpPr>
-            <a:xfrm>
-              <a:off x="4513409" y="4184299"/>
-              <a:ext cx="241917" cy="241917"/>
-              <a:chOff x="4513409" y="4184299"/>
-              <a:chExt cx="241917" cy="241917"/>
-            </a:xfrm>
-          </p:grpSpPr>
-          <p:pic>
-            <p:nvPicPr>
-              <p:cNvPr id="19" name="Object 18"/>
-              <p:cNvPicPr>
-                <a:picLocks noChangeAspect="1"/>
-              </p:cNvPicPr>
-              <p:nvPr/>
-            </p:nvPicPr>
-            <p:blipFill>
-              <a:blip r:embed="rId7" cstate="print"/>
-              <a:stretch>
-                <a:fillRect/>
-              </a:stretch>
-            </p:blipFill>
-            <p:spPr>
-              <a:xfrm>
-                <a:off x="4513409" y="4184299"/>
-                <a:ext cx="241917" cy="241917"/>
-              </a:xfrm>
-              <a:prstGeom prst="rect">
-                <a:avLst/>
-              </a:prstGeom>
-            </p:spPr>
-          </p:pic>
-        </p:grpSp>
-        <p:grpSp>
-          <p:nvGrpSpPr>
-            <p:cNvPr id="1008" name="그룹 1008"/>
-            <p:cNvGrpSpPr/>
-            <p:nvPr/>
-          </p:nvGrpSpPr>
-          <p:grpSpPr>
-            <a:xfrm>
-              <a:off x="5969861" y="3591187"/>
-              <a:ext cx="192861" cy="192861"/>
-              <a:chOff x="5969861" y="3591187"/>
-              <a:chExt cx="192861" cy="192861"/>
-            </a:xfrm>
-          </p:grpSpPr>
-          <p:pic>
-            <p:nvPicPr>
-              <p:cNvPr id="22" name="Object 21"/>
-              <p:cNvPicPr>
-                <a:picLocks noChangeAspect="1"/>
-              </p:cNvPicPr>
-              <p:nvPr/>
-            </p:nvPicPr>
-            <p:blipFill>
-              <a:blip r:embed="rId8" cstate="print"/>
-              <a:stretch>
-                <a:fillRect/>
-              </a:stretch>
-            </p:blipFill>
-            <p:spPr>
-              <a:xfrm>
-                <a:off x="5969861" y="3591187"/>
-                <a:ext cx="192861" cy="192861"/>
-              </a:xfrm>
-              <a:prstGeom prst="rect">
-                <a:avLst/>
-              </a:prstGeom>
-            </p:spPr>
-          </p:pic>
-        </p:grpSp>
-        <p:grpSp>
-          <p:nvGrpSpPr>
-            <p:cNvPr id="1009" name="그룹 1009"/>
-            <p:cNvGrpSpPr/>
-            <p:nvPr/>
-          </p:nvGrpSpPr>
-          <p:grpSpPr>
-            <a:xfrm>
-              <a:off x="5051792" y="5935897"/>
-              <a:ext cx="517818" cy="517818"/>
-              <a:chOff x="5051792" y="5935897"/>
-              <a:chExt cx="517818" cy="517818"/>
-            </a:xfrm>
-          </p:grpSpPr>
-          <p:pic>
-            <p:nvPicPr>
-              <p:cNvPr id="25" name="Object 24"/>
-              <p:cNvPicPr>
-                <a:picLocks noChangeAspect="1"/>
-              </p:cNvPicPr>
-              <p:nvPr/>
-            </p:nvPicPr>
-            <p:blipFill>
-              <a:blip r:embed="rId9" cstate="print"/>
-              <a:stretch>
-                <a:fillRect/>
-              </a:stretch>
-            </p:blipFill>
-            <p:spPr>
-              <a:xfrm>
-                <a:off x="5051792" y="5935897"/>
-                <a:ext cx="517818" cy="517818"/>
-              </a:xfrm>
-              <a:prstGeom prst="rect">
-                <a:avLst/>
-              </a:prstGeom>
-            </p:spPr>
-          </p:pic>
-        </p:grpSp>
-        <p:grpSp>
-          <p:nvGrpSpPr>
-            <p:cNvPr id="1010" name="그룹 1010"/>
-            <p:cNvGrpSpPr/>
-            <p:nvPr/>
-          </p:nvGrpSpPr>
-          <p:grpSpPr>
-            <a:xfrm>
-              <a:off x="6004206" y="6194806"/>
-              <a:ext cx="462337" cy="462337"/>
-              <a:chOff x="6004206" y="6194806"/>
-              <a:chExt cx="462337" cy="462337"/>
-            </a:xfrm>
-          </p:grpSpPr>
-          <p:pic>
-            <p:nvPicPr>
-              <p:cNvPr id="28" name="Object 27"/>
-              <p:cNvPicPr>
-                <a:picLocks noChangeAspect="1"/>
-              </p:cNvPicPr>
-              <p:nvPr/>
-            </p:nvPicPr>
-            <p:blipFill>
-              <a:blip r:embed="rId10" cstate="print"/>
-              <a:stretch>
-                <a:fillRect/>
-              </a:stretch>
-            </p:blipFill>
-            <p:spPr>
-              <a:xfrm>
-                <a:off x="6004206" y="6194806"/>
-                <a:ext cx="462337" cy="462337"/>
-              </a:xfrm>
-              <a:prstGeom prst="rect">
-                <a:avLst/>
-              </a:prstGeom>
-            </p:spPr>
-          </p:pic>
-        </p:grpSp>
-        <p:grpSp>
-          <p:nvGrpSpPr>
-            <p:cNvPr id="1011" name="그룹 1011"/>
-            <p:cNvGrpSpPr/>
-            <p:nvPr/>
-          </p:nvGrpSpPr>
-          <p:grpSpPr>
-            <a:xfrm>
-              <a:off x="4623799" y="5843429"/>
-              <a:ext cx="227206" cy="227206"/>
-              <a:chOff x="4623799" y="5843429"/>
-              <a:chExt cx="227206" cy="227206"/>
-            </a:xfrm>
-          </p:grpSpPr>
-          <p:pic>
-            <p:nvPicPr>
-              <p:cNvPr id="31" name="Object 30"/>
-              <p:cNvPicPr>
-                <a:picLocks noChangeAspect="1"/>
-              </p:cNvPicPr>
-              <p:nvPr/>
-            </p:nvPicPr>
-            <p:blipFill>
-              <a:blip r:embed="rId11" cstate="print"/>
-              <a:stretch>
-                <a:fillRect/>
-              </a:stretch>
-            </p:blipFill>
-            <p:spPr>
-              <a:xfrm>
-                <a:off x="4623799" y="5843429"/>
-                <a:ext cx="227206" cy="227206"/>
-              </a:xfrm>
-              <a:prstGeom prst="rect">
-                <a:avLst/>
-              </a:prstGeom>
-            </p:spPr>
-          </p:pic>
-        </p:grpSp>
-        <p:grpSp>
-          <p:nvGrpSpPr>
-            <p:cNvPr id="1012" name="그룹 1012"/>
-            <p:cNvGrpSpPr/>
-            <p:nvPr/>
-          </p:nvGrpSpPr>
-          <p:grpSpPr>
-            <a:xfrm>
-              <a:off x="6483716" y="5875132"/>
-              <a:ext cx="351376" cy="351376"/>
-              <a:chOff x="6483716" y="5875132"/>
-              <a:chExt cx="351376" cy="351376"/>
-            </a:xfrm>
-          </p:grpSpPr>
-          <p:pic>
-            <p:nvPicPr>
-              <p:cNvPr id="34" name="Object 33"/>
-              <p:cNvPicPr>
-                <a:picLocks noChangeAspect="1"/>
-              </p:cNvPicPr>
-              <p:nvPr/>
-            </p:nvPicPr>
-            <p:blipFill>
-              <a:blip r:embed="rId12" cstate="print"/>
-              <a:stretch>
-                <a:fillRect/>
-              </a:stretch>
-            </p:blipFill>
-            <p:spPr>
-              <a:xfrm>
-                <a:off x="6483716" y="5875132"/>
-                <a:ext cx="351376" cy="351376"/>
-              </a:xfrm>
-              <a:prstGeom prst="rect">
-                <a:avLst/>
-              </a:prstGeom>
-            </p:spPr>
-          </p:pic>
-        </p:grpSp>
-        <p:grpSp>
-          <p:nvGrpSpPr>
-            <p:cNvPr id="1013" name="그룹 1013"/>
-            <p:cNvGrpSpPr/>
-            <p:nvPr/>
-          </p:nvGrpSpPr>
-          <p:grpSpPr>
-            <a:xfrm>
-              <a:off x="5689817" y="5935897"/>
-              <a:ext cx="280044" cy="280044"/>
-              <a:chOff x="5689817" y="5935897"/>
-              <a:chExt cx="280044" cy="280044"/>
-            </a:xfrm>
-          </p:grpSpPr>
-          <p:pic>
-            <p:nvPicPr>
-              <p:cNvPr id="37" name="Object 36"/>
-              <p:cNvPicPr>
-                <a:picLocks noChangeAspect="1"/>
-              </p:cNvPicPr>
-              <p:nvPr/>
-            </p:nvPicPr>
-            <p:blipFill>
-              <a:blip r:embed="rId13" cstate="print"/>
-              <a:stretch>
-                <a:fillRect/>
-              </a:stretch>
-            </p:blipFill>
-            <p:spPr>
-              <a:xfrm>
-                <a:off x="5689817" y="5935897"/>
-                <a:ext cx="280044" cy="280044"/>
-              </a:xfrm>
-              <a:prstGeom prst="rect">
-                <a:avLst/>
-              </a:prstGeom>
-            </p:spPr>
-          </p:pic>
-        </p:grpSp>
-        <p:grpSp>
-          <p:nvGrpSpPr>
-            <p:cNvPr id="1014" name="그룹 1014"/>
-            <p:cNvGrpSpPr/>
-            <p:nvPr/>
-          </p:nvGrpSpPr>
-          <p:grpSpPr>
-            <a:xfrm>
-              <a:off x="6885289" y="5935897"/>
-              <a:ext cx="192861" cy="192861"/>
-              <a:chOff x="6885289" y="5935897"/>
-              <a:chExt cx="192861" cy="192861"/>
-            </a:xfrm>
-          </p:grpSpPr>
-          <p:pic>
-            <p:nvPicPr>
-              <p:cNvPr id="40" name="Object 39"/>
-              <p:cNvPicPr>
-                <a:picLocks noChangeAspect="1"/>
-              </p:cNvPicPr>
-              <p:nvPr/>
-            </p:nvPicPr>
-            <p:blipFill>
-              <a:blip r:embed="rId14" cstate="print"/>
-              <a:stretch>
-                <a:fillRect/>
-              </a:stretch>
-            </p:blipFill>
-            <p:spPr>
-              <a:xfrm>
-                <a:off x="6885289" y="5935897"/>
-                <a:ext cx="192861" cy="192861"/>
-              </a:xfrm>
-              <a:prstGeom prst="rect">
-                <a:avLst/>
-              </a:prstGeom>
-            </p:spPr>
-          </p:pic>
-        </p:grpSp>
-      </p:grpSp>
-      <p:grpSp>
-        <p:nvGrpSpPr>
-          <p:cNvPr id="1015" name="그룹 1015"/>
-          <p:cNvGrpSpPr/>
-          <p:nvPr/>
-        </p:nvGrpSpPr>
-        <p:grpSpPr>
-          <a:xfrm>
-            <a:off x="2294741" y="7180708"/>
-            <a:ext cx="13696233" cy="72326"/>
-            <a:chOff x="2294741" y="7180708"/>
-            <a:chExt cx="13696233" cy="72326"/>
-          </a:xfrm>
-        </p:grpSpPr>
-        <p:pic>
-          <p:nvPicPr>
-            <p:cNvPr id="44" name="Object 43"/>
-            <p:cNvPicPr>
-              <a:picLocks noChangeAspect="1"/>
-            </p:cNvPicPr>
-            <p:nvPr/>
-          </p:nvPicPr>
-          <p:blipFill>
-            <a:blip r:embed="rId15" cstate="print"/>
-            <a:stretch>
-              <a:fillRect/>
-            </a:stretch>
-          </p:blipFill>
-          <p:spPr>
-            <a:xfrm rot="-10800000">
-              <a:off x="2294741" y="7180708"/>
-              <a:ext cx="13696233" cy="72326"/>
-            </a:xfrm>
-            <a:prstGeom prst="rect">
-              <a:avLst/>
-            </a:prstGeom>
-          </p:spPr>
-        </p:pic>
-      </p:grpSp>
-      <p:grpSp>
-        <p:nvGrpSpPr>
-          <p:cNvPr id="1016" name="그룹 1016"/>
-          <p:cNvGrpSpPr/>
-          <p:nvPr/>
-        </p:nvGrpSpPr>
-        <p:grpSpPr>
-          <a:xfrm>
-            <a:off x="10418078" y="3060643"/>
-            <a:ext cx="3829541" cy="3829541"/>
-            <a:chOff x="10418078" y="3060643"/>
-            <a:chExt cx="3829541" cy="3829541"/>
-          </a:xfrm>
-        </p:grpSpPr>
-        <p:pic>
-          <p:nvPicPr>
-            <p:cNvPr id="47" name="Object 46"/>
-            <p:cNvPicPr>
-              <a:picLocks noChangeAspect="1"/>
-            </p:cNvPicPr>
-            <p:nvPr/>
-          </p:nvPicPr>
-          <p:blipFill>
-            <a:blip r:embed="rId16" cstate="print"/>
-            <a:stretch>
-              <a:fillRect/>
-            </a:stretch>
-          </p:blipFill>
-          <p:spPr>
-            <a:xfrm>
-              <a:off x="10418078" y="3060643"/>
-              <a:ext cx="3829541" cy="3829541"/>
-            </a:xfrm>
-            <a:prstGeom prst="rect">
-              <a:avLst/>
-            </a:prstGeom>
-          </p:spPr>
-        </p:pic>
-      </p:grpSp>
-      <p:grpSp>
-        <p:nvGrpSpPr>
-          <p:cNvPr id="1017" name="그룹 1017"/>
-          <p:cNvGrpSpPr/>
-          <p:nvPr/>
-        </p:nvGrpSpPr>
-        <p:grpSpPr>
-          <a:xfrm>
-            <a:off x="4846644" y="4702525"/>
-            <a:ext cx="2102618" cy="807307"/>
-            <a:chOff x="4846644" y="4702525"/>
-            <a:chExt cx="2102618" cy="807307"/>
-          </a:xfrm>
-        </p:grpSpPr>
-        <p:pic>
-          <p:nvPicPr>
-            <p:cNvPr id="50" name="Object 49"/>
-            <p:cNvPicPr>
-              <a:picLocks noChangeAspect="1"/>
-            </p:cNvPicPr>
-            <p:nvPr/>
-          </p:nvPicPr>
-          <p:blipFill>
-            <a:blip r:embed="rId17" cstate="print"/>
-            <a:stretch>
-              <a:fillRect/>
-            </a:stretch>
-          </p:blipFill>
-          <p:spPr>
-            <a:xfrm>
-              <a:off x="4800357" y="4656238"/>
-              <a:ext cx="1940952" cy="602810"/>
-            </a:xfrm>
-            <a:prstGeom prst="rect">
-              <a:avLst/>
-            </a:prstGeom>
-          </p:spPr>
-        </p:pic>
-        <p:pic>
-          <p:nvPicPr>
-            <p:cNvPr id="51" name="Object 50"/>
-            <p:cNvPicPr>
-              <a:picLocks noChangeAspect="1"/>
-            </p:cNvPicPr>
-            <p:nvPr/>
-          </p:nvPicPr>
-          <p:blipFill>
-            <a:blip r:embed="rId18" cstate="print"/>
-            <a:stretch>
-              <a:fillRect/>
-            </a:stretch>
-          </p:blipFill>
-          <p:spPr>
-            <a:xfrm>
-              <a:off x="4894788" y="5049929"/>
-              <a:ext cx="1630823" cy="525030"/>
-            </a:xfrm>
-            <a:prstGeom prst="rect">
-              <a:avLst/>
-            </a:prstGeom>
-          </p:spPr>
-        </p:pic>
-      </p:grpSp>
-      <p:grpSp>
-        <p:nvGrpSpPr>
-          <p:cNvPr id="1018" name="그룹 1018"/>
-          <p:cNvGrpSpPr/>
-          <p:nvPr/>
-        </p:nvGrpSpPr>
-        <p:grpSpPr>
-          <a:xfrm>
-            <a:off x="14780952" y="394301"/>
-            <a:ext cx="2926792" cy="572055"/>
-            <a:chOff x="14780952" y="394301"/>
-            <a:chExt cx="2926792" cy="572055"/>
-          </a:xfrm>
-        </p:grpSpPr>
-        <p:pic>
-          <p:nvPicPr>
-            <p:cNvPr id="54" name="Object 53"/>
-            <p:cNvPicPr>
-              <a:picLocks noChangeAspect="1"/>
-            </p:cNvPicPr>
-            <p:nvPr/>
-          </p:nvPicPr>
-          <p:blipFill>
-            <a:blip r:embed="rId19" cstate="print"/>
-            <a:stretch>
-              <a:fillRect/>
-            </a:stretch>
-          </p:blipFill>
-          <p:spPr>
-            <a:xfrm>
-              <a:off x="14750307" y="471765"/>
-              <a:ext cx="2488599" cy="362335"/>
-            </a:xfrm>
-            <a:prstGeom prst="rect">
-              <a:avLst/>
-            </a:prstGeom>
-          </p:spPr>
-        </p:pic>
-        <p:pic>
-          <p:nvPicPr>
-            <p:cNvPr id="55" name="Object 54"/>
-            <p:cNvPicPr>
-              <a:picLocks noChangeAspect="1"/>
-            </p:cNvPicPr>
-            <p:nvPr/>
-          </p:nvPicPr>
-          <p:blipFill>
-            <a:blip r:embed="rId20" cstate="print"/>
-            <a:stretch>
-              <a:fillRect/>
-            </a:stretch>
-          </p:blipFill>
-          <p:spPr>
-            <a:xfrm>
-              <a:off x="17064169" y="333009"/>
-              <a:ext cx="804679" cy="708122"/>
-            </a:xfrm>
-            <a:prstGeom prst="rect">
-              <a:avLst/>
-            </a:prstGeom>
-          </p:spPr>
-        </p:pic>
-      </p:grpSp>
-      <p:pic>
-        <p:nvPicPr>
-          <p:cNvPr id="57" name="Object 56"/>
-          <p:cNvPicPr>
-            <a:picLocks noChangeAspect="1"/>
-          </p:cNvPicPr>
-          <p:nvPr/>
-        </p:nvPicPr>
-        <p:blipFill>
-          <a:blip r:embed="rId21" cstate="print"/>
-          <a:stretch>
-            <a:fillRect/>
-          </a:stretch>
-        </p:blipFill>
-        <p:spPr>
-          <a:xfrm>
-            <a:off x="1600002" y="1439687"/>
-            <a:ext cx="5717444" cy="1141241"/>
-          </a:xfrm>
-          <a:prstGeom prst="rect">
-            <a:avLst/>
-          </a:prstGeom>
-        </p:spPr>
-      </p:pic>
-      <p:pic>
-        <p:nvPicPr>
-          <p:cNvPr id="58" name="Object 57"/>
-          <p:cNvPicPr>
-            <a:picLocks noChangeAspect="1"/>
-          </p:cNvPicPr>
-          <p:nvPr/>
-        </p:nvPicPr>
-        <p:blipFill>
-          <a:blip r:embed="rId22" cstate="print"/>
-          <a:stretch>
-            <a:fillRect/>
-          </a:stretch>
-        </p:blipFill>
-        <p:spPr>
-          <a:xfrm>
-            <a:off x="7374615" y="1715899"/>
-            <a:ext cx="4155185" cy="745677"/>
-          </a:xfrm>
-          <a:prstGeom prst="rect">
-            <a:avLst/>
-          </a:prstGeom>
-        </p:spPr>
-      </p:pic>
-      <p:grpSp>
-        <p:nvGrpSpPr>
-          <p:cNvPr id="1019" name="그룹 1019"/>
-          <p:cNvGrpSpPr/>
-          <p:nvPr/>
-        </p:nvGrpSpPr>
-        <p:grpSpPr>
-          <a:xfrm>
-            <a:off x="8460805" y="8259562"/>
-            <a:ext cx="1364105" cy="72326"/>
-            <a:chOff x="8460805" y="8259562"/>
-            <a:chExt cx="1364105" cy="72326"/>
-          </a:xfrm>
-        </p:grpSpPr>
-        <p:pic>
-          <p:nvPicPr>
-            <p:cNvPr id="60" name="Object 59"/>
-            <p:cNvPicPr>
-              <a:picLocks noChangeAspect="1"/>
-            </p:cNvPicPr>
-            <p:nvPr/>
-          </p:nvPicPr>
-          <p:blipFill>
-            <a:blip r:embed="rId23" cstate="print"/>
-            <a:stretch>
-              <a:fillRect/>
-            </a:stretch>
-          </p:blipFill>
-          <p:spPr>
-            <a:xfrm rot="-5400000">
-              <a:off x="8460805" y="8259562"/>
-              <a:ext cx="1364105" cy="72326"/>
-            </a:xfrm>
-            <a:prstGeom prst="rect">
-              <a:avLst/>
-            </a:prstGeom>
-          </p:spPr>
-        </p:pic>
-      </p:grpSp>
-      <p:grpSp>
-        <p:nvGrpSpPr>
-          <p:cNvPr id="1020" name="그룹 1020"/>
-          <p:cNvGrpSpPr/>
-          <p:nvPr/>
-        </p:nvGrpSpPr>
-        <p:grpSpPr>
-          <a:xfrm>
-            <a:off x="11017070" y="4546765"/>
-            <a:ext cx="2631557" cy="1010394"/>
-            <a:chOff x="11017070" y="4546765"/>
-            <a:chExt cx="2631557" cy="1010394"/>
-          </a:xfrm>
-        </p:grpSpPr>
-        <p:pic>
-          <p:nvPicPr>
-            <p:cNvPr id="63" name="Object 62"/>
-            <p:cNvPicPr>
-              <a:picLocks noChangeAspect="1"/>
-            </p:cNvPicPr>
-            <p:nvPr/>
-          </p:nvPicPr>
-          <p:blipFill>
-            <a:blip r:embed="rId24" cstate="print"/>
-            <a:stretch>
-              <a:fillRect/>
-            </a:stretch>
-          </p:blipFill>
-          <p:spPr>
-            <a:xfrm>
-              <a:off x="10959139" y="4488834"/>
-              <a:ext cx="2429088" cy="754454"/>
-            </a:xfrm>
-            <a:prstGeom prst="rect">
-              <a:avLst/>
-            </a:prstGeom>
-          </p:spPr>
-        </p:pic>
-        <p:pic>
-          <p:nvPicPr>
-            <p:cNvPr id="64" name="Object 63"/>
-            <p:cNvPicPr>
-              <a:picLocks noChangeAspect="1"/>
-            </p:cNvPicPr>
-            <p:nvPr/>
-          </p:nvPicPr>
-          <p:blipFill>
-            <a:blip r:embed="rId25" cstate="print"/>
-            <a:stretch>
-              <a:fillRect/>
-            </a:stretch>
-          </p:blipFill>
-          <p:spPr>
-            <a:xfrm>
-              <a:off x="11077325" y="4981564"/>
-              <a:ext cx="2041120" cy="657108"/>
-            </a:xfrm>
-            <a:prstGeom prst="rect">
-              <a:avLst/>
-            </a:prstGeom>
-          </p:spPr>
-        </p:pic>
-      </p:grpSp>
-      <p:grpSp>
-        <p:nvGrpSpPr>
-          <p:cNvPr id="1021" name="그룹 1021"/>
-          <p:cNvGrpSpPr/>
-          <p:nvPr/>
-        </p:nvGrpSpPr>
-        <p:grpSpPr>
-          <a:xfrm>
-            <a:off x="3296304" y="7624173"/>
-            <a:ext cx="5127787" cy="355547"/>
-            <a:chOff x="3296304" y="7624173"/>
-            <a:chExt cx="5127787" cy="355547"/>
-          </a:xfrm>
-        </p:grpSpPr>
-        <p:pic>
-          <p:nvPicPr>
-            <p:cNvPr id="67" name="Object 66"/>
-            <p:cNvPicPr>
-              <a:picLocks noChangeAspect="1"/>
-            </p:cNvPicPr>
-            <p:nvPr/>
-          </p:nvPicPr>
-          <p:blipFill>
-            <a:blip r:embed="rId26" cstate="print"/>
-            <a:stretch>
-              <a:fillRect/>
-            </a:stretch>
-          </p:blipFill>
-          <p:spPr>
-            <a:xfrm>
-              <a:off x="3573259" y="7586078"/>
-              <a:ext cx="4428334" cy="452433"/>
-            </a:xfrm>
-            <a:prstGeom prst="rect">
-              <a:avLst/>
-            </a:prstGeom>
-          </p:spPr>
-        </p:pic>
-        <p:grpSp>
-          <p:nvGrpSpPr>
-            <p:cNvPr id="1022" name="그룹 1022"/>
-            <p:cNvGrpSpPr/>
-            <p:nvPr/>
-          </p:nvGrpSpPr>
-          <p:grpSpPr>
-            <a:xfrm>
-              <a:off x="3296304" y="7745842"/>
-              <a:ext cx="121648" cy="121648"/>
-              <a:chOff x="3296304" y="7745842"/>
-              <a:chExt cx="121648" cy="121648"/>
-            </a:xfrm>
-          </p:grpSpPr>
-          <p:pic>
-            <p:nvPicPr>
-              <p:cNvPr id="69" name="Object 68"/>
-              <p:cNvPicPr>
-                <a:picLocks noChangeAspect="1"/>
-              </p:cNvPicPr>
-              <p:nvPr/>
-            </p:nvPicPr>
-            <p:blipFill>
-              <a:blip r:embed="rId27" cstate="print"/>
-              <a:stretch>
-                <a:fillRect/>
-              </a:stretch>
-            </p:blipFill>
-            <p:spPr>
-              <a:xfrm rot="-10800000">
-                <a:off x="3296304" y="7745842"/>
-                <a:ext cx="121648" cy="121648"/>
-              </a:xfrm>
-              <a:prstGeom prst="rect">
-                <a:avLst/>
-              </a:prstGeom>
-            </p:spPr>
-          </p:pic>
-        </p:grpSp>
-      </p:grpSp>
-      <p:grpSp>
-        <p:nvGrpSpPr>
-          <p:cNvPr id="1023" name="그룹 1023"/>
-          <p:cNvGrpSpPr/>
-          <p:nvPr/>
-        </p:nvGrpSpPr>
-        <p:grpSpPr>
-          <a:xfrm>
-            <a:off x="8458025" y="4783042"/>
-            <a:ext cx="720996" cy="587007"/>
-            <a:chOff x="8458025" y="4783042"/>
-            <a:chExt cx="720996" cy="587007"/>
-          </a:xfrm>
-        </p:grpSpPr>
-        <p:grpSp>
-          <p:nvGrpSpPr>
-            <p:cNvPr id="1024" name="그룹 1024"/>
-            <p:cNvGrpSpPr/>
-            <p:nvPr/>
-          </p:nvGrpSpPr>
-          <p:grpSpPr>
-            <a:xfrm>
-              <a:off x="8887037" y="4783042"/>
-              <a:ext cx="291983" cy="587007"/>
-              <a:chOff x="8887037" y="4783042"/>
-              <a:chExt cx="291983" cy="587007"/>
-            </a:xfrm>
-          </p:grpSpPr>
-          <p:pic>
-            <p:nvPicPr>
-              <p:cNvPr id="74" name="Object 73"/>
-              <p:cNvPicPr>
-                <a:picLocks noChangeAspect="1"/>
-              </p:cNvPicPr>
-              <p:nvPr/>
-            </p:nvPicPr>
-            <p:blipFill>
-              <a:blip r:embed="rId28" cstate="print"/>
-              <a:stretch>
-                <a:fillRect/>
-              </a:stretch>
-            </p:blipFill>
-            <p:spPr>
-              <a:xfrm rot="-10800000">
-                <a:off x="8887037" y="4783042"/>
-                <a:ext cx="291983" cy="587007"/>
-              </a:xfrm>
-              <a:prstGeom prst="rect">
-                <a:avLst/>
-              </a:prstGeom>
-            </p:spPr>
-          </p:pic>
-        </p:grpSp>
-        <p:grpSp>
-          <p:nvGrpSpPr>
-            <p:cNvPr id="1025" name="그룹 1025"/>
-            <p:cNvGrpSpPr/>
-            <p:nvPr/>
-          </p:nvGrpSpPr>
-          <p:grpSpPr>
-            <a:xfrm>
-              <a:off x="8672531" y="4783042"/>
-              <a:ext cx="291983" cy="587007"/>
-              <a:chOff x="8672531" y="4783042"/>
-              <a:chExt cx="291983" cy="587007"/>
-            </a:xfrm>
-          </p:grpSpPr>
-          <p:pic>
-            <p:nvPicPr>
-              <p:cNvPr id="77" name="Object 76"/>
-              <p:cNvPicPr>
-                <a:picLocks noChangeAspect="1"/>
-              </p:cNvPicPr>
-              <p:nvPr/>
-            </p:nvPicPr>
-            <p:blipFill>
-              <a:blip r:embed="rId29" cstate="print"/>
-              <a:stretch>
-                <a:fillRect/>
-              </a:stretch>
-            </p:blipFill>
-            <p:spPr>
-              <a:xfrm rot="-10800000">
-                <a:off x="8672531" y="4783042"/>
-                <a:ext cx="291983" cy="587007"/>
-              </a:xfrm>
-              <a:prstGeom prst="rect">
-                <a:avLst/>
-              </a:prstGeom>
-            </p:spPr>
-          </p:pic>
-        </p:grpSp>
-        <p:grpSp>
-          <p:nvGrpSpPr>
-            <p:cNvPr id="1026" name="그룹 1026"/>
-            <p:cNvGrpSpPr/>
-            <p:nvPr/>
-          </p:nvGrpSpPr>
-          <p:grpSpPr>
-            <a:xfrm>
-              <a:off x="8458025" y="4783042"/>
-              <a:ext cx="291983" cy="587007"/>
-              <a:chOff x="8458025" y="4783042"/>
-              <a:chExt cx="291983" cy="587007"/>
-            </a:xfrm>
-          </p:grpSpPr>
-          <p:pic>
-            <p:nvPicPr>
-              <p:cNvPr id="80" name="Object 79"/>
-              <p:cNvPicPr>
-                <a:picLocks noChangeAspect="1"/>
-              </p:cNvPicPr>
-              <p:nvPr/>
-            </p:nvPicPr>
-            <p:blipFill>
-              <a:blip r:embed="rId30" cstate="print"/>
-              <a:stretch>
-                <a:fillRect/>
-              </a:stretch>
-            </p:blipFill>
-            <p:spPr>
-              <a:xfrm rot="-10800000">
-                <a:off x="8458025" y="4783042"/>
-                <a:ext cx="291983" cy="587007"/>
-              </a:xfrm>
-              <a:prstGeom prst="rect">
-                <a:avLst/>
-              </a:prstGeom>
-            </p:spPr>
-          </p:pic>
-        </p:grpSp>
-      </p:grpSp>
-      <p:grpSp>
-        <p:nvGrpSpPr>
-          <p:cNvPr id="1027" name="그룹 1027"/>
-          <p:cNvGrpSpPr/>
-          <p:nvPr/>
-        </p:nvGrpSpPr>
-        <p:grpSpPr>
-          <a:xfrm>
-            <a:off x="15656139" y="1916021"/>
-            <a:ext cx="3464994" cy="3188741"/>
-            <a:chOff x="15656139" y="1916021"/>
-            <a:chExt cx="3464994" cy="3188741"/>
-          </a:xfrm>
-        </p:grpSpPr>
-        <p:pic>
-          <p:nvPicPr>
-            <p:cNvPr id="84" name="Object 83"/>
-            <p:cNvPicPr>
-              <a:picLocks noChangeAspect="1"/>
-            </p:cNvPicPr>
-            <p:nvPr/>
-          </p:nvPicPr>
-          <p:blipFill>
-            <a:blip r:embed="rId31" cstate="print"/>
-            <a:stretch>
-              <a:fillRect/>
-            </a:stretch>
-          </p:blipFill>
-          <p:spPr>
-            <a:xfrm>
-              <a:off x="15656139" y="1916021"/>
-              <a:ext cx="3464994" cy="3188741"/>
-            </a:xfrm>
-            <a:prstGeom prst="rect">
-              <a:avLst/>
-            </a:prstGeom>
-          </p:spPr>
-        </p:pic>
-      </p:grpSp>
-      <p:grpSp>
-        <p:nvGrpSpPr>
-          <p:cNvPr id="1028" name="그룹 1028"/>
-          <p:cNvGrpSpPr/>
-          <p:nvPr/>
-        </p:nvGrpSpPr>
-        <p:grpSpPr>
-          <a:xfrm>
-            <a:off x="-1075015" y="7442245"/>
-            <a:ext cx="3464994" cy="3059223"/>
-            <a:chOff x="-1075015" y="7442245"/>
-            <a:chExt cx="3464994" cy="3059223"/>
-          </a:xfrm>
-        </p:grpSpPr>
-        <p:pic>
-          <p:nvPicPr>
-            <p:cNvPr id="87" name="Object 86"/>
-            <p:cNvPicPr>
-              <a:picLocks noChangeAspect="1"/>
-            </p:cNvPicPr>
-            <p:nvPr/>
-          </p:nvPicPr>
-          <p:blipFill>
-            <a:blip r:embed="rId32" cstate="print"/>
-            <a:stretch>
-              <a:fillRect/>
-            </a:stretch>
-          </p:blipFill>
-          <p:spPr>
-            <a:xfrm>
-              <a:off x="-1075015" y="7442245"/>
-              <a:ext cx="3464994" cy="3059223"/>
-            </a:xfrm>
-            <a:prstGeom prst="rect">
-              <a:avLst/>
-            </a:prstGeom>
-          </p:spPr>
-        </p:pic>
-      </p:grpSp>
-      <p:grpSp>
-        <p:nvGrpSpPr>
-          <p:cNvPr id="1029" name="그룹 1029"/>
-          <p:cNvGrpSpPr/>
-          <p:nvPr/>
-        </p:nvGrpSpPr>
-        <p:grpSpPr>
-          <a:xfrm>
-            <a:off x="3296304" y="8095093"/>
-            <a:ext cx="5127787" cy="355547"/>
-            <a:chOff x="3296304" y="8095093"/>
-            <a:chExt cx="5127787" cy="355547"/>
-          </a:xfrm>
-        </p:grpSpPr>
-        <p:pic>
-          <p:nvPicPr>
-            <p:cNvPr id="90" name="Object 89"/>
-            <p:cNvPicPr>
-              <a:picLocks noChangeAspect="1"/>
-            </p:cNvPicPr>
-            <p:nvPr/>
-          </p:nvPicPr>
-          <p:blipFill>
-            <a:blip r:embed="rId26" cstate="print"/>
-            <a:stretch>
-              <a:fillRect/>
-            </a:stretch>
-          </p:blipFill>
-          <p:spPr>
-            <a:xfrm>
-              <a:off x="3573259" y="8056999"/>
-              <a:ext cx="4428334" cy="452433"/>
-            </a:xfrm>
-            <a:prstGeom prst="rect">
-              <a:avLst/>
-            </a:prstGeom>
-          </p:spPr>
-        </p:pic>
-        <p:grpSp>
-          <p:nvGrpSpPr>
-            <p:cNvPr id="1030" name="그룹 1030"/>
-            <p:cNvGrpSpPr/>
-            <p:nvPr/>
-          </p:nvGrpSpPr>
-          <p:grpSpPr>
-            <a:xfrm>
-              <a:off x="3296304" y="8216763"/>
-              <a:ext cx="121648" cy="121648"/>
-              <a:chOff x="3296304" y="8216763"/>
-              <a:chExt cx="121648" cy="121648"/>
-            </a:xfrm>
-          </p:grpSpPr>
-          <p:pic>
-            <p:nvPicPr>
-              <p:cNvPr id="92" name="Object 91"/>
-              <p:cNvPicPr>
-                <a:picLocks noChangeAspect="1"/>
-              </p:cNvPicPr>
-              <p:nvPr/>
-            </p:nvPicPr>
-            <p:blipFill>
-              <a:blip r:embed="rId27" cstate="print"/>
-              <a:stretch>
-                <a:fillRect/>
-              </a:stretch>
-            </p:blipFill>
-            <p:spPr>
-              <a:xfrm rot="-10800000">
-                <a:off x="3296304" y="8216763"/>
-                <a:ext cx="121648" cy="121648"/>
-              </a:xfrm>
-              <a:prstGeom prst="rect">
-                <a:avLst/>
-              </a:prstGeom>
-            </p:spPr>
-          </p:pic>
-        </p:grpSp>
-      </p:grpSp>
-      <p:grpSp>
-        <p:nvGrpSpPr>
-          <p:cNvPr id="1031" name="그룹 1031"/>
-          <p:cNvGrpSpPr/>
-          <p:nvPr/>
-        </p:nvGrpSpPr>
-        <p:grpSpPr>
-          <a:xfrm>
-            <a:off x="3296304" y="8566014"/>
-            <a:ext cx="5127787" cy="355547"/>
-            <a:chOff x="3296304" y="8566014"/>
-            <a:chExt cx="5127787" cy="355547"/>
-          </a:xfrm>
-        </p:grpSpPr>
-        <p:pic>
-          <p:nvPicPr>
-            <p:cNvPr id="96" name="Object 95"/>
-            <p:cNvPicPr>
-              <a:picLocks noChangeAspect="1"/>
-            </p:cNvPicPr>
-            <p:nvPr/>
-          </p:nvPicPr>
-          <p:blipFill>
-            <a:blip r:embed="rId26" cstate="print"/>
-            <a:stretch>
-              <a:fillRect/>
-            </a:stretch>
-          </p:blipFill>
-          <p:spPr>
-            <a:xfrm>
-              <a:off x="3573259" y="8527920"/>
-              <a:ext cx="4428334" cy="452433"/>
-            </a:xfrm>
-            <a:prstGeom prst="rect">
-              <a:avLst/>
-            </a:prstGeom>
-          </p:spPr>
-        </p:pic>
-        <p:grpSp>
-          <p:nvGrpSpPr>
-            <p:cNvPr id="1032" name="그룹 1032"/>
-            <p:cNvGrpSpPr/>
-            <p:nvPr/>
-          </p:nvGrpSpPr>
-          <p:grpSpPr>
-            <a:xfrm>
-              <a:off x="3296304" y="8687684"/>
-              <a:ext cx="121648" cy="121648"/>
-              <a:chOff x="3296304" y="8687684"/>
-              <a:chExt cx="121648" cy="121648"/>
-            </a:xfrm>
-          </p:grpSpPr>
-          <p:pic>
-            <p:nvPicPr>
-              <p:cNvPr id="98" name="Object 97"/>
-              <p:cNvPicPr>
-                <a:picLocks noChangeAspect="1"/>
-              </p:cNvPicPr>
-              <p:nvPr/>
-            </p:nvPicPr>
-            <p:blipFill>
-              <a:blip r:embed="rId27" cstate="print"/>
-              <a:stretch>
-                <a:fillRect/>
-              </a:stretch>
-            </p:blipFill>
-            <p:spPr>
-              <a:xfrm rot="-10800000">
-                <a:off x="3296304" y="8687684"/>
-                <a:ext cx="121648" cy="121648"/>
-              </a:xfrm>
-              <a:prstGeom prst="rect">
-                <a:avLst/>
-              </a:prstGeom>
-            </p:spPr>
-          </p:pic>
-        </p:grpSp>
-      </p:grpSp>
-      <p:grpSp>
-        <p:nvGrpSpPr>
-          <p:cNvPr id="1033" name="그룹 1033"/>
-          <p:cNvGrpSpPr/>
-          <p:nvPr/>
-        </p:nvGrpSpPr>
-        <p:grpSpPr>
-          <a:xfrm>
-            <a:off x="10318828" y="7624173"/>
-            <a:ext cx="5127787" cy="355547"/>
-            <a:chOff x="10318828" y="7624173"/>
-            <a:chExt cx="5127787" cy="355547"/>
-          </a:xfrm>
-        </p:grpSpPr>
-        <p:pic>
-          <p:nvPicPr>
-            <p:cNvPr id="102" name="Object 101"/>
-            <p:cNvPicPr>
-              <a:picLocks noChangeAspect="1"/>
-            </p:cNvPicPr>
-            <p:nvPr/>
-          </p:nvPicPr>
-          <p:blipFill>
-            <a:blip r:embed="rId26" cstate="print"/>
-            <a:stretch>
-              <a:fillRect/>
-            </a:stretch>
-          </p:blipFill>
-          <p:spPr>
-            <a:xfrm>
-              <a:off x="10595784" y="7586078"/>
-              <a:ext cx="4428334" cy="452433"/>
-            </a:xfrm>
-            <a:prstGeom prst="rect">
-              <a:avLst/>
-            </a:prstGeom>
-          </p:spPr>
-        </p:pic>
-        <p:grpSp>
-          <p:nvGrpSpPr>
-            <p:cNvPr id="1034" name="그룹 1034"/>
-            <p:cNvGrpSpPr/>
-            <p:nvPr/>
-          </p:nvGrpSpPr>
-          <p:grpSpPr>
-            <a:xfrm>
-              <a:off x="10318828" y="7745842"/>
-              <a:ext cx="121648" cy="121648"/>
-              <a:chOff x="10318828" y="7745842"/>
-              <a:chExt cx="121648" cy="121648"/>
-            </a:xfrm>
-          </p:grpSpPr>
-          <p:pic>
-            <p:nvPicPr>
-              <p:cNvPr id="104" name="Object 103"/>
-              <p:cNvPicPr>
-                <a:picLocks noChangeAspect="1"/>
-              </p:cNvPicPr>
-              <p:nvPr/>
-            </p:nvPicPr>
-            <p:blipFill>
-              <a:blip r:embed="rId27" cstate="print"/>
-              <a:stretch>
-                <a:fillRect/>
-              </a:stretch>
-            </p:blipFill>
-            <p:spPr>
-              <a:xfrm rot="-10800000">
-                <a:off x="10318828" y="7745842"/>
-                <a:ext cx="121648" cy="121648"/>
-              </a:xfrm>
-              <a:prstGeom prst="rect">
-                <a:avLst/>
-              </a:prstGeom>
-            </p:spPr>
-          </p:pic>
-        </p:grpSp>
-      </p:grpSp>
-      <p:grpSp>
-        <p:nvGrpSpPr>
-          <p:cNvPr id="1035" name="그룹 1035"/>
-          <p:cNvGrpSpPr/>
-          <p:nvPr/>
-        </p:nvGrpSpPr>
-        <p:grpSpPr>
-          <a:xfrm>
-            <a:off x="10318828" y="8095093"/>
-            <a:ext cx="5127787" cy="355547"/>
-            <a:chOff x="10318828" y="8095093"/>
-            <a:chExt cx="5127787" cy="355547"/>
-          </a:xfrm>
-        </p:grpSpPr>
-        <p:pic>
-          <p:nvPicPr>
-            <p:cNvPr id="108" name="Object 107"/>
-            <p:cNvPicPr>
-              <a:picLocks noChangeAspect="1"/>
-            </p:cNvPicPr>
-            <p:nvPr/>
-          </p:nvPicPr>
-          <p:blipFill>
-            <a:blip r:embed="rId26" cstate="print"/>
-            <a:stretch>
-              <a:fillRect/>
-            </a:stretch>
-          </p:blipFill>
-          <p:spPr>
-            <a:xfrm>
-              <a:off x="10595784" y="8056999"/>
-              <a:ext cx="4428334" cy="452433"/>
-            </a:xfrm>
-            <a:prstGeom prst="rect">
-              <a:avLst/>
-            </a:prstGeom>
-          </p:spPr>
-        </p:pic>
-        <p:grpSp>
-          <p:nvGrpSpPr>
-            <p:cNvPr id="1036" name="그룹 1036"/>
-            <p:cNvGrpSpPr/>
-            <p:nvPr/>
-          </p:nvGrpSpPr>
-          <p:grpSpPr>
-            <a:xfrm>
-              <a:off x="10318828" y="8216763"/>
-              <a:ext cx="121648" cy="121648"/>
-              <a:chOff x="10318828" y="8216763"/>
-              <a:chExt cx="121648" cy="121648"/>
-            </a:xfrm>
-          </p:grpSpPr>
-          <p:pic>
-            <p:nvPicPr>
-              <p:cNvPr id="110" name="Object 109"/>
-              <p:cNvPicPr>
-                <a:picLocks noChangeAspect="1"/>
-              </p:cNvPicPr>
-              <p:nvPr/>
-            </p:nvPicPr>
-            <p:blipFill>
-              <a:blip r:embed="rId27" cstate="print"/>
-              <a:stretch>
-                <a:fillRect/>
-              </a:stretch>
-            </p:blipFill>
-            <p:spPr>
-              <a:xfrm rot="-10800000">
-                <a:off x="10318828" y="8216763"/>
-                <a:ext cx="121648" cy="121648"/>
-              </a:xfrm>
-              <a:prstGeom prst="rect">
-                <a:avLst/>
-              </a:prstGeom>
-            </p:spPr>
-          </p:pic>
-        </p:grpSp>
-      </p:grpSp>
-      <p:grpSp>
-        <p:nvGrpSpPr>
-          <p:cNvPr id="1037" name="그룹 1037"/>
-          <p:cNvGrpSpPr/>
-          <p:nvPr/>
-        </p:nvGrpSpPr>
-        <p:grpSpPr>
-          <a:xfrm>
-            <a:off x="10318828" y="8566014"/>
-            <a:ext cx="5127787" cy="355547"/>
-            <a:chOff x="10318828" y="8566014"/>
-            <a:chExt cx="5127787" cy="355547"/>
-          </a:xfrm>
-        </p:grpSpPr>
-        <p:pic>
-          <p:nvPicPr>
-            <p:cNvPr id="114" name="Object 113"/>
-            <p:cNvPicPr>
-              <a:picLocks noChangeAspect="1"/>
-            </p:cNvPicPr>
-            <p:nvPr/>
-          </p:nvPicPr>
-          <p:blipFill>
-            <a:blip r:embed="rId26" cstate="print"/>
-            <a:stretch>
-              <a:fillRect/>
-            </a:stretch>
-          </p:blipFill>
-          <p:spPr>
-            <a:xfrm>
-              <a:off x="10595784" y="8527920"/>
-              <a:ext cx="4428334" cy="452433"/>
-            </a:xfrm>
-            <a:prstGeom prst="rect">
-              <a:avLst/>
-            </a:prstGeom>
-          </p:spPr>
-        </p:pic>
-        <p:grpSp>
-          <p:nvGrpSpPr>
-            <p:cNvPr id="1038" name="그룹 1038"/>
-            <p:cNvGrpSpPr/>
-            <p:nvPr/>
-          </p:nvGrpSpPr>
-          <p:grpSpPr>
-            <a:xfrm>
-              <a:off x="10318828" y="8687684"/>
-              <a:ext cx="121648" cy="121648"/>
-              <a:chOff x="10318828" y="8687684"/>
-              <a:chExt cx="121648" cy="121648"/>
-            </a:xfrm>
-          </p:grpSpPr>
-          <p:pic>
-            <p:nvPicPr>
-              <p:cNvPr id="116" name="Object 115"/>
-              <p:cNvPicPr>
-                <a:picLocks noChangeAspect="1"/>
-              </p:cNvPicPr>
-              <p:nvPr/>
-            </p:nvPicPr>
-            <p:blipFill>
-              <a:blip r:embed="rId27" cstate="print"/>
-              <a:stretch>
-                <a:fillRect/>
-              </a:stretch>
-            </p:blipFill>
-            <p:spPr>
-              <a:xfrm rot="-10800000">
-                <a:off x="10318828" y="8687684"/>
-                <a:ext cx="121648" cy="121648"/>
-              </a:xfrm>
-              <a:prstGeom prst="rect">
-                <a:avLst/>
-              </a:prstGeom>
-            </p:spPr>
-          </p:pic>
-        </p:grpSp>
       </p:grpSp>
     </p:spTree>
   </p:cSld>
@@ -15556,7 +14483,7 @@
           <p:cNvPr id="4" name="그룹 1018">
             <a:extLst>
               <a:ext uri="{FF2B5EF4-FFF2-40B4-BE49-F238E27FC236}">
-                <a16:creationId xmlns:a16="http://schemas.microsoft.com/office/drawing/2014/main" id="{0C5247D1-E285-7CDC-25F8-F1ABCDE304BE}"/>
+                <a16:creationId xmlns:a16="http://schemas.microsoft.com/office/drawing/2014/main" xmlns="" id="{0C5247D1-E285-7CDC-25F8-F1ABCDE304BE}"/>
               </a:ext>
             </a:extLst>
           </p:cNvPr>
@@ -15576,7 +14503,7 @@
             <p:cNvPr id="5" name="Object 61">
               <a:extLst>
                 <a:ext uri="{FF2B5EF4-FFF2-40B4-BE49-F238E27FC236}">
-                  <a16:creationId xmlns:a16="http://schemas.microsoft.com/office/drawing/2014/main" id="{29C480AF-46D1-D9A5-6C87-226E5620D948}"/>
+                  <a16:creationId xmlns:a16="http://schemas.microsoft.com/office/drawing/2014/main" xmlns="" id="{29C480AF-46D1-D9A5-6C87-226E5620D948}"/>
                 </a:ext>
               </a:extLst>
             </p:cNvPr>
@@ -15607,7 +14534,7 @@
           <p:cNvPr id="6" name="그룹 1018">
             <a:extLst>
               <a:ext uri="{FF2B5EF4-FFF2-40B4-BE49-F238E27FC236}">
-                <a16:creationId xmlns:a16="http://schemas.microsoft.com/office/drawing/2014/main" id="{F53BC57C-78A5-6AFC-CB34-7E3FD29B339F}"/>
+                <a16:creationId xmlns:a16="http://schemas.microsoft.com/office/drawing/2014/main" xmlns="" id="{F53BC57C-78A5-6AFC-CB34-7E3FD29B339F}"/>
               </a:ext>
             </a:extLst>
           </p:cNvPr>
@@ -15627,7 +14554,7 @@
             <p:cNvPr id="7" name="Object 61">
               <a:extLst>
                 <a:ext uri="{FF2B5EF4-FFF2-40B4-BE49-F238E27FC236}">
-                  <a16:creationId xmlns:a16="http://schemas.microsoft.com/office/drawing/2014/main" id="{E6F73685-14E5-06A9-813C-1C372BD6F4DE}"/>
+                  <a16:creationId xmlns:a16="http://schemas.microsoft.com/office/drawing/2014/main" xmlns="" id="{E6F73685-14E5-06A9-813C-1C372BD6F4DE}"/>
                 </a:ext>
               </a:extLst>
             </p:cNvPr>
@@ -15658,7 +14585,7 @@
           <p:cNvPr id="11" name="직선 연결선 10">
             <a:extLst>
               <a:ext uri="{FF2B5EF4-FFF2-40B4-BE49-F238E27FC236}">
-                <a16:creationId xmlns:a16="http://schemas.microsoft.com/office/drawing/2014/main" id="{466D5656-813B-296D-F08F-2E57C8EBA1E1}"/>
+                <a16:creationId xmlns:a16="http://schemas.microsoft.com/office/drawing/2014/main" xmlns="" id="{466D5656-813B-296D-F08F-2E57C8EBA1E1}"/>
               </a:ext>
             </a:extLst>
           </p:cNvPr>
@@ -15701,7 +14628,7 @@
           <p:cNvPr id="13" name="그룹 1018">
             <a:extLst>
               <a:ext uri="{FF2B5EF4-FFF2-40B4-BE49-F238E27FC236}">
-                <a16:creationId xmlns:a16="http://schemas.microsoft.com/office/drawing/2014/main" id="{6422EA0E-12C8-4264-ABC7-17F8CE933867}"/>
+                <a16:creationId xmlns:a16="http://schemas.microsoft.com/office/drawing/2014/main" xmlns="" id="{6422EA0E-12C8-4264-ABC7-17F8CE933867}"/>
               </a:ext>
             </a:extLst>
           </p:cNvPr>
@@ -15721,7 +14648,7 @@
             <p:cNvPr id="14" name="Object 61">
               <a:extLst>
                 <a:ext uri="{FF2B5EF4-FFF2-40B4-BE49-F238E27FC236}">
-                  <a16:creationId xmlns:a16="http://schemas.microsoft.com/office/drawing/2014/main" id="{B8EE3D0F-6DDF-413D-3D54-0B0C4905D65D}"/>
+                  <a16:creationId xmlns:a16="http://schemas.microsoft.com/office/drawing/2014/main" xmlns="" id="{B8EE3D0F-6DDF-413D-3D54-0B0C4905D65D}"/>
                 </a:ext>
               </a:extLst>
             </p:cNvPr>
@@ -15752,7 +14679,7 @@
           <p:cNvPr id="15" name="그룹 1018">
             <a:extLst>
               <a:ext uri="{FF2B5EF4-FFF2-40B4-BE49-F238E27FC236}">
-                <a16:creationId xmlns:a16="http://schemas.microsoft.com/office/drawing/2014/main" id="{11F8DF7C-F95F-B0B5-FC7F-85E369D002C6}"/>
+                <a16:creationId xmlns:a16="http://schemas.microsoft.com/office/drawing/2014/main" xmlns="" id="{11F8DF7C-F95F-B0B5-FC7F-85E369D002C6}"/>
               </a:ext>
             </a:extLst>
           </p:cNvPr>
@@ -15772,7 +14699,7 @@
             <p:cNvPr id="16" name="Object 61">
               <a:extLst>
                 <a:ext uri="{FF2B5EF4-FFF2-40B4-BE49-F238E27FC236}">
-                  <a16:creationId xmlns:a16="http://schemas.microsoft.com/office/drawing/2014/main" id="{B8B15D9F-D5FD-93DD-D076-037E1D6FFEC7}"/>
+                  <a16:creationId xmlns:a16="http://schemas.microsoft.com/office/drawing/2014/main" xmlns="" id="{B8B15D9F-D5FD-93DD-D076-037E1D6FFEC7}"/>
                 </a:ext>
               </a:extLst>
             </p:cNvPr>
@@ -15803,7 +14730,7 @@
           <p:cNvPr id="17" name="직선 연결선 16">
             <a:extLst>
               <a:ext uri="{FF2B5EF4-FFF2-40B4-BE49-F238E27FC236}">
-                <a16:creationId xmlns:a16="http://schemas.microsoft.com/office/drawing/2014/main" id="{450E9148-0C3A-3B85-23E5-E1D1C0997659}"/>
+                <a16:creationId xmlns:a16="http://schemas.microsoft.com/office/drawing/2014/main" xmlns="" id="{450E9148-0C3A-3B85-23E5-E1D1C0997659}"/>
               </a:ext>
             </a:extLst>
           </p:cNvPr>
@@ -15847,7 +14774,7 @@
           <p:cNvPr id="20" name="TextBox 19">
             <a:extLst>
               <a:ext uri="{FF2B5EF4-FFF2-40B4-BE49-F238E27FC236}">
-                <a16:creationId xmlns:a16="http://schemas.microsoft.com/office/drawing/2014/main" id="{A06D4055-10A8-4A24-5EDC-0761473BA40F}"/>
+                <a16:creationId xmlns:a16="http://schemas.microsoft.com/office/drawing/2014/main" xmlns="" id="{A06D4055-10A8-4A24-5EDC-0761473BA40F}"/>
               </a:ext>
             </a:extLst>
           </p:cNvPr>
@@ -15891,7 +14818,7 @@
           <p:cNvPr id="21" name="TextBox 20">
             <a:extLst>
               <a:ext uri="{FF2B5EF4-FFF2-40B4-BE49-F238E27FC236}">
-                <a16:creationId xmlns:a16="http://schemas.microsoft.com/office/drawing/2014/main" id="{044C5ACF-17B6-5920-7904-E16248F54A6A}"/>
+                <a16:creationId xmlns:a16="http://schemas.microsoft.com/office/drawing/2014/main" xmlns="" id="{044C5ACF-17B6-5920-7904-E16248F54A6A}"/>
               </a:ext>
             </a:extLst>
           </p:cNvPr>
@@ -15935,7 +14862,7 @@
           <p:cNvPr id="22" name="TextBox 21">
             <a:extLst>
               <a:ext uri="{FF2B5EF4-FFF2-40B4-BE49-F238E27FC236}">
-                <a16:creationId xmlns:a16="http://schemas.microsoft.com/office/drawing/2014/main" id="{A7091AF6-2AB0-08A8-8A31-E96D2EBC6A65}"/>
+                <a16:creationId xmlns:a16="http://schemas.microsoft.com/office/drawing/2014/main" xmlns="" id="{A7091AF6-2AB0-08A8-8A31-E96D2EBC6A65}"/>
               </a:ext>
             </a:extLst>
           </p:cNvPr>
@@ -15979,7 +14906,7 @@
           <p:cNvPr id="23" name="TextBox 22">
             <a:extLst>
               <a:ext uri="{FF2B5EF4-FFF2-40B4-BE49-F238E27FC236}">
-                <a16:creationId xmlns:a16="http://schemas.microsoft.com/office/drawing/2014/main" id="{101E227B-A9BD-20A0-66DD-A013FA376D02}"/>
+                <a16:creationId xmlns:a16="http://schemas.microsoft.com/office/drawing/2014/main" xmlns="" id="{101E227B-A9BD-20A0-66DD-A013FA376D02}"/>
               </a:ext>
             </a:extLst>
           </p:cNvPr>
@@ -16037,7 +14964,7 @@
             <p:cNvPr id="9" name="직선 연결선 8">
               <a:extLst>
                 <a:ext uri="{FF2B5EF4-FFF2-40B4-BE49-F238E27FC236}">
-                  <a16:creationId xmlns:a16="http://schemas.microsoft.com/office/drawing/2014/main" id="{1172879B-889D-0C2F-EEA8-003E6793F36F}"/>
+                  <a16:creationId xmlns:a16="http://schemas.microsoft.com/office/drawing/2014/main" xmlns="" id="{1172879B-889D-0C2F-EEA8-003E6793F36F}"/>
                 </a:ext>
               </a:extLst>
             </p:cNvPr>
@@ -16080,7 +15007,7 @@
             <p:cNvPr id="24" name="직선 연결선 23">
               <a:extLst>
                 <a:ext uri="{FF2B5EF4-FFF2-40B4-BE49-F238E27FC236}">
-                  <a16:creationId xmlns:a16="http://schemas.microsoft.com/office/drawing/2014/main" id="{1172879B-889D-0C2F-EEA8-003E6793F36F}"/>
+                  <a16:creationId xmlns:a16="http://schemas.microsoft.com/office/drawing/2014/main" xmlns="" id="{1172879B-889D-0C2F-EEA8-003E6793F36F}"/>
                 </a:ext>
               </a:extLst>
             </p:cNvPr>
@@ -16123,7 +15050,7 @@
             <p:cNvPr id="25" name="직선 연결선 24">
               <a:extLst>
                 <a:ext uri="{FF2B5EF4-FFF2-40B4-BE49-F238E27FC236}">
-                  <a16:creationId xmlns:a16="http://schemas.microsoft.com/office/drawing/2014/main" id="{1172879B-889D-0C2F-EEA8-003E6793F36F}"/>
+                  <a16:creationId xmlns:a16="http://schemas.microsoft.com/office/drawing/2014/main" xmlns="" id="{1172879B-889D-0C2F-EEA8-003E6793F36F}"/>
                 </a:ext>
               </a:extLst>
             </p:cNvPr>
@@ -16166,7 +15093,7 @@
             <p:cNvPr id="30" name="직선 연결선 29">
               <a:extLst>
                 <a:ext uri="{FF2B5EF4-FFF2-40B4-BE49-F238E27FC236}">
-                  <a16:creationId xmlns:a16="http://schemas.microsoft.com/office/drawing/2014/main" id="{1172879B-889D-0C2F-EEA8-003E6793F36F}"/>
+                  <a16:creationId xmlns:a16="http://schemas.microsoft.com/office/drawing/2014/main" xmlns="" id="{1172879B-889D-0C2F-EEA8-003E6793F36F}"/>
                 </a:ext>
               </a:extLst>
             </p:cNvPr>
@@ -16210,7 +15137,7 @@
           <p:cNvPr id="2" name="TextBox 1">
             <a:extLst>
               <a:ext uri="{FF2B5EF4-FFF2-40B4-BE49-F238E27FC236}">
-                <a16:creationId xmlns:a16="http://schemas.microsoft.com/office/drawing/2014/main" id="{06954172-7EF0-CE8C-73EC-25E928EC1B7D}"/>
+                <a16:creationId xmlns:a16="http://schemas.microsoft.com/office/drawing/2014/main" xmlns="" id="{06954172-7EF0-CE8C-73EC-25E928EC1B7D}"/>
               </a:ext>
             </a:extLst>
           </p:cNvPr>
@@ -16258,7 +15185,7 @@
           <p:cNvPr id="3" name="직사각형 2">
             <a:extLst>
               <a:ext uri="{FF2B5EF4-FFF2-40B4-BE49-F238E27FC236}">
-                <a16:creationId xmlns:a16="http://schemas.microsoft.com/office/drawing/2014/main" id="{29F1D9FA-D3AF-5E6D-24AC-E65D22A0D7A0}"/>
+                <a16:creationId xmlns:a16="http://schemas.microsoft.com/office/drawing/2014/main" xmlns="" id="{29F1D9FA-D3AF-5E6D-24AC-E65D22A0D7A0}"/>
               </a:ext>
             </a:extLst>
           </p:cNvPr>
@@ -16310,7 +15237,7 @@
           <p:cNvPr id="8" name="TextBox 7">
             <a:extLst>
               <a:ext uri="{FF2B5EF4-FFF2-40B4-BE49-F238E27FC236}">
-                <a16:creationId xmlns:a16="http://schemas.microsoft.com/office/drawing/2014/main" id="{3CDC1150-AB9C-B8B4-624C-8B864CBAC5DD}"/>
+                <a16:creationId xmlns:a16="http://schemas.microsoft.com/office/drawing/2014/main" xmlns="" id="{3CDC1150-AB9C-B8B4-624C-8B864CBAC5DD}"/>
               </a:ext>
             </a:extLst>
           </p:cNvPr>
@@ -16684,7 +15611,7 @@
           <p:cNvPr id="10" name="직사각형 9">
             <a:extLst>
               <a:ext uri="{FF2B5EF4-FFF2-40B4-BE49-F238E27FC236}">
-                <a16:creationId xmlns:a16="http://schemas.microsoft.com/office/drawing/2014/main" id="{361FA442-8171-4EBF-65A2-19C90654959D}"/>
+                <a16:creationId xmlns:a16="http://schemas.microsoft.com/office/drawing/2014/main" xmlns="" id="{361FA442-8171-4EBF-65A2-19C90654959D}"/>
               </a:ext>
             </a:extLst>
           </p:cNvPr>
@@ -16736,7 +15663,7 @@
           <p:cNvPr id="12" name="TextBox 11">
             <a:extLst>
               <a:ext uri="{FF2B5EF4-FFF2-40B4-BE49-F238E27FC236}">
-                <a16:creationId xmlns:a16="http://schemas.microsoft.com/office/drawing/2014/main" id="{909B8AE9-459C-C458-C52F-C85F69813361}"/>
+                <a16:creationId xmlns:a16="http://schemas.microsoft.com/office/drawing/2014/main" xmlns="" id="{909B8AE9-459C-C458-C52F-C85F69813361}"/>
               </a:ext>
             </a:extLst>
           </p:cNvPr>
@@ -16872,6 +15799,1593 @@
 
 <file path=ppt/slides/slide20.xml><?xml version="1.0" encoding="utf-8"?>
 <p:sld xmlns:a="http://schemas.openxmlformats.org/drawingml/2006/main" xmlns:r="http://schemas.openxmlformats.org/officeDocument/2006/relationships" xmlns:p="http://schemas.openxmlformats.org/presentationml/2006/main">
+  <p:cSld name="Slide 15">
+    <p:bg>
+      <p:bgPr>
+        <a:solidFill>
+          <a:srgbClr val="FFFFFF"/>
+        </a:solidFill>
+        <a:effectLst/>
+      </p:bgPr>
+    </p:bg>
+    <p:spTree>
+      <p:nvGrpSpPr>
+        <p:cNvPr id="1" name=""/>
+        <p:cNvGrpSpPr/>
+        <p:nvPr/>
+      </p:nvGrpSpPr>
+      <p:grpSpPr>
+        <a:xfrm>
+          <a:off x="0" y="0"/>
+          <a:ext cx="0" cy="0"/>
+          <a:chOff x="0" y="0"/>
+          <a:chExt cx="0" cy="0"/>
+        </a:xfrm>
+      </p:grpSpPr>
+      <p:grpSp>
+        <p:nvGrpSpPr>
+          <p:cNvPr id="1001" name="그룹 1001"/>
+          <p:cNvGrpSpPr/>
+          <p:nvPr/>
+        </p:nvGrpSpPr>
+        <p:grpSpPr>
+          <a:xfrm>
+            <a:off x="4513409" y="3591187"/>
+            <a:ext cx="2657208" cy="3065956"/>
+            <a:chOff x="4513409" y="3591187"/>
+            <a:chExt cx="2657208" cy="3065956"/>
+          </a:xfrm>
+        </p:grpSpPr>
+        <p:grpSp>
+          <p:nvGrpSpPr>
+            <p:cNvPr id="1002" name="그룹 1002"/>
+            <p:cNvGrpSpPr/>
+            <p:nvPr/>
+          </p:nvGrpSpPr>
+          <p:grpSpPr>
+            <a:xfrm>
+              <a:off x="5453364" y="3877836"/>
+              <a:ext cx="612927" cy="612927"/>
+              <a:chOff x="5453364" y="3877836"/>
+              <a:chExt cx="612927" cy="612927"/>
+            </a:xfrm>
+          </p:grpSpPr>
+          <p:pic>
+            <p:nvPicPr>
+              <p:cNvPr id="4" name="Object 3"/>
+              <p:cNvPicPr>
+                <a:picLocks noChangeAspect="1"/>
+              </p:cNvPicPr>
+              <p:nvPr/>
+            </p:nvPicPr>
+            <p:blipFill>
+              <a:blip r:embed="rId2" cstate="print"/>
+              <a:stretch>
+                <a:fillRect/>
+              </a:stretch>
+            </p:blipFill>
+            <p:spPr>
+              <a:xfrm>
+                <a:off x="5453364" y="3877836"/>
+                <a:ext cx="612927" cy="612927"/>
+              </a:xfrm>
+              <a:prstGeom prst="rect">
+                <a:avLst/>
+              </a:prstGeom>
+            </p:spPr>
+          </p:pic>
+        </p:grpSp>
+        <p:grpSp>
+          <p:nvGrpSpPr>
+            <p:cNvPr id="1003" name="그룹 1003"/>
+            <p:cNvGrpSpPr/>
+            <p:nvPr/>
+          </p:nvGrpSpPr>
+          <p:grpSpPr>
+            <a:xfrm>
+              <a:off x="6235375" y="3687617"/>
+              <a:ext cx="496682" cy="496682"/>
+              <a:chOff x="6235375" y="3687617"/>
+              <a:chExt cx="496682" cy="496682"/>
+            </a:xfrm>
+          </p:grpSpPr>
+          <p:pic>
+            <p:nvPicPr>
+              <p:cNvPr id="7" name="Object 6"/>
+              <p:cNvPicPr>
+                <a:picLocks noChangeAspect="1"/>
+              </p:cNvPicPr>
+              <p:nvPr/>
+            </p:nvPicPr>
+            <p:blipFill>
+              <a:blip r:embed="rId3" cstate="print"/>
+              <a:stretch>
+                <a:fillRect/>
+              </a:stretch>
+            </p:blipFill>
+            <p:spPr>
+              <a:xfrm>
+                <a:off x="6235375" y="3687617"/>
+                <a:ext cx="496682" cy="496682"/>
+              </a:xfrm>
+              <a:prstGeom prst="rect">
+                <a:avLst/>
+              </a:prstGeom>
+            </p:spPr>
+          </p:pic>
+        </p:grpSp>
+        <p:grpSp>
+          <p:nvGrpSpPr>
+            <p:cNvPr id="1004" name="그룹 1004"/>
+            <p:cNvGrpSpPr/>
+            <p:nvPr/>
+          </p:nvGrpSpPr>
+          <p:grpSpPr>
+            <a:xfrm>
+              <a:off x="6885289" y="4163164"/>
+              <a:ext cx="285328" cy="285328"/>
+              <a:chOff x="6885289" y="4163164"/>
+              <a:chExt cx="285328" cy="285328"/>
+            </a:xfrm>
+          </p:grpSpPr>
+          <p:pic>
+            <p:nvPicPr>
+              <p:cNvPr id="10" name="Object 9"/>
+              <p:cNvPicPr>
+                <a:picLocks noChangeAspect="1"/>
+              </p:cNvPicPr>
+              <p:nvPr/>
+            </p:nvPicPr>
+            <p:blipFill>
+              <a:blip r:embed="rId4" cstate="print"/>
+              <a:stretch>
+                <a:fillRect/>
+              </a:stretch>
+            </p:blipFill>
+            <p:spPr>
+              <a:xfrm>
+                <a:off x="6885289" y="4163164"/>
+                <a:ext cx="285328" cy="285328"/>
+              </a:xfrm>
+              <a:prstGeom prst="rect">
+                <a:avLst/>
+              </a:prstGeom>
+            </p:spPr>
+          </p:pic>
+        </p:grpSp>
+        <p:grpSp>
+          <p:nvGrpSpPr>
+            <p:cNvPr id="1005" name="그룹 1005"/>
+            <p:cNvGrpSpPr/>
+            <p:nvPr/>
+          </p:nvGrpSpPr>
+          <p:grpSpPr>
+            <a:xfrm>
+              <a:off x="5173320" y="3597791"/>
+              <a:ext cx="280044" cy="280044"/>
+              <a:chOff x="5173320" y="3597791"/>
+              <a:chExt cx="280044" cy="280044"/>
+            </a:xfrm>
+          </p:grpSpPr>
+          <p:pic>
+            <p:nvPicPr>
+              <p:cNvPr id="13" name="Object 12"/>
+              <p:cNvPicPr>
+                <a:picLocks noChangeAspect="1"/>
+              </p:cNvPicPr>
+              <p:nvPr/>
+            </p:nvPicPr>
+            <p:blipFill>
+              <a:blip r:embed="rId5" cstate="print"/>
+              <a:stretch>
+                <a:fillRect/>
+              </a:stretch>
+            </p:blipFill>
+            <p:spPr>
+              <a:xfrm>
+                <a:off x="5173320" y="3597791"/>
+                <a:ext cx="280044" cy="280044"/>
+              </a:xfrm>
+              <a:prstGeom prst="rect">
+                <a:avLst/>
+              </a:prstGeom>
+            </p:spPr>
+          </p:pic>
+        </p:grpSp>
+        <p:grpSp>
+          <p:nvGrpSpPr>
+            <p:cNvPr id="1006" name="그룹 1006"/>
+            <p:cNvGrpSpPr/>
+            <p:nvPr/>
+          </p:nvGrpSpPr>
+          <p:grpSpPr>
+            <a:xfrm>
+              <a:off x="4933171" y="3991705"/>
+              <a:ext cx="343184" cy="343184"/>
+              <a:chOff x="4933171" y="3991705"/>
+              <a:chExt cx="343184" cy="343184"/>
+            </a:xfrm>
+          </p:grpSpPr>
+          <p:pic>
+            <p:nvPicPr>
+              <p:cNvPr id="16" name="Object 15"/>
+              <p:cNvPicPr>
+                <a:picLocks noChangeAspect="1"/>
+              </p:cNvPicPr>
+              <p:nvPr/>
+            </p:nvPicPr>
+            <p:blipFill>
+              <a:blip r:embed="rId6" cstate="print"/>
+              <a:stretch>
+                <a:fillRect/>
+              </a:stretch>
+            </p:blipFill>
+            <p:spPr>
+              <a:xfrm>
+                <a:off x="4933171" y="3991705"/>
+                <a:ext cx="343184" cy="343184"/>
+              </a:xfrm>
+              <a:prstGeom prst="rect">
+                <a:avLst/>
+              </a:prstGeom>
+            </p:spPr>
+          </p:pic>
+        </p:grpSp>
+        <p:grpSp>
+          <p:nvGrpSpPr>
+            <p:cNvPr id="1007" name="그룹 1007"/>
+            <p:cNvGrpSpPr/>
+            <p:nvPr/>
+          </p:nvGrpSpPr>
+          <p:grpSpPr>
+            <a:xfrm>
+              <a:off x="4513409" y="4184299"/>
+              <a:ext cx="241917" cy="241917"/>
+              <a:chOff x="4513409" y="4184299"/>
+              <a:chExt cx="241917" cy="241917"/>
+            </a:xfrm>
+          </p:grpSpPr>
+          <p:pic>
+            <p:nvPicPr>
+              <p:cNvPr id="19" name="Object 18"/>
+              <p:cNvPicPr>
+                <a:picLocks noChangeAspect="1"/>
+              </p:cNvPicPr>
+              <p:nvPr/>
+            </p:nvPicPr>
+            <p:blipFill>
+              <a:blip r:embed="rId7" cstate="print"/>
+              <a:stretch>
+                <a:fillRect/>
+              </a:stretch>
+            </p:blipFill>
+            <p:spPr>
+              <a:xfrm>
+                <a:off x="4513409" y="4184299"/>
+                <a:ext cx="241917" cy="241917"/>
+              </a:xfrm>
+              <a:prstGeom prst="rect">
+                <a:avLst/>
+              </a:prstGeom>
+            </p:spPr>
+          </p:pic>
+        </p:grpSp>
+        <p:grpSp>
+          <p:nvGrpSpPr>
+            <p:cNvPr id="1008" name="그룹 1008"/>
+            <p:cNvGrpSpPr/>
+            <p:nvPr/>
+          </p:nvGrpSpPr>
+          <p:grpSpPr>
+            <a:xfrm>
+              <a:off x="5969861" y="3591187"/>
+              <a:ext cx="192861" cy="192861"/>
+              <a:chOff x="5969861" y="3591187"/>
+              <a:chExt cx="192861" cy="192861"/>
+            </a:xfrm>
+          </p:grpSpPr>
+          <p:pic>
+            <p:nvPicPr>
+              <p:cNvPr id="22" name="Object 21"/>
+              <p:cNvPicPr>
+                <a:picLocks noChangeAspect="1"/>
+              </p:cNvPicPr>
+              <p:nvPr/>
+            </p:nvPicPr>
+            <p:blipFill>
+              <a:blip r:embed="rId8" cstate="print"/>
+              <a:stretch>
+                <a:fillRect/>
+              </a:stretch>
+            </p:blipFill>
+            <p:spPr>
+              <a:xfrm>
+                <a:off x="5969861" y="3591187"/>
+                <a:ext cx="192861" cy="192861"/>
+              </a:xfrm>
+              <a:prstGeom prst="rect">
+                <a:avLst/>
+              </a:prstGeom>
+            </p:spPr>
+          </p:pic>
+        </p:grpSp>
+        <p:grpSp>
+          <p:nvGrpSpPr>
+            <p:cNvPr id="1009" name="그룹 1009"/>
+            <p:cNvGrpSpPr/>
+            <p:nvPr/>
+          </p:nvGrpSpPr>
+          <p:grpSpPr>
+            <a:xfrm>
+              <a:off x="5051792" y="5935897"/>
+              <a:ext cx="517818" cy="517818"/>
+              <a:chOff x="5051792" y="5935897"/>
+              <a:chExt cx="517818" cy="517818"/>
+            </a:xfrm>
+          </p:grpSpPr>
+          <p:pic>
+            <p:nvPicPr>
+              <p:cNvPr id="25" name="Object 24"/>
+              <p:cNvPicPr>
+                <a:picLocks noChangeAspect="1"/>
+              </p:cNvPicPr>
+              <p:nvPr/>
+            </p:nvPicPr>
+            <p:blipFill>
+              <a:blip r:embed="rId9" cstate="print"/>
+              <a:stretch>
+                <a:fillRect/>
+              </a:stretch>
+            </p:blipFill>
+            <p:spPr>
+              <a:xfrm>
+                <a:off x="5051792" y="5935897"/>
+                <a:ext cx="517818" cy="517818"/>
+              </a:xfrm>
+              <a:prstGeom prst="rect">
+                <a:avLst/>
+              </a:prstGeom>
+            </p:spPr>
+          </p:pic>
+        </p:grpSp>
+        <p:grpSp>
+          <p:nvGrpSpPr>
+            <p:cNvPr id="1010" name="그룹 1010"/>
+            <p:cNvGrpSpPr/>
+            <p:nvPr/>
+          </p:nvGrpSpPr>
+          <p:grpSpPr>
+            <a:xfrm>
+              <a:off x="6004206" y="6194806"/>
+              <a:ext cx="462337" cy="462337"/>
+              <a:chOff x="6004206" y="6194806"/>
+              <a:chExt cx="462337" cy="462337"/>
+            </a:xfrm>
+          </p:grpSpPr>
+          <p:pic>
+            <p:nvPicPr>
+              <p:cNvPr id="28" name="Object 27"/>
+              <p:cNvPicPr>
+                <a:picLocks noChangeAspect="1"/>
+              </p:cNvPicPr>
+              <p:nvPr/>
+            </p:nvPicPr>
+            <p:blipFill>
+              <a:blip r:embed="rId10" cstate="print"/>
+              <a:stretch>
+                <a:fillRect/>
+              </a:stretch>
+            </p:blipFill>
+            <p:spPr>
+              <a:xfrm>
+                <a:off x="6004206" y="6194806"/>
+                <a:ext cx="462337" cy="462337"/>
+              </a:xfrm>
+              <a:prstGeom prst="rect">
+                <a:avLst/>
+              </a:prstGeom>
+            </p:spPr>
+          </p:pic>
+        </p:grpSp>
+        <p:grpSp>
+          <p:nvGrpSpPr>
+            <p:cNvPr id="1011" name="그룹 1011"/>
+            <p:cNvGrpSpPr/>
+            <p:nvPr/>
+          </p:nvGrpSpPr>
+          <p:grpSpPr>
+            <a:xfrm>
+              <a:off x="4623799" y="5843429"/>
+              <a:ext cx="227206" cy="227206"/>
+              <a:chOff x="4623799" y="5843429"/>
+              <a:chExt cx="227206" cy="227206"/>
+            </a:xfrm>
+          </p:grpSpPr>
+          <p:pic>
+            <p:nvPicPr>
+              <p:cNvPr id="31" name="Object 30"/>
+              <p:cNvPicPr>
+                <a:picLocks noChangeAspect="1"/>
+              </p:cNvPicPr>
+              <p:nvPr/>
+            </p:nvPicPr>
+            <p:blipFill>
+              <a:blip r:embed="rId11" cstate="print"/>
+              <a:stretch>
+                <a:fillRect/>
+              </a:stretch>
+            </p:blipFill>
+            <p:spPr>
+              <a:xfrm>
+                <a:off x="4623799" y="5843429"/>
+                <a:ext cx="227206" cy="227206"/>
+              </a:xfrm>
+              <a:prstGeom prst="rect">
+                <a:avLst/>
+              </a:prstGeom>
+            </p:spPr>
+          </p:pic>
+        </p:grpSp>
+        <p:grpSp>
+          <p:nvGrpSpPr>
+            <p:cNvPr id="1012" name="그룹 1012"/>
+            <p:cNvGrpSpPr/>
+            <p:nvPr/>
+          </p:nvGrpSpPr>
+          <p:grpSpPr>
+            <a:xfrm>
+              <a:off x="6483716" y="5875132"/>
+              <a:ext cx="351376" cy="351376"/>
+              <a:chOff x="6483716" y="5875132"/>
+              <a:chExt cx="351376" cy="351376"/>
+            </a:xfrm>
+          </p:grpSpPr>
+          <p:pic>
+            <p:nvPicPr>
+              <p:cNvPr id="34" name="Object 33"/>
+              <p:cNvPicPr>
+                <a:picLocks noChangeAspect="1"/>
+              </p:cNvPicPr>
+              <p:nvPr/>
+            </p:nvPicPr>
+            <p:blipFill>
+              <a:blip r:embed="rId12" cstate="print"/>
+              <a:stretch>
+                <a:fillRect/>
+              </a:stretch>
+            </p:blipFill>
+            <p:spPr>
+              <a:xfrm>
+                <a:off x="6483716" y="5875132"/>
+                <a:ext cx="351376" cy="351376"/>
+              </a:xfrm>
+              <a:prstGeom prst="rect">
+                <a:avLst/>
+              </a:prstGeom>
+            </p:spPr>
+          </p:pic>
+        </p:grpSp>
+        <p:grpSp>
+          <p:nvGrpSpPr>
+            <p:cNvPr id="1013" name="그룹 1013"/>
+            <p:cNvGrpSpPr/>
+            <p:nvPr/>
+          </p:nvGrpSpPr>
+          <p:grpSpPr>
+            <a:xfrm>
+              <a:off x="5689817" y="5935897"/>
+              <a:ext cx="280044" cy="280044"/>
+              <a:chOff x="5689817" y="5935897"/>
+              <a:chExt cx="280044" cy="280044"/>
+            </a:xfrm>
+          </p:grpSpPr>
+          <p:pic>
+            <p:nvPicPr>
+              <p:cNvPr id="37" name="Object 36"/>
+              <p:cNvPicPr>
+                <a:picLocks noChangeAspect="1"/>
+              </p:cNvPicPr>
+              <p:nvPr/>
+            </p:nvPicPr>
+            <p:blipFill>
+              <a:blip r:embed="rId13" cstate="print"/>
+              <a:stretch>
+                <a:fillRect/>
+              </a:stretch>
+            </p:blipFill>
+            <p:spPr>
+              <a:xfrm>
+                <a:off x="5689817" y="5935897"/>
+                <a:ext cx="280044" cy="280044"/>
+              </a:xfrm>
+              <a:prstGeom prst="rect">
+                <a:avLst/>
+              </a:prstGeom>
+            </p:spPr>
+          </p:pic>
+        </p:grpSp>
+        <p:grpSp>
+          <p:nvGrpSpPr>
+            <p:cNvPr id="1014" name="그룹 1014"/>
+            <p:cNvGrpSpPr/>
+            <p:nvPr/>
+          </p:nvGrpSpPr>
+          <p:grpSpPr>
+            <a:xfrm>
+              <a:off x="6885289" y="5935897"/>
+              <a:ext cx="192861" cy="192861"/>
+              <a:chOff x="6885289" y="5935897"/>
+              <a:chExt cx="192861" cy="192861"/>
+            </a:xfrm>
+          </p:grpSpPr>
+          <p:pic>
+            <p:nvPicPr>
+              <p:cNvPr id="40" name="Object 39"/>
+              <p:cNvPicPr>
+                <a:picLocks noChangeAspect="1"/>
+              </p:cNvPicPr>
+              <p:nvPr/>
+            </p:nvPicPr>
+            <p:blipFill>
+              <a:blip r:embed="rId14" cstate="print"/>
+              <a:stretch>
+                <a:fillRect/>
+              </a:stretch>
+            </p:blipFill>
+            <p:spPr>
+              <a:xfrm>
+                <a:off x="6885289" y="5935897"/>
+                <a:ext cx="192861" cy="192861"/>
+              </a:xfrm>
+              <a:prstGeom prst="rect">
+                <a:avLst/>
+              </a:prstGeom>
+            </p:spPr>
+          </p:pic>
+        </p:grpSp>
+      </p:grpSp>
+      <p:grpSp>
+        <p:nvGrpSpPr>
+          <p:cNvPr id="1015" name="그룹 1015"/>
+          <p:cNvGrpSpPr/>
+          <p:nvPr/>
+        </p:nvGrpSpPr>
+        <p:grpSpPr>
+          <a:xfrm>
+            <a:off x="2294741" y="7180708"/>
+            <a:ext cx="13696233" cy="72326"/>
+            <a:chOff x="2294741" y="7180708"/>
+            <a:chExt cx="13696233" cy="72326"/>
+          </a:xfrm>
+        </p:grpSpPr>
+        <p:pic>
+          <p:nvPicPr>
+            <p:cNvPr id="44" name="Object 43"/>
+            <p:cNvPicPr>
+              <a:picLocks noChangeAspect="1"/>
+            </p:cNvPicPr>
+            <p:nvPr/>
+          </p:nvPicPr>
+          <p:blipFill>
+            <a:blip r:embed="rId15" cstate="print"/>
+            <a:stretch>
+              <a:fillRect/>
+            </a:stretch>
+          </p:blipFill>
+          <p:spPr>
+            <a:xfrm rot="-10800000">
+              <a:off x="2294741" y="7180708"/>
+              <a:ext cx="13696233" cy="72326"/>
+            </a:xfrm>
+            <a:prstGeom prst="rect">
+              <a:avLst/>
+            </a:prstGeom>
+          </p:spPr>
+        </p:pic>
+      </p:grpSp>
+      <p:grpSp>
+        <p:nvGrpSpPr>
+          <p:cNvPr id="1016" name="그룹 1016"/>
+          <p:cNvGrpSpPr/>
+          <p:nvPr/>
+        </p:nvGrpSpPr>
+        <p:grpSpPr>
+          <a:xfrm>
+            <a:off x="10418078" y="3060643"/>
+            <a:ext cx="3829541" cy="3829541"/>
+            <a:chOff x="10418078" y="3060643"/>
+            <a:chExt cx="3829541" cy="3829541"/>
+          </a:xfrm>
+        </p:grpSpPr>
+        <p:pic>
+          <p:nvPicPr>
+            <p:cNvPr id="47" name="Object 46"/>
+            <p:cNvPicPr>
+              <a:picLocks noChangeAspect="1"/>
+            </p:cNvPicPr>
+            <p:nvPr/>
+          </p:nvPicPr>
+          <p:blipFill>
+            <a:blip r:embed="rId16" cstate="print"/>
+            <a:stretch>
+              <a:fillRect/>
+            </a:stretch>
+          </p:blipFill>
+          <p:spPr>
+            <a:xfrm>
+              <a:off x="10418078" y="3060643"/>
+              <a:ext cx="3829541" cy="3829541"/>
+            </a:xfrm>
+            <a:prstGeom prst="rect">
+              <a:avLst/>
+            </a:prstGeom>
+          </p:spPr>
+        </p:pic>
+      </p:grpSp>
+      <p:grpSp>
+        <p:nvGrpSpPr>
+          <p:cNvPr id="1017" name="그룹 1017"/>
+          <p:cNvGrpSpPr/>
+          <p:nvPr/>
+        </p:nvGrpSpPr>
+        <p:grpSpPr>
+          <a:xfrm>
+            <a:off x="4846644" y="4702525"/>
+            <a:ext cx="2102618" cy="807307"/>
+            <a:chOff x="4846644" y="4702525"/>
+            <a:chExt cx="2102618" cy="807307"/>
+          </a:xfrm>
+        </p:grpSpPr>
+        <p:pic>
+          <p:nvPicPr>
+            <p:cNvPr id="50" name="Object 49"/>
+            <p:cNvPicPr>
+              <a:picLocks noChangeAspect="1"/>
+            </p:cNvPicPr>
+            <p:nvPr/>
+          </p:nvPicPr>
+          <p:blipFill>
+            <a:blip r:embed="rId17" cstate="print"/>
+            <a:stretch>
+              <a:fillRect/>
+            </a:stretch>
+          </p:blipFill>
+          <p:spPr>
+            <a:xfrm>
+              <a:off x="4800357" y="4656238"/>
+              <a:ext cx="1940952" cy="602810"/>
+            </a:xfrm>
+            <a:prstGeom prst="rect">
+              <a:avLst/>
+            </a:prstGeom>
+          </p:spPr>
+        </p:pic>
+        <p:pic>
+          <p:nvPicPr>
+            <p:cNvPr id="51" name="Object 50"/>
+            <p:cNvPicPr>
+              <a:picLocks noChangeAspect="1"/>
+            </p:cNvPicPr>
+            <p:nvPr/>
+          </p:nvPicPr>
+          <p:blipFill>
+            <a:blip r:embed="rId18" cstate="print"/>
+            <a:stretch>
+              <a:fillRect/>
+            </a:stretch>
+          </p:blipFill>
+          <p:spPr>
+            <a:xfrm>
+              <a:off x="4894788" y="5049929"/>
+              <a:ext cx="1630823" cy="525030"/>
+            </a:xfrm>
+            <a:prstGeom prst="rect">
+              <a:avLst/>
+            </a:prstGeom>
+          </p:spPr>
+        </p:pic>
+      </p:grpSp>
+      <p:grpSp>
+        <p:nvGrpSpPr>
+          <p:cNvPr id="1018" name="그룹 1018"/>
+          <p:cNvGrpSpPr/>
+          <p:nvPr/>
+        </p:nvGrpSpPr>
+        <p:grpSpPr>
+          <a:xfrm>
+            <a:off x="14780952" y="394301"/>
+            <a:ext cx="2926792" cy="572055"/>
+            <a:chOff x="14780952" y="394301"/>
+            <a:chExt cx="2926792" cy="572055"/>
+          </a:xfrm>
+        </p:grpSpPr>
+        <p:pic>
+          <p:nvPicPr>
+            <p:cNvPr id="54" name="Object 53"/>
+            <p:cNvPicPr>
+              <a:picLocks noChangeAspect="1"/>
+            </p:cNvPicPr>
+            <p:nvPr/>
+          </p:nvPicPr>
+          <p:blipFill>
+            <a:blip r:embed="rId19" cstate="print"/>
+            <a:stretch>
+              <a:fillRect/>
+            </a:stretch>
+          </p:blipFill>
+          <p:spPr>
+            <a:xfrm>
+              <a:off x="14750307" y="471765"/>
+              <a:ext cx="2488599" cy="362335"/>
+            </a:xfrm>
+            <a:prstGeom prst="rect">
+              <a:avLst/>
+            </a:prstGeom>
+          </p:spPr>
+        </p:pic>
+        <p:pic>
+          <p:nvPicPr>
+            <p:cNvPr id="55" name="Object 54"/>
+            <p:cNvPicPr>
+              <a:picLocks noChangeAspect="1"/>
+            </p:cNvPicPr>
+            <p:nvPr/>
+          </p:nvPicPr>
+          <p:blipFill>
+            <a:blip r:embed="rId20" cstate="print"/>
+            <a:stretch>
+              <a:fillRect/>
+            </a:stretch>
+          </p:blipFill>
+          <p:spPr>
+            <a:xfrm>
+              <a:off x="17064169" y="333009"/>
+              <a:ext cx="804679" cy="708122"/>
+            </a:xfrm>
+            <a:prstGeom prst="rect">
+              <a:avLst/>
+            </a:prstGeom>
+          </p:spPr>
+        </p:pic>
+      </p:grpSp>
+      <p:pic>
+        <p:nvPicPr>
+          <p:cNvPr id="57" name="Object 56"/>
+          <p:cNvPicPr>
+            <a:picLocks noChangeAspect="1"/>
+          </p:cNvPicPr>
+          <p:nvPr/>
+        </p:nvPicPr>
+        <p:blipFill>
+          <a:blip r:embed="rId21" cstate="print"/>
+          <a:stretch>
+            <a:fillRect/>
+          </a:stretch>
+        </p:blipFill>
+        <p:spPr>
+          <a:xfrm>
+            <a:off x="1600002" y="1439687"/>
+            <a:ext cx="5717444" cy="1141241"/>
+          </a:xfrm>
+          <a:prstGeom prst="rect">
+            <a:avLst/>
+          </a:prstGeom>
+        </p:spPr>
+      </p:pic>
+      <p:pic>
+        <p:nvPicPr>
+          <p:cNvPr id="58" name="Object 57"/>
+          <p:cNvPicPr>
+            <a:picLocks noChangeAspect="1"/>
+          </p:cNvPicPr>
+          <p:nvPr/>
+        </p:nvPicPr>
+        <p:blipFill>
+          <a:blip r:embed="rId22" cstate="print"/>
+          <a:stretch>
+            <a:fillRect/>
+          </a:stretch>
+        </p:blipFill>
+        <p:spPr>
+          <a:xfrm>
+            <a:off x="7374615" y="1715899"/>
+            <a:ext cx="4155185" cy="745677"/>
+          </a:xfrm>
+          <a:prstGeom prst="rect">
+            <a:avLst/>
+          </a:prstGeom>
+        </p:spPr>
+      </p:pic>
+      <p:grpSp>
+        <p:nvGrpSpPr>
+          <p:cNvPr id="1019" name="그룹 1019"/>
+          <p:cNvGrpSpPr/>
+          <p:nvPr/>
+        </p:nvGrpSpPr>
+        <p:grpSpPr>
+          <a:xfrm>
+            <a:off x="8460805" y="8259562"/>
+            <a:ext cx="1364105" cy="72326"/>
+            <a:chOff x="8460805" y="8259562"/>
+            <a:chExt cx="1364105" cy="72326"/>
+          </a:xfrm>
+        </p:grpSpPr>
+        <p:pic>
+          <p:nvPicPr>
+            <p:cNvPr id="60" name="Object 59"/>
+            <p:cNvPicPr>
+              <a:picLocks noChangeAspect="1"/>
+            </p:cNvPicPr>
+            <p:nvPr/>
+          </p:nvPicPr>
+          <p:blipFill>
+            <a:blip r:embed="rId23" cstate="print"/>
+            <a:stretch>
+              <a:fillRect/>
+            </a:stretch>
+          </p:blipFill>
+          <p:spPr>
+            <a:xfrm rot="-5400000">
+              <a:off x="8460805" y="8259562"/>
+              <a:ext cx="1364105" cy="72326"/>
+            </a:xfrm>
+            <a:prstGeom prst="rect">
+              <a:avLst/>
+            </a:prstGeom>
+          </p:spPr>
+        </p:pic>
+      </p:grpSp>
+      <p:grpSp>
+        <p:nvGrpSpPr>
+          <p:cNvPr id="1020" name="그룹 1020"/>
+          <p:cNvGrpSpPr/>
+          <p:nvPr/>
+        </p:nvGrpSpPr>
+        <p:grpSpPr>
+          <a:xfrm>
+            <a:off x="11017070" y="4546765"/>
+            <a:ext cx="2631557" cy="1010394"/>
+            <a:chOff x="11017070" y="4546765"/>
+            <a:chExt cx="2631557" cy="1010394"/>
+          </a:xfrm>
+        </p:grpSpPr>
+        <p:pic>
+          <p:nvPicPr>
+            <p:cNvPr id="63" name="Object 62"/>
+            <p:cNvPicPr>
+              <a:picLocks noChangeAspect="1"/>
+            </p:cNvPicPr>
+            <p:nvPr/>
+          </p:nvPicPr>
+          <p:blipFill>
+            <a:blip r:embed="rId24" cstate="print"/>
+            <a:stretch>
+              <a:fillRect/>
+            </a:stretch>
+          </p:blipFill>
+          <p:spPr>
+            <a:xfrm>
+              <a:off x="10959139" y="4488834"/>
+              <a:ext cx="2429088" cy="754454"/>
+            </a:xfrm>
+            <a:prstGeom prst="rect">
+              <a:avLst/>
+            </a:prstGeom>
+          </p:spPr>
+        </p:pic>
+        <p:pic>
+          <p:nvPicPr>
+            <p:cNvPr id="64" name="Object 63"/>
+            <p:cNvPicPr>
+              <a:picLocks noChangeAspect="1"/>
+            </p:cNvPicPr>
+            <p:nvPr/>
+          </p:nvPicPr>
+          <p:blipFill>
+            <a:blip r:embed="rId25" cstate="print"/>
+            <a:stretch>
+              <a:fillRect/>
+            </a:stretch>
+          </p:blipFill>
+          <p:spPr>
+            <a:xfrm>
+              <a:off x="11077325" y="4981564"/>
+              <a:ext cx="2041120" cy="657108"/>
+            </a:xfrm>
+            <a:prstGeom prst="rect">
+              <a:avLst/>
+            </a:prstGeom>
+          </p:spPr>
+        </p:pic>
+      </p:grpSp>
+      <p:grpSp>
+        <p:nvGrpSpPr>
+          <p:cNvPr id="1021" name="그룹 1021"/>
+          <p:cNvGrpSpPr/>
+          <p:nvPr/>
+        </p:nvGrpSpPr>
+        <p:grpSpPr>
+          <a:xfrm>
+            <a:off x="3296304" y="7624173"/>
+            <a:ext cx="5127787" cy="355547"/>
+            <a:chOff x="3296304" y="7624173"/>
+            <a:chExt cx="5127787" cy="355547"/>
+          </a:xfrm>
+        </p:grpSpPr>
+        <p:pic>
+          <p:nvPicPr>
+            <p:cNvPr id="67" name="Object 66"/>
+            <p:cNvPicPr>
+              <a:picLocks noChangeAspect="1"/>
+            </p:cNvPicPr>
+            <p:nvPr/>
+          </p:nvPicPr>
+          <p:blipFill>
+            <a:blip r:embed="rId26" cstate="print"/>
+            <a:stretch>
+              <a:fillRect/>
+            </a:stretch>
+          </p:blipFill>
+          <p:spPr>
+            <a:xfrm>
+              <a:off x="3573259" y="7586078"/>
+              <a:ext cx="4428334" cy="452433"/>
+            </a:xfrm>
+            <a:prstGeom prst="rect">
+              <a:avLst/>
+            </a:prstGeom>
+          </p:spPr>
+        </p:pic>
+        <p:grpSp>
+          <p:nvGrpSpPr>
+            <p:cNvPr id="1022" name="그룹 1022"/>
+            <p:cNvGrpSpPr/>
+            <p:nvPr/>
+          </p:nvGrpSpPr>
+          <p:grpSpPr>
+            <a:xfrm>
+              <a:off x="3296304" y="7745842"/>
+              <a:ext cx="121648" cy="121648"/>
+              <a:chOff x="3296304" y="7745842"/>
+              <a:chExt cx="121648" cy="121648"/>
+            </a:xfrm>
+          </p:grpSpPr>
+          <p:pic>
+            <p:nvPicPr>
+              <p:cNvPr id="69" name="Object 68"/>
+              <p:cNvPicPr>
+                <a:picLocks noChangeAspect="1"/>
+              </p:cNvPicPr>
+              <p:nvPr/>
+            </p:nvPicPr>
+            <p:blipFill>
+              <a:blip r:embed="rId27" cstate="print"/>
+              <a:stretch>
+                <a:fillRect/>
+              </a:stretch>
+            </p:blipFill>
+            <p:spPr>
+              <a:xfrm rot="-10800000">
+                <a:off x="3296304" y="7745842"/>
+                <a:ext cx="121648" cy="121648"/>
+              </a:xfrm>
+              <a:prstGeom prst="rect">
+                <a:avLst/>
+              </a:prstGeom>
+            </p:spPr>
+          </p:pic>
+        </p:grpSp>
+      </p:grpSp>
+      <p:grpSp>
+        <p:nvGrpSpPr>
+          <p:cNvPr id="1023" name="그룹 1023"/>
+          <p:cNvGrpSpPr/>
+          <p:nvPr/>
+        </p:nvGrpSpPr>
+        <p:grpSpPr>
+          <a:xfrm>
+            <a:off x="8458025" y="4783042"/>
+            <a:ext cx="720996" cy="587007"/>
+            <a:chOff x="8458025" y="4783042"/>
+            <a:chExt cx="720996" cy="587007"/>
+          </a:xfrm>
+        </p:grpSpPr>
+        <p:grpSp>
+          <p:nvGrpSpPr>
+            <p:cNvPr id="1024" name="그룹 1024"/>
+            <p:cNvGrpSpPr/>
+            <p:nvPr/>
+          </p:nvGrpSpPr>
+          <p:grpSpPr>
+            <a:xfrm>
+              <a:off x="8887037" y="4783042"/>
+              <a:ext cx="291983" cy="587007"/>
+              <a:chOff x="8887037" y="4783042"/>
+              <a:chExt cx="291983" cy="587007"/>
+            </a:xfrm>
+          </p:grpSpPr>
+          <p:pic>
+            <p:nvPicPr>
+              <p:cNvPr id="74" name="Object 73"/>
+              <p:cNvPicPr>
+                <a:picLocks noChangeAspect="1"/>
+              </p:cNvPicPr>
+              <p:nvPr/>
+            </p:nvPicPr>
+            <p:blipFill>
+              <a:blip r:embed="rId28" cstate="print"/>
+              <a:stretch>
+                <a:fillRect/>
+              </a:stretch>
+            </p:blipFill>
+            <p:spPr>
+              <a:xfrm rot="-10800000">
+                <a:off x="8887037" y="4783042"/>
+                <a:ext cx="291983" cy="587007"/>
+              </a:xfrm>
+              <a:prstGeom prst="rect">
+                <a:avLst/>
+              </a:prstGeom>
+            </p:spPr>
+          </p:pic>
+        </p:grpSp>
+        <p:grpSp>
+          <p:nvGrpSpPr>
+            <p:cNvPr id="1025" name="그룹 1025"/>
+            <p:cNvGrpSpPr/>
+            <p:nvPr/>
+          </p:nvGrpSpPr>
+          <p:grpSpPr>
+            <a:xfrm>
+              <a:off x="8672531" y="4783042"/>
+              <a:ext cx="291983" cy="587007"/>
+              <a:chOff x="8672531" y="4783042"/>
+              <a:chExt cx="291983" cy="587007"/>
+            </a:xfrm>
+          </p:grpSpPr>
+          <p:pic>
+            <p:nvPicPr>
+              <p:cNvPr id="77" name="Object 76"/>
+              <p:cNvPicPr>
+                <a:picLocks noChangeAspect="1"/>
+              </p:cNvPicPr>
+              <p:nvPr/>
+            </p:nvPicPr>
+            <p:blipFill>
+              <a:blip r:embed="rId29" cstate="print"/>
+              <a:stretch>
+                <a:fillRect/>
+              </a:stretch>
+            </p:blipFill>
+            <p:spPr>
+              <a:xfrm rot="-10800000">
+                <a:off x="8672531" y="4783042"/>
+                <a:ext cx="291983" cy="587007"/>
+              </a:xfrm>
+              <a:prstGeom prst="rect">
+                <a:avLst/>
+              </a:prstGeom>
+            </p:spPr>
+          </p:pic>
+        </p:grpSp>
+        <p:grpSp>
+          <p:nvGrpSpPr>
+            <p:cNvPr id="1026" name="그룹 1026"/>
+            <p:cNvGrpSpPr/>
+            <p:nvPr/>
+          </p:nvGrpSpPr>
+          <p:grpSpPr>
+            <a:xfrm>
+              <a:off x="8458025" y="4783042"/>
+              <a:ext cx="291983" cy="587007"/>
+              <a:chOff x="8458025" y="4783042"/>
+              <a:chExt cx="291983" cy="587007"/>
+            </a:xfrm>
+          </p:grpSpPr>
+          <p:pic>
+            <p:nvPicPr>
+              <p:cNvPr id="80" name="Object 79"/>
+              <p:cNvPicPr>
+                <a:picLocks noChangeAspect="1"/>
+              </p:cNvPicPr>
+              <p:nvPr/>
+            </p:nvPicPr>
+            <p:blipFill>
+              <a:blip r:embed="rId30" cstate="print"/>
+              <a:stretch>
+                <a:fillRect/>
+              </a:stretch>
+            </p:blipFill>
+            <p:spPr>
+              <a:xfrm rot="-10800000">
+                <a:off x="8458025" y="4783042"/>
+                <a:ext cx="291983" cy="587007"/>
+              </a:xfrm>
+              <a:prstGeom prst="rect">
+                <a:avLst/>
+              </a:prstGeom>
+            </p:spPr>
+          </p:pic>
+        </p:grpSp>
+      </p:grpSp>
+      <p:grpSp>
+        <p:nvGrpSpPr>
+          <p:cNvPr id="1027" name="그룹 1027"/>
+          <p:cNvGrpSpPr/>
+          <p:nvPr/>
+        </p:nvGrpSpPr>
+        <p:grpSpPr>
+          <a:xfrm>
+            <a:off x="15656139" y="1916021"/>
+            <a:ext cx="3464994" cy="3188741"/>
+            <a:chOff x="15656139" y="1916021"/>
+            <a:chExt cx="3464994" cy="3188741"/>
+          </a:xfrm>
+        </p:grpSpPr>
+        <p:pic>
+          <p:nvPicPr>
+            <p:cNvPr id="84" name="Object 83"/>
+            <p:cNvPicPr>
+              <a:picLocks noChangeAspect="1"/>
+            </p:cNvPicPr>
+            <p:nvPr/>
+          </p:nvPicPr>
+          <p:blipFill>
+            <a:blip r:embed="rId31" cstate="print"/>
+            <a:stretch>
+              <a:fillRect/>
+            </a:stretch>
+          </p:blipFill>
+          <p:spPr>
+            <a:xfrm>
+              <a:off x="15656139" y="1916021"/>
+              <a:ext cx="3464994" cy="3188741"/>
+            </a:xfrm>
+            <a:prstGeom prst="rect">
+              <a:avLst/>
+            </a:prstGeom>
+          </p:spPr>
+        </p:pic>
+      </p:grpSp>
+      <p:grpSp>
+        <p:nvGrpSpPr>
+          <p:cNvPr id="1028" name="그룹 1028"/>
+          <p:cNvGrpSpPr/>
+          <p:nvPr/>
+        </p:nvGrpSpPr>
+        <p:grpSpPr>
+          <a:xfrm>
+            <a:off x="-1075015" y="7442245"/>
+            <a:ext cx="3464994" cy="3059223"/>
+            <a:chOff x="-1075015" y="7442245"/>
+            <a:chExt cx="3464994" cy="3059223"/>
+          </a:xfrm>
+        </p:grpSpPr>
+        <p:pic>
+          <p:nvPicPr>
+            <p:cNvPr id="87" name="Object 86"/>
+            <p:cNvPicPr>
+              <a:picLocks noChangeAspect="1"/>
+            </p:cNvPicPr>
+            <p:nvPr/>
+          </p:nvPicPr>
+          <p:blipFill>
+            <a:blip r:embed="rId32" cstate="print"/>
+            <a:stretch>
+              <a:fillRect/>
+            </a:stretch>
+          </p:blipFill>
+          <p:spPr>
+            <a:xfrm>
+              <a:off x="-1075015" y="7442245"/>
+              <a:ext cx="3464994" cy="3059223"/>
+            </a:xfrm>
+            <a:prstGeom prst="rect">
+              <a:avLst/>
+            </a:prstGeom>
+          </p:spPr>
+        </p:pic>
+      </p:grpSp>
+      <p:grpSp>
+        <p:nvGrpSpPr>
+          <p:cNvPr id="1029" name="그룹 1029"/>
+          <p:cNvGrpSpPr/>
+          <p:nvPr/>
+        </p:nvGrpSpPr>
+        <p:grpSpPr>
+          <a:xfrm>
+            <a:off x="3296304" y="8095093"/>
+            <a:ext cx="5127787" cy="355547"/>
+            <a:chOff x="3296304" y="8095093"/>
+            <a:chExt cx="5127787" cy="355547"/>
+          </a:xfrm>
+        </p:grpSpPr>
+        <p:pic>
+          <p:nvPicPr>
+            <p:cNvPr id="90" name="Object 89"/>
+            <p:cNvPicPr>
+              <a:picLocks noChangeAspect="1"/>
+            </p:cNvPicPr>
+            <p:nvPr/>
+          </p:nvPicPr>
+          <p:blipFill>
+            <a:blip r:embed="rId26" cstate="print"/>
+            <a:stretch>
+              <a:fillRect/>
+            </a:stretch>
+          </p:blipFill>
+          <p:spPr>
+            <a:xfrm>
+              <a:off x="3573259" y="8056999"/>
+              <a:ext cx="4428334" cy="452433"/>
+            </a:xfrm>
+            <a:prstGeom prst="rect">
+              <a:avLst/>
+            </a:prstGeom>
+          </p:spPr>
+        </p:pic>
+        <p:grpSp>
+          <p:nvGrpSpPr>
+            <p:cNvPr id="1030" name="그룹 1030"/>
+            <p:cNvGrpSpPr/>
+            <p:nvPr/>
+          </p:nvGrpSpPr>
+          <p:grpSpPr>
+            <a:xfrm>
+              <a:off x="3296304" y="8216763"/>
+              <a:ext cx="121648" cy="121648"/>
+              <a:chOff x="3296304" y="8216763"/>
+              <a:chExt cx="121648" cy="121648"/>
+            </a:xfrm>
+          </p:grpSpPr>
+          <p:pic>
+            <p:nvPicPr>
+              <p:cNvPr id="92" name="Object 91"/>
+              <p:cNvPicPr>
+                <a:picLocks noChangeAspect="1"/>
+              </p:cNvPicPr>
+              <p:nvPr/>
+            </p:nvPicPr>
+            <p:blipFill>
+              <a:blip r:embed="rId27" cstate="print"/>
+              <a:stretch>
+                <a:fillRect/>
+              </a:stretch>
+            </p:blipFill>
+            <p:spPr>
+              <a:xfrm rot="-10800000">
+                <a:off x="3296304" y="8216763"/>
+                <a:ext cx="121648" cy="121648"/>
+              </a:xfrm>
+              <a:prstGeom prst="rect">
+                <a:avLst/>
+              </a:prstGeom>
+            </p:spPr>
+          </p:pic>
+        </p:grpSp>
+      </p:grpSp>
+      <p:grpSp>
+        <p:nvGrpSpPr>
+          <p:cNvPr id="1031" name="그룹 1031"/>
+          <p:cNvGrpSpPr/>
+          <p:nvPr/>
+        </p:nvGrpSpPr>
+        <p:grpSpPr>
+          <a:xfrm>
+            <a:off x="3296304" y="8566014"/>
+            <a:ext cx="5127787" cy="355547"/>
+            <a:chOff x="3296304" y="8566014"/>
+            <a:chExt cx="5127787" cy="355547"/>
+          </a:xfrm>
+        </p:grpSpPr>
+        <p:pic>
+          <p:nvPicPr>
+            <p:cNvPr id="96" name="Object 95"/>
+            <p:cNvPicPr>
+              <a:picLocks noChangeAspect="1"/>
+            </p:cNvPicPr>
+            <p:nvPr/>
+          </p:nvPicPr>
+          <p:blipFill>
+            <a:blip r:embed="rId26" cstate="print"/>
+            <a:stretch>
+              <a:fillRect/>
+            </a:stretch>
+          </p:blipFill>
+          <p:spPr>
+            <a:xfrm>
+              <a:off x="3573259" y="8527920"/>
+              <a:ext cx="4428334" cy="452433"/>
+            </a:xfrm>
+            <a:prstGeom prst="rect">
+              <a:avLst/>
+            </a:prstGeom>
+          </p:spPr>
+        </p:pic>
+        <p:grpSp>
+          <p:nvGrpSpPr>
+            <p:cNvPr id="1032" name="그룹 1032"/>
+            <p:cNvGrpSpPr/>
+            <p:nvPr/>
+          </p:nvGrpSpPr>
+          <p:grpSpPr>
+            <a:xfrm>
+              <a:off x="3296304" y="8687684"/>
+              <a:ext cx="121648" cy="121648"/>
+              <a:chOff x="3296304" y="8687684"/>
+              <a:chExt cx="121648" cy="121648"/>
+            </a:xfrm>
+          </p:grpSpPr>
+          <p:pic>
+            <p:nvPicPr>
+              <p:cNvPr id="98" name="Object 97"/>
+              <p:cNvPicPr>
+                <a:picLocks noChangeAspect="1"/>
+              </p:cNvPicPr>
+              <p:nvPr/>
+            </p:nvPicPr>
+            <p:blipFill>
+              <a:blip r:embed="rId27" cstate="print"/>
+              <a:stretch>
+                <a:fillRect/>
+              </a:stretch>
+            </p:blipFill>
+            <p:spPr>
+              <a:xfrm rot="-10800000">
+                <a:off x="3296304" y="8687684"/>
+                <a:ext cx="121648" cy="121648"/>
+              </a:xfrm>
+              <a:prstGeom prst="rect">
+                <a:avLst/>
+              </a:prstGeom>
+            </p:spPr>
+          </p:pic>
+        </p:grpSp>
+      </p:grpSp>
+      <p:grpSp>
+        <p:nvGrpSpPr>
+          <p:cNvPr id="1033" name="그룹 1033"/>
+          <p:cNvGrpSpPr/>
+          <p:nvPr/>
+        </p:nvGrpSpPr>
+        <p:grpSpPr>
+          <a:xfrm>
+            <a:off x="10318828" y="7624173"/>
+            <a:ext cx="5127787" cy="355547"/>
+            <a:chOff x="10318828" y="7624173"/>
+            <a:chExt cx="5127787" cy="355547"/>
+          </a:xfrm>
+        </p:grpSpPr>
+        <p:pic>
+          <p:nvPicPr>
+            <p:cNvPr id="102" name="Object 101"/>
+            <p:cNvPicPr>
+              <a:picLocks noChangeAspect="1"/>
+            </p:cNvPicPr>
+            <p:nvPr/>
+          </p:nvPicPr>
+          <p:blipFill>
+            <a:blip r:embed="rId26" cstate="print"/>
+            <a:stretch>
+              <a:fillRect/>
+            </a:stretch>
+          </p:blipFill>
+          <p:spPr>
+            <a:xfrm>
+              <a:off x="10595784" y="7586078"/>
+              <a:ext cx="4428334" cy="452433"/>
+            </a:xfrm>
+            <a:prstGeom prst="rect">
+              <a:avLst/>
+            </a:prstGeom>
+          </p:spPr>
+        </p:pic>
+        <p:grpSp>
+          <p:nvGrpSpPr>
+            <p:cNvPr id="1034" name="그룹 1034"/>
+            <p:cNvGrpSpPr/>
+            <p:nvPr/>
+          </p:nvGrpSpPr>
+          <p:grpSpPr>
+            <a:xfrm>
+              <a:off x="10318828" y="7745842"/>
+              <a:ext cx="121648" cy="121648"/>
+              <a:chOff x="10318828" y="7745842"/>
+              <a:chExt cx="121648" cy="121648"/>
+            </a:xfrm>
+          </p:grpSpPr>
+          <p:pic>
+            <p:nvPicPr>
+              <p:cNvPr id="104" name="Object 103"/>
+              <p:cNvPicPr>
+                <a:picLocks noChangeAspect="1"/>
+              </p:cNvPicPr>
+              <p:nvPr/>
+            </p:nvPicPr>
+            <p:blipFill>
+              <a:blip r:embed="rId27" cstate="print"/>
+              <a:stretch>
+                <a:fillRect/>
+              </a:stretch>
+            </p:blipFill>
+            <p:spPr>
+              <a:xfrm rot="-10800000">
+                <a:off x="10318828" y="7745842"/>
+                <a:ext cx="121648" cy="121648"/>
+              </a:xfrm>
+              <a:prstGeom prst="rect">
+                <a:avLst/>
+              </a:prstGeom>
+            </p:spPr>
+          </p:pic>
+        </p:grpSp>
+      </p:grpSp>
+      <p:grpSp>
+        <p:nvGrpSpPr>
+          <p:cNvPr id="1035" name="그룹 1035"/>
+          <p:cNvGrpSpPr/>
+          <p:nvPr/>
+        </p:nvGrpSpPr>
+        <p:grpSpPr>
+          <a:xfrm>
+            <a:off x="10318828" y="8095093"/>
+            <a:ext cx="5127787" cy="355547"/>
+            <a:chOff x="10318828" y="8095093"/>
+            <a:chExt cx="5127787" cy="355547"/>
+          </a:xfrm>
+        </p:grpSpPr>
+        <p:pic>
+          <p:nvPicPr>
+            <p:cNvPr id="108" name="Object 107"/>
+            <p:cNvPicPr>
+              <a:picLocks noChangeAspect="1"/>
+            </p:cNvPicPr>
+            <p:nvPr/>
+          </p:nvPicPr>
+          <p:blipFill>
+            <a:blip r:embed="rId26" cstate="print"/>
+            <a:stretch>
+              <a:fillRect/>
+            </a:stretch>
+          </p:blipFill>
+          <p:spPr>
+            <a:xfrm>
+              <a:off x="10595784" y="8056999"/>
+              <a:ext cx="4428334" cy="452433"/>
+            </a:xfrm>
+            <a:prstGeom prst="rect">
+              <a:avLst/>
+            </a:prstGeom>
+          </p:spPr>
+        </p:pic>
+        <p:grpSp>
+          <p:nvGrpSpPr>
+            <p:cNvPr id="1036" name="그룹 1036"/>
+            <p:cNvGrpSpPr/>
+            <p:nvPr/>
+          </p:nvGrpSpPr>
+          <p:grpSpPr>
+            <a:xfrm>
+              <a:off x="10318828" y="8216763"/>
+              <a:ext cx="121648" cy="121648"/>
+              <a:chOff x="10318828" y="8216763"/>
+              <a:chExt cx="121648" cy="121648"/>
+            </a:xfrm>
+          </p:grpSpPr>
+          <p:pic>
+            <p:nvPicPr>
+              <p:cNvPr id="110" name="Object 109"/>
+              <p:cNvPicPr>
+                <a:picLocks noChangeAspect="1"/>
+              </p:cNvPicPr>
+              <p:nvPr/>
+            </p:nvPicPr>
+            <p:blipFill>
+              <a:blip r:embed="rId27" cstate="print"/>
+              <a:stretch>
+                <a:fillRect/>
+              </a:stretch>
+            </p:blipFill>
+            <p:spPr>
+              <a:xfrm rot="-10800000">
+                <a:off x="10318828" y="8216763"/>
+                <a:ext cx="121648" cy="121648"/>
+              </a:xfrm>
+              <a:prstGeom prst="rect">
+                <a:avLst/>
+              </a:prstGeom>
+            </p:spPr>
+          </p:pic>
+        </p:grpSp>
+      </p:grpSp>
+      <p:grpSp>
+        <p:nvGrpSpPr>
+          <p:cNvPr id="1037" name="그룹 1037"/>
+          <p:cNvGrpSpPr/>
+          <p:nvPr/>
+        </p:nvGrpSpPr>
+        <p:grpSpPr>
+          <a:xfrm>
+            <a:off x="10318828" y="8566014"/>
+            <a:ext cx="5127787" cy="355547"/>
+            <a:chOff x="10318828" y="8566014"/>
+            <a:chExt cx="5127787" cy="355547"/>
+          </a:xfrm>
+        </p:grpSpPr>
+        <p:pic>
+          <p:nvPicPr>
+            <p:cNvPr id="114" name="Object 113"/>
+            <p:cNvPicPr>
+              <a:picLocks noChangeAspect="1"/>
+            </p:cNvPicPr>
+            <p:nvPr/>
+          </p:nvPicPr>
+          <p:blipFill>
+            <a:blip r:embed="rId26" cstate="print"/>
+            <a:stretch>
+              <a:fillRect/>
+            </a:stretch>
+          </p:blipFill>
+          <p:spPr>
+            <a:xfrm>
+              <a:off x="10595784" y="8527920"/>
+              <a:ext cx="4428334" cy="452433"/>
+            </a:xfrm>
+            <a:prstGeom prst="rect">
+              <a:avLst/>
+            </a:prstGeom>
+          </p:spPr>
+        </p:pic>
+        <p:grpSp>
+          <p:nvGrpSpPr>
+            <p:cNvPr id="1038" name="그룹 1038"/>
+            <p:cNvGrpSpPr/>
+            <p:nvPr/>
+          </p:nvGrpSpPr>
+          <p:grpSpPr>
+            <a:xfrm>
+              <a:off x="10318828" y="8687684"/>
+              <a:ext cx="121648" cy="121648"/>
+              <a:chOff x="10318828" y="8687684"/>
+              <a:chExt cx="121648" cy="121648"/>
+            </a:xfrm>
+          </p:grpSpPr>
+          <p:pic>
+            <p:nvPicPr>
+              <p:cNvPr id="116" name="Object 115"/>
+              <p:cNvPicPr>
+                <a:picLocks noChangeAspect="1"/>
+              </p:cNvPicPr>
+              <p:nvPr/>
+            </p:nvPicPr>
+            <p:blipFill>
+              <a:blip r:embed="rId27" cstate="print"/>
+              <a:stretch>
+                <a:fillRect/>
+              </a:stretch>
+            </p:blipFill>
+            <p:spPr>
+              <a:xfrm rot="-10800000">
+                <a:off x="10318828" y="8687684"/>
+                <a:ext cx="121648" cy="121648"/>
+              </a:xfrm>
+              <a:prstGeom prst="rect">
+                <a:avLst/>
+              </a:prstGeom>
+            </p:spPr>
+          </p:pic>
+        </p:grpSp>
+      </p:grpSp>
+    </p:spTree>
+  </p:cSld>
+  <p:clrMapOvr>
+    <a:masterClrMapping/>
+  </p:clrMapOvr>
+</p:sld>
+</file>
+
+<file path=ppt/slides/slide21.xml><?xml version="1.0" encoding="utf-8"?>
+<p:sld xmlns:a="http://schemas.openxmlformats.org/drawingml/2006/main" xmlns:r="http://schemas.openxmlformats.org/officeDocument/2006/relationships" xmlns:p="http://schemas.openxmlformats.org/presentationml/2006/main">
   <p:cSld name="Slide 16">
     <p:bg>
       <p:bgPr>
@@ -17941,7 +18455,7 @@
 </p:sld>
 </file>
 
-<file path=ppt/slides/slide21.xml><?xml version="1.0" encoding="utf-8"?>
+<file path=ppt/slides/slide22.xml><?xml version="1.0" encoding="utf-8"?>
 <p:sld xmlns:a="http://schemas.openxmlformats.org/drawingml/2006/main" xmlns:r="http://schemas.openxmlformats.org/officeDocument/2006/relationships" xmlns:p="http://schemas.openxmlformats.org/presentationml/2006/main">
   <p:cSld name="Slide 17">
     <p:bg>
@@ -19015,7 +19529,7 @@
 </p:sld>
 </file>
 
-<file path=ppt/slides/slide22.xml><?xml version="1.0" encoding="utf-8"?>
+<file path=ppt/slides/slide23.xml><?xml version="1.0" encoding="utf-8"?>
 <p:sld xmlns:a="http://schemas.openxmlformats.org/drawingml/2006/main" xmlns:r="http://schemas.openxmlformats.org/officeDocument/2006/relationships" xmlns:p="http://schemas.openxmlformats.org/presentationml/2006/main">
   <p:cSld name="Slide 18">
     <p:bg>
@@ -20374,7 +20888,7 @@
 </p:sld>
 </file>
 
-<file path=ppt/slides/slide23.xml><?xml version="1.0" encoding="utf-8"?>
+<file path=ppt/slides/slide24.xml><?xml version="1.0" encoding="utf-8"?>
 <p:sld xmlns:a="http://schemas.openxmlformats.org/drawingml/2006/main" xmlns:r="http://schemas.openxmlformats.org/officeDocument/2006/relationships" xmlns:p="http://schemas.openxmlformats.org/presentationml/2006/main">
   <p:cSld name="Slide 19">
     <p:bg>
@@ -20635,7 +21149,7 @@
 </p:sld>
 </file>
 
-<file path=ppt/slides/slide24.xml><?xml version="1.0" encoding="utf-8"?>
+<file path=ppt/slides/slide25.xml><?xml version="1.0" encoding="utf-8"?>
 <p:sld xmlns:a="http://schemas.openxmlformats.org/drawingml/2006/main" xmlns:r="http://schemas.openxmlformats.org/officeDocument/2006/relationships" xmlns:p="http://schemas.openxmlformats.org/presentationml/2006/main">
   <p:cSld name="Slide 20">
     <p:bg>
@@ -21020,7 +21534,7 @@
           <p:cNvPr id="4" name="TextBox 3">
             <a:extLst>
               <a:ext uri="{FF2B5EF4-FFF2-40B4-BE49-F238E27FC236}">
-                <a16:creationId xmlns:a16="http://schemas.microsoft.com/office/drawing/2014/main" id="{69196D22-2A4C-4EF6-5A42-2031D7FEF549}"/>
+                <a16:creationId xmlns:a16="http://schemas.microsoft.com/office/drawing/2014/main" xmlns="" id="{69196D22-2A4C-4EF6-5A42-2031D7FEF549}"/>
               </a:ext>
             </a:extLst>
           </p:cNvPr>
@@ -21068,7 +21582,7 @@
           <p:cNvPr id="5" name="직선 연결선 4">
             <a:extLst>
               <a:ext uri="{FF2B5EF4-FFF2-40B4-BE49-F238E27FC236}">
-                <a16:creationId xmlns:a16="http://schemas.microsoft.com/office/drawing/2014/main" id="{DDFA97EB-659B-5D0A-D41B-496A6FF66D9E}"/>
+                <a16:creationId xmlns:a16="http://schemas.microsoft.com/office/drawing/2014/main" xmlns="" id="{DDFA97EB-659B-5D0A-D41B-496A6FF66D9E}"/>
               </a:ext>
             </a:extLst>
           </p:cNvPr>
@@ -21111,7 +21625,7 @@
           <p:cNvPr id="6" name="TextBox 5">
             <a:extLst>
               <a:ext uri="{FF2B5EF4-FFF2-40B4-BE49-F238E27FC236}">
-                <a16:creationId xmlns:a16="http://schemas.microsoft.com/office/drawing/2014/main" id="{B1C05CB3-45A9-FA20-A8E0-BE6F095B8777}"/>
+                <a16:creationId xmlns:a16="http://schemas.microsoft.com/office/drawing/2014/main" xmlns="" id="{B1C05CB3-45A9-FA20-A8E0-BE6F095B8777}"/>
               </a:ext>
             </a:extLst>
           </p:cNvPr>
@@ -21208,6 +21722,150 @@
 
 <file path=ppt/slides/slide4.xml><?xml version="1.0" encoding="utf-8"?>
 <p:sld xmlns:a="http://schemas.openxmlformats.org/drawingml/2006/main" xmlns:r="http://schemas.openxmlformats.org/officeDocument/2006/relationships" xmlns:p="http://schemas.openxmlformats.org/presentationml/2006/main">
+  <p:cSld>
+    <p:spTree>
+      <p:nvGrpSpPr>
+        <p:cNvPr id="1" name=""/>
+        <p:cNvGrpSpPr/>
+        <p:nvPr/>
+      </p:nvGrpSpPr>
+      <p:grpSpPr>
+        <a:xfrm>
+          <a:off x="0" y="0"/>
+          <a:ext cx="0" cy="0"/>
+          <a:chOff x="0" y="0"/>
+          <a:chExt cx="0" cy="0"/>
+        </a:xfrm>
+      </p:grpSpPr>
+      <p:sp>
+        <p:nvSpPr>
+          <p:cNvPr id="4" name="TextBox 3">
+            <a:extLst>
+              <a:ext uri="{FF2B5EF4-FFF2-40B4-BE49-F238E27FC236}">
+                <a16:creationId xmlns="" xmlns:a16="http://schemas.microsoft.com/office/drawing/2014/main" id="{33E68E04-890B-B287-E047-0CFC11F77DDA}"/>
+              </a:ext>
+            </a:extLst>
+          </p:cNvPr>
+          <p:cNvSpPr txBox="1"/>
+          <p:nvPr/>
+        </p:nvSpPr>
+        <p:spPr>
+          <a:xfrm>
+            <a:off x="304800" y="114300"/>
+            <a:ext cx="10972800" cy="923330"/>
+          </a:xfrm>
+          <a:prstGeom prst="rect">
+            <a:avLst/>
+          </a:prstGeom>
+          <a:noFill/>
+        </p:spPr>
+        <p:txBody>
+          <a:bodyPr wrap="square" rtlCol="0">
+            <a:spAutoFit/>
+          </a:bodyPr>
+          <a:lstStyle/>
+          <a:p>
+            <a:r>
+              <a:rPr lang="en-US" altLang="ko-KR" sz="5400" spc="-300" dirty="0">
+                <a:solidFill>
+                  <a:srgbClr val="4C50BC"/>
+                </a:solidFill>
+                <a:latin typeface="G마켓 산스 Bold" panose="02000000000000000000" pitchFamily="50" charset="-127"/>
+                <a:ea typeface="G마켓 산스 Bold" panose="02000000000000000000" pitchFamily="50" charset="-127"/>
+              </a:rPr>
+              <a:t>1-1 </a:t>
+            </a:r>
+            <a:r>
+              <a:rPr lang="ko-KR" altLang="en-US" sz="5400" spc="-300" dirty="0">
+                <a:solidFill>
+                  <a:srgbClr val="4C50BC"/>
+                </a:solidFill>
+                <a:latin typeface="G마켓 산스 Bold" panose="02000000000000000000" pitchFamily="50" charset="-127"/>
+                <a:ea typeface="G마켓 산스 Bold" panose="02000000000000000000" pitchFamily="50" charset="-127"/>
+              </a:rPr>
+              <a:t>실습문제</a:t>
+            </a:r>
+            <a:r>
+              <a:rPr lang="en-US" altLang="ko-KR" sz="5400" spc="-300" dirty="0">
+                <a:solidFill>
+                  <a:srgbClr val="4C50BC"/>
+                </a:solidFill>
+                <a:latin typeface="G마켓 산스 Bold" panose="02000000000000000000" pitchFamily="50" charset="-127"/>
+                <a:ea typeface="G마켓 산스 Bold" panose="02000000000000000000" pitchFamily="50" charset="-127"/>
+              </a:rPr>
+              <a:t> </a:t>
+            </a:r>
+            <a:r>
+              <a:rPr lang="en-US" altLang="ko-KR" sz="5400" spc="-300" dirty="0">
+                <a:solidFill>
+                  <a:srgbClr val="FF0000"/>
+                </a:solidFill>
+                <a:latin typeface="G마켓 산스 Bold" panose="02000000000000000000" pitchFamily="50" charset="-127"/>
+                <a:ea typeface="G마켓 산스 Bold" panose="02000000000000000000" pitchFamily="50" charset="-127"/>
+              </a:rPr>
+              <a:t>(normal)</a:t>
+            </a:r>
+          </a:p>
+        </p:txBody>
+      </p:sp>
+      <p:cxnSp>
+        <p:nvCxnSpPr>
+          <p:cNvPr id="5" name="직선 연결선 4">
+            <a:extLst>
+              <a:ext uri="{FF2B5EF4-FFF2-40B4-BE49-F238E27FC236}">
+                <a16:creationId xmlns="" xmlns:a16="http://schemas.microsoft.com/office/drawing/2014/main" id="{B61CE585-454C-C4A8-2837-19A77F2941CE}"/>
+              </a:ext>
+            </a:extLst>
+          </p:cNvPr>
+          <p:cNvCxnSpPr>
+            <a:cxnSpLocks/>
+          </p:cNvCxnSpPr>
+          <p:nvPr/>
+        </p:nvCxnSpPr>
+        <p:spPr>
+          <a:xfrm flipH="1" flipV="1">
+            <a:off x="-13447" y="972511"/>
+            <a:ext cx="18288000" cy="65119"/>
+          </a:xfrm>
+          <a:prstGeom prst="line">
+            <a:avLst/>
+          </a:prstGeom>
+          <a:ln w="38100">
+            <a:solidFill>
+              <a:srgbClr val="4C50BC"/>
+            </a:solidFill>
+          </a:ln>
+        </p:spPr>
+        <p:style>
+          <a:lnRef idx="1">
+            <a:schemeClr val="accent1"/>
+          </a:lnRef>
+          <a:fillRef idx="0">
+            <a:schemeClr val="accent1"/>
+          </a:fillRef>
+          <a:effectRef idx="0">
+            <a:schemeClr val="accent1"/>
+          </a:effectRef>
+          <a:fontRef idx="minor">
+            <a:schemeClr val="tx1"/>
+          </a:fontRef>
+        </p:style>
+      </p:cxnSp>
+    </p:spTree>
+    <p:extLst>
+      <p:ext uri="{BB962C8B-B14F-4D97-AF65-F5344CB8AC3E}">
+        <p14:creationId xmlns:p14="http://schemas.microsoft.com/office/powerpoint/2010/main" val="3749088509"/>
+      </p:ext>
+    </p:extLst>
+  </p:cSld>
+  <p:clrMapOvr>
+    <a:masterClrMapping/>
+  </p:clrMapOvr>
+</p:sld>
+</file>
+
+<file path=ppt/slides/slide5.xml><?xml version="1.0" encoding="utf-8"?>
+<p:sld xmlns:a="http://schemas.openxmlformats.org/drawingml/2006/main" xmlns:r="http://schemas.openxmlformats.org/officeDocument/2006/relationships" xmlns:p="http://schemas.openxmlformats.org/presentationml/2006/main">
   <p:cSld name="Slide 1">
     <p:bg>
       <p:bgPr>
@@ -21476,7 +22134,7 @@
 </p:sld>
 </file>
 
-<file path=ppt/slides/slide5.xml><?xml version="1.0" encoding="utf-8"?>
+<file path=ppt/slides/slide6.xml><?xml version="1.0" encoding="utf-8"?>
 <p:sld xmlns:a="http://schemas.openxmlformats.org/drawingml/2006/main" xmlns:r="http://schemas.openxmlformats.org/officeDocument/2006/relationships" xmlns:p="http://schemas.openxmlformats.org/presentationml/2006/main">
   <p:cSld name="Slide 2">
     <p:bg>
@@ -22043,7 +22701,7 @@
 </p:sld>
 </file>
 
-<file path=ppt/slides/slide6.xml><?xml version="1.0" encoding="utf-8"?>
+<file path=ppt/slides/slide7.xml><?xml version="1.0" encoding="utf-8"?>
 <p:sld xmlns:a="http://schemas.openxmlformats.org/drawingml/2006/main" xmlns:r="http://schemas.openxmlformats.org/officeDocument/2006/relationships" xmlns:p="http://schemas.openxmlformats.org/presentationml/2006/main">
   <p:cSld name="Slide 3">
     <p:bg>
@@ -22505,7 +23163,7 @@
 </p:sld>
 </file>
 
-<file path=ppt/slides/slide7.xml><?xml version="1.0" encoding="utf-8"?>
+<file path=ppt/slides/slide8.xml><?xml version="1.0" encoding="utf-8"?>
 <p:sld xmlns:a="http://schemas.openxmlformats.org/drawingml/2006/main" xmlns:r="http://schemas.openxmlformats.org/officeDocument/2006/relationships" xmlns:p="http://schemas.openxmlformats.org/presentationml/2006/main">
   <p:cSld name="Slide 4">
     <p:bg>
@@ -22766,7 +23424,7 @@
 </p:sld>
 </file>
 
-<file path=ppt/slides/slide8.xml><?xml version="1.0" encoding="utf-8"?>
+<file path=ppt/slides/slide9.xml><?xml version="1.0" encoding="utf-8"?>
 <p:sld xmlns:a="http://schemas.openxmlformats.org/drawingml/2006/main" xmlns:r="http://schemas.openxmlformats.org/officeDocument/2006/relationships" xmlns:p="http://schemas.openxmlformats.org/presentationml/2006/main">
   <p:cSld name="Slide 5">
     <p:bg>
@@ -23234,519 +23892,6 @@
             </a:prstGeom>
           </p:spPr>
         </p:pic>
-      </p:grpSp>
-    </p:spTree>
-  </p:cSld>
-  <p:clrMapOvr>
-    <a:masterClrMapping/>
-  </p:clrMapOvr>
-</p:sld>
-</file>
-
-<file path=ppt/slides/slide9.xml><?xml version="1.0" encoding="utf-8"?>
-<p:sld xmlns:a="http://schemas.openxmlformats.org/drawingml/2006/main" xmlns:r="http://schemas.openxmlformats.org/officeDocument/2006/relationships" xmlns:p="http://schemas.openxmlformats.org/presentationml/2006/main">
-  <p:cSld name="Slide 6">
-    <p:bg>
-      <p:bgPr>
-        <a:solidFill>
-          <a:srgbClr val="FFFFFF"/>
-        </a:solidFill>
-        <a:effectLst/>
-      </p:bgPr>
-    </p:bg>
-    <p:spTree>
-      <p:nvGrpSpPr>
-        <p:cNvPr id="1" name=""/>
-        <p:cNvGrpSpPr/>
-        <p:nvPr/>
-      </p:nvGrpSpPr>
-      <p:grpSpPr>
-        <a:xfrm>
-          <a:off x="0" y="0"/>
-          <a:ext cx="0" cy="0"/>
-          <a:chOff x="0" y="0"/>
-          <a:chExt cx="0" cy="0"/>
-        </a:xfrm>
-      </p:grpSpPr>
-      <p:pic>
-        <p:nvPicPr>
-          <p:cNvPr id="2" name="Object 1"/>
-          <p:cNvPicPr>
-            <a:picLocks noChangeAspect="1"/>
-          </p:cNvPicPr>
-          <p:nvPr/>
-        </p:nvPicPr>
-        <p:blipFill>
-          <a:blip r:embed="rId2" cstate="print"/>
-          <a:stretch>
-            <a:fillRect/>
-          </a:stretch>
-        </p:blipFill>
-        <p:spPr>
-          <a:xfrm>
-            <a:off x="1600002" y="3571507"/>
-            <a:ext cx="3832285" cy="1865668"/>
-          </a:xfrm>
-          <a:prstGeom prst="rect">
-            <a:avLst/>
-          </a:prstGeom>
-        </p:spPr>
-      </p:pic>
-      <p:pic>
-        <p:nvPicPr>
-          <p:cNvPr id="3" name="Object 2"/>
-          <p:cNvPicPr>
-            <a:picLocks noChangeAspect="1"/>
-          </p:cNvPicPr>
-          <p:nvPr/>
-        </p:nvPicPr>
-        <p:blipFill>
-          <a:blip r:embed="rId3" cstate="print"/>
-          <a:stretch>
-            <a:fillRect/>
-          </a:stretch>
-        </p:blipFill>
-        <p:spPr>
-          <a:xfrm>
-            <a:off x="1632383" y="5806204"/>
-            <a:ext cx="4155185" cy="745677"/>
-          </a:xfrm>
-          <a:prstGeom prst="rect">
-            <a:avLst/>
-          </a:prstGeom>
-        </p:spPr>
-      </p:pic>
-      <p:grpSp>
-        <p:nvGrpSpPr>
-          <p:cNvPr id="1001" name="그룹 1001"/>
-          <p:cNvGrpSpPr/>
-          <p:nvPr/>
-        </p:nvGrpSpPr>
-        <p:grpSpPr>
-          <a:xfrm>
-            <a:off x="1202388" y="7727078"/>
-            <a:ext cx="3922193" cy="3884148"/>
-            <a:chOff x="1202388" y="7727078"/>
-            <a:chExt cx="3922193" cy="3884148"/>
-          </a:xfrm>
-        </p:grpSpPr>
-        <p:pic>
-          <p:nvPicPr>
-            <p:cNvPr id="5" name="Object 4"/>
-            <p:cNvPicPr>
-              <a:picLocks noChangeAspect="1"/>
-            </p:cNvPicPr>
-            <p:nvPr/>
-          </p:nvPicPr>
-          <p:blipFill>
-            <a:blip r:embed="rId4" cstate="print"/>
-            <a:stretch>
-              <a:fillRect/>
-            </a:stretch>
-          </p:blipFill>
-          <p:spPr>
-            <a:xfrm>
-              <a:off x="1202388" y="7727078"/>
-              <a:ext cx="3922193" cy="3884148"/>
-            </a:xfrm>
-            <a:prstGeom prst="rect">
-              <a:avLst/>
-            </a:prstGeom>
-          </p:spPr>
-        </p:pic>
-      </p:grpSp>
-      <p:grpSp>
-        <p:nvGrpSpPr>
-          <p:cNvPr id="1002" name="그룹 1002"/>
-          <p:cNvGrpSpPr/>
-          <p:nvPr/>
-        </p:nvGrpSpPr>
-        <p:grpSpPr>
-          <a:xfrm>
-            <a:off x="-1483995" y="-3011652"/>
-            <a:ext cx="5220385" cy="5220385"/>
-            <a:chOff x="-1483995" y="-3011652"/>
-            <a:chExt cx="5220385" cy="5220385"/>
-          </a:xfrm>
-        </p:grpSpPr>
-        <p:pic>
-          <p:nvPicPr>
-            <p:cNvPr id="8" name="Object 7"/>
-            <p:cNvPicPr>
-              <a:picLocks noChangeAspect="1"/>
-            </p:cNvPicPr>
-            <p:nvPr/>
-          </p:nvPicPr>
-          <p:blipFill>
-            <a:blip r:embed="rId5" cstate="print"/>
-            <a:stretch>
-              <a:fillRect/>
-            </a:stretch>
-          </p:blipFill>
-          <p:spPr>
-            <a:xfrm rot="-2700000">
-              <a:off x="-1483995" y="-3011652"/>
-              <a:ext cx="5220385" cy="5220385"/>
-            </a:xfrm>
-            <a:prstGeom prst="rect">
-              <a:avLst/>
-            </a:prstGeom>
-          </p:spPr>
-        </p:pic>
-      </p:grpSp>
-      <p:pic>
-        <p:nvPicPr>
-          <p:cNvPr id="10" name="Object 9"/>
-          <p:cNvPicPr>
-            <a:picLocks noChangeAspect="1"/>
-          </p:cNvPicPr>
-          <p:nvPr/>
-        </p:nvPicPr>
-        <p:blipFill>
-          <a:blip r:embed="rId6" cstate="print"/>
-          <a:stretch>
-            <a:fillRect/>
-          </a:stretch>
-        </p:blipFill>
-        <p:spPr>
-          <a:xfrm>
-            <a:off x="14750307" y="471765"/>
-            <a:ext cx="2488599" cy="362335"/>
-          </a:xfrm>
-          <a:prstGeom prst="rect">
-            <a:avLst/>
-          </a:prstGeom>
-        </p:spPr>
-      </p:pic>
-      <p:pic>
-        <p:nvPicPr>
-          <p:cNvPr id="11" name="Object 10"/>
-          <p:cNvPicPr>
-            <a:picLocks noChangeAspect="1"/>
-          </p:cNvPicPr>
-          <p:nvPr/>
-        </p:nvPicPr>
-        <p:blipFill>
-          <a:blip r:embed="rId7" cstate="print"/>
-          <a:stretch>
-            <a:fillRect/>
-          </a:stretch>
-        </p:blipFill>
-        <p:spPr>
-          <a:xfrm>
-            <a:off x="17064169" y="333009"/>
-            <a:ext cx="800998" cy="708122"/>
-          </a:xfrm>
-          <a:prstGeom prst="rect">
-            <a:avLst/>
-          </a:prstGeom>
-        </p:spPr>
-      </p:pic>
-      <p:pic>
-        <p:nvPicPr>
-          <p:cNvPr id="12" name="Object 11"/>
-          <p:cNvPicPr>
-            <a:picLocks noChangeAspect="1"/>
-          </p:cNvPicPr>
-          <p:nvPr/>
-        </p:nvPicPr>
-        <p:blipFill>
-          <a:blip r:embed="rId8" cstate="print"/>
-          <a:stretch>
-            <a:fillRect/>
-          </a:stretch>
-        </p:blipFill>
-        <p:spPr>
-          <a:xfrm>
-            <a:off x="9738070" y="2618809"/>
-            <a:ext cx="6753761" cy="1025651"/>
-          </a:xfrm>
-          <a:prstGeom prst="rect">
-            <a:avLst/>
-          </a:prstGeom>
-        </p:spPr>
-      </p:pic>
-      <p:grpSp>
-        <p:nvGrpSpPr>
-          <p:cNvPr id="1003" name="그룹 1003"/>
-          <p:cNvGrpSpPr/>
-          <p:nvPr/>
-        </p:nvGrpSpPr>
-        <p:grpSpPr>
-          <a:xfrm>
-            <a:off x="9367774" y="1970194"/>
-            <a:ext cx="6530294" cy="533320"/>
-            <a:chOff x="9367774" y="1970194"/>
-            <a:chExt cx="6530294" cy="533320"/>
-          </a:xfrm>
-        </p:grpSpPr>
-        <p:pic>
-          <p:nvPicPr>
-            <p:cNvPr id="14" name="Object 13"/>
-            <p:cNvPicPr>
-              <a:picLocks noChangeAspect="1"/>
-            </p:cNvPicPr>
-            <p:nvPr/>
-          </p:nvPicPr>
-          <p:blipFill>
-            <a:blip r:embed="rId9" cstate="print"/>
-            <a:stretch>
-              <a:fillRect/>
-            </a:stretch>
-          </p:blipFill>
-          <p:spPr>
-            <a:xfrm>
-              <a:off x="9726641" y="1913053"/>
-              <a:ext cx="4217799" cy="680173"/>
-            </a:xfrm>
-            <a:prstGeom prst="rect">
-              <a:avLst/>
-            </a:prstGeom>
-          </p:spPr>
-        </p:pic>
-        <p:grpSp>
-          <p:nvGrpSpPr>
-            <p:cNvPr id="1004" name="그룹 1004"/>
-            <p:cNvGrpSpPr/>
-            <p:nvPr/>
-          </p:nvGrpSpPr>
-          <p:grpSpPr>
-            <a:xfrm>
-              <a:off x="9367774" y="2186359"/>
-              <a:ext cx="160149" cy="160149"/>
-              <a:chOff x="9367774" y="2186359"/>
-              <a:chExt cx="160149" cy="160149"/>
-            </a:xfrm>
-          </p:grpSpPr>
-          <p:pic>
-            <p:nvPicPr>
-              <p:cNvPr id="16" name="Object 15"/>
-              <p:cNvPicPr>
-                <a:picLocks noChangeAspect="1"/>
-              </p:cNvPicPr>
-              <p:nvPr/>
-            </p:nvPicPr>
-            <p:blipFill>
-              <a:blip r:embed="rId10" cstate="print"/>
-              <a:stretch>
-                <a:fillRect/>
-              </a:stretch>
-            </p:blipFill>
-            <p:spPr>
-              <a:xfrm>
-                <a:off x="9367774" y="2186359"/>
-                <a:ext cx="160149" cy="160149"/>
-              </a:xfrm>
-              <a:prstGeom prst="rect">
-                <a:avLst/>
-              </a:prstGeom>
-            </p:spPr>
-          </p:pic>
-        </p:grpSp>
-      </p:grpSp>
-      <p:pic>
-        <p:nvPicPr>
-          <p:cNvPr id="19" name="Object 18"/>
-          <p:cNvPicPr>
-            <a:picLocks noChangeAspect="1"/>
-          </p:cNvPicPr>
-          <p:nvPr/>
-        </p:nvPicPr>
-        <p:blipFill>
-          <a:blip r:embed="rId11" cstate="print"/>
-          <a:stretch>
-            <a:fillRect/>
-          </a:stretch>
-        </p:blipFill>
-        <p:spPr>
-          <a:xfrm>
-            <a:off x="9738070" y="5041605"/>
-            <a:ext cx="6964448" cy="1041803"/>
-          </a:xfrm>
-          <a:prstGeom prst="rect">
-            <a:avLst/>
-          </a:prstGeom>
-        </p:spPr>
-      </p:pic>
-      <p:grpSp>
-        <p:nvGrpSpPr>
-          <p:cNvPr id="1005" name="그룹 1005"/>
-          <p:cNvGrpSpPr/>
-          <p:nvPr/>
-        </p:nvGrpSpPr>
-        <p:grpSpPr>
-          <a:xfrm>
-            <a:off x="9367774" y="4392990"/>
-            <a:ext cx="6530294" cy="533320"/>
-            <a:chOff x="9367774" y="4392990"/>
-            <a:chExt cx="6530294" cy="533320"/>
-          </a:xfrm>
-        </p:grpSpPr>
-        <p:pic>
-          <p:nvPicPr>
-            <p:cNvPr id="21" name="Object 20"/>
-            <p:cNvPicPr>
-              <a:picLocks noChangeAspect="1"/>
-            </p:cNvPicPr>
-            <p:nvPr/>
-          </p:nvPicPr>
-          <p:blipFill>
-            <a:blip r:embed="rId9" cstate="print"/>
-            <a:stretch>
-              <a:fillRect/>
-            </a:stretch>
-          </p:blipFill>
-          <p:spPr>
-            <a:xfrm>
-              <a:off x="9726641" y="4335849"/>
-              <a:ext cx="4217799" cy="680173"/>
-            </a:xfrm>
-            <a:prstGeom prst="rect">
-              <a:avLst/>
-            </a:prstGeom>
-          </p:spPr>
-        </p:pic>
-        <p:grpSp>
-          <p:nvGrpSpPr>
-            <p:cNvPr id="1006" name="그룹 1006"/>
-            <p:cNvGrpSpPr/>
-            <p:nvPr/>
-          </p:nvGrpSpPr>
-          <p:grpSpPr>
-            <a:xfrm>
-              <a:off x="9367774" y="4609155"/>
-              <a:ext cx="160149" cy="160149"/>
-              <a:chOff x="9367774" y="4609155"/>
-              <a:chExt cx="160149" cy="160149"/>
-            </a:xfrm>
-          </p:grpSpPr>
-          <p:pic>
-            <p:nvPicPr>
-              <p:cNvPr id="23" name="Object 22"/>
-              <p:cNvPicPr>
-                <a:picLocks noChangeAspect="1"/>
-              </p:cNvPicPr>
-              <p:nvPr/>
-            </p:nvPicPr>
-            <p:blipFill>
-              <a:blip r:embed="rId10" cstate="print"/>
-              <a:stretch>
-                <a:fillRect/>
-              </a:stretch>
-            </p:blipFill>
-            <p:spPr>
-              <a:xfrm>
-                <a:off x="9367774" y="4609155"/>
-                <a:ext cx="160149" cy="160149"/>
-              </a:xfrm>
-              <a:prstGeom prst="rect">
-                <a:avLst/>
-              </a:prstGeom>
-            </p:spPr>
-          </p:pic>
-        </p:grpSp>
-      </p:grpSp>
-      <p:pic>
-        <p:nvPicPr>
-          <p:cNvPr id="26" name="Object 25"/>
-          <p:cNvPicPr>
-            <a:picLocks noChangeAspect="1"/>
-          </p:cNvPicPr>
-          <p:nvPr/>
-        </p:nvPicPr>
-        <p:blipFill>
-          <a:blip r:embed="rId12" cstate="print"/>
-          <a:stretch>
-            <a:fillRect/>
-          </a:stretch>
-        </p:blipFill>
-        <p:spPr>
-          <a:xfrm>
-            <a:off x="9738070" y="7350107"/>
-            <a:ext cx="6901466" cy="1027174"/>
-          </a:xfrm>
-          <a:prstGeom prst="rect">
-            <a:avLst/>
-          </a:prstGeom>
-        </p:spPr>
-      </p:pic>
-      <p:grpSp>
-        <p:nvGrpSpPr>
-          <p:cNvPr id="1007" name="그룹 1007"/>
-          <p:cNvGrpSpPr/>
-          <p:nvPr/>
-        </p:nvGrpSpPr>
-        <p:grpSpPr>
-          <a:xfrm>
-            <a:off x="9367774" y="6701492"/>
-            <a:ext cx="6530294" cy="533320"/>
-            <a:chOff x="9367774" y="6701492"/>
-            <a:chExt cx="6530294" cy="533320"/>
-          </a:xfrm>
-        </p:grpSpPr>
-        <p:pic>
-          <p:nvPicPr>
-            <p:cNvPr id="28" name="Object 27"/>
-            <p:cNvPicPr>
-              <a:picLocks noChangeAspect="1"/>
-            </p:cNvPicPr>
-            <p:nvPr/>
-          </p:nvPicPr>
-          <p:blipFill>
-            <a:blip r:embed="rId9" cstate="print"/>
-            <a:stretch>
-              <a:fillRect/>
-            </a:stretch>
-          </p:blipFill>
-          <p:spPr>
-            <a:xfrm>
-              <a:off x="9726641" y="6644351"/>
-              <a:ext cx="4217799" cy="680173"/>
-            </a:xfrm>
-            <a:prstGeom prst="rect">
-              <a:avLst/>
-            </a:prstGeom>
-          </p:spPr>
-        </p:pic>
-        <p:grpSp>
-          <p:nvGrpSpPr>
-            <p:cNvPr id="1008" name="그룹 1008"/>
-            <p:cNvGrpSpPr/>
-            <p:nvPr/>
-          </p:nvGrpSpPr>
-          <p:grpSpPr>
-            <a:xfrm>
-              <a:off x="9367774" y="6917657"/>
-              <a:ext cx="160149" cy="160149"/>
-              <a:chOff x="9367774" y="6917657"/>
-              <a:chExt cx="160149" cy="160149"/>
-            </a:xfrm>
-          </p:grpSpPr>
-          <p:pic>
-            <p:nvPicPr>
-              <p:cNvPr id="30" name="Object 29"/>
-              <p:cNvPicPr>
-                <a:picLocks noChangeAspect="1"/>
-              </p:cNvPicPr>
-              <p:nvPr/>
-            </p:nvPicPr>
-            <p:blipFill>
-              <a:blip r:embed="rId10" cstate="print"/>
-              <a:stretch>
-                <a:fillRect/>
-              </a:stretch>
-            </p:blipFill>
-            <p:spPr>
-              <a:xfrm>
-                <a:off x="9367774" y="6917657"/>
-                <a:ext cx="160149" cy="160149"/>
-              </a:xfrm>
-              <a:prstGeom prst="rect">
-                <a:avLst/>
-              </a:prstGeom>
-            </p:spPr>
-          </p:pic>
-        </p:grpSp>
       </p:grpSp>
     </p:spTree>
   </p:cSld>

--- a/JavaLecture/LectureFile/샘플.pptx
+++ b/JavaLecture/LectureFile/샘플.pptx
@@ -232,7 +232,7 @@
           <a:p>
             <a:fld id="{3377703C-7B6A-4662-85EE-2E5A30469F49}" type="datetimeFigureOut">
               <a:rPr lang="ko-KR" altLang="en-US" smtClean="0"/>
-              <a:t>2024-03-10</a:t>
+              <a:t>2024-03-16 Saturday</a:t>
             </a:fld>
             <a:endParaRPr lang="ko-KR" altLang="en-US"/>
           </a:p>
@@ -762,7 +762,7 @@
           <a:p>
             <a:fld id="{F8166F1F-CE9B-4651-A6AA-CD717754106B}" type="datetimeFigureOut">
               <a:rPr lang="en-US" smtClean="0"/>
-              <a:t>3/10/2024</a:t>
+              <a:t>3/16/2024</a:t>
             </a:fld>
             <a:endParaRPr lang="en-US"/>
           </a:p>
@@ -925,7 +925,7 @@
           <a:p>
             <a:fld id="{A76116CE-C4A3-4A05-B2D7-7C2E9A889C0F}" type="datetimeFigureOut">
               <a:rPr lang="en-US" smtClean="0"/>
-              <a:t>3/10/2024</a:t>
+              <a:t>3/16/2024</a:t>
             </a:fld>
             <a:endParaRPr lang="en-US"/>
           </a:p>
@@ -1098,7 +1098,7 @@
           <a:p>
             <a:fld id="{A76116CE-C4A3-4A05-B2D7-7C2E9A889C0F}" type="datetimeFigureOut">
               <a:rPr lang="en-US" smtClean="0"/>
-              <a:t>3/10/2024</a:t>
+              <a:t>3/16/2024</a:t>
             </a:fld>
             <a:endParaRPr lang="en-US"/>
           </a:p>
@@ -1263,7 +1263,7 @@
           <a:p>
             <a:fld id="{A76116CE-C4A3-4A05-B2D7-7C2E9A889C0F}" type="datetimeFigureOut">
               <a:rPr lang="en-US" smtClean="0"/>
-              <a:t>3/10/2024</a:t>
+              <a:t>3/16/2024</a:t>
             </a:fld>
             <a:endParaRPr lang="en-US"/>
           </a:p>
@@ -1503,7 +1503,7 @@
           <a:p>
             <a:fld id="{A76116CE-C4A3-4A05-B2D7-7C2E9A889C0F}" type="datetimeFigureOut">
               <a:rPr lang="en-US" smtClean="0"/>
-              <a:t>3/10/2024</a:t>
+              <a:t>3/16/2024</a:t>
             </a:fld>
             <a:endParaRPr lang="en-US"/>
           </a:p>
@@ -1783,7 +1783,7 @@
           <a:p>
             <a:fld id="{A76116CE-C4A3-4A05-B2D7-7C2E9A889C0F}" type="datetimeFigureOut">
               <a:rPr lang="en-US" smtClean="0"/>
-              <a:t>3/10/2024</a:t>
+              <a:t>3/16/2024</a:t>
             </a:fld>
             <a:endParaRPr lang="en-US"/>
           </a:p>
@@ -2197,7 +2197,7 @@
           <a:p>
             <a:fld id="{A76116CE-C4A3-4A05-B2D7-7C2E9A889C0F}" type="datetimeFigureOut">
               <a:rPr lang="en-US" smtClean="0"/>
-              <a:t>3/10/2024</a:t>
+              <a:t>3/16/2024</a:t>
             </a:fld>
             <a:endParaRPr lang="en-US"/>
           </a:p>
@@ -2309,7 +2309,7 @@
           <a:p>
             <a:fld id="{A76116CE-C4A3-4A05-B2D7-7C2E9A889C0F}" type="datetimeFigureOut">
               <a:rPr lang="en-US" smtClean="0"/>
-              <a:t>3/10/2024</a:t>
+              <a:t>3/16/2024</a:t>
             </a:fld>
             <a:endParaRPr lang="en-US"/>
           </a:p>
@@ -2399,7 +2399,7 @@
           <a:p>
             <a:fld id="{A76116CE-C4A3-4A05-B2D7-7C2E9A889C0F}" type="datetimeFigureOut">
               <a:rPr lang="en-US" smtClean="0"/>
-              <a:t>3/10/2024</a:t>
+              <a:t>3/16/2024</a:t>
             </a:fld>
             <a:endParaRPr lang="en-US"/>
           </a:p>
@@ -2669,7 +2669,7 @@
           <a:p>
             <a:fld id="{A76116CE-C4A3-4A05-B2D7-7C2E9A889C0F}" type="datetimeFigureOut">
               <a:rPr lang="en-US" smtClean="0"/>
-              <a:t>3/10/2024</a:t>
+              <a:t>3/16/2024</a:t>
             </a:fld>
             <a:endParaRPr lang="en-US"/>
           </a:p>
@@ -2916,7 +2916,7 @@
           <a:p>
             <a:fld id="{A76116CE-C4A3-4A05-B2D7-7C2E9A889C0F}" type="datetimeFigureOut">
               <a:rPr lang="en-US" smtClean="0"/>
-              <a:t>3/10/2024</a:t>
+              <a:t>3/16/2024</a:t>
             </a:fld>
             <a:endParaRPr lang="en-US"/>
           </a:p>
@@ -3122,7 +3122,7 @@
           <a:p>
             <a:fld id="{F8166F1F-CE9B-4651-A6AA-CD717754106B}" type="datetimeFigureOut">
               <a:rPr lang="en-US" smtClean="0"/>
-              <a:t>3/10/2024</a:t>
+              <a:t>3/16/2024</a:t>
             </a:fld>
             <a:endParaRPr lang="en-US"/>
           </a:p>
@@ -3497,7 +3497,7 @@
           <p:cNvPr id="4" name="그룹 1008">
             <a:extLst>
               <a:ext uri="{FF2B5EF4-FFF2-40B4-BE49-F238E27FC236}">
-                <a16:creationId xmlns:a16="http://schemas.microsoft.com/office/drawing/2014/main" xmlns="" id="{54FFE8A6-6CB8-DCBA-07F7-749FA78BF4A4}"/>
+                <a16:creationId xmlns:a16="http://schemas.microsoft.com/office/drawing/2014/main" id="{54FFE8A6-6CB8-DCBA-07F7-749FA78BF4A4}"/>
               </a:ext>
             </a:extLst>
           </p:cNvPr>
@@ -3517,7 +3517,7 @@
             <p:cNvPr id="5" name="그룹 1009">
               <a:extLst>
                 <a:ext uri="{FF2B5EF4-FFF2-40B4-BE49-F238E27FC236}">
-                  <a16:creationId xmlns:a16="http://schemas.microsoft.com/office/drawing/2014/main" xmlns="" id="{AFC4D322-4969-89C3-C972-D8E8E418CA73}"/>
+                  <a16:creationId xmlns:a16="http://schemas.microsoft.com/office/drawing/2014/main" id="{AFC4D322-4969-89C3-C972-D8E8E418CA73}"/>
                 </a:ext>
               </a:extLst>
             </p:cNvPr>
@@ -3537,7 +3537,7 @@
               <p:cNvPr id="10" name="Object 29">
                 <a:extLst>
                   <a:ext uri="{FF2B5EF4-FFF2-40B4-BE49-F238E27FC236}">
-                    <a16:creationId xmlns:a16="http://schemas.microsoft.com/office/drawing/2014/main" xmlns="" id="{696B190E-C178-4E07-7621-24C3B48A9BCF}"/>
+                    <a16:creationId xmlns:a16="http://schemas.microsoft.com/office/drawing/2014/main" id="{696B190E-C178-4E07-7621-24C3B48A9BCF}"/>
                   </a:ext>
                 </a:extLst>
               </p:cNvPr>
@@ -3568,7 +3568,7 @@
             <p:cNvPr id="6" name="그룹 1010">
               <a:extLst>
                 <a:ext uri="{FF2B5EF4-FFF2-40B4-BE49-F238E27FC236}">
-                  <a16:creationId xmlns:a16="http://schemas.microsoft.com/office/drawing/2014/main" xmlns="" id="{88F3509F-17A2-2BE7-261F-3BA022FF91BA}"/>
+                  <a16:creationId xmlns:a16="http://schemas.microsoft.com/office/drawing/2014/main" id="{88F3509F-17A2-2BE7-261F-3BA022FF91BA}"/>
                 </a:ext>
               </a:extLst>
             </p:cNvPr>
@@ -3588,7 +3588,7 @@
               <p:cNvPr id="9" name="Object 32">
                 <a:extLst>
                   <a:ext uri="{FF2B5EF4-FFF2-40B4-BE49-F238E27FC236}">
-                    <a16:creationId xmlns:a16="http://schemas.microsoft.com/office/drawing/2014/main" xmlns="" id="{6183A7B0-D571-9788-43CE-90A93A934096}"/>
+                    <a16:creationId xmlns:a16="http://schemas.microsoft.com/office/drawing/2014/main" id="{6183A7B0-D571-9788-43CE-90A93A934096}"/>
                   </a:ext>
                 </a:extLst>
               </p:cNvPr>
@@ -3619,7 +3619,7 @@
             <p:cNvPr id="7" name="그룹 1011">
               <a:extLst>
                 <a:ext uri="{FF2B5EF4-FFF2-40B4-BE49-F238E27FC236}">
-                  <a16:creationId xmlns:a16="http://schemas.microsoft.com/office/drawing/2014/main" xmlns="" id="{3DB0BB1F-6A07-787C-7717-F712317AF8C3}"/>
+                  <a16:creationId xmlns:a16="http://schemas.microsoft.com/office/drawing/2014/main" id="{3DB0BB1F-6A07-787C-7717-F712317AF8C3}"/>
                 </a:ext>
               </a:extLst>
             </p:cNvPr>
@@ -3639,7 +3639,7 @@
               <p:cNvPr id="8" name="Object 35">
                 <a:extLst>
                   <a:ext uri="{FF2B5EF4-FFF2-40B4-BE49-F238E27FC236}">
-                    <a16:creationId xmlns:a16="http://schemas.microsoft.com/office/drawing/2014/main" xmlns="" id="{A003AF1A-29EE-2DC2-0E03-479F705DFFB6}"/>
+                    <a16:creationId xmlns:a16="http://schemas.microsoft.com/office/drawing/2014/main" id="{A003AF1A-29EE-2DC2-0E03-479F705DFFB6}"/>
                   </a:ext>
                 </a:extLst>
               </p:cNvPr>
@@ -3671,7 +3671,7 @@
           <p:cNvPr id="11" name="직선 화살표 연결선 10">
             <a:extLst>
               <a:ext uri="{FF2B5EF4-FFF2-40B4-BE49-F238E27FC236}">
-                <a16:creationId xmlns:a16="http://schemas.microsoft.com/office/drawing/2014/main" xmlns="" id="{299DF5EC-9DF4-5255-06AC-0A7CE4FF58C3}"/>
+                <a16:creationId xmlns:a16="http://schemas.microsoft.com/office/drawing/2014/main" id="{299DF5EC-9DF4-5255-06AC-0A7CE4FF58C3}"/>
               </a:ext>
             </a:extLst>
           </p:cNvPr>
@@ -3712,7 +3712,7 @@
           <p:cNvPr id="14" name="직사각형 13">
             <a:extLst>
               <a:ext uri="{FF2B5EF4-FFF2-40B4-BE49-F238E27FC236}">
-                <a16:creationId xmlns:a16="http://schemas.microsoft.com/office/drawing/2014/main" xmlns="" id="{FFF506F9-840A-0508-4CAF-3AC711D8D5CE}"/>
+                <a16:creationId xmlns:a16="http://schemas.microsoft.com/office/drawing/2014/main" id="{FFF506F9-840A-0508-4CAF-3AC711D8D5CE}"/>
               </a:ext>
             </a:extLst>
           </p:cNvPr>
@@ -3764,7 +3764,7 @@
           <p:cNvPr id="16" name="그룹 1008">
             <a:extLst>
               <a:ext uri="{FF2B5EF4-FFF2-40B4-BE49-F238E27FC236}">
-                <a16:creationId xmlns:a16="http://schemas.microsoft.com/office/drawing/2014/main" xmlns="" id="{E395BDE3-2EDE-065D-70E8-56E348228ACF}"/>
+                <a16:creationId xmlns:a16="http://schemas.microsoft.com/office/drawing/2014/main" id="{E395BDE3-2EDE-065D-70E8-56E348228ACF}"/>
               </a:ext>
             </a:extLst>
           </p:cNvPr>
@@ -3784,7 +3784,7 @@
             <p:cNvPr id="17" name="그룹 1009">
               <a:extLst>
                 <a:ext uri="{FF2B5EF4-FFF2-40B4-BE49-F238E27FC236}">
-                  <a16:creationId xmlns:a16="http://schemas.microsoft.com/office/drawing/2014/main" xmlns="" id="{852F4DEB-DB33-DB3F-9E9F-52A46CD0B10A}"/>
+                  <a16:creationId xmlns:a16="http://schemas.microsoft.com/office/drawing/2014/main" id="{852F4DEB-DB33-DB3F-9E9F-52A46CD0B10A}"/>
                 </a:ext>
               </a:extLst>
             </p:cNvPr>
@@ -3804,7 +3804,7 @@
               <p:cNvPr id="22" name="Object 29">
                 <a:extLst>
                   <a:ext uri="{FF2B5EF4-FFF2-40B4-BE49-F238E27FC236}">
-                    <a16:creationId xmlns:a16="http://schemas.microsoft.com/office/drawing/2014/main" xmlns="" id="{7E353D3B-14D4-8A64-5888-3F0C062C2CDD}"/>
+                    <a16:creationId xmlns:a16="http://schemas.microsoft.com/office/drawing/2014/main" id="{7E353D3B-14D4-8A64-5888-3F0C062C2CDD}"/>
                   </a:ext>
                 </a:extLst>
               </p:cNvPr>
@@ -3835,7 +3835,7 @@
             <p:cNvPr id="18" name="그룹 1010">
               <a:extLst>
                 <a:ext uri="{FF2B5EF4-FFF2-40B4-BE49-F238E27FC236}">
-                  <a16:creationId xmlns:a16="http://schemas.microsoft.com/office/drawing/2014/main" xmlns="" id="{001E38AB-1390-ABD0-BE01-9727136FEAEE}"/>
+                  <a16:creationId xmlns:a16="http://schemas.microsoft.com/office/drawing/2014/main" id="{001E38AB-1390-ABD0-BE01-9727136FEAEE}"/>
                 </a:ext>
               </a:extLst>
             </p:cNvPr>
@@ -3855,7 +3855,7 @@
               <p:cNvPr id="21" name="Object 32">
                 <a:extLst>
                   <a:ext uri="{FF2B5EF4-FFF2-40B4-BE49-F238E27FC236}">
-                    <a16:creationId xmlns:a16="http://schemas.microsoft.com/office/drawing/2014/main" xmlns="" id="{2ED1C30F-0D0B-F86C-8215-2598D332B5A3}"/>
+                    <a16:creationId xmlns:a16="http://schemas.microsoft.com/office/drawing/2014/main" id="{2ED1C30F-0D0B-F86C-8215-2598D332B5A3}"/>
                   </a:ext>
                 </a:extLst>
               </p:cNvPr>
@@ -3886,7 +3886,7 @@
             <p:cNvPr id="19" name="그룹 1011">
               <a:extLst>
                 <a:ext uri="{FF2B5EF4-FFF2-40B4-BE49-F238E27FC236}">
-                  <a16:creationId xmlns:a16="http://schemas.microsoft.com/office/drawing/2014/main" xmlns="" id="{1BCB8DE5-ABAF-4198-BC16-85BB76F2DB24}"/>
+                  <a16:creationId xmlns:a16="http://schemas.microsoft.com/office/drawing/2014/main" id="{1BCB8DE5-ABAF-4198-BC16-85BB76F2DB24}"/>
                 </a:ext>
               </a:extLst>
             </p:cNvPr>
@@ -3906,7 +3906,7 @@
               <p:cNvPr id="20" name="Object 35">
                 <a:extLst>
                   <a:ext uri="{FF2B5EF4-FFF2-40B4-BE49-F238E27FC236}">
-                    <a16:creationId xmlns:a16="http://schemas.microsoft.com/office/drawing/2014/main" xmlns="" id="{86E7BA23-0A1E-B581-CADC-06AB269DB2BD}"/>
+                    <a16:creationId xmlns:a16="http://schemas.microsoft.com/office/drawing/2014/main" id="{86E7BA23-0A1E-B581-CADC-06AB269DB2BD}"/>
                   </a:ext>
                 </a:extLst>
               </p:cNvPr>
@@ -3938,7 +3938,7 @@
           <p:cNvPr id="23" name="TextBox 22">
             <a:extLst>
               <a:ext uri="{FF2B5EF4-FFF2-40B4-BE49-F238E27FC236}">
-                <a16:creationId xmlns:a16="http://schemas.microsoft.com/office/drawing/2014/main" xmlns="" id="{7229BEA6-121E-9056-D07F-2B3BB1795F76}"/>
+                <a16:creationId xmlns:a16="http://schemas.microsoft.com/office/drawing/2014/main" id="{7229BEA6-121E-9056-D07F-2B3BB1795F76}"/>
               </a:ext>
             </a:extLst>
           </p:cNvPr>
@@ -3986,7 +3986,7 @@
           <p:cNvPr id="24" name="TextBox 23">
             <a:extLst>
               <a:ext uri="{FF2B5EF4-FFF2-40B4-BE49-F238E27FC236}">
-                <a16:creationId xmlns:a16="http://schemas.microsoft.com/office/drawing/2014/main" xmlns="" id="{5ADC00B6-990A-40DC-3CEA-505258F5E8DA}"/>
+                <a16:creationId xmlns:a16="http://schemas.microsoft.com/office/drawing/2014/main" id="{5ADC00B6-990A-40DC-3CEA-505258F5E8DA}"/>
               </a:ext>
             </a:extLst>
           </p:cNvPr>
@@ -4044,7 +4044,7 @@
           <p:cNvPr id="3" name="TextBox 2">
             <a:extLst>
               <a:ext uri="{FF2B5EF4-FFF2-40B4-BE49-F238E27FC236}">
-                <a16:creationId xmlns:a16="http://schemas.microsoft.com/office/drawing/2014/main" xmlns="" id="{C6D113C6-EA5C-788F-0C77-E7CE6EBB865F}"/>
+                <a16:creationId xmlns:a16="http://schemas.microsoft.com/office/drawing/2014/main" id="{C6D113C6-EA5C-788F-0C77-E7CE6EBB865F}"/>
               </a:ext>
             </a:extLst>
           </p:cNvPr>
@@ -4102,7 +4102,7 @@
           <p:cNvPr id="12" name="그룹 1008">
             <a:extLst>
               <a:ext uri="{FF2B5EF4-FFF2-40B4-BE49-F238E27FC236}">
-                <a16:creationId xmlns:a16="http://schemas.microsoft.com/office/drawing/2014/main" xmlns="" id="{678F6342-C505-E8AD-ADA4-022CB2C2088E}"/>
+                <a16:creationId xmlns:a16="http://schemas.microsoft.com/office/drawing/2014/main" id="{678F6342-C505-E8AD-ADA4-022CB2C2088E}"/>
               </a:ext>
             </a:extLst>
           </p:cNvPr>
@@ -4122,7 +4122,7 @@
             <p:cNvPr id="13" name="그룹 1009">
               <a:extLst>
                 <a:ext uri="{FF2B5EF4-FFF2-40B4-BE49-F238E27FC236}">
-                  <a16:creationId xmlns:a16="http://schemas.microsoft.com/office/drawing/2014/main" xmlns="" id="{4E1F1FED-812B-9BBB-925A-84B54A077414}"/>
+                  <a16:creationId xmlns:a16="http://schemas.microsoft.com/office/drawing/2014/main" id="{4E1F1FED-812B-9BBB-925A-84B54A077414}"/>
                 </a:ext>
               </a:extLst>
             </p:cNvPr>
@@ -4142,7 +4142,7 @@
               <p:cNvPr id="29" name="Object 29">
                 <a:extLst>
                   <a:ext uri="{FF2B5EF4-FFF2-40B4-BE49-F238E27FC236}">
-                    <a16:creationId xmlns:a16="http://schemas.microsoft.com/office/drawing/2014/main" xmlns="" id="{7B078609-4286-7B00-51EB-809C8E2DE289}"/>
+                    <a16:creationId xmlns:a16="http://schemas.microsoft.com/office/drawing/2014/main" id="{7B078609-4286-7B00-51EB-809C8E2DE289}"/>
                   </a:ext>
                 </a:extLst>
               </p:cNvPr>
@@ -4173,7 +4173,7 @@
             <p:cNvPr id="25" name="그룹 1010">
               <a:extLst>
                 <a:ext uri="{FF2B5EF4-FFF2-40B4-BE49-F238E27FC236}">
-                  <a16:creationId xmlns:a16="http://schemas.microsoft.com/office/drawing/2014/main" xmlns="" id="{02A649BF-B5B5-FBAF-7DFD-E118A4DF8907}"/>
+                  <a16:creationId xmlns:a16="http://schemas.microsoft.com/office/drawing/2014/main" id="{02A649BF-B5B5-FBAF-7DFD-E118A4DF8907}"/>
                 </a:ext>
               </a:extLst>
             </p:cNvPr>
@@ -4193,7 +4193,7 @@
               <p:cNvPr id="28" name="Object 32">
                 <a:extLst>
                   <a:ext uri="{FF2B5EF4-FFF2-40B4-BE49-F238E27FC236}">
-                    <a16:creationId xmlns:a16="http://schemas.microsoft.com/office/drawing/2014/main" xmlns="" id="{2A0FFF23-B3C9-3EA0-1C1B-A87D4FF098AE}"/>
+                    <a16:creationId xmlns:a16="http://schemas.microsoft.com/office/drawing/2014/main" id="{2A0FFF23-B3C9-3EA0-1C1B-A87D4FF098AE}"/>
                   </a:ext>
                 </a:extLst>
               </p:cNvPr>
@@ -4224,7 +4224,7 @@
             <p:cNvPr id="26" name="그룹 1011">
               <a:extLst>
                 <a:ext uri="{FF2B5EF4-FFF2-40B4-BE49-F238E27FC236}">
-                  <a16:creationId xmlns:a16="http://schemas.microsoft.com/office/drawing/2014/main" xmlns="" id="{881F5410-F7FB-F261-A584-707359BAC593}"/>
+                  <a16:creationId xmlns:a16="http://schemas.microsoft.com/office/drawing/2014/main" id="{881F5410-F7FB-F261-A584-707359BAC593}"/>
                 </a:ext>
               </a:extLst>
             </p:cNvPr>
@@ -4244,7 +4244,7 @@
               <p:cNvPr id="27" name="Object 35">
                 <a:extLst>
                   <a:ext uri="{FF2B5EF4-FFF2-40B4-BE49-F238E27FC236}">
-                    <a16:creationId xmlns:a16="http://schemas.microsoft.com/office/drawing/2014/main" xmlns="" id="{4E99E669-73EB-F9F4-EFE8-DC107035C265}"/>
+                    <a16:creationId xmlns:a16="http://schemas.microsoft.com/office/drawing/2014/main" id="{4E99E669-73EB-F9F4-EFE8-DC107035C265}"/>
                   </a:ext>
                 </a:extLst>
               </p:cNvPr>
@@ -4276,7 +4276,7 @@
           <p:cNvPr id="33" name="직선 연결선 32">
             <a:extLst>
               <a:ext uri="{FF2B5EF4-FFF2-40B4-BE49-F238E27FC236}">
-                <a16:creationId xmlns:a16="http://schemas.microsoft.com/office/drawing/2014/main" xmlns="" id="{6A1A37E4-F933-DE44-2EEA-F3A5BBF35584}"/>
+                <a16:creationId xmlns:a16="http://schemas.microsoft.com/office/drawing/2014/main" id="{6A1A37E4-F933-DE44-2EEA-F3A5BBF35584}"/>
               </a:ext>
             </a:extLst>
           </p:cNvPr>
@@ -4367,7 +4367,7 @@
           <p:cNvPr id="38" name="TextBox 37">
             <a:extLst>
               <a:ext uri="{FF2B5EF4-FFF2-40B4-BE49-F238E27FC236}">
-                <a16:creationId xmlns:a16="http://schemas.microsoft.com/office/drawing/2014/main" xmlns="" id="{A2AD056B-97A4-5BCC-4460-250160F3E171}"/>
+                <a16:creationId xmlns:a16="http://schemas.microsoft.com/office/drawing/2014/main" id="{A2AD056B-97A4-5BCC-4460-250160F3E171}"/>
               </a:ext>
             </a:extLst>
           </p:cNvPr>
@@ -4411,7 +4411,7 @@
           <p:cNvPr id="39" name="TextBox 38">
             <a:extLst>
               <a:ext uri="{FF2B5EF4-FFF2-40B4-BE49-F238E27FC236}">
-                <a16:creationId xmlns:a16="http://schemas.microsoft.com/office/drawing/2014/main" xmlns="" id="{52176D31-35F7-8916-46FA-6095EFEC1E49}"/>
+                <a16:creationId xmlns:a16="http://schemas.microsoft.com/office/drawing/2014/main" id="{52176D31-35F7-8916-46FA-6095EFEC1E49}"/>
               </a:ext>
             </a:extLst>
           </p:cNvPr>
@@ -4455,7 +4455,7 @@
           <p:cNvPr id="37" name="표 2">
             <a:extLst>
               <a:ext uri="{FF2B5EF4-FFF2-40B4-BE49-F238E27FC236}">
-                <a16:creationId xmlns:a16="http://schemas.microsoft.com/office/drawing/2014/main" xmlns="" id="{D2CC6F32-611A-E22D-EB8C-52D626A5B319}"/>
+                <a16:creationId xmlns:a16="http://schemas.microsoft.com/office/drawing/2014/main" id="{D2CC6F32-611A-E22D-EB8C-52D626A5B319}"/>
               </a:ext>
             </a:extLst>
           </p:cNvPr>
@@ -4484,21 +4484,21 @@
                 <a:gridCol w="1731833">
                   <a:extLst>
                     <a:ext uri="{9D8B030D-6E8A-4147-A177-3AD203B41FA5}">
-                      <a16:colId xmlns:a16="http://schemas.microsoft.com/office/drawing/2014/main" xmlns="" val="1960770391"/>
+                      <a16:colId xmlns:a16="http://schemas.microsoft.com/office/drawing/2014/main" val="1960770391"/>
                     </a:ext>
                   </a:extLst>
                 </a:gridCol>
                 <a:gridCol w="1752960">
                   <a:extLst>
                     <a:ext uri="{9D8B030D-6E8A-4147-A177-3AD203B41FA5}">
-                      <a16:colId xmlns:a16="http://schemas.microsoft.com/office/drawing/2014/main" xmlns="" val="733308553"/>
+                      <a16:colId xmlns:a16="http://schemas.microsoft.com/office/drawing/2014/main" val="733308553"/>
                     </a:ext>
                   </a:extLst>
                 </a:gridCol>
                 <a:gridCol w="2730951">
                   <a:extLst>
                     <a:ext uri="{9D8B030D-6E8A-4147-A177-3AD203B41FA5}">
-                      <a16:colId xmlns:a16="http://schemas.microsoft.com/office/drawing/2014/main" xmlns="" val="1661322813"/>
+                      <a16:colId xmlns:a16="http://schemas.microsoft.com/office/drawing/2014/main" val="1661322813"/>
                     </a:ext>
                   </a:extLst>
                 </a:gridCol>
@@ -4686,7 +4686,7 @@
                 </a:tc>
                 <a:extLst>
                   <a:ext uri="{0D108BD9-81ED-4DB2-BD59-A6C34878D82A}">
-                    <a16:rowId xmlns:a16="http://schemas.microsoft.com/office/drawing/2014/main" xmlns="" val="2452905565"/>
+                    <a16:rowId xmlns:a16="http://schemas.microsoft.com/office/drawing/2014/main" val="2452905565"/>
                   </a:ext>
                 </a:extLst>
               </a:tr>
@@ -4890,7 +4890,7 @@
                 </a:tc>
                 <a:extLst>
                   <a:ext uri="{0D108BD9-81ED-4DB2-BD59-A6C34878D82A}">
-                    <a16:rowId xmlns:a16="http://schemas.microsoft.com/office/drawing/2014/main" xmlns="" val="3551452526"/>
+                    <a16:rowId xmlns:a16="http://schemas.microsoft.com/office/drawing/2014/main" val="3551452526"/>
                   </a:ext>
                 </a:extLst>
               </a:tr>
@@ -5065,7 +5065,7 @@
                 </a:tc>
                 <a:extLst>
                   <a:ext uri="{0D108BD9-81ED-4DB2-BD59-A6C34878D82A}">
-                    <a16:rowId xmlns:a16="http://schemas.microsoft.com/office/drawing/2014/main" xmlns="" val="3645064171"/>
+                    <a16:rowId xmlns:a16="http://schemas.microsoft.com/office/drawing/2014/main" val="3645064171"/>
                   </a:ext>
                 </a:extLst>
               </a:tr>
@@ -5240,7 +5240,7 @@
                 </a:tc>
                 <a:extLst>
                   <a:ext uri="{0D108BD9-81ED-4DB2-BD59-A6C34878D82A}">
-                    <a16:rowId xmlns:a16="http://schemas.microsoft.com/office/drawing/2014/main" xmlns="" val="2802120283"/>
+                    <a16:rowId xmlns:a16="http://schemas.microsoft.com/office/drawing/2014/main" val="2802120283"/>
                   </a:ext>
                 </a:extLst>
               </a:tr>
@@ -5409,7 +5409,7 @@
                 </a:tc>
                 <a:extLst>
                   <a:ext uri="{0D108BD9-81ED-4DB2-BD59-A6C34878D82A}">
-                    <a16:rowId xmlns:a16="http://schemas.microsoft.com/office/drawing/2014/main" xmlns="" val="1362299918"/>
+                    <a16:rowId xmlns:a16="http://schemas.microsoft.com/office/drawing/2014/main" val="1362299918"/>
                   </a:ext>
                 </a:extLst>
               </a:tr>
@@ -5645,7 +5645,7 @@
                 </a:tc>
                 <a:extLst>
                   <a:ext uri="{0D108BD9-81ED-4DB2-BD59-A6C34878D82A}">
-                    <a16:rowId xmlns:a16="http://schemas.microsoft.com/office/drawing/2014/main" xmlns="" val="2488866604"/>
+                    <a16:rowId xmlns:a16="http://schemas.microsoft.com/office/drawing/2014/main" val="2488866604"/>
                   </a:ext>
                 </a:extLst>
               </a:tr>
@@ -5868,7 +5868,7 @@
                 </a:tc>
                 <a:extLst>
                   <a:ext uri="{0D108BD9-81ED-4DB2-BD59-A6C34878D82A}">
-                    <a16:rowId xmlns:a16="http://schemas.microsoft.com/office/drawing/2014/main" xmlns="" val="2632365449"/>
+                    <a16:rowId xmlns:a16="http://schemas.microsoft.com/office/drawing/2014/main" val="2632365449"/>
                   </a:ext>
                 </a:extLst>
               </a:tr>
@@ -6024,14 +6024,14 @@
                 <a:gridCol w="2688700">
                   <a:extLst>
                     <a:ext uri="{9D8B030D-6E8A-4147-A177-3AD203B41FA5}">
-                      <a16:colId xmlns:a16="http://schemas.microsoft.com/office/drawing/2014/main" xmlns="" val="20000"/>
+                      <a16:colId xmlns:a16="http://schemas.microsoft.com/office/drawing/2014/main" val="20000"/>
                     </a:ext>
                   </a:extLst>
                 </a:gridCol>
                 <a:gridCol w="2721500">
                   <a:extLst>
                     <a:ext uri="{9D8B030D-6E8A-4147-A177-3AD203B41FA5}">
-                      <a16:colId xmlns:a16="http://schemas.microsoft.com/office/drawing/2014/main" xmlns="" val="20001"/>
+                      <a16:colId xmlns:a16="http://schemas.microsoft.com/office/drawing/2014/main" val="20001"/>
                     </a:ext>
                   </a:extLst>
                 </a:gridCol>
@@ -6169,7 +6169,7 @@
                 </a:tc>
                 <a:extLst>
                   <a:ext uri="{0D108BD9-81ED-4DB2-BD59-A6C34878D82A}">
-                    <a16:rowId xmlns:a16="http://schemas.microsoft.com/office/drawing/2014/main" xmlns="" val="10000"/>
+                    <a16:rowId xmlns:a16="http://schemas.microsoft.com/office/drawing/2014/main" val="10000"/>
                   </a:ext>
                 </a:extLst>
               </a:tr>
@@ -6294,7 +6294,7 @@
                 </a:tc>
                 <a:extLst>
                   <a:ext uri="{0D108BD9-81ED-4DB2-BD59-A6C34878D82A}">
-                    <a16:rowId xmlns:a16="http://schemas.microsoft.com/office/drawing/2014/main" xmlns="" val="10001"/>
+                    <a16:rowId xmlns:a16="http://schemas.microsoft.com/office/drawing/2014/main" val="10001"/>
                   </a:ext>
                 </a:extLst>
               </a:tr>
@@ -6419,7 +6419,7 @@
                 </a:tc>
                 <a:extLst>
                   <a:ext uri="{0D108BD9-81ED-4DB2-BD59-A6C34878D82A}">
-                    <a16:rowId xmlns:a16="http://schemas.microsoft.com/office/drawing/2014/main" xmlns="" val="10002"/>
+                    <a16:rowId xmlns:a16="http://schemas.microsoft.com/office/drawing/2014/main" val="10002"/>
                   </a:ext>
                 </a:extLst>
               </a:tr>
@@ -6528,7 +6528,7 @@
                 </a:tc>
                 <a:extLst>
                   <a:ext uri="{0D108BD9-81ED-4DB2-BD59-A6C34878D82A}">
-                    <a16:rowId xmlns:a16="http://schemas.microsoft.com/office/drawing/2014/main" xmlns="" val="10003"/>
+                    <a16:rowId xmlns:a16="http://schemas.microsoft.com/office/drawing/2014/main" val="10003"/>
                   </a:ext>
                 </a:extLst>
               </a:tr>
@@ -6637,7 +6637,7 @@
                 </a:tc>
                 <a:extLst>
                   <a:ext uri="{0D108BD9-81ED-4DB2-BD59-A6C34878D82A}">
-                    <a16:rowId xmlns:a16="http://schemas.microsoft.com/office/drawing/2014/main" xmlns="" val="10004"/>
+                    <a16:rowId xmlns:a16="http://schemas.microsoft.com/office/drawing/2014/main" val="10004"/>
                   </a:ext>
                 </a:extLst>
               </a:tr>
@@ -6746,7 +6746,7 @@
                 </a:tc>
                 <a:extLst>
                   <a:ext uri="{0D108BD9-81ED-4DB2-BD59-A6C34878D82A}">
-                    <a16:rowId xmlns:a16="http://schemas.microsoft.com/office/drawing/2014/main" xmlns="" val="10005"/>
+                    <a16:rowId xmlns:a16="http://schemas.microsoft.com/office/drawing/2014/main" val="10005"/>
                   </a:ext>
                 </a:extLst>
               </a:tr>
@@ -6855,7 +6855,7 @@
                 </a:tc>
                 <a:extLst>
                   <a:ext uri="{0D108BD9-81ED-4DB2-BD59-A6C34878D82A}">
-                    <a16:rowId xmlns:a16="http://schemas.microsoft.com/office/drawing/2014/main" xmlns="" val="10006"/>
+                    <a16:rowId xmlns:a16="http://schemas.microsoft.com/office/drawing/2014/main" val="10006"/>
                   </a:ext>
                 </a:extLst>
               </a:tr>
@@ -6964,7 +6964,7 @@
                 </a:tc>
                 <a:extLst>
                   <a:ext uri="{0D108BD9-81ED-4DB2-BD59-A6C34878D82A}">
-                    <a16:rowId xmlns:a16="http://schemas.microsoft.com/office/drawing/2014/main" xmlns="" val="10007"/>
+                    <a16:rowId xmlns:a16="http://schemas.microsoft.com/office/drawing/2014/main" val="10007"/>
                   </a:ext>
                 </a:extLst>
               </a:tr>
@@ -7073,7 +7073,7 @@
                 </a:tc>
                 <a:extLst>
                   <a:ext uri="{0D108BD9-81ED-4DB2-BD59-A6C34878D82A}">
-                    <a16:rowId xmlns:a16="http://schemas.microsoft.com/office/drawing/2014/main" xmlns="" val="10008"/>
+                    <a16:rowId xmlns:a16="http://schemas.microsoft.com/office/drawing/2014/main" val="10008"/>
                   </a:ext>
                 </a:extLst>
               </a:tr>
@@ -7198,7 +7198,7 @@
                 </a:tc>
                 <a:extLst>
                   <a:ext uri="{0D108BD9-81ED-4DB2-BD59-A6C34878D82A}">
-                    <a16:rowId xmlns:a16="http://schemas.microsoft.com/office/drawing/2014/main" xmlns="" val="10009"/>
+                    <a16:rowId xmlns:a16="http://schemas.microsoft.com/office/drawing/2014/main" val="10009"/>
                   </a:ext>
                 </a:extLst>
               </a:tr>
@@ -7307,7 +7307,7 @@
                 </a:tc>
                 <a:extLst>
                   <a:ext uri="{0D108BD9-81ED-4DB2-BD59-A6C34878D82A}">
-                    <a16:rowId xmlns:a16="http://schemas.microsoft.com/office/drawing/2014/main" xmlns="" val="10010"/>
+                    <a16:rowId xmlns:a16="http://schemas.microsoft.com/office/drawing/2014/main" val="10010"/>
                   </a:ext>
                 </a:extLst>
               </a:tr>
@@ -7320,7 +7320,7 @@
           <p:cNvPr id="42" name="TextBox 41">
             <a:extLst>
               <a:ext uri="{FF2B5EF4-FFF2-40B4-BE49-F238E27FC236}">
-                <a16:creationId xmlns:a16="http://schemas.microsoft.com/office/drawing/2014/main" xmlns="" id="{DF7DDD33-9412-2802-339A-E55446AC2DA7}"/>
+                <a16:creationId xmlns:a16="http://schemas.microsoft.com/office/drawing/2014/main" id="{DF7DDD33-9412-2802-339A-E55446AC2DA7}"/>
               </a:ext>
             </a:extLst>
           </p:cNvPr>
@@ -7378,7 +7378,7 @@
           <p:cNvPr id="47" name="TextBox 46">
             <a:extLst>
               <a:ext uri="{FF2B5EF4-FFF2-40B4-BE49-F238E27FC236}">
-                <a16:creationId xmlns:a16="http://schemas.microsoft.com/office/drawing/2014/main" xmlns="" id="{DF7DDD33-9412-2802-339A-E55446AC2DA7}"/>
+                <a16:creationId xmlns:a16="http://schemas.microsoft.com/office/drawing/2014/main" id="{DF7DDD33-9412-2802-339A-E55446AC2DA7}"/>
               </a:ext>
             </a:extLst>
           </p:cNvPr>
@@ -7426,7 +7426,7 @@
           <p:cNvPr id="48" name="TextBox 47">
             <a:extLst>
               <a:ext uri="{FF2B5EF4-FFF2-40B4-BE49-F238E27FC236}">
-                <a16:creationId xmlns:a16="http://schemas.microsoft.com/office/drawing/2014/main" xmlns="" id="{DF7DDD33-9412-2802-339A-E55446AC2DA7}"/>
+                <a16:creationId xmlns:a16="http://schemas.microsoft.com/office/drawing/2014/main" id="{DF7DDD33-9412-2802-339A-E55446AC2DA7}"/>
               </a:ext>
             </a:extLst>
           </p:cNvPr>
@@ -7474,7 +7474,7 @@
           <p:cNvPr id="49" name="TextBox 48">
             <a:extLst>
               <a:ext uri="{FF2B5EF4-FFF2-40B4-BE49-F238E27FC236}">
-                <a16:creationId xmlns:a16="http://schemas.microsoft.com/office/drawing/2014/main" xmlns="" id="{DF7DDD33-9412-2802-339A-E55446AC2DA7}"/>
+                <a16:creationId xmlns:a16="http://schemas.microsoft.com/office/drawing/2014/main" id="{DF7DDD33-9412-2802-339A-E55446AC2DA7}"/>
               </a:ext>
             </a:extLst>
           </p:cNvPr>
@@ -7532,7 +7532,7 @@
           <p:cNvPr id="50" name="TextBox 49">
             <a:extLst>
               <a:ext uri="{FF2B5EF4-FFF2-40B4-BE49-F238E27FC236}">
-                <a16:creationId xmlns:a16="http://schemas.microsoft.com/office/drawing/2014/main" xmlns="" id="{DF7DDD33-9412-2802-339A-E55446AC2DA7}"/>
+                <a16:creationId xmlns:a16="http://schemas.microsoft.com/office/drawing/2014/main" id="{DF7DDD33-9412-2802-339A-E55446AC2DA7}"/>
               </a:ext>
             </a:extLst>
           </p:cNvPr>
@@ -7580,7 +7580,7 @@
           <p:cNvPr id="51" name="TextBox 50">
             <a:extLst>
               <a:ext uri="{FF2B5EF4-FFF2-40B4-BE49-F238E27FC236}">
-                <a16:creationId xmlns:a16="http://schemas.microsoft.com/office/drawing/2014/main" xmlns="" id="{DF7DDD33-9412-2802-339A-E55446AC2DA7}"/>
+                <a16:creationId xmlns:a16="http://schemas.microsoft.com/office/drawing/2014/main" id="{DF7DDD33-9412-2802-339A-E55446AC2DA7}"/>
               </a:ext>
             </a:extLst>
           </p:cNvPr>
@@ -7638,7 +7638,7 @@
           <p:cNvPr id="52" name="TextBox 51">
             <a:extLst>
               <a:ext uri="{FF2B5EF4-FFF2-40B4-BE49-F238E27FC236}">
-                <a16:creationId xmlns:a16="http://schemas.microsoft.com/office/drawing/2014/main" xmlns="" id="{DF7DDD33-9412-2802-339A-E55446AC2DA7}"/>
+                <a16:creationId xmlns:a16="http://schemas.microsoft.com/office/drawing/2014/main" id="{DF7DDD33-9412-2802-339A-E55446AC2DA7}"/>
               </a:ext>
             </a:extLst>
           </p:cNvPr>
@@ -7686,7 +7686,7 @@
           <p:cNvPr id="53" name="TextBox 52">
             <a:extLst>
               <a:ext uri="{FF2B5EF4-FFF2-40B4-BE49-F238E27FC236}">
-                <a16:creationId xmlns:a16="http://schemas.microsoft.com/office/drawing/2014/main" xmlns="" id="{DF7DDD33-9412-2802-339A-E55446AC2DA7}"/>
+                <a16:creationId xmlns:a16="http://schemas.microsoft.com/office/drawing/2014/main" id="{DF7DDD33-9412-2802-339A-E55446AC2DA7}"/>
               </a:ext>
             </a:extLst>
           </p:cNvPr>
@@ -7744,7 +7744,7 @@
           <p:cNvPr id="54" name="TextBox 53">
             <a:extLst>
               <a:ext uri="{FF2B5EF4-FFF2-40B4-BE49-F238E27FC236}">
-                <a16:creationId xmlns:a16="http://schemas.microsoft.com/office/drawing/2014/main" xmlns="" id="{DF7DDD33-9412-2802-339A-E55446AC2DA7}"/>
+                <a16:creationId xmlns:a16="http://schemas.microsoft.com/office/drawing/2014/main" id="{DF7DDD33-9412-2802-339A-E55446AC2DA7}"/>
               </a:ext>
             </a:extLst>
           </p:cNvPr>
@@ -7792,7 +7792,7 @@
           <p:cNvPr id="55" name="TextBox 54">
             <a:extLst>
               <a:ext uri="{FF2B5EF4-FFF2-40B4-BE49-F238E27FC236}">
-                <a16:creationId xmlns:a16="http://schemas.microsoft.com/office/drawing/2014/main" xmlns="" id="{DF7DDD33-9412-2802-339A-E55446AC2DA7}"/>
+                <a16:creationId xmlns:a16="http://schemas.microsoft.com/office/drawing/2014/main" id="{DF7DDD33-9412-2802-339A-E55446AC2DA7}"/>
               </a:ext>
             </a:extLst>
           </p:cNvPr>
@@ -7864,7 +7864,7 @@
             <p:cNvPr id="57" name="직선 연결선 56">
               <a:extLst>
                 <a:ext uri="{FF2B5EF4-FFF2-40B4-BE49-F238E27FC236}">
-                  <a16:creationId xmlns:a16="http://schemas.microsoft.com/office/drawing/2014/main" xmlns="" id="{1172879B-889D-0C2F-EEA8-003E6793F36F}"/>
+                  <a16:creationId xmlns:a16="http://schemas.microsoft.com/office/drawing/2014/main" id="{1172879B-889D-0C2F-EEA8-003E6793F36F}"/>
                 </a:ext>
               </a:extLst>
             </p:cNvPr>
@@ -7907,7 +7907,7 @@
             <p:cNvPr id="58" name="직선 연결선 57">
               <a:extLst>
                 <a:ext uri="{FF2B5EF4-FFF2-40B4-BE49-F238E27FC236}">
-                  <a16:creationId xmlns:a16="http://schemas.microsoft.com/office/drawing/2014/main" xmlns="" id="{1172879B-889D-0C2F-EEA8-003E6793F36F}"/>
+                  <a16:creationId xmlns:a16="http://schemas.microsoft.com/office/drawing/2014/main" id="{1172879B-889D-0C2F-EEA8-003E6793F36F}"/>
                 </a:ext>
               </a:extLst>
             </p:cNvPr>
@@ -7950,7 +7950,7 @@
             <p:cNvPr id="59" name="직선 연결선 58">
               <a:extLst>
                 <a:ext uri="{FF2B5EF4-FFF2-40B4-BE49-F238E27FC236}">
-                  <a16:creationId xmlns:a16="http://schemas.microsoft.com/office/drawing/2014/main" xmlns="" id="{1172879B-889D-0C2F-EEA8-003E6793F36F}"/>
+                  <a16:creationId xmlns:a16="http://schemas.microsoft.com/office/drawing/2014/main" id="{1172879B-889D-0C2F-EEA8-003E6793F36F}"/>
                 </a:ext>
               </a:extLst>
             </p:cNvPr>
@@ -7993,7 +7993,7 @@
             <p:cNvPr id="60" name="직선 연결선 59">
               <a:extLst>
                 <a:ext uri="{FF2B5EF4-FFF2-40B4-BE49-F238E27FC236}">
-                  <a16:creationId xmlns:a16="http://schemas.microsoft.com/office/drawing/2014/main" xmlns="" id="{1172879B-889D-0C2F-EEA8-003E6793F36F}"/>
+                  <a16:creationId xmlns:a16="http://schemas.microsoft.com/office/drawing/2014/main" id="{1172879B-889D-0C2F-EEA8-003E6793F36F}"/>
                 </a:ext>
               </a:extLst>
             </p:cNvPr>
@@ -8037,7 +8037,7 @@
           <p:cNvPr id="61" name="직선 연결선 60">
             <a:extLst>
               <a:ext uri="{FF2B5EF4-FFF2-40B4-BE49-F238E27FC236}">
-                <a16:creationId xmlns:a16="http://schemas.microsoft.com/office/drawing/2014/main" xmlns="" id="{466D5656-813B-296D-F08F-2E57C8EBA1E1}"/>
+                <a16:creationId xmlns:a16="http://schemas.microsoft.com/office/drawing/2014/main" id="{466D5656-813B-296D-F08F-2E57C8EBA1E1}"/>
               </a:ext>
             </a:extLst>
           </p:cNvPr>
@@ -8121,7 +8121,7 @@
           <p:cNvPr id="2" name="TextBox 1">
             <a:extLst>
               <a:ext uri="{FF2B5EF4-FFF2-40B4-BE49-F238E27FC236}">
-                <a16:creationId xmlns:a16="http://schemas.microsoft.com/office/drawing/2014/main" xmlns="" id="{A92A45D9-B960-EF50-398E-26A3F43BF41A}"/>
+                <a16:creationId xmlns:a16="http://schemas.microsoft.com/office/drawing/2014/main" id="{A92A45D9-B960-EF50-398E-26A3F43BF41A}"/>
               </a:ext>
             </a:extLst>
           </p:cNvPr>
@@ -8169,7 +8169,7 @@
           <p:cNvPr id="15" name="TextBox 14">
             <a:extLst>
               <a:ext uri="{FF2B5EF4-FFF2-40B4-BE49-F238E27FC236}">
-                <a16:creationId xmlns:a16="http://schemas.microsoft.com/office/drawing/2014/main" xmlns="" id="{DED376BB-F528-3894-1736-C0627338EE98}"/>
+                <a16:creationId xmlns:a16="http://schemas.microsoft.com/office/drawing/2014/main" id="{DED376BB-F528-3894-1736-C0627338EE98}"/>
               </a:ext>
             </a:extLst>
           </p:cNvPr>
@@ -14483,7 +14483,7 @@
           <p:cNvPr id="4" name="그룹 1018">
             <a:extLst>
               <a:ext uri="{FF2B5EF4-FFF2-40B4-BE49-F238E27FC236}">
-                <a16:creationId xmlns:a16="http://schemas.microsoft.com/office/drawing/2014/main" xmlns="" id="{0C5247D1-E285-7CDC-25F8-F1ABCDE304BE}"/>
+                <a16:creationId xmlns:a16="http://schemas.microsoft.com/office/drawing/2014/main" id="{0C5247D1-E285-7CDC-25F8-F1ABCDE304BE}"/>
               </a:ext>
             </a:extLst>
           </p:cNvPr>
@@ -14503,7 +14503,7 @@
             <p:cNvPr id="5" name="Object 61">
               <a:extLst>
                 <a:ext uri="{FF2B5EF4-FFF2-40B4-BE49-F238E27FC236}">
-                  <a16:creationId xmlns:a16="http://schemas.microsoft.com/office/drawing/2014/main" xmlns="" id="{29C480AF-46D1-D9A5-6C87-226E5620D948}"/>
+                  <a16:creationId xmlns:a16="http://schemas.microsoft.com/office/drawing/2014/main" id="{29C480AF-46D1-D9A5-6C87-226E5620D948}"/>
                 </a:ext>
               </a:extLst>
             </p:cNvPr>
@@ -14534,7 +14534,7 @@
           <p:cNvPr id="6" name="그룹 1018">
             <a:extLst>
               <a:ext uri="{FF2B5EF4-FFF2-40B4-BE49-F238E27FC236}">
-                <a16:creationId xmlns:a16="http://schemas.microsoft.com/office/drawing/2014/main" xmlns="" id="{F53BC57C-78A5-6AFC-CB34-7E3FD29B339F}"/>
+                <a16:creationId xmlns:a16="http://schemas.microsoft.com/office/drawing/2014/main" id="{F53BC57C-78A5-6AFC-CB34-7E3FD29B339F}"/>
               </a:ext>
             </a:extLst>
           </p:cNvPr>
@@ -14554,7 +14554,7 @@
             <p:cNvPr id="7" name="Object 61">
               <a:extLst>
                 <a:ext uri="{FF2B5EF4-FFF2-40B4-BE49-F238E27FC236}">
-                  <a16:creationId xmlns:a16="http://schemas.microsoft.com/office/drawing/2014/main" xmlns="" id="{E6F73685-14E5-06A9-813C-1C372BD6F4DE}"/>
+                  <a16:creationId xmlns:a16="http://schemas.microsoft.com/office/drawing/2014/main" id="{E6F73685-14E5-06A9-813C-1C372BD6F4DE}"/>
                 </a:ext>
               </a:extLst>
             </p:cNvPr>
@@ -14585,7 +14585,7 @@
           <p:cNvPr id="11" name="직선 연결선 10">
             <a:extLst>
               <a:ext uri="{FF2B5EF4-FFF2-40B4-BE49-F238E27FC236}">
-                <a16:creationId xmlns:a16="http://schemas.microsoft.com/office/drawing/2014/main" xmlns="" id="{466D5656-813B-296D-F08F-2E57C8EBA1E1}"/>
+                <a16:creationId xmlns:a16="http://schemas.microsoft.com/office/drawing/2014/main" id="{466D5656-813B-296D-F08F-2E57C8EBA1E1}"/>
               </a:ext>
             </a:extLst>
           </p:cNvPr>
@@ -14628,7 +14628,7 @@
           <p:cNvPr id="13" name="그룹 1018">
             <a:extLst>
               <a:ext uri="{FF2B5EF4-FFF2-40B4-BE49-F238E27FC236}">
-                <a16:creationId xmlns:a16="http://schemas.microsoft.com/office/drawing/2014/main" xmlns="" id="{6422EA0E-12C8-4264-ABC7-17F8CE933867}"/>
+                <a16:creationId xmlns:a16="http://schemas.microsoft.com/office/drawing/2014/main" id="{6422EA0E-12C8-4264-ABC7-17F8CE933867}"/>
               </a:ext>
             </a:extLst>
           </p:cNvPr>
@@ -14648,7 +14648,7 @@
             <p:cNvPr id="14" name="Object 61">
               <a:extLst>
                 <a:ext uri="{FF2B5EF4-FFF2-40B4-BE49-F238E27FC236}">
-                  <a16:creationId xmlns:a16="http://schemas.microsoft.com/office/drawing/2014/main" xmlns="" id="{B8EE3D0F-6DDF-413D-3D54-0B0C4905D65D}"/>
+                  <a16:creationId xmlns:a16="http://schemas.microsoft.com/office/drawing/2014/main" id="{B8EE3D0F-6DDF-413D-3D54-0B0C4905D65D}"/>
                 </a:ext>
               </a:extLst>
             </p:cNvPr>
@@ -14679,7 +14679,7 @@
           <p:cNvPr id="15" name="그룹 1018">
             <a:extLst>
               <a:ext uri="{FF2B5EF4-FFF2-40B4-BE49-F238E27FC236}">
-                <a16:creationId xmlns:a16="http://schemas.microsoft.com/office/drawing/2014/main" xmlns="" id="{11F8DF7C-F95F-B0B5-FC7F-85E369D002C6}"/>
+                <a16:creationId xmlns:a16="http://schemas.microsoft.com/office/drawing/2014/main" id="{11F8DF7C-F95F-B0B5-FC7F-85E369D002C6}"/>
               </a:ext>
             </a:extLst>
           </p:cNvPr>
@@ -14699,7 +14699,7 @@
             <p:cNvPr id="16" name="Object 61">
               <a:extLst>
                 <a:ext uri="{FF2B5EF4-FFF2-40B4-BE49-F238E27FC236}">
-                  <a16:creationId xmlns:a16="http://schemas.microsoft.com/office/drawing/2014/main" xmlns="" id="{B8B15D9F-D5FD-93DD-D076-037E1D6FFEC7}"/>
+                  <a16:creationId xmlns:a16="http://schemas.microsoft.com/office/drawing/2014/main" id="{B8B15D9F-D5FD-93DD-D076-037E1D6FFEC7}"/>
                 </a:ext>
               </a:extLst>
             </p:cNvPr>
@@ -14730,7 +14730,7 @@
           <p:cNvPr id="17" name="직선 연결선 16">
             <a:extLst>
               <a:ext uri="{FF2B5EF4-FFF2-40B4-BE49-F238E27FC236}">
-                <a16:creationId xmlns:a16="http://schemas.microsoft.com/office/drawing/2014/main" xmlns="" id="{450E9148-0C3A-3B85-23E5-E1D1C0997659}"/>
+                <a16:creationId xmlns:a16="http://schemas.microsoft.com/office/drawing/2014/main" id="{450E9148-0C3A-3B85-23E5-E1D1C0997659}"/>
               </a:ext>
             </a:extLst>
           </p:cNvPr>
@@ -14774,7 +14774,7 @@
           <p:cNvPr id="20" name="TextBox 19">
             <a:extLst>
               <a:ext uri="{FF2B5EF4-FFF2-40B4-BE49-F238E27FC236}">
-                <a16:creationId xmlns:a16="http://schemas.microsoft.com/office/drawing/2014/main" xmlns="" id="{A06D4055-10A8-4A24-5EDC-0761473BA40F}"/>
+                <a16:creationId xmlns:a16="http://schemas.microsoft.com/office/drawing/2014/main" id="{A06D4055-10A8-4A24-5EDC-0761473BA40F}"/>
               </a:ext>
             </a:extLst>
           </p:cNvPr>
@@ -14818,7 +14818,7 @@
           <p:cNvPr id="21" name="TextBox 20">
             <a:extLst>
               <a:ext uri="{FF2B5EF4-FFF2-40B4-BE49-F238E27FC236}">
-                <a16:creationId xmlns:a16="http://schemas.microsoft.com/office/drawing/2014/main" xmlns="" id="{044C5ACF-17B6-5920-7904-E16248F54A6A}"/>
+                <a16:creationId xmlns:a16="http://schemas.microsoft.com/office/drawing/2014/main" id="{044C5ACF-17B6-5920-7904-E16248F54A6A}"/>
               </a:ext>
             </a:extLst>
           </p:cNvPr>
@@ -14862,7 +14862,7 @@
           <p:cNvPr id="22" name="TextBox 21">
             <a:extLst>
               <a:ext uri="{FF2B5EF4-FFF2-40B4-BE49-F238E27FC236}">
-                <a16:creationId xmlns:a16="http://schemas.microsoft.com/office/drawing/2014/main" xmlns="" id="{A7091AF6-2AB0-08A8-8A31-E96D2EBC6A65}"/>
+                <a16:creationId xmlns:a16="http://schemas.microsoft.com/office/drawing/2014/main" id="{A7091AF6-2AB0-08A8-8A31-E96D2EBC6A65}"/>
               </a:ext>
             </a:extLst>
           </p:cNvPr>
@@ -14906,7 +14906,7 @@
           <p:cNvPr id="23" name="TextBox 22">
             <a:extLst>
               <a:ext uri="{FF2B5EF4-FFF2-40B4-BE49-F238E27FC236}">
-                <a16:creationId xmlns:a16="http://schemas.microsoft.com/office/drawing/2014/main" xmlns="" id="{101E227B-A9BD-20A0-66DD-A013FA376D02}"/>
+                <a16:creationId xmlns:a16="http://schemas.microsoft.com/office/drawing/2014/main" id="{101E227B-A9BD-20A0-66DD-A013FA376D02}"/>
               </a:ext>
             </a:extLst>
           </p:cNvPr>
@@ -14964,7 +14964,7 @@
             <p:cNvPr id="9" name="직선 연결선 8">
               <a:extLst>
                 <a:ext uri="{FF2B5EF4-FFF2-40B4-BE49-F238E27FC236}">
-                  <a16:creationId xmlns:a16="http://schemas.microsoft.com/office/drawing/2014/main" xmlns="" id="{1172879B-889D-0C2F-EEA8-003E6793F36F}"/>
+                  <a16:creationId xmlns:a16="http://schemas.microsoft.com/office/drawing/2014/main" id="{1172879B-889D-0C2F-EEA8-003E6793F36F}"/>
                 </a:ext>
               </a:extLst>
             </p:cNvPr>
@@ -15007,7 +15007,7 @@
             <p:cNvPr id="24" name="직선 연결선 23">
               <a:extLst>
                 <a:ext uri="{FF2B5EF4-FFF2-40B4-BE49-F238E27FC236}">
-                  <a16:creationId xmlns:a16="http://schemas.microsoft.com/office/drawing/2014/main" xmlns="" id="{1172879B-889D-0C2F-EEA8-003E6793F36F}"/>
+                  <a16:creationId xmlns:a16="http://schemas.microsoft.com/office/drawing/2014/main" id="{1172879B-889D-0C2F-EEA8-003E6793F36F}"/>
                 </a:ext>
               </a:extLst>
             </p:cNvPr>
@@ -15050,7 +15050,7 @@
             <p:cNvPr id="25" name="직선 연결선 24">
               <a:extLst>
                 <a:ext uri="{FF2B5EF4-FFF2-40B4-BE49-F238E27FC236}">
-                  <a16:creationId xmlns:a16="http://schemas.microsoft.com/office/drawing/2014/main" xmlns="" id="{1172879B-889D-0C2F-EEA8-003E6793F36F}"/>
+                  <a16:creationId xmlns:a16="http://schemas.microsoft.com/office/drawing/2014/main" id="{1172879B-889D-0C2F-EEA8-003E6793F36F}"/>
                 </a:ext>
               </a:extLst>
             </p:cNvPr>
@@ -15093,7 +15093,7 @@
             <p:cNvPr id="30" name="직선 연결선 29">
               <a:extLst>
                 <a:ext uri="{FF2B5EF4-FFF2-40B4-BE49-F238E27FC236}">
-                  <a16:creationId xmlns:a16="http://schemas.microsoft.com/office/drawing/2014/main" xmlns="" id="{1172879B-889D-0C2F-EEA8-003E6793F36F}"/>
+                  <a16:creationId xmlns:a16="http://schemas.microsoft.com/office/drawing/2014/main" id="{1172879B-889D-0C2F-EEA8-003E6793F36F}"/>
                 </a:ext>
               </a:extLst>
             </p:cNvPr>
@@ -15137,7 +15137,7 @@
           <p:cNvPr id="2" name="TextBox 1">
             <a:extLst>
               <a:ext uri="{FF2B5EF4-FFF2-40B4-BE49-F238E27FC236}">
-                <a16:creationId xmlns:a16="http://schemas.microsoft.com/office/drawing/2014/main" xmlns="" id="{06954172-7EF0-CE8C-73EC-25E928EC1B7D}"/>
+                <a16:creationId xmlns:a16="http://schemas.microsoft.com/office/drawing/2014/main" id="{06954172-7EF0-CE8C-73EC-25E928EC1B7D}"/>
               </a:ext>
             </a:extLst>
           </p:cNvPr>
@@ -15185,7 +15185,7 @@
           <p:cNvPr id="3" name="직사각형 2">
             <a:extLst>
               <a:ext uri="{FF2B5EF4-FFF2-40B4-BE49-F238E27FC236}">
-                <a16:creationId xmlns:a16="http://schemas.microsoft.com/office/drawing/2014/main" xmlns="" id="{29F1D9FA-D3AF-5E6D-24AC-E65D22A0D7A0}"/>
+                <a16:creationId xmlns:a16="http://schemas.microsoft.com/office/drawing/2014/main" id="{29F1D9FA-D3AF-5E6D-24AC-E65D22A0D7A0}"/>
               </a:ext>
             </a:extLst>
           </p:cNvPr>
@@ -15237,7 +15237,7 @@
           <p:cNvPr id="8" name="TextBox 7">
             <a:extLst>
               <a:ext uri="{FF2B5EF4-FFF2-40B4-BE49-F238E27FC236}">
-                <a16:creationId xmlns:a16="http://schemas.microsoft.com/office/drawing/2014/main" xmlns="" id="{3CDC1150-AB9C-B8B4-624C-8B864CBAC5DD}"/>
+                <a16:creationId xmlns:a16="http://schemas.microsoft.com/office/drawing/2014/main" id="{3CDC1150-AB9C-B8B4-624C-8B864CBAC5DD}"/>
               </a:ext>
             </a:extLst>
           </p:cNvPr>
@@ -15611,7 +15611,7 @@
           <p:cNvPr id="10" name="직사각형 9">
             <a:extLst>
               <a:ext uri="{FF2B5EF4-FFF2-40B4-BE49-F238E27FC236}">
-                <a16:creationId xmlns:a16="http://schemas.microsoft.com/office/drawing/2014/main" xmlns="" id="{361FA442-8171-4EBF-65A2-19C90654959D}"/>
+                <a16:creationId xmlns:a16="http://schemas.microsoft.com/office/drawing/2014/main" id="{361FA442-8171-4EBF-65A2-19C90654959D}"/>
               </a:ext>
             </a:extLst>
           </p:cNvPr>
@@ -15620,7 +15620,7 @@
         </p:nvSpPr>
         <p:spPr>
           <a:xfrm>
-            <a:off x="1457357" y="7493190"/>
+            <a:off x="1447799" y="7564420"/>
             <a:ext cx="15240000" cy="2427429"/>
           </a:xfrm>
           <a:prstGeom prst="rect">
@@ -15663,7 +15663,7 @@
           <p:cNvPr id="12" name="TextBox 11">
             <a:extLst>
               <a:ext uri="{FF2B5EF4-FFF2-40B4-BE49-F238E27FC236}">
-                <a16:creationId xmlns:a16="http://schemas.microsoft.com/office/drawing/2014/main" xmlns="" id="{909B8AE9-459C-C458-C52F-C85F69813361}"/>
+                <a16:creationId xmlns:a16="http://schemas.microsoft.com/office/drawing/2014/main" id="{909B8AE9-459C-C458-C52F-C85F69813361}"/>
               </a:ext>
             </a:extLst>
           </p:cNvPr>
@@ -21534,7 +21534,7 @@
           <p:cNvPr id="4" name="TextBox 3">
             <a:extLst>
               <a:ext uri="{FF2B5EF4-FFF2-40B4-BE49-F238E27FC236}">
-                <a16:creationId xmlns:a16="http://schemas.microsoft.com/office/drawing/2014/main" xmlns="" id="{69196D22-2A4C-4EF6-5A42-2031D7FEF549}"/>
+                <a16:creationId xmlns:a16="http://schemas.microsoft.com/office/drawing/2014/main" id="{69196D22-2A4C-4EF6-5A42-2031D7FEF549}"/>
               </a:ext>
             </a:extLst>
           </p:cNvPr>
@@ -21582,7 +21582,7 @@
           <p:cNvPr id="5" name="직선 연결선 4">
             <a:extLst>
               <a:ext uri="{FF2B5EF4-FFF2-40B4-BE49-F238E27FC236}">
-                <a16:creationId xmlns:a16="http://schemas.microsoft.com/office/drawing/2014/main" xmlns="" id="{DDFA97EB-659B-5D0A-D41B-496A6FF66D9E}"/>
+                <a16:creationId xmlns:a16="http://schemas.microsoft.com/office/drawing/2014/main" id="{DDFA97EB-659B-5D0A-D41B-496A6FF66D9E}"/>
               </a:ext>
             </a:extLst>
           </p:cNvPr>
@@ -21625,7 +21625,7 @@
           <p:cNvPr id="6" name="TextBox 5">
             <a:extLst>
               <a:ext uri="{FF2B5EF4-FFF2-40B4-BE49-F238E27FC236}">
-                <a16:creationId xmlns:a16="http://schemas.microsoft.com/office/drawing/2014/main" xmlns="" id="{B1C05CB3-45A9-FA20-A8E0-BE6F095B8777}"/>
+                <a16:creationId xmlns:a16="http://schemas.microsoft.com/office/drawing/2014/main" id="{B1C05CB3-45A9-FA20-A8E0-BE6F095B8777}"/>
               </a:ext>
             </a:extLst>
           </p:cNvPr>
@@ -21742,7 +21742,7 @@
           <p:cNvPr id="4" name="TextBox 3">
             <a:extLst>
               <a:ext uri="{FF2B5EF4-FFF2-40B4-BE49-F238E27FC236}">
-                <a16:creationId xmlns="" xmlns:a16="http://schemas.microsoft.com/office/drawing/2014/main" id="{33E68E04-890B-B287-E047-0CFC11F77DDA}"/>
+                <a16:creationId xmlns:a16="http://schemas.microsoft.com/office/drawing/2014/main" id="{33E68E04-890B-B287-E047-0CFC11F77DDA}"/>
               </a:ext>
             </a:extLst>
           </p:cNvPr>
@@ -21813,7 +21813,7 @@
           <p:cNvPr id="5" name="직선 연결선 4">
             <a:extLst>
               <a:ext uri="{FF2B5EF4-FFF2-40B4-BE49-F238E27FC236}">
-                <a16:creationId xmlns="" xmlns:a16="http://schemas.microsoft.com/office/drawing/2014/main" id="{B61CE585-454C-C4A8-2837-19A77F2941CE}"/>
+                <a16:creationId xmlns:a16="http://schemas.microsoft.com/office/drawing/2014/main" id="{B61CE585-454C-C4A8-2837-19A77F2941CE}"/>
               </a:ext>
             </a:extLst>
           </p:cNvPr>

--- a/JavaLecture/LectureFile/샘플.pptx
+++ b/JavaLecture/LectureFile/샘플.pptx
@@ -232,7 +232,7 @@
           <a:p>
             <a:fld id="{3377703C-7B6A-4662-85EE-2E5A30469F49}" type="datetimeFigureOut">
               <a:rPr lang="ko-KR" altLang="en-US" smtClean="0"/>
-              <a:t>2024-03-16 Saturday</a:t>
+              <a:t>2024-03-20 Wednesday</a:t>
             </a:fld>
             <a:endParaRPr lang="ko-KR" altLang="en-US"/>
           </a:p>
@@ -762,7 +762,7 @@
           <a:p>
             <a:fld id="{F8166F1F-CE9B-4651-A6AA-CD717754106B}" type="datetimeFigureOut">
               <a:rPr lang="en-US" smtClean="0"/>
-              <a:t>3/16/2024</a:t>
+              <a:t>3/20/2024</a:t>
             </a:fld>
             <a:endParaRPr lang="en-US"/>
           </a:p>
@@ -925,7 +925,7 @@
           <a:p>
             <a:fld id="{A76116CE-C4A3-4A05-B2D7-7C2E9A889C0F}" type="datetimeFigureOut">
               <a:rPr lang="en-US" smtClean="0"/>
-              <a:t>3/16/2024</a:t>
+              <a:t>3/20/2024</a:t>
             </a:fld>
             <a:endParaRPr lang="en-US"/>
           </a:p>
@@ -1098,7 +1098,7 @@
           <a:p>
             <a:fld id="{A76116CE-C4A3-4A05-B2D7-7C2E9A889C0F}" type="datetimeFigureOut">
               <a:rPr lang="en-US" smtClean="0"/>
-              <a:t>3/16/2024</a:t>
+              <a:t>3/20/2024</a:t>
             </a:fld>
             <a:endParaRPr lang="en-US"/>
           </a:p>
@@ -1263,7 +1263,7 @@
           <a:p>
             <a:fld id="{A76116CE-C4A3-4A05-B2D7-7C2E9A889C0F}" type="datetimeFigureOut">
               <a:rPr lang="en-US" smtClean="0"/>
-              <a:t>3/16/2024</a:t>
+              <a:t>3/20/2024</a:t>
             </a:fld>
             <a:endParaRPr lang="en-US"/>
           </a:p>
@@ -1503,7 +1503,7 @@
           <a:p>
             <a:fld id="{A76116CE-C4A3-4A05-B2D7-7C2E9A889C0F}" type="datetimeFigureOut">
               <a:rPr lang="en-US" smtClean="0"/>
-              <a:t>3/16/2024</a:t>
+              <a:t>3/20/2024</a:t>
             </a:fld>
             <a:endParaRPr lang="en-US"/>
           </a:p>
@@ -1783,7 +1783,7 @@
           <a:p>
             <a:fld id="{A76116CE-C4A3-4A05-B2D7-7C2E9A889C0F}" type="datetimeFigureOut">
               <a:rPr lang="en-US" smtClean="0"/>
-              <a:t>3/16/2024</a:t>
+              <a:t>3/20/2024</a:t>
             </a:fld>
             <a:endParaRPr lang="en-US"/>
           </a:p>
@@ -2197,7 +2197,7 @@
           <a:p>
             <a:fld id="{A76116CE-C4A3-4A05-B2D7-7C2E9A889C0F}" type="datetimeFigureOut">
               <a:rPr lang="en-US" smtClean="0"/>
-              <a:t>3/16/2024</a:t>
+              <a:t>3/20/2024</a:t>
             </a:fld>
             <a:endParaRPr lang="en-US"/>
           </a:p>
@@ -2309,7 +2309,7 @@
           <a:p>
             <a:fld id="{A76116CE-C4A3-4A05-B2D7-7C2E9A889C0F}" type="datetimeFigureOut">
               <a:rPr lang="en-US" smtClean="0"/>
-              <a:t>3/16/2024</a:t>
+              <a:t>3/20/2024</a:t>
             </a:fld>
             <a:endParaRPr lang="en-US"/>
           </a:p>
@@ -2399,7 +2399,7 @@
           <a:p>
             <a:fld id="{A76116CE-C4A3-4A05-B2D7-7C2E9A889C0F}" type="datetimeFigureOut">
               <a:rPr lang="en-US" smtClean="0"/>
-              <a:t>3/16/2024</a:t>
+              <a:t>3/20/2024</a:t>
             </a:fld>
             <a:endParaRPr lang="en-US"/>
           </a:p>
@@ -2669,7 +2669,7 @@
           <a:p>
             <a:fld id="{A76116CE-C4A3-4A05-B2D7-7C2E9A889C0F}" type="datetimeFigureOut">
               <a:rPr lang="en-US" smtClean="0"/>
-              <a:t>3/16/2024</a:t>
+              <a:t>3/20/2024</a:t>
             </a:fld>
             <a:endParaRPr lang="en-US"/>
           </a:p>
@@ -2916,7 +2916,7 @@
           <a:p>
             <a:fld id="{A76116CE-C4A3-4A05-B2D7-7C2E9A889C0F}" type="datetimeFigureOut">
               <a:rPr lang="en-US" smtClean="0"/>
-              <a:t>3/16/2024</a:t>
+              <a:t>3/20/2024</a:t>
             </a:fld>
             <a:endParaRPr lang="en-US"/>
           </a:p>
@@ -3122,7 +3122,7 @@
           <a:p>
             <a:fld id="{F8166F1F-CE9B-4651-A6AA-CD717754106B}" type="datetimeFigureOut">
               <a:rPr lang="en-US" smtClean="0"/>
-              <a:t>3/16/2024</a:t>
+              <a:t>3/20/2024</a:t>
             </a:fld>
             <a:endParaRPr lang="en-US"/>
           </a:p>
@@ -21544,7 +21544,7 @@
         <p:spPr>
           <a:xfrm>
             <a:off x="304800" y="114300"/>
-            <a:ext cx="4343400" cy="923330"/>
+            <a:ext cx="14325600" cy="923330"/>
           </a:xfrm>
           <a:prstGeom prst="rect">
             <a:avLst/>
